--- a/slides/3_Laplace.pptx
+++ b/slides/3_Laplace.pptx
@@ -490,7 +490,7 @@
           <a:p>
             <a:fld id="{506E0FD1-891F-4B1E-916D-E9B585160BB8}" type="datetimeFigureOut">
               <a:rPr lang="en-GB" smtClean="0"/>
-              <a:t>24/01/2026</a:t>
+              <a:t>29/01/2026</a:t>
             </a:fld>
             <a:endParaRPr lang="en-GB"/>
           </a:p>
@@ -907,7 +907,7 @@
           <a:p>
             <a:fld id="{D68C3F22-27B2-44E3-9C5F-D08126455F6F}" type="datetime1">
               <a:rPr lang="en-GB" smtClean="0"/>
-              <a:t>24/01/2026</a:t>
+              <a:t>29/01/2026</a:t>
             </a:fld>
             <a:endParaRPr lang="en-GB"/>
           </a:p>
@@ -1107,7 +1107,7 @@
           <a:p>
             <a:fld id="{1CD03846-7BF6-4FB6-A921-FF3379ADBD4C}" type="datetime1">
               <a:rPr lang="en-GB" smtClean="0"/>
-              <a:t>24/01/2026</a:t>
+              <a:t>29/01/2026</a:t>
             </a:fld>
             <a:endParaRPr lang="en-GB"/>
           </a:p>
@@ -1317,7 +1317,7 @@
           <a:p>
             <a:fld id="{99E1B91A-3FD0-4144-9C84-63E9688ED2FE}" type="datetime1">
               <a:rPr lang="en-GB" smtClean="0"/>
-              <a:t>24/01/2026</a:t>
+              <a:t>29/01/2026</a:t>
             </a:fld>
             <a:endParaRPr lang="en-GB"/>
           </a:p>
@@ -1517,7 +1517,7 @@
           <a:p>
             <a:fld id="{5295ED7B-FEAD-4734-819F-93EF4B0EA908}" type="datetime1">
               <a:rPr lang="en-GB" smtClean="0"/>
-              <a:t>24/01/2026</a:t>
+              <a:t>29/01/2026</a:t>
             </a:fld>
             <a:endParaRPr lang="en-GB"/>
           </a:p>
@@ -1793,7 +1793,7 @@
           <a:p>
             <a:fld id="{D2D5D4B4-C926-4B45-8815-1ED8911179A2}" type="datetime1">
               <a:rPr lang="en-GB" smtClean="0"/>
-              <a:t>24/01/2026</a:t>
+              <a:t>29/01/2026</a:t>
             </a:fld>
             <a:endParaRPr lang="en-GB"/>
           </a:p>
@@ -2061,7 +2061,7 @@
           <a:p>
             <a:fld id="{B4C5210A-0E37-4935-93AF-69F21A5F712F}" type="datetime1">
               <a:rPr lang="en-GB" smtClean="0"/>
-              <a:t>24/01/2026</a:t>
+              <a:t>29/01/2026</a:t>
             </a:fld>
             <a:endParaRPr lang="en-GB"/>
           </a:p>
@@ -2476,7 +2476,7 @@
           <a:p>
             <a:fld id="{3D3A6B2F-436C-4691-80E8-9C890E000E9D}" type="datetime1">
               <a:rPr lang="en-GB" smtClean="0"/>
-              <a:t>24/01/2026</a:t>
+              <a:t>29/01/2026</a:t>
             </a:fld>
             <a:endParaRPr lang="en-GB"/>
           </a:p>
@@ -2618,7 +2618,7 @@
           <a:p>
             <a:fld id="{84385F4C-D74B-496F-8D21-97E3549C783B}" type="datetime1">
               <a:rPr lang="en-GB" smtClean="0"/>
-              <a:t>24/01/2026</a:t>
+              <a:t>29/01/2026</a:t>
             </a:fld>
             <a:endParaRPr lang="en-GB"/>
           </a:p>
@@ -2731,7 +2731,7 @@
           <a:p>
             <a:fld id="{0CBDCB32-C241-4703-A832-4EB47BD54E83}" type="datetime1">
               <a:rPr lang="en-GB" smtClean="0"/>
-              <a:t>24/01/2026</a:t>
+              <a:t>29/01/2026</a:t>
             </a:fld>
             <a:endParaRPr lang="en-GB"/>
           </a:p>
@@ -3044,7 +3044,7 @@
           <a:p>
             <a:fld id="{85C150FF-BE95-4D25-A16A-E368A81CBF24}" type="datetime1">
               <a:rPr lang="en-GB" smtClean="0"/>
-              <a:t>24/01/2026</a:t>
+              <a:t>29/01/2026</a:t>
             </a:fld>
             <a:endParaRPr lang="en-GB"/>
           </a:p>
@@ -3333,7 +3333,7 @@
           <a:p>
             <a:fld id="{F3C5DB4B-B349-43C9-A424-BADA723AD9F1}" type="datetime1">
               <a:rPr lang="en-GB" smtClean="0"/>
-              <a:t>24/01/2026</a:t>
+              <a:t>29/01/2026</a:t>
             </a:fld>
             <a:endParaRPr lang="en-GB"/>
           </a:p>
@@ -3576,7 +3576,7 @@
           <a:p>
             <a:fld id="{12632426-0A0C-405F-A3D0-2D11AA44702A}" type="datetime1">
               <a:rPr lang="en-GB" smtClean="0"/>
-              <a:t>24/01/2026</a:t>
+              <a:t>29/01/2026</a:t>
             </a:fld>
             <a:endParaRPr lang="en-GB"/>
           </a:p>
@@ -4731,15 +4731,7 @@
             </a:pPr>
             <a:r>
               <a:rPr lang="de-DE" dirty="0"/>
-              <a:t>Systems, </a:t>
-            </a:r>
-            <a:r>
-              <a:rPr lang="de-DE" dirty="0" err="1"/>
-              <a:t>Processes</a:t>
-            </a:r>
-            <a:r>
-              <a:rPr lang="de-DE" dirty="0"/>
-              <a:t>, Models</a:t>
+              <a:t>Systems</a:t>
             </a:r>
           </a:p>
           <a:p>

--- a/slides/3_Laplace.pptx
+++ b/slides/3_Laplace.pptx
@@ -5,21 +5,24 @@
     <p:sldMasterId id="2147483648" r:id="rId1"/>
   </p:sldMasterIdLst>
   <p:notesMasterIdLst>
-    <p:notesMasterId r:id="rId14"/>
+    <p:notesMasterId r:id="rId17"/>
   </p:notesMasterIdLst>
   <p:sldIdLst>
     <p:sldId id="256" r:id="rId2"/>
     <p:sldId id="265" r:id="rId3"/>
     <p:sldId id="266" r:id="rId4"/>
     <p:sldId id="267" r:id="rId5"/>
-    <p:sldId id="268" r:id="rId6"/>
-    <p:sldId id="269" r:id="rId7"/>
-    <p:sldId id="270" r:id="rId8"/>
-    <p:sldId id="271" r:id="rId9"/>
-    <p:sldId id="272" r:id="rId10"/>
-    <p:sldId id="273" r:id="rId11"/>
-    <p:sldId id="274" r:id="rId12"/>
-    <p:sldId id="275" r:id="rId13"/>
+    <p:sldId id="276" r:id="rId6"/>
+    <p:sldId id="278" r:id="rId7"/>
+    <p:sldId id="268" r:id="rId8"/>
+    <p:sldId id="269" r:id="rId9"/>
+    <p:sldId id="279" r:id="rId10"/>
+    <p:sldId id="270" r:id="rId11"/>
+    <p:sldId id="271" r:id="rId12"/>
+    <p:sldId id="272" r:id="rId13"/>
+    <p:sldId id="273" r:id="rId14"/>
+    <p:sldId id="274" r:id="rId15"/>
+    <p:sldId id="275" r:id="rId16"/>
   </p:sldIdLst>
   <p:sldSz cx="12192000" cy="6858000"/>
   <p:notesSz cx="6858000" cy="9144000"/>
@@ -490,7 +493,7 @@
           <a:p>
             <a:fld id="{506E0FD1-891F-4B1E-916D-E9B585160BB8}" type="datetimeFigureOut">
               <a:rPr lang="en-GB" smtClean="0"/>
-              <a:t>29/01/2026</a:t>
+              <a:t>04/02/2026</a:t>
             </a:fld>
             <a:endParaRPr lang="en-GB"/>
           </a:p>
@@ -907,7 +910,7 @@
           <a:p>
             <a:fld id="{D68C3F22-27B2-44E3-9C5F-D08126455F6F}" type="datetime1">
               <a:rPr lang="en-GB" smtClean="0"/>
-              <a:t>29/01/2026</a:t>
+              <a:t>04/02/2026</a:t>
             </a:fld>
             <a:endParaRPr lang="en-GB"/>
           </a:p>
@@ -1107,7 +1110,7 @@
           <a:p>
             <a:fld id="{1CD03846-7BF6-4FB6-A921-FF3379ADBD4C}" type="datetime1">
               <a:rPr lang="en-GB" smtClean="0"/>
-              <a:t>29/01/2026</a:t>
+              <a:t>04/02/2026</a:t>
             </a:fld>
             <a:endParaRPr lang="en-GB"/>
           </a:p>
@@ -1317,7 +1320,7 @@
           <a:p>
             <a:fld id="{99E1B91A-3FD0-4144-9C84-63E9688ED2FE}" type="datetime1">
               <a:rPr lang="en-GB" smtClean="0"/>
-              <a:t>29/01/2026</a:t>
+              <a:t>04/02/2026</a:t>
             </a:fld>
             <a:endParaRPr lang="en-GB"/>
           </a:p>
@@ -1517,7 +1520,7 @@
           <a:p>
             <a:fld id="{5295ED7B-FEAD-4734-819F-93EF4B0EA908}" type="datetime1">
               <a:rPr lang="en-GB" smtClean="0"/>
-              <a:t>29/01/2026</a:t>
+              <a:t>04/02/2026</a:t>
             </a:fld>
             <a:endParaRPr lang="en-GB"/>
           </a:p>
@@ -1793,7 +1796,7 @@
           <a:p>
             <a:fld id="{D2D5D4B4-C926-4B45-8815-1ED8911179A2}" type="datetime1">
               <a:rPr lang="en-GB" smtClean="0"/>
-              <a:t>29/01/2026</a:t>
+              <a:t>04/02/2026</a:t>
             </a:fld>
             <a:endParaRPr lang="en-GB"/>
           </a:p>
@@ -2061,7 +2064,7 @@
           <a:p>
             <a:fld id="{B4C5210A-0E37-4935-93AF-69F21A5F712F}" type="datetime1">
               <a:rPr lang="en-GB" smtClean="0"/>
-              <a:t>29/01/2026</a:t>
+              <a:t>04/02/2026</a:t>
             </a:fld>
             <a:endParaRPr lang="en-GB"/>
           </a:p>
@@ -2476,7 +2479,7 @@
           <a:p>
             <a:fld id="{3D3A6B2F-436C-4691-80E8-9C890E000E9D}" type="datetime1">
               <a:rPr lang="en-GB" smtClean="0"/>
-              <a:t>29/01/2026</a:t>
+              <a:t>04/02/2026</a:t>
             </a:fld>
             <a:endParaRPr lang="en-GB"/>
           </a:p>
@@ -2618,7 +2621,7 @@
           <a:p>
             <a:fld id="{84385F4C-D74B-496F-8D21-97E3549C783B}" type="datetime1">
               <a:rPr lang="en-GB" smtClean="0"/>
-              <a:t>29/01/2026</a:t>
+              <a:t>04/02/2026</a:t>
             </a:fld>
             <a:endParaRPr lang="en-GB"/>
           </a:p>
@@ -2731,7 +2734,7 @@
           <a:p>
             <a:fld id="{0CBDCB32-C241-4703-A832-4EB47BD54E83}" type="datetime1">
               <a:rPr lang="en-GB" smtClean="0"/>
-              <a:t>29/01/2026</a:t>
+              <a:t>04/02/2026</a:t>
             </a:fld>
             <a:endParaRPr lang="en-GB"/>
           </a:p>
@@ -3044,7 +3047,7 @@
           <a:p>
             <a:fld id="{85C150FF-BE95-4D25-A16A-E368A81CBF24}" type="datetime1">
               <a:rPr lang="en-GB" smtClean="0"/>
-              <a:t>29/01/2026</a:t>
+              <a:t>04/02/2026</a:t>
             </a:fld>
             <a:endParaRPr lang="en-GB"/>
           </a:p>
@@ -3333,7 +3336,7 @@
           <a:p>
             <a:fld id="{F3C5DB4B-B349-43C9-A424-BADA723AD9F1}" type="datetime1">
               <a:rPr lang="en-GB" smtClean="0"/>
-              <a:t>29/01/2026</a:t>
+              <a:t>04/02/2026</a:t>
             </a:fld>
             <a:endParaRPr lang="en-GB"/>
           </a:p>
@@ -3576,7 +3579,7 @@
           <a:p>
             <a:fld id="{12632426-0A0C-405F-A3D0-2D11AA44702A}" type="datetime1">
               <a:rPr lang="en-GB" smtClean="0"/>
-              <a:t>29/01/2026</a:t>
+              <a:t>04/02/2026</a:t>
             </a:fld>
             <a:endParaRPr lang="en-GB"/>
           </a:p>
@@ -4087,7 +4090,7 @@
           <p:cNvPr id="2" name="Titel 1">
             <a:extLst>
               <a:ext uri="{FF2B5EF4-FFF2-40B4-BE49-F238E27FC236}">
-                <a16:creationId xmlns:a16="http://schemas.microsoft.com/office/drawing/2014/main" id="{404A78D5-067E-21F1-2645-890D26DEFC1F}"/>
+                <a16:creationId xmlns:a16="http://schemas.microsoft.com/office/drawing/2014/main" id="{520F29DE-9238-F98F-4E31-7312DD04222D}"/>
               </a:ext>
             </a:extLst>
           </p:cNvPr>
@@ -4096,6 +4099,66 @@
           </p:cNvSpPr>
           <p:nvPr>
             <p:ph type="title"/>
+          </p:nvPr>
+        </p:nvSpPr>
+        <p:spPr>
+          <a:xfrm>
+            <a:off x="838199" y="365125"/>
+            <a:ext cx="10677041" cy="1325563"/>
+          </a:xfrm>
+        </p:spPr>
+        <p:txBody>
+          <a:bodyPr>
+            <a:normAutofit/>
+          </a:bodyPr>
+          <a:lstStyle/>
+          <a:p>
+            <a:r>
+              <a:rPr lang="de-DE" dirty="0" err="1"/>
+              <a:t>From</a:t>
+            </a:r>
+            <a:r>
+              <a:rPr lang="de-DE" dirty="0"/>
+              <a:t> Differential </a:t>
+            </a:r>
+            <a:r>
+              <a:rPr lang="de-DE" dirty="0" err="1"/>
+              <a:t>Equation</a:t>
+            </a:r>
+            <a:r>
+              <a:rPr lang="de-DE" dirty="0"/>
+              <a:t> </a:t>
+            </a:r>
+            <a:r>
+              <a:rPr lang="de-DE" dirty="0" err="1"/>
+              <a:t>to</a:t>
+            </a:r>
+            <a:r>
+              <a:rPr lang="de-DE" dirty="0"/>
+              <a:t> Transfer </a:t>
+            </a:r>
+            <a:r>
+              <a:rPr lang="de-DE" dirty="0" err="1"/>
+              <a:t>Function</a:t>
+            </a:r>
+            <a:endParaRPr lang="de-DE" dirty="0"/>
+          </a:p>
+        </p:txBody>
+      </p:sp>
+      <p:sp>
+        <p:nvSpPr>
+          <p:cNvPr id="3" name="Inhaltsplatzhalter 2">
+            <a:extLst>
+              <a:ext uri="{FF2B5EF4-FFF2-40B4-BE49-F238E27FC236}">
+                <a16:creationId xmlns:a16="http://schemas.microsoft.com/office/drawing/2014/main" id="{769AB511-EEC8-9C99-5716-6FB6D90C77DC}"/>
+              </a:ext>
+            </a:extLst>
+          </p:cNvPr>
+          <p:cNvSpPr>
+            <a:spLocks noGrp="1"/>
+          </p:cNvSpPr>
+          <p:nvPr>
+            <p:ph idx="1"/>
           </p:nvPr>
         </p:nvSpPr>
         <p:spPr/>
@@ -4105,39 +4168,46 @@
           <a:p>
             <a:r>
               <a:rPr lang="de-DE" dirty="0" err="1"/>
-              <a:t>Frequency</a:t>
+              <a:t>Assume</a:t>
             </a:r>
             <a:r>
               <a:rPr lang="de-DE" dirty="0"/>
-              <a:t> Response</a:t>
-            </a:r>
-          </a:p>
-        </p:txBody>
-      </p:sp>
-      <p:sp>
-        <p:nvSpPr>
-          <p:cNvPr id="3" name="Inhaltsplatzhalter 2">
-            <a:extLst>
-              <a:ext uri="{FF2B5EF4-FFF2-40B4-BE49-F238E27FC236}">
-                <a16:creationId xmlns:a16="http://schemas.microsoft.com/office/drawing/2014/main" id="{CEDEC18C-E4CF-465B-E3BA-BAAD31B5ACD1}"/>
-              </a:ext>
-            </a:extLst>
-          </p:cNvPr>
-          <p:cNvSpPr>
-            <a:spLocks noGrp="1"/>
-          </p:cNvSpPr>
-          <p:nvPr>
-            <p:ph idx="1"/>
-          </p:nvPr>
-        </p:nvSpPr>
-        <p:spPr/>
-        <p:txBody>
-          <a:bodyPr/>
-          <a:lstStyle/>
-          <a:p>
+              <a:t> </a:t>
+            </a:r>
+            <a:r>
+              <a:rPr lang="de-DE" dirty="0" err="1"/>
+              <a:t>zero</a:t>
+            </a:r>
             <a:r>
               <a:rPr lang="de-DE" dirty="0"/>
-              <a:t>Response </a:t>
+              <a:t> initial </a:t>
+            </a:r>
+            <a:r>
+              <a:rPr lang="de-DE" dirty="0" err="1"/>
+              <a:t>conditions</a:t>
+            </a:r>
+            <a:endParaRPr lang="de-DE" dirty="0"/>
+          </a:p>
+          <a:p>
+            <a:r>
+              <a:rPr lang="de-DE" dirty="0"/>
+              <a:t>Ratio </a:t>
+            </a:r>
+            <a:r>
+              <a:rPr lang="de-DE" dirty="0" err="1"/>
+              <a:t>of</a:t>
+            </a:r>
+            <a:r>
+              <a:rPr lang="de-DE" dirty="0"/>
+              <a:t> </a:t>
+            </a:r>
+            <a:r>
+              <a:rPr lang="de-DE" dirty="0" err="1"/>
+              <a:t>output</a:t>
+            </a:r>
+            <a:r>
+              <a:rPr lang="de-DE" dirty="0"/>
+              <a:t> </a:t>
             </a:r>
             <a:r>
               <a:rPr lang="de-DE" dirty="0" err="1"/>
@@ -4149,61 +4219,18 @@
             </a:r>
             <a:r>
               <a:rPr lang="de-DE" dirty="0" err="1"/>
-              <a:t>sinusoidal</a:t>
+              <a:t>input</a:t>
             </a:r>
             <a:r>
               <a:rPr lang="de-DE" dirty="0"/>
-              <a:t> </a:t>
+              <a:t> in Laplace </a:t>
             </a:r>
             <a:r>
               <a:rPr lang="de-DE" dirty="0" err="1"/>
-              <a:t>inputs</a:t>
+              <a:t>domain</a:t>
             </a:r>
             <a:endParaRPr lang="de-DE" dirty="0"/>
           </a:p>
-          <a:p>
-            <a:r>
-              <a:rPr lang="de-DE" dirty="0"/>
-              <a:t>Amplitude and </a:t>
-            </a:r>
-            <a:r>
-              <a:rPr lang="de-DE" dirty="0" err="1"/>
-              <a:t>phase</a:t>
-            </a:r>
-            <a:r>
-              <a:rPr lang="de-DE" dirty="0"/>
-              <a:t> </a:t>
-            </a:r>
-            <a:r>
-              <a:rPr lang="de-DE" dirty="0" err="1"/>
-              <a:t>as</a:t>
-            </a:r>
-            <a:r>
-              <a:rPr lang="de-DE" dirty="0"/>
-              <a:t> </a:t>
-            </a:r>
-            <a:r>
-              <a:rPr lang="de-DE" dirty="0" err="1"/>
-              <a:t>function</a:t>
-            </a:r>
-            <a:r>
-              <a:rPr lang="de-DE" dirty="0"/>
-              <a:t> </a:t>
-            </a:r>
-            <a:r>
-              <a:rPr lang="de-DE" dirty="0" err="1"/>
-              <a:t>of</a:t>
-            </a:r>
-            <a:r>
-              <a:rPr lang="de-DE" dirty="0"/>
-              <a:t> </a:t>
-            </a:r>
-            <a:r>
-              <a:rPr lang="de-DE" dirty="0" err="1"/>
-              <a:t>frequency</a:t>
-            </a:r>
-            <a:endParaRPr lang="de-DE" dirty="0"/>
-          </a:p>
         </p:txBody>
       </p:sp>
       <p:sp>
@@ -4211,7 +4238,7 @@
           <p:cNvPr id="4" name="Foliennummernplatzhalter 3">
             <a:extLst>
               <a:ext uri="{FF2B5EF4-FFF2-40B4-BE49-F238E27FC236}">
-                <a16:creationId xmlns:a16="http://schemas.microsoft.com/office/drawing/2014/main" id="{A9C4FAB9-93C0-FAFE-8178-BA6143807F81}"/>
+                <a16:creationId xmlns:a16="http://schemas.microsoft.com/office/drawing/2014/main" id="{720D94CC-C83A-ADAF-CBC8-434022B692A8}"/>
               </a:ext>
             </a:extLst>
           </p:cNvPr>
@@ -4238,7 +4265,7 @@
     </p:spTree>
     <p:extLst>
       <p:ext uri="{BB962C8B-B14F-4D97-AF65-F5344CB8AC3E}">
-        <p14:creationId xmlns:p14="http://schemas.microsoft.com/office/powerpoint/2010/main" val="1769881994"/>
+        <p14:creationId xmlns:p14="http://schemas.microsoft.com/office/powerpoint/2010/main" val="2037436766"/>
       </p:ext>
     </p:extLst>
   </p:cSld>
@@ -4270,7 +4297,7 @@
           <p:cNvPr id="2" name="Titel 1">
             <a:extLst>
               <a:ext uri="{FF2B5EF4-FFF2-40B4-BE49-F238E27FC236}">
-                <a16:creationId xmlns:a16="http://schemas.microsoft.com/office/drawing/2014/main" id="{A9C6D322-35CE-E406-E736-C42B96BBFADB}"/>
+                <a16:creationId xmlns:a16="http://schemas.microsoft.com/office/drawing/2014/main" id="{54D6C1A5-60C2-D776-E22C-DF4611C42A09}"/>
               </a:ext>
             </a:extLst>
           </p:cNvPr>
@@ -4288,8 +4315,13 @@
           <a:p>
             <a:r>
               <a:rPr lang="de-DE" dirty="0"/>
-              <a:t>Bode Plots</a:t>
-            </a:r>
+              <a:t>Transfer </a:t>
+            </a:r>
+            <a:r>
+              <a:rPr lang="de-DE" dirty="0" err="1"/>
+              <a:t>Functions</a:t>
+            </a:r>
+            <a:endParaRPr lang="de-DE" dirty="0"/>
           </a:p>
         </p:txBody>
       </p:sp>
@@ -4298,7 +4330,7 @@
           <p:cNvPr id="3" name="Inhaltsplatzhalter 2">
             <a:extLst>
               <a:ext uri="{FF2B5EF4-FFF2-40B4-BE49-F238E27FC236}">
-                <a16:creationId xmlns:a16="http://schemas.microsoft.com/office/drawing/2014/main" id="{8BA8D483-42E5-4829-8E46-019410D93D5F}"/>
+                <a16:creationId xmlns:a16="http://schemas.microsoft.com/office/drawing/2014/main" id="{A2FE3B30-8FA2-29B5-DC74-3E46F1E9FE16}"/>
               </a:ext>
             </a:extLst>
           </p:cNvPr>
@@ -4315,12 +4347,8 @@
           <a:lstStyle/>
           <a:p>
             <a:r>
-              <a:rPr lang="de-DE" dirty="0"/>
-              <a:t>Magnitude (dB) </a:t>
-            </a:r>
-            <a:r>
               <a:rPr lang="de-DE" dirty="0" err="1"/>
-              <a:t>vs</a:t>
+              <a:t>Describe</a:t>
             </a:r>
             <a:r>
               <a:rPr lang="de-DE" dirty="0"/>
@@ -4328,18 +4356,15 @@
             </a:r>
             <a:r>
               <a:rPr lang="de-DE" dirty="0" err="1"/>
-              <a:t>frequency</a:t>
-            </a:r>
-            <a:endParaRPr lang="de-DE" dirty="0"/>
-          </a:p>
-          <a:p>
+              <a:t>input</a:t>
+            </a:r>
             <a:r>
               <a:rPr lang="de-DE" dirty="0"/>
-              <a:t>Phase </a:t>
+              <a:t>–</a:t>
             </a:r>
             <a:r>
               <a:rPr lang="de-DE" dirty="0" err="1"/>
-              <a:t>vs</a:t>
+              <a:t>output</a:t>
             </a:r>
             <a:r>
               <a:rPr lang="de-DE" dirty="0"/>
@@ -4347,14 +4372,14 @@
             </a:r>
             <a:r>
               <a:rPr lang="de-DE" dirty="0" err="1"/>
-              <a:t>frequency</a:t>
+              <a:t>behavior</a:t>
             </a:r>
             <a:endParaRPr lang="de-DE" dirty="0"/>
           </a:p>
           <a:p>
             <a:r>
               <a:rPr lang="de-DE" dirty="0" err="1"/>
-              <a:t>Logarithmic</a:t>
+              <a:t>Contain</a:t>
             </a:r>
             <a:r>
               <a:rPr lang="de-DE" dirty="0"/>
@@ -4362,7 +4387,26 @@
             </a:r>
             <a:r>
               <a:rPr lang="de-DE" dirty="0" err="1"/>
-              <a:t>frequency</a:t>
+              <a:t>poles</a:t>
+            </a:r>
+            <a:r>
+              <a:rPr lang="de-DE" dirty="0"/>
+              <a:t> and </a:t>
+            </a:r>
+            <a:r>
+              <a:rPr lang="de-DE" dirty="0" err="1"/>
+              <a:t>zeros</a:t>
+            </a:r>
+            <a:endParaRPr lang="de-DE" dirty="0"/>
+          </a:p>
+          <a:p>
+            <a:r>
+              <a:rPr lang="de-DE" dirty="0"/>
+              <a:t>Independent </a:t>
+            </a:r>
+            <a:r>
+              <a:rPr lang="de-DE" dirty="0" err="1"/>
+              <a:t>of</a:t>
             </a:r>
             <a:r>
               <a:rPr lang="de-DE" dirty="0"/>
@@ -4370,23 +4414,7 @@
             </a:r>
             <a:r>
               <a:rPr lang="de-DE" dirty="0" err="1"/>
-              <a:t>axis</a:t>
-            </a:r>
-            <a:endParaRPr lang="de-DE" dirty="0"/>
-          </a:p>
-          <a:p>
-            <a:pPr marL="0" indent="0">
-              <a:buNone/>
-            </a:pPr>
-            <a:endParaRPr lang="de-DE" dirty="0"/>
-          </a:p>
-          <a:p>
-            <a:pPr marL="0" indent="0">
-              <a:buNone/>
-            </a:pPr>
-            <a:r>
-              <a:rPr lang="de-DE" b="1" dirty="0"/>
-              <a:t>Plot:</a:t>
+              <a:t>controller</a:t>
             </a:r>
             <a:r>
               <a:rPr lang="de-DE" dirty="0"/>
@@ -4394,15 +4422,7 @@
             </a:r>
             <a:r>
               <a:rPr lang="de-DE" dirty="0" err="1"/>
-              <a:t>typical</a:t>
-            </a:r>
-            <a:r>
-              <a:rPr lang="de-DE" dirty="0"/>
-              <a:t> Bode </a:t>
-            </a:r>
-            <a:r>
-              <a:rPr lang="de-DE" dirty="0" err="1"/>
-              <a:t>diagram</a:t>
+              <a:t>implementation</a:t>
             </a:r>
             <a:endParaRPr lang="de-DE" dirty="0"/>
           </a:p>
@@ -4413,7 +4433,7 @@
           <p:cNvPr id="4" name="Foliennummernplatzhalter 3">
             <a:extLst>
               <a:ext uri="{FF2B5EF4-FFF2-40B4-BE49-F238E27FC236}">
-                <a16:creationId xmlns:a16="http://schemas.microsoft.com/office/drawing/2014/main" id="{0E71EA5C-6E4F-2473-04F2-AEB717907822}"/>
+                <a16:creationId xmlns:a16="http://schemas.microsoft.com/office/drawing/2014/main" id="{0E64B9C5-72B9-E365-6CAF-535A0DBA5BAE}"/>
               </a:ext>
             </a:extLst>
           </p:cNvPr>
@@ -4440,7 +4460,7 @@
     </p:spTree>
     <p:extLst>
       <p:ext uri="{BB962C8B-B14F-4D97-AF65-F5344CB8AC3E}">
-        <p14:creationId xmlns:p14="http://schemas.microsoft.com/office/powerpoint/2010/main" val="2512778299"/>
+        <p14:creationId xmlns:p14="http://schemas.microsoft.com/office/powerpoint/2010/main" val="3557080140"/>
       </p:ext>
     </p:extLst>
   </p:cSld>
@@ -4472,7 +4492,7 @@
           <p:cNvPr id="2" name="Titel 1">
             <a:extLst>
               <a:ext uri="{FF2B5EF4-FFF2-40B4-BE49-F238E27FC236}">
-                <a16:creationId xmlns:a16="http://schemas.microsoft.com/office/drawing/2014/main" id="{8377BFFA-EEF3-DEE2-E225-4573FB292E1D}"/>
+                <a16:creationId xmlns:a16="http://schemas.microsoft.com/office/drawing/2014/main" id="{959FCA0B-0590-B36D-0C61-9DF2C0CEA80B}"/>
               </a:ext>
             </a:extLst>
           </p:cNvPr>
@@ -4489,8 +4509,12 @@
           <a:lstStyle/>
           <a:p>
             <a:r>
+              <a:rPr lang="de-DE" dirty="0"/>
+              <a:t>Block </a:t>
+            </a:r>
+            <a:r>
               <a:rPr lang="de-DE" dirty="0" err="1"/>
-              <a:t>Bandwidth</a:t>
+              <a:t>Diagrams</a:t>
             </a:r>
             <a:endParaRPr lang="de-DE" dirty="0"/>
           </a:p>
@@ -4501,7 +4525,7 @@
           <p:cNvPr id="3" name="Inhaltsplatzhalter 2">
             <a:extLst>
               <a:ext uri="{FF2B5EF4-FFF2-40B4-BE49-F238E27FC236}">
-                <a16:creationId xmlns:a16="http://schemas.microsoft.com/office/drawing/2014/main" id="{E6B837AA-56DB-9D8D-884A-E061F1DB81A3}"/>
+                <a16:creationId xmlns:a16="http://schemas.microsoft.com/office/drawing/2014/main" id="{4F979A6A-4D72-3612-95F6-A426ADBE2DB3}"/>
               </a:ext>
             </a:extLst>
           </p:cNvPr>
@@ -4518,8 +4542,23 @@
           <a:lstStyle/>
           <a:p>
             <a:r>
+              <a:rPr lang="de-DE" dirty="0"/>
+              <a:t>Modular </a:t>
+            </a:r>
+            <a:r>
               <a:rPr lang="de-DE" dirty="0" err="1"/>
-              <a:t>Frequency</a:t>
+              <a:t>representation</a:t>
+            </a:r>
+            <a:endParaRPr lang="de-DE" dirty="0"/>
+          </a:p>
+          <a:p>
+            <a:r>
+              <a:rPr lang="de-DE" dirty="0"/>
+              <a:t>Series, parallel, </a:t>
+            </a:r>
+            <a:r>
+              <a:rPr lang="de-DE" dirty="0" err="1"/>
+              <a:t>feedback</a:t>
             </a:r>
             <a:r>
               <a:rPr lang="de-DE" dirty="0"/>
@@ -4527,7 +4566,18 @@
             </a:r>
             <a:r>
               <a:rPr lang="de-DE" dirty="0" err="1"/>
-              <a:t>range</a:t>
+              <a:t>connections</a:t>
+            </a:r>
+            <a:endParaRPr lang="de-DE" dirty="0"/>
+          </a:p>
+          <a:p>
+            <a:r>
+              <a:rPr lang="de-DE" dirty="0"/>
+              <a:t>Block </a:t>
+            </a:r>
+            <a:r>
+              <a:rPr lang="de-DE" dirty="0" err="1"/>
+              <a:t>diagram</a:t>
             </a:r>
             <a:r>
               <a:rPr lang="de-DE" dirty="0"/>
@@ -4535,84 +4585,10 @@
             </a:r>
             <a:r>
               <a:rPr lang="de-DE" dirty="0" err="1"/>
-              <a:t>with</a:t>
-            </a:r>
-            <a:r>
-              <a:rPr lang="de-DE" dirty="0"/>
-              <a:t> </a:t>
-            </a:r>
-            <a:r>
-              <a:rPr lang="de-DE" dirty="0" err="1"/>
-              <a:t>good</a:t>
-            </a:r>
-            <a:r>
-              <a:rPr lang="de-DE" dirty="0"/>
-              <a:t> </a:t>
-            </a:r>
-            <a:r>
-              <a:rPr lang="de-DE" dirty="0" err="1"/>
-              <a:t>tracking</a:t>
+              <a:t>algebra</a:t>
             </a:r>
             <a:endParaRPr lang="de-DE" dirty="0"/>
           </a:p>
-          <a:p>
-            <a:r>
-              <a:rPr lang="de-DE" dirty="0" err="1"/>
-              <a:t>Indicates</a:t>
-            </a:r>
-            <a:r>
-              <a:rPr lang="de-DE" dirty="0"/>
-              <a:t> </a:t>
-            </a:r>
-            <a:r>
-              <a:rPr lang="de-DE" dirty="0" err="1"/>
-              <a:t>speed</a:t>
-            </a:r>
-            <a:r>
-              <a:rPr lang="de-DE" dirty="0"/>
-              <a:t> </a:t>
-            </a:r>
-            <a:r>
-              <a:rPr lang="de-DE" dirty="0" err="1"/>
-              <a:t>of</a:t>
-            </a:r>
-            <a:r>
-              <a:rPr lang="de-DE" dirty="0"/>
-              <a:t> </a:t>
-            </a:r>
-            <a:r>
-              <a:rPr lang="de-DE" dirty="0" err="1"/>
-              <a:t>system</a:t>
-            </a:r>
-            <a:endParaRPr lang="de-DE" dirty="0"/>
-          </a:p>
-          <a:p>
-            <a:r>
-              <a:rPr lang="de-DE" dirty="0"/>
-              <a:t>Higher </a:t>
-            </a:r>
-            <a:r>
-              <a:rPr lang="de-DE" dirty="0" err="1"/>
-              <a:t>bandwidth</a:t>
-            </a:r>
-            <a:r>
-              <a:rPr lang="de-DE" dirty="0"/>
-              <a:t> → </a:t>
-            </a:r>
-            <a:r>
-              <a:rPr lang="de-DE" dirty="0" err="1"/>
-              <a:t>faster</a:t>
-            </a:r>
-            <a:r>
-              <a:rPr lang="de-DE" dirty="0"/>
-              <a:t> </a:t>
-            </a:r>
-            <a:r>
-              <a:rPr lang="de-DE" dirty="0" err="1"/>
-              <a:t>response</a:t>
-            </a:r>
-            <a:endParaRPr lang="de-DE" dirty="0"/>
-          </a:p>
         </p:txBody>
       </p:sp>
       <p:sp>
@@ -4620,7 +4596,7 @@
           <p:cNvPr id="4" name="Foliennummernplatzhalter 3">
             <a:extLst>
               <a:ext uri="{FF2B5EF4-FFF2-40B4-BE49-F238E27FC236}">
-                <a16:creationId xmlns:a16="http://schemas.microsoft.com/office/drawing/2014/main" id="{A7FCF89C-B017-A883-0BAE-9BED25E6B7BE}"/>
+                <a16:creationId xmlns:a16="http://schemas.microsoft.com/office/drawing/2014/main" id="{61085116-0531-3B25-1AD7-9FEC807FC90F}"/>
               </a:ext>
             </a:extLst>
           </p:cNvPr>
@@ -4639,6 +4615,598 @@
             <a:fld id="{08C366F5-AFAD-49CB-854A-9D9E238FCA13}" type="slidenum">
               <a:rPr lang="en-GB" smtClean="0"/>
               <a:t>12</a:t>
+            </a:fld>
+            <a:endParaRPr lang="en-GB"/>
+          </a:p>
+        </p:txBody>
+      </p:sp>
+    </p:spTree>
+    <p:extLst>
+      <p:ext uri="{BB962C8B-B14F-4D97-AF65-F5344CB8AC3E}">
+        <p14:creationId xmlns:p14="http://schemas.microsoft.com/office/powerpoint/2010/main" val="763320024"/>
+      </p:ext>
+    </p:extLst>
+  </p:cSld>
+  <p:clrMapOvr>
+    <a:masterClrMapping/>
+  </p:clrMapOvr>
+</p:sld>
+</file>
+
+<file path=ppt/slides/slide13.xml><?xml version="1.0" encoding="utf-8"?>
+<p:sld xmlns:a="http://schemas.openxmlformats.org/drawingml/2006/main" xmlns:r="http://schemas.openxmlformats.org/officeDocument/2006/relationships" xmlns:p="http://schemas.openxmlformats.org/presentationml/2006/main">
+  <p:cSld>
+    <p:spTree>
+      <p:nvGrpSpPr>
+        <p:cNvPr id="1" name=""/>
+        <p:cNvGrpSpPr/>
+        <p:nvPr/>
+      </p:nvGrpSpPr>
+      <p:grpSpPr>
+        <a:xfrm>
+          <a:off x="0" y="0"/>
+          <a:ext cx="0" cy="0"/>
+          <a:chOff x="0" y="0"/>
+          <a:chExt cx="0" cy="0"/>
+        </a:xfrm>
+      </p:grpSpPr>
+      <p:sp>
+        <p:nvSpPr>
+          <p:cNvPr id="2" name="Titel 1">
+            <a:extLst>
+              <a:ext uri="{FF2B5EF4-FFF2-40B4-BE49-F238E27FC236}">
+                <a16:creationId xmlns:a16="http://schemas.microsoft.com/office/drawing/2014/main" id="{404A78D5-067E-21F1-2645-890D26DEFC1F}"/>
+              </a:ext>
+            </a:extLst>
+          </p:cNvPr>
+          <p:cNvSpPr>
+            <a:spLocks noGrp="1"/>
+          </p:cNvSpPr>
+          <p:nvPr>
+            <p:ph type="title"/>
+          </p:nvPr>
+        </p:nvSpPr>
+        <p:spPr/>
+        <p:txBody>
+          <a:bodyPr/>
+          <a:lstStyle/>
+          <a:p>
+            <a:r>
+              <a:rPr lang="de-DE" dirty="0" err="1"/>
+              <a:t>Frequency</a:t>
+            </a:r>
+            <a:r>
+              <a:rPr lang="de-DE" dirty="0"/>
+              <a:t> Response</a:t>
+            </a:r>
+          </a:p>
+        </p:txBody>
+      </p:sp>
+      <p:sp>
+        <p:nvSpPr>
+          <p:cNvPr id="3" name="Inhaltsplatzhalter 2">
+            <a:extLst>
+              <a:ext uri="{FF2B5EF4-FFF2-40B4-BE49-F238E27FC236}">
+                <a16:creationId xmlns:a16="http://schemas.microsoft.com/office/drawing/2014/main" id="{CEDEC18C-E4CF-465B-E3BA-BAAD31B5ACD1}"/>
+              </a:ext>
+            </a:extLst>
+          </p:cNvPr>
+          <p:cNvSpPr>
+            <a:spLocks noGrp="1"/>
+          </p:cNvSpPr>
+          <p:nvPr>
+            <p:ph idx="1"/>
+          </p:nvPr>
+        </p:nvSpPr>
+        <p:spPr/>
+        <p:txBody>
+          <a:bodyPr/>
+          <a:lstStyle/>
+          <a:p>
+            <a:r>
+              <a:rPr lang="de-DE" dirty="0"/>
+              <a:t>Response </a:t>
+            </a:r>
+            <a:r>
+              <a:rPr lang="de-DE" dirty="0" err="1"/>
+              <a:t>to</a:t>
+            </a:r>
+            <a:r>
+              <a:rPr lang="de-DE" dirty="0"/>
+              <a:t> </a:t>
+            </a:r>
+            <a:r>
+              <a:rPr lang="de-DE" dirty="0" err="1"/>
+              <a:t>sinusoidal</a:t>
+            </a:r>
+            <a:r>
+              <a:rPr lang="de-DE" dirty="0"/>
+              <a:t> </a:t>
+            </a:r>
+            <a:r>
+              <a:rPr lang="de-DE" dirty="0" err="1"/>
+              <a:t>inputs</a:t>
+            </a:r>
+            <a:endParaRPr lang="de-DE" dirty="0"/>
+          </a:p>
+          <a:p>
+            <a:r>
+              <a:rPr lang="de-DE" dirty="0"/>
+              <a:t>Amplitude and </a:t>
+            </a:r>
+            <a:r>
+              <a:rPr lang="de-DE" dirty="0" err="1"/>
+              <a:t>phase</a:t>
+            </a:r>
+            <a:r>
+              <a:rPr lang="de-DE" dirty="0"/>
+              <a:t> </a:t>
+            </a:r>
+            <a:r>
+              <a:rPr lang="de-DE" dirty="0" err="1"/>
+              <a:t>as</a:t>
+            </a:r>
+            <a:r>
+              <a:rPr lang="de-DE" dirty="0"/>
+              <a:t> </a:t>
+            </a:r>
+            <a:r>
+              <a:rPr lang="de-DE" dirty="0" err="1"/>
+              <a:t>function</a:t>
+            </a:r>
+            <a:r>
+              <a:rPr lang="de-DE" dirty="0"/>
+              <a:t> </a:t>
+            </a:r>
+            <a:r>
+              <a:rPr lang="de-DE" dirty="0" err="1"/>
+              <a:t>of</a:t>
+            </a:r>
+            <a:r>
+              <a:rPr lang="de-DE" dirty="0"/>
+              <a:t> </a:t>
+            </a:r>
+            <a:r>
+              <a:rPr lang="de-DE" dirty="0" err="1"/>
+              <a:t>frequency</a:t>
+            </a:r>
+            <a:endParaRPr lang="de-DE" dirty="0"/>
+          </a:p>
+        </p:txBody>
+      </p:sp>
+      <p:sp>
+        <p:nvSpPr>
+          <p:cNvPr id="4" name="Foliennummernplatzhalter 3">
+            <a:extLst>
+              <a:ext uri="{FF2B5EF4-FFF2-40B4-BE49-F238E27FC236}">
+                <a16:creationId xmlns:a16="http://schemas.microsoft.com/office/drawing/2014/main" id="{A9C4FAB9-93C0-FAFE-8178-BA6143807F81}"/>
+              </a:ext>
+            </a:extLst>
+          </p:cNvPr>
+          <p:cNvSpPr>
+            <a:spLocks noGrp="1"/>
+          </p:cNvSpPr>
+          <p:nvPr>
+            <p:ph type="sldNum" sz="quarter" idx="12"/>
+          </p:nvPr>
+        </p:nvSpPr>
+        <p:spPr/>
+        <p:txBody>
+          <a:bodyPr/>
+          <a:lstStyle/>
+          <a:p>
+            <a:fld id="{08C366F5-AFAD-49CB-854A-9D9E238FCA13}" type="slidenum">
+              <a:rPr lang="en-GB" smtClean="0"/>
+              <a:t>13</a:t>
+            </a:fld>
+            <a:endParaRPr lang="en-GB"/>
+          </a:p>
+        </p:txBody>
+      </p:sp>
+    </p:spTree>
+    <p:extLst>
+      <p:ext uri="{BB962C8B-B14F-4D97-AF65-F5344CB8AC3E}">
+        <p14:creationId xmlns:p14="http://schemas.microsoft.com/office/powerpoint/2010/main" val="1769881994"/>
+      </p:ext>
+    </p:extLst>
+  </p:cSld>
+  <p:clrMapOvr>
+    <a:masterClrMapping/>
+  </p:clrMapOvr>
+</p:sld>
+</file>
+
+<file path=ppt/slides/slide14.xml><?xml version="1.0" encoding="utf-8"?>
+<p:sld xmlns:a="http://schemas.openxmlformats.org/drawingml/2006/main" xmlns:r="http://schemas.openxmlformats.org/officeDocument/2006/relationships" xmlns:p="http://schemas.openxmlformats.org/presentationml/2006/main">
+  <p:cSld>
+    <p:spTree>
+      <p:nvGrpSpPr>
+        <p:cNvPr id="1" name=""/>
+        <p:cNvGrpSpPr/>
+        <p:nvPr/>
+      </p:nvGrpSpPr>
+      <p:grpSpPr>
+        <a:xfrm>
+          <a:off x="0" y="0"/>
+          <a:ext cx="0" cy="0"/>
+          <a:chOff x="0" y="0"/>
+          <a:chExt cx="0" cy="0"/>
+        </a:xfrm>
+      </p:grpSpPr>
+      <p:sp>
+        <p:nvSpPr>
+          <p:cNvPr id="2" name="Titel 1">
+            <a:extLst>
+              <a:ext uri="{FF2B5EF4-FFF2-40B4-BE49-F238E27FC236}">
+                <a16:creationId xmlns:a16="http://schemas.microsoft.com/office/drawing/2014/main" id="{A9C6D322-35CE-E406-E736-C42B96BBFADB}"/>
+              </a:ext>
+            </a:extLst>
+          </p:cNvPr>
+          <p:cNvSpPr>
+            <a:spLocks noGrp="1"/>
+          </p:cNvSpPr>
+          <p:nvPr>
+            <p:ph type="title"/>
+          </p:nvPr>
+        </p:nvSpPr>
+        <p:spPr/>
+        <p:txBody>
+          <a:bodyPr/>
+          <a:lstStyle/>
+          <a:p>
+            <a:r>
+              <a:rPr lang="de-DE" dirty="0"/>
+              <a:t>Bode Plots</a:t>
+            </a:r>
+          </a:p>
+        </p:txBody>
+      </p:sp>
+      <p:sp>
+        <p:nvSpPr>
+          <p:cNvPr id="3" name="Inhaltsplatzhalter 2">
+            <a:extLst>
+              <a:ext uri="{FF2B5EF4-FFF2-40B4-BE49-F238E27FC236}">
+                <a16:creationId xmlns:a16="http://schemas.microsoft.com/office/drawing/2014/main" id="{8BA8D483-42E5-4829-8E46-019410D93D5F}"/>
+              </a:ext>
+            </a:extLst>
+          </p:cNvPr>
+          <p:cNvSpPr>
+            <a:spLocks noGrp="1"/>
+          </p:cNvSpPr>
+          <p:nvPr>
+            <p:ph idx="1"/>
+          </p:nvPr>
+        </p:nvSpPr>
+        <p:spPr/>
+        <p:txBody>
+          <a:bodyPr/>
+          <a:lstStyle/>
+          <a:p>
+            <a:r>
+              <a:rPr lang="de-DE" dirty="0"/>
+              <a:t>Magnitude (dB) </a:t>
+            </a:r>
+            <a:r>
+              <a:rPr lang="de-DE" dirty="0" err="1"/>
+              <a:t>vs</a:t>
+            </a:r>
+            <a:r>
+              <a:rPr lang="de-DE" dirty="0"/>
+              <a:t> </a:t>
+            </a:r>
+            <a:r>
+              <a:rPr lang="de-DE" dirty="0" err="1"/>
+              <a:t>frequency</a:t>
+            </a:r>
+            <a:endParaRPr lang="de-DE" dirty="0"/>
+          </a:p>
+          <a:p>
+            <a:r>
+              <a:rPr lang="de-DE" dirty="0"/>
+              <a:t>Phase </a:t>
+            </a:r>
+            <a:r>
+              <a:rPr lang="de-DE" dirty="0" err="1"/>
+              <a:t>vs</a:t>
+            </a:r>
+            <a:r>
+              <a:rPr lang="de-DE" dirty="0"/>
+              <a:t> </a:t>
+            </a:r>
+            <a:r>
+              <a:rPr lang="de-DE" dirty="0" err="1"/>
+              <a:t>frequency</a:t>
+            </a:r>
+            <a:endParaRPr lang="de-DE" dirty="0"/>
+          </a:p>
+          <a:p>
+            <a:r>
+              <a:rPr lang="de-DE" dirty="0" err="1"/>
+              <a:t>Logarithmic</a:t>
+            </a:r>
+            <a:r>
+              <a:rPr lang="de-DE" dirty="0"/>
+              <a:t> </a:t>
+            </a:r>
+            <a:r>
+              <a:rPr lang="de-DE" dirty="0" err="1"/>
+              <a:t>frequency</a:t>
+            </a:r>
+            <a:r>
+              <a:rPr lang="de-DE" dirty="0"/>
+              <a:t> </a:t>
+            </a:r>
+            <a:r>
+              <a:rPr lang="de-DE" dirty="0" err="1"/>
+              <a:t>axis</a:t>
+            </a:r>
+            <a:endParaRPr lang="de-DE" dirty="0"/>
+          </a:p>
+          <a:p>
+            <a:pPr marL="0" indent="0">
+              <a:buNone/>
+            </a:pPr>
+            <a:endParaRPr lang="de-DE" dirty="0"/>
+          </a:p>
+          <a:p>
+            <a:pPr marL="0" indent="0">
+              <a:buNone/>
+            </a:pPr>
+            <a:r>
+              <a:rPr lang="de-DE" b="1" dirty="0"/>
+              <a:t>Plot:</a:t>
+            </a:r>
+            <a:r>
+              <a:rPr lang="de-DE" dirty="0"/>
+              <a:t> </a:t>
+            </a:r>
+            <a:r>
+              <a:rPr lang="de-DE" dirty="0" err="1"/>
+              <a:t>typical</a:t>
+            </a:r>
+            <a:r>
+              <a:rPr lang="de-DE" dirty="0"/>
+              <a:t> Bode </a:t>
+            </a:r>
+            <a:r>
+              <a:rPr lang="de-DE" dirty="0" err="1"/>
+              <a:t>diagram</a:t>
+            </a:r>
+            <a:endParaRPr lang="de-DE" dirty="0"/>
+          </a:p>
+        </p:txBody>
+      </p:sp>
+      <p:sp>
+        <p:nvSpPr>
+          <p:cNvPr id="4" name="Foliennummernplatzhalter 3">
+            <a:extLst>
+              <a:ext uri="{FF2B5EF4-FFF2-40B4-BE49-F238E27FC236}">
+                <a16:creationId xmlns:a16="http://schemas.microsoft.com/office/drawing/2014/main" id="{0E71EA5C-6E4F-2473-04F2-AEB717907822}"/>
+              </a:ext>
+            </a:extLst>
+          </p:cNvPr>
+          <p:cNvSpPr>
+            <a:spLocks noGrp="1"/>
+          </p:cNvSpPr>
+          <p:nvPr>
+            <p:ph type="sldNum" sz="quarter" idx="12"/>
+          </p:nvPr>
+        </p:nvSpPr>
+        <p:spPr/>
+        <p:txBody>
+          <a:bodyPr/>
+          <a:lstStyle/>
+          <a:p>
+            <a:fld id="{08C366F5-AFAD-49CB-854A-9D9E238FCA13}" type="slidenum">
+              <a:rPr lang="en-GB" smtClean="0"/>
+              <a:t>14</a:t>
+            </a:fld>
+            <a:endParaRPr lang="en-GB"/>
+          </a:p>
+        </p:txBody>
+      </p:sp>
+    </p:spTree>
+    <p:extLst>
+      <p:ext uri="{BB962C8B-B14F-4D97-AF65-F5344CB8AC3E}">
+        <p14:creationId xmlns:p14="http://schemas.microsoft.com/office/powerpoint/2010/main" val="2512778299"/>
+      </p:ext>
+    </p:extLst>
+  </p:cSld>
+  <p:clrMapOvr>
+    <a:masterClrMapping/>
+  </p:clrMapOvr>
+</p:sld>
+</file>
+
+<file path=ppt/slides/slide15.xml><?xml version="1.0" encoding="utf-8"?>
+<p:sld xmlns:a="http://schemas.openxmlformats.org/drawingml/2006/main" xmlns:r="http://schemas.openxmlformats.org/officeDocument/2006/relationships" xmlns:p="http://schemas.openxmlformats.org/presentationml/2006/main">
+  <p:cSld>
+    <p:spTree>
+      <p:nvGrpSpPr>
+        <p:cNvPr id="1" name=""/>
+        <p:cNvGrpSpPr/>
+        <p:nvPr/>
+      </p:nvGrpSpPr>
+      <p:grpSpPr>
+        <a:xfrm>
+          <a:off x="0" y="0"/>
+          <a:ext cx="0" cy="0"/>
+          <a:chOff x="0" y="0"/>
+          <a:chExt cx="0" cy="0"/>
+        </a:xfrm>
+      </p:grpSpPr>
+      <p:sp>
+        <p:nvSpPr>
+          <p:cNvPr id="2" name="Titel 1">
+            <a:extLst>
+              <a:ext uri="{FF2B5EF4-FFF2-40B4-BE49-F238E27FC236}">
+                <a16:creationId xmlns:a16="http://schemas.microsoft.com/office/drawing/2014/main" id="{8377BFFA-EEF3-DEE2-E225-4573FB292E1D}"/>
+              </a:ext>
+            </a:extLst>
+          </p:cNvPr>
+          <p:cNvSpPr>
+            <a:spLocks noGrp="1"/>
+          </p:cNvSpPr>
+          <p:nvPr>
+            <p:ph type="title"/>
+          </p:nvPr>
+        </p:nvSpPr>
+        <p:spPr/>
+        <p:txBody>
+          <a:bodyPr/>
+          <a:lstStyle/>
+          <a:p>
+            <a:r>
+              <a:rPr lang="de-DE" dirty="0" err="1"/>
+              <a:t>Bandwidth</a:t>
+            </a:r>
+            <a:endParaRPr lang="de-DE" dirty="0"/>
+          </a:p>
+        </p:txBody>
+      </p:sp>
+      <p:sp>
+        <p:nvSpPr>
+          <p:cNvPr id="3" name="Inhaltsplatzhalter 2">
+            <a:extLst>
+              <a:ext uri="{FF2B5EF4-FFF2-40B4-BE49-F238E27FC236}">
+                <a16:creationId xmlns:a16="http://schemas.microsoft.com/office/drawing/2014/main" id="{E6B837AA-56DB-9D8D-884A-E061F1DB81A3}"/>
+              </a:ext>
+            </a:extLst>
+          </p:cNvPr>
+          <p:cNvSpPr>
+            <a:spLocks noGrp="1"/>
+          </p:cNvSpPr>
+          <p:nvPr>
+            <p:ph idx="1"/>
+          </p:nvPr>
+        </p:nvSpPr>
+        <p:spPr/>
+        <p:txBody>
+          <a:bodyPr/>
+          <a:lstStyle/>
+          <a:p>
+            <a:r>
+              <a:rPr lang="de-DE" dirty="0" err="1"/>
+              <a:t>Frequency</a:t>
+            </a:r>
+            <a:r>
+              <a:rPr lang="de-DE" dirty="0"/>
+              <a:t> </a:t>
+            </a:r>
+            <a:r>
+              <a:rPr lang="de-DE" dirty="0" err="1"/>
+              <a:t>range</a:t>
+            </a:r>
+            <a:r>
+              <a:rPr lang="de-DE" dirty="0"/>
+              <a:t> </a:t>
+            </a:r>
+            <a:r>
+              <a:rPr lang="de-DE" dirty="0" err="1"/>
+              <a:t>with</a:t>
+            </a:r>
+            <a:r>
+              <a:rPr lang="de-DE" dirty="0"/>
+              <a:t> </a:t>
+            </a:r>
+            <a:r>
+              <a:rPr lang="de-DE" dirty="0" err="1"/>
+              <a:t>good</a:t>
+            </a:r>
+            <a:r>
+              <a:rPr lang="de-DE" dirty="0"/>
+              <a:t> </a:t>
+            </a:r>
+            <a:r>
+              <a:rPr lang="de-DE" dirty="0" err="1"/>
+              <a:t>tracking</a:t>
+            </a:r>
+            <a:endParaRPr lang="de-DE" dirty="0"/>
+          </a:p>
+          <a:p>
+            <a:r>
+              <a:rPr lang="de-DE" dirty="0" err="1"/>
+              <a:t>Indicates</a:t>
+            </a:r>
+            <a:r>
+              <a:rPr lang="de-DE" dirty="0"/>
+              <a:t> </a:t>
+            </a:r>
+            <a:r>
+              <a:rPr lang="de-DE" dirty="0" err="1"/>
+              <a:t>speed</a:t>
+            </a:r>
+            <a:r>
+              <a:rPr lang="de-DE" dirty="0"/>
+              <a:t> </a:t>
+            </a:r>
+            <a:r>
+              <a:rPr lang="de-DE" dirty="0" err="1"/>
+              <a:t>of</a:t>
+            </a:r>
+            <a:r>
+              <a:rPr lang="de-DE" dirty="0"/>
+              <a:t> </a:t>
+            </a:r>
+            <a:r>
+              <a:rPr lang="de-DE" dirty="0" err="1"/>
+              <a:t>system</a:t>
+            </a:r>
+            <a:endParaRPr lang="de-DE" dirty="0"/>
+          </a:p>
+          <a:p>
+            <a:r>
+              <a:rPr lang="de-DE" dirty="0"/>
+              <a:t>Higher </a:t>
+            </a:r>
+            <a:r>
+              <a:rPr lang="de-DE" dirty="0" err="1"/>
+              <a:t>bandwidth</a:t>
+            </a:r>
+            <a:r>
+              <a:rPr lang="de-DE" dirty="0"/>
+              <a:t> → </a:t>
+            </a:r>
+            <a:r>
+              <a:rPr lang="de-DE" dirty="0" err="1"/>
+              <a:t>faster</a:t>
+            </a:r>
+            <a:r>
+              <a:rPr lang="de-DE" dirty="0"/>
+              <a:t> </a:t>
+            </a:r>
+            <a:r>
+              <a:rPr lang="de-DE" dirty="0" err="1"/>
+              <a:t>response</a:t>
+            </a:r>
+            <a:endParaRPr lang="de-DE" dirty="0"/>
+          </a:p>
+        </p:txBody>
+      </p:sp>
+      <p:sp>
+        <p:nvSpPr>
+          <p:cNvPr id="4" name="Foliennummernplatzhalter 3">
+            <a:extLst>
+              <a:ext uri="{FF2B5EF4-FFF2-40B4-BE49-F238E27FC236}">
+                <a16:creationId xmlns:a16="http://schemas.microsoft.com/office/drawing/2014/main" id="{A7FCF89C-B017-A883-0BAE-9BED25E6B7BE}"/>
+              </a:ext>
+            </a:extLst>
+          </p:cNvPr>
+          <p:cNvSpPr>
+            <a:spLocks noGrp="1"/>
+          </p:cNvSpPr>
+          <p:nvPr>
+            <p:ph type="sldNum" sz="quarter" idx="12"/>
+          </p:nvPr>
+        </p:nvSpPr>
+        <p:spPr/>
+        <p:txBody>
+          <a:bodyPr/>
+          <a:lstStyle/>
+          <a:p>
+            <a:fld id="{08C366F5-AFAD-49CB-854A-9D9E238FCA13}" type="slidenum">
+              <a:rPr lang="en-GB" smtClean="0"/>
+              <a:t>15</a:t>
             </a:fld>
             <a:endParaRPr lang="en-GB"/>
           </a:p>
@@ -5192,7 +5760,23 @@
             </a:r>
             <a:r>
               <a:rPr lang="de-DE" dirty="0"/>
+              <a:t> (</a:t>
+            </a:r>
+            <a:r>
+              <a:rPr lang="de-DE" dirty="0" err="1"/>
+              <a:t>dynamic</a:t>
+            </a:r>
+            <a:r>
+              <a:rPr lang="de-DE" dirty="0"/>
               <a:t> </a:t>
+            </a:r>
+            <a:r>
+              <a:rPr lang="de-DE" dirty="0" err="1"/>
+              <a:t>systems</a:t>
+            </a:r>
+            <a:r>
+              <a:rPr lang="de-DE" dirty="0"/>
+              <a:t>) </a:t>
             </a:r>
             <a:r>
               <a:rPr lang="de-DE" dirty="0" err="1"/>
@@ -5214,6 +5798,52 @@
               <a:rPr lang="de-DE" dirty="0" err="1"/>
               <a:t>equations</a:t>
             </a:r>
+            <a:r>
+              <a:rPr lang="de-DE" dirty="0"/>
+              <a:t> </a:t>
+            </a:r>
+            <a:r>
+              <a:rPr lang="de-DE" dirty="0">
+                <a:sym typeface="Wingdings" pitchFamily="2" charset="2"/>
+              </a:rPr>
+              <a:t> </a:t>
+            </a:r>
+            <a:r>
+              <a:rPr lang="de-DE" dirty="0" err="1">
+                <a:sym typeface="Wingdings" pitchFamily="2" charset="2"/>
+              </a:rPr>
+              <a:t>easier</a:t>
+            </a:r>
+            <a:r>
+              <a:rPr lang="de-DE" dirty="0">
+                <a:sym typeface="Wingdings" pitchFamily="2" charset="2"/>
+              </a:rPr>
+              <a:t> </a:t>
+            </a:r>
+            <a:r>
+              <a:rPr lang="de-DE" dirty="0" err="1">
+                <a:sym typeface="Wingdings" pitchFamily="2" charset="2"/>
+              </a:rPr>
+              <a:t>to</a:t>
+            </a:r>
+            <a:r>
+              <a:rPr lang="de-DE" dirty="0">
+                <a:sym typeface="Wingdings" pitchFamily="2" charset="2"/>
+              </a:rPr>
+              <a:t> </a:t>
+            </a:r>
+            <a:r>
+              <a:rPr lang="de-DE" dirty="0" err="1">
+                <a:sym typeface="Wingdings" pitchFamily="2" charset="2"/>
+              </a:rPr>
+              <a:t>solve</a:t>
+            </a:r>
+            <a:endParaRPr lang="de-DE" dirty="0"/>
+          </a:p>
+          <a:p>
+            <a:pPr marL="0" indent="0">
+              <a:buNone/>
+            </a:pPr>
             <a:endParaRPr lang="de-DE" dirty="0"/>
           </a:p>
           <a:p>
@@ -5233,6 +5863,12 @@
               <a:rPr lang="de-DE" dirty="0"/>
               <a:t> and design</a:t>
             </a:r>
+          </a:p>
+          <a:p>
+            <a:pPr marL="0" indent="0">
+              <a:buNone/>
+            </a:pPr>
+            <a:endParaRPr lang="de-DE" dirty="0"/>
           </a:p>
           <a:p>
             <a:r>
@@ -5335,7 +5971,7 @@
           <p:cNvPr id="2" name="Titel 1">
             <a:extLst>
               <a:ext uri="{FF2B5EF4-FFF2-40B4-BE49-F238E27FC236}">
-                <a16:creationId xmlns:a16="http://schemas.microsoft.com/office/drawing/2014/main" id="{CC353340-A86F-3E87-7941-CD2901047D19}"/>
+                <a16:creationId xmlns:a16="http://schemas.microsoft.com/office/drawing/2014/main" id="{16305480-B392-6E46-7861-EE4AEBFCECBE}"/>
               </a:ext>
             </a:extLst>
           </p:cNvPr>
@@ -5352,126 +5988,686 @@
           <a:lstStyle/>
           <a:p>
             <a:r>
+              <a:rPr lang="de-DE" dirty="0" err="1"/>
+              <a:t>Reminder</a:t>
+            </a:r>
+            <a:r>
               <a:rPr lang="de-DE" dirty="0"/>
-              <a:t>Definition </a:t>
-            </a:r>
-            <a:r>
-              <a:rPr lang="de-DE" dirty="0" err="1"/>
-              <a:t>of</a:t>
-            </a:r>
-            <a:r>
-              <a:rPr lang="de-DE" dirty="0"/>
-              <a:t> </a:t>
-            </a:r>
-            <a:r>
-              <a:rPr lang="de-DE" dirty="0" err="1"/>
-              <a:t>the</a:t>
-            </a:r>
-            <a:r>
-              <a:rPr lang="de-DE" dirty="0"/>
-              <a:t> Laplace Transform</a:t>
-            </a:r>
-          </a:p>
-        </p:txBody>
-      </p:sp>
-      <p:sp>
-        <p:nvSpPr>
-          <p:cNvPr id="3" name="Inhaltsplatzhalter 2">
-            <a:extLst>
-              <a:ext uri="{FF2B5EF4-FFF2-40B4-BE49-F238E27FC236}">
-                <a16:creationId xmlns:a16="http://schemas.microsoft.com/office/drawing/2014/main" id="{C485D3F4-FE7F-D5B1-5361-8927EF1D91D2}"/>
-              </a:ext>
-            </a:extLst>
-          </p:cNvPr>
-          <p:cNvSpPr>
-            <a:spLocks noGrp="1"/>
-          </p:cNvSpPr>
-          <p:nvPr>
-            <p:ph idx="1"/>
-          </p:nvPr>
-        </p:nvSpPr>
-        <p:spPr/>
-        <p:txBody>
-          <a:bodyPr/>
-          <a:lstStyle/>
-          <a:p>
-            <a:r>
-              <a:rPr lang="de-DE" dirty="0"/>
-              <a:t>Integral </a:t>
-            </a:r>
-            <a:r>
-              <a:rPr lang="de-DE" dirty="0" err="1"/>
-              <a:t>transform</a:t>
-            </a:r>
-            <a:r>
-              <a:rPr lang="de-DE" dirty="0"/>
-              <a:t> </a:t>
-            </a:r>
-            <a:r>
-              <a:rPr lang="de-DE" dirty="0" err="1"/>
-              <a:t>from</a:t>
-            </a:r>
-            <a:r>
-              <a:rPr lang="de-DE" dirty="0"/>
-              <a:t> time </a:t>
-            </a:r>
-            <a:r>
-              <a:rPr lang="de-DE" dirty="0" err="1"/>
-              <a:t>to</a:t>
-            </a:r>
-            <a:r>
-              <a:rPr lang="de-DE" dirty="0"/>
-              <a:t> </a:t>
-            </a:r>
-            <a:r>
-              <a:rPr lang="de-DE" dirty="0" err="1"/>
-              <a:t>complex</a:t>
-            </a:r>
-            <a:r>
-              <a:rPr lang="de-DE" dirty="0"/>
-              <a:t> </a:t>
-            </a:r>
-            <a:r>
-              <a:rPr lang="de-DE" dirty="0" err="1"/>
-              <a:t>frequency</a:t>
-            </a:r>
-            <a:endParaRPr lang="de-DE" dirty="0"/>
-          </a:p>
-          <a:p>
-            <a:r>
-              <a:rPr lang="de-DE" dirty="0"/>
-              <a:t>s = \</a:t>
-            </a:r>
-            <a:r>
-              <a:rPr lang="de-DE" dirty="0" err="1"/>
-              <a:t>sigma</a:t>
-            </a:r>
-            <a:r>
-              <a:rPr lang="de-DE" dirty="0"/>
-              <a:t> + </a:t>
-            </a:r>
-            <a:r>
-              <a:rPr lang="de-DE" dirty="0" err="1"/>
-              <a:t>j</a:t>
-            </a:r>
-            <a:r>
-              <a:rPr lang="de-DE" dirty="0"/>
-              <a:t>\</a:t>
-            </a:r>
-            <a:r>
-              <a:rPr lang="de-DE" dirty="0" err="1"/>
-              <a:t>omega</a:t>
-            </a:r>
-            <a:endParaRPr lang="de-DE" dirty="0"/>
-          </a:p>
-        </p:txBody>
-      </p:sp>
+              <a:t>: Fourier Transform</a:t>
+            </a:r>
+          </a:p>
+        </p:txBody>
+      </p:sp>
+      <mc:AlternateContent xmlns:mc="http://schemas.openxmlformats.org/markup-compatibility/2006">
+        <mc:Choice xmlns:a14="http://schemas.microsoft.com/office/drawing/2010/main" Requires="a14">
+          <p:sp>
+            <p:nvSpPr>
+              <p:cNvPr id="3" name="Inhaltsplatzhalter 2">
+                <a:extLst>
+                  <a:ext uri="{FF2B5EF4-FFF2-40B4-BE49-F238E27FC236}">
+                    <a16:creationId xmlns:a16="http://schemas.microsoft.com/office/drawing/2014/main" id="{968BBEA0-AF7E-E525-FC6B-1BF45F89E95D}"/>
+                  </a:ext>
+                </a:extLst>
+              </p:cNvPr>
+              <p:cNvSpPr>
+                <a:spLocks noGrp="1"/>
+              </p:cNvSpPr>
+              <p:nvPr>
+                <p:ph idx="1"/>
+              </p:nvPr>
+            </p:nvSpPr>
+            <p:spPr/>
+            <p:txBody>
+              <a:bodyPr>
+                <a:normAutofit fontScale="62500" lnSpcReduction="20000"/>
+              </a:bodyPr>
+              <a:lstStyle/>
+              <a:p>
+                <a:pPr marL="0" indent="0">
+                  <a:buNone/>
+                </a:pPr>
+                <a:r>
+                  <a:rPr lang="en-GB" sz="3800" dirty="0">
+                    <a:sym typeface="Wingdings" pitchFamily="2" charset="2"/>
+                  </a:rPr>
+                  <a:t>Transformation from time to frequency domain:</a:t>
+                </a:r>
+                <a:endParaRPr lang="de-DE" sz="3800" b="0" i="1" dirty="0">
+                  <a:latin typeface="Cambria Math" panose="02040503050406030204" pitchFamily="18" charset="0"/>
+                </a:endParaRPr>
+              </a:p>
+              <a:p>
+                <a:pPr marL="0" indent="0">
+                  <a:buNone/>
+                </a:pPr>
+                <a:r>
+                  <a:rPr lang="en-GB" sz="3800" dirty="0">
+                    <a:ea typeface="Cambria Math" panose="02040503050406030204" pitchFamily="18" charset="0"/>
+                  </a:rPr>
+                  <a:t>	</a:t>
+                </a:r>
+                <a14:m>
+                  <m:oMath xmlns:m="http://schemas.openxmlformats.org/officeDocument/2006/math">
+                    <m:r>
+                      <a:rPr lang="en-GB" sz="3800" i="1">
+                        <a:latin typeface="Cambria Math" panose="02040503050406030204" pitchFamily="18" charset="0"/>
+                        <a:ea typeface="Cambria Math" panose="02040503050406030204" pitchFamily="18" charset="0"/>
+                      </a:rPr>
+                      <m:t>ℱ</m:t>
+                    </m:r>
+                    <m:d>
+                      <m:dPr>
+                        <m:begChr m:val="{"/>
+                        <m:endChr m:val="}"/>
+                        <m:ctrlPr>
+                          <a:rPr lang="en-GB" sz="3800" i="1">
+                            <a:latin typeface="Cambria Math" panose="02040503050406030204" pitchFamily="18" charset="0"/>
+                            <a:ea typeface="Cambria Math" panose="02040503050406030204" pitchFamily="18" charset="0"/>
+                          </a:rPr>
+                        </m:ctrlPr>
+                      </m:dPr>
+                      <m:e>
+                        <m:r>
+                          <a:rPr lang="de-DE" sz="3800" b="0" i="1" smtClean="0">
+                            <a:latin typeface="Cambria Math" panose="02040503050406030204" pitchFamily="18" charset="0"/>
+                            <a:ea typeface="Cambria Math" panose="02040503050406030204" pitchFamily="18" charset="0"/>
+                          </a:rPr>
+                          <m:t>𝑓</m:t>
+                        </m:r>
+                        <m:d>
+                          <m:dPr>
+                            <m:ctrlPr>
+                              <a:rPr lang="en-GB" sz="3800" i="1">
+                                <a:latin typeface="Cambria Math" panose="02040503050406030204" pitchFamily="18" charset="0"/>
+                                <a:ea typeface="Cambria Math" panose="02040503050406030204" pitchFamily="18" charset="0"/>
+                              </a:rPr>
+                            </m:ctrlPr>
+                          </m:dPr>
+                          <m:e>
+                            <m:r>
+                              <a:rPr lang="de-DE" sz="3800" b="0" i="1" smtClean="0">
+                                <a:latin typeface="Cambria Math" panose="02040503050406030204" pitchFamily="18" charset="0"/>
+                                <a:ea typeface="Cambria Math" panose="02040503050406030204" pitchFamily="18" charset="0"/>
+                              </a:rPr>
+                              <m:t>𝑡</m:t>
+                            </m:r>
+                          </m:e>
+                        </m:d>
+                      </m:e>
+                    </m:d>
+                    <m:r>
+                      <a:rPr lang="de-DE" sz="3800" b="0" i="1" smtClean="0">
+                        <a:latin typeface="Cambria Math" panose="02040503050406030204" pitchFamily="18" charset="0"/>
+                        <a:ea typeface="Cambria Math" panose="02040503050406030204" pitchFamily="18" charset="0"/>
+                      </a:rPr>
+                      <m:t>=</m:t>
+                    </m:r>
+                    <m:r>
+                      <a:rPr lang="de-DE" sz="3800" b="0" i="1" smtClean="0">
+                        <a:latin typeface="Cambria Math" panose="02040503050406030204" pitchFamily="18" charset="0"/>
+                      </a:rPr>
+                      <m:t>𝐹</m:t>
+                    </m:r>
+                    <m:d>
+                      <m:dPr>
+                        <m:ctrlPr>
+                          <a:rPr lang="en-GB" sz="3800" i="1">
+                            <a:latin typeface="Cambria Math" panose="02040503050406030204" pitchFamily="18" charset="0"/>
+                          </a:rPr>
+                        </m:ctrlPr>
+                      </m:dPr>
+                      <m:e>
+                        <m:r>
+                          <a:rPr lang="en-GB" sz="3800" i="1">
+                            <a:latin typeface="Cambria Math" panose="02040503050406030204" pitchFamily="18" charset="0"/>
+                            <a:ea typeface="Cambria Math" panose="02040503050406030204" pitchFamily="18" charset="0"/>
+                          </a:rPr>
+                          <m:t>𝜔</m:t>
+                        </m:r>
+                      </m:e>
+                    </m:d>
+                    <m:r>
+                      <a:rPr lang="en-GB" sz="3800" i="1">
+                        <a:latin typeface="Cambria Math" panose="02040503050406030204" pitchFamily="18" charset="0"/>
+                      </a:rPr>
+                      <m:t>=</m:t>
+                    </m:r>
+                    <m:nary>
+                      <m:naryPr>
+                        <m:ctrlPr>
+                          <a:rPr lang="en-GB" sz="3800" i="1">
+                            <a:latin typeface="Cambria Math" panose="02040503050406030204" pitchFamily="18" charset="0"/>
+                          </a:rPr>
+                        </m:ctrlPr>
+                      </m:naryPr>
+                      <m:sub>
+                        <m:r>
+                          <m:rPr>
+                            <m:brk m:alnAt="23"/>
+                          </m:rPr>
+                          <a:rPr lang="en-GB" sz="3800" i="1">
+                            <a:latin typeface="Cambria Math" panose="02040503050406030204" pitchFamily="18" charset="0"/>
+                          </a:rPr>
+                          <m:t>−</m:t>
+                        </m:r>
+                        <m:r>
+                          <a:rPr lang="en-GB" sz="3800" i="1">
+                            <a:latin typeface="Cambria Math" panose="02040503050406030204" pitchFamily="18" charset="0"/>
+                            <a:ea typeface="Cambria Math" panose="02040503050406030204" pitchFamily="18" charset="0"/>
+                          </a:rPr>
+                          <m:t>∞</m:t>
+                        </m:r>
+                      </m:sub>
+                      <m:sup>
+                        <m:r>
+                          <a:rPr lang="en-GB" sz="3800" i="1">
+                            <a:latin typeface="Cambria Math" panose="02040503050406030204" pitchFamily="18" charset="0"/>
+                            <a:ea typeface="Cambria Math" panose="02040503050406030204" pitchFamily="18" charset="0"/>
+                          </a:rPr>
+                          <m:t>∞</m:t>
+                        </m:r>
+                      </m:sup>
+                      <m:e>
+                        <m:r>
+                          <a:rPr lang="de-DE" sz="3800" b="0" i="1" smtClean="0">
+                            <a:latin typeface="Cambria Math" panose="02040503050406030204" pitchFamily="18" charset="0"/>
+                            <a:ea typeface="Cambria Math" panose="02040503050406030204" pitchFamily="18" charset="0"/>
+                          </a:rPr>
+                          <m:t>𝑓</m:t>
+                        </m:r>
+                        <m:d>
+                          <m:dPr>
+                            <m:ctrlPr>
+                              <a:rPr lang="en-GB" sz="3800" i="1">
+                                <a:latin typeface="Cambria Math" panose="02040503050406030204" pitchFamily="18" charset="0"/>
+                              </a:rPr>
+                            </m:ctrlPr>
+                          </m:dPr>
+                          <m:e>
+                            <m:r>
+                              <a:rPr lang="de-DE" sz="3800" b="0" i="1" smtClean="0">
+                                <a:latin typeface="Cambria Math" panose="02040503050406030204" pitchFamily="18" charset="0"/>
+                              </a:rPr>
+                              <m:t>𝑡</m:t>
+                            </m:r>
+                          </m:e>
+                        </m:d>
+                        <m:sSup>
+                          <m:sSupPr>
+                            <m:ctrlPr>
+                              <a:rPr lang="en-GB" sz="3800" i="1">
+                                <a:latin typeface="Cambria Math" panose="02040503050406030204" pitchFamily="18" charset="0"/>
+                              </a:rPr>
+                            </m:ctrlPr>
+                          </m:sSupPr>
+                          <m:e>
+                            <m:r>
+                              <a:rPr lang="en-GB" sz="3800" i="1">
+                                <a:latin typeface="Cambria Math" panose="02040503050406030204" pitchFamily="18" charset="0"/>
+                              </a:rPr>
+                              <m:t>𝑒</m:t>
+                            </m:r>
+                          </m:e>
+                          <m:sup>
+                            <m:r>
+                              <a:rPr lang="en-GB" sz="3800" i="1">
+                                <a:latin typeface="Cambria Math" panose="02040503050406030204" pitchFamily="18" charset="0"/>
+                              </a:rPr>
+                              <m:t>−</m:t>
+                            </m:r>
+                            <m:r>
+                              <a:rPr lang="en-GB" sz="3800" i="1">
+                                <a:latin typeface="Cambria Math" panose="02040503050406030204" pitchFamily="18" charset="0"/>
+                              </a:rPr>
+                              <m:t>𝑖</m:t>
+                            </m:r>
+                            <m:r>
+                              <a:rPr lang="el-GR" sz="3800" i="1">
+                                <a:latin typeface="Cambria Math" panose="02040503050406030204" pitchFamily="18" charset="0"/>
+                              </a:rPr>
+                              <m:t>𝜔</m:t>
+                            </m:r>
+                            <m:r>
+                              <a:rPr lang="de-DE" sz="3800" b="0" i="1" smtClean="0">
+                                <a:latin typeface="Cambria Math" panose="02040503050406030204" pitchFamily="18" charset="0"/>
+                              </a:rPr>
+                              <m:t>𝑡</m:t>
+                            </m:r>
+                          </m:sup>
+                        </m:sSup>
+                        <m:r>
+                          <a:rPr lang="en-GB" sz="3800" i="1">
+                            <a:latin typeface="Cambria Math" panose="02040503050406030204" pitchFamily="18" charset="0"/>
+                          </a:rPr>
+                          <m:t>𝑑</m:t>
+                        </m:r>
+                        <m:r>
+                          <a:rPr lang="de-DE" sz="3800" b="0" i="1" smtClean="0">
+                            <a:latin typeface="Cambria Math" panose="02040503050406030204" pitchFamily="18" charset="0"/>
+                          </a:rPr>
+                          <m:t>𝑡</m:t>
+                        </m:r>
+                      </m:e>
+                    </m:nary>
+                  </m:oMath>
+                </a14:m>
+                <a:endParaRPr lang="en-GB" sz="3800" dirty="0"/>
+              </a:p>
+              <a:p>
+                <a:pPr marL="0" indent="0">
+                  <a:buNone/>
+                </a:pPr>
+                <a:endParaRPr lang="en-GB" sz="3800" dirty="0"/>
+              </a:p>
+              <a:p>
+                <a:pPr marL="0" indent="0">
+                  <a:buNone/>
+                </a:pPr>
+                <a:r>
+                  <a:rPr lang="en-GB" sz="3800" dirty="0"/>
+                  <a:t>Tells which frequencies </a:t>
+                </a:r>
+                <a14:m>
+                  <m:oMath xmlns:m="http://schemas.openxmlformats.org/officeDocument/2006/math">
+                    <m:r>
+                      <a:rPr lang="el-GR" sz="3800" i="1">
+                        <a:latin typeface="Cambria Math" panose="02040503050406030204" pitchFamily="18" charset="0"/>
+                      </a:rPr>
+                      <m:t>𝜔</m:t>
+                    </m:r>
+                  </m:oMath>
+                </a14:m>
+                <a:r>
+                  <a:rPr lang="en-GB" sz="3800" dirty="0"/>
+                  <a:t> are present in a signal or system</a:t>
+                </a:r>
+              </a:p>
+              <a:p>
+                <a:pPr marL="0" indent="0">
+                  <a:buNone/>
+                </a:pPr>
+                <a:r>
+                  <a:rPr lang="en-GB" sz="3800" dirty="0"/>
+                  <a:t>To be exact, tabulation of both magnitude and phase response at each frequency </a:t>
+                </a:r>
+                <a:r>
+                  <a:rPr lang="en-GB" sz="3800" dirty="0">
+                    <a:sym typeface="Wingdings" pitchFamily="2" charset="2"/>
+                  </a:rPr>
+                  <a:t> complex numbers</a:t>
+                </a:r>
+                <a:r>
+                  <a:rPr lang="en-GB" sz="3800" dirty="0"/>
+                  <a:t>:</a:t>
+                </a:r>
+              </a:p>
+              <a:p>
+                <a:pPr marL="0" indent="0">
+                  <a:buNone/>
+                </a:pPr>
+                <a:r>
+                  <a:rPr lang="en-GB" sz="3800" dirty="0"/>
+                  <a:t>	</a:t>
+                </a:r>
+                <a14:m>
+                  <m:oMath xmlns:m="http://schemas.openxmlformats.org/officeDocument/2006/math">
+                    <m:r>
+                      <a:rPr lang="de-DE" sz="3800" i="1">
+                        <a:latin typeface="Cambria Math" panose="02040503050406030204" pitchFamily="18" charset="0"/>
+                      </a:rPr>
+                      <m:t>𝐹</m:t>
+                    </m:r>
+                    <m:d>
+                      <m:dPr>
+                        <m:ctrlPr>
+                          <a:rPr lang="en-GB" sz="3800" i="1">
+                            <a:latin typeface="Cambria Math" panose="02040503050406030204" pitchFamily="18" charset="0"/>
+                          </a:rPr>
+                        </m:ctrlPr>
+                      </m:dPr>
+                      <m:e>
+                        <m:r>
+                          <a:rPr lang="en-GB" sz="3800" i="1">
+                            <a:latin typeface="Cambria Math" panose="02040503050406030204" pitchFamily="18" charset="0"/>
+                            <a:ea typeface="Cambria Math" panose="02040503050406030204" pitchFamily="18" charset="0"/>
+                          </a:rPr>
+                          <m:t>𝜔</m:t>
+                        </m:r>
+                      </m:e>
+                    </m:d>
+                    <m:r>
+                      <a:rPr lang="en-GB" sz="3800" i="1">
+                        <a:latin typeface="Cambria Math" panose="02040503050406030204" pitchFamily="18" charset="0"/>
+                        <a:ea typeface="Cambria Math" panose="02040503050406030204" pitchFamily="18" charset="0"/>
+                      </a:rPr>
+                      <m:t>=</m:t>
+                    </m:r>
+                    <m:d>
+                      <m:dPr>
+                        <m:begChr m:val="|"/>
+                        <m:endChr m:val="|"/>
+                        <m:ctrlPr>
+                          <a:rPr lang="en-GB" sz="3800" i="1" smtClean="0">
+                            <a:latin typeface="Cambria Math" panose="02040503050406030204" pitchFamily="18" charset="0"/>
+                            <a:ea typeface="Cambria Math" panose="02040503050406030204" pitchFamily="18" charset="0"/>
+                          </a:rPr>
+                        </m:ctrlPr>
+                      </m:dPr>
+                      <m:e>
+                        <m:r>
+                          <a:rPr lang="de-DE" sz="3800" i="1">
+                            <a:latin typeface="Cambria Math" panose="02040503050406030204" pitchFamily="18" charset="0"/>
+                          </a:rPr>
+                          <m:t>𝐹</m:t>
+                        </m:r>
+                        <m:d>
+                          <m:dPr>
+                            <m:ctrlPr>
+                              <a:rPr lang="en-GB" sz="3800" i="1">
+                                <a:latin typeface="Cambria Math" panose="02040503050406030204" pitchFamily="18" charset="0"/>
+                              </a:rPr>
+                            </m:ctrlPr>
+                          </m:dPr>
+                          <m:e>
+                            <m:r>
+                              <a:rPr lang="en-GB" sz="3800" i="1">
+                                <a:latin typeface="Cambria Math" panose="02040503050406030204" pitchFamily="18" charset="0"/>
+                                <a:ea typeface="Cambria Math" panose="02040503050406030204" pitchFamily="18" charset="0"/>
+                              </a:rPr>
+                              <m:t>𝜔</m:t>
+                            </m:r>
+                          </m:e>
+                        </m:d>
+                      </m:e>
+                    </m:d>
+                    <m:sSup>
+                      <m:sSupPr>
+                        <m:ctrlPr>
+                          <a:rPr lang="en-GB" sz="3800" i="1">
+                            <a:latin typeface="Cambria Math" panose="02040503050406030204" pitchFamily="18" charset="0"/>
+                          </a:rPr>
+                        </m:ctrlPr>
+                      </m:sSupPr>
+                      <m:e>
+                        <m:r>
+                          <a:rPr lang="en-GB" sz="3800" i="1">
+                            <a:latin typeface="Cambria Math" panose="02040503050406030204" pitchFamily="18" charset="0"/>
+                          </a:rPr>
+                          <m:t>𝑒</m:t>
+                        </m:r>
+                      </m:e>
+                      <m:sup>
+                        <m:r>
+                          <a:rPr lang="en-GB" sz="3800" i="1">
+                            <a:latin typeface="Cambria Math" panose="02040503050406030204" pitchFamily="18" charset="0"/>
+                          </a:rPr>
+                          <m:t>𝑖</m:t>
+                        </m:r>
+                        <m:r>
+                          <a:rPr lang="en-GB" sz="3800" i="1">
+                            <a:latin typeface="Cambria Math" panose="02040503050406030204" pitchFamily="18" charset="0"/>
+                            <a:ea typeface="Cambria Math" panose="02040503050406030204" pitchFamily="18" charset="0"/>
+                          </a:rPr>
+                          <m:t>𝜙</m:t>
+                        </m:r>
+                      </m:sup>
+                    </m:sSup>
+                  </m:oMath>
+                </a14:m>
+                <a:endParaRPr lang="en-GB" sz="3800" i="1" dirty="0">
+                  <a:latin typeface="Cambria Math" panose="02040503050406030204" pitchFamily="18" charset="0"/>
+                  <a:ea typeface="Cambria Math" panose="02040503050406030204" pitchFamily="18" charset="0"/>
+                </a:endParaRPr>
+              </a:p>
+              <a:p>
+                <a:pPr marL="0" indent="0">
+                  <a:buNone/>
+                </a:pPr>
+                <a:endParaRPr lang="en-GB" sz="3800" i="1" dirty="0">
+                  <a:latin typeface="Cambria Math" panose="02040503050406030204" pitchFamily="18" charset="0"/>
+                  <a:ea typeface="Cambria Math" panose="02040503050406030204" pitchFamily="18" charset="0"/>
+                </a:endParaRPr>
+              </a:p>
+              <a:p>
+                <a:pPr/>
+                <a14:m>
+                  <m:oMath xmlns:m="http://schemas.openxmlformats.org/officeDocument/2006/math">
+                    <m:d>
+                      <m:dPr>
+                        <m:begChr m:val="|"/>
+                        <m:endChr m:val="|"/>
+                        <m:ctrlPr>
+                          <a:rPr lang="en-GB" sz="3800" i="1">
+                            <a:latin typeface="Cambria Math" panose="02040503050406030204" pitchFamily="18" charset="0"/>
+                            <a:ea typeface="Cambria Math" panose="02040503050406030204" pitchFamily="18" charset="0"/>
+                          </a:rPr>
+                        </m:ctrlPr>
+                      </m:dPr>
+                      <m:e>
+                        <m:r>
+                          <a:rPr lang="de-DE" sz="3800" i="1">
+                            <a:latin typeface="Cambria Math" panose="02040503050406030204" pitchFamily="18" charset="0"/>
+                          </a:rPr>
+                          <m:t>𝐹</m:t>
+                        </m:r>
+                        <m:d>
+                          <m:dPr>
+                            <m:ctrlPr>
+                              <a:rPr lang="en-GB" sz="3800" i="1">
+                                <a:latin typeface="Cambria Math" panose="02040503050406030204" pitchFamily="18" charset="0"/>
+                              </a:rPr>
+                            </m:ctrlPr>
+                          </m:dPr>
+                          <m:e>
+                            <m:r>
+                              <a:rPr lang="en-GB" sz="3800" i="1">
+                                <a:latin typeface="Cambria Math" panose="02040503050406030204" pitchFamily="18" charset="0"/>
+                                <a:ea typeface="Cambria Math" panose="02040503050406030204" pitchFamily="18" charset="0"/>
+                              </a:rPr>
+                              <m:t>𝜔</m:t>
+                            </m:r>
+                          </m:e>
+                        </m:d>
+                      </m:e>
+                    </m:d>
+                  </m:oMath>
+                </a14:m>
+                <a:r>
+                  <a:rPr lang="en-GB" sz="3800" dirty="0"/>
+                  <a:t>: how much of that frequency in the signal (</a:t>
+                </a:r>
+                <a:r>
+                  <a:rPr lang="de-DE" sz="3800" dirty="0" err="1"/>
+                  <a:t>how</a:t>
+                </a:r>
+                <a:r>
+                  <a:rPr lang="de-DE" sz="3800" dirty="0"/>
+                  <a:t> </a:t>
+                </a:r>
+                <a:r>
+                  <a:rPr lang="de-DE" sz="3800" dirty="0" err="1"/>
+                  <a:t>much</a:t>
+                </a:r>
+                <a:r>
+                  <a:rPr lang="de-DE" sz="3800" dirty="0"/>
+                  <a:t> </a:t>
+                </a:r>
+                <a:r>
+                  <a:rPr lang="de-DE" sz="3800" dirty="0" err="1"/>
+                  <a:t>the</a:t>
+                </a:r>
+                <a:r>
+                  <a:rPr lang="de-DE" sz="3800" dirty="0"/>
+                  <a:t> </a:t>
+                </a:r>
+                <a:r>
+                  <a:rPr lang="de-DE" sz="3800" dirty="0" err="1"/>
+                  <a:t>system</a:t>
+                </a:r>
+                <a:r>
+                  <a:rPr lang="de-DE" sz="3800" dirty="0"/>
+                  <a:t> </a:t>
+                </a:r>
+                <a:r>
+                  <a:rPr lang="de-DE" sz="3800" dirty="0" err="1"/>
+                  <a:t>scales</a:t>
+                </a:r>
+                <a:r>
+                  <a:rPr lang="de-DE" sz="3800" dirty="0"/>
+                  <a:t> </a:t>
+                </a:r>
+                <a:r>
+                  <a:rPr lang="de-DE" sz="3800" dirty="0" err="1"/>
+                  <a:t>each</a:t>
+                </a:r>
+                <a:r>
+                  <a:rPr lang="de-DE" sz="3800" dirty="0"/>
+                  <a:t> </a:t>
+                </a:r>
+                <a:r>
+                  <a:rPr lang="de-DE" sz="3800" dirty="0" err="1"/>
+                  <a:t>frequency</a:t>
+                </a:r>
+                <a:r>
+                  <a:rPr lang="en-GB" sz="3800" dirty="0"/>
+                  <a:t>)</a:t>
+                </a:r>
+              </a:p>
+              <a:p>
+                <a:pPr/>
+                <a14:m>
+                  <m:oMath xmlns:m="http://schemas.openxmlformats.org/officeDocument/2006/math">
+                    <m:r>
+                      <a:rPr lang="en-GB" sz="3800" i="1">
+                        <a:latin typeface="Cambria Math" panose="02040503050406030204" pitchFamily="18" charset="0"/>
+                        <a:ea typeface="Cambria Math" panose="02040503050406030204" pitchFamily="18" charset="0"/>
+                      </a:rPr>
+                      <m:t>𝜙</m:t>
+                    </m:r>
+                  </m:oMath>
+                </a14:m>
+                <a:r>
+                  <a:rPr lang="en-GB" sz="3800" dirty="0"/>
+                  <a:t>: time shift of that frequency (</a:t>
+                </a:r>
+                <a:r>
+                  <a:rPr lang="de-DE" sz="3800" dirty="0" err="1"/>
+                  <a:t>how</a:t>
+                </a:r>
+                <a:r>
+                  <a:rPr lang="de-DE" sz="3800" dirty="0"/>
+                  <a:t> </a:t>
+                </a:r>
+                <a:r>
+                  <a:rPr lang="de-DE" sz="3800" dirty="0" err="1"/>
+                  <a:t>much</a:t>
+                </a:r>
+                <a:r>
+                  <a:rPr lang="de-DE" sz="3800" dirty="0"/>
+                  <a:t> </a:t>
+                </a:r>
+                <a:r>
+                  <a:rPr lang="de-DE" sz="3800" dirty="0" err="1"/>
+                  <a:t>the</a:t>
+                </a:r>
+                <a:r>
+                  <a:rPr lang="de-DE" sz="3800" dirty="0"/>
+                  <a:t> </a:t>
+                </a:r>
+                <a:r>
+                  <a:rPr lang="de-DE" sz="3800" dirty="0" err="1"/>
+                  <a:t>system</a:t>
+                </a:r>
+                <a:r>
+                  <a:rPr lang="de-DE" sz="3800" dirty="0"/>
+                  <a:t> </a:t>
+                </a:r>
+                <a:r>
+                  <a:rPr lang="de-DE" sz="3800" dirty="0" err="1"/>
+                  <a:t>shifts</a:t>
+                </a:r>
+                <a:r>
+                  <a:rPr lang="de-DE" sz="3800" dirty="0"/>
+                  <a:t> </a:t>
+                </a:r>
+                <a:r>
+                  <a:rPr lang="de-DE" sz="3800" dirty="0" err="1"/>
+                  <a:t>each</a:t>
+                </a:r>
+                <a:r>
+                  <a:rPr lang="de-DE" sz="3800" dirty="0"/>
+                  <a:t> </a:t>
+                </a:r>
+                <a:r>
+                  <a:rPr lang="de-DE" sz="3800" dirty="0" err="1"/>
+                  <a:t>frequency</a:t>
+                </a:r>
+                <a:r>
+                  <a:rPr lang="en-GB" sz="3800" dirty="0"/>
+                  <a:t>)</a:t>
+                </a:r>
+              </a:p>
+              <a:p>
+                <a:pPr marL="0" indent="0">
+                  <a:buNone/>
+                </a:pPr>
+                <a:endParaRPr lang="en-GB" dirty="0"/>
+              </a:p>
+              <a:p>
+                <a:pPr marL="0" indent="0">
+                  <a:buNone/>
+                </a:pPr>
+                <a:endParaRPr lang="de-DE" dirty="0"/>
+              </a:p>
+            </p:txBody>
+          </p:sp>
+        </mc:Choice>
+        <mc:Fallback>
+          <p:sp>
+            <p:nvSpPr>
+              <p:cNvPr id="3" name="Inhaltsplatzhalter 2">
+                <a:extLst>
+                  <a:ext uri="{FF2B5EF4-FFF2-40B4-BE49-F238E27FC236}">
+                    <a16:creationId xmlns:a16="http://schemas.microsoft.com/office/drawing/2014/main" id="{968BBEA0-AF7E-E525-FC6B-1BF45F89E95D}"/>
+                  </a:ext>
+                </a:extLst>
+              </p:cNvPr>
+              <p:cNvSpPr>
+                <a:spLocks noGrp="1" noRot="1" noChangeAspect="1" noMove="1" noResize="1" noEditPoints="1" noAdjustHandles="1" noChangeArrowheads="1" noChangeShapeType="1" noTextEdit="1"/>
+              </p:cNvSpPr>
+              <p:nvPr>
+                <p:ph idx="1"/>
+              </p:nvPr>
+            </p:nvSpPr>
+            <p:spPr>
+              <a:blipFill>
+                <a:blip r:embed="rId2"/>
+                <a:stretch>
+                  <a:fillRect l="-965" t="-9302"/>
+                </a:stretch>
+              </a:blipFill>
+            </p:spPr>
+            <p:txBody>
+              <a:bodyPr/>
+              <a:lstStyle/>
+              <a:p>
+                <a:r>
+                  <a:rPr lang="de-DE">
+                    <a:noFill/>
+                  </a:rPr>
+                  <a:t> </a:t>
+                </a:r>
+              </a:p>
+            </p:txBody>
+          </p:sp>
+        </mc:Fallback>
+      </mc:AlternateContent>
       <p:sp>
         <p:nvSpPr>
           <p:cNvPr id="4" name="Foliennummernplatzhalter 3">
             <a:extLst>
               <a:ext uri="{FF2B5EF4-FFF2-40B4-BE49-F238E27FC236}">
-                <a16:creationId xmlns:a16="http://schemas.microsoft.com/office/drawing/2014/main" id="{15ADA87C-833A-FBF6-AD8D-199E591EEC86}"/>
+                <a16:creationId xmlns:a16="http://schemas.microsoft.com/office/drawing/2014/main" id="{1AEBB75C-DADB-4E35-480C-549B10D196BF}"/>
               </a:ext>
             </a:extLst>
           </p:cNvPr>
@@ -5498,7 +6694,7 @@
     </p:spTree>
     <p:extLst>
       <p:ext uri="{BB962C8B-B14F-4D97-AF65-F5344CB8AC3E}">
-        <p14:creationId xmlns:p14="http://schemas.microsoft.com/office/powerpoint/2010/main" val="3686807095"/>
+        <p14:creationId xmlns:p14="http://schemas.microsoft.com/office/powerpoint/2010/main" val="1864899236"/>
       </p:ext>
     </p:extLst>
   </p:cSld>
@@ -5530,7 +6726,7 @@
           <p:cNvPr id="2" name="Titel 1">
             <a:extLst>
               <a:ext uri="{FF2B5EF4-FFF2-40B4-BE49-F238E27FC236}">
-                <a16:creationId xmlns:a16="http://schemas.microsoft.com/office/drawing/2014/main" id="{05599DE0-CD22-B2A9-150F-84B7FAEF26E4}"/>
+                <a16:creationId xmlns:a16="http://schemas.microsoft.com/office/drawing/2014/main" id="{C1E302EC-437E-EA3F-ABBD-12AB0D05C595}"/>
               </a:ext>
             </a:extLst>
           </p:cNvPr>
@@ -5548,7 +6744,7 @@
           <a:p>
             <a:r>
               <a:rPr lang="de-DE" dirty="0"/>
-              <a:t>Laplace </a:t>
+              <a:t>Idea </a:t>
             </a:r>
             <a:r>
               <a:rPr lang="de-DE" dirty="0" err="1"/>
@@ -5556,66 +6752,482 @@
             </a:r>
             <a:r>
               <a:rPr lang="de-DE" dirty="0"/>
-              <a:t> Common Signals</a:t>
-            </a:r>
-          </a:p>
-        </p:txBody>
-      </p:sp>
-      <p:sp>
-        <p:nvSpPr>
-          <p:cNvPr id="3" name="Inhaltsplatzhalter 2">
-            <a:extLst>
-              <a:ext uri="{FF2B5EF4-FFF2-40B4-BE49-F238E27FC236}">
-                <a16:creationId xmlns:a16="http://schemas.microsoft.com/office/drawing/2014/main" id="{8EE54BF1-6B75-C6B0-1AE0-729255FF4F9B}"/>
-              </a:ext>
-            </a:extLst>
-          </p:cNvPr>
-          <p:cNvSpPr>
-            <a:spLocks noGrp="1"/>
-          </p:cNvSpPr>
-          <p:nvPr>
-            <p:ph idx="1"/>
-          </p:nvPr>
-        </p:nvSpPr>
-        <p:spPr/>
-        <p:txBody>
-          <a:bodyPr/>
-          <a:lstStyle/>
-          <a:p>
-            <a:r>
-              <a:rPr lang="de-DE" dirty="0" err="1"/>
-              <a:t>Step</a:t>
-            </a:r>
-            <a:endParaRPr lang="de-DE" dirty="0"/>
-          </a:p>
-          <a:p>
-            <a:r>
-              <a:rPr lang="de-DE" dirty="0"/>
-              <a:t>Ramp</a:t>
-            </a:r>
-          </a:p>
-          <a:p>
-            <a:r>
-              <a:rPr lang="de-DE" dirty="0" err="1"/>
-              <a:t>Exponential</a:t>
-            </a:r>
-            <a:endParaRPr lang="de-DE" dirty="0"/>
-          </a:p>
-          <a:p>
-            <a:r>
-              <a:rPr lang="de-DE" dirty="0" err="1"/>
-              <a:t>Sinusoid</a:t>
-            </a:r>
-            <a:endParaRPr lang="de-DE" dirty="0"/>
-          </a:p>
-        </p:txBody>
-      </p:sp>
+              <a:t> Laplace Transform</a:t>
+            </a:r>
+          </a:p>
+        </p:txBody>
+      </p:sp>
+      <mc:AlternateContent xmlns:mc="http://schemas.openxmlformats.org/markup-compatibility/2006">
+        <mc:Choice xmlns:a14="http://schemas.microsoft.com/office/drawing/2010/main" Requires="a14">
+          <p:sp>
+            <p:nvSpPr>
+              <p:cNvPr id="3" name="Inhaltsplatzhalter 2">
+                <a:extLst>
+                  <a:ext uri="{FF2B5EF4-FFF2-40B4-BE49-F238E27FC236}">
+                    <a16:creationId xmlns:a16="http://schemas.microsoft.com/office/drawing/2014/main" id="{6B48E3CE-4367-8744-A430-4E4C2B85D206}"/>
+                  </a:ext>
+                </a:extLst>
+              </p:cNvPr>
+              <p:cNvSpPr>
+                <a:spLocks noGrp="1"/>
+              </p:cNvSpPr>
+              <p:nvPr>
+                <p:ph idx="1"/>
+              </p:nvPr>
+            </p:nvSpPr>
+            <p:spPr/>
+            <p:txBody>
+              <a:bodyPr>
+                <a:normAutofit lnSpcReduction="10000"/>
+              </a:bodyPr>
+              <a:lstStyle/>
+              <a:p>
+                <a:pPr marL="0" indent="0">
+                  <a:buNone/>
+                </a:pPr>
+                <a:r>
+                  <a:rPr lang="de-DE" sz="2600" dirty="0"/>
+                  <a:t>Extend Fourier </a:t>
+                </a:r>
+                <a:r>
+                  <a:rPr lang="de-DE" sz="2600" dirty="0" err="1"/>
+                  <a:t>transform</a:t>
+                </a:r>
+                <a:r>
+                  <a:rPr lang="de-DE" sz="2600" dirty="0"/>
+                  <a:t> </a:t>
+                </a:r>
+                <a:r>
+                  <a:rPr lang="de-DE" sz="2600" dirty="0" err="1"/>
+                  <a:t>to</a:t>
+                </a:r>
+                <a:r>
+                  <a:rPr lang="de-DE" sz="2600" dirty="0"/>
+                  <a:t> </a:t>
+                </a:r>
+                <a:r>
+                  <a:rPr lang="de-DE" sz="2600" dirty="0" err="1"/>
+                  <a:t>include</a:t>
+                </a:r>
+                <a:r>
+                  <a:rPr lang="de-DE" sz="2600" dirty="0"/>
+                  <a:t> </a:t>
+                </a:r>
+                <a:r>
+                  <a:rPr lang="de-DE" sz="2600" dirty="0" err="1"/>
+                  <a:t>information</a:t>
+                </a:r>
+                <a:r>
+                  <a:rPr lang="de-DE" sz="2600" dirty="0"/>
+                  <a:t> </a:t>
+                </a:r>
+                <a:r>
+                  <a:rPr lang="de-DE" sz="2600" dirty="0" err="1"/>
+                  <a:t>about</a:t>
+                </a:r>
+                <a:r>
+                  <a:rPr lang="de-DE" sz="2600" dirty="0"/>
+                  <a:t> </a:t>
+                </a:r>
+                <a:r>
+                  <a:rPr lang="de-DE" sz="2600" dirty="0" err="1"/>
+                  <a:t>growth</a:t>
+                </a:r>
+                <a:r>
+                  <a:rPr lang="de-DE" sz="2600" dirty="0"/>
+                  <a:t>/</a:t>
+                </a:r>
+                <a:r>
+                  <a:rPr lang="de-DE" sz="2600" dirty="0" err="1"/>
+                  <a:t>decay</a:t>
+                </a:r>
+                <a:r>
+                  <a:rPr lang="de-DE" sz="2600" dirty="0"/>
+                  <a:t> </a:t>
+                </a:r>
+                <a:r>
+                  <a:rPr lang="de-DE" sz="2600" dirty="0" err="1"/>
+                  <a:t>behavior</a:t>
+                </a:r>
+                <a:endParaRPr lang="de-DE" sz="2600" dirty="0"/>
+              </a:p>
+              <a:p>
+                <a:pPr marL="0" indent="0">
+                  <a:buNone/>
+                </a:pPr>
+                <a:endParaRPr lang="de-DE" sz="2600" b="1" dirty="0"/>
+              </a:p>
+              <a:p>
+                <a:pPr marL="0" indent="0">
+                  <a:buNone/>
+                </a:pPr>
+                <a:r>
+                  <a:rPr lang="de-DE" sz="2600" dirty="0">
+                    <a:sym typeface="Wingdings" pitchFamily="2" charset="2"/>
+                  </a:rPr>
+                  <a:t> </a:t>
+                </a:r>
+                <a:r>
+                  <a:rPr lang="de-DE" sz="2600" dirty="0"/>
+                  <a:t>Add </a:t>
+                </a:r>
+                <a:r>
+                  <a:rPr lang="de-DE" sz="2600" dirty="0" err="1"/>
+                  <a:t>exponential</a:t>
+                </a:r>
+                <a:r>
+                  <a:rPr lang="de-DE" sz="2600" dirty="0"/>
+                  <a:t> </a:t>
+                </a:r>
+                <a:r>
+                  <a:rPr lang="de-DE" sz="2600" dirty="0" err="1"/>
+                  <a:t>weighting</a:t>
+                </a:r>
+                <a:r>
+                  <a:rPr lang="de-DE" sz="2600" dirty="0"/>
+                  <a:t>:</a:t>
+                </a:r>
+              </a:p>
+              <a:p>
+                <a:pPr marL="0" indent="0">
+                  <a:buNone/>
+                </a:pPr>
+                <a:r>
+                  <a:rPr lang="en-GB" sz="2600" dirty="0"/>
+                  <a:t>	</a:t>
+                </a:r>
+                <a14:m>
+                  <m:oMath xmlns:m="http://schemas.openxmlformats.org/officeDocument/2006/math">
+                    <m:sSup>
+                      <m:sSupPr>
+                        <m:ctrlPr>
+                          <a:rPr lang="en-GB" sz="2600" i="1">
+                            <a:latin typeface="Cambria Math" panose="02040503050406030204" pitchFamily="18" charset="0"/>
+                          </a:rPr>
+                        </m:ctrlPr>
+                      </m:sSupPr>
+                      <m:e>
+                        <m:r>
+                          <a:rPr lang="en-GB" sz="2600" i="1">
+                            <a:latin typeface="Cambria Math" panose="02040503050406030204" pitchFamily="18" charset="0"/>
+                          </a:rPr>
+                          <m:t>𝑒</m:t>
+                        </m:r>
+                      </m:e>
+                      <m:sup>
+                        <m:r>
+                          <a:rPr lang="en-GB" sz="2600" i="1">
+                            <a:latin typeface="Cambria Math" panose="02040503050406030204" pitchFamily="18" charset="0"/>
+                          </a:rPr>
+                          <m:t>−</m:t>
+                        </m:r>
+                        <m:r>
+                          <a:rPr lang="en-GB" sz="2600" i="1">
+                            <a:latin typeface="Cambria Math" panose="02040503050406030204" pitchFamily="18" charset="0"/>
+                          </a:rPr>
+                          <m:t>𝑖</m:t>
+                        </m:r>
+                        <m:r>
+                          <a:rPr lang="el-GR" sz="2600" i="1">
+                            <a:latin typeface="Cambria Math" panose="02040503050406030204" pitchFamily="18" charset="0"/>
+                          </a:rPr>
+                          <m:t>𝜔</m:t>
+                        </m:r>
+                        <m:r>
+                          <a:rPr lang="de-DE" sz="2600" i="1">
+                            <a:latin typeface="Cambria Math" panose="02040503050406030204" pitchFamily="18" charset="0"/>
+                          </a:rPr>
+                          <m:t>𝑡</m:t>
+                        </m:r>
+                      </m:sup>
+                    </m:sSup>
+                    <m:r>
+                      <a:rPr lang="de-DE" sz="2600" i="1" smtClean="0">
+                        <a:latin typeface="Cambria Math" panose="02040503050406030204" pitchFamily="18" charset="0"/>
+                        <a:ea typeface="Cambria Math" panose="02040503050406030204" pitchFamily="18" charset="0"/>
+                      </a:rPr>
+                      <m:t>→</m:t>
+                    </m:r>
+                    <m:sSup>
+                      <m:sSupPr>
+                        <m:ctrlPr>
+                          <a:rPr lang="en-GB" sz="2600" i="1">
+                            <a:latin typeface="Cambria Math" panose="02040503050406030204" pitchFamily="18" charset="0"/>
+                          </a:rPr>
+                        </m:ctrlPr>
+                      </m:sSupPr>
+                      <m:e>
+                        <m:r>
+                          <a:rPr lang="en-GB" sz="2600" i="1">
+                            <a:latin typeface="Cambria Math" panose="02040503050406030204" pitchFamily="18" charset="0"/>
+                          </a:rPr>
+                          <m:t>𝑒</m:t>
+                        </m:r>
+                      </m:e>
+                      <m:sup>
+                        <m:r>
+                          <a:rPr lang="en-GB" sz="2600" i="1">
+                            <a:latin typeface="Cambria Math" panose="02040503050406030204" pitchFamily="18" charset="0"/>
+                          </a:rPr>
+                          <m:t>−</m:t>
+                        </m:r>
+                        <m:r>
+                          <a:rPr lang="en-GB" sz="2600" i="1">
+                            <a:latin typeface="Cambria Math" panose="02040503050406030204" pitchFamily="18" charset="0"/>
+                          </a:rPr>
+                          <m:t>𝑖</m:t>
+                        </m:r>
+                        <m:r>
+                          <a:rPr lang="el-GR" sz="2600" i="1">
+                            <a:latin typeface="Cambria Math" panose="02040503050406030204" pitchFamily="18" charset="0"/>
+                          </a:rPr>
+                          <m:t>𝜔</m:t>
+                        </m:r>
+                        <m:r>
+                          <a:rPr lang="de-DE" sz="2600" i="1">
+                            <a:latin typeface="Cambria Math" panose="02040503050406030204" pitchFamily="18" charset="0"/>
+                          </a:rPr>
+                          <m:t>𝑡</m:t>
+                        </m:r>
+                      </m:sup>
+                    </m:sSup>
+                    <m:r>
+                      <a:rPr lang="de-DE" sz="2600" i="1" smtClean="0">
+                        <a:latin typeface="Cambria Math" panose="02040503050406030204" pitchFamily="18" charset="0"/>
+                        <a:ea typeface="Cambria Math" panose="02040503050406030204" pitchFamily="18" charset="0"/>
+                      </a:rPr>
+                      <m:t>∙</m:t>
+                    </m:r>
+                    <m:sSup>
+                      <m:sSupPr>
+                        <m:ctrlPr>
+                          <a:rPr lang="en-GB" sz="2600" i="1">
+                            <a:latin typeface="Cambria Math" panose="02040503050406030204" pitchFamily="18" charset="0"/>
+                          </a:rPr>
+                        </m:ctrlPr>
+                      </m:sSupPr>
+                      <m:e>
+                        <m:r>
+                          <a:rPr lang="en-GB" sz="2600" i="1">
+                            <a:latin typeface="Cambria Math" panose="02040503050406030204" pitchFamily="18" charset="0"/>
+                          </a:rPr>
+                          <m:t>𝑒</m:t>
+                        </m:r>
+                      </m:e>
+                      <m:sup>
+                        <m:r>
+                          <a:rPr lang="en-GB" sz="2600" i="1">
+                            <a:latin typeface="Cambria Math" panose="02040503050406030204" pitchFamily="18" charset="0"/>
+                          </a:rPr>
+                          <m:t>−</m:t>
+                        </m:r>
+                        <m:r>
+                          <a:rPr lang="de-DE" sz="2600" i="1">
+                            <a:latin typeface="Cambria Math" panose="02040503050406030204" pitchFamily="18" charset="0"/>
+                            <a:ea typeface="Cambria Math" panose="02040503050406030204" pitchFamily="18" charset="0"/>
+                          </a:rPr>
+                          <m:t>𝜎</m:t>
+                        </m:r>
+                        <m:r>
+                          <a:rPr lang="de-DE" sz="2600" i="1">
+                            <a:latin typeface="Cambria Math" panose="02040503050406030204" pitchFamily="18" charset="0"/>
+                          </a:rPr>
+                          <m:t>𝑡</m:t>
+                        </m:r>
+                      </m:sup>
+                    </m:sSup>
+                  </m:oMath>
+                </a14:m>
+                <a:endParaRPr lang="de-DE" sz="2600" dirty="0"/>
+              </a:p>
+              <a:p>
+                <a:pPr marL="0" indent="0">
+                  <a:buNone/>
+                </a:pPr>
+                <a:endParaRPr lang="de-DE" sz="2600" dirty="0"/>
+              </a:p>
+              <a:p>
+                <a:pPr marL="0" indent="0">
+                  <a:buNone/>
+                </a:pPr>
+                <a:endParaRPr lang="de-DE" sz="2600" dirty="0"/>
+              </a:p>
+              <a:p>
+                <a:pPr marL="0" indent="0">
+                  <a:buNone/>
+                </a:pPr>
+                <a:endParaRPr lang="de-DE" sz="2600" dirty="0"/>
+              </a:p>
+              <a:p>
+                <a:pPr marL="0" indent="0">
+                  <a:buNone/>
+                </a:pPr>
+                <a:r>
+                  <a:rPr lang="de-DE" sz="2600" dirty="0"/>
+                  <a:t>Combine </a:t>
+                </a:r>
+                <a:r>
+                  <a:rPr lang="de-DE" sz="2600" dirty="0" err="1"/>
+                  <a:t>frequency</a:t>
+                </a:r>
+                <a:r>
+                  <a:rPr lang="de-DE" sz="2600" dirty="0"/>
+                  <a:t> </a:t>
+                </a:r>
+                <a14:m>
+                  <m:oMath xmlns:m="http://schemas.openxmlformats.org/officeDocument/2006/math">
+                    <m:r>
+                      <a:rPr lang="el-GR" sz="2600" i="1">
+                        <a:latin typeface="Cambria Math" panose="02040503050406030204" pitchFamily="18" charset="0"/>
+                      </a:rPr>
+                      <m:t>𝜔</m:t>
+                    </m:r>
+                  </m:oMath>
+                </a14:m>
+                <a:r>
+                  <a:rPr lang="de-DE" sz="2600" dirty="0"/>
+                  <a:t> and growth/</a:t>
+                </a:r>
+                <a:r>
+                  <a:rPr lang="de-DE" sz="2600" dirty="0" err="1"/>
+                  <a:t>decay</a:t>
+                </a:r>
+                <a:r>
+                  <a:rPr lang="de-DE" sz="2600" dirty="0"/>
+                  <a:t> rate </a:t>
+                </a:r>
+                <a14:m>
+                  <m:oMath xmlns:m="http://schemas.openxmlformats.org/officeDocument/2006/math">
+                    <m:r>
+                      <a:rPr lang="de-DE" sz="2600" i="1">
+                        <a:latin typeface="Cambria Math" panose="02040503050406030204" pitchFamily="18" charset="0"/>
+                        <a:ea typeface="Cambria Math" panose="02040503050406030204" pitchFamily="18" charset="0"/>
+                      </a:rPr>
+                      <m:t>𝜎</m:t>
+                    </m:r>
+                  </m:oMath>
+                </a14:m>
+                <a:r>
+                  <a:rPr lang="de-DE" sz="2600" dirty="0"/>
+                  <a:t>:</a:t>
+                </a:r>
+              </a:p>
+              <a:p>
+                <a:pPr marL="0" indent="0">
+                  <a:buNone/>
+                </a:pPr>
+                <a:r>
+                  <a:rPr lang="de-DE" sz="2600" dirty="0"/>
+                  <a:t>	</a:t>
+                </a:r>
+                <a14:m>
+                  <m:oMath xmlns:m="http://schemas.openxmlformats.org/officeDocument/2006/math">
+                    <m:r>
+                      <a:rPr lang="el-GR" sz="2600" i="1">
+                        <a:latin typeface="Cambria Math" panose="02040503050406030204" pitchFamily="18" charset="0"/>
+                      </a:rPr>
+                      <m:t>𝜔</m:t>
+                    </m:r>
+                    <m:r>
+                      <a:rPr lang="de-DE" sz="2600" i="1">
+                        <a:latin typeface="Cambria Math" panose="02040503050406030204" pitchFamily="18" charset="0"/>
+                        <a:ea typeface="Cambria Math" panose="02040503050406030204" pitchFamily="18" charset="0"/>
+                      </a:rPr>
+                      <m:t>→</m:t>
+                    </m:r>
+                    <m:r>
+                      <a:rPr lang="de-DE" sz="2600" i="1">
+                        <a:latin typeface="Cambria Math" panose="02040503050406030204" pitchFamily="18" charset="0"/>
+                      </a:rPr>
+                      <m:t>𝑠</m:t>
+                    </m:r>
+                    <m:r>
+                      <a:rPr lang="de-DE" sz="2600" i="1">
+                        <a:latin typeface="Cambria Math" panose="02040503050406030204" pitchFamily="18" charset="0"/>
+                      </a:rPr>
+                      <m:t>=</m:t>
+                    </m:r>
+                    <m:r>
+                      <a:rPr lang="de-DE" sz="2600" i="1">
+                        <a:latin typeface="Cambria Math" panose="02040503050406030204" pitchFamily="18" charset="0"/>
+                        <a:ea typeface="Cambria Math" panose="02040503050406030204" pitchFamily="18" charset="0"/>
+                      </a:rPr>
+                      <m:t>𝜎</m:t>
+                    </m:r>
+                    <m:r>
+                      <a:rPr lang="de-DE" sz="2600" i="1">
+                        <a:latin typeface="Cambria Math" panose="02040503050406030204" pitchFamily="18" charset="0"/>
+                        <a:ea typeface="Cambria Math" panose="02040503050406030204" pitchFamily="18" charset="0"/>
+                      </a:rPr>
+                      <m:t>+</m:t>
+                    </m:r>
+                    <m:r>
+                      <a:rPr lang="de-DE" sz="2600" i="1">
+                        <a:latin typeface="Cambria Math" panose="02040503050406030204" pitchFamily="18" charset="0"/>
+                        <a:ea typeface="Cambria Math" panose="02040503050406030204" pitchFamily="18" charset="0"/>
+                      </a:rPr>
+                      <m:t>𝑗</m:t>
+                    </m:r>
+                    <m:r>
+                      <a:rPr lang="de-DE" sz="2600" i="1">
+                        <a:latin typeface="Cambria Math" panose="02040503050406030204" pitchFamily="18" charset="0"/>
+                        <a:ea typeface="Cambria Math" panose="02040503050406030204" pitchFamily="18" charset="0"/>
+                      </a:rPr>
+                      <m:t>𝜔</m:t>
+                    </m:r>
+                  </m:oMath>
+                </a14:m>
+                <a:endParaRPr lang="de-DE" sz="2600" dirty="0"/>
+              </a:p>
+            </p:txBody>
+          </p:sp>
+        </mc:Choice>
+        <mc:Fallback>
+          <p:sp>
+            <p:nvSpPr>
+              <p:cNvPr id="3" name="Inhaltsplatzhalter 2">
+                <a:extLst>
+                  <a:ext uri="{FF2B5EF4-FFF2-40B4-BE49-F238E27FC236}">
+                    <a16:creationId xmlns:a16="http://schemas.microsoft.com/office/drawing/2014/main" id="{6B48E3CE-4367-8744-A430-4E4C2B85D206}"/>
+                  </a:ext>
+                </a:extLst>
+              </p:cNvPr>
+              <p:cNvSpPr>
+                <a:spLocks noGrp="1" noRot="1" noChangeAspect="1" noMove="1" noResize="1" noEditPoints="1" noAdjustHandles="1" noChangeArrowheads="1" noChangeShapeType="1" noTextEdit="1"/>
+              </p:cNvSpPr>
+              <p:nvPr>
+                <p:ph idx="1"/>
+              </p:nvPr>
+            </p:nvSpPr>
+            <p:spPr>
+              <a:blipFill>
+                <a:blip r:embed="rId2"/>
+                <a:stretch>
+                  <a:fillRect l="-1086" t="-2616" b="-872"/>
+                </a:stretch>
+              </a:blipFill>
+            </p:spPr>
+            <p:txBody>
+              <a:bodyPr/>
+              <a:lstStyle/>
+              <a:p>
+                <a:r>
+                  <a:rPr lang="de-DE">
+                    <a:noFill/>
+                  </a:rPr>
+                  <a:t> </a:t>
+                </a:r>
+              </a:p>
+            </p:txBody>
+          </p:sp>
+        </mc:Fallback>
+      </mc:AlternateContent>
       <p:sp>
         <p:nvSpPr>
           <p:cNvPr id="4" name="Foliennummernplatzhalter 3">
             <a:extLst>
               <a:ext uri="{FF2B5EF4-FFF2-40B4-BE49-F238E27FC236}">
-                <a16:creationId xmlns:a16="http://schemas.microsoft.com/office/drawing/2014/main" id="{B013AC8B-8A91-1321-9E5A-A05CA1BD8510}"/>
+                <a16:creationId xmlns:a16="http://schemas.microsoft.com/office/drawing/2014/main" id="{CF01655A-660F-62ED-E799-2180FEC7CB42}"/>
               </a:ext>
             </a:extLst>
           </p:cNvPr>
@@ -5639,10 +7251,172 @@
           </a:p>
         </p:txBody>
       </p:sp>
+      <p:sp>
+        <p:nvSpPr>
+          <p:cNvPr id="5" name="Textfeld 4">
+            <a:extLst>
+              <a:ext uri="{FF2B5EF4-FFF2-40B4-BE49-F238E27FC236}">
+                <a16:creationId xmlns:a16="http://schemas.microsoft.com/office/drawing/2014/main" id="{C6A86063-C604-2552-26AC-7D5E1B1F20B5}"/>
+              </a:ext>
+            </a:extLst>
+          </p:cNvPr>
+          <p:cNvSpPr txBox="1"/>
+          <p:nvPr/>
+        </p:nvSpPr>
+        <p:spPr>
+          <a:xfrm>
+            <a:off x="1536569" y="4298618"/>
+            <a:ext cx="1573379" cy="461665"/>
+          </a:xfrm>
+          <a:prstGeom prst="rect">
+            <a:avLst/>
+          </a:prstGeom>
+          <a:noFill/>
+        </p:spPr>
+        <p:txBody>
+          <a:bodyPr wrap="none" rtlCol="0">
+            <a:spAutoFit/>
+          </a:bodyPr>
+          <a:lstStyle/>
+          <a:p>
+            <a:r>
+              <a:rPr lang="de-DE" sz="2400" dirty="0" err="1"/>
+              <a:t>oscillation</a:t>
+            </a:r>
+            <a:endParaRPr lang="de-DE" sz="2400" dirty="0"/>
+          </a:p>
+        </p:txBody>
+      </p:sp>
+      <p:sp>
+        <p:nvSpPr>
+          <p:cNvPr id="6" name="Textfeld 5">
+            <a:extLst>
+              <a:ext uri="{FF2B5EF4-FFF2-40B4-BE49-F238E27FC236}">
+                <a16:creationId xmlns:a16="http://schemas.microsoft.com/office/drawing/2014/main" id="{D3849F4E-CFE9-EA0E-793A-52CA15F2FE16}"/>
+              </a:ext>
+            </a:extLst>
+          </p:cNvPr>
+          <p:cNvSpPr txBox="1"/>
+          <p:nvPr/>
+        </p:nvSpPr>
+        <p:spPr>
+          <a:xfrm>
+            <a:off x="4522621" y="4298617"/>
+            <a:ext cx="1974515" cy="461665"/>
+          </a:xfrm>
+          <a:prstGeom prst="rect">
+            <a:avLst/>
+          </a:prstGeom>
+          <a:noFill/>
+        </p:spPr>
+        <p:txBody>
+          <a:bodyPr wrap="none" rtlCol="0">
+            <a:spAutoFit/>
+          </a:bodyPr>
+          <a:lstStyle/>
+          <a:p>
+            <a:r>
+              <a:rPr lang="de-DE" sz="2400" dirty="0" err="1"/>
+              <a:t>growth</a:t>
+            </a:r>
+            <a:r>
+              <a:rPr lang="de-DE" sz="2400" dirty="0"/>
+              <a:t>/</a:t>
+            </a:r>
+            <a:r>
+              <a:rPr lang="de-DE" sz="2400" dirty="0" err="1"/>
+              <a:t>decay</a:t>
+            </a:r>
+            <a:endParaRPr lang="de-DE" sz="2400" dirty="0"/>
+          </a:p>
+        </p:txBody>
+      </p:sp>
+      <p:cxnSp>
+        <p:nvCxnSpPr>
+          <p:cNvPr id="8" name="Gerade Verbindung mit Pfeil 7">
+            <a:extLst>
+              <a:ext uri="{FF2B5EF4-FFF2-40B4-BE49-F238E27FC236}">
+                <a16:creationId xmlns:a16="http://schemas.microsoft.com/office/drawing/2014/main" id="{BC2B73FD-6829-4343-13EB-E71DAD9B5E61}"/>
+              </a:ext>
+            </a:extLst>
+          </p:cNvPr>
+          <p:cNvCxnSpPr>
+            <a:stCxn id="5" idx="0"/>
+          </p:cNvCxnSpPr>
+          <p:nvPr/>
+        </p:nvCxnSpPr>
+        <p:spPr>
+          <a:xfrm flipV="1">
+            <a:off x="2323259" y="3827279"/>
+            <a:ext cx="786689" cy="471339"/>
+          </a:xfrm>
+          <a:prstGeom prst="straightConnector1">
+            <a:avLst/>
+          </a:prstGeom>
+          <a:ln>
+            <a:tailEnd type="triangle"/>
+          </a:ln>
+        </p:spPr>
+        <p:style>
+          <a:lnRef idx="2">
+            <a:schemeClr val="accent1"/>
+          </a:lnRef>
+          <a:fillRef idx="0">
+            <a:schemeClr val="accent1"/>
+          </a:fillRef>
+          <a:effectRef idx="1">
+            <a:schemeClr val="accent1"/>
+          </a:effectRef>
+          <a:fontRef idx="minor">
+            <a:schemeClr val="tx1"/>
+          </a:fontRef>
+        </p:style>
+      </p:cxnSp>
+      <p:cxnSp>
+        <p:nvCxnSpPr>
+          <p:cNvPr id="10" name="Gerade Verbindung mit Pfeil 9">
+            <a:extLst>
+              <a:ext uri="{FF2B5EF4-FFF2-40B4-BE49-F238E27FC236}">
+                <a16:creationId xmlns:a16="http://schemas.microsoft.com/office/drawing/2014/main" id="{ECB353A8-BE7B-96D4-79C6-8E3AE4963CCA}"/>
+              </a:ext>
+            </a:extLst>
+          </p:cNvPr>
+          <p:cNvCxnSpPr>
+            <a:stCxn id="6" idx="0"/>
+          </p:cNvCxnSpPr>
+          <p:nvPr/>
+        </p:nvCxnSpPr>
+        <p:spPr>
+          <a:xfrm flipH="1" flipV="1">
+            <a:off x="4522621" y="3827279"/>
+            <a:ext cx="987258" cy="471338"/>
+          </a:xfrm>
+          <a:prstGeom prst="straightConnector1">
+            <a:avLst/>
+          </a:prstGeom>
+          <a:ln>
+            <a:tailEnd type="triangle"/>
+          </a:ln>
+        </p:spPr>
+        <p:style>
+          <a:lnRef idx="2">
+            <a:schemeClr val="accent1"/>
+          </a:lnRef>
+          <a:fillRef idx="0">
+            <a:schemeClr val="accent1"/>
+          </a:fillRef>
+          <a:effectRef idx="1">
+            <a:schemeClr val="accent1"/>
+          </a:effectRef>
+          <a:fontRef idx="minor">
+            <a:schemeClr val="tx1"/>
+          </a:fontRef>
+        </p:style>
+      </p:cxnSp>
     </p:spTree>
     <p:extLst>
       <p:ext uri="{BB962C8B-B14F-4D97-AF65-F5344CB8AC3E}">
-        <p14:creationId xmlns:p14="http://schemas.microsoft.com/office/powerpoint/2010/main" val="438389465"/>
+        <p14:creationId xmlns:p14="http://schemas.microsoft.com/office/powerpoint/2010/main" val="3549810190"/>
       </p:ext>
     </p:extLst>
   </p:cSld>
@@ -5674,7 +7448,7 @@
           <p:cNvPr id="2" name="Titel 1">
             <a:extLst>
               <a:ext uri="{FF2B5EF4-FFF2-40B4-BE49-F238E27FC236}">
-                <a16:creationId xmlns:a16="http://schemas.microsoft.com/office/drawing/2014/main" id="{520F29DE-9238-F98F-4E31-7312DD04222D}"/>
+                <a16:creationId xmlns:a16="http://schemas.microsoft.com/office/drawing/2014/main" id="{CC353340-A86F-3E87-7941-CD2901047D19}"/>
               </a:ext>
             </a:extLst>
           </p:cNvPr>
@@ -5683,66 +7457,6 @@
           </p:cNvSpPr>
           <p:nvPr>
             <p:ph type="title"/>
-          </p:nvPr>
-        </p:nvSpPr>
-        <p:spPr>
-          <a:xfrm>
-            <a:off x="838199" y="365125"/>
-            <a:ext cx="10677041" cy="1325563"/>
-          </a:xfrm>
-        </p:spPr>
-        <p:txBody>
-          <a:bodyPr>
-            <a:normAutofit/>
-          </a:bodyPr>
-          <a:lstStyle/>
-          <a:p>
-            <a:r>
-              <a:rPr lang="de-DE" dirty="0" err="1"/>
-              <a:t>From</a:t>
-            </a:r>
-            <a:r>
-              <a:rPr lang="de-DE" dirty="0"/>
-              <a:t> Differential </a:t>
-            </a:r>
-            <a:r>
-              <a:rPr lang="de-DE" dirty="0" err="1"/>
-              <a:t>Equation</a:t>
-            </a:r>
-            <a:r>
-              <a:rPr lang="de-DE" dirty="0"/>
-              <a:t> </a:t>
-            </a:r>
-            <a:r>
-              <a:rPr lang="de-DE" dirty="0" err="1"/>
-              <a:t>to</a:t>
-            </a:r>
-            <a:r>
-              <a:rPr lang="de-DE" dirty="0"/>
-              <a:t> Transfer </a:t>
-            </a:r>
-            <a:r>
-              <a:rPr lang="de-DE" dirty="0" err="1"/>
-              <a:t>Function</a:t>
-            </a:r>
-            <a:endParaRPr lang="de-DE" dirty="0"/>
-          </a:p>
-        </p:txBody>
-      </p:sp>
-      <p:sp>
-        <p:nvSpPr>
-          <p:cNvPr id="3" name="Inhaltsplatzhalter 2">
-            <a:extLst>
-              <a:ext uri="{FF2B5EF4-FFF2-40B4-BE49-F238E27FC236}">
-                <a16:creationId xmlns:a16="http://schemas.microsoft.com/office/drawing/2014/main" id="{769AB511-EEC8-9C99-5716-6FB6D90C77DC}"/>
-              </a:ext>
-            </a:extLst>
-          </p:cNvPr>
-          <p:cNvSpPr>
-            <a:spLocks noGrp="1"/>
-          </p:cNvSpPr>
-          <p:nvPr>
-            <p:ph idx="1"/>
           </p:nvPr>
         </p:nvSpPr>
         <p:spPr/>
@@ -5751,31 +7465,8 @@
           <a:lstStyle/>
           <a:p>
             <a:r>
-              <a:rPr lang="de-DE" dirty="0" err="1"/>
-              <a:t>Assume</a:t>
-            </a:r>
-            <a:r>
               <a:rPr lang="de-DE" dirty="0"/>
-              <a:t> </a:t>
-            </a:r>
-            <a:r>
-              <a:rPr lang="de-DE" dirty="0" err="1"/>
-              <a:t>zero</a:t>
-            </a:r>
-            <a:r>
-              <a:rPr lang="de-DE" dirty="0"/>
-              <a:t> initial </a:t>
-            </a:r>
-            <a:r>
-              <a:rPr lang="de-DE" dirty="0" err="1"/>
-              <a:t>conditions</a:t>
-            </a:r>
-            <a:endParaRPr lang="de-DE" dirty="0"/>
-          </a:p>
-          <a:p>
-            <a:r>
-              <a:rPr lang="de-DE" dirty="0"/>
-              <a:t>Ratio </a:t>
+              <a:t>Definition </a:t>
             </a:r>
             <a:r>
               <a:rPr lang="de-DE" dirty="0" err="1"/>
@@ -5783,46 +7474,749 @@
             </a:r>
             <a:r>
               <a:rPr lang="de-DE" dirty="0"/>
-              <a:t> </a:t>
-            </a:r>
-            <a:r>
-              <a:rPr lang="de-DE" dirty="0" err="1"/>
-              <a:t>output</a:t>
-            </a:r>
-            <a:r>
-              <a:rPr lang="de-DE" dirty="0"/>
-              <a:t> </a:t>
-            </a:r>
-            <a:r>
-              <a:rPr lang="de-DE" dirty="0" err="1"/>
-              <a:t>to</a:t>
-            </a:r>
-            <a:r>
-              <a:rPr lang="de-DE" dirty="0"/>
-              <a:t> </a:t>
-            </a:r>
-            <a:r>
-              <a:rPr lang="de-DE" dirty="0" err="1"/>
-              <a:t>input</a:t>
-            </a:r>
-            <a:r>
-              <a:rPr lang="de-DE" dirty="0"/>
-              <a:t> in Laplace </a:t>
-            </a:r>
-            <a:r>
-              <a:rPr lang="de-DE" dirty="0" err="1"/>
-              <a:t>domain</a:t>
-            </a:r>
-            <a:endParaRPr lang="de-DE" dirty="0"/>
-          </a:p>
-        </p:txBody>
-      </p:sp>
+              <a:t> Laplace Transform</a:t>
+            </a:r>
+          </a:p>
+        </p:txBody>
+      </p:sp>
+      <mc:AlternateContent xmlns:mc="http://schemas.openxmlformats.org/markup-compatibility/2006">
+        <mc:Choice xmlns:a14="http://schemas.microsoft.com/office/drawing/2010/main" Requires="a14">
+          <p:sp>
+            <p:nvSpPr>
+              <p:cNvPr id="3" name="Inhaltsplatzhalter 2">
+                <a:extLst>
+                  <a:ext uri="{FF2B5EF4-FFF2-40B4-BE49-F238E27FC236}">
+                    <a16:creationId xmlns:a16="http://schemas.microsoft.com/office/drawing/2014/main" id="{C485D3F4-FE7F-D5B1-5361-8927EF1D91D2}"/>
+                  </a:ext>
+                </a:extLst>
+              </p:cNvPr>
+              <p:cNvSpPr>
+                <a:spLocks noGrp="1"/>
+              </p:cNvSpPr>
+              <p:nvPr>
+                <p:ph idx="1"/>
+              </p:nvPr>
+            </p:nvSpPr>
+            <p:spPr/>
+            <p:txBody>
+              <a:bodyPr>
+                <a:normAutofit fontScale="92500" lnSpcReduction="10000"/>
+              </a:bodyPr>
+              <a:lstStyle/>
+              <a:p>
+                <a:pPr marL="0" indent="0">
+                  <a:buNone/>
+                </a:pPr>
+                <a:r>
+                  <a:rPr lang="de-DE" dirty="0"/>
+                  <a:t>Integral </a:t>
+                </a:r>
+                <a:r>
+                  <a:rPr lang="de-DE" dirty="0" err="1"/>
+                  <a:t>transform</a:t>
+                </a:r>
+                <a:r>
+                  <a:rPr lang="de-DE" dirty="0"/>
+                  <a:t> </a:t>
+                </a:r>
+                <a:r>
+                  <a:rPr lang="de-DE" dirty="0" err="1"/>
+                  <a:t>from</a:t>
+                </a:r>
+                <a:r>
+                  <a:rPr lang="de-DE" dirty="0"/>
+                  <a:t> time </a:t>
+                </a:r>
+                <a:r>
+                  <a:rPr lang="de-DE" dirty="0" err="1"/>
+                  <a:t>to</a:t>
+                </a:r>
+                <a:r>
+                  <a:rPr lang="de-DE" dirty="0"/>
+                  <a:t> </a:t>
+                </a:r>
+                <a:r>
+                  <a:rPr lang="de-DE" dirty="0" err="1"/>
+                  <a:t>complex</a:t>
+                </a:r>
+                <a:r>
+                  <a:rPr lang="de-DE" dirty="0"/>
+                  <a:t> </a:t>
+                </a:r>
+                <a:r>
+                  <a:rPr lang="de-DE" dirty="0" err="1"/>
+                  <a:t>frequency</a:t>
+                </a:r>
+                <a:r>
+                  <a:rPr lang="de-DE" dirty="0"/>
+                  <a:t> </a:t>
+                </a:r>
+                <a14:m>
+                  <m:oMath xmlns:m="http://schemas.openxmlformats.org/officeDocument/2006/math">
+                    <m:r>
+                      <a:rPr lang="de-DE" i="1">
+                        <a:latin typeface="Cambria Math" panose="02040503050406030204" pitchFamily="18" charset="0"/>
+                        <a:ea typeface="Cambria Math" panose="02040503050406030204" pitchFamily="18" charset="0"/>
+                      </a:rPr>
+                      <m:t>𝑠</m:t>
+                    </m:r>
+                  </m:oMath>
+                </a14:m>
+                <a:r>
+                  <a:rPr lang="de-DE" dirty="0"/>
+                  <a:t>:</a:t>
+                </a:r>
+              </a:p>
+              <a:p>
+                <a:pPr marL="0" indent="0">
+                  <a:buNone/>
+                </a:pPr>
+                <a:endParaRPr lang="de-DE" dirty="0"/>
+              </a:p>
+              <a:p>
+                <a:pPr marL="0" indent="0">
+                  <a:buNone/>
+                </a:pPr>
+                <a14:m>
+                  <m:oMathPara xmlns:m="http://schemas.openxmlformats.org/officeDocument/2006/math">
+                    <m:oMathParaPr>
+                      <m:jc m:val="centerGroup"/>
+                    </m:oMathParaPr>
+                    <m:oMath xmlns:m="http://schemas.openxmlformats.org/officeDocument/2006/math">
+                      <m:r>
+                        <a:rPr lang="de-DE" i="1" smtClean="0">
+                          <a:latin typeface="Cambria Math" panose="02040503050406030204" pitchFamily="18" charset="0"/>
+                          <a:ea typeface="Cambria Math" panose="02040503050406030204" pitchFamily="18" charset="0"/>
+                        </a:rPr>
+                        <m:t>ℒ</m:t>
+                      </m:r>
+                      <m:d>
+                        <m:dPr>
+                          <m:begChr m:val="{"/>
+                          <m:endChr m:val="}"/>
+                          <m:ctrlPr>
+                            <a:rPr lang="de-DE" i="1" smtClean="0">
+                              <a:latin typeface="Cambria Math" panose="02040503050406030204" pitchFamily="18" charset="0"/>
+                              <a:ea typeface="Cambria Math" panose="02040503050406030204" pitchFamily="18" charset="0"/>
+                            </a:rPr>
+                          </m:ctrlPr>
+                        </m:dPr>
+                        <m:e>
+                          <m:r>
+                            <a:rPr lang="de-DE" b="0" i="1" smtClean="0">
+                              <a:latin typeface="Cambria Math" panose="02040503050406030204" pitchFamily="18" charset="0"/>
+                              <a:ea typeface="Cambria Math" panose="02040503050406030204" pitchFamily="18" charset="0"/>
+                            </a:rPr>
+                            <m:t>𝑓</m:t>
+                          </m:r>
+                          <m:r>
+                            <a:rPr lang="de-DE" b="0" i="1" smtClean="0">
+                              <a:latin typeface="Cambria Math" panose="02040503050406030204" pitchFamily="18" charset="0"/>
+                              <a:ea typeface="Cambria Math" panose="02040503050406030204" pitchFamily="18" charset="0"/>
+                            </a:rPr>
+                            <m:t>(</m:t>
+                          </m:r>
+                          <m:r>
+                            <a:rPr lang="de-DE" b="0" i="1" smtClean="0">
+                              <a:latin typeface="Cambria Math" panose="02040503050406030204" pitchFamily="18" charset="0"/>
+                              <a:ea typeface="Cambria Math" panose="02040503050406030204" pitchFamily="18" charset="0"/>
+                            </a:rPr>
+                            <m:t>𝑡</m:t>
+                          </m:r>
+                          <m:r>
+                            <a:rPr lang="de-DE" b="0" i="1" smtClean="0">
+                              <a:latin typeface="Cambria Math" panose="02040503050406030204" pitchFamily="18" charset="0"/>
+                              <a:ea typeface="Cambria Math" panose="02040503050406030204" pitchFamily="18" charset="0"/>
+                            </a:rPr>
+                            <m:t>)</m:t>
+                          </m:r>
+                        </m:e>
+                      </m:d>
+                      <m:r>
+                        <a:rPr lang="de-DE" b="0" i="1" smtClean="0">
+                          <a:latin typeface="Cambria Math" panose="02040503050406030204" pitchFamily="18" charset="0"/>
+                          <a:ea typeface="Cambria Math" panose="02040503050406030204" pitchFamily="18" charset="0"/>
+                        </a:rPr>
+                        <m:t>=</m:t>
+                      </m:r>
+                      <m:r>
+                        <a:rPr lang="de-DE" b="0" i="1" smtClean="0">
+                          <a:latin typeface="Cambria Math" panose="02040503050406030204" pitchFamily="18" charset="0"/>
+                          <a:ea typeface="Cambria Math" panose="02040503050406030204" pitchFamily="18" charset="0"/>
+                        </a:rPr>
+                        <m:t>𝐹</m:t>
+                      </m:r>
+                      <m:d>
+                        <m:dPr>
+                          <m:ctrlPr>
+                            <a:rPr lang="de-DE" b="0" i="1" smtClean="0">
+                              <a:latin typeface="Cambria Math" panose="02040503050406030204" pitchFamily="18" charset="0"/>
+                              <a:ea typeface="Cambria Math" panose="02040503050406030204" pitchFamily="18" charset="0"/>
+                            </a:rPr>
+                          </m:ctrlPr>
+                        </m:dPr>
+                        <m:e>
+                          <m:r>
+                            <a:rPr lang="de-DE" b="0" i="1" smtClean="0">
+                              <a:latin typeface="Cambria Math" panose="02040503050406030204" pitchFamily="18" charset="0"/>
+                              <a:ea typeface="Cambria Math" panose="02040503050406030204" pitchFamily="18" charset="0"/>
+                            </a:rPr>
+                            <m:t>𝑠</m:t>
+                          </m:r>
+                        </m:e>
+                      </m:d>
+                      <m:r>
+                        <a:rPr lang="de-DE" b="0" i="1" smtClean="0">
+                          <a:latin typeface="Cambria Math" panose="02040503050406030204" pitchFamily="18" charset="0"/>
+                          <a:ea typeface="Cambria Math" panose="02040503050406030204" pitchFamily="18" charset="0"/>
+                        </a:rPr>
+                        <m:t>=</m:t>
+                      </m:r>
+                      <m:nary>
+                        <m:naryPr>
+                          <m:limLoc m:val="undOvr"/>
+                          <m:ctrlPr>
+                            <a:rPr lang="de-DE" b="0" i="1" smtClean="0">
+                              <a:latin typeface="Cambria Math" panose="02040503050406030204" pitchFamily="18" charset="0"/>
+                              <a:ea typeface="Cambria Math" panose="02040503050406030204" pitchFamily="18" charset="0"/>
+                            </a:rPr>
+                          </m:ctrlPr>
+                        </m:naryPr>
+                        <m:sub>
+                          <m:r>
+                            <m:rPr>
+                              <m:brk m:alnAt="24"/>
+                            </m:rPr>
+                            <a:rPr lang="de-DE" b="0" i="1" smtClean="0">
+                              <a:latin typeface="Cambria Math" panose="02040503050406030204" pitchFamily="18" charset="0"/>
+                              <a:ea typeface="Cambria Math" panose="02040503050406030204" pitchFamily="18" charset="0"/>
+                            </a:rPr>
+                            <m:t>0</m:t>
+                          </m:r>
+                        </m:sub>
+                        <m:sup>
+                          <m:r>
+                            <a:rPr lang="de-DE" b="0" i="1" smtClean="0">
+                              <a:latin typeface="Cambria Math" panose="02040503050406030204" pitchFamily="18" charset="0"/>
+                              <a:ea typeface="Cambria Math" panose="02040503050406030204" pitchFamily="18" charset="0"/>
+                            </a:rPr>
+                            <m:t>∞</m:t>
+                          </m:r>
+                        </m:sup>
+                        <m:e>
+                          <m:r>
+                            <a:rPr lang="de-DE" b="0" i="1" smtClean="0">
+                              <a:latin typeface="Cambria Math" panose="02040503050406030204" pitchFamily="18" charset="0"/>
+                              <a:ea typeface="Cambria Math" panose="02040503050406030204" pitchFamily="18" charset="0"/>
+                            </a:rPr>
+                            <m:t>𝑓</m:t>
+                          </m:r>
+                          <m:d>
+                            <m:dPr>
+                              <m:ctrlPr>
+                                <a:rPr lang="de-DE" b="0" i="1" smtClean="0">
+                                  <a:latin typeface="Cambria Math" panose="02040503050406030204" pitchFamily="18" charset="0"/>
+                                  <a:ea typeface="Cambria Math" panose="02040503050406030204" pitchFamily="18" charset="0"/>
+                                </a:rPr>
+                              </m:ctrlPr>
+                            </m:dPr>
+                            <m:e>
+                              <m:r>
+                                <a:rPr lang="de-DE" b="0" i="1" smtClean="0">
+                                  <a:latin typeface="Cambria Math" panose="02040503050406030204" pitchFamily="18" charset="0"/>
+                                  <a:ea typeface="Cambria Math" panose="02040503050406030204" pitchFamily="18" charset="0"/>
+                                </a:rPr>
+                                <m:t>𝑡</m:t>
+                              </m:r>
+                            </m:e>
+                          </m:d>
+                          <m:sSup>
+                            <m:sSupPr>
+                              <m:ctrlPr>
+                                <a:rPr lang="de-DE" b="0" i="1" smtClean="0">
+                                  <a:latin typeface="Cambria Math" panose="02040503050406030204" pitchFamily="18" charset="0"/>
+                                  <a:ea typeface="Cambria Math" panose="02040503050406030204" pitchFamily="18" charset="0"/>
+                                </a:rPr>
+                              </m:ctrlPr>
+                            </m:sSupPr>
+                            <m:e>
+                              <m:r>
+                                <a:rPr lang="de-DE" b="0" i="1" smtClean="0">
+                                  <a:latin typeface="Cambria Math" panose="02040503050406030204" pitchFamily="18" charset="0"/>
+                                  <a:ea typeface="Cambria Math" panose="02040503050406030204" pitchFamily="18" charset="0"/>
+                                </a:rPr>
+                                <m:t>𝑒</m:t>
+                              </m:r>
+                            </m:e>
+                            <m:sup>
+                              <m:r>
+                                <a:rPr lang="de-DE" b="0" i="1" smtClean="0">
+                                  <a:latin typeface="Cambria Math" panose="02040503050406030204" pitchFamily="18" charset="0"/>
+                                  <a:ea typeface="Cambria Math" panose="02040503050406030204" pitchFamily="18" charset="0"/>
+                                </a:rPr>
+                                <m:t>−</m:t>
+                              </m:r>
+                              <m:r>
+                                <a:rPr lang="de-DE" b="0" i="1" smtClean="0">
+                                  <a:latin typeface="Cambria Math" panose="02040503050406030204" pitchFamily="18" charset="0"/>
+                                  <a:ea typeface="Cambria Math" panose="02040503050406030204" pitchFamily="18" charset="0"/>
+                                </a:rPr>
+                                <m:t>𝑠𝑡</m:t>
+                              </m:r>
+                            </m:sup>
+                          </m:sSup>
+                          <m:r>
+                            <a:rPr lang="de-DE" b="0" i="1" smtClean="0">
+                              <a:latin typeface="Cambria Math" panose="02040503050406030204" pitchFamily="18" charset="0"/>
+                              <a:ea typeface="Cambria Math" panose="02040503050406030204" pitchFamily="18" charset="0"/>
+                            </a:rPr>
+                            <m:t> </m:t>
+                          </m:r>
+                          <m:r>
+                            <a:rPr lang="de-DE" b="0" i="1" smtClean="0">
+                              <a:latin typeface="Cambria Math" panose="02040503050406030204" pitchFamily="18" charset="0"/>
+                              <a:ea typeface="Cambria Math" panose="02040503050406030204" pitchFamily="18" charset="0"/>
+                            </a:rPr>
+                            <m:t>𝑑𝑡</m:t>
+                          </m:r>
+                        </m:e>
+                      </m:nary>
+                    </m:oMath>
+                  </m:oMathPara>
+                </a14:m>
+                <a:endParaRPr lang="de-DE" dirty="0"/>
+              </a:p>
+              <a:p>
+                <a:pPr marL="0" indent="0">
+                  <a:buNone/>
+                </a:pPr>
+                <a:endParaRPr lang="de-DE" dirty="0"/>
+              </a:p>
+              <a:p>
+                <a:pPr marL="0" indent="0">
+                  <a:buNone/>
+                </a:pPr>
+                <a14:m>
+                  <m:oMathPara xmlns:m="http://schemas.openxmlformats.org/officeDocument/2006/math">
+                    <m:oMathParaPr>
+                      <m:jc m:val="centerGroup"/>
+                    </m:oMathParaPr>
+                    <m:oMath xmlns:m="http://schemas.openxmlformats.org/officeDocument/2006/math">
+                      <m:r>
+                        <a:rPr lang="de-DE" i="1">
+                          <a:latin typeface="Cambria Math" panose="02040503050406030204" pitchFamily="18" charset="0"/>
+                        </a:rPr>
+                        <m:t>𝑠</m:t>
+                      </m:r>
+                      <m:r>
+                        <a:rPr lang="de-DE" i="1">
+                          <a:latin typeface="Cambria Math" panose="02040503050406030204" pitchFamily="18" charset="0"/>
+                        </a:rPr>
+                        <m:t>=</m:t>
+                      </m:r>
+                      <m:r>
+                        <a:rPr lang="de-DE" i="1">
+                          <a:latin typeface="Cambria Math" panose="02040503050406030204" pitchFamily="18" charset="0"/>
+                          <a:ea typeface="Cambria Math" panose="02040503050406030204" pitchFamily="18" charset="0"/>
+                        </a:rPr>
+                        <m:t>𝜎</m:t>
+                      </m:r>
+                      <m:r>
+                        <a:rPr lang="de-DE" i="1">
+                          <a:latin typeface="Cambria Math" panose="02040503050406030204" pitchFamily="18" charset="0"/>
+                          <a:ea typeface="Cambria Math" panose="02040503050406030204" pitchFamily="18" charset="0"/>
+                        </a:rPr>
+                        <m:t>+</m:t>
+                      </m:r>
+                      <m:r>
+                        <a:rPr lang="de-DE" i="1">
+                          <a:latin typeface="Cambria Math" panose="02040503050406030204" pitchFamily="18" charset="0"/>
+                          <a:ea typeface="Cambria Math" panose="02040503050406030204" pitchFamily="18" charset="0"/>
+                        </a:rPr>
+                        <m:t>𝑗</m:t>
+                      </m:r>
+                      <m:r>
+                        <a:rPr lang="de-DE" i="1">
+                          <a:latin typeface="Cambria Math" panose="02040503050406030204" pitchFamily="18" charset="0"/>
+                          <a:ea typeface="Cambria Math" panose="02040503050406030204" pitchFamily="18" charset="0"/>
+                        </a:rPr>
+                        <m:t>𝜔</m:t>
+                      </m:r>
+                    </m:oMath>
+                  </m:oMathPara>
+                </a14:m>
+                <a:endParaRPr lang="de-DE" dirty="0"/>
+              </a:p>
+              <a:p>
+                <a:pPr marL="0" indent="0">
+                  <a:buNone/>
+                </a:pPr>
+                <a:endParaRPr lang="de-DE" dirty="0">
+                  <a:ea typeface="Cambria Math" panose="02040503050406030204" pitchFamily="18" charset="0"/>
+                </a:endParaRPr>
+              </a:p>
+              <a:p>
+                <a:pPr marL="0" indent="0">
+                  <a:buNone/>
+                </a:pPr>
+                <a:r>
+                  <a:rPr lang="de-DE" dirty="0">
+                    <a:ea typeface="Cambria Math" panose="02040503050406030204" pitchFamily="18" charset="0"/>
+                  </a:rPr>
+                  <a:t>Back transformation:</a:t>
+                </a:r>
+              </a:p>
+              <a:p>
+                <a:pPr marL="0" indent="0">
+                  <a:buNone/>
+                </a:pPr>
+                <a:r>
+                  <a:rPr lang="de-DE" dirty="0">
+                    <a:ea typeface="Cambria Math" panose="02040503050406030204" pitchFamily="18" charset="0"/>
+                  </a:rPr>
+                  <a:t>	</a:t>
+                </a:r>
+                <a14:m>
+                  <m:oMath xmlns:m="http://schemas.openxmlformats.org/officeDocument/2006/math">
+                    <m:sSup>
+                      <m:sSupPr>
+                        <m:ctrlPr>
+                          <a:rPr lang="de-DE" i="1">
+                            <a:latin typeface="Cambria Math" panose="02040503050406030204" pitchFamily="18" charset="0"/>
+                            <a:ea typeface="Cambria Math" panose="02040503050406030204" pitchFamily="18" charset="0"/>
+                          </a:rPr>
+                        </m:ctrlPr>
+                      </m:sSupPr>
+                      <m:e>
+                        <m:r>
+                          <a:rPr lang="de-DE" i="1">
+                            <a:latin typeface="Cambria Math" panose="02040503050406030204" pitchFamily="18" charset="0"/>
+                            <a:ea typeface="Cambria Math" panose="02040503050406030204" pitchFamily="18" charset="0"/>
+                          </a:rPr>
+                          <m:t>ℒ</m:t>
+                        </m:r>
+                      </m:e>
+                      <m:sup>
+                        <m:r>
+                          <a:rPr lang="de-DE" i="1">
+                            <a:latin typeface="Cambria Math" panose="02040503050406030204" pitchFamily="18" charset="0"/>
+                            <a:ea typeface="Cambria Math" panose="02040503050406030204" pitchFamily="18" charset="0"/>
+                          </a:rPr>
+                          <m:t>−1</m:t>
+                        </m:r>
+                      </m:sup>
+                    </m:sSup>
+                    <m:d>
+                      <m:dPr>
+                        <m:begChr m:val="{"/>
+                        <m:endChr m:val="}"/>
+                        <m:ctrlPr>
+                          <a:rPr lang="de-DE" i="1">
+                            <a:latin typeface="Cambria Math" panose="02040503050406030204" pitchFamily="18" charset="0"/>
+                            <a:ea typeface="Cambria Math" panose="02040503050406030204" pitchFamily="18" charset="0"/>
+                          </a:rPr>
+                        </m:ctrlPr>
+                      </m:dPr>
+                      <m:e>
+                        <m:r>
+                          <a:rPr lang="de-DE" i="1">
+                            <a:latin typeface="Cambria Math" panose="02040503050406030204" pitchFamily="18" charset="0"/>
+                            <a:ea typeface="Cambria Math" panose="02040503050406030204" pitchFamily="18" charset="0"/>
+                          </a:rPr>
+                          <m:t>𝐹</m:t>
+                        </m:r>
+                        <m:d>
+                          <m:dPr>
+                            <m:ctrlPr>
+                              <a:rPr lang="de-DE" i="1">
+                                <a:latin typeface="Cambria Math" panose="02040503050406030204" pitchFamily="18" charset="0"/>
+                                <a:ea typeface="Cambria Math" panose="02040503050406030204" pitchFamily="18" charset="0"/>
+                              </a:rPr>
+                            </m:ctrlPr>
+                          </m:dPr>
+                          <m:e>
+                            <m:r>
+                              <a:rPr lang="de-DE" i="1">
+                                <a:latin typeface="Cambria Math" panose="02040503050406030204" pitchFamily="18" charset="0"/>
+                                <a:ea typeface="Cambria Math" panose="02040503050406030204" pitchFamily="18" charset="0"/>
+                              </a:rPr>
+                              <m:t>𝑠</m:t>
+                            </m:r>
+                          </m:e>
+                        </m:d>
+                      </m:e>
+                    </m:d>
+                    <m:r>
+                      <a:rPr lang="de-DE" i="1">
+                        <a:latin typeface="Cambria Math" panose="02040503050406030204" pitchFamily="18" charset="0"/>
+                        <a:ea typeface="Cambria Math" panose="02040503050406030204" pitchFamily="18" charset="0"/>
+                      </a:rPr>
+                      <m:t>=</m:t>
+                    </m:r>
+                    <m:r>
+                      <a:rPr lang="de-DE" i="1">
+                        <a:latin typeface="Cambria Math" panose="02040503050406030204" pitchFamily="18" charset="0"/>
+                        <a:ea typeface="Cambria Math" panose="02040503050406030204" pitchFamily="18" charset="0"/>
+                      </a:rPr>
+                      <m:t>𝑓</m:t>
+                    </m:r>
+                    <m:d>
+                      <m:dPr>
+                        <m:ctrlPr>
+                          <a:rPr lang="de-DE" i="1">
+                            <a:latin typeface="Cambria Math" panose="02040503050406030204" pitchFamily="18" charset="0"/>
+                            <a:ea typeface="Cambria Math" panose="02040503050406030204" pitchFamily="18" charset="0"/>
+                          </a:rPr>
+                        </m:ctrlPr>
+                      </m:dPr>
+                      <m:e>
+                        <m:r>
+                          <a:rPr lang="de-DE" i="1">
+                            <a:latin typeface="Cambria Math" panose="02040503050406030204" pitchFamily="18" charset="0"/>
+                            <a:ea typeface="Cambria Math" panose="02040503050406030204" pitchFamily="18" charset="0"/>
+                          </a:rPr>
+                          <m:t>𝑡</m:t>
+                        </m:r>
+                      </m:e>
+                    </m:d>
+                    <m:r>
+                      <a:rPr lang="de-DE" i="1">
+                        <a:latin typeface="Cambria Math" panose="02040503050406030204" pitchFamily="18" charset="0"/>
+                        <a:ea typeface="Cambria Math" panose="02040503050406030204" pitchFamily="18" charset="0"/>
+                      </a:rPr>
+                      <m:t>=</m:t>
+                    </m:r>
+                    <m:f>
+                      <m:fPr>
+                        <m:ctrlPr>
+                          <a:rPr lang="de-DE" i="1">
+                            <a:latin typeface="Cambria Math" panose="02040503050406030204" pitchFamily="18" charset="0"/>
+                            <a:ea typeface="Cambria Math" panose="02040503050406030204" pitchFamily="18" charset="0"/>
+                          </a:rPr>
+                        </m:ctrlPr>
+                      </m:fPr>
+                      <m:num>
+                        <m:r>
+                          <a:rPr lang="de-DE" i="1">
+                            <a:latin typeface="Cambria Math" panose="02040503050406030204" pitchFamily="18" charset="0"/>
+                            <a:ea typeface="Cambria Math" panose="02040503050406030204" pitchFamily="18" charset="0"/>
+                          </a:rPr>
+                          <m:t>1</m:t>
+                        </m:r>
+                      </m:num>
+                      <m:den>
+                        <m:r>
+                          <a:rPr lang="de-DE" i="1">
+                            <a:latin typeface="Cambria Math" panose="02040503050406030204" pitchFamily="18" charset="0"/>
+                            <a:ea typeface="Cambria Math" panose="02040503050406030204" pitchFamily="18" charset="0"/>
+                          </a:rPr>
+                          <m:t>2</m:t>
+                        </m:r>
+                        <m:r>
+                          <a:rPr lang="de-DE" i="1">
+                            <a:latin typeface="Cambria Math" panose="02040503050406030204" pitchFamily="18" charset="0"/>
+                            <a:ea typeface="Cambria Math" panose="02040503050406030204" pitchFamily="18" charset="0"/>
+                          </a:rPr>
+                          <m:t>𝜋</m:t>
+                        </m:r>
+                        <m:r>
+                          <a:rPr lang="de-DE" i="1">
+                            <a:latin typeface="Cambria Math" panose="02040503050406030204" pitchFamily="18" charset="0"/>
+                            <a:ea typeface="Cambria Math" panose="02040503050406030204" pitchFamily="18" charset="0"/>
+                          </a:rPr>
+                          <m:t>𝑗</m:t>
+                        </m:r>
+                      </m:den>
+                    </m:f>
+                    <m:nary>
+                      <m:naryPr>
+                        <m:limLoc m:val="undOvr"/>
+                        <m:ctrlPr>
+                          <a:rPr lang="de-DE" i="1">
+                            <a:latin typeface="Cambria Math" panose="02040503050406030204" pitchFamily="18" charset="0"/>
+                            <a:ea typeface="Cambria Math" panose="02040503050406030204" pitchFamily="18" charset="0"/>
+                          </a:rPr>
+                        </m:ctrlPr>
+                      </m:naryPr>
+                      <m:sub>
+                        <m:r>
+                          <a:rPr lang="de-DE" i="1">
+                            <a:latin typeface="Cambria Math" panose="02040503050406030204" pitchFamily="18" charset="0"/>
+                            <a:ea typeface="Cambria Math" panose="02040503050406030204" pitchFamily="18" charset="0"/>
+                          </a:rPr>
+                          <m:t>𝜎</m:t>
+                        </m:r>
+                        <m:r>
+                          <a:rPr lang="de-DE" i="1">
+                            <a:latin typeface="Cambria Math" panose="02040503050406030204" pitchFamily="18" charset="0"/>
+                            <a:ea typeface="Cambria Math" panose="02040503050406030204" pitchFamily="18" charset="0"/>
+                          </a:rPr>
+                          <m:t>−</m:t>
+                        </m:r>
+                        <m:r>
+                          <m:rPr>
+                            <m:brk m:alnAt="24"/>
+                          </m:rPr>
+                          <a:rPr lang="de-DE" i="1">
+                            <a:latin typeface="Cambria Math" panose="02040503050406030204" pitchFamily="18" charset="0"/>
+                            <a:ea typeface="Cambria Math" panose="02040503050406030204" pitchFamily="18" charset="0"/>
+                          </a:rPr>
+                          <m:t>∞</m:t>
+                        </m:r>
+                      </m:sub>
+                      <m:sup>
+                        <m:r>
+                          <a:rPr lang="de-DE" i="1">
+                            <a:latin typeface="Cambria Math" panose="02040503050406030204" pitchFamily="18" charset="0"/>
+                            <a:ea typeface="Cambria Math" panose="02040503050406030204" pitchFamily="18" charset="0"/>
+                          </a:rPr>
+                          <m:t>𝜎</m:t>
+                        </m:r>
+                        <m:r>
+                          <a:rPr lang="de-DE" i="1">
+                            <a:latin typeface="Cambria Math" panose="02040503050406030204" pitchFamily="18" charset="0"/>
+                            <a:ea typeface="Cambria Math" panose="02040503050406030204" pitchFamily="18" charset="0"/>
+                          </a:rPr>
+                          <m:t>+</m:t>
+                        </m:r>
+                        <m:r>
+                          <a:rPr lang="de-DE" i="1">
+                            <a:latin typeface="Cambria Math" panose="02040503050406030204" pitchFamily="18" charset="0"/>
+                            <a:ea typeface="Cambria Math" panose="02040503050406030204" pitchFamily="18" charset="0"/>
+                          </a:rPr>
+                          <m:t>∞</m:t>
+                        </m:r>
+                      </m:sup>
+                      <m:e>
+                        <m:r>
+                          <a:rPr lang="de-DE" i="1">
+                            <a:latin typeface="Cambria Math" panose="02040503050406030204" pitchFamily="18" charset="0"/>
+                            <a:ea typeface="Cambria Math" panose="02040503050406030204" pitchFamily="18" charset="0"/>
+                          </a:rPr>
+                          <m:t>𝐹</m:t>
+                        </m:r>
+                        <m:d>
+                          <m:dPr>
+                            <m:ctrlPr>
+                              <a:rPr lang="de-DE" i="1">
+                                <a:latin typeface="Cambria Math" panose="02040503050406030204" pitchFamily="18" charset="0"/>
+                                <a:ea typeface="Cambria Math" panose="02040503050406030204" pitchFamily="18" charset="0"/>
+                              </a:rPr>
+                            </m:ctrlPr>
+                          </m:dPr>
+                          <m:e>
+                            <m:r>
+                              <a:rPr lang="de-DE" i="1">
+                                <a:latin typeface="Cambria Math" panose="02040503050406030204" pitchFamily="18" charset="0"/>
+                                <a:ea typeface="Cambria Math" panose="02040503050406030204" pitchFamily="18" charset="0"/>
+                              </a:rPr>
+                              <m:t>𝑠</m:t>
+                            </m:r>
+                          </m:e>
+                        </m:d>
+                        <m:sSup>
+                          <m:sSupPr>
+                            <m:ctrlPr>
+                              <a:rPr lang="de-DE" i="1">
+                                <a:latin typeface="Cambria Math" panose="02040503050406030204" pitchFamily="18" charset="0"/>
+                                <a:ea typeface="Cambria Math" panose="02040503050406030204" pitchFamily="18" charset="0"/>
+                              </a:rPr>
+                            </m:ctrlPr>
+                          </m:sSupPr>
+                          <m:e>
+                            <m:r>
+                              <a:rPr lang="de-DE" i="1">
+                                <a:latin typeface="Cambria Math" panose="02040503050406030204" pitchFamily="18" charset="0"/>
+                                <a:ea typeface="Cambria Math" panose="02040503050406030204" pitchFamily="18" charset="0"/>
+                              </a:rPr>
+                              <m:t>𝑒</m:t>
+                            </m:r>
+                          </m:e>
+                          <m:sup>
+                            <m:r>
+                              <a:rPr lang="de-DE" i="1">
+                                <a:latin typeface="Cambria Math" panose="02040503050406030204" pitchFamily="18" charset="0"/>
+                                <a:ea typeface="Cambria Math" panose="02040503050406030204" pitchFamily="18" charset="0"/>
+                              </a:rPr>
+                              <m:t>𝑠𝑡</m:t>
+                            </m:r>
+                          </m:sup>
+                        </m:sSup>
+                        <m:r>
+                          <a:rPr lang="de-DE" i="1">
+                            <a:latin typeface="Cambria Math" panose="02040503050406030204" pitchFamily="18" charset="0"/>
+                            <a:ea typeface="Cambria Math" panose="02040503050406030204" pitchFamily="18" charset="0"/>
+                          </a:rPr>
+                          <m:t> </m:t>
+                        </m:r>
+                        <m:r>
+                          <a:rPr lang="de-DE" i="1">
+                            <a:latin typeface="Cambria Math" panose="02040503050406030204" pitchFamily="18" charset="0"/>
+                            <a:ea typeface="Cambria Math" panose="02040503050406030204" pitchFamily="18" charset="0"/>
+                          </a:rPr>
+                          <m:t>𝑑𝑠</m:t>
+                        </m:r>
+                      </m:e>
+                    </m:nary>
+                  </m:oMath>
+                </a14:m>
+                <a:endParaRPr lang="de-DE" dirty="0"/>
+              </a:p>
+              <a:p>
+                <a:pPr marL="0" indent="0">
+                  <a:buNone/>
+                </a:pPr>
+                <a:endParaRPr lang="de-DE" dirty="0"/>
+              </a:p>
+            </p:txBody>
+          </p:sp>
+        </mc:Choice>
+        <mc:Fallback>
+          <p:sp>
+            <p:nvSpPr>
+              <p:cNvPr id="3" name="Inhaltsplatzhalter 2">
+                <a:extLst>
+                  <a:ext uri="{FF2B5EF4-FFF2-40B4-BE49-F238E27FC236}">
+                    <a16:creationId xmlns:a16="http://schemas.microsoft.com/office/drawing/2014/main" id="{C485D3F4-FE7F-D5B1-5361-8927EF1D91D2}"/>
+                  </a:ext>
+                </a:extLst>
+              </p:cNvPr>
+              <p:cNvSpPr>
+                <a:spLocks noGrp="1" noRot="1" noChangeAspect="1" noMove="1" noResize="1" noEditPoints="1" noAdjustHandles="1" noChangeArrowheads="1" noChangeShapeType="1" noTextEdit="1"/>
+              </p:cNvSpPr>
+              <p:nvPr>
+                <p:ph idx="1"/>
+              </p:nvPr>
+            </p:nvSpPr>
+            <p:spPr>
+              <a:blipFill>
+                <a:blip r:embed="rId2"/>
+                <a:stretch>
+                  <a:fillRect l="-1086" t="-18314" b="-21802"/>
+                </a:stretch>
+              </a:blipFill>
+            </p:spPr>
+            <p:txBody>
+              <a:bodyPr/>
+              <a:lstStyle/>
+              <a:p>
+                <a:r>
+                  <a:rPr lang="de-DE">
+                    <a:noFill/>
+                  </a:rPr>
+                  <a:t> </a:t>
+                </a:r>
+              </a:p>
+            </p:txBody>
+          </p:sp>
+        </mc:Fallback>
+      </mc:AlternateContent>
       <p:sp>
         <p:nvSpPr>
           <p:cNvPr id="4" name="Foliennummernplatzhalter 3">
             <a:extLst>
               <a:ext uri="{FF2B5EF4-FFF2-40B4-BE49-F238E27FC236}">
-                <a16:creationId xmlns:a16="http://schemas.microsoft.com/office/drawing/2014/main" id="{720D94CC-C83A-ADAF-CBC8-434022B692A8}"/>
+                <a16:creationId xmlns:a16="http://schemas.microsoft.com/office/drawing/2014/main" id="{15ADA87C-833A-FBF6-AD8D-199E591EEC86}"/>
               </a:ext>
             </a:extLst>
           </p:cNvPr>
@@ -5849,7 +8243,7 @@
     </p:spTree>
     <p:extLst>
       <p:ext uri="{BB962C8B-B14F-4D97-AF65-F5344CB8AC3E}">
-        <p14:creationId xmlns:p14="http://schemas.microsoft.com/office/powerpoint/2010/main" val="2037436766"/>
+        <p14:creationId xmlns:p14="http://schemas.microsoft.com/office/powerpoint/2010/main" val="3686807095"/>
       </p:ext>
     </p:extLst>
   </p:cSld>
@@ -5881,7 +8275,7 @@
           <p:cNvPr id="2" name="Titel 1">
             <a:extLst>
               <a:ext uri="{FF2B5EF4-FFF2-40B4-BE49-F238E27FC236}">
-                <a16:creationId xmlns:a16="http://schemas.microsoft.com/office/drawing/2014/main" id="{54D6C1A5-60C2-D776-E22C-DF4611C42A09}"/>
+                <a16:creationId xmlns:a16="http://schemas.microsoft.com/office/drawing/2014/main" id="{05599DE0-CD22-B2A9-150F-84B7FAEF26E4}"/>
               </a:ext>
             </a:extLst>
           </p:cNvPr>
@@ -5899,94 +8293,7 @@
           <a:p>
             <a:r>
               <a:rPr lang="de-DE" dirty="0"/>
-              <a:t>Transfer </a:t>
-            </a:r>
-            <a:r>
-              <a:rPr lang="de-DE" dirty="0" err="1"/>
-              <a:t>Functions</a:t>
-            </a:r>
-            <a:endParaRPr lang="de-DE" dirty="0"/>
-          </a:p>
-        </p:txBody>
-      </p:sp>
-      <p:sp>
-        <p:nvSpPr>
-          <p:cNvPr id="3" name="Inhaltsplatzhalter 2">
-            <a:extLst>
-              <a:ext uri="{FF2B5EF4-FFF2-40B4-BE49-F238E27FC236}">
-                <a16:creationId xmlns:a16="http://schemas.microsoft.com/office/drawing/2014/main" id="{A2FE3B30-8FA2-29B5-DC74-3E46F1E9FE16}"/>
-              </a:ext>
-            </a:extLst>
-          </p:cNvPr>
-          <p:cNvSpPr>
-            <a:spLocks noGrp="1"/>
-          </p:cNvSpPr>
-          <p:nvPr>
-            <p:ph idx="1"/>
-          </p:nvPr>
-        </p:nvSpPr>
-        <p:spPr/>
-        <p:txBody>
-          <a:bodyPr/>
-          <a:lstStyle/>
-          <a:p>
-            <a:r>
-              <a:rPr lang="de-DE" dirty="0" err="1"/>
-              <a:t>Describe</a:t>
-            </a:r>
-            <a:r>
-              <a:rPr lang="de-DE" dirty="0"/>
-              <a:t> </a:t>
-            </a:r>
-            <a:r>
-              <a:rPr lang="de-DE" dirty="0" err="1"/>
-              <a:t>input</a:t>
-            </a:r>
-            <a:r>
-              <a:rPr lang="de-DE" dirty="0"/>
-              <a:t>–</a:t>
-            </a:r>
-            <a:r>
-              <a:rPr lang="de-DE" dirty="0" err="1"/>
-              <a:t>output</a:t>
-            </a:r>
-            <a:r>
-              <a:rPr lang="de-DE" dirty="0"/>
-              <a:t> </a:t>
-            </a:r>
-            <a:r>
-              <a:rPr lang="de-DE" dirty="0" err="1"/>
-              <a:t>behavior</a:t>
-            </a:r>
-            <a:endParaRPr lang="de-DE" dirty="0"/>
-          </a:p>
-          <a:p>
-            <a:r>
-              <a:rPr lang="de-DE" dirty="0" err="1"/>
-              <a:t>Contain</a:t>
-            </a:r>
-            <a:r>
-              <a:rPr lang="de-DE" dirty="0"/>
-              <a:t> </a:t>
-            </a:r>
-            <a:r>
-              <a:rPr lang="de-DE" dirty="0" err="1"/>
-              <a:t>poles</a:t>
-            </a:r>
-            <a:r>
-              <a:rPr lang="de-DE" dirty="0"/>
-              <a:t> and </a:t>
-            </a:r>
-            <a:r>
-              <a:rPr lang="de-DE" dirty="0" err="1"/>
-              <a:t>zeros</a:t>
-            </a:r>
-            <a:endParaRPr lang="de-DE" dirty="0"/>
-          </a:p>
-          <a:p>
-            <a:r>
-              <a:rPr lang="de-DE" dirty="0"/>
-              <a:t>Independent </a:t>
+              <a:t>Laplace </a:t>
             </a:r>
             <a:r>
               <a:rPr lang="de-DE" dirty="0" err="1"/>
@@ -5994,21 +8301,8 @@
             </a:r>
             <a:r>
               <a:rPr lang="de-DE" dirty="0"/>
-              <a:t> </a:t>
-            </a:r>
-            <a:r>
-              <a:rPr lang="de-DE" dirty="0" err="1"/>
-              <a:t>controller</a:t>
-            </a:r>
-            <a:r>
-              <a:rPr lang="de-DE" dirty="0"/>
-              <a:t> </a:t>
-            </a:r>
-            <a:r>
-              <a:rPr lang="de-DE" dirty="0" err="1"/>
-              <a:t>implementation</a:t>
-            </a:r>
-            <a:endParaRPr lang="de-DE" dirty="0"/>
+              <a:t> Common Signals</a:t>
+            </a:r>
           </a:p>
         </p:txBody>
       </p:sp>
@@ -6017,7 +8311,7 @@
           <p:cNvPr id="4" name="Foliennummernplatzhalter 3">
             <a:extLst>
               <a:ext uri="{FF2B5EF4-FFF2-40B4-BE49-F238E27FC236}">
-                <a16:creationId xmlns:a16="http://schemas.microsoft.com/office/drawing/2014/main" id="{0E64B9C5-72B9-E365-6CAF-535A0DBA5BAE}"/>
+                <a16:creationId xmlns:a16="http://schemas.microsoft.com/office/drawing/2014/main" id="{B013AC8B-8A91-1321-9E5A-A05CA1BD8510}"/>
               </a:ext>
             </a:extLst>
           </p:cNvPr>
@@ -6041,10 +8335,1366 @@
           </a:p>
         </p:txBody>
       </p:sp>
+      <mc:AlternateContent xmlns:mc="http://schemas.openxmlformats.org/markup-compatibility/2006">
+        <mc:Choice xmlns:a14="http://schemas.microsoft.com/office/drawing/2010/main" Requires="a14">
+          <p:graphicFrame>
+            <p:nvGraphicFramePr>
+              <p:cNvPr id="5" name="Tabelle 4">
+                <a:extLst>
+                  <a:ext uri="{FF2B5EF4-FFF2-40B4-BE49-F238E27FC236}">
+                    <a16:creationId xmlns:a16="http://schemas.microsoft.com/office/drawing/2014/main" id="{8D4846C7-6201-E02C-F64D-73668B3D1490}"/>
+                  </a:ext>
+                </a:extLst>
+              </p:cNvPr>
+              <p:cNvGraphicFramePr>
+                <a:graphicFrameLocks noGrp="1"/>
+              </p:cNvGraphicFramePr>
+              <p:nvPr>
+                <p:extLst>
+                  <p:ext uri="{D42A27DB-BD31-4B8C-83A1-F6EECF244321}">
+                    <p14:modId xmlns:p14="http://schemas.microsoft.com/office/powerpoint/2010/main" val="3470297471"/>
+                  </p:ext>
+                </p:extLst>
+              </p:nvPr>
+            </p:nvGraphicFramePr>
+            <p:xfrm>
+              <a:off x="838200" y="1690689"/>
+              <a:ext cx="10515600" cy="4746529"/>
+            </p:xfrm>
+            <a:graphic>
+              <a:graphicData uri="http://schemas.openxmlformats.org/drawingml/2006/table">
+                <a:tbl>
+                  <a:tblPr firstRow="1" bandRow="1">
+                    <a:tableStyleId>{5C22544A-7EE6-4342-B048-85BDC9FD1C3A}</a:tableStyleId>
+                  </a:tblPr>
+                  <a:tblGrid>
+                    <a:gridCol w="3505200">
+                      <a:extLst>
+                        <a:ext uri="{9D8B030D-6E8A-4147-A177-3AD203B41FA5}">
+                          <a16:colId xmlns:a16="http://schemas.microsoft.com/office/drawing/2014/main" val="1083059983"/>
+                        </a:ext>
+                      </a:extLst>
+                    </a:gridCol>
+                    <a:gridCol w="3505200">
+                      <a:extLst>
+                        <a:ext uri="{9D8B030D-6E8A-4147-A177-3AD203B41FA5}">
+                          <a16:colId xmlns:a16="http://schemas.microsoft.com/office/drawing/2014/main" val="3327686744"/>
+                        </a:ext>
+                      </a:extLst>
+                    </a:gridCol>
+                    <a:gridCol w="3505200">
+                      <a:extLst>
+                        <a:ext uri="{9D8B030D-6E8A-4147-A177-3AD203B41FA5}">
+                          <a16:colId xmlns:a16="http://schemas.microsoft.com/office/drawing/2014/main" val="3949882825"/>
+                        </a:ext>
+                      </a:extLst>
+                    </a:gridCol>
+                  </a:tblGrid>
+                  <a:tr h="678528">
+                    <a:tc>
+                      <a:txBody>
+                        <a:bodyPr/>
+                        <a:lstStyle/>
+                        <a:p>
+                          <a:r>
+                            <a:rPr lang="de-DE" sz="2600" dirty="0" err="1"/>
+                            <a:t>Function</a:t>
+                          </a:r>
+                          <a:endParaRPr lang="de-DE" sz="2600" dirty="0"/>
+                        </a:p>
+                      </a:txBody>
+                      <a:tcPr anchor="ctr"/>
+                    </a:tc>
+                    <a:tc>
+                      <a:txBody>
+                        <a:bodyPr/>
+                        <a:lstStyle/>
+                        <a:p>
+                          <a:r>
+                            <a:rPr lang="de-DE" sz="2600" dirty="0"/>
+                            <a:t>Time </a:t>
+                          </a:r>
+                          <a:r>
+                            <a:rPr lang="de-DE" sz="2600" dirty="0" err="1"/>
+                            <a:t>domain</a:t>
+                          </a:r>
+                          <a:endParaRPr lang="de-DE" sz="2600" dirty="0"/>
+                        </a:p>
+                      </a:txBody>
+                      <a:tcPr anchor="ctr"/>
+                    </a:tc>
+                    <a:tc>
+                      <a:txBody>
+                        <a:bodyPr/>
+                        <a:lstStyle/>
+                        <a:p>
+                          <a:r>
+                            <a:rPr lang="de-DE" sz="2600" dirty="0"/>
+                            <a:t>Laplace </a:t>
+                          </a:r>
+                          <a:r>
+                            <a:rPr lang="de-DE" sz="2600" dirty="0" err="1"/>
+                            <a:t>domain</a:t>
+                          </a:r>
+                          <a:endParaRPr lang="de-DE" sz="2600" dirty="0"/>
+                        </a:p>
+                      </a:txBody>
+                      <a:tcPr anchor="ctr"/>
+                    </a:tc>
+                    <a:extLst>
+                      <a:ext uri="{0D108BD9-81ED-4DB2-BD59-A6C34878D82A}">
+                        <a16:rowId xmlns:a16="http://schemas.microsoft.com/office/drawing/2014/main" val="2233481217"/>
+                      </a:ext>
+                    </a:extLst>
+                  </a:tr>
+                  <a:tr h="819421">
+                    <a:tc>
+                      <a:txBody>
+                        <a:bodyPr/>
+                        <a:lstStyle/>
+                        <a:p>
+                          <a:r>
+                            <a:rPr lang="de-DE" sz="2600" dirty="0" err="1"/>
+                            <a:t>Step</a:t>
+                          </a:r>
+                          <a:endParaRPr lang="de-DE" sz="2600" dirty="0"/>
+                        </a:p>
+                      </a:txBody>
+                      <a:tcPr anchor="ctr"/>
+                    </a:tc>
+                    <a:tc>
+                      <a:txBody>
+                        <a:bodyPr/>
+                        <a:lstStyle/>
+                        <a:p>
+                          <a14:m>
+                            <m:oMathPara xmlns:m="http://schemas.openxmlformats.org/officeDocument/2006/math">
+                              <m:oMathParaPr>
+                                <m:jc m:val="centerGroup"/>
+                              </m:oMathParaPr>
+                              <m:oMath xmlns:m="http://schemas.openxmlformats.org/officeDocument/2006/math">
+                                <m:r>
+                                  <a:rPr lang="de-DE" sz="2600" b="0" i="1" smtClean="0">
+                                    <a:latin typeface="Cambria Math" panose="02040503050406030204" pitchFamily="18" charset="0"/>
+                                  </a:rPr>
+                                  <m:t>𝑢</m:t>
+                                </m:r>
+                                <m:r>
+                                  <a:rPr lang="de-DE" sz="2600" b="0" i="1" smtClean="0">
+                                    <a:latin typeface="Cambria Math" panose="02040503050406030204" pitchFamily="18" charset="0"/>
+                                  </a:rPr>
+                                  <m:t>(</m:t>
+                                </m:r>
+                                <m:r>
+                                  <a:rPr lang="de-DE" sz="2600" b="0" i="1" smtClean="0">
+                                    <a:latin typeface="Cambria Math" panose="02040503050406030204" pitchFamily="18" charset="0"/>
+                                  </a:rPr>
+                                  <m:t>𝑡</m:t>
+                                </m:r>
+                                <m:r>
+                                  <a:rPr lang="de-DE" sz="2600" b="0" i="1" smtClean="0">
+                                    <a:latin typeface="Cambria Math" panose="02040503050406030204" pitchFamily="18" charset="0"/>
+                                  </a:rPr>
+                                  <m:t>)</m:t>
+                                </m:r>
+                              </m:oMath>
+                            </m:oMathPara>
+                          </a14:m>
+                          <a:endParaRPr lang="de-DE" sz="2600" dirty="0"/>
+                        </a:p>
+                      </a:txBody>
+                      <a:tcPr anchor="ctr"/>
+                    </a:tc>
+                    <a:tc>
+                      <a:txBody>
+                        <a:bodyPr/>
+                        <a:lstStyle/>
+                        <a:p>
+                          <a14:m>
+                            <m:oMathPara xmlns:m="http://schemas.openxmlformats.org/officeDocument/2006/math">
+                              <m:oMathParaPr>
+                                <m:jc m:val="centerGroup"/>
+                              </m:oMathParaPr>
+                              <m:oMath xmlns:m="http://schemas.openxmlformats.org/officeDocument/2006/math">
+                                <m:f>
+                                  <m:fPr>
+                                    <m:ctrlPr>
+                                      <a:rPr lang="de-DE" sz="2600" i="1" smtClean="0">
+                                        <a:latin typeface="Cambria Math" panose="02040503050406030204" pitchFamily="18" charset="0"/>
+                                      </a:rPr>
+                                    </m:ctrlPr>
+                                  </m:fPr>
+                                  <m:num>
+                                    <m:r>
+                                      <a:rPr lang="de-DE" sz="2600" b="0" i="1" smtClean="0">
+                                        <a:latin typeface="Cambria Math" panose="02040503050406030204" pitchFamily="18" charset="0"/>
+                                      </a:rPr>
+                                      <m:t>1</m:t>
+                                    </m:r>
+                                  </m:num>
+                                  <m:den>
+                                    <m:r>
+                                      <a:rPr lang="de-DE" sz="2600" b="0" i="1" smtClean="0">
+                                        <a:latin typeface="Cambria Math" panose="02040503050406030204" pitchFamily="18" charset="0"/>
+                                      </a:rPr>
+                                      <m:t>𝑠</m:t>
+                                    </m:r>
+                                  </m:den>
+                                </m:f>
+                              </m:oMath>
+                            </m:oMathPara>
+                          </a14:m>
+                          <a:endParaRPr lang="de-DE" sz="2600" dirty="0"/>
+                        </a:p>
+                      </a:txBody>
+                      <a:tcPr anchor="ctr"/>
+                    </a:tc>
+                    <a:extLst>
+                      <a:ext uri="{0D108BD9-81ED-4DB2-BD59-A6C34878D82A}">
+                        <a16:rowId xmlns:a16="http://schemas.microsoft.com/office/drawing/2014/main" val="486937849"/>
+                      </a:ext>
+                    </a:extLst>
+                  </a:tr>
+                  <a:tr h="819421">
+                    <a:tc>
+                      <a:txBody>
+                        <a:bodyPr/>
+                        <a:lstStyle/>
+                        <a:p>
+                          <a:r>
+                            <a:rPr lang="de-DE" sz="2600" dirty="0"/>
+                            <a:t>Ramp</a:t>
+                          </a:r>
+                        </a:p>
+                      </a:txBody>
+                      <a:tcPr anchor="ctr"/>
+                    </a:tc>
+                    <a:tc>
+                      <a:txBody>
+                        <a:bodyPr/>
+                        <a:lstStyle/>
+                        <a:p>
+                          <a14:m>
+                            <m:oMathPara xmlns:m="http://schemas.openxmlformats.org/officeDocument/2006/math">
+                              <m:oMathParaPr>
+                                <m:jc m:val="centerGroup"/>
+                              </m:oMathParaPr>
+                              <m:oMath xmlns:m="http://schemas.openxmlformats.org/officeDocument/2006/math">
+                                <m:r>
+                                  <a:rPr lang="de-DE" sz="2600" b="0" i="1" smtClean="0">
+                                    <a:latin typeface="Cambria Math" panose="02040503050406030204" pitchFamily="18" charset="0"/>
+                                  </a:rPr>
+                                  <m:t>𝑡</m:t>
+                                </m:r>
+                                <m:r>
+                                  <a:rPr lang="de-DE" sz="2600" b="0" i="1" smtClean="0">
+                                    <a:latin typeface="Cambria Math" panose="02040503050406030204" pitchFamily="18" charset="0"/>
+                                    <a:ea typeface="Cambria Math" panose="02040503050406030204" pitchFamily="18" charset="0"/>
+                                  </a:rPr>
+                                  <m:t>∙</m:t>
+                                </m:r>
+                                <m:r>
+                                  <a:rPr lang="de-DE" sz="2600" b="0" i="1" smtClean="0">
+                                    <a:latin typeface="Cambria Math" panose="02040503050406030204" pitchFamily="18" charset="0"/>
+                                    <a:ea typeface="Cambria Math" panose="02040503050406030204" pitchFamily="18" charset="0"/>
+                                  </a:rPr>
+                                  <m:t>𝑢</m:t>
+                                </m:r>
+                                <m:r>
+                                  <a:rPr lang="de-DE" sz="2600" b="0" i="1" smtClean="0">
+                                    <a:latin typeface="Cambria Math" panose="02040503050406030204" pitchFamily="18" charset="0"/>
+                                    <a:ea typeface="Cambria Math" panose="02040503050406030204" pitchFamily="18" charset="0"/>
+                                  </a:rPr>
+                                  <m:t>(</m:t>
+                                </m:r>
+                                <m:r>
+                                  <a:rPr lang="de-DE" sz="2600" b="0" i="1" smtClean="0">
+                                    <a:latin typeface="Cambria Math" panose="02040503050406030204" pitchFamily="18" charset="0"/>
+                                    <a:ea typeface="Cambria Math" panose="02040503050406030204" pitchFamily="18" charset="0"/>
+                                  </a:rPr>
+                                  <m:t>𝑡</m:t>
+                                </m:r>
+                                <m:r>
+                                  <a:rPr lang="de-DE" sz="2600" b="0" i="1" smtClean="0">
+                                    <a:latin typeface="Cambria Math" panose="02040503050406030204" pitchFamily="18" charset="0"/>
+                                    <a:ea typeface="Cambria Math" panose="02040503050406030204" pitchFamily="18" charset="0"/>
+                                  </a:rPr>
+                                  <m:t>)</m:t>
+                                </m:r>
+                              </m:oMath>
+                            </m:oMathPara>
+                          </a14:m>
+                          <a:endParaRPr lang="de-DE" sz="2600" dirty="0"/>
+                        </a:p>
+                      </a:txBody>
+                      <a:tcPr anchor="ctr"/>
+                    </a:tc>
+                    <a:tc>
+                      <a:txBody>
+                        <a:bodyPr/>
+                        <a:lstStyle/>
+                        <a:p>
+                          <a14:m>
+                            <m:oMathPara xmlns:m="http://schemas.openxmlformats.org/officeDocument/2006/math">
+                              <m:oMathParaPr>
+                                <m:jc m:val="centerGroup"/>
+                              </m:oMathParaPr>
+                              <m:oMath xmlns:m="http://schemas.openxmlformats.org/officeDocument/2006/math">
+                                <m:f>
+                                  <m:fPr>
+                                    <m:ctrlPr>
+                                      <a:rPr lang="de-DE" sz="2600" i="1" smtClean="0">
+                                        <a:latin typeface="Cambria Math" panose="02040503050406030204" pitchFamily="18" charset="0"/>
+                                      </a:rPr>
+                                    </m:ctrlPr>
+                                  </m:fPr>
+                                  <m:num>
+                                    <m:r>
+                                      <a:rPr lang="de-DE" sz="2600" b="0" i="1" smtClean="0">
+                                        <a:latin typeface="Cambria Math" panose="02040503050406030204" pitchFamily="18" charset="0"/>
+                                      </a:rPr>
+                                      <m:t>1</m:t>
+                                    </m:r>
+                                  </m:num>
+                                  <m:den>
+                                    <m:sSup>
+                                      <m:sSupPr>
+                                        <m:ctrlPr>
+                                          <a:rPr lang="de-DE" sz="2600" i="1" smtClean="0">
+                                            <a:latin typeface="Cambria Math" panose="02040503050406030204" pitchFamily="18" charset="0"/>
+                                          </a:rPr>
+                                        </m:ctrlPr>
+                                      </m:sSupPr>
+                                      <m:e>
+                                        <m:r>
+                                          <a:rPr lang="de-DE" sz="2600" b="0" i="1" smtClean="0">
+                                            <a:latin typeface="Cambria Math" panose="02040503050406030204" pitchFamily="18" charset="0"/>
+                                          </a:rPr>
+                                          <m:t>𝑠</m:t>
+                                        </m:r>
+                                      </m:e>
+                                      <m:sup>
+                                        <m:r>
+                                          <a:rPr lang="de-DE" sz="2600" b="0" i="1" smtClean="0">
+                                            <a:latin typeface="Cambria Math" panose="02040503050406030204" pitchFamily="18" charset="0"/>
+                                          </a:rPr>
+                                          <m:t>2</m:t>
+                                        </m:r>
+                                      </m:sup>
+                                    </m:sSup>
+                                  </m:den>
+                                </m:f>
+                              </m:oMath>
+                            </m:oMathPara>
+                          </a14:m>
+                          <a:endParaRPr lang="de-DE" sz="2600" dirty="0"/>
+                        </a:p>
+                      </a:txBody>
+                      <a:tcPr anchor="ctr"/>
+                    </a:tc>
+                    <a:extLst>
+                      <a:ext uri="{0D108BD9-81ED-4DB2-BD59-A6C34878D82A}">
+                        <a16:rowId xmlns:a16="http://schemas.microsoft.com/office/drawing/2014/main" val="2213722524"/>
+                      </a:ext>
+                    </a:extLst>
+                  </a:tr>
+                  <a:tr h="825770">
+                    <a:tc>
+                      <a:txBody>
+                        <a:bodyPr/>
+                        <a:lstStyle/>
+                        <a:p>
+                          <a:r>
+                            <a:rPr lang="de-DE" sz="2600" dirty="0" err="1"/>
+                            <a:t>Exponential</a:t>
+                          </a:r>
+                          <a:r>
+                            <a:rPr lang="de-DE" sz="2600" dirty="0"/>
+                            <a:t> </a:t>
+                          </a:r>
+                          <a:r>
+                            <a:rPr lang="de-DE" sz="2600" dirty="0" err="1"/>
+                            <a:t>decay</a:t>
+                          </a:r>
+                          <a:endParaRPr lang="de-DE" sz="2600" dirty="0"/>
+                        </a:p>
+                      </a:txBody>
+                      <a:tcPr anchor="ctr"/>
+                    </a:tc>
+                    <a:tc>
+                      <a:txBody>
+                        <a:bodyPr/>
+                        <a:lstStyle/>
+                        <a:p>
+                          <a14:m>
+                            <m:oMathPara xmlns:m="http://schemas.openxmlformats.org/officeDocument/2006/math">
+                              <m:oMathParaPr>
+                                <m:jc m:val="centerGroup"/>
+                              </m:oMathParaPr>
+                              <m:oMath xmlns:m="http://schemas.openxmlformats.org/officeDocument/2006/math">
+                                <m:sSup>
+                                  <m:sSupPr>
+                                    <m:ctrlPr>
+                                      <a:rPr lang="de-DE" sz="2600" i="1" smtClean="0">
+                                        <a:latin typeface="Cambria Math" panose="02040503050406030204" pitchFamily="18" charset="0"/>
+                                      </a:rPr>
+                                    </m:ctrlPr>
+                                  </m:sSupPr>
+                                  <m:e>
+                                    <m:r>
+                                      <a:rPr lang="de-DE" sz="2600" i="1" smtClean="0">
+                                        <a:latin typeface="Cambria Math" panose="02040503050406030204" pitchFamily="18" charset="0"/>
+                                      </a:rPr>
+                                      <m:t>𝑒</m:t>
+                                    </m:r>
+                                  </m:e>
+                                  <m:sup>
+                                    <m:r>
+                                      <a:rPr lang="de-DE" sz="2600" i="1" smtClean="0">
+                                        <a:latin typeface="Cambria Math" panose="02040503050406030204" pitchFamily="18" charset="0"/>
+                                      </a:rPr>
+                                      <m:t>−</m:t>
+                                    </m:r>
+                                    <m:r>
+                                      <a:rPr lang="de-DE" sz="2600" i="1" smtClean="0">
+                                        <a:latin typeface="Cambria Math" panose="02040503050406030204" pitchFamily="18" charset="0"/>
+                                        <a:ea typeface="Cambria Math" panose="02040503050406030204" pitchFamily="18" charset="0"/>
+                                      </a:rPr>
+                                      <m:t>𝛼</m:t>
+                                    </m:r>
+                                    <m:r>
+                                      <a:rPr lang="de-DE" sz="2600" i="1" smtClean="0">
+                                        <a:latin typeface="Cambria Math" panose="02040503050406030204" pitchFamily="18" charset="0"/>
+                                      </a:rPr>
+                                      <m:t>𝑡</m:t>
+                                    </m:r>
+                                  </m:sup>
+                                </m:sSup>
+                                <m:r>
+                                  <a:rPr lang="de-DE" sz="2600" i="1" smtClean="0">
+                                    <a:latin typeface="Cambria Math" panose="02040503050406030204" pitchFamily="18" charset="0"/>
+                                    <a:ea typeface="Cambria Math" panose="02040503050406030204" pitchFamily="18" charset="0"/>
+                                  </a:rPr>
+                                  <m:t>∙</m:t>
+                                </m:r>
+                                <m:r>
+                                  <a:rPr lang="de-DE" sz="2600" b="0" i="1" smtClean="0">
+                                    <a:latin typeface="Cambria Math" panose="02040503050406030204" pitchFamily="18" charset="0"/>
+                                    <a:ea typeface="Cambria Math" panose="02040503050406030204" pitchFamily="18" charset="0"/>
+                                  </a:rPr>
+                                  <m:t>𝑢</m:t>
+                                </m:r>
+                                <m:r>
+                                  <a:rPr lang="de-DE" sz="2600" b="0" i="1" smtClean="0">
+                                    <a:latin typeface="Cambria Math" panose="02040503050406030204" pitchFamily="18" charset="0"/>
+                                    <a:ea typeface="Cambria Math" panose="02040503050406030204" pitchFamily="18" charset="0"/>
+                                  </a:rPr>
+                                  <m:t>(</m:t>
+                                </m:r>
+                                <m:r>
+                                  <a:rPr lang="de-DE" sz="2600" b="0" i="1" smtClean="0">
+                                    <a:latin typeface="Cambria Math" panose="02040503050406030204" pitchFamily="18" charset="0"/>
+                                    <a:ea typeface="Cambria Math" panose="02040503050406030204" pitchFamily="18" charset="0"/>
+                                  </a:rPr>
+                                  <m:t>𝑡</m:t>
+                                </m:r>
+                                <m:r>
+                                  <a:rPr lang="de-DE" sz="2600" b="0" i="1" smtClean="0">
+                                    <a:latin typeface="Cambria Math" panose="02040503050406030204" pitchFamily="18" charset="0"/>
+                                    <a:ea typeface="Cambria Math" panose="02040503050406030204" pitchFamily="18" charset="0"/>
+                                  </a:rPr>
+                                  <m:t>)</m:t>
+                                </m:r>
+                              </m:oMath>
+                            </m:oMathPara>
+                          </a14:m>
+                          <a:endParaRPr lang="de-DE" sz="2600" dirty="0"/>
+                        </a:p>
+                      </a:txBody>
+                      <a:tcPr anchor="ctr"/>
+                    </a:tc>
+                    <a:tc>
+                      <a:txBody>
+                        <a:bodyPr/>
+                        <a:lstStyle/>
+                        <a:p>
+                          <a14:m>
+                            <m:oMathPara xmlns:m="http://schemas.openxmlformats.org/officeDocument/2006/math">
+                              <m:oMathParaPr>
+                                <m:jc m:val="centerGroup"/>
+                              </m:oMathParaPr>
+                              <m:oMath xmlns:m="http://schemas.openxmlformats.org/officeDocument/2006/math">
+                                <m:f>
+                                  <m:fPr>
+                                    <m:ctrlPr>
+                                      <a:rPr lang="de-DE" sz="2600" i="1" smtClean="0">
+                                        <a:latin typeface="Cambria Math" panose="02040503050406030204" pitchFamily="18" charset="0"/>
+                                      </a:rPr>
+                                    </m:ctrlPr>
+                                  </m:fPr>
+                                  <m:num>
+                                    <m:r>
+                                      <a:rPr lang="de-DE" sz="2600" b="0" i="1" smtClean="0">
+                                        <a:latin typeface="Cambria Math" panose="02040503050406030204" pitchFamily="18" charset="0"/>
+                                      </a:rPr>
+                                      <m:t>1</m:t>
+                                    </m:r>
+                                  </m:num>
+                                  <m:den>
+                                    <m:r>
+                                      <a:rPr lang="de-DE" sz="2600" b="0" i="1" smtClean="0">
+                                        <a:latin typeface="Cambria Math" panose="02040503050406030204" pitchFamily="18" charset="0"/>
+                                      </a:rPr>
+                                      <m:t>𝑠</m:t>
+                                    </m:r>
+                                    <m:r>
+                                      <a:rPr lang="de-DE" sz="2600" b="0" i="1" smtClean="0">
+                                        <a:latin typeface="Cambria Math" panose="02040503050406030204" pitchFamily="18" charset="0"/>
+                                      </a:rPr>
+                                      <m:t>+</m:t>
+                                    </m:r>
+                                    <m:r>
+                                      <a:rPr lang="de-DE" sz="2600" b="0" i="1" smtClean="0">
+                                        <a:latin typeface="Cambria Math" panose="02040503050406030204" pitchFamily="18" charset="0"/>
+                                        <a:ea typeface="Cambria Math" panose="02040503050406030204" pitchFamily="18" charset="0"/>
+                                      </a:rPr>
+                                      <m:t>𝛼</m:t>
+                                    </m:r>
+                                  </m:den>
+                                </m:f>
+                              </m:oMath>
+                            </m:oMathPara>
+                          </a14:m>
+                          <a:endParaRPr lang="de-DE" sz="2600" dirty="0"/>
+                        </a:p>
+                      </a:txBody>
+                      <a:tcPr anchor="ctr"/>
+                    </a:tc>
+                    <a:extLst>
+                      <a:ext uri="{0D108BD9-81ED-4DB2-BD59-A6C34878D82A}">
+                        <a16:rowId xmlns:a16="http://schemas.microsoft.com/office/drawing/2014/main" val="1968125907"/>
+                      </a:ext>
+                    </a:extLst>
+                  </a:tr>
+                  <a:tr h="761354">
+                    <a:tc>
+                      <a:txBody>
+                        <a:bodyPr/>
+                        <a:lstStyle/>
+                        <a:p>
+                          <a:r>
+                            <a:rPr lang="de-DE" sz="2600" dirty="0"/>
+                            <a:t>Sine</a:t>
+                          </a:r>
+                        </a:p>
+                      </a:txBody>
+                      <a:tcPr anchor="ctr"/>
+                    </a:tc>
+                    <a:tc>
+                      <a:txBody>
+                        <a:bodyPr/>
+                        <a:lstStyle/>
+                        <a:p>
+                          <a14:m>
+                            <m:oMathPara xmlns:m="http://schemas.openxmlformats.org/officeDocument/2006/math">
+                              <m:oMathParaPr>
+                                <m:jc m:val="centerGroup"/>
+                              </m:oMathParaPr>
+                              <m:oMath xmlns:m="http://schemas.openxmlformats.org/officeDocument/2006/math">
+                                <m:func>
+                                  <m:funcPr>
+                                    <m:ctrlPr>
+                                      <a:rPr lang="de-DE" sz="2600" i="1" smtClean="0">
+                                        <a:latin typeface="Cambria Math" panose="02040503050406030204" pitchFamily="18" charset="0"/>
+                                      </a:rPr>
+                                    </m:ctrlPr>
+                                  </m:funcPr>
+                                  <m:fName>
+                                    <m:r>
+                                      <m:rPr>
+                                        <m:sty m:val="p"/>
+                                      </m:rPr>
+                                      <a:rPr lang="de-DE" sz="2600" i="0" smtClean="0">
+                                        <a:latin typeface="Cambria Math" panose="02040503050406030204" pitchFamily="18" charset="0"/>
+                                      </a:rPr>
+                                      <m:t>sin</m:t>
+                                    </m:r>
+                                  </m:fName>
+                                  <m:e>
+                                    <m:r>
+                                      <a:rPr lang="de-DE" sz="2600" i="1" smtClean="0">
+                                        <a:latin typeface="Cambria Math" panose="02040503050406030204" pitchFamily="18" charset="0"/>
+                                        <a:ea typeface="Cambria Math" panose="02040503050406030204" pitchFamily="18" charset="0"/>
+                                      </a:rPr>
+                                      <m:t>𝜔</m:t>
+                                    </m:r>
+                                    <m:r>
+                                      <a:rPr lang="de-DE" sz="2600" b="0" i="1" smtClean="0">
+                                        <a:latin typeface="Cambria Math" panose="02040503050406030204" pitchFamily="18" charset="0"/>
+                                        <a:ea typeface="Cambria Math" panose="02040503050406030204" pitchFamily="18" charset="0"/>
+                                      </a:rPr>
+                                      <m:t>𝑡</m:t>
+                                    </m:r>
+                                  </m:e>
+                                </m:func>
+                                <m:r>
+                                  <a:rPr lang="de-DE" sz="2600" i="1" smtClean="0">
+                                    <a:latin typeface="Cambria Math" panose="02040503050406030204" pitchFamily="18" charset="0"/>
+                                    <a:ea typeface="Cambria Math" panose="02040503050406030204" pitchFamily="18" charset="0"/>
+                                  </a:rPr>
+                                  <m:t>∙</m:t>
+                                </m:r>
+                                <m:r>
+                                  <a:rPr lang="de-DE" sz="2600" b="0" i="1" smtClean="0">
+                                    <a:latin typeface="Cambria Math" panose="02040503050406030204" pitchFamily="18" charset="0"/>
+                                    <a:ea typeface="Cambria Math" panose="02040503050406030204" pitchFamily="18" charset="0"/>
+                                  </a:rPr>
+                                  <m:t>𝑢</m:t>
+                                </m:r>
+                                <m:r>
+                                  <a:rPr lang="de-DE" sz="2600" b="0" i="1" smtClean="0">
+                                    <a:latin typeface="Cambria Math" panose="02040503050406030204" pitchFamily="18" charset="0"/>
+                                    <a:ea typeface="Cambria Math" panose="02040503050406030204" pitchFamily="18" charset="0"/>
+                                  </a:rPr>
+                                  <m:t>(</m:t>
+                                </m:r>
+                                <m:r>
+                                  <a:rPr lang="de-DE" sz="2600" b="0" i="1" smtClean="0">
+                                    <a:latin typeface="Cambria Math" panose="02040503050406030204" pitchFamily="18" charset="0"/>
+                                    <a:ea typeface="Cambria Math" panose="02040503050406030204" pitchFamily="18" charset="0"/>
+                                  </a:rPr>
+                                  <m:t>𝑡</m:t>
+                                </m:r>
+                                <m:r>
+                                  <a:rPr lang="de-DE" sz="2600" b="0" i="1" smtClean="0">
+                                    <a:latin typeface="Cambria Math" panose="02040503050406030204" pitchFamily="18" charset="0"/>
+                                    <a:ea typeface="Cambria Math" panose="02040503050406030204" pitchFamily="18" charset="0"/>
+                                  </a:rPr>
+                                  <m:t>)</m:t>
+                                </m:r>
+                              </m:oMath>
+                            </m:oMathPara>
+                          </a14:m>
+                          <a:endParaRPr lang="de-DE" sz="2600" dirty="0"/>
+                        </a:p>
+                      </a:txBody>
+                      <a:tcPr anchor="ctr"/>
+                    </a:tc>
+                    <a:tc>
+                      <a:txBody>
+                        <a:bodyPr/>
+                        <a:lstStyle/>
+                        <a:p>
+                          <a14:m>
+                            <m:oMathPara xmlns:m="http://schemas.openxmlformats.org/officeDocument/2006/math">
+                              <m:oMathParaPr>
+                                <m:jc m:val="centerGroup"/>
+                              </m:oMathParaPr>
+                              <m:oMath xmlns:m="http://schemas.openxmlformats.org/officeDocument/2006/math">
+                                <m:f>
+                                  <m:fPr>
+                                    <m:ctrlPr>
+                                      <a:rPr lang="de-DE" sz="2600" i="1" smtClean="0">
+                                        <a:latin typeface="Cambria Math" panose="02040503050406030204" pitchFamily="18" charset="0"/>
+                                      </a:rPr>
+                                    </m:ctrlPr>
+                                  </m:fPr>
+                                  <m:num>
+                                    <m:r>
+                                      <a:rPr lang="de-DE" sz="2600" b="0" i="1" smtClean="0">
+                                        <a:latin typeface="Cambria Math" panose="02040503050406030204" pitchFamily="18" charset="0"/>
+                                        <a:ea typeface="Cambria Math" panose="02040503050406030204" pitchFamily="18" charset="0"/>
+                                      </a:rPr>
+                                      <m:t>𝜔</m:t>
+                                    </m:r>
+                                  </m:num>
+                                  <m:den>
+                                    <m:sSup>
+                                      <m:sSupPr>
+                                        <m:ctrlPr>
+                                          <a:rPr lang="de-DE" sz="2600" i="1" smtClean="0">
+                                            <a:latin typeface="Cambria Math" panose="02040503050406030204" pitchFamily="18" charset="0"/>
+                                          </a:rPr>
+                                        </m:ctrlPr>
+                                      </m:sSupPr>
+                                      <m:e>
+                                        <m:r>
+                                          <a:rPr lang="de-DE" sz="2600" b="0" i="1" smtClean="0">
+                                            <a:latin typeface="Cambria Math" panose="02040503050406030204" pitchFamily="18" charset="0"/>
+                                          </a:rPr>
+                                          <m:t>𝑠</m:t>
+                                        </m:r>
+                                      </m:e>
+                                      <m:sup>
+                                        <m:r>
+                                          <a:rPr lang="de-DE" sz="2600" b="0" i="1" smtClean="0">
+                                            <a:latin typeface="Cambria Math" panose="02040503050406030204" pitchFamily="18" charset="0"/>
+                                          </a:rPr>
+                                          <m:t>2</m:t>
+                                        </m:r>
+                                      </m:sup>
+                                    </m:sSup>
+                                    <m:r>
+                                      <a:rPr lang="de-DE" sz="2600" b="0" i="1" smtClean="0">
+                                        <a:latin typeface="Cambria Math" panose="02040503050406030204" pitchFamily="18" charset="0"/>
+                                      </a:rPr>
+                                      <m:t>+</m:t>
+                                    </m:r>
+                                    <m:sSup>
+                                      <m:sSupPr>
+                                        <m:ctrlPr>
+                                          <a:rPr lang="de-DE" sz="2600" b="0" i="1" smtClean="0">
+                                            <a:latin typeface="Cambria Math" panose="02040503050406030204" pitchFamily="18" charset="0"/>
+                                          </a:rPr>
+                                        </m:ctrlPr>
+                                      </m:sSupPr>
+                                      <m:e>
+                                        <m:r>
+                                          <a:rPr lang="de-DE" sz="2600" b="0" i="1" smtClean="0">
+                                            <a:latin typeface="Cambria Math" panose="02040503050406030204" pitchFamily="18" charset="0"/>
+                                            <a:ea typeface="Cambria Math" panose="02040503050406030204" pitchFamily="18" charset="0"/>
+                                          </a:rPr>
+                                          <m:t>𝜔</m:t>
+                                        </m:r>
+                                      </m:e>
+                                      <m:sup>
+                                        <m:r>
+                                          <a:rPr lang="de-DE" sz="2600" b="0" i="1" smtClean="0">
+                                            <a:latin typeface="Cambria Math" panose="02040503050406030204" pitchFamily="18" charset="0"/>
+                                          </a:rPr>
+                                          <m:t>2</m:t>
+                                        </m:r>
+                                      </m:sup>
+                                    </m:sSup>
+                                  </m:den>
+                                </m:f>
+                              </m:oMath>
+                            </m:oMathPara>
+                          </a14:m>
+                          <a:endParaRPr lang="de-DE" sz="2600" dirty="0"/>
+                        </a:p>
+                      </a:txBody>
+                      <a:tcPr anchor="ctr"/>
+                    </a:tc>
+                    <a:extLst>
+                      <a:ext uri="{0D108BD9-81ED-4DB2-BD59-A6C34878D82A}">
+                        <a16:rowId xmlns:a16="http://schemas.microsoft.com/office/drawing/2014/main" val="1207300959"/>
+                      </a:ext>
+                    </a:extLst>
+                  </a:tr>
+                  <a:tr h="761167">
+                    <a:tc>
+                      <a:txBody>
+                        <a:bodyPr/>
+                        <a:lstStyle/>
+                        <a:p>
+                          <a:r>
+                            <a:rPr lang="de-DE" sz="2600" dirty="0" err="1"/>
+                            <a:t>Cosine</a:t>
+                          </a:r>
+                          <a:endParaRPr lang="de-DE" sz="2600" dirty="0"/>
+                        </a:p>
+                      </a:txBody>
+                      <a:tcPr anchor="ctr"/>
+                    </a:tc>
+                    <a:tc>
+                      <a:txBody>
+                        <a:bodyPr/>
+                        <a:lstStyle/>
+                        <a:p>
+                          <a14:m>
+                            <m:oMathPara xmlns:m="http://schemas.openxmlformats.org/officeDocument/2006/math">
+                              <m:oMathParaPr>
+                                <m:jc m:val="centerGroup"/>
+                              </m:oMathParaPr>
+                              <m:oMath xmlns:m="http://schemas.openxmlformats.org/officeDocument/2006/math">
+                                <m:func>
+                                  <m:funcPr>
+                                    <m:ctrlPr>
+                                      <a:rPr lang="de-DE" sz="2600" i="1" smtClean="0">
+                                        <a:latin typeface="Cambria Math" panose="02040503050406030204" pitchFamily="18" charset="0"/>
+                                      </a:rPr>
+                                    </m:ctrlPr>
+                                  </m:funcPr>
+                                  <m:fName>
+                                    <m:r>
+                                      <m:rPr>
+                                        <m:sty m:val="p"/>
+                                      </m:rPr>
+                                      <a:rPr lang="de-DE" sz="2600" i="0" smtClean="0">
+                                        <a:latin typeface="Cambria Math" panose="02040503050406030204" pitchFamily="18" charset="0"/>
+                                      </a:rPr>
+                                      <m:t>cos</m:t>
+                                    </m:r>
+                                  </m:fName>
+                                  <m:e>
+                                    <m:r>
+                                      <a:rPr lang="de-DE" sz="2600" i="1" smtClean="0">
+                                        <a:latin typeface="Cambria Math" panose="02040503050406030204" pitchFamily="18" charset="0"/>
+                                        <a:ea typeface="Cambria Math" panose="02040503050406030204" pitchFamily="18" charset="0"/>
+                                      </a:rPr>
+                                      <m:t>𝜔</m:t>
+                                    </m:r>
+                                    <m:r>
+                                      <a:rPr lang="de-DE" sz="2600" b="0" i="1" smtClean="0">
+                                        <a:latin typeface="Cambria Math" panose="02040503050406030204" pitchFamily="18" charset="0"/>
+                                        <a:ea typeface="Cambria Math" panose="02040503050406030204" pitchFamily="18" charset="0"/>
+                                      </a:rPr>
+                                      <m:t>𝑡</m:t>
+                                    </m:r>
+                                  </m:e>
+                                </m:func>
+                                <m:r>
+                                  <a:rPr lang="de-DE" sz="2600" i="1" smtClean="0">
+                                    <a:latin typeface="Cambria Math" panose="02040503050406030204" pitchFamily="18" charset="0"/>
+                                    <a:ea typeface="Cambria Math" panose="02040503050406030204" pitchFamily="18" charset="0"/>
+                                  </a:rPr>
+                                  <m:t>∙</m:t>
+                                </m:r>
+                                <m:r>
+                                  <a:rPr lang="de-DE" sz="2600" b="0" i="1" smtClean="0">
+                                    <a:latin typeface="Cambria Math" panose="02040503050406030204" pitchFamily="18" charset="0"/>
+                                    <a:ea typeface="Cambria Math" panose="02040503050406030204" pitchFamily="18" charset="0"/>
+                                  </a:rPr>
+                                  <m:t>𝑢</m:t>
+                                </m:r>
+                                <m:r>
+                                  <a:rPr lang="de-DE" sz="2600" b="0" i="1" smtClean="0">
+                                    <a:latin typeface="Cambria Math" panose="02040503050406030204" pitchFamily="18" charset="0"/>
+                                    <a:ea typeface="Cambria Math" panose="02040503050406030204" pitchFamily="18" charset="0"/>
+                                  </a:rPr>
+                                  <m:t>(</m:t>
+                                </m:r>
+                                <m:r>
+                                  <a:rPr lang="de-DE" sz="2600" b="0" i="1" smtClean="0">
+                                    <a:latin typeface="Cambria Math" panose="02040503050406030204" pitchFamily="18" charset="0"/>
+                                    <a:ea typeface="Cambria Math" panose="02040503050406030204" pitchFamily="18" charset="0"/>
+                                  </a:rPr>
+                                  <m:t>𝑡</m:t>
+                                </m:r>
+                                <m:r>
+                                  <a:rPr lang="de-DE" sz="2600" b="0" i="1" smtClean="0">
+                                    <a:latin typeface="Cambria Math" panose="02040503050406030204" pitchFamily="18" charset="0"/>
+                                    <a:ea typeface="Cambria Math" panose="02040503050406030204" pitchFamily="18" charset="0"/>
+                                  </a:rPr>
+                                  <m:t>)</m:t>
+                                </m:r>
+                              </m:oMath>
+                            </m:oMathPara>
+                          </a14:m>
+                          <a:endParaRPr lang="de-DE" sz="2600" dirty="0"/>
+                        </a:p>
+                      </a:txBody>
+                      <a:tcPr anchor="ctr"/>
+                    </a:tc>
+                    <a:tc>
+                      <a:txBody>
+                        <a:bodyPr/>
+                        <a:lstStyle/>
+                        <a:p>
+                          <a14:m>
+                            <m:oMathPara xmlns:m="http://schemas.openxmlformats.org/officeDocument/2006/math">
+                              <m:oMathParaPr>
+                                <m:jc m:val="centerGroup"/>
+                              </m:oMathParaPr>
+                              <m:oMath xmlns:m="http://schemas.openxmlformats.org/officeDocument/2006/math">
+                                <m:f>
+                                  <m:fPr>
+                                    <m:ctrlPr>
+                                      <a:rPr lang="de-DE" sz="2600" i="1" smtClean="0">
+                                        <a:latin typeface="Cambria Math" panose="02040503050406030204" pitchFamily="18" charset="0"/>
+                                      </a:rPr>
+                                    </m:ctrlPr>
+                                  </m:fPr>
+                                  <m:num>
+                                    <m:r>
+                                      <a:rPr lang="de-DE" sz="2600" b="0" i="1" smtClean="0">
+                                        <a:latin typeface="Cambria Math" panose="02040503050406030204" pitchFamily="18" charset="0"/>
+                                      </a:rPr>
+                                      <m:t>𝑠</m:t>
+                                    </m:r>
+                                  </m:num>
+                                  <m:den>
+                                    <m:sSup>
+                                      <m:sSupPr>
+                                        <m:ctrlPr>
+                                          <a:rPr lang="de-DE" sz="2600" i="1" smtClean="0">
+                                            <a:latin typeface="Cambria Math" panose="02040503050406030204" pitchFamily="18" charset="0"/>
+                                          </a:rPr>
+                                        </m:ctrlPr>
+                                      </m:sSupPr>
+                                      <m:e>
+                                        <m:r>
+                                          <a:rPr lang="de-DE" sz="2600" b="0" i="1" smtClean="0">
+                                            <a:latin typeface="Cambria Math" panose="02040503050406030204" pitchFamily="18" charset="0"/>
+                                          </a:rPr>
+                                          <m:t>𝑠</m:t>
+                                        </m:r>
+                                      </m:e>
+                                      <m:sup>
+                                        <m:r>
+                                          <a:rPr lang="de-DE" sz="2600" b="0" i="1" smtClean="0">
+                                            <a:latin typeface="Cambria Math" panose="02040503050406030204" pitchFamily="18" charset="0"/>
+                                          </a:rPr>
+                                          <m:t>2</m:t>
+                                        </m:r>
+                                      </m:sup>
+                                    </m:sSup>
+                                    <m:r>
+                                      <a:rPr lang="de-DE" sz="2600" b="0" i="1" smtClean="0">
+                                        <a:latin typeface="Cambria Math" panose="02040503050406030204" pitchFamily="18" charset="0"/>
+                                      </a:rPr>
+                                      <m:t>+</m:t>
+                                    </m:r>
+                                    <m:sSup>
+                                      <m:sSupPr>
+                                        <m:ctrlPr>
+                                          <a:rPr lang="de-DE" sz="2600" b="0" i="1" smtClean="0">
+                                            <a:latin typeface="Cambria Math" panose="02040503050406030204" pitchFamily="18" charset="0"/>
+                                          </a:rPr>
+                                        </m:ctrlPr>
+                                      </m:sSupPr>
+                                      <m:e>
+                                        <m:r>
+                                          <a:rPr lang="de-DE" sz="2600" b="0" i="1" smtClean="0">
+                                            <a:latin typeface="Cambria Math" panose="02040503050406030204" pitchFamily="18" charset="0"/>
+                                            <a:ea typeface="Cambria Math" panose="02040503050406030204" pitchFamily="18" charset="0"/>
+                                          </a:rPr>
+                                          <m:t>𝜔</m:t>
+                                        </m:r>
+                                      </m:e>
+                                      <m:sup>
+                                        <m:r>
+                                          <a:rPr lang="de-DE" sz="2600" b="0" i="1" smtClean="0">
+                                            <a:latin typeface="Cambria Math" panose="02040503050406030204" pitchFamily="18" charset="0"/>
+                                          </a:rPr>
+                                          <m:t>2</m:t>
+                                        </m:r>
+                                      </m:sup>
+                                    </m:sSup>
+                                  </m:den>
+                                </m:f>
+                              </m:oMath>
+                            </m:oMathPara>
+                          </a14:m>
+                          <a:endParaRPr lang="de-DE" sz="2600" dirty="0"/>
+                        </a:p>
+                      </a:txBody>
+                      <a:tcPr anchor="ctr"/>
+                    </a:tc>
+                    <a:extLst>
+                      <a:ext uri="{0D108BD9-81ED-4DB2-BD59-A6C34878D82A}">
+                        <a16:rowId xmlns:a16="http://schemas.microsoft.com/office/drawing/2014/main" val="2358310807"/>
+                      </a:ext>
+                    </a:extLst>
+                  </a:tr>
+                </a:tbl>
+              </a:graphicData>
+            </a:graphic>
+          </p:graphicFrame>
+        </mc:Choice>
+        <mc:Fallback>
+          <p:graphicFrame>
+            <p:nvGraphicFramePr>
+              <p:cNvPr id="5" name="Tabelle 4">
+                <a:extLst>
+                  <a:ext uri="{FF2B5EF4-FFF2-40B4-BE49-F238E27FC236}">
+                    <a16:creationId xmlns:a16="http://schemas.microsoft.com/office/drawing/2014/main" id="{8D4846C7-6201-E02C-F64D-73668B3D1490}"/>
+                  </a:ext>
+                </a:extLst>
+              </p:cNvPr>
+              <p:cNvGraphicFramePr>
+                <a:graphicFrameLocks noGrp="1"/>
+              </p:cNvGraphicFramePr>
+              <p:nvPr>
+                <p:extLst>
+                  <p:ext uri="{D42A27DB-BD31-4B8C-83A1-F6EECF244321}">
+                    <p14:modId xmlns:p14="http://schemas.microsoft.com/office/powerpoint/2010/main" val="3470297471"/>
+                  </p:ext>
+                </p:extLst>
+              </p:nvPr>
+            </p:nvGraphicFramePr>
+            <p:xfrm>
+              <a:off x="838200" y="1690689"/>
+              <a:ext cx="10515600" cy="4746529"/>
+            </p:xfrm>
+            <a:graphic>
+              <a:graphicData uri="http://schemas.openxmlformats.org/drawingml/2006/table">
+                <a:tbl>
+                  <a:tblPr firstRow="1" bandRow="1">
+                    <a:tableStyleId>{5C22544A-7EE6-4342-B048-85BDC9FD1C3A}</a:tableStyleId>
+                  </a:tblPr>
+                  <a:tblGrid>
+                    <a:gridCol w="3505200">
+                      <a:extLst>
+                        <a:ext uri="{9D8B030D-6E8A-4147-A177-3AD203B41FA5}">
+                          <a16:colId xmlns:a16="http://schemas.microsoft.com/office/drawing/2014/main" val="1083059983"/>
+                        </a:ext>
+                      </a:extLst>
+                    </a:gridCol>
+                    <a:gridCol w="3505200">
+                      <a:extLst>
+                        <a:ext uri="{9D8B030D-6E8A-4147-A177-3AD203B41FA5}">
+                          <a16:colId xmlns:a16="http://schemas.microsoft.com/office/drawing/2014/main" val="3327686744"/>
+                        </a:ext>
+                      </a:extLst>
+                    </a:gridCol>
+                    <a:gridCol w="3505200">
+                      <a:extLst>
+                        <a:ext uri="{9D8B030D-6E8A-4147-A177-3AD203B41FA5}">
+                          <a16:colId xmlns:a16="http://schemas.microsoft.com/office/drawing/2014/main" val="3949882825"/>
+                        </a:ext>
+                      </a:extLst>
+                    </a:gridCol>
+                  </a:tblGrid>
+                  <a:tr h="678528">
+                    <a:tc>
+                      <a:txBody>
+                        <a:bodyPr/>
+                        <a:lstStyle/>
+                        <a:p>
+                          <a:r>
+                            <a:rPr lang="de-DE" sz="2600" dirty="0" err="1"/>
+                            <a:t>Function</a:t>
+                          </a:r>
+                          <a:endParaRPr lang="de-DE" sz="2600" dirty="0"/>
+                        </a:p>
+                      </a:txBody>
+                      <a:tcPr anchor="ctr"/>
+                    </a:tc>
+                    <a:tc>
+                      <a:txBody>
+                        <a:bodyPr/>
+                        <a:lstStyle/>
+                        <a:p>
+                          <a:r>
+                            <a:rPr lang="de-DE" sz="2600" dirty="0"/>
+                            <a:t>Time </a:t>
+                          </a:r>
+                          <a:r>
+                            <a:rPr lang="de-DE" sz="2600" dirty="0" err="1"/>
+                            <a:t>domain</a:t>
+                          </a:r>
+                          <a:endParaRPr lang="de-DE" sz="2600" dirty="0"/>
+                        </a:p>
+                      </a:txBody>
+                      <a:tcPr anchor="ctr"/>
+                    </a:tc>
+                    <a:tc>
+                      <a:txBody>
+                        <a:bodyPr/>
+                        <a:lstStyle/>
+                        <a:p>
+                          <a:r>
+                            <a:rPr lang="de-DE" sz="2600" dirty="0"/>
+                            <a:t>Laplace </a:t>
+                          </a:r>
+                          <a:r>
+                            <a:rPr lang="de-DE" sz="2600" dirty="0" err="1"/>
+                            <a:t>domain</a:t>
+                          </a:r>
+                          <a:endParaRPr lang="de-DE" sz="2600" dirty="0"/>
+                        </a:p>
+                      </a:txBody>
+                      <a:tcPr anchor="ctr"/>
+                    </a:tc>
+                    <a:extLst>
+                      <a:ext uri="{0D108BD9-81ED-4DB2-BD59-A6C34878D82A}">
+                        <a16:rowId xmlns:a16="http://schemas.microsoft.com/office/drawing/2014/main" val="2233481217"/>
+                      </a:ext>
+                    </a:extLst>
+                  </a:tr>
+                  <a:tr h="836041">
+                    <a:tc>
+                      <a:txBody>
+                        <a:bodyPr/>
+                        <a:lstStyle/>
+                        <a:p>
+                          <a:r>
+                            <a:rPr lang="de-DE" sz="2600" dirty="0" err="1"/>
+                            <a:t>Step</a:t>
+                          </a:r>
+                          <a:endParaRPr lang="de-DE" sz="2600" dirty="0"/>
+                        </a:p>
+                      </a:txBody>
+                      <a:tcPr anchor="ctr"/>
+                    </a:tc>
+                    <a:tc>
+                      <a:txBody>
+                        <a:bodyPr/>
+                        <a:lstStyle/>
+                        <a:p>
+                          <a:endParaRPr lang="de-DE"/>
+                        </a:p>
+                      </a:txBody>
+                      <a:tcPr anchor="ctr">
+                        <a:blipFill>
+                          <a:blip r:embed="rId2"/>
+                          <a:stretch>
+                            <a:fillRect l="-100362" t="-81818" r="-101087" b="-392424"/>
+                          </a:stretch>
+                        </a:blipFill>
+                      </a:tcPr>
+                    </a:tc>
+                    <a:tc>
+                      <a:txBody>
+                        <a:bodyPr/>
+                        <a:lstStyle/>
+                        <a:p>
+                          <a:endParaRPr lang="de-DE"/>
+                        </a:p>
+                      </a:txBody>
+                      <a:tcPr anchor="ctr">
+                        <a:blipFill>
+                          <a:blip r:embed="rId2"/>
+                          <a:stretch>
+                            <a:fillRect l="-200362" t="-81818" r="-1087" b="-392424"/>
+                          </a:stretch>
+                        </a:blipFill>
+                      </a:tcPr>
+                    </a:tc>
+                    <a:extLst>
+                      <a:ext uri="{0D108BD9-81ED-4DB2-BD59-A6C34878D82A}">
+                        <a16:rowId xmlns:a16="http://schemas.microsoft.com/office/drawing/2014/main" val="486937849"/>
+                      </a:ext>
+                    </a:extLst>
+                  </a:tr>
+                  <a:tr h="836041">
+                    <a:tc>
+                      <a:txBody>
+                        <a:bodyPr/>
+                        <a:lstStyle/>
+                        <a:p>
+                          <a:r>
+                            <a:rPr lang="de-DE" sz="2600" dirty="0"/>
+                            <a:t>Ramp</a:t>
+                          </a:r>
+                        </a:p>
+                      </a:txBody>
+                      <a:tcPr anchor="ctr"/>
+                    </a:tc>
+                    <a:tc>
+                      <a:txBody>
+                        <a:bodyPr/>
+                        <a:lstStyle/>
+                        <a:p>
+                          <a:endParaRPr lang="de-DE"/>
+                        </a:p>
+                      </a:txBody>
+                      <a:tcPr anchor="ctr">
+                        <a:blipFill>
+                          <a:blip r:embed="rId2"/>
+                          <a:stretch>
+                            <a:fillRect l="-100362" t="-181818" r="-101087" b="-292424"/>
+                          </a:stretch>
+                        </a:blipFill>
+                      </a:tcPr>
+                    </a:tc>
+                    <a:tc>
+                      <a:txBody>
+                        <a:bodyPr/>
+                        <a:lstStyle/>
+                        <a:p>
+                          <a:endParaRPr lang="de-DE"/>
+                        </a:p>
+                      </a:txBody>
+                      <a:tcPr anchor="ctr">
+                        <a:blipFill>
+                          <a:blip r:embed="rId2"/>
+                          <a:stretch>
+                            <a:fillRect l="-200362" t="-181818" r="-1087" b="-292424"/>
+                          </a:stretch>
+                        </a:blipFill>
+                      </a:tcPr>
+                    </a:tc>
+                    <a:extLst>
+                      <a:ext uri="{0D108BD9-81ED-4DB2-BD59-A6C34878D82A}">
+                        <a16:rowId xmlns:a16="http://schemas.microsoft.com/office/drawing/2014/main" val="2213722524"/>
+                      </a:ext>
+                    </a:extLst>
+                  </a:tr>
+                  <a:tr h="842518">
+                    <a:tc>
+                      <a:txBody>
+                        <a:bodyPr/>
+                        <a:lstStyle/>
+                        <a:p>
+                          <a:r>
+                            <a:rPr lang="de-DE" sz="2600" dirty="0" err="1"/>
+                            <a:t>Exponential</a:t>
+                          </a:r>
+                          <a:r>
+                            <a:rPr lang="de-DE" sz="2600" dirty="0"/>
+                            <a:t> </a:t>
+                          </a:r>
+                          <a:r>
+                            <a:rPr lang="de-DE" sz="2600" dirty="0" err="1"/>
+                            <a:t>decay</a:t>
+                          </a:r>
+                          <a:endParaRPr lang="de-DE" sz="2600" dirty="0"/>
+                        </a:p>
+                      </a:txBody>
+                      <a:tcPr anchor="ctr"/>
+                    </a:tc>
+                    <a:tc>
+                      <a:txBody>
+                        <a:bodyPr/>
+                        <a:lstStyle/>
+                        <a:p>
+                          <a:endParaRPr lang="de-DE"/>
+                        </a:p>
+                      </a:txBody>
+                      <a:tcPr anchor="ctr">
+                        <a:blipFill>
+                          <a:blip r:embed="rId2"/>
+                          <a:stretch>
+                            <a:fillRect l="-100362" t="-277612" r="-101087" b="-188060"/>
+                          </a:stretch>
+                        </a:blipFill>
+                      </a:tcPr>
+                    </a:tc>
+                    <a:tc>
+                      <a:txBody>
+                        <a:bodyPr/>
+                        <a:lstStyle/>
+                        <a:p>
+                          <a:endParaRPr lang="de-DE"/>
+                        </a:p>
+                      </a:txBody>
+                      <a:tcPr anchor="ctr">
+                        <a:blipFill>
+                          <a:blip r:embed="rId2"/>
+                          <a:stretch>
+                            <a:fillRect l="-200362" t="-277612" r="-1087" b="-188060"/>
+                          </a:stretch>
+                        </a:blipFill>
+                      </a:tcPr>
+                    </a:tc>
+                    <a:extLst>
+                      <a:ext uri="{0D108BD9-81ED-4DB2-BD59-A6C34878D82A}">
+                        <a16:rowId xmlns:a16="http://schemas.microsoft.com/office/drawing/2014/main" val="1968125907"/>
+                      </a:ext>
+                    </a:extLst>
+                  </a:tr>
+                  <a:tr h="776796">
+                    <a:tc>
+                      <a:txBody>
+                        <a:bodyPr/>
+                        <a:lstStyle/>
+                        <a:p>
+                          <a:r>
+                            <a:rPr lang="de-DE" sz="2600" dirty="0"/>
+                            <a:t>Sine</a:t>
+                          </a:r>
+                        </a:p>
+                      </a:txBody>
+                      <a:tcPr anchor="ctr"/>
+                    </a:tc>
+                    <a:tc>
+                      <a:txBody>
+                        <a:bodyPr/>
+                        <a:lstStyle/>
+                        <a:p>
+                          <a:endParaRPr lang="de-DE"/>
+                        </a:p>
+                      </a:txBody>
+                      <a:tcPr anchor="ctr">
+                        <a:blipFill>
+                          <a:blip r:embed="rId2"/>
+                          <a:stretch>
+                            <a:fillRect l="-100362" t="-414754" r="-101087" b="-106557"/>
+                          </a:stretch>
+                        </a:blipFill>
+                      </a:tcPr>
+                    </a:tc>
+                    <a:tc>
+                      <a:txBody>
+                        <a:bodyPr/>
+                        <a:lstStyle/>
+                        <a:p>
+                          <a:endParaRPr lang="de-DE"/>
+                        </a:p>
+                      </a:txBody>
+                      <a:tcPr anchor="ctr">
+                        <a:blipFill>
+                          <a:blip r:embed="rId2"/>
+                          <a:stretch>
+                            <a:fillRect l="-200362" t="-414754" r="-1087" b="-106557"/>
+                          </a:stretch>
+                        </a:blipFill>
+                      </a:tcPr>
+                    </a:tc>
+                    <a:extLst>
+                      <a:ext uri="{0D108BD9-81ED-4DB2-BD59-A6C34878D82A}">
+                        <a16:rowId xmlns:a16="http://schemas.microsoft.com/office/drawing/2014/main" val="1207300959"/>
+                      </a:ext>
+                    </a:extLst>
+                  </a:tr>
+                  <a:tr h="776605">
+                    <a:tc>
+                      <a:txBody>
+                        <a:bodyPr/>
+                        <a:lstStyle/>
+                        <a:p>
+                          <a:r>
+                            <a:rPr lang="de-DE" sz="2600" dirty="0" err="1"/>
+                            <a:t>Cosine</a:t>
+                          </a:r>
+                          <a:endParaRPr lang="de-DE" sz="2600" dirty="0"/>
+                        </a:p>
+                      </a:txBody>
+                      <a:tcPr anchor="ctr"/>
+                    </a:tc>
+                    <a:tc>
+                      <a:txBody>
+                        <a:bodyPr/>
+                        <a:lstStyle/>
+                        <a:p>
+                          <a:endParaRPr lang="de-DE"/>
+                        </a:p>
+                      </a:txBody>
+                      <a:tcPr anchor="ctr">
+                        <a:blipFill>
+                          <a:blip r:embed="rId2"/>
+                          <a:stretch>
+                            <a:fillRect l="-100362" t="-514754" r="-101087" b="-6557"/>
+                          </a:stretch>
+                        </a:blipFill>
+                      </a:tcPr>
+                    </a:tc>
+                    <a:tc>
+                      <a:txBody>
+                        <a:bodyPr/>
+                        <a:lstStyle/>
+                        <a:p>
+                          <a:endParaRPr lang="de-DE"/>
+                        </a:p>
+                      </a:txBody>
+                      <a:tcPr anchor="ctr">
+                        <a:blipFill>
+                          <a:blip r:embed="rId2"/>
+                          <a:stretch>
+                            <a:fillRect l="-200362" t="-514754" r="-1087" b="-6557"/>
+                          </a:stretch>
+                        </a:blipFill>
+                      </a:tcPr>
+                    </a:tc>
+                    <a:extLst>
+                      <a:ext uri="{0D108BD9-81ED-4DB2-BD59-A6C34878D82A}">
+                        <a16:rowId xmlns:a16="http://schemas.microsoft.com/office/drawing/2014/main" val="2358310807"/>
+                      </a:ext>
+                    </a:extLst>
+                  </a:tr>
+                </a:tbl>
+              </a:graphicData>
+            </a:graphic>
+          </p:graphicFrame>
+        </mc:Fallback>
+      </mc:AlternateContent>
     </p:spTree>
     <p:extLst>
       <p:ext uri="{BB962C8B-B14F-4D97-AF65-F5344CB8AC3E}">
-        <p14:creationId xmlns:p14="http://schemas.microsoft.com/office/powerpoint/2010/main" val="3557080140"/>
+        <p14:creationId xmlns:p14="http://schemas.microsoft.com/office/powerpoint/2010/main" val="438389465"/>
       </p:ext>
     </p:extLst>
   </p:cSld>
@@ -6076,7 +9726,7 @@
           <p:cNvPr id="2" name="Titel 1">
             <a:extLst>
               <a:ext uri="{FF2B5EF4-FFF2-40B4-BE49-F238E27FC236}">
-                <a16:creationId xmlns:a16="http://schemas.microsoft.com/office/drawing/2014/main" id="{959FCA0B-0590-B36D-0C61-9DF2C0CEA80B}"/>
+                <a16:creationId xmlns:a16="http://schemas.microsoft.com/office/drawing/2014/main" id="{CAA9BC42-E68C-0322-0807-0A2128846D52}"/>
               </a:ext>
             </a:extLst>
           </p:cNvPr>
@@ -6094,13 +9744,16 @@
           <a:p>
             <a:r>
               <a:rPr lang="de-DE" dirty="0"/>
-              <a:t>Block </a:t>
+              <a:t>Properties </a:t>
             </a:r>
             <a:r>
               <a:rPr lang="de-DE" dirty="0" err="1"/>
-              <a:t>Diagrams</a:t>
-            </a:r>
-            <a:endParaRPr lang="de-DE" dirty="0"/>
+              <a:t>of</a:t>
+            </a:r>
+            <a:r>
+              <a:rPr lang="de-DE" dirty="0"/>
+              <a:t> Laplace Transform</a:t>
+            </a:r>
           </a:p>
         </p:txBody>
       </p:sp>
@@ -6109,7 +9762,7 @@
           <p:cNvPr id="3" name="Inhaltsplatzhalter 2">
             <a:extLst>
               <a:ext uri="{FF2B5EF4-FFF2-40B4-BE49-F238E27FC236}">
-                <a16:creationId xmlns:a16="http://schemas.microsoft.com/office/drawing/2014/main" id="{4F979A6A-4D72-3612-95F6-A426ADBE2DB3}"/>
+                <a16:creationId xmlns:a16="http://schemas.microsoft.com/office/drawing/2014/main" id="{D16535FB-F981-3403-92ED-066478092AFF}"/>
               </a:ext>
             </a:extLst>
           </p:cNvPr>
@@ -6125,53 +9778,74 @@
           <a:bodyPr/>
           <a:lstStyle/>
           <a:p>
+            <a:pPr marL="0" indent="0">
+              <a:buNone/>
+            </a:pPr>
+            <a:r>
+              <a:rPr lang="de-DE" dirty="0" err="1"/>
+              <a:t>Linearity</a:t>
+            </a:r>
             <a:r>
               <a:rPr lang="de-DE" dirty="0"/>
-              <a:t>Modular </a:t>
-            </a:r>
-            <a:r>
-              <a:rPr lang="de-DE" dirty="0" err="1"/>
-              <a:t>representation</a:t>
-            </a:r>
+              <a:t>:</a:t>
+            </a:r>
+          </a:p>
+          <a:p>
+            <a:pPr marL="0" indent="0">
+              <a:buNone/>
+            </a:pPr>
+            <a:r>
+              <a:rPr lang="de-DE" dirty="0"/>
+              <a:t>…</a:t>
+            </a:r>
+          </a:p>
+          <a:p>
+            <a:pPr marL="0" indent="0">
+              <a:buNone/>
+            </a:pPr>
             <a:endParaRPr lang="de-DE" dirty="0"/>
           </a:p>
           <a:p>
+            <a:pPr marL="0" indent="0">
+              <a:buNone/>
+            </a:pPr>
             <a:r>
               <a:rPr lang="de-DE" dirty="0"/>
-              <a:t>Series, parallel, </a:t>
-            </a:r>
-            <a:r>
-              <a:rPr lang="de-DE" dirty="0" err="1"/>
-              <a:t>feedback</a:t>
-            </a:r>
+              <a:t>Derivative:</a:t>
+            </a:r>
+          </a:p>
+          <a:p>
+            <a:pPr marL="0" indent="0">
+              <a:buNone/>
+            </a:pPr>
             <a:r>
               <a:rPr lang="de-DE" dirty="0"/>
-              <a:t> </a:t>
-            </a:r>
-            <a:r>
-              <a:rPr lang="de-DE" dirty="0" err="1"/>
-              <a:t>connections</a:t>
-            </a:r>
+              <a:t>…</a:t>
+            </a:r>
+          </a:p>
+          <a:p>
+            <a:pPr marL="0" indent="0">
+              <a:buNone/>
+            </a:pPr>
             <a:endParaRPr lang="de-DE" dirty="0"/>
           </a:p>
           <a:p>
+            <a:pPr marL="0" indent="0">
+              <a:buNone/>
+            </a:pPr>
             <a:r>
               <a:rPr lang="de-DE" dirty="0"/>
-              <a:t>Block </a:t>
-            </a:r>
-            <a:r>
-              <a:rPr lang="de-DE" dirty="0" err="1"/>
-              <a:t>diagram</a:t>
-            </a:r>
+              <a:t>Integration:</a:t>
+            </a:r>
+          </a:p>
+          <a:p>
+            <a:pPr marL="0" indent="0">
+              <a:buNone/>
+            </a:pPr>
             <a:r>
               <a:rPr lang="de-DE" dirty="0"/>
-              <a:t> </a:t>
-            </a:r>
-            <a:r>
-              <a:rPr lang="de-DE" dirty="0" err="1"/>
-              <a:t>algebra</a:t>
-            </a:r>
-            <a:endParaRPr lang="de-DE" dirty="0"/>
+              <a:t>…</a:t>
+            </a:r>
           </a:p>
         </p:txBody>
       </p:sp>
@@ -6180,7 +9854,7 @@
           <p:cNvPr id="4" name="Foliennummernplatzhalter 3">
             <a:extLst>
               <a:ext uri="{FF2B5EF4-FFF2-40B4-BE49-F238E27FC236}">
-                <a16:creationId xmlns:a16="http://schemas.microsoft.com/office/drawing/2014/main" id="{61085116-0531-3B25-1AD7-9FEC807FC90F}"/>
+                <a16:creationId xmlns:a16="http://schemas.microsoft.com/office/drawing/2014/main" id="{4A939DB5-CD67-A9DD-27AD-5E3141FE89C8}"/>
               </a:ext>
             </a:extLst>
           </p:cNvPr>
@@ -6207,7 +9881,7 @@
     </p:spTree>
     <p:extLst>
       <p:ext uri="{BB962C8B-B14F-4D97-AF65-F5344CB8AC3E}">
-        <p14:creationId xmlns:p14="http://schemas.microsoft.com/office/powerpoint/2010/main" val="763320024"/>
+        <p14:creationId xmlns:p14="http://schemas.microsoft.com/office/powerpoint/2010/main" val="164970014"/>
       </p:ext>
     </p:extLst>
   </p:cSld>

--- a/slides/3_Laplace.pptx
+++ b/slides/3_Laplace.pptx
@@ -5,7 +5,7 @@
     <p:sldMasterId id="2147483648" r:id="rId1"/>
   </p:sldMasterIdLst>
   <p:notesMasterIdLst>
-    <p:notesMasterId r:id="rId21"/>
+    <p:notesMasterId r:id="rId23"/>
   </p:notesMasterIdLst>
   <p:sldIdLst>
     <p:sldId id="256" r:id="rId2"/>
@@ -22,11 +22,13 @@
     <p:sldId id="283" r:id="rId13"/>
     <p:sldId id="282" r:id="rId14"/>
     <p:sldId id="284" r:id="rId15"/>
-    <p:sldId id="281" r:id="rId16"/>
-    <p:sldId id="272" r:id="rId17"/>
-    <p:sldId id="273" r:id="rId18"/>
-    <p:sldId id="274" r:id="rId19"/>
-    <p:sldId id="275" r:id="rId20"/>
+    <p:sldId id="286" r:id="rId16"/>
+    <p:sldId id="281" r:id="rId17"/>
+    <p:sldId id="272" r:id="rId18"/>
+    <p:sldId id="273" r:id="rId19"/>
+    <p:sldId id="274" r:id="rId20"/>
+    <p:sldId id="275" r:id="rId21"/>
+    <p:sldId id="285" r:id="rId22"/>
   </p:sldIdLst>
   <p:sldSz cx="12192000" cy="6858000"/>
   <p:notesSz cx="6858000" cy="9144000"/>
@@ -497,7 +499,7 @@
           <a:p>
             <a:fld id="{506E0FD1-891F-4B1E-916D-E9B585160BB8}" type="datetimeFigureOut">
               <a:rPr lang="en-GB" smtClean="0"/>
-              <a:t>04/02/2026</a:t>
+              <a:t>06/02/2026</a:t>
             </a:fld>
             <a:endParaRPr lang="en-GB"/>
           </a:p>
@@ -914,7 +916,7 @@
           <a:p>
             <a:fld id="{D68C3F22-27B2-44E3-9C5F-D08126455F6F}" type="datetime1">
               <a:rPr lang="en-GB" smtClean="0"/>
-              <a:t>04/02/2026</a:t>
+              <a:t>06/02/2026</a:t>
             </a:fld>
             <a:endParaRPr lang="en-GB"/>
           </a:p>
@@ -1114,7 +1116,7 @@
           <a:p>
             <a:fld id="{1CD03846-7BF6-4FB6-A921-FF3379ADBD4C}" type="datetime1">
               <a:rPr lang="en-GB" smtClean="0"/>
-              <a:t>04/02/2026</a:t>
+              <a:t>06/02/2026</a:t>
             </a:fld>
             <a:endParaRPr lang="en-GB"/>
           </a:p>
@@ -1324,7 +1326,7 @@
           <a:p>
             <a:fld id="{99E1B91A-3FD0-4144-9C84-63E9688ED2FE}" type="datetime1">
               <a:rPr lang="en-GB" smtClean="0"/>
-              <a:t>04/02/2026</a:t>
+              <a:t>06/02/2026</a:t>
             </a:fld>
             <a:endParaRPr lang="en-GB"/>
           </a:p>
@@ -1524,7 +1526,7 @@
           <a:p>
             <a:fld id="{5295ED7B-FEAD-4734-819F-93EF4B0EA908}" type="datetime1">
               <a:rPr lang="en-GB" smtClean="0"/>
-              <a:t>04/02/2026</a:t>
+              <a:t>06/02/2026</a:t>
             </a:fld>
             <a:endParaRPr lang="en-GB"/>
           </a:p>
@@ -1800,7 +1802,7 @@
           <a:p>
             <a:fld id="{D2D5D4B4-C926-4B45-8815-1ED8911179A2}" type="datetime1">
               <a:rPr lang="en-GB" smtClean="0"/>
-              <a:t>04/02/2026</a:t>
+              <a:t>06/02/2026</a:t>
             </a:fld>
             <a:endParaRPr lang="en-GB"/>
           </a:p>
@@ -2068,7 +2070,7 @@
           <a:p>
             <a:fld id="{B4C5210A-0E37-4935-93AF-69F21A5F712F}" type="datetime1">
               <a:rPr lang="en-GB" smtClean="0"/>
-              <a:t>04/02/2026</a:t>
+              <a:t>06/02/2026</a:t>
             </a:fld>
             <a:endParaRPr lang="en-GB"/>
           </a:p>
@@ -2483,7 +2485,7 @@
           <a:p>
             <a:fld id="{3D3A6B2F-436C-4691-80E8-9C890E000E9D}" type="datetime1">
               <a:rPr lang="en-GB" smtClean="0"/>
-              <a:t>04/02/2026</a:t>
+              <a:t>06/02/2026</a:t>
             </a:fld>
             <a:endParaRPr lang="en-GB"/>
           </a:p>
@@ -2625,7 +2627,7 @@
           <a:p>
             <a:fld id="{84385F4C-D74B-496F-8D21-97E3549C783B}" type="datetime1">
               <a:rPr lang="en-GB" smtClean="0"/>
-              <a:t>04/02/2026</a:t>
+              <a:t>06/02/2026</a:t>
             </a:fld>
             <a:endParaRPr lang="en-GB"/>
           </a:p>
@@ -2738,7 +2740,7 @@
           <a:p>
             <a:fld id="{0CBDCB32-C241-4703-A832-4EB47BD54E83}" type="datetime1">
               <a:rPr lang="en-GB" smtClean="0"/>
-              <a:t>04/02/2026</a:t>
+              <a:t>06/02/2026</a:t>
             </a:fld>
             <a:endParaRPr lang="en-GB"/>
           </a:p>
@@ -3051,7 +3053,7 @@
           <a:p>
             <a:fld id="{85C150FF-BE95-4D25-A16A-E368A81CBF24}" type="datetime1">
               <a:rPr lang="en-GB" smtClean="0"/>
-              <a:t>04/02/2026</a:t>
+              <a:t>06/02/2026</a:t>
             </a:fld>
             <a:endParaRPr lang="en-GB"/>
           </a:p>
@@ -3340,7 +3342,7 @@
           <a:p>
             <a:fld id="{F3C5DB4B-B349-43C9-A424-BADA723AD9F1}" type="datetime1">
               <a:rPr lang="en-GB" smtClean="0"/>
-              <a:t>04/02/2026</a:t>
+              <a:t>06/02/2026</a:t>
             </a:fld>
             <a:endParaRPr lang="en-GB"/>
           </a:p>
@@ -3583,7 +3585,7 @@
           <a:p>
             <a:fld id="{12632426-0A0C-405F-A3D0-2D11AA44702A}" type="datetime1">
               <a:rPr lang="en-GB" smtClean="0"/>
-              <a:t>04/02/2026</a:t>
+              <a:t>06/02/2026</a:t>
             </a:fld>
             <a:endParaRPr lang="en-GB"/>
           </a:p>
@@ -4144,8 +4146,8 @@
           </a:p>
         </p:txBody>
       </p:sp>
-      <mc:AlternateContent xmlns:mc="http://schemas.openxmlformats.org/markup-compatibility/2006">
-        <mc:Choice xmlns:a14="http://schemas.microsoft.com/office/drawing/2010/main" Requires="a14">
+      <mc:AlternateContent xmlns:mc="http://schemas.openxmlformats.org/markup-compatibility/2006" xmlns:a14="http://schemas.microsoft.com/office/drawing/2010/main">
+        <mc:Choice Requires="a14">
           <p:sp>
             <p:nvSpPr>
               <p:cNvPr id="3" name="Inhaltsplatzhalter 2">
@@ -4562,7 +4564,7 @@
             </p:txBody>
           </p:sp>
         </mc:Choice>
-        <mc:Fallback>
+        <mc:Fallback xmlns="">
           <p:sp>
             <p:nvSpPr>
               <p:cNvPr id="3" name="Inhaltsplatzhalter 2">
@@ -4635,8 +4637,8 @@
           </a:p>
         </p:txBody>
       </p:sp>
-      <mc:AlternateContent xmlns:mc="http://schemas.openxmlformats.org/markup-compatibility/2006">
-        <mc:Choice xmlns:a14="http://schemas.microsoft.com/office/drawing/2010/main" Requires="a14">
+      <mc:AlternateContent xmlns:mc="http://schemas.openxmlformats.org/markup-compatibility/2006" xmlns:a14="http://schemas.microsoft.com/office/drawing/2010/main">
+        <mc:Choice Requires="a14">
           <p:sp>
             <p:nvSpPr>
               <p:cNvPr id="8" name="Textfeld 7">
@@ -4665,6 +4667,7 @@
               </a:bodyPr>
               <a:lstStyle/>
               <a:p>
+                <a:pPr/>
                 <a14:m>
                   <m:oMathPara xmlns:m="http://schemas.openxmlformats.org/officeDocument/2006/math">
                     <m:oMathParaPr>
@@ -4703,7 +4706,7 @@
             </p:txBody>
           </p:sp>
         </mc:Choice>
-        <mc:Fallback>
+        <mc:Fallback xmlns="">
           <p:sp>
             <p:nvSpPr>
               <p:cNvPr id="8" name="Textfeld 7">
@@ -4828,8 +4831,8 @@
           </a:fontRef>
         </p:style>
       </p:cxnSp>
-      <mc:AlternateContent xmlns:mc="http://schemas.openxmlformats.org/markup-compatibility/2006">
-        <mc:Choice xmlns:a14="http://schemas.microsoft.com/office/drawing/2010/main" Requires="a14">
+      <mc:AlternateContent xmlns:mc="http://schemas.openxmlformats.org/markup-compatibility/2006" xmlns:a14="http://schemas.microsoft.com/office/drawing/2010/main">
+        <mc:Choice Requires="a14">
           <p:sp>
             <p:nvSpPr>
               <p:cNvPr id="13" name="Textfeld 12">
@@ -4863,6 +4866,7 @@
               </a:bodyPr>
               <a:lstStyle/>
               <a:p>
+                <a:pPr/>
                 <a14:m>
                   <m:oMathPara xmlns:m="http://schemas.openxmlformats.org/officeDocument/2006/math">
                     <m:oMathParaPr>
@@ -5105,7 +5109,7 @@
             </p:txBody>
           </p:sp>
         </mc:Choice>
-        <mc:Fallback>
+        <mc:Fallback xmlns="">
           <p:sp>
             <p:nvSpPr>
               <p:cNvPr id="13" name="Textfeld 12">
@@ -5155,8 +5159,8 @@
           </p:sp>
         </mc:Fallback>
       </mc:AlternateContent>
-      <mc:AlternateContent xmlns:mc="http://schemas.openxmlformats.org/markup-compatibility/2006">
-        <mc:Choice xmlns:a14="http://schemas.microsoft.com/office/drawing/2010/main" Requires="a14">
+      <mc:AlternateContent xmlns:mc="http://schemas.openxmlformats.org/markup-compatibility/2006" xmlns:a14="http://schemas.microsoft.com/office/drawing/2010/main">
+        <mc:Choice Requires="a14">
           <p:sp>
             <p:nvSpPr>
               <p:cNvPr id="14" name="Textfeld 13">
@@ -5185,6 +5189,7 @@
               </a:bodyPr>
               <a:lstStyle/>
               <a:p>
+                <a:pPr/>
                 <a14:m>
                   <m:oMathPara xmlns:m="http://schemas.openxmlformats.org/officeDocument/2006/math">
                     <m:oMathParaPr>
@@ -5223,7 +5228,7 @@
             </p:txBody>
           </p:sp>
         </mc:Choice>
-        <mc:Fallback>
+        <mc:Fallback xmlns="">
           <p:sp>
             <p:nvSpPr>
               <p:cNvPr id="14" name="Textfeld 13">
@@ -5268,8 +5273,8 @@
           </p:sp>
         </mc:Fallback>
       </mc:AlternateContent>
-      <mc:AlternateContent xmlns:mc="http://schemas.openxmlformats.org/markup-compatibility/2006">
-        <mc:Choice xmlns:a14="http://schemas.microsoft.com/office/drawing/2010/main" Requires="a14">
+      <mc:AlternateContent xmlns:mc="http://schemas.openxmlformats.org/markup-compatibility/2006" xmlns:a14="http://schemas.microsoft.com/office/drawing/2010/main">
+        <mc:Choice Requires="a14">
           <p:sp>
             <p:nvSpPr>
               <p:cNvPr id="16" name="Textfeld 15">
@@ -5298,6 +5303,7 @@
               </a:bodyPr>
               <a:lstStyle/>
               <a:p>
+                <a:pPr/>
                 <a14:m>
                   <m:oMathPara xmlns:m="http://schemas.openxmlformats.org/officeDocument/2006/math">
                     <m:oMathParaPr>
@@ -5336,7 +5342,7 @@
             </p:txBody>
           </p:sp>
         </mc:Choice>
-        <mc:Fallback>
+        <mc:Fallback xmlns="">
           <p:sp>
             <p:nvSpPr>
               <p:cNvPr id="16" name="Textfeld 15">
@@ -5461,8 +5467,8 @@
           </a:fontRef>
         </p:style>
       </p:cxnSp>
-      <mc:AlternateContent xmlns:mc="http://schemas.openxmlformats.org/markup-compatibility/2006">
-        <mc:Choice xmlns:a14="http://schemas.microsoft.com/office/drawing/2010/main" Requires="a14">
+      <mc:AlternateContent xmlns:mc="http://schemas.openxmlformats.org/markup-compatibility/2006" xmlns:a14="http://schemas.microsoft.com/office/drawing/2010/main">
+        <mc:Choice Requires="a14">
           <p:sp>
             <p:nvSpPr>
               <p:cNvPr id="19" name="Textfeld 18">
@@ -5750,7 +5756,7 @@
             </p:txBody>
           </p:sp>
         </mc:Choice>
-        <mc:Fallback>
+        <mc:Fallback xmlns="">
           <p:sp>
             <p:nvSpPr>
               <p:cNvPr id="19" name="Textfeld 18">
@@ -5800,8 +5806,8 @@
           </p:sp>
         </mc:Fallback>
       </mc:AlternateContent>
-      <mc:AlternateContent xmlns:mc="http://schemas.openxmlformats.org/markup-compatibility/2006">
-        <mc:Choice xmlns:a14="http://schemas.microsoft.com/office/drawing/2010/main" Requires="a14">
+      <mc:AlternateContent xmlns:mc="http://schemas.openxmlformats.org/markup-compatibility/2006" xmlns:a14="http://schemas.microsoft.com/office/drawing/2010/main">
+        <mc:Choice Requires="a14">
           <p:sp>
             <p:nvSpPr>
               <p:cNvPr id="20" name="Textfeld 19">
@@ -5830,6 +5836,7 @@
               </a:bodyPr>
               <a:lstStyle/>
               <a:p>
+                <a:pPr/>
                 <a14:m>
                   <m:oMathPara xmlns:m="http://schemas.openxmlformats.org/officeDocument/2006/math">
                     <m:oMathParaPr>
@@ -5868,7 +5875,7 @@
             </p:txBody>
           </p:sp>
         </mc:Choice>
-        <mc:Fallback>
+        <mc:Fallback xmlns="">
           <p:sp>
             <p:nvSpPr>
               <p:cNvPr id="20" name="Textfeld 19">
@@ -6230,8 +6237,8 @@
           </a:p>
         </p:txBody>
       </p:sp>
-      <mc:AlternateContent xmlns:mc="http://schemas.openxmlformats.org/markup-compatibility/2006">
-        <mc:Choice xmlns:a14="http://schemas.microsoft.com/office/drawing/2010/main" Requires="a14">
+      <mc:AlternateContent xmlns:mc="http://schemas.openxmlformats.org/markup-compatibility/2006" xmlns:a14="http://schemas.microsoft.com/office/drawing/2010/main">
+        <mc:Choice Requires="a14">
           <p:sp>
             <p:nvSpPr>
               <p:cNvPr id="3" name="Inhaltsplatzhalter 2">
@@ -6893,7 +6900,7 @@
             </p:txBody>
           </p:sp>
         </mc:Choice>
-        <mc:Fallback>
+        <mc:Fallback xmlns="">
           <p:sp>
             <p:nvSpPr>
               <p:cNvPr id="3" name="Inhaltsplatzhalter 2">
@@ -7036,8 +7043,8 @@
           </a:p>
         </p:txBody>
       </p:sp>
-      <mc:AlternateContent xmlns:mc="http://schemas.openxmlformats.org/markup-compatibility/2006">
-        <mc:Choice xmlns:a14="http://schemas.microsoft.com/office/drawing/2010/main" Requires="a14">
+      <mc:AlternateContent xmlns:mc="http://schemas.openxmlformats.org/markup-compatibility/2006" xmlns:a14="http://schemas.microsoft.com/office/drawing/2010/main">
+        <mc:Choice Requires="a14">
           <p:sp>
             <p:nvSpPr>
               <p:cNvPr id="3" name="Inhaltsplatzhalter 2">
@@ -7592,7 +7599,7 @@
             </p:txBody>
           </p:sp>
         </mc:Choice>
-        <mc:Fallback>
+        <mc:Fallback xmlns="">
           <p:sp>
             <p:nvSpPr>
               <p:cNvPr id="3" name="Inhaltsplatzhalter 2">
@@ -7837,8 +7844,8 @@
           </a:p>
         </p:txBody>
       </p:sp>
-      <mc:AlternateContent xmlns:mc="http://schemas.openxmlformats.org/markup-compatibility/2006">
-        <mc:Choice xmlns:a14="http://schemas.microsoft.com/office/drawing/2010/main" Requires="a14">
+      <mc:AlternateContent xmlns:mc="http://schemas.openxmlformats.org/markup-compatibility/2006" xmlns:a14="http://schemas.microsoft.com/office/drawing/2010/main">
+        <mc:Choice Requires="a14">
           <p:sp>
             <p:nvSpPr>
               <p:cNvPr id="3" name="Inhaltsplatzhalter 2">
@@ -8818,7 +8825,7 @@
             </p:txBody>
           </p:sp>
         </mc:Choice>
-        <mc:Fallback>
+        <mc:Fallback xmlns="">
           <p:sp>
             <p:nvSpPr>
               <p:cNvPr id="3" name="Inhaltsplatzhalter 2">
@@ -8887,8 +8894,8 @@
           </a:p>
         </p:txBody>
       </p:sp>
-      <mc:AlternateContent xmlns:mc="http://schemas.openxmlformats.org/markup-compatibility/2006">
-        <mc:Choice xmlns:a14="http://schemas.microsoft.com/office/drawing/2010/main" Requires="a14">
+      <mc:AlternateContent xmlns:mc="http://schemas.openxmlformats.org/markup-compatibility/2006" xmlns:a14="http://schemas.microsoft.com/office/drawing/2010/main">
+        <mc:Choice Requires="a14">
           <p:sp>
             <p:nvSpPr>
               <p:cNvPr id="6" name="Textfeld 5">
@@ -8931,6 +8938,7 @@
                 </a:r>
               </a:p>
               <a:p>
+                <a:pPr/>
                 <a14:m>
                   <m:oMathPara xmlns:m="http://schemas.openxmlformats.org/officeDocument/2006/math">
                     <m:oMathParaPr>
@@ -9053,7 +9061,7 @@
             </p:txBody>
           </p:sp>
         </mc:Choice>
-        <mc:Fallback>
+        <mc:Fallback xmlns="">
           <p:sp>
             <p:nvSpPr>
               <p:cNvPr id="6" name="Textfeld 5">
@@ -9098,8 +9106,8 @@
           </p:sp>
         </mc:Fallback>
       </mc:AlternateContent>
-      <mc:AlternateContent xmlns:mc="http://schemas.openxmlformats.org/markup-compatibility/2006">
-        <mc:Choice xmlns:a14="http://schemas.microsoft.com/office/drawing/2010/main" Requires="a14">
+      <mc:AlternateContent xmlns:mc="http://schemas.openxmlformats.org/markup-compatibility/2006" xmlns:a14="http://schemas.microsoft.com/office/drawing/2010/main">
+        <mc:Choice Requires="a14">
           <p:sp>
             <p:nvSpPr>
               <p:cNvPr id="8" name="Textfeld 7">
@@ -9196,7 +9204,7 @@
             </p:txBody>
           </p:sp>
         </mc:Choice>
-        <mc:Fallback>
+        <mc:Fallback xmlns="">
           <p:sp>
             <p:nvSpPr>
               <p:cNvPr id="8" name="Textfeld 7">
@@ -9361,8 +9369,8 @@
             <a:chExt cx="4951767" cy="3774516"/>
           </a:xfrm>
         </p:grpSpPr>
-        <mc:AlternateContent xmlns:mc="http://schemas.openxmlformats.org/markup-compatibility/2006">
-          <mc:Choice xmlns:a14="http://schemas.microsoft.com/office/drawing/2010/main" Requires="a14">
+        <mc:AlternateContent xmlns:mc="http://schemas.openxmlformats.org/markup-compatibility/2006" xmlns:a14="http://schemas.microsoft.com/office/drawing/2010/main">
+          <mc:Choice Requires="a14">
             <p:sp>
               <p:nvSpPr>
                 <p:cNvPr id="6" name="Abgerundetes Rechteck 5">
@@ -9469,7 +9477,7 @@
               </p:txBody>
             </p:sp>
           </mc:Choice>
-          <mc:Fallback>
+          <mc:Fallback xmlns="">
             <p:sp>
               <p:nvSpPr>
                 <p:cNvPr id="6" name="Abgerundetes Rechteck 5">
@@ -9514,8 +9522,8 @@
             </p:sp>
           </mc:Fallback>
         </mc:AlternateContent>
-        <mc:AlternateContent xmlns:mc="http://schemas.openxmlformats.org/markup-compatibility/2006">
-          <mc:Choice xmlns:a14="http://schemas.microsoft.com/office/drawing/2010/main" Requires="a14">
+        <mc:AlternateContent xmlns:mc="http://schemas.openxmlformats.org/markup-compatibility/2006" xmlns:a14="http://schemas.microsoft.com/office/drawing/2010/main">
+          <mc:Choice Requires="a14">
             <p:sp>
               <p:nvSpPr>
                 <p:cNvPr id="7" name="Abgerundetes Rechteck 6">
@@ -9603,7 +9611,7 @@
               </p:txBody>
             </p:sp>
           </mc:Choice>
-          <mc:Fallback>
+          <mc:Fallback xmlns="">
             <p:sp>
               <p:nvSpPr>
                 <p:cNvPr id="7" name="Abgerundetes Rechteck 6">
@@ -9706,8 +9714,8 @@
             </a:p>
           </p:txBody>
         </p:sp>
-        <mc:AlternateContent xmlns:mc="http://schemas.openxmlformats.org/markup-compatibility/2006">
-          <mc:Choice xmlns:a14="http://schemas.microsoft.com/office/drawing/2010/main" Requires="a14">
+        <mc:AlternateContent xmlns:mc="http://schemas.openxmlformats.org/markup-compatibility/2006" xmlns:a14="http://schemas.microsoft.com/office/drawing/2010/main">
+          <mc:Choice Requires="a14">
             <p:sp>
               <p:nvSpPr>
                 <p:cNvPr id="10" name="Abgerundetes Rechteck 9">
@@ -9855,7 +9863,7 @@
               </p:txBody>
             </p:sp>
           </mc:Choice>
-          <mc:Fallback>
+          <mc:Fallback xmlns="">
             <p:sp>
               <p:nvSpPr>
                 <p:cNvPr id="10" name="Abgerundetes Rechteck 9">
@@ -9900,8 +9908,8 @@
             </p:sp>
           </mc:Fallback>
         </mc:AlternateContent>
-        <mc:AlternateContent xmlns:mc="http://schemas.openxmlformats.org/markup-compatibility/2006">
-          <mc:Choice xmlns:a14="http://schemas.microsoft.com/office/drawing/2010/main" Requires="a14">
+        <mc:AlternateContent xmlns:mc="http://schemas.openxmlformats.org/markup-compatibility/2006" xmlns:a14="http://schemas.microsoft.com/office/drawing/2010/main">
+          <mc:Choice Requires="a14">
             <p:sp>
               <p:nvSpPr>
                 <p:cNvPr id="11" name="Textfeld 10">
@@ -9930,6 +9938,7 @@
                 </a:bodyPr>
                 <a:lstStyle/>
                 <a:p>
+                  <a:pPr/>
                   <a14:m>
                     <m:oMathPara xmlns:m="http://schemas.openxmlformats.org/officeDocument/2006/math">
                       <m:oMathParaPr>
@@ -9951,7 +9960,7 @@
               </p:txBody>
             </p:sp>
           </mc:Choice>
-          <mc:Fallback>
+          <mc:Fallback xmlns="">
             <p:sp>
               <p:nvSpPr>
                 <p:cNvPr id="11" name="Textfeld 10">
@@ -9996,8 +10005,8 @@
             </p:sp>
           </mc:Fallback>
         </mc:AlternateContent>
-        <mc:AlternateContent xmlns:mc="http://schemas.openxmlformats.org/markup-compatibility/2006">
-          <mc:Choice xmlns:a14="http://schemas.microsoft.com/office/drawing/2010/main" Requires="a14">
+        <mc:AlternateContent xmlns:mc="http://schemas.openxmlformats.org/markup-compatibility/2006" xmlns:a14="http://schemas.microsoft.com/office/drawing/2010/main">
+          <mc:Choice Requires="a14">
             <p:sp>
               <p:nvSpPr>
                 <p:cNvPr id="12" name="Textfeld 11">
@@ -10026,6 +10035,7 @@
                 </a:bodyPr>
                 <a:lstStyle/>
                 <a:p>
+                  <a:pPr/>
                   <a14:m>
                     <m:oMathPara xmlns:m="http://schemas.openxmlformats.org/officeDocument/2006/math">
                       <m:oMathParaPr>
@@ -10068,7 +10078,7 @@
               </p:txBody>
             </p:sp>
           </mc:Choice>
-          <mc:Fallback>
+          <mc:Fallback xmlns="">
             <p:sp>
               <p:nvSpPr>
                 <p:cNvPr id="12" name="Textfeld 11">
@@ -10399,6 +10409,279 @@
       </p:grpSpPr>
       <p:sp>
         <p:nvSpPr>
+          <p:cNvPr id="7" name="Titel 6">
+            <a:extLst>
+              <a:ext uri="{FF2B5EF4-FFF2-40B4-BE49-F238E27FC236}">
+                <a16:creationId xmlns:a16="http://schemas.microsoft.com/office/drawing/2014/main" id="{694C2F39-66B5-B156-C7D8-FFEC26701271}"/>
+              </a:ext>
+            </a:extLst>
+          </p:cNvPr>
+          <p:cNvSpPr>
+            <a:spLocks noGrp="1"/>
+          </p:cNvSpPr>
+          <p:nvPr>
+            <p:ph type="title"/>
+          </p:nvPr>
+        </p:nvSpPr>
+        <p:spPr/>
+        <p:txBody>
+          <a:bodyPr/>
+          <a:lstStyle/>
+          <a:p>
+            <a:r>
+              <a:rPr lang="de-DE" dirty="0" err="1"/>
+              <a:t>Graphical</a:t>
+            </a:r>
+            <a:r>
+              <a:rPr lang="de-DE" dirty="0"/>
+              <a:t> Interpretation </a:t>
+            </a:r>
+            <a:r>
+              <a:rPr lang="de-DE" dirty="0" err="1"/>
+              <a:t>of</a:t>
+            </a:r>
+            <a:r>
+              <a:rPr lang="de-DE" dirty="0"/>
+              <a:t> Transfer </a:t>
+            </a:r>
+            <a:r>
+              <a:rPr lang="de-DE" dirty="0" err="1"/>
+              <a:t>Function</a:t>
+            </a:r>
+            <a:endParaRPr lang="de-DE" dirty="0"/>
+          </a:p>
+        </p:txBody>
+      </p:sp>
+      <p:sp>
+        <p:nvSpPr>
+          <p:cNvPr id="4" name="Foliennummernplatzhalter 3">
+            <a:extLst>
+              <a:ext uri="{FF2B5EF4-FFF2-40B4-BE49-F238E27FC236}">
+                <a16:creationId xmlns:a16="http://schemas.microsoft.com/office/drawing/2014/main" id="{25CFDD05-DD21-A524-7C62-511A9043CD36}"/>
+              </a:ext>
+            </a:extLst>
+          </p:cNvPr>
+          <p:cNvSpPr>
+            <a:spLocks noGrp="1"/>
+          </p:cNvSpPr>
+          <p:nvPr>
+            <p:ph type="sldNum" sz="quarter" idx="12"/>
+          </p:nvPr>
+        </p:nvSpPr>
+        <p:spPr/>
+        <p:txBody>
+          <a:bodyPr/>
+          <a:lstStyle/>
+          <a:p>
+            <a:fld id="{08C366F5-AFAD-49CB-854A-9D9E238FCA13}" type="slidenum">
+              <a:rPr lang="en-GB" smtClean="0"/>
+              <a:t>15</a:t>
+            </a:fld>
+            <a:endParaRPr lang="en-GB"/>
+          </a:p>
+        </p:txBody>
+      </p:sp>
+      <p:sp>
+        <p:nvSpPr>
+          <p:cNvPr id="9" name="Textfeld 8">
+            <a:extLst>
+              <a:ext uri="{FF2B5EF4-FFF2-40B4-BE49-F238E27FC236}">
+                <a16:creationId xmlns:a16="http://schemas.microsoft.com/office/drawing/2014/main" id="{57BC7395-9AD6-548C-CA25-8438970BA01D}"/>
+              </a:ext>
+            </a:extLst>
+          </p:cNvPr>
+          <p:cNvSpPr txBox="1"/>
+          <p:nvPr/>
+        </p:nvSpPr>
+        <p:spPr>
+          <a:xfrm>
+            <a:off x="7772400" y="2905780"/>
+            <a:ext cx="4069080" cy="523220"/>
+          </a:xfrm>
+          <a:prstGeom prst="rect">
+            <a:avLst/>
+          </a:prstGeom>
+          <a:noFill/>
+        </p:spPr>
+        <p:txBody>
+          <a:bodyPr wrap="square">
+            <a:spAutoFit/>
+          </a:bodyPr>
+          <a:lstStyle/>
+          <a:p>
+            <a:pPr marL="0" indent="0">
+              <a:buNone/>
+            </a:pPr>
+            <a:r>
+              <a:rPr lang="de-DE" sz="2800" dirty="0" err="1"/>
+              <a:t>Contains</a:t>
+            </a:r>
+            <a:r>
+              <a:rPr lang="de-DE" sz="2800" dirty="0"/>
+              <a:t> </a:t>
+            </a:r>
+            <a:r>
+              <a:rPr lang="de-DE" sz="2800" dirty="0" err="1"/>
+              <a:t>poles</a:t>
+            </a:r>
+            <a:r>
+              <a:rPr lang="de-DE" sz="2800" dirty="0"/>
+              <a:t> and </a:t>
+            </a:r>
+            <a:r>
+              <a:rPr lang="de-DE" sz="2800" dirty="0" err="1"/>
+              <a:t>zeros</a:t>
+            </a:r>
+            <a:endParaRPr lang="de-DE" sz="2800" dirty="0"/>
+          </a:p>
+        </p:txBody>
+      </p:sp>
+      <p:pic>
+        <p:nvPicPr>
+          <p:cNvPr id="11" name="Grafik 10" descr="Ein Bild, das Entwurf, Zeichnung, Origami, Diagramm enthält.&#10;&#10;KI-generierte Inhalte können fehlerhaft sein.">
+            <a:extLst>
+              <a:ext uri="{FF2B5EF4-FFF2-40B4-BE49-F238E27FC236}">
+                <a16:creationId xmlns:a16="http://schemas.microsoft.com/office/drawing/2014/main" id="{3D23335F-E8F4-5BBE-5C33-FFBA307EF233}"/>
+              </a:ext>
+            </a:extLst>
+          </p:cNvPr>
+          <p:cNvPicPr>
+            <a:picLocks noChangeAspect="1"/>
+          </p:cNvPicPr>
+          <p:nvPr/>
+        </p:nvPicPr>
+        <p:blipFill>
+          <a:blip r:embed="rId2">
+            <a:extLst>
+              <a:ext uri="{28A0092B-C50C-407E-A947-70E740481C1C}">
+                <a14:useLocalDpi xmlns:a14="http://schemas.microsoft.com/office/drawing/2010/main" val="0"/>
+              </a:ext>
+            </a:extLst>
+          </a:blip>
+          <a:stretch>
+            <a:fillRect/>
+          </a:stretch>
+        </p:blipFill>
+        <p:spPr>
+          <a:xfrm>
+            <a:off x="64008" y="1867190"/>
+            <a:ext cx="7772400" cy="4926802"/>
+          </a:xfrm>
+          <a:prstGeom prst="rect">
+            <a:avLst/>
+          </a:prstGeom>
+        </p:spPr>
+      </p:pic>
+      <p:cxnSp>
+        <p:nvCxnSpPr>
+          <p:cNvPr id="13" name="Gerade Verbindung mit Pfeil 12">
+            <a:extLst>
+              <a:ext uri="{FF2B5EF4-FFF2-40B4-BE49-F238E27FC236}">
+                <a16:creationId xmlns:a16="http://schemas.microsoft.com/office/drawing/2014/main" id="{62DAEBF4-5B96-EE5A-BA87-C11634B61553}"/>
+              </a:ext>
+            </a:extLst>
+          </p:cNvPr>
+          <p:cNvCxnSpPr/>
+          <p:nvPr/>
+        </p:nvCxnSpPr>
+        <p:spPr>
+          <a:xfrm flipH="1" flipV="1">
+            <a:off x="4361688" y="2359152"/>
+            <a:ext cx="4965192" cy="685800"/>
+          </a:xfrm>
+          <a:prstGeom prst="straightConnector1">
+            <a:avLst/>
+          </a:prstGeom>
+          <a:ln>
+            <a:tailEnd type="triangle"/>
+          </a:ln>
+        </p:spPr>
+        <p:style>
+          <a:lnRef idx="2">
+            <a:schemeClr val="accent1"/>
+          </a:lnRef>
+          <a:fillRef idx="0">
+            <a:schemeClr val="accent1"/>
+          </a:fillRef>
+          <a:effectRef idx="1">
+            <a:schemeClr val="accent1"/>
+          </a:effectRef>
+          <a:fontRef idx="minor">
+            <a:schemeClr val="tx1"/>
+          </a:fontRef>
+        </p:style>
+      </p:cxnSp>
+      <p:cxnSp>
+        <p:nvCxnSpPr>
+          <p:cNvPr id="15" name="Gerade Verbindung mit Pfeil 14">
+            <a:extLst>
+              <a:ext uri="{FF2B5EF4-FFF2-40B4-BE49-F238E27FC236}">
+                <a16:creationId xmlns:a16="http://schemas.microsoft.com/office/drawing/2014/main" id="{7F775822-432D-14E6-8B7A-C99F8178B959}"/>
+              </a:ext>
+            </a:extLst>
+          </p:cNvPr>
+          <p:cNvCxnSpPr/>
+          <p:nvPr/>
+        </p:nvCxnSpPr>
+        <p:spPr>
+          <a:xfrm flipH="1">
+            <a:off x="4700016" y="3337560"/>
+            <a:ext cx="6327648" cy="2221992"/>
+          </a:xfrm>
+          <a:prstGeom prst="straightConnector1">
+            <a:avLst/>
+          </a:prstGeom>
+          <a:ln>
+            <a:tailEnd type="triangle"/>
+          </a:ln>
+        </p:spPr>
+        <p:style>
+          <a:lnRef idx="2">
+            <a:schemeClr val="accent1"/>
+          </a:lnRef>
+          <a:fillRef idx="0">
+            <a:schemeClr val="accent1"/>
+          </a:fillRef>
+          <a:effectRef idx="1">
+            <a:schemeClr val="accent1"/>
+          </a:effectRef>
+          <a:fontRef idx="minor">
+            <a:schemeClr val="tx1"/>
+          </a:fontRef>
+        </p:style>
+      </p:cxnSp>
+    </p:spTree>
+    <p:extLst>
+      <p:ext uri="{BB962C8B-B14F-4D97-AF65-F5344CB8AC3E}">
+        <p14:creationId xmlns:p14="http://schemas.microsoft.com/office/powerpoint/2010/main" val="3301231300"/>
+      </p:ext>
+    </p:extLst>
+  </p:cSld>
+  <p:clrMapOvr>
+    <a:masterClrMapping/>
+  </p:clrMapOvr>
+</p:sld>
+</file>
+
+<file path=ppt/slides/slide16.xml><?xml version="1.0" encoding="utf-8"?>
+<p:sld xmlns:a="http://schemas.openxmlformats.org/drawingml/2006/main" xmlns:r="http://schemas.openxmlformats.org/officeDocument/2006/relationships" xmlns:p="http://schemas.openxmlformats.org/presentationml/2006/main">
+  <p:cSld>
+    <p:spTree>
+      <p:nvGrpSpPr>
+        <p:cNvPr id="1" name=""/>
+        <p:cNvGrpSpPr/>
+        <p:nvPr/>
+      </p:nvGrpSpPr>
+      <p:grpSpPr>
+        <a:xfrm>
+          <a:off x="0" y="0"/>
+          <a:ext cx="0" cy="0"/>
+          <a:chOff x="0" y="0"/>
+          <a:chExt cx="0" cy="0"/>
+        </a:xfrm>
+      </p:grpSpPr>
+      <p:sp>
+        <p:nvSpPr>
           <p:cNvPr id="2" name="Titel 1">
             <a:extLst>
               <a:ext uri="{FF2B5EF4-FFF2-40B4-BE49-F238E27FC236}">
@@ -10419,101 +10702,972 @@
           <a:lstStyle/>
           <a:p>
             <a:r>
-              <a:rPr lang="de-DE" dirty="0" err="1"/>
-              <a:t>Representations</a:t>
-            </a:r>
-            <a:r>
               <a:rPr lang="de-DE" dirty="0"/>
-              <a:t> </a:t>
-            </a:r>
-            <a:r>
-              <a:rPr lang="de-DE" dirty="0" err="1"/>
-              <a:t>of</a:t>
-            </a:r>
-            <a:r>
-              <a:rPr lang="de-DE" dirty="0"/>
-              <a:t> Transfer </a:t>
+              <a:t>Transfer </a:t>
             </a:r>
             <a:r>
               <a:rPr lang="de-DE" dirty="0" err="1"/>
               <a:t>Function</a:t>
             </a:r>
-            <a:endParaRPr lang="de-DE" dirty="0"/>
+            <a:r>
+              <a:rPr lang="de-DE" dirty="0"/>
+              <a:t> in Polynomial Form</a:t>
+            </a:r>
           </a:p>
         </p:txBody>
       </p:sp>
-      <p:sp>
-        <p:nvSpPr>
-          <p:cNvPr id="3" name="Inhaltsplatzhalter 2">
-            <a:extLst>
-              <a:ext uri="{FF2B5EF4-FFF2-40B4-BE49-F238E27FC236}">
-                <a16:creationId xmlns:a16="http://schemas.microsoft.com/office/drawing/2014/main" id="{0ACEB9D5-0412-E8FF-40F9-DF718570580F}"/>
-              </a:ext>
-            </a:extLst>
-          </p:cNvPr>
-          <p:cNvSpPr>
-            <a:spLocks noGrp="1"/>
-          </p:cNvSpPr>
-          <p:nvPr>
-            <p:ph idx="1"/>
-          </p:nvPr>
-        </p:nvSpPr>
-        <p:spPr/>
-        <p:txBody>
-          <a:bodyPr/>
-          <a:lstStyle/>
-          <a:p>
-            <a:r>
-              <a:rPr lang="de-DE" dirty="0" err="1"/>
-              <a:t>Contain</a:t>
-            </a:r>
-            <a:r>
-              <a:rPr lang="de-DE" dirty="0"/>
-              <a:t> </a:t>
-            </a:r>
-            <a:r>
-              <a:rPr lang="de-DE" dirty="0" err="1"/>
-              <a:t>poles</a:t>
-            </a:r>
-            <a:r>
-              <a:rPr lang="de-DE" dirty="0"/>
-              <a:t> and </a:t>
-            </a:r>
-            <a:r>
-              <a:rPr lang="de-DE" dirty="0" err="1"/>
-              <a:t>zeros</a:t>
-            </a:r>
-            <a:endParaRPr lang="de-DE" dirty="0"/>
-          </a:p>
-          <a:p>
-            <a:r>
-              <a:rPr lang="de-DE" dirty="0"/>
-              <a:t>Independent </a:t>
-            </a:r>
-            <a:r>
-              <a:rPr lang="de-DE" dirty="0" err="1"/>
-              <a:t>of</a:t>
-            </a:r>
-            <a:r>
-              <a:rPr lang="de-DE" dirty="0"/>
-              <a:t> </a:t>
-            </a:r>
-            <a:r>
-              <a:rPr lang="de-DE" dirty="0" err="1"/>
-              <a:t>controller</a:t>
-            </a:r>
-            <a:r>
-              <a:rPr lang="de-DE" dirty="0"/>
-              <a:t> </a:t>
-            </a:r>
-            <a:r>
-              <a:rPr lang="de-DE" dirty="0" err="1"/>
-              <a:t>implementation</a:t>
-            </a:r>
-            <a:endParaRPr lang="de-DE" dirty="0"/>
-          </a:p>
-        </p:txBody>
-      </p:sp>
+      <mc:AlternateContent xmlns:mc="http://schemas.openxmlformats.org/markup-compatibility/2006">
+        <mc:Choice xmlns:a14="http://schemas.microsoft.com/office/drawing/2010/main" Requires="a14">
+          <p:sp>
+            <p:nvSpPr>
+              <p:cNvPr id="3" name="Inhaltsplatzhalter 2">
+                <a:extLst>
+                  <a:ext uri="{FF2B5EF4-FFF2-40B4-BE49-F238E27FC236}">
+                    <a16:creationId xmlns:a16="http://schemas.microsoft.com/office/drawing/2014/main" id="{0ACEB9D5-0412-E8FF-40F9-DF718570580F}"/>
+                  </a:ext>
+                </a:extLst>
+              </p:cNvPr>
+              <p:cNvSpPr>
+                <a:spLocks noGrp="1"/>
+              </p:cNvSpPr>
+              <p:nvPr>
+                <p:ph idx="1"/>
+              </p:nvPr>
+            </p:nvSpPr>
+            <p:spPr/>
+            <p:txBody>
+              <a:bodyPr>
+                <a:normAutofit/>
+              </a:bodyPr>
+              <a:lstStyle/>
+              <a:p>
+                <a:pPr marL="0" indent="0">
+                  <a:buNone/>
+                </a:pPr>
+                <a14:m>
+                  <m:oMathPara xmlns:m="http://schemas.openxmlformats.org/officeDocument/2006/math">
+                    <m:oMathParaPr>
+                      <m:jc m:val="left"/>
+                    </m:oMathParaPr>
+                    <m:oMath xmlns:m="http://schemas.openxmlformats.org/officeDocument/2006/math">
+                      <m:r>
+                        <a:rPr lang="de-DE" sz="1800" i="1" smtClean="0">
+                          <a:latin typeface="Cambria Math" panose="02040503050406030204" pitchFamily="18" charset="0"/>
+                        </a:rPr>
+                        <m:t>𝐺</m:t>
+                      </m:r>
+                      <m:d>
+                        <m:dPr>
+                          <m:ctrlPr>
+                            <a:rPr lang="de-DE" sz="1800" i="1">
+                              <a:latin typeface="Cambria Math" panose="02040503050406030204" pitchFamily="18" charset="0"/>
+                            </a:rPr>
+                          </m:ctrlPr>
+                        </m:dPr>
+                        <m:e>
+                          <m:r>
+                            <a:rPr lang="de-DE" sz="1800" i="1">
+                              <a:latin typeface="Cambria Math" panose="02040503050406030204" pitchFamily="18" charset="0"/>
+                            </a:rPr>
+                            <m:t>𝑠</m:t>
+                          </m:r>
+                        </m:e>
+                      </m:d>
+                      <m:r>
+                        <a:rPr lang="de-DE" sz="1800" i="1">
+                          <a:latin typeface="Cambria Math" panose="02040503050406030204" pitchFamily="18" charset="0"/>
+                        </a:rPr>
+                        <m:t>=</m:t>
+                      </m:r>
+                      <m:f>
+                        <m:fPr>
+                          <m:ctrlPr>
+                            <a:rPr lang="de-DE" sz="1800" i="1">
+                              <a:latin typeface="Cambria Math" panose="02040503050406030204" pitchFamily="18" charset="0"/>
+                            </a:rPr>
+                          </m:ctrlPr>
+                        </m:fPr>
+                        <m:num>
+                          <m:r>
+                            <a:rPr lang="de-DE" sz="1800" i="1">
+                              <a:latin typeface="Cambria Math" panose="02040503050406030204" pitchFamily="18" charset="0"/>
+                            </a:rPr>
+                            <m:t>𝐾</m:t>
+                          </m:r>
+                        </m:num>
+                        <m:den>
+                          <m:r>
+                            <a:rPr lang="de-DE" sz="1800" i="1">
+                              <a:latin typeface="Cambria Math" panose="02040503050406030204" pitchFamily="18" charset="0"/>
+                            </a:rPr>
+                            <m:t>1+</m:t>
+                          </m:r>
+                          <m:r>
+                            <a:rPr lang="el-GR" sz="1800" i="1">
+                              <a:latin typeface="Cambria Math" panose="02040503050406030204" pitchFamily="18" charset="0"/>
+                              <a:ea typeface="Cambria Math" panose="02040503050406030204" pitchFamily="18" charset="0"/>
+                            </a:rPr>
+                            <m:t>𝜏</m:t>
+                          </m:r>
+                          <m:r>
+                            <a:rPr lang="de-DE" sz="1800" i="1">
+                              <a:latin typeface="Cambria Math" panose="02040503050406030204" pitchFamily="18" charset="0"/>
+                            </a:rPr>
+                            <m:t>𝑠</m:t>
+                          </m:r>
+                        </m:den>
+                      </m:f>
+                      <m:r>
+                        <a:rPr lang="de-DE" sz="1800" b="0" i="1" smtClean="0">
+                          <a:latin typeface="Cambria Math" panose="02040503050406030204" pitchFamily="18" charset="0"/>
+                        </a:rPr>
+                        <m:t>,  </m:t>
+                      </m:r>
+                      <m:r>
+                        <a:rPr lang="de-DE" sz="1800" i="1">
+                          <a:latin typeface="Cambria Math" panose="02040503050406030204" pitchFamily="18" charset="0"/>
+                        </a:rPr>
+                        <m:t>𝐺</m:t>
+                      </m:r>
+                      <m:d>
+                        <m:dPr>
+                          <m:ctrlPr>
+                            <a:rPr lang="de-DE" sz="1800" i="1">
+                              <a:latin typeface="Cambria Math" panose="02040503050406030204" pitchFamily="18" charset="0"/>
+                            </a:rPr>
+                          </m:ctrlPr>
+                        </m:dPr>
+                        <m:e>
+                          <m:r>
+                            <a:rPr lang="de-DE" sz="1800" i="1">
+                              <a:latin typeface="Cambria Math" panose="02040503050406030204" pitchFamily="18" charset="0"/>
+                            </a:rPr>
+                            <m:t>𝑠</m:t>
+                          </m:r>
+                        </m:e>
+                      </m:d>
+                      <m:r>
+                        <a:rPr lang="de-DE" sz="1800" i="1">
+                          <a:latin typeface="Cambria Math" panose="02040503050406030204" pitchFamily="18" charset="0"/>
+                        </a:rPr>
+                        <m:t>=</m:t>
+                      </m:r>
+                      <m:f>
+                        <m:fPr>
+                          <m:ctrlPr>
+                            <a:rPr lang="de-DE" sz="1800" i="1">
+                              <a:latin typeface="Cambria Math" panose="02040503050406030204" pitchFamily="18" charset="0"/>
+                            </a:rPr>
+                          </m:ctrlPr>
+                        </m:fPr>
+                        <m:num>
+                          <m:sSubSup>
+                            <m:sSubSupPr>
+                              <m:ctrlPr>
+                                <a:rPr lang="de-DE" sz="1800" i="1">
+                                  <a:latin typeface="Cambria Math" panose="02040503050406030204" pitchFamily="18" charset="0"/>
+                                </a:rPr>
+                              </m:ctrlPr>
+                            </m:sSubSupPr>
+                            <m:e>
+                              <m:r>
+                                <a:rPr lang="de-DE" sz="1800" i="1">
+                                  <a:latin typeface="Cambria Math" panose="02040503050406030204" pitchFamily="18" charset="0"/>
+                                  <a:ea typeface="Cambria Math" panose="02040503050406030204" pitchFamily="18" charset="0"/>
+                                </a:rPr>
+                                <m:t>𝜔</m:t>
+                              </m:r>
+                            </m:e>
+                            <m:sub>
+                              <m:r>
+                                <a:rPr lang="de-DE" sz="1800" i="1">
+                                  <a:latin typeface="Cambria Math" panose="02040503050406030204" pitchFamily="18" charset="0"/>
+                                </a:rPr>
+                                <m:t>𝑛</m:t>
+                              </m:r>
+                            </m:sub>
+                            <m:sup>
+                              <m:r>
+                                <a:rPr lang="de-DE" sz="1800" i="1">
+                                  <a:latin typeface="Cambria Math" panose="02040503050406030204" pitchFamily="18" charset="0"/>
+                                </a:rPr>
+                                <m:t>2</m:t>
+                              </m:r>
+                            </m:sup>
+                          </m:sSubSup>
+                          <m:r>
+                            <a:rPr lang="de-DE" sz="1800" i="1">
+                              <a:latin typeface="Cambria Math" panose="02040503050406030204" pitchFamily="18" charset="0"/>
+                            </a:rPr>
+                            <m:t>𝐾</m:t>
+                          </m:r>
+                        </m:num>
+                        <m:den>
+                          <m:sSup>
+                            <m:sSupPr>
+                              <m:ctrlPr>
+                                <a:rPr lang="de-DE" sz="1800" i="1">
+                                  <a:latin typeface="Cambria Math" panose="02040503050406030204" pitchFamily="18" charset="0"/>
+                                </a:rPr>
+                              </m:ctrlPr>
+                            </m:sSupPr>
+                            <m:e>
+                              <m:r>
+                                <a:rPr lang="de-DE" sz="1800" i="1">
+                                  <a:latin typeface="Cambria Math" panose="02040503050406030204" pitchFamily="18" charset="0"/>
+                                </a:rPr>
+                                <m:t>𝑠</m:t>
+                              </m:r>
+                            </m:e>
+                            <m:sup>
+                              <m:r>
+                                <a:rPr lang="de-DE" sz="1800" i="1">
+                                  <a:latin typeface="Cambria Math" panose="02040503050406030204" pitchFamily="18" charset="0"/>
+                                </a:rPr>
+                                <m:t>2</m:t>
+                              </m:r>
+                            </m:sup>
+                          </m:sSup>
+                          <m:r>
+                            <a:rPr lang="de-DE" sz="1800" i="1">
+                              <a:latin typeface="Cambria Math" panose="02040503050406030204" pitchFamily="18" charset="0"/>
+                            </a:rPr>
+                            <m:t>+</m:t>
+                          </m:r>
+                          <m:r>
+                            <a:rPr lang="de-DE" sz="1800" i="1">
+                              <a:latin typeface="Cambria Math" panose="02040503050406030204" pitchFamily="18" charset="0"/>
+                              <a:ea typeface="Cambria Math" panose="02040503050406030204" pitchFamily="18" charset="0"/>
+                            </a:rPr>
+                            <m:t>2</m:t>
+                          </m:r>
+                          <m:r>
+                            <a:rPr lang="el-GR" sz="1800" i="1">
+                              <a:latin typeface="Cambria Math" panose="02040503050406030204" pitchFamily="18" charset="0"/>
+                              <a:ea typeface="Cambria Math" panose="02040503050406030204" pitchFamily="18" charset="0"/>
+                            </a:rPr>
+                            <m:t>𝜁</m:t>
+                          </m:r>
+                          <m:sSub>
+                            <m:sSubPr>
+                              <m:ctrlPr>
+                                <a:rPr lang="el-GR" sz="1800" i="1">
+                                  <a:latin typeface="Cambria Math" panose="02040503050406030204" pitchFamily="18" charset="0"/>
+                                  <a:ea typeface="Cambria Math" panose="02040503050406030204" pitchFamily="18" charset="0"/>
+                                </a:rPr>
+                              </m:ctrlPr>
+                            </m:sSubPr>
+                            <m:e>
+                              <m:r>
+                                <a:rPr lang="el-GR" sz="1800" i="1">
+                                  <a:latin typeface="Cambria Math" panose="02040503050406030204" pitchFamily="18" charset="0"/>
+                                  <a:ea typeface="Cambria Math" panose="02040503050406030204" pitchFamily="18" charset="0"/>
+                                </a:rPr>
+                                <m:t>𝜔</m:t>
+                              </m:r>
+                            </m:e>
+                            <m:sub>
+                              <m:r>
+                                <a:rPr lang="de-DE" sz="1800" i="1">
+                                  <a:latin typeface="Cambria Math" panose="02040503050406030204" pitchFamily="18" charset="0"/>
+                                  <a:ea typeface="Cambria Math" panose="02040503050406030204" pitchFamily="18" charset="0"/>
+                                </a:rPr>
+                                <m:t>𝑛</m:t>
+                              </m:r>
+                            </m:sub>
+                          </m:sSub>
+                          <m:r>
+                            <a:rPr lang="de-DE" sz="1800" i="1">
+                              <a:latin typeface="Cambria Math" panose="02040503050406030204" pitchFamily="18" charset="0"/>
+                            </a:rPr>
+                            <m:t>𝑠</m:t>
+                          </m:r>
+                          <m:r>
+                            <a:rPr lang="de-DE" sz="1800" i="1">
+                              <a:latin typeface="Cambria Math" panose="02040503050406030204" pitchFamily="18" charset="0"/>
+                            </a:rPr>
+                            <m:t>+</m:t>
+                          </m:r>
+                          <m:sSubSup>
+                            <m:sSubSupPr>
+                              <m:ctrlPr>
+                                <a:rPr lang="de-DE" sz="1800" i="1">
+                                  <a:latin typeface="Cambria Math" panose="02040503050406030204" pitchFamily="18" charset="0"/>
+                                </a:rPr>
+                              </m:ctrlPr>
+                            </m:sSubSupPr>
+                            <m:e>
+                              <m:r>
+                                <a:rPr lang="de-DE" sz="1800" i="1">
+                                  <a:latin typeface="Cambria Math" panose="02040503050406030204" pitchFamily="18" charset="0"/>
+                                  <a:ea typeface="Cambria Math" panose="02040503050406030204" pitchFamily="18" charset="0"/>
+                                </a:rPr>
+                                <m:t>𝜔</m:t>
+                              </m:r>
+                            </m:e>
+                            <m:sub>
+                              <m:r>
+                                <a:rPr lang="de-DE" sz="1800" i="1">
+                                  <a:latin typeface="Cambria Math" panose="02040503050406030204" pitchFamily="18" charset="0"/>
+                                </a:rPr>
+                                <m:t>𝑛</m:t>
+                              </m:r>
+                            </m:sub>
+                            <m:sup>
+                              <m:r>
+                                <a:rPr lang="de-DE" sz="1800" i="1">
+                                  <a:latin typeface="Cambria Math" panose="02040503050406030204" pitchFamily="18" charset="0"/>
+                                </a:rPr>
+                                <m:t>2</m:t>
+                              </m:r>
+                            </m:sup>
+                          </m:sSubSup>
+                        </m:den>
+                      </m:f>
+                      <m:r>
+                        <a:rPr lang="de-DE" sz="1800" b="0" i="1" smtClean="0">
+                          <a:latin typeface="Cambria Math" panose="02040503050406030204" pitchFamily="18" charset="0"/>
+                        </a:rPr>
+                        <m:t>,  …</m:t>
+                      </m:r>
+                    </m:oMath>
+                  </m:oMathPara>
+                </a14:m>
+                <a:endParaRPr lang="de-DE" sz="1800" dirty="0"/>
+              </a:p>
+              <a:p>
+                <a:pPr marL="0" indent="0">
+                  <a:buNone/>
+                </a:pPr>
+                <a:endParaRPr lang="de-DE" dirty="0"/>
+              </a:p>
+              <a:p>
+                <a:pPr marL="0" indent="0">
+                  <a:buNone/>
+                </a:pPr>
+                <a:r>
+                  <a:rPr lang="de-DE" dirty="0">
+                    <a:sym typeface="Wingdings" pitchFamily="2" charset="2"/>
+                  </a:rPr>
+                  <a:t> </a:t>
+                </a:r>
+                <a14:m>
+                  <m:oMath xmlns:m="http://schemas.openxmlformats.org/officeDocument/2006/math">
+                    <m:r>
+                      <a:rPr lang="de-DE" i="1">
+                        <a:latin typeface="Cambria Math" panose="02040503050406030204" pitchFamily="18" charset="0"/>
+                      </a:rPr>
+                      <m:t>𝐺</m:t>
+                    </m:r>
+                    <m:d>
+                      <m:dPr>
+                        <m:ctrlPr>
+                          <a:rPr lang="de-DE" i="1">
+                            <a:latin typeface="Cambria Math" panose="02040503050406030204" pitchFamily="18" charset="0"/>
+                          </a:rPr>
+                        </m:ctrlPr>
+                      </m:dPr>
+                      <m:e>
+                        <m:r>
+                          <a:rPr lang="de-DE" i="1">
+                            <a:latin typeface="Cambria Math" panose="02040503050406030204" pitchFamily="18" charset="0"/>
+                          </a:rPr>
+                          <m:t>𝑠</m:t>
+                        </m:r>
+                      </m:e>
+                    </m:d>
+                    <m:r>
+                      <a:rPr lang="de-DE" i="1">
+                        <a:latin typeface="Cambria Math" panose="02040503050406030204" pitchFamily="18" charset="0"/>
+                      </a:rPr>
+                      <m:t>=</m:t>
+                    </m:r>
+                    <m:f>
+                      <m:fPr>
+                        <m:ctrlPr>
+                          <a:rPr lang="de-DE" i="1">
+                            <a:latin typeface="Cambria Math" panose="02040503050406030204" pitchFamily="18" charset="0"/>
+                          </a:rPr>
+                        </m:ctrlPr>
+                      </m:fPr>
+                      <m:num>
+                        <m:sSub>
+                          <m:sSubPr>
+                            <m:ctrlPr>
+                              <a:rPr lang="de-DE" i="1" smtClean="0">
+                                <a:latin typeface="Cambria Math" panose="02040503050406030204" pitchFamily="18" charset="0"/>
+                              </a:rPr>
+                            </m:ctrlPr>
+                          </m:sSubPr>
+                          <m:e>
+                            <m:r>
+                              <a:rPr lang="de-DE" b="0" i="1" smtClean="0">
+                                <a:latin typeface="Cambria Math" panose="02040503050406030204" pitchFamily="18" charset="0"/>
+                              </a:rPr>
+                              <m:t>𝑏</m:t>
+                            </m:r>
+                          </m:e>
+                          <m:sub>
+                            <m:r>
+                              <a:rPr lang="de-DE" b="0" i="1" smtClean="0">
+                                <a:latin typeface="Cambria Math" panose="02040503050406030204" pitchFamily="18" charset="0"/>
+                              </a:rPr>
+                              <m:t>𝑚</m:t>
+                            </m:r>
+                          </m:sub>
+                        </m:sSub>
+                        <m:sSup>
+                          <m:sSupPr>
+                            <m:ctrlPr>
+                              <a:rPr lang="de-DE" i="1" smtClean="0">
+                                <a:latin typeface="Cambria Math" panose="02040503050406030204" pitchFamily="18" charset="0"/>
+                              </a:rPr>
+                            </m:ctrlPr>
+                          </m:sSupPr>
+                          <m:e>
+                            <m:r>
+                              <a:rPr lang="de-DE" b="0" i="1" smtClean="0">
+                                <a:latin typeface="Cambria Math" panose="02040503050406030204" pitchFamily="18" charset="0"/>
+                              </a:rPr>
+                              <m:t>𝑠</m:t>
+                            </m:r>
+                          </m:e>
+                          <m:sup>
+                            <m:r>
+                              <a:rPr lang="de-DE" b="0" i="1" smtClean="0">
+                                <a:latin typeface="Cambria Math" panose="02040503050406030204" pitchFamily="18" charset="0"/>
+                              </a:rPr>
+                              <m:t>𝑚</m:t>
+                            </m:r>
+                          </m:sup>
+                        </m:sSup>
+                        <m:r>
+                          <a:rPr lang="de-DE" b="0" i="1" smtClean="0">
+                            <a:latin typeface="Cambria Math" panose="02040503050406030204" pitchFamily="18" charset="0"/>
+                          </a:rPr>
+                          <m:t>+</m:t>
+                        </m:r>
+                        <m:r>
+                          <a:rPr lang="de-DE" b="0" i="1" smtClean="0">
+                            <a:latin typeface="Cambria Math" panose="02040503050406030204" pitchFamily="18" charset="0"/>
+                            <a:ea typeface="Cambria Math" panose="02040503050406030204" pitchFamily="18" charset="0"/>
+                          </a:rPr>
+                          <m:t>⋯+</m:t>
+                        </m:r>
+                        <m:sSub>
+                          <m:sSubPr>
+                            <m:ctrlPr>
+                              <a:rPr lang="de-DE" b="0" i="1" smtClean="0">
+                                <a:latin typeface="Cambria Math" panose="02040503050406030204" pitchFamily="18" charset="0"/>
+                                <a:ea typeface="Cambria Math" panose="02040503050406030204" pitchFamily="18" charset="0"/>
+                              </a:rPr>
+                            </m:ctrlPr>
+                          </m:sSubPr>
+                          <m:e>
+                            <m:r>
+                              <a:rPr lang="de-DE" b="0" i="1" smtClean="0">
+                                <a:latin typeface="Cambria Math" panose="02040503050406030204" pitchFamily="18" charset="0"/>
+                                <a:ea typeface="Cambria Math" panose="02040503050406030204" pitchFamily="18" charset="0"/>
+                              </a:rPr>
+                              <m:t>𝑏</m:t>
+                            </m:r>
+                          </m:e>
+                          <m:sub>
+                            <m:r>
+                              <a:rPr lang="de-DE" b="0" i="1" smtClean="0">
+                                <a:latin typeface="Cambria Math" panose="02040503050406030204" pitchFamily="18" charset="0"/>
+                                <a:ea typeface="Cambria Math" panose="02040503050406030204" pitchFamily="18" charset="0"/>
+                              </a:rPr>
+                              <m:t>1</m:t>
+                            </m:r>
+                          </m:sub>
+                        </m:sSub>
+                        <m:r>
+                          <a:rPr lang="de-DE" b="0" i="1" smtClean="0">
+                            <a:latin typeface="Cambria Math" panose="02040503050406030204" pitchFamily="18" charset="0"/>
+                            <a:ea typeface="Cambria Math" panose="02040503050406030204" pitchFamily="18" charset="0"/>
+                          </a:rPr>
+                          <m:t>𝑠</m:t>
+                        </m:r>
+                        <m:r>
+                          <a:rPr lang="de-DE" b="0" i="1" smtClean="0">
+                            <a:latin typeface="Cambria Math" panose="02040503050406030204" pitchFamily="18" charset="0"/>
+                            <a:ea typeface="Cambria Math" panose="02040503050406030204" pitchFamily="18" charset="0"/>
+                          </a:rPr>
+                          <m:t>+</m:t>
+                        </m:r>
+                        <m:sSub>
+                          <m:sSubPr>
+                            <m:ctrlPr>
+                              <a:rPr lang="de-DE" b="0" i="1" smtClean="0">
+                                <a:latin typeface="Cambria Math" panose="02040503050406030204" pitchFamily="18" charset="0"/>
+                                <a:ea typeface="Cambria Math" panose="02040503050406030204" pitchFamily="18" charset="0"/>
+                              </a:rPr>
+                            </m:ctrlPr>
+                          </m:sSubPr>
+                          <m:e>
+                            <m:r>
+                              <a:rPr lang="de-DE" b="0" i="1" smtClean="0">
+                                <a:latin typeface="Cambria Math" panose="02040503050406030204" pitchFamily="18" charset="0"/>
+                                <a:ea typeface="Cambria Math" panose="02040503050406030204" pitchFamily="18" charset="0"/>
+                              </a:rPr>
+                              <m:t>𝑏</m:t>
+                            </m:r>
+                          </m:e>
+                          <m:sub>
+                            <m:r>
+                              <a:rPr lang="de-DE" b="0" i="1" smtClean="0">
+                                <a:latin typeface="Cambria Math" panose="02040503050406030204" pitchFamily="18" charset="0"/>
+                                <a:ea typeface="Cambria Math" panose="02040503050406030204" pitchFamily="18" charset="0"/>
+                              </a:rPr>
+                              <m:t>0</m:t>
+                            </m:r>
+                          </m:sub>
+                        </m:sSub>
+                      </m:num>
+                      <m:den>
+                        <m:sSub>
+                          <m:sSubPr>
+                            <m:ctrlPr>
+                              <a:rPr lang="de-DE" i="1">
+                                <a:latin typeface="Cambria Math" panose="02040503050406030204" pitchFamily="18" charset="0"/>
+                              </a:rPr>
+                            </m:ctrlPr>
+                          </m:sSubPr>
+                          <m:e>
+                            <m:r>
+                              <a:rPr lang="de-DE" b="0" i="1" smtClean="0">
+                                <a:latin typeface="Cambria Math" panose="02040503050406030204" pitchFamily="18" charset="0"/>
+                              </a:rPr>
+                              <m:t>𝑎</m:t>
+                            </m:r>
+                          </m:e>
+                          <m:sub>
+                            <m:r>
+                              <a:rPr lang="de-DE" b="0" i="1" smtClean="0">
+                                <a:latin typeface="Cambria Math" panose="02040503050406030204" pitchFamily="18" charset="0"/>
+                              </a:rPr>
+                              <m:t>𝑛</m:t>
+                            </m:r>
+                          </m:sub>
+                        </m:sSub>
+                        <m:sSup>
+                          <m:sSupPr>
+                            <m:ctrlPr>
+                              <a:rPr lang="de-DE" i="1">
+                                <a:latin typeface="Cambria Math" panose="02040503050406030204" pitchFamily="18" charset="0"/>
+                              </a:rPr>
+                            </m:ctrlPr>
+                          </m:sSupPr>
+                          <m:e>
+                            <m:r>
+                              <a:rPr lang="de-DE" i="1">
+                                <a:latin typeface="Cambria Math" panose="02040503050406030204" pitchFamily="18" charset="0"/>
+                              </a:rPr>
+                              <m:t>𝑠</m:t>
+                            </m:r>
+                          </m:e>
+                          <m:sup>
+                            <m:r>
+                              <a:rPr lang="de-DE" b="0" i="1" smtClean="0">
+                                <a:latin typeface="Cambria Math" panose="02040503050406030204" pitchFamily="18" charset="0"/>
+                              </a:rPr>
+                              <m:t>𝑛</m:t>
+                            </m:r>
+                          </m:sup>
+                        </m:sSup>
+                        <m:r>
+                          <a:rPr lang="de-DE" i="1">
+                            <a:latin typeface="Cambria Math" panose="02040503050406030204" pitchFamily="18" charset="0"/>
+                          </a:rPr>
+                          <m:t>+</m:t>
+                        </m:r>
+                        <m:r>
+                          <a:rPr lang="de-DE" i="1">
+                            <a:latin typeface="Cambria Math" panose="02040503050406030204" pitchFamily="18" charset="0"/>
+                            <a:ea typeface="Cambria Math" panose="02040503050406030204" pitchFamily="18" charset="0"/>
+                          </a:rPr>
+                          <m:t>⋯+</m:t>
+                        </m:r>
+                        <m:sSub>
+                          <m:sSubPr>
+                            <m:ctrlPr>
+                              <a:rPr lang="de-DE" i="1">
+                                <a:latin typeface="Cambria Math" panose="02040503050406030204" pitchFamily="18" charset="0"/>
+                                <a:ea typeface="Cambria Math" panose="02040503050406030204" pitchFamily="18" charset="0"/>
+                              </a:rPr>
+                            </m:ctrlPr>
+                          </m:sSubPr>
+                          <m:e>
+                            <m:r>
+                              <a:rPr lang="de-DE" b="0" i="1" smtClean="0">
+                                <a:latin typeface="Cambria Math" panose="02040503050406030204" pitchFamily="18" charset="0"/>
+                                <a:ea typeface="Cambria Math" panose="02040503050406030204" pitchFamily="18" charset="0"/>
+                              </a:rPr>
+                              <m:t>𝑎</m:t>
+                            </m:r>
+                          </m:e>
+                          <m:sub>
+                            <m:r>
+                              <a:rPr lang="de-DE" i="1">
+                                <a:latin typeface="Cambria Math" panose="02040503050406030204" pitchFamily="18" charset="0"/>
+                                <a:ea typeface="Cambria Math" panose="02040503050406030204" pitchFamily="18" charset="0"/>
+                              </a:rPr>
+                              <m:t>1</m:t>
+                            </m:r>
+                          </m:sub>
+                        </m:sSub>
+                        <m:r>
+                          <a:rPr lang="de-DE" i="1">
+                            <a:latin typeface="Cambria Math" panose="02040503050406030204" pitchFamily="18" charset="0"/>
+                            <a:ea typeface="Cambria Math" panose="02040503050406030204" pitchFamily="18" charset="0"/>
+                          </a:rPr>
+                          <m:t>𝑠</m:t>
+                        </m:r>
+                        <m:r>
+                          <a:rPr lang="de-DE" i="1">
+                            <a:latin typeface="Cambria Math" panose="02040503050406030204" pitchFamily="18" charset="0"/>
+                            <a:ea typeface="Cambria Math" panose="02040503050406030204" pitchFamily="18" charset="0"/>
+                          </a:rPr>
+                          <m:t>+</m:t>
+                        </m:r>
+                        <m:sSub>
+                          <m:sSubPr>
+                            <m:ctrlPr>
+                              <a:rPr lang="de-DE" i="1">
+                                <a:latin typeface="Cambria Math" panose="02040503050406030204" pitchFamily="18" charset="0"/>
+                                <a:ea typeface="Cambria Math" panose="02040503050406030204" pitchFamily="18" charset="0"/>
+                              </a:rPr>
+                            </m:ctrlPr>
+                          </m:sSubPr>
+                          <m:e>
+                            <m:r>
+                              <a:rPr lang="de-DE" b="0" i="1" smtClean="0">
+                                <a:latin typeface="Cambria Math" panose="02040503050406030204" pitchFamily="18" charset="0"/>
+                                <a:ea typeface="Cambria Math" panose="02040503050406030204" pitchFamily="18" charset="0"/>
+                              </a:rPr>
+                              <m:t>𝑎</m:t>
+                            </m:r>
+                          </m:e>
+                          <m:sub>
+                            <m:r>
+                              <a:rPr lang="de-DE" i="1">
+                                <a:latin typeface="Cambria Math" panose="02040503050406030204" pitchFamily="18" charset="0"/>
+                                <a:ea typeface="Cambria Math" panose="02040503050406030204" pitchFamily="18" charset="0"/>
+                              </a:rPr>
+                              <m:t>0</m:t>
+                            </m:r>
+                          </m:sub>
+                        </m:sSub>
+                      </m:den>
+                    </m:f>
+                  </m:oMath>
+                </a14:m>
+                <a:endParaRPr lang="de-DE" dirty="0"/>
+              </a:p>
+              <a:p>
+                <a:pPr marL="0" indent="0">
+                  <a:buNone/>
+                </a:pPr>
+                <a:endParaRPr lang="de-DE" dirty="0"/>
+              </a:p>
+              <a:p>
+                <a:pPr marL="0" indent="0">
+                  <a:buNone/>
+                </a:pPr>
+                <a:endParaRPr lang="de-DE" dirty="0"/>
+              </a:p>
+              <a:p>
+                <a:pPr marL="0" indent="0">
+                  <a:buNone/>
+                </a:pPr>
+                <a:r>
+                  <a:rPr lang="de-DE" dirty="0">
+                    <a:sym typeface="Wingdings" pitchFamily="2" charset="2"/>
+                  </a:rPr>
+                  <a:t> </a:t>
+                </a:r>
+                <a14:m>
+                  <m:oMath xmlns:m="http://schemas.openxmlformats.org/officeDocument/2006/math">
+                    <m:r>
+                      <a:rPr lang="de-DE" i="1">
+                        <a:latin typeface="Cambria Math" panose="02040503050406030204" pitchFamily="18" charset="0"/>
+                      </a:rPr>
+                      <m:t>𝐺</m:t>
+                    </m:r>
+                    <m:d>
+                      <m:dPr>
+                        <m:ctrlPr>
+                          <a:rPr lang="de-DE" i="1">
+                            <a:latin typeface="Cambria Math" panose="02040503050406030204" pitchFamily="18" charset="0"/>
+                          </a:rPr>
+                        </m:ctrlPr>
+                      </m:dPr>
+                      <m:e>
+                        <m:r>
+                          <a:rPr lang="de-DE" i="1">
+                            <a:latin typeface="Cambria Math" panose="02040503050406030204" pitchFamily="18" charset="0"/>
+                          </a:rPr>
+                          <m:t>𝑠</m:t>
+                        </m:r>
+                      </m:e>
+                    </m:d>
+                    <m:r>
+                      <a:rPr lang="de-DE" i="1">
+                        <a:latin typeface="Cambria Math" panose="02040503050406030204" pitchFamily="18" charset="0"/>
+                      </a:rPr>
+                      <m:t>=</m:t>
+                    </m:r>
+                    <m:r>
+                      <a:rPr lang="de-DE" b="0" i="1" smtClean="0">
+                        <a:latin typeface="Cambria Math" panose="02040503050406030204" pitchFamily="18" charset="0"/>
+                      </a:rPr>
+                      <m:t>𝑘</m:t>
+                    </m:r>
+                    <m:f>
+                      <m:fPr>
+                        <m:ctrlPr>
+                          <a:rPr lang="de-DE" i="1">
+                            <a:latin typeface="Cambria Math" panose="02040503050406030204" pitchFamily="18" charset="0"/>
+                          </a:rPr>
+                        </m:ctrlPr>
+                      </m:fPr>
+                      <m:num>
+                        <m:nary>
+                          <m:naryPr>
+                            <m:chr m:val="∏"/>
+                            <m:ctrlPr>
+                              <a:rPr lang="de-DE" i="1" smtClean="0">
+                                <a:latin typeface="Cambria Math" panose="02040503050406030204" pitchFamily="18" charset="0"/>
+                              </a:rPr>
+                            </m:ctrlPr>
+                          </m:naryPr>
+                          <m:sub>
+                            <m:r>
+                              <m:rPr>
+                                <m:brk m:alnAt="23"/>
+                              </m:rPr>
+                              <a:rPr lang="de-DE" b="0" i="1" smtClean="0">
+                                <a:latin typeface="Cambria Math" panose="02040503050406030204" pitchFamily="18" charset="0"/>
+                              </a:rPr>
+                              <m:t>𝑖</m:t>
+                            </m:r>
+                            <m:r>
+                              <a:rPr lang="de-DE" b="0" i="1" smtClean="0">
+                                <a:latin typeface="Cambria Math" panose="02040503050406030204" pitchFamily="18" charset="0"/>
+                              </a:rPr>
+                              <m:t>=1</m:t>
+                            </m:r>
+                          </m:sub>
+                          <m:sup>
+                            <m:r>
+                              <a:rPr lang="de-DE" b="0" i="1" smtClean="0">
+                                <a:latin typeface="Cambria Math" panose="02040503050406030204" pitchFamily="18" charset="0"/>
+                              </a:rPr>
+                              <m:t>𝑚</m:t>
+                            </m:r>
+                          </m:sup>
+                          <m:e>
+                            <m:d>
+                              <m:dPr>
+                                <m:ctrlPr>
+                                  <a:rPr lang="de-DE" i="1" smtClean="0">
+                                    <a:latin typeface="Cambria Math" panose="02040503050406030204" pitchFamily="18" charset="0"/>
+                                  </a:rPr>
+                                </m:ctrlPr>
+                              </m:dPr>
+                              <m:e>
+                                <m:r>
+                                  <a:rPr lang="de-DE" b="0" i="1" smtClean="0">
+                                    <a:latin typeface="Cambria Math" panose="02040503050406030204" pitchFamily="18" charset="0"/>
+                                  </a:rPr>
+                                  <m:t>𝑠</m:t>
+                                </m:r>
+                                <m:r>
+                                  <a:rPr lang="de-DE" b="0" i="1" smtClean="0">
+                                    <a:latin typeface="Cambria Math" panose="02040503050406030204" pitchFamily="18" charset="0"/>
+                                  </a:rPr>
+                                  <m:t>−</m:t>
+                                </m:r>
+                                <m:sSub>
+                                  <m:sSubPr>
+                                    <m:ctrlPr>
+                                      <a:rPr lang="de-DE" b="0" i="1" smtClean="0">
+                                        <a:latin typeface="Cambria Math" panose="02040503050406030204" pitchFamily="18" charset="0"/>
+                                      </a:rPr>
+                                    </m:ctrlPr>
+                                  </m:sSubPr>
+                                  <m:e>
+                                    <m:r>
+                                      <a:rPr lang="de-DE" b="0" i="1" smtClean="0">
+                                        <a:latin typeface="Cambria Math" panose="02040503050406030204" pitchFamily="18" charset="0"/>
+                                      </a:rPr>
+                                      <m:t>𝑠</m:t>
+                                    </m:r>
+                                  </m:e>
+                                  <m:sub>
+                                    <m:r>
+                                      <a:rPr lang="de-DE" b="0" i="1" smtClean="0">
+                                        <a:latin typeface="Cambria Math" panose="02040503050406030204" pitchFamily="18" charset="0"/>
+                                      </a:rPr>
+                                      <m:t>0</m:t>
+                                    </m:r>
+                                    <m:r>
+                                      <a:rPr lang="de-DE" b="0" i="1" smtClean="0">
+                                        <a:latin typeface="Cambria Math" panose="02040503050406030204" pitchFamily="18" charset="0"/>
+                                      </a:rPr>
+                                      <m:t>𝑖</m:t>
+                                    </m:r>
+                                  </m:sub>
+                                </m:sSub>
+                              </m:e>
+                            </m:d>
+                          </m:e>
+                        </m:nary>
+                      </m:num>
+                      <m:den>
+                        <m:nary>
+                          <m:naryPr>
+                            <m:chr m:val="∏"/>
+                            <m:ctrlPr>
+                              <a:rPr lang="de-DE" i="1">
+                                <a:latin typeface="Cambria Math" panose="02040503050406030204" pitchFamily="18" charset="0"/>
+                              </a:rPr>
+                            </m:ctrlPr>
+                          </m:naryPr>
+                          <m:sub>
+                            <m:r>
+                              <m:rPr>
+                                <m:brk m:alnAt="23"/>
+                              </m:rPr>
+                              <a:rPr lang="de-DE" i="1">
+                                <a:latin typeface="Cambria Math" panose="02040503050406030204" pitchFamily="18" charset="0"/>
+                              </a:rPr>
+                              <m:t>𝑖</m:t>
+                            </m:r>
+                            <m:r>
+                              <a:rPr lang="de-DE" i="1">
+                                <a:latin typeface="Cambria Math" panose="02040503050406030204" pitchFamily="18" charset="0"/>
+                              </a:rPr>
+                              <m:t>=1</m:t>
+                            </m:r>
+                          </m:sub>
+                          <m:sup>
+                            <m:r>
+                              <a:rPr lang="de-DE" b="0" i="1" smtClean="0">
+                                <a:latin typeface="Cambria Math" panose="02040503050406030204" pitchFamily="18" charset="0"/>
+                              </a:rPr>
+                              <m:t>𝑛</m:t>
+                            </m:r>
+                          </m:sup>
+                          <m:e>
+                            <m:d>
+                              <m:dPr>
+                                <m:ctrlPr>
+                                  <a:rPr lang="de-DE" i="1">
+                                    <a:latin typeface="Cambria Math" panose="02040503050406030204" pitchFamily="18" charset="0"/>
+                                  </a:rPr>
+                                </m:ctrlPr>
+                              </m:dPr>
+                              <m:e>
+                                <m:r>
+                                  <a:rPr lang="de-DE" i="1">
+                                    <a:latin typeface="Cambria Math" panose="02040503050406030204" pitchFamily="18" charset="0"/>
+                                  </a:rPr>
+                                  <m:t>𝑠</m:t>
+                                </m:r>
+                                <m:r>
+                                  <a:rPr lang="de-DE" i="1">
+                                    <a:latin typeface="Cambria Math" panose="02040503050406030204" pitchFamily="18" charset="0"/>
+                                  </a:rPr>
+                                  <m:t>−</m:t>
+                                </m:r>
+                                <m:sSub>
+                                  <m:sSubPr>
+                                    <m:ctrlPr>
+                                      <a:rPr lang="de-DE" i="1">
+                                        <a:latin typeface="Cambria Math" panose="02040503050406030204" pitchFamily="18" charset="0"/>
+                                      </a:rPr>
+                                    </m:ctrlPr>
+                                  </m:sSubPr>
+                                  <m:e>
+                                    <m:r>
+                                      <a:rPr lang="de-DE" i="1">
+                                        <a:latin typeface="Cambria Math" panose="02040503050406030204" pitchFamily="18" charset="0"/>
+                                      </a:rPr>
+                                      <m:t>𝑠</m:t>
+                                    </m:r>
+                                  </m:e>
+                                  <m:sub>
+                                    <m:r>
+                                      <a:rPr lang="de-DE" b="0" i="1" smtClean="0">
+                                        <a:latin typeface="Cambria Math" panose="02040503050406030204" pitchFamily="18" charset="0"/>
+                                      </a:rPr>
+                                      <m:t>𝑝</m:t>
+                                    </m:r>
+                                    <m:r>
+                                      <a:rPr lang="de-DE" i="1">
+                                        <a:latin typeface="Cambria Math" panose="02040503050406030204" pitchFamily="18" charset="0"/>
+                                      </a:rPr>
+                                      <m:t>𝑖</m:t>
+                                    </m:r>
+                                  </m:sub>
+                                </m:sSub>
+                              </m:e>
+                            </m:d>
+                          </m:e>
+                        </m:nary>
+                      </m:den>
+                    </m:f>
+                  </m:oMath>
+                </a14:m>
+                <a:endParaRPr lang="de-DE" dirty="0">
+                  <a:ea typeface="Cambria Math" panose="02040503050406030204" pitchFamily="18" charset="0"/>
+                </a:endParaRPr>
+              </a:p>
+            </p:txBody>
+          </p:sp>
+        </mc:Choice>
+        <mc:Fallback>
+          <p:sp>
+            <p:nvSpPr>
+              <p:cNvPr id="3" name="Inhaltsplatzhalter 2">
+                <a:extLst>
+                  <a:ext uri="{FF2B5EF4-FFF2-40B4-BE49-F238E27FC236}">
+                    <a16:creationId xmlns:a16="http://schemas.microsoft.com/office/drawing/2014/main" id="{0ACEB9D5-0412-E8FF-40F9-DF718570580F}"/>
+                  </a:ext>
+                </a:extLst>
+              </p:cNvPr>
+              <p:cNvSpPr>
+                <a:spLocks noGrp="1" noRot="1" noChangeAspect="1" noMove="1" noResize="1" noEditPoints="1" noAdjustHandles="1" noChangeArrowheads="1" noChangeShapeType="1" noTextEdit="1"/>
+              </p:cNvSpPr>
+              <p:nvPr>
+                <p:ph idx="1"/>
+              </p:nvPr>
+            </p:nvSpPr>
+            <p:spPr>
+              <a:blipFill>
+                <a:blip r:embed="rId2"/>
+                <a:stretch>
+                  <a:fillRect l="-1206" b="-2326"/>
+                </a:stretch>
+              </a:blipFill>
+            </p:spPr>
+            <p:txBody>
+              <a:bodyPr/>
+              <a:lstStyle/>
+              <a:p>
+                <a:r>
+                  <a:rPr lang="de-DE">
+                    <a:noFill/>
+                  </a:rPr>
+                  <a:t> </a:t>
+                </a:r>
+              </a:p>
+            </p:txBody>
+          </p:sp>
+        </mc:Fallback>
+      </mc:AlternateContent>
       <p:sp>
         <p:nvSpPr>
           <p:cNvPr id="4" name="Foliennummernplatzhalter 3">
@@ -10537,9 +11691,1008 @@
           <a:p>
             <a:fld id="{08C366F5-AFAD-49CB-854A-9D9E238FCA13}" type="slidenum">
               <a:rPr lang="en-GB" smtClean="0"/>
-              <a:t>15</a:t>
+              <a:t>16</a:t>
             </a:fld>
             <a:endParaRPr lang="en-GB"/>
+          </a:p>
+        </p:txBody>
+      </p:sp>
+      <mc:AlternateContent xmlns:mc="http://schemas.openxmlformats.org/markup-compatibility/2006">
+        <mc:Choice xmlns:a14="http://schemas.microsoft.com/office/drawing/2010/main" Requires="a14">
+          <p:sp>
+            <p:nvSpPr>
+              <p:cNvPr id="5" name="Textfeld 4">
+                <a:extLst>
+                  <a:ext uri="{FF2B5EF4-FFF2-40B4-BE49-F238E27FC236}">
+                    <a16:creationId xmlns:a16="http://schemas.microsoft.com/office/drawing/2014/main" id="{3C524DCC-4A05-2DF6-7FAB-368DFC4A5E28}"/>
+                  </a:ext>
+                </a:extLst>
+              </p:cNvPr>
+              <p:cNvSpPr txBox="1"/>
+              <p:nvPr/>
+            </p:nvSpPr>
+            <p:spPr>
+              <a:xfrm>
+                <a:off x="5892373" y="4382357"/>
+                <a:ext cx="1792735" cy="523220"/>
+              </a:xfrm>
+              <a:prstGeom prst="rect">
+                <a:avLst/>
+              </a:prstGeom>
+              <a:noFill/>
+            </p:spPr>
+            <p:txBody>
+              <a:bodyPr wrap="none" rtlCol="0">
+                <a:spAutoFit/>
+              </a:bodyPr>
+              <a:lstStyle/>
+              <a:p>
+                <a14:m>
+                  <m:oMath xmlns:m="http://schemas.openxmlformats.org/officeDocument/2006/math">
+                    <m:r>
+                      <a:rPr lang="de-DE" sz="2800" i="1">
+                        <a:latin typeface="Cambria Math" panose="02040503050406030204" pitchFamily="18" charset="0"/>
+                      </a:rPr>
+                      <m:t>𝑚</m:t>
+                    </m:r>
+                  </m:oMath>
+                </a14:m>
+                <a:r>
+                  <a:rPr lang="de-DE" sz="2800" dirty="0"/>
+                  <a:t> </a:t>
+                </a:r>
+                <a:r>
+                  <a:rPr lang="de-DE" sz="2800" dirty="0" err="1"/>
+                  <a:t>zeros</a:t>
+                </a:r>
+                <a:r>
+                  <a:rPr lang="de-DE" sz="2800" dirty="0"/>
+                  <a:t> </a:t>
+                </a:r>
+                <a14:m>
+                  <m:oMath xmlns:m="http://schemas.openxmlformats.org/officeDocument/2006/math">
+                    <m:sSub>
+                      <m:sSubPr>
+                        <m:ctrlPr>
+                          <a:rPr lang="de-DE" sz="2800" i="1">
+                            <a:latin typeface="Cambria Math" panose="02040503050406030204" pitchFamily="18" charset="0"/>
+                          </a:rPr>
+                        </m:ctrlPr>
+                      </m:sSubPr>
+                      <m:e>
+                        <m:r>
+                          <a:rPr lang="de-DE" sz="2800" i="1">
+                            <a:latin typeface="Cambria Math" panose="02040503050406030204" pitchFamily="18" charset="0"/>
+                          </a:rPr>
+                          <m:t>𝑠</m:t>
+                        </m:r>
+                      </m:e>
+                      <m:sub>
+                        <m:r>
+                          <a:rPr lang="de-DE" sz="2800" i="1">
+                            <a:latin typeface="Cambria Math" panose="02040503050406030204" pitchFamily="18" charset="0"/>
+                          </a:rPr>
+                          <m:t>0</m:t>
+                        </m:r>
+                      </m:sub>
+                    </m:sSub>
+                  </m:oMath>
+                </a14:m>
+                <a:endParaRPr lang="de-DE" sz="2800" dirty="0"/>
+              </a:p>
+            </p:txBody>
+          </p:sp>
+        </mc:Choice>
+        <mc:Fallback>
+          <p:sp>
+            <p:nvSpPr>
+              <p:cNvPr id="5" name="Textfeld 4">
+                <a:extLst>
+                  <a:ext uri="{FF2B5EF4-FFF2-40B4-BE49-F238E27FC236}">
+                    <a16:creationId xmlns:a16="http://schemas.microsoft.com/office/drawing/2014/main" id="{3C524DCC-4A05-2DF6-7FAB-368DFC4A5E28}"/>
+                  </a:ext>
+                </a:extLst>
+              </p:cNvPr>
+              <p:cNvSpPr txBox="1">
+                <a:spLocks noRot="1" noChangeAspect="1" noMove="1" noResize="1" noEditPoints="1" noAdjustHandles="1" noChangeArrowheads="1" noChangeShapeType="1" noTextEdit="1"/>
+              </p:cNvSpPr>
+              <p:nvPr/>
+            </p:nvSpPr>
+            <p:spPr>
+              <a:xfrm>
+                <a:off x="5892373" y="4382357"/>
+                <a:ext cx="1792735" cy="523220"/>
+              </a:xfrm>
+              <a:prstGeom prst="rect">
+                <a:avLst/>
+              </a:prstGeom>
+              <a:blipFill>
+                <a:blip r:embed="rId3"/>
+                <a:stretch>
+                  <a:fillRect t="-14286" b="-30952"/>
+                </a:stretch>
+              </a:blipFill>
+            </p:spPr>
+            <p:txBody>
+              <a:bodyPr/>
+              <a:lstStyle/>
+              <a:p>
+                <a:r>
+                  <a:rPr lang="de-DE">
+                    <a:noFill/>
+                  </a:rPr>
+                  <a:t> </a:t>
+                </a:r>
+              </a:p>
+            </p:txBody>
+          </p:sp>
+        </mc:Fallback>
+      </mc:AlternateContent>
+      <mc:AlternateContent xmlns:mc="http://schemas.openxmlformats.org/markup-compatibility/2006">
+        <mc:Choice xmlns:a14="http://schemas.microsoft.com/office/drawing/2010/main" Requires="a14">
+          <p:sp>
+            <p:nvSpPr>
+              <p:cNvPr id="6" name="Textfeld 5">
+                <a:extLst>
+                  <a:ext uri="{FF2B5EF4-FFF2-40B4-BE49-F238E27FC236}">
+                    <a16:creationId xmlns:a16="http://schemas.microsoft.com/office/drawing/2014/main" id="{5FB51312-3789-7603-D6F3-A5689EC22FC0}"/>
+                  </a:ext>
+                </a:extLst>
+              </p:cNvPr>
+              <p:cNvSpPr txBox="1"/>
+              <p:nvPr/>
+            </p:nvSpPr>
+            <p:spPr>
+              <a:xfrm>
+                <a:off x="5892373" y="5330210"/>
+                <a:ext cx="1735219" cy="556434"/>
+              </a:xfrm>
+              <a:prstGeom prst="rect">
+                <a:avLst/>
+              </a:prstGeom>
+              <a:noFill/>
+            </p:spPr>
+            <p:txBody>
+              <a:bodyPr wrap="none" rtlCol="0">
+                <a:spAutoFit/>
+              </a:bodyPr>
+              <a:lstStyle/>
+              <a:p>
+                <a14:m>
+                  <m:oMath xmlns:m="http://schemas.openxmlformats.org/officeDocument/2006/math">
+                    <m:r>
+                      <a:rPr lang="de-DE" sz="2800" i="1">
+                        <a:latin typeface="Cambria Math" panose="02040503050406030204" pitchFamily="18" charset="0"/>
+                      </a:rPr>
+                      <m:t>𝑛</m:t>
+                    </m:r>
+                  </m:oMath>
+                </a14:m>
+                <a:r>
+                  <a:rPr lang="de-DE" sz="2800" dirty="0"/>
+                  <a:t> </a:t>
+                </a:r>
+                <a:r>
+                  <a:rPr lang="de-DE" sz="2800" dirty="0" err="1"/>
+                  <a:t>poles</a:t>
+                </a:r>
+                <a:r>
+                  <a:rPr lang="de-DE" sz="2800" dirty="0"/>
+                  <a:t> </a:t>
+                </a:r>
+                <a14:m>
+                  <m:oMath xmlns:m="http://schemas.openxmlformats.org/officeDocument/2006/math">
+                    <m:sSub>
+                      <m:sSubPr>
+                        <m:ctrlPr>
+                          <a:rPr lang="de-DE" sz="2800" i="1">
+                            <a:latin typeface="Cambria Math" panose="02040503050406030204" pitchFamily="18" charset="0"/>
+                          </a:rPr>
+                        </m:ctrlPr>
+                      </m:sSubPr>
+                      <m:e>
+                        <m:r>
+                          <a:rPr lang="de-DE" sz="2800" i="1">
+                            <a:latin typeface="Cambria Math" panose="02040503050406030204" pitchFamily="18" charset="0"/>
+                          </a:rPr>
+                          <m:t>𝑠</m:t>
+                        </m:r>
+                      </m:e>
+                      <m:sub>
+                        <m:r>
+                          <a:rPr lang="de-DE" sz="2800" b="0" i="1" smtClean="0">
+                            <a:latin typeface="Cambria Math" panose="02040503050406030204" pitchFamily="18" charset="0"/>
+                          </a:rPr>
+                          <m:t>𝑝</m:t>
+                        </m:r>
+                      </m:sub>
+                    </m:sSub>
+                  </m:oMath>
+                </a14:m>
+                <a:endParaRPr lang="de-DE" sz="2800" dirty="0"/>
+              </a:p>
+            </p:txBody>
+          </p:sp>
+        </mc:Choice>
+        <mc:Fallback>
+          <p:sp>
+            <p:nvSpPr>
+              <p:cNvPr id="6" name="Textfeld 5">
+                <a:extLst>
+                  <a:ext uri="{FF2B5EF4-FFF2-40B4-BE49-F238E27FC236}">
+                    <a16:creationId xmlns:a16="http://schemas.microsoft.com/office/drawing/2014/main" id="{5FB51312-3789-7603-D6F3-A5689EC22FC0}"/>
+                  </a:ext>
+                </a:extLst>
+              </p:cNvPr>
+              <p:cNvSpPr txBox="1">
+                <a:spLocks noRot="1" noChangeAspect="1" noMove="1" noResize="1" noEditPoints="1" noAdjustHandles="1" noChangeArrowheads="1" noChangeShapeType="1" noTextEdit="1"/>
+              </p:cNvSpPr>
+              <p:nvPr/>
+            </p:nvSpPr>
+            <p:spPr>
+              <a:xfrm>
+                <a:off x="5892373" y="5330210"/>
+                <a:ext cx="1735219" cy="556434"/>
+              </a:xfrm>
+              <a:prstGeom prst="rect">
+                <a:avLst/>
+              </a:prstGeom>
+              <a:blipFill>
+                <a:blip r:embed="rId4"/>
+                <a:stretch>
+                  <a:fillRect t="-8889" b="-26667"/>
+                </a:stretch>
+              </a:blipFill>
+            </p:spPr>
+            <p:txBody>
+              <a:bodyPr/>
+              <a:lstStyle/>
+              <a:p>
+                <a:r>
+                  <a:rPr lang="de-DE">
+                    <a:noFill/>
+                  </a:rPr>
+                  <a:t> </a:t>
+                </a:r>
+              </a:p>
+            </p:txBody>
+          </p:sp>
+        </mc:Fallback>
+      </mc:AlternateContent>
+      <p:cxnSp>
+        <p:nvCxnSpPr>
+          <p:cNvPr id="8" name="Gerade Verbindung mit Pfeil 7">
+            <a:extLst>
+              <a:ext uri="{FF2B5EF4-FFF2-40B4-BE49-F238E27FC236}">
+                <a16:creationId xmlns:a16="http://schemas.microsoft.com/office/drawing/2014/main" id="{C9808AD5-7B95-DF7C-8A21-F1067736C967}"/>
+              </a:ext>
+            </a:extLst>
+          </p:cNvPr>
+          <p:cNvCxnSpPr>
+            <a:cxnSpLocks/>
+            <a:stCxn id="5" idx="1"/>
+          </p:cNvCxnSpPr>
+          <p:nvPr/>
+        </p:nvCxnSpPr>
+        <p:spPr>
+          <a:xfrm flipH="1">
+            <a:off x="4270248" y="4643967"/>
+            <a:ext cx="1622125" cy="348657"/>
+          </a:xfrm>
+          <a:prstGeom prst="straightConnector1">
+            <a:avLst/>
+          </a:prstGeom>
+          <a:ln>
+            <a:tailEnd type="triangle"/>
+          </a:ln>
+        </p:spPr>
+        <p:style>
+          <a:lnRef idx="2">
+            <a:schemeClr val="accent1"/>
+          </a:lnRef>
+          <a:fillRef idx="0">
+            <a:schemeClr val="accent1"/>
+          </a:fillRef>
+          <a:effectRef idx="1">
+            <a:schemeClr val="accent1"/>
+          </a:effectRef>
+          <a:fontRef idx="minor">
+            <a:schemeClr val="tx1"/>
+          </a:fontRef>
+        </p:style>
+      </p:cxnSp>
+      <p:cxnSp>
+        <p:nvCxnSpPr>
+          <p:cNvPr id="10" name="Gerade Verbindung mit Pfeil 9">
+            <a:extLst>
+              <a:ext uri="{FF2B5EF4-FFF2-40B4-BE49-F238E27FC236}">
+                <a16:creationId xmlns:a16="http://schemas.microsoft.com/office/drawing/2014/main" id="{1E7EC522-CE07-C335-C674-FF6647DCCCB3}"/>
+              </a:ext>
+            </a:extLst>
+          </p:cNvPr>
+          <p:cNvCxnSpPr>
+            <a:cxnSpLocks/>
+          </p:cNvCxnSpPr>
+          <p:nvPr/>
+        </p:nvCxnSpPr>
+        <p:spPr>
+          <a:xfrm flipH="1" flipV="1">
+            <a:off x="4270248" y="5394960"/>
+            <a:ext cx="1622125" cy="196860"/>
+          </a:xfrm>
+          <a:prstGeom prst="straightConnector1">
+            <a:avLst/>
+          </a:prstGeom>
+          <a:ln>
+            <a:tailEnd type="triangle"/>
+          </a:ln>
+        </p:spPr>
+        <p:style>
+          <a:lnRef idx="2">
+            <a:schemeClr val="accent1"/>
+          </a:lnRef>
+          <a:fillRef idx="0">
+            <a:schemeClr val="accent1"/>
+          </a:fillRef>
+          <a:effectRef idx="1">
+            <a:schemeClr val="accent1"/>
+          </a:effectRef>
+          <a:fontRef idx="minor">
+            <a:schemeClr val="tx1"/>
+          </a:fontRef>
+        </p:style>
+      </p:cxnSp>
+      <mc:AlternateContent xmlns:mc="http://schemas.openxmlformats.org/markup-compatibility/2006">
+        <mc:Choice xmlns:a14="http://schemas.microsoft.com/office/drawing/2010/main" Requires="a14">
+          <p:sp>
+            <p:nvSpPr>
+              <p:cNvPr id="11" name="Textfeld 10">
+                <a:extLst>
+                  <a:ext uri="{FF2B5EF4-FFF2-40B4-BE49-F238E27FC236}">
+                    <a16:creationId xmlns:a16="http://schemas.microsoft.com/office/drawing/2014/main" id="{0A24B6BD-9064-2C10-584D-40EE55520987}"/>
+                  </a:ext>
+                </a:extLst>
+              </p:cNvPr>
+              <p:cNvSpPr txBox="1"/>
+              <p:nvPr/>
+            </p:nvSpPr>
+            <p:spPr>
+              <a:xfrm>
+                <a:off x="6399499" y="2483199"/>
+                <a:ext cx="3342069" cy="646331"/>
+              </a:xfrm>
+              <a:prstGeom prst="rect">
+                <a:avLst/>
+              </a:prstGeom>
+              <a:noFill/>
+            </p:spPr>
+            <p:txBody>
+              <a:bodyPr wrap="none" rtlCol="0">
+                <a:spAutoFit/>
+              </a:bodyPr>
+              <a:lstStyle/>
+              <a:p>
+                <a:r>
+                  <a:rPr lang="de-DE" dirty="0"/>
+                  <a:t>Numerator </a:t>
+                </a:r>
+                <a:r>
+                  <a:rPr lang="de-DE" dirty="0" err="1"/>
+                  <a:t>from</a:t>
+                </a:r>
+                <a:r>
+                  <a:rPr lang="de-DE" dirty="0"/>
+                  <a:t> </a:t>
+                </a:r>
+                <a14:m>
+                  <m:oMath xmlns:m="http://schemas.openxmlformats.org/officeDocument/2006/math">
+                    <m:r>
+                      <a:rPr lang="de-DE" i="1">
+                        <a:latin typeface="Cambria Math" panose="02040503050406030204" pitchFamily="18" charset="0"/>
+                        <a:ea typeface="Cambria Math" panose="02040503050406030204" pitchFamily="18" charset="0"/>
+                      </a:rPr>
+                      <m:t>𝑢</m:t>
+                    </m:r>
+                    <m:d>
+                      <m:dPr>
+                        <m:ctrlPr>
+                          <a:rPr lang="de-DE" i="1">
+                            <a:latin typeface="Cambria Math" panose="02040503050406030204" pitchFamily="18" charset="0"/>
+                            <a:ea typeface="Cambria Math" panose="02040503050406030204" pitchFamily="18" charset="0"/>
+                          </a:rPr>
+                        </m:ctrlPr>
+                      </m:dPr>
+                      <m:e>
+                        <m:r>
+                          <a:rPr lang="de-DE" i="1">
+                            <a:latin typeface="Cambria Math" panose="02040503050406030204" pitchFamily="18" charset="0"/>
+                            <a:ea typeface="Cambria Math" panose="02040503050406030204" pitchFamily="18" charset="0"/>
+                          </a:rPr>
+                          <m:t>𝑡</m:t>
+                        </m:r>
+                      </m:e>
+                    </m:d>
+                  </m:oMath>
+                </a14:m>
+                <a:endParaRPr lang="de-DE" dirty="0">
+                  <a:ea typeface="Cambria Math" panose="02040503050406030204" pitchFamily="18" charset="0"/>
+                </a:endParaRPr>
+              </a:p>
+              <a:p>
+                <a:r>
+                  <a:rPr lang="de-DE" dirty="0"/>
+                  <a:t>In </a:t>
+                </a:r>
+                <a:r>
+                  <a:rPr lang="de-DE" dirty="0" err="1"/>
+                  <a:t>general</a:t>
+                </a:r>
+                <a:r>
+                  <a:rPr lang="de-DE" dirty="0"/>
+                  <a:t>, also time-</a:t>
+                </a:r>
+                <a:r>
+                  <a:rPr lang="de-DE" dirty="0" err="1"/>
+                  <a:t>dependent</a:t>
+                </a:r>
+                <a:endParaRPr lang="de-DE" dirty="0"/>
+              </a:p>
+            </p:txBody>
+          </p:sp>
+        </mc:Choice>
+        <mc:Fallback>
+          <p:sp>
+            <p:nvSpPr>
+              <p:cNvPr id="11" name="Textfeld 10">
+                <a:extLst>
+                  <a:ext uri="{FF2B5EF4-FFF2-40B4-BE49-F238E27FC236}">
+                    <a16:creationId xmlns:a16="http://schemas.microsoft.com/office/drawing/2014/main" id="{0A24B6BD-9064-2C10-584D-40EE55520987}"/>
+                  </a:ext>
+                </a:extLst>
+              </p:cNvPr>
+              <p:cNvSpPr txBox="1">
+                <a:spLocks noRot="1" noChangeAspect="1" noMove="1" noResize="1" noEditPoints="1" noAdjustHandles="1" noChangeArrowheads="1" noChangeShapeType="1" noTextEdit="1"/>
+              </p:cNvSpPr>
+              <p:nvPr/>
+            </p:nvSpPr>
+            <p:spPr>
+              <a:xfrm>
+                <a:off x="6399499" y="2483199"/>
+                <a:ext cx="3342069" cy="646331"/>
+              </a:xfrm>
+              <a:prstGeom prst="rect">
+                <a:avLst/>
+              </a:prstGeom>
+              <a:blipFill>
+                <a:blip r:embed="rId5"/>
+                <a:stretch>
+                  <a:fillRect l="-1894" t="-3846" r="-379" b="-13462"/>
+                </a:stretch>
+              </a:blipFill>
+            </p:spPr>
+            <p:txBody>
+              <a:bodyPr/>
+              <a:lstStyle/>
+              <a:p>
+                <a:r>
+                  <a:rPr lang="de-DE">
+                    <a:noFill/>
+                  </a:rPr>
+                  <a:t> </a:t>
+                </a:r>
+              </a:p>
+            </p:txBody>
+          </p:sp>
+        </mc:Fallback>
+      </mc:AlternateContent>
+      <p:cxnSp>
+        <p:nvCxnSpPr>
+          <p:cNvPr id="13" name="Gerade Verbindung mit Pfeil 12">
+            <a:extLst>
+              <a:ext uri="{FF2B5EF4-FFF2-40B4-BE49-F238E27FC236}">
+                <a16:creationId xmlns:a16="http://schemas.microsoft.com/office/drawing/2014/main" id="{BFA35AC8-6DFE-7D78-25F3-032E358E4CDE}"/>
+              </a:ext>
+            </a:extLst>
+          </p:cNvPr>
+          <p:cNvCxnSpPr>
+            <a:cxnSpLocks/>
+          </p:cNvCxnSpPr>
+          <p:nvPr/>
+        </p:nvCxnSpPr>
+        <p:spPr>
+          <a:xfrm flipH="1">
+            <a:off x="4828032" y="2651760"/>
+            <a:ext cx="1490472" cy="501333"/>
+          </a:xfrm>
+          <a:prstGeom prst="straightConnector1">
+            <a:avLst/>
+          </a:prstGeom>
+          <a:ln>
+            <a:tailEnd type="triangle"/>
+          </a:ln>
+        </p:spPr>
+        <p:style>
+          <a:lnRef idx="2">
+            <a:schemeClr val="accent1"/>
+          </a:lnRef>
+          <a:fillRef idx="0">
+            <a:schemeClr val="accent1"/>
+          </a:fillRef>
+          <a:effectRef idx="1">
+            <a:schemeClr val="accent1"/>
+          </a:effectRef>
+          <a:fontRef idx="minor">
+            <a:schemeClr val="tx1"/>
+          </a:fontRef>
+        </p:style>
+      </p:cxnSp>
+      <mc:AlternateContent xmlns:mc="http://schemas.openxmlformats.org/markup-compatibility/2006">
+        <mc:Choice xmlns:a14="http://schemas.microsoft.com/office/drawing/2010/main" Requires="a14">
+          <p:sp>
+            <p:nvSpPr>
+              <p:cNvPr id="17" name="Textfeld 16">
+                <a:extLst>
+                  <a:ext uri="{FF2B5EF4-FFF2-40B4-BE49-F238E27FC236}">
+                    <a16:creationId xmlns:a16="http://schemas.microsoft.com/office/drawing/2014/main" id="{0007549E-73E3-87CB-1FFB-C3A6797BD7AC}"/>
+                  </a:ext>
+                </a:extLst>
+              </p:cNvPr>
+              <p:cNvSpPr txBox="1"/>
+              <p:nvPr/>
+            </p:nvSpPr>
+            <p:spPr>
+              <a:xfrm>
+                <a:off x="6413509" y="3571277"/>
+                <a:ext cx="3328059" cy="369332"/>
+              </a:xfrm>
+              <a:prstGeom prst="rect">
+                <a:avLst/>
+              </a:prstGeom>
+              <a:noFill/>
+            </p:spPr>
+            <p:txBody>
+              <a:bodyPr wrap="square">
+                <a:spAutoFit/>
+              </a:bodyPr>
+              <a:lstStyle/>
+              <a:p>
+                <a:r>
+                  <a:rPr lang="de-DE" dirty="0"/>
+                  <a:t>Denominator </a:t>
+                </a:r>
+                <a:r>
+                  <a:rPr lang="de-DE" dirty="0" err="1"/>
+                  <a:t>from</a:t>
+                </a:r>
+                <a:r>
+                  <a:rPr lang="de-DE" dirty="0"/>
+                  <a:t> </a:t>
+                </a:r>
+                <a14:m>
+                  <m:oMath xmlns:m="http://schemas.openxmlformats.org/officeDocument/2006/math">
+                    <m:r>
+                      <a:rPr lang="de-DE" b="0" i="1" smtClean="0">
+                        <a:latin typeface="Cambria Math" panose="02040503050406030204" pitchFamily="18" charset="0"/>
+                        <a:ea typeface="Cambria Math" panose="02040503050406030204" pitchFamily="18" charset="0"/>
+                      </a:rPr>
+                      <m:t>𝑦</m:t>
+                    </m:r>
+                    <m:d>
+                      <m:dPr>
+                        <m:ctrlPr>
+                          <a:rPr lang="de-DE" i="1">
+                            <a:latin typeface="Cambria Math" panose="02040503050406030204" pitchFamily="18" charset="0"/>
+                            <a:ea typeface="Cambria Math" panose="02040503050406030204" pitchFamily="18" charset="0"/>
+                          </a:rPr>
+                        </m:ctrlPr>
+                      </m:dPr>
+                      <m:e>
+                        <m:r>
+                          <a:rPr lang="de-DE" i="1">
+                            <a:latin typeface="Cambria Math" panose="02040503050406030204" pitchFamily="18" charset="0"/>
+                            <a:ea typeface="Cambria Math" panose="02040503050406030204" pitchFamily="18" charset="0"/>
+                          </a:rPr>
+                          <m:t>𝑡</m:t>
+                        </m:r>
+                      </m:e>
+                    </m:d>
+                  </m:oMath>
+                </a14:m>
+                <a:endParaRPr lang="de-DE" dirty="0">
+                  <a:ea typeface="Cambria Math" panose="02040503050406030204" pitchFamily="18" charset="0"/>
+                </a:endParaRPr>
+              </a:p>
+            </p:txBody>
+          </p:sp>
+        </mc:Choice>
+        <mc:Fallback>
+          <p:sp>
+            <p:nvSpPr>
+              <p:cNvPr id="17" name="Textfeld 16">
+                <a:extLst>
+                  <a:ext uri="{FF2B5EF4-FFF2-40B4-BE49-F238E27FC236}">
+                    <a16:creationId xmlns:a16="http://schemas.microsoft.com/office/drawing/2014/main" id="{0007549E-73E3-87CB-1FFB-C3A6797BD7AC}"/>
+                  </a:ext>
+                </a:extLst>
+              </p:cNvPr>
+              <p:cNvSpPr txBox="1">
+                <a:spLocks noRot="1" noChangeAspect="1" noMove="1" noResize="1" noEditPoints="1" noAdjustHandles="1" noChangeArrowheads="1" noChangeShapeType="1" noTextEdit="1"/>
+              </p:cNvSpPr>
+              <p:nvPr/>
+            </p:nvSpPr>
+            <p:spPr>
+              <a:xfrm>
+                <a:off x="6413509" y="3571277"/>
+                <a:ext cx="3328059" cy="369332"/>
+              </a:xfrm>
+              <a:prstGeom prst="rect">
+                <a:avLst/>
+              </a:prstGeom>
+              <a:blipFill>
+                <a:blip r:embed="rId6"/>
+                <a:stretch>
+                  <a:fillRect l="-1136" t="-10000" b="-26667"/>
+                </a:stretch>
+              </a:blipFill>
+            </p:spPr>
+            <p:txBody>
+              <a:bodyPr/>
+              <a:lstStyle/>
+              <a:p>
+                <a:r>
+                  <a:rPr lang="de-DE">
+                    <a:noFill/>
+                  </a:rPr>
+                  <a:t> </a:t>
+                </a:r>
+              </a:p>
+            </p:txBody>
+          </p:sp>
+        </mc:Fallback>
+      </mc:AlternateContent>
+      <p:cxnSp>
+        <p:nvCxnSpPr>
+          <p:cNvPr id="19" name="Gerade Verbindung mit Pfeil 18">
+            <a:extLst>
+              <a:ext uri="{FF2B5EF4-FFF2-40B4-BE49-F238E27FC236}">
+                <a16:creationId xmlns:a16="http://schemas.microsoft.com/office/drawing/2014/main" id="{B70D907F-98BE-B745-4EF4-F0622F63A468}"/>
+              </a:ext>
+            </a:extLst>
+          </p:cNvPr>
+          <p:cNvCxnSpPr>
+            <a:stCxn id="17" idx="1"/>
+          </p:cNvCxnSpPr>
+          <p:nvPr/>
+        </p:nvCxnSpPr>
+        <p:spPr>
+          <a:xfrm flipH="1" flipV="1">
+            <a:off x="4828032" y="3571277"/>
+            <a:ext cx="1585477" cy="184666"/>
+          </a:xfrm>
+          <a:prstGeom prst="straightConnector1">
+            <a:avLst/>
+          </a:prstGeom>
+          <a:ln>
+            <a:tailEnd type="triangle"/>
+          </a:ln>
+        </p:spPr>
+        <p:style>
+          <a:lnRef idx="2">
+            <a:schemeClr val="accent1"/>
+          </a:lnRef>
+          <a:fillRef idx="0">
+            <a:schemeClr val="accent1"/>
+          </a:fillRef>
+          <a:effectRef idx="1">
+            <a:schemeClr val="accent1"/>
+          </a:effectRef>
+          <a:fontRef idx="minor">
+            <a:schemeClr val="tx1"/>
+          </a:fontRef>
+        </p:style>
+      </p:cxnSp>
+      <mc:AlternateContent xmlns:mc="http://schemas.openxmlformats.org/markup-compatibility/2006">
+        <mc:Choice xmlns:a14="http://schemas.microsoft.com/office/drawing/2010/main" Requires="a14">
+          <p:sp>
+            <p:nvSpPr>
+              <p:cNvPr id="20" name="Textfeld 19">
+                <a:extLst>
+                  <a:ext uri="{FF2B5EF4-FFF2-40B4-BE49-F238E27FC236}">
+                    <a16:creationId xmlns:a16="http://schemas.microsoft.com/office/drawing/2014/main" id="{65A79E76-329C-A57C-F1F0-E606A9E7854A}"/>
+                  </a:ext>
+                </a:extLst>
+              </p:cNvPr>
+              <p:cNvSpPr txBox="1"/>
+              <p:nvPr/>
+            </p:nvSpPr>
+            <p:spPr>
+              <a:xfrm>
+                <a:off x="2212567" y="5749631"/>
+                <a:ext cx="768479" cy="572721"/>
+              </a:xfrm>
+              <a:prstGeom prst="rect">
+                <a:avLst/>
+              </a:prstGeom>
+              <a:noFill/>
+            </p:spPr>
+            <p:txBody>
+              <a:bodyPr wrap="none" lIns="0" tIns="0" rIns="0" bIns="0" rtlCol="0">
+                <a:spAutoFit/>
+              </a:bodyPr>
+              <a:lstStyle/>
+              <a:p>
+                <a14:m>
+                  <m:oMathPara xmlns:m="http://schemas.openxmlformats.org/officeDocument/2006/math">
+                    <m:oMathParaPr>
+                      <m:jc m:val="centerGroup"/>
+                    </m:oMathParaPr>
+                    <m:oMath xmlns:m="http://schemas.openxmlformats.org/officeDocument/2006/math">
+                      <m:r>
+                        <a:rPr lang="de-DE" b="0" i="1" smtClean="0">
+                          <a:latin typeface="Cambria Math" panose="02040503050406030204" pitchFamily="18" charset="0"/>
+                        </a:rPr>
+                        <m:t>𝑘</m:t>
+                      </m:r>
+                      <m:r>
+                        <a:rPr lang="de-DE" b="0" i="1" smtClean="0">
+                          <a:latin typeface="Cambria Math" panose="02040503050406030204" pitchFamily="18" charset="0"/>
+                        </a:rPr>
+                        <m:t>=</m:t>
+                      </m:r>
+                      <m:f>
+                        <m:fPr>
+                          <m:ctrlPr>
+                            <a:rPr lang="de-DE" i="1" smtClean="0">
+                              <a:latin typeface="Cambria Math" panose="02040503050406030204" pitchFamily="18" charset="0"/>
+                            </a:rPr>
+                          </m:ctrlPr>
+                        </m:fPr>
+                        <m:num>
+                          <m:sSub>
+                            <m:sSubPr>
+                              <m:ctrlPr>
+                                <a:rPr lang="de-DE" i="1" smtClean="0">
+                                  <a:latin typeface="Cambria Math" panose="02040503050406030204" pitchFamily="18" charset="0"/>
+                                </a:rPr>
+                              </m:ctrlPr>
+                            </m:sSubPr>
+                            <m:e>
+                              <m:r>
+                                <a:rPr lang="de-DE" b="0" i="1" smtClean="0">
+                                  <a:latin typeface="Cambria Math" panose="02040503050406030204" pitchFamily="18" charset="0"/>
+                                </a:rPr>
+                                <m:t>𝑏</m:t>
+                              </m:r>
+                            </m:e>
+                            <m:sub>
+                              <m:r>
+                                <a:rPr lang="de-DE" b="0" i="1" smtClean="0">
+                                  <a:latin typeface="Cambria Math" panose="02040503050406030204" pitchFamily="18" charset="0"/>
+                                </a:rPr>
+                                <m:t>𝑚</m:t>
+                              </m:r>
+                            </m:sub>
+                          </m:sSub>
+                        </m:num>
+                        <m:den>
+                          <m:sSub>
+                            <m:sSubPr>
+                              <m:ctrlPr>
+                                <a:rPr lang="de-DE" i="1" smtClean="0">
+                                  <a:latin typeface="Cambria Math" panose="02040503050406030204" pitchFamily="18" charset="0"/>
+                                </a:rPr>
+                              </m:ctrlPr>
+                            </m:sSubPr>
+                            <m:e>
+                              <m:r>
+                                <a:rPr lang="de-DE" b="0" i="1" smtClean="0">
+                                  <a:latin typeface="Cambria Math" panose="02040503050406030204" pitchFamily="18" charset="0"/>
+                                </a:rPr>
+                                <m:t>𝑎</m:t>
+                              </m:r>
+                            </m:e>
+                            <m:sub>
+                              <m:r>
+                                <a:rPr lang="de-DE" b="0" i="1" smtClean="0">
+                                  <a:latin typeface="Cambria Math" panose="02040503050406030204" pitchFamily="18" charset="0"/>
+                                </a:rPr>
+                                <m:t>𝑛</m:t>
+                              </m:r>
+                            </m:sub>
+                          </m:sSub>
+                        </m:den>
+                      </m:f>
+                    </m:oMath>
+                  </m:oMathPara>
+                </a14:m>
+                <a:endParaRPr lang="de-DE" dirty="0"/>
+              </a:p>
+            </p:txBody>
+          </p:sp>
+        </mc:Choice>
+        <mc:Fallback>
+          <p:sp>
+            <p:nvSpPr>
+              <p:cNvPr id="20" name="Textfeld 19">
+                <a:extLst>
+                  <a:ext uri="{FF2B5EF4-FFF2-40B4-BE49-F238E27FC236}">
+                    <a16:creationId xmlns:a16="http://schemas.microsoft.com/office/drawing/2014/main" id="{65A79E76-329C-A57C-F1F0-E606A9E7854A}"/>
+                  </a:ext>
+                </a:extLst>
+              </p:cNvPr>
+              <p:cNvSpPr txBox="1">
+                <a:spLocks noRot="1" noChangeAspect="1" noMove="1" noResize="1" noEditPoints="1" noAdjustHandles="1" noChangeArrowheads="1" noChangeShapeType="1" noTextEdit="1"/>
+              </p:cNvSpPr>
+              <p:nvPr/>
+            </p:nvSpPr>
+            <p:spPr>
+              <a:xfrm>
+                <a:off x="2212567" y="5749631"/>
+                <a:ext cx="768479" cy="572721"/>
+              </a:xfrm>
+              <a:prstGeom prst="rect">
+                <a:avLst/>
+              </a:prstGeom>
+              <a:blipFill>
+                <a:blip r:embed="rId7"/>
+                <a:stretch>
+                  <a:fillRect l="-8197" t="-2174" r="-1639" b="-6522"/>
+                </a:stretch>
+              </a:blipFill>
+            </p:spPr>
+            <p:txBody>
+              <a:bodyPr/>
+              <a:lstStyle/>
+              <a:p>
+                <a:r>
+                  <a:rPr lang="de-DE">
+                    <a:noFill/>
+                  </a:rPr>
+                  <a:t> </a:t>
+                </a:r>
+              </a:p>
+            </p:txBody>
+          </p:sp>
+        </mc:Fallback>
+      </mc:AlternateContent>
+      <p:cxnSp>
+        <p:nvCxnSpPr>
+          <p:cNvPr id="22" name="Gerade Verbindung mit Pfeil 21">
+            <a:extLst>
+              <a:ext uri="{FF2B5EF4-FFF2-40B4-BE49-F238E27FC236}">
+                <a16:creationId xmlns:a16="http://schemas.microsoft.com/office/drawing/2014/main" id="{BE89A852-5C2C-AFAE-3C9A-7227CE29D482}"/>
+              </a:ext>
+            </a:extLst>
+          </p:cNvPr>
+          <p:cNvCxnSpPr/>
+          <p:nvPr/>
+        </p:nvCxnSpPr>
+        <p:spPr>
+          <a:xfrm flipV="1">
+            <a:off x="2514600" y="5330210"/>
+            <a:ext cx="73152" cy="523220"/>
+          </a:xfrm>
+          <a:prstGeom prst="straightConnector1">
+            <a:avLst/>
+          </a:prstGeom>
+          <a:ln>
+            <a:tailEnd type="triangle"/>
+          </a:ln>
+        </p:spPr>
+        <p:style>
+          <a:lnRef idx="2">
+            <a:schemeClr val="accent1"/>
+          </a:lnRef>
+          <a:fillRef idx="0">
+            <a:schemeClr val="accent1"/>
+          </a:fillRef>
+          <a:effectRef idx="1">
+            <a:schemeClr val="accent1"/>
+          </a:effectRef>
+          <a:fontRef idx="minor">
+            <a:schemeClr val="tx1"/>
+          </a:fontRef>
+        </p:style>
+      </p:cxnSp>
+      <p:sp>
+        <p:nvSpPr>
+          <p:cNvPr id="26" name="Pfeil nach unten 25">
+            <a:extLst>
+              <a:ext uri="{FF2B5EF4-FFF2-40B4-BE49-F238E27FC236}">
+                <a16:creationId xmlns:a16="http://schemas.microsoft.com/office/drawing/2014/main" id="{07119AE8-4867-2072-86D0-2F22E8B120B3}"/>
+              </a:ext>
+            </a:extLst>
+          </p:cNvPr>
+          <p:cNvSpPr/>
+          <p:nvPr/>
+        </p:nvSpPr>
+        <p:spPr>
+          <a:xfrm>
+            <a:off x="3205267" y="4004617"/>
+            <a:ext cx="320040" cy="530807"/>
+          </a:xfrm>
+          <a:prstGeom prst="downArrow">
+            <a:avLst/>
+          </a:prstGeom>
+        </p:spPr>
+        <p:style>
+          <a:lnRef idx="2">
+            <a:schemeClr val="accent1">
+              <a:shade val="15000"/>
+            </a:schemeClr>
+          </a:lnRef>
+          <a:fillRef idx="1">
+            <a:schemeClr val="accent1"/>
+          </a:fillRef>
+          <a:effectRef idx="0">
+            <a:schemeClr val="accent1"/>
+          </a:effectRef>
+          <a:fontRef idx="minor">
+            <a:schemeClr val="lt1"/>
+          </a:fontRef>
+        </p:style>
+        <p:txBody>
+          <a:bodyPr rtlCol="0" anchor="ctr"/>
+          <a:lstStyle/>
+          <a:p>
+            <a:pPr algn="ctr"/>
+            <a:endParaRPr lang="de-DE"/>
+          </a:p>
+        </p:txBody>
+      </p:sp>
+      <p:sp>
+        <p:nvSpPr>
+          <p:cNvPr id="27" name="Textfeld 26">
+            <a:extLst>
+              <a:ext uri="{FF2B5EF4-FFF2-40B4-BE49-F238E27FC236}">
+                <a16:creationId xmlns:a16="http://schemas.microsoft.com/office/drawing/2014/main" id="{E383E774-549A-E483-8278-4F4E3B0384CE}"/>
+              </a:ext>
+            </a:extLst>
+          </p:cNvPr>
+          <p:cNvSpPr txBox="1"/>
+          <p:nvPr/>
+        </p:nvSpPr>
+        <p:spPr>
+          <a:xfrm>
+            <a:off x="838200" y="3889093"/>
+            <a:ext cx="2404974" cy="646331"/>
+          </a:xfrm>
+          <a:prstGeom prst="rect">
+            <a:avLst/>
+          </a:prstGeom>
+          <a:noFill/>
+        </p:spPr>
+        <p:txBody>
+          <a:bodyPr wrap="square" rtlCol="0">
+            <a:spAutoFit/>
+          </a:bodyPr>
+          <a:lstStyle/>
+          <a:p>
+            <a:r>
+              <a:rPr lang="de-DE" dirty="0"/>
+              <a:t>fundamental </a:t>
+            </a:r>
+            <a:r>
+              <a:rPr lang="de-DE" dirty="0" err="1"/>
+              <a:t>theorem</a:t>
+            </a:r>
+            <a:r>
+              <a:rPr lang="de-DE" dirty="0"/>
+              <a:t> </a:t>
+            </a:r>
+            <a:r>
+              <a:rPr lang="de-DE" dirty="0" err="1"/>
+              <a:t>of</a:t>
+            </a:r>
+            <a:r>
+              <a:rPr lang="de-DE" dirty="0"/>
+              <a:t> </a:t>
+            </a:r>
+            <a:r>
+              <a:rPr lang="de-DE" dirty="0" err="1"/>
+              <a:t>algebra</a:t>
+            </a:r>
+            <a:endParaRPr lang="de-DE" dirty="0"/>
           </a:p>
         </p:txBody>
       </p:sp>
@@ -10556,7 +12709,7 @@
 </p:sld>
 </file>
 
-<file path=ppt/slides/slide16.xml><?xml version="1.0" encoding="utf-8"?>
+<file path=ppt/slides/slide17.xml><?xml version="1.0" encoding="utf-8"?>
 <p:sld xmlns:a="http://schemas.openxmlformats.org/drawingml/2006/main" xmlns:r="http://schemas.openxmlformats.org/officeDocument/2006/relationships" xmlns:p="http://schemas.openxmlformats.org/presentationml/2006/main">
   <p:cSld>
     <p:spTree>
@@ -10700,7 +12853,7 @@
           <a:p>
             <a:fld id="{08C366F5-AFAD-49CB-854A-9D9E238FCA13}" type="slidenum">
               <a:rPr lang="en-GB" smtClean="0"/>
-              <a:t>16</a:t>
+              <a:t>17</a:t>
             </a:fld>
             <a:endParaRPr lang="en-GB"/>
           </a:p>
@@ -10719,7 +12872,7 @@
 </p:sld>
 </file>
 
-<file path=ppt/slides/slide17.xml><?xml version="1.0" encoding="utf-8"?>
+<file path=ppt/slides/slide18.xml><?xml version="1.0" encoding="utf-8"?>
 <p:sld xmlns:a="http://schemas.openxmlformats.org/drawingml/2006/main" xmlns:r="http://schemas.openxmlformats.org/officeDocument/2006/relationships" xmlns:p="http://schemas.openxmlformats.org/presentationml/2006/main">
   <p:cSld>
     <p:spTree>
@@ -10883,7 +13036,7 @@
           <a:p>
             <a:fld id="{08C366F5-AFAD-49CB-854A-9D9E238FCA13}" type="slidenum">
               <a:rPr lang="en-GB" smtClean="0"/>
-              <a:t>17</a:t>
+              <a:t>18</a:t>
             </a:fld>
             <a:endParaRPr lang="en-GB"/>
           </a:p>
@@ -10902,7 +13055,7 @@
 </p:sld>
 </file>
 
-<file path=ppt/slides/slide18.xml><?xml version="1.0" encoding="utf-8"?>
+<file path=ppt/slides/slide19.xml><?xml version="1.0" encoding="utf-8"?>
 <p:sld xmlns:a="http://schemas.openxmlformats.org/drawingml/2006/main" xmlns:r="http://schemas.openxmlformats.org/officeDocument/2006/relationships" xmlns:p="http://schemas.openxmlformats.org/presentationml/2006/main">
   <p:cSld>
     <p:spTree>
@@ -11085,7 +13238,7 @@
           <a:p>
             <a:fld id="{08C366F5-AFAD-49CB-854A-9D9E238FCA13}" type="slidenum">
               <a:rPr lang="en-GB" smtClean="0"/>
-              <a:t>18</a:t>
+              <a:t>19</a:t>
             </a:fld>
             <a:endParaRPr lang="en-GB"/>
           </a:p>
@@ -11095,213 +13248,6 @@
     <p:extLst>
       <p:ext uri="{BB962C8B-B14F-4D97-AF65-F5344CB8AC3E}">
         <p14:creationId xmlns:p14="http://schemas.microsoft.com/office/powerpoint/2010/main" val="2512778299"/>
-      </p:ext>
-    </p:extLst>
-  </p:cSld>
-  <p:clrMapOvr>
-    <a:masterClrMapping/>
-  </p:clrMapOvr>
-</p:sld>
-</file>
-
-<file path=ppt/slides/slide19.xml><?xml version="1.0" encoding="utf-8"?>
-<p:sld xmlns:a="http://schemas.openxmlformats.org/drawingml/2006/main" xmlns:r="http://schemas.openxmlformats.org/officeDocument/2006/relationships" xmlns:p="http://schemas.openxmlformats.org/presentationml/2006/main">
-  <p:cSld>
-    <p:spTree>
-      <p:nvGrpSpPr>
-        <p:cNvPr id="1" name=""/>
-        <p:cNvGrpSpPr/>
-        <p:nvPr/>
-      </p:nvGrpSpPr>
-      <p:grpSpPr>
-        <a:xfrm>
-          <a:off x="0" y="0"/>
-          <a:ext cx="0" cy="0"/>
-          <a:chOff x="0" y="0"/>
-          <a:chExt cx="0" cy="0"/>
-        </a:xfrm>
-      </p:grpSpPr>
-      <p:sp>
-        <p:nvSpPr>
-          <p:cNvPr id="2" name="Titel 1">
-            <a:extLst>
-              <a:ext uri="{FF2B5EF4-FFF2-40B4-BE49-F238E27FC236}">
-                <a16:creationId xmlns:a16="http://schemas.microsoft.com/office/drawing/2014/main" id="{8377BFFA-EEF3-DEE2-E225-4573FB292E1D}"/>
-              </a:ext>
-            </a:extLst>
-          </p:cNvPr>
-          <p:cNvSpPr>
-            <a:spLocks noGrp="1"/>
-          </p:cNvSpPr>
-          <p:nvPr>
-            <p:ph type="title"/>
-          </p:nvPr>
-        </p:nvSpPr>
-        <p:spPr/>
-        <p:txBody>
-          <a:bodyPr/>
-          <a:lstStyle/>
-          <a:p>
-            <a:r>
-              <a:rPr lang="de-DE" dirty="0" err="1"/>
-              <a:t>Bandwidth</a:t>
-            </a:r>
-            <a:endParaRPr lang="de-DE" dirty="0"/>
-          </a:p>
-        </p:txBody>
-      </p:sp>
-      <p:sp>
-        <p:nvSpPr>
-          <p:cNvPr id="3" name="Inhaltsplatzhalter 2">
-            <a:extLst>
-              <a:ext uri="{FF2B5EF4-FFF2-40B4-BE49-F238E27FC236}">
-                <a16:creationId xmlns:a16="http://schemas.microsoft.com/office/drawing/2014/main" id="{E6B837AA-56DB-9D8D-884A-E061F1DB81A3}"/>
-              </a:ext>
-            </a:extLst>
-          </p:cNvPr>
-          <p:cNvSpPr>
-            <a:spLocks noGrp="1"/>
-          </p:cNvSpPr>
-          <p:nvPr>
-            <p:ph idx="1"/>
-          </p:nvPr>
-        </p:nvSpPr>
-        <p:spPr/>
-        <p:txBody>
-          <a:bodyPr/>
-          <a:lstStyle/>
-          <a:p>
-            <a:r>
-              <a:rPr lang="de-DE" dirty="0" err="1"/>
-              <a:t>Frequency</a:t>
-            </a:r>
-            <a:r>
-              <a:rPr lang="de-DE" dirty="0"/>
-              <a:t> </a:t>
-            </a:r>
-            <a:r>
-              <a:rPr lang="de-DE" dirty="0" err="1"/>
-              <a:t>range</a:t>
-            </a:r>
-            <a:r>
-              <a:rPr lang="de-DE" dirty="0"/>
-              <a:t> </a:t>
-            </a:r>
-            <a:r>
-              <a:rPr lang="de-DE" dirty="0" err="1"/>
-              <a:t>with</a:t>
-            </a:r>
-            <a:r>
-              <a:rPr lang="de-DE" dirty="0"/>
-              <a:t> </a:t>
-            </a:r>
-            <a:r>
-              <a:rPr lang="de-DE" dirty="0" err="1"/>
-              <a:t>good</a:t>
-            </a:r>
-            <a:r>
-              <a:rPr lang="de-DE" dirty="0"/>
-              <a:t> </a:t>
-            </a:r>
-            <a:r>
-              <a:rPr lang="de-DE" dirty="0" err="1"/>
-              <a:t>tracking</a:t>
-            </a:r>
-            <a:endParaRPr lang="de-DE" dirty="0"/>
-          </a:p>
-          <a:p>
-            <a:r>
-              <a:rPr lang="de-DE" dirty="0" err="1"/>
-              <a:t>Indicates</a:t>
-            </a:r>
-            <a:r>
-              <a:rPr lang="de-DE" dirty="0"/>
-              <a:t> </a:t>
-            </a:r>
-            <a:r>
-              <a:rPr lang="de-DE" dirty="0" err="1"/>
-              <a:t>speed</a:t>
-            </a:r>
-            <a:r>
-              <a:rPr lang="de-DE" dirty="0"/>
-              <a:t> </a:t>
-            </a:r>
-            <a:r>
-              <a:rPr lang="de-DE" dirty="0" err="1"/>
-              <a:t>of</a:t>
-            </a:r>
-            <a:r>
-              <a:rPr lang="de-DE" dirty="0"/>
-              <a:t> </a:t>
-            </a:r>
-            <a:r>
-              <a:rPr lang="de-DE" dirty="0" err="1"/>
-              <a:t>system</a:t>
-            </a:r>
-            <a:endParaRPr lang="de-DE" dirty="0"/>
-          </a:p>
-          <a:p>
-            <a:r>
-              <a:rPr lang="de-DE" dirty="0"/>
-              <a:t>Higher </a:t>
-            </a:r>
-            <a:r>
-              <a:rPr lang="de-DE" dirty="0" err="1"/>
-              <a:t>bandwidth</a:t>
-            </a:r>
-            <a:r>
-              <a:rPr lang="de-DE" dirty="0"/>
-              <a:t> → </a:t>
-            </a:r>
-            <a:r>
-              <a:rPr lang="de-DE" dirty="0" err="1"/>
-              <a:t>faster</a:t>
-            </a:r>
-            <a:r>
-              <a:rPr lang="de-DE" dirty="0"/>
-              <a:t> </a:t>
-            </a:r>
-            <a:r>
-              <a:rPr lang="de-DE" dirty="0" err="1"/>
-              <a:t>response</a:t>
-            </a:r>
-            <a:endParaRPr lang="de-DE" dirty="0"/>
-          </a:p>
-        </p:txBody>
-      </p:sp>
-      <p:sp>
-        <p:nvSpPr>
-          <p:cNvPr id="4" name="Foliennummernplatzhalter 3">
-            <a:extLst>
-              <a:ext uri="{FF2B5EF4-FFF2-40B4-BE49-F238E27FC236}">
-                <a16:creationId xmlns:a16="http://schemas.microsoft.com/office/drawing/2014/main" id="{A7FCF89C-B017-A883-0BAE-9BED25E6B7BE}"/>
-              </a:ext>
-            </a:extLst>
-          </p:cNvPr>
-          <p:cNvSpPr>
-            <a:spLocks noGrp="1"/>
-          </p:cNvSpPr>
-          <p:nvPr>
-            <p:ph type="sldNum" sz="quarter" idx="12"/>
-          </p:nvPr>
-        </p:nvSpPr>
-        <p:spPr/>
-        <p:txBody>
-          <a:bodyPr/>
-          <a:lstStyle/>
-          <a:p>
-            <a:fld id="{08C366F5-AFAD-49CB-854A-9D9E238FCA13}" type="slidenum">
-              <a:rPr lang="en-GB" smtClean="0"/>
-              <a:t>19</a:t>
-            </a:fld>
-            <a:endParaRPr lang="en-GB"/>
-          </a:p>
-        </p:txBody>
-      </p:sp>
-    </p:spTree>
-    <p:extLst>
-      <p:ext uri="{BB962C8B-B14F-4D97-AF65-F5344CB8AC3E}">
-        <p14:creationId xmlns:p14="http://schemas.microsoft.com/office/powerpoint/2010/main" val="2370089800"/>
       </p:ext>
     </p:extLst>
   </p:cSld>
@@ -11581,6 +13527,532 @@
     <p:extLst>
       <p:ext uri="{BB962C8B-B14F-4D97-AF65-F5344CB8AC3E}">
         <p14:creationId xmlns:p14="http://schemas.microsoft.com/office/powerpoint/2010/main" val="310336692"/>
+      </p:ext>
+    </p:extLst>
+  </p:cSld>
+  <p:clrMapOvr>
+    <a:masterClrMapping/>
+  </p:clrMapOvr>
+</p:sld>
+</file>
+
+<file path=ppt/slides/slide20.xml><?xml version="1.0" encoding="utf-8"?>
+<p:sld xmlns:a="http://schemas.openxmlformats.org/drawingml/2006/main" xmlns:r="http://schemas.openxmlformats.org/officeDocument/2006/relationships" xmlns:p="http://schemas.openxmlformats.org/presentationml/2006/main">
+  <p:cSld>
+    <p:spTree>
+      <p:nvGrpSpPr>
+        <p:cNvPr id="1" name=""/>
+        <p:cNvGrpSpPr/>
+        <p:nvPr/>
+      </p:nvGrpSpPr>
+      <p:grpSpPr>
+        <a:xfrm>
+          <a:off x="0" y="0"/>
+          <a:ext cx="0" cy="0"/>
+          <a:chOff x="0" y="0"/>
+          <a:chExt cx="0" cy="0"/>
+        </a:xfrm>
+      </p:grpSpPr>
+      <p:sp>
+        <p:nvSpPr>
+          <p:cNvPr id="2" name="Titel 1">
+            <a:extLst>
+              <a:ext uri="{FF2B5EF4-FFF2-40B4-BE49-F238E27FC236}">
+                <a16:creationId xmlns:a16="http://schemas.microsoft.com/office/drawing/2014/main" id="{8377BFFA-EEF3-DEE2-E225-4573FB292E1D}"/>
+              </a:ext>
+            </a:extLst>
+          </p:cNvPr>
+          <p:cNvSpPr>
+            <a:spLocks noGrp="1"/>
+          </p:cNvSpPr>
+          <p:nvPr>
+            <p:ph type="title"/>
+          </p:nvPr>
+        </p:nvSpPr>
+        <p:spPr/>
+        <p:txBody>
+          <a:bodyPr/>
+          <a:lstStyle/>
+          <a:p>
+            <a:r>
+              <a:rPr lang="de-DE" dirty="0" err="1"/>
+              <a:t>Bandwidth</a:t>
+            </a:r>
+            <a:endParaRPr lang="de-DE" dirty="0"/>
+          </a:p>
+        </p:txBody>
+      </p:sp>
+      <p:sp>
+        <p:nvSpPr>
+          <p:cNvPr id="3" name="Inhaltsplatzhalter 2">
+            <a:extLst>
+              <a:ext uri="{FF2B5EF4-FFF2-40B4-BE49-F238E27FC236}">
+                <a16:creationId xmlns:a16="http://schemas.microsoft.com/office/drawing/2014/main" id="{E6B837AA-56DB-9D8D-884A-E061F1DB81A3}"/>
+              </a:ext>
+            </a:extLst>
+          </p:cNvPr>
+          <p:cNvSpPr>
+            <a:spLocks noGrp="1"/>
+          </p:cNvSpPr>
+          <p:nvPr>
+            <p:ph idx="1"/>
+          </p:nvPr>
+        </p:nvSpPr>
+        <p:spPr/>
+        <p:txBody>
+          <a:bodyPr/>
+          <a:lstStyle/>
+          <a:p>
+            <a:r>
+              <a:rPr lang="de-DE" dirty="0" err="1"/>
+              <a:t>Frequency</a:t>
+            </a:r>
+            <a:r>
+              <a:rPr lang="de-DE" dirty="0"/>
+              <a:t> </a:t>
+            </a:r>
+            <a:r>
+              <a:rPr lang="de-DE" dirty="0" err="1"/>
+              <a:t>range</a:t>
+            </a:r>
+            <a:r>
+              <a:rPr lang="de-DE" dirty="0"/>
+              <a:t> </a:t>
+            </a:r>
+            <a:r>
+              <a:rPr lang="de-DE" dirty="0" err="1"/>
+              <a:t>with</a:t>
+            </a:r>
+            <a:r>
+              <a:rPr lang="de-DE" dirty="0"/>
+              <a:t> </a:t>
+            </a:r>
+            <a:r>
+              <a:rPr lang="de-DE" dirty="0" err="1"/>
+              <a:t>good</a:t>
+            </a:r>
+            <a:r>
+              <a:rPr lang="de-DE" dirty="0"/>
+              <a:t> </a:t>
+            </a:r>
+            <a:r>
+              <a:rPr lang="de-DE" dirty="0" err="1"/>
+              <a:t>tracking</a:t>
+            </a:r>
+            <a:endParaRPr lang="de-DE" dirty="0"/>
+          </a:p>
+          <a:p>
+            <a:r>
+              <a:rPr lang="de-DE" dirty="0" err="1"/>
+              <a:t>Indicates</a:t>
+            </a:r>
+            <a:r>
+              <a:rPr lang="de-DE" dirty="0"/>
+              <a:t> </a:t>
+            </a:r>
+            <a:r>
+              <a:rPr lang="de-DE" dirty="0" err="1"/>
+              <a:t>speed</a:t>
+            </a:r>
+            <a:r>
+              <a:rPr lang="de-DE" dirty="0"/>
+              <a:t> </a:t>
+            </a:r>
+            <a:r>
+              <a:rPr lang="de-DE" dirty="0" err="1"/>
+              <a:t>of</a:t>
+            </a:r>
+            <a:r>
+              <a:rPr lang="de-DE" dirty="0"/>
+              <a:t> </a:t>
+            </a:r>
+            <a:r>
+              <a:rPr lang="de-DE" dirty="0" err="1"/>
+              <a:t>system</a:t>
+            </a:r>
+            <a:endParaRPr lang="de-DE" dirty="0"/>
+          </a:p>
+          <a:p>
+            <a:r>
+              <a:rPr lang="de-DE" dirty="0"/>
+              <a:t>Higher </a:t>
+            </a:r>
+            <a:r>
+              <a:rPr lang="de-DE" dirty="0" err="1"/>
+              <a:t>bandwidth</a:t>
+            </a:r>
+            <a:r>
+              <a:rPr lang="de-DE" dirty="0"/>
+              <a:t> → </a:t>
+            </a:r>
+            <a:r>
+              <a:rPr lang="de-DE" dirty="0" err="1"/>
+              <a:t>faster</a:t>
+            </a:r>
+            <a:r>
+              <a:rPr lang="de-DE" dirty="0"/>
+              <a:t> </a:t>
+            </a:r>
+            <a:r>
+              <a:rPr lang="de-DE" dirty="0" err="1"/>
+              <a:t>response</a:t>
+            </a:r>
+            <a:endParaRPr lang="de-DE" dirty="0"/>
+          </a:p>
+        </p:txBody>
+      </p:sp>
+      <p:sp>
+        <p:nvSpPr>
+          <p:cNvPr id="4" name="Foliennummernplatzhalter 3">
+            <a:extLst>
+              <a:ext uri="{FF2B5EF4-FFF2-40B4-BE49-F238E27FC236}">
+                <a16:creationId xmlns:a16="http://schemas.microsoft.com/office/drawing/2014/main" id="{A7FCF89C-B017-A883-0BAE-9BED25E6B7BE}"/>
+              </a:ext>
+            </a:extLst>
+          </p:cNvPr>
+          <p:cNvSpPr>
+            <a:spLocks noGrp="1"/>
+          </p:cNvSpPr>
+          <p:nvPr>
+            <p:ph type="sldNum" sz="quarter" idx="12"/>
+          </p:nvPr>
+        </p:nvSpPr>
+        <p:spPr/>
+        <p:txBody>
+          <a:bodyPr/>
+          <a:lstStyle/>
+          <a:p>
+            <a:fld id="{08C366F5-AFAD-49CB-854A-9D9E238FCA13}" type="slidenum">
+              <a:rPr lang="en-GB" smtClean="0"/>
+              <a:t>20</a:t>
+            </a:fld>
+            <a:endParaRPr lang="en-GB"/>
+          </a:p>
+        </p:txBody>
+      </p:sp>
+    </p:spTree>
+    <p:extLst>
+      <p:ext uri="{BB962C8B-B14F-4D97-AF65-F5344CB8AC3E}">
+        <p14:creationId xmlns:p14="http://schemas.microsoft.com/office/powerpoint/2010/main" val="2370089800"/>
+      </p:ext>
+    </p:extLst>
+  </p:cSld>
+  <p:clrMapOvr>
+    <a:masterClrMapping/>
+  </p:clrMapOvr>
+</p:sld>
+</file>
+
+<file path=ppt/slides/slide21.xml><?xml version="1.0" encoding="utf-8"?>
+<p:sld xmlns:a="http://schemas.openxmlformats.org/drawingml/2006/main" xmlns:r="http://schemas.openxmlformats.org/officeDocument/2006/relationships" xmlns:p="http://schemas.openxmlformats.org/presentationml/2006/main">
+  <p:cSld>
+    <p:spTree>
+      <p:nvGrpSpPr>
+        <p:cNvPr id="1" name=""/>
+        <p:cNvGrpSpPr/>
+        <p:nvPr/>
+      </p:nvGrpSpPr>
+      <p:grpSpPr>
+        <a:xfrm>
+          <a:off x="0" y="0"/>
+          <a:ext cx="0" cy="0"/>
+          <a:chOff x="0" y="0"/>
+          <a:chExt cx="0" cy="0"/>
+        </a:xfrm>
+      </p:grpSpPr>
+      <p:sp>
+        <p:nvSpPr>
+          <p:cNvPr id="2" name="Titel 1">
+            <a:extLst>
+              <a:ext uri="{FF2B5EF4-FFF2-40B4-BE49-F238E27FC236}">
+                <a16:creationId xmlns:a16="http://schemas.microsoft.com/office/drawing/2014/main" id="{87146A8B-0ADA-5706-7B0C-C2FC5915489C}"/>
+              </a:ext>
+            </a:extLst>
+          </p:cNvPr>
+          <p:cNvSpPr>
+            <a:spLocks noGrp="1"/>
+          </p:cNvSpPr>
+          <p:nvPr>
+            <p:ph type="title"/>
+          </p:nvPr>
+        </p:nvSpPr>
+        <p:spPr/>
+        <p:txBody>
+          <a:bodyPr/>
+          <a:lstStyle/>
+          <a:p>
+            <a:r>
+              <a:rPr lang="de-DE" dirty="0"/>
+              <a:t>PT1 </a:t>
+            </a:r>
+            <a:r>
+              <a:rPr lang="de-DE" dirty="0" err="1"/>
+              <a:t>with</a:t>
+            </a:r>
+            <a:r>
+              <a:rPr lang="de-DE" dirty="0"/>
+              <a:t> Dead Time</a:t>
+            </a:r>
+          </a:p>
+        </p:txBody>
+      </p:sp>
+      <mc:AlternateContent xmlns:mc="http://schemas.openxmlformats.org/markup-compatibility/2006">
+        <mc:Choice xmlns:a14="http://schemas.microsoft.com/office/drawing/2010/main" Requires="a14">
+          <p:sp>
+            <p:nvSpPr>
+              <p:cNvPr id="4" name="Inhaltsplatzhalter 3">
+                <a:extLst>
+                  <a:ext uri="{FF2B5EF4-FFF2-40B4-BE49-F238E27FC236}">
+                    <a16:creationId xmlns:a16="http://schemas.microsoft.com/office/drawing/2014/main" id="{A5208996-66EC-46F8-1BFE-C12EC8444E0F}"/>
+                  </a:ext>
+                </a:extLst>
+              </p:cNvPr>
+              <p:cNvSpPr>
+                <a:spLocks noGrp="1"/>
+              </p:cNvSpPr>
+              <p:nvPr>
+                <p:ph idx="1"/>
+              </p:nvPr>
+            </p:nvSpPr>
+            <p:spPr/>
+            <p:txBody>
+              <a:bodyPr/>
+              <a:lstStyle/>
+              <a:p>
+                <a:pPr marL="0" indent="0">
+                  <a:buNone/>
+                </a:pPr>
+                <a14:m>
+                  <m:oMathPara xmlns:m="http://schemas.openxmlformats.org/officeDocument/2006/math">
+                    <m:oMathParaPr>
+                      <m:jc m:val="centerGroup"/>
+                    </m:oMathParaPr>
+                    <m:oMath xmlns:m="http://schemas.openxmlformats.org/officeDocument/2006/math">
+                      <m:r>
+                        <a:rPr lang="de-DE" i="1" smtClean="0">
+                          <a:latin typeface="Cambria Math" panose="02040503050406030204" pitchFamily="18" charset="0"/>
+                        </a:rPr>
+                        <m:t>𝐺</m:t>
+                      </m:r>
+                      <m:d>
+                        <m:dPr>
+                          <m:ctrlPr>
+                            <a:rPr lang="de-DE" i="1">
+                              <a:latin typeface="Cambria Math" panose="02040503050406030204" pitchFamily="18" charset="0"/>
+                            </a:rPr>
+                          </m:ctrlPr>
+                        </m:dPr>
+                        <m:e>
+                          <m:r>
+                            <a:rPr lang="de-DE" i="1">
+                              <a:latin typeface="Cambria Math" panose="02040503050406030204" pitchFamily="18" charset="0"/>
+                            </a:rPr>
+                            <m:t>𝑠</m:t>
+                          </m:r>
+                        </m:e>
+                      </m:d>
+                      <m:r>
+                        <a:rPr lang="de-DE" i="1">
+                          <a:latin typeface="Cambria Math" panose="02040503050406030204" pitchFamily="18" charset="0"/>
+                        </a:rPr>
+                        <m:t>=</m:t>
+                      </m:r>
+                      <m:f>
+                        <m:fPr>
+                          <m:ctrlPr>
+                            <a:rPr lang="de-DE" i="1">
+                              <a:latin typeface="Cambria Math" panose="02040503050406030204" pitchFamily="18" charset="0"/>
+                            </a:rPr>
+                          </m:ctrlPr>
+                        </m:fPr>
+                        <m:num>
+                          <m:r>
+                            <a:rPr lang="de-DE" i="1">
+                              <a:latin typeface="Cambria Math" panose="02040503050406030204" pitchFamily="18" charset="0"/>
+                            </a:rPr>
+                            <m:t>𝐾</m:t>
+                          </m:r>
+                        </m:num>
+                        <m:den>
+                          <m:r>
+                            <a:rPr lang="de-DE" i="1">
+                              <a:latin typeface="Cambria Math" panose="02040503050406030204" pitchFamily="18" charset="0"/>
+                            </a:rPr>
+                            <m:t>1+</m:t>
+                          </m:r>
+                          <m:r>
+                            <a:rPr lang="el-GR" i="1">
+                              <a:latin typeface="Cambria Math" panose="02040503050406030204" pitchFamily="18" charset="0"/>
+                              <a:ea typeface="Cambria Math" panose="02040503050406030204" pitchFamily="18" charset="0"/>
+                            </a:rPr>
+                            <m:t>𝜏</m:t>
+                          </m:r>
+                          <m:r>
+                            <a:rPr lang="de-DE" i="1">
+                              <a:latin typeface="Cambria Math" panose="02040503050406030204" pitchFamily="18" charset="0"/>
+                            </a:rPr>
+                            <m:t>𝑠</m:t>
+                          </m:r>
+                        </m:den>
+                      </m:f>
+                      <m:r>
+                        <a:rPr lang="de-DE" i="1" smtClean="0">
+                          <a:latin typeface="Cambria Math" panose="02040503050406030204" pitchFamily="18" charset="0"/>
+                          <a:ea typeface="Cambria Math" panose="02040503050406030204" pitchFamily="18" charset="0"/>
+                        </a:rPr>
+                        <m:t>∙</m:t>
+                      </m:r>
+                      <m:sSup>
+                        <m:sSupPr>
+                          <m:ctrlPr>
+                            <a:rPr lang="de-DE" i="1" smtClean="0">
+                              <a:latin typeface="Cambria Math" panose="02040503050406030204" pitchFamily="18" charset="0"/>
+                              <a:ea typeface="Cambria Math" panose="02040503050406030204" pitchFamily="18" charset="0"/>
+                            </a:rPr>
+                          </m:ctrlPr>
+                        </m:sSupPr>
+                        <m:e>
+                          <m:r>
+                            <a:rPr lang="de-DE" i="1" smtClean="0">
+                              <a:latin typeface="Cambria Math" panose="02040503050406030204" pitchFamily="18" charset="0"/>
+                              <a:ea typeface="Cambria Math" panose="02040503050406030204" pitchFamily="18" charset="0"/>
+                            </a:rPr>
+                            <m:t>𝑒</m:t>
+                          </m:r>
+                        </m:e>
+                        <m:sup>
+                          <m:r>
+                            <a:rPr lang="de-DE" i="1" smtClean="0">
+                              <a:latin typeface="Cambria Math" panose="02040503050406030204" pitchFamily="18" charset="0"/>
+                              <a:ea typeface="Cambria Math" panose="02040503050406030204" pitchFamily="18" charset="0"/>
+                            </a:rPr>
+                            <m:t>−</m:t>
+                          </m:r>
+                          <m:sSub>
+                            <m:sSubPr>
+                              <m:ctrlPr>
+                                <a:rPr lang="de-DE" i="1" smtClean="0">
+                                  <a:latin typeface="Cambria Math" panose="02040503050406030204" pitchFamily="18" charset="0"/>
+                                  <a:ea typeface="Cambria Math" panose="02040503050406030204" pitchFamily="18" charset="0"/>
+                                </a:rPr>
+                              </m:ctrlPr>
+                            </m:sSubPr>
+                            <m:e>
+                              <m:r>
+                                <a:rPr lang="de-DE" b="0" i="1" smtClean="0">
+                                  <a:latin typeface="Cambria Math" panose="02040503050406030204" pitchFamily="18" charset="0"/>
+                                  <a:ea typeface="Cambria Math" panose="02040503050406030204" pitchFamily="18" charset="0"/>
+                                </a:rPr>
+                                <m:t>𝑇</m:t>
+                              </m:r>
+                            </m:e>
+                            <m:sub>
+                              <m:r>
+                                <a:rPr lang="de-DE" b="0" i="1" smtClean="0">
+                                  <a:latin typeface="Cambria Math" panose="02040503050406030204" pitchFamily="18" charset="0"/>
+                                  <a:ea typeface="Cambria Math" panose="02040503050406030204" pitchFamily="18" charset="0"/>
+                                </a:rPr>
+                                <m:t>𝐷</m:t>
+                              </m:r>
+                            </m:sub>
+                          </m:sSub>
+                          <m:r>
+                            <a:rPr lang="de-DE" i="1" smtClean="0">
+                              <a:latin typeface="Cambria Math" panose="02040503050406030204" pitchFamily="18" charset="0"/>
+                              <a:ea typeface="Cambria Math" panose="02040503050406030204" pitchFamily="18" charset="0"/>
+                            </a:rPr>
+                            <m:t>∙</m:t>
+                          </m:r>
+                          <m:r>
+                            <a:rPr lang="de-DE" b="0" i="1" smtClean="0">
+                              <a:latin typeface="Cambria Math" panose="02040503050406030204" pitchFamily="18" charset="0"/>
+                              <a:ea typeface="Cambria Math" panose="02040503050406030204" pitchFamily="18" charset="0"/>
+                            </a:rPr>
+                            <m:t>𝑠</m:t>
+                          </m:r>
+                        </m:sup>
+                      </m:sSup>
+                    </m:oMath>
+                  </m:oMathPara>
+                </a14:m>
+                <a:endParaRPr lang="de-DE" dirty="0"/>
+              </a:p>
+            </p:txBody>
+          </p:sp>
+        </mc:Choice>
+        <mc:Fallback>
+          <p:sp>
+            <p:nvSpPr>
+              <p:cNvPr id="4" name="Inhaltsplatzhalter 3">
+                <a:extLst>
+                  <a:ext uri="{FF2B5EF4-FFF2-40B4-BE49-F238E27FC236}">
+                    <a16:creationId xmlns:a16="http://schemas.microsoft.com/office/drawing/2014/main" id="{A5208996-66EC-46F8-1BFE-C12EC8444E0F}"/>
+                  </a:ext>
+                </a:extLst>
+              </p:cNvPr>
+              <p:cNvSpPr>
+                <a:spLocks noGrp="1" noRot="1" noChangeAspect="1" noMove="1" noResize="1" noEditPoints="1" noAdjustHandles="1" noChangeArrowheads="1" noChangeShapeType="1" noTextEdit="1"/>
+              </p:cNvSpPr>
+              <p:nvPr>
+                <p:ph idx="1"/>
+              </p:nvPr>
+            </p:nvSpPr>
+            <p:spPr>
+              <a:blipFill>
+                <a:blip r:embed="rId2"/>
+                <a:stretch>
+                  <a:fillRect t="-291"/>
+                </a:stretch>
+              </a:blipFill>
+            </p:spPr>
+            <p:txBody>
+              <a:bodyPr/>
+              <a:lstStyle/>
+              <a:p>
+                <a:r>
+                  <a:rPr lang="de-DE">
+                    <a:noFill/>
+                  </a:rPr>
+                  <a:t> </a:t>
+                </a:r>
+              </a:p>
+            </p:txBody>
+          </p:sp>
+        </mc:Fallback>
+      </mc:AlternateContent>
+      <p:sp>
+        <p:nvSpPr>
+          <p:cNvPr id="3" name="Foliennummernplatzhalter 2">
+            <a:extLst>
+              <a:ext uri="{FF2B5EF4-FFF2-40B4-BE49-F238E27FC236}">
+                <a16:creationId xmlns:a16="http://schemas.microsoft.com/office/drawing/2014/main" id="{536B6975-D7D1-1504-841E-AD44A905643F}"/>
+              </a:ext>
+            </a:extLst>
+          </p:cNvPr>
+          <p:cNvSpPr>
+            <a:spLocks noGrp="1"/>
+          </p:cNvSpPr>
+          <p:nvPr>
+            <p:ph type="sldNum" sz="quarter" idx="12"/>
+          </p:nvPr>
+        </p:nvSpPr>
+        <p:spPr/>
+        <p:txBody>
+          <a:bodyPr/>
+          <a:lstStyle/>
+          <a:p>
+            <a:fld id="{08C366F5-AFAD-49CB-854A-9D9E238FCA13}" type="slidenum">
+              <a:rPr lang="en-GB" smtClean="0"/>
+              <a:t>21</a:t>
+            </a:fld>
+            <a:endParaRPr lang="en-GB"/>
+          </a:p>
+        </p:txBody>
+      </p:sp>
+    </p:spTree>
+    <p:extLst>
+      <p:ext uri="{BB962C8B-B14F-4D97-AF65-F5344CB8AC3E}">
+        <p14:creationId xmlns:p14="http://schemas.microsoft.com/office/powerpoint/2010/main" val="4285856768"/>
       </p:ext>
     </p:extLst>
   </p:cSld>
@@ -14347,8 +16819,8 @@
           <a:chExt cx="0" cy="0"/>
         </a:xfrm>
       </p:grpSpPr>
-      <mc:AlternateContent xmlns:mc="http://schemas.openxmlformats.org/markup-compatibility/2006">
-        <mc:Choice xmlns:a14="http://schemas.microsoft.com/office/drawing/2010/main" Requires="a14">
+      <mc:AlternateContent xmlns:mc="http://schemas.openxmlformats.org/markup-compatibility/2006" xmlns:a14="http://schemas.microsoft.com/office/drawing/2010/main">
+        <mc:Choice Requires="a14">
           <p:graphicFrame>
             <p:nvGraphicFramePr>
               <p:cNvPr id="5" name="Tabelle 4">
@@ -15787,7 +18259,7 @@
             </a:graphic>
           </p:graphicFrame>
         </mc:Choice>
-        <mc:Fallback>
+        <mc:Fallback xmlns="">
           <p:graphicFrame>
             <p:nvGraphicFramePr>
               <p:cNvPr id="5" name="Tabelle 4">
@@ -16455,8 +18927,8 @@
           </a:p>
         </p:txBody>
       </p:sp>
-      <mc:AlternateContent xmlns:mc="http://schemas.openxmlformats.org/markup-compatibility/2006">
-        <mc:Choice xmlns:a14="http://schemas.microsoft.com/office/drawing/2010/main" Requires="a14">
+      <mc:AlternateContent xmlns:mc="http://schemas.openxmlformats.org/markup-compatibility/2006" xmlns:a14="http://schemas.microsoft.com/office/drawing/2010/main">
+        <mc:Choice Requires="a14">
           <p:sp>
             <p:nvSpPr>
               <p:cNvPr id="7" name="Textfeld 6">
@@ -16550,13 +19022,7 @@
                                 <a:rPr lang="de-DE" b="0" i="1" smtClean="0">
                                   <a:latin typeface="Cambria Math" panose="02040503050406030204" pitchFamily="18" charset="0"/>
                                 </a:rPr>
-                                <m:t>0,</m:t>
-                              </m:r>
-                              <m:r>
-                                <a:rPr lang="de-DE" b="0" i="1" smtClean="0">
-                                  <a:latin typeface="Cambria Math" panose="02040503050406030204" pitchFamily="18" charset="0"/>
-                                </a:rPr>
-                                <m:t>  </m:t>
+                                <m:t>0,  </m:t>
                               </m:r>
                               <m:r>
                                 <a:rPr lang="de-DE" b="0" i="1" smtClean="0">
@@ -16576,13 +19042,7 @@
                                 <a:rPr lang="de-DE" b="0" i="1" smtClean="0">
                                   <a:latin typeface="Cambria Math" panose="02040503050406030204" pitchFamily="18" charset="0"/>
                                 </a:rPr>
-                                <m:t>1</m:t>
-                              </m:r>
-                              <m:r>
-                                <a:rPr lang="de-DE" b="0" i="1" smtClean="0">
-                                  <a:latin typeface="Cambria Math" panose="02040503050406030204" pitchFamily="18" charset="0"/>
-                                </a:rPr>
-                                <m:t>,  </m:t>
+                                <m:t>1,  </m:t>
                               </m:r>
                               <m:r>
                                 <a:rPr lang="de-DE" b="0" i="1" smtClean="0">
@@ -16609,7 +19069,7 @@
             </p:txBody>
           </p:sp>
         </mc:Choice>
-        <mc:Fallback>
+        <mc:Fallback xmlns="">
           <p:sp>
             <p:nvSpPr>
               <p:cNvPr id="7" name="Textfeld 6">
@@ -16725,8 +19185,8 @@
           </a:p>
         </p:txBody>
       </p:sp>
-      <mc:AlternateContent xmlns:mc="http://schemas.openxmlformats.org/markup-compatibility/2006">
-        <mc:Choice xmlns:a14="http://schemas.microsoft.com/office/drawing/2010/main" Requires="a14">
+      <mc:AlternateContent xmlns:mc="http://schemas.openxmlformats.org/markup-compatibility/2006" xmlns:a14="http://schemas.microsoft.com/office/drawing/2010/main">
+        <mc:Choice Requires="a14">
           <p:sp>
             <p:nvSpPr>
               <p:cNvPr id="3" name="Inhaltsplatzhalter 2">
@@ -17864,13 +20324,7 @@
                               <a:rPr lang="de-DE" sz="2400" i="1">
                                 <a:latin typeface="Cambria Math" panose="02040503050406030204" pitchFamily="18" charset="0"/>
                               </a:rPr>
-                              <m:t>𝑎</m:t>
-                            </m:r>
-                            <m:r>
-                              <a:rPr lang="de-DE" sz="2400" i="1">
-                                <a:latin typeface="Cambria Math" panose="02040503050406030204" pitchFamily="18" charset="0"/>
-                              </a:rPr>
-                              <m:t>𝑡</m:t>
+                              <m:t>𝑎𝑡</m:t>
                             </m:r>
                           </m:sup>
                         </m:sSup>
@@ -18328,7 +20782,7 @@
             </p:txBody>
           </p:sp>
         </mc:Choice>
-        <mc:Fallback>
+        <mc:Fallback xmlns="">
           <p:sp>
             <p:nvSpPr>
               <p:cNvPr id="3" name="Inhaltsplatzhalter 2">

--- a/slides/3_Laplace.pptx
+++ b/slides/3_Laplace.pptx
@@ -5,7 +5,7 @@
     <p:sldMasterId id="2147483648" r:id="rId1"/>
   </p:sldMasterIdLst>
   <p:notesMasterIdLst>
-    <p:notesMasterId r:id="rId23"/>
+    <p:notesMasterId r:id="rId27"/>
   </p:notesMasterIdLst>
   <p:sldIdLst>
     <p:sldId id="256" r:id="rId2"/>
@@ -25,10 +25,14 @@
     <p:sldId id="286" r:id="rId16"/>
     <p:sldId id="281" r:id="rId17"/>
     <p:sldId id="272" r:id="rId18"/>
-    <p:sldId id="273" r:id="rId19"/>
-    <p:sldId id="274" r:id="rId20"/>
-    <p:sldId id="275" r:id="rId21"/>
-    <p:sldId id="285" r:id="rId22"/>
+    <p:sldId id="290" r:id="rId19"/>
+    <p:sldId id="287" r:id="rId20"/>
+    <p:sldId id="288" r:id="rId21"/>
+    <p:sldId id="289" r:id="rId22"/>
+    <p:sldId id="273" r:id="rId23"/>
+    <p:sldId id="274" r:id="rId24"/>
+    <p:sldId id="275" r:id="rId25"/>
+    <p:sldId id="285" r:id="rId26"/>
   </p:sldIdLst>
   <p:sldSz cx="12192000" cy="6858000"/>
   <p:notesSz cx="6858000" cy="9144000"/>
@@ -10716,8 +10720,8 @@
           </a:p>
         </p:txBody>
       </p:sp>
-      <mc:AlternateContent xmlns:mc="http://schemas.openxmlformats.org/markup-compatibility/2006">
-        <mc:Choice xmlns:a14="http://schemas.microsoft.com/office/drawing/2010/main" Requires="a14">
+      <mc:AlternateContent xmlns:mc="http://schemas.openxmlformats.org/markup-compatibility/2006" xmlns:a14="http://schemas.microsoft.com/office/drawing/2010/main">
+        <mc:Choice Requires="a14">
           <p:sp>
             <p:nvSpPr>
               <p:cNvPr id="3" name="Inhaltsplatzhalter 2">
@@ -11628,7 +11632,7 @@
             </p:txBody>
           </p:sp>
         </mc:Choice>
-        <mc:Fallback>
+        <mc:Fallback xmlns="">
           <p:sp>
             <p:nvSpPr>
               <p:cNvPr id="3" name="Inhaltsplatzhalter 2">
@@ -11697,8 +11701,8 @@
           </a:p>
         </p:txBody>
       </p:sp>
-      <mc:AlternateContent xmlns:mc="http://schemas.openxmlformats.org/markup-compatibility/2006">
-        <mc:Choice xmlns:a14="http://schemas.microsoft.com/office/drawing/2010/main" Requires="a14">
+      <mc:AlternateContent xmlns:mc="http://schemas.openxmlformats.org/markup-compatibility/2006" xmlns:a14="http://schemas.microsoft.com/office/drawing/2010/main">
+        <mc:Choice Requires="a14">
           <p:sp>
             <p:nvSpPr>
               <p:cNvPr id="5" name="Textfeld 4">
@@ -11783,7 +11787,7 @@
             </p:txBody>
           </p:sp>
         </mc:Choice>
-        <mc:Fallback>
+        <mc:Fallback xmlns="">
           <p:sp>
             <p:nvSpPr>
               <p:cNvPr id="5" name="Textfeld 4">
@@ -11828,8 +11832,8 @@
           </p:sp>
         </mc:Fallback>
       </mc:AlternateContent>
-      <mc:AlternateContent xmlns:mc="http://schemas.openxmlformats.org/markup-compatibility/2006">
-        <mc:Choice xmlns:a14="http://schemas.microsoft.com/office/drawing/2010/main" Requires="a14">
+      <mc:AlternateContent xmlns:mc="http://schemas.openxmlformats.org/markup-compatibility/2006" xmlns:a14="http://schemas.microsoft.com/office/drawing/2010/main">
+        <mc:Choice Requires="a14">
           <p:sp>
             <p:nvSpPr>
               <p:cNvPr id="6" name="Textfeld 5">
@@ -11914,7 +11918,7 @@
             </p:txBody>
           </p:sp>
         </mc:Choice>
-        <mc:Fallback>
+        <mc:Fallback xmlns="">
           <p:sp>
             <p:nvSpPr>
               <p:cNvPr id="6" name="Textfeld 5">
@@ -12042,8 +12046,8 @@
           </a:fontRef>
         </p:style>
       </p:cxnSp>
-      <mc:AlternateContent xmlns:mc="http://schemas.openxmlformats.org/markup-compatibility/2006">
-        <mc:Choice xmlns:a14="http://schemas.microsoft.com/office/drawing/2010/main" Requires="a14">
+      <mc:AlternateContent xmlns:mc="http://schemas.openxmlformats.org/markup-compatibility/2006" xmlns:a14="http://schemas.microsoft.com/office/drawing/2010/main">
+        <mc:Choice Requires="a14">
           <p:sp>
             <p:nvSpPr>
               <p:cNvPr id="11" name="Textfeld 10">
@@ -12140,7 +12144,7 @@
             </p:txBody>
           </p:sp>
         </mc:Choice>
-        <mc:Fallback>
+        <mc:Fallback xmlns="">
           <p:sp>
             <p:nvSpPr>
               <p:cNvPr id="11" name="Textfeld 10">
@@ -12226,8 +12230,8 @@
           </a:fontRef>
         </p:style>
       </p:cxnSp>
-      <mc:AlternateContent xmlns:mc="http://schemas.openxmlformats.org/markup-compatibility/2006">
-        <mc:Choice xmlns:a14="http://schemas.microsoft.com/office/drawing/2010/main" Requires="a14">
+      <mc:AlternateContent xmlns:mc="http://schemas.openxmlformats.org/markup-compatibility/2006" xmlns:a14="http://schemas.microsoft.com/office/drawing/2010/main">
+        <mc:Choice Requires="a14">
           <p:sp>
             <p:nvSpPr>
               <p:cNvPr id="17" name="Textfeld 16">
@@ -12305,7 +12309,7 @@
             </p:txBody>
           </p:sp>
         </mc:Choice>
-        <mc:Fallback>
+        <mc:Fallback xmlns="">
           <p:sp>
             <p:nvSpPr>
               <p:cNvPr id="17" name="Textfeld 16">
@@ -12391,8 +12395,8 @@
           </a:fontRef>
         </p:style>
       </p:cxnSp>
-      <mc:AlternateContent xmlns:mc="http://schemas.openxmlformats.org/markup-compatibility/2006">
-        <mc:Choice xmlns:a14="http://schemas.microsoft.com/office/drawing/2010/main" Requires="a14">
+      <mc:AlternateContent xmlns:mc="http://schemas.openxmlformats.org/markup-compatibility/2006" xmlns:a14="http://schemas.microsoft.com/office/drawing/2010/main">
+        <mc:Choice Requires="a14">
           <p:sp>
             <p:nvSpPr>
               <p:cNvPr id="20" name="Textfeld 19">
@@ -12421,6 +12425,7 @@
               </a:bodyPr>
               <a:lstStyle/>
               <a:p>
+                <a:pPr/>
                 <a14:m>
                   <m:oMathPara xmlns:m="http://schemas.openxmlformats.org/officeDocument/2006/math">
                     <m:oMathParaPr>
@@ -12510,7 +12515,7 @@
             </p:txBody>
           </p:sp>
         </mc:Choice>
-        <mc:Fallback>
+        <mc:Fallback xmlns="">
           <p:sp>
             <p:nvSpPr>
               <p:cNvPr id="20" name="Textfeld 19">
@@ -12761,77 +12766,6 @@
       </p:sp>
       <p:sp>
         <p:nvSpPr>
-          <p:cNvPr id="3" name="Inhaltsplatzhalter 2">
-            <a:extLst>
-              <a:ext uri="{FF2B5EF4-FFF2-40B4-BE49-F238E27FC236}">
-                <a16:creationId xmlns:a16="http://schemas.microsoft.com/office/drawing/2014/main" id="{4F979A6A-4D72-3612-95F6-A426ADBE2DB3}"/>
-              </a:ext>
-            </a:extLst>
-          </p:cNvPr>
-          <p:cNvSpPr>
-            <a:spLocks noGrp="1"/>
-          </p:cNvSpPr>
-          <p:nvPr>
-            <p:ph idx="1"/>
-          </p:nvPr>
-        </p:nvSpPr>
-        <p:spPr/>
-        <p:txBody>
-          <a:bodyPr/>
-          <a:lstStyle/>
-          <a:p>
-            <a:r>
-              <a:rPr lang="de-DE" dirty="0"/>
-              <a:t>Modular </a:t>
-            </a:r>
-            <a:r>
-              <a:rPr lang="de-DE" dirty="0" err="1"/>
-              <a:t>representation</a:t>
-            </a:r>
-            <a:endParaRPr lang="de-DE" dirty="0"/>
-          </a:p>
-          <a:p>
-            <a:r>
-              <a:rPr lang="de-DE" dirty="0"/>
-              <a:t>Series, parallel, </a:t>
-            </a:r>
-            <a:r>
-              <a:rPr lang="de-DE" dirty="0" err="1"/>
-              <a:t>feedback</a:t>
-            </a:r>
-            <a:r>
-              <a:rPr lang="de-DE" dirty="0"/>
-              <a:t> </a:t>
-            </a:r>
-            <a:r>
-              <a:rPr lang="de-DE" dirty="0" err="1"/>
-              <a:t>connections</a:t>
-            </a:r>
-            <a:endParaRPr lang="de-DE" dirty="0"/>
-          </a:p>
-          <a:p>
-            <a:r>
-              <a:rPr lang="de-DE" dirty="0"/>
-              <a:t>Block </a:t>
-            </a:r>
-            <a:r>
-              <a:rPr lang="de-DE" dirty="0" err="1"/>
-              <a:t>diagram</a:t>
-            </a:r>
-            <a:r>
-              <a:rPr lang="de-DE" dirty="0"/>
-              <a:t> </a:t>
-            </a:r>
-            <a:r>
-              <a:rPr lang="de-DE" dirty="0" err="1"/>
-              <a:t>algebra</a:t>
-            </a:r>
-            <a:endParaRPr lang="de-DE" dirty="0"/>
-          </a:p>
-        </p:txBody>
-      </p:sp>
-      <p:sp>
-        <p:nvSpPr>
           <p:cNvPr id="4" name="Foliennummernplatzhalter 3">
             <a:extLst>
               <a:ext uri="{FF2B5EF4-FFF2-40B4-BE49-F238E27FC236}">
@@ -12856,6 +12790,509 @@
               <a:t>17</a:t>
             </a:fld>
             <a:endParaRPr lang="en-GB"/>
+          </a:p>
+        </p:txBody>
+      </p:sp>
+      <mc:AlternateContent xmlns:mc="http://schemas.openxmlformats.org/markup-compatibility/2006">
+        <mc:Choice xmlns:a14="http://schemas.microsoft.com/office/drawing/2010/main" Requires="a14">
+          <p:sp>
+            <p:nvSpPr>
+              <p:cNvPr id="5" name="Rechteck 4">
+                <a:extLst>
+                  <a:ext uri="{FF2B5EF4-FFF2-40B4-BE49-F238E27FC236}">
+                    <a16:creationId xmlns:a16="http://schemas.microsoft.com/office/drawing/2014/main" id="{C2E12BBB-E063-8C4D-AB0F-D65C3EEC778D}"/>
+                  </a:ext>
+                </a:extLst>
+              </p:cNvPr>
+              <p:cNvSpPr/>
+              <p:nvPr/>
+            </p:nvSpPr>
+            <p:spPr>
+              <a:xfrm>
+                <a:off x="5103669" y="3039340"/>
+                <a:ext cx="1162660" cy="779319"/>
+              </a:xfrm>
+              <a:prstGeom prst="rect">
+                <a:avLst/>
+              </a:prstGeom>
+              <a:noFill/>
+              <a:ln>
+                <a:solidFill>
+                  <a:schemeClr val="tx1"/>
+                </a:solidFill>
+              </a:ln>
+            </p:spPr>
+            <p:style>
+              <a:lnRef idx="2">
+                <a:schemeClr val="accent1">
+                  <a:shade val="15000"/>
+                </a:schemeClr>
+              </a:lnRef>
+              <a:fillRef idx="1">
+                <a:schemeClr val="accent1"/>
+              </a:fillRef>
+              <a:effectRef idx="0">
+                <a:schemeClr val="accent1"/>
+              </a:effectRef>
+              <a:fontRef idx="minor">
+                <a:schemeClr val="lt1"/>
+              </a:fontRef>
+            </p:style>
+            <p:txBody>
+              <a:bodyPr rtlCol="0" anchor="ctr"/>
+              <a:lstStyle/>
+              <a:p>
+                <a:pPr algn="ctr"/>
+                <a14:m>
+                  <m:oMathPara xmlns:m="http://schemas.openxmlformats.org/officeDocument/2006/math">
+                    <m:oMathParaPr>
+                      <m:jc m:val="center"/>
+                    </m:oMathParaPr>
+                    <m:oMath xmlns:m="http://schemas.openxmlformats.org/officeDocument/2006/math">
+                      <m:r>
+                        <a:rPr lang="de-DE" sz="2800" b="0" i="1" smtClean="0">
+                          <a:solidFill>
+                            <a:schemeClr val="tx1"/>
+                          </a:solidFill>
+                          <a:latin typeface="Cambria Math" panose="02040503050406030204" pitchFamily="18" charset="0"/>
+                        </a:rPr>
+                        <m:t>𝐺</m:t>
+                      </m:r>
+                      <m:r>
+                        <a:rPr lang="de-DE" sz="2800" b="0" i="1" smtClean="0">
+                          <a:solidFill>
+                            <a:schemeClr val="tx1"/>
+                          </a:solidFill>
+                          <a:latin typeface="Cambria Math" panose="02040503050406030204" pitchFamily="18" charset="0"/>
+                        </a:rPr>
+                        <m:t>(</m:t>
+                      </m:r>
+                      <m:r>
+                        <a:rPr lang="de-DE" sz="2800" b="0" i="1" smtClean="0">
+                          <a:solidFill>
+                            <a:schemeClr val="tx1"/>
+                          </a:solidFill>
+                          <a:latin typeface="Cambria Math" panose="02040503050406030204" pitchFamily="18" charset="0"/>
+                        </a:rPr>
+                        <m:t>𝑆</m:t>
+                      </m:r>
+                      <m:r>
+                        <a:rPr lang="de-DE" sz="2800" b="0" i="1" smtClean="0">
+                          <a:solidFill>
+                            <a:schemeClr val="tx1"/>
+                          </a:solidFill>
+                          <a:latin typeface="Cambria Math" panose="02040503050406030204" pitchFamily="18" charset="0"/>
+                        </a:rPr>
+                        <m:t>)</m:t>
+                      </m:r>
+                    </m:oMath>
+                  </m:oMathPara>
+                </a14:m>
+                <a:endParaRPr lang="de-DE" sz="2800" dirty="0">
+                  <a:solidFill>
+                    <a:schemeClr val="tx1"/>
+                  </a:solidFill>
+                </a:endParaRPr>
+              </a:p>
+            </p:txBody>
+          </p:sp>
+        </mc:Choice>
+        <mc:Fallback>
+          <p:sp>
+            <p:nvSpPr>
+              <p:cNvPr id="5" name="Rechteck 4">
+                <a:extLst>
+                  <a:ext uri="{FF2B5EF4-FFF2-40B4-BE49-F238E27FC236}">
+                    <a16:creationId xmlns:a16="http://schemas.microsoft.com/office/drawing/2014/main" id="{C2E12BBB-E063-8C4D-AB0F-D65C3EEC778D}"/>
+                  </a:ext>
+                </a:extLst>
+              </p:cNvPr>
+              <p:cNvSpPr>
+                <a:spLocks noRot="1" noChangeAspect="1" noMove="1" noResize="1" noEditPoints="1" noAdjustHandles="1" noChangeArrowheads="1" noChangeShapeType="1" noTextEdit="1"/>
+              </p:cNvSpPr>
+              <p:nvPr/>
+            </p:nvSpPr>
+            <p:spPr>
+              <a:xfrm>
+                <a:off x="5103669" y="3039340"/>
+                <a:ext cx="1162660" cy="779319"/>
+              </a:xfrm>
+              <a:prstGeom prst="rect">
+                <a:avLst/>
+              </a:prstGeom>
+              <a:blipFill>
+                <a:blip r:embed="rId2"/>
+                <a:stretch>
+                  <a:fillRect/>
+                </a:stretch>
+              </a:blipFill>
+              <a:ln>
+                <a:solidFill>
+                  <a:schemeClr val="tx1"/>
+                </a:solidFill>
+              </a:ln>
+            </p:spPr>
+            <p:txBody>
+              <a:bodyPr/>
+              <a:lstStyle/>
+              <a:p>
+                <a:r>
+                  <a:rPr lang="de-DE">
+                    <a:noFill/>
+                  </a:rPr>
+                  <a:t> </a:t>
+                </a:r>
+              </a:p>
+            </p:txBody>
+          </p:sp>
+        </mc:Fallback>
+      </mc:AlternateContent>
+      <mc:AlternateContent xmlns:mc="http://schemas.openxmlformats.org/markup-compatibility/2006">
+        <mc:Choice xmlns:a14="http://schemas.microsoft.com/office/drawing/2010/main" Requires="a14">
+          <p:sp>
+            <p:nvSpPr>
+              <p:cNvPr id="6" name="Textfeld 5">
+                <a:extLst>
+                  <a:ext uri="{FF2B5EF4-FFF2-40B4-BE49-F238E27FC236}">
+                    <a16:creationId xmlns:a16="http://schemas.microsoft.com/office/drawing/2014/main" id="{86C5CFF8-6639-A1A9-6FE5-DC3FE76870F4}"/>
+                  </a:ext>
+                </a:extLst>
+              </p:cNvPr>
+              <p:cNvSpPr txBox="1"/>
+              <p:nvPr/>
+            </p:nvSpPr>
+            <p:spPr>
+              <a:xfrm>
+                <a:off x="3941009" y="2935519"/>
+                <a:ext cx="1008161" cy="523220"/>
+              </a:xfrm>
+              <a:prstGeom prst="rect">
+                <a:avLst/>
+              </a:prstGeom>
+              <a:noFill/>
+            </p:spPr>
+            <p:txBody>
+              <a:bodyPr wrap="none" rtlCol="0">
+                <a:spAutoFit/>
+              </a:bodyPr>
+              <a:lstStyle/>
+              <a:p>
+                <a14:m>
+                  <m:oMathPara xmlns:m="http://schemas.openxmlformats.org/officeDocument/2006/math">
+                    <m:oMathParaPr>
+                      <m:jc m:val="centerGroup"/>
+                    </m:oMathParaPr>
+                    <m:oMath xmlns:m="http://schemas.openxmlformats.org/officeDocument/2006/math">
+                      <m:r>
+                        <a:rPr lang="de-DE" sz="2800" b="0" i="1" dirty="0" smtClean="0">
+                          <a:latin typeface="Cambria Math" panose="02040503050406030204" pitchFamily="18" charset="0"/>
+                        </a:rPr>
+                        <m:t>𝑈</m:t>
+                      </m:r>
+                      <m:r>
+                        <a:rPr lang="de-DE" sz="2800" b="0" i="1" dirty="0" smtClean="0">
+                          <a:latin typeface="Cambria Math" panose="02040503050406030204" pitchFamily="18" charset="0"/>
+                        </a:rPr>
+                        <m:t>(</m:t>
+                      </m:r>
+                      <m:r>
+                        <a:rPr lang="de-DE" sz="2800" b="0" i="1" dirty="0" smtClean="0">
+                          <a:latin typeface="Cambria Math" panose="02040503050406030204" pitchFamily="18" charset="0"/>
+                        </a:rPr>
+                        <m:t>𝑆</m:t>
+                      </m:r>
+                      <m:r>
+                        <a:rPr lang="de-DE" sz="2800" b="0" i="1" dirty="0" smtClean="0">
+                          <a:latin typeface="Cambria Math" panose="02040503050406030204" pitchFamily="18" charset="0"/>
+                        </a:rPr>
+                        <m:t>)</m:t>
+                      </m:r>
+                    </m:oMath>
+                  </m:oMathPara>
+                </a14:m>
+                <a:endParaRPr lang="de-DE" sz="2800" dirty="0"/>
+              </a:p>
+            </p:txBody>
+          </p:sp>
+        </mc:Choice>
+        <mc:Fallback>
+          <p:sp>
+            <p:nvSpPr>
+              <p:cNvPr id="6" name="Textfeld 5">
+                <a:extLst>
+                  <a:ext uri="{FF2B5EF4-FFF2-40B4-BE49-F238E27FC236}">
+                    <a16:creationId xmlns:a16="http://schemas.microsoft.com/office/drawing/2014/main" id="{86C5CFF8-6639-A1A9-6FE5-DC3FE76870F4}"/>
+                  </a:ext>
+                </a:extLst>
+              </p:cNvPr>
+              <p:cNvSpPr txBox="1">
+                <a:spLocks noRot="1" noChangeAspect="1" noMove="1" noResize="1" noEditPoints="1" noAdjustHandles="1" noChangeArrowheads="1" noChangeShapeType="1" noTextEdit="1"/>
+              </p:cNvSpPr>
+              <p:nvPr/>
+            </p:nvSpPr>
+            <p:spPr>
+              <a:xfrm>
+                <a:off x="3941009" y="2935519"/>
+                <a:ext cx="1008161" cy="523220"/>
+              </a:xfrm>
+              <a:prstGeom prst="rect">
+                <a:avLst/>
+              </a:prstGeom>
+              <a:blipFill>
+                <a:blip r:embed="rId3"/>
+                <a:stretch>
+                  <a:fillRect r="-3750" b="-16667"/>
+                </a:stretch>
+              </a:blipFill>
+            </p:spPr>
+            <p:txBody>
+              <a:bodyPr/>
+              <a:lstStyle/>
+              <a:p>
+                <a:r>
+                  <a:rPr lang="de-DE">
+                    <a:noFill/>
+                  </a:rPr>
+                  <a:t> </a:t>
+                </a:r>
+              </a:p>
+            </p:txBody>
+          </p:sp>
+        </mc:Fallback>
+      </mc:AlternateContent>
+      <mc:AlternateContent xmlns:mc="http://schemas.openxmlformats.org/markup-compatibility/2006">
+        <mc:Choice xmlns:a14="http://schemas.microsoft.com/office/drawing/2010/main" Requires="a14">
+          <p:sp>
+            <p:nvSpPr>
+              <p:cNvPr id="7" name="Textfeld 6">
+                <a:extLst>
+                  <a:ext uri="{FF2B5EF4-FFF2-40B4-BE49-F238E27FC236}">
+                    <a16:creationId xmlns:a16="http://schemas.microsoft.com/office/drawing/2014/main" id="{421548D2-0177-3287-DCD3-D6C2ADD18CFB}"/>
+                  </a:ext>
+                </a:extLst>
+              </p:cNvPr>
+              <p:cNvSpPr txBox="1"/>
+              <p:nvPr/>
+            </p:nvSpPr>
+            <p:spPr>
+              <a:xfrm>
+                <a:off x="6420828" y="2939579"/>
+                <a:ext cx="979499" cy="523220"/>
+              </a:xfrm>
+              <a:prstGeom prst="rect">
+                <a:avLst/>
+              </a:prstGeom>
+              <a:noFill/>
+            </p:spPr>
+            <p:txBody>
+              <a:bodyPr wrap="none" rtlCol="0">
+                <a:spAutoFit/>
+              </a:bodyPr>
+              <a:lstStyle/>
+              <a:p>
+                <a14:m>
+                  <m:oMathPara xmlns:m="http://schemas.openxmlformats.org/officeDocument/2006/math">
+                    <m:oMathParaPr>
+                      <m:jc m:val="centerGroup"/>
+                    </m:oMathParaPr>
+                    <m:oMath xmlns:m="http://schemas.openxmlformats.org/officeDocument/2006/math">
+                      <m:r>
+                        <a:rPr lang="de-DE" sz="2800" b="0" i="1" dirty="0" smtClean="0">
+                          <a:latin typeface="Cambria Math" panose="02040503050406030204" pitchFamily="18" charset="0"/>
+                        </a:rPr>
+                        <m:t>𝑌</m:t>
+                      </m:r>
+                      <m:r>
+                        <a:rPr lang="de-DE" sz="2800" i="1" dirty="0">
+                          <a:latin typeface="Cambria Math" panose="02040503050406030204" pitchFamily="18" charset="0"/>
+                        </a:rPr>
+                        <m:t>(</m:t>
+                      </m:r>
+                      <m:r>
+                        <a:rPr lang="de-DE" sz="2800" i="1" dirty="0">
+                          <a:latin typeface="Cambria Math" panose="02040503050406030204" pitchFamily="18" charset="0"/>
+                        </a:rPr>
+                        <m:t>𝑆</m:t>
+                      </m:r>
+                      <m:r>
+                        <a:rPr lang="de-DE" sz="2800" i="1" dirty="0">
+                          <a:latin typeface="Cambria Math" panose="02040503050406030204" pitchFamily="18" charset="0"/>
+                        </a:rPr>
+                        <m:t>)</m:t>
+                      </m:r>
+                    </m:oMath>
+                  </m:oMathPara>
+                </a14:m>
+                <a:endParaRPr lang="de-DE" sz="2800" dirty="0"/>
+              </a:p>
+            </p:txBody>
+          </p:sp>
+        </mc:Choice>
+        <mc:Fallback>
+          <p:sp>
+            <p:nvSpPr>
+              <p:cNvPr id="7" name="Textfeld 6">
+                <a:extLst>
+                  <a:ext uri="{FF2B5EF4-FFF2-40B4-BE49-F238E27FC236}">
+                    <a16:creationId xmlns:a16="http://schemas.microsoft.com/office/drawing/2014/main" id="{421548D2-0177-3287-DCD3-D6C2ADD18CFB}"/>
+                  </a:ext>
+                </a:extLst>
+              </p:cNvPr>
+              <p:cNvSpPr txBox="1">
+                <a:spLocks noRot="1" noChangeAspect="1" noMove="1" noResize="1" noEditPoints="1" noAdjustHandles="1" noChangeArrowheads="1" noChangeShapeType="1" noTextEdit="1"/>
+              </p:cNvSpPr>
+              <p:nvPr/>
+            </p:nvSpPr>
+            <p:spPr>
+              <a:xfrm>
+                <a:off x="6420828" y="2939579"/>
+                <a:ext cx="979499" cy="523220"/>
+              </a:xfrm>
+              <a:prstGeom prst="rect">
+                <a:avLst/>
+              </a:prstGeom>
+              <a:blipFill>
+                <a:blip r:embed="rId4"/>
+                <a:stretch>
+                  <a:fillRect r="-3846" b="-19048"/>
+                </a:stretch>
+              </a:blipFill>
+            </p:spPr>
+            <p:txBody>
+              <a:bodyPr/>
+              <a:lstStyle/>
+              <a:p>
+                <a:r>
+                  <a:rPr lang="de-DE">
+                    <a:noFill/>
+                  </a:rPr>
+                  <a:t> </a:t>
+                </a:r>
+              </a:p>
+            </p:txBody>
+          </p:sp>
+        </mc:Fallback>
+      </mc:AlternateContent>
+      <p:cxnSp>
+        <p:nvCxnSpPr>
+          <p:cNvPr id="8" name="Gerade Verbindung mit Pfeil 7">
+            <a:extLst>
+              <a:ext uri="{FF2B5EF4-FFF2-40B4-BE49-F238E27FC236}">
+                <a16:creationId xmlns:a16="http://schemas.microsoft.com/office/drawing/2014/main" id="{15DDEB57-A4D8-0697-58DC-6AA68A82D2FE}"/>
+              </a:ext>
+            </a:extLst>
+          </p:cNvPr>
+          <p:cNvCxnSpPr>
+            <a:cxnSpLocks/>
+            <a:endCxn id="5" idx="1"/>
+          </p:cNvCxnSpPr>
+          <p:nvPr/>
+        </p:nvCxnSpPr>
+        <p:spPr>
+          <a:xfrm>
+            <a:off x="4034118" y="3429000"/>
+            <a:ext cx="1069551" cy="0"/>
+          </a:xfrm>
+          <a:prstGeom prst="straightConnector1">
+            <a:avLst/>
+          </a:prstGeom>
+          <a:ln>
+            <a:tailEnd type="triangle"/>
+          </a:ln>
+        </p:spPr>
+        <p:style>
+          <a:lnRef idx="3">
+            <a:schemeClr val="dk1"/>
+          </a:lnRef>
+          <a:fillRef idx="0">
+            <a:schemeClr val="dk1"/>
+          </a:fillRef>
+          <a:effectRef idx="2">
+            <a:schemeClr val="dk1"/>
+          </a:effectRef>
+          <a:fontRef idx="minor">
+            <a:schemeClr val="tx1"/>
+          </a:fontRef>
+        </p:style>
+      </p:cxnSp>
+      <p:cxnSp>
+        <p:nvCxnSpPr>
+          <p:cNvPr id="14" name="Gerade Verbindung mit Pfeil 13">
+            <a:extLst>
+              <a:ext uri="{FF2B5EF4-FFF2-40B4-BE49-F238E27FC236}">
+                <a16:creationId xmlns:a16="http://schemas.microsoft.com/office/drawing/2014/main" id="{1DBC24DB-981A-7369-A0B6-3DDFB5038549}"/>
+              </a:ext>
+            </a:extLst>
+          </p:cNvPr>
+          <p:cNvCxnSpPr>
+            <a:cxnSpLocks/>
+          </p:cNvCxnSpPr>
+          <p:nvPr/>
+        </p:nvCxnSpPr>
+        <p:spPr>
+          <a:xfrm>
+            <a:off x="6265818" y="3458739"/>
+            <a:ext cx="1069551" cy="0"/>
+          </a:xfrm>
+          <a:prstGeom prst="straightConnector1">
+            <a:avLst/>
+          </a:prstGeom>
+          <a:ln>
+            <a:tailEnd type="triangle"/>
+          </a:ln>
+        </p:spPr>
+        <p:style>
+          <a:lnRef idx="3">
+            <a:schemeClr val="dk1"/>
+          </a:lnRef>
+          <a:fillRef idx="0">
+            <a:schemeClr val="dk1"/>
+          </a:fillRef>
+          <a:effectRef idx="2">
+            <a:schemeClr val="dk1"/>
+          </a:effectRef>
+          <a:fontRef idx="minor">
+            <a:schemeClr val="tx1"/>
+          </a:fontRef>
+        </p:style>
+      </p:cxnSp>
+      <p:sp>
+        <p:nvSpPr>
+          <p:cNvPr id="16" name="Textfeld 15">
+            <a:extLst>
+              <a:ext uri="{FF2B5EF4-FFF2-40B4-BE49-F238E27FC236}">
+                <a16:creationId xmlns:a16="http://schemas.microsoft.com/office/drawing/2014/main" id="{5F5F19AC-2525-194E-CCAF-727E3C9C45D3}"/>
+              </a:ext>
+            </a:extLst>
+          </p:cNvPr>
+          <p:cNvSpPr txBox="1"/>
+          <p:nvPr/>
+        </p:nvSpPr>
+        <p:spPr>
+          <a:xfrm>
+            <a:off x="3738538" y="5063490"/>
+            <a:ext cx="3892922" cy="523220"/>
+          </a:xfrm>
+          <a:prstGeom prst="rect">
+            <a:avLst/>
+          </a:prstGeom>
+          <a:noFill/>
+        </p:spPr>
+        <p:txBody>
+          <a:bodyPr wrap="square">
+            <a:spAutoFit/>
+          </a:bodyPr>
+          <a:lstStyle/>
+          <a:p>
+            <a:r>
+              <a:rPr lang="de-DE" sz="2800" dirty="0"/>
+              <a:t>Modular </a:t>
+            </a:r>
+            <a:r>
+              <a:rPr lang="de-DE" sz="2800" dirty="0" err="1"/>
+              <a:t>representation</a:t>
+            </a:r>
+            <a:endParaRPr lang="de-DE" sz="2800" dirty="0"/>
           </a:p>
         </p:txBody>
       </p:sp>
@@ -12894,7 +13331,7 @@
           <p:cNvPr id="2" name="Titel 1">
             <a:extLst>
               <a:ext uri="{FF2B5EF4-FFF2-40B4-BE49-F238E27FC236}">
-                <a16:creationId xmlns:a16="http://schemas.microsoft.com/office/drawing/2014/main" id="{404A78D5-067E-21F1-2645-890D26DEFC1F}"/>
+                <a16:creationId xmlns:a16="http://schemas.microsoft.com/office/drawing/2014/main" id="{8644509E-E7E1-0210-2281-CCC9203CAD8C}"/>
               </a:ext>
             </a:extLst>
           </p:cNvPr>
@@ -12911,105 +13348,17 @@
           <a:lstStyle/>
           <a:p>
             <a:r>
+              <a:rPr lang="de-DE" dirty="0"/>
+              <a:t>Block </a:t>
+            </a:r>
+            <a:r>
               <a:rPr lang="de-DE" dirty="0" err="1"/>
-              <a:t>Frequency</a:t>
+              <a:t>Diagram</a:t>
             </a:r>
             <a:r>
               <a:rPr lang="de-DE" dirty="0"/>
-              <a:t> Response</a:t>
-            </a:r>
-          </a:p>
-        </p:txBody>
-      </p:sp>
-      <p:sp>
-        <p:nvSpPr>
-          <p:cNvPr id="3" name="Inhaltsplatzhalter 2">
-            <a:extLst>
-              <a:ext uri="{FF2B5EF4-FFF2-40B4-BE49-F238E27FC236}">
-                <a16:creationId xmlns:a16="http://schemas.microsoft.com/office/drawing/2014/main" id="{CEDEC18C-E4CF-465B-E3BA-BAAD31B5ACD1}"/>
-              </a:ext>
-            </a:extLst>
-          </p:cNvPr>
-          <p:cNvSpPr>
-            <a:spLocks noGrp="1"/>
-          </p:cNvSpPr>
-          <p:nvPr>
-            <p:ph idx="1"/>
-          </p:nvPr>
-        </p:nvSpPr>
-        <p:spPr/>
-        <p:txBody>
-          <a:bodyPr/>
-          <a:lstStyle/>
-          <a:p>
-            <a:r>
-              <a:rPr lang="de-DE" dirty="0"/>
-              <a:t>Response </a:t>
-            </a:r>
-            <a:r>
-              <a:rPr lang="de-DE" dirty="0" err="1"/>
-              <a:t>to</a:t>
-            </a:r>
-            <a:r>
-              <a:rPr lang="de-DE" dirty="0"/>
-              <a:t> </a:t>
-            </a:r>
-            <a:r>
-              <a:rPr lang="de-DE" dirty="0" err="1"/>
-              <a:t>sinusoidal</a:t>
-            </a:r>
-            <a:r>
-              <a:rPr lang="de-DE" dirty="0"/>
-              <a:t> </a:t>
-            </a:r>
-            <a:r>
-              <a:rPr lang="de-DE" dirty="0" err="1"/>
-              <a:t>inputs</a:t>
-            </a:r>
-            <a:endParaRPr lang="de-DE" dirty="0"/>
-          </a:p>
-          <a:p>
-            <a:r>
-              <a:rPr lang="de-DE" dirty="0"/>
-              <a:t>Amplitude and </a:t>
-            </a:r>
-            <a:r>
-              <a:rPr lang="de-DE" dirty="0" err="1"/>
-              <a:t>phase</a:t>
-            </a:r>
-            <a:r>
-              <a:rPr lang="de-DE" dirty="0"/>
-              <a:t> </a:t>
-            </a:r>
-            <a:r>
-              <a:rPr lang="de-DE" dirty="0" err="1"/>
-              <a:t>as</a:t>
-            </a:r>
-            <a:r>
-              <a:rPr lang="de-DE" dirty="0"/>
-              <a:t> </a:t>
-            </a:r>
-            <a:r>
-              <a:rPr lang="de-DE" dirty="0" err="1"/>
-              <a:t>function</a:t>
-            </a:r>
-            <a:r>
-              <a:rPr lang="de-DE" dirty="0"/>
-              <a:t> </a:t>
-            </a:r>
-            <a:r>
-              <a:rPr lang="de-DE" dirty="0" err="1"/>
-              <a:t>of</a:t>
-            </a:r>
-            <a:r>
-              <a:rPr lang="de-DE" dirty="0"/>
-              <a:t> </a:t>
-            </a:r>
-            <a:r>
-              <a:rPr lang="de-DE" dirty="0" err="1"/>
-              <a:t>frequency</a:t>
-            </a:r>
-            <a:endParaRPr lang="de-DE" dirty="0"/>
+              <a:t> Algebra</a:t>
+            </a:r>
           </a:p>
         </p:txBody>
       </p:sp>
@@ -13018,7 +13367,7 @@
           <p:cNvPr id="4" name="Foliennummernplatzhalter 3">
             <a:extLst>
               <a:ext uri="{FF2B5EF4-FFF2-40B4-BE49-F238E27FC236}">
-                <a16:creationId xmlns:a16="http://schemas.microsoft.com/office/drawing/2014/main" id="{A9C4FAB9-93C0-FAFE-8178-BA6143807F81}"/>
+                <a16:creationId xmlns:a16="http://schemas.microsoft.com/office/drawing/2014/main" id="{676C87ED-FF23-89FE-8CE1-3889D8FB39DD}"/>
               </a:ext>
             </a:extLst>
           </p:cNvPr>
@@ -13042,10 +13391,118 @@
           </a:p>
         </p:txBody>
       </p:sp>
+      <p:pic>
+        <p:nvPicPr>
+          <p:cNvPr id="6" name="Grafik 5" descr="Ein Bild, das Diagramm, Reihe, Schrift, weiß enthält.&#10;&#10;KI-generierte Inhalte können fehlerhaft sein.">
+            <a:extLst>
+              <a:ext uri="{FF2B5EF4-FFF2-40B4-BE49-F238E27FC236}">
+                <a16:creationId xmlns:a16="http://schemas.microsoft.com/office/drawing/2014/main" id="{575BE577-3716-947E-23B2-F80FB1484633}"/>
+              </a:ext>
+            </a:extLst>
+          </p:cNvPr>
+          <p:cNvPicPr>
+            <a:picLocks noChangeAspect="1"/>
+          </p:cNvPicPr>
+          <p:nvPr/>
+        </p:nvPicPr>
+        <p:blipFill>
+          <a:blip r:embed="rId2">
+            <a:extLst>
+              <a:ext uri="{28A0092B-C50C-407E-A947-70E740481C1C}">
+                <a14:useLocalDpi xmlns:a14="http://schemas.microsoft.com/office/drawing/2010/main" val="0"/>
+              </a:ext>
+            </a:extLst>
+          </a:blip>
+          <a:stretch>
+            <a:fillRect/>
+          </a:stretch>
+        </p:blipFill>
+        <p:spPr>
+          <a:xfrm>
+            <a:off x="838200" y="1690688"/>
+            <a:ext cx="4966624" cy="2393896"/>
+          </a:xfrm>
+          <a:prstGeom prst="rect">
+            <a:avLst/>
+          </a:prstGeom>
+        </p:spPr>
+      </p:pic>
+      <p:pic>
+        <p:nvPicPr>
+          <p:cNvPr id="8" name="Grafik 7" descr="Ein Bild, das Diagramm, Reihe, Schrift, weiß enthält.&#10;&#10;KI-generierte Inhalte können fehlerhaft sein.">
+            <a:extLst>
+              <a:ext uri="{FF2B5EF4-FFF2-40B4-BE49-F238E27FC236}">
+                <a16:creationId xmlns:a16="http://schemas.microsoft.com/office/drawing/2014/main" id="{F0E4D41F-7CB3-580D-FDA7-6868FCF47AD9}"/>
+              </a:ext>
+            </a:extLst>
+          </p:cNvPr>
+          <p:cNvPicPr>
+            <a:picLocks noChangeAspect="1"/>
+          </p:cNvPicPr>
+          <p:nvPr/>
+        </p:nvPicPr>
+        <p:blipFill>
+          <a:blip r:embed="rId3">
+            <a:extLst>
+              <a:ext uri="{28A0092B-C50C-407E-A947-70E740481C1C}">
+                <a14:useLocalDpi xmlns:a14="http://schemas.microsoft.com/office/drawing/2010/main" val="0"/>
+              </a:ext>
+            </a:extLst>
+          </a:blip>
+          <a:stretch>
+            <a:fillRect/>
+          </a:stretch>
+        </p:blipFill>
+        <p:spPr>
+          <a:xfrm>
+            <a:off x="838200" y="4437894"/>
+            <a:ext cx="6347012" cy="2283581"/>
+          </a:xfrm>
+          <a:prstGeom prst="rect">
+            <a:avLst/>
+          </a:prstGeom>
+        </p:spPr>
+      </p:pic>
+      <p:pic>
+        <p:nvPicPr>
+          <p:cNvPr id="10" name="Grafik 9">
+            <a:extLst>
+              <a:ext uri="{FF2B5EF4-FFF2-40B4-BE49-F238E27FC236}">
+                <a16:creationId xmlns:a16="http://schemas.microsoft.com/office/drawing/2014/main" id="{7A6DAF4C-271F-9B13-70E3-25562F5AE35F}"/>
+              </a:ext>
+            </a:extLst>
+          </p:cNvPr>
+          <p:cNvPicPr>
+            <a:picLocks noChangeAspect="1"/>
+          </p:cNvPicPr>
+          <p:nvPr/>
+        </p:nvPicPr>
+        <p:blipFill>
+          <a:blip r:embed="rId4">
+            <a:extLst>
+              <a:ext uri="{28A0092B-C50C-407E-A947-70E740481C1C}">
+                <a14:useLocalDpi xmlns:a14="http://schemas.microsoft.com/office/drawing/2010/main" val="0"/>
+              </a:ext>
+            </a:extLst>
+          </a:blip>
+          <a:stretch>
+            <a:fillRect/>
+          </a:stretch>
+        </p:blipFill>
+        <p:spPr>
+          <a:xfrm>
+            <a:off x="7005740" y="1689293"/>
+            <a:ext cx="4339094" cy="2749996"/>
+          </a:xfrm>
+          <a:prstGeom prst="rect">
+            <a:avLst/>
+          </a:prstGeom>
+        </p:spPr>
+      </p:pic>
     </p:spTree>
     <p:extLst>
       <p:ext uri="{BB962C8B-B14F-4D97-AF65-F5344CB8AC3E}">
-        <p14:creationId xmlns:p14="http://schemas.microsoft.com/office/powerpoint/2010/main" val="1769881994"/>
+        <p14:creationId xmlns:p14="http://schemas.microsoft.com/office/powerpoint/2010/main" val="2612268768"/>
       </p:ext>
     </p:extLst>
   </p:cSld>
@@ -13074,10 +13531,10 @@
       </p:grpSpPr>
       <p:sp>
         <p:nvSpPr>
-          <p:cNvPr id="2" name="Titel 1">
+          <p:cNvPr id="5" name="Titel 4">
             <a:extLst>
               <a:ext uri="{FF2B5EF4-FFF2-40B4-BE49-F238E27FC236}">
-                <a16:creationId xmlns:a16="http://schemas.microsoft.com/office/drawing/2014/main" id="{A9C6D322-35CE-E406-E736-C42B96BBFADB}"/>
+                <a16:creationId xmlns:a16="http://schemas.microsoft.com/office/drawing/2014/main" id="{34F634FB-12C6-E4A4-0192-D21C3C5863C7}"/>
               </a:ext>
             </a:extLst>
           </p:cNvPr>
@@ -13095,123 +13552,8 @@
           <a:p>
             <a:r>
               <a:rPr lang="de-DE" dirty="0"/>
-              <a:t>Bode Plots</a:t>
-            </a:r>
-          </a:p>
-        </p:txBody>
-      </p:sp>
-      <p:sp>
-        <p:nvSpPr>
-          <p:cNvPr id="3" name="Inhaltsplatzhalter 2">
-            <a:extLst>
-              <a:ext uri="{FF2B5EF4-FFF2-40B4-BE49-F238E27FC236}">
-                <a16:creationId xmlns:a16="http://schemas.microsoft.com/office/drawing/2014/main" id="{8BA8D483-42E5-4829-8E46-019410D93D5F}"/>
-              </a:ext>
-            </a:extLst>
-          </p:cNvPr>
-          <p:cNvSpPr>
-            <a:spLocks noGrp="1"/>
-          </p:cNvSpPr>
-          <p:nvPr>
-            <p:ph idx="1"/>
-          </p:nvPr>
-        </p:nvSpPr>
-        <p:spPr/>
-        <p:txBody>
-          <a:bodyPr/>
-          <a:lstStyle/>
-          <a:p>
-            <a:r>
-              <a:rPr lang="de-DE" dirty="0"/>
-              <a:t>Magnitude (dB) </a:t>
-            </a:r>
-            <a:r>
-              <a:rPr lang="de-DE" dirty="0" err="1"/>
-              <a:t>vs</a:t>
-            </a:r>
-            <a:r>
-              <a:rPr lang="de-DE" dirty="0"/>
-              <a:t> </a:t>
-            </a:r>
-            <a:r>
-              <a:rPr lang="de-DE" dirty="0" err="1"/>
-              <a:t>frequency</a:t>
-            </a:r>
-            <a:endParaRPr lang="de-DE" dirty="0"/>
-          </a:p>
-          <a:p>
-            <a:r>
-              <a:rPr lang="de-DE" dirty="0"/>
-              <a:t>Phase </a:t>
-            </a:r>
-            <a:r>
-              <a:rPr lang="de-DE" dirty="0" err="1"/>
-              <a:t>vs</a:t>
-            </a:r>
-            <a:r>
-              <a:rPr lang="de-DE" dirty="0"/>
-              <a:t> </a:t>
-            </a:r>
-            <a:r>
-              <a:rPr lang="de-DE" dirty="0" err="1"/>
-              <a:t>frequency</a:t>
-            </a:r>
-            <a:endParaRPr lang="de-DE" dirty="0"/>
-          </a:p>
-          <a:p>
-            <a:r>
-              <a:rPr lang="de-DE" dirty="0" err="1"/>
-              <a:t>Logarithmic</a:t>
-            </a:r>
-            <a:r>
-              <a:rPr lang="de-DE" dirty="0"/>
-              <a:t> </a:t>
-            </a:r>
-            <a:r>
-              <a:rPr lang="de-DE" dirty="0" err="1"/>
-              <a:t>frequency</a:t>
-            </a:r>
-            <a:r>
-              <a:rPr lang="de-DE" dirty="0"/>
-              <a:t> </a:t>
-            </a:r>
-            <a:r>
-              <a:rPr lang="de-DE" dirty="0" err="1"/>
-              <a:t>axis</a:t>
-            </a:r>
-            <a:endParaRPr lang="de-DE" dirty="0"/>
-          </a:p>
-          <a:p>
-            <a:pPr marL="0" indent="0">
-              <a:buNone/>
-            </a:pPr>
-            <a:endParaRPr lang="de-DE" dirty="0"/>
-          </a:p>
-          <a:p>
-            <a:pPr marL="0" indent="0">
-              <a:buNone/>
-            </a:pPr>
-            <a:r>
-              <a:rPr lang="de-DE" b="1" dirty="0"/>
-              <a:t>Plot:</a:t>
-            </a:r>
-            <a:r>
-              <a:rPr lang="de-DE" dirty="0"/>
-              <a:t> </a:t>
-            </a:r>
-            <a:r>
-              <a:rPr lang="de-DE" dirty="0" err="1"/>
-              <a:t>typical</a:t>
-            </a:r>
-            <a:r>
-              <a:rPr lang="de-DE" dirty="0"/>
-              <a:t> Bode </a:t>
-            </a:r>
-            <a:r>
-              <a:rPr lang="de-DE" dirty="0" err="1"/>
-              <a:t>diagram</a:t>
-            </a:r>
-            <a:endParaRPr lang="de-DE" dirty="0"/>
+              <a:t>Series Connection</a:t>
+            </a:r>
           </a:p>
         </p:txBody>
       </p:sp>
@@ -13220,7 +13562,7 @@
           <p:cNvPr id="4" name="Foliennummernplatzhalter 3">
             <a:extLst>
               <a:ext uri="{FF2B5EF4-FFF2-40B4-BE49-F238E27FC236}">
-                <a16:creationId xmlns:a16="http://schemas.microsoft.com/office/drawing/2014/main" id="{0E71EA5C-6E4F-2473-04F2-AEB717907822}"/>
+                <a16:creationId xmlns:a16="http://schemas.microsoft.com/office/drawing/2014/main" id="{94774033-957C-A897-7272-B390B2124964}"/>
               </a:ext>
             </a:extLst>
           </p:cNvPr>
@@ -13244,10 +13586,46 @@
           </a:p>
         </p:txBody>
       </p:sp>
+      <p:pic>
+        <p:nvPicPr>
+          <p:cNvPr id="7" name="Grafik 6" descr="Ein Bild, das Diagramm, Schrift, Reihe, weiß enthält.&#10;&#10;KI-generierte Inhalte können fehlerhaft sein.">
+            <a:extLst>
+              <a:ext uri="{FF2B5EF4-FFF2-40B4-BE49-F238E27FC236}">
+                <a16:creationId xmlns:a16="http://schemas.microsoft.com/office/drawing/2014/main" id="{791EA583-7073-0F68-3004-F9F921AC68DD}"/>
+              </a:ext>
+            </a:extLst>
+          </p:cNvPr>
+          <p:cNvPicPr>
+            <a:picLocks noChangeAspect="1"/>
+          </p:cNvPicPr>
+          <p:nvPr/>
+        </p:nvPicPr>
+        <p:blipFill>
+          <a:blip r:embed="rId2">
+            <a:extLst>
+              <a:ext uri="{28A0092B-C50C-407E-A947-70E740481C1C}">
+                <a14:useLocalDpi xmlns:a14="http://schemas.microsoft.com/office/drawing/2010/main" val="0"/>
+              </a:ext>
+            </a:extLst>
+          </a:blip>
+          <a:stretch>
+            <a:fillRect/>
+          </a:stretch>
+        </p:blipFill>
+        <p:spPr>
+          <a:xfrm>
+            <a:off x="2209800" y="1903580"/>
+            <a:ext cx="7772400" cy="4589295"/>
+          </a:xfrm>
+          <a:prstGeom prst="rect">
+            <a:avLst/>
+          </a:prstGeom>
+        </p:spPr>
+      </p:pic>
     </p:spTree>
     <p:extLst>
       <p:ext uri="{BB962C8B-B14F-4D97-AF65-F5344CB8AC3E}">
-        <p14:creationId xmlns:p14="http://schemas.microsoft.com/office/powerpoint/2010/main" val="2512778299"/>
+        <p14:creationId xmlns:p14="http://schemas.microsoft.com/office/powerpoint/2010/main" val="3484346337"/>
       </p:ext>
     </p:extLst>
   </p:cSld>
@@ -13558,6 +13936,637 @@
           <p:cNvPr id="2" name="Titel 1">
             <a:extLst>
               <a:ext uri="{FF2B5EF4-FFF2-40B4-BE49-F238E27FC236}">
+                <a16:creationId xmlns:a16="http://schemas.microsoft.com/office/drawing/2014/main" id="{5182CCDB-22CC-281C-FF3B-8FCF564DDC00}"/>
+              </a:ext>
+            </a:extLst>
+          </p:cNvPr>
+          <p:cNvSpPr>
+            <a:spLocks noGrp="1"/>
+          </p:cNvSpPr>
+          <p:nvPr>
+            <p:ph type="title"/>
+          </p:nvPr>
+        </p:nvSpPr>
+        <p:spPr/>
+        <p:txBody>
+          <a:bodyPr/>
+          <a:lstStyle/>
+          <a:p>
+            <a:r>
+              <a:rPr lang="de-DE" dirty="0"/>
+              <a:t>Parallel Connection</a:t>
+            </a:r>
+          </a:p>
+        </p:txBody>
+      </p:sp>
+      <p:sp>
+        <p:nvSpPr>
+          <p:cNvPr id="3" name="Foliennummernplatzhalter 2">
+            <a:extLst>
+              <a:ext uri="{FF2B5EF4-FFF2-40B4-BE49-F238E27FC236}">
+                <a16:creationId xmlns:a16="http://schemas.microsoft.com/office/drawing/2014/main" id="{0F847D79-D206-88A7-AE9A-827A142A96CC}"/>
+              </a:ext>
+            </a:extLst>
+          </p:cNvPr>
+          <p:cNvSpPr>
+            <a:spLocks noGrp="1"/>
+          </p:cNvSpPr>
+          <p:nvPr>
+            <p:ph type="sldNum" sz="quarter" idx="12"/>
+          </p:nvPr>
+        </p:nvSpPr>
+        <p:spPr/>
+        <p:txBody>
+          <a:bodyPr/>
+          <a:lstStyle/>
+          <a:p>
+            <a:fld id="{08C366F5-AFAD-49CB-854A-9D9E238FCA13}" type="slidenum">
+              <a:rPr lang="en-GB" smtClean="0"/>
+              <a:t>20</a:t>
+            </a:fld>
+            <a:endParaRPr lang="en-GB"/>
+          </a:p>
+        </p:txBody>
+      </p:sp>
+      <p:pic>
+        <p:nvPicPr>
+          <p:cNvPr id="5" name="Grafik 4" descr="Ein Bild, das Diagramm, Schrift, Reihe enthält.&#10;&#10;KI-generierte Inhalte können fehlerhaft sein.">
+            <a:extLst>
+              <a:ext uri="{FF2B5EF4-FFF2-40B4-BE49-F238E27FC236}">
+                <a16:creationId xmlns:a16="http://schemas.microsoft.com/office/drawing/2014/main" id="{C41CE227-16CA-55E5-6E3C-DA3C06B6610E}"/>
+              </a:ext>
+            </a:extLst>
+          </p:cNvPr>
+          <p:cNvPicPr>
+            <a:picLocks noChangeAspect="1"/>
+          </p:cNvPicPr>
+          <p:nvPr/>
+        </p:nvPicPr>
+        <p:blipFill>
+          <a:blip r:embed="rId2">
+            <a:extLst>
+              <a:ext uri="{28A0092B-C50C-407E-A947-70E740481C1C}">
+                <a14:useLocalDpi xmlns:a14="http://schemas.microsoft.com/office/drawing/2010/main" val="0"/>
+              </a:ext>
+            </a:extLst>
+          </a:blip>
+          <a:stretch>
+            <a:fillRect/>
+          </a:stretch>
+        </p:blipFill>
+        <p:spPr>
+          <a:xfrm>
+            <a:off x="3608829" y="1554163"/>
+            <a:ext cx="4974342" cy="5167312"/>
+          </a:xfrm>
+          <a:prstGeom prst="rect">
+            <a:avLst/>
+          </a:prstGeom>
+        </p:spPr>
+      </p:pic>
+    </p:spTree>
+    <p:extLst>
+      <p:ext uri="{BB962C8B-B14F-4D97-AF65-F5344CB8AC3E}">
+        <p14:creationId xmlns:p14="http://schemas.microsoft.com/office/powerpoint/2010/main" val="2267613596"/>
+      </p:ext>
+    </p:extLst>
+  </p:cSld>
+  <p:clrMapOvr>
+    <a:masterClrMapping/>
+  </p:clrMapOvr>
+</p:sld>
+</file>
+
+<file path=ppt/slides/slide21.xml><?xml version="1.0" encoding="utf-8"?>
+<p:sld xmlns:a="http://schemas.openxmlformats.org/drawingml/2006/main" xmlns:r="http://schemas.openxmlformats.org/officeDocument/2006/relationships" xmlns:p="http://schemas.openxmlformats.org/presentationml/2006/main">
+  <p:cSld>
+    <p:spTree>
+      <p:nvGrpSpPr>
+        <p:cNvPr id="1" name=""/>
+        <p:cNvGrpSpPr/>
+        <p:nvPr/>
+      </p:nvGrpSpPr>
+      <p:grpSpPr>
+        <a:xfrm>
+          <a:off x="0" y="0"/>
+          <a:ext cx="0" cy="0"/>
+          <a:chOff x="0" y="0"/>
+          <a:chExt cx="0" cy="0"/>
+        </a:xfrm>
+      </p:grpSpPr>
+      <p:sp>
+        <p:nvSpPr>
+          <p:cNvPr id="2" name="Titel 1">
+            <a:extLst>
+              <a:ext uri="{FF2B5EF4-FFF2-40B4-BE49-F238E27FC236}">
+                <a16:creationId xmlns:a16="http://schemas.microsoft.com/office/drawing/2014/main" id="{FE1508E0-7B7E-4B43-2546-AEE206214C2E}"/>
+              </a:ext>
+            </a:extLst>
+          </p:cNvPr>
+          <p:cNvSpPr>
+            <a:spLocks noGrp="1"/>
+          </p:cNvSpPr>
+          <p:nvPr>
+            <p:ph type="title"/>
+          </p:nvPr>
+        </p:nvSpPr>
+        <p:spPr/>
+        <p:txBody>
+          <a:bodyPr/>
+          <a:lstStyle/>
+          <a:p>
+            <a:r>
+              <a:rPr lang="de-DE" dirty="0"/>
+              <a:t>Feedback Connection</a:t>
+            </a:r>
+          </a:p>
+        </p:txBody>
+      </p:sp>
+      <p:sp>
+        <p:nvSpPr>
+          <p:cNvPr id="3" name="Foliennummernplatzhalter 2">
+            <a:extLst>
+              <a:ext uri="{FF2B5EF4-FFF2-40B4-BE49-F238E27FC236}">
+                <a16:creationId xmlns:a16="http://schemas.microsoft.com/office/drawing/2014/main" id="{9F714173-BB8F-B62F-E010-E83788459783}"/>
+              </a:ext>
+            </a:extLst>
+          </p:cNvPr>
+          <p:cNvSpPr>
+            <a:spLocks noGrp="1"/>
+          </p:cNvSpPr>
+          <p:nvPr>
+            <p:ph type="sldNum" sz="quarter" idx="12"/>
+          </p:nvPr>
+        </p:nvSpPr>
+        <p:spPr/>
+        <p:txBody>
+          <a:bodyPr/>
+          <a:lstStyle/>
+          <a:p>
+            <a:fld id="{08C366F5-AFAD-49CB-854A-9D9E238FCA13}" type="slidenum">
+              <a:rPr lang="en-GB" smtClean="0"/>
+              <a:t>21</a:t>
+            </a:fld>
+            <a:endParaRPr lang="en-GB"/>
+          </a:p>
+        </p:txBody>
+      </p:sp>
+      <p:pic>
+        <p:nvPicPr>
+          <p:cNvPr id="5" name="Grafik 4" descr="Ein Bild, das Diagramm, Reihe, Schrift, Rechteck enthält.&#10;&#10;KI-generierte Inhalte können fehlerhaft sein.">
+            <a:extLst>
+              <a:ext uri="{FF2B5EF4-FFF2-40B4-BE49-F238E27FC236}">
+                <a16:creationId xmlns:a16="http://schemas.microsoft.com/office/drawing/2014/main" id="{BED82633-90FE-570B-EC32-F2379AF5F65C}"/>
+              </a:ext>
+            </a:extLst>
+          </p:cNvPr>
+          <p:cNvPicPr>
+            <a:picLocks noChangeAspect="1"/>
+          </p:cNvPicPr>
+          <p:nvPr/>
+        </p:nvPicPr>
+        <p:blipFill>
+          <a:blip r:embed="rId2">
+            <a:extLst>
+              <a:ext uri="{28A0092B-C50C-407E-A947-70E740481C1C}">
+                <a14:useLocalDpi xmlns:a14="http://schemas.microsoft.com/office/drawing/2010/main" val="0"/>
+              </a:ext>
+            </a:extLst>
+          </a:blip>
+          <a:stretch>
+            <a:fillRect/>
+          </a:stretch>
+        </p:blipFill>
+        <p:spPr>
+          <a:xfrm>
+            <a:off x="3465733" y="1546247"/>
+            <a:ext cx="5260534" cy="5175228"/>
+          </a:xfrm>
+          <a:prstGeom prst="rect">
+            <a:avLst/>
+          </a:prstGeom>
+        </p:spPr>
+      </p:pic>
+    </p:spTree>
+    <p:extLst>
+      <p:ext uri="{BB962C8B-B14F-4D97-AF65-F5344CB8AC3E}">
+        <p14:creationId xmlns:p14="http://schemas.microsoft.com/office/powerpoint/2010/main" val="3671925683"/>
+      </p:ext>
+    </p:extLst>
+  </p:cSld>
+  <p:clrMapOvr>
+    <a:masterClrMapping/>
+  </p:clrMapOvr>
+</p:sld>
+</file>
+
+<file path=ppt/slides/slide22.xml><?xml version="1.0" encoding="utf-8"?>
+<p:sld xmlns:a="http://schemas.openxmlformats.org/drawingml/2006/main" xmlns:r="http://schemas.openxmlformats.org/officeDocument/2006/relationships" xmlns:p="http://schemas.openxmlformats.org/presentationml/2006/main">
+  <p:cSld>
+    <p:spTree>
+      <p:nvGrpSpPr>
+        <p:cNvPr id="1" name=""/>
+        <p:cNvGrpSpPr/>
+        <p:nvPr/>
+      </p:nvGrpSpPr>
+      <p:grpSpPr>
+        <a:xfrm>
+          <a:off x="0" y="0"/>
+          <a:ext cx="0" cy="0"/>
+          <a:chOff x="0" y="0"/>
+          <a:chExt cx="0" cy="0"/>
+        </a:xfrm>
+      </p:grpSpPr>
+      <p:sp>
+        <p:nvSpPr>
+          <p:cNvPr id="2" name="Titel 1">
+            <a:extLst>
+              <a:ext uri="{FF2B5EF4-FFF2-40B4-BE49-F238E27FC236}">
+                <a16:creationId xmlns:a16="http://schemas.microsoft.com/office/drawing/2014/main" id="{404A78D5-067E-21F1-2645-890D26DEFC1F}"/>
+              </a:ext>
+            </a:extLst>
+          </p:cNvPr>
+          <p:cNvSpPr>
+            <a:spLocks noGrp="1"/>
+          </p:cNvSpPr>
+          <p:nvPr>
+            <p:ph type="title"/>
+          </p:nvPr>
+        </p:nvSpPr>
+        <p:spPr/>
+        <p:txBody>
+          <a:bodyPr/>
+          <a:lstStyle/>
+          <a:p>
+            <a:r>
+              <a:rPr lang="de-DE" dirty="0" err="1"/>
+              <a:t>Frequency</a:t>
+            </a:r>
+            <a:r>
+              <a:rPr lang="de-DE" dirty="0"/>
+              <a:t> Response</a:t>
+            </a:r>
+          </a:p>
+        </p:txBody>
+      </p:sp>
+      <p:sp>
+        <p:nvSpPr>
+          <p:cNvPr id="3" name="Inhaltsplatzhalter 2">
+            <a:extLst>
+              <a:ext uri="{FF2B5EF4-FFF2-40B4-BE49-F238E27FC236}">
+                <a16:creationId xmlns:a16="http://schemas.microsoft.com/office/drawing/2014/main" id="{CEDEC18C-E4CF-465B-E3BA-BAAD31B5ACD1}"/>
+              </a:ext>
+            </a:extLst>
+          </p:cNvPr>
+          <p:cNvSpPr>
+            <a:spLocks noGrp="1"/>
+          </p:cNvSpPr>
+          <p:nvPr>
+            <p:ph idx="1"/>
+          </p:nvPr>
+        </p:nvSpPr>
+        <p:spPr/>
+        <p:txBody>
+          <a:bodyPr/>
+          <a:lstStyle/>
+          <a:p>
+            <a:r>
+              <a:rPr lang="de-DE" dirty="0"/>
+              <a:t>Response </a:t>
+            </a:r>
+            <a:r>
+              <a:rPr lang="de-DE" dirty="0" err="1"/>
+              <a:t>to</a:t>
+            </a:r>
+            <a:r>
+              <a:rPr lang="de-DE" dirty="0"/>
+              <a:t> </a:t>
+            </a:r>
+            <a:r>
+              <a:rPr lang="de-DE" dirty="0" err="1"/>
+              <a:t>sinusoidal</a:t>
+            </a:r>
+            <a:r>
+              <a:rPr lang="de-DE" dirty="0"/>
+              <a:t> </a:t>
+            </a:r>
+            <a:r>
+              <a:rPr lang="de-DE" dirty="0" err="1"/>
+              <a:t>inputs</a:t>
+            </a:r>
+            <a:endParaRPr lang="de-DE" dirty="0"/>
+          </a:p>
+          <a:p>
+            <a:r>
+              <a:rPr lang="de-DE" dirty="0"/>
+              <a:t>Amplitude and </a:t>
+            </a:r>
+            <a:r>
+              <a:rPr lang="de-DE" dirty="0" err="1"/>
+              <a:t>phase</a:t>
+            </a:r>
+            <a:r>
+              <a:rPr lang="de-DE" dirty="0"/>
+              <a:t> </a:t>
+            </a:r>
+            <a:r>
+              <a:rPr lang="de-DE" dirty="0" err="1"/>
+              <a:t>as</a:t>
+            </a:r>
+            <a:r>
+              <a:rPr lang="de-DE" dirty="0"/>
+              <a:t> </a:t>
+            </a:r>
+            <a:r>
+              <a:rPr lang="de-DE" dirty="0" err="1"/>
+              <a:t>function</a:t>
+            </a:r>
+            <a:r>
+              <a:rPr lang="de-DE" dirty="0"/>
+              <a:t> </a:t>
+            </a:r>
+            <a:r>
+              <a:rPr lang="de-DE" dirty="0" err="1"/>
+              <a:t>of</a:t>
+            </a:r>
+            <a:r>
+              <a:rPr lang="de-DE" dirty="0"/>
+              <a:t> </a:t>
+            </a:r>
+            <a:r>
+              <a:rPr lang="de-DE" dirty="0" err="1"/>
+              <a:t>frequency</a:t>
+            </a:r>
+            <a:endParaRPr lang="de-DE" dirty="0"/>
+          </a:p>
+        </p:txBody>
+      </p:sp>
+      <p:sp>
+        <p:nvSpPr>
+          <p:cNvPr id="4" name="Foliennummernplatzhalter 3">
+            <a:extLst>
+              <a:ext uri="{FF2B5EF4-FFF2-40B4-BE49-F238E27FC236}">
+                <a16:creationId xmlns:a16="http://schemas.microsoft.com/office/drawing/2014/main" id="{A9C4FAB9-93C0-FAFE-8178-BA6143807F81}"/>
+              </a:ext>
+            </a:extLst>
+          </p:cNvPr>
+          <p:cNvSpPr>
+            <a:spLocks noGrp="1"/>
+          </p:cNvSpPr>
+          <p:nvPr>
+            <p:ph type="sldNum" sz="quarter" idx="12"/>
+          </p:nvPr>
+        </p:nvSpPr>
+        <p:spPr/>
+        <p:txBody>
+          <a:bodyPr/>
+          <a:lstStyle/>
+          <a:p>
+            <a:fld id="{08C366F5-AFAD-49CB-854A-9D9E238FCA13}" type="slidenum">
+              <a:rPr lang="en-GB" smtClean="0"/>
+              <a:t>22</a:t>
+            </a:fld>
+            <a:endParaRPr lang="en-GB"/>
+          </a:p>
+        </p:txBody>
+      </p:sp>
+    </p:spTree>
+    <p:extLst>
+      <p:ext uri="{BB962C8B-B14F-4D97-AF65-F5344CB8AC3E}">
+        <p14:creationId xmlns:p14="http://schemas.microsoft.com/office/powerpoint/2010/main" val="1769881994"/>
+      </p:ext>
+    </p:extLst>
+  </p:cSld>
+  <p:clrMapOvr>
+    <a:masterClrMapping/>
+  </p:clrMapOvr>
+</p:sld>
+</file>
+
+<file path=ppt/slides/slide23.xml><?xml version="1.0" encoding="utf-8"?>
+<p:sld xmlns:a="http://schemas.openxmlformats.org/drawingml/2006/main" xmlns:r="http://schemas.openxmlformats.org/officeDocument/2006/relationships" xmlns:p="http://schemas.openxmlformats.org/presentationml/2006/main">
+  <p:cSld>
+    <p:spTree>
+      <p:nvGrpSpPr>
+        <p:cNvPr id="1" name=""/>
+        <p:cNvGrpSpPr/>
+        <p:nvPr/>
+      </p:nvGrpSpPr>
+      <p:grpSpPr>
+        <a:xfrm>
+          <a:off x="0" y="0"/>
+          <a:ext cx="0" cy="0"/>
+          <a:chOff x="0" y="0"/>
+          <a:chExt cx="0" cy="0"/>
+        </a:xfrm>
+      </p:grpSpPr>
+      <p:sp>
+        <p:nvSpPr>
+          <p:cNvPr id="2" name="Titel 1">
+            <a:extLst>
+              <a:ext uri="{FF2B5EF4-FFF2-40B4-BE49-F238E27FC236}">
+                <a16:creationId xmlns:a16="http://schemas.microsoft.com/office/drawing/2014/main" id="{A9C6D322-35CE-E406-E736-C42B96BBFADB}"/>
+              </a:ext>
+            </a:extLst>
+          </p:cNvPr>
+          <p:cNvSpPr>
+            <a:spLocks noGrp="1"/>
+          </p:cNvSpPr>
+          <p:nvPr>
+            <p:ph type="title"/>
+          </p:nvPr>
+        </p:nvSpPr>
+        <p:spPr/>
+        <p:txBody>
+          <a:bodyPr/>
+          <a:lstStyle/>
+          <a:p>
+            <a:r>
+              <a:rPr lang="de-DE" dirty="0"/>
+              <a:t>Bode Plots</a:t>
+            </a:r>
+          </a:p>
+        </p:txBody>
+      </p:sp>
+      <p:sp>
+        <p:nvSpPr>
+          <p:cNvPr id="3" name="Inhaltsplatzhalter 2">
+            <a:extLst>
+              <a:ext uri="{FF2B5EF4-FFF2-40B4-BE49-F238E27FC236}">
+                <a16:creationId xmlns:a16="http://schemas.microsoft.com/office/drawing/2014/main" id="{8BA8D483-42E5-4829-8E46-019410D93D5F}"/>
+              </a:ext>
+            </a:extLst>
+          </p:cNvPr>
+          <p:cNvSpPr>
+            <a:spLocks noGrp="1"/>
+          </p:cNvSpPr>
+          <p:nvPr>
+            <p:ph idx="1"/>
+          </p:nvPr>
+        </p:nvSpPr>
+        <p:spPr/>
+        <p:txBody>
+          <a:bodyPr/>
+          <a:lstStyle/>
+          <a:p>
+            <a:r>
+              <a:rPr lang="de-DE" dirty="0"/>
+              <a:t>Magnitude (dB) </a:t>
+            </a:r>
+            <a:r>
+              <a:rPr lang="de-DE" dirty="0" err="1"/>
+              <a:t>vs</a:t>
+            </a:r>
+            <a:r>
+              <a:rPr lang="de-DE" dirty="0"/>
+              <a:t> </a:t>
+            </a:r>
+            <a:r>
+              <a:rPr lang="de-DE" dirty="0" err="1"/>
+              <a:t>frequency</a:t>
+            </a:r>
+            <a:endParaRPr lang="de-DE" dirty="0"/>
+          </a:p>
+          <a:p>
+            <a:r>
+              <a:rPr lang="de-DE" dirty="0"/>
+              <a:t>Phase </a:t>
+            </a:r>
+            <a:r>
+              <a:rPr lang="de-DE" dirty="0" err="1"/>
+              <a:t>vs</a:t>
+            </a:r>
+            <a:r>
+              <a:rPr lang="de-DE" dirty="0"/>
+              <a:t> </a:t>
+            </a:r>
+            <a:r>
+              <a:rPr lang="de-DE" dirty="0" err="1"/>
+              <a:t>frequency</a:t>
+            </a:r>
+            <a:endParaRPr lang="de-DE" dirty="0"/>
+          </a:p>
+          <a:p>
+            <a:r>
+              <a:rPr lang="de-DE" dirty="0" err="1"/>
+              <a:t>Logarithmic</a:t>
+            </a:r>
+            <a:r>
+              <a:rPr lang="de-DE" dirty="0"/>
+              <a:t> </a:t>
+            </a:r>
+            <a:r>
+              <a:rPr lang="de-DE" dirty="0" err="1"/>
+              <a:t>frequency</a:t>
+            </a:r>
+            <a:r>
+              <a:rPr lang="de-DE" dirty="0"/>
+              <a:t> </a:t>
+            </a:r>
+            <a:r>
+              <a:rPr lang="de-DE" dirty="0" err="1"/>
+              <a:t>axis</a:t>
+            </a:r>
+            <a:endParaRPr lang="de-DE" dirty="0"/>
+          </a:p>
+          <a:p>
+            <a:pPr marL="0" indent="0">
+              <a:buNone/>
+            </a:pPr>
+            <a:endParaRPr lang="de-DE" dirty="0"/>
+          </a:p>
+          <a:p>
+            <a:pPr marL="0" indent="0">
+              <a:buNone/>
+            </a:pPr>
+            <a:r>
+              <a:rPr lang="de-DE" b="1" dirty="0"/>
+              <a:t>Plot:</a:t>
+            </a:r>
+            <a:r>
+              <a:rPr lang="de-DE" dirty="0"/>
+              <a:t> </a:t>
+            </a:r>
+            <a:r>
+              <a:rPr lang="de-DE" dirty="0" err="1"/>
+              <a:t>typical</a:t>
+            </a:r>
+            <a:r>
+              <a:rPr lang="de-DE" dirty="0"/>
+              <a:t> Bode </a:t>
+            </a:r>
+            <a:r>
+              <a:rPr lang="de-DE" dirty="0" err="1"/>
+              <a:t>diagram</a:t>
+            </a:r>
+            <a:endParaRPr lang="de-DE" dirty="0"/>
+          </a:p>
+        </p:txBody>
+      </p:sp>
+      <p:sp>
+        <p:nvSpPr>
+          <p:cNvPr id="4" name="Foliennummernplatzhalter 3">
+            <a:extLst>
+              <a:ext uri="{FF2B5EF4-FFF2-40B4-BE49-F238E27FC236}">
+                <a16:creationId xmlns:a16="http://schemas.microsoft.com/office/drawing/2014/main" id="{0E71EA5C-6E4F-2473-04F2-AEB717907822}"/>
+              </a:ext>
+            </a:extLst>
+          </p:cNvPr>
+          <p:cNvSpPr>
+            <a:spLocks noGrp="1"/>
+          </p:cNvSpPr>
+          <p:nvPr>
+            <p:ph type="sldNum" sz="quarter" idx="12"/>
+          </p:nvPr>
+        </p:nvSpPr>
+        <p:spPr/>
+        <p:txBody>
+          <a:bodyPr/>
+          <a:lstStyle/>
+          <a:p>
+            <a:fld id="{08C366F5-AFAD-49CB-854A-9D9E238FCA13}" type="slidenum">
+              <a:rPr lang="en-GB" smtClean="0"/>
+              <a:t>23</a:t>
+            </a:fld>
+            <a:endParaRPr lang="en-GB"/>
+          </a:p>
+        </p:txBody>
+      </p:sp>
+    </p:spTree>
+    <p:extLst>
+      <p:ext uri="{BB962C8B-B14F-4D97-AF65-F5344CB8AC3E}">
+        <p14:creationId xmlns:p14="http://schemas.microsoft.com/office/powerpoint/2010/main" val="2512778299"/>
+      </p:ext>
+    </p:extLst>
+  </p:cSld>
+  <p:clrMapOvr>
+    <a:masterClrMapping/>
+  </p:clrMapOvr>
+</p:sld>
+</file>
+
+<file path=ppt/slides/slide24.xml><?xml version="1.0" encoding="utf-8"?>
+<p:sld xmlns:a="http://schemas.openxmlformats.org/drawingml/2006/main" xmlns:r="http://schemas.openxmlformats.org/officeDocument/2006/relationships" xmlns:p="http://schemas.openxmlformats.org/presentationml/2006/main">
+  <p:cSld>
+    <p:spTree>
+      <p:nvGrpSpPr>
+        <p:cNvPr id="1" name=""/>
+        <p:cNvGrpSpPr/>
+        <p:nvPr/>
+      </p:nvGrpSpPr>
+      <p:grpSpPr>
+        <a:xfrm>
+          <a:off x="0" y="0"/>
+          <a:ext cx="0" cy="0"/>
+          <a:chOff x="0" y="0"/>
+          <a:chExt cx="0" cy="0"/>
+        </a:xfrm>
+      </p:grpSpPr>
+      <p:sp>
+        <p:nvSpPr>
+          <p:cNvPr id="2" name="Titel 1">
+            <a:extLst>
+              <a:ext uri="{FF2B5EF4-FFF2-40B4-BE49-F238E27FC236}">
                 <a16:creationId xmlns:a16="http://schemas.microsoft.com/office/drawing/2014/main" id="{8377BFFA-EEF3-DEE2-E225-4573FB292E1D}"/>
               </a:ext>
             </a:extLst>
@@ -13724,7 +14733,7 @@
           <a:p>
             <a:fld id="{08C366F5-AFAD-49CB-854A-9D9E238FCA13}" type="slidenum">
               <a:rPr lang="en-GB" smtClean="0"/>
-              <a:t>20</a:t>
+              <a:t>24</a:t>
             </a:fld>
             <a:endParaRPr lang="en-GB"/>
           </a:p>
@@ -13743,7 +14752,7 @@
 </p:sld>
 </file>
 
-<file path=ppt/slides/slide21.xml><?xml version="1.0" encoding="utf-8"?>
+<file path=ppt/slides/slide25.xml><?xml version="1.0" encoding="utf-8"?>
 <p:sld xmlns:a="http://schemas.openxmlformats.org/drawingml/2006/main" xmlns:r="http://schemas.openxmlformats.org/officeDocument/2006/relationships" xmlns:p="http://schemas.openxmlformats.org/presentationml/2006/main">
   <p:cSld>
     <p:spTree>
@@ -13796,8 +14805,8 @@
           </a:p>
         </p:txBody>
       </p:sp>
-      <mc:AlternateContent xmlns:mc="http://schemas.openxmlformats.org/markup-compatibility/2006">
-        <mc:Choice xmlns:a14="http://schemas.microsoft.com/office/drawing/2010/main" Requires="a14">
+      <mc:AlternateContent xmlns:mc="http://schemas.openxmlformats.org/markup-compatibility/2006" xmlns:a14="http://schemas.microsoft.com/office/drawing/2010/main">
+        <mc:Choice Requires="a14">
           <p:sp>
             <p:nvSpPr>
               <p:cNvPr id="4" name="Inhaltsplatzhalter 3">
@@ -13980,7 +14989,7 @@
             </p:txBody>
           </p:sp>
         </mc:Choice>
-        <mc:Fallback>
+        <mc:Fallback xmlns="">
           <p:sp>
             <p:nvSpPr>
               <p:cNvPr id="4" name="Inhaltsplatzhalter 3">
@@ -14043,7 +15052,7 @@
           <a:p>
             <a:fld id="{08C366F5-AFAD-49CB-854A-9D9E238FCA13}" type="slidenum">
               <a:rPr lang="en-GB" smtClean="0"/>
-              <a:t>21</a:t>
+              <a:t>25</a:t>
             </a:fld>
             <a:endParaRPr lang="en-GB"/>
           </a:p>

--- a/slides/3_Laplace.pptx
+++ b/slides/3_Laplace.pptx
@@ -5,7 +5,7 @@
     <p:sldMasterId id="2147483648" r:id="rId1"/>
   </p:sldMasterIdLst>
   <p:notesMasterIdLst>
-    <p:notesMasterId r:id="rId31"/>
+    <p:notesMasterId r:id="rId39"/>
   </p:notesMasterIdLst>
   <p:sldIdLst>
     <p:sldId id="256" r:id="rId2"/>
@@ -26,17 +26,25 @@
     <p:sldId id="281" r:id="rId17"/>
     <p:sldId id="286" r:id="rId18"/>
     <p:sldId id="292" r:id="rId19"/>
-    <p:sldId id="293" r:id="rId20"/>
-    <p:sldId id="294" r:id="rId21"/>
-    <p:sldId id="272" r:id="rId22"/>
-    <p:sldId id="290" r:id="rId23"/>
-    <p:sldId id="287" r:id="rId24"/>
-    <p:sldId id="288" r:id="rId25"/>
-    <p:sldId id="289" r:id="rId26"/>
-    <p:sldId id="273" r:id="rId27"/>
-    <p:sldId id="274" r:id="rId28"/>
-    <p:sldId id="275" r:id="rId29"/>
-    <p:sldId id="285" r:id="rId30"/>
+    <p:sldId id="272" r:id="rId20"/>
+    <p:sldId id="290" r:id="rId21"/>
+    <p:sldId id="287" r:id="rId22"/>
+    <p:sldId id="288" r:id="rId23"/>
+    <p:sldId id="289" r:id="rId24"/>
+    <p:sldId id="273" r:id="rId25"/>
+    <p:sldId id="274" r:id="rId26"/>
+    <p:sldId id="275" r:id="rId27"/>
+    <p:sldId id="293" r:id="rId28"/>
+    <p:sldId id="294" r:id="rId29"/>
+    <p:sldId id="295" r:id="rId30"/>
+    <p:sldId id="296" r:id="rId31"/>
+    <p:sldId id="297" r:id="rId32"/>
+    <p:sldId id="298" r:id="rId33"/>
+    <p:sldId id="299" r:id="rId34"/>
+    <p:sldId id="300" r:id="rId35"/>
+    <p:sldId id="285" r:id="rId36"/>
+    <p:sldId id="301" r:id="rId37"/>
+    <p:sldId id="302" r:id="rId38"/>
   </p:sldIdLst>
   <p:sldSz cx="12192000" cy="6858000"/>
   <p:notesSz cx="6858000" cy="9144000"/>
@@ -507,7 +515,7 @@
           <a:p>
             <a:fld id="{506E0FD1-891F-4B1E-916D-E9B585160BB8}" type="datetimeFigureOut">
               <a:rPr lang="en-GB" smtClean="0"/>
-              <a:t>06/02/2026</a:t>
+              <a:t>07/02/2026</a:t>
             </a:fld>
             <a:endParaRPr lang="en-GB"/>
           </a:p>
@@ -924,7 +932,7 @@
           <a:p>
             <a:fld id="{D68C3F22-27B2-44E3-9C5F-D08126455F6F}" type="datetime1">
               <a:rPr lang="en-GB" smtClean="0"/>
-              <a:t>06/02/2026</a:t>
+              <a:t>07/02/2026</a:t>
             </a:fld>
             <a:endParaRPr lang="en-GB"/>
           </a:p>
@@ -1124,7 +1132,7 @@
           <a:p>
             <a:fld id="{1CD03846-7BF6-4FB6-A921-FF3379ADBD4C}" type="datetime1">
               <a:rPr lang="en-GB" smtClean="0"/>
-              <a:t>06/02/2026</a:t>
+              <a:t>07/02/2026</a:t>
             </a:fld>
             <a:endParaRPr lang="en-GB"/>
           </a:p>
@@ -1334,7 +1342,7 @@
           <a:p>
             <a:fld id="{99E1B91A-3FD0-4144-9C84-63E9688ED2FE}" type="datetime1">
               <a:rPr lang="en-GB" smtClean="0"/>
-              <a:t>06/02/2026</a:t>
+              <a:t>07/02/2026</a:t>
             </a:fld>
             <a:endParaRPr lang="en-GB"/>
           </a:p>
@@ -1534,7 +1542,7 @@
           <a:p>
             <a:fld id="{5295ED7B-FEAD-4734-819F-93EF4B0EA908}" type="datetime1">
               <a:rPr lang="en-GB" smtClean="0"/>
-              <a:t>06/02/2026</a:t>
+              <a:t>07/02/2026</a:t>
             </a:fld>
             <a:endParaRPr lang="en-GB"/>
           </a:p>
@@ -1810,7 +1818,7 @@
           <a:p>
             <a:fld id="{D2D5D4B4-C926-4B45-8815-1ED8911179A2}" type="datetime1">
               <a:rPr lang="en-GB" smtClean="0"/>
-              <a:t>06/02/2026</a:t>
+              <a:t>07/02/2026</a:t>
             </a:fld>
             <a:endParaRPr lang="en-GB"/>
           </a:p>
@@ -2078,7 +2086,7 @@
           <a:p>
             <a:fld id="{B4C5210A-0E37-4935-93AF-69F21A5F712F}" type="datetime1">
               <a:rPr lang="en-GB" smtClean="0"/>
-              <a:t>06/02/2026</a:t>
+              <a:t>07/02/2026</a:t>
             </a:fld>
             <a:endParaRPr lang="en-GB"/>
           </a:p>
@@ -2493,7 +2501,7 @@
           <a:p>
             <a:fld id="{3D3A6B2F-436C-4691-80E8-9C890E000E9D}" type="datetime1">
               <a:rPr lang="en-GB" smtClean="0"/>
-              <a:t>06/02/2026</a:t>
+              <a:t>07/02/2026</a:t>
             </a:fld>
             <a:endParaRPr lang="en-GB"/>
           </a:p>
@@ -2635,7 +2643,7 @@
           <a:p>
             <a:fld id="{84385F4C-D74B-496F-8D21-97E3549C783B}" type="datetime1">
               <a:rPr lang="en-GB" smtClean="0"/>
-              <a:t>06/02/2026</a:t>
+              <a:t>07/02/2026</a:t>
             </a:fld>
             <a:endParaRPr lang="en-GB"/>
           </a:p>
@@ -2748,7 +2756,7 @@
           <a:p>
             <a:fld id="{0CBDCB32-C241-4703-A832-4EB47BD54E83}" type="datetime1">
               <a:rPr lang="en-GB" smtClean="0"/>
-              <a:t>06/02/2026</a:t>
+              <a:t>07/02/2026</a:t>
             </a:fld>
             <a:endParaRPr lang="en-GB"/>
           </a:p>
@@ -3061,7 +3069,7 @@
           <a:p>
             <a:fld id="{85C150FF-BE95-4D25-A16A-E368A81CBF24}" type="datetime1">
               <a:rPr lang="en-GB" smtClean="0"/>
-              <a:t>06/02/2026</a:t>
+              <a:t>07/02/2026</a:t>
             </a:fld>
             <a:endParaRPr lang="en-GB"/>
           </a:p>
@@ -3350,7 +3358,7 @@
           <a:p>
             <a:fld id="{F3C5DB4B-B349-43C9-A424-BADA723AD9F1}" type="datetime1">
               <a:rPr lang="en-GB" smtClean="0"/>
-              <a:t>06/02/2026</a:t>
+              <a:t>07/02/2026</a:t>
             </a:fld>
             <a:endParaRPr lang="en-GB"/>
           </a:p>
@@ -3593,7 +3601,7 @@
           <a:p>
             <a:fld id="{12632426-0A0C-405F-A3D0-2D11AA44702A}" type="datetime1">
               <a:rPr lang="en-GB" smtClean="0"/>
-              <a:t>06/02/2026</a:t>
+              <a:t>07/02/2026</a:t>
             </a:fld>
             <a:endParaRPr lang="en-GB"/>
           </a:p>
@@ -13658,13 +13666,18 @@
             </p:nvSpPr>
             <p:spPr>
               <a:xfrm>
-                <a:off x="5314022" y="5106925"/>
-                <a:ext cx="1792735" cy="523220"/>
+                <a:off x="5314022" y="5231215"/>
+                <a:ext cx="4174989" cy="461665"/>
               </a:xfrm>
               <a:prstGeom prst="rect">
                 <a:avLst/>
               </a:prstGeom>
               <a:noFill/>
+              <a:ln>
+                <a:solidFill>
+                  <a:schemeClr val="tx1"/>
+                </a:solidFill>
+              </a:ln>
             </p:spPr>
             <p:txBody>
               <a:bodyPr wrap="none" rtlCol="0">
@@ -13672,10 +13685,30 @@
               </a:bodyPr>
               <a:lstStyle/>
               <a:p>
+                <a:r>
+                  <a:rPr lang="de-DE" sz="2400" dirty="0"/>
+                  <a:t>roots </a:t>
+                </a:r>
+                <a:r>
+                  <a:rPr lang="de-DE" sz="2400" dirty="0" err="1"/>
+                  <a:t>of</a:t>
+                </a:r>
+                <a:r>
+                  <a:rPr lang="de-DE" sz="2400" dirty="0"/>
+                  <a:t> </a:t>
+                </a:r>
+                <a:r>
+                  <a:rPr lang="de-DE" sz="2400" dirty="0" err="1"/>
+                  <a:t>numerator</a:t>
+                </a:r>
+                <a:r>
+                  <a:rPr lang="de-DE" sz="2400" dirty="0"/>
+                  <a:t>: </a:t>
+                </a:r>
                 <a14:m>
                   <m:oMath xmlns:m="http://schemas.openxmlformats.org/officeDocument/2006/math">
                     <m:r>
-                      <a:rPr lang="de-DE" sz="2800" i="1">
+                      <a:rPr lang="de-DE" sz="2400" i="1">
                         <a:latin typeface="Cambria Math" panose="02040503050406030204" pitchFamily="18" charset="0"/>
                       </a:rPr>
                       <m:t>𝑚</m:t>
@@ -13683,7 +13716,7 @@
                   </m:oMath>
                 </a14:m>
                 <a:r>
-                  <a:rPr lang="de-DE" sz="2800" dirty="0"/>
+                  <a:rPr lang="de-DE" sz="2400" dirty="0"/>
                   <a:t> zeros </a:t>
                 </a:r>
                 <a14:m>
@@ -13691,14 +13724,14 @@
                     <m:sSub>
                       <m:sSubPr>
                         <m:ctrlPr>
-                          <a:rPr lang="de-DE" sz="2800" i="1">
+                          <a:rPr lang="de-DE" sz="2400" i="1">
                             <a:latin typeface="Cambria Math" panose="02040503050406030204" pitchFamily="18" charset="0"/>
                           </a:rPr>
                         </m:ctrlPr>
                       </m:sSubPr>
                       <m:e>
                         <m:r>
-                          <a:rPr lang="de-DE" sz="2800" i="1">
+                          <a:rPr lang="de-DE" sz="2400" i="1">
                             <a:latin typeface="Cambria Math" panose="02040503050406030204" pitchFamily="18" charset="0"/>
                           </a:rPr>
                           <m:t>𝑠</m:t>
@@ -13706,7 +13739,7 @@
                       </m:e>
                       <m:sub>
                         <m:r>
-                          <a:rPr lang="de-DE" sz="2800" i="1">
+                          <a:rPr lang="de-DE" sz="2400" i="1">
                             <a:latin typeface="Cambria Math" panose="02040503050406030204" pitchFamily="18" charset="0"/>
                           </a:rPr>
                           <m:t>0</m:t>
@@ -13715,7 +13748,7 @@
                     </m:sSub>
                   </m:oMath>
                 </a14:m>
-                <a:endParaRPr lang="de-DE" sz="2800" dirty="0"/>
+                <a:endParaRPr lang="de-DE" sz="2400" dirty="0"/>
               </a:p>
             </p:txBody>
           </p:sp>
@@ -13737,8 +13770,8 @@
             </p:nvSpPr>
             <p:spPr>
               <a:xfrm>
-                <a:off x="5314022" y="5106925"/>
-                <a:ext cx="1792735" cy="523220"/>
+                <a:off x="5314022" y="5231215"/>
+                <a:ext cx="4174989" cy="461665"/>
               </a:xfrm>
               <a:prstGeom prst="rect">
                 <a:avLst/>
@@ -13746,9 +13779,14 @@
               <a:blipFill>
                 <a:blip r:embed="rId3"/>
                 <a:stretch>
-                  <a:fillRect t="-14286" b="-30952"/>
+                  <a:fillRect l="-2424" t="-7895" b="-28947"/>
                 </a:stretch>
               </a:blipFill>
+              <a:ln>
+                <a:solidFill>
+                  <a:schemeClr val="tx1"/>
+                </a:solidFill>
+              </a:ln>
             </p:spPr>
             <p:txBody>
               <a:bodyPr/>
@@ -13782,12 +13820,17 @@
             <p:spPr>
               <a:xfrm>
                 <a:off x="5314022" y="5786177"/>
-                <a:ext cx="1735219" cy="556434"/>
+                <a:ext cx="4447884" cy="490199"/>
               </a:xfrm>
               <a:prstGeom prst="rect">
                 <a:avLst/>
               </a:prstGeom>
               <a:noFill/>
+              <a:ln>
+                <a:solidFill>
+                  <a:schemeClr val="tx1"/>
+                </a:solidFill>
+              </a:ln>
             </p:spPr>
             <p:txBody>
               <a:bodyPr wrap="none" rtlCol="0">
@@ -13795,10 +13838,30 @@
               </a:bodyPr>
               <a:lstStyle/>
               <a:p>
+                <a:r>
+                  <a:rPr lang="de-DE" sz="2400" dirty="0"/>
+                  <a:t>roots </a:t>
+                </a:r>
+                <a:r>
+                  <a:rPr lang="de-DE" sz="2400" dirty="0" err="1"/>
+                  <a:t>of</a:t>
+                </a:r>
+                <a:r>
+                  <a:rPr lang="de-DE" sz="2400" dirty="0"/>
+                  <a:t> </a:t>
+                </a:r>
+                <a:r>
+                  <a:rPr lang="de-DE" sz="2400" dirty="0" err="1"/>
+                  <a:t>denominator</a:t>
+                </a:r>
+                <a:r>
+                  <a:rPr lang="de-DE" sz="2400" dirty="0"/>
+                  <a:t>: </a:t>
+                </a:r>
                 <a14:m>
                   <m:oMath xmlns:m="http://schemas.openxmlformats.org/officeDocument/2006/math">
                     <m:r>
-                      <a:rPr lang="de-DE" sz="2800" i="1" smtClean="0">
+                      <a:rPr lang="de-DE" sz="2400" i="1" smtClean="0">
                         <a:latin typeface="Cambria Math" panose="02040503050406030204" pitchFamily="18" charset="0"/>
                       </a:rPr>
                       <m:t>𝑛</m:t>
@@ -13806,7 +13869,7 @@
                   </m:oMath>
                 </a14:m>
                 <a:r>
-                  <a:rPr lang="de-DE" sz="2800" dirty="0"/>
+                  <a:rPr lang="de-DE" sz="2400" dirty="0"/>
                   <a:t> poles </a:t>
                 </a:r>
                 <a14:m>
@@ -13814,14 +13877,14 @@
                     <m:sSub>
                       <m:sSubPr>
                         <m:ctrlPr>
-                          <a:rPr lang="de-DE" sz="2800" i="1">
+                          <a:rPr lang="de-DE" sz="2400" i="1">
                             <a:latin typeface="Cambria Math" panose="02040503050406030204" pitchFamily="18" charset="0"/>
                           </a:rPr>
                         </m:ctrlPr>
                       </m:sSubPr>
                       <m:e>
                         <m:r>
-                          <a:rPr lang="de-DE" sz="2800" i="1">
+                          <a:rPr lang="de-DE" sz="2400" i="1">
                             <a:latin typeface="Cambria Math" panose="02040503050406030204" pitchFamily="18" charset="0"/>
                           </a:rPr>
                           <m:t>𝑠</m:t>
@@ -13829,7 +13892,7 @@
                       </m:e>
                       <m:sub>
                         <m:r>
-                          <a:rPr lang="de-DE" sz="2800" b="0" i="1" smtClean="0">
+                          <a:rPr lang="de-DE" sz="2400" b="0" i="1" smtClean="0">
                             <a:latin typeface="Cambria Math" panose="02040503050406030204" pitchFamily="18" charset="0"/>
                           </a:rPr>
                           <m:t>𝑝</m:t>
@@ -13838,7 +13901,7 @@
                     </m:sSub>
                   </m:oMath>
                 </a14:m>
-                <a:endParaRPr lang="de-DE" sz="2800" dirty="0"/>
+                <a:endParaRPr lang="de-DE" sz="2400" dirty="0"/>
               </a:p>
             </p:txBody>
           </p:sp>
@@ -13861,7 +13924,7 @@
             <p:spPr>
               <a:xfrm>
                 <a:off x="5314022" y="5786177"/>
-                <a:ext cx="1735219" cy="556434"/>
+                <a:ext cx="4447884" cy="490199"/>
               </a:xfrm>
               <a:prstGeom prst="rect">
                 <a:avLst/>
@@ -13869,9 +13932,14 @@
               <a:blipFill>
                 <a:blip r:embed="rId4"/>
                 <a:stretch>
-                  <a:fillRect t="-8889" b="-26667"/>
+                  <a:fillRect l="-2279" t="-7500" b="-25000"/>
                 </a:stretch>
               </a:blipFill>
+              <a:ln>
+                <a:solidFill>
+                  <a:schemeClr val="tx1"/>
+                </a:solidFill>
+              </a:ln>
             </p:spPr>
             <p:txBody>
               <a:bodyPr/>
@@ -13905,8 +13973,8 @@
         </p:nvCxnSpPr>
         <p:spPr>
           <a:xfrm flipH="1" flipV="1">
-            <a:off x="4465558" y="5330454"/>
-            <a:ext cx="848464" cy="38081"/>
+            <a:off x="4465558" y="5335480"/>
+            <a:ext cx="848464" cy="126568"/>
           </a:xfrm>
           <a:prstGeom prst="straightConnector1">
             <a:avLst/>
@@ -13948,7 +14016,7 @@
         <p:spPr>
           <a:xfrm flipH="1" flipV="1">
             <a:off x="4465558" y="5705681"/>
-            <a:ext cx="848464" cy="358713"/>
+            <a:ext cx="848464" cy="325596"/>
           </a:xfrm>
           <a:prstGeom prst="straightConnector1">
             <a:avLst/>
@@ -14275,8 +14343,8 @@
           </a:fontRef>
         </p:style>
       </p:cxnSp>
-      <mc:AlternateContent xmlns:mc="http://schemas.openxmlformats.org/markup-compatibility/2006">
-        <mc:Choice xmlns:a14="http://schemas.microsoft.com/office/drawing/2010/main" Requires="a14">
+      <mc:AlternateContent xmlns:mc="http://schemas.openxmlformats.org/markup-compatibility/2006" xmlns:a14="http://schemas.microsoft.com/office/drawing/2010/main">
+        <mc:Choice Requires="a14">
           <p:sp>
             <p:nvSpPr>
               <p:cNvPr id="20" name="Textfeld 19">
@@ -14395,7 +14463,7 @@
             </p:txBody>
           </p:sp>
         </mc:Choice>
-        <mc:Fallback>
+        <mc:Fallback xmlns="">
           <p:sp>
             <p:nvSpPr>
               <p:cNvPr id="20" name="Textfeld 19">
@@ -14581,8 +14649,8 @@
           </a:p>
         </p:txBody>
       </p:sp>
-      <mc:AlternateContent xmlns:mc="http://schemas.openxmlformats.org/markup-compatibility/2006">
-        <mc:Choice xmlns:a14="http://schemas.microsoft.com/office/drawing/2010/main" Requires="a14">
+      <mc:AlternateContent xmlns:mc="http://schemas.openxmlformats.org/markup-compatibility/2006" xmlns:a14="http://schemas.microsoft.com/office/drawing/2010/main">
+        <mc:Choice Requires="a14">
           <p:sp>
             <p:nvSpPr>
               <p:cNvPr id="15" name="Textfeld 14">
@@ -14701,7 +14769,7 @@
             </p:txBody>
           </p:sp>
         </mc:Choice>
-        <mc:Fallback>
+        <mc:Fallback xmlns="">
           <p:sp>
             <p:nvSpPr>
               <p:cNvPr id="15" name="Textfeld 14">
@@ -14785,6 +14853,169 @@
           </a:fontRef>
         </p:style>
       </p:cxnSp>
+      <mc:AlternateContent xmlns:mc="http://schemas.openxmlformats.org/markup-compatibility/2006">
+        <mc:Choice xmlns:a14="http://schemas.microsoft.com/office/drawing/2010/main" Requires="a14">
+          <p:sp>
+            <p:nvSpPr>
+              <p:cNvPr id="14" name="Textfeld 13">
+                <a:extLst>
+                  <a:ext uri="{FF2B5EF4-FFF2-40B4-BE49-F238E27FC236}">
+                    <a16:creationId xmlns:a16="http://schemas.microsoft.com/office/drawing/2014/main" id="{AE16D85C-0792-587D-8206-CD37B11FC432}"/>
+                  </a:ext>
+                </a:extLst>
+              </p:cNvPr>
+              <p:cNvSpPr txBox="1"/>
+              <p:nvPr/>
+            </p:nvSpPr>
+            <p:spPr>
+              <a:xfrm>
+                <a:off x="3978472" y="6352143"/>
+                <a:ext cx="7118984" cy="369332"/>
+              </a:xfrm>
+              <a:prstGeom prst="rect">
+                <a:avLst/>
+              </a:prstGeom>
+              <a:noFill/>
+            </p:spPr>
+            <p:txBody>
+              <a:bodyPr wrap="square">
+                <a:spAutoFit/>
+              </a:bodyPr>
+              <a:lstStyle/>
+              <a:p>
+                <a:r>
+                  <a:rPr lang="de-DE" dirty="0" err="1"/>
+                  <a:t>Causality</a:t>
+                </a:r>
+                <a:r>
+                  <a:rPr lang="de-DE" dirty="0"/>
+                  <a:t> </a:t>
+                </a:r>
+                <a:r>
+                  <a:rPr lang="de-DE" dirty="0" err="1"/>
+                  <a:t>requires</a:t>
+                </a:r>
+                <a:r>
+                  <a:rPr lang="de-DE" dirty="0"/>
+                  <a:t> </a:t>
+                </a:r>
+                <a14:m>
+                  <m:oMath xmlns:m="http://schemas.openxmlformats.org/officeDocument/2006/math">
+                    <m:r>
+                      <a:rPr lang="de-DE" i="1">
+                        <a:latin typeface="Cambria Math" panose="02040503050406030204" pitchFamily="18" charset="0"/>
+                      </a:rPr>
+                      <m:t>𝑛</m:t>
+                    </m:r>
+                    <m:r>
+                      <a:rPr lang="de-DE" i="1">
+                        <a:latin typeface="Cambria Math" panose="02040503050406030204" pitchFamily="18" charset="0"/>
+                        <a:ea typeface="Cambria Math" panose="02040503050406030204" pitchFamily="18" charset="0"/>
+                      </a:rPr>
+                      <m:t>≥</m:t>
+                    </m:r>
+                    <m:r>
+                      <a:rPr lang="de-DE" i="1">
+                        <a:latin typeface="Cambria Math" panose="02040503050406030204" pitchFamily="18" charset="0"/>
+                        <a:ea typeface="Cambria Math" panose="02040503050406030204" pitchFamily="18" charset="0"/>
+                      </a:rPr>
+                      <m:t>𝑚</m:t>
+                    </m:r>
+                  </m:oMath>
+                </a14:m>
+                <a:r>
+                  <a:rPr lang="de-DE" dirty="0"/>
+                  <a:t> (</a:t>
+                </a:r>
+                <a:r>
+                  <a:rPr lang="de-DE" dirty="0" err="1"/>
+                  <a:t>output</a:t>
+                </a:r>
+                <a:r>
+                  <a:rPr lang="de-DE" dirty="0"/>
+                  <a:t> </a:t>
+                </a:r>
+                <a:r>
+                  <a:rPr lang="de-DE" dirty="0" err="1"/>
+                  <a:t>cannot</a:t>
+                </a:r>
+                <a:r>
+                  <a:rPr lang="de-DE" dirty="0"/>
+                  <a:t> </a:t>
+                </a:r>
+                <a:r>
+                  <a:rPr lang="de-DE" dirty="0" err="1"/>
+                  <a:t>depend</a:t>
+                </a:r>
+                <a:r>
+                  <a:rPr lang="de-DE" dirty="0"/>
+                  <a:t> on derivative </a:t>
+                </a:r>
+                <a:r>
+                  <a:rPr lang="de-DE" dirty="0" err="1"/>
+                  <a:t>of</a:t>
+                </a:r>
+                <a:r>
+                  <a:rPr lang="de-DE" dirty="0"/>
+                  <a:t> </a:t>
+                </a:r>
+                <a:r>
+                  <a:rPr lang="de-DE" dirty="0" err="1"/>
+                  <a:t>input</a:t>
+                </a:r>
+                <a:r>
+                  <a:rPr lang="de-DE" dirty="0"/>
+                  <a:t>)</a:t>
+                </a:r>
+              </a:p>
+            </p:txBody>
+          </p:sp>
+        </mc:Choice>
+        <mc:Fallback>
+          <p:sp>
+            <p:nvSpPr>
+              <p:cNvPr id="14" name="Textfeld 13">
+                <a:extLst>
+                  <a:ext uri="{FF2B5EF4-FFF2-40B4-BE49-F238E27FC236}">
+                    <a16:creationId xmlns:a16="http://schemas.microsoft.com/office/drawing/2014/main" id="{AE16D85C-0792-587D-8206-CD37B11FC432}"/>
+                  </a:ext>
+                </a:extLst>
+              </p:cNvPr>
+              <p:cNvSpPr txBox="1">
+                <a:spLocks noRot="1" noChangeAspect="1" noMove="1" noResize="1" noEditPoints="1" noAdjustHandles="1" noChangeArrowheads="1" noChangeShapeType="1" noTextEdit="1"/>
+              </p:cNvSpPr>
+              <p:nvPr/>
+            </p:nvSpPr>
+            <p:spPr>
+              <a:xfrm>
+                <a:off x="3978472" y="6352143"/>
+                <a:ext cx="7118984" cy="369332"/>
+              </a:xfrm>
+              <a:prstGeom prst="rect">
+                <a:avLst/>
+              </a:prstGeom>
+              <a:blipFill>
+                <a:blip r:embed="rId7"/>
+                <a:stretch>
+                  <a:fillRect l="-713" t="-6667" r="-535" b="-26667"/>
+                </a:stretch>
+              </a:blipFill>
+            </p:spPr>
+            <p:txBody>
+              <a:bodyPr/>
+              <a:lstStyle/>
+              <a:p>
+                <a:r>
+                  <a:rPr lang="de-DE">
+                    <a:noFill/>
+                  </a:rPr>
+                  <a:t> </a:t>
+                </a:r>
+              </a:p>
+            </p:txBody>
+          </p:sp>
+        </mc:Fallback>
+      </mc:AlternateContent>
     </p:spTree>
     <p:extLst>
       <p:ext uri="{BB962C8B-B14F-4D97-AF65-F5344CB8AC3E}">
@@ -15247,8 +15478,8 @@
           </a:p>
         </p:txBody>
       </p:sp>
-      <mc:AlternateContent xmlns:mc="http://schemas.openxmlformats.org/markup-compatibility/2006">
-        <mc:Choice xmlns:a14="http://schemas.microsoft.com/office/drawing/2010/main" Requires="a14">
+      <mc:AlternateContent xmlns:mc="http://schemas.openxmlformats.org/markup-compatibility/2006" xmlns:a14="http://schemas.microsoft.com/office/drawing/2010/main">
+        <mc:Choice Requires="a14">
           <p:sp>
             <p:nvSpPr>
               <p:cNvPr id="3" name="Inhaltsplatzhalter 2">
@@ -15268,7 +15499,7 @@
             <p:spPr/>
             <p:txBody>
               <a:bodyPr>
-                <a:normAutofit/>
+                <a:normAutofit lnSpcReduction="10000"/>
               </a:bodyPr>
               <a:lstStyle/>
               <a:p>
@@ -15463,6 +15694,12 @@
                   <a:rPr lang="de-DE" sz="2600" dirty="0"/>
                   <a:t>)</a:t>
                 </a:r>
+              </a:p>
+              <a:p>
+                <a:pPr marL="0" indent="0">
+                  <a:buNone/>
+                </a:pPr>
+                <a:endParaRPr lang="de-DE" sz="2600" dirty="0"/>
               </a:p>
               <a:p>
                 <a:pPr marL="0" indent="0">
@@ -15841,7 +16078,7 @@
             </p:txBody>
           </p:sp>
         </mc:Choice>
-        <mc:Fallback>
+        <mc:Fallback xmlns="">
           <p:sp>
             <p:nvSpPr>
               <p:cNvPr id="3" name="Inhaltsplatzhalter 2">
@@ -15862,7 +16099,7 @@
               <a:blipFill>
                 <a:blip r:embed="rId2"/>
                 <a:stretch>
-                  <a:fillRect l="-1086" t="-2035"/>
+                  <a:fillRect l="-1086" t="-2616" b="-1744"/>
                 </a:stretch>
               </a:blipFill>
             </p:spPr>
@@ -15910,8 +16147,8 @@
           </a:p>
         </p:txBody>
       </p:sp>
-      <mc:AlternateContent xmlns:mc="http://schemas.openxmlformats.org/markup-compatibility/2006">
-        <mc:Choice xmlns:a14="http://schemas.microsoft.com/office/drawing/2010/main" Requires="a14">
+      <mc:AlternateContent xmlns:mc="http://schemas.openxmlformats.org/markup-compatibility/2006" xmlns:a14="http://schemas.microsoft.com/office/drawing/2010/main">
+        <mc:Choice Requires="a14">
           <p:sp>
             <p:nvSpPr>
               <p:cNvPr id="16" name="Textfeld 15">
@@ -15926,7 +16163,7 @@
             </p:nvSpPr>
             <p:spPr>
               <a:xfrm>
-                <a:off x="2715829" y="3530639"/>
+                <a:off x="2715829" y="3495127"/>
                 <a:ext cx="4821314" cy="404983"/>
               </a:xfrm>
               <a:prstGeom prst="rect">
@@ -16180,7 +16417,7 @@
             </p:txBody>
           </p:sp>
         </mc:Choice>
-        <mc:Fallback>
+        <mc:Fallback xmlns="">
           <p:sp>
             <p:nvSpPr>
               <p:cNvPr id="16" name="Textfeld 15">
@@ -16197,7 +16434,7 @@
             </p:nvSpPr>
             <p:spPr>
               <a:xfrm>
-                <a:off x="2715829" y="3530639"/>
+                <a:off x="2715829" y="3495127"/>
                 <a:ext cx="4821314" cy="404983"/>
               </a:xfrm>
               <a:prstGeom prst="rect">
@@ -16206,7 +16443,7 @@
               <a:blipFill>
                 <a:blip r:embed="rId3"/>
                 <a:stretch>
-                  <a:fillRect b="-5882"/>
+                  <a:fillRect b="-8824"/>
                 </a:stretch>
               </a:blipFill>
               <a:ln>
@@ -16230,815 +16467,12 @@
           </p:sp>
         </mc:Fallback>
       </mc:AlternateContent>
-    </p:spTree>
-    <p:extLst>
-      <p:ext uri="{BB962C8B-B14F-4D97-AF65-F5344CB8AC3E}">
-        <p14:creationId xmlns:p14="http://schemas.microsoft.com/office/powerpoint/2010/main" val="4281564912"/>
-      </p:ext>
-    </p:extLst>
-  </p:cSld>
-  <p:clrMapOvr>
-    <a:masterClrMapping/>
-  </p:clrMapOvr>
-</p:sld>
-</file>
-
-<file path=ppt/slides/slide19.xml><?xml version="1.0" encoding="utf-8"?>
-<p:sld xmlns:a="http://schemas.openxmlformats.org/drawingml/2006/main" xmlns:r="http://schemas.openxmlformats.org/officeDocument/2006/relationships" xmlns:p="http://schemas.openxmlformats.org/presentationml/2006/main">
-  <p:cSld>
-    <p:spTree>
-      <p:nvGrpSpPr>
-        <p:cNvPr id="1" name=""/>
-        <p:cNvGrpSpPr/>
-        <p:nvPr/>
-      </p:nvGrpSpPr>
-      <p:grpSpPr>
-        <a:xfrm>
-          <a:off x="0" y="0"/>
-          <a:ext cx="0" cy="0"/>
-          <a:chOff x="0" y="0"/>
-          <a:chExt cx="0" cy="0"/>
-        </a:xfrm>
-      </p:grpSpPr>
       <p:sp>
         <p:nvSpPr>
-          <p:cNvPr id="2" name="Titel 1">
+          <p:cNvPr id="5" name="Textfeld 4">
             <a:extLst>
               <a:ext uri="{FF2B5EF4-FFF2-40B4-BE49-F238E27FC236}">
-                <a16:creationId xmlns:a16="http://schemas.microsoft.com/office/drawing/2014/main" id="{12AE154C-424D-C203-2075-F6C80B025307}"/>
-              </a:ext>
-            </a:extLst>
-          </p:cNvPr>
-          <p:cNvSpPr>
-            <a:spLocks noGrp="1"/>
-          </p:cNvSpPr>
-          <p:nvPr>
-            <p:ph type="title"/>
-          </p:nvPr>
-        </p:nvSpPr>
-        <p:spPr/>
-        <p:txBody>
-          <a:bodyPr/>
-          <a:lstStyle/>
-          <a:p>
-            <a:r>
-              <a:rPr lang="de-DE" dirty="0"/>
-              <a:t>Interpretation </a:t>
-            </a:r>
-            <a:r>
-              <a:rPr lang="de-DE" dirty="0" err="1"/>
-              <a:t>of</a:t>
-            </a:r>
-            <a:r>
-              <a:rPr lang="de-DE" dirty="0"/>
-              <a:t> Poles</a:t>
-            </a:r>
-          </a:p>
-        </p:txBody>
-      </p:sp>
-      <mc:AlternateContent xmlns:mc="http://schemas.openxmlformats.org/markup-compatibility/2006">
-        <mc:Choice xmlns:a14="http://schemas.microsoft.com/office/drawing/2010/main" Requires="a14">
-          <p:sp>
-            <p:nvSpPr>
-              <p:cNvPr id="3" name="Inhaltsplatzhalter 2">
-                <a:extLst>
-                  <a:ext uri="{FF2B5EF4-FFF2-40B4-BE49-F238E27FC236}">
-                    <a16:creationId xmlns:a16="http://schemas.microsoft.com/office/drawing/2014/main" id="{4E65B0AF-C18E-51FA-36D7-9E446827542B}"/>
-                  </a:ext>
-                </a:extLst>
-              </p:cNvPr>
-              <p:cNvSpPr>
-                <a:spLocks noGrp="1"/>
-              </p:cNvSpPr>
-              <p:nvPr>
-                <p:ph idx="1"/>
-              </p:nvPr>
-            </p:nvSpPr>
-            <p:spPr/>
-            <p:txBody>
-              <a:bodyPr>
-                <a:normAutofit fontScale="92500" lnSpcReduction="20000"/>
-              </a:bodyPr>
-              <a:lstStyle/>
-              <a:p>
-                <a:pPr marL="0" indent="0">
-                  <a:buNone/>
-                </a:pPr>
-                <a:r>
-                  <a:rPr lang="de-DE" dirty="0"/>
-                  <a:t>If real: </a:t>
-                </a:r>
-                <a:r>
-                  <a:rPr lang="de-DE" dirty="0" err="1"/>
-                  <a:t>purely</a:t>
-                </a:r>
-                <a:r>
-                  <a:rPr lang="de-DE" dirty="0"/>
-                  <a:t> </a:t>
-                </a:r>
-                <a:r>
-                  <a:rPr lang="de-DE" dirty="0" err="1"/>
-                  <a:t>exponential</a:t>
-                </a:r>
-                <a:r>
-                  <a:rPr lang="de-DE" dirty="0"/>
-                  <a:t>, </a:t>
-                </a:r>
-                <a:r>
-                  <a:rPr lang="de-DE" dirty="0" err="1"/>
-                  <a:t>no</a:t>
-                </a:r>
-                <a:r>
-                  <a:rPr lang="de-DE" dirty="0"/>
-                  <a:t> </a:t>
-                </a:r>
-                <a:r>
-                  <a:rPr lang="de-DE" dirty="0" err="1"/>
-                  <a:t>oscillation</a:t>
-                </a:r>
-                <a:endParaRPr lang="de-DE" dirty="0"/>
-              </a:p>
-              <a:p>
-                <a14:m>
-                  <m:oMath xmlns:m="http://schemas.openxmlformats.org/officeDocument/2006/math">
-                    <m:sSub>
-                      <m:sSubPr>
-                        <m:ctrlPr>
-                          <a:rPr lang="de-DE" i="1">
-                            <a:latin typeface="Cambria Math" panose="02040503050406030204" pitchFamily="18" charset="0"/>
-                          </a:rPr>
-                        </m:ctrlPr>
-                      </m:sSubPr>
-                      <m:e>
-                        <m:r>
-                          <m:rPr>
-                            <m:sty m:val="p"/>
-                          </m:rPr>
-                          <a:rPr lang="de-DE" b="0" i="0" smtClean="0">
-                            <a:latin typeface="Cambria Math" panose="02040503050406030204" pitchFamily="18" charset="0"/>
-                          </a:rPr>
-                          <m:t>Re</m:t>
-                        </m:r>
-                        <m:r>
-                          <a:rPr lang="de-DE" b="0" i="1" smtClean="0">
-                            <a:latin typeface="Cambria Math" panose="02040503050406030204" pitchFamily="18" charset="0"/>
-                          </a:rPr>
-                          <m:t>(</m:t>
-                        </m:r>
-                        <m:r>
-                          <a:rPr lang="de-DE" i="1">
-                            <a:latin typeface="Cambria Math" panose="02040503050406030204" pitchFamily="18" charset="0"/>
-                          </a:rPr>
-                          <m:t>𝑠</m:t>
-                        </m:r>
-                      </m:e>
-                      <m:sub>
-                        <m:r>
-                          <a:rPr lang="de-DE" i="1">
-                            <a:latin typeface="Cambria Math" panose="02040503050406030204" pitchFamily="18" charset="0"/>
-                          </a:rPr>
-                          <m:t>𝑝</m:t>
-                        </m:r>
-                      </m:sub>
-                    </m:sSub>
-                    <m:r>
-                      <a:rPr lang="de-DE" b="0" i="1" smtClean="0">
-                        <a:latin typeface="Cambria Math" panose="02040503050406030204" pitchFamily="18" charset="0"/>
-                      </a:rPr>
-                      <m:t>)&lt;0</m:t>
-                    </m:r>
-                  </m:oMath>
-                </a14:m>
-                <a:r>
-                  <a:rPr lang="de-DE" dirty="0"/>
-                  <a:t>: </a:t>
-                </a:r>
-                <a:r>
-                  <a:rPr lang="de-DE" dirty="0" err="1"/>
-                  <a:t>exponential</a:t>
-                </a:r>
-                <a:r>
-                  <a:rPr lang="de-DE" dirty="0"/>
-                  <a:t> </a:t>
-                </a:r>
-                <a:r>
-                  <a:rPr lang="de-DE" dirty="0" err="1"/>
-                  <a:t>decay</a:t>
-                </a:r>
-                <a:endParaRPr lang="de-DE" dirty="0"/>
-              </a:p>
-              <a:p>
-                <a14:m>
-                  <m:oMath xmlns:m="http://schemas.openxmlformats.org/officeDocument/2006/math">
-                    <m:sSub>
-                      <m:sSubPr>
-                        <m:ctrlPr>
-                          <a:rPr lang="de-DE" i="1">
-                            <a:latin typeface="Cambria Math" panose="02040503050406030204" pitchFamily="18" charset="0"/>
-                          </a:rPr>
-                        </m:ctrlPr>
-                      </m:sSubPr>
-                      <m:e>
-                        <m:r>
-                          <m:rPr>
-                            <m:sty m:val="p"/>
-                          </m:rPr>
-                          <a:rPr lang="de-DE">
-                            <a:latin typeface="Cambria Math" panose="02040503050406030204" pitchFamily="18" charset="0"/>
-                          </a:rPr>
-                          <m:t>Re</m:t>
-                        </m:r>
-                        <m:r>
-                          <a:rPr lang="de-DE" i="1">
-                            <a:latin typeface="Cambria Math" panose="02040503050406030204" pitchFamily="18" charset="0"/>
-                          </a:rPr>
-                          <m:t>(</m:t>
-                        </m:r>
-                        <m:r>
-                          <a:rPr lang="de-DE" i="1">
-                            <a:latin typeface="Cambria Math" panose="02040503050406030204" pitchFamily="18" charset="0"/>
-                          </a:rPr>
-                          <m:t>𝑠</m:t>
-                        </m:r>
-                      </m:e>
-                      <m:sub>
-                        <m:r>
-                          <a:rPr lang="de-DE" i="1">
-                            <a:latin typeface="Cambria Math" panose="02040503050406030204" pitchFamily="18" charset="0"/>
-                          </a:rPr>
-                          <m:t>𝑝</m:t>
-                        </m:r>
-                      </m:sub>
-                    </m:sSub>
-                    <m:r>
-                      <a:rPr lang="de-DE" i="1">
-                        <a:latin typeface="Cambria Math" panose="02040503050406030204" pitchFamily="18" charset="0"/>
-                      </a:rPr>
-                      <m:t>)</m:t>
-                    </m:r>
-                    <m:r>
-                      <a:rPr lang="de-DE" b="0" i="1" smtClean="0">
-                        <a:latin typeface="Cambria Math" panose="02040503050406030204" pitchFamily="18" charset="0"/>
-                      </a:rPr>
-                      <m:t>&gt;</m:t>
-                    </m:r>
-                    <m:r>
-                      <a:rPr lang="de-DE" i="1">
-                        <a:latin typeface="Cambria Math" panose="02040503050406030204" pitchFamily="18" charset="0"/>
-                      </a:rPr>
-                      <m:t>0</m:t>
-                    </m:r>
-                  </m:oMath>
-                </a14:m>
-                <a:r>
-                  <a:rPr lang="de-DE" dirty="0"/>
-                  <a:t>: </a:t>
-                </a:r>
-                <a:r>
-                  <a:rPr lang="de-DE" dirty="0" err="1"/>
-                  <a:t>exponential</a:t>
-                </a:r>
-                <a:r>
-                  <a:rPr lang="de-DE" dirty="0"/>
-                  <a:t> </a:t>
-                </a:r>
-                <a:r>
-                  <a:rPr lang="de-DE" dirty="0" err="1"/>
-                  <a:t>growth</a:t>
-                </a:r>
-                <a:r>
-                  <a:rPr lang="de-DE" dirty="0"/>
-                  <a:t> </a:t>
-                </a:r>
-                <a:r>
-                  <a:rPr lang="de-DE" dirty="0">
-                    <a:sym typeface="Wingdings" pitchFamily="2" charset="2"/>
-                  </a:rPr>
-                  <a:t> </a:t>
-                </a:r>
-                <a:r>
-                  <a:rPr lang="de-DE" dirty="0" err="1">
-                    <a:sym typeface="Wingdings" pitchFamily="2" charset="2"/>
-                  </a:rPr>
-                  <a:t>instability</a:t>
-                </a:r>
-                <a:endParaRPr lang="de-DE" dirty="0"/>
-              </a:p>
-              <a:p>
-                <a:pPr marL="0" indent="0">
-                  <a:buNone/>
-                </a:pPr>
-                <a:r>
-                  <a:rPr lang="de-DE" dirty="0">
-                    <a:sym typeface="Wingdings" pitchFamily="2" charset="2"/>
-                  </a:rPr>
-                  <a:t> Single real pole: PT1</a:t>
-                </a:r>
-                <a:endParaRPr lang="de-DE" dirty="0"/>
-              </a:p>
-              <a:p>
-                <a:pPr marL="0" indent="0">
-                  <a:buNone/>
-                </a:pPr>
-                <a:endParaRPr lang="de-DE" dirty="0"/>
-              </a:p>
-              <a:p>
-                <a:pPr marL="0" indent="0">
-                  <a:buNone/>
-                </a:pPr>
-                <a:r>
-                  <a:rPr lang="de-DE" dirty="0" err="1"/>
-                  <a:t>If</a:t>
-                </a:r>
-                <a:r>
-                  <a:rPr lang="de-DE" dirty="0"/>
-                  <a:t> </a:t>
-                </a:r>
-                <a:r>
-                  <a:rPr lang="de-DE" dirty="0" err="1"/>
-                  <a:t>complex</a:t>
-                </a:r>
-                <a:r>
-                  <a:rPr lang="de-DE" dirty="0"/>
-                  <a:t>: </a:t>
-                </a:r>
-                <a:r>
-                  <a:rPr lang="de-DE" dirty="0" err="1"/>
-                  <a:t>damped</a:t>
-                </a:r>
-                <a:r>
-                  <a:rPr lang="de-DE" dirty="0"/>
-                  <a:t> </a:t>
-                </a:r>
-                <a:r>
-                  <a:rPr lang="de-DE" dirty="0" err="1"/>
-                  <a:t>oscillation</a:t>
-                </a:r>
-                <a:endParaRPr lang="de-DE" dirty="0"/>
-              </a:p>
-              <a:p>
-                <a:pPr marL="0" indent="0">
-                  <a:buNone/>
-                </a:pPr>
-                <a:endParaRPr lang="de-DE" dirty="0"/>
-              </a:p>
-              <a:p>
-                <a:pPr marL="0" indent="0">
-                  <a:buNone/>
-                </a:pPr>
-                <a:endParaRPr lang="de-DE" dirty="0"/>
-              </a:p>
-              <a:p>
-                <a:pPr marL="0" indent="0">
-                  <a:buNone/>
-                </a:pPr>
-                <a:r>
-                  <a:rPr lang="de-DE" dirty="0">
-                    <a:sym typeface="Wingdings" pitchFamily="2" charset="2"/>
-                  </a:rPr>
-                  <a:t> </a:t>
-                </a:r>
-                <a:r>
-                  <a:rPr lang="de-DE" dirty="0" err="1">
-                    <a:sym typeface="Wingdings" pitchFamily="2" charset="2"/>
-                  </a:rPr>
-                  <a:t>Two</a:t>
-                </a:r>
-                <a:r>
-                  <a:rPr lang="de-DE" dirty="0">
-                    <a:sym typeface="Wingdings" pitchFamily="2" charset="2"/>
-                  </a:rPr>
-                  <a:t> real </a:t>
-                </a:r>
-                <a:r>
-                  <a:rPr lang="de-DE" dirty="0" err="1">
-                    <a:sym typeface="Wingdings" pitchFamily="2" charset="2"/>
-                  </a:rPr>
-                  <a:t>poles</a:t>
-                </a:r>
-                <a:r>
-                  <a:rPr lang="de-DE" dirty="0">
-                    <a:sym typeface="Wingdings" pitchFamily="2" charset="2"/>
-                  </a:rPr>
-                  <a:t>: </a:t>
-                </a:r>
-                <a:r>
-                  <a:rPr lang="de-DE" dirty="0" err="1">
-                    <a:sym typeface="Wingdings" pitchFamily="2" charset="2"/>
-                  </a:rPr>
-                  <a:t>aperiodic</a:t>
-                </a:r>
-                <a:r>
-                  <a:rPr lang="de-DE" dirty="0">
-                    <a:sym typeface="Wingdings" pitchFamily="2" charset="2"/>
-                  </a:rPr>
-                  <a:t> PT2 (</a:t>
-                </a:r>
-                <a:r>
-                  <a:rPr lang="de-DE" dirty="0" err="1">
-                    <a:sym typeface="Wingdings" pitchFamily="2" charset="2"/>
-                  </a:rPr>
-                  <a:t>sum</a:t>
-                </a:r>
-                <a:r>
-                  <a:rPr lang="de-DE" dirty="0">
-                    <a:sym typeface="Wingdings" pitchFamily="2" charset="2"/>
-                  </a:rPr>
-                  <a:t> </a:t>
-                </a:r>
-                <a:r>
-                  <a:rPr lang="de-DE" dirty="0" err="1">
-                    <a:sym typeface="Wingdings" pitchFamily="2" charset="2"/>
-                  </a:rPr>
-                  <a:t>of</a:t>
-                </a:r>
-                <a:r>
-                  <a:rPr lang="de-DE" dirty="0">
-                    <a:sym typeface="Wingdings" pitchFamily="2" charset="2"/>
-                  </a:rPr>
-                  <a:t> </a:t>
-                </a:r>
-                <a:r>
-                  <a:rPr lang="de-DE" dirty="0" err="1">
-                    <a:sym typeface="Wingdings" pitchFamily="2" charset="2"/>
-                  </a:rPr>
-                  <a:t>two</a:t>
-                </a:r>
-                <a:r>
-                  <a:rPr lang="de-DE" dirty="0">
-                    <a:sym typeface="Wingdings" pitchFamily="2" charset="2"/>
-                  </a:rPr>
-                  <a:t> </a:t>
-                </a:r>
-                <a:r>
-                  <a:rPr lang="de-DE" dirty="0" err="1">
-                    <a:sym typeface="Wingdings" pitchFamily="2" charset="2"/>
-                  </a:rPr>
-                  <a:t>exponential</a:t>
-                </a:r>
-                <a:r>
-                  <a:rPr lang="de-DE" dirty="0">
-                    <a:sym typeface="Wingdings" pitchFamily="2" charset="2"/>
-                  </a:rPr>
-                  <a:t> </a:t>
-                </a:r>
-                <a:r>
-                  <a:rPr lang="de-DE" dirty="0" err="1">
-                    <a:sym typeface="Wingdings" pitchFamily="2" charset="2"/>
-                  </a:rPr>
-                  <a:t>terms</a:t>
-                </a:r>
-                <a:r>
-                  <a:rPr lang="de-DE" dirty="0">
-                    <a:sym typeface="Wingdings" pitchFamily="2" charset="2"/>
-                  </a:rPr>
-                  <a:t>)</a:t>
-                </a:r>
-              </a:p>
-              <a:p>
-                <a:pPr marL="0" indent="0">
-                  <a:buNone/>
-                </a:pPr>
-                <a:r>
-                  <a:rPr lang="de-DE" dirty="0">
-                    <a:sym typeface="Wingdings" pitchFamily="2" charset="2"/>
-                  </a:rPr>
-                  <a:t> </a:t>
-                </a:r>
-                <a:r>
-                  <a:rPr lang="de-DE" dirty="0" err="1">
-                    <a:sym typeface="Wingdings" pitchFamily="2" charset="2"/>
-                  </a:rPr>
-                  <a:t>Conjugate</a:t>
-                </a:r>
-                <a:r>
-                  <a:rPr lang="de-DE" dirty="0">
-                    <a:sym typeface="Wingdings" pitchFamily="2" charset="2"/>
-                  </a:rPr>
-                  <a:t> pole pair: </a:t>
-                </a:r>
-                <a:r>
-                  <a:rPr lang="de-DE" dirty="0" err="1">
-                    <a:sym typeface="Wingdings" pitchFamily="2" charset="2"/>
-                  </a:rPr>
-                  <a:t>oscillating</a:t>
-                </a:r>
-                <a:r>
-                  <a:rPr lang="de-DE" dirty="0">
-                    <a:sym typeface="Wingdings" pitchFamily="2" charset="2"/>
-                  </a:rPr>
-                  <a:t> PT2</a:t>
-                </a:r>
-                <a:endParaRPr lang="de-DE" dirty="0"/>
-              </a:p>
-            </p:txBody>
-          </p:sp>
-        </mc:Choice>
-        <mc:Fallback>
-          <p:sp>
-            <p:nvSpPr>
-              <p:cNvPr id="3" name="Inhaltsplatzhalter 2">
-                <a:extLst>
-                  <a:ext uri="{FF2B5EF4-FFF2-40B4-BE49-F238E27FC236}">
-                    <a16:creationId xmlns:a16="http://schemas.microsoft.com/office/drawing/2014/main" id="{4E65B0AF-C18E-51FA-36D7-9E446827542B}"/>
-                  </a:ext>
-                </a:extLst>
-              </p:cNvPr>
-              <p:cNvSpPr>
-                <a:spLocks noGrp="1" noRot="1" noChangeAspect="1" noMove="1" noResize="1" noEditPoints="1" noAdjustHandles="1" noChangeArrowheads="1" noChangeShapeType="1" noTextEdit="1"/>
-              </p:cNvSpPr>
-              <p:nvPr>
-                <p:ph idx="1"/>
-              </p:nvPr>
-            </p:nvSpPr>
-            <p:spPr>
-              <a:blipFill>
-                <a:blip r:embed="rId2"/>
-                <a:stretch>
-                  <a:fillRect l="-1086" t="-3488"/>
-                </a:stretch>
-              </a:blipFill>
-            </p:spPr>
-            <p:txBody>
-              <a:bodyPr/>
-              <a:lstStyle/>
-              <a:p>
-                <a:r>
-                  <a:rPr lang="de-DE">
-                    <a:noFill/>
-                  </a:rPr>
-                  <a:t> </a:t>
-                </a:r>
-              </a:p>
-            </p:txBody>
-          </p:sp>
-        </mc:Fallback>
-      </mc:AlternateContent>
-      <p:sp>
-        <p:nvSpPr>
-          <p:cNvPr id="4" name="Foliennummernplatzhalter 3">
-            <a:extLst>
-              <a:ext uri="{FF2B5EF4-FFF2-40B4-BE49-F238E27FC236}">
-                <a16:creationId xmlns:a16="http://schemas.microsoft.com/office/drawing/2014/main" id="{FE80A277-EABA-D25C-37DF-1CE92DC9B2F0}"/>
-              </a:ext>
-            </a:extLst>
-          </p:cNvPr>
-          <p:cNvSpPr>
-            <a:spLocks noGrp="1"/>
-          </p:cNvSpPr>
-          <p:nvPr>
-            <p:ph type="sldNum" sz="quarter" idx="12"/>
-          </p:nvPr>
-        </p:nvSpPr>
-        <p:spPr/>
-        <p:txBody>
-          <a:bodyPr/>
-          <a:lstStyle/>
-          <a:p>
-            <a:fld id="{08C366F5-AFAD-49CB-854A-9D9E238FCA13}" type="slidenum">
-              <a:rPr lang="en-GB" smtClean="0"/>
-              <a:t>19</a:t>
-            </a:fld>
-            <a:endParaRPr lang="en-GB"/>
-          </a:p>
-        </p:txBody>
-      </p:sp>
-      <mc:AlternateContent xmlns:mc="http://schemas.openxmlformats.org/markup-compatibility/2006">
-        <mc:Choice xmlns:a14="http://schemas.microsoft.com/office/drawing/2010/main" Requires="a14">
-          <p:sp>
-            <p:nvSpPr>
-              <p:cNvPr id="5" name="Textfeld 4">
-                <a:extLst>
-                  <a:ext uri="{FF2B5EF4-FFF2-40B4-BE49-F238E27FC236}">
-                    <a16:creationId xmlns:a16="http://schemas.microsoft.com/office/drawing/2014/main" id="{D1C34838-0C4B-EE78-789F-FC094D2A34A6}"/>
-                  </a:ext>
-                </a:extLst>
-              </p:cNvPr>
-              <p:cNvSpPr txBox="1"/>
-              <p:nvPr/>
-            </p:nvSpPr>
-            <p:spPr>
-              <a:xfrm>
-                <a:off x="2760953" y="4313878"/>
-                <a:ext cx="2059622" cy="523348"/>
-              </a:xfrm>
-              <a:prstGeom prst="rect">
-                <a:avLst/>
-              </a:prstGeom>
-              <a:noFill/>
-            </p:spPr>
-            <p:txBody>
-              <a:bodyPr wrap="square">
-                <a:spAutoFit/>
-              </a:bodyPr>
-              <a:lstStyle/>
-              <a:p>
-                <a14:m>
-                  <m:oMathPara xmlns:m="http://schemas.openxmlformats.org/officeDocument/2006/math">
-                    <m:oMathParaPr>
-                      <m:jc m:val="centerGroup"/>
-                    </m:oMathParaPr>
-                    <m:oMath xmlns:m="http://schemas.openxmlformats.org/officeDocument/2006/math">
-                      <m:sSub>
-                        <m:sSubPr>
-                          <m:ctrlPr>
-                            <a:rPr lang="de-DE" sz="2600" i="1">
-                              <a:latin typeface="Cambria Math" panose="02040503050406030204" pitchFamily="18" charset="0"/>
-                            </a:rPr>
-                          </m:ctrlPr>
-                        </m:sSubPr>
-                        <m:e>
-                          <m:r>
-                            <a:rPr lang="de-DE" sz="2600" i="1">
-                              <a:latin typeface="Cambria Math" panose="02040503050406030204" pitchFamily="18" charset="0"/>
-                            </a:rPr>
-                            <m:t>𝑠</m:t>
-                          </m:r>
-                        </m:e>
-                        <m:sub>
-                          <m:r>
-                            <a:rPr lang="de-DE" sz="2600" i="1">
-                              <a:latin typeface="Cambria Math" panose="02040503050406030204" pitchFamily="18" charset="0"/>
-                            </a:rPr>
-                            <m:t>𝑝</m:t>
-                          </m:r>
-                        </m:sub>
-                      </m:sSub>
-                      <m:r>
-                        <a:rPr lang="de-DE" sz="2600" i="1" smtClean="0">
-                          <a:latin typeface="Cambria Math" panose="02040503050406030204" pitchFamily="18" charset="0"/>
-                        </a:rPr>
-                        <m:t>=</m:t>
-                      </m:r>
-                      <m:r>
-                        <a:rPr lang="de-DE" sz="2600" i="1">
-                          <a:latin typeface="Cambria Math" panose="02040503050406030204" pitchFamily="18" charset="0"/>
-                          <a:ea typeface="Cambria Math" panose="02040503050406030204" pitchFamily="18" charset="0"/>
-                        </a:rPr>
-                        <m:t>𝜎</m:t>
-                      </m:r>
-                      <m:r>
-                        <a:rPr lang="de-DE" sz="2600" i="1">
-                          <a:latin typeface="Cambria Math" panose="02040503050406030204" pitchFamily="18" charset="0"/>
-                          <a:ea typeface="Cambria Math" panose="02040503050406030204" pitchFamily="18" charset="0"/>
-                        </a:rPr>
-                        <m:t>+</m:t>
-                      </m:r>
-                      <m:r>
-                        <a:rPr lang="de-DE" sz="2600" i="1">
-                          <a:latin typeface="Cambria Math" panose="02040503050406030204" pitchFamily="18" charset="0"/>
-                          <a:ea typeface="Cambria Math" panose="02040503050406030204" pitchFamily="18" charset="0"/>
-                        </a:rPr>
-                        <m:t>𝑗</m:t>
-                      </m:r>
-                      <m:r>
-                        <a:rPr lang="de-DE" sz="2600" i="1">
-                          <a:latin typeface="Cambria Math" panose="02040503050406030204" pitchFamily="18" charset="0"/>
-                          <a:ea typeface="Cambria Math" panose="02040503050406030204" pitchFamily="18" charset="0"/>
-                        </a:rPr>
-                        <m:t>𝜔</m:t>
-                      </m:r>
-                    </m:oMath>
-                  </m:oMathPara>
-                </a14:m>
-                <a:endParaRPr lang="de-DE" sz="2600" dirty="0"/>
-              </a:p>
-            </p:txBody>
-          </p:sp>
-        </mc:Choice>
-        <mc:Fallback>
-          <p:sp>
-            <p:nvSpPr>
-              <p:cNvPr id="5" name="Textfeld 4">
-                <a:extLst>
-                  <a:ext uri="{FF2B5EF4-FFF2-40B4-BE49-F238E27FC236}">
-                    <a16:creationId xmlns:a16="http://schemas.microsoft.com/office/drawing/2014/main" id="{D1C34838-0C4B-EE78-789F-FC094D2A34A6}"/>
-                  </a:ext>
-                </a:extLst>
-              </p:cNvPr>
-              <p:cNvSpPr txBox="1">
-                <a:spLocks noRot="1" noChangeAspect="1" noMove="1" noResize="1" noEditPoints="1" noAdjustHandles="1" noChangeArrowheads="1" noChangeShapeType="1" noTextEdit="1"/>
-              </p:cNvSpPr>
-              <p:nvPr/>
-            </p:nvSpPr>
-            <p:spPr>
-              <a:xfrm>
-                <a:off x="2760953" y="4313878"/>
-                <a:ext cx="2059622" cy="523348"/>
-              </a:xfrm>
-              <a:prstGeom prst="rect">
-                <a:avLst/>
-              </a:prstGeom>
-              <a:blipFill>
-                <a:blip r:embed="rId3"/>
-                <a:stretch>
-                  <a:fillRect b="-9302"/>
-                </a:stretch>
-              </a:blipFill>
-            </p:spPr>
-            <p:txBody>
-              <a:bodyPr/>
-              <a:lstStyle/>
-              <a:p>
-                <a:r>
-                  <a:rPr lang="de-DE">
-                    <a:noFill/>
-                  </a:rPr>
-                  <a:t> </a:t>
-                </a:r>
-              </a:p>
-            </p:txBody>
-          </p:sp>
-        </mc:Fallback>
-      </mc:AlternateContent>
-      <p:cxnSp>
-        <p:nvCxnSpPr>
-          <p:cNvPr id="6" name="Gerade Verbindung mit Pfeil 5">
-            <a:extLst>
-              <a:ext uri="{FF2B5EF4-FFF2-40B4-BE49-F238E27FC236}">
-                <a16:creationId xmlns:a16="http://schemas.microsoft.com/office/drawing/2014/main" id="{B6CE1D18-FDED-9E60-C451-0F5CBA67C7A2}"/>
-              </a:ext>
-            </a:extLst>
-          </p:cNvPr>
-          <p:cNvCxnSpPr>
-            <a:cxnSpLocks/>
-          </p:cNvCxnSpPr>
-          <p:nvPr/>
-        </p:nvCxnSpPr>
-        <p:spPr>
-          <a:xfrm>
-            <a:off x="3462287" y="4185152"/>
-            <a:ext cx="230819" cy="310720"/>
-          </a:xfrm>
-          <a:prstGeom prst="straightConnector1">
-            <a:avLst/>
-          </a:prstGeom>
-          <a:ln>
-            <a:tailEnd type="triangle"/>
-          </a:ln>
-        </p:spPr>
-        <p:style>
-          <a:lnRef idx="2">
-            <a:schemeClr val="accent1"/>
-          </a:lnRef>
-          <a:fillRef idx="0">
-            <a:schemeClr val="accent1"/>
-          </a:fillRef>
-          <a:effectRef idx="1">
-            <a:schemeClr val="accent1"/>
-          </a:effectRef>
-          <a:fontRef idx="minor">
-            <a:schemeClr val="tx1"/>
-          </a:fontRef>
-        </p:style>
-      </p:cxnSp>
-      <p:cxnSp>
-        <p:nvCxnSpPr>
-          <p:cNvPr id="7" name="Gerade Verbindung mit Pfeil 6">
-            <a:extLst>
-              <a:ext uri="{FF2B5EF4-FFF2-40B4-BE49-F238E27FC236}">
-                <a16:creationId xmlns:a16="http://schemas.microsoft.com/office/drawing/2014/main" id="{19073C81-2635-6669-91BA-470FD3850C9F}"/>
-              </a:ext>
-            </a:extLst>
-          </p:cNvPr>
-          <p:cNvCxnSpPr>
-            <a:cxnSpLocks/>
-          </p:cNvCxnSpPr>
-          <p:nvPr/>
-        </p:nvCxnSpPr>
-        <p:spPr>
-          <a:xfrm flipH="1">
-            <a:off x="4509857" y="4178941"/>
-            <a:ext cx="190131" cy="310720"/>
-          </a:xfrm>
-          <a:prstGeom prst="straightConnector1">
-            <a:avLst/>
-          </a:prstGeom>
-          <a:ln>
-            <a:tailEnd type="triangle"/>
-          </a:ln>
-        </p:spPr>
-        <p:style>
-          <a:lnRef idx="2">
-            <a:schemeClr val="accent1"/>
-          </a:lnRef>
-          <a:fillRef idx="0">
-            <a:schemeClr val="accent1"/>
-          </a:fillRef>
-          <a:effectRef idx="1">
-            <a:schemeClr val="accent1"/>
-          </a:effectRef>
-          <a:fontRef idx="minor">
-            <a:schemeClr val="tx1"/>
-          </a:fontRef>
-        </p:style>
-      </p:cxnSp>
-      <p:sp>
-        <p:nvSpPr>
-          <p:cNvPr id="12" name="Textfeld 11">
-            <a:extLst>
-              <a:ext uri="{FF2B5EF4-FFF2-40B4-BE49-F238E27FC236}">
-                <a16:creationId xmlns:a16="http://schemas.microsoft.com/office/drawing/2014/main" id="{CF580F19-875F-D665-7ADB-17773E0F3910}"/>
+                <a16:creationId xmlns:a16="http://schemas.microsoft.com/office/drawing/2014/main" id="{3F634B3A-D0D9-775A-F3DD-562AF0D54C5E}"/>
               </a:ext>
             </a:extLst>
           </p:cNvPr>
@@ -17047,8 +16481,8 @@
         </p:nvSpPr>
         <p:spPr>
           <a:xfrm>
-            <a:off x="9982200" y="1027906"/>
-            <a:ext cx="1622880" cy="646331"/>
+            <a:off x="8973705" y="5141798"/>
+            <a:ext cx="2478627" cy="369332"/>
           </a:xfrm>
           <a:prstGeom prst="rect">
             <a:avLst/>
@@ -17068,25 +16502,11 @@
           <a:p>
             <a:r>
               <a:rPr lang="de-DE" dirty="0"/>
-              <a:t>PT1: </a:t>
+              <a:t>More </a:t>
             </a:r>
             <a:r>
               <a:rPr lang="de-DE" dirty="0" err="1"/>
-              <a:t>one</a:t>
-            </a:r>
-            <a:r>
-              <a:rPr lang="de-DE" dirty="0"/>
-              <a:t> pole</a:t>
-            </a:r>
-          </a:p>
-          <a:p>
-            <a:r>
-              <a:rPr lang="de-DE" dirty="0"/>
-              <a:t>PT2: </a:t>
-            </a:r>
-            <a:r>
-              <a:rPr lang="de-DE" dirty="0" err="1"/>
-              <a:t>two</a:t>
+              <a:t>about</a:t>
             </a:r>
             <a:r>
               <a:rPr lang="de-DE" dirty="0"/>
@@ -17094,16 +16514,27 @@
             </a:r>
             <a:r>
               <a:rPr lang="de-DE" dirty="0" err="1"/>
-              <a:t>poles</a:t>
-            </a:r>
-            <a:endParaRPr lang="de-DE" dirty="0"/>
+              <a:t>this</a:t>
+            </a:r>
+            <a:r>
+              <a:rPr lang="de-DE" dirty="0"/>
+              <a:t> </a:t>
+            </a:r>
+            <a:r>
+              <a:rPr lang="de-DE" dirty="0" err="1"/>
+              <a:t>later</a:t>
+            </a:r>
+            <a:r>
+              <a:rPr lang="de-DE" dirty="0"/>
+              <a:t> …</a:t>
+            </a:r>
           </a:p>
         </p:txBody>
       </p:sp>
     </p:spTree>
     <p:extLst>
       <p:ext uri="{BB962C8B-B14F-4D97-AF65-F5344CB8AC3E}">
-        <p14:creationId xmlns:p14="http://schemas.microsoft.com/office/powerpoint/2010/main" val="3803669674"/>
+        <p14:creationId xmlns:p14="http://schemas.microsoft.com/office/powerpoint/2010/main" val="4281564912"/>
       </p:ext>
     </p:extLst>
   </p:cSld>
@@ -17113,871 +16544,7 @@
 </p:sld>
 </file>
 
-<file path=ppt/slides/slide2.xml><?xml version="1.0" encoding="utf-8"?>
-<p:sld xmlns:a="http://schemas.openxmlformats.org/drawingml/2006/main" xmlns:r="http://schemas.openxmlformats.org/officeDocument/2006/relationships" xmlns:p="http://schemas.openxmlformats.org/presentationml/2006/main">
-  <p:cSld>
-    <p:spTree>
-      <p:nvGrpSpPr>
-        <p:cNvPr id="1" name=""/>
-        <p:cNvGrpSpPr/>
-        <p:nvPr/>
-      </p:nvGrpSpPr>
-      <p:grpSpPr>
-        <a:xfrm>
-          <a:off x="0" y="0"/>
-          <a:ext cx="0" cy="0"/>
-          <a:chOff x="0" y="0"/>
-          <a:chExt cx="0" cy="0"/>
-        </a:xfrm>
-      </p:grpSpPr>
-      <p:sp>
-        <p:nvSpPr>
-          <p:cNvPr id="4" name="Title 3">
-            <a:extLst>
-              <a:ext uri="{FF2B5EF4-FFF2-40B4-BE49-F238E27FC236}">
-                <a16:creationId xmlns:a16="http://schemas.microsoft.com/office/drawing/2014/main" id="{080AD447-446B-E09E-6F4A-522C1DBB462E}"/>
-              </a:ext>
-            </a:extLst>
-          </p:cNvPr>
-          <p:cNvSpPr>
-            <a:spLocks noGrp="1"/>
-          </p:cNvSpPr>
-          <p:nvPr>
-            <p:ph type="title"/>
-          </p:nvPr>
-        </p:nvSpPr>
-        <p:spPr/>
-        <p:txBody>
-          <a:bodyPr/>
-          <a:lstStyle/>
-          <a:p>
-            <a:r>
-              <a:rPr lang="en-GB" dirty="0"/>
-              <a:t>Course Schedule</a:t>
-            </a:r>
-          </a:p>
-        </p:txBody>
-      </p:sp>
-      <p:sp>
-        <p:nvSpPr>
-          <p:cNvPr id="6" name="Inhaltsplatzhalter 5">
-            <a:extLst>
-              <a:ext uri="{FF2B5EF4-FFF2-40B4-BE49-F238E27FC236}">
-                <a16:creationId xmlns:a16="http://schemas.microsoft.com/office/drawing/2014/main" id="{CF502483-E45D-7D7D-D169-ACA4F8327D26}"/>
-              </a:ext>
-            </a:extLst>
-          </p:cNvPr>
-          <p:cNvSpPr>
-            <a:spLocks noGrp="1"/>
-          </p:cNvSpPr>
-          <p:nvPr>
-            <p:ph sz="half" idx="1"/>
-          </p:nvPr>
-        </p:nvSpPr>
-        <p:spPr/>
-        <p:txBody>
-          <a:bodyPr>
-            <a:normAutofit/>
-          </a:bodyPr>
-          <a:lstStyle/>
-          <a:p>
-            <a:pPr marL="514350" indent="-514350">
-              <a:buFont typeface="+mj-lt"/>
-              <a:buAutoNum type="arabicPeriod"/>
-            </a:pPr>
-            <a:r>
-              <a:rPr lang="de-DE" dirty="0"/>
-              <a:t>Systems</a:t>
-            </a:r>
-          </a:p>
-          <a:p>
-            <a:pPr marL="514350" indent="-514350">
-              <a:buFont typeface="+mj-lt"/>
-              <a:buAutoNum type="arabicPeriod"/>
-            </a:pPr>
-            <a:endParaRPr lang="de-DE" dirty="0"/>
-          </a:p>
-          <a:p>
-            <a:pPr marL="514350" indent="-514350">
-              <a:buFont typeface="+mj-lt"/>
-              <a:buAutoNum type="arabicPeriod"/>
-            </a:pPr>
-            <a:r>
-              <a:rPr lang="de-DE" dirty="0" err="1"/>
-              <a:t>Continuous</a:t>
-            </a:r>
-            <a:r>
-              <a:rPr lang="de-DE" dirty="0"/>
-              <a:t>-time Controllers</a:t>
-            </a:r>
-          </a:p>
-          <a:p>
-            <a:pPr marL="514350" indent="-514350">
-              <a:buFont typeface="+mj-lt"/>
-              <a:buAutoNum type="arabicPeriod"/>
-            </a:pPr>
-            <a:endParaRPr lang="de-DE" dirty="0"/>
-          </a:p>
-          <a:p>
-            <a:pPr marL="514350" indent="-514350">
-              <a:buFont typeface="+mj-lt"/>
-              <a:buAutoNum type="arabicPeriod"/>
-            </a:pPr>
-            <a:r>
-              <a:rPr lang="de-DE" dirty="0"/>
-              <a:t>Laplace Domain</a:t>
-            </a:r>
-          </a:p>
-          <a:p>
-            <a:pPr marL="514350" indent="-514350">
-              <a:buFont typeface="+mj-lt"/>
-              <a:buAutoNum type="arabicPeriod"/>
-            </a:pPr>
-            <a:endParaRPr lang="de-DE" dirty="0"/>
-          </a:p>
-          <a:p>
-            <a:pPr marL="514350" indent="-514350">
-              <a:buFont typeface="+mj-lt"/>
-              <a:buAutoNum type="arabicPeriod"/>
-            </a:pPr>
-            <a:r>
-              <a:rPr lang="de-DE" dirty="0"/>
-              <a:t>Poles/Zeros &amp; </a:t>
-            </a:r>
-            <a:r>
-              <a:rPr lang="de-DE" dirty="0" err="1"/>
-              <a:t>Stability</a:t>
-            </a:r>
-            <a:endParaRPr lang="de-DE" dirty="0"/>
-          </a:p>
-        </p:txBody>
-      </p:sp>
-      <p:sp>
-        <p:nvSpPr>
-          <p:cNvPr id="7" name="Inhaltsplatzhalter 6">
-            <a:extLst>
-              <a:ext uri="{FF2B5EF4-FFF2-40B4-BE49-F238E27FC236}">
-                <a16:creationId xmlns:a16="http://schemas.microsoft.com/office/drawing/2014/main" id="{B671907E-FFFA-73EF-8E7D-4AB4EBDD957B}"/>
-              </a:ext>
-            </a:extLst>
-          </p:cNvPr>
-          <p:cNvSpPr>
-            <a:spLocks noGrp="1"/>
-          </p:cNvSpPr>
-          <p:nvPr>
-            <p:ph sz="half" idx="2"/>
-          </p:nvPr>
-        </p:nvSpPr>
-        <p:spPr/>
-        <p:txBody>
-          <a:bodyPr>
-            <a:normAutofit/>
-          </a:bodyPr>
-          <a:lstStyle/>
-          <a:p>
-            <a:pPr marL="514350" indent="-514350">
-              <a:buFont typeface="+mj-lt"/>
-              <a:buAutoNum type="arabicPeriod" startAt="5"/>
-            </a:pPr>
-            <a:r>
-              <a:rPr lang="de-DE" dirty="0"/>
-              <a:t>Controller Design</a:t>
-            </a:r>
-          </a:p>
-          <a:p>
-            <a:pPr marL="514350" indent="-514350">
-              <a:buFont typeface="+mj-lt"/>
-              <a:buAutoNum type="arabicPeriod" startAt="5"/>
-            </a:pPr>
-            <a:endParaRPr lang="de-DE" dirty="0"/>
-          </a:p>
-          <a:p>
-            <a:pPr marL="514350" indent="-514350">
-              <a:buFont typeface="+mj-lt"/>
-              <a:buAutoNum type="arabicPeriod" startAt="5"/>
-            </a:pPr>
-            <a:r>
-              <a:rPr lang="de-DE" dirty="0" err="1"/>
-              <a:t>Discrete</a:t>
-            </a:r>
-            <a:r>
-              <a:rPr lang="de-DE" dirty="0"/>
-              <a:t>-time Controllers</a:t>
-            </a:r>
-          </a:p>
-          <a:p>
-            <a:pPr marL="514350" indent="-514350">
-              <a:buFont typeface="+mj-lt"/>
-              <a:buAutoNum type="arabicPeriod" startAt="5"/>
-            </a:pPr>
-            <a:endParaRPr lang="de-DE" dirty="0"/>
-          </a:p>
-          <a:p>
-            <a:pPr marL="514350" indent="-514350">
-              <a:buFont typeface="+mj-lt"/>
-              <a:buAutoNum type="arabicPeriod" startAt="5"/>
-            </a:pPr>
-            <a:r>
-              <a:rPr lang="de-DE" dirty="0"/>
-              <a:t>State Space </a:t>
-            </a:r>
-            <a:r>
-              <a:rPr lang="de-DE" dirty="0" err="1"/>
-              <a:t>Representation</a:t>
-            </a:r>
-            <a:endParaRPr lang="de-DE" dirty="0"/>
-          </a:p>
-          <a:p>
-            <a:pPr marL="514350" indent="-514350">
-              <a:buFont typeface="+mj-lt"/>
-              <a:buAutoNum type="arabicPeriod" startAt="5"/>
-            </a:pPr>
-            <a:endParaRPr lang="de-DE" dirty="0"/>
-          </a:p>
-          <a:p>
-            <a:pPr marL="514350" indent="-514350">
-              <a:buFont typeface="+mj-lt"/>
-              <a:buAutoNum type="arabicPeriod" startAt="5"/>
-            </a:pPr>
-            <a:r>
-              <a:rPr lang="de-DE" dirty="0" err="1"/>
-              <a:t>Advanced</a:t>
-            </a:r>
-            <a:r>
-              <a:rPr lang="de-DE" dirty="0"/>
-              <a:t> Control Methods</a:t>
-            </a:r>
-          </a:p>
-        </p:txBody>
-      </p:sp>
-      <p:sp>
-        <p:nvSpPr>
-          <p:cNvPr id="3" name="Slide Number Placeholder 2">
-            <a:extLst>
-              <a:ext uri="{FF2B5EF4-FFF2-40B4-BE49-F238E27FC236}">
-                <a16:creationId xmlns:a16="http://schemas.microsoft.com/office/drawing/2014/main" id="{A0664D44-83AC-6A7A-17E0-C1AE2ED18FF5}"/>
-              </a:ext>
-            </a:extLst>
-          </p:cNvPr>
-          <p:cNvSpPr>
-            <a:spLocks noGrp="1"/>
-          </p:cNvSpPr>
-          <p:nvPr>
-            <p:ph type="sldNum" sz="quarter" idx="12"/>
-          </p:nvPr>
-        </p:nvSpPr>
-        <p:spPr/>
-        <p:txBody>
-          <a:bodyPr/>
-          <a:lstStyle/>
-          <a:p>
-            <a:fld id="{08C366F5-AFAD-49CB-854A-9D9E238FCA13}" type="slidenum">
-              <a:rPr lang="en-GB" smtClean="0"/>
-              <a:t>2</a:t>
-            </a:fld>
-            <a:endParaRPr lang="en-GB" dirty="0"/>
-          </a:p>
-        </p:txBody>
-      </p:sp>
-    </p:spTree>
-    <p:extLst>
-      <p:ext uri="{BB962C8B-B14F-4D97-AF65-F5344CB8AC3E}">
-        <p14:creationId xmlns:p14="http://schemas.microsoft.com/office/powerpoint/2010/main" val="310336692"/>
-      </p:ext>
-    </p:extLst>
-  </p:cSld>
-  <p:clrMapOvr>
-    <a:masterClrMapping/>
-  </p:clrMapOvr>
-</p:sld>
-</file>
-
-<file path=ppt/slides/slide20.xml><?xml version="1.0" encoding="utf-8"?>
-<p:sld xmlns:a="http://schemas.openxmlformats.org/drawingml/2006/main" xmlns:r="http://schemas.openxmlformats.org/officeDocument/2006/relationships" xmlns:p="http://schemas.openxmlformats.org/presentationml/2006/main">
-  <p:cSld>
-    <p:spTree>
-      <p:nvGrpSpPr>
-        <p:cNvPr id="1" name=""/>
-        <p:cNvGrpSpPr/>
-        <p:nvPr/>
-      </p:nvGrpSpPr>
-      <p:grpSpPr>
-        <a:xfrm>
-          <a:off x="0" y="0"/>
-          <a:ext cx="0" cy="0"/>
-          <a:chOff x="0" y="0"/>
-          <a:chExt cx="0" cy="0"/>
-        </a:xfrm>
-      </p:grpSpPr>
-      <p:sp>
-        <p:nvSpPr>
-          <p:cNvPr id="2" name="Titel 1">
-            <a:extLst>
-              <a:ext uri="{FF2B5EF4-FFF2-40B4-BE49-F238E27FC236}">
-                <a16:creationId xmlns:a16="http://schemas.microsoft.com/office/drawing/2014/main" id="{FA400246-61A5-767F-909C-8A5B4C446DD2}"/>
-              </a:ext>
-            </a:extLst>
-          </p:cNvPr>
-          <p:cNvSpPr>
-            <a:spLocks noGrp="1"/>
-          </p:cNvSpPr>
-          <p:nvPr>
-            <p:ph type="title"/>
-          </p:nvPr>
-        </p:nvSpPr>
-        <p:spPr/>
-        <p:txBody>
-          <a:bodyPr/>
-          <a:lstStyle/>
-          <a:p>
-            <a:r>
-              <a:rPr lang="de-DE" dirty="0"/>
-              <a:t>Interpretation </a:t>
-            </a:r>
-            <a:r>
-              <a:rPr lang="de-DE" dirty="0" err="1"/>
-              <a:t>of</a:t>
-            </a:r>
-            <a:r>
-              <a:rPr lang="de-DE" dirty="0"/>
-              <a:t> Zeros</a:t>
-            </a:r>
-          </a:p>
-        </p:txBody>
-      </p:sp>
-      <mc:AlternateContent xmlns:mc="http://schemas.openxmlformats.org/markup-compatibility/2006">
-        <mc:Choice xmlns:a14="http://schemas.microsoft.com/office/drawing/2010/main" Requires="a14">
-          <p:sp>
-            <p:nvSpPr>
-              <p:cNvPr id="3" name="Inhaltsplatzhalter 2">
-                <a:extLst>
-                  <a:ext uri="{FF2B5EF4-FFF2-40B4-BE49-F238E27FC236}">
-                    <a16:creationId xmlns:a16="http://schemas.microsoft.com/office/drawing/2014/main" id="{FDEECDF6-3FEB-A177-D7A8-7BB02317806C}"/>
-                  </a:ext>
-                </a:extLst>
-              </p:cNvPr>
-              <p:cNvSpPr>
-                <a:spLocks noGrp="1"/>
-              </p:cNvSpPr>
-              <p:nvPr>
-                <p:ph idx="1"/>
-              </p:nvPr>
-            </p:nvSpPr>
-            <p:spPr/>
-            <p:txBody>
-              <a:bodyPr>
-                <a:normAutofit/>
-              </a:bodyPr>
-              <a:lstStyle/>
-              <a:p>
-                <a:pPr marL="0" indent="0">
-                  <a:buNone/>
-                </a:pPr>
-                <a:r>
-                  <a:rPr lang="de-DE" dirty="0"/>
-                  <a:t>If real: </a:t>
-                </a:r>
-                <a:r>
-                  <a:rPr lang="de-DE" dirty="0" err="1"/>
-                  <a:t>affect</a:t>
-                </a:r>
-                <a:r>
-                  <a:rPr lang="de-DE" dirty="0"/>
-                  <a:t> </a:t>
-                </a:r>
-                <a:r>
-                  <a:rPr lang="de-DE" dirty="0" err="1"/>
-                  <a:t>slope</a:t>
-                </a:r>
-                <a:r>
-                  <a:rPr lang="de-DE" dirty="0"/>
-                  <a:t> and initial </a:t>
-                </a:r>
-                <a:r>
-                  <a:rPr lang="de-DE" dirty="0" err="1"/>
-                  <a:t>behavior</a:t>
-                </a:r>
-                <a:endParaRPr lang="de-DE" dirty="0"/>
-              </a:p>
-              <a:p>
-                <a14:m>
-                  <m:oMath xmlns:m="http://schemas.openxmlformats.org/officeDocument/2006/math">
-                    <m:sSub>
-                      <m:sSubPr>
-                        <m:ctrlPr>
-                          <a:rPr lang="de-DE" i="1">
-                            <a:latin typeface="Cambria Math" panose="02040503050406030204" pitchFamily="18" charset="0"/>
-                          </a:rPr>
-                        </m:ctrlPr>
-                      </m:sSubPr>
-                      <m:e>
-                        <m:r>
-                          <m:rPr>
-                            <m:sty m:val="p"/>
-                          </m:rPr>
-                          <a:rPr lang="de-DE">
-                            <a:latin typeface="Cambria Math" panose="02040503050406030204" pitchFamily="18" charset="0"/>
-                          </a:rPr>
-                          <m:t>Re</m:t>
-                        </m:r>
-                        <m:r>
-                          <a:rPr lang="de-DE" i="1">
-                            <a:latin typeface="Cambria Math" panose="02040503050406030204" pitchFamily="18" charset="0"/>
-                          </a:rPr>
-                          <m:t>(</m:t>
-                        </m:r>
-                        <m:r>
-                          <a:rPr lang="de-DE" i="1">
-                            <a:latin typeface="Cambria Math" panose="02040503050406030204" pitchFamily="18" charset="0"/>
-                          </a:rPr>
-                          <m:t>𝑠</m:t>
-                        </m:r>
-                      </m:e>
-                      <m:sub>
-                        <m:r>
-                          <a:rPr lang="de-DE" b="0" i="1" smtClean="0">
-                            <a:latin typeface="Cambria Math" panose="02040503050406030204" pitchFamily="18" charset="0"/>
-                          </a:rPr>
-                          <m:t>0</m:t>
-                        </m:r>
-                      </m:sub>
-                    </m:sSub>
-                    <m:r>
-                      <a:rPr lang="de-DE" i="1">
-                        <a:latin typeface="Cambria Math" panose="02040503050406030204" pitchFamily="18" charset="0"/>
-                      </a:rPr>
-                      <m:t>)&lt;0</m:t>
-                    </m:r>
-                  </m:oMath>
-                </a14:m>
-                <a:r>
-                  <a:rPr lang="de-DE" dirty="0"/>
-                  <a:t> (minimum-phase </a:t>
-                </a:r>
-                <a:r>
-                  <a:rPr lang="de-DE" dirty="0" err="1"/>
-                  <a:t>zeros</a:t>
-                </a:r>
-                <a:r>
-                  <a:rPr lang="de-DE" dirty="0"/>
-                  <a:t>): </a:t>
-                </a:r>
-                <a:r>
-                  <a:rPr lang="de-DE" dirty="0" err="1"/>
-                  <a:t>speeds</a:t>
-                </a:r>
-                <a:r>
-                  <a:rPr lang="de-DE" dirty="0"/>
-                  <a:t> </a:t>
-                </a:r>
-                <a:r>
-                  <a:rPr lang="de-DE" dirty="0" err="1"/>
-                  <a:t>up</a:t>
-                </a:r>
-                <a:r>
-                  <a:rPr lang="de-DE" dirty="0"/>
-                  <a:t> </a:t>
-                </a:r>
-                <a:r>
-                  <a:rPr lang="de-DE" dirty="0" err="1"/>
-                  <a:t>response</a:t>
-                </a:r>
-                <a:r>
-                  <a:rPr lang="de-DE" dirty="0"/>
-                  <a:t>, </a:t>
-                </a:r>
-                <a:r>
-                  <a:rPr lang="de-DE" dirty="0" err="1"/>
-                  <a:t>adds</a:t>
-                </a:r>
-                <a:r>
-                  <a:rPr lang="de-DE" dirty="0"/>
-                  <a:t> </a:t>
-                </a:r>
-                <a:r>
-                  <a:rPr lang="de-DE" dirty="0" err="1"/>
-                  <a:t>phase</a:t>
-                </a:r>
-                <a:r>
-                  <a:rPr lang="de-DE" dirty="0"/>
-                  <a:t> </a:t>
-                </a:r>
-                <a:r>
-                  <a:rPr lang="de-DE" dirty="0" err="1"/>
-                  <a:t>lead</a:t>
-                </a:r>
-                <a:r>
-                  <a:rPr lang="de-DE" dirty="0"/>
-                  <a:t> </a:t>
-                </a:r>
-                <a:endParaRPr lang="de-DE" i="1" dirty="0">
-                  <a:latin typeface="Cambria Math" panose="02040503050406030204" pitchFamily="18" charset="0"/>
-                </a:endParaRPr>
-              </a:p>
-              <a:p>
-                <a14:m>
-                  <m:oMath xmlns:m="http://schemas.openxmlformats.org/officeDocument/2006/math">
-                    <m:sSub>
-                      <m:sSubPr>
-                        <m:ctrlPr>
-                          <a:rPr lang="de-DE" i="1">
-                            <a:latin typeface="Cambria Math" panose="02040503050406030204" pitchFamily="18" charset="0"/>
-                          </a:rPr>
-                        </m:ctrlPr>
-                      </m:sSubPr>
-                      <m:e>
-                        <m:r>
-                          <m:rPr>
-                            <m:sty m:val="p"/>
-                          </m:rPr>
-                          <a:rPr lang="de-DE">
-                            <a:latin typeface="Cambria Math" panose="02040503050406030204" pitchFamily="18" charset="0"/>
-                          </a:rPr>
-                          <m:t>Re</m:t>
-                        </m:r>
-                        <m:r>
-                          <a:rPr lang="de-DE" i="1">
-                            <a:latin typeface="Cambria Math" panose="02040503050406030204" pitchFamily="18" charset="0"/>
-                          </a:rPr>
-                          <m:t>(</m:t>
-                        </m:r>
-                        <m:r>
-                          <a:rPr lang="de-DE" i="1">
-                            <a:latin typeface="Cambria Math" panose="02040503050406030204" pitchFamily="18" charset="0"/>
-                          </a:rPr>
-                          <m:t>𝑠</m:t>
-                        </m:r>
-                      </m:e>
-                      <m:sub>
-                        <m:r>
-                          <a:rPr lang="de-DE" b="0" i="1" smtClean="0">
-                            <a:latin typeface="Cambria Math" panose="02040503050406030204" pitchFamily="18" charset="0"/>
-                          </a:rPr>
-                          <m:t>0</m:t>
-                        </m:r>
-                      </m:sub>
-                    </m:sSub>
-                    <m:r>
-                      <a:rPr lang="de-DE" i="1">
-                        <a:latin typeface="Cambria Math" panose="02040503050406030204" pitchFamily="18" charset="0"/>
-                      </a:rPr>
-                      <m:t>)</m:t>
-                    </m:r>
-                    <m:r>
-                      <a:rPr lang="de-DE" i="1">
-                        <a:latin typeface="Cambria Math" panose="02040503050406030204" pitchFamily="18" charset="0"/>
-                      </a:rPr>
-                      <m:t>&gt;</m:t>
-                    </m:r>
-                    <m:r>
-                      <a:rPr lang="de-DE" i="1">
-                        <a:latin typeface="Cambria Math" panose="02040503050406030204" pitchFamily="18" charset="0"/>
-                      </a:rPr>
-                      <m:t>0</m:t>
-                    </m:r>
-                  </m:oMath>
-                </a14:m>
-                <a:r>
-                  <a:rPr lang="de-DE" dirty="0"/>
-                  <a:t> (non-minimum-phase </a:t>
-                </a:r>
-                <a:r>
-                  <a:rPr lang="de-DE" dirty="0" err="1"/>
-                  <a:t>behavior</a:t>
-                </a:r>
-                <a:r>
-                  <a:rPr lang="de-DE" dirty="0"/>
-                  <a:t>): </a:t>
-                </a:r>
-                <a:r>
-                  <a:rPr lang="de-DE" dirty="0" err="1"/>
-                  <a:t>causes</a:t>
-                </a:r>
-                <a:r>
-                  <a:rPr lang="de-DE" dirty="0"/>
-                  <a:t> inverse </a:t>
-                </a:r>
-                <a:r>
-                  <a:rPr lang="de-DE" dirty="0" err="1"/>
-                  <a:t>response</a:t>
-                </a:r>
-                <a:r>
-                  <a:rPr lang="de-DE" i="1" dirty="0"/>
-                  <a:t>, </a:t>
-                </a:r>
-                <a:r>
-                  <a:rPr lang="de-DE" dirty="0" err="1"/>
-                  <a:t>adds</a:t>
-                </a:r>
-                <a:r>
-                  <a:rPr lang="de-DE" dirty="0"/>
-                  <a:t> </a:t>
-                </a:r>
-                <a:r>
-                  <a:rPr lang="de-DE" dirty="0" err="1"/>
-                  <a:t>phase</a:t>
-                </a:r>
-                <a:r>
-                  <a:rPr lang="de-DE" dirty="0"/>
-                  <a:t> lag</a:t>
-                </a:r>
-              </a:p>
-              <a:p>
-                <a:pPr marL="0" indent="0">
-                  <a:buNone/>
-                </a:pPr>
-                <a:endParaRPr lang="de-DE" dirty="0"/>
-              </a:p>
-              <a:p>
-                <a:pPr marL="0" indent="0">
-                  <a:buNone/>
-                </a:pPr>
-                <a:r>
-                  <a:rPr lang="de-DE" dirty="0" err="1"/>
-                  <a:t>If</a:t>
-                </a:r>
-                <a:r>
-                  <a:rPr lang="de-DE" dirty="0"/>
-                  <a:t> </a:t>
-                </a:r>
-                <a:r>
-                  <a:rPr lang="de-DE" dirty="0" err="1"/>
-                  <a:t>complex</a:t>
-                </a:r>
-                <a:r>
-                  <a:rPr lang="de-DE" dirty="0"/>
-                  <a:t>: </a:t>
-                </a:r>
-                <a:r>
-                  <a:rPr lang="de-DE" dirty="0" err="1"/>
-                  <a:t>affect</a:t>
-                </a:r>
-                <a:r>
-                  <a:rPr lang="de-DE" dirty="0"/>
-                  <a:t> </a:t>
-                </a:r>
-                <a:r>
-                  <a:rPr lang="de-DE" dirty="0" err="1"/>
-                  <a:t>phase</a:t>
-                </a:r>
-                <a:r>
-                  <a:rPr lang="de-DE" dirty="0"/>
-                  <a:t> and </a:t>
-                </a:r>
-                <a:r>
-                  <a:rPr lang="de-DE" dirty="0" err="1"/>
-                  <a:t>shape</a:t>
-                </a:r>
-                <a:r>
-                  <a:rPr lang="de-DE" dirty="0"/>
-                  <a:t> </a:t>
-                </a:r>
-                <a:r>
-                  <a:rPr lang="de-DE" dirty="0" err="1"/>
-                  <a:t>of</a:t>
-                </a:r>
-                <a:r>
-                  <a:rPr lang="de-DE" dirty="0"/>
-                  <a:t> </a:t>
-                </a:r>
-                <a:r>
-                  <a:rPr lang="de-DE" dirty="0" err="1"/>
-                  <a:t>the</a:t>
-                </a:r>
-                <a:r>
-                  <a:rPr lang="de-DE" dirty="0"/>
-                  <a:t> transient </a:t>
-                </a:r>
-                <a:r>
-                  <a:rPr lang="de-DE" dirty="0" err="1"/>
-                  <a:t>response</a:t>
-                </a:r>
-                <a:endParaRPr lang="de-DE" dirty="0"/>
-              </a:p>
-              <a:p>
-                <a:r>
-                  <a:rPr lang="de-DE" dirty="0"/>
-                  <a:t>At </a:t>
-                </a:r>
-                <a:r>
-                  <a:rPr lang="de-DE" dirty="0" err="1"/>
-                  <a:t>the</a:t>
-                </a:r>
-                <a:r>
-                  <a:rPr lang="de-DE" dirty="0"/>
-                  <a:t> </a:t>
-                </a:r>
-                <a:r>
-                  <a:rPr lang="de-DE" dirty="0" err="1"/>
-                  <a:t>origin</a:t>
-                </a:r>
-                <a:r>
-                  <a:rPr lang="de-DE" dirty="0"/>
-                  <a:t>: </a:t>
-                </a:r>
-                <a:r>
-                  <a:rPr lang="de-DE" dirty="0" err="1"/>
-                  <a:t>introduce</a:t>
-                </a:r>
-                <a:r>
-                  <a:rPr lang="de-DE" dirty="0"/>
-                  <a:t> </a:t>
-                </a:r>
-                <a:r>
-                  <a:rPr lang="de-DE" dirty="0" err="1"/>
-                  <a:t>differentiating</a:t>
-                </a:r>
-                <a:r>
-                  <a:rPr lang="de-DE" dirty="0"/>
-                  <a:t> </a:t>
-                </a:r>
-                <a:r>
-                  <a:rPr lang="de-DE" dirty="0" err="1"/>
-                  <a:t>behavior</a:t>
-                </a:r>
-                <a:endParaRPr lang="de-DE" dirty="0"/>
-              </a:p>
-              <a:p>
-                <a:r>
-                  <a:rPr lang="de-DE" dirty="0" err="1"/>
-                  <a:t>Near</a:t>
-                </a:r>
-                <a:r>
-                  <a:rPr lang="de-DE" dirty="0"/>
-                  <a:t> </a:t>
-                </a:r>
-                <a:r>
-                  <a:rPr lang="de-DE" dirty="0" err="1"/>
-                  <a:t>poles</a:t>
-                </a:r>
-                <a:r>
-                  <a:rPr lang="de-DE" dirty="0"/>
-                  <a:t>: </a:t>
-                </a:r>
-                <a:r>
-                  <a:rPr lang="de-DE" dirty="0" err="1"/>
-                  <a:t>modify</a:t>
-                </a:r>
-                <a:r>
-                  <a:rPr lang="de-DE" dirty="0"/>
-                  <a:t> </a:t>
-                </a:r>
-                <a:r>
-                  <a:rPr lang="de-DE" dirty="0" err="1"/>
-                  <a:t>or</a:t>
-                </a:r>
-                <a:r>
-                  <a:rPr lang="de-DE" dirty="0"/>
-                  <a:t> </a:t>
-                </a:r>
-                <a:r>
-                  <a:rPr lang="de-DE" dirty="0" err="1"/>
-                  <a:t>cancel</a:t>
-                </a:r>
-                <a:r>
-                  <a:rPr lang="de-DE" dirty="0"/>
-                  <a:t> </a:t>
-                </a:r>
-                <a:r>
-                  <a:rPr lang="de-DE" dirty="0" err="1"/>
-                  <a:t>dynamic</a:t>
-                </a:r>
-                <a:r>
-                  <a:rPr lang="de-DE" dirty="0"/>
-                  <a:t> </a:t>
-                </a:r>
-                <a:r>
-                  <a:rPr lang="de-DE" dirty="0" err="1"/>
-                  <a:t>modes</a:t>
-                </a:r>
-                <a:endParaRPr lang="de-DE" dirty="0"/>
-              </a:p>
-            </p:txBody>
-          </p:sp>
-        </mc:Choice>
-        <mc:Fallback>
-          <p:sp>
-            <p:nvSpPr>
-              <p:cNvPr id="3" name="Inhaltsplatzhalter 2">
-                <a:extLst>
-                  <a:ext uri="{FF2B5EF4-FFF2-40B4-BE49-F238E27FC236}">
-                    <a16:creationId xmlns:a16="http://schemas.microsoft.com/office/drawing/2014/main" id="{FDEECDF6-3FEB-A177-D7A8-7BB02317806C}"/>
-                  </a:ext>
-                </a:extLst>
-              </p:cNvPr>
-              <p:cNvSpPr>
-                <a:spLocks noGrp="1" noRot="1" noChangeAspect="1" noMove="1" noResize="1" noEditPoints="1" noAdjustHandles="1" noChangeArrowheads="1" noChangeShapeType="1" noTextEdit="1"/>
-              </p:cNvSpPr>
-              <p:nvPr>
-                <p:ph idx="1"/>
-              </p:nvPr>
-            </p:nvSpPr>
-            <p:spPr>
-              <a:blipFill>
-                <a:blip r:embed="rId2"/>
-                <a:stretch>
-                  <a:fillRect l="-1206" t="-2326" b="-3198"/>
-                </a:stretch>
-              </a:blipFill>
-            </p:spPr>
-            <p:txBody>
-              <a:bodyPr/>
-              <a:lstStyle/>
-              <a:p>
-                <a:r>
-                  <a:rPr lang="de-DE">
-                    <a:noFill/>
-                  </a:rPr>
-                  <a:t> </a:t>
-                </a:r>
-              </a:p>
-            </p:txBody>
-          </p:sp>
-        </mc:Fallback>
-      </mc:AlternateContent>
-      <p:sp>
-        <p:nvSpPr>
-          <p:cNvPr id="4" name="Foliennummernplatzhalter 3">
-            <a:extLst>
-              <a:ext uri="{FF2B5EF4-FFF2-40B4-BE49-F238E27FC236}">
-                <a16:creationId xmlns:a16="http://schemas.microsoft.com/office/drawing/2014/main" id="{F75A1E12-F588-EDED-8AD9-0CC86AD6B7B4}"/>
-              </a:ext>
-            </a:extLst>
-          </p:cNvPr>
-          <p:cNvSpPr>
-            <a:spLocks noGrp="1"/>
-          </p:cNvSpPr>
-          <p:nvPr>
-            <p:ph type="sldNum" sz="quarter" idx="12"/>
-          </p:nvPr>
-        </p:nvSpPr>
-        <p:spPr/>
-        <p:txBody>
-          <a:bodyPr/>
-          <a:lstStyle/>
-          <a:p>
-            <a:fld id="{08C366F5-AFAD-49CB-854A-9D9E238FCA13}" type="slidenum">
-              <a:rPr lang="en-GB" smtClean="0"/>
-              <a:t>20</a:t>
-            </a:fld>
-            <a:endParaRPr lang="en-GB"/>
-          </a:p>
-        </p:txBody>
-      </p:sp>
-    </p:spTree>
-    <p:extLst>
-      <p:ext uri="{BB962C8B-B14F-4D97-AF65-F5344CB8AC3E}">
-        <p14:creationId xmlns:p14="http://schemas.microsoft.com/office/powerpoint/2010/main" val="77516454"/>
-      </p:ext>
-    </p:extLst>
-  </p:cSld>
-  <p:clrMapOvr>
-    <a:masterClrMapping/>
-  </p:clrMapOvr>
-</p:sld>
-</file>
-
-<file path=ppt/slides/slide21.xml><?xml version="1.0" encoding="utf-8"?>
+<file path=ppt/slides/slide19.xml><?xml version="1.0" encoding="utf-8"?>
 <p:sld xmlns:a="http://schemas.openxmlformats.org/drawingml/2006/main" xmlns:r="http://schemas.openxmlformats.org/officeDocument/2006/relationships" xmlns:p="http://schemas.openxmlformats.org/presentationml/2006/main">
   <p:cSld>
     <p:spTree>
@@ -18050,7 +16617,7 @@
           <a:p>
             <a:fld id="{08C366F5-AFAD-49CB-854A-9D9E238FCA13}" type="slidenum">
               <a:rPr lang="en-GB" smtClean="0"/>
-              <a:t>21</a:t>
+              <a:t>19</a:t>
             </a:fld>
             <a:endParaRPr lang="en-GB"/>
           </a:p>
@@ -18574,7 +17141,286 @@
 </p:sld>
 </file>
 
-<file path=ppt/slides/slide22.xml><?xml version="1.0" encoding="utf-8"?>
+<file path=ppt/slides/slide2.xml><?xml version="1.0" encoding="utf-8"?>
+<p:sld xmlns:a="http://schemas.openxmlformats.org/drawingml/2006/main" xmlns:r="http://schemas.openxmlformats.org/officeDocument/2006/relationships" xmlns:p="http://schemas.openxmlformats.org/presentationml/2006/main">
+  <p:cSld>
+    <p:spTree>
+      <p:nvGrpSpPr>
+        <p:cNvPr id="1" name=""/>
+        <p:cNvGrpSpPr/>
+        <p:nvPr/>
+      </p:nvGrpSpPr>
+      <p:grpSpPr>
+        <a:xfrm>
+          <a:off x="0" y="0"/>
+          <a:ext cx="0" cy="0"/>
+          <a:chOff x="0" y="0"/>
+          <a:chExt cx="0" cy="0"/>
+        </a:xfrm>
+      </p:grpSpPr>
+      <p:sp>
+        <p:nvSpPr>
+          <p:cNvPr id="4" name="Title 3">
+            <a:extLst>
+              <a:ext uri="{FF2B5EF4-FFF2-40B4-BE49-F238E27FC236}">
+                <a16:creationId xmlns:a16="http://schemas.microsoft.com/office/drawing/2014/main" id="{080AD447-446B-E09E-6F4A-522C1DBB462E}"/>
+              </a:ext>
+            </a:extLst>
+          </p:cNvPr>
+          <p:cNvSpPr>
+            <a:spLocks noGrp="1"/>
+          </p:cNvSpPr>
+          <p:nvPr>
+            <p:ph type="title"/>
+          </p:nvPr>
+        </p:nvSpPr>
+        <p:spPr/>
+        <p:txBody>
+          <a:bodyPr/>
+          <a:lstStyle/>
+          <a:p>
+            <a:r>
+              <a:rPr lang="en-GB" dirty="0"/>
+              <a:t>Course Schedule</a:t>
+            </a:r>
+          </a:p>
+        </p:txBody>
+      </p:sp>
+      <p:sp>
+        <p:nvSpPr>
+          <p:cNvPr id="6" name="Inhaltsplatzhalter 5">
+            <a:extLst>
+              <a:ext uri="{FF2B5EF4-FFF2-40B4-BE49-F238E27FC236}">
+                <a16:creationId xmlns:a16="http://schemas.microsoft.com/office/drawing/2014/main" id="{CF502483-E45D-7D7D-D169-ACA4F8327D26}"/>
+              </a:ext>
+            </a:extLst>
+          </p:cNvPr>
+          <p:cNvSpPr>
+            <a:spLocks noGrp="1"/>
+          </p:cNvSpPr>
+          <p:nvPr>
+            <p:ph sz="half" idx="1"/>
+          </p:nvPr>
+        </p:nvSpPr>
+        <p:spPr/>
+        <p:txBody>
+          <a:bodyPr>
+            <a:normAutofit/>
+          </a:bodyPr>
+          <a:lstStyle/>
+          <a:p>
+            <a:pPr marL="514350" indent="-514350">
+              <a:buFont typeface="+mj-lt"/>
+              <a:buAutoNum type="arabicPeriod"/>
+            </a:pPr>
+            <a:r>
+              <a:rPr lang="de-DE" dirty="0"/>
+              <a:t>Systems</a:t>
+            </a:r>
+          </a:p>
+          <a:p>
+            <a:pPr marL="514350" indent="-514350">
+              <a:buFont typeface="+mj-lt"/>
+              <a:buAutoNum type="arabicPeriod"/>
+            </a:pPr>
+            <a:endParaRPr lang="de-DE" dirty="0"/>
+          </a:p>
+          <a:p>
+            <a:pPr marL="514350" indent="-514350">
+              <a:buFont typeface="+mj-lt"/>
+              <a:buAutoNum type="arabicPeriod"/>
+            </a:pPr>
+            <a:r>
+              <a:rPr lang="de-DE" dirty="0" err="1"/>
+              <a:t>Continuous</a:t>
+            </a:r>
+            <a:r>
+              <a:rPr lang="de-DE" dirty="0"/>
+              <a:t>-time Controllers</a:t>
+            </a:r>
+          </a:p>
+          <a:p>
+            <a:pPr marL="514350" indent="-514350">
+              <a:buFont typeface="+mj-lt"/>
+              <a:buAutoNum type="arabicPeriod"/>
+            </a:pPr>
+            <a:endParaRPr lang="de-DE" dirty="0"/>
+          </a:p>
+          <a:p>
+            <a:pPr marL="514350" indent="-514350">
+              <a:buFont typeface="+mj-lt"/>
+              <a:buAutoNum type="arabicPeriod"/>
+            </a:pPr>
+            <a:r>
+              <a:rPr lang="de-DE" dirty="0"/>
+              <a:t>Laplace Domain</a:t>
+            </a:r>
+          </a:p>
+          <a:p>
+            <a:pPr marL="514350" indent="-514350">
+              <a:buFont typeface="+mj-lt"/>
+              <a:buAutoNum type="arabicPeriod"/>
+            </a:pPr>
+            <a:endParaRPr lang="de-DE" dirty="0"/>
+          </a:p>
+          <a:p>
+            <a:pPr marL="514350" indent="-514350">
+              <a:buFont typeface="+mj-lt"/>
+              <a:buAutoNum type="arabicPeriod"/>
+            </a:pPr>
+            <a:r>
+              <a:rPr lang="de-DE" dirty="0"/>
+              <a:t>Poles/Zeros &amp; </a:t>
+            </a:r>
+            <a:r>
+              <a:rPr lang="de-DE" dirty="0" err="1"/>
+              <a:t>Stability</a:t>
+            </a:r>
+            <a:endParaRPr lang="de-DE" dirty="0"/>
+          </a:p>
+        </p:txBody>
+      </p:sp>
+      <p:sp>
+        <p:nvSpPr>
+          <p:cNvPr id="7" name="Inhaltsplatzhalter 6">
+            <a:extLst>
+              <a:ext uri="{FF2B5EF4-FFF2-40B4-BE49-F238E27FC236}">
+                <a16:creationId xmlns:a16="http://schemas.microsoft.com/office/drawing/2014/main" id="{B671907E-FFFA-73EF-8E7D-4AB4EBDD957B}"/>
+              </a:ext>
+            </a:extLst>
+          </p:cNvPr>
+          <p:cNvSpPr>
+            <a:spLocks noGrp="1"/>
+          </p:cNvSpPr>
+          <p:nvPr>
+            <p:ph sz="half" idx="2"/>
+          </p:nvPr>
+        </p:nvSpPr>
+        <p:spPr/>
+        <p:txBody>
+          <a:bodyPr>
+            <a:normAutofit/>
+          </a:bodyPr>
+          <a:lstStyle/>
+          <a:p>
+            <a:pPr marL="514350" indent="-514350">
+              <a:buFont typeface="+mj-lt"/>
+              <a:buAutoNum type="arabicPeriod" startAt="5"/>
+            </a:pPr>
+            <a:r>
+              <a:rPr lang="de-DE" dirty="0"/>
+              <a:t>Controller Design</a:t>
+            </a:r>
+          </a:p>
+          <a:p>
+            <a:pPr marL="514350" indent="-514350">
+              <a:buFont typeface="+mj-lt"/>
+              <a:buAutoNum type="arabicPeriod" startAt="5"/>
+            </a:pPr>
+            <a:endParaRPr lang="de-DE" dirty="0"/>
+          </a:p>
+          <a:p>
+            <a:pPr marL="514350" indent="-514350">
+              <a:buFont typeface="+mj-lt"/>
+              <a:buAutoNum type="arabicPeriod" startAt="5"/>
+            </a:pPr>
+            <a:r>
+              <a:rPr lang="de-DE" dirty="0" err="1"/>
+              <a:t>Discrete</a:t>
+            </a:r>
+            <a:r>
+              <a:rPr lang="de-DE" dirty="0"/>
+              <a:t>-time Controllers</a:t>
+            </a:r>
+          </a:p>
+          <a:p>
+            <a:pPr marL="514350" indent="-514350">
+              <a:buFont typeface="+mj-lt"/>
+              <a:buAutoNum type="arabicPeriod" startAt="5"/>
+            </a:pPr>
+            <a:endParaRPr lang="de-DE" dirty="0"/>
+          </a:p>
+          <a:p>
+            <a:pPr marL="514350" indent="-514350">
+              <a:buFont typeface="+mj-lt"/>
+              <a:buAutoNum type="arabicPeriod" startAt="5"/>
+            </a:pPr>
+            <a:r>
+              <a:rPr lang="de-DE" dirty="0"/>
+              <a:t>State Space </a:t>
+            </a:r>
+            <a:r>
+              <a:rPr lang="de-DE" dirty="0" err="1"/>
+              <a:t>Representation</a:t>
+            </a:r>
+            <a:endParaRPr lang="de-DE" dirty="0"/>
+          </a:p>
+          <a:p>
+            <a:pPr marL="514350" indent="-514350">
+              <a:buFont typeface="+mj-lt"/>
+              <a:buAutoNum type="arabicPeriod" startAt="5"/>
+            </a:pPr>
+            <a:endParaRPr lang="de-DE" dirty="0"/>
+          </a:p>
+          <a:p>
+            <a:pPr marL="514350" indent="-514350">
+              <a:buFont typeface="+mj-lt"/>
+              <a:buAutoNum type="arabicPeriod" startAt="5"/>
+            </a:pPr>
+            <a:r>
+              <a:rPr lang="de-DE" dirty="0" err="1"/>
+              <a:t>Advanced</a:t>
+            </a:r>
+            <a:r>
+              <a:rPr lang="de-DE" dirty="0"/>
+              <a:t> Control Methods</a:t>
+            </a:r>
+          </a:p>
+        </p:txBody>
+      </p:sp>
+      <p:sp>
+        <p:nvSpPr>
+          <p:cNvPr id="3" name="Slide Number Placeholder 2">
+            <a:extLst>
+              <a:ext uri="{FF2B5EF4-FFF2-40B4-BE49-F238E27FC236}">
+                <a16:creationId xmlns:a16="http://schemas.microsoft.com/office/drawing/2014/main" id="{A0664D44-83AC-6A7A-17E0-C1AE2ED18FF5}"/>
+              </a:ext>
+            </a:extLst>
+          </p:cNvPr>
+          <p:cNvSpPr>
+            <a:spLocks noGrp="1"/>
+          </p:cNvSpPr>
+          <p:nvPr>
+            <p:ph type="sldNum" sz="quarter" idx="12"/>
+          </p:nvPr>
+        </p:nvSpPr>
+        <p:spPr/>
+        <p:txBody>
+          <a:bodyPr/>
+          <a:lstStyle/>
+          <a:p>
+            <a:fld id="{08C366F5-AFAD-49CB-854A-9D9E238FCA13}" type="slidenum">
+              <a:rPr lang="en-GB" smtClean="0"/>
+              <a:t>2</a:t>
+            </a:fld>
+            <a:endParaRPr lang="en-GB" dirty="0"/>
+          </a:p>
+        </p:txBody>
+      </p:sp>
+    </p:spTree>
+    <p:extLst>
+      <p:ext uri="{BB962C8B-B14F-4D97-AF65-F5344CB8AC3E}">
+        <p14:creationId xmlns:p14="http://schemas.microsoft.com/office/powerpoint/2010/main" val="310336692"/>
+      </p:ext>
+    </p:extLst>
+  </p:cSld>
+  <p:clrMapOvr>
+    <a:masterClrMapping/>
+  </p:clrMapOvr>
+</p:sld>
+</file>
+
+<file path=ppt/slides/slide20.xml><?xml version="1.0" encoding="utf-8"?>
 <p:sld xmlns:a="http://schemas.openxmlformats.org/drawingml/2006/main" xmlns:r="http://schemas.openxmlformats.org/officeDocument/2006/relationships" xmlns:p="http://schemas.openxmlformats.org/presentationml/2006/main">
   <p:cSld>
     <p:spTree>
@@ -18650,7 +17496,7 @@
           <a:p>
             <a:fld id="{08C366F5-AFAD-49CB-854A-9D9E238FCA13}" type="slidenum">
               <a:rPr lang="en-GB" smtClean="0"/>
-              <a:t>22</a:t>
+              <a:t>20</a:t>
             </a:fld>
             <a:endParaRPr lang="en-GB"/>
           </a:p>
@@ -18777,7 +17623,7 @@
 </p:sld>
 </file>
 
-<file path=ppt/slides/slide23.xml><?xml version="1.0" encoding="utf-8"?>
+<file path=ppt/slides/slide21.xml><?xml version="1.0" encoding="utf-8"?>
 <p:sld xmlns:a="http://schemas.openxmlformats.org/drawingml/2006/main" xmlns:r="http://schemas.openxmlformats.org/officeDocument/2006/relationships" xmlns:p="http://schemas.openxmlformats.org/presentationml/2006/main">
   <p:cSld>
     <p:spTree>
@@ -18845,7 +17691,7 @@
           <a:p>
             <a:fld id="{08C366F5-AFAD-49CB-854A-9D9E238FCA13}" type="slidenum">
               <a:rPr lang="en-GB" smtClean="0"/>
-              <a:t>23</a:t>
+              <a:t>21</a:t>
             </a:fld>
             <a:endParaRPr lang="en-GB"/>
           </a:p>
@@ -18900,7 +17746,7 @@
 </p:sld>
 </file>
 
-<file path=ppt/slides/slide24.xml><?xml version="1.0" encoding="utf-8"?>
+<file path=ppt/slides/slide22.xml><?xml version="1.0" encoding="utf-8"?>
 <p:sld xmlns:a="http://schemas.openxmlformats.org/drawingml/2006/main" xmlns:r="http://schemas.openxmlformats.org/officeDocument/2006/relationships" xmlns:p="http://schemas.openxmlformats.org/presentationml/2006/main">
   <p:cSld>
     <p:spTree>
@@ -18968,7 +17814,7 @@
           <a:p>
             <a:fld id="{08C366F5-AFAD-49CB-854A-9D9E238FCA13}" type="slidenum">
               <a:rPr lang="en-GB" smtClean="0"/>
-              <a:t>24</a:t>
+              <a:t>22</a:t>
             </a:fld>
             <a:endParaRPr lang="en-GB"/>
           </a:p>
@@ -19023,7 +17869,7 @@
 </p:sld>
 </file>
 
-<file path=ppt/slides/slide25.xml><?xml version="1.0" encoding="utf-8"?>
+<file path=ppt/slides/slide23.xml><?xml version="1.0" encoding="utf-8"?>
 <p:sld xmlns:a="http://schemas.openxmlformats.org/drawingml/2006/main" xmlns:r="http://schemas.openxmlformats.org/officeDocument/2006/relationships" xmlns:p="http://schemas.openxmlformats.org/presentationml/2006/main">
   <p:cSld>
     <p:spTree>
@@ -19091,7 +17937,7 @@
           <a:p>
             <a:fld id="{08C366F5-AFAD-49CB-854A-9D9E238FCA13}" type="slidenum">
               <a:rPr lang="en-GB" smtClean="0"/>
-              <a:t>25</a:t>
+              <a:t>23</a:t>
             </a:fld>
             <a:endParaRPr lang="en-GB"/>
           </a:p>
@@ -19146,7 +17992,7 @@
 </p:sld>
 </file>
 
-<file path=ppt/slides/slide26.xml><?xml version="1.0" encoding="utf-8"?>
+<file path=ppt/slides/slide24.xml><?xml version="1.0" encoding="utf-8"?>
 <p:sld xmlns:a="http://schemas.openxmlformats.org/drawingml/2006/main" xmlns:r="http://schemas.openxmlformats.org/officeDocument/2006/relationships" xmlns:p="http://schemas.openxmlformats.org/presentationml/2006/main">
   <p:cSld>
     <p:spTree>
@@ -19310,7 +18156,7 @@
           <a:p>
             <a:fld id="{08C366F5-AFAD-49CB-854A-9D9E238FCA13}" type="slidenum">
               <a:rPr lang="en-GB" smtClean="0"/>
-              <a:t>26</a:t>
+              <a:t>24</a:t>
             </a:fld>
             <a:endParaRPr lang="en-GB"/>
           </a:p>
@@ -19329,7 +18175,7 @@
 </p:sld>
 </file>
 
-<file path=ppt/slides/slide27.xml><?xml version="1.0" encoding="utf-8"?>
+<file path=ppt/slides/slide25.xml><?xml version="1.0" encoding="utf-8"?>
 <p:sld xmlns:a="http://schemas.openxmlformats.org/drawingml/2006/main" xmlns:r="http://schemas.openxmlformats.org/officeDocument/2006/relationships" xmlns:p="http://schemas.openxmlformats.org/presentationml/2006/main">
   <p:cSld>
     <p:spTree>
@@ -19512,7 +18358,7 @@
           <a:p>
             <a:fld id="{08C366F5-AFAD-49CB-854A-9D9E238FCA13}" type="slidenum">
               <a:rPr lang="en-GB" smtClean="0"/>
-              <a:t>27</a:t>
+              <a:t>25</a:t>
             </a:fld>
             <a:endParaRPr lang="en-GB"/>
           </a:p>
@@ -19531,7 +18377,7 @@
 </p:sld>
 </file>
 
-<file path=ppt/slides/slide28.xml><?xml version="1.0" encoding="utf-8"?>
+<file path=ppt/slides/slide26.xml><?xml version="1.0" encoding="utf-8"?>
 <p:sld xmlns:a="http://schemas.openxmlformats.org/drawingml/2006/main" xmlns:r="http://schemas.openxmlformats.org/officeDocument/2006/relationships" xmlns:p="http://schemas.openxmlformats.org/presentationml/2006/main">
   <p:cSld>
     <p:spTree>
@@ -19719,6 +18565,227 @@
           <a:p>
             <a:fld id="{08C366F5-AFAD-49CB-854A-9D9E238FCA13}" type="slidenum">
               <a:rPr lang="en-GB" smtClean="0"/>
+              <a:t>26</a:t>
+            </a:fld>
+            <a:endParaRPr lang="en-GB"/>
+          </a:p>
+        </p:txBody>
+      </p:sp>
+    </p:spTree>
+    <p:extLst>
+      <p:ext uri="{BB962C8B-B14F-4D97-AF65-F5344CB8AC3E}">
+        <p14:creationId xmlns:p14="http://schemas.microsoft.com/office/powerpoint/2010/main" val="2370089800"/>
+      </p:ext>
+    </p:extLst>
+  </p:cSld>
+  <p:clrMapOvr>
+    <a:masterClrMapping/>
+  </p:clrMapOvr>
+</p:sld>
+</file>
+
+<file path=ppt/slides/slide27.xml><?xml version="1.0" encoding="utf-8"?>
+<p:sld xmlns:a="http://schemas.openxmlformats.org/drawingml/2006/main" xmlns:r="http://schemas.openxmlformats.org/officeDocument/2006/relationships" xmlns:p="http://schemas.openxmlformats.org/presentationml/2006/main">
+  <p:cSld>
+    <p:spTree>
+      <p:nvGrpSpPr>
+        <p:cNvPr id="1" name=""/>
+        <p:cNvGrpSpPr/>
+        <p:nvPr/>
+      </p:nvGrpSpPr>
+      <p:grpSpPr>
+        <a:xfrm>
+          <a:off x="0" y="0"/>
+          <a:ext cx="0" cy="0"/>
+          <a:chOff x="0" y="0"/>
+          <a:chExt cx="0" cy="0"/>
+        </a:xfrm>
+      </p:grpSpPr>
+      <p:sp>
+        <p:nvSpPr>
+          <p:cNvPr id="2" name="Titel 1">
+            <a:extLst>
+              <a:ext uri="{FF2B5EF4-FFF2-40B4-BE49-F238E27FC236}">
+                <a16:creationId xmlns:a16="http://schemas.microsoft.com/office/drawing/2014/main" id="{9EA09711-0622-A5D8-C13E-4F5F68D396D2}"/>
+              </a:ext>
+            </a:extLst>
+          </p:cNvPr>
+          <p:cNvSpPr>
+            <a:spLocks noGrp="1"/>
+          </p:cNvSpPr>
+          <p:nvPr>
+            <p:ph type="title"/>
+          </p:nvPr>
+        </p:nvSpPr>
+        <p:spPr/>
+        <p:txBody>
+          <a:bodyPr/>
+          <a:lstStyle/>
+          <a:p>
+            <a:endParaRPr lang="de-DE"/>
+          </a:p>
+        </p:txBody>
+      </p:sp>
+      <p:sp>
+        <p:nvSpPr>
+          <p:cNvPr id="3" name="Inhaltsplatzhalter 2">
+            <a:extLst>
+              <a:ext uri="{FF2B5EF4-FFF2-40B4-BE49-F238E27FC236}">
+                <a16:creationId xmlns:a16="http://schemas.microsoft.com/office/drawing/2014/main" id="{BCAFBA99-1E36-D127-DA0A-B58C86F44CBB}"/>
+              </a:ext>
+            </a:extLst>
+          </p:cNvPr>
+          <p:cNvSpPr>
+            <a:spLocks noGrp="1"/>
+          </p:cNvSpPr>
+          <p:nvPr>
+            <p:ph idx="1"/>
+          </p:nvPr>
+        </p:nvSpPr>
+        <p:spPr/>
+        <p:txBody>
+          <a:bodyPr/>
+          <a:lstStyle/>
+          <a:p>
+            <a:endParaRPr lang="de-DE"/>
+          </a:p>
+        </p:txBody>
+      </p:sp>
+      <p:sp>
+        <p:nvSpPr>
+          <p:cNvPr id="4" name="Foliennummernplatzhalter 3">
+            <a:extLst>
+              <a:ext uri="{FF2B5EF4-FFF2-40B4-BE49-F238E27FC236}">
+                <a16:creationId xmlns:a16="http://schemas.microsoft.com/office/drawing/2014/main" id="{4316603C-CE9D-72CA-4D8E-D085DFD246A4}"/>
+              </a:ext>
+            </a:extLst>
+          </p:cNvPr>
+          <p:cNvSpPr>
+            <a:spLocks noGrp="1"/>
+          </p:cNvSpPr>
+          <p:nvPr>
+            <p:ph type="sldNum" sz="quarter" idx="12"/>
+          </p:nvPr>
+        </p:nvSpPr>
+        <p:spPr/>
+        <p:txBody>
+          <a:bodyPr/>
+          <a:lstStyle/>
+          <a:p>
+            <a:fld id="{08C366F5-AFAD-49CB-854A-9D9E238FCA13}" type="slidenum">
+              <a:rPr lang="en-GB" smtClean="0"/>
+              <a:t>27</a:t>
+            </a:fld>
+            <a:endParaRPr lang="en-GB"/>
+          </a:p>
+        </p:txBody>
+      </p:sp>
+    </p:spTree>
+    <p:extLst>
+      <p:ext uri="{BB962C8B-B14F-4D97-AF65-F5344CB8AC3E}">
+        <p14:creationId xmlns:p14="http://schemas.microsoft.com/office/powerpoint/2010/main" val="2737536313"/>
+      </p:ext>
+    </p:extLst>
+  </p:cSld>
+  <p:clrMapOvr>
+    <a:masterClrMapping/>
+  </p:clrMapOvr>
+</p:sld>
+</file>
+
+<file path=ppt/slides/slide28.xml><?xml version="1.0" encoding="utf-8"?>
+<p:sld xmlns:a="http://schemas.openxmlformats.org/drawingml/2006/main" xmlns:r="http://schemas.openxmlformats.org/officeDocument/2006/relationships" xmlns:p="http://schemas.openxmlformats.org/presentationml/2006/main">
+  <p:cSld>
+    <p:spTree>
+      <p:nvGrpSpPr>
+        <p:cNvPr id="1" name=""/>
+        <p:cNvGrpSpPr/>
+        <p:nvPr/>
+      </p:nvGrpSpPr>
+      <p:grpSpPr>
+        <a:xfrm>
+          <a:off x="0" y="0"/>
+          <a:ext cx="0" cy="0"/>
+          <a:chOff x="0" y="0"/>
+          <a:chExt cx="0" cy="0"/>
+        </a:xfrm>
+      </p:grpSpPr>
+      <p:sp>
+        <p:nvSpPr>
+          <p:cNvPr id="2" name="Titel 1">
+            <a:extLst>
+              <a:ext uri="{FF2B5EF4-FFF2-40B4-BE49-F238E27FC236}">
+                <a16:creationId xmlns:a16="http://schemas.microsoft.com/office/drawing/2014/main" id="{86A7D601-B01E-1FDE-3453-6A59EE28CD9B}"/>
+              </a:ext>
+            </a:extLst>
+          </p:cNvPr>
+          <p:cNvSpPr>
+            <a:spLocks noGrp="1"/>
+          </p:cNvSpPr>
+          <p:nvPr>
+            <p:ph type="title"/>
+          </p:nvPr>
+        </p:nvSpPr>
+        <p:spPr/>
+        <p:txBody>
+          <a:bodyPr/>
+          <a:lstStyle/>
+          <a:p>
+            <a:r>
+              <a:rPr lang="de-DE" dirty="0"/>
+              <a:t>Proportional Element</a:t>
+            </a:r>
+          </a:p>
+        </p:txBody>
+      </p:sp>
+      <p:sp>
+        <p:nvSpPr>
+          <p:cNvPr id="3" name="Inhaltsplatzhalter 2">
+            <a:extLst>
+              <a:ext uri="{FF2B5EF4-FFF2-40B4-BE49-F238E27FC236}">
+                <a16:creationId xmlns:a16="http://schemas.microsoft.com/office/drawing/2014/main" id="{C56B36AA-A815-490D-4A12-1020A99298B5}"/>
+              </a:ext>
+            </a:extLst>
+          </p:cNvPr>
+          <p:cNvSpPr>
+            <a:spLocks noGrp="1"/>
+          </p:cNvSpPr>
+          <p:nvPr>
+            <p:ph idx="1"/>
+          </p:nvPr>
+        </p:nvSpPr>
+        <p:spPr/>
+        <p:txBody>
+          <a:bodyPr/>
+          <a:lstStyle/>
+          <a:p>
+            <a:endParaRPr lang="de-DE"/>
+          </a:p>
+        </p:txBody>
+      </p:sp>
+      <p:sp>
+        <p:nvSpPr>
+          <p:cNvPr id="4" name="Foliennummernplatzhalter 3">
+            <a:extLst>
+              <a:ext uri="{FF2B5EF4-FFF2-40B4-BE49-F238E27FC236}">
+                <a16:creationId xmlns:a16="http://schemas.microsoft.com/office/drawing/2014/main" id="{333708CE-7EE5-9BDA-5745-B70ECD02F3B7}"/>
+              </a:ext>
+            </a:extLst>
+          </p:cNvPr>
+          <p:cNvSpPr>
+            <a:spLocks noGrp="1"/>
+          </p:cNvSpPr>
+          <p:nvPr>
+            <p:ph type="sldNum" sz="quarter" idx="12"/>
+          </p:nvPr>
+        </p:nvSpPr>
+        <p:spPr/>
+        <p:txBody>
+          <a:bodyPr/>
+          <a:lstStyle/>
+          <a:p>
+            <a:fld id="{08C366F5-AFAD-49CB-854A-9D9E238FCA13}" type="slidenum">
+              <a:rPr lang="en-GB" smtClean="0"/>
               <a:t>28</a:t>
             </a:fld>
             <a:endParaRPr lang="en-GB"/>
@@ -19728,7 +18795,7 @@
     </p:spTree>
     <p:extLst>
       <p:ext uri="{BB962C8B-B14F-4D97-AF65-F5344CB8AC3E}">
-        <p14:creationId xmlns:p14="http://schemas.microsoft.com/office/powerpoint/2010/main" val="2370089800"/>
+        <p14:creationId xmlns:p14="http://schemas.microsoft.com/office/powerpoint/2010/main" val="425942906"/>
       </p:ext>
     </p:extLst>
   </p:cSld>
@@ -19760,7 +18827,7 @@
           <p:cNvPr id="2" name="Titel 1">
             <a:extLst>
               <a:ext uri="{FF2B5EF4-FFF2-40B4-BE49-F238E27FC236}">
-                <a16:creationId xmlns:a16="http://schemas.microsoft.com/office/drawing/2014/main" id="{87146A8B-0ADA-5706-7B0C-C2FC5915489C}"/>
+                <a16:creationId xmlns:a16="http://schemas.microsoft.com/office/drawing/2014/main" id="{46D9FC5E-8347-871E-635A-5BB1F895817D}"/>
               </a:ext>
             </a:extLst>
           </p:cNvPr>
@@ -19778,249 +18845,42 @@
           <a:p>
             <a:r>
               <a:rPr lang="de-DE" dirty="0"/>
-              <a:t>PT1 </a:t>
-            </a:r>
-            <a:r>
-              <a:rPr lang="de-DE" dirty="0" err="1"/>
-              <a:t>with</a:t>
-            </a:r>
-            <a:r>
-              <a:rPr lang="de-DE" dirty="0"/>
-              <a:t> Dead Time</a:t>
+              <a:t>Integral Element</a:t>
             </a:r>
           </a:p>
         </p:txBody>
       </p:sp>
-      <mc:AlternateContent xmlns:mc="http://schemas.openxmlformats.org/markup-compatibility/2006" xmlns:a14="http://schemas.microsoft.com/office/drawing/2010/main">
-        <mc:Choice Requires="a14">
-          <p:sp>
-            <p:nvSpPr>
-              <p:cNvPr id="4" name="Inhaltsplatzhalter 3">
-                <a:extLst>
-                  <a:ext uri="{FF2B5EF4-FFF2-40B4-BE49-F238E27FC236}">
-                    <a16:creationId xmlns:a16="http://schemas.microsoft.com/office/drawing/2014/main" id="{A5208996-66EC-46F8-1BFE-C12EC8444E0F}"/>
-                  </a:ext>
-                </a:extLst>
-              </p:cNvPr>
-              <p:cNvSpPr>
-                <a:spLocks noGrp="1"/>
-              </p:cNvSpPr>
-              <p:nvPr>
-                <p:ph idx="1"/>
-              </p:nvPr>
-            </p:nvSpPr>
-            <p:spPr/>
-            <p:txBody>
-              <a:bodyPr/>
-              <a:lstStyle/>
-              <a:p>
-                <a:pPr marL="0" indent="0">
-                  <a:buNone/>
-                </a:pPr>
-                <a14:m>
-                  <m:oMathPara xmlns:m="http://schemas.openxmlformats.org/officeDocument/2006/math">
-                    <m:oMathParaPr>
-                      <m:jc m:val="centerGroup"/>
-                    </m:oMathParaPr>
-                    <m:oMath xmlns:m="http://schemas.openxmlformats.org/officeDocument/2006/math">
-                      <m:r>
-                        <a:rPr lang="de-DE" i="1" smtClean="0">
-                          <a:latin typeface="Cambria Math" panose="02040503050406030204" pitchFamily="18" charset="0"/>
-                        </a:rPr>
-                        <m:t>𝐺</m:t>
-                      </m:r>
-                      <m:d>
-                        <m:dPr>
-                          <m:ctrlPr>
-                            <a:rPr lang="de-DE" i="1">
-                              <a:latin typeface="Cambria Math" panose="02040503050406030204" pitchFamily="18" charset="0"/>
-                            </a:rPr>
-                          </m:ctrlPr>
-                        </m:dPr>
-                        <m:e>
-                          <m:r>
-                            <a:rPr lang="de-DE" i="1">
-                              <a:latin typeface="Cambria Math" panose="02040503050406030204" pitchFamily="18" charset="0"/>
-                            </a:rPr>
-                            <m:t>𝑠</m:t>
-                          </m:r>
-                        </m:e>
-                      </m:d>
-                      <m:r>
-                        <a:rPr lang="de-DE" i="1">
-                          <a:latin typeface="Cambria Math" panose="02040503050406030204" pitchFamily="18" charset="0"/>
-                        </a:rPr>
-                        <m:t>=</m:t>
-                      </m:r>
-                      <m:f>
-                        <m:fPr>
-                          <m:ctrlPr>
-                            <a:rPr lang="de-DE" i="1">
-                              <a:latin typeface="Cambria Math" panose="02040503050406030204" pitchFamily="18" charset="0"/>
-                            </a:rPr>
-                          </m:ctrlPr>
-                        </m:fPr>
-                        <m:num>
-                          <m:r>
-                            <a:rPr lang="de-DE" i="1">
-                              <a:latin typeface="Cambria Math" panose="02040503050406030204" pitchFamily="18" charset="0"/>
-                            </a:rPr>
-                            <m:t>𝐾</m:t>
-                          </m:r>
-                        </m:num>
-                        <m:den>
-                          <m:r>
-                            <a:rPr lang="de-DE" i="1">
-                              <a:latin typeface="Cambria Math" panose="02040503050406030204" pitchFamily="18" charset="0"/>
-                            </a:rPr>
-                            <m:t>1+</m:t>
-                          </m:r>
-                          <m:r>
-                            <a:rPr lang="el-GR" i="1">
-                              <a:latin typeface="Cambria Math" panose="02040503050406030204" pitchFamily="18" charset="0"/>
-                              <a:ea typeface="Cambria Math" panose="02040503050406030204" pitchFamily="18" charset="0"/>
-                            </a:rPr>
-                            <m:t>𝜏</m:t>
-                          </m:r>
-                          <m:r>
-                            <a:rPr lang="de-DE" i="1">
-                              <a:latin typeface="Cambria Math" panose="02040503050406030204" pitchFamily="18" charset="0"/>
-                            </a:rPr>
-                            <m:t>𝑠</m:t>
-                          </m:r>
-                        </m:den>
-                      </m:f>
-                      <m:r>
-                        <a:rPr lang="de-DE" i="1" smtClean="0">
-                          <a:latin typeface="Cambria Math" panose="02040503050406030204" pitchFamily="18" charset="0"/>
-                          <a:ea typeface="Cambria Math" panose="02040503050406030204" pitchFamily="18" charset="0"/>
-                        </a:rPr>
-                        <m:t>∙</m:t>
-                      </m:r>
-                      <m:sSup>
-                        <m:sSupPr>
-                          <m:ctrlPr>
-                            <a:rPr lang="de-DE" i="1" smtClean="0">
-                              <a:latin typeface="Cambria Math" panose="02040503050406030204" pitchFamily="18" charset="0"/>
-                              <a:ea typeface="Cambria Math" panose="02040503050406030204" pitchFamily="18" charset="0"/>
-                            </a:rPr>
-                          </m:ctrlPr>
-                        </m:sSupPr>
-                        <m:e>
-                          <m:r>
-                            <a:rPr lang="de-DE" i="1" smtClean="0">
-                              <a:latin typeface="Cambria Math" panose="02040503050406030204" pitchFamily="18" charset="0"/>
-                              <a:ea typeface="Cambria Math" panose="02040503050406030204" pitchFamily="18" charset="0"/>
-                            </a:rPr>
-                            <m:t>𝑒</m:t>
-                          </m:r>
-                        </m:e>
-                        <m:sup>
-                          <m:r>
-                            <a:rPr lang="de-DE" i="1" smtClean="0">
-                              <a:latin typeface="Cambria Math" panose="02040503050406030204" pitchFamily="18" charset="0"/>
-                              <a:ea typeface="Cambria Math" panose="02040503050406030204" pitchFamily="18" charset="0"/>
-                            </a:rPr>
-                            <m:t>−</m:t>
-                          </m:r>
-                          <m:sSub>
-                            <m:sSubPr>
-                              <m:ctrlPr>
-                                <a:rPr lang="de-DE" i="1" smtClean="0">
-                                  <a:latin typeface="Cambria Math" panose="02040503050406030204" pitchFamily="18" charset="0"/>
-                                  <a:ea typeface="Cambria Math" panose="02040503050406030204" pitchFamily="18" charset="0"/>
-                                </a:rPr>
-                              </m:ctrlPr>
-                            </m:sSubPr>
-                            <m:e>
-                              <m:r>
-                                <a:rPr lang="de-DE" b="0" i="1" smtClean="0">
-                                  <a:latin typeface="Cambria Math" panose="02040503050406030204" pitchFamily="18" charset="0"/>
-                                  <a:ea typeface="Cambria Math" panose="02040503050406030204" pitchFamily="18" charset="0"/>
-                                </a:rPr>
-                                <m:t>𝑇</m:t>
-                              </m:r>
-                            </m:e>
-                            <m:sub>
-                              <m:r>
-                                <a:rPr lang="de-DE" b="0" i="1" smtClean="0">
-                                  <a:latin typeface="Cambria Math" panose="02040503050406030204" pitchFamily="18" charset="0"/>
-                                  <a:ea typeface="Cambria Math" panose="02040503050406030204" pitchFamily="18" charset="0"/>
-                                </a:rPr>
-                                <m:t>𝐷</m:t>
-                              </m:r>
-                            </m:sub>
-                          </m:sSub>
-                          <m:r>
-                            <a:rPr lang="de-DE" i="1" smtClean="0">
-                              <a:latin typeface="Cambria Math" panose="02040503050406030204" pitchFamily="18" charset="0"/>
-                              <a:ea typeface="Cambria Math" panose="02040503050406030204" pitchFamily="18" charset="0"/>
-                            </a:rPr>
-                            <m:t>∙</m:t>
-                          </m:r>
-                          <m:r>
-                            <a:rPr lang="de-DE" b="0" i="1" smtClean="0">
-                              <a:latin typeface="Cambria Math" panose="02040503050406030204" pitchFamily="18" charset="0"/>
-                              <a:ea typeface="Cambria Math" panose="02040503050406030204" pitchFamily="18" charset="0"/>
-                            </a:rPr>
-                            <m:t>𝑠</m:t>
-                          </m:r>
-                        </m:sup>
-                      </m:sSup>
-                    </m:oMath>
-                  </m:oMathPara>
-                </a14:m>
-                <a:endParaRPr lang="de-DE" dirty="0"/>
-              </a:p>
-            </p:txBody>
-          </p:sp>
-        </mc:Choice>
-        <mc:Fallback xmlns="">
-          <p:sp>
-            <p:nvSpPr>
-              <p:cNvPr id="4" name="Inhaltsplatzhalter 3">
-                <a:extLst>
-                  <a:ext uri="{FF2B5EF4-FFF2-40B4-BE49-F238E27FC236}">
-                    <a16:creationId xmlns:a16="http://schemas.microsoft.com/office/drawing/2014/main" id="{A5208996-66EC-46F8-1BFE-C12EC8444E0F}"/>
-                  </a:ext>
-                </a:extLst>
-              </p:cNvPr>
-              <p:cNvSpPr>
-                <a:spLocks noGrp="1" noRot="1" noChangeAspect="1" noMove="1" noResize="1" noEditPoints="1" noAdjustHandles="1" noChangeArrowheads="1" noChangeShapeType="1" noTextEdit="1"/>
-              </p:cNvSpPr>
-              <p:nvPr>
-                <p:ph idx="1"/>
-              </p:nvPr>
-            </p:nvSpPr>
-            <p:spPr>
-              <a:blipFill>
-                <a:blip r:embed="rId2"/>
-                <a:stretch>
-                  <a:fillRect t="-291"/>
-                </a:stretch>
-              </a:blipFill>
-            </p:spPr>
-            <p:txBody>
-              <a:bodyPr/>
-              <a:lstStyle/>
-              <a:p>
-                <a:r>
-                  <a:rPr lang="de-DE">
-                    <a:noFill/>
-                  </a:rPr>
-                  <a:t> </a:t>
-                </a:r>
-              </a:p>
-            </p:txBody>
-          </p:sp>
-        </mc:Fallback>
-      </mc:AlternateContent>
       <p:sp>
         <p:nvSpPr>
-          <p:cNvPr id="3" name="Foliennummernplatzhalter 2">
+          <p:cNvPr id="3" name="Inhaltsplatzhalter 2">
             <a:extLst>
               <a:ext uri="{FF2B5EF4-FFF2-40B4-BE49-F238E27FC236}">
-                <a16:creationId xmlns:a16="http://schemas.microsoft.com/office/drawing/2014/main" id="{536B6975-D7D1-1504-841E-AD44A905643F}"/>
+                <a16:creationId xmlns:a16="http://schemas.microsoft.com/office/drawing/2014/main" id="{67518DA5-C78D-1D5F-305A-38A9EF60E710}"/>
+              </a:ext>
+            </a:extLst>
+          </p:cNvPr>
+          <p:cNvSpPr>
+            <a:spLocks noGrp="1"/>
+          </p:cNvSpPr>
+          <p:nvPr>
+            <p:ph idx="1"/>
+          </p:nvPr>
+        </p:nvSpPr>
+        <p:spPr/>
+        <p:txBody>
+          <a:bodyPr/>
+          <a:lstStyle/>
+          <a:p>
+            <a:endParaRPr lang="de-DE"/>
+          </a:p>
+        </p:txBody>
+      </p:sp>
+      <p:sp>
+        <p:nvSpPr>
+          <p:cNvPr id="4" name="Foliennummernplatzhalter 3">
+            <a:extLst>
+              <a:ext uri="{FF2B5EF4-FFF2-40B4-BE49-F238E27FC236}">
+                <a16:creationId xmlns:a16="http://schemas.microsoft.com/office/drawing/2014/main" id="{27E2D02E-9009-08F2-F315-5C05EE0E6E9F}"/>
               </a:ext>
             </a:extLst>
           </p:cNvPr>
@@ -20047,7 +18907,7 @@
     </p:spTree>
     <p:extLst>
       <p:ext uri="{BB962C8B-B14F-4D97-AF65-F5344CB8AC3E}">
-        <p14:creationId xmlns:p14="http://schemas.microsoft.com/office/powerpoint/2010/main" val="4285856768"/>
+        <p14:creationId xmlns:p14="http://schemas.microsoft.com/office/powerpoint/2010/main" val="3517846827"/>
       </p:ext>
     </p:extLst>
   </p:cSld>
@@ -20212,6 +19072,1703 @@
     <p:extLst>
       <p:ext uri="{BB962C8B-B14F-4D97-AF65-F5344CB8AC3E}">
         <p14:creationId xmlns:p14="http://schemas.microsoft.com/office/powerpoint/2010/main" val="3204133960"/>
+      </p:ext>
+    </p:extLst>
+  </p:cSld>
+  <p:clrMapOvr>
+    <a:masterClrMapping/>
+  </p:clrMapOvr>
+</p:sld>
+</file>
+
+<file path=ppt/slides/slide30.xml><?xml version="1.0" encoding="utf-8"?>
+<p:sld xmlns:a="http://schemas.openxmlformats.org/drawingml/2006/main" xmlns:r="http://schemas.openxmlformats.org/officeDocument/2006/relationships" xmlns:p="http://schemas.openxmlformats.org/presentationml/2006/main">
+  <p:cSld>
+    <p:spTree>
+      <p:nvGrpSpPr>
+        <p:cNvPr id="1" name=""/>
+        <p:cNvGrpSpPr/>
+        <p:nvPr/>
+      </p:nvGrpSpPr>
+      <p:grpSpPr>
+        <a:xfrm>
+          <a:off x="0" y="0"/>
+          <a:ext cx="0" cy="0"/>
+          <a:chOff x="0" y="0"/>
+          <a:chExt cx="0" cy="0"/>
+        </a:xfrm>
+      </p:grpSpPr>
+      <p:sp>
+        <p:nvSpPr>
+          <p:cNvPr id="2" name="Titel 1">
+            <a:extLst>
+              <a:ext uri="{FF2B5EF4-FFF2-40B4-BE49-F238E27FC236}">
+                <a16:creationId xmlns:a16="http://schemas.microsoft.com/office/drawing/2014/main" id="{828057D8-6049-86EE-2DCE-77010CBC72E6}"/>
+              </a:ext>
+            </a:extLst>
+          </p:cNvPr>
+          <p:cNvSpPr>
+            <a:spLocks noGrp="1"/>
+          </p:cNvSpPr>
+          <p:nvPr>
+            <p:ph type="title"/>
+          </p:nvPr>
+        </p:nvSpPr>
+        <p:spPr/>
+        <p:txBody>
+          <a:bodyPr/>
+          <a:lstStyle/>
+          <a:p>
+            <a:r>
+              <a:rPr lang="de-DE" dirty="0"/>
+              <a:t>First-Order Lag Element</a:t>
+            </a:r>
+          </a:p>
+        </p:txBody>
+      </p:sp>
+      <p:sp>
+        <p:nvSpPr>
+          <p:cNvPr id="3" name="Inhaltsplatzhalter 2">
+            <a:extLst>
+              <a:ext uri="{FF2B5EF4-FFF2-40B4-BE49-F238E27FC236}">
+                <a16:creationId xmlns:a16="http://schemas.microsoft.com/office/drawing/2014/main" id="{398B993E-96D1-B19B-2D6E-6E5FD2D5860E}"/>
+              </a:ext>
+            </a:extLst>
+          </p:cNvPr>
+          <p:cNvSpPr>
+            <a:spLocks noGrp="1"/>
+          </p:cNvSpPr>
+          <p:nvPr>
+            <p:ph idx="1"/>
+          </p:nvPr>
+        </p:nvSpPr>
+        <p:spPr/>
+        <p:txBody>
+          <a:bodyPr/>
+          <a:lstStyle/>
+          <a:p>
+            <a:endParaRPr lang="de-DE"/>
+          </a:p>
+        </p:txBody>
+      </p:sp>
+      <p:sp>
+        <p:nvSpPr>
+          <p:cNvPr id="4" name="Foliennummernplatzhalter 3">
+            <a:extLst>
+              <a:ext uri="{FF2B5EF4-FFF2-40B4-BE49-F238E27FC236}">
+                <a16:creationId xmlns:a16="http://schemas.microsoft.com/office/drawing/2014/main" id="{E9654ED9-4626-A5EA-38F9-7CDCF34A1A0E}"/>
+              </a:ext>
+            </a:extLst>
+          </p:cNvPr>
+          <p:cNvSpPr>
+            <a:spLocks noGrp="1"/>
+          </p:cNvSpPr>
+          <p:nvPr>
+            <p:ph type="sldNum" sz="quarter" idx="12"/>
+          </p:nvPr>
+        </p:nvSpPr>
+        <p:spPr/>
+        <p:txBody>
+          <a:bodyPr/>
+          <a:lstStyle/>
+          <a:p>
+            <a:fld id="{08C366F5-AFAD-49CB-854A-9D9E238FCA13}" type="slidenum">
+              <a:rPr lang="en-GB" smtClean="0"/>
+              <a:t>30</a:t>
+            </a:fld>
+            <a:endParaRPr lang="en-GB"/>
+          </a:p>
+        </p:txBody>
+      </p:sp>
+    </p:spTree>
+    <p:extLst>
+      <p:ext uri="{BB962C8B-B14F-4D97-AF65-F5344CB8AC3E}">
+        <p14:creationId xmlns:p14="http://schemas.microsoft.com/office/powerpoint/2010/main" val="1609710567"/>
+      </p:ext>
+    </p:extLst>
+  </p:cSld>
+  <p:clrMapOvr>
+    <a:masterClrMapping/>
+  </p:clrMapOvr>
+</p:sld>
+</file>
+
+<file path=ppt/slides/slide31.xml><?xml version="1.0" encoding="utf-8"?>
+<p:sld xmlns:a="http://schemas.openxmlformats.org/drawingml/2006/main" xmlns:r="http://schemas.openxmlformats.org/officeDocument/2006/relationships" xmlns:p="http://schemas.openxmlformats.org/presentationml/2006/main">
+  <p:cSld>
+    <p:spTree>
+      <p:nvGrpSpPr>
+        <p:cNvPr id="1" name=""/>
+        <p:cNvGrpSpPr/>
+        <p:nvPr/>
+      </p:nvGrpSpPr>
+      <p:grpSpPr>
+        <a:xfrm>
+          <a:off x="0" y="0"/>
+          <a:ext cx="0" cy="0"/>
+          <a:chOff x="0" y="0"/>
+          <a:chExt cx="0" cy="0"/>
+        </a:xfrm>
+      </p:grpSpPr>
+      <p:sp>
+        <p:nvSpPr>
+          <p:cNvPr id="2" name="Titel 1">
+            <a:extLst>
+              <a:ext uri="{FF2B5EF4-FFF2-40B4-BE49-F238E27FC236}">
+                <a16:creationId xmlns:a16="http://schemas.microsoft.com/office/drawing/2014/main" id="{9F3DBE99-2DA6-C88A-7611-518B693D10F3}"/>
+              </a:ext>
+            </a:extLst>
+          </p:cNvPr>
+          <p:cNvSpPr>
+            <a:spLocks noGrp="1"/>
+          </p:cNvSpPr>
+          <p:nvPr>
+            <p:ph type="title"/>
+          </p:nvPr>
+        </p:nvSpPr>
+        <p:spPr/>
+        <p:txBody>
+          <a:bodyPr/>
+          <a:lstStyle/>
+          <a:p>
+            <a:r>
+              <a:rPr lang="de-DE" dirty="0"/>
+              <a:t>Derivative Element</a:t>
+            </a:r>
+          </a:p>
+        </p:txBody>
+      </p:sp>
+      <p:sp>
+        <p:nvSpPr>
+          <p:cNvPr id="3" name="Inhaltsplatzhalter 2">
+            <a:extLst>
+              <a:ext uri="{FF2B5EF4-FFF2-40B4-BE49-F238E27FC236}">
+                <a16:creationId xmlns:a16="http://schemas.microsoft.com/office/drawing/2014/main" id="{A4E13401-6D0B-FA9F-0932-D52BE1570CB1}"/>
+              </a:ext>
+            </a:extLst>
+          </p:cNvPr>
+          <p:cNvSpPr>
+            <a:spLocks noGrp="1"/>
+          </p:cNvSpPr>
+          <p:nvPr>
+            <p:ph idx="1"/>
+          </p:nvPr>
+        </p:nvSpPr>
+        <p:spPr/>
+        <p:txBody>
+          <a:bodyPr/>
+          <a:lstStyle/>
+          <a:p>
+            <a:endParaRPr lang="de-DE"/>
+          </a:p>
+        </p:txBody>
+      </p:sp>
+      <p:sp>
+        <p:nvSpPr>
+          <p:cNvPr id="4" name="Foliennummernplatzhalter 3">
+            <a:extLst>
+              <a:ext uri="{FF2B5EF4-FFF2-40B4-BE49-F238E27FC236}">
+                <a16:creationId xmlns:a16="http://schemas.microsoft.com/office/drawing/2014/main" id="{48773F82-BF78-41CB-6DB7-96DB8E21AFE7}"/>
+              </a:ext>
+            </a:extLst>
+          </p:cNvPr>
+          <p:cNvSpPr>
+            <a:spLocks noGrp="1"/>
+          </p:cNvSpPr>
+          <p:nvPr>
+            <p:ph type="sldNum" sz="quarter" idx="12"/>
+          </p:nvPr>
+        </p:nvSpPr>
+        <p:spPr/>
+        <p:txBody>
+          <a:bodyPr/>
+          <a:lstStyle/>
+          <a:p>
+            <a:fld id="{08C366F5-AFAD-49CB-854A-9D9E238FCA13}" type="slidenum">
+              <a:rPr lang="en-GB" smtClean="0"/>
+              <a:t>31</a:t>
+            </a:fld>
+            <a:endParaRPr lang="en-GB"/>
+          </a:p>
+        </p:txBody>
+      </p:sp>
+    </p:spTree>
+    <p:extLst>
+      <p:ext uri="{BB962C8B-B14F-4D97-AF65-F5344CB8AC3E}">
+        <p14:creationId xmlns:p14="http://schemas.microsoft.com/office/powerpoint/2010/main" val="1158897755"/>
+      </p:ext>
+    </p:extLst>
+  </p:cSld>
+  <p:clrMapOvr>
+    <a:masterClrMapping/>
+  </p:clrMapOvr>
+</p:sld>
+</file>
+
+<file path=ppt/slides/slide32.xml><?xml version="1.0" encoding="utf-8"?>
+<p:sld xmlns:a="http://schemas.openxmlformats.org/drawingml/2006/main" xmlns:r="http://schemas.openxmlformats.org/officeDocument/2006/relationships" xmlns:p="http://schemas.openxmlformats.org/presentationml/2006/main">
+  <p:cSld>
+    <p:spTree>
+      <p:nvGrpSpPr>
+        <p:cNvPr id="1" name=""/>
+        <p:cNvGrpSpPr/>
+        <p:nvPr/>
+      </p:nvGrpSpPr>
+      <p:grpSpPr>
+        <a:xfrm>
+          <a:off x="0" y="0"/>
+          <a:ext cx="0" cy="0"/>
+          <a:chOff x="0" y="0"/>
+          <a:chExt cx="0" cy="0"/>
+        </a:xfrm>
+      </p:grpSpPr>
+      <p:sp>
+        <p:nvSpPr>
+          <p:cNvPr id="2" name="Titel 1">
+            <a:extLst>
+              <a:ext uri="{FF2B5EF4-FFF2-40B4-BE49-F238E27FC236}">
+                <a16:creationId xmlns:a16="http://schemas.microsoft.com/office/drawing/2014/main" id="{4097F2DE-ACD8-94EC-15BE-467846CA01AB}"/>
+              </a:ext>
+            </a:extLst>
+          </p:cNvPr>
+          <p:cNvSpPr>
+            <a:spLocks noGrp="1"/>
+          </p:cNvSpPr>
+          <p:nvPr>
+            <p:ph type="title"/>
+          </p:nvPr>
+        </p:nvSpPr>
+        <p:spPr/>
+        <p:txBody>
+          <a:bodyPr/>
+          <a:lstStyle/>
+          <a:p>
+            <a:endParaRPr lang="de-DE"/>
+          </a:p>
+        </p:txBody>
+      </p:sp>
+      <p:sp>
+        <p:nvSpPr>
+          <p:cNvPr id="3" name="Inhaltsplatzhalter 2">
+            <a:extLst>
+              <a:ext uri="{FF2B5EF4-FFF2-40B4-BE49-F238E27FC236}">
+                <a16:creationId xmlns:a16="http://schemas.microsoft.com/office/drawing/2014/main" id="{42606A89-4597-98EA-83F6-4C092A77DCA2}"/>
+              </a:ext>
+            </a:extLst>
+          </p:cNvPr>
+          <p:cNvSpPr>
+            <a:spLocks noGrp="1"/>
+          </p:cNvSpPr>
+          <p:nvPr>
+            <p:ph idx="1"/>
+          </p:nvPr>
+        </p:nvSpPr>
+        <p:spPr/>
+        <p:txBody>
+          <a:bodyPr/>
+          <a:lstStyle/>
+          <a:p>
+            <a:endParaRPr lang="de-DE"/>
+          </a:p>
+        </p:txBody>
+      </p:sp>
+      <p:sp>
+        <p:nvSpPr>
+          <p:cNvPr id="4" name="Foliennummernplatzhalter 3">
+            <a:extLst>
+              <a:ext uri="{FF2B5EF4-FFF2-40B4-BE49-F238E27FC236}">
+                <a16:creationId xmlns:a16="http://schemas.microsoft.com/office/drawing/2014/main" id="{D697B9B1-8E9B-8284-C7A9-AECD9668A123}"/>
+              </a:ext>
+            </a:extLst>
+          </p:cNvPr>
+          <p:cNvSpPr>
+            <a:spLocks noGrp="1"/>
+          </p:cNvSpPr>
+          <p:nvPr>
+            <p:ph type="sldNum" sz="quarter" idx="12"/>
+          </p:nvPr>
+        </p:nvSpPr>
+        <p:spPr/>
+        <p:txBody>
+          <a:bodyPr/>
+          <a:lstStyle/>
+          <a:p>
+            <a:fld id="{08C366F5-AFAD-49CB-854A-9D9E238FCA13}" type="slidenum">
+              <a:rPr lang="en-GB" smtClean="0"/>
+              <a:t>32</a:t>
+            </a:fld>
+            <a:endParaRPr lang="en-GB"/>
+          </a:p>
+        </p:txBody>
+      </p:sp>
+    </p:spTree>
+    <p:extLst>
+      <p:ext uri="{BB962C8B-B14F-4D97-AF65-F5344CB8AC3E}">
+        <p14:creationId xmlns:p14="http://schemas.microsoft.com/office/powerpoint/2010/main" val="3459837717"/>
+      </p:ext>
+    </p:extLst>
+  </p:cSld>
+  <p:clrMapOvr>
+    <a:masterClrMapping/>
+  </p:clrMapOvr>
+</p:sld>
+</file>
+
+<file path=ppt/slides/slide33.xml><?xml version="1.0" encoding="utf-8"?>
+<p:sld xmlns:a="http://schemas.openxmlformats.org/drawingml/2006/main" xmlns:r="http://schemas.openxmlformats.org/officeDocument/2006/relationships" xmlns:p="http://schemas.openxmlformats.org/presentationml/2006/main">
+  <p:cSld>
+    <p:spTree>
+      <p:nvGrpSpPr>
+        <p:cNvPr id="1" name=""/>
+        <p:cNvGrpSpPr/>
+        <p:nvPr/>
+      </p:nvGrpSpPr>
+      <p:grpSpPr>
+        <a:xfrm>
+          <a:off x="0" y="0"/>
+          <a:ext cx="0" cy="0"/>
+          <a:chOff x="0" y="0"/>
+          <a:chExt cx="0" cy="0"/>
+        </a:xfrm>
+      </p:grpSpPr>
+      <p:sp>
+        <p:nvSpPr>
+          <p:cNvPr id="2" name="Titel 1">
+            <a:extLst>
+              <a:ext uri="{FF2B5EF4-FFF2-40B4-BE49-F238E27FC236}">
+                <a16:creationId xmlns:a16="http://schemas.microsoft.com/office/drawing/2014/main" id="{385222A6-0C71-26AA-81F8-81C4E3A8019F}"/>
+              </a:ext>
+            </a:extLst>
+          </p:cNvPr>
+          <p:cNvSpPr>
+            <a:spLocks noGrp="1"/>
+          </p:cNvSpPr>
+          <p:nvPr>
+            <p:ph type="title"/>
+          </p:nvPr>
+        </p:nvSpPr>
+        <p:spPr/>
+        <p:txBody>
+          <a:bodyPr/>
+          <a:lstStyle/>
+          <a:p>
+            <a:r>
+              <a:rPr lang="de-DE" dirty="0"/>
+              <a:t>Second-Order Lag Element</a:t>
+            </a:r>
+          </a:p>
+        </p:txBody>
+      </p:sp>
+      <p:sp>
+        <p:nvSpPr>
+          <p:cNvPr id="3" name="Inhaltsplatzhalter 2">
+            <a:extLst>
+              <a:ext uri="{FF2B5EF4-FFF2-40B4-BE49-F238E27FC236}">
+                <a16:creationId xmlns:a16="http://schemas.microsoft.com/office/drawing/2014/main" id="{6F24E120-69FA-22B6-9883-92EEB6EF6082}"/>
+              </a:ext>
+            </a:extLst>
+          </p:cNvPr>
+          <p:cNvSpPr>
+            <a:spLocks noGrp="1"/>
+          </p:cNvSpPr>
+          <p:nvPr>
+            <p:ph idx="1"/>
+          </p:nvPr>
+        </p:nvSpPr>
+        <p:spPr/>
+        <p:txBody>
+          <a:bodyPr/>
+          <a:lstStyle/>
+          <a:p>
+            <a:endParaRPr lang="de-DE"/>
+          </a:p>
+        </p:txBody>
+      </p:sp>
+      <p:sp>
+        <p:nvSpPr>
+          <p:cNvPr id="4" name="Foliennummernplatzhalter 3">
+            <a:extLst>
+              <a:ext uri="{FF2B5EF4-FFF2-40B4-BE49-F238E27FC236}">
+                <a16:creationId xmlns:a16="http://schemas.microsoft.com/office/drawing/2014/main" id="{30A28C1E-3A01-3253-6EC0-EEA486634621}"/>
+              </a:ext>
+            </a:extLst>
+          </p:cNvPr>
+          <p:cNvSpPr>
+            <a:spLocks noGrp="1"/>
+          </p:cNvSpPr>
+          <p:nvPr>
+            <p:ph type="sldNum" sz="quarter" idx="12"/>
+          </p:nvPr>
+        </p:nvSpPr>
+        <p:spPr/>
+        <p:txBody>
+          <a:bodyPr/>
+          <a:lstStyle/>
+          <a:p>
+            <a:fld id="{08C366F5-AFAD-49CB-854A-9D9E238FCA13}" type="slidenum">
+              <a:rPr lang="en-GB" smtClean="0"/>
+              <a:t>33</a:t>
+            </a:fld>
+            <a:endParaRPr lang="en-GB"/>
+          </a:p>
+        </p:txBody>
+      </p:sp>
+    </p:spTree>
+    <p:extLst>
+      <p:ext uri="{BB962C8B-B14F-4D97-AF65-F5344CB8AC3E}">
+        <p14:creationId xmlns:p14="http://schemas.microsoft.com/office/powerpoint/2010/main" val="4019848875"/>
+      </p:ext>
+    </p:extLst>
+  </p:cSld>
+  <p:clrMapOvr>
+    <a:masterClrMapping/>
+  </p:clrMapOvr>
+</p:sld>
+</file>
+
+<file path=ppt/slides/slide34.xml><?xml version="1.0" encoding="utf-8"?>
+<p:sld xmlns:a="http://schemas.openxmlformats.org/drawingml/2006/main" xmlns:r="http://schemas.openxmlformats.org/officeDocument/2006/relationships" xmlns:p="http://schemas.openxmlformats.org/presentationml/2006/main">
+  <p:cSld>
+    <p:spTree>
+      <p:nvGrpSpPr>
+        <p:cNvPr id="1" name=""/>
+        <p:cNvGrpSpPr/>
+        <p:nvPr/>
+      </p:nvGrpSpPr>
+      <p:grpSpPr>
+        <a:xfrm>
+          <a:off x="0" y="0"/>
+          <a:ext cx="0" cy="0"/>
+          <a:chOff x="0" y="0"/>
+          <a:chExt cx="0" cy="0"/>
+        </a:xfrm>
+      </p:grpSpPr>
+      <p:sp>
+        <p:nvSpPr>
+          <p:cNvPr id="2" name="Titel 1">
+            <a:extLst>
+              <a:ext uri="{FF2B5EF4-FFF2-40B4-BE49-F238E27FC236}">
+                <a16:creationId xmlns:a16="http://schemas.microsoft.com/office/drawing/2014/main" id="{41F18E32-3561-5B1B-88D6-04F26786CE98}"/>
+              </a:ext>
+            </a:extLst>
+          </p:cNvPr>
+          <p:cNvSpPr>
+            <a:spLocks noGrp="1"/>
+          </p:cNvSpPr>
+          <p:nvPr>
+            <p:ph type="title"/>
+          </p:nvPr>
+        </p:nvSpPr>
+        <p:spPr/>
+        <p:txBody>
+          <a:bodyPr/>
+          <a:lstStyle/>
+          <a:p>
+            <a:endParaRPr lang="de-DE"/>
+          </a:p>
+        </p:txBody>
+      </p:sp>
+      <p:sp>
+        <p:nvSpPr>
+          <p:cNvPr id="3" name="Inhaltsplatzhalter 2">
+            <a:extLst>
+              <a:ext uri="{FF2B5EF4-FFF2-40B4-BE49-F238E27FC236}">
+                <a16:creationId xmlns:a16="http://schemas.microsoft.com/office/drawing/2014/main" id="{1385FC6E-700C-B18E-BADF-335DCA3D4B4D}"/>
+              </a:ext>
+            </a:extLst>
+          </p:cNvPr>
+          <p:cNvSpPr>
+            <a:spLocks noGrp="1"/>
+          </p:cNvSpPr>
+          <p:nvPr>
+            <p:ph idx="1"/>
+          </p:nvPr>
+        </p:nvSpPr>
+        <p:spPr/>
+        <p:txBody>
+          <a:bodyPr/>
+          <a:lstStyle/>
+          <a:p>
+            <a:endParaRPr lang="de-DE"/>
+          </a:p>
+        </p:txBody>
+      </p:sp>
+      <p:sp>
+        <p:nvSpPr>
+          <p:cNvPr id="4" name="Foliennummernplatzhalter 3">
+            <a:extLst>
+              <a:ext uri="{FF2B5EF4-FFF2-40B4-BE49-F238E27FC236}">
+                <a16:creationId xmlns:a16="http://schemas.microsoft.com/office/drawing/2014/main" id="{602275FA-0948-586B-71B9-28EB35C3F7F8}"/>
+              </a:ext>
+            </a:extLst>
+          </p:cNvPr>
+          <p:cNvSpPr>
+            <a:spLocks noGrp="1"/>
+          </p:cNvSpPr>
+          <p:nvPr>
+            <p:ph type="sldNum" sz="quarter" idx="12"/>
+          </p:nvPr>
+        </p:nvSpPr>
+        <p:spPr/>
+        <p:txBody>
+          <a:bodyPr/>
+          <a:lstStyle/>
+          <a:p>
+            <a:fld id="{08C366F5-AFAD-49CB-854A-9D9E238FCA13}" type="slidenum">
+              <a:rPr lang="en-GB" smtClean="0"/>
+              <a:t>34</a:t>
+            </a:fld>
+            <a:endParaRPr lang="en-GB"/>
+          </a:p>
+        </p:txBody>
+      </p:sp>
+    </p:spTree>
+    <p:extLst>
+      <p:ext uri="{BB962C8B-B14F-4D97-AF65-F5344CB8AC3E}">
+        <p14:creationId xmlns:p14="http://schemas.microsoft.com/office/powerpoint/2010/main" val="2544800611"/>
+      </p:ext>
+    </p:extLst>
+  </p:cSld>
+  <p:clrMapOvr>
+    <a:masterClrMapping/>
+  </p:clrMapOvr>
+</p:sld>
+</file>
+
+<file path=ppt/slides/slide35.xml><?xml version="1.0" encoding="utf-8"?>
+<p:sld xmlns:a="http://schemas.openxmlformats.org/drawingml/2006/main" xmlns:r="http://schemas.openxmlformats.org/officeDocument/2006/relationships" xmlns:p="http://schemas.openxmlformats.org/presentationml/2006/main">
+  <p:cSld>
+    <p:spTree>
+      <p:nvGrpSpPr>
+        <p:cNvPr id="1" name=""/>
+        <p:cNvGrpSpPr/>
+        <p:nvPr/>
+      </p:nvGrpSpPr>
+      <p:grpSpPr>
+        <a:xfrm>
+          <a:off x="0" y="0"/>
+          <a:ext cx="0" cy="0"/>
+          <a:chOff x="0" y="0"/>
+          <a:chExt cx="0" cy="0"/>
+        </a:xfrm>
+      </p:grpSpPr>
+      <p:sp>
+        <p:nvSpPr>
+          <p:cNvPr id="2" name="Titel 1">
+            <a:extLst>
+              <a:ext uri="{FF2B5EF4-FFF2-40B4-BE49-F238E27FC236}">
+                <a16:creationId xmlns:a16="http://schemas.microsoft.com/office/drawing/2014/main" id="{87146A8B-0ADA-5706-7B0C-C2FC5915489C}"/>
+              </a:ext>
+            </a:extLst>
+          </p:cNvPr>
+          <p:cNvSpPr>
+            <a:spLocks noGrp="1"/>
+          </p:cNvSpPr>
+          <p:nvPr>
+            <p:ph type="title"/>
+          </p:nvPr>
+        </p:nvSpPr>
+        <p:spPr/>
+        <p:txBody>
+          <a:bodyPr/>
+          <a:lstStyle/>
+          <a:p>
+            <a:r>
+              <a:rPr lang="de-DE" dirty="0"/>
+              <a:t>Systems </a:t>
+            </a:r>
+            <a:r>
+              <a:rPr lang="de-DE" dirty="0" err="1"/>
+              <a:t>with</a:t>
+            </a:r>
+            <a:r>
+              <a:rPr lang="de-DE" dirty="0"/>
+              <a:t> Dead Time</a:t>
+            </a:r>
+          </a:p>
+        </p:txBody>
+      </p:sp>
+      <mc:AlternateContent xmlns:mc="http://schemas.openxmlformats.org/markup-compatibility/2006" xmlns:a14="http://schemas.microsoft.com/office/drawing/2010/main">
+        <mc:Choice Requires="a14">
+          <p:sp>
+            <p:nvSpPr>
+              <p:cNvPr id="4" name="Inhaltsplatzhalter 3">
+                <a:extLst>
+                  <a:ext uri="{FF2B5EF4-FFF2-40B4-BE49-F238E27FC236}">
+                    <a16:creationId xmlns:a16="http://schemas.microsoft.com/office/drawing/2014/main" id="{A5208996-66EC-46F8-1BFE-C12EC8444E0F}"/>
+                  </a:ext>
+                </a:extLst>
+              </p:cNvPr>
+              <p:cNvSpPr>
+                <a:spLocks noGrp="1"/>
+              </p:cNvSpPr>
+              <p:nvPr>
+                <p:ph idx="1"/>
+              </p:nvPr>
+            </p:nvSpPr>
+            <p:spPr/>
+            <p:txBody>
+              <a:bodyPr>
+                <a:normAutofit lnSpcReduction="10000"/>
+              </a:bodyPr>
+              <a:lstStyle/>
+              <a:p>
+                <a:pPr marL="0" indent="0">
+                  <a:buNone/>
+                </a:pPr>
+                <a:r>
+                  <a:rPr lang="de-DE" dirty="0"/>
+                  <a:t>The </a:t>
+                </a:r>
+                <a:r>
+                  <a:rPr lang="de-DE" dirty="0" err="1"/>
+                  <a:t>transfer</a:t>
+                </a:r>
+                <a:r>
+                  <a:rPr lang="de-DE" dirty="0"/>
+                  <a:t> </a:t>
+                </a:r>
+                <a:r>
+                  <a:rPr lang="de-DE" dirty="0" err="1"/>
+                  <a:t>function</a:t>
+                </a:r>
+                <a:r>
+                  <a:rPr lang="de-DE" dirty="0"/>
+                  <a:t> </a:t>
+                </a:r>
+                <a:r>
+                  <a:rPr lang="de-DE" dirty="0" err="1"/>
+                  <a:t>of</a:t>
+                </a:r>
+                <a:r>
+                  <a:rPr lang="de-DE" dirty="0"/>
+                  <a:t> a </a:t>
+                </a:r>
+                <a:r>
+                  <a:rPr lang="de-DE" dirty="0" err="1"/>
+                  <a:t>system</a:t>
+                </a:r>
+                <a:r>
+                  <a:rPr lang="de-DE" dirty="0"/>
+                  <a:t> </a:t>
+                </a:r>
+                <a:r>
+                  <a:rPr lang="de-DE" dirty="0" err="1"/>
+                  <a:t>can</a:t>
+                </a:r>
+                <a:r>
+                  <a:rPr lang="de-DE" dirty="0"/>
+                  <a:t> </a:t>
+                </a:r>
+                <a:r>
+                  <a:rPr lang="de-DE" dirty="0" err="1"/>
+                  <a:t>be</a:t>
+                </a:r>
+                <a:r>
+                  <a:rPr lang="de-DE" dirty="0"/>
+                  <a:t> </a:t>
+                </a:r>
+                <a:r>
+                  <a:rPr lang="de-DE" dirty="0" err="1"/>
+                  <a:t>extended</a:t>
+                </a:r>
+                <a:r>
+                  <a:rPr lang="de-DE" dirty="0"/>
+                  <a:t> </a:t>
+                </a:r>
+                <a:r>
+                  <a:rPr lang="de-DE" dirty="0" err="1"/>
+                  <a:t>by</a:t>
+                </a:r>
+                <a:r>
+                  <a:rPr lang="de-DE" dirty="0"/>
+                  <a:t> </a:t>
+                </a:r>
+                <a:r>
+                  <a:rPr lang="de-DE" dirty="0" err="1"/>
+                  <a:t>multiplying</a:t>
+                </a:r>
+                <a:r>
+                  <a:rPr lang="de-DE" dirty="0"/>
+                  <a:t> </a:t>
+                </a:r>
+                <a:r>
+                  <a:rPr lang="de-DE" dirty="0" err="1"/>
+                  <a:t>it</a:t>
+                </a:r>
+                <a:r>
+                  <a:rPr lang="de-DE" dirty="0"/>
+                  <a:t> </a:t>
+                </a:r>
+                <a:r>
+                  <a:rPr lang="de-DE" dirty="0" err="1"/>
+                  <a:t>with</a:t>
+                </a:r>
+                <a:r>
+                  <a:rPr lang="de-DE" dirty="0"/>
+                  <a:t> </a:t>
+                </a:r>
+                <a:r>
+                  <a:rPr lang="de-DE" dirty="0" err="1"/>
+                  <a:t>the</a:t>
+                </a:r>
+                <a:r>
+                  <a:rPr lang="de-DE" dirty="0"/>
+                  <a:t> </a:t>
+                </a:r>
+                <a:r>
+                  <a:rPr lang="de-DE" dirty="0" err="1"/>
+                  <a:t>exponential</a:t>
+                </a:r>
+                <a:r>
+                  <a:rPr lang="de-DE" dirty="0"/>
+                  <a:t> </a:t>
+                </a:r>
+                <a:r>
+                  <a:rPr lang="de-DE" dirty="0" err="1"/>
+                  <a:t>term</a:t>
+                </a:r>
+                <a:r>
+                  <a:rPr lang="de-DE" dirty="0"/>
+                  <a:t> </a:t>
+                </a:r>
+                <a:r>
+                  <a:rPr lang="de-DE" dirty="0" err="1"/>
+                  <a:t>that</a:t>
+                </a:r>
+                <a:r>
+                  <a:rPr lang="de-DE" dirty="0"/>
+                  <a:t> </a:t>
+                </a:r>
+                <a:r>
+                  <a:rPr lang="de-DE" dirty="0" err="1"/>
+                  <a:t>represents</a:t>
+                </a:r>
+                <a:r>
+                  <a:rPr lang="de-DE" dirty="0"/>
+                  <a:t> a time </a:t>
+                </a:r>
+                <a:r>
+                  <a:rPr lang="de-DE" dirty="0" err="1"/>
+                  <a:t>delay</a:t>
+                </a:r>
+                <a:r>
+                  <a:rPr lang="de-DE" dirty="0"/>
+                  <a:t>:</a:t>
+                </a:r>
+              </a:p>
+              <a:p>
+                <a:pPr marL="0" indent="0">
+                  <a:buNone/>
+                </a:pPr>
+                <a:r>
+                  <a:rPr lang="de-DE" dirty="0"/>
+                  <a:t>	</a:t>
+                </a:r>
+                <a14:m>
+                  <m:oMath xmlns:m="http://schemas.openxmlformats.org/officeDocument/2006/math">
+                    <m:r>
+                      <a:rPr lang="de-DE" i="1">
+                        <a:latin typeface="Cambria Math" panose="02040503050406030204" pitchFamily="18" charset="0"/>
+                      </a:rPr>
+                      <m:t>𝐺</m:t>
+                    </m:r>
+                    <m:d>
+                      <m:dPr>
+                        <m:ctrlPr>
+                          <a:rPr lang="de-DE" i="1">
+                            <a:latin typeface="Cambria Math" panose="02040503050406030204" pitchFamily="18" charset="0"/>
+                          </a:rPr>
+                        </m:ctrlPr>
+                      </m:dPr>
+                      <m:e>
+                        <m:r>
+                          <a:rPr lang="de-DE" i="1">
+                            <a:latin typeface="Cambria Math" panose="02040503050406030204" pitchFamily="18" charset="0"/>
+                          </a:rPr>
+                          <m:t>𝑠</m:t>
+                        </m:r>
+                      </m:e>
+                    </m:d>
+                    <m:r>
+                      <a:rPr lang="de-DE" i="1">
+                        <a:latin typeface="Cambria Math" panose="02040503050406030204" pitchFamily="18" charset="0"/>
+                      </a:rPr>
+                      <m:t>=</m:t>
+                    </m:r>
+                    <m:sSub>
+                      <m:sSubPr>
+                        <m:ctrlPr>
+                          <a:rPr lang="de-DE" i="1" smtClean="0">
+                            <a:latin typeface="Cambria Math" panose="02040503050406030204" pitchFamily="18" charset="0"/>
+                          </a:rPr>
+                        </m:ctrlPr>
+                      </m:sSubPr>
+                      <m:e>
+                        <m:r>
+                          <a:rPr lang="de-DE" b="0" i="1" smtClean="0">
+                            <a:latin typeface="Cambria Math" panose="02040503050406030204" pitchFamily="18" charset="0"/>
+                          </a:rPr>
+                          <m:t>𝐺</m:t>
+                        </m:r>
+                      </m:e>
+                      <m:sub>
+                        <m:r>
+                          <a:rPr lang="de-DE" b="0" i="1" smtClean="0">
+                            <a:latin typeface="Cambria Math" panose="02040503050406030204" pitchFamily="18" charset="0"/>
+                          </a:rPr>
+                          <m:t>0</m:t>
+                        </m:r>
+                      </m:sub>
+                    </m:sSub>
+                    <m:d>
+                      <m:dPr>
+                        <m:ctrlPr>
+                          <a:rPr lang="de-DE" i="1">
+                            <a:latin typeface="Cambria Math" panose="02040503050406030204" pitchFamily="18" charset="0"/>
+                          </a:rPr>
+                        </m:ctrlPr>
+                      </m:dPr>
+                      <m:e>
+                        <m:r>
+                          <a:rPr lang="de-DE" i="1">
+                            <a:latin typeface="Cambria Math" panose="02040503050406030204" pitchFamily="18" charset="0"/>
+                          </a:rPr>
+                          <m:t>𝑠</m:t>
+                        </m:r>
+                      </m:e>
+                    </m:d>
+                    <m:r>
+                      <a:rPr lang="de-DE" i="1">
+                        <a:latin typeface="Cambria Math" panose="02040503050406030204" pitchFamily="18" charset="0"/>
+                        <a:ea typeface="Cambria Math" panose="02040503050406030204" pitchFamily="18" charset="0"/>
+                      </a:rPr>
+                      <m:t>∙</m:t>
+                    </m:r>
+                    <m:sSup>
+                      <m:sSupPr>
+                        <m:ctrlPr>
+                          <a:rPr lang="de-DE" i="1">
+                            <a:latin typeface="Cambria Math" panose="02040503050406030204" pitchFamily="18" charset="0"/>
+                            <a:ea typeface="Cambria Math" panose="02040503050406030204" pitchFamily="18" charset="0"/>
+                          </a:rPr>
+                        </m:ctrlPr>
+                      </m:sSupPr>
+                      <m:e>
+                        <m:r>
+                          <a:rPr lang="de-DE" i="1">
+                            <a:latin typeface="Cambria Math" panose="02040503050406030204" pitchFamily="18" charset="0"/>
+                            <a:ea typeface="Cambria Math" panose="02040503050406030204" pitchFamily="18" charset="0"/>
+                          </a:rPr>
+                          <m:t>𝑒</m:t>
+                        </m:r>
+                      </m:e>
+                      <m:sup>
+                        <m:r>
+                          <a:rPr lang="de-DE" i="1">
+                            <a:latin typeface="Cambria Math" panose="02040503050406030204" pitchFamily="18" charset="0"/>
+                            <a:ea typeface="Cambria Math" panose="02040503050406030204" pitchFamily="18" charset="0"/>
+                          </a:rPr>
+                          <m:t>−</m:t>
+                        </m:r>
+                        <m:sSub>
+                          <m:sSubPr>
+                            <m:ctrlPr>
+                              <a:rPr lang="de-DE" i="1">
+                                <a:latin typeface="Cambria Math" panose="02040503050406030204" pitchFamily="18" charset="0"/>
+                                <a:ea typeface="Cambria Math" panose="02040503050406030204" pitchFamily="18" charset="0"/>
+                              </a:rPr>
+                            </m:ctrlPr>
+                          </m:sSubPr>
+                          <m:e>
+                            <m:r>
+                              <a:rPr lang="de-DE" i="1">
+                                <a:latin typeface="Cambria Math" panose="02040503050406030204" pitchFamily="18" charset="0"/>
+                                <a:ea typeface="Cambria Math" panose="02040503050406030204" pitchFamily="18" charset="0"/>
+                              </a:rPr>
+                              <m:t>𝑠</m:t>
+                            </m:r>
+                            <m:r>
+                              <a:rPr lang="de-DE" i="1">
+                                <a:latin typeface="Cambria Math" panose="02040503050406030204" pitchFamily="18" charset="0"/>
+                                <a:ea typeface="Cambria Math" panose="02040503050406030204" pitchFamily="18" charset="0"/>
+                              </a:rPr>
+                              <m:t>∙</m:t>
+                            </m:r>
+                            <m:r>
+                              <a:rPr lang="de-DE" i="1">
+                                <a:latin typeface="Cambria Math" panose="02040503050406030204" pitchFamily="18" charset="0"/>
+                                <a:ea typeface="Cambria Math" panose="02040503050406030204" pitchFamily="18" charset="0"/>
+                              </a:rPr>
+                              <m:t>𝑇</m:t>
+                            </m:r>
+                          </m:e>
+                          <m:sub>
+                            <m:r>
+                              <a:rPr lang="de-DE" i="1">
+                                <a:latin typeface="Cambria Math" panose="02040503050406030204" pitchFamily="18" charset="0"/>
+                                <a:ea typeface="Cambria Math" panose="02040503050406030204" pitchFamily="18" charset="0"/>
+                              </a:rPr>
+                              <m:t>𝐷</m:t>
+                            </m:r>
+                          </m:sub>
+                        </m:sSub>
+                      </m:sup>
+                    </m:sSup>
+                  </m:oMath>
+                </a14:m>
+                <a:endParaRPr lang="de-DE" dirty="0"/>
+              </a:p>
+              <a:p>
+                <a:pPr marL="0" indent="0">
+                  <a:buNone/>
+                </a:pPr>
+                <a:endParaRPr lang="de-DE" dirty="0"/>
+              </a:p>
+              <a:p>
+                <a:pPr marL="0" indent="0">
+                  <a:buNone/>
+                </a:pPr>
+                <a:endParaRPr lang="de-DE" dirty="0"/>
+              </a:p>
+              <a:p>
+                <a:pPr marL="0" indent="0">
+                  <a:buNone/>
+                </a:pPr>
+                <a:r>
+                  <a:rPr lang="de-DE" dirty="0" err="1"/>
+                  <a:t>Example</a:t>
+                </a:r>
+                <a:r>
+                  <a:rPr lang="de-DE" dirty="0"/>
+                  <a:t>: PT1 </a:t>
+                </a:r>
+                <a:r>
+                  <a:rPr lang="de-DE" dirty="0" err="1"/>
+                  <a:t>with</a:t>
+                </a:r>
+                <a:r>
+                  <a:rPr lang="de-DE" dirty="0"/>
+                  <a:t> </a:t>
+                </a:r>
+                <a:r>
+                  <a:rPr lang="de-DE" dirty="0" err="1"/>
+                  <a:t>dead</a:t>
+                </a:r>
+                <a:r>
+                  <a:rPr lang="de-DE" dirty="0"/>
+                  <a:t> time</a:t>
+                </a:r>
+                <a:endParaRPr lang="de-DE" i="1" dirty="0">
+                  <a:latin typeface="Cambria Math" panose="02040503050406030204" pitchFamily="18" charset="0"/>
+                </a:endParaRPr>
+              </a:p>
+              <a:p>
+                <a:pPr marL="0" indent="0">
+                  <a:buNone/>
+                </a:pPr>
+                <a:r>
+                  <a:rPr lang="de-DE" dirty="0"/>
+                  <a:t>	</a:t>
+                </a:r>
+                <a14:m>
+                  <m:oMath xmlns:m="http://schemas.openxmlformats.org/officeDocument/2006/math">
+                    <m:r>
+                      <a:rPr lang="de-DE" i="1" smtClean="0">
+                        <a:latin typeface="Cambria Math" panose="02040503050406030204" pitchFamily="18" charset="0"/>
+                      </a:rPr>
+                      <m:t>𝐺</m:t>
+                    </m:r>
+                    <m:d>
+                      <m:dPr>
+                        <m:ctrlPr>
+                          <a:rPr lang="de-DE" i="1">
+                            <a:latin typeface="Cambria Math" panose="02040503050406030204" pitchFamily="18" charset="0"/>
+                          </a:rPr>
+                        </m:ctrlPr>
+                      </m:dPr>
+                      <m:e>
+                        <m:r>
+                          <a:rPr lang="de-DE" i="1">
+                            <a:latin typeface="Cambria Math" panose="02040503050406030204" pitchFamily="18" charset="0"/>
+                          </a:rPr>
+                          <m:t>𝑠</m:t>
+                        </m:r>
+                      </m:e>
+                    </m:d>
+                    <m:r>
+                      <a:rPr lang="de-DE" i="1">
+                        <a:latin typeface="Cambria Math" panose="02040503050406030204" pitchFamily="18" charset="0"/>
+                      </a:rPr>
+                      <m:t>=</m:t>
+                    </m:r>
+                    <m:f>
+                      <m:fPr>
+                        <m:ctrlPr>
+                          <a:rPr lang="de-DE" i="1">
+                            <a:latin typeface="Cambria Math" panose="02040503050406030204" pitchFamily="18" charset="0"/>
+                          </a:rPr>
+                        </m:ctrlPr>
+                      </m:fPr>
+                      <m:num>
+                        <m:r>
+                          <a:rPr lang="de-DE" i="1">
+                            <a:latin typeface="Cambria Math" panose="02040503050406030204" pitchFamily="18" charset="0"/>
+                          </a:rPr>
+                          <m:t>𝐾</m:t>
+                        </m:r>
+                      </m:num>
+                      <m:den>
+                        <m:r>
+                          <a:rPr lang="de-DE" i="1">
+                            <a:latin typeface="Cambria Math" panose="02040503050406030204" pitchFamily="18" charset="0"/>
+                          </a:rPr>
+                          <m:t>1+</m:t>
+                        </m:r>
+                        <m:r>
+                          <a:rPr lang="el-GR" i="1">
+                            <a:latin typeface="Cambria Math" panose="02040503050406030204" pitchFamily="18" charset="0"/>
+                            <a:ea typeface="Cambria Math" panose="02040503050406030204" pitchFamily="18" charset="0"/>
+                          </a:rPr>
+                          <m:t>𝜏</m:t>
+                        </m:r>
+                        <m:r>
+                          <a:rPr lang="el-GR" i="1" smtClean="0">
+                            <a:latin typeface="Cambria Math" panose="02040503050406030204" pitchFamily="18" charset="0"/>
+                            <a:ea typeface="Cambria Math" panose="02040503050406030204" pitchFamily="18" charset="0"/>
+                          </a:rPr>
+                          <m:t>∙</m:t>
+                        </m:r>
+                        <m:r>
+                          <a:rPr lang="de-DE" i="1">
+                            <a:latin typeface="Cambria Math" panose="02040503050406030204" pitchFamily="18" charset="0"/>
+                          </a:rPr>
+                          <m:t>𝑠</m:t>
+                        </m:r>
+                      </m:den>
+                    </m:f>
+                    <m:r>
+                      <a:rPr lang="de-DE" i="1" smtClean="0">
+                        <a:latin typeface="Cambria Math" panose="02040503050406030204" pitchFamily="18" charset="0"/>
+                        <a:ea typeface="Cambria Math" panose="02040503050406030204" pitchFamily="18" charset="0"/>
+                      </a:rPr>
+                      <m:t>∙</m:t>
+                    </m:r>
+                    <m:sSup>
+                      <m:sSupPr>
+                        <m:ctrlPr>
+                          <a:rPr lang="de-DE" i="1" smtClean="0">
+                            <a:latin typeface="Cambria Math" panose="02040503050406030204" pitchFamily="18" charset="0"/>
+                            <a:ea typeface="Cambria Math" panose="02040503050406030204" pitchFamily="18" charset="0"/>
+                          </a:rPr>
+                        </m:ctrlPr>
+                      </m:sSupPr>
+                      <m:e>
+                        <m:r>
+                          <a:rPr lang="de-DE" i="1" smtClean="0">
+                            <a:latin typeface="Cambria Math" panose="02040503050406030204" pitchFamily="18" charset="0"/>
+                            <a:ea typeface="Cambria Math" panose="02040503050406030204" pitchFamily="18" charset="0"/>
+                          </a:rPr>
+                          <m:t>𝑒</m:t>
+                        </m:r>
+                      </m:e>
+                      <m:sup>
+                        <m:r>
+                          <a:rPr lang="de-DE" i="1" smtClean="0">
+                            <a:latin typeface="Cambria Math" panose="02040503050406030204" pitchFamily="18" charset="0"/>
+                            <a:ea typeface="Cambria Math" panose="02040503050406030204" pitchFamily="18" charset="0"/>
+                          </a:rPr>
+                          <m:t>−</m:t>
+                        </m:r>
+                        <m:sSub>
+                          <m:sSubPr>
+                            <m:ctrlPr>
+                              <a:rPr lang="de-DE" i="1" smtClean="0">
+                                <a:latin typeface="Cambria Math" panose="02040503050406030204" pitchFamily="18" charset="0"/>
+                                <a:ea typeface="Cambria Math" panose="02040503050406030204" pitchFamily="18" charset="0"/>
+                              </a:rPr>
+                            </m:ctrlPr>
+                          </m:sSubPr>
+                          <m:e>
+                            <m:r>
+                              <a:rPr lang="de-DE" b="0" i="1" smtClean="0">
+                                <a:latin typeface="Cambria Math" panose="02040503050406030204" pitchFamily="18" charset="0"/>
+                                <a:ea typeface="Cambria Math" panose="02040503050406030204" pitchFamily="18" charset="0"/>
+                              </a:rPr>
+                              <m:t>𝑠</m:t>
+                            </m:r>
+                            <m:r>
+                              <a:rPr lang="de-DE" b="0" i="1" smtClean="0">
+                                <a:latin typeface="Cambria Math" panose="02040503050406030204" pitchFamily="18" charset="0"/>
+                                <a:ea typeface="Cambria Math" panose="02040503050406030204" pitchFamily="18" charset="0"/>
+                              </a:rPr>
+                              <m:t>∙</m:t>
+                            </m:r>
+                            <m:r>
+                              <a:rPr lang="de-DE" b="0" i="1" smtClean="0">
+                                <a:latin typeface="Cambria Math" panose="02040503050406030204" pitchFamily="18" charset="0"/>
+                                <a:ea typeface="Cambria Math" panose="02040503050406030204" pitchFamily="18" charset="0"/>
+                              </a:rPr>
+                              <m:t>𝑇</m:t>
+                            </m:r>
+                          </m:e>
+                          <m:sub>
+                            <m:r>
+                              <a:rPr lang="de-DE" b="0" i="1" smtClean="0">
+                                <a:latin typeface="Cambria Math" panose="02040503050406030204" pitchFamily="18" charset="0"/>
+                                <a:ea typeface="Cambria Math" panose="02040503050406030204" pitchFamily="18" charset="0"/>
+                              </a:rPr>
+                              <m:t>𝐷</m:t>
+                            </m:r>
+                          </m:sub>
+                        </m:sSub>
+                      </m:sup>
+                    </m:sSup>
+                  </m:oMath>
+                </a14:m>
+                <a:endParaRPr lang="de-DE" dirty="0"/>
+              </a:p>
+              <a:p>
+                <a:pPr marL="0" indent="0">
+                  <a:buNone/>
+                </a:pPr>
+                <a:endParaRPr lang="de-DE" dirty="0"/>
+              </a:p>
+              <a:p>
+                <a:pPr marL="0" indent="0">
+                  <a:buNone/>
+                </a:pPr>
+                <a:r>
+                  <a:rPr lang="de-DE" dirty="0" err="1"/>
+                  <a:t>Mainly</a:t>
+                </a:r>
+                <a:r>
+                  <a:rPr lang="de-DE" dirty="0"/>
+                  <a:t> </a:t>
+                </a:r>
+                <a:r>
+                  <a:rPr lang="de-DE" dirty="0" err="1"/>
+                  <a:t>suitable</a:t>
+                </a:r>
+                <a:r>
+                  <a:rPr lang="de-DE" dirty="0"/>
+                  <a:t> </a:t>
+                </a:r>
+                <a:r>
+                  <a:rPr lang="de-DE" dirty="0" err="1"/>
+                  <a:t>for</a:t>
+                </a:r>
+                <a:r>
+                  <a:rPr lang="de-DE" dirty="0"/>
+                  <a:t> </a:t>
+                </a:r>
+                <a:r>
+                  <a:rPr lang="de-DE" dirty="0" err="1"/>
+                  <a:t>frequency</a:t>
+                </a:r>
+                <a:r>
+                  <a:rPr lang="de-DE" dirty="0"/>
+                  <a:t> </a:t>
+                </a:r>
+                <a:r>
+                  <a:rPr lang="de-DE" dirty="0" err="1"/>
+                  <a:t>response</a:t>
+                </a:r>
+                <a:r>
+                  <a:rPr lang="de-DE" dirty="0"/>
+                  <a:t> </a:t>
+                </a:r>
+                <a:r>
+                  <a:rPr lang="de-DE" dirty="0" err="1"/>
+                  <a:t>analysis</a:t>
+                </a:r>
+                <a:r>
+                  <a:rPr lang="de-DE" dirty="0"/>
+                  <a:t> (e.g., Bode </a:t>
+                </a:r>
+                <a:r>
+                  <a:rPr lang="de-DE" dirty="0" err="1"/>
+                  <a:t>plots</a:t>
+                </a:r>
+                <a:r>
+                  <a:rPr lang="de-DE" dirty="0"/>
+                  <a:t>)</a:t>
+                </a:r>
+              </a:p>
+            </p:txBody>
+          </p:sp>
+        </mc:Choice>
+        <mc:Fallback xmlns="">
+          <p:sp>
+            <p:nvSpPr>
+              <p:cNvPr id="4" name="Inhaltsplatzhalter 3">
+                <a:extLst>
+                  <a:ext uri="{FF2B5EF4-FFF2-40B4-BE49-F238E27FC236}">
+                    <a16:creationId xmlns:a16="http://schemas.microsoft.com/office/drawing/2014/main" id="{A5208996-66EC-46F8-1BFE-C12EC8444E0F}"/>
+                  </a:ext>
+                </a:extLst>
+              </p:cNvPr>
+              <p:cNvSpPr>
+                <a:spLocks noGrp="1" noRot="1" noChangeAspect="1" noMove="1" noResize="1" noEditPoints="1" noAdjustHandles="1" noChangeArrowheads="1" noChangeShapeType="1" noTextEdit="1"/>
+              </p:cNvSpPr>
+              <p:nvPr>
+                <p:ph idx="1"/>
+              </p:nvPr>
+            </p:nvSpPr>
+            <p:spPr>
+              <a:blipFill>
+                <a:blip r:embed="rId2"/>
+                <a:stretch>
+                  <a:fillRect l="-1206" t="-3198" b="-581"/>
+                </a:stretch>
+              </a:blipFill>
+            </p:spPr>
+            <p:txBody>
+              <a:bodyPr/>
+              <a:lstStyle/>
+              <a:p>
+                <a:r>
+                  <a:rPr lang="de-DE">
+                    <a:noFill/>
+                  </a:rPr>
+                  <a:t> </a:t>
+                </a:r>
+              </a:p>
+            </p:txBody>
+          </p:sp>
+        </mc:Fallback>
+      </mc:AlternateContent>
+      <p:sp>
+        <p:nvSpPr>
+          <p:cNvPr id="3" name="Foliennummernplatzhalter 2">
+            <a:extLst>
+              <a:ext uri="{FF2B5EF4-FFF2-40B4-BE49-F238E27FC236}">
+                <a16:creationId xmlns:a16="http://schemas.microsoft.com/office/drawing/2014/main" id="{536B6975-D7D1-1504-841E-AD44A905643F}"/>
+              </a:ext>
+            </a:extLst>
+          </p:cNvPr>
+          <p:cNvSpPr>
+            <a:spLocks noGrp="1"/>
+          </p:cNvSpPr>
+          <p:nvPr>
+            <p:ph type="sldNum" sz="quarter" idx="12"/>
+          </p:nvPr>
+        </p:nvSpPr>
+        <p:spPr/>
+        <p:txBody>
+          <a:bodyPr/>
+          <a:lstStyle/>
+          <a:p>
+            <a:fld id="{08C366F5-AFAD-49CB-854A-9D9E238FCA13}" type="slidenum">
+              <a:rPr lang="en-GB" smtClean="0"/>
+              <a:t>35</a:t>
+            </a:fld>
+            <a:endParaRPr lang="en-GB"/>
+          </a:p>
+        </p:txBody>
+      </p:sp>
+      <p:sp>
+        <p:nvSpPr>
+          <p:cNvPr id="6" name="Textfeld 5">
+            <a:extLst>
+              <a:ext uri="{FF2B5EF4-FFF2-40B4-BE49-F238E27FC236}">
+                <a16:creationId xmlns:a16="http://schemas.microsoft.com/office/drawing/2014/main" id="{FC23E2E2-7BAB-B0DC-155F-18BE9A930334}"/>
+              </a:ext>
+            </a:extLst>
+          </p:cNvPr>
+          <p:cNvSpPr txBox="1"/>
+          <p:nvPr/>
+        </p:nvSpPr>
+        <p:spPr>
+          <a:xfrm>
+            <a:off x="1502546" y="3295830"/>
+            <a:ext cx="2652204" cy="369332"/>
+          </a:xfrm>
+          <a:prstGeom prst="rect">
+            <a:avLst/>
+          </a:prstGeom>
+          <a:noFill/>
+        </p:spPr>
+        <p:txBody>
+          <a:bodyPr wrap="square">
+            <a:spAutoFit/>
+          </a:bodyPr>
+          <a:lstStyle/>
+          <a:p>
+            <a:r>
+              <a:rPr lang="de-DE" dirty="0"/>
+              <a:t>original </a:t>
+            </a:r>
+            <a:r>
+              <a:rPr lang="de-DE" dirty="0" err="1"/>
+              <a:t>transfer</a:t>
+            </a:r>
+            <a:r>
+              <a:rPr lang="de-DE" dirty="0"/>
+              <a:t> </a:t>
+            </a:r>
+            <a:r>
+              <a:rPr lang="de-DE" dirty="0" err="1"/>
+              <a:t>function</a:t>
+            </a:r>
+            <a:endParaRPr lang="de-DE" dirty="0"/>
+          </a:p>
+        </p:txBody>
+      </p:sp>
+      <p:cxnSp>
+        <p:nvCxnSpPr>
+          <p:cNvPr id="8" name="Gerade Verbindung mit Pfeil 7">
+            <a:extLst>
+              <a:ext uri="{FF2B5EF4-FFF2-40B4-BE49-F238E27FC236}">
+                <a16:creationId xmlns:a16="http://schemas.microsoft.com/office/drawing/2014/main" id="{D792DF04-E9E3-B701-E8FB-C02356E21D65}"/>
+              </a:ext>
+            </a:extLst>
+          </p:cNvPr>
+          <p:cNvCxnSpPr/>
+          <p:nvPr/>
+        </p:nvCxnSpPr>
+        <p:spPr>
+          <a:xfrm flipV="1">
+            <a:off x="2840854" y="2991770"/>
+            <a:ext cx="239697" cy="304060"/>
+          </a:xfrm>
+          <a:prstGeom prst="straightConnector1">
+            <a:avLst/>
+          </a:prstGeom>
+          <a:ln>
+            <a:tailEnd type="triangle"/>
+          </a:ln>
+        </p:spPr>
+        <p:style>
+          <a:lnRef idx="2">
+            <a:schemeClr val="accent1"/>
+          </a:lnRef>
+          <a:fillRef idx="0">
+            <a:schemeClr val="accent1"/>
+          </a:fillRef>
+          <a:effectRef idx="1">
+            <a:schemeClr val="accent1"/>
+          </a:effectRef>
+          <a:fontRef idx="minor">
+            <a:schemeClr val="tx1"/>
+          </a:fontRef>
+        </p:style>
+      </p:cxnSp>
+      <p:sp>
+        <p:nvSpPr>
+          <p:cNvPr id="10" name="Textfeld 9">
+            <a:extLst>
+              <a:ext uri="{FF2B5EF4-FFF2-40B4-BE49-F238E27FC236}">
+                <a16:creationId xmlns:a16="http://schemas.microsoft.com/office/drawing/2014/main" id="{F238FAF0-5F1B-2600-5A07-4DF841173409}"/>
+              </a:ext>
+            </a:extLst>
+          </p:cNvPr>
+          <p:cNvSpPr txBox="1"/>
+          <p:nvPr/>
+        </p:nvSpPr>
+        <p:spPr>
+          <a:xfrm>
+            <a:off x="4819096" y="3295830"/>
+            <a:ext cx="2802177" cy="369332"/>
+          </a:xfrm>
+          <a:prstGeom prst="rect">
+            <a:avLst/>
+          </a:prstGeom>
+          <a:noFill/>
+        </p:spPr>
+        <p:txBody>
+          <a:bodyPr wrap="none" rtlCol="0">
+            <a:spAutoFit/>
+          </a:bodyPr>
+          <a:lstStyle/>
+          <a:p>
+            <a:r>
+              <a:rPr lang="de-DE" dirty="0"/>
+              <a:t>time </a:t>
+            </a:r>
+            <a:r>
+              <a:rPr lang="de-DE" dirty="0" err="1"/>
+              <a:t>delay</a:t>
+            </a:r>
+            <a:r>
+              <a:rPr lang="de-DE" dirty="0"/>
+              <a:t> (aka </a:t>
+            </a:r>
+            <a:r>
+              <a:rPr lang="de-DE" dirty="0" err="1"/>
+              <a:t>dead</a:t>
+            </a:r>
+            <a:r>
+              <a:rPr lang="de-DE" dirty="0"/>
+              <a:t> time)</a:t>
+            </a:r>
+          </a:p>
+        </p:txBody>
+      </p:sp>
+      <p:cxnSp>
+        <p:nvCxnSpPr>
+          <p:cNvPr id="12" name="Gerade Verbindung mit Pfeil 11">
+            <a:extLst>
+              <a:ext uri="{FF2B5EF4-FFF2-40B4-BE49-F238E27FC236}">
+                <a16:creationId xmlns:a16="http://schemas.microsoft.com/office/drawing/2014/main" id="{7EDEBF8D-3696-DBD0-D6B9-D3FE6E4DD679}"/>
+              </a:ext>
+            </a:extLst>
+          </p:cNvPr>
+          <p:cNvCxnSpPr/>
+          <p:nvPr/>
+        </p:nvCxnSpPr>
+        <p:spPr>
+          <a:xfrm flipH="1" flipV="1">
+            <a:off x="4819096" y="2867482"/>
+            <a:ext cx="321075" cy="497150"/>
+          </a:xfrm>
+          <a:prstGeom prst="straightConnector1">
+            <a:avLst/>
+          </a:prstGeom>
+          <a:ln>
+            <a:tailEnd type="triangle"/>
+          </a:ln>
+        </p:spPr>
+        <p:style>
+          <a:lnRef idx="2">
+            <a:schemeClr val="accent1"/>
+          </a:lnRef>
+          <a:fillRef idx="0">
+            <a:schemeClr val="accent1"/>
+          </a:fillRef>
+          <a:effectRef idx="1">
+            <a:schemeClr val="accent1"/>
+          </a:effectRef>
+          <a:fontRef idx="minor">
+            <a:schemeClr val="tx1"/>
+          </a:fontRef>
+        </p:style>
+      </p:cxnSp>
+    </p:spTree>
+    <p:extLst>
+      <p:ext uri="{BB962C8B-B14F-4D97-AF65-F5344CB8AC3E}">
+        <p14:creationId xmlns:p14="http://schemas.microsoft.com/office/powerpoint/2010/main" val="4285856768"/>
+      </p:ext>
+    </p:extLst>
+  </p:cSld>
+  <p:clrMapOvr>
+    <a:masterClrMapping/>
+  </p:clrMapOvr>
+</p:sld>
+</file>
+
+<file path=ppt/slides/slide36.xml><?xml version="1.0" encoding="utf-8"?>
+<p:sld xmlns:a="http://schemas.openxmlformats.org/drawingml/2006/main" xmlns:r="http://schemas.openxmlformats.org/officeDocument/2006/relationships" xmlns:p="http://schemas.openxmlformats.org/presentationml/2006/main">
+  <p:cSld>
+    <p:spTree>
+      <p:nvGrpSpPr>
+        <p:cNvPr id="1" name=""/>
+        <p:cNvGrpSpPr/>
+        <p:nvPr/>
+      </p:nvGrpSpPr>
+      <p:grpSpPr>
+        <a:xfrm>
+          <a:off x="0" y="0"/>
+          <a:ext cx="0" cy="0"/>
+          <a:chOff x="0" y="0"/>
+          <a:chExt cx="0" cy="0"/>
+        </a:xfrm>
+      </p:grpSpPr>
+      <p:sp>
+        <p:nvSpPr>
+          <p:cNvPr id="2" name="Titel 1">
+            <a:extLst>
+              <a:ext uri="{FF2B5EF4-FFF2-40B4-BE49-F238E27FC236}">
+                <a16:creationId xmlns:a16="http://schemas.microsoft.com/office/drawing/2014/main" id="{5F7E7D95-1F5E-CE48-E953-D97B4D9022F0}"/>
+              </a:ext>
+            </a:extLst>
+          </p:cNvPr>
+          <p:cNvSpPr>
+            <a:spLocks noGrp="1"/>
+          </p:cNvSpPr>
+          <p:nvPr>
+            <p:ph type="title"/>
+          </p:nvPr>
+        </p:nvSpPr>
+        <p:spPr/>
+        <p:txBody>
+          <a:bodyPr/>
+          <a:lstStyle/>
+          <a:p>
+            <a:r>
+              <a:rPr lang="de-DE" dirty="0"/>
+              <a:t>Control Loop</a:t>
+            </a:r>
+          </a:p>
+        </p:txBody>
+      </p:sp>
+      <p:sp>
+        <p:nvSpPr>
+          <p:cNvPr id="3" name="Inhaltsplatzhalter 2">
+            <a:extLst>
+              <a:ext uri="{FF2B5EF4-FFF2-40B4-BE49-F238E27FC236}">
+                <a16:creationId xmlns:a16="http://schemas.microsoft.com/office/drawing/2014/main" id="{2565AFF0-6E9A-4ADB-0F1C-E81FEBA0962F}"/>
+              </a:ext>
+            </a:extLst>
+          </p:cNvPr>
+          <p:cNvSpPr>
+            <a:spLocks noGrp="1"/>
+          </p:cNvSpPr>
+          <p:nvPr>
+            <p:ph idx="1"/>
+          </p:nvPr>
+        </p:nvSpPr>
+        <p:spPr/>
+        <p:txBody>
+          <a:bodyPr/>
+          <a:lstStyle/>
+          <a:p>
+            <a:endParaRPr lang="de-DE"/>
+          </a:p>
+        </p:txBody>
+      </p:sp>
+      <p:sp>
+        <p:nvSpPr>
+          <p:cNvPr id="4" name="Foliennummernplatzhalter 3">
+            <a:extLst>
+              <a:ext uri="{FF2B5EF4-FFF2-40B4-BE49-F238E27FC236}">
+                <a16:creationId xmlns:a16="http://schemas.microsoft.com/office/drawing/2014/main" id="{3DB4223A-1501-7599-2239-8ABB3D90055D}"/>
+              </a:ext>
+            </a:extLst>
+          </p:cNvPr>
+          <p:cNvSpPr>
+            <a:spLocks noGrp="1"/>
+          </p:cNvSpPr>
+          <p:nvPr>
+            <p:ph type="sldNum" sz="quarter" idx="12"/>
+          </p:nvPr>
+        </p:nvSpPr>
+        <p:spPr/>
+        <p:txBody>
+          <a:bodyPr/>
+          <a:lstStyle/>
+          <a:p>
+            <a:fld id="{08C366F5-AFAD-49CB-854A-9D9E238FCA13}" type="slidenum">
+              <a:rPr lang="en-GB" smtClean="0"/>
+              <a:t>36</a:t>
+            </a:fld>
+            <a:endParaRPr lang="en-GB"/>
+          </a:p>
+        </p:txBody>
+      </p:sp>
+    </p:spTree>
+    <p:extLst>
+      <p:ext uri="{BB962C8B-B14F-4D97-AF65-F5344CB8AC3E}">
+        <p14:creationId xmlns:p14="http://schemas.microsoft.com/office/powerpoint/2010/main" val="4092308225"/>
+      </p:ext>
+    </p:extLst>
+  </p:cSld>
+  <p:clrMapOvr>
+    <a:masterClrMapping/>
+  </p:clrMapOvr>
+</p:sld>
+</file>
+
+<file path=ppt/slides/slide37.xml><?xml version="1.0" encoding="utf-8"?>
+<p:sld xmlns:a="http://schemas.openxmlformats.org/drawingml/2006/main" xmlns:r="http://schemas.openxmlformats.org/officeDocument/2006/relationships" xmlns:p="http://schemas.openxmlformats.org/presentationml/2006/main">
+  <p:cSld>
+    <p:spTree>
+      <p:nvGrpSpPr>
+        <p:cNvPr id="1" name=""/>
+        <p:cNvGrpSpPr/>
+        <p:nvPr/>
+      </p:nvGrpSpPr>
+      <p:grpSpPr>
+        <a:xfrm>
+          <a:off x="0" y="0"/>
+          <a:ext cx="0" cy="0"/>
+          <a:chOff x="0" y="0"/>
+          <a:chExt cx="0" cy="0"/>
+        </a:xfrm>
+      </p:grpSpPr>
+      <p:sp>
+        <p:nvSpPr>
+          <p:cNvPr id="2" name="Titel 1">
+            <a:extLst>
+              <a:ext uri="{FF2B5EF4-FFF2-40B4-BE49-F238E27FC236}">
+                <a16:creationId xmlns:a16="http://schemas.microsoft.com/office/drawing/2014/main" id="{0C04B523-A548-A145-D8D1-610300916A7D}"/>
+              </a:ext>
+            </a:extLst>
+          </p:cNvPr>
+          <p:cNvSpPr>
+            <a:spLocks noGrp="1"/>
+          </p:cNvSpPr>
+          <p:nvPr>
+            <p:ph type="title"/>
+          </p:nvPr>
+        </p:nvSpPr>
+        <p:spPr/>
+        <p:txBody>
+          <a:bodyPr/>
+          <a:lstStyle/>
+          <a:p>
+            <a:endParaRPr lang="de-DE"/>
+          </a:p>
+        </p:txBody>
+      </p:sp>
+      <p:sp>
+        <p:nvSpPr>
+          <p:cNvPr id="3" name="Inhaltsplatzhalter 2">
+            <a:extLst>
+              <a:ext uri="{FF2B5EF4-FFF2-40B4-BE49-F238E27FC236}">
+                <a16:creationId xmlns:a16="http://schemas.microsoft.com/office/drawing/2014/main" id="{1F3858CF-14CC-AC2F-271A-9B9970396F48}"/>
+              </a:ext>
+            </a:extLst>
+          </p:cNvPr>
+          <p:cNvSpPr>
+            <a:spLocks noGrp="1"/>
+          </p:cNvSpPr>
+          <p:nvPr>
+            <p:ph idx="1"/>
+          </p:nvPr>
+        </p:nvSpPr>
+        <p:spPr/>
+        <p:txBody>
+          <a:bodyPr/>
+          <a:lstStyle/>
+          <a:p>
+            <a:endParaRPr lang="de-DE"/>
+          </a:p>
+        </p:txBody>
+      </p:sp>
+      <p:sp>
+        <p:nvSpPr>
+          <p:cNvPr id="4" name="Foliennummernplatzhalter 3">
+            <a:extLst>
+              <a:ext uri="{FF2B5EF4-FFF2-40B4-BE49-F238E27FC236}">
+                <a16:creationId xmlns:a16="http://schemas.microsoft.com/office/drawing/2014/main" id="{F07D09CB-2114-E487-4ACA-4F1F296AB708}"/>
+              </a:ext>
+            </a:extLst>
+          </p:cNvPr>
+          <p:cNvSpPr>
+            <a:spLocks noGrp="1"/>
+          </p:cNvSpPr>
+          <p:nvPr>
+            <p:ph type="sldNum" sz="quarter" idx="12"/>
+          </p:nvPr>
+        </p:nvSpPr>
+        <p:spPr/>
+        <p:txBody>
+          <a:bodyPr/>
+          <a:lstStyle/>
+          <a:p>
+            <a:fld id="{08C366F5-AFAD-49CB-854A-9D9E238FCA13}" type="slidenum">
+              <a:rPr lang="en-GB" smtClean="0"/>
+              <a:t>37</a:t>
+            </a:fld>
+            <a:endParaRPr lang="en-GB"/>
+          </a:p>
+        </p:txBody>
+      </p:sp>
+    </p:spTree>
+    <p:extLst>
+      <p:ext uri="{BB962C8B-B14F-4D97-AF65-F5344CB8AC3E}">
+        <p14:creationId xmlns:p14="http://schemas.microsoft.com/office/powerpoint/2010/main" val="2815990956"/>
       </p:ext>
     </p:extLst>
   </p:cSld>
@@ -22843,8 +23400,8 @@
           </a:p>
         </p:txBody>
       </p:sp>
-      <mc:AlternateContent xmlns:mc="http://schemas.openxmlformats.org/markup-compatibility/2006">
-        <mc:Choice xmlns:a14="http://schemas.microsoft.com/office/drawing/2010/main" Requires="a14">
+      <mc:AlternateContent xmlns:mc="http://schemas.openxmlformats.org/markup-compatibility/2006" xmlns:a14="http://schemas.microsoft.com/office/drawing/2010/main">
+        <mc:Choice Requires="a14">
           <p:sp>
             <p:nvSpPr>
               <p:cNvPr id="3" name="Inhaltsplatzhalter 2">
@@ -23995,7 +24552,6 @@
                 </a:endParaRPr>
               </a:p>
               <a:p>
-                <a:pPr/>
                 <a:endParaRPr lang="de-DE" dirty="0"/>
               </a:p>
               <a:p>
@@ -24007,7 +24563,7 @@
             </p:txBody>
           </p:sp>
         </mc:Choice>
-        <mc:Fallback>
+        <mc:Fallback xmlns="">
           <p:sp>
             <p:nvSpPr>
               <p:cNvPr id="3" name="Inhaltsplatzhalter 2">
@@ -24120,8 +24676,8 @@
           </a:p>
         </p:txBody>
       </p:sp>
-      <mc:AlternateContent xmlns:mc="http://schemas.openxmlformats.org/markup-compatibility/2006">
-        <mc:Choice xmlns:a14="http://schemas.microsoft.com/office/drawing/2010/main" Requires="a14">
+      <mc:AlternateContent xmlns:mc="http://schemas.openxmlformats.org/markup-compatibility/2006" xmlns:a14="http://schemas.microsoft.com/office/drawing/2010/main">
+        <mc:Choice Requires="a14">
           <p:sp>
             <p:nvSpPr>
               <p:cNvPr id="6" name="Textfeld 5">
@@ -24150,6 +24706,7 @@
               </a:bodyPr>
               <a:lstStyle/>
               <a:p>
+                <a:pPr/>
                 <a14:m>
                   <m:oMathPara xmlns:m="http://schemas.openxmlformats.org/officeDocument/2006/math">
                     <m:oMathParaPr>
@@ -24170,7 +24727,7 @@
             </p:txBody>
           </p:sp>
         </mc:Choice>
-        <mc:Fallback>
+        <mc:Fallback xmlns="">
           <p:sp>
             <p:nvSpPr>
               <p:cNvPr id="6" name="Textfeld 5">

--- a/slides/3_Laplace.pptx
+++ b/slides/3_Laplace.pptx
@@ -12191,8 +12191,8 @@
           </a:p>
         </p:txBody>
       </p:sp>
-      <mc:AlternateContent xmlns:mc="http://schemas.openxmlformats.org/markup-compatibility/2006">
-        <mc:Choice xmlns:a14="http://schemas.microsoft.com/office/drawing/2010/main" Requires="a14">
+      <mc:AlternateContent xmlns:mc="http://schemas.openxmlformats.org/markup-compatibility/2006" xmlns:a14="http://schemas.microsoft.com/office/drawing/2010/main">
+        <mc:Choice Requires="a14">
           <p:sp>
             <p:nvSpPr>
               <p:cNvPr id="3" name="Inhaltsplatzhalter 2">
@@ -13581,7 +13581,7 @@
             </p:txBody>
           </p:sp>
         </mc:Choice>
-        <mc:Fallback>
+        <mc:Fallback xmlns="">
           <p:sp>
             <p:nvSpPr>
               <p:cNvPr id="3" name="Inhaltsplatzhalter 2">
@@ -13650,8 +13650,8 @@
           </a:p>
         </p:txBody>
       </p:sp>
-      <mc:AlternateContent xmlns:mc="http://schemas.openxmlformats.org/markup-compatibility/2006">
-        <mc:Choice xmlns:a14="http://schemas.microsoft.com/office/drawing/2010/main" Requires="a14">
+      <mc:AlternateContent xmlns:mc="http://schemas.openxmlformats.org/markup-compatibility/2006" xmlns:a14="http://schemas.microsoft.com/office/drawing/2010/main">
+        <mc:Choice Requires="a14">
           <p:sp>
             <p:nvSpPr>
               <p:cNvPr id="5" name="Textfeld 4">
@@ -13753,7 +13753,7 @@
             </p:txBody>
           </p:sp>
         </mc:Choice>
-        <mc:Fallback>
+        <mc:Fallback xmlns="">
           <p:sp>
             <p:nvSpPr>
               <p:cNvPr id="5" name="Textfeld 4">
@@ -13803,8 +13803,8 @@
           </p:sp>
         </mc:Fallback>
       </mc:AlternateContent>
-      <mc:AlternateContent xmlns:mc="http://schemas.openxmlformats.org/markup-compatibility/2006">
-        <mc:Choice xmlns:a14="http://schemas.microsoft.com/office/drawing/2010/main" Requires="a14">
+      <mc:AlternateContent xmlns:mc="http://schemas.openxmlformats.org/markup-compatibility/2006" xmlns:a14="http://schemas.microsoft.com/office/drawing/2010/main">
+        <mc:Choice Requires="a14">
           <p:sp>
             <p:nvSpPr>
               <p:cNvPr id="6" name="Textfeld 5">
@@ -13906,7 +13906,7 @@
             </p:txBody>
           </p:sp>
         </mc:Choice>
-        <mc:Fallback>
+        <mc:Fallback xmlns="">
           <p:sp>
             <p:nvSpPr>
               <p:cNvPr id="6" name="Textfeld 5">
@@ -14853,8 +14853,8 @@
           </a:fontRef>
         </p:style>
       </p:cxnSp>
-      <mc:AlternateContent xmlns:mc="http://schemas.openxmlformats.org/markup-compatibility/2006">
-        <mc:Choice xmlns:a14="http://schemas.microsoft.com/office/drawing/2010/main" Requires="a14">
+      <mc:AlternateContent xmlns:mc="http://schemas.openxmlformats.org/markup-compatibility/2006" xmlns:a14="http://schemas.microsoft.com/office/drawing/2010/main">
+        <mc:Choice Requires="a14">
           <p:sp>
             <p:nvSpPr>
               <p:cNvPr id="14" name="Textfeld 13">
@@ -14971,7 +14971,7 @@
             </p:txBody>
           </p:sp>
         </mc:Choice>
-        <mc:Fallback>
+        <mc:Fallback xmlns="">
           <p:sp>
             <p:nvSpPr>
               <p:cNvPr id="14" name="Textfeld 13">
@@ -20604,31 +20604,6 @@
       </p:sp>
       <p:sp>
         <p:nvSpPr>
-          <p:cNvPr id="3" name="Inhaltsplatzhalter 2">
-            <a:extLst>
-              <a:ext uri="{FF2B5EF4-FFF2-40B4-BE49-F238E27FC236}">
-                <a16:creationId xmlns:a16="http://schemas.microsoft.com/office/drawing/2014/main" id="{2565AFF0-6E9A-4ADB-0F1C-E81FEBA0962F}"/>
-              </a:ext>
-            </a:extLst>
-          </p:cNvPr>
-          <p:cNvSpPr>
-            <a:spLocks noGrp="1"/>
-          </p:cNvSpPr>
-          <p:nvPr>
-            <p:ph idx="1"/>
-          </p:nvPr>
-        </p:nvSpPr>
-        <p:spPr/>
-        <p:txBody>
-          <a:bodyPr/>
-          <a:lstStyle/>
-          <a:p>
-            <a:endParaRPr lang="de-DE"/>
-          </a:p>
-        </p:txBody>
-      </p:sp>
-      <p:sp>
-        <p:nvSpPr>
           <p:cNvPr id="4" name="Foliennummernplatzhalter 3">
             <a:extLst>
               <a:ext uri="{FF2B5EF4-FFF2-40B4-BE49-F238E27FC236}">
@@ -20656,6 +20631,2035 @@
           </a:p>
         </p:txBody>
       </p:sp>
+      <p:grpSp>
+        <p:nvGrpSpPr>
+          <p:cNvPr id="78" name="Gruppieren 77">
+            <a:extLst>
+              <a:ext uri="{FF2B5EF4-FFF2-40B4-BE49-F238E27FC236}">
+                <a16:creationId xmlns:a16="http://schemas.microsoft.com/office/drawing/2014/main" id="{6B685BC3-C175-CD83-FD48-F6388221A45E}"/>
+              </a:ext>
+            </a:extLst>
+          </p:cNvPr>
+          <p:cNvGrpSpPr/>
+          <p:nvPr/>
+        </p:nvGrpSpPr>
+        <p:grpSpPr>
+          <a:xfrm>
+            <a:off x="838200" y="1993681"/>
+            <a:ext cx="4379258" cy="1307375"/>
+            <a:chOff x="3906371" y="2121625"/>
+            <a:chExt cx="4379258" cy="1307375"/>
+          </a:xfrm>
+        </p:grpSpPr>
+        <mc:AlternateContent xmlns:mc="http://schemas.openxmlformats.org/markup-compatibility/2006">
+          <mc:Choice xmlns:a14="http://schemas.microsoft.com/office/drawing/2010/main" Requires="a14">
+            <p:sp>
+              <p:nvSpPr>
+                <p:cNvPr id="10" name="Prozess 9">
+                  <a:extLst>
+                    <a:ext uri="{FF2B5EF4-FFF2-40B4-BE49-F238E27FC236}">
+                      <a16:creationId xmlns:a16="http://schemas.microsoft.com/office/drawing/2014/main" id="{CFA04C9A-F9FE-97EE-ADA9-C6D398C7532F}"/>
+                    </a:ext>
+                  </a:extLst>
+                </p:cNvPr>
+                <p:cNvSpPr/>
+                <p:nvPr/>
+              </p:nvSpPr>
+              <p:spPr>
+                <a:xfrm>
+                  <a:off x="5685987" y="2164438"/>
+                  <a:ext cx="914400" cy="612648"/>
+                </a:xfrm>
+                <a:prstGeom prst="flowChartProcess">
+                  <a:avLst/>
+                </a:prstGeom>
+                <a:noFill/>
+                <a:ln>
+                  <a:solidFill>
+                    <a:schemeClr val="tx1"/>
+                  </a:solidFill>
+                </a:ln>
+              </p:spPr>
+              <p:style>
+                <a:lnRef idx="2">
+                  <a:schemeClr val="accent1">
+                    <a:shade val="15000"/>
+                  </a:schemeClr>
+                </a:lnRef>
+                <a:fillRef idx="1">
+                  <a:schemeClr val="accent1"/>
+                </a:fillRef>
+                <a:effectRef idx="0">
+                  <a:schemeClr val="accent1"/>
+                </a:effectRef>
+                <a:fontRef idx="minor">
+                  <a:schemeClr val="lt1"/>
+                </a:fontRef>
+              </p:style>
+              <p:txBody>
+                <a:bodyPr rtlCol="0" anchor="ctr"/>
+                <a:lstStyle/>
+                <a:p>
+                  <a:pPr algn="ctr"/>
+                  <a14:m>
+                    <m:oMathPara xmlns:m="http://schemas.openxmlformats.org/officeDocument/2006/math">
+                      <m:oMathParaPr>
+                        <m:jc m:val="centerGroup"/>
+                      </m:oMathParaPr>
+                      <m:oMath xmlns:m="http://schemas.openxmlformats.org/officeDocument/2006/math">
+                        <m:r>
+                          <a:rPr lang="de-DE" b="0" i="1" smtClean="0">
+                            <a:solidFill>
+                              <a:schemeClr val="tx1"/>
+                            </a:solidFill>
+                            <a:latin typeface="Cambria Math" panose="02040503050406030204" pitchFamily="18" charset="0"/>
+                          </a:rPr>
+                          <m:t>𝐺</m:t>
+                        </m:r>
+                        <m:r>
+                          <a:rPr lang="de-DE" b="0" i="1" smtClean="0">
+                            <a:solidFill>
+                              <a:schemeClr val="tx1"/>
+                            </a:solidFill>
+                            <a:latin typeface="Cambria Math" panose="02040503050406030204" pitchFamily="18" charset="0"/>
+                          </a:rPr>
+                          <m:t>(</m:t>
+                        </m:r>
+                        <m:r>
+                          <a:rPr lang="de-DE" b="0" i="1" smtClean="0">
+                            <a:solidFill>
+                              <a:schemeClr val="tx1"/>
+                            </a:solidFill>
+                            <a:latin typeface="Cambria Math" panose="02040503050406030204" pitchFamily="18" charset="0"/>
+                          </a:rPr>
+                          <m:t>𝑠</m:t>
+                        </m:r>
+                        <m:r>
+                          <a:rPr lang="de-DE" b="0" i="1" smtClean="0">
+                            <a:solidFill>
+                              <a:schemeClr val="tx1"/>
+                            </a:solidFill>
+                            <a:latin typeface="Cambria Math" panose="02040503050406030204" pitchFamily="18" charset="0"/>
+                          </a:rPr>
+                          <m:t>)</m:t>
+                        </m:r>
+                      </m:oMath>
+                    </m:oMathPara>
+                  </a14:m>
+                  <a:endParaRPr lang="de-DE" dirty="0">
+                    <a:solidFill>
+                      <a:schemeClr val="tx1"/>
+                    </a:solidFill>
+                  </a:endParaRPr>
+                </a:p>
+              </p:txBody>
+            </p:sp>
+          </mc:Choice>
+          <mc:Fallback>
+            <p:sp>
+              <p:nvSpPr>
+                <p:cNvPr id="10" name="Prozess 9">
+                  <a:extLst>
+                    <a:ext uri="{FF2B5EF4-FFF2-40B4-BE49-F238E27FC236}">
+                      <a16:creationId xmlns:a16="http://schemas.microsoft.com/office/drawing/2014/main" id="{CFA04C9A-F9FE-97EE-ADA9-C6D398C7532F}"/>
+                    </a:ext>
+                  </a:extLst>
+                </p:cNvPr>
+                <p:cNvSpPr>
+                  <a:spLocks noRot="1" noChangeAspect="1" noMove="1" noResize="1" noEditPoints="1" noAdjustHandles="1" noChangeArrowheads="1" noChangeShapeType="1" noTextEdit="1"/>
+                </p:cNvSpPr>
+                <p:nvPr/>
+              </p:nvSpPr>
+              <p:spPr>
+                <a:xfrm>
+                  <a:off x="5685987" y="2164438"/>
+                  <a:ext cx="914400" cy="612648"/>
+                </a:xfrm>
+                <a:prstGeom prst="flowChartProcess">
+                  <a:avLst/>
+                </a:prstGeom>
+                <a:blipFill>
+                  <a:blip r:embed="rId2"/>
+                  <a:stretch>
+                    <a:fillRect/>
+                  </a:stretch>
+                </a:blipFill>
+                <a:ln>
+                  <a:solidFill>
+                    <a:schemeClr val="tx1"/>
+                  </a:solidFill>
+                </a:ln>
+              </p:spPr>
+              <p:txBody>
+                <a:bodyPr/>
+                <a:lstStyle/>
+                <a:p>
+                  <a:r>
+                    <a:rPr lang="de-DE">
+                      <a:noFill/>
+                    </a:rPr>
+                    <a:t> </a:t>
+                  </a:r>
+                </a:p>
+              </p:txBody>
+            </p:sp>
+          </mc:Fallback>
+        </mc:AlternateContent>
+        <p:sp>
+          <p:nvSpPr>
+            <p:cNvPr id="16" name="Verbindungsstelle 15">
+              <a:extLst>
+                <a:ext uri="{FF2B5EF4-FFF2-40B4-BE49-F238E27FC236}">
+                  <a16:creationId xmlns:a16="http://schemas.microsoft.com/office/drawing/2014/main" id="{5A69D5A8-6BC7-EED6-B298-00BE7B488749}"/>
+                </a:ext>
+              </a:extLst>
+            </p:cNvPr>
+            <p:cNvSpPr>
+              <a:spLocks noChangeAspect="1"/>
+            </p:cNvSpPr>
+            <p:nvPr/>
+          </p:nvSpPr>
+          <p:spPr>
+            <a:xfrm flipV="1">
+              <a:off x="7297249" y="2423264"/>
+              <a:ext cx="88772" cy="88772"/>
+            </a:xfrm>
+            <a:prstGeom prst="flowChartConnector">
+              <a:avLst/>
+            </a:prstGeom>
+            <a:solidFill>
+              <a:schemeClr val="tx1"/>
+            </a:solidFill>
+          </p:spPr>
+          <p:style>
+            <a:lnRef idx="2">
+              <a:schemeClr val="accent1">
+                <a:shade val="15000"/>
+              </a:schemeClr>
+            </a:lnRef>
+            <a:fillRef idx="1">
+              <a:schemeClr val="accent1"/>
+            </a:fillRef>
+            <a:effectRef idx="0">
+              <a:schemeClr val="accent1"/>
+            </a:effectRef>
+            <a:fontRef idx="minor">
+              <a:schemeClr val="lt1"/>
+            </a:fontRef>
+          </p:style>
+          <p:txBody>
+            <a:bodyPr rtlCol="0" anchor="ctr"/>
+            <a:lstStyle/>
+            <a:p>
+              <a:pPr algn="ctr"/>
+              <a:endParaRPr lang="de-DE"/>
+            </a:p>
+          </p:txBody>
+        </p:sp>
+        <p:cxnSp>
+          <p:nvCxnSpPr>
+            <p:cNvPr id="18" name="Gerade Verbindung 17">
+              <a:extLst>
+                <a:ext uri="{FF2B5EF4-FFF2-40B4-BE49-F238E27FC236}">
+                  <a16:creationId xmlns:a16="http://schemas.microsoft.com/office/drawing/2014/main" id="{01A8DB1A-B477-CE70-74C6-B0DDF2AD7AF9}"/>
+                </a:ext>
+              </a:extLst>
+            </p:cNvPr>
+            <p:cNvCxnSpPr>
+              <a:cxnSpLocks/>
+              <a:stCxn id="10" idx="3"/>
+            </p:cNvCxnSpPr>
+            <p:nvPr/>
+          </p:nvCxnSpPr>
+          <p:spPr>
+            <a:xfrm>
+              <a:off x="6600387" y="2470762"/>
+              <a:ext cx="692459" cy="0"/>
+            </a:xfrm>
+            <a:prstGeom prst="line">
+              <a:avLst/>
+            </a:prstGeom>
+            <a:ln>
+              <a:solidFill>
+                <a:schemeClr val="tx1"/>
+              </a:solidFill>
+            </a:ln>
+          </p:spPr>
+          <p:style>
+            <a:lnRef idx="2">
+              <a:schemeClr val="accent1"/>
+            </a:lnRef>
+            <a:fillRef idx="0">
+              <a:schemeClr val="accent1"/>
+            </a:fillRef>
+            <a:effectRef idx="1">
+              <a:schemeClr val="accent1"/>
+            </a:effectRef>
+            <a:fontRef idx="minor">
+              <a:schemeClr val="tx1"/>
+            </a:fontRef>
+          </p:style>
+        </p:cxnSp>
+        <p:cxnSp>
+          <p:nvCxnSpPr>
+            <p:cNvPr id="27" name="Gerade Verbindung mit Pfeil 26">
+              <a:extLst>
+                <a:ext uri="{FF2B5EF4-FFF2-40B4-BE49-F238E27FC236}">
+                  <a16:creationId xmlns:a16="http://schemas.microsoft.com/office/drawing/2014/main" id="{B6451F44-2FDF-CAD1-32E0-67D1B57730BC}"/>
+                </a:ext>
+              </a:extLst>
+            </p:cNvPr>
+            <p:cNvCxnSpPr>
+              <a:cxnSpLocks/>
+            </p:cNvCxnSpPr>
+            <p:nvPr/>
+          </p:nvCxnSpPr>
+          <p:spPr>
+            <a:xfrm>
+              <a:off x="7341635" y="2467650"/>
+              <a:ext cx="828436" cy="1557"/>
+            </a:xfrm>
+            <a:prstGeom prst="straightConnector1">
+              <a:avLst/>
+            </a:prstGeom>
+            <a:ln>
+              <a:solidFill>
+                <a:schemeClr val="tx1"/>
+              </a:solidFill>
+              <a:tailEnd type="triangle"/>
+            </a:ln>
+          </p:spPr>
+          <p:style>
+            <a:lnRef idx="2">
+              <a:schemeClr val="accent1"/>
+            </a:lnRef>
+            <a:fillRef idx="0">
+              <a:schemeClr val="accent1"/>
+            </a:fillRef>
+            <a:effectRef idx="1">
+              <a:schemeClr val="accent1"/>
+            </a:effectRef>
+            <a:fontRef idx="minor">
+              <a:schemeClr val="tx1"/>
+            </a:fontRef>
+          </p:style>
+        </p:cxnSp>
+        <mc:AlternateContent xmlns:mc="http://schemas.openxmlformats.org/markup-compatibility/2006">
+          <mc:Choice xmlns:a14="http://schemas.microsoft.com/office/drawing/2010/main" Requires="a14">
+            <p:sp>
+              <p:nvSpPr>
+                <p:cNvPr id="28" name="Textfeld 27">
+                  <a:extLst>
+                    <a:ext uri="{FF2B5EF4-FFF2-40B4-BE49-F238E27FC236}">
+                      <a16:creationId xmlns:a16="http://schemas.microsoft.com/office/drawing/2014/main" id="{85B40954-1094-826E-42BE-CAF86DC12B25}"/>
+                    </a:ext>
+                  </a:extLst>
+                </p:cNvPr>
+                <p:cNvSpPr txBox="1"/>
+                <p:nvPr/>
+              </p:nvSpPr>
+              <p:spPr>
+                <a:xfrm>
+                  <a:off x="7789531" y="2126294"/>
+                  <a:ext cx="496098" cy="276999"/>
+                </a:xfrm>
+                <a:prstGeom prst="rect">
+                  <a:avLst/>
+                </a:prstGeom>
+                <a:noFill/>
+              </p:spPr>
+              <p:txBody>
+                <a:bodyPr wrap="none" lIns="0" tIns="0" rIns="0" bIns="0" rtlCol="0">
+                  <a:spAutoFit/>
+                </a:bodyPr>
+                <a:lstStyle/>
+                <a:p>
+                  <a14:m>
+                    <m:oMathPara xmlns:m="http://schemas.openxmlformats.org/officeDocument/2006/math">
+                      <m:oMathParaPr>
+                        <m:jc m:val="centerGroup"/>
+                      </m:oMathParaPr>
+                      <m:oMath xmlns:m="http://schemas.openxmlformats.org/officeDocument/2006/math">
+                        <m:r>
+                          <a:rPr lang="de-DE" b="0" i="1" smtClean="0">
+                            <a:latin typeface="Cambria Math" panose="02040503050406030204" pitchFamily="18" charset="0"/>
+                          </a:rPr>
+                          <m:t>𝑌</m:t>
+                        </m:r>
+                        <m:r>
+                          <a:rPr lang="de-DE" b="0" i="1" smtClean="0">
+                            <a:latin typeface="Cambria Math" panose="02040503050406030204" pitchFamily="18" charset="0"/>
+                          </a:rPr>
+                          <m:t>(</m:t>
+                        </m:r>
+                        <m:r>
+                          <a:rPr lang="de-DE" b="0" i="1" smtClean="0">
+                            <a:latin typeface="Cambria Math" panose="02040503050406030204" pitchFamily="18" charset="0"/>
+                          </a:rPr>
+                          <m:t>𝑠</m:t>
+                        </m:r>
+                        <m:r>
+                          <a:rPr lang="de-DE" b="0" i="1" smtClean="0">
+                            <a:latin typeface="Cambria Math" panose="02040503050406030204" pitchFamily="18" charset="0"/>
+                          </a:rPr>
+                          <m:t>)</m:t>
+                        </m:r>
+                      </m:oMath>
+                    </m:oMathPara>
+                  </a14:m>
+                  <a:endParaRPr lang="de-DE" dirty="0"/>
+                </a:p>
+              </p:txBody>
+            </p:sp>
+          </mc:Choice>
+          <mc:Fallback>
+            <p:sp>
+              <p:nvSpPr>
+                <p:cNvPr id="28" name="Textfeld 27">
+                  <a:extLst>
+                    <a:ext uri="{FF2B5EF4-FFF2-40B4-BE49-F238E27FC236}">
+                      <a16:creationId xmlns:a16="http://schemas.microsoft.com/office/drawing/2014/main" id="{85B40954-1094-826E-42BE-CAF86DC12B25}"/>
+                    </a:ext>
+                  </a:extLst>
+                </p:cNvPr>
+                <p:cNvSpPr txBox="1">
+                  <a:spLocks noRot="1" noChangeAspect="1" noMove="1" noResize="1" noEditPoints="1" noAdjustHandles="1" noChangeArrowheads="1" noChangeShapeType="1" noTextEdit="1"/>
+                </p:cNvSpPr>
+                <p:nvPr/>
+              </p:nvSpPr>
+              <p:spPr>
+                <a:xfrm>
+                  <a:off x="7789531" y="2126294"/>
+                  <a:ext cx="496098" cy="276999"/>
+                </a:xfrm>
+                <a:prstGeom prst="rect">
+                  <a:avLst/>
+                </a:prstGeom>
+                <a:blipFill>
+                  <a:blip r:embed="rId3"/>
+                  <a:stretch>
+                    <a:fillRect l="-12821" t="-4348" r="-17949" b="-34783"/>
+                  </a:stretch>
+                </a:blipFill>
+              </p:spPr>
+              <p:txBody>
+                <a:bodyPr/>
+                <a:lstStyle/>
+                <a:p>
+                  <a:r>
+                    <a:rPr lang="de-DE">
+                      <a:noFill/>
+                    </a:rPr>
+                    <a:t> </a:t>
+                  </a:r>
+                </a:p>
+              </p:txBody>
+            </p:sp>
+          </mc:Fallback>
+        </mc:AlternateContent>
+        <p:cxnSp>
+          <p:nvCxnSpPr>
+            <p:cNvPr id="32" name="Gerade Verbindung 31">
+              <a:extLst>
+                <a:ext uri="{FF2B5EF4-FFF2-40B4-BE49-F238E27FC236}">
+                  <a16:creationId xmlns:a16="http://schemas.microsoft.com/office/drawing/2014/main" id="{DE28B529-D364-88B5-AE83-2ADEBCBDF542}"/>
+                </a:ext>
+              </a:extLst>
+            </p:cNvPr>
+            <p:cNvCxnSpPr>
+              <a:cxnSpLocks/>
+              <a:stCxn id="16" idx="0"/>
+            </p:cNvCxnSpPr>
+            <p:nvPr/>
+          </p:nvCxnSpPr>
+          <p:spPr>
+            <a:xfrm>
+              <a:off x="7341635" y="2512036"/>
+              <a:ext cx="0" cy="916964"/>
+            </a:xfrm>
+            <a:prstGeom prst="line">
+              <a:avLst/>
+            </a:prstGeom>
+            <a:ln>
+              <a:solidFill>
+                <a:schemeClr val="tx1"/>
+              </a:solidFill>
+            </a:ln>
+          </p:spPr>
+          <p:style>
+            <a:lnRef idx="2">
+              <a:schemeClr val="accent1"/>
+            </a:lnRef>
+            <a:fillRef idx="0">
+              <a:schemeClr val="accent1"/>
+            </a:fillRef>
+            <a:effectRef idx="1">
+              <a:schemeClr val="accent1"/>
+            </a:effectRef>
+            <a:fontRef idx="minor">
+              <a:schemeClr val="tx1"/>
+            </a:fontRef>
+          </p:style>
+        </p:cxnSp>
+        <p:sp>
+          <p:nvSpPr>
+            <p:cNvPr id="49" name="Ring 48">
+              <a:extLst>
+                <a:ext uri="{FF2B5EF4-FFF2-40B4-BE49-F238E27FC236}">
+                  <a16:creationId xmlns:a16="http://schemas.microsoft.com/office/drawing/2014/main" id="{86C1BC5B-5999-7107-6000-E9B34E1B4A37}"/>
+                </a:ext>
+              </a:extLst>
+            </p:cNvPr>
+            <p:cNvSpPr>
+              <a:spLocks noChangeAspect="1"/>
+            </p:cNvSpPr>
+            <p:nvPr/>
+          </p:nvSpPr>
+          <p:spPr>
+            <a:xfrm>
+              <a:off x="4897391" y="2423264"/>
+              <a:ext cx="90000" cy="90000"/>
+            </a:xfrm>
+            <a:prstGeom prst="donut">
+              <a:avLst>
+                <a:gd name="adj" fmla="val 0"/>
+              </a:avLst>
+            </a:prstGeom>
+            <a:noFill/>
+            <a:ln>
+              <a:solidFill>
+                <a:schemeClr val="tx1"/>
+              </a:solidFill>
+            </a:ln>
+          </p:spPr>
+          <p:style>
+            <a:lnRef idx="2">
+              <a:schemeClr val="accent1">
+                <a:shade val="15000"/>
+              </a:schemeClr>
+            </a:lnRef>
+            <a:fillRef idx="1">
+              <a:schemeClr val="accent1"/>
+            </a:fillRef>
+            <a:effectRef idx="0">
+              <a:schemeClr val="accent1"/>
+            </a:effectRef>
+            <a:fontRef idx="minor">
+              <a:schemeClr val="lt1"/>
+            </a:fontRef>
+          </p:style>
+          <p:txBody>
+            <a:bodyPr rtlCol="0" anchor="ctr"/>
+            <a:lstStyle/>
+            <a:p>
+              <a:pPr algn="ctr"/>
+              <a:endParaRPr lang="de-DE">
+                <a:solidFill>
+                  <a:schemeClr val="tx1"/>
+                </a:solidFill>
+              </a:endParaRPr>
+            </a:p>
+          </p:txBody>
+        </p:sp>
+        <p:cxnSp>
+          <p:nvCxnSpPr>
+            <p:cNvPr id="53" name="Gerade Verbindung 52">
+              <a:extLst>
+                <a:ext uri="{FF2B5EF4-FFF2-40B4-BE49-F238E27FC236}">
+                  <a16:creationId xmlns:a16="http://schemas.microsoft.com/office/drawing/2014/main" id="{E62F31E2-E6C0-953B-27A4-866D3CB230AE}"/>
+                </a:ext>
+              </a:extLst>
+            </p:cNvPr>
+            <p:cNvCxnSpPr/>
+            <p:nvPr/>
+          </p:nvCxnSpPr>
+          <p:spPr>
+            <a:xfrm flipH="1">
+              <a:off x="4942391" y="3429000"/>
+              <a:ext cx="2399244" cy="0"/>
+            </a:xfrm>
+            <a:prstGeom prst="line">
+              <a:avLst/>
+            </a:prstGeom>
+            <a:ln>
+              <a:solidFill>
+                <a:schemeClr val="tx1"/>
+              </a:solidFill>
+            </a:ln>
+          </p:spPr>
+          <p:style>
+            <a:lnRef idx="2">
+              <a:schemeClr val="accent1"/>
+            </a:lnRef>
+            <a:fillRef idx="0">
+              <a:schemeClr val="accent1"/>
+            </a:fillRef>
+            <a:effectRef idx="1">
+              <a:schemeClr val="accent1"/>
+            </a:effectRef>
+            <a:fontRef idx="minor">
+              <a:schemeClr val="tx1"/>
+            </a:fontRef>
+          </p:style>
+        </p:cxnSp>
+        <p:cxnSp>
+          <p:nvCxnSpPr>
+            <p:cNvPr id="55" name="Gerade Verbindung mit Pfeil 54">
+              <a:extLst>
+                <a:ext uri="{FF2B5EF4-FFF2-40B4-BE49-F238E27FC236}">
+                  <a16:creationId xmlns:a16="http://schemas.microsoft.com/office/drawing/2014/main" id="{809360AC-7423-81D3-2207-4F8D3EBD52E7}"/>
+                </a:ext>
+              </a:extLst>
+            </p:cNvPr>
+            <p:cNvCxnSpPr>
+              <a:endCxn id="49" idx="4"/>
+            </p:cNvCxnSpPr>
+            <p:nvPr/>
+          </p:nvCxnSpPr>
+          <p:spPr>
+            <a:xfrm flipV="1">
+              <a:off x="4942391" y="2513264"/>
+              <a:ext cx="0" cy="915736"/>
+            </a:xfrm>
+            <a:prstGeom prst="straightConnector1">
+              <a:avLst/>
+            </a:prstGeom>
+            <a:ln>
+              <a:solidFill>
+                <a:schemeClr val="tx1"/>
+              </a:solidFill>
+              <a:tailEnd type="triangle"/>
+            </a:ln>
+          </p:spPr>
+          <p:style>
+            <a:lnRef idx="2">
+              <a:schemeClr val="accent1"/>
+            </a:lnRef>
+            <a:fillRef idx="0">
+              <a:schemeClr val="accent1"/>
+            </a:fillRef>
+            <a:effectRef idx="1">
+              <a:schemeClr val="accent1"/>
+            </a:effectRef>
+            <a:fontRef idx="minor">
+              <a:schemeClr val="tx1"/>
+            </a:fontRef>
+          </p:style>
+        </p:cxnSp>
+        <p:cxnSp>
+          <p:nvCxnSpPr>
+            <p:cNvPr id="57" name="Gerade Verbindung mit Pfeil 56">
+              <a:extLst>
+                <a:ext uri="{FF2B5EF4-FFF2-40B4-BE49-F238E27FC236}">
+                  <a16:creationId xmlns:a16="http://schemas.microsoft.com/office/drawing/2014/main" id="{4D5FE632-0643-1613-F755-8F38A20CA551}"/>
+                </a:ext>
+              </a:extLst>
+            </p:cNvPr>
+            <p:cNvCxnSpPr>
+              <a:stCxn id="49" idx="6"/>
+              <a:endCxn id="10" idx="1"/>
+            </p:cNvCxnSpPr>
+            <p:nvPr/>
+          </p:nvCxnSpPr>
+          <p:spPr>
+            <a:xfrm>
+              <a:off x="4987391" y="2468264"/>
+              <a:ext cx="698596" cy="2498"/>
+            </a:xfrm>
+            <a:prstGeom prst="straightConnector1">
+              <a:avLst/>
+            </a:prstGeom>
+            <a:ln>
+              <a:solidFill>
+                <a:schemeClr val="tx1"/>
+              </a:solidFill>
+              <a:tailEnd type="triangle"/>
+            </a:ln>
+          </p:spPr>
+          <p:style>
+            <a:lnRef idx="2">
+              <a:schemeClr val="accent1"/>
+            </a:lnRef>
+            <a:fillRef idx="0">
+              <a:schemeClr val="accent1"/>
+            </a:fillRef>
+            <a:effectRef idx="1">
+              <a:schemeClr val="accent1"/>
+            </a:effectRef>
+            <a:fontRef idx="minor">
+              <a:schemeClr val="tx1"/>
+            </a:fontRef>
+          </p:style>
+        </p:cxnSp>
+        <p:cxnSp>
+          <p:nvCxnSpPr>
+            <p:cNvPr id="58" name="Gerade Verbindung mit Pfeil 57">
+              <a:extLst>
+                <a:ext uri="{FF2B5EF4-FFF2-40B4-BE49-F238E27FC236}">
+                  <a16:creationId xmlns:a16="http://schemas.microsoft.com/office/drawing/2014/main" id="{3CA67442-B2C3-0F23-735F-81D48B7AA3B7}"/>
+                </a:ext>
+              </a:extLst>
+            </p:cNvPr>
+            <p:cNvCxnSpPr>
+              <a:cxnSpLocks/>
+              <a:endCxn id="49" idx="2"/>
+            </p:cNvCxnSpPr>
+            <p:nvPr/>
+          </p:nvCxnSpPr>
+          <p:spPr>
+            <a:xfrm>
+              <a:off x="4058403" y="2466093"/>
+              <a:ext cx="838988" cy="2171"/>
+            </a:xfrm>
+            <a:prstGeom prst="straightConnector1">
+              <a:avLst/>
+            </a:prstGeom>
+            <a:ln>
+              <a:solidFill>
+                <a:schemeClr val="tx1"/>
+              </a:solidFill>
+              <a:tailEnd type="triangle"/>
+            </a:ln>
+          </p:spPr>
+          <p:style>
+            <a:lnRef idx="2">
+              <a:schemeClr val="accent1"/>
+            </a:lnRef>
+            <a:fillRef idx="0">
+              <a:schemeClr val="accent1"/>
+            </a:fillRef>
+            <a:effectRef idx="1">
+              <a:schemeClr val="accent1"/>
+            </a:effectRef>
+            <a:fontRef idx="minor">
+              <a:schemeClr val="tx1"/>
+            </a:fontRef>
+          </p:style>
+        </p:cxnSp>
+        <mc:AlternateContent xmlns:mc="http://schemas.openxmlformats.org/markup-compatibility/2006">
+          <mc:Choice xmlns:a14="http://schemas.microsoft.com/office/drawing/2010/main" Requires="a14">
+            <p:sp>
+              <p:nvSpPr>
+                <p:cNvPr id="60" name="Textfeld 59">
+                  <a:extLst>
+                    <a:ext uri="{FF2B5EF4-FFF2-40B4-BE49-F238E27FC236}">
+                      <a16:creationId xmlns:a16="http://schemas.microsoft.com/office/drawing/2014/main" id="{262C97CE-410D-9075-7A61-A67DE4AA4508}"/>
+                    </a:ext>
+                  </a:extLst>
+                </p:cNvPr>
+                <p:cNvSpPr txBox="1"/>
+                <p:nvPr/>
+              </p:nvSpPr>
+              <p:spPr>
+                <a:xfrm>
+                  <a:off x="3906371" y="2121625"/>
+                  <a:ext cx="505203" cy="276999"/>
+                </a:xfrm>
+                <a:prstGeom prst="rect">
+                  <a:avLst/>
+                </a:prstGeom>
+                <a:noFill/>
+              </p:spPr>
+              <p:txBody>
+                <a:bodyPr wrap="none" lIns="0" tIns="0" rIns="0" bIns="0" rtlCol="0">
+                  <a:spAutoFit/>
+                </a:bodyPr>
+                <a:lstStyle/>
+                <a:p>
+                  <a14:m>
+                    <m:oMathPara xmlns:m="http://schemas.openxmlformats.org/officeDocument/2006/math">
+                      <m:oMathParaPr>
+                        <m:jc m:val="centerGroup"/>
+                      </m:oMathParaPr>
+                      <m:oMath xmlns:m="http://schemas.openxmlformats.org/officeDocument/2006/math">
+                        <m:r>
+                          <a:rPr lang="de-DE" b="0" i="1" smtClean="0">
+                            <a:latin typeface="Cambria Math" panose="02040503050406030204" pitchFamily="18" charset="0"/>
+                          </a:rPr>
+                          <m:t>𝑅</m:t>
+                        </m:r>
+                        <m:r>
+                          <a:rPr lang="de-DE" b="0" i="1" smtClean="0">
+                            <a:latin typeface="Cambria Math" panose="02040503050406030204" pitchFamily="18" charset="0"/>
+                          </a:rPr>
+                          <m:t>(</m:t>
+                        </m:r>
+                        <m:r>
+                          <a:rPr lang="de-DE" b="0" i="1" smtClean="0">
+                            <a:latin typeface="Cambria Math" panose="02040503050406030204" pitchFamily="18" charset="0"/>
+                          </a:rPr>
+                          <m:t>𝑠</m:t>
+                        </m:r>
+                        <m:r>
+                          <a:rPr lang="de-DE" b="0" i="1" smtClean="0">
+                            <a:latin typeface="Cambria Math" panose="02040503050406030204" pitchFamily="18" charset="0"/>
+                          </a:rPr>
+                          <m:t>)</m:t>
+                        </m:r>
+                      </m:oMath>
+                    </m:oMathPara>
+                  </a14:m>
+                  <a:endParaRPr lang="de-DE" dirty="0"/>
+                </a:p>
+              </p:txBody>
+            </p:sp>
+          </mc:Choice>
+          <mc:Fallback>
+            <p:sp>
+              <p:nvSpPr>
+                <p:cNvPr id="60" name="Textfeld 59">
+                  <a:extLst>
+                    <a:ext uri="{FF2B5EF4-FFF2-40B4-BE49-F238E27FC236}">
+                      <a16:creationId xmlns:a16="http://schemas.microsoft.com/office/drawing/2014/main" id="{262C97CE-410D-9075-7A61-A67DE4AA4508}"/>
+                    </a:ext>
+                  </a:extLst>
+                </p:cNvPr>
+                <p:cNvSpPr txBox="1">
+                  <a:spLocks noRot="1" noChangeAspect="1" noMove="1" noResize="1" noEditPoints="1" noAdjustHandles="1" noChangeArrowheads="1" noChangeShapeType="1" noTextEdit="1"/>
+                </p:cNvSpPr>
+                <p:nvPr/>
+              </p:nvSpPr>
+              <p:spPr>
+                <a:xfrm>
+                  <a:off x="3906371" y="2121625"/>
+                  <a:ext cx="505203" cy="276999"/>
+                </a:xfrm>
+                <a:prstGeom prst="rect">
+                  <a:avLst/>
+                </a:prstGeom>
+                <a:blipFill>
+                  <a:blip r:embed="rId4"/>
+                  <a:stretch>
+                    <a:fillRect l="-12500" r="-17500" b="-34783"/>
+                  </a:stretch>
+                </a:blipFill>
+              </p:spPr>
+              <p:txBody>
+                <a:bodyPr/>
+                <a:lstStyle/>
+                <a:p>
+                  <a:r>
+                    <a:rPr lang="de-DE">
+                      <a:noFill/>
+                    </a:rPr>
+                    <a:t> </a:t>
+                  </a:r>
+                </a:p>
+              </p:txBody>
+            </p:sp>
+          </mc:Fallback>
+        </mc:AlternateContent>
+        <mc:AlternateContent xmlns:mc="http://schemas.openxmlformats.org/markup-compatibility/2006">
+          <mc:Choice xmlns:a14="http://schemas.microsoft.com/office/drawing/2010/main" Requires="a14">
+            <p:sp>
+              <p:nvSpPr>
+                <p:cNvPr id="61" name="Textfeld 60">
+                  <a:extLst>
+                    <a:ext uri="{FF2B5EF4-FFF2-40B4-BE49-F238E27FC236}">
+                      <a16:creationId xmlns:a16="http://schemas.microsoft.com/office/drawing/2014/main" id="{281B3B5D-F2B8-4197-E8C0-E2465C867F79}"/>
+                    </a:ext>
+                  </a:extLst>
+                </p:cNvPr>
+                <p:cNvSpPr txBox="1"/>
+                <p:nvPr/>
+              </p:nvSpPr>
+              <p:spPr>
+                <a:xfrm>
+                  <a:off x="4983598" y="2576884"/>
+                  <a:ext cx="219612" cy="276999"/>
+                </a:xfrm>
+                <a:prstGeom prst="rect">
+                  <a:avLst/>
+                </a:prstGeom>
+                <a:noFill/>
+              </p:spPr>
+              <p:txBody>
+                <a:bodyPr wrap="none" lIns="0" tIns="0" rIns="0" bIns="0" rtlCol="0">
+                  <a:spAutoFit/>
+                </a:bodyPr>
+                <a:lstStyle/>
+                <a:p>
+                  <a14:m>
+                    <m:oMathPara xmlns:m="http://schemas.openxmlformats.org/officeDocument/2006/math">
+                      <m:oMathParaPr>
+                        <m:jc m:val="centerGroup"/>
+                      </m:oMathParaPr>
+                      <m:oMath xmlns:m="http://schemas.openxmlformats.org/officeDocument/2006/math">
+                        <m:r>
+                          <a:rPr lang="de-DE" b="0" i="1" smtClean="0">
+                            <a:latin typeface="Cambria Math" panose="02040503050406030204" pitchFamily="18" charset="0"/>
+                          </a:rPr>
+                          <m:t>−</m:t>
+                        </m:r>
+                      </m:oMath>
+                    </m:oMathPara>
+                  </a14:m>
+                  <a:endParaRPr lang="de-DE" dirty="0"/>
+                </a:p>
+              </p:txBody>
+            </p:sp>
+          </mc:Choice>
+          <mc:Fallback>
+            <p:sp>
+              <p:nvSpPr>
+                <p:cNvPr id="61" name="Textfeld 60">
+                  <a:extLst>
+                    <a:ext uri="{FF2B5EF4-FFF2-40B4-BE49-F238E27FC236}">
+                      <a16:creationId xmlns:a16="http://schemas.microsoft.com/office/drawing/2014/main" id="{281B3B5D-F2B8-4197-E8C0-E2465C867F79}"/>
+                    </a:ext>
+                  </a:extLst>
+                </p:cNvPr>
+                <p:cNvSpPr txBox="1">
+                  <a:spLocks noRot="1" noChangeAspect="1" noMove="1" noResize="1" noEditPoints="1" noAdjustHandles="1" noChangeArrowheads="1" noChangeShapeType="1" noTextEdit="1"/>
+                </p:cNvSpPr>
+                <p:nvPr/>
+              </p:nvSpPr>
+              <p:spPr>
+                <a:xfrm>
+                  <a:off x="4983598" y="2576884"/>
+                  <a:ext cx="219612" cy="276999"/>
+                </a:xfrm>
+                <a:prstGeom prst="rect">
+                  <a:avLst/>
+                </a:prstGeom>
+                <a:blipFill>
+                  <a:blip r:embed="rId5"/>
+                  <a:stretch>
+                    <a:fillRect l="-5556" r="-11111"/>
+                  </a:stretch>
+                </a:blipFill>
+              </p:spPr>
+              <p:txBody>
+                <a:bodyPr/>
+                <a:lstStyle/>
+                <a:p>
+                  <a:r>
+                    <a:rPr lang="de-DE">
+                      <a:noFill/>
+                    </a:rPr>
+                    <a:t> </a:t>
+                  </a:r>
+                </a:p>
+              </p:txBody>
+            </p:sp>
+          </mc:Fallback>
+        </mc:AlternateContent>
+      </p:grpSp>
+      <p:grpSp>
+        <p:nvGrpSpPr>
+          <p:cNvPr id="89" name="Gruppieren 88">
+            <a:extLst>
+              <a:ext uri="{FF2B5EF4-FFF2-40B4-BE49-F238E27FC236}">
+                <a16:creationId xmlns:a16="http://schemas.microsoft.com/office/drawing/2014/main" id="{E0B57D70-F2AF-3F2F-EB01-F5A113DB39FC}"/>
+              </a:ext>
+            </a:extLst>
+          </p:cNvPr>
+          <p:cNvGrpSpPr/>
+          <p:nvPr/>
+        </p:nvGrpSpPr>
+        <p:grpSpPr>
+          <a:xfrm>
+            <a:off x="838200" y="4582652"/>
+            <a:ext cx="5985903" cy="1307375"/>
+            <a:chOff x="838200" y="4582652"/>
+            <a:chExt cx="5985903" cy="1307375"/>
+          </a:xfrm>
+        </p:grpSpPr>
+        <mc:AlternateContent xmlns:mc="http://schemas.openxmlformats.org/markup-compatibility/2006">
+          <mc:Choice xmlns:a14="http://schemas.microsoft.com/office/drawing/2010/main" Requires="a14">
+            <p:sp>
+              <p:nvSpPr>
+                <p:cNvPr id="64" name="Prozess 63">
+                  <a:extLst>
+                    <a:ext uri="{FF2B5EF4-FFF2-40B4-BE49-F238E27FC236}">
+                      <a16:creationId xmlns:a16="http://schemas.microsoft.com/office/drawing/2014/main" id="{7A56EEB9-8DB0-8AFE-ED17-383632F88912}"/>
+                    </a:ext>
+                  </a:extLst>
+                </p:cNvPr>
+                <p:cNvSpPr/>
+                <p:nvPr/>
+              </p:nvSpPr>
+              <p:spPr>
+                <a:xfrm>
+                  <a:off x="2617816" y="4625465"/>
+                  <a:ext cx="914400" cy="612648"/>
+                </a:xfrm>
+                <a:prstGeom prst="flowChartProcess">
+                  <a:avLst/>
+                </a:prstGeom>
+                <a:noFill/>
+                <a:ln>
+                  <a:solidFill>
+                    <a:schemeClr val="tx1"/>
+                  </a:solidFill>
+                </a:ln>
+              </p:spPr>
+              <p:style>
+                <a:lnRef idx="2">
+                  <a:schemeClr val="accent1">
+                    <a:shade val="15000"/>
+                  </a:schemeClr>
+                </a:lnRef>
+                <a:fillRef idx="1">
+                  <a:schemeClr val="accent1"/>
+                </a:fillRef>
+                <a:effectRef idx="0">
+                  <a:schemeClr val="accent1"/>
+                </a:effectRef>
+                <a:fontRef idx="minor">
+                  <a:schemeClr val="lt1"/>
+                </a:fontRef>
+              </p:style>
+              <p:txBody>
+                <a:bodyPr rtlCol="0" anchor="ctr"/>
+                <a:lstStyle/>
+                <a:p>
+                  <a:pPr algn="ctr"/>
+                  <a14:m>
+                    <m:oMathPara xmlns:m="http://schemas.openxmlformats.org/officeDocument/2006/math">
+                      <m:oMathParaPr>
+                        <m:jc m:val="centerGroup"/>
+                      </m:oMathParaPr>
+                      <m:oMath xmlns:m="http://schemas.openxmlformats.org/officeDocument/2006/math">
+                        <m:r>
+                          <a:rPr lang="de-DE" b="0" i="1" smtClean="0">
+                            <a:solidFill>
+                              <a:schemeClr val="tx1"/>
+                            </a:solidFill>
+                            <a:latin typeface="Cambria Math" panose="02040503050406030204" pitchFamily="18" charset="0"/>
+                          </a:rPr>
+                          <m:t>𝐶</m:t>
+                        </m:r>
+                        <m:r>
+                          <a:rPr lang="de-DE" b="0" i="1" smtClean="0">
+                            <a:solidFill>
+                              <a:schemeClr val="tx1"/>
+                            </a:solidFill>
+                            <a:latin typeface="Cambria Math" panose="02040503050406030204" pitchFamily="18" charset="0"/>
+                          </a:rPr>
+                          <m:t>(</m:t>
+                        </m:r>
+                        <m:r>
+                          <a:rPr lang="de-DE" b="0" i="1" smtClean="0">
+                            <a:solidFill>
+                              <a:schemeClr val="tx1"/>
+                            </a:solidFill>
+                            <a:latin typeface="Cambria Math" panose="02040503050406030204" pitchFamily="18" charset="0"/>
+                          </a:rPr>
+                          <m:t>𝑠</m:t>
+                        </m:r>
+                        <m:r>
+                          <a:rPr lang="de-DE" b="0" i="1" smtClean="0">
+                            <a:solidFill>
+                              <a:schemeClr val="tx1"/>
+                            </a:solidFill>
+                            <a:latin typeface="Cambria Math" panose="02040503050406030204" pitchFamily="18" charset="0"/>
+                          </a:rPr>
+                          <m:t>)</m:t>
+                        </m:r>
+                      </m:oMath>
+                    </m:oMathPara>
+                  </a14:m>
+                  <a:endParaRPr lang="de-DE" dirty="0">
+                    <a:solidFill>
+                      <a:schemeClr val="tx1"/>
+                    </a:solidFill>
+                  </a:endParaRPr>
+                </a:p>
+              </p:txBody>
+            </p:sp>
+          </mc:Choice>
+          <mc:Fallback>
+            <p:sp>
+              <p:nvSpPr>
+                <p:cNvPr id="64" name="Prozess 63">
+                  <a:extLst>
+                    <a:ext uri="{FF2B5EF4-FFF2-40B4-BE49-F238E27FC236}">
+                      <a16:creationId xmlns:a16="http://schemas.microsoft.com/office/drawing/2014/main" id="{7A56EEB9-8DB0-8AFE-ED17-383632F88912}"/>
+                    </a:ext>
+                  </a:extLst>
+                </p:cNvPr>
+                <p:cNvSpPr>
+                  <a:spLocks noRot="1" noChangeAspect="1" noMove="1" noResize="1" noEditPoints="1" noAdjustHandles="1" noChangeArrowheads="1" noChangeShapeType="1" noTextEdit="1"/>
+                </p:cNvSpPr>
+                <p:nvPr/>
+              </p:nvSpPr>
+              <p:spPr>
+                <a:xfrm>
+                  <a:off x="2617816" y="4625465"/>
+                  <a:ext cx="914400" cy="612648"/>
+                </a:xfrm>
+                <a:prstGeom prst="flowChartProcess">
+                  <a:avLst/>
+                </a:prstGeom>
+                <a:blipFill>
+                  <a:blip r:embed="rId6"/>
+                  <a:stretch>
+                    <a:fillRect/>
+                  </a:stretch>
+                </a:blipFill>
+                <a:ln>
+                  <a:solidFill>
+                    <a:schemeClr val="tx1"/>
+                  </a:solidFill>
+                </a:ln>
+              </p:spPr>
+              <p:txBody>
+                <a:bodyPr/>
+                <a:lstStyle/>
+                <a:p>
+                  <a:r>
+                    <a:rPr lang="de-DE">
+                      <a:noFill/>
+                    </a:rPr>
+                    <a:t> </a:t>
+                  </a:r>
+                </a:p>
+              </p:txBody>
+            </p:sp>
+          </mc:Fallback>
+        </mc:AlternateContent>
+        <p:sp>
+          <p:nvSpPr>
+            <p:cNvPr id="65" name="Verbindungsstelle 64">
+              <a:extLst>
+                <a:ext uri="{FF2B5EF4-FFF2-40B4-BE49-F238E27FC236}">
+                  <a16:creationId xmlns:a16="http://schemas.microsoft.com/office/drawing/2014/main" id="{BDAE3FB9-9C6B-3155-245D-35209A08CA67}"/>
+                </a:ext>
+              </a:extLst>
+            </p:cNvPr>
+            <p:cNvSpPr>
+              <a:spLocks noChangeAspect="1"/>
+            </p:cNvSpPr>
+            <p:nvPr/>
+          </p:nvSpPr>
+          <p:spPr>
+            <a:xfrm flipV="1">
+              <a:off x="5835723" y="4882734"/>
+              <a:ext cx="88772" cy="88772"/>
+            </a:xfrm>
+            <a:prstGeom prst="flowChartConnector">
+              <a:avLst/>
+            </a:prstGeom>
+            <a:solidFill>
+              <a:schemeClr val="tx1"/>
+            </a:solidFill>
+          </p:spPr>
+          <p:style>
+            <a:lnRef idx="2">
+              <a:schemeClr val="accent1">
+                <a:shade val="15000"/>
+              </a:schemeClr>
+            </a:lnRef>
+            <a:fillRef idx="1">
+              <a:schemeClr val="accent1"/>
+            </a:fillRef>
+            <a:effectRef idx="0">
+              <a:schemeClr val="accent1"/>
+            </a:effectRef>
+            <a:fontRef idx="minor">
+              <a:schemeClr val="lt1"/>
+            </a:fontRef>
+          </p:style>
+          <p:txBody>
+            <a:bodyPr rtlCol="0" anchor="ctr"/>
+            <a:lstStyle/>
+            <a:p>
+              <a:pPr algn="ctr"/>
+              <a:endParaRPr lang="de-DE"/>
+            </a:p>
+          </p:txBody>
+        </p:sp>
+        <p:cxnSp>
+          <p:nvCxnSpPr>
+            <p:cNvPr id="67" name="Gerade Verbindung mit Pfeil 66">
+              <a:extLst>
+                <a:ext uri="{FF2B5EF4-FFF2-40B4-BE49-F238E27FC236}">
+                  <a16:creationId xmlns:a16="http://schemas.microsoft.com/office/drawing/2014/main" id="{97175F72-AAAC-0F6E-276A-4D7FCBF56045}"/>
+                </a:ext>
+              </a:extLst>
+            </p:cNvPr>
+            <p:cNvCxnSpPr>
+              <a:cxnSpLocks/>
+            </p:cNvCxnSpPr>
+            <p:nvPr/>
+          </p:nvCxnSpPr>
+          <p:spPr>
+            <a:xfrm>
+              <a:off x="5880109" y="4927120"/>
+              <a:ext cx="828436" cy="1557"/>
+            </a:xfrm>
+            <a:prstGeom prst="straightConnector1">
+              <a:avLst/>
+            </a:prstGeom>
+            <a:ln>
+              <a:solidFill>
+                <a:schemeClr val="tx1"/>
+              </a:solidFill>
+              <a:tailEnd type="triangle"/>
+            </a:ln>
+          </p:spPr>
+          <p:style>
+            <a:lnRef idx="2">
+              <a:schemeClr val="accent1"/>
+            </a:lnRef>
+            <a:fillRef idx="0">
+              <a:schemeClr val="accent1"/>
+            </a:fillRef>
+            <a:effectRef idx="1">
+              <a:schemeClr val="accent1"/>
+            </a:effectRef>
+            <a:fontRef idx="minor">
+              <a:schemeClr val="tx1"/>
+            </a:fontRef>
+          </p:style>
+        </p:cxnSp>
+        <mc:AlternateContent xmlns:mc="http://schemas.openxmlformats.org/markup-compatibility/2006">
+          <mc:Choice xmlns:a14="http://schemas.microsoft.com/office/drawing/2010/main" Requires="a14">
+            <p:sp>
+              <p:nvSpPr>
+                <p:cNvPr id="68" name="Textfeld 67">
+                  <a:extLst>
+                    <a:ext uri="{FF2B5EF4-FFF2-40B4-BE49-F238E27FC236}">
+                      <a16:creationId xmlns:a16="http://schemas.microsoft.com/office/drawing/2014/main" id="{3194024B-9D8C-A7E3-AB79-F6E6FBA346DE}"/>
+                    </a:ext>
+                  </a:extLst>
+                </p:cNvPr>
+                <p:cNvSpPr txBox="1"/>
+                <p:nvPr/>
+              </p:nvSpPr>
+              <p:spPr>
+                <a:xfrm>
+                  <a:off x="6328005" y="4585764"/>
+                  <a:ext cx="496098" cy="276999"/>
+                </a:xfrm>
+                <a:prstGeom prst="rect">
+                  <a:avLst/>
+                </a:prstGeom>
+                <a:noFill/>
+              </p:spPr>
+              <p:txBody>
+                <a:bodyPr wrap="none" lIns="0" tIns="0" rIns="0" bIns="0" rtlCol="0">
+                  <a:spAutoFit/>
+                </a:bodyPr>
+                <a:lstStyle/>
+                <a:p>
+                  <a14:m>
+                    <m:oMathPara xmlns:m="http://schemas.openxmlformats.org/officeDocument/2006/math">
+                      <m:oMathParaPr>
+                        <m:jc m:val="centerGroup"/>
+                      </m:oMathParaPr>
+                      <m:oMath xmlns:m="http://schemas.openxmlformats.org/officeDocument/2006/math">
+                        <m:r>
+                          <a:rPr lang="de-DE" b="0" i="1" smtClean="0">
+                            <a:latin typeface="Cambria Math" panose="02040503050406030204" pitchFamily="18" charset="0"/>
+                          </a:rPr>
+                          <m:t>𝑌</m:t>
+                        </m:r>
+                        <m:r>
+                          <a:rPr lang="de-DE" b="0" i="1" smtClean="0">
+                            <a:latin typeface="Cambria Math" panose="02040503050406030204" pitchFamily="18" charset="0"/>
+                          </a:rPr>
+                          <m:t>(</m:t>
+                        </m:r>
+                        <m:r>
+                          <a:rPr lang="de-DE" b="0" i="1" smtClean="0">
+                            <a:latin typeface="Cambria Math" panose="02040503050406030204" pitchFamily="18" charset="0"/>
+                          </a:rPr>
+                          <m:t>𝑠</m:t>
+                        </m:r>
+                        <m:r>
+                          <a:rPr lang="de-DE" b="0" i="1" smtClean="0">
+                            <a:latin typeface="Cambria Math" panose="02040503050406030204" pitchFamily="18" charset="0"/>
+                          </a:rPr>
+                          <m:t>)</m:t>
+                        </m:r>
+                      </m:oMath>
+                    </m:oMathPara>
+                  </a14:m>
+                  <a:endParaRPr lang="de-DE" dirty="0"/>
+                </a:p>
+              </p:txBody>
+            </p:sp>
+          </mc:Choice>
+          <mc:Fallback>
+            <p:sp>
+              <p:nvSpPr>
+                <p:cNvPr id="68" name="Textfeld 67">
+                  <a:extLst>
+                    <a:ext uri="{FF2B5EF4-FFF2-40B4-BE49-F238E27FC236}">
+                      <a16:creationId xmlns:a16="http://schemas.microsoft.com/office/drawing/2014/main" id="{3194024B-9D8C-A7E3-AB79-F6E6FBA346DE}"/>
+                    </a:ext>
+                  </a:extLst>
+                </p:cNvPr>
+                <p:cNvSpPr txBox="1">
+                  <a:spLocks noRot="1" noChangeAspect="1" noMove="1" noResize="1" noEditPoints="1" noAdjustHandles="1" noChangeArrowheads="1" noChangeShapeType="1" noTextEdit="1"/>
+                </p:cNvSpPr>
+                <p:nvPr/>
+              </p:nvSpPr>
+              <p:spPr>
+                <a:xfrm>
+                  <a:off x="6328005" y="4585764"/>
+                  <a:ext cx="496098" cy="276999"/>
+                </a:xfrm>
+                <a:prstGeom prst="rect">
+                  <a:avLst/>
+                </a:prstGeom>
+                <a:blipFill>
+                  <a:blip r:embed="rId7"/>
+                  <a:stretch>
+                    <a:fillRect l="-12500" r="-15000" b="-29167"/>
+                  </a:stretch>
+                </a:blipFill>
+              </p:spPr>
+              <p:txBody>
+                <a:bodyPr/>
+                <a:lstStyle/>
+                <a:p>
+                  <a:r>
+                    <a:rPr lang="de-DE">
+                      <a:noFill/>
+                    </a:rPr>
+                    <a:t> </a:t>
+                  </a:r>
+                </a:p>
+              </p:txBody>
+            </p:sp>
+          </mc:Fallback>
+        </mc:AlternateContent>
+        <p:cxnSp>
+          <p:nvCxnSpPr>
+            <p:cNvPr id="69" name="Gerade Verbindung 68">
+              <a:extLst>
+                <a:ext uri="{FF2B5EF4-FFF2-40B4-BE49-F238E27FC236}">
+                  <a16:creationId xmlns:a16="http://schemas.microsoft.com/office/drawing/2014/main" id="{C28E7F70-8EBF-A4F6-3AC0-91835D39CDB2}"/>
+                </a:ext>
+              </a:extLst>
+            </p:cNvPr>
+            <p:cNvCxnSpPr>
+              <a:cxnSpLocks/>
+              <a:stCxn id="65" idx="0"/>
+            </p:cNvCxnSpPr>
+            <p:nvPr/>
+          </p:nvCxnSpPr>
+          <p:spPr>
+            <a:xfrm>
+              <a:off x="5880109" y="4971506"/>
+              <a:ext cx="0" cy="916964"/>
+            </a:xfrm>
+            <a:prstGeom prst="line">
+              <a:avLst/>
+            </a:prstGeom>
+            <a:ln>
+              <a:solidFill>
+                <a:schemeClr val="tx1"/>
+              </a:solidFill>
+            </a:ln>
+          </p:spPr>
+          <p:style>
+            <a:lnRef idx="2">
+              <a:schemeClr val="accent1"/>
+            </a:lnRef>
+            <a:fillRef idx="0">
+              <a:schemeClr val="accent1"/>
+            </a:fillRef>
+            <a:effectRef idx="1">
+              <a:schemeClr val="accent1"/>
+            </a:effectRef>
+            <a:fontRef idx="minor">
+              <a:schemeClr val="tx1"/>
+            </a:fontRef>
+          </p:style>
+        </p:cxnSp>
+        <p:sp>
+          <p:nvSpPr>
+            <p:cNvPr id="70" name="Ring 69">
+              <a:extLst>
+                <a:ext uri="{FF2B5EF4-FFF2-40B4-BE49-F238E27FC236}">
+                  <a16:creationId xmlns:a16="http://schemas.microsoft.com/office/drawing/2014/main" id="{E2C349AB-A258-9D25-5291-B4D4E5B1320A}"/>
+                </a:ext>
+              </a:extLst>
+            </p:cNvPr>
+            <p:cNvSpPr>
+              <a:spLocks noChangeAspect="1"/>
+            </p:cNvSpPr>
+            <p:nvPr/>
+          </p:nvSpPr>
+          <p:spPr>
+            <a:xfrm>
+              <a:off x="1829220" y="4884291"/>
+              <a:ext cx="90000" cy="90000"/>
+            </a:xfrm>
+            <a:prstGeom prst="donut">
+              <a:avLst>
+                <a:gd name="adj" fmla="val 0"/>
+              </a:avLst>
+            </a:prstGeom>
+            <a:noFill/>
+            <a:ln>
+              <a:solidFill>
+                <a:schemeClr val="tx1"/>
+              </a:solidFill>
+            </a:ln>
+          </p:spPr>
+          <p:style>
+            <a:lnRef idx="2">
+              <a:schemeClr val="accent1">
+                <a:shade val="15000"/>
+              </a:schemeClr>
+            </a:lnRef>
+            <a:fillRef idx="1">
+              <a:schemeClr val="accent1"/>
+            </a:fillRef>
+            <a:effectRef idx="0">
+              <a:schemeClr val="accent1"/>
+            </a:effectRef>
+            <a:fontRef idx="minor">
+              <a:schemeClr val="lt1"/>
+            </a:fontRef>
+          </p:style>
+          <p:txBody>
+            <a:bodyPr rtlCol="0" anchor="ctr"/>
+            <a:lstStyle/>
+            <a:p>
+              <a:pPr algn="ctr"/>
+              <a:endParaRPr lang="de-DE">
+                <a:solidFill>
+                  <a:schemeClr val="tx1"/>
+                </a:solidFill>
+              </a:endParaRPr>
+            </a:p>
+          </p:txBody>
+        </p:sp>
+        <p:cxnSp>
+          <p:nvCxnSpPr>
+            <p:cNvPr id="71" name="Gerade Verbindung 70">
+              <a:extLst>
+                <a:ext uri="{FF2B5EF4-FFF2-40B4-BE49-F238E27FC236}">
+                  <a16:creationId xmlns:a16="http://schemas.microsoft.com/office/drawing/2014/main" id="{1A18445C-FE0D-1911-B6BC-40F9C63CEBA0}"/>
+                </a:ext>
+              </a:extLst>
+            </p:cNvPr>
+            <p:cNvCxnSpPr>
+              <a:cxnSpLocks/>
+            </p:cNvCxnSpPr>
+            <p:nvPr/>
+          </p:nvCxnSpPr>
+          <p:spPr>
+            <a:xfrm flipH="1">
+              <a:off x="1874220" y="5888470"/>
+              <a:ext cx="4005889" cy="0"/>
+            </a:xfrm>
+            <a:prstGeom prst="line">
+              <a:avLst/>
+            </a:prstGeom>
+            <a:ln>
+              <a:solidFill>
+                <a:schemeClr val="tx1"/>
+              </a:solidFill>
+            </a:ln>
+          </p:spPr>
+          <p:style>
+            <a:lnRef idx="2">
+              <a:schemeClr val="accent1"/>
+            </a:lnRef>
+            <a:fillRef idx="0">
+              <a:schemeClr val="accent1"/>
+            </a:fillRef>
+            <a:effectRef idx="1">
+              <a:schemeClr val="accent1"/>
+            </a:effectRef>
+            <a:fontRef idx="minor">
+              <a:schemeClr val="tx1"/>
+            </a:fontRef>
+          </p:style>
+        </p:cxnSp>
+        <p:cxnSp>
+          <p:nvCxnSpPr>
+            <p:cNvPr id="72" name="Gerade Verbindung mit Pfeil 71">
+              <a:extLst>
+                <a:ext uri="{FF2B5EF4-FFF2-40B4-BE49-F238E27FC236}">
+                  <a16:creationId xmlns:a16="http://schemas.microsoft.com/office/drawing/2014/main" id="{B80942AE-AB88-1BA2-9153-06510B9FA331}"/>
+                </a:ext>
+              </a:extLst>
+            </p:cNvPr>
+            <p:cNvCxnSpPr>
+              <a:endCxn id="70" idx="4"/>
+            </p:cNvCxnSpPr>
+            <p:nvPr/>
+          </p:nvCxnSpPr>
+          <p:spPr>
+            <a:xfrm flipV="1">
+              <a:off x="1874220" y="4974291"/>
+              <a:ext cx="0" cy="915736"/>
+            </a:xfrm>
+            <a:prstGeom prst="straightConnector1">
+              <a:avLst/>
+            </a:prstGeom>
+            <a:ln>
+              <a:solidFill>
+                <a:schemeClr val="tx1"/>
+              </a:solidFill>
+              <a:tailEnd type="triangle"/>
+            </a:ln>
+          </p:spPr>
+          <p:style>
+            <a:lnRef idx="2">
+              <a:schemeClr val="accent1"/>
+            </a:lnRef>
+            <a:fillRef idx="0">
+              <a:schemeClr val="accent1"/>
+            </a:fillRef>
+            <a:effectRef idx="1">
+              <a:schemeClr val="accent1"/>
+            </a:effectRef>
+            <a:fontRef idx="minor">
+              <a:schemeClr val="tx1"/>
+            </a:fontRef>
+          </p:style>
+        </p:cxnSp>
+        <p:cxnSp>
+          <p:nvCxnSpPr>
+            <p:cNvPr id="73" name="Gerade Verbindung mit Pfeil 72">
+              <a:extLst>
+                <a:ext uri="{FF2B5EF4-FFF2-40B4-BE49-F238E27FC236}">
+                  <a16:creationId xmlns:a16="http://schemas.microsoft.com/office/drawing/2014/main" id="{2CD06856-00F4-4F53-7399-8A98645D041F}"/>
+                </a:ext>
+              </a:extLst>
+            </p:cNvPr>
+            <p:cNvCxnSpPr>
+              <a:stCxn id="70" idx="6"/>
+              <a:endCxn id="64" idx="1"/>
+            </p:cNvCxnSpPr>
+            <p:nvPr/>
+          </p:nvCxnSpPr>
+          <p:spPr>
+            <a:xfrm>
+              <a:off x="1919220" y="4929291"/>
+              <a:ext cx="698596" cy="2498"/>
+            </a:xfrm>
+            <a:prstGeom prst="straightConnector1">
+              <a:avLst/>
+            </a:prstGeom>
+            <a:ln>
+              <a:solidFill>
+                <a:schemeClr val="tx1"/>
+              </a:solidFill>
+              <a:tailEnd type="triangle"/>
+            </a:ln>
+          </p:spPr>
+          <p:style>
+            <a:lnRef idx="2">
+              <a:schemeClr val="accent1"/>
+            </a:lnRef>
+            <a:fillRef idx="0">
+              <a:schemeClr val="accent1"/>
+            </a:fillRef>
+            <a:effectRef idx="1">
+              <a:schemeClr val="accent1"/>
+            </a:effectRef>
+            <a:fontRef idx="minor">
+              <a:schemeClr val="tx1"/>
+            </a:fontRef>
+          </p:style>
+        </p:cxnSp>
+        <p:cxnSp>
+          <p:nvCxnSpPr>
+            <p:cNvPr id="74" name="Gerade Verbindung mit Pfeil 73">
+              <a:extLst>
+                <a:ext uri="{FF2B5EF4-FFF2-40B4-BE49-F238E27FC236}">
+                  <a16:creationId xmlns:a16="http://schemas.microsoft.com/office/drawing/2014/main" id="{D4793845-8003-4479-5483-8B9A3DC1D177}"/>
+                </a:ext>
+              </a:extLst>
+            </p:cNvPr>
+            <p:cNvCxnSpPr>
+              <a:cxnSpLocks/>
+              <a:endCxn id="70" idx="2"/>
+            </p:cNvCxnSpPr>
+            <p:nvPr/>
+          </p:nvCxnSpPr>
+          <p:spPr>
+            <a:xfrm>
+              <a:off x="990232" y="4927120"/>
+              <a:ext cx="838988" cy="2171"/>
+            </a:xfrm>
+            <a:prstGeom prst="straightConnector1">
+              <a:avLst/>
+            </a:prstGeom>
+            <a:ln>
+              <a:solidFill>
+                <a:schemeClr val="tx1"/>
+              </a:solidFill>
+              <a:tailEnd type="triangle"/>
+            </a:ln>
+          </p:spPr>
+          <p:style>
+            <a:lnRef idx="2">
+              <a:schemeClr val="accent1"/>
+            </a:lnRef>
+            <a:fillRef idx="0">
+              <a:schemeClr val="accent1"/>
+            </a:fillRef>
+            <a:effectRef idx="1">
+              <a:schemeClr val="accent1"/>
+            </a:effectRef>
+            <a:fontRef idx="minor">
+              <a:schemeClr val="tx1"/>
+            </a:fontRef>
+          </p:style>
+        </p:cxnSp>
+        <mc:AlternateContent xmlns:mc="http://schemas.openxmlformats.org/markup-compatibility/2006">
+          <mc:Choice xmlns:a14="http://schemas.microsoft.com/office/drawing/2010/main" Requires="a14">
+            <p:sp>
+              <p:nvSpPr>
+                <p:cNvPr id="75" name="Textfeld 74">
+                  <a:extLst>
+                    <a:ext uri="{FF2B5EF4-FFF2-40B4-BE49-F238E27FC236}">
+                      <a16:creationId xmlns:a16="http://schemas.microsoft.com/office/drawing/2014/main" id="{36939397-BB10-5B65-CDDB-A3F7FC7D2986}"/>
+                    </a:ext>
+                  </a:extLst>
+                </p:cNvPr>
+                <p:cNvSpPr txBox="1"/>
+                <p:nvPr/>
+              </p:nvSpPr>
+              <p:spPr>
+                <a:xfrm>
+                  <a:off x="838200" y="4582652"/>
+                  <a:ext cx="505203" cy="276999"/>
+                </a:xfrm>
+                <a:prstGeom prst="rect">
+                  <a:avLst/>
+                </a:prstGeom>
+                <a:noFill/>
+              </p:spPr>
+              <p:txBody>
+                <a:bodyPr wrap="none" lIns="0" tIns="0" rIns="0" bIns="0" rtlCol="0">
+                  <a:spAutoFit/>
+                </a:bodyPr>
+                <a:lstStyle/>
+                <a:p>
+                  <a14:m>
+                    <m:oMathPara xmlns:m="http://schemas.openxmlformats.org/officeDocument/2006/math">
+                      <m:oMathParaPr>
+                        <m:jc m:val="centerGroup"/>
+                      </m:oMathParaPr>
+                      <m:oMath xmlns:m="http://schemas.openxmlformats.org/officeDocument/2006/math">
+                        <m:r>
+                          <a:rPr lang="de-DE" b="0" i="1" smtClean="0">
+                            <a:latin typeface="Cambria Math" panose="02040503050406030204" pitchFamily="18" charset="0"/>
+                          </a:rPr>
+                          <m:t>𝑅</m:t>
+                        </m:r>
+                        <m:r>
+                          <a:rPr lang="de-DE" b="0" i="1" smtClean="0">
+                            <a:latin typeface="Cambria Math" panose="02040503050406030204" pitchFamily="18" charset="0"/>
+                          </a:rPr>
+                          <m:t>(</m:t>
+                        </m:r>
+                        <m:r>
+                          <a:rPr lang="de-DE" b="0" i="1" smtClean="0">
+                            <a:latin typeface="Cambria Math" panose="02040503050406030204" pitchFamily="18" charset="0"/>
+                          </a:rPr>
+                          <m:t>𝑠</m:t>
+                        </m:r>
+                        <m:r>
+                          <a:rPr lang="de-DE" b="0" i="1" smtClean="0">
+                            <a:latin typeface="Cambria Math" panose="02040503050406030204" pitchFamily="18" charset="0"/>
+                          </a:rPr>
+                          <m:t>)</m:t>
+                        </m:r>
+                      </m:oMath>
+                    </m:oMathPara>
+                  </a14:m>
+                  <a:endParaRPr lang="de-DE" dirty="0"/>
+                </a:p>
+              </p:txBody>
+            </p:sp>
+          </mc:Choice>
+          <mc:Fallback>
+            <p:sp>
+              <p:nvSpPr>
+                <p:cNvPr id="75" name="Textfeld 74">
+                  <a:extLst>
+                    <a:ext uri="{FF2B5EF4-FFF2-40B4-BE49-F238E27FC236}">
+                      <a16:creationId xmlns:a16="http://schemas.microsoft.com/office/drawing/2014/main" id="{36939397-BB10-5B65-CDDB-A3F7FC7D2986}"/>
+                    </a:ext>
+                  </a:extLst>
+                </p:cNvPr>
+                <p:cNvSpPr txBox="1">
+                  <a:spLocks noRot="1" noChangeAspect="1" noMove="1" noResize="1" noEditPoints="1" noAdjustHandles="1" noChangeArrowheads="1" noChangeShapeType="1" noTextEdit="1"/>
+                </p:cNvSpPr>
+                <p:nvPr/>
+              </p:nvSpPr>
+              <p:spPr>
+                <a:xfrm>
+                  <a:off x="838200" y="4582652"/>
+                  <a:ext cx="505203" cy="276999"/>
+                </a:xfrm>
+                <a:prstGeom prst="rect">
+                  <a:avLst/>
+                </a:prstGeom>
+                <a:blipFill>
+                  <a:blip r:embed="rId4"/>
+                  <a:stretch>
+                    <a:fillRect l="-12500" r="-17500" b="-34783"/>
+                  </a:stretch>
+                </a:blipFill>
+              </p:spPr>
+              <p:txBody>
+                <a:bodyPr/>
+                <a:lstStyle/>
+                <a:p>
+                  <a:r>
+                    <a:rPr lang="de-DE">
+                      <a:noFill/>
+                    </a:rPr>
+                    <a:t> </a:t>
+                  </a:r>
+                </a:p>
+              </p:txBody>
+            </p:sp>
+          </mc:Fallback>
+        </mc:AlternateContent>
+        <mc:AlternateContent xmlns:mc="http://schemas.openxmlformats.org/markup-compatibility/2006">
+          <mc:Choice xmlns:a14="http://schemas.microsoft.com/office/drawing/2010/main" Requires="a14">
+            <p:sp>
+              <p:nvSpPr>
+                <p:cNvPr id="76" name="Textfeld 75">
+                  <a:extLst>
+                    <a:ext uri="{FF2B5EF4-FFF2-40B4-BE49-F238E27FC236}">
+                      <a16:creationId xmlns:a16="http://schemas.microsoft.com/office/drawing/2014/main" id="{93FD5BA8-3FE8-F79F-7982-568B7F328557}"/>
+                    </a:ext>
+                  </a:extLst>
+                </p:cNvPr>
+                <p:cNvSpPr txBox="1"/>
+                <p:nvPr/>
+              </p:nvSpPr>
+              <p:spPr>
+                <a:xfrm>
+                  <a:off x="1915427" y="5037911"/>
+                  <a:ext cx="219612" cy="276999"/>
+                </a:xfrm>
+                <a:prstGeom prst="rect">
+                  <a:avLst/>
+                </a:prstGeom>
+                <a:noFill/>
+              </p:spPr>
+              <p:txBody>
+                <a:bodyPr wrap="none" lIns="0" tIns="0" rIns="0" bIns="0" rtlCol="0">
+                  <a:spAutoFit/>
+                </a:bodyPr>
+                <a:lstStyle/>
+                <a:p>
+                  <a14:m>
+                    <m:oMathPara xmlns:m="http://schemas.openxmlformats.org/officeDocument/2006/math">
+                      <m:oMathParaPr>
+                        <m:jc m:val="centerGroup"/>
+                      </m:oMathParaPr>
+                      <m:oMath xmlns:m="http://schemas.openxmlformats.org/officeDocument/2006/math">
+                        <m:r>
+                          <a:rPr lang="de-DE" b="0" i="1" smtClean="0">
+                            <a:latin typeface="Cambria Math" panose="02040503050406030204" pitchFamily="18" charset="0"/>
+                          </a:rPr>
+                          <m:t>−</m:t>
+                        </m:r>
+                      </m:oMath>
+                    </m:oMathPara>
+                  </a14:m>
+                  <a:endParaRPr lang="de-DE" dirty="0"/>
+                </a:p>
+              </p:txBody>
+            </p:sp>
+          </mc:Choice>
+          <mc:Fallback>
+            <p:sp>
+              <p:nvSpPr>
+                <p:cNvPr id="76" name="Textfeld 75">
+                  <a:extLst>
+                    <a:ext uri="{FF2B5EF4-FFF2-40B4-BE49-F238E27FC236}">
+                      <a16:creationId xmlns:a16="http://schemas.microsoft.com/office/drawing/2014/main" id="{93FD5BA8-3FE8-F79F-7982-568B7F328557}"/>
+                    </a:ext>
+                  </a:extLst>
+                </p:cNvPr>
+                <p:cNvSpPr txBox="1">
+                  <a:spLocks noRot="1" noChangeAspect="1" noMove="1" noResize="1" noEditPoints="1" noAdjustHandles="1" noChangeArrowheads="1" noChangeShapeType="1" noTextEdit="1"/>
+                </p:cNvSpPr>
+                <p:nvPr/>
+              </p:nvSpPr>
+              <p:spPr>
+                <a:xfrm>
+                  <a:off x="1915427" y="5037911"/>
+                  <a:ext cx="219612" cy="276999"/>
+                </a:xfrm>
+                <a:prstGeom prst="rect">
+                  <a:avLst/>
+                </a:prstGeom>
+                <a:blipFill>
+                  <a:blip r:embed="rId5"/>
+                  <a:stretch>
+                    <a:fillRect l="-5556" r="-11111"/>
+                  </a:stretch>
+                </a:blipFill>
+              </p:spPr>
+              <p:txBody>
+                <a:bodyPr/>
+                <a:lstStyle/>
+                <a:p>
+                  <a:r>
+                    <a:rPr lang="de-DE">
+                      <a:noFill/>
+                    </a:rPr>
+                    <a:t> </a:t>
+                  </a:r>
+                </a:p>
+              </p:txBody>
+            </p:sp>
+          </mc:Fallback>
+        </mc:AlternateContent>
+        <mc:AlternateContent xmlns:mc="http://schemas.openxmlformats.org/markup-compatibility/2006">
+          <mc:Choice xmlns:a14="http://schemas.microsoft.com/office/drawing/2010/main" Requires="a14">
+            <p:sp>
+              <p:nvSpPr>
+                <p:cNvPr id="77" name="Prozess 76">
+                  <a:extLst>
+                    <a:ext uri="{FF2B5EF4-FFF2-40B4-BE49-F238E27FC236}">
+                      <a16:creationId xmlns:a16="http://schemas.microsoft.com/office/drawing/2014/main" id="{35D03A6A-8FF9-91D1-0092-4ADB9BDBD9F8}"/>
+                    </a:ext>
+                  </a:extLst>
+                </p:cNvPr>
+                <p:cNvSpPr/>
+                <p:nvPr/>
+              </p:nvSpPr>
+              <p:spPr>
+                <a:xfrm>
+                  <a:off x="4230482" y="4625465"/>
+                  <a:ext cx="914400" cy="612000"/>
+                </a:xfrm>
+                <a:prstGeom prst="flowChartProcess">
+                  <a:avLst/>
+                </a:prstGeom>
+                <a:noFill/>
+                <a:ln>
+                  <a:solidFill>
+                    <a:schemeClr val="tx1"/>
+                  </a:solidFill>
+                </a:ln>
+              </p:spPr>
+              <p:style>
+                <a:lnRef idx="2">
+                  <a:schemeClr val="accent1">
+                    <a:shade val="15000"/>
+                  </a:schemeClr>
+                </a:lnRef>
+                <a:fillRef idx="1">
+                  <a:schemeClr val="accent1"/>
+                </a:fillRef>
+                <a:effectRef idx="0">
+                  <a:schemeClr val="accent1"/>
+                </a:effectRef>
+                <a:fontRef idx="minor">
+                  <a:schemeClr val="lt1"/>
+                </a:fontRef>
+              </p:style>
+              <p:txBody>
+                <a:bodyPr rtlCol="0" anchor="ctr"/>
+                <a:lstStyle/>
+                <a:p>
+                  <a:pPr algn="ctr"/>
+                  <a14:m>
+                    <m:oMathPara xmlns:m="http://schemas.openxmlformats.org/officeDocument/2006/math">
+                      <m:oMathParaPr>
+                        <m:jc m:val="centerGroup"/>
+                      </m:oMathParaPr>
+                      <m:oMath xmlns:m="http://schemas.openxmlformats.org/officeDocument/2006/math">
+                        <m:r>
+                          <a:rPr lang="de-DE" b="0" i="1" smtClean="0">
+                            <a:solidFill>
+                              <a:schemeClr val="tx1"/>
+                            </a:solidFill>
+                            <a:latin typeface="Cambria Math" panose="02040503050406030204" pitchFamily="18" charset="0"/>
+                          </a:rPr>
+                          <m:t>𝑃</m:t>
+                        </m:r>
+                        <m:r>
+                          <a:rPr lang="de-DE" b="0" i="1" smtClean="0">
+                            <a:solidFill>
+                              <a:schemeClr val="tx1"/>
+                            </a:solidFill>
+                            <a:latin typeface="Cambria Math" panose="02040503050406030204" pitchFamily="18" charset="0"/>
+                          </a:rPr>
+                          <m:t>(</m:t>
+                        </m:r>
+                        <m:r>
+                          <a:rPr lang="de-DE" b="0" i="1" smtClean="0">
+                            <a:solidFill>
+                              <a:schemeClr val="tx1"/>
+                            </a:solidFill>
+                            <a:latin typeface="Cambria Math" panose="02040503050406030204" pitchFamily="18" charset="0"/>
+                          </a:rPr>
+                          <m:t>𝑠</m:t>
+                        </m:r>
+                        <m:r>
+                          <a:rPr lang="de-DE" b="0" i="1" smtClean="0">
+                            <a:solidFill>
+                              <a:schemeClr val="tx1"/>
+                            </a:solidFill>
+                            <a:latin typeface="Cambria Math" panose="02040503050406030204" pitchFamily="18" charset="0"/>
+                          </a:rPr>
+                          <m:t>)</m:t>
+                        </m:r>
+                      </m:oMath>
+                    </m:oMathPara>
+                  </a14:m>
+                  <a:endParaRPr lang="de-DE" dirty="0">
+                    <a:solidFill>
+                      <a:schemeClr val="tx1"/>
+                    </a:solidFill>
+                  </a:endParaRPr>
+                </a:p>
+              </p:txBody>
+            </p:sp>
+          </mc:Choice>
+          <mc:Fallback>
+            <p:sp>
+              <p:nvSpPr>
+                <p:cNvPr id="77" name="Prozess 76">
+                  <a:extLst>
+                    <a:ext uri="{FF2B5EF4-FFF2-40B4-BE49-F238E27FC236}">
+                      <a16:creationId xmlns:a16="http://schemas.microsoft.com/office/drawing/2014/main" id="{35D03A6A-8FF9-91D1-0092-4ADB9BDBD9F8}"/>
+                    </a:ext>
+                  </a:extLst>
+                </p:cNvPr>
+                <p:cNvSpPr>
+                  <a:spLocks noRot="1" noChangeAspect="1" noMove="1" noResize="1" noEditPoints="1" noAdjustHandles="1" noChangeArrowheads="1" noChangeShapeType="1" noTextEdit="1"/>
+                </p:cNvSpPr>
+                <p:nvPr/>
+              </p:nvSpPr>
+              <p:spPr>
+                <a:xfrm>
+                  <a:off x="4230482" y="4625465"/>
+                  <a:ext cx="914400" cy="612000"/>
+                </a:xfrm>
+                <a:prstGeom prst="flowChartProcess">
+                  <a:avLst/>
+                </a:prstGeom>
+                <a:blipFill>
+                  <a:blip r:embed="rId8"/>
+                  <a:stretch>
+                    <a:fillRect/>
+                  </a:stretch>
+                </a:blipFill>
+                <a:ln>
+                  <a:solidFill>
+                    <a:schemeClr val="tx1"/>
+                  </a:solidFill>
+                </a:ln>
+              </p:spPr>
+              <p:txBody>
+                <a:bodyPr/>
+                <a:lstStyle/>
+                <a:p>
+                  <a:r>
+                    <a:rPr lang="de-DE">
+                      <a:noFill/>
+                    </a:rPr>
+                    <a:t> </a:t>
+                  </a:r>
+                </a:p>
+              </p:txBody>
+            </p:sp>
+          </mc:Fallback>
+        </mc:AlternateContent>
+        <p:cxnSp>
+          <p:nvCxnSpPr>
+            <p:cNvPr id="79" name="Gerade Verbindung 78">
+              <a:extLst>
+                <a:ext uri="{FF2B5EF4-FFF2-40B4-BE49-F238E27FC236}">
+                  <a16:creationId xmlns:a16="http://schemas.microsoft.com/office/drawing/2014/main" id="{1B8BFFB9-903B-6997-1D1E-1D11BBC79C7C}"/>
+                </a:ext>
+              </a:extLst>
+            </p:cNvPr>
+            <p:cNvCxnSpPr>
+              <a:cxnSpLocks/>
+            </p:cNvCxnSpPr>
+            <p:nvPr/>
+          </p:nvCxnSpPr>
+          <p:spPr>
+            <a:xfrm>
+              <a:off x="5139075" y="4927120"/>
+              <a:ext cx="692459" cy="0"/>
+            </a:xfrm>
+            <a:prstGeom prst="line">
+              <a:avLst/>
+            </a:prstGeom>
+            <a:ln>
+              <a:solidFill>
+                <a:schemeClr val="tx1"/>
+              </a:solidFill>
+            </a:ln>
+          </p:spPr>
+          <p:style>
+            <a:lnRef idx="2">
+              <a:schemeClr val="accent1"/>
+            </a:lnRef>
+            <a:fillRef idx="0">
+              <a:schemeClr val="accent1"/>
+            </a:fillRef>
+            <a:effectRef idx="1">
+              <a:schemeClr val="accent1"/>
+            </a:effectRef>
+            <a:fontRef idx="minor">
+              <a:schemeClr val="tx1"/>
+            </a:fontRef>
+          </p:style>
+        </p:cxnSp>
+        <p:cxnSp>
+          <p:nvCxnSpPr>
+            <p:cNvPr id="84" name="Gerade Verbindung mit Pfeil 83">
+              <a:extLst>
+                <a:ext uri="{FF2B5EF4-FFF2-40B4-BE49-F238E27FC236}">
+                  <a16:creationId xmlns:a16="http://schemas.microsoft.com/office/drawing/2014/main" id="{426DD009-601D-081A-D2C3-7D7EE673A4D1}"/>
+                </a:ext>
+              </a:extLst>
+            </p:cNvPr>
+            <p:cNvCxnSpPr>
+              <a:cxnSpLocks/>
+              <a:stCxn id="64" idx="3"/>
+              <a:endCxn id="77" idx="1"/>
+            </p:cNvCxnSpPr>
+            <p:nvPr/>
+          </p:nvCxnSpPr>
+          <p:spPr>
+            <a:xfrm flipV="1">
+              <a:off x="3532216" y="4931465"/>
+              <a:ext cx="698266" cy="324"/>
+            </a:xfrm>
+            <a:prstGeom prst="straightConnector1">
+              <a:avLst/>
+            </a:prstGeom>
+            <a:ln>
+              <a:solidFill>
+                <a:schemeClr val="tx1"/>
+              </a:solidFill>
+              <a:tailEnd type="triangle"/>
+            </a:ln>
+          </p:spPr>
+          <p:style>
+            <a:lnRef idx="2">
+              <a:schemeClr val="accent1"/>
+            </a:lnRef>
+            <a:fillRef idx="0">
+              <a:schemeClr val="accent1"/>
+            </a:fillRef>
+            <a:effectRef idx="1">
+              <a:schemeClr val="accent1"/>
+            </a:effectRef>
+            <a:fontRef idx="minor">
+              <a:schemeClr val="tx1"/>
+            </a:fontRef>
+          </p:style>
+        </p:cxnSp>
+      </p:grpSp>
     </p:spTree>
     <p:extLst>
       <p:ext uri="{BB962C8B-B14F-4D97-AF65-F5344CB8AC3E}">
@@ -20688,10 +22692,10 @@
       </p:grpSpPr>
       <p:sp>
         <p:nvSpPr>
-          <p:cNvPr id="2" name="Titel 1">
+          <p:cNvPr id="20" name="Titel 19">
             <a:extLst>
               <a:ext uri="{FF2B5EF4-FFF2-40B4-BE49-F238E27FC236}">
-                <a16:creationId xmlns:a16="http://schemas.microsoft.com/office/drawing/2014/main" id="{0C04B523-A548-A145-D8D1-610300916A7D}"/>
+                <a16:creationId xmlns:a16="http://schemas.microsoft.com/office/drawing/2014/main" id="{212B22B2-EAB7-6720-A16E-276F12E8F6E1}"/>
               </a:ext>
             </a:extLst>
           </p:cNvPr>
@@ -20707,32 +22711,15 @@
           <a:bodyPr/>
           <a:lstStyle/>
           <a:p>
-            <a:endParaRPr lang="de-DE"/>
-          </a:p>
-        </p:txBody>
-      </p:sp>
-      <p:sp>
-        <p:nvSpPr>
-          <p:cNvPr id="3" name="Inhaltsplatzhalter 2">
-            <a:extLst>
-              <a:ext uri="{FF2B5EF4-FFF2-40B4-BE49-F238E27FC236}">
-                <a16:creationId xmlns:a16="http://schemas.microsoft.com/office/drawing/2014/main" id="{1F3858CF-14CC-AC2F-271A-9B9970396F48}"/>
-              </a:ext>
-            </a:extLst>
-          </p:cNvPr>
-          <p:cNvSpPr>
-            <a:spLocks noGrp="1"/>
-          </p:cNvSpPr>
-          <p:nvPr>
-            <p:ph idx="1"/>
-          </p:nvPr>
-        </p:nvSpPr>
-        <p:spPr/>
-        <p:txBody>
-          <a:bodyPr/>
-          <a:lstStyle/>
-          <a:p>
-            <a:endParaRPr lang="de-DE"/>
+            <a:r>
+              <a:rPr lang="de-DE" dirty="0"/>
+              <a:t>Hidden </a:t>
+            </a:r>
+            <a:r>
+              <a:rPr lang="de-DE" dirty="0" err="1"/>
+              <a:t>Assumptions</a:t>
+            </a:r>
+            <a:endParaRPr lang="de-DE" dirty="0"/>
           </a:p>
         </p:txBody>
       </p:sp>
@@ -20762,6 +22749,3587 @@
               <a:t>37</a:t>
             </a:fld>
             <a:endParaRPr lang="en-GB"/>
+          </a:p>
+        </p:txBody>
+      </p:sp>
+      <p:grpSp>
+        <p:nvGrpSpPr>
+          <p:cNvPr id="63" name="Gruppieren 62">
+            <a:extLst>
+              <a:ext uri="{FF2B5EF4-FFF2-40B4-BE49-F238E27FC236}">
+                <a16:creationId xmlns:a16="http://schemas.microsoft.com/office/drawing/2014/main" id="{899EA923-B320-E430-7352-945C47FC665F}"/>
+              </a:ext>
+            </a:extLst>
+          </p:cNvPr>
+          <p:cNvGrpSpPr/>
+          <p:nvPr/>
+        </p:nvGrpSpPr>
+        <p:grpSpPr>
+          <a:xfrm>
+            <a:off x="971273" y="1656233"/>
+            <a:ext cx="5985903" cy="1612142"/>
+            <a:chOff x="714083" y="2028176"/>
+            <a:chExt cx="5985903" cy="1612142"/>
+          </a:xfrm>
+        </p:grpSpPr>
+        <mc:AlternateContent xmlns:mc="http://schemas.openxmlformats.org/markup-compatibility/2006">
+          <mc:Choice xmlns:a14="http://schemas.microsoft.com/office/drawing/2010/main" Requires="a14">
+            <p:sp>
+              <p:nvSpPr>
+                <p:cNvPr id="5" name="Prozess 4">
+                  <a:extLst>
+                    <a:ext uri="{FF2B5EF4-FFF2-40B4-BE49-F238E27FC236}">
+                      <a16:creationId xmlns:a16="http://schemas.microsoft.com/office/drawing/2014/main" id="{CBAE731C-F71E-8BED-A12D-10796EC7A9E1}"/>
+                    </a:ext>
+                  </a:extLst>
+                </p:cNvPr>
+                <p:cNvSpPr/>
+                <p:nvPr/>
+              </p:nvSpPr>
+              <p:spPr>
+                <a:xfrm>
+                  <a:off x="2493699" y="2070000"/>
+                  <a:ext cx="914400" cy="612648"/>
+                </a:xfrm>
+                <a:prstGeom prst="flowChartProcess">
+                  <a:avLst/>
+                </a:prstGeom>
+                <a:noFill/>
+                <a:ln>
+                  <a:solidFill>
+                    <a:schemeClr val="tx1"/>
+                  </a:solidFill>
+                </a:ln>
+              </p:spPr>
+              <p:style>
+                <a:lnRef idx="2">
+                  <a:schemeClr val="accent1">
+                    <a:shade val="15000"/>
+                  </a:schemeClr>
+                </a:lnRef>
+                <a:fillRef idx="1">
+                  <a:schemeClr val="accent1"/>
+                </a:fillRef>
+                <a:effectRef idx="0">
+                  <a:schemeClr val="accent1"/>
+                </a:effectRef>
+                <a:fontRef idx="minor">
+                  <a:schemeClr val="lt1"/>
+                </a:fontRef>
+              </p:style>
+              <p:txBody>
+                <a:bodyPr rtlCol="0" anchor="ctr"/>
+                <a:lstStyle/>
+                <a:p>
+                  <a:pPr algn="ctr"/>
+                  <a14:m>
+                    <m:oMathPara xmlns:m="http://schemas.openxmlformats.org/officeDocument/2006/math">
+                      <m:oMathParaPr>
+                        <m:jc m:val="centerGroup"/>
+                      </m:oMathParaPr>
+                      <m:oMath xmlns:m="http://schemas.openxmlformats.org/officeDocument/2006/math">
+                        <m:r>
+                          <a:rPr lang="de-DE" b="0" i="1" smtClean="0">
+                            <a:solidFill>
+                              <a:schemeClr val="tx1"/>
+                            </a:solidFill>
+                            <a:latin typeface="Cambria Math" panose="02040503050406030204" pitchFamily="18" charset="0"/>
+                          </a:rPr>
+                          <m:t>𝐶</m:t>
+                        </m:r>
+                        <m:r>
+                          <a:rPr lang="de-DE" b="0" i="1" smtClean="0">
+                            <a:solidFill>
+                              <a:schemeClr val="tx1"/>
+                            </a:solidFill>
+                            <a:latin typeface="Cambria Math" panose="02040503050406030204" pitchFamily="18" charset="0"/>
+                          </a:rPr>
+                          <m:t>(</m:t>
+                        </m:r>
+                        <m:r>
+                          <a:rPr lang="de-DE" b="0" i="1" smtClean="0">
+                            <a:solidFill>
+                              <a:schemeClr val="tx1"/>
+                            </a:solidFill>
+                            <a:latin typeface="Cambria Math" panose="02040503050406030204" pitchFamily="18" charset="0"/>
+                          </a:rPr>
+                          <m:t>𝑠</m:t>
+                        </m:r>
+                        <m:r>
+                          <a:rPr lang="de-DE" b="0" i="1" smtClean="0">
+                            <a:solidFill>
+                              <a:schemeClr val="tx1"/>
+                            </a:solidFill>
+                            <a:latin typeface="Cambria Math" panose="02040503050406030204" pitchFamily="18" charset="0"/>
+                          </a:rPr>
+                          <m:t>)</m:t>
+                        </m:r>
+                      </m:oMath>
+                    </m:oMathPara>
+                  </a14:m>
+                  <a:endParaRPr lang="de-DE" dirty="0">
+                    <a:solidFill>
+                      <a:schemeClr val="tx1"/>
+                    </a:solidFill>
+                  </a:endParaRPr>
+                </a:p>
+              </p:txBody>
+            </p:sp>
+          </mc:Choice>
+          <mc:Fallback>
+            <p:sp>
+              <p:nvSpPr>
+                <p:cNvPr id="5" name="Prozess 4">
+                  <a:extLst>
+                    <a:ext uri="{FF2B5EF4-FFF2-40B4-BE49-F238E27FC236}">
+                      <a16:creationId xmlns:a16="http://schemas.microsoft.com/office/drawing/2014/main" id="{CBAE731C-F71E-8BED-A12D-10796EC7A9E1}"/>
+                    </a:ext>
+                  </a:extLst>
+                </p:cNvPr>
+                <p:cNvSpPr>
+                  <a:spLocks noRot="1" noChangeAspect="1" noMove="1" noResize="1" noEditPoints="1" noAdjustHandles="1" noChangeArrowheads="1" noChangeShapeType="1" noTextEdit="1"/>
+                </p:cNvSpPr>
+                <p:nvPr/>
+              </p:nvSpPr>
+              <p:spPr>
+                <a:xfrm>
+                  <a:off x="2493699" y="2070000"/>
+                  <a:ext cx="914400" cy="612648"/>
+                </a:xfrm>
+                <a:prstGeom prst="flowChartProcess">
+                  <a:avLst/>
+                </a:prstGeom>
+                <a:blipFill>
+                  <a:blip r:embed="rId2"/>
+                  <a:stretch>
+                    <a:fillRect/>
+                  </a:stretch>
+                </a:blipFill>
+                <a:ln>
+                  <a:solidFill>
+                    <a:schemeClr val="tx1"/>
+                  </a:solidFill>
+                </a:ln>
+              </p:spPr>
+              <p:txBody>
+                <a:bodyPr/>
+                <a:lstStyle/>
+                <a:p>
+                  <a:r>
+                    <a:rPr lang="de-DE">
+                      <a:noFill/>
+                    </a:rPr>
+                    <a:t> </a:t>
+                  </a:r>
+                </a:p>
+              </p:txBody>
+            </p:sp>
+          </mc:Fallback>
+        </mc:AlternateContent>
+        <p:sp>
+          <p:nvSpPr>
+            <p:cNvPr id="6" name="Verbindungsstelle 5">
+              <a:extLst>
+                <a:ext uri="{FF2B5EF4-FFF2-40B4-BE49-F238E27FC236}">
+                  <a16:creationId xmlns:a16="http://schemas.microsoft.com/office/drawing/2014/main" id="{EEA8466F-7D3F-3081-F537-F2C5A6164EE7}"/>
+                </a:ext>
+              </a:extLst>
+            </p:cNvPr>
+            <p:cNvSpPr>
+              <a:spLocks noChangeAspect="1"/>
+            </p:cNvSpPr>
+            <p:nvPr/>
+          </p:nvSpPr>
+          <p:spPr>
+            <a:xfrm flipV="1">
+              <a:off x="5711606" y="2328258"/>
+              <a:ext cx="88772" cy="88772"/>
+            </a:xfrm>
+            <a:prstGeom prst="flowChartConnector">
+              <a:avLst/>
+            </a:prstGeom>
+            <a:solidFill>
+              <a:schemeClr val="tx1"/>
+            </a:solidFill>
+          </p:spPr>
+          <p:style>
+            <a:lnRef idx="2">
+              <a:schemeClr val="accent1">
+                <a:shade val="15000"/>
+              </a:schemeClr>
+            </a:lnRef>
+            <a:fillRef idx="1">
+              <a:schemeClr val="accent1"/>
+            </a:fillRef>
+            <a:effectRef idx="0">
+              <a:schemeClr val="accent1"/>
+            </a:effectRef>
+            <a:fontRef idx="minor">
+              <a:schemeClr val="lt1"/>
+            </a:fontRef>
+          </p:style>
+          <p:txBody>
+            <a:bodyPr rtlCol="0" anchor="ctr"/>
+            <a:lstStyle/>
+            <a:p>
+              <a:pPr algn="ctr"/>
+              <a:endParaRPr lang="de-DE"/>
+            </a:p>
+          </p:txBody>
+        </p:sp>
+        <p:cxnSp>
+          <p:nvCxnSpPr>
+            <p:cNvPr id="7" name="Gerade Verbindung mit Pfeil 6">
+              <a:extLst>
+                <a:ext uri="{FF2B5EF4-FFF2-40B4-BE49-F238E27FC236}">
+                  <a16:creationId xmlns:a16="http://schemas.microsoft.com/office/drawing/2014/main" id="{611B80E7-F9CB-0ABE-6815-D4E90AD6CD78}"/>
+                </a:ext>
+              </a:extLst>
+            </p:cNvPr>
+            <p:cNvCxnSpPr>
+              <a:cxnSpLocks/>
+            </p:cNvCxnSpPr>
+            <p:nvPr/>
+          </p:nvCxnSpPr>
+          <p:spPr>
+            <a:xfrm>
+              <a:off x="5755992" y="2372644"/>
+              <a:ext cx="828436" cy="1557"/>
+            </a:xfrm>
+            <a:prstGeom prst="straightConnector1">
+              <a:avLst/>
+            </a:prstGeom>
+            <a:ln>
+              <a:solidFill>
+                <a:schemeClr val="tx1"/>
+              </a:solidFill>
+              <a:tailEnd type="triangle"/>
+            </a:ln>
+          </p:spPr>
+          <p:style>
+            <a:lnRef idx="2">
+              <a:schemeClr val="accent1"/>
+            </a:lnRef>
+            <a:fillRef idx="0">
+              <a:schemeClr val="accent1"/>
+            </a:fillRef>
+            <a:effectRef idx="1">
+              <a:schemeClr val="accent1"/>
+            </a:effectRef>
+            <a:fontRef idx="minor">
+              <a:schemeClr val="tx1"/>
+            </a:fontRef>
+          </p:style>
+        </p:cxnSp>
+        <mc:AlternateContent xmlns:mc="http://schemas.openxmlformats.org/markup-compatibility/2006">
+          <mc:Choice xmlns:a14="http://schemas.microsoft.com/office/drawing/2010/main" Requires="a14">
+            <p:sp>
+              <p:nvSpPr>
+                <p:cNvPr id="8" name="Textfeld 7">
+                  <a:extLst>
+                    <a:ext uri="{FF2B5EF4-FFF2-40B4-BE49-F238E27FC236}">
+                      <a16:creationId xmlns:a16="http://schemas.microsoft.com/office/drawing/2014/main" id="{1EC57E1A-4742-6495-1B33-14A9630570AF}"/>
+                    </a:ext>
+                  </a:extLst>
+                </p:cNvPr>
+                <p:cNvSpPr txBox="1"/>
+                <p:nvPr/>
+              </p:nvSpPr>
+              <p:spPr>
+                <a:xfrm>
+                  <a:off x="6203888" y="2031288"/>
+                  <a:ext cx="496098" cy="276999"/>
+                </a:xfrm>
+                <a:prstGeom prst="rect">
+                  <a:avLst/>
+                </a:prstGeom>
+                <a:noFill/>
+              </p:spPr>
+              <p:txBody>
+                <a:bodyPr wrap="none" lIns="0" tIns="0" rIns="0" bIns="0" rtlCol="0">
+                  <a:spAutoFit/>
+                </a:bodyPr>
+                <a:lstStyle/>
+                <a:p>
+                  <a14:m>
+                    <m:oMathPara xmlns:m="http://schemas.openxmlformats.org/officeDocument/2006/math">
+                      <m:oMathParaPr>
+                        <m:jc m:val="centerGroup"/>
+                      </m:oMathParaPr>
+                      <m:oMath xmlns:m="http://schemas.openxmlformats.org/officeDocument/2006/math">
+                        <m:r>
+                          <a:rPr lang="de-DE" b="0" i="1" smtClean="0">
+                            <a:latin typeface="Cambria Math" panose="02040503050406030204" pitchFamily="18" charset="0"/>
+                          </a:rPr>
+                          <m:t>𝑌</m:t>
+                        </m:r>
+                        <m:r>
+                          <a:rPr lang="de-DE" b="0" i="1" smtClean="0">
+                            <a:latin typeface="Cambria Math" panose="02040503050406030204" pitchFamily="18" charset="0"/>
+                          </a:rPr>
+                          <m:t>(</m:t>
+                        </m:r>
+                        <m:r>
+                          <a:rPr lang="de-DE" b="0" i="1" smtClean="0">
+                            <a:latin typeface="Cambria Math" panose="02040503050406030204" pitchFamily="18" charset="0"/>
+                          </a:rPr>
+                          <m:t>𝑠</m:t>
+                        </m:r>
+                        <m:r>
+                          <a:rPr lang="de-DE" b="0" i="1" smtClean="0">
+                            <a:latin typeface="Cambria Math" panose="02040503050406030204" pitchFamily="18" charset="0"/>
+                          </a:rPr>
+                          <m:t>)</m:t>
+                        </m:r>
+                      </m:oMath>
+                    </m:oMathPara>
+                  </a14:m>
+                  <a:endParaRPr lang="de-DE" dirty="0"/>
+                </a:p>
+              </p:txBody>
+            </p:sp>
+          </mc:Choice>
+          <mc:Fallback>
+            <p:sp>
+              <p:nvSpPr>
+                <p:cNvPr id="8" name="Textfeld 7">
+                  <a:extLst>
+                    <a:ext uri="{FF2B5EF4-FFF2-40B4-BE49-F238E27FC236}">
+                      <a16:creationId xmlns:a16="http://schemas.microsoft.com/office/drawing/2014/main" id="{1EC57E1A-4742-6495-1B33-14A9630570AF}"/>
+                    </a:ext>
+                  </a:extLst>
+                </p:cNvPr>
+                <p:cNvSpPr txBox="1">
+                  <a:spLocks noRot="1" noChangeAspect="1" noMove="1" noResize="1" noEditPoints="1" noAdjustHandles="1" noChangeArrowheads="1" noChangeShapeType="1" noTextEdit="1"/>
+                </p:cNvSpPr>
+                <p:nvPr/>
+              </p:nvSpPr>
+              <p:spPr>
+                <a:xfrm>
+                  <a:off x="6203888" y="2031288"/>
+                  <a:ext cx="496098" cy="276999"/>
+                </a:xfrm>
+                <a:prstGeom prst="rect">
+                  <a:avLst/>
+                </a:prstGeom>
+                <a:blipFill>
+                  <a:blip r:embed="rId3"/>
+                  <a:stretch>
+                    <a:fillRect l="-10000" r="-17500" b="-34783"/>
+                  </a:stretch>
+                </a:blipFill>
+              </p:spPr>
+              <p:txBody>
+                <a:bodyPr/>
+                <a:lstStyle/>
+                <a:p>
+                  <a:r>
+                    <a:rPr lang="de-DE">
+                      <a:noFill/>
+                    </a:rPr>
+                    <a:t> </a:t>
+                  </a:r>
+                </a:p>
+              </p:txBody>
+            </p:sp>
+          </mc:Fallback>
+        </mc:AlternateContent>
+        <p:cxnSp>
+          <p:nvCxnSpPr>
+            <p:cNvPr id="9" name="Gerade Verbindung 8">
+              <a:extLst>
+                <a:ext uri="{FF2B5EF4-FFF2-40B4-BE49-F238E27FC236}">
+                  <a16:creationId xmlns:a16="http://schemas.microsoft.com/office/drawing/2014/main" id="{9AF120D8-734C-0613-5CA9-7A01EDA3C12C}"/>
+                </a:ext>
+              </a:extLst>
+            </p:cNvPr>
+            <p:cNvCxnSpPr>
+              <a:cxnSpLocks/>
+              <a:stCxn id="6" idx="0"/>
+            </p:cNvCxnSpPr>
+            <p:nvPr/>
+          </p:nvCxnSpPr>
+          <p:spPr>
+            <a:xfrm>
+              <a:off x="5755992" y="2417030"/>
+              <a:ext cx="0" cy="916964"/>
+            </a:xfrm>
+            <a:prstGeom prst="line">
+              <a:avLst/>
+            </a:prstGeom>
+            <a:ln>
+              <a:solidFill>
+                <a:schemeClr val="tx1"/>
+              </a:solidFill>
+            </a:ln>
+          </p:spPr>
+          <p:style>
+            <a:lnRef idx="2">
+              <a:schemeClr val="accent1"/>
+            </a:lnRef>
+            <a:fillRef idx="0">
+              <a:schemeClr val="accent1"/>
+            </a:fillRef>
+            <a:effectRef idx="1">
+              <a:schemeClr val="accent1"/>
+            </a:effectRef>
+            <a:fontRef idx="minor">
+              <a:schemeClr val="tx1"/>
+            </a:fontRef>
+          </p:style>
+        </p:cxnSp>
+        <p:sp>
+          <p:nvSpPr>
+            <p:cNvPr id="10" name="Ring 9">
+              <a:extLst>
+                <a:ext uri="{FF2B5EF4-FFF2-40B4-BE49-F238E27FC236}">
+                  <a16:creationId xmlns:a16="http://schemas.microsoft.com/office/drawing/2014/main" id="{9658AB60-BED2-3AEA-E449-CA55B1389132}"/>
+                </a:ext>
+              </a:extLst>
+            </p:cNvPr>
+            <p:cNvSpPr>
+              <a:spLocks noChangeAspect="1"/>
+            </p:cNvSpPr>
+            <p:nvPr/>
+          </p:nvSpPr>
+          <p:spPr>
+            <a:xfrm>
+              <a:off x="1705103" y="2329815"/>
+              <a:ext cx="90000" cy="90000"/>
+            </a:xfrm>
+            <a:prstGeom prst="donut">
+              <a:avLst>
+                <a:gd name="adj" fmla="val 0"/>
+              </a:avLst>
+            </a:prstGeom>
+            <a:noFill/>
+            <a:ln>
+              <a:solidFill>
+                <a:schemeClr val="tx1"/>
+              </a:solidFill>
+            </a:ln>
+          </p:spPr>
+          <p:style>
+            <a:lnRef idx="2">
+              <a:schemeClr val="accent1">
+                <a:shade val="15000"/>
+              </a:schemeClr>
+            </a:lnRef>
+            <a:fillRef idx="1">
+              <a:schemeClr val="accent1"/>
+            </a:fillRef>
+            <a:effectRef idx="0">
+              <a:schemeClr val="accent1"/>
+            </a:effectRef>
+            <a:fontRef idx="minor">
+              <a:schemeClr val="lt1"/>
+            </a:fontRef>
+          </p:style>
+          <p:txBody>
+            <a:bodyPr rtlCol="0" anchor="ctr"/>
+            <a:lstStyle/>
+            <a:p>
+              <a:pPr algn="ctr"/>
+              <a:endParaRPr lang="de-DE">
+                <a:solidFill>
+                  <a:schemeClr val="tx1"/>
+                </a:solidFill>
+              </a:endParaRPr>
+            </a:p>
+          </p:txBody>
+        </p:sp>
+        <p:cxnSp>
+          <p:nvCxnSpPr>
+            <p:cNvPr id="12" name="Gerade Verbindung mit Pfeil 11">
+              <a:extLst>
+                <a:ext uri="{FF2B5EF4-FFF2-40B4-BE49-F238E27FC236}">
+                  <a16:creationId xmlns:a16="http://schemas.microsoft.com/office/drawing/2014/main" id="{0A0730A7-6D9B-E8B8-9397-3AC4F973A2AC}"/>
+                </a:ext>
+              </a:extLst>
+            </p:cNvPr>
+            <p:cNvCxnSpPr>
+              <a:endCxn id="10" idx="4"/>
+            </p:cNvCxnSpPr>
+            <p:nvPr/>
+          </p:nvCxnSpPr>
+          <p:spPr>
+            <a:xfrm flipV="1">
+              <a:off x="1750103" y="2419815"/>
+              <a:ext cx="0" cy="915736"/>
+            </a:xfrm>
+            <a:prstGeom prst="straightConnector1">
+              <a:avLst/>
+            </a:prstGeom>
+            <a:ln>
+              <a:solidFill>
+                <a:schemeClr val="tx1"/>
+              </a:solidFill>
+              <a:tailEnd type="triangle"/>
+            </a:ln>
+          </p:spPr>
+          <p:style>
+            <a:lnRef idx="2">
+              <a:schemeClr val="accent1"/>
+            </a:lnRef>
+            <a:fillRef idx="0">
+              <a:schemeClr val="accent1"/>
+            </a:fillRef>
+            <a:effectRef idx="1">
+              <a:schemeClr val="accent1"/>
+            </a:effectRef>
+            <a:fontRef idx="minor">
+              <a:schemeClr val="tx1"/>
+            </a:fontRef>
+          </p:style>
+        </p:cxnSp>
+        <p:cxnSp>
+          <p:nvCxnSpPr>
+            <p:cNvPr id="13" name="Gerade Verbindung mit Pfeil 12">
+              <a:extLst>
+                <a:ext uri="{FF2B5EF4-FFF2-40B4-BE49-F238E27FC236}">
+                  <a16:creationId xmlns:a16="http://schemas.microsoft.com/office/drawing/2014/main" id="{F8AAAEB5-D007-9C8D-8975-3DEDC9C7963A}"/>
+                </a:ext>
+              </a:extLst>
+            </p:cNvPr>
+            <p:cNvCxnSpPr>
+              <a:cxnSpLocks/>
+              <a:stCxn id="10" idx="6"/>
+              <a:endCxn id="5" idx="1"/>
+            </p:cNvCxnSpPr>
+            <p:nvPr/>
+          </p:nvCxnSpPr>
+          <p:spPr>
+            <a:xfrm>
+              <a:off x="1795103" y="2374815"/>
+              <a:ext cx="698596" cy="1509"/>
+            </a:xfrm>
+            <a:prstGeom prst="straightConnector1">
+              <a:avLst/>
+            </a:prstGeom>
+            <a:ln>
+              <a:solidFill>
+                <a:schemeClr val="tx1"/>
+              </a:solidFill>
+              <a:tailEnd type="triangle"/>
+            </a:ln>
+          </p:spPr>
+          <p:style>
+            <a:lnRef idx="2">
+              <a:schemeClr val="accent1"/>
+            </a:lnRef>
+            <a:fillRef idx="0">
+              <a:schemeClr val="accent1"/>
+            </a:fillRef>
+            <a:effectRef idx="1">
+              <a:schemeClr val="accent1"/>
+            </a:effectRef>
+            <a:fontRef idx="minor">
+              <a:schemeClr val="tx1"/>
+            </a:fontRef>
+          </p:style>
+        </p:cxnSp>
+        <p:cxnSp>
+          <p:nvCxnSpPr>
+            <p:cNvPr id="14" name="Gerade Verbindung mit Pfeil 13">
+              <a:extLst>
+                <a:ext uri="{FF2B5EF4-FFF2-40B4-BE49-F238E27FC236}">
+                  <a16:creationId xmlns:a16="http://schemas.microsoft.com/office/drawing/2014/main" id="{D5B45189-1F92-866E-0FFA-671C55CAD1A1}"/>
+                </a:ext>
+              </a:extLst>
+            </p:cNvPr>
+            <p:cNvCxnSpPr>
+              <a:cxnSpLocks/>
+              <a:endCxn id="10" idx="2"/>
+            </p:cNvCxnSpPr>
+            <p:nvPr/>
+          </p:nvCxnSpPr>
+          <p:spPr>
+            <a:xfrm>
+              <a:off x="866115" y="2374815"/>
+              <a:ext cx="838988" cy="0"/>
+            </a:xfrm>
+            <a:prstGeom prst="straightConnector1">
+              <a:avLst/>
+            </a:prstGeom>
+            <a:ln>
+              <a:solidFill>
+                <a:schemeClr val="tx1"/>
+              </a:solidFill>
+              <a:tailEnd type="triangle"/>
+            </a:ln>
+          </p:spPr>
+          <p:style>
+            <a:lnRef idx="2">
+              <a:schemeClr val="accent1"/>
+            </a:lnRef>
+            <a:fillRef idx="0">
+              <a:schemeClr val="accent1"/>
+            </a:fillRef>
+            <a:effectRef idx="1">
+              <a:schemeClr val="accent1"/>
+            </a:effectRef>
+            <a:fontRef idx="minor">
+              <a:schemeClr val="tx1"/>
+            </a:fontRef>
+          </p:style>
+        </p:cxnSp>
+        <mc:AlternateContent xmlns:mc="http://schemas.openxmlformats.org/markup-compatibility/2006">
+          <mc:Choice xmlns:a14="http://schemas.microsoft.com/office/drawing/2010/main" Requires="a14">
+            <p:sp>
+              <p:nvSpPr>
+                <p:cNvPr id="15" name="Textfeld 14">
+                  <a:extLst>
+                    <a:ext uri="{FF2B5EF4-FFF2-40B4-BE49-F238E27FC236}">
+                      <a16:creationId xmlns:a16="http://schemas.microsoft.com/office/drawing/2014/main" id="{D827F59F-572A-CA28-A965-719762BEC99A}"/>
+                    </a:ext>
+                  </a:extLst>
+                </p:cNvPr>
+                <p:cNvSpPr txBox="1"/>
+                <p:nvPr/>
+              </p:nvSpPr>
+              <p:spPr>
+                <a:xfrm>
+                  <a:off x="714083" y="2028176"/>
+                  <a:ext cx="505203" cy="276999"/>
+                </a:xfrm>
+                <a:prstGeom prst="rect">
+                  <a:avLst/>
+                </a:prstGeom>
+                <a:noFill/>
+              </p:spPr>
+              <p:txBody>
+                <a:bodyPr wrap="none" lIns="0" tIns="0" rIns="0" bIns="0" rtlCol="0">
+                  <a:spAutoFit/>
+                </a:bodyPr>
+                <a:lstStyle/>
+                <a:p>
+                  <a14:m>
+                    <m:oMathPara xmlns:m="http://schemas.openxmlformats.org/officeDocument/2006/math">
+                      <m:oMathParaPr>
+                        <m:jc m:val="centerGroup"/>
+                      </m:oMathParaPr>
+                      <m:oMath xmlns:m="http://schemas.openxmlformats.org/officeDocument/2006/math">
+                        <m:r>
+                          <a:rPr lang="de-DE" b="0" i="1" smtClean="0">
+                            <a:latin typeface="Cambria Math" panose="02040503050406030204" pitchFamily="18" charset="0"/>
+                          </a:rPr>
+                          <m:t>𝑅</m:t>
+                        </m:r>
+                        <m:r>
+                          <a:rPr lang="de-DE" b="0" i="1" smtClean="0">
+                            <a:latin typeface="Cambria Math" panose="02040503050406030204" pitchFamily="18" charset="0"/>
+                          </a:rPr>
+                          <m:t>(</m:t>
+                        </m:r>
+                        <m:r>
+                          <a:rPr lang="de-DE" b="0" i="1" smtClean="0">
+                            <a:latin typeface="Cambria Math" panose="02040503050406030204" pitchFamily="18" charset="0"/>
+                          </a:rPr>
+                          <m:t>𝑠</m:t>
+                        </m:r>
+                        <m:r>
+                          <a:rPr lang="de-DE" b="0" i="1" smtClean="0">
+                            <a:latin typeface="Cambria Math" panose="02040503050406030204" pitchFamily="18" charset="0"/>
+                          </a:rPr>
+                          <m:t>)</m:t>
+                        </m:r>
+                      </m:oMath>
+                    </m:oMathPara>
+                  </a14:m>
+                  <a:endParaRPr lang="de-DE" dirty="0"/>
+                </a:p>
+              </p:txBody>
+            </p:sp>
+          </mc:Choice>
+          <mc:Fallback>
+            <p:sp>
+              <p:nvSpPr>
+                <p:cNvPr id="15" name="Textfeld 14">
+                  <a:extLst>
+                    <a:ext uri="{FF2B5EF4-FFF2-40B4-BE49-F238E27FC236}">
+                      <a16:creationId xmlns:a16="http://schemas.microsoft.com/office/drawing/2014/main" id="{D827F59F-572A-CA28-A965-719762BEC99A}"/>
+                    </a:ext>
+                  </a:extLst>
+                </p:cNvPr>
+                <p:cNvSpPr txBox="1">
+                  <a:spLocks noRot="1" noChangeAspect="1" noMove="1" noResize="1" noEditPoints="1" noAdjustHandles="1" noChangeArrowheads="1" noChangeShapeType="1" noTextEdit="1"/>
+                </p:cNvSpPr>
+                <p:nvPr/>
+              </p:nvSpPr>
+              <p:spPr>
+                <a:xfrm>
+                  <a:off x="714083" y="2028176"/>
+                  <a:ext cx="505203" cy="276999"/>
+                </a:xfrm>
+                <a:prstGeom prst="rect">
+                  <a:avLst/>
+                </a:prstGeom>
+                <a:blipFill>
+                  <a:blip r:embed="rId4"/>
+                  <a:stretch>
+                    <a:fillRect l="-9756" r="-14634" b="-34783"/>
+                  </a:stretch>
+                </a:blipFill>
+              </p:spPr>
+              <p:txBody>
+                <a:bodyPr/>
+                <a:lstStyle/>
+                <a:p>
+                  <a:r>
+                    <a:rPr lang="de-DE">
+                      <a:noFill/>
+                    </a:rPr>
+                    <a:t> </a:t>
+                  </a:r>
+                </a:p>
+              </p:txBody>
+            </p:sp>
+          </mc:Fallback>
+        </mc:AlternateContent>
+        <mc:AlternateContent xmlns:mc="http://schemas.openxmlformats.org/markup-compatibility/2006">
+          <mc:Choice xmlns:a14="http://schemas.microsoft.com/office/drawing/2010/main" Requires="a14">
+            <p:sp>
+              <p:nvSpPr>
+                <p:cNvPr id="16" name="Textfeld 15">
+                  <a:extLst>
+                    <a:ext uri="{FF2B5EF4-FFF2-40B4-BE49-F238E27FC236}">
+                      <a16:creationId xmlns:a16="http://schemas.microsoft.com/office/drawing/2014/main" id="{A4555BF9-17F8-9ECC-0CB0-FEDEBDD3781A}"/>
+                    </a:ext>
+                  </a:extLst>
+                </p:cNvPr>
+                <p:cNvSpPr txBox="1"/>
+                <p:nvPr/>
+              </p:nvSpPr>
+              <p:spPr>
+                <a:xfrm>
+                  <a:off x="1791310" y="2483435"/>
+                  <a:ext cx="219612" cy="276999"/>
+                </a:xfrm>
+                <a:prstGeom prst="rect">
+                  <a:avLst/>
+                </a:prstGeom>
+                <a:noFill/>
+              </p:spPr>
+              <p:txBody>
+                <a:bodyPr wrap="none" lIns="0" tIns="0" rIns="0" bIns="0" rtlCol="0">
+                  <a:spAutoFit/>
+                </a:bodyPr>
+                <a:lstStyle/>
+                <a:p>
+                  <a14:m>
+                    <m:oMathPara xmlns:m="http://schemas.openxmlformats.org/officeDocument/2006/math">
+                      <m:oMathParaPr>
+                        <m:jc m:val="centerGroup"/>
+                      </m:oMathParaPr>
+                      <m:oMath xmlns:m="http://schemas.openxmlformats.org/officeDocument/2006/math">
+                        <m:r>
+                          <a:rPr lang="de-DE" b="0" i="1" smtClean="0">
+                            <a:latin typeface="Cambria Math" panose="02040503050406030204" pitchFamily="18" charset="0"/>
+                          </a:rPr>
+                          <m:t>−</m:t>
+                        </m:r>
+                      </m:oMath>
+                    </m:oMathPara>
+                  </a14:m>
+                  <a:endParaRPr lang="de-DE" dirty="0"/>
+                </a:p>
+              </p:txBody>
+            </p:sp>
+          </mc:Choice>
+          <mc:Fallback>
+            <p:sp>
+              <p:nvSpPr>
+                <p:cNvPr id="16" name="Textfeld 15">
+                  <a:extLst>
+                    <a:ext uri="{FF2B5EF4-FFF2-40B4-BE49-F238E27FC236}">
+                      <a16:creationId xmlns:a16="http://schemas.microsoft.com/office/drawing/2014/main" id="{A4555BF9-17F8-9ECC-0CB0-FEDEBDD3781A}"/>
+                    </a:ext>
+                  </a:extLst>
+                </p:cNvPr>
+                <p:cNvSpPr txBox="1">
+                  <a:spLocks noRot="1" noChangeAspect="1" noMove="1" noResize="1" noEditPoints="1" noAdjustHandles="1" noChangeArrowheads="1" noChangeShapeType="1" noTextEdit="1"/>
+                </p:cNvSpPr>
+                <p:nvPr/>
+              </p:nvSpPr>
+              <p:spPr>
+                <a:xfrm>
+                  <a:off x="1791310" y="2483435"/>
+                  <a:ext cx="219612" cy="276999"/>
+                </a:xfrm>
+                <a:prstGeom prst="rect">
+                  <a:avLst/>
+                </a:prstGeom>
+                <a:blipFill>
+                  <a:blip r:embed="rId5"/>
+                  <a:stretch>
+                    <a:fillRect l="-11111" r="-5556"/>
+                  </a:stretch>
+                </a:blipFill>
+              </p:spPr>
+              <p:txBody>
+                <a:bodyPr/>
+                <a:lstStyle/>
+                <a:p>
+                  <a:r>
+                    <a:rPr lang="de-DE">
+                      <a:noFill/>
+                    </a:rPr>
+                    <a:t> </a:t>
+                  </a:r>
+                </a:p>
+              </p:txBody>
+            </p:sp>
+          </mc:Fallback>
+        </mc:AlternateContent>
+        <mc:AlternateContent xmlns:mc="http://schemas.openxmlformats.org/markup-compatibility/2006">
+          <mc:Choice xmlns:a14="http://schemas.microsoft.com/office/drawing/2010/main" Requires="a14">
+            <p:sp>
+              <p:nvSpPr>
+                <p:cNvPr id="17" name="Prozess 16">
+                  <a:extLst>
+                    <a:ext uri="{FF2B5EF4-FFF2-40B4-BE49-F238E27FC236}">
+                      <a16:creationId xmlns:a16="http://schemas.microsoft.com/office/drawing/2014/main" id="{965FBAFC-BEA8-48FC-6E53-12E91F1723D5}"/>
+                    </a:ext>
+                  </a:extLst>
+                </p:cNvPr>
+                <p:cNvSpPr/>
+                <p:nvPr/>
+              </p:nvSpPr>
+              <p:spPr>
+                <a:xfrm>
+                  <a:off x="4100558" y="2070000"/>
+                  <a:ext cx="914400" cy="612648"/>
+                </a:xfrm>
+                <a:prstGeom prst="flowChartProcess">
+                  <a:avLst/>
+                </a:prstGeom>
+                <a:noFill/>
+                <a:ln>
+                  <a:solidFill>
+                    <a:schemeClr val="tx1"/>
+                  </a:solidFill>
+                </a:ln>
+              </p:spPr>
+              <p:style>
+                <a:lnRef idx="2">
+                  <a:schemeClr val="accent1">
+                    <a:shade val="15000"/>
+                  </a:schemeClr>
+                </a:lnRef>
+                <a:fillRef idx="1">
+                  <a:schemeClr val="accent1"/>
+                </a:fillRef>
+                <a:effectRef idx="0">
+                  <a:schemeClr val="accent1"/>
+                </a:effectRef>
+                <a:fontRef idx="minor">
+                  <a:schemeClr val="lt1"/>
+                </a:fontRef>
+              </p:style>
+              <p:txBody>
+                <a:bodyPr rtlCol="0" anchor="ctr"/>
+                <a:lstStyle/>
+                <a:p>
+                  <a:pPr algn="ctr"/>
+                  <a14:m>
+                    <m:oMathPara xmlns:m="http://schemas.openxmlformats.org/officeDocument/2006/math">
+                      <m:oMathParaPr>
+                        <m:jc m:val="centerGroup"/>
+                      </m:oMathParaPr>
+                      <m:oMath xmlns:m="http://schemas.openxmlformats.org/officeDocument/2006/math">
+                        <m:r>
+                          <a:rPr lang="de-DE" b="0" i="1" smtClean="0">
+                            <a:solidFill>
+                              <a:schemeClr val="tx1"/>
+                            </a:solidFill>
+                            <a:latin typeface="Cambria Math" panose="02040503050406030204" pitchFamily="18" charset="0"/>
+                          </a:rPr>
+                          <m:t>𝑃</m:t>
+                        </m:r>
+                        <m:r>
+                          <a:rPr lang="de-DE" b="0" i="1" smtClean="0">
+                            <a:solidFill>
+                              <a:schemeClr val="tx1"/>
+                            </a:solidFill>
+                            <a:latin typeface="Cambria Math" panose="02040503050406030204" pitchFamily="18" charset="0"/>
+                          </a:rPr>
+                          <m:t>(</m:t>
+                        </m:r>
+                        <m:r>
+                          <a:rPr lang="de-DE" b="0" i="1" smtClean="0">
+                            <a:solidFill>
+                              <a:schemeClr val="tx1"/>
+                            </a:solidFill>
+                            <a:latin typeface="Cambria Math" panose="02040503050406030204" pitchFamily="18" charset="0"/>
+                          </a:rPr>
+                          <m:t>𝑠</m:t>
+                        </m:r>
+                        <m:r>
+                          <a:rPr lang="de-DE" b="0" i="1" smtClean="0">
+                            <a:solidFill>
+                              <a:schemeClr val="tx1"/>
+                            </a:solidFill>
+                            <a:latin typeface="Cambria Math" panose="02040503050406030204" pitchFamily="18" charset="0"/>
+                          </a:rPr>
+                          <m:t>)</m:t>
+                        </m:r>
+                      </m:oMath>
+                    </m:oMathPara>
+                  </a14:m>
+                  <a:endParaRPr lang="de-DE" dirty="0">
+                    <a:solidFill>
+                      <a:schemeClr val="tx1"/>
+                    </a:solidFill>
+                  </a:endParaRPr>
+                </a:p>
+              </p:txBody>
+            </p:sp>
+          </mc:Choice>
+          <mc:Fallback>
+            <p:sp>
+              <p:nvSpPr>
+                <p:cNvPr id="17" name="Prozess 16">
+                  <a:extLst>
+                    <a:ext uri="{FF2B5EF4-FFF2-40B4-BE49-F238E27FC236}">
+                      <a16:creationId xmlns:a16="http://schemas.microsoft.com/office/drawing/2014/main" id="{965FBAFC-BEA8-48FC-6E53-12E91F1723D5}"/>
+                    </a:ext>
+                  </a:extLst>
+                </p:cNvPr>
+                <p:cNvSpPr>
+                  <a:spLocks noRot="1" noChangeAspect="1" noMove="1" noResize="1" noEditPoints="1" noAdjustHandles="1" noChangeArrowheads="1" noChangeShapeType="1" noTextEdit="1"/>
+                </p:cNvSpPr>
+                <p:nvPr/>
+              </p:nvSpPr>
+              <p:spPr>
+                <a:xfrm>
+                  <a:off x="4100558" y="2070000"/>
+                  <a:ext cx="914400" cy="612648"/>
+                </a:xfrm>
+                <a:prstGeom prst="flowChartProcess">
+                  <a:avLst/>
+                </a:prstGeom>
+                <a:blipFill>
+                  <a:blip r:embed="rId6"/>
+                  <a:stretch>
+                    <a:fillRect/>
+                  </a:stretch>
+                </a:blipFill>
+                <a:ln>
+                  <a:solidFill>
+                    <a:schemeClr val="tx1"/>
+                  </a:solidFill>
+                </a:ln>
+              </p:spPr>
+              <p:txBody>
+                <a:bodyPr/>
+                <a:lstStyle/>
+                <a:p>
+                  <a:r>
+                    <a:rPr lang="de-DE">
+                      <a:noFill/>
+                    </a:rPr>
+                    <a:t> </a:t>
+                  </a:r>
+                </a:p>
+              </p:txBody>
+            </p:sp>
+          </mc:Fallback>
+        </mc:AlternateContent>
+        <p:cxnSp>
+          <p:nvCxnSpPr>
+            <p:cNvPr id="18" name="Gerade Verbindung 17">
+              <a:extLst>
+                <a:ext uri="{FF2B5EF4-FFF2-40B4-BE49-F238E27FC236}">
+                  <a16:creationId xmlns:a16="http://schemas.microsoft.com/office/drawing/2014/main" id="{E227C8EA-10B4-8C97-8335-222B7B531965}"/>
+                </a:ext>
+              </a:extLst>
+            </p:cNvPr>
+            <p:cNvCxnSpPr>
+              <a:cxnSpLocks/>
+            </p:cNvCxnSpPr>
+            <p:nvPr/>
+          </p:nvCxnSpPr>
+          <p:spPr>
+            <a:xfrm>
+              <a:off x="5014958" y="2372644"/>
+              <a:ext cx="692459" cy="0"/>
+            </a:xfrm>
+            <a:prstGeom prst="line">
+              <a:avLst/>
+            </a:prstGeom>
+            <a:ln>
+              <a:solidFill>
+                <a:schemeClr val="tx1"/>
+              </a:solidFill>
+            </a:ln>
+          </p:spPr>
+          <p:style>
+            <a:lnRef idx="2">
+              <a:schemeClr val="accent1"/>
+            </a:lnRef>
+            <a:fillRef idx="0">
+              <a:schemeClr val="accent1"/>
+            </a:fillRef>
+            <a:effectRef idx="1">
+              <a:schemeClr val="accent1"/>
+            </a:effectRef>
+            <a:fontRef idx="minor">
+              <a:schemeClr val="tx1"/>
+            </a:fontRef>
+          </p:style>
+        </p:cxnSp>
+        <p:cxnSp>
+          <p:nvCxnSpPr>
+            <p:cNvPr id="19" name="Gerade Verbindung mit Pfeil 18">
+              <a:extLst>
+                <a:ext uri="{FF2B5EF4-FFF2-40B4-BE49-F238E27FC236}">
+                  <a16:creationId xmlns:a16="http://schemas.microsoft.com/office/drawing/2014/main" id="{DDE908A0-EBE7-EC72-474E-1DFA1E264530}"/>
+                </a:ext>
+              </a:extLst>
+            </p:cNvPr>
+            <p:cNvCxnSpPr>
+              <a:stCxn id="5" idx="3"/>
+              <a:endCxn id="17" idx="1"/>
+            </p:cNvCxnSpPr>
+            <p:nvPr/>
+          </p:nvCxnSpPr>
+          <p:spPr>
+            <a:xfrm>
+              <a:off x="3408099" y="2376324"/>
+              <a:ext cx="692459" cy="0"/>
+            </a:xfrm>
+            <a:prstGeom prst="straightConnector1">
+              <a:avLst/>
+            </a:prstGeom>
+            <a:ln>
+              <a:solidFill>
+                <a:schemeClr val="tx1"/>
+              </a:solidFill>
+              <a:tailEnd type="triangle"/>
+            </a:ln>
+          </p:spPr>
+          <p:style>
+            <a:lnRef idx="2">
+              <a:schemeClr val="accent1"/>
+            </a:lnRef>
+            <a:fillRef idx="0">
+              <a:schemeClr val="accent1"/>
+            </a:fillRef>
+            <a:effectRef idx="1">
+              <a:schemeClr val="accent1"/>
+            </a:effectRef>
+            <a:fontRef idx="minor">
+              <a:schemeClr val="tx1"/>
+            </a:fontRef>
+          </p:style>
+        </p:cxnSp>
+        <mc:AlternateContent xmlns:mc="http://schemas.openxmlformats.org/markup-compatibility/2006">
+          <mc:Choice xmlns:a14="http://schemas.microsoft.com/office/drawing/2010/main" Requires="a14">
+            <p:sp>
+              <p:nvSpPr>
+                <p:cNvPr id="21" name="Prozess 20">
+                  <a:extLst>
+                    <a:ext uri="{FF2B5EF4-FFF2-40B4-BE49-F238E27FC236}">
+                      <a16:creationId xmlns:a16="http://schemas.microsoft.com/office/drawing/2014/main" id="{7AB576E0-2556-12DE-587C-129761027D34}"/>
+                    </a:ext>
+                  </a:extLst>
+                </p:cNvPr>
+                <p:cNvSpPr/>
+                <p:nvPr/>
+              </p:nvSpPr>
+              <p:spPr>
+                <a:xfrm>
+                  <a:off x="3297128" y="3027670"/>
+                  <a:ext cx="914400" cy="612648"/>
+                </a:xfrm>
+                <a:prstGeom prst="flowChartProcess">
+                  <a:avLst/>
+                </a:prstGeom>
+                <a:noFill/>
+                <a:ln>
+                  <a:solidFill>
+                    <a:schemeClr val="tx1"/>
+                  </a:solidFill>
+                </a:ln>
+              </p:spPr>
+              <p:style>
+                <a:lnRef idx="2">
+                  <a:schemeClr val="accent1">
+                    <a:shade val="15000"/>
+                  </a:schemeClr>
+                </a:lnRef>
+                <a:fillRef idx="1">
+                  <a:schemeClr val="accent1"/>
+                </a:fillRef>
+                <a:effectRef idx="0">
+                  <a:schemeClr val="accent1"/>
+                </a:effectRef>
+                <a:fontRef idx="minor">
+                  <a:schemeClr val="lt1"/>
+                </a:fontRef>
+              </p:style>
+              <p:txBody>
+                <a:bodyPr rtlCol="0" anchor="ctr"/>
+                <a:lstStyle/>
+                <a:p>
+                  <a:pPr algn="ctr"/>
+                  <a14:m>
+                    <m:oMathPara xmlns:m="http://schemas.openxmlformats.org/officeDocument/2006/math">
+                      <m:oMathParaPr>
+                        <m:jc m:val="centerGroup"/>
+                      </m:oMathParaPr>
+                      <m:oMath xmlns:m="http://schemas.openxmlformats.org/officeDocument/2006/math">
+                        <m:r>
+                          <a:rPr lang="de-DE" b="0" i="1" smtClean="0">
+                            <a:solidFill>
+                              <a:schemeClr val="tx1"/>
+                            </a:solidFill>
+                            <a:latin typeface="Cambria Math" panose="02040503050406030204" pitchFamily="18" charset="0"/>
+                          </a:rPr>
+                          <m:t>𝐻</m:t>
+                        </m:r>
+                        <m:r>
+                          <a:rPr lang="de-DE" b="0" i="1" smtClean="0">
+                            <a:solidFill>
+                              <a:schemeClr val="tx1"/>
+                            </a:solidFill>
+                            <a:latin typeface="Cambria Math" panose="02040503050406030204" pitchFamily="18" charset="0"/>
+                          </a:rPr>
+                          <m:t>(</m:t>
+                        </m:r>
+                        <m:r>
+                          <a:rPr lang="de-DE" b="0" i="1" smtClean="0">
+                            <a:solidFill>
+                              <a:schemeClr val="tx1"/>
+                            </a:solidFill>
+                            <a:latin typeface="Cambria Math" panose="02040503050406030204" pitchFamily="18" charset="0"/>
+                          </a:rPr>
+                          <m:t>𝑠</m:t>
+                        </m:r>
+                        <m:r>
+                          <a:rPr lang="de-DE" b="0" i="1" smtClean="0">
+                            <a:solidFill>
+                              <a:schemeClr val="tx1"/>
+                            </a:solidFill>
+                            <a:latin typeface="Cambria Math" panose="02040503050406030204" pitchFamily="18" charset="0"/>
+                          </a:rPr>
+                          <m:t>)</m:t>
+                        </m:r>
+                      </m:oMath>
+                    </m:oMathPara>
+                  </a14:m>
+                  <a:endParaRPr lang="de-DE" dirty="0">
+                    <a:solidFill>
+                      <a:schemeClr val="tx1"/>
+                    </a:solidFill>
+                  </a:endParaRPr>
+                </a:p>
+              </p:txBody>
+            </p:sp>
+          </mc:Choice>
+          <mc:Fallback>
+            <p:sp>
+              <p:nvSpPr>
+                <p:cNvPr id="21" name="Prozess 20">
+                  <a:extLst>
+                    <a:ext uri="{FF2B5EF4-FFF2-40B4-BE49-F238E27FC236}">
+                      <a16:creationId xmlns:a16="http://schemas.microsoft.com/office/drawing/2014/main" id="{7AB576E0-2556-12DE-587C-129761027D34}"/>
+                    </a:ext>
+                  </a:extLst>
+                </p:cNvPr>
+                <p:cNvSpPr>
+                  <a:spLocks noRot="1" noChangeAspect="1" noMove="1" noResize="1" noEditPoints="1" noAdjustHandles="1" noChangeArrowheads="1" noChangeShapeType="1" noTextEdit="1"/>
+                </p:cNvSpPr>
+                <p:nvPr/>
+              </p:nvSpPr>
+              <p:spPr>
+                <a:xfrm>
+                  <a:off x="3297128" y="3027670"/>
+                  <a:ext cx="914400" cy="612648"/>
+                </a:xfrm>
+                <a:prstGeom prst="flowChartProcess">
+                  <a:avLst/>
+                </a:prstGeom>
+                <a:blipFill>
+                  <a:blip r:embed="rId7"/>
+                  <a:stretch>
+                    <a:fillRect/>
+                  </a:stretch>
+                </a:blipFill>
+                <a:ln>
+                  <a:solidFill>
+                    <a:schemeClr val="tx1"/>
+                  </a:solidFill>
+                </a:ln>
+              </p:spPr>
+              <p:txBody>
+                <a:bodyPr/>
+                <a:lstStyle/>
+                <a:p>
+                  <a:r>
+                    <a:rPr lang="de-DE">
+                      <a:noFill/>
+                    </a:rPr>
+                    <a:t> </a:t>
+                  </a:r>
+                </a:p>
+              </p:txBody>
+            </p:sp>
+          </mc:Fallback>
+        </mc:AlternateContent>
+        <p:cxnSp>
+          <p:nvCxnSpPr>
+            <p:cNvPr id="25" name="Gerade Verbindung mit Pfeil 24">
+              <a:extLst>
+                <a:ext uri="{FF2B5EF4-FFF2-40B4-BE49-F238E27FC236}">
+                  <a16:creationId xmlns:a16="http://schemas.microsoft.com/office/drawing/2014/main" id="{9B46319F-B1A8-B248-7DFD-BA204C5A3B21}"/>
+                </a:ext>
+              </a:extLst>
+            </p:cNvPr>
+            <p:cNvCxnSpPr>
+              <a:endCxn id="21" idx="3"/>
+            </p:cNvCxnSpPr>
+            <p:nvPr/>
+          </p:nvCxnSpPr>
+          <p:spPr>
+            <a:xfrm flipH="1">
+              <a:off x="4211528" y="3333994"/>
+              <a:ext cx="1544464" cy="0"/>
+            </a:xfrm>
+            <a:prstGeom prst="straightConnector1">
+              <a:avLst/>
+            </a:prstGeom>
+            <a:ln>
+              <a:solidFill>
+                <a:schemeClr val="tx1"/>
+              </a:solidFill>
+              <a:tailEnd type="triangle"/>
+            </a:ln>
+          </p:spPr>
+          <p:style>
+            <a:lnRef idx="2">
+              <a:schemeClr val="accent1"/>
+            </a:lnRef>
+            <a:fillRef idx="0">
+              <a:schemeClr val="accent1"/>
+            </a:fillRef>
+            <a:effectRef idx="1">
+              <a:schemeClr val="accent1"/>
+            </a:effectRef>
+            <a:fontRef idx="minor">
+              <a:schemeClr val="tx1"/>
+            </a:fontRef>
+          </p:style>
+        </p:cxnSp>
+        <p:cxnSp>
+          <p:nvCxnSpPr>
+            <p:cNvPr id="27" name="Gerade Verbindung 26">
+              <a:extLst>
+                <a:ext uri="{FF2B5EF4-FFF2-40B4-BE49-F238E27FC236}">
+                  <a16:creationId xmlns:a16="http://schemas.microsoft.com/office/drawing/2014/main" id="{625B1DDF-760D-0717-CDA1-EBDBED98185C}"/>
+                </a:ext>
+              </a:extLst>
+            </p:cNvPr>
+            <p:cNvCxnSpPr>
+              <a:stCxn id="21" idx="1"/>
+            </p:cNvCxnSpPr>
+            <p:nvPr/>
+          </p:nvCxnSpPr>
+          <p:spPr>
+            <a:xfrm flipH="1">
+              <a:off x="1750103" y="3333994"/>
+              <a:ext cx="1547025" cy="0"/>
+            </a:xfrm>
+            <a:prstGeom prst="line">
+              <a:avLst/>
+            </a:prstGeom>
+            <a:ln>
+              <a:solidFill>
+                <a:schemeClr val="tx1"/>
+              </a:solidFill>
+            </a:ln>
+          </p:spPr>
+          <p:style>
+            <a:lnRef idx="2">
+              <a:schemeClr val="accent1"/>
+            </a:lnRef>
+            <a:fillRef idx="0">
+              <a:schemeClr val="accent1"/>
+            </a:fillRef>
+            <a:effectRef idx="1">
+              <a:schemeClr val="accent1"/>
+            </a:effectRef>
+            <a:fontRef idx="minor">
+              <a:schemeClr val="tx1"/>
+            </a:fontRef>
+          </p:style>
+        </p:cxnSp>
+      </p:grpSp>
+      <p:grpSp>
+        <p:nvGrpSpPr>
+          <p:cNvPr id="87" name="Gruppieren 86">
+            <a:extLst>
+              <a:ext uri="{FF2B5EF4-FFF2-40B4-BE49-F238E27FC236}">
+                <a16:creationId xmlns:a16="http://schemas.microsoft.com/office/drawing/2014/main" id="{236376D0-DD6F-8F51-B718-82E522B4AD77}"/>
+              </a:ext>
+            </a:extLst>
+          </p:cNvPr>
+          <p:cNvGrpSpPr/>
+          <p:nvPr/>
+        </p:nvGrpSpPr>
+        <p:grpSpPr>
+          <a:xfrm>
+            <a:off x="1166232" y="4445381"/>
+            <a:ext cx="9212726" cy="1607783"/>
+            <a:chOff x="1166232" y="4445381"/>
+            <a:chExt cx="9212726" cy="1607783"/>
+          </a:xfrm>
+        </p:grpSpPr>
+        <mc:AlternateContent xmlns:mc="http://schemas.openxmlformats.org/markup-compatibility/2006">
+          <mc:Choice xmlns:a14="http://schemas.microsoft.com/office/drawing/2010/main" Requires="a14">
+            <p:sp>
+              <p:nvSpPr>
+                <p:cNvPr id="28" name="Prozess 27">
+                  <a:extLst>
+                    <a:ext uri="{FF2B5EF4-FFF2-40B4-BE49-F238E27FC236}">
+                      <a16:creationId xmlns:a16="http://schemas.microsoft.com/office/drawing/2014/main" id="{6566DE87-CFD2-F528-C14B-09089A932CF9}"/>
+                    </a:ext>
+                  </a:extLst>
+                </p:cNvPr>
+                <p:cNvSpPr/>
+                <p:nvPr/>
+              </p:nvSpPr>
+              <p:spPr>
+                <a:xfrm>
+                  <a:off x="4556808" y="4486023"/>
+                  <a:ext cx="914400" cy="612648"/>
+                </a:xfrm>
+                <a:prstGeom prst="flowChartProcess">
+                  <a:avLst/>
+                </a:prstGeom>
+                <a:noFill/>
+                <a:ln>
+                  <a:solidFill>
+                    <a:schemeClr val="tx1"/>
+                  </a:solidFill>
+                </a:ln>
+              </p:spPr>
+              <p:style>
+                <a:lnRef idx="2">
+                  <a:schemeClr val="accent1">
+                    <a:shade val="15000"/>
+                  </a:schemeClr>
+                </a:lnRef>
+                <a:fillRef idx="1">
+                  <a:schemeClr val="accent1"/>
+                </a:fillRef>
+                <a:effectRef idx="0">
+                  <a:schemeClr val="accent1"/>
+                </a:effectRef>
+                <a:fontRef idx="minor">
+                  <a:schemeClr val="lt1"/>
+                </a:fontRef>
+              </p:style>
+              <p:txBody>
+                <a:bodyPr rtlCol="0" anchor="ctr"/>
+                <a:lstStyle/>
+                <a:p>
+                  <a:pPr algn="ctr"/>
+                  <a14:m>
+                    <m:oMathPara xmlns:m="http://schemas.openxmlformats.org/officeDocument/2006/math">
+                      <m:oMathParaPr>
+                        <m:jc m:val="centerGroup"/>
+                      </m:oMathParaPr>
+                      <m:oMath xmlns:m="http://schemas.openxmlformats.org/officeDocument/2006/math">
+                        <m:r>
+                          <a:rPr lang="de-DE" b="0" i="1" smtClean="0">
+                            <a:solidFill>
+                              <a:schemeClr val="tx1"/>
+                            </a:solidFill>
+                            <a:latin typeface="Cambria Math" panose="02040503050406030204" pitchFamily="18" charset="0"/>
+                          </a:rPr>
+                          <m:t>𝐶</m:t>
+                        </m:r>
+                        <m:r>
+                          <a:rPr lang="de-DE" b="0" i="1" smtClean="0">
+                            <a:solidFill>
+                              <a:schemeClr val="tx1"/>
+                            </a:solidFill>
+                            <a:latin typeface="Cambria Math" panose="02040503050406030204" pitchFamily="18" charset="0"/>
+                          </a:rPr>
+                          <m:t>(</m:t>
+                        </m:r>
+                        <m:r>
+                          <a:rPr lang="de-DE" b="0" i="1" smtClean="0">
+                            <a:solidFill>
+                              <a:schemeClr val="tx1"/>
+                            </a:solidFill>
+                            <a:latin typeface="Cambria Math" panose="02040503050406030204" pitchFamily="18" charset="0"/>
+                          </a:rPr>
+                          <m:t>𝑠</m:t>
+                        </m:r>
+                        <m:r>
+                          <a:rPr lang="de-DE" b="0" i="1" smtClean="0">
+                            <a:solidFill>
+                              <a:schemeClr val="tx1"/>
+                            </a:solidFill>
+                            <a:latin typeface="Cambria Math" panose="02040503050406030204" pitchFamily="18" charset="0"/>
+                          </a:rPr>
+                          <m:t>)</m:t>
+                        </m:r>
+                      </m:oMath>
+                    </m:oMathPara>
+                  </a14:m>
+                  <a:endParaRPr lang="de-DE" dirty="0">
+                    <a:solidFill>
+                      <a:schemeClr val="tx1"/>
+                    </a:solidFill>
+                  </a:endParaRPr>
+                </a:p>
+              </p:txBody>
+            </p:sp>
+          </mc:Choice>
+          <mc:Fallback>
+            <p:sp>
+              <p:nvSpPr>
+                <p:cNvPr id="28" name="Prozess 27">
+                  <a:extLst>
+                    <a:ext uri="{FF2B5EF4-FFF2-40B4-BE49-F238E27FC236}">
+                      <a16:creationId xmlns:a16="http://schemas.microsoft.com/office/drawing/2014/main" id="{6566DE87-CFD2-F528-C14B-09089A932CF9}"/>
+                    </a:ext>
+                  </a:extLst>
+                </p:cNvPr>
+                <p:cNvSpPr>
+                  <a:spLocks noRot="1" noChangeAspect="1" noMove="1" noResize="1" noEditPoints="1" noAdjustHandles="1" noChangeArrowheads="1" noChangeShapeType="1" noTextEdit="1"/>
+                </p:cNvSpPr>
+                <p:nvPr/>
+              </p:nvSpPr>
+              <p:spPr>
+                <a:xfrm>
+                  <a:off x="4556808" y="4486023"/>
+                  <a:ext cx="914400" cy="612648"/>
+                </a:xfrm>
+                <a:prstGeom prst="flowChartProcess">
+                  <a:avLst/>
+                </a:prstGeom>
+                <a:blipFill>
+                  <a:blip r:embed="rId8"/>
+                  <a:stretch>
+                    <a:fillRect/>
+                  </a:stretch>
+                </a:blipFill>
+                <a:ln>
+                  <a:solidFill>
+                    <a:schemeClr val="tx1"/>
+                  </a:solidFill>
+                </a:ln>
+              </p:spPr>
+              <p:txBody>
+                <a:bodyPr/>
+                <a:lstStyle/>
+                <a:p>
+                  <a:r>
+                    <a:rPr lang="de-DE">
+                      <a:noFill/>
+                    </a:rPr>
+                    <a:t> </a:t>
+                  </a:r>
+                </a:p>
+              </p:txBody>
+            </p:sp>
+          </mc:Fallback>
+        </mc:AlternateContent>
+        <p:sp>
+          <p:nvSpPr>
+            <p:cNvPr id="29" name="Verbindungsstelle 28">
+              <a:extLst>
+                <a:ext uri="{FF2B5EF4-FFF2-40B4-BE49-F238E27FC236}">
+                  <a16:creationId xmlns:a16="http://schemas.microsoft.com/office/drawing/2014/main" id="{C2DABC03-F9C5-04BD-29EE-EEBE919F1731}"/>
+                </a:ext>
+              </a:extLst>
+            </p:cNvPr>
+            <p:cNvSpPr>
+              <a:spLocks noChangeAspect="1"/>
+            </p:cNvSpPr>
+            <p:nvPr/>
+          </p:nvSpPr>
+          <p:spPr>
+            <a:xfrm flipV="1">
+              <a:off x="9390578" y="4745463"/>
+              <a:ext cx="88772" cy="88772"/>
+            </a:xfrm>
+            <a:prstGeom prst="flowChartConnector">
+              <a:avLst/>
+            </a:prstGeom>
+            <a:solidFill>
+              <a:schemeClr val="tx1"/>
+            </a:solidFill>
+          </p:spPr>
+          <p:style>
+            <a:lnRef idx="2">
+              <a:schemeClr val="accent1">
+                <a:shade val="15000"/>
+              </a:schemeClr>
+            </a:lnRef>
+            <a:fillRef idx="1">
+              <a:schemeClr val="accent1"/>
+            </a:fillRef>
+            <a:effectRef idx="0">
+              <a:schemeClr val="accent1"/>
+            </a:effectRef>
+            <a:fontRef idx="minor">
+              <a:schemeClr val="lt1"/>
+            </a:fontRef>
+          </p:style>
+          <p:txBody>
+            <a:bodyPr rtlCol="0" anchor="ctr"/>
+            <a:lstStyle/>
+            <a:p>
+              <a:pPr algn="ctr"/>
+              <a:endParaRPr lang="de-DE"/>
+            </a:p>
+          </p:txBody>
+        </p:sp>
+        <p:cxnSp>
+          <p:nvCxnSpPr>
+            <p:cNvPr id="30" name="Gerade Verbindung mit Pfeil 29">
+              <a:extLst>
+                <a:ext uri="{FF2B5EF4-FFF2-40B4-BE49-F238E27FC236}">
+                  <a16:creationId xmlns:a16="http://schemas.microsoft.com/office/drawing/2014/main" id="{36747D36-517B-D08B-611D-6EFABD456D55}"/>
+                </a:ext>
+              </a:extLst>
+            </p:cNvPr>
+            <p:cNvCxnSpPr>
+              <a:cxnSpLocks/>
+            </p:cNvCxnSpPr>
+            <p:nvPr/>
+          </p:nvCxnSpPr>
+          <p:spPr>
+            <a:xfrm>
+              <a:off x="9434964" y="4789849"/>
+              <a:ext cx="828436" cy="1557"/>
+            </a:xfrm>
+            <a:prstGeom prst="straightConnector1">
+              <a:avLst/>
+            </a:prstGeom>
+            <a:ln>
+              <a:solidFill>
+                <a:schemeClr val="tx1"/>
+              </a:solidFill>
+              <a:tailEnd type="triangle"/>
+            </a:ln>
+          </p:spPr>
+          <p:style>
+            <a:lnRef idx="2">
+              <a:schemeClr val="accent1"/>
+            </a:lnRef>
+            <a:fillRef idx="0">
+              <a:schemeClr val="accent1"/>
+            </a:fillRef>
+            <a:effectRef idx="1">
+              <a:schemeClr val="accent1"/>
+            </a:effectRef>
+            <a:fontRef idx="minor">
+              <a:schemeClr val="tx1"/>
+            </a:fontRef>
+          </p:style>
+        </p:cxnSp>
+        <mc:AlternateContent xmlns:mc="http://schemas.openxmlformats.org/markup-compatibility/2006">
+          <mc:Choice xmlns:a14="http://schemas.microsoft.com/office/drawing/2010/main" Requires="a14">
+            <p:sp>
+              <p:nvSpPr>
+                <p:cNvPr id="31" name="Textfeld 30">
+                  <a:extLst>
+                    <a:ext uri="{FF2B5EF4-FFF2-40B4-BE49-F238E27FC236}">
+                      <a16:creationId xmlns:a16="http://schemas.microsoft.com/office/drawing/2014/main" id="{172D6ED6-234E-6A50-5406-A702D6990675}"/>
+                    </a:ext>
+                  </a:extLst>
+                </p:cNvPr>
+                <p:cNvSpPr txBox="1"/>
+                <p:nvPr/>
+              </p:nvSpPr>
+              <p:spPr>
+                <a:xfrm>
+                  <a:off x="9882860" y="4448493"/>
+                  <a:ext cx="496098" cy="276999"/>
+                </a:xfrm>
+                <a:prstGeom prst="rect">
+                  <a:avLst/>
+                </a:prstGeom>
+                <a:noFill/>
+              </p:spPr>
+              <p:txBody>
+                <a:bodyPr wrap="none" lIns="0" tIns="0" rIns="0" bIns="0" rtlCol="0">
+                  <a:spAutoFit/>
+                </a:bodyPr>
+                <a:lstStyle/>
+                <a:p>
+                  <a14:m>
+                    <m:oMathPara xmlns:m="http://schemas.openxmlformats.org/officeDocument/2006/math">
+                      <m:oMathParaPr>
+                        <m:jc m:val="centerGroup"/>
+                      </m:oMathParaPr>
+                      <m:oMath xmlns:m="http://schemas.openxmlformats.org/officeDocument/2006/math">
+                        <m:r>
+                          <a:rPr lang="de-DE" b="0" i="1" smtClean="0">
+                            <a:latin typeface="Cambria Math" panose="02040503050406030204" pitchFamily="18" charset="0"/>
+                          </a:rPr>
+                          <m:t>𝑌</m:t>
+                        </m:r>
+                        <m:r>
+                          <a:rPr lang="de-DE" b="0" i="1" smtClean="0">
+                            <a:latin typeface="Cambria Math" panose="02040503050406030204" pitchFamily="18" charset="0"/>
+                          </a:rPr>
+                          <m:t>(</m:t>
+                        </m:r>
+                        <m:r>
+                          <a:rPr lang="de-DE" b="0" i="1" smtClean="0">
+                            <a:latin typeface="Cambria Math" panose="02040503050406030204" pitchFamily="18" charset="0"/>
+                          </a:rPr>
+                          <m:t>𝑠</m:t>
+                        </m:r>
+                        <m:r>
+                          <a:rPr lang="de-DE" b="0" i="1" smtClean="0">
+                            <a:latin typeface="Cambria Math" panose="02040503050406030204" pitchFamily="18" charset="0"/>
+                          </a:rPr>
+                          <m:t>)</m:t>
+                        </m:r>
+                      </m:oMath>
+                    </m:oMathPara>
+                  </a14:m>
+                  <a:endParaRPr lang="de-DE" dirty="0"/>
+                </a:p>
+              </p:txBody>
+            </p:sp>
+          </mc:Choice>
+          <mc:Fallback>
+            <p:sp>
+              <p:nvSpPr>
+                <p:cNvPr id="31" name="Textfeld 30">
+                  <a:extLst>
+                    <a:ext uri="{FF2B5EF4-FFF2-40B4-BE49-F238E27FC236}">
+                      <a16:creationId xmlns:a16="http://schemas.microsoft.com/office/drawing/2014/main" id="{172D6ED6-234E-6A50-5406-A702D6990675}"/>
+                    </a:ext>
+                  </a:extLst>
+                </p:cNvPr>
+                <p:cNvSpPr txBox="1">
+                  <a:spLocks noRot="1" noChangeAspect="1" noMove="1" noResize="1" noEditPoints="1" noAdjustHandles="1" noChangeArrowheads="1" noChangeShapeType="1" noTextEdit="1"/>
+                </p:cNvSpPr>
+                <p:nvPr/>
+              </p:nvSpPr>
+              <p:spPr>
+                <a:xfrm>
+                  <a:off x="9882860" y="4448493"/>
+                  <a:ext cx="496098" cy="276999"/>
+                </a:xfrm>
+                <a:prstGeom prst="rect">
+                  <a:avLst/>
+                </a:prstGeom>
+                <a:blipFill>
+                  <a:blip r:embed="rId9"/>
+                  <a:stretch>
+                    <a:fillRect l="-12500" t="-4545" r="-17500" b="-40909"/>
+                  </a:stretch>
+                </a:blipFill>
+              </p:spPr>
+              <p:txBody>
+                <a:bodyPr/>
+                <a:lstStyle/>
+                <a:p>
+                  <a:r>
+                    <a:rPr lang="de-DE">
+                      <a:noFill/>
+                    </a:rPr>
+                    <a:t> </a:t>
+                  </a:r>
+                </a:p>
+              </p:txBody>
+            </p:sp>
+          </mc:Fallback>
+        </mc:AlternateContent>
+        <p:cxnSp>
+          <p:nvCxnSpPr>
+            <p:cNvPr id="32" name="Gerade Verbindung 31">
+              <a:extLst>
+                <a:ext uri="{FF2B5EF4-FFF2-40B4-BE49-F238E27FC236}">
+                  <a16:creationId xmlns:a16="http://schemas.microsoft.com/office/drawing/2014/main" id="{2112C397-716A-805F-6585-5E187081CE67}"/>
+                </a:ext>
+              </a:extLst>
+            </p:cNvPr>
+            <p:cNvCxnSpPr>
+              <a:cxnSpLocks/>
+              <a:stCxn id="29" idx="0"/>
+            </p:cNvCxnSpPr>
+            <p:nvPr/>
+          </p:nvCxnSpPr>
+          <p:spPr>
+            <a:xfrm>
+              <a:off x="9434964" y="4834235"/>
+              <a:ext cx="0" cy="916964"/>
+            </a:xfrm>
+            <a:prstGeom prst="line">
+              <a:avLst/>
+            </a:prstGeom>
+            <a:ln>
+              <a:solidFill>
+                <a:schemeClr val="tx1"/>
+              </a:solidFill>
+            </a:ln>
+          </p:spPr>
+          <p:style>
+            <a:lnRef idx="2">
+              <a:schemeClr val="accent1"/>
+            </a:lnRef>
+            <a:fillRef idx="0">
+              <a:schemeClr val="accent1"/>
+            </a:fillRef>
+            <a:effectRef idx="1">
+              <a:schemeClr val="accent1"/>
+            </a:effectRef>
+            <a:fontRef idx="minor">
+              <a:schemeClr val="tx1"/>
+            </a:fontRef>
+          </p:style>
+        </p:cxnSp>
+        <p:sp>
+          <p:nvSpPr>
+            <p:cNvPr id="33" name="Ring 32">
+              <a:extLst>
+                <a:ext uri="{FF2B5EF4-FFF2-40B4-BE49-F238E27FC236}">
+                  <a16:creationId xmlns:a16="http://schemas.microsoft.com/office/drawing/2014/main" id="{B933FAA3-EA9E-D1A4-7AD8-3C4306375581}"/>
+                </a:ext>
+              </a:extLst>
+            </p:cNvPr>
+            <p:cNvSpPr>
+              <a:spLocks noChangeAspect="1"/>
+            </p:cNvSpPr>
+            <p:nvPr/>
+          </p:nvSpPr>
+          <p:spPr>
+            <a:xfrm>
+              <a:off x="3768212" y="4748400"/>
+              <a:ext cx="90000" cy="90000"/>
+            </a:xfrm>
+            <a:prstGeom prst="donut">
+              <a:avLst>
+                <a:gd name="adj" fmla="val 0"/>
+              </a:avLst>
+            </a:prstGeom>
+            <a:noFill/>
+            <a:ln>
+              <a:solidFill>
+                <a:schemeClr val="tx1"/>
+              </a:solidFill>
+            </a:ln>
+          </p:spPr>
+          <p:style>
+            <a:lnRef idx="2">
+              <a:schemeClr val="accent1">
+                <a:shade val="15000"/>
+              </a:schemeClr>
+            </a:lnRef>
+            <a:fillRef idx="1">
+              <a:schemeClr val="accent1"/>
+            </a:fillRef>
+            <a:effectRef idx="0">
+              <a:schemeClr val="accent1"/>
+            </a:effectRef>
+            <a:fontRef idx="minor">
+              <a:schemeClr val="lt1"/>
+            </a:fontRef>
+          </p:style>
+          <p:txBody>
+            <a:bodyPr rtlCol="0" anchor="ctr"/>
+            <a:lstStyle/>
+            <a:p>
+              <a:pPr algn="ctr"/>
+              <a:endParaRPr lang="de-DE">
+                <a:solidFill>
+                  <a:schemeClr val="tx1"/>
+                </a:solidFill>
+              </a:endParaRPr>
+            </a:p>
+          </p:txBody>
+        </p:sp>
+        <p:cxnSp>
+          <p:nvCxnSpPr>
+            <p:cNvPr id="34" name="Gerade Verbindung mit Pfeil 33">
+              <a:extLst>
+                <a:ext uri="{FF2B5EF4-FFF2-40B4-BE49-F238E27FC236}">
+                  <a16:creationId xmlns:a16="http://schemas.microsoft.com/office/drawing/2014/main" id="{B7B9ED09-7295-0A91-E7E1-F489D4346057}"/>
+                </a:ext>
+              </a:extLst>
+            </p:cNvPr>
+            <p:cNvCxnSpPr>
+              <a:endCxn id="33" idx="4"/>
+            </p:cNvCxnSpPr>
+            <p:nvPr/>
+          </p:nvCxnSpPr>
+          <p:spPr>
+            <a:xfrm flipV="1">
+              <a:off x="3813212" y="4838400"/>
+              <a:ext cx="0" cy="915736"/>
+            </a:xfrm>
+            <a:prstGeom prst="straightConnector1">
+              <a:avLst/>
+            </a:prstGeom>
+            <a:ln>
+              <a:solidFill>
+                <a:schemeClr val="tx1"/>
+              </a:solidFill>
+              <a:tailEnd type="triangle"/>
+            </a:ln>
+          </p:spPr>
+          <p:style>
+            <a:lnRef idx="2">
+              <a:schemeClr val="accent1"/>
+            </a:lnRef>
+            <a:fillRef idx="0">
+              <a:schemeClr val="accent1"/>
+            </a:fillRef>
+            <a:effectRef idx="1">
+              <a:schemeClr val="accent1"/>
+            </a:effectRef>
+            <a:fontRef idx="minor">
+              <a:schemeClr val="tx1"/>
+            </a:fontRef>
+          </p:style>
+        </p:cxnSp>
+        <p:cxnSp>
+          <p:nvCxnSpPr>
+            <p:cNvPr id="35" name="Gerade Verbindung mit Pfeil 34">
+              <a:extLst>
+                <a:ext uri="{FF2B5EF4-FFF2-40B4-BE49-F238E27FC236}">
+                  <a16:creationId xmlns:a16="http://schemas.microsoft.com/office/drawing/2014/main" id="{164A0B6F-9F37-D940-ABFA-5334CD65FD83}"/>
+                </a:ext>
+              </a:extLst>
+            </p:cNvPr>
+            <p:cNvCxnSpPr>
+              <a:cxnSpLocks/>
+              <a:stCxn id="33" idx="6"/>
+              <a:endCxn id="28" idx="1"/>
+            </p:cNvCxnSpPr>
+            <p:nvPr/>
+          </p:nvCxnSpPr>
+          <p:spPr>
+            <a:xfrm flipV="1">
+              <a:off x="3858212" y="4792347"/>
+              <a:ext cx="698596" cy="1053"/>
+            </a:xfrm>
+            <a:prstGeom prst="straightConnector1">
+              <a:avLst/>
+            </a:prstGeom>
+            <a:ln>
+              <a:solidFill>
+                <a:schemeClr val="tx1"/>
+              </a:solidFill>
+              <a:tailEnd type="triangle"/>
+            </a:ln>
+          </p:spPr>
+          <p:style>
+            <a:lnRef idx="2">
+              <a:schemeClr val="accent1"/>
+            </a:lnRef>
+            <a:fillRef idx="0">
+              <a:schemeClr val="accent1"/>
+            </a:fillRef>
+            <a:effectRef idx="1">
+              <a:schemeClr val="accent1"/>
+            </a:effectRef>
+            <a:fontRef idx="minor">
+              <a:schemeClr val="tx1"/>
+            </a:fontRef>
+          </p:style>
+        </p:cxnSp>
+        <p:cxnSp>
+          <p:nvCxnSpPr>
+            <p:cNvPr id="36" name="Gerade Verbindung mit Pfeil 35">
+              <a:extLst>
+                <a:ext uri="{FF2B5EF4-FFF2-40B4-BE49-F238E27FC236}">
+                  <a16:creationId xmlns:a16="http://schemas.microsoft.com/office/drawing/2014/main" id="{53818EAB-AA81-1C28-8797-29AC86FA732C}"/>
+                </a:ext>
+              </a:extLst>
+            </p:cNvPr>
+            <p:cNvCxnSpPr>
+              <a:cxnSpLocks/>
+            </p:cNvCxnSpPr>
+            <p:nvPr/>
+          </p:nvCxnSpPr>
+          <p:spPr>
+            <a:xfrm>
+              <a:off x="1318264" y="4789849"/>
+              <a:ext cx="838988" cy="2171"/>
+            </a:xfrm>
+            <a:prstGeom prst="straightConnector1">
+              <a:avLst/>
+            </a:prstGeom>
+            <a:ln>
+              <a:solidFill>
+                <a:schemeClr val="tx1"/>
+              </a:solidFill>
+              <a:tailEnd type="triangle"/>
+            </a:ln>
+          </p:spPr>
+          <p:style>
+            <a:lnRef idx="2">
+              <a:schemeClr val="accent1"/>
+            </a:lnRef>
+            <a:fillRef idx="0">
+              <a:schemeClr val="accent1"/>
+            </a:fillRef>
+            <a:effectRef idx="1">
+              <a:schemeClr val="accent1"/>
+            </a:effectRef>
+            <a:fontRef idx="minor">
+              <a:schemeClr val="tx1"/>
+            </a:fontRef>
+          </p:style>
+        </p:cxnSp>
+        <mc:AlternateContent xmlns:mc="http://schemas.openxmlformats.org/markup-compatibility/2006">
+          <mc:Choice xmlns:a14="http://schemas.microsoft.com/office/drawing/2010/main" Requires="a14">
+            <p:sp>
+              <p:nvSpPr>
+                <p:cNvPr id="37" name="Textfeld 36">
+                  <a:extLst>
+                    <a:ext uri="{FF2B5EF4-FFF2-40B4-BE49-F238E27FC236}">
+                      <a16:creationId xmlns:a16="http://schemas.microsoft.com/office/drawing/2014/main" id="{851796E7-6A3A-F1D0-E9B5-D357335B6A4D}"/>
+                    </a:ext>
+                  </a:extLst>
+                </p:cNvPr>
+                <p:cNvSpPr txBox="1"/>
+                <p:nvPr/>
+              </p:nvSpPr>
+              <p:spPr>
+                <a:xfrm>
+                  <a:off x="1166232" y="4445381"/>
+                  <a:ext cx="505203" cy="276999"/>
+                </a:xfrm>
+                <a:prstGeom prst="rect">
+                  <a:avLst/>
+                </a:prstGeom>
+                <a:noFill/>
+              </p:spPr>
+              <p:txBody>
+                <a:bodyPr wrap="none" lIns="0" tIns="0" rIns="0" bIns="0" rtlCol="0">
+                  <a:spAutoFit/>
+                </a:bodyPr>
+                <a:lstStyle/>
+                <a:p>
+                  <a14:m>
+                    <m:oMathPara xmlns:m="http://schemas.openxmlformats.org/officeDocument/2006/math">
+                      <m:oMathParaPr>
+                        <m:jc m:val="centerGroup"/>
+                      </m:oMathParaPr>
+                      <m:oMath xmlns:m="http://schemas.openxmlformats.org/officeDocument/2006/math">
+                        <m:r>
+                          <a:rPr lang="de-DE" b="0" i="1" smtClean="0">
+                            <a:latin typeface="Cambria Math" panose="02040503050406030204" pitchFamily="18" charset="0"/>
+                          </a:rPr>
+                          <m:t>𝑅</m:t>
+                        </m:r>
+                        <m:r>
+                          <a:rPr lang="de-DE" b="0" i="1" smtClean="0">
+                            <a:latin typeface="Cambria Math" panose="02040503050406030204" pitchFamily="18" charset="0"/>
+                          </a:rPr>
+                          <m:t>(</m:t>
+                        </m:r>
+                        <m:r>
+                          <a:rPr lang="de-DE" b="0" i="1" smtClean="0">
+                            <a:latin typeface="Cambria Math" panose="02040503050406030204" pitchFamily="18" charset="0"/>
+                          </a:rPr>
+                          <m:t>𝑠</m:t>
+                        </m:r>
+                        <m:r>
+                          <a:rPr lang="de-DE" b="0" i="1" smtClean="0">
+                            <a:latin typeface="Cambria Math" panose="02040503050406030204" pitchFamily="18" charset="0"/>
+                          </a:rPr>
+                          <m:t>)</m:t>
+                        </m:r>
+                      </m:oMath>
+                    </m:oMathPara>
+                  </a14:m>
+                  <a:endParaRPr lang="de-DE" dirty="0"/>
+                </a:p>
+              </p:txBody>
+            </p:sp>
+          </mc:Choice>
+          <mc:Fallback>
+            <p:sp>
+              <p:nvSpPr>
+                <p:cNvPr id="37" name="Textfeld 36">
+                  <a:extLst>
+                    <a:ext uri="{FF2B5EF4-FFF2-40B4-BE49-F238E27FC236}">
+                      <a16:creationId xmlns:a16="http://schemas.microsoft.com/office/drawing/2014/main" id="{851796E7-6A3A-F1D0-E9B5-D357335B6A4D}"/>
+                    </a:ext>
+                  </a:extLst>
+                </p:cNvPr>
+                <p:cNvSpPr txBox="1">
+                  <a:spLocks noRot="1" noChangeAspect="1" noMove="1" noResize="1" noEditPoints="1" noAdjustHandles="1" noChangeArrowheads="1" noChangeShapeType="1" noTextEdit="1"/>
+                </p:cNvSpPr>
+                <p:nvPr/>
+              </p:nvSpPr>
+              <p:spPr>
+                <a:xfrm>
+                  <a:off x="1166232" y="4445381"/>
+                  <a:ext cx="505203" cy="276999"/>
+                </a:xfrm>
+                <a:prstGeom prst="rect">
+                  <a:avLst/>
+                </a:prstGeom>
+                <a:blipFill>
+                  <a:blip r:embed="rId10"/>
+                  <a:stretch>
+                    <a:fillRect l="-9756" r="-17073" b="-34783"/>
+                  </a:stretch>
+                </a:blipFill>
+              </p:spPr>
+              <p:txBody>
+                <a:bodyPr/>
+                <a:lstStyle/>
+                <a:p>
+                  <a:r>
+                    <a:rPr lang="de-DE">
+                      <a:noFill/>
+                    </a:rPr>
+                    <a:t> </a:t>
+                  </a:r>
+                </a:p>
+              </p:txBody>
+            </p:sp>
+          </mc:Fallback>
+        </mc:AlternateContent>
+        <mc:AlternateContent xmlns:mc="http://schemas.openxmlformats.org/markup-compatibility/2006">
+          <mc:Choice xmlns:a14="http://schemas.microsoft.com/office/drawing/2010/main" Requires="a14">
+            <p:sp>
+              <p:nvSpPr>
+                <p:cNvPr id="38" name="Textfeld 37">
+                  <a:extLst>
+                    <a:ext uri="{FF2B5EF4-FFF2-40B4-BE49-F238E27FC236}">
+                      <a16:creationId xmlns:a16="http://schemas.microsoft.com/office/drawing/2014/main" id="{5BFDB529-F53D-E1F8-DEDB-451F750E86EC}"/>
+                    </a:ext>
+                  </a:extLst>
+                </p:cNvPr>
+                <p:cNvSpPr txBox="1"/>
+                <p:nvPr/>
+              </p:nvSpPr>
+              <p:spPr>
+                <a:xfrm>
+                  <a:off x="3854419" y="4898469"/>
+                  <a:ext cx="219612" cy="276999"/>
+                </a:xfrm>
+                <a:prstGeom prst="rect">
+                  <a:avLst/>
+                </a:prstGeom>
+                <a:noFill/>
+              </p:spPr>
+              <p:txBody>
+                <a:bodyPr wrap="none" lIns="0" tIns="0" rIns="0" bIns="0" rtlCol="0">
+                  <a:spAutoFit/>
+                </a:bodyPr>
+                <a:lstStyle/>
+                <a:p>
+                  <a14:m>
+                    <m:oMathPara xmlns:m="http://schemas.openxmlformats.org/officeDocument/2006/math">
+                      <m:oMathParaPr>
+                        <m:jc m:val="centerGroup"/>
+                      </m:oMathParaPr>
+                      <m:oMath xmlns:m="http://schemas.openxmlformats.org/officeDocument/2006/math">
+                        <m:r>
+                          <a:rPr lang="de-DE" b="0" i="1" smtClean="0">
+                            <a:latin typeface="Cambria Math" panose="02040503050406030204" pitchFamily="18" charset="0"/>
+                          </a:rPr>
+                          <m:t>−</m:t>
+                        </m:r>
+                      </m:oMath>
+                    </m:oMathPara>
+                  </a14:m>
+                  <a:endParaRPr lang="de-DE" dirty="0"/>
+                </a:p>
+              </p:txBody>
+            </p:sp>
+          </mc:Choice>
+          <mc:Fallback>
+            <p:sp>
+              <p:nvSpPr>
+                <p:cNvPr id="38" name="Textfeld 37">
+                  <a:extLst>
+                    <a:ext uri="{FF2B5EF4-FFF2-40B4-BE49-F238E27FC236}">
+                      <a16:creationId xmlns:a16="http://schemas.microsoft.com/office/drawing/2014/main" id="{5BFDB529-F53D-E1F8-DEDB-451F750E86EC}"/>
+                    </a:ext>
+                  </a:extLst>
+                </p:cNvPr>
+                <p:cNvSpPr txBox="1">
+                  <a:spLocks noRot="1" noChangeAspect="1" noMove="1" noResize="1" noEditPoints="1" noAdjustHandles="1" noChangeArrowheads="1" noChangeShapeType="1" noTextEdit="1"/>
+                </p:cNvSpPr>
+                <p:nvPr/>
+              </p:nvSpPr>
+              <p:spPr>
+                <a:xfrm>
+                  <a:off x="3854419" y="4898469"/>
+                  <a:ext cx="219612" cy="276999"/>
+                </a:xfrm>
+                <a:prstGeom prst="rect">
+                  <a:avLst/>
+                </a:prstGeom>
+                <a:blipFill>
+                  <a:blip r:embed="rId11"/>
+                  <a:stretch>
+                    <a:fillRect l="-11111" r="-11111"/>
+                  </a:stretch>
+                </a:blipFill>
+              </p:spPr>
+              <p:txBody>
+                <a:bodyPr/>
+                <a:lstStyle/>
+                <a:p>
+                  <a:r>
+                    <a:rPr lang="de-DE">
+                      <a:noFill/>
+                    </a:rPr>
+                    <a:t> </a:t>
+                  </a:r>
+                </a:p>
+              </p:txBody>
+            </p:sp>
+          </mc:Fallback>
+        </mc:AlternateContent>
+        <mc:AlternateContent xmlns:mc="http://schemas.openxmlformats.org/markup-compatibility/2006">
+          <mc:Choice xmlns:a14="http://schemas.microsoft.com/office/drawing/2010/main" Requires="a14">
+            <p:sp>
+              <p:nvSpPr>
+                <p:cNvPr id="39" name="Prozess 38">
+                  <a:extLst>
+                    <a:ext uri="{FF2B5EF4-FFF2-40B4-BE49-F238E27FC236}">
+                      <a16:creationId xmlns:a16="http://schemas.microsoft.com/office/drawing/2014/main" id="{D8F3F6B1-D911-BC27-DC02-27588C7F837C}"/>
+                    </a:ext>
+                  </a:extLst>
+                </p:cNvPr>
+                <p:cNvSpPr/>
+                <p:nvPr/>
+              </p:nvSpPr>
+              <p:spPr>
+                <a:xfrm>
+                  <a:off x="7779530" y="4483525"/>
+                  <a:ext cx="914400" cy="612648"/>
+                </a:xfrm>
+                <a:prstGeom prst="flowChartProcess">
+                  <a:avLst/>
+                </a:prstGeom>
+                <a:noFill/>
+                <a:ln>
+                  <a:solidFill>
+                    <a:schemeClr val="tx1"/>
+                  </a:solidFill>
+                </a:ln>
+              </p:spPr>
+              <p:style>
+                <a:lnRef idx="2">
+                  <a:schemeClr val="accent1">
+                    <a:shade val="15000"/>
+                  </a:schemeClr>
+                </a:lnRef>
+                <a:fillRef idx="1">
+                  <a:schemeClr val="accent1"/>
+                </a:fillRef>
+                <a:effectRef idx="0">
+                  <a:schemeClr val="accent1"/>
+                </a:effectRef>
+                <a:fontRef idx="minor">
+                  <a:schemeClr val="lt1"/>
+                </a:fontRef>
+              </p:style>
+              <p:txBody>
+                <a:bodyPr rtlCol="0" anchor="ctr"/>
+                <a:lstStyle/>
+                <a:p>
+                  <a:pPr algn="ctr"/>
+                  <a14:m>
+                    <m:oMathPara xmlns:m="http://schemas.openxmlformats.org/officeDocument/2006/math">
+                      <m:oMathParaPr>
+                        <m:jc m:val="centerGroup"/>
+                      </m:oMathParaPr>
+                      <m:oMath xmlns:m="http://schemas.openxmlformats.org/officeDocument/2006/math">
+                        <m:r>
+                          <a:rPr lang="de-DE" b="0" i="1" smtClean="0">
+                            <a:solidFill>
+                              <a:schemeClr val="tx1"/>
+                            </a:solidFill>
+                            <a:latin typeface="Cambria Math" panose="02040503050406030204" pitchFamily="18" charset="0"/>
+                          </a:rPr>
+                          <m:t>𝑃</m:t>
+                        </m:r>
+                        <m:r>
+                          <a:rPr lang="de-DE" b="0" i="1" smtClean="0">
+                            <a:solidFill>
+                              <a:schemeClr val="tx1"/>
+                            </a:solidFill>
+                            <a:latin typeface="Cambria Math" panose="02040503050406030204" pitchFamily="18" charset="0"/>
+                          </a:rPr>
+                          <m:t>(</m:t>
+                        </m:r>
+                        <m:r>
+                          <a:rPr lang="de-DE" b="0" i="1" smtClean="0">
+                            <a:solidFill>
+                              <a:schemeClr val="tx1"/>
+                            </a:solidFill>
+                            <a:latin typeface="Cambria Math" panose="02040503050406030204" pitchFamily="18" charset="0"/>
+                          </a:rPr>
+                          <m:t>𝑠</m:t>
+                        </m:r>
+                        <m:r>
+                          <a:rPr lang="de-DE" b="0" i="1" smtClean="0">
+                            <a:solidFill>
+                              <a:schemeClr val="tx1"/>
+                            </a:solidFill>
+                            <a:latin typeface="Cambria Math" panose="02040503050406030204" pitchFamily="18" charset="0"/>
+                          </a:rPr>
+                          <m:t>)</m:t>
+                        </m:r>
+                      </m:oMath>
+                    </m:oMathPara>
+                  </a14:m>
+                  <a:endParaRPr lang="de-DE" dirty="0">
+                    <a:solidFill>
+                      <a:schemeClr val="tx1"/>
+                    </a:solidFill>
+                  </a:endParaRPr>
+                </a:p>
+              </p:txBody>
+            </p:sp>
+          </mc:Choice>
+          <mc:Fallback>
+            <p:sp>
+              <p:nvSpPr>
+                <p:cNvPr id="39" name="Prozess 38">
+                  <a:extLst>
+                    <a:ext uri="{FF2B5EF4-FFF2-40B4-BE49-F238E27FC236}">
+                      <a16:creationId xmlns:a16="http://schemas.microsoft.com/office/drawing/2014/main" id="{D8F3F6B1-D911-BC27-DC02-27588C7F837C}"/>
+                    </a:ext>
+                  </a:extLst>
+                </p:cNvPr>
+                <p:cNvSpPr>
+                  <a:spLocks noRot="1" noChangeAspect="1" noMove="1" noResize="1" noEditPoints="1" noAdjustHandles="1" noChangeArrowheads="1" noChangeShapeType="1" noTextEdit="1"/>
+                </p:cNvSpPr>
+                <p:nvPr/>
+              </p:nvSpPr>
+              <p:spPr>
+                <a:xfrm>
+                  <a:off x="7779530" y="4483525"/>
+                  <a:ext cx="914400" cy="612648"/>
+                </a:xfrm>
+                <a:prstGeom prst="flowChartProcess">
+                  <a:avLst/>
+                </a:prstGeom>
+                <a:blipFill>
+                  <a:blip r:embed="rId12"/>
+                  <a:stretch>
+                    <a:fillRect/>
+                  </a:stretch>
+                </a:blipFill>
+                <a:ln>
+                  <a:solidFill>
+                    <a:schemeClr val="tx1"/>
+                  </a:solidFill>
+                </a:ln>
+              </p:spPr>
+              <p:txBody>
+                <a:bodyPr/>
+                <a:lstStyle/>
+                <a:p>
+                  <a:r>
+                    <a:rPr lang="de-DE">
+                      <a:noFill/>
+                    </a:rPr>
+                    <a:t> </a:t>
+                  </a:r>
+                </a:p>
+              </p:txBody>
+            </p:sp>
+          </mc:Fallback>
+        </mc:AlternateContent>
+        <p:cxnSp>
+          <p:nvCxnSpPr>
+            <p:cNvPr id="40" name="Gerade Verbindung 39">
+              <a:extLst>
+                <a:ext uri="{FF2B5EF4-FFF2-40B4-BE49-F238E27FC236}">
+                  <a16:creationId xmlns:a16="http://schemas.microsoft.com/office/drawing/2014/main" id="{EEA8F883-E782-1706-820F-E6314EB97029}"/>
+                </a:ext>
+              </a:extLst>
+            </p:cNvPr>
+            <p:cNvCxnSpPr>
+              <a:cxnSpLocks/>
+            </p:cNvCxnSpPr>
+            <p:nvPr/>
+          </p:nvCxnSpPr>
+          <p:spPr>
+            <a:xfrm>
+              <a:off x="8693930" y="4789849"/>
+              <a:ext cx="692459" cy="0"/>
+            </a:xfrm>
+            <a:prstGeom prst="line">
+              <a:avLst/>
+            </a:prstGeom>
+            <a:ln>
+              <a:solidFill>
+                <a:schemeClr val="tx1"/>
+              </a:solidFill>
+            </a:ln>
+          </p:spPr>
+          <p:style>
+            <a:lnRef idx="2">
+              <a:schemeClr val="accent1"/>
+            </a:lnRef>
+            <a:fillRef idx="0">
+              <a:schemeClr val="accent1"/>
+            </a:fillRef>
+            <a:effectRef idx="1">
+              <a:schemeClr val="accent1"/>
+            </a:effectRef>
+            <a:fontRef idx="minor">
+              <a:schemeClr val="tx1"/>
+            </a:fontRef>
+          </p:style>
+        </p:cxnSp>
+        <p:cxnSp>
+          <p:nvCxnSpPr>
+            <p:cNvPr id="41" name="Gerade Verbindung mit Pfeil 40">
+              <a:extLst>
+                <a:ext uri="{FF2B5EF4-FFF2-40B4-BE49-F238E27FC236}">
+                  <a16:creationId xmlns:a16="http://schemas.microsoft.com/office/drawing/2014/main" id="{8AA96FD2-748A-E9D8-A306-2D651395BBB8}"/>
+                </a:ext>
+              </a:extLst>
+            </p:cNvPr>
+            <p:cNvCxnSpPr>
+              <a:cxnSpLocks/>
+              <a:stCxn id="50" idx="3"/>
+              <a:endCxn id="39" idx="1"/>
+            </p:cNvCxnSpPr>
+            <p:nvPr/>
+          </p:nvCxnSpPr>
+          <p:spPr>
+            <a:xfrm>
+              <a:off x="7087071" y="4788324"/>
+              <a:ext cx="692459" cy="1525"/>
+            </a:xfrm>
+            <a:prstGeom prst="straightConnector1">
+              <a:avLst/>
+            </a:prstGeom>
+            <a:ln>
+              <a:solidFill>
+                <a:schemeClr val="tx1"/>
+              </a:solidFill>
+              <a:tailEnd type="triangle"/>
+            </a:ln>
+          </p:spPr>
+          <p:style>
+            <a:lnRef idx="2">
+              <a:schemeClr val="accent1"/>
+            </a:lnRef>
+            <a:fillRef idx="0">
+              <a:schemeClr val="accent1"/>
+            </a:fillRef>
+            <a:effectRef idx="1">
+              <a:schemeClr val="accent1"/>
+            </a:effectRef>
+            <a:fontRef idx="minor">
+              <a:schemeClr val="tx1"/>
+            </a:fontRef>
+          </p:style>
+        </p:cxnSp>
+        <mc:AlternateContent xmlns:mc="http://schemas.openxmlformats.org/markup-compatibility/2006">
+          <mc:Choice xmlns:a14="http://schemas.microsoft.com/office/drawing/2010/main" Requires="a14">
+            <p:sp>
+              <p:nvSpPr>
+                <p:cNvPr id="42" name="Prozess 41">
+                  <a:extLst>
+                    <a:ext uri="{FF2B5EF4-FFF2-40B4-BE49-F238E27FC236}">
+                      <a16:creationId xmlns:a16="http://schemas.microsoft.com/office/drawing/2014/main" id="{D050CAA5-A2EA-3634-8425-E9C576C308ED}"/>
+                    </a:ext>
+                  </a:extLst>
+                </p:cNvPr>
+                <p:cNvSpPr/>
+                <p:nvPr/>
+              </p:nvSpPr>
+              <p:spPr>
+                <a:xfrm>
+                  <a:off x="6172671" y="5440516"/>
+                  <a:ext cx="914400" cy="612648"/>
+                </a:xfrm>
+                <a:prstGeom prst="flowChartProcess">
+                  <a:avLst/>
+                </a:prstGeom>
+                <a:noFill/>
+                <a:ln>
+                  <a:solidFill>
+                    <a:schemeClr val="tx1"/>
+                  </a:solidFill>
+                </a:ln>
+              </p:spPr>
+              <p:style>
+                <a:lnRef idx="2">
+                  <a:schemeClr val="accent1">
+                    <a:shade val="15000"/>
+                  </a:schemeClr>
+                </a:lnRef>
+                <a:fillRef idx="1">
+                  <a:schemeClr val="accent1"/>
+                </a:fillRef>
+                <a:effectRef idx="0">
+                  <a:schemeClr val="accent1"/>
+                </a:effectRef>
+                <a:fontRef idx="minor">
+                  <a:schemeClr val="lt1"/>
+                </a:fontRef>
+              </p:style>
+              <p:txBody>
+                <a:bodyPr rtlCol="0" anchor="ctr"/>
+                <a:lstStyle/>
+                <a:p>
+                  <a:pPr algn="ctr"/>
+                  <a14:m>
+                    <m:oMathPara xmlns:m="http://schemas.openxmlformats.org/officeDocument/2006/math">
+                      <m:oMathParaPr>
+                        <m:jc m:val="centerGroup"/>
+                      </m:oMathParaPr>
+                      <m:oMath xmlns:m="http://schemas.openxmlformats.org/officeDocument/2006/math">
+                        <m:r>
+                          <a:rPr lang="de-DE" b="0" i="1" smtClean="0">
+                            <a:solidFill>
+                              <a:schemeClr val="tx1"/>
+                            </a:solidFill>
+                            <a:latin typeface="Cambria Math" panose="02040503050406030204" pitchFamily="18" charset="0"/>
+                          </a:rPr>
+                          <m:t>𝐻</m:t>
+                        </m:r>
+                        <m:r>
+                          <a:rPr lang="de-DE" b="0" i="1" smtClean="0">
+                            <a:solidFill>
+                              <a:schemeClr val="tx1"/>
+                            </a:solidFill>
+                            <a:latin typeface="Cambria Math" panose="02040503050406030204" pitchFamily="18" charset="0"/>
+                          </a:rPr>
+                          <m:t>(</m:t>
+                        </m:r>
+                        <m:r>
+                          <a:rPr lang="de-DE" b="0" i="1" smtClean="0">
+                            <a:solidFill>
+                              <a:schemeClr val="tx1"/>
+                            </a:solidFill>
+                            <a:latin typeface="Cambria Math" panose="02040503050406030204" pitchFamily="18" charset="0"/>
+                          </a:rPr>
+                          <m:t>𝑠</m:t>
+                        </m:r>
+                        <m:r>
+                          <a:rPr lang="de-DE" b="0" i="1" smtClean="0">
+                            <a:solidFill>
+                              <a:schemeClr val="tx1"/>
+                            </a:solidFill>
+                            <a:latin typeface="Cambria Math" panose="02040503050406030204" pitchFamily="18" charset="0"/>
+                          </a:rPr>
+                          <m:t>)</m:t>
+                        </m:r>
+                      </m:oMath>
+                    </m:oMathPara>
+                  </a14:m>
+                  <a:endParaRPr lang="de-DE" dirty="0">
+                    <a:solidFill>
+                      <a:schemeClr val="tx1"/>
+                    </a:solidFill>
+                  </a:endParaRPr>
+                </a:p>
+              </p:txBody>
+            </p:sp>
+          </mc:Choice>
+          <mc:Fallback>
+            <p:sp>
+              <p:nvSpPr>
+                <p:cNvPr id="42" name="Prozess 41">
+                  <a:extLst>
+                    <a:ext uri="{FF2B5EF4-FFF2-40B4-BE49-F238E27FC236}">
+                      <a16:creationId xmlns:a16="http://schemas.microsoft.com/office/drawing/2014/main" id="{D050CAA5-A2EA-3634-8425-E9C576C308ED}"/>
+                    </a:ext>
+                  </a:extLst>
+                </p:cNvPr>
+                <p:cNvSpPr>
+                  <a:spLocks noRot="1" noChangeAspect="1" noMove="1" noResize="1" noEditPoints="1" noAdjustHandles="1" noChangeArrowheads="1" noChangeShapeType="1" noTextEdit="1"/>
+                </p:cNvSpPr>
+                <p:nvPr/>
+              </p:nvSpPr>
+              <p:spPr>
+                <a:xfrm>
+                  <a:off x="6172671" y="5440516"/>
+                  <a:ext cx="914400" cy="612648"/>
+                </a:xfrm>
+                <a:prstGeom prst="flowChartProcess">
+                  <a:avLst/>
+                </a:prstGeom>
+                <a:blipFill>
+                  <a:blip r:embed="rId13"/>
+                  <a:stretch>
+                    <a:fillRect/>
+                  </a:stretch>
+                </a:blipFill>
+                <a:ln>
+                  <a:solidFill>
+                    <a:schemeClr val="tx1"/>
+                  </a:solidFill>
+                </a:ln>
+              </p:spPr>
+              <p:txBody>
+                <a:bodyPr/>
+                <a:lstStyle/>
+                <a:p>
+                  <a:r>
+                    <a:rPr lang="de-DE">
+                      <a:noFill/>
+                    </a:rPr>
+                    <a:t> </a:t>
+                  </a:r>
+                </a:p>
+              </p:txBody>
+            </p:sp>
+          </mc:Fallback>
+        </mc:AlternateContent>
+        <p:cxnSp>
+          <p:nvCxnSpPr>
+            <p:cNvPr id="43" name="Gerade Verbindung mit Pfeil 42">
+              <a:extLst>
+                <a:ext uri="{FF2B5EF4-FFF2-40B4-BE49-F238E27FC236}">
+                  <a16:creationId xmlns:a16="http://schemas.microsoft.com/office/drawing/2014/main" id="{9A700742-08D2-ECEE-7218-C67B38B0EB0F}"/>
+                </a:ext>
+              </a:extLst>
+            </p:cNvPr>
+            <p:cNvCxnSpPr>
+              <a:cxnSpLocks/>
+              <a:endCxn id="42" idx="3"/>
+            </p:cNvCxnSpPr>
+            <p:nvPr/>
+          </p:nvCxnSpPr>
+          <p:spPr>
+            <a:xfrm flipH="1">
+              <a:off x="7087071" y="5746840"/>
+              <a:ext cx="2347893" cy="0"/>
+            </a:xfrm>
+            <a:prstGeom prst="straightConnector1">
+              <a:avLst/>
+            </a:prstGeom>
+            <a:ln>
+              <a:solidFill>
+                <a:schemeClr val="tx1"/>
+              </a:solidFill>
+              <a:tailEnd type="triangle"/>
+            </a:ln>
+          </p:spPr>
+          <p:style>
+            <a:lnRef idx="2">
+              <a:schemeClr val="accent1"/>
+            </a:lnRef>
+            <a:fillRef idx="0">
+              <a:schemeClr val="accent1"/>
+            </a:fillRef>
+            <a:effectRef idx="1">
+              <a:schemeClr val="accent1"/>
+            </a:effectRef>
+            <a:fontRef idx="minor">
+              <a:schemeClr val="tx1"/>
+            </a:fontRef>
+          </p:style>
+        </p:cxnSp>
+        <p:cxnSp>
+          <p:nvCxnSpPr>
+            <p:cNvPr id="44" name="Gerade Verbindung 43">
+              <a:extLst>
+                <a:ext uri="{FF2B5EF4-FFF2-40B4-BE49-F238E27FC236}">
+                  <a16:creationId xmlns:a16="http://schemas.microsoft.com/office/drawing/2014/main" id="{3C815F60-69D7-2B7C-254D-77EF52021A2F}"/>
+                </a:ext>
+              </a:extLst>
+            </p:cNvPr>
+            <p:cNvCxnSpPr>
+              <a:cxnSpLocks/>
+              <a:stCxn id="42" idx="1"/>
+            </p:cNvCxnSpPr>
+            <p:nvPr/>
+          </p:nvCxnSpPr>
+          <p:spPr>
+            <a:xfrm flipH="1">
+              <a:off x="3813212" y="5746840"/>
+              <a:ext cx="2359459" cy="0"/>
+            </a:xfrm>
+            <a:prstGeom prst="line">
+              <a:avLst/>
+            </a:prstGeom>
+            <a:ln>
+              <a:solidFill>
+                <a:schemeClr val="tx1"/>
+              </a:solidFill>
+            </a:ln>
+          </p:spPr>
+          <p:style>
+            <a:lnRef idx="2">
+              <a:schemeClr val="accent1"/>
+            </a:lnRef>
+            <a:fillRef idx="0">
+              <a:schemeClr val="accent1"/>
+            </a:fillRef>
+            <a:effectRef idx="1">
+              <a:schemeClr val="accent1"/>
+            </a:effectRef>
+            <a:fontRef idx="minor">
+              <a:schemeClr val="tx1"/>
+            </a:fontRef>
+          </p:style>
+        </p:cxnSp>
+        <mc:AlternateContent xmlns:mc="http://schemas.openxmlformats.org/markup-compatibility/2006">
+          <mc:Choice xmlns:a14="http://schemas.microsoft.com/office/drawing/2010/main" Requires="a14">
+            <p:sp>
+              <p:nvSpPr>
+                <p:cNvPr id="47" name="Prozess 46">
+                  <a:extLst>
+                    <a:ext uri="{FF2B5EF4-FFF2-40B4-BE49-F238E27FC236}">
+                      <a16:creationId xmlns:a16="http://schemas.microsoft.com/office/drawing/2014/main" id="{C31D7E4E-91F7-3C59-4E0C-4209AFB6F419}"/>
+                    </a:ext>
+                  </a:extLst>
+                </p:cNvPr>
+                <p:cNvSpPr/>
+                <p:nvPr/>
+              </p:nvSpPr>
+              <p:spPr>
+                <a:xfrm>
+                  <a:off x="2161441" y="4483525"/>
+                  <a:ext cx="914400" cy="612648"/>
+                </a:xfrm>
+                <a:prstGeom prst="flowChartProcess">
+                  <a:avLst/>
+                </a:prstGeom>
+                <a:noFill/>
+                <a:ln>
+                  <a:solidFill>
+                    <a:schemeClr val="tx1"/>
+                  </a:solidFill>
+                </a:ln>
+              </p:spPr>
+              <p:style>
+                <a:lnRef idx="2">
+                  <a:schemeClr val="accent1">
+                    <a:shade val="15000"/>
+                  </a:schemeClr>
+                </a:lnRef>
+                <a:fillRef idx="1">
+                  <a:schemeClr val="accent1"/>
+                </a:fillRef>
+                <a:effectRef idx="0">
+                  <a:schemeClr val="accent1"/>
+                </a:effectRef>
+                <a:fontRef idx="minor">
+                  <a:schemeClr val="lt1"/>
+                </a:fontRef>
+              </p:style>
+              <p:txBody>
+                <a:bodyPr rtlCol="0" anchor="ctr"/>
+                <a:lstStyle/>
+                <a:p>
+                  <a:pPr algn="ctr"/>
+                  <a14:m>
+                    <m:oMathPara xmlns:m="http://schemas.openxmlformats.org/officeDocument/2006/math">
+                      <m:oMathParaPr>
+                        <m:jc m:val="centerGroup"/>
+                      </m:oMathParaPr>
+                      <m:oMath xmlns:m="http://schemas.openxmlformats.org/officeDocument/2006/math">
+                        <m:r>
+                          <a:rPr lang="de-DE" b="0" i="1" smtClean="0">
+                            <a:solidFill>
+                              <a:schemeClr val="tx1"/>
+                            </a:solidFill>
+                            <a:latin typeface="Cambria Math" panose="02040503050406030204" pitchFamily="18" charset="0"/>
+                          </a:rPr>
+                          <m:t>𝐹</m:t>
+                        </m:r>
+                        <m:r>
+                          <a:rPr lang="de-DE" b="0" i="1" smtClean="0">
+                            <a:solidFill>
+                              <a:schemeClr val="tx1"/>
+                            </a:solidFill>
+                            <a:latin typeface="Cambria Math" panose="02040503050406030204" pitchFamily="18" charset="0"/>
+                          </a:rPr>
+                          <m:t>(</m:t>
+                        </m:r>
+                        <m:r>
+                          <a:rPr lang="de-DE" b="0" i="1" smtClean="0">
+                            <a:solidFill>
+                              <a:schemeClr val="tx1"/>
+                            </a:solidFill>
+                            <a:latin typeface="Cambria Math" panose="02040503050406030204" pitchFamily="18" charset="0"/>
+                          </a:rPr>
+                          <m:t>𝑠</m:t>
+                        </m:r>
+                        <m:r>
+                          <a:rPr lang="de-DE" b="0" i="1" smtClean="0">
+                            <a:solidFill>
+                              <a:schemeClr val="tx1"/>
+                            </a:solidFill>
+                            <a:latin typeface="Cambria Math" panose="02040503050406030204" pitchFamily="18" charset="0"/>
+                          </a:rPr>
+                          <m:t>)</m:t>
+                        </m:r>
+                      </m:oMath>
+                    </m:oMathPara>
+                  </a14:m>
+                  <a:endParaRPr lang="de-DE" dirty="0">
+                    <a:solidFill>
+                      <a:schemeClr val="tx1"/>
+                    </a:solidFill>
+                  </a:endParaRPr>
+                </a:p>
+              </p:txBody>
+            </p:sp>
+          </mc:Choice>
+          <mc:Fallback>
+            <p:sp>
+              <p:nvSpPr>
+                <p:cNvPr id="47" name="Prozess 46">
+                  <a:extLst>
+                    <a:ext uri="{FF2B5EF4-FFF2-40B4-BE49-F238E27FC236}">
+                      <a16:creationId xmlns:a16="http://schemas.microsoft.com/office/drawing/2014/main" id="{C31D7E4E-91F7-3C59-4E0C-4209AFB6F419}"/>
+                    </a:ext>
+                  </a:extLst>
+                </p:cNvPr>
+                <p:cNvSpPr>
+                  <a:spLocks noRot="1" noChangeAspect="1" noMove="1" noResize="1" noEditPoints="1" noAdjustHandles="1" noChangeArrowheads="1" noChangeShapeType="1" noTextEdit="1"/>
+                </p:cNvSpPr>
+                <p:nvPr/>
+              </p:nvSpPr>
+              <p:spPr>
+                <a:xfrm>
+                  <a:off x="2161441" y="4483525"/>
+                  <a:ext cx="914400" cy="612648"/>
+                </a:xfrm>
+                <a:prstGeom prst="flowChartProcess">
+                  <a:avLst/>
+                </a:prstGeom>
+                <a:blipFill>
+                  <a:blip r:embed="rId14"/>
+                  <a:stretch>
+                    <a:fillRect/>
+                  </a:stretch>
+                </a:blipFill>
+                <a:ln>
+                  <a:solidFill>
+                    <a:schemeClr val="tx1"/>
+                  </a:solidFill>
+                </a:ln>
+              </p:spPr>
+              <p:txBody>
+                <a:bodyPr/>
+                <a:lstStyle/>
+                <a:p>
+                  <a:r>
+                    <a:rPr lang="de-DE">
+                      <a:noFill/>
+                    </a:rPr>
+                    <a:t> </a:t>
+                  </a:r>
+                </a:p>
+              </p:txBody>
+            </p:sp>
+          </mc:Fallback>
+        </mc:AlternateContent>
+        <p:cxnSp>
+          <p:nvCxnSpPr>
+            <p:cNvPr id="48" name="Gerade Verbindung mit Pfeil 47">
+              <a:extLst>
+                <a:ext uri="{FF2B5EF4-FFF2-40B4-BE49-F238E27FC236}">
+                  <a16:creationId xmlns:a16="http://schemas.microsoft.com/office/drawing/2014/main" id="{5043C16D-D2F3-028D-8FE1-787F355099A6}"/>
+                </a:ext>
+              </a:extLst>
+            </p:cNvPr>
+            <p:cNvCxnSpPr>
+              <a:cxnSpLocks/>
+            </p:cNvCxnSpPr>
+            <p:nvPr/>
+          </p:nvCxnSpPr>
+          <p:spPr>
+            <a:xfrm flipV="1">
+              <a:off x="3075841" y="4783009"/>
+              <a:ext cx="692459" cy="4669"/>
+            </a:xfrm>
+            <a:prstGeom prst="straightConnector1">
+              <a:avLst/>
+            </a:prstGeom>
+            <a:ln>
+              <a:solidFill>
+                <a:schemeClr val="tx1"/>
+              </a:solidFill>
+              <a:tailEnd type="triangle"/>
+            </a:ln>
+          </p:spPr>
+          <p:style>
+            <a:lnRef idx="2">
+              <a:schemeClr val="accent1"/>
+            </a:lnRef>
+            <a:fillRef idx="0">
+              <a:schemeClr val="accent1"/>
+            </a:fillRef>
+            <a:effectRef idx="1">
+              <a:schemeClr val="accent1"/>
+            </a:effectRef>
+            <a:fontRef idx="minor">
+              <a:schemeClr val="tx1"/>
+            </a:fontRef>
+          </p:style>
+        </p:cxnSp>
+        <p:cxnSp>
+          <p:nvCxnSpPr>
+            <p:cNvPr id="49" name="Gerade Verbindung mit Pfeil 48">
+              <a:extLst>
+                <a:ext uri="{FF2B5EF4-FFF2-40B4-BE49-F238E27FC236}">
+                  <a16:creationId xmlns:a16="http://schemas.microsoft.com/office/drawing/2014/main" id="{B376B047-5677-8A80-4424-45F6D9F2A6DA}"/>
+                </a:ext>
+              </a:extLst>
+            </p:cNvPr>
+            <p:cNvCxnSpPr>
+              <a:cxnSpLocks/>
+            </p:cNvCxnSpPr>
+            <p:nvPr/>
+          </p:nvCxnSpPr>
+          <p:spPr>
+            <a:xfrm>
+              <a:off x="5475397" y="4789849"/>
+              <a:ext cx="698596" cy="2498"/>
+            </a:xfrm>
+            <a:prstGeom prst="straightConnector1">
+              <a:avLst/>
+            </a:prstGeom>
+            <a:ln>
+              <a:solidFill>
+                <a:schemeClr val="tx1"/>
+              </a:solidFill>
+              <a:tailEnd type="triangle"/>
+            </a:ln>
+          </p:spPr>
+          <p:style>
+            <a:lnRef idx="2">
+              <a:schemeClr val="accent1"/>
+            </a:lnRef>
+            <a:fillRef idx="0">
+              <a:schemeClr val="accent1"/>
+            </a:fillRef>
+            <a:effectRef idx="1">
+              <a:schemeClr val="accent1"/>
+            </a:effectRef>
+            <a:fontRef idx="minor">
+              <a:schemeClr val="tx1"/>
+            </a:fontRef>
+          </p:style>
+        </p:cxnSp>
+        <mc:AlternateContent xmlns:mc="http://schemas.openxmlformats.org/markup-compatibility/2006">
+          <mc:Choice xmlns:a14="http://schemas.microsoft.com/office/drawing/2010/main" Requires="a14">
+            <p:sp>
+              <p:nvSpPr>
+                <p:cNvPr id="50" name="Prozess 49">
+                  <a:extLst>
+                    <a:ext uri="{FF2B5EF4-FFF2-40B4-BE49-F238E27FC236}">
+                      <a16:creationId xmlns:a16="http://schemas.microsoft.com/office/drawing/2014/main" id="{A740C5E9-2870-7010-42A5-98E0DC5661EF}"/>
+                    </a:ext>
+                  </a:extLst>
+                </p:cNvPr>
+                <p:cNvSpPr/>
+                <p:nvPr/>
+              </p:nvSpPr>
+              <p:spPr>
+                <a:xfrm>
+                  <a:off x="6172671" y="4482000"/>
+                  <a:ext cx="914400" cy="612648"/>
+                </a:xfrm>
+                <a:prstGeom prst="flowChartProcess">
+                  <a:avLst/>
+                </a:prstGeom>
+                <a:noFill/>
+                <a:ln>
+                  <a:solidFill>
+                    <a:schemeClr val="tx1"/>
+                  </a:solidFill>
+                </a:ln>
+              </p:spPr>
+              <p:style>
+                <a:lnRef idx="2">
+                  <a:schemeClr val="accent1">
+                    <a:shade val="15000"/>
+                  </a:schemeClr>
+                </a:lnRef>
+                <a:fillRef idx="1">
+                  <a:schemeClr val="accent1"/>
+                </a:fillRef>
+                <a:effectRef idx="0">
+                  <a:schemeClr val="accent1"/>
+                </a:effectRef>
+                <a:fontRef idx="minor">
+                  <a:schemeClr val="lt1"/>
+                </a:fontRef>
+              </p:style>
+              <p:txBody>
+                <a:bodyPr rtlCol="0" anchor="ctr"/>
+                <a:lstStyle/>
+                <a:p>
+                  <a:pPr algn="ctr"/>
+                  <a14:m>
+                    <m:oMathPara xmlns:m="http://schemas.openxmlformats.org/officeDocument/2006/math">
+                      <m:oMathParaPr>
+                        <m:jc m:val="centerGroup"/>
+                      </m:oMathParaPr>
+                      <m:oMath xmlns:m="http://schemas.openxmlformats.org/officeDocument/2006/math">
+                        <m:r>
+                          <a:rPr lang="de-DE" b="0" i="1" smtClean="0">
+                            <a:solidFill>
+                              <a:schemeClr val="tx1"/>
+                            </a:solidFill>
+                            <a:latin typeface="Cambria Math" panose="02040503050406030204" pitchFamily="18" charset="0"/>
+                          </a:rPr>
+                          <m:t>𝐴</m:t>
+                        </m:r>
+                        <m:r>
+                          <a:rPr lang="de-DE" b="0" i="1" smtClean="0">
+                            <a:solidFill>
+                              <a:schemeClr val="tx1"/>
+                            </a:solidFill>
+                            <a:latin typeface="Cambria Math" panose="02040503050406030204" pitchFamily="18" charset="0"/>
+                          </a:rPr>
+                          <m:t>(</m:t>
+                        </m:r>
+                        <m:r>
+                          <a:rPr lang="de-DE" b="0" i="1" smtClean="0">
+                            <a:solidFill>
+                              <a:schemeClr val="tx1"/>
+                            </a:solidFill>
+                            <a:latin typeface="Cambria Math" panose="02040503050406030204" pitchFamily="18" charset="0"/>
+                          </a:rPr>
+                          <m:t>𝑠</m:t>
+                        </m:r>
+                        <m:r>
+                          <a:rPr lang="de-DE" b="0" i="1" smtClean="0">
+                            <a:solidFill>
+                              <a:schemeClr val="tx1"/>
+                            </a:solidFill>
+                            <a:latin typeface="Cambria Math" panose="02040503050406030204" pitchFamily="18" charset="0"/>
+                          </a:rPr>
+                          <m:t>)</m:t>
+                        </m:r>
+                      </m:oMath>
+                    </m:oMathPara>
+                  </a14:m>
+                  <a:endParaRPr lang="de-DE" dirty="0">
+                    <a:solidFill>
+                      <a:schemeClr val="tx1"/>
+                    </a:solidFill>
+                  </a:endParaRPr>
+                </a:p>
+              </p:txBody>
+            </p:sp>
+          </mc:Choice>
+          <mc:Fallback>
+            <p:sp>
+              <p:nvSpPr>
+                <p:cNvPr id="50" name="Prozess 49">
+                  <a:extLst>
+                    <a:ext uri="{FF2B5EF4-FFF2-40B4-BE49-F238E27FC236}">
+                      <a16:creationId xmlns:a16="http://schemas.microsoft.com/office/drawing/2014/main" id="{A740C5E9-2870-7010-42A5-98E0DC5661EF}"/>
+                    </a:ext>
+                  </a:extLst>
+                </p:cNvPr>
+                <p:cNvSpPr>
+                  <a:spLocks noRot="1" noChangeAspect="1" noMove="1" noResize="1" noEditPoints="1" noAdjustHandles="1" noChangeArrowheads="1" noChangeShapeType="1" noTextEdit="1"/>
+                </p:cNvSpPr>
+                <p:nvPr/>
+              </p:nvSpPr>
+              <p:spPr>
+                <a:xfrm>
+                  <a:off x="6172671" y="4482000"/>
+                  <a:ext cx="914400" cy="612648"/>
+                </a:xfrm>
+                <a:prstGeom prst="flowChartProcess">
+                  <a:avLst/>
+                </a:prstGeom>
+                <a:blipFill>
+                  <a:blip r:embed="rId15"/>
+                  <a:stretch>
+                    <a:fillRect/>
+                  </a:stretch>
+                </a:blipFill>
+                <a:ln>
+                  <a:solidFill>
+                    <a:schemeClr val="tx1"/>
+                  </a:solidFill>
+                </a:ln>
+              </p:spPr>
+              <p:txBody>
+                <a:bodyPr/>
+                <a:lstStyle/>
+                <a:p>
+                  <a:r>
+                    <a:rPr lang="de-DE">
+                      <a:noFill/>
+                    </a:rPr>
+                    <a:t> </a:t>
+                  </a:r>
+                </a:p>
+              </p:txBody>
+            </p:sp>
+          </mc:Fallback>
+        </mc:AlternateContent>
+      </p:grpSp>
+      <p:sp>
+        <p:nvSpPr>
+          <p:cNvPr id="71" name="Textfeld 70">
+            <a:extLst>
+              <a:ext uri="{FF2B5EF4-FFF2-40B4-BE49-F238E27FC236}">
+                <a16:creationId xmlns:a16="http://schemas.microsoft.com/office/drawing/2014/main" id="{6B66D065-29A3-B303-FD24-3B010AB6FAD6}"/>
+              </a:ext>
+            </a:extLst>
+          </p:cNvPr>
+          <p:cNvSpPr txBox="1"/>
+          <p:nvPr/>
+        </p:nvSpPr>
+        <p:spPr>
+          <a:xfrm>
+            <a:off x="121639" y="5590695"/>
+            <a:ext cx="3386472" cy="923330"/>
+          </a:xfrm>
+          <a:prstGeom prst="rect">
+            <a:avLst/>
+          </a:prstGeom>
+          <a:noFill/>
+        </p:spPr>
+        <p:txBody>
+          <a:bodyPr wrap="square">
+            <a:spAutoFit/>
+          </a:bodyPr>
+          <a:lstStyle/>
+          <a:p>
+            <a:r>
+              <a:rPr lang="de-DE" dirty="0" err="1"/>
+              <a:t>reference</a:t>
+            </a:r>
+            <a:r>
+              <a:rPr lang="de-DE" dirty="0"/>
+              <a:t> </a:t>
+            </a:r>
+            <a:r>
+              <a:rPr lang="de-DE" dirty="0" err="1"/>
+              <a:t>prefilter</a:t>
+            </a:r>
+            <a:r>
+              <a:rPr lang="de-DE" dirty="0"/>
+              <a:t>: </a:t>
+            </a:r>
+            <a:r>
+              <a:rPr lang="de-DE" dirty="0" err="1"/>
+              <a:t>If</a:t>
+            </a:r>
+            <a:r>
+              <a:rPr lang="de-DE" dirty="0"/>
+              <a:t> </a:t>
+            </a:r>
+            <a:r>
+              <a:rPr lang="de-DE" dirty="0" err="1"/>
+              <a:t>reference</a:t>
+            </a:r>
+            <a:r>
+              <a:rPr lang="de-DE" dirty="0"/>
+              <a:t> </a:t>
+            </a:r>
+            <a:r>
+              <a:rPr lang="de-DE" dirty="0" err="1"/>
+              <a:t>shaping</a:t>
+            </a:r>
+            <a:r>
+              <a:rPr lang="de-DE" dirty="0"/>
+              <a:t> </a:t>
+            </a:r>
+            <a:r>
+              <a:rPr lang="de-DE" dirty="0" err="1"/>
+              <a:t>doesn’t</a:t>
+            </a:r>
+            <a:r>
+              <a:rPr lang="de-DE" dirty="0"/>
+              <a:t> </a:t>
+            </a:r>
+            <a:r>
+              <a:rPr lang="de-DE" dirty="0" err="1"/>
+              <a:t>affect</a:t>
+            </a:r>
+            <a:r>
+              <a:rPr lang="de-DE" dirty="0"/>
+              <a:t> </a:t>
+            </a:r>
+            <a:r>
+              <a:rPr lang="de-DE" dirty="0" err="1"/>
+              <a:t>stability</a:t>
+            </a:r>
+            <a:r>
+              <a:rPr lang="de-DE" dirty="0"/>
+              <a:t>, </a:t>
+            </a:r>
+            <a:r>
+              <a:rPr lang="de-DE" dirty="0" err="1"/>
+              <a:t>one</a:t>
+            </a:r>
+            <a:r>
+              <a:rPr lang="de-DE" dirty="0"/>
+              <a:t> </a:t>
+            </a:r>
+            <a:r>
+              <a:rPr lang="de-DE" dirty="0" err="1"/>
+              <a:t>can</a:t>
+            </a:r>
+            <a:r>
+              <a:rPr lang="de-DE" dirty="0"/>
+              <a:t> </a:t>
+            </a:r>
+            <a:r>
+              <a:rPr lang="de-DE" dirty="0" err="1"/>
+              <a:t>treat</a:t>
+            </a:r>
+            <a:r>
+              <a:rPr lang="de-DE" dirty="0"/>
+              <a:t> </a:t>
+            </a:r>
+            <a:r>
+              <a:rPr lang="de-DE" dirty="0" err="1"/>
+              <a:t>it</a:t>
+            </a:r>
+            <a:r>
+              <a:rPr lang="de-DE" dirty="0"/>
+              <a:t> </a:t>
+            </a:r>
+            <a:r>
+              <a:rPr lang="de-DE" dirty="0" err="1"/>
+              <a:t>separately</a:t>
+            </a:r>
+            <a:r>
+              <a:rPr lang="de-DE" dirty="0"/>
+              <a:t>.</a:t>
+            </a:r>
+          </a:p>
+        </p:txBody>
+      </p:sp>
+      <p:sp>
+        <p:nvSpPr>
+          <p:cNvPr id="73" name="Textfeld 72">
+            <a:extLst>
+              <a:ext uri="{FF2B5EF4-FFF2-40B4-BE49-F238E27FC236}">
+                <a16:creationId xmlns:a16="http://schemas.microsoft.com/office/drawing/2014/main" id="{E6F8268F-0100-C316-3617-D001CD0E403E}"/>
+              </a:ext>
+            </a:extLst>
+          </p:cNvPr>
+          <p:cNvSpPr txBox="1"/>
+          <p:nvPr/>
+        </p:nvSpPr>
+        <p:spPr>
+          <a:xfrm>
+            <a:off x="7433300" y="2317658"/>
+            <a:ext cx="3563423" cy="646331"/>
+          </a:xfrm>
+          <a:prstGeom prst="rect">
+            <a:avLst/>
+          </a:prstGeom>
+          <a:noFill/>
+        </p:spPr>
+        <p:txBody>
+          <a:bodyPr wrap="square">
+            <a:spAutoFit/>
+          </a:bodyPr>
+          <a:lstStyle/>
+          <a:p>
+            <a:r>
+              <a:rPr lang="de-DE" dirty="0" err="1"/>
+              <a:t>sensor</a:t>
+            </a:r>
+            <a:r>
+              <a:rPr lang="de-DE" dirty="0"/>
+              <a:t> </a:t>
+            </a:r>
+            <a:r>
+              <a:rPr lang="de-DE" dirty="0" err="1"/>
+              <a:t>dynamics</a:t>
+            </a:r>
+            <a:r>
+              <a:rPr lang="de-DE" dirty="0"/>
+              <a:t>: </a:t>
+            </a:r>
+            <a:r>
+              <a:rPr lang="de-DE" dirty="0" err="1"/>
+              <a:t>If</a:t>
+            </a:r>
+            <a:r>
+              <a:rPr lang="de-DE" dirty="0"/>
+              <a:t> </a:t>
+            </a:r>
+            <a:r>
+              <a:rPr lang="de-DE" dirty="0" err="1"/>
+              <a:t>sensor</a:t>
+            </a:r>
+            <a:r>
+              <a:rPr lang="de-DE" dirty="0"/>
+              <a:t> </a:t>
+            </a:r>
+            <a:r>
+              <a:rPr lang="de-DE" dirty="0" err="1"/>
+              <a:t>is</a:t>
+            </a:r>
+            <a:r>
+              <a:rPr lang="de-DE" dirty="0"/>
+              <a:t> fast, </a:t>
+            </a:r>
+            <a:r>
+              <a:rPr lang="de-DE" dirty="0" err="1"/>
+              <a:t>one</a:t>
+            </a:r>
+            <a:r>
+              <a:rPr lang="de-DE" dirty="0"/>
+              <a:t> </a:t>
+            </a:r>
+            <a:r>
+              <a:rPr lang="de-DE" dirty="0" err="1"/>
+              <a:t>can</a:t>
+            </a:r>
+            <a:r>
+              <a:rPr lang="de-DE" dirty="0"/>
+              <a:t> </a:t>
+            </a:r>
+            <a:r>
+              <a:rPr lang="de-DE" dirty="0" err="1"/>
+              <a:t>assume</a:t>
+            </a:r>
+            <a:r>
+              <a:rPr lang="de-DE" dirty="0"/>
+              <a:t> </a:t>
+            </a:r>
+            <a:r>
+              <a:rPr lang="de-DE" dirty="0" err="1"/>
+              <a:t>unity</a:t>
+            </a:r>
+            <a:r>
+              <a:rPr lang="de-DE" dirty="0"/>
+              <a:t> </a:t>
+            </a:r>
+            <a:r>
+              <a:rPr lang="de-DE" dirty="0" err="1"/>
+              <a:t>feedback</a:t>
+            </a:r>
+            <a:r>
+              <a:rPr lang="de-DE" dirty="0"/>
+              <a:t>.</a:t>
+            </a:r>
+          </a:p>
+        </p:txBody>
+      </p:sp>
+      <p:sp>
+        <p:nvSpPr>
+          <p:cNvPr id="77" name="Textfeld 76">
+            <a:extLst>
+              <a:ext uri="{FF2B5EF4-FFF2-40B4-BE49-F238E27FC236}">
+                <a16:creationId xmlns:a16="http://schemas.microsoft.com/office/drawing/2014/main" id="{A7C4FE68-DDD9-948C-96C7-1767946F4E87}"/>
+              </a:ext>
+            </a:extLst>
+          </p:cNvPr>
+          <p:cNvSpPr txBox="1"/>
+          <p:nvPr/>
+        </p:nvSpPr>
+        <p:spPr>
+          <a:xfrm>
+            <a:off x="5975670" y="3607801"/>
+            <a:ext cx="5751146" cy="646331"/>
+          </a:xfrm>
+          <a:prstGeom prst="rect">
+            <a:avLst/>
+          </a:prstGeom>
+          <a:noFill/>
+        </p:spPr>
+        <p:txBody>
+          <a:bodyPr wrap="square">
+            <a:spAutoFit/>
+          </a:bodyPr>
+          <a:lstStyle/>
+          <a:p>
+            <a:r>
+              <a:rPr lang="de-DE" dirty="0" err="1"/>
+              <a:t>actuator</a:t>
+            </a:r>
+            <a:r>
+              <a:rPr lang="de-DE" dirty="0"/>
+              <a:t> </a:t>
+            </a:r>
+            <a:r>
+              <a:rPr lang="de-DE" dirty="0" err="1"/>
+              <a:t>dynamics</a:t>
+            </a:r>
+            <a:r>
+              <a:rPr lang="de-DE" dirty="0"/>
+              <a:t>: </a:t>
+            </a:r>
+            <a:r>
+              <a:rPr lang="de-DE" dirty="0" err="1"/>
+              <a:t>If</a:t>
+            </a:r>
+            <a:r>
+              <a:rPr lang="de-DE" dirty="0"/>
+              <a:t> </a:t>
+            </a:r>
+            <a:r>
+              <a:rPr lang="de-DE" dirty="0" err="1"/>
+              <a:t>actuator</a:t>
+            </a:r>
+            <a:r>
+              <a:rPr lang="de-DE" dirty="0"/>
+              <a:t> </a:t>
+            </a:r>
+            <a:r>
+              <a:rPr lang="de-DE" dirty="0" err="1"/>
+              <a:t>bandwidth</a:t>
+            </a:r>
+            <a:r>
+              <a:rPr lang="de-DE" dirty="0"/>
+              <a:t> ≫ </a:t>
+            </a:r>
+            <a:r>
+              <a:rPr lang="de-DE" dirty="0" err="1"/>
+              <a:t>closed</a:t>
+            </a:r>
+            <a:r>
+              <a:rPr lang="de-DE" dirty="0"/>
+              <a:t>-loop </a:t>
+            </a:r>
+            <a:r>
+              <a:rPr lang="de-DE" dirty="0" err="1"/>
+              <a:t>bandwidth</a:t>
+            </a:r>
+            <a:r>
+              <a:rPr lang="de-DE" dirty="0"/>
+              <a:t>, </a:t>
+            </a:r>
+            <a:r>
+              <a:rPr lang="de-DE" dirty="0" err="1"/>
+              <a:t>one</a:t>
+            </a:r>
+            <a:r>
+              <a:rPr lang="de-DE" dirty="0"/>
+              <a:t> </a:t>
+            </a:r>
+            <a:r>
+              <a:rPr lang="de-DE" dirty="0" err="1"/>
+              <a:t>can</a:t>
+            </a:r>
+            <a:r>
+              <a:rPr lang="de-DE" dirty="0"/>
+              <a:t> </a:t>
+            </a:r>
+            <a:r>
+              <a:rPr lang="de-DE" dirty="0" err="1"/>
+              <a:t>ignore</a:t>
+            </a:r>
+            <a:r>
+              <a:rPr lang="de-DE" dirty="0"/>
+              <a:t> it.</a:t>
+            </a:r>
+          </a:p>
+        </p:txBody>
+      </p:sp>
+      <p:cxnSp>
+        <p:nvCxnSpPr>
+          <p:cNvPr id="79" name="Gerade Verbindung mit Pfeil 78">
+            <a:extLst>
+              <a:ext uri="{FF2B5EF4-FFF2-40B4-BE49-F238E27FC236}">
+                <a16:creationId xmlns:a16="http://schemas.microsoft.com/office/drawing/2014/main" id="{E2F2EFD4-C7AD-B538-2EF2-0B8EA98BA555}"/>
+              </a:ext>
+            </a:extLst>
+          </p:cNvPr>
+          <p:cNvCxnSpPr>
+            <a:stCxn id="73" idx="1"/>
+          </p:cNvCxnSpPr>
+          <p:nvPr/>
+        </p:nvCxnSpPr>
+        <p:spPr>
+          <a:xfrm flipH="1">
+            <a:off x="4556808" y="2640824"/>
+            <a:ext cx="2876492" cy="146764"/>
+          </a:xfrm>
+          <a:prstGeom prst="straightConnector1">
+            <a:avLst/>
+          </a:prstGeom>
+          <a:ln>
+            <a:tailEnd type="triangle"/>
+          </a:ln>
+        </p:spPr>
+        <p:style>
+          <a:lnRef idx="2">
+            <a:schemeClr val="accent1"/>
+          </a:lnRef>
+          <a:fillRef idx="0">
+            <a:schemeClr val="accent1"/>
+          </a:fillRef>
+          <a:effectRef idx="1">
+            <a:schemeClr val="accent1"/>
+          </a:effectRef>
+          <a:fontRef idx="minor">
+            <a:schemeClr val="tx1"/>
+          </a:fontRef>
+        </p:style>
+      </p:cxnSp>
+      <p:cxnSp>
+        <p:nvCxnSpPr>
+          <p:cNvPr id="81" name="Gerade Verbindung mit Pfeil 80">
+            <a:extLst>
+              <a:ext uri="{FF2B5EF4-FFF2-40B4-BE49-F238E27FC236}">
+                <a16:creationId xmlns:a16="http://schemas.microsoft.com/office/drawing/2014/main" id="{97573C1B-345F-FCCD-4567-9BFAC2A25428}"/>
+              </a:ext>
+            </a:extLst>
+          </p:cNvPr>
+          <p:cNvCxnSpPr>
+            <a:endCxn id="50" idx="0"/>
+          </p:cNvCxnSpPr>
+          <p:nvPr/>
+        </p:nvCxnSpPr>
+        <p:spPr>
+          <a:xfrm>
+            <a:off x="6629871" y="4235146"/>
+            <a:ext cx="0" cy="246854"/>
+          </a:xfrm>
+          <a:prstGeom prst="straightConnector1">
+            <a:avLst/>
+          </a:prstGeom>
+          <a:ln>
+            <a:tailEnd type="triangle"/>
+          </a:ln>
+        </p:spPr>
+        <p:style>
+          <a:lnRef idx="2">
+            <a:schemeClr val="accent1"/>
+          </a:lnRef>
+          <a:fillRef idx="0">
+            <a:schemeClr val="accent1"/>
+          </a:fillRef>
+          <a:effectRef idx="1">
+            <a:schemeClr val="accent1"/>
+          </a:effectRef>
+          <a:fontRef idx="minor">
+            <a:schemeClr val="tx1"/>
+          </a:fontRef>
+        </p:style>
+      </p:cxnSp>
+      <p:cxnSp>
+        <p:nvCxnSpPr>
+          <p:cNvPr id="83" name="Gerade Verbindung mit Pfeil 82">
+            <a:extLst>
+              <a:ext uri="{FF2B5EF4-FFF2-40B4-BE49-F238E27FC236}">
+                <a16:creationId xmlns:a16="http://schemas.microsoft.com/office/drawing/2014/main" id="{C634E108-AB0A-7C69-D4D8-EC53DB8332EB}"/>
+              </a:ext>
+            </a:extLst>
+          </p:cNvPr>
+          <p:cNvCxnSpPr>
+            <a:stCxn id="71" idx="0"/>
+          </p:cNvCxnSpPr>
+          <p:nvPr/>
+        </p:nvCxnSpPr>
+        <p:spPr>
+          <a:xfrm flipV="1">
+            <a:off x="1814875" y="5103028"/>
+            <a:ext cx="342377" cy="487667"/>
+          </a:xfrm>
+          <a:prstGeom prst="straightConnector1">
+            <a:avLst/>
+          </a:prstGeom>
+          <a:ln>
+            <a:tailEnd type="triangle"/>
+          </a:ln>
+        </p:spPr>
+        <p:style>
+          <a:lnRef idx="2">
+            <a:schemeClr val="accent1"/>
+          </a:lnRef>
+          <a:fillRef idx="0">
+            <a:schemeClr val="accent1"/>
+          </a:fillRef>
+          <a:effectRef idx="1">
+            <a:schemeClr val="accent1"/>
+          </a:effectRef>
+          <a:fontRef idx="minor">
+            <a:schemeClr val="tx1"/>
+          </a:fontRef>
+        </p:style>
+      </p:cxnSp>
+      <p:sp>
+        <p:nvSpPr>
+          <p:cNvPr id="85" name="Textfeld 84">
+            <a:extLst>
+              <a:ext uri="{FF2B5EF4-FFF2-40B4-BE49-F238E27FC236}">
+                <a16:creationId xmlns:a16="http://schemas.microsoft.com/office/drawing/2014/main" id="{BF1213D3-CCCF-4672-CE77-9A2255E72F78}"/>
+              </a:ext>
+            </a:extLst>
+          </p:cNvPr>
+          <p:cNvSpPr txBox="1"/>
+          <p:nvPr/>
+        </p:nvSpPr>
+        <p:spPr>
+          <a:xfrm>
+            <a:off x="4011518" y="6353298"/>
+            <a:ext cx="4946051" cy="461665"/>
+          </a:xfrm>
+          <a:prstGeom prst="rect">
+            <a:avLst/>
+          </a:prstGeom>
+          <a:noFill/>
+          <a:ln>
+            <a:solidFill>
+              <a:schemeClr val="tx1"/>
+            </a:solidFill>
+          </a:ln>
+        </p:spPr>
+        <p:txBody>
+          <a:bodyPr wrap="square">
+            <a:spAutoFit/>
+          </a:bodyPr>
+          <a:lstStyle/>
+          <a:p>
+            <a:r>
+              <a:rPr lang="de-DE" sz="2400" dirty="0"/>
+              <a:t>Always </a:t>
+            </a:r>
+            <a:r>
+              <a:rPr lang="de-DE" sz="2400" dirty="0" err="1"/>
+              <a:t>model</a:t>
+            </a:r>
+            <a:r>
+              <a:rPr lang="de-DE" sz="2400" dirty="0"/>
+              <a:t> </a:t>
+            </a:r>
+            <a:r>
+              <a:rPr lang="de-DE" sz="2400" dirty="0" err="1"/>
+              <a:t>what</a:t>
+            </a:r>
+            <a:r>
+              <a:rPr lang="de-DE" sz="2400" dirty="0"/>
+              <a:t> </a:t>
+            </a:r>
+            <a:r>
+              <a:rPr lang="de-DE" sz="2400" dirty="0" err="1"/>
+              <a:t>can</a:t>
+            </a:r>
+            <a:r>
+              <a:rPr lang="de-DE" sz="2400" dirty="0"/>
+              <a:t> </a:t>
+            </a:r>
+            <a:r>
+              <a:rPr lang="de-DE" sz="2400" dirty="0" err="1"/>
+              <a:t>affect</a:t>
+            </a:r>
+            <a:r>
+              <a:rPr lang="de-DE" sz="2400" dirty="0"/>
+              <a:t> </a:t>
+            </a:r>
+            <a:r>
+              <a:rPr lang="de-DE" sz="2400" dirty="0" err="1"/>
+              <a:t>poles</a:t>
+            </a:r>
+            <a:endParaRPr lang="de-DE" sz="2400" dirty="0"/>
           </a:p>
         </p:txBody>
       </p:sp>

--- a/slides/3_Laplace.pptx
+++ b/slides/3_Laplace.pptx
@@ -5,7 +5,7 @@
     <p:sldMasterId id="2147483648" r:id="rId1"/>
   </p:sldMasterIdLst>
   <p:notesMasterIdLst>
-    <p:notesMasterId r:id="rId39"/>
+    <p:notesMasterId r:id="rId41"/>
   </p:notesMasterIdLst>
   <p:sldIdLst>
     <p:sldId id="256" r:id="rId2"/>
@@ -44,7 +44,9 @@
     <p:sldId id="300" r:id="rId35"/>
     <p:sldId id="285" r:id="rId36"/>
     <p:sldId id="301" r:id="rId37"/>
-    <p:sldId id="302" r:id="rId38"/>
+    <p:sldId id="303" r:id="rId38"/>
+    <p:sldId id="302" r:id="rId39"/>
+    <p:sldId id="304" r:id="rId40"/>
   </p:sldIdLst>
   <p:sldSz cx="12192000" cy="6858000"/>
   <p:notesSz cx="6858000" cy="9144000"/>
@@ -515,7 +517,7 @@
           <a:p>
             <a:fld id="{506E0FD1-891F-4B1E-916D-E9B585160BB8}" type="datetimeFigureOut">
               <a:rPr lang="en-GB" smtClean="0"/>
-              <a:t>07/02/2026</a:t>
+              <a:t>08/02/2026</a:t>
             </a:fld>
             <a:endParaRPr lang="en-GB"/>
           </a:p>
@@ -932,7 +934,7 @@
           <a:p>
             <a:fld id="{D68C3F22-27B2-44E3-9C5F-D08126455F6F}" type="datetime1">
               <a:rPr lang="en-GB" smtClean="0"/>
-              <a:t>07/02/2026</a:t>
+              <a:t>08/02/2026</a:t>
             </a:fld>
             <a:endParaRPr lang="en-GB"/>
           </a:p>
@@ -1132,7 +1134,7 @@
           <a:p>
             <a:fld id="{1CD03846-7BF6-4FB6-A921-FF3379ADBD4C}" type="datetime1">
               <a:rPr lang="en-GB" smtClean="0"/>
-              <a:t>07/02/2026</a:t>
+              <a:t>08/02/2026</a:t>
             </a:fld>
             <a:endParaRPr lang="en-GB"/>
           </a:p>
@@ -1342,7 +1344,7 @@
           <a:p>
             <a:fld id="{99E1B91A-3FD0-4144-9C84-63E9688ED2FE}" type="datetime1">
               <a:rPr lang="en-GB" smtClean="0"/>
-              <a:t>07/02/2026</a:t>
+              <a:t>08/02/2026</a:t>
             </a:fld>
             <a:endParaRPr lang="en-GB"/>
           </a:p>
@@ -1542,7 +1544,7 @@
           <a:p>
             <a:fld id="{5295ED7B-FEAD-4734-819F-93EF4B0EA908}" type="datetime1">
               <a:rPr lang="en-GB" smtClean="0"/>
-              <a:t>07/02/2026</a:t>
+              <a:t>08/02/2026</a:t>
             </a:fld>
             <a:endParaRPr lang="en-GB"/>
           </a:p>
@@ -1818,7 +1820,7 @@
           <a:p>
             <a:fld id="{D2D5D4B4-C926-4B45-8815-1ED8911179A2}" type="datetime1">
               <a:rPr lang="en-GB" smtClean="0"/>
-              <a:t>07/02/2026</a:t>
+              <a:t>08/02/2026</a:t>
             </a:fld>
             <a:endParaRPr lang="en-GB"/>
           </a:p>
@@ -2086,7 +2088,7 @@
           <a:p>
             <a:fld id="{B4C5210A-0E37-4935-93AF-69F21A5F712F}" type="datetime1">
               <a:rPr lang="en-GB" smtClean="0"/>
-              <a:t>07/02/2026</a:t>
+              <a:t>08/02/2026</a:t>
             </a:fld>
             <a:endParaRPr lang="en-GB"/>
           </a:p>
@@ -2501,7 +2503,7 @@
           <a:p>
             <a:fld id="{3D3A6B2F-436C-4691-80E8-9C890E000E9D}" type="datetime1">
               <a:rPr lang="en-GB" smtClean="0"/>
-              <a:t>07/02/2026</a:t>
+              <a:t>08/02/2026</a:t>
             </a:fld>
             <a:endParaRPr lang="en-GB"/>
           </a:p>
@@ -2643,7 +2645,7 @@
           <a:p>
             <a:fld id="{84385F4C-D74B-496F-8D21-97E3549C783B}" type="datetime1">
               <a:rPr lang="en-GB" smtClean="0"/>
-              <a:t>07/02/2026</a:t>
+              <a:t>08/02/2026</a:t>
             </a:fld>
             <a:endParaRPr lang="en-GB"/>
           </a:p>
@@ -2756,7 +2758,7 @@
           <a:p>
             <a:fld id="{0CBDCB32-C241-4703-A832-4EB47BD54E83}" type="datetime1">
               <a:rPr lang="en-GB" smtClean="0"/>
-              <a:t>07/02/2026</a:t>
+              <a:t>08/02/2026</a:t>
             </a:fld>
             <a:endParaRPr lang="en-GB"/>
           </a:p>
@@ -3069,7 +3071,7 @@
           <a:p>
             <a:fld id="{85C150FF-BE95-4D25-A16A-E368A81CBF24}" type="datetime1">
               <a:rPr lang="en-GB" smtClean="0"/>
-              <a:t>07/02/2026</a:t>
+              <a:t>08/02/2026</a:t>
             </a:fld>
             <a:endParaRPr lang="en-GB"/>
           </a:p>
@@ -3358,7 +3360,7 @@
           <a:p>
             <a:fld id="{F3C5DB4B-B349-43C9-A424-BADA723AD9F1}" type="datetime1">
               <a:rPr lang="en-GB" smtClean="0"/>
-              <a:t>07/02/2026</a:t>
+              <a:t>08/02/2026</a:t>
             </a:fld>
             <a:endParaRPr lang="en-GB"/>
           </a:p>
@@ -3601,7 +3603,7 @@
           <a:p>
             <a:fld id="{12632426-0A0C-405F-A3D0-2D11AA44702A}" type="datetime1">
               <a:rPr lang="en-GB" smtClean="0"/>
-              <a:t>07/02/2026</a:t>
+              <a:t>08/02/2026</a:t>
             </a:fld>
             <a:endParaRPr lang="en-GB"/>
           </a:p>
@@ -20651,8 +20653,8 @@
             <a:chExt cx="4379258" cy="1307375"/>
           </a:xfrm>
         </p:grpSpPr>
-        <mc:AlternateContent xmlns:mc="http://schemas.openxmlformats.org/markup-compatibility/2006">
-          <mc:Choice xmlns:a14="http://schemas.microsoft.com/office/drawing/2010/main" Requires="a14">
+        <mc:AlternateContent xmlns:mc="http://schemas.openxmlformats.org/markup-compatibility/2006" xmlns:a14="http://schemas.microsoft.com/office/drawing/2010/main">
+          <mc:Choice Requires="a14">
             <p:sp>
               <p:nvSpPr>
                 <p:cNvPr id="10" name="Prozess 9">
@@ -20755,7 +20757,7 @@
               </p:txBody>
             </p:sp>
           </mc:Choice>
-          <mc:Fallback>
+          <mc:Fallback xmlns="">
             <p:sp>
               <p:nvSpPr>
                 <p:cNvPr id="10" name="Prozess 9">
@@ -20944,8 +20946,8 @@
             </a:fontRef>
           </p:style>
         </p:cxnSp>
-        <mc:AlternateContent xmlns:mc="http://schemas.openxmlformats.org/markup-compatibility/2006">
-          <mc:Choice xmlns:a14="http://schemas.microsoft.com/office/drawing/2010/main" Requires="a14">
+        <mc:AlternateContent xmlns:mc="http://schemas.openxmlformats.org/markup-compatibility/2006" xmlns:a14="http://schemas.microsoft.com/office/drawing/2010/main">
+          <mc:Choice Requires="a14">
             <p:sp>
               <p:nvSpPr>
                 <p:cNvPr id="28" name="Textfeld 27">
@@ -20974,6 +20976,7 @@
                 </a:bodyPr>
                 <a:lstStyle/>
                 <a:p>
+                  <a:pPr/>
                   <a14:m>
                     <m:oMathPara xmlns:m="http://schemas.openxmlformats.org/officeDocument/2006/math">
                       <m:oMathParaPr>
@@ -21012,7 +21015,7 @@
               </p:txBody>
             </p:sp>
           </mc:Choice>
-          <mc:Fallback>
+          <mc:Fallback xmlns="">
             <p:sp>
               <p:nvSpPr>
                 <p:cNvPr id="28" name="Textfeld 27">
@@ -21336,8 +21339,8 @@
             </a:fontRef>
           </p:style>
         </p:cxnSp>
-        <mc:AlternateContent xmlns:mc="http://schemas.openxmlformats.org/markup-compatibility/2006">
-          <mc:Choice xmlns:a14="http://schemas.microsoft.com/office/drawing/2010/main" Requires="a14">
+        <mc:AlternateContent xmlns:mc="http://schemas.openxmlformats.org/markup-compatibility/2006" xmlns:a14="http://schemas.microsoft.com/office/drawing/2010/main">
+          <mc:Choice Requires="a14">
             <p:sp>
               <p:nvSpPr>
                 <p:cNvPr id="60" name="Textfeld 59">
@@ -21366,6 +21369,7 @@
                 </a:bodyPr>
                 <a:lstStyle/>
                 <a:p>
+                  <a:pPr/>
                   <a14:m>
                     <m:oMathPara xmlns:m="http://schemas.openxmlformats.org/officeDocument/2006/math">
                       <m:oMathParaPr>
@@ -21404,7 +21408,7 @@
               </p:txBody>
             </p:sp>
           </mc:Choice>
-          <mc:Fallback>
+          <mc:Fallback xmlns="">
             <p:sp>
               <p:nvSpPr>
                 <p:cNvPr id="60" name="Textfeld 59">
@@ -21449,8 +21453,8 @@
             </p:sp>
           </mc:Fallback>
         </mc:AlternateContent>
-        <mc:AlternateContent xmlns:mc="http://schemas.openxmlformats.org/markup-compatibility/2006">
-          <mc:Choice xmlns:a14="http://schemas.microsoft.com/office/drawing/2010/main" Requires="a14">
+        <mc:AlternateContent xmlns:mc="http://schemas.openxmlformats.org/markup-compatibility/2006" xmlns:a14="http://schemas.microsoft.com/office/drawing/2010/main">
+          <mc:Choice Requires="a14">
             <p:sp>
               <p:nvSpPr>
                 <p:cNvPr id="61" name="Textfeld 60">
@@ -21479,6 +21483,7 @@
                 </a:bodyPr>
                 <a:lstStyle/>
                 <a:p>
+                  <a:pPr/>
                   <a14:m>
                     <m:oMathPara xmlns:m="http://schemas.openxmlformats.org/officeDocument/2006/math">
                       <m:oMathParaPr>
@@ -21499,7 +21504,7 @@
               </p:txBody>
             </p:sp>
           </mc:Choice>
-          <mc:Fallback>
+          <mc:Fallback xmlns="">
             <p:sp>
               <p:nvSpPr>
                 <p:cNvPr id="61" name="Textfeld 60">
@@ -21565,8 +21570,8 @@
             <a:chExt cx="5985903" cy="1307375"/>
           </a:xfrm>
         </p:grpSpPr>
-        <mc:AlternateContent xmlns:mc="http://schemas.openxmlformats.org/markup-compatibility/2006">
-          <mc:Choice xmlns:a14="http://schemas.microsoft.com/office/drawing/2010/main" Requires="a14">
+        <mc:AlternateContent xmlns:mc="http://schemas.openxmlformats.org/markup-compatibility/2006" xmlns:a14="http://schemas.microsoft.com/office/drawing/2010/main">
+          <mc:Choice Requires="a14">
             <p:sp>
               <p:nvSpPr>
                 <p:cNvPr id="64" name="Prozess 63">
@@ -21669,7 +21674,7 @@
               </p:txBody>
             </p:sp>
           </mc:Choice>
-          <mc:Fallback>
+          <mc:Fallback xmlns="">
             <p:sp>
               <p:nvSpPr>
                 <p:cNvPr id="64" name="Prozess 63">
@@ -21814,8 +21819,8 @@
             </a:fontRef>
           </p:style>
         </p:cxnSp>
-        <mc:AlternateContent xmlns:mc="http://schemas.openxmlformats.org/markup-compatibility/2006">
-          <mc:Choice xmlns:a14="http://schemas.microsoft.com/office/drawing/2010/main" Requires="a14">
+        <mc:AlternateContent xmlns:mc="http://schemas.openxmlformats.org/markup-compatibility/2006" xmlns:a14="http://schemas.microsoft.com/office/drawing/2010/main">
+          <mc:Choice Requires="a14">
             <p:sp>
               <p:nvSpPr>
                 <p:cNvPr id="68" name="Textfeld 67">
@@ -21844,6 +21849,7 @@
                 </a:bodyPr>
                 <a:lstStyle/>
                 <a:p>
+                  <a:pPr/>
                   <a14:m>
                     <m:oMathPara xmlns:m="http://schemas.openxmlformats.org/officeDocument/2006/math">
                       <m:oMathParaPr>
@@ -21882,7 +21888,7 @@
               </p:txBody>
             </p:sp>
           </mc:Choice>
-          <mc:Fallback>
+          <mc:Fallback xmlns="">
             <p:sp>
               <p:nvSpPr>
                 <p:cNvPr id="68" name="Textfeld 67">
@@ -22208,8 +22214,8 @@
             </a:fontRef>
           </p:style>
         </p:cxnSp>
-        <mc:AlternateContent xmlns:mc="http://schemas.openxmlformats.org/markup-compatibility/2006">
-          <mc:Choice xmlns:a14="http://schemas.microsoft.com/office/drawing/2010/main" Requires="a14">
+        <mc:AlternateContent xmlns:mc="http://schemas.openxmlformats.org/markup-compatibility/2006" xmlns:a14="http://schemas.microsoft.com/office/drawing/2010/main">
+          <mc:Choice Requires="a14">
             <p:sp>
               <p:nvSpPr>
                 <p:cNvPr id="75" name="Textfeld 74">
@@ -22238,6 +22244,7 @@
                 </a:bodyPr>
                 <a:lstStyle/>
                 <a:p>
+                  <a:pPr/>
                   <a14:m>
                     <m:oMathPara xmlns:m="http://schemas.openxmlformats.org/officeDocument/2006/math">
                       <m:oMathParaPr>
@@ -22276,7 +22283,7 @@
               </p:txBody>
             </p:sp>
           </mc:Choice>
-          <mc:Fallback>
+          <mc:Fallback xmlns="">
             <p:sp>
               <p:nvSpPr>
                 <p:cNvPr id="75" name="Textfeld 74">
@@ -22321,8 +22328,8 @@
             </p:sp>
           </mc:Fallback>
         </mc:AlternateContent>
-        <mc:AlternateContent xmlns:mc="http://schemas.openxmlformats.org/markup-compatibility/2006">
-          <mc:Choice xmlns:a14="http://schemas.microsoft.com/office/drawing/2010/main" Requires="a14">
+        <mc:AlternateContent xmlns:mc="http://schemas.openxmlformats.org/markup-compatibility/2006" xmlns:a14="http://schemas.microsoft.com/office/drawing/2010/main">
+          <mc:Choice Requires="a14">
             <p:sp>
               <p:nvSpPr>
                 <p:cNvPr id="76" name="Textfeld 75">
@@ -22351,6 +22358,7 @@
                 </a:bodyPr>
                 <a:lstStyle/>
                 <a:p>
+                  <a:pPr/>
                   <a14:m>
                     <m:oMathPara xmlns:m="http://schemas.openxmlformats.org/officeDocument/2006/math">
                       <m:oMathParaPr>
@@ -22371,7 +22379,7 @@
               </p:txBody>
             </p:sp>
           </mc:Choice>
-          <mc:Fallback>
+          <mc:Fallback xmlns="">
             <p:sp>
               <p:nvSpPr>
                 <p:cNvPr id="76" name="Textfeld 75">
@@ -22416,8 +22424,8 @@
             </p:sp>
           </mc:Fallback>
         </mc:AlternateContent>
-        <mc:AlternateContent xmlns:mc="http://schemas.openxmlformats.org/markup-compatibility/2006">
-          <mc:Choice xmlns:a14="http://schemas.microsoft.com/office/drawing/2010/main" Requires="a14">
+        <mc:AlternateContent xmlns:mc="http://schemas.openxmlformats.org/markup-compatibility/2006" xmlns:a14="http://schemas.microsoft.com/office/drawing/2010/main">
+          <mc:Choice Requires="a14">
             <p:sp>
               <p:nvSpPr>
                 <p:cNvPr id="77" name="Prozess 76">
@@ -22520,7 +22528,7 @@
               </p:txBody>
             </p:sp>
           </mc:Choice>
-          <mc:Fallback>
+          <mc:Fallback xmlns="">
             <p:sp>
               <p:nvSpPr>
                 <p:cNvPr id="77" name="Prozess 76">
@@ -22660,6 +22668,1135 @@
           </p:style>
         </p:cxnSp>
       </p:grpSp>
+      <mc:AlternateContent xmlns:mc="http://schemas.openxmlformats.org/markup-compatibility/2006">
+        <mc:Choice xmlns:a14="http://schemas.microsoft.com/office/drawing/2010/main" Requires="a14">
+          <p:sp>
+            <p:nvSpPr>
+              <p:cNvPr id="3" name="Textfeld 2">
+                <a:extLst>
+                  <a:ext uri="{FF2B5EF4-FFF2-40B4-BE49-F238E27FC236}">
+                    <a16:creationId xmlns:a16="http://schemas.microsoft.com/office/drawing/2014/main" id="{3EB245D8-DA26-0DE3-DA5B-9168829BC6D1}"/>
+                  </a:ext>
+                </a:extLst>
+              </p:cNvPr>
+              <p:cNvSpPr txBox="1"/>
+              <p:nvPr/>
+            </p:nvSpPr>
+            <p:spPr>
+              <a:xfrm>
+                <a:off x="6096000" y="814005"/>
+                <a:ext cx="4538615" cy="2246321"/>
+              </a:xfrm>
+              <a:prstGeom prst="rect">
+                <a:avLst/>
+              </a:prstGeom>
+              <a:noFill/>
+            </p:spPr>
+            <p:txBody>
+              <a:bodyPr wrap="none" lIns="0" tIns="0" rIns="0" bIns="0" rtlCol="0">
+                <a:spAutoFit/>
+              </a:bodyPr>
+              <a:lstStyle/>
+              <a:p>
+                <a14:m>
+                  <m:oMathPara xmlns:m="http://schemas.openxmlformats.org/officeDocument/2006/math">
+                    <m:oMathParaPr>
+                      <m:jc m:val="centerGroup"/>
+                    </m:oMathParaPr>
+                    <m:oMath xmlns:m="http://schemas.openxmlformats.org/officeDocument/2006/math">
+                      <m:r>
+                        <a:rPr lang="de-DE" sz="2400" b="0" i="1" smtClean="0">
+                          <a:latin typeface="Cambria Math" panose="02040503050406030204" pitchFamily="18" charset="0"/>
+                        </a:rPr>
+                        <m:t>𝑌</m:t>
+                      </m:r>
+                      <m:d>
+                        <m:dPr>
+                          <m:ctrlPr>
+                            <a:rPr lang="de-DE" sz="2400" b="0" i="1" smtClean="0">
+                              <a:latin typeface="Cambria Math" panose="02040503050406030204" pitchFamily="18" charset="0"/>
+                            </a:rPr>
+                          </m:ctrlPr>
+                        </m:dPr>
+                        <m:e>
+                          <m:r>
+                            <a:rPr lang="de-DE" sz="2400" b="0" i="1" smtClean="0">
+                              <a:latin typeface="Cambria Math" panose="02040503050406030204" pitchFamily="18" charset="0"/>
+                            </a:rPr>
+                            <m:t>𝑠</m:t>
+                          </m:r>
+                        </m:e>
+                      </m:d>
+                      <m:r>
+                        <a:rPr lang="de-DE" sz="2400" b="0" i="1" smtClean="0">
+                          <a:latin typeface="Cambria Math" panose="02040503050406030204" pitchFamily="18" charset="0"/>
+                        </a:rPr>
+                        <m:t>=</m:t>
+                      </m:r>
+                      <m:r>
+                        <a:rPr lang="de-DE" sz="2400" b="0" i="1" smtClean="0">
+                          <a:latin typeface="Cambria Math" panose="02040503050406030204" pitchFamily="18" charset="0"/>
+                        </a:rPr>
+                        <m:t>𝐺</m:t>
+                      </m:r>
+                      <m:r>
+                        <a:rPr lang="de-DE" sz="2400" b="0" i="1" smtClean="0">
+                          <a:latin typeface="Cambria Math" panose="02040503050406030204" pitchFamily="18" charset="0"/>
+                        </a:rPr>
+                        <m:t>(</m:t>
+                      </m:r>
+                      <m:r>
+                        <a:rPr lang="de-DE" sz="2400" b="0" i="1" smtClean="0">
+                          <a:latin typeface="Cambria Math" panose="02040503050406030204" pitchFamily="18" charset="0"/>
+                        </a:rPr>
+                        <m:t>𝑠</m:t>
+                      </m:r>
+                      <m:r>
+                        <a:rPr lang="de-DE" sz="2400" b="0" i="1" smtClean="0">
+                          <a:latin typeface="Cambria Math" panose="02040503050406030204" pitchFamily="18" charset="0"/>
+                        </a:rPr>
+                        <m:t>)∙</m:t>
+                      </m:r>
+                      <m:d>
+                        <m:dPr>
+                          <m:ctrlPr>
+                            <a:rPr lang="de-DE" sz="2400" b="0" i="1" smtClean="0">
+                              <a:latin typeface="Cambria Math" panose="02040503050406030204" pitchFamily="18" charset="0"/>
+                              <a:ea typeface="Cambria Math" panose="02040503050406030204" pitchFamily="18" charset="0"/>
+                            </a:rPr>
+                          </m:ctrlPr>
+                        </m:dPr>
+                        <m:e>
+                          <m:r>
+                            <a:rPr lang="de-DE" sz="2400" b="0" i="1" smtClean="0">
+                              <a:latin typeface="Cambria Math" panose="02040503050406030204" pitchFamily="18" charset="0"/>
+                              <a:ea typeface="Cambria Math" panose="02040503050406030204" pitchFamily="18" charset="0"/>
+                            </a:rPr>
+                            <m:t>𝑅</m:t>
+                          </m:r>
+                          <m:d>
+                            <m:dPr>
+                              <m:ctrlPr>
+                                <a:rPr lang="de-DE" sz="2400" b="0" i="1" smtClean="0">
+                                  <a:latin typeface="Cambria Math" panose="02040503050406030204" pitchFamily="18" charset="0"/>
+                                  <a:ea typeface="Cambria Math" panose="02040503050406030204" pitchFamily="18" charset="0"/>
+                                </a:rPr>
+                              </m:ctrlPr>
+                            </m:dPr>
+                            <m:e>
+                              <m:r>
+                                <a:rPr lang="de-DE" sz="2400" b="0" i="1" smtClean="0">
+                                  <a:latin typeface="Cambria Math" panose="02040503050406030204" pitchFamily="18" charset="0"/>
+                                  <a:ea typeface="Cambria Math" panose="02040503050406030204" pitchFamily="18" charset="0"/>
+                                </a:rPr>
+                                <m:t>𝑠</m:t>
+                              </m:r>
+                            </m:e>
+                          </m:d>
+                          <m:r>
+                            <a:rPr lang="de-DE" sz="2400" b="0" i="1" smtClean="0">
+                              <a:latin typeface="Cambria Math" panose="02040503050406030204" pitchFamily="18" charset="0"/>
+                              <a:ea typeface="Cambria Math" panose="02040503050406030204" pitchFamily="18" charset="0"/>
+                            </a:rPr>
+                            <m:t>−</m:t>
+                          </m:r>
+                          <m:r>
+                            <a:rPr lang="de-DE" sz="2400" b="0" i="1" smtClean="0">
+                              <a:latin typeface="Cambria Math" panose="02040503050406030204" pitchFamily="18" charset="0"/>
+                              <a:ea typeface="Cambria Math" panose="02040503050406030204" pitchFamily="18" charset="0"/>
+                            </a:rPr>
+                            <m:t>𝑌</m:t>
+                          </m:r>
+                          <m:r>
+                            <a:rPr lang="de-DE" sz="2400" b="0" i="1" smtClean="0">
+                              <a:latin typeface="Cambria Math" panose="02040503050406030204" pitchFamily="18" charset="0"/>
+                              <a:ea typeface="Cambria Math" panose="02040503050406030204" pitchFamily="18" charset="0"/>
+                            </a:rPr>
+                            <m:t>(</m:t>
+                          </m:r>
+                          <m:r>
+                            <a:rPr lang="de-DE" sz="2400" b="0" i="1" smtClean="0">
+                              <a:latin typeface="Cambria Math" panose="02040503050406030204" pitchFamily="18" charset="0"/>
+                              <a:ea typeface="Cambria Math" panose="02040503050406030204" pitchFamily="18" charset="0"/>
+                            </a:rPr>
+                            <m:t>𝑠</m:t>
+                          </m:r>
+                          <m:r>
+                            <a:rPr lang="de-DE" sz="2400" b="0" i="1" smtClean="0">
+                              <a:latin typeface="Cambria Math" panose="02040503050406030204" pitchFamily="18" charset="0"/>
+                              <a:ea typeface="Cambria Math" panose="02040503050406030204" pitchFamily="18" charset="0"/>
+                            </a:rPr>
+                            <m:t>)</m:t>
+                          </m:r>
+                        </m:e>
+                      </m:d>
+                    </m:oMath>
+                  </m:oMathPara>
+                </a14:m>
+                <a:endParaRPr lang="de-DE" sz="2400" dirty="0"/>
+              </a:p>
+              <a:p>
+                <a:endParaRPr lang="de-DE" sz="2400" dirty="0"/>
+              </a:p>
+              <a:p>
+                <a14:m>
+                  <m:oMathPara xmlns:m="http://schemas.openxmlformats.org/officeDocument/2006/math">
+                    <m:oMathParaPr>
+                      <m:jc m:val="centerGroup"/>
+                    </m:oMathParaPr>
+                    <m:oMath xmlns:m="http://schemas.openxmlformats.org/officeDocument/2006/math">
+                      <m:r>
+                        <a:rPr lang="de-DE" sz="2400" b="0" i="1" smtClean="0">
+                          <a:latin typeface="Cambria Math" panose="02040503050406030204" pitchFamily="18" charset="0"/>
+                          <a:ea typeface="Cambria Math" panose="02040503050406030204" pitchFamily="18" charset="0"/>
+                        </a:rPr>
+                        <m:t>⇒</m:t>
+                      </m:r>
+                      <m:r>
+                        <a:rPr lang="de-DE" sz="2400" b="0" i="1" smtClean="0">
+                          <a:latin typeface="Cambria Math" panose="02040503050406030204" pitchFamily="18" charset="0"/>
+                        </a:rPr>
+                        <m:t>𝑌</m:t>
+                      </m:r>
+                      <m:d>
+                        <m:dPr>
+                          <m:ctrlPr>
+                            <a:rPr lang="de-DE" sz="2400" b="0" i="1" smtClean="0">
+                              <a:latin typeface="Cambria Math" panose="02040503050406030204" pitchFamily="18" charset="0"/>
+                            </a:rPr>
+                          </m:ctrlPr>
+                        </m:dPr>
+                        <m:e>
+                          <m:r>
+                            <a:rPr lang="de-DE" sz="2400" b="0" i="1" smtClean="0">
+                              <a:latin typeface="Cambria Math" panose="02040503050406030204" pitchFamily="18" charset="0"/>
+                            </a:rPr>
+                            <m:t>𝑠</m:t>
+                          </m:r>
+                        </m:e>
+                      </m:d>
+                      <m:r>
+                        <a:rPr lang="de-DE" sz="2400" b="0" i="1" smtClean="0">
+                          <a:latin typeface="Cambria Math" panose="02040503050406030204" pitchFamily="18" charset="0"/>
+                          <a:ea typeface="Cambria Math" panose="02040503050406030204" pitchFamily="18" charset="0"/>
+                        </a:rPr>
+                        <m:t>∙</m:t>
+                      </m:r>
+                      <m:d>
+                        <m:dPr>
+                          <m:ctrlPr>
+                            <a:rPr lang="de-DE" sz="2400" b="0" i="1" smtClean="0">
+                              <a:latin typeface="Cambria Math" panose="02040503050406030204" pitchFamily="18" charset="0"/>
+                            </a:rPr>
+                          </m:ctrlPr>
+                        </m:dPr>
+                        <m:e>
+                          <m:r>
+                            <a:rPr lang="de-DE" sz="2400" b="0" i="1" smtClean="0">
+                              <a:latin typeface="Cambria Math" panose="02040503050406030204" pitchFamily="18" charset="0"/>
+                            </a:rPr>
+                            <m:t>1+</m:t>
+                          </m:r>
+                          <m:r>
+                            <a:rPr lang="de-DE" sz="2400" b="0" i="1" smtClean="0">
+                              <a:latin typeface="Cambria Math" panose="02040503050406030204" pitchFamily="18" charset="0"/>
+                            </a:rPr>
+                            <m:t>𝐺</m:t>
+                          </m:r>
+                          <m:r>
+                            <a:rPr lang="de-DE" sz="2400" b="0" i="1" smtClean="0">
+                              <a:latin typeface="Cambria Math" panose="02040503050406030204" pitchFamily="18" charset="0"/>
+                            </a:rPr>
+                            <m:t>(</m:t>
+                          </m:r>
+                          <m:r>
+                            <a:rPr lang="de-DE" sz="2400" b="0" i="1" smtClean="0">
+                              <a:latin typeface="Cambria Math" panose="02040503050406030204" pitchFamily="18" charset="0"/>
+                            </a:rPr>
+                            <m:t>𝑠</m:t>
+                          </m:r>
+                          <m:r>
+                            <a:rPr lang="de-DE" sz="2400" b="0" i="1" smtClean="0">
+                              <a:latin typeface="Cambria Math" panose="02040503050406030204" pitchFamily="18" charset="0"/>
+                            </a:rPr>
+                            <m:t>)</m:t>
+                          </m:r>
+                        </m:e>
+                      </m:d>
+                      <m:r>
+                        <a:rPr lang="de-DE" sz="2400" b="0" i="1" smtClean="0">
+                          <a:latin typeface="Cambria Math" panose="02040503050406030204" pitchFamily="18" charset="0"/>
+                        </a:rPr>
+                        <m:t>=</m:t>
+                      </m:r>
+                      <m:r>
+                        <a:rPr lang="de-DE" sz="2400" b="0" i="1" smtClean="0">
+                          <a:latin typeface="Cambria Math" panose="02040503050406030204" pitchFamily="18" charset="0"/>
+                        </a:rPr>
+                        <m:t>𝐺</m:t>
+                      </m:r>
+                      <m:r>
+                        <a:rPr lang="de-DE" sz="2400" b="0" i="1" smtClean="0">
+                          <a:latin typeface="Cambria Math" panose="02040503050406030204" pitchFamily="18" charset="0"/>
+                        </a:rPr>
+                        <m:t>(</m:t>
+                      </m:r>
+                      <m:r>
+                        <a:rPr lang="de-DE" sz="2400" b="0" i="1" smtClean="0">
+                          <a:latin typeface="Cambria Math" panose="02040503050406030204" pitchFamily="18" charset="0"/>
+                        </a:rPr>
+                        <m:t>𝑠</m:t>
+                      </m:r>
+                      <m:r>
+                        <a:rPr lang="de-DE" sz="2400" b="0" i="1" smtClean="0">
+                          <a:latin typeface="Cambria Math" panose="02040503050406030204" pitchFamily="18" charset="0"/>
+                        </a:rPr>
+                        <m:t>)∙</m:t>
+                      </m:r>
+                      <m:r>
+                        <a:rPr lang="de-DE" sz="2400" b="0" i="1" smtClean="0">
+                          <a:latin typeface="Cambria Math" panose="02040503050406030204" pitchFamily="18" charset="0"/>
+                          <a:ea typeface="Cambria Math" panose="02040503050406030204" pitchFamily="18" charset="0"/>
+                        </a:rPr>
+                        <m:t>𝑅</m:t>
+                      </m:r>
+                      <m:r>
+                        <a:rPr lang="de-DE" sz="2400" b="0" i="1" smtClean="0">
+                          <a:latin typeface="Cambria Math" panose="02040503050406030204" pitchFamily="18" charset="0"/>
+                          <a:ea typeface="Cambria Math" panose="02040503050406030204" pitchFamily="18" charset="0"/>
+                        </a:rPr>
+                        <m:t>(</m:t>
+                      </m:r>
+                      <m:r>
+                        <a:rPr lang="de-DE" sz="2400" b="0" i="1" smtClean="0">
+                          <a:latin typeface="Cambria Math" panose="02040503050406030204" pitchFamily="18" charset="0"/>
+                          <a:ea typeface="Cambria Math" panose="02040503050406030204" pitchFamily="18" charset="0"/>
+                        </a:rPr>
+                        <m:t>𝑠</m:t>
+                      </m:r>
+                      <m:r>
+                        <a:rPr lang="de-DE" sz="2400" b="0" i="1" smtClean="0">
+                          <a:latin typeface="Cambria Math" panose="02040503050406030204" pitchFamily="18" charset="0"/>
+                          <a:ea typeface="Cambria Math" panose="02040503050406030204" pitchFamily="18" charset="0"/>
+                        </a:rPr>
+                        <m:t>)</m:t>
+                      </m:r>
+                    </m:oMath>
+                  </m:oMathPara>
+                </a14:m>
+                <a:endParaRPr lang="de-DE" sz="2400" dirty="0"/>
+              </a:p>
+              <a:p>
+                <a:endParaRPr lang="de-DE" sz="2400" dirty="0"/>
+              </a:p>
+              <a:p>
+                <a14:m>
+                  <m:oMathPara xmlns:m="http://schemas.openxmlformats.org/officeDocument/2006/math">
+                    <m:oMathParaPr>
+                      <m:jc m:val="centerGroup"/>
+                    </m:oMathParaPr>
+                    <m:oMath xmlns:m="http://schemas.openxmlformats.org/officeDocument/2006/math">
+                      <m:r>
+                        <a:rPr lang="de-DE" sz="2400" i="1" smtClean="0">
+                          <a:latin typeface="Cambria Math" panose="02040503050406030204" pitchFamily="18" charset="0"/>
+                          <a:ea typeface="Cambria Math" panose="02040503050406030204" pitchFamily="18" charset="0"/>
+                        </a:rPr>
+                        <m:t>⇒</m:t>
+                      </m:r>
+                      <m:f>
+                        <m:fPr>
+                          <m:ctrlPr>
+                            <a:rPr lang="de-DE" sz="2400" i="1" smtClean="0">
+                              <a:latin typeface="Cambria Math" panose="02040503050406030204" pitchFamily="18" charset="0"/>
+                              <a:ea typeface="Cambria Math" panose="02040503050406030204" pitchFamily="18" charset="0"/>
+                            </a:rPr>
+                          </m:ctrlPr>
+                        </m:fPr>
+                        <m:num>
+                          <m:r>
+                            <a:rPr lang="de-DE" sz="2400" b="0" i="1" smtClean="0">
+                              <a:latin typeface="Cambria Math" panose="02040503050406030204" pitchFamily="18" charset="0"/>
+                              <a:ea typeface="Cambria Math" panose="02040503050406030204" pitchFamily="18" charset="0"/>
+                            </a:rPr>
+                            <m:t>𝑌</m:t>
+                          </m:r>
+                          <m:r>
+                            <a:rPr lang="de-DE" sz="2400" b="0" i="1" smtClean="0">
+                              <a:latin typeface="Cambria Math" panose="02040503050406030204" pitchFamily="18" charset="0"/>
+                              <a:ea typeface="Cambria Math" panose="02040503050406030204" pitchFamily="18" charset="0"/>
+                            </a:rPr>
+                            <m:t>(</m:t>
+                          </m:r>
+                          <m:r>
+                            <a:rPr lang="de-DE" sz="2400" b="0" i="1" smtClean="0">
+                              <a:latin typeface="Cambria Math" panose="02040503050406030204" pitchFamily="18" charset="0"/>
+                              <a:ea typeface="Cambria Math" panose="02040503050406030204" pitchFamily="18" charset="0"/>
+                            </a:rPr>
+                            <m:t>𝑠</m:t>
+                          </m:r>
+                          <m:r>
+                            <a:rPr lang="de-DE" sz="2400" b="0" i="1" smtClean="0">
+                              <a:latin typeface="Cambria Math" panose="02040503050406030204" pitchFamily="18" charset="0"/>
+                              <a:ea typeface="Cambria Math" panose="02040503050406030204" pitchFamily="18" charset="0"/>
+                            </a:rPr>
+                            <m:t>)</m:t>
+                          </m:r>
+                        </m:num>
+                        <m:den>
+                          <m:r>
+                            <a:rPr lang="de-DE" sz="2400" b="0" i="1" smtClean="0">
+                              <a:latin typeface="Cambria Math" panose="02040503050406030204" pitchFamily="18" charset="0"/>
+                              <a:ea typeface="Cambria Math" panose="02040503050406030204" pitchFamily="18" charset="0"/>
+                            </a:rPr>
+                            <m:t>𝑅</m:t>
+                          </m:r>
+                          <m:r>
+                            <a:rPr lang="de-DE" sz="2400" b="0" i="1" smtClean="0">
+                              <a:latin typeface="Cambria Math" panose="02040503050406030204" pitchFamily="18" charset="0"/>
+                              <a:ea typeface="Cambria Math" panose="02040503050406030204" pitchFamily="18" charset="0"/>
+                            </a:rPr>
+                            <m:t>(</m:t>
+                          </m:r>
+                          <m:r>
+                            <a:rPr lang="de-DE" sz="2400" b="0" i="1" smtClean="0">
+                              <a:latin typeface="Cambria Math" panose="02040503050406030204" pitchFamily="18" charset="0"/>
+                              <a:ea typeface="Cambria Math" panose="02040503050406030204" pitchFamily="18" charset="0"/>
+                            </a:rPr>
+                            <m:t>𝑠</m:t>
+                          </m:r>
+                          <m:r>
+                            <a:rPr lang="de-DE" sz="2400" b="0" i="1" smtClean="0">
+                              <a:latin typeface="Cambria Math" panose="02040503050406030204" pitchFamily="18" charset="0"/>
+                              <a:ea typeface="Cambria Math" panose="02040503050406030204" pitchFamily="18" charset="0"/>
+                            </a:rPr>
+                            <m:t>)</m:t>
+                          </m:r>
+                        </m:den>
+                      </m:f>
+                      <m:r>
+                        <a:rPr lang="de-DE" sz="2400" b="0" i="1" smtClean="0">
+                          <a:latin typeface="Cambria Math" panose="02040503050406030204" pitchFamily="18" charset="0"/>
+                          <a:ea typeface="Cambria Math" panose="02040503050406030204" pitchFamily="18" charset="0"/>
+                        </a:rPr>
+                        <m:t>=</m:t>
+                      </m:r>
+                      <m:f>
+                        <m:fPr>
+                          <m:ctrlPr>
+                            <a:rPr lang="de-DE" sz="2400" b="0" i="1" smtClean="0">
+                              <a:latin typeface="Cambria Math" panose="02040503050406030204" pitchFamily="18" charset="0"/>
+                              <a:ea typeface="Cambria Math" panose="02040503050406030204" pitchFamily="18" charset="0"/>
+                            </a:rPr>
+                          </m:ctrlPr>
+                        </m:fPr>
+                        <m:num>
+                          <m:r>
+                            <a:rPr lang="de-DE" sz="2400" b="0" i="1" smtClean="0">
+                              <a:latin typeface="Cambria Math" panose="02040503050406030204" pitchFamily="18" charset="0"/>
+                              <a:ea typeface="Cambria Math" panose="02040503050406030204" pitchFamily="18" charset="0"/>
+                            </a:rPr>
+                            <m:t>𝐺</m:t>
+                          </m:r>
+                          <m:r>
+                            <a:rPr lang="de-DE" sz="2400" b="0" i="1" smtClean="0">
+                              <a:latin typeface="Cambria Math" panose="02040503050406030204" pitchFamily="18" charset="0"/>
+                              <a:ea typeface="Cambria Math" panose="02040503050406030204" pitchFamily="18" charset="0"/>
+                            </a:rPr>
+                            <m:t>(</m:t>
+                          </m:r>
+                          <m:r>
+                            <a:rPr lang="de-DE" sz="2400" b="0" i="1" smtClean="0">
+                              <a:latin typeface="Cambria Math" panose="02040503050406030204" pitchFamily="18" charset="0"/>
+                              <a:ea typeface="Cambria Math" panose="02040503050406030204" pitchFamily="18" charset="0"/>
+                            </a:rPr>
+                            <m:t>𝑠</m:t>
+                          </m:r>
+                          <m:r>
+                            <a:rPr lang="de-DE" sz="2400" b="0" i="1" smtClean="0">
+                              <a:latin typeface="Cambria Math" panose="02040503050406030204" pitchFamily="18" charset="0"/>
+                              <a:ea typeface="Cambria Math" panose="02040503050406030204" pitchFamily="18" charset="0"/>
+                            </a:rPr>
+                            <m:t>)</m:t>
+                          </m:r>
+                        </m:num>
+                        <m:den>
+                          <m:r>
+                            <a:rPr lang="de-DE" sz="2400" b="0" i="1" smtClean="0">
+                              <a:latin typeface="Cambria Math" panose="02040503050406030204" pitchFamily="18" charset="0"/>
+                              <a:ea typeface="Cambria Math" panose="02040503050406030204" pitchFamily="18" charset="0"/>
+                            </a:rPr>
+                            <m:t>1+</m:t>
+                          </m:r>
+                          <m:r>
+                            <a:rPr lang="de-DE" sz="2400" b="0" i="1" smtClean="0">
+                              <a:latin typeface="Cambria Math" panose="02040503050406030204" pitchFamily="18" charset="0"/>
+                              <a:ea typeface="Cambria Math" panose="02040503050406030204" pitchFamily="18" charset="0"/>
+                            </a:rPr>
+                            <m:t>𝐺</m:t>
+                          </m:r>
+                          <m:r>
+                            <a:rPr lang="de-DE" sz="2400" b="0" i="1" smtClean="0">
+                              <a:latin typeface="Cambria Math" panose="02040503050406030204" pitchFamily="18" charset="0"/>
+                              <a:ea typeface="Cambria Math" panose="02040503050406030204" pitchFamily="18" charset="0"/>
+                            </a:rPr>
+                            <m:t>(</m:t>
+                          </m:r>
+                          <m:r>
+                            <a:rPr lang="de-DE" sz="2400" b="0" i="1" smtClean="0">
+                              <a:latin typeface="Cambria Math" panose="02040503050406030204" pitchFamily="18" charset="0"/>
+                              <a:ea typeface="Cambria Math" panose="02040503050406030204" pitchFamily="18" charset="0"/>
+                            </a:rPr>
+                            <m:t>𝑠</m:t>
+                          </m:r>
+                          <m:r>
+                            <a:rPr lang="de-DE" sz="2400" b="0" i="1" smtClean="0">
+                              <a:latin typeface="Cambria Math" panose="02040503050406030204" pitchFamily="18" charset="0"/>
+                              <a:ea typeface="Cambria Math" panose="02040503050406030204" pitchFamily="18" charset="0"/>
+                            </a:rPr>
+                            <m:t>)</m:t>
+                          </m:r>
+                        </m:den>
+                      </m:f>
+                    </m:oMath>
+                  </m:oMathPara>
+                </a14:m>
+                <a:endParaRPr lang="de-DE" sz="2400" dirty="0"/>
+              </a:p>
+            </p:txBody>
+          </p:sp>
+        </mc:Choice>
+        <mc:Fallback>
+          <p:sp>
+            <p:nvSpPr>
+              <p:cNvPr id="3" name="Textfeld 2">
+                <a:extLst>
+                  <a:ext uri="{FF2B5EF4-FFF2-40B4-BE49-F238E27FC236}">
+                    <a16:creationId xmlns:a16="http://schemas.microsoft.com/office/drawing/2014/main" id="{3EB245D8-DA26-0DE3-DA5B-9168829BC6D1}"/>
+                  </a:ext>
+                </a:extLst>
+              </p:cNvPr>
+              <p:cNvSpPr txBox="1">
+                <a:spLocks noRot="1" noChangeAspect="1" noMove="1" noResize="1" noEditPoints="1" noAdjustHandles="1" noChangeArrowheads="1" noChangeShapeType="1" noTextEdit="1"/>
+              </p:cNvSpPr>
+              <p:nvPr/>
+            </p:nvSpPr>
+            <p:spPr>
+              <a:xfrm>
+                <a:off x="6096000" y="814005"/>
+                <a:ext cx="4538615" cy="2246321"/>
+              </a:xfrm>
+              <a:prstGeom prst="rect">
+                <a:avLst/>
+              </a:prstGeom>
+              <a:blipFill>
+                <a:blip r:embed="rId9"/>
+                <a:stretch>
+                  <a:fillRect l="-279" t="-565" r="-1397" b="-5650"/>
+                </a:stretch>
+              </a:blipFill>
+            </p:spPr>
+            <p:txBody>
+              <a:bodyPr/>
+              <a:lstStyle/>
+              <a:p>
+                <a:r>
+                  <a:rPr lang="de-DE">
+                    <a:noFill/>
+                  </a:rPr>
+                  <a:t> </a:t>
+                </a:r>
+              </a:p>
+            </p:txBody>
+          </p:sp>
+        </mc:Fallback>
+      </mc:AlternateContent>
+      <p:sp>
+        <p:nvSpPr>
+          <p:cNvPr id="5" name="Textfeld 4">
+            <a:extLst>
+              <a:ext uri="{FF2B5EF4-FFF2-40B4-BE49-F238E27FC236}">
+                <a16:creationId xmlns:a16="http://schemas.microsoft.com/office/drawing/2014/main" id="{7B1B46A8-D3BE-8232-6FD3-0BBC2CD586D8}"/>
+              </a:ext>
+            </a:extLst>
+          </p:cNvPr>
+          <p:cNvSpPr txBox="1"/>
+          <p:nvPr/>
+        </p:nvSpPr>
+        <p:spPr>
+          <a:xfrm>
+            <a:off x="7347911" y="3359443"/>
+            <a:ext cx="4005889" cy="830997"/>
+          </a:xfrm>
+          <a:prstGeom prst="rect">
+            <a:avLst/>
+          </a:prstGeom>
+          <a:noFill/>
+        </p:spPr>
+        <p:txBody>
+          <a:bodyPr wrap="square" rtlCol="0">
+            <a:spAutoFit/>
+          </a:bodyPr>
+          <a:lstStyle/>
+          <a:p>
+            <a:r>
+              <a:rPr lang="de-DE" sz="2400" dirty="0" err="1"/>
+              <a:t>closed</a:t>
+            </a:r>
+            <a:r>
+              <a:rPr lang="de-DE" sz="2400" dirty="0"/>
+              <a:t>-loop </a:t>
+            </a:r>
+            <a:r>
+              <a:rPr lang="de-DE" sz="2400" dirty="0" err="1"/>
+              <a:t>transfer</a:t>
+            </a:r>
+            <a:r>
+              <a:rPr lang="de-DE" sz="2400" dirty="0"/>
+              <a:t> </a:t>
+            </a:r>
+            <a:r>
+              <a:rPr lang="de-DE" sz="2400" dirty="0" err="1"/>
+              <a:t>function</a:t>
+            </a:r>
+            <a:r>
+              <a:rPr lang="de-DE" sz="2400" dirty="0"/>
+              <a:t> </a:t>
+            </a:r>
+            <a:r>
+              <a:rPr lang="de-DE" sz="2400" dirty="0" err="1"/>
+              <a:t>for</a:t>
+            </a:r>
+            <a:r>
+              <a:rPr lang="de-DE" sz="2400" dirty="0"/>
+              <a:t> negative </a:t>
+            </a:r>
+            <a:r>
+              <a:rPr lang="de-DE" sz="2400" dirty="0" err="1"/>
+              <a:t>feedback</a:t>
+            </a:r>
+            <a:endParaRPr lang="de-DE" sz="2400" dirty="0"/>
+          </a:p>
+        </p:txBody>
+      </p:sp>
+      <p:cxnSp>
+        <p:nvCxnSpPr>
+          <p:cNvPr id="7" name="Gerade Verbindung mit Pfeil 6">
+            <a:extLst>
+              <a:ext uri="{FF2B5EF4-FFF2-40B4-BE49-F238E27FC236}">
+                <a16:creationId xmlns:a16="http://schemas.microsoft.com/office/drawing/2014/main" id="{6C464F60-FB62-DB77-A5C9-AA00849EF8D2}"/>
+              </a:ext>
+            </a:extLst>
+          </p:cNvPr>
+          <p:cNvCxnSpPr/>
+          <p:nvPr/>
+        </p:nvCxnSpPr>
+        <p:spPr>
+          <a:xfrm flipV="1">
+            <a:off x="8610600" y="3060326"/>
+            <a:ext cx="151660" cy="384208"/>
+          </a:xfrm>
+          <a:prstGeom prst="straightConnector1">
+            <a:avLst/>
+          </a:prstGeom>
+          <a:ln>
+            <a:tailEnd type="triangle"/>
+          </a:ln>
+        </p:spPr>
+        <p:style>
+          <a:lnRef idx="2">
+            <a:schemeClr val="accent1"/>
+          </a:lnRef>
+          <a:fillRef idx="0">
+            <a:schemeClr val="accent1"/>
+          </a:fillRef>
+          <a:effectRef idx="1">
+            <a:schemeClr val="accent1"/>
+          </a:effectRef>
+          <a:fontRef idx="minor">
+            <a:schemeClr val="tx1"/>
+          </a:fontRef>
+        </p:style>
+      </p:cxnSp>
+      <mc:AlternateContent xmlns:mc="http://schemas.openxmlformats.org/markup-compatibility/2006">
+        <mc:Choice xmlns:a14="http://schemas.microsoft.com/office/drawing/2010/main" Requires="a14">
+          <p:sp>
+            <p:nvSpPr>
+              <p:cNvPr id="9" name="Textfeld 8">
+                <a:extLst>
+                  <a:ext uri="{FF2B5EF4-FFF2-40B4-BE49-F238E27FC236}">
+                    <a16:creationId xmlns:a16="http://schemas.microsoft.com/office/drawing/2014/main" id="{E1F6F8F9-8529-3D6B-67E4-7AC0BCCEA22A}"/>
+                  </a:ext>
+                </a:extLst>
+              </p:cNvPr>
+              <p:cNvSpPr txBox="1"/>
+              <p:nvPr/>
+            </p:nvSpPr>
+            <p:spPr>
+              <a:xfrm>
+                <a:off x="7747396" y="5176410"/>
+                <a:ext cx="3206917" cy="861326"/>
+              </a:xfrm>
+              <a:prstGeom prst="rect">
+                <a:avLst/>
+              </a:prstGeom>
+              <a:noFill/>
+            </p:spPr>
+            <p:txBody>
+              <a:bodyPr wrap="square">
+                <a:spAutoFit/>
+              </a:bodyPr>
+              <a:lstStyle/>
+              <a:p>
+                <a:pPr/>
+                <a14:m>
+                  <m:oMathPara xmlns:m="http://schemas.openxmlformats.org/officeDocument/2006/math">
+                    <m:oMathParaPr>
+                      <m:jc m:val="centerGroup"/>
+                    </m:oMathParaPr>
+                    <m:oMath xmlns:m="http://schemas.openxmlformats.org/officeDocument/2006/math">
+                      <m:f>
+                        <m:fPr>
+                          <m:ctrlPr>
+                            <a:rPr lang="de-DE" sz="2400" i="1" smtClean="0">
+                              <a:latin typeface="Cambria Math" panose="02040503050406030204" pitchFamily="18" charset="0"/>
+                              <a:ea typeface="Cambria Math" panose="02040503050406030204" pitchFamily="18" charset="0"/>
+                            </a:rPr>
+                          </m:ctrlPr>
+                        </m:fPr>
+                        <m:num>
+                          <m:r>
+                            <a:rPr lang="de-DE" sz="2400" b="0" i="1" smtClean="0">
+                              <a:latin typeface="Cambria Math" panose="02040503050406030204" pitchFamily="18" charset="0"/>
+                              <a:ea typeface="Cambria Math" panose="02040503050406030204" pitchFamily="18" charset="0"/>
+                            </a:rPr>
+                            <m:t>𝑌</m:t>
+                          </m:r>
+                          <m:r>
+                            <a:rPr lang="de-DE" sz="2400" b="0" i="1" smtClean="0">
+                              <a:latin typeface="Cambria Math" panose="02040503050406030204" pitchFamily="18" charset="0"/>
+                              <a:ea typeface="Cambria Math" panose="02040503050406030204" pitchFamily="18" charset="0"/>
+                            </a:rPr>
+                            <m:t>(</m:t>
+                          </m:r>
+                          <m:r>
+                            <a:rPr lang="de-DE" sz="2400" b="0" i="1" smtClean="0">
+                              <a:latin typeface="Cambria Math" panose="02040503050406030204" pitchFamily="18" charset="0"/>
+                              <a:ea typeface="Cambria Math" panose="02040503050406030204" pitchFamily="18" charset="0"/>
+                            </a:rPr>
+                            <m:t>𝑠</m:t>
+                          </m:r>
+                          <m:r>
+                            <a:rPr lang="de-DE" sz="2400" b="0" i="1" smtClean="0">
+                              <a:latin typeface="Cambria Math" panose="02040503050406030204" pitchFamily="18" charset="0"/>
+                              <a:ea typeface="Cambria Math" panose="02040503050406030204" pitchFamily="18" charset="0"/>
+                            </a:rPr>
+                            <m:t>)</m:t>
+                          </m:r>
+                        </m:num>
+                        <m:den>
+                          <m:r>
+                            <a:rPr lang="de-DE" sz="2400" b="0" i="1" smtClean="0">
+                              <a:latin typeface="Cambria Math" panose="02040503050406030204" pitchFamily="18" charset="0"/>
+                              <a:ea typeface="Cambria Math" panose="02040503050406030204" pitchFamily="18" charset="0"/>
+                            </a:rPr>
+                            <m:t>𝑅</m:t>
+                          </m:r>
+                          <m:r>
+                            <a:rPr lang="de-DE" sz="2400" b="0" i="1" smtClean="0">
+                              <a:latin typeface="Cambria Math" panose="02040503050406030204" pitchFamily="18" charset="0"/>
+                              <a:ea typeface="Cambria Math" panose="02040503050406030204" pitchFamily="18" charset="0"/>
+                            </a:rPr>
+                            <m:t>(</m:t>
+                          </m:r>
+                          <m:r>
+                            <a:rPr lang="de-DE" sz="2400" b="0" i="1" smtClean="0">
+                              <a:latin typeface="Cambria Math" panose="02040503050406030204" pitchFamily="18" charset="0"/>
+                              <a:ea typeface="Cambria Math" panose="02040503050406030204" pitchFamily="18" charset="0"/>
+                            </a:rPr>
+                            <m:t>𝑠</m:t>
+                          </m:r>
+                          <m:r>
+                            <a:rPr lang="de-DE" sz="2400" b="0" i="1" smtClean="0">
+                              <a:latin typeface="Cambria Math" panose="02040503050406030204" pitchFamily="18" charset="0"/>
+                              <a:ea typeface="Cambria Math" panose="02040503050406030204" pitchFamily="18" charset="0"/>
+                            </a:rPr>
+                            <m:t>)</m:t>
+                          </m:r>
+                        </m:den>
+                      </m:f>
+                      <m:r>
+                        <a:rPr lang="de-DE" sz="2400" b="0" i="1" smtClean="0">
+                          <a:latin typeface="Cambria Math" panose="02040503050406030204" pitchFamily="18" charset="0"/>
+                          <a:ea typeface="Cambria Math" panose="02040503050406030204" pitchFamily="18" charset="0"/>
+                        </a:rPr>
+                        <m:t>=</m:t>
+                      </m:r>
+                      <m:f>
+                        <m:fPr>
+                          <m:ctrlPr>
+                            <a:rPr lang="de-DE" sz="2400" b="0" i="1" smtClean="0">
+                              <a:latin typeface="Cambria Math" panose="02040503050406030204" pitchFamily="18" charset="0"/>
+                              <a:ea typeface="Cambria Math" panose="02040503050406030204" pitchFamily="18" charset="0"/>
+                            </a:rPr>
+                          </m:ctrlPr>
+                        </m:fPr>
+                        <m:num>
+                          <m:r>
+                            <a:rPr lang="de-DE" sz="2400" b="0" i="1" smtClean="0">
+                              <a:latin typeface="Cambria Math" panose="02040503050406030204" pitchFamily="18" charset="0"/>
+                              <a:ea typeface="Cambria Math" panose="02040503050406030204" pitchFamily="18" charset="0"/>
+                            </a:rPr>
+                            <m:t>𝐶</m:t>
+                          </m:r>
+                          <m:r>
+                            <a:rPr lang="de-DE" sz="2400" b="0" i="1" smtClean="0">
+                              <a:latin typeface="Cambria Math" panose="02040503050406030204" pitchFamily="18" charset="0"/>
+                              <a:ea typeface="Cambria Math" panose="02040503050406030204" pitchFamily="18" charset="0"/>
+                            </a:rPr>
+                            <m:t>(</m:t>
+                          </m:r>
+                          <m:r>
+                            <a:rPr lang="de-DE" sz="2400" b="0" i="1" smtClean="0">
+                              <a:latin typeface="Cambria Math" panose="02040503050406030204" pitchFamily="18" charset="0"/>
+                              <a:ea typeface="Cambria Math" panose="02040503050406030204" pitchFamily="18" charset="0"/>
+                            </a:rPr>
+                            <m:t>𝑠</m:t>
+                          </m:r>
+                          <m:r>
+                            <a:rPr lang="de-DE" sz="2400" b="0" i="1" smtClean="0">
+                              <a:latin typeface="Cambria Math" panose="02040503050406030204" pitchFamily="18" charset="0"/>
+                              <a:ea typeface="Cambria Math" panose="02040503050406030204" pitchFamily="18" charset="0"/>
+                            </a:rPr>
+                            <m:t>)∙</m:t>
+                          </m:r>
+                          <m:r>
+                            <a:rPr lang="de-DE" sz="2400" b="0" i="1" smtClean="0">
+                              <a:latin typeface="Cambria Math" panose="02040503050406030204" pitchFamily="18" charset="0"/>
+                              <a:ea typeface="Cambria Math" panose="02040503050406030204" pitchFamily="18" charset="0"/>
+                            </a:rPr>
+                            <m:t>𝑃</m:t>
+                          </m:r>
+                          <m:r>
+                            <a:rPr lang="de-DE" sz="2400" b="0" i="1" smtClean="0">
+                              <a:latin typeface="Cambria Math" panose="02040503050406030204" pitchFamily="18" charset="0"/>
+                              <a:ea typeface="Cambria Math" panose="02040503050406030204" pitchFamily="18" charset="0"/>
+                            </a:rPr>
+                            <m:t>(</m:t>
+                          </m:r>
+                          <m:r>
+                            <a:rPr lang="de-DE" sz="2400" b="0" i="1" smtClean="0">
+                              <a:latin typeface="Cambria Math" panose="02040503050406030204" pitchFamily="18" charset="0"/>
+                              <a:ea typeface="Cambria Math" panose="02040503050406030204" pitchFamily="18" charset="0"/>
+                            </a:rPr>
+                            <m:t>𝑠</m:t>
+                          </m:r>
+                          <m:r>
+                            <a:rPr lang="de-DE" sz="2400" b="0" i="1" smtClean="0">
+                              <a:latin typeface="Cambria Math" panose="02040503050406030204" pitchFamily="18" charset="0"/>
+                              <a:ea typeface="Cambria Math" panose="02040503050406030204" pitchFamily="18" charset="0"/>
+                            </a:rPr>
+                            <m:t>)</m:t>
+                          </m:r>
+                        </m:num>
+                        <m:den>
+                          <m:r>
+                            <a:rPr lang="de-DE" sz="2400" b="0" i="1" smtClean="0">
+                              <a:latin typeface="Cambria Math" panose="02040503050406030204" pitchFamily="18" charset="0"/>
+                              <a:ea typeface="Cambria Math" panose="02040503050406030204" pitchFamily="18" charset="0"/>
+                            </a:rPr>
+                            <m:t>1+</m:t>
+                          </m:r>
+                          <m:r>
+                            <a:rPr lang="de-DE" sz="2400" i="1">
+                              <a:latin typeface="Cambria Math" panose="02040503050406030204" pitchFamily="18" charset="0"/>
+                              <a:ea typeface="Cambria Math" panose="02040503050406030204" pitchFamily="18" charset="0"/>
+                            </a:rPr>
+                            <m:t>𝐶</m:t>
+                          </m:r>
+                          <m:r>
+                            <a:rPr lang="de-DE" sz="2400" i="1">
+                              <a:latin typeface="Cambria Math" panose="02040503050406030204" pitchFamily="18" charset="0"/>
+                              <a:ea typeface="Cambria Math" panose="02040503050406030204" pitchFamily="18" charset="0"/>
+                            </a:rPr>
+                            <m:t>(</m:t>
+                          </m:r>
+                          <m:r>
+                            <a:rPr lang="de-DE" sz="2400" i="1">
+                              <a:latin typeface="Cambria Math" panose="02040503050406030204" pitchFamily="18" charset="0"/>
+                              <a:ea typeface="Cambria Math" panose="02040503050406030204" pitchFamily="18" charset="0"/>
+                            </a:rPr>
+                            <m:t>𝑠</m:t>
+                          </m:r>
+                          <m:r>
+                            <a:rPr lang="de-DE" sz="2400" i="1">
+                              <a:latin typeface="Cambria Math" panose="02040503050406030204" pitchFamily="18" charset="0"/>
+                              <a:ea typeface="Cambria Math" panose="02040503050406030204" pitchFamily="18" charset="0"/>
+                            </a:rPr>
+                            <m:t>)∙</m:t>
+                          </m:r>
+                          <m:r>
+                            <a:rPr lang="de-DE" sz="2400" i="1">
+                              <a:latin typeface="Cambria Math" panose="02040503050406030204" pitchFamily="18" charset="0"/>
+                              <a:ea typeface="Cambria Math" panose="02040503050406030204" pitchFamily="18" charset="0"/>
+                            </a:rPr>
+                            <m:t>𝑃</m:t>
+                          </m:r>
+                          <m:r>
+                            <a:rPr lang="de-DE" sz="2400" i="1">
+                              <a:latin typeface="Cambria Math" panose="02040503050406030204" pitchFamily="18" charset="0"/>
+                              <a:ea typeface="Cambria Math" panose="02040503050406030204" pitchFamily="18" charset="0"/>
+                            </a:rPr>
+                            <m:t>(</m:t>
+                          </m:r>
+                          <m:r>
+                            <a:rPr lang="de-DE" sz="2400" i="1">
+                              <a:latin typeface="Cambria Math" panose="02040503050406030204" pitchFamily="18" charset="0"/>
+                              <a:ea typeface="Cambria Math" panose="02040503050406030204" pitchFamily="18" charset="0"/>
+                            </a:rPr>
+                            <m:t>𝑠</m:t>
+                          </m:r>
+                          <m:r>
+                            <a:rPr lang="de-DE" sz="2400" i="1">
+                              <a:latin typeface="Cambria Math" panose="02040503050406030204" pitchFamily="18" charset="0"/>
+                              <a:ea typeface="Cambria Math" panose="02040503050406030204" pitchFamily="18" charset="0"/>
+                            </a:rPr>
+                            <m:t>)</m:t>
+                          </m:r>
+                        </m:den>
+                      </m:f>
+                    </m:oMath>
+                  </m:oMathPara>
+                </a14:m>
+                <a:endParaRPr lang="de-DE" sz="2400" dirty="0"/>
+              </a:p>
+            </p:txBody>
+          </p:sp>
+        </mc:Choice>
+        <mc:Fallback>
+          <p:sp>
+            <p:nvSpPr>
+              <p:cNvPr id="9" name="Textfeld 8">
+                <a:extLst>
+                  <a:ext uri="{FF2B5EF4-FFF2-40B4-BE49-F238E27FC236}">
+                    <a16:creationId xmlns:a16="http://schemas.microsoft.com/office/drawing/2014/main" id="{E1F6F8F9-8529-3D6B-67E4-7AC0BCCEA22A}"/>
+                  </a:ext>
+                </a:extLst>
+              </p:cNvPr>
+              <p:cNvSpPr txBox="1">
+                <a:spLocks noRot="1" noChangeAspect="1" noMove="1" noResize="1" noEditPoints="1" noAdjustHandles="1" noChangeArrowheads="1" noChangeShapeType="1" noTextEdit="1"/>
+              </p:cNvSpPr>
+              <p:nvPr/>
+            </p:nvSpPr>
+            <p:spPr>
+              <a:xfrm>
+                <a:off x="7747396" y="5176410"/>
+                <a:ext cx="3206917" cy="861326"/>
+              </a:xfrm>
+              <a:prstGeom prst="rect">
+                <a:avLst/>
+              </a:prstGeom>
+              <a:blipFill>
+                <a:blip r:embed="rId10"/>
+                <a:stretch>
+                  <a:fillRect r="-395" b="-10145"/>
+                </a:stretch>
+              </a:blipFill>
+            </p:spPr>
+            <p:txBody>
+              <a:bodyPr/>
+              <a:lstStyle/>
+              <a:p>
+                <a:r>
+                  <a:rPr lang="de-DE">
+                    <a:noFill/>
+                  </a:rPr>
+                  <a:t> </a:t>
+                </a:r>
+              </a:p>
+            </p:txBody>
+          </p:sp>
+        </mc:Fallback>
+      </mc:AlternateContent>
+      <mc:AlternateContent xmlns:mc="http://schemas.openxmlformats.org/markup-compatibility/2006">
+        <mc:Choice xmlns:a14="http://schemas.microsoft.com/office/drawing/2010/main" Requires="a14">
+          <p:sp>
+            <p:nvSpPr>
+              <p:cNvPr id="11" name="Textfeld 10">
+                <a:extLst>
+                  <a:ext uri="{FF2B5EF4-FFF2-40B4-BE49-F238E27FC236}">
+                    <a16:creationId xmlns:a16="http://schemas.microsoft.com/office/drawing/2014/main" id="{5E3520AA-C07E-5285-60F1-A52A218580C9}"/>
+                  </a:ext>
+                </a:extLst>
+              </p:cNvPr>
+              <p:cNvSpPr txBox="1"/>
+              <p:nvPr/>
+            </p:nvSpPr>
+            <p:spPr>
+              <a:xfrm>
+                <a:off x="426220" y="6184059"/>
+                <a:ext cx="7053406" cy="461665"/>
+              </a:xfrm>
+              <a:prstGeom prst="rect">
+                <a:avLst/>
+              </a:prstGeom>
+              <a:noFill/>
+            </p:spPr>
+            <p:txBody>
+              <a:bodyPr wrap="none" rtlCol="0">
+                <a:spAutoFit/>
+              </a:bodyPr>
+              <a:lstStyle/>
+              <a:p>
+                <a14:m>
+                  <m:oMath xmlns:m="http://schemas.openxmlformats.org/officeDocument/2006/math">
+                    <m:r>
+                      <a:rPr lang="de-DE" sz="2400" b="0" i="1" smtClean="0">
+                        <a:latin typeface="Cambria Math" panose="02040503050406030204" pitchFamily="18" charset="0"/>
+                      </a:rPr>
+                      <m:t>𝐺</m:t>
+                    </m:r>
+                    <m:r>
+                      <a:rPr lang="de-DE" sz="2400" b="0" i="1" smtClean="0">
+                        <a:latin typeface="Cambria Math" panose="02040503050406030204" pitchFamily="18" charset="0"/>
+                      </a:rPr>
+                      <m:t>(</m:t>
+                    </m:r>
+                    <m:r>
+                      <a:rPr lang="de-DE" sz="2400" b="0" i="1" smtClean="0">
+                        <a:latin typeface="Cambria Math" panose="02040503050406030204" pitchFamily="18" charset="0"/>
+                      </a:rPr>
+                      <m:t>𝑠</m:t>
+                    </m:r>
+                    <m:r>
+                      <a:rPr lang="de-DE" sz="2400" b="0" i="1" smtClean="0">
+                        <a:latin typeface="Cambria Math" panose="02040503050406030204" pitchFamily="18" charset="0"/>
+                      </a:rPr>
+                      <m:t>)</m:t>
+                    </m:r>
+                  </m:oMath>
+                </a14:m>
+                <a:r>
+                  <a:rPr lang="de-DE" sz="2400" dirty="0"/>
+                  <a:t> above combines </a:t>
+                </a:r>
+                <a:r>
+                  <a:rPr lang="de-DE" sz="2400" dirty="0" err="1"/>
+                  <a:t>controller</a:t>
+                </a:r>
+                <a:r>
+                  <a:rPr lang="de-DE" sz="2400" dirty="0"/>
+                  <a:t> </a:t>
+                </a:r>
+                <a14:m>
+                  <m:oMath xmlns:m="http://schemas.openxmlformats.org/officeDocument/2006/math">
+                    <m:r>
+                      <a:rPr lang="de-DE" sz="2400" b="0" i="1" smtClean="0">
+                        <a:latin typeface="Cambria Math" panose="02040503050406030204" pitchFamily="18" charset="0"/>
+                      </a:rPr>
+                      <m:t>𝐶</m:t>
+                    </m:r>
+                    <m:r>
+                      <a:rPr lang="de-DE" sz="2400" b="0" i="1" smtClean="0">
+                        <a:latin typeface="Cambria Math" panose="02040503050406030204" pitchFamily="18" charset="0"/>
+                      </a:rPr>
+                      <m:t>(</m:t>
+                    </m:r>
+                    <m:r>
+                      <a:rPr lang="de-DE" sz="2400" b="0" i="1" smtClean="0">
+                        <a:latin typeface="Cambria Math" panose="02040503050406030204" pitchFamily="18" charset="0"/>
+                      </a:rPr>
+                      <m:t>𝑠</m:t>
+                    </m:r>
+                    <m:r>
+                      <a:rPr lang="de-DE" sz="2400" b="0" i="1" smtClean="0">
+                        <a:latin typeface="Cambria Math" panose="02040503050406030204" pitchFamily="18" charset="0"/>
+                      </a:rPr>
+                      <m:t>)</m:t>
+                    </m:r>
+                  </m:oMath>
+                </a14:m>
+                <a:r>
+                  <a:rPr lang="de-DE" sz="2400" dirty="0"/>
+                  <a:t> and plant </a:t>
+                </a:r>
+                <a14:m>
+                  <m:oMath xmlns:m="http://schemas.openxmlformats.org/officeDocument/2006/math">
+                    <m:r>
+                      <a:rPr lang="de-DE" sz="2400" b="0" i="1" smtClean="0">
+                        <a:latin typeface="Cambria Math" panose="02040503050406030204" pitchFamily="18" charset="0"/>
+                      </a:rPr>
+                      <m:t>𝑃</m:t>
+                    </m:r>
+                    <m:r>
+                      <a:rPr lang="de-DE" sz="2400" b="0" i="1" smtClean="0">
+                        <a:latin typeface="Cambria Math" panose="02040503050406030204" pitchFamily="18" charset="0"/>
+                      </a:rPr>
+                      <m:t>(</m:t>
+                    </m:r>
+                    <m:r>
+                      <a:rPr lang="de-DE" sz="2400" b="0" i="1" smtClean="0">
+                        <a:latin typeface="Cambria Math" panose="02040503050406030204" pitchFamily="18" charset="0"/>
+                      </a:rPr>
+                      <m:t>𝑠</m:t>
+                    </m:r>
+                    <m:r>
+                      <a:rPr lang="de-DE" sz="2400" b="0" i="1" smtClean="0">
+                        <a:latin typeface="Cambria Math" panose="02040503050406030204" pitchFamily="18" charset="0"/>
+                      </a:rPr>
+                      <m:t>)</m:t>
+                    </m:r>
+                  </m:oMath>
+                </a14:m>
+                <a:endParaRPr lang="de-DE" sz="2400" dirty="0"/>
+              </a:p>
+            </p:txBody>
+          </p:sp>
+        </mc:Choice>
+        <mc:Fallback>
+          <p:sp>
+            <p:nvSpPr>
+              <p:cNvPr id="11" name="Textfeld 10">
+                <a:extLst>
+                  <a:ext uri="{FF2B5EF4-FFF2-40B4-BE49-F238E27FC236}">
+                    <a16:creationId xmlns:a16="http://schemas.microsoft.com/office/drawing/2014/main" id="{5E3520AA-C07E-5285-60F1-A52A218580C9}"/>
+                  </a:ext>
+                </a:extLst>
+              </p:cNvPr>
+              <p:cNvSpPr txBox="1">
+                <a:spLocks noRot="1" noChangeAspect="1" noMove="1" noResize="1" noEditPoints="1" noAdjustHandles="1" noChangeArrowheads="1" noChangeShapeType="1" noTextEdit="1"/>
+              </p:cNvSpPr>
+              <p:nvPr/>
+            </p:nvSpPr>
+            <p:spPr>
+              <a:xfrm>
+                <a:off x="426220" y="6184059"/>
+                <a:ext cx="7053406" cy="461665"/>
+              </a:xfrm>
+              <a:prstGeom prst="rect">
+                <a:avLst/>
+              </a:prstGeom>
+              <a:blipFill>
+                <a:blip r:embed="rId11"/>
+                <a:stretch>
+                  <a:fillRect l="-180" t="-10526" b="-28947"/>
+                </a:stretch>
+              </a:blipFill>
+            </p:spPr>
+            <p:txBody>
+              <a:bodyPr/>
+              <a:lstStyle/>
+              <a:p>
+                <a:r>
+                  <a:rPr lang="de-DE">
+                    <a:noFill/>
+                  </a:rPr>
+                  <a:t> </a:t>
+                </a:r>
+              </a:p>
+            </p:txBody>
+          </p:sp>
+        </mc:Fallback>
+      </mc:AlternateContent>
     </p:spTree>
     <p:extLst>
       <p:ext uri="{BB962C8B-B14F-4D97-AF65-F5344CB8AC3E}">
@@ -22674,6 +23811,815 @@
 </file>
 
 <file path=ppt/slides/slide37.xml><?xml version="1.0" encoding="utf-8"?>
+<p:sld xmlns:a="http://schemas.openxmlformats.org/drawingml/2006/main" xmlns:r="http://schemas.openxmlformats.org/officeDocument/2006/relationships" xmlns:p="http://schemas.openxmlformats.org/presentationml/2006/main">
+  <p:cSld>
+    <p:spTree>
+      <p:nvGrpSpPr>
+        <p:cNvPr id="1" name=""/>
+        <p:cNvGrpSpPr/>
+        <p:nvPr/>
+      </p:nvGrpSpPr>
+      <p:grpSpPr>
+        <a:xfrm>
+          <a:off x="0" y="0"/>
+          <a:ext cx="0" cy="0"/>
+          <a:chOff x="0" y="0"/>
+          <a:chExt cx="0" cy="0"/>
+        </a:xfrm>
+      </p:grpSpPr>
+      <p:sp>
+        <p:nvSpPr>
+          <p:cNvPr id="2" name="Titel 1">
+            <a:extLst>
+              <a:ext uri="{FF2B5EF4-FFF2-40B4-BE49-F238E27FC236}">
+                <a16:creationId xmlns:a16="http://schemas.microsoft.com/office/drawing/2014/main" id="{39CB3717-9DB3-1399-9CCC-728FFAB9C319}"/>
+              </a:ext>
+            </a:extLst>
+          </p:cNvPr>
+          <p:cNvSpPr>
+            <a:spLocks noGrp="1"/>
+          </p:cNvSpPr>
+          <p:nvPr>
+            <p:ph type="title"/>
+          </p:nvPr>
+        </p:nvSpPr>
+        <p:spPr/>
+        <p:txBody>
+          <a:bodyPr/>
+          <a:lstStyle/>
+          <a:p>
+            <a:r>
+              <a:rPr lang="de-DE" dirty="0"/>
+              <a:t>PID Controller Transfer </a:t>
+            </a:r>
+            <a:r>
+              <a:rPr lang="de-DE" dirty="0" err="1"/>
+              <a:t>Function</a:t>
+            </a:r>
+            <a:endParaRPr lang="de-DE" dirty="0"/>
+          </a:p>
+        </p:txBody>
+      </p:sp>
+      <mc:AlternateContent xmlns:mc="http://schemas.openxmlformats.org/markup-compatibility/2006">
+        <mc:Choice xmlns:a14="http://schemas.microsoft.com/office/drawing/2010/main" Requires="a14">
+          <p:sp>
+            <p:nvSpPr>
+              <p:cNvPr id="4" name="Inhaltsplatzhalter 3">
+                <a:extLst>
+                  <a:ext uri="{FF2B5EF4-FFF2-40B4-BE49-F238E27FC236}">
+                    <a16:creationId xmlns:a16="http://schemas.microsoft.com/office/drawing/2014/main" id="{1BC413E4-178D-A51B-5C3F-4C91A86DF201}"/>
+                  </a:ext>
+                </a:extLst>
+              </p:cNvPr>
+              <p:cNvSpPr>
+                <a:spLocks noGrp="1"/>
+              </p:cNvSpPr>
+              <p:nvPr>
+                <p:ph idx="1"/>
+              </p:nvPr>
+            </p:nvSpPr>
+            <p:spPr/>
+            <p:txBody>
+              <a:bodyPr>
+                <a:normAutofit fontScale="85000" lnSpcReduction="20000"/>
+              </a:bodyPr>
+              <a:lstStyle/>
+              <a:p>
+                <a:pPr marL="0" indent="0">
+                  <a:buNone/>
+                </a:pPr>
+                <a14:m>
+                  <m:oMathPara xmlns:m="http://schemas.openxmlformats.org/officeDocument/2006/math">
+                    <m:oMathParaPr>
+                      <m:jc m:val="centerGroup"/>
+                    </m:oMathParaPr>
+                    <m:oMath xmlns:m="http://schemas.openxmlformats.org/officeDocument/2006/math">
+                      <m:r>
+                        <a:rPr lang="de-DE" b="0" i="1" smtClean="0">
+                          <a:latin typeface="Cambria Math" panose="02040503050406030204" pitchFamily="18" charset="0"/>
+                        </a:rPr>
+                        <m:t>𝐶</m:t>
+                      </m:r>
+                      <m:d>
+                        <m:dPr>
+                          <m:ctrlPr>
+                            <a:rPr lang="de-DE" b="0" i="1" smtClean="0">
+                              <a:latin typeface="Cambria Math" panose="02040503050406030204" pitchFamily="18" charset="0"/>
+                            </a:rPr>
+                          </m:ctrlPr>
+                        </m:dPr>
+                        <m:e>
+                          <m:r>
+                            <a:rPr lang="de-DE" b="0" i="1" smtClean="0">
+                              <a:latin typeface="Cambria Math" panose="02040503050406030204" pitchFamily="18" charset="0"/>
+                            </a:rPr>
+                            <m:t>𝑠</m:t>
+                          </m:r>
+                        </m:e>
+                      </m:d>
+                      <m:r>
+                        <a:rPr lang="de-DE" b="0" i="1" smtClean="0">
+                          <a:latin typeface="Cambria Math" panose="02040503050406030204" pitchFamily="18" charset="0"/>
+                        </a:rPr>
+                        <m:t>=</m:t>
+                      </m:r>
+                      <m:sSub>
+                        <m:sSubPr>
+                          <m:ctrlPr>
+                            <a:rPr lang="de-DE" b="0" i="1" smtClean="0">
+                              <a:latin typeface="Cambria Math" panose="02040503050406030204" pitchFamily="18" charset="0"/>
+                            </a:rPr>
+                          </m:ctrlPr>
+                        </m:sSubPr>
+                        <m:e>
+                          <m:r>
+                            <a:rPr lang="de-DE" b="0" i="1" smtClean="0">
+                              <a:latin typeface="Cambria Math" panose="02040503050406030204" pitchFamily="18" charset="0"/>
+                            </a:rPr>
+                            <m:t>𝐾</m:t>
+                          </m:r>
+                        </m:e>
+                        <m:sub>
+                          <m:r>
+                            <a:rPr lang="de-DE" b="0" i="1" smtClean="0">
+                              <a:latin typeface="Cambria Math" panose="02040503050406030204" pitchFamily="18" charset="0"/>
+                            </a:rPr>
+                            <m:t>𝑝</m:t>
+                          </m:r>
+                        </m:sub>
+                      </m:sSub>
+                      <m:r>
+                        <a:rPr lang="de-DE" b="0" i="1" smtClean="0">
+                          <a:latin typeface="Cambria Math" panose="02040503050406030204" pitchFamily="18" charset="0"/>
+                        </a:rPr>
+                        <m:t>+</m:t>
+                      </m:r>
+                      <m:f>
+                        <m:fPr>
+                          <m:ctrlPr>
+                            <a:rPr lang="de-DE" b="0" i="1" smtClean="0">
+                              <a:latin typeface="Cambria Math" panose="02040503050406030204" pitchFamily="18" charset="0"/>
+                            </a:rPr>
+                          </m:ctrlPr>
+                        </m:fPr>
+                        <m:num>
+                          <m:sSub>
+                            <m:sSubPr>
+                              <m:ctrlPr>
+                                <a:rPr lang="de-DE" b="0" i="1" smtClean="0">
+                                  <a:latin typeface="Cambria Math" panose="02040503050406030204" pitchFamily="18" charset="0"/>
+                                </a:rPr>
+                              </m:ctrlPr>
+                            </m:sSubPr>
+                            <m:e>
+                              <m:r>
+                                <a:rPr lang="de-DE" b="0" i="1" smtClean="0">
+                                  <a:latin typeface="Cambria Math" panose="02040503050406030204" pitchFamily="18" charset="0"/>
+                                </a:rPr>
+                                <m:t>𝐾</m:t>
+                              </m:r>
+                            </m:e>
+                            <m:sub>
+                              <m:r>
+                                <a:rPr lang="de-DE" b="0" i="1" smtClean="0">
+                                  <a:latin typeface="Cambria Math" panose="02040503050406030204" pitchFamily="18" charset="0"/>
+                                </a:rPr>
+                                <m:t>𝑖</m:t>
+                              </m:r>
+                            </m:sub>
+                          </m:sSub>
+                        </m:num>
+                        <m:den>
+                          <m:r>
+                            <a:rPr lang="de-DE" b="0" i="1" smtClean="0">
+                              <a:latin typeface="Cambria Math" panose="02040503050406030204" pitchFamily="18" charset="0"/>
+                            </a:rPr>
+                            <m:t>𝑠</m:t>
+                          </m:r>
+                        </m:den>
+                      </m:f>
+                      <m:r>
+                        <a:rPr lang="de-DE" b="0" i="1" smtClean="0">
+                          <a:latin typeface="Cambria Math" panose="02040503050406030204" pitchFamily="18" charset="0"/>
+                        </a:rPr>
+                        <m:t>+</m:t>
+                      </m:r>
+                      <m:sSub>
+                        <m:sSubPr>
+                          <m:ctrlPr>
+                            <a:rPr lang="de-DE" b="0" i="1" smtClean="0">
+                              <a:latin typeface="Cambria Math" panose="02040503050406030204" pitchFamily="18" charset="0"/>
+                            </a:rPr>
+                          </m:ctrlPr>
+                        </m:sSubPr>
+                        <m:e>
+                          <m:r>
+                            <a:rPr lang="de-DE" b="0" i="1" smtClean="0">
+                              <a:latin typeface="Cambria Math" panose="02040503050406030204" pitchFamily="18" charset="0"/>
+                            </a:rPr>
+                            <m:t>𝐾</m:t>
+                          </m:r>
+                        </m:e>
+                        <m:sub>
+                          <m:r>
+                            <a:rPr lang="de-DE" b="0" i="1" smtClean="0">
+                              <a:latin typeface="Cambria Math" panose="02040503050406030204" pitchFamily="18" charset="0"/>
+                            </a:rPr>
+                            <m:t>𝑑</m:t>
+                          </m:r>
+                        </m:sub>
+                      </m:sSub>
+                      <m:r>
+                        <a:rPr lang="de-DE" b="0" i="1" smtClean="0">
+                          <a:latin typeface="Cambria Math" panose="02040503050406030204" pitchFamily="18" charset="0"/>
+                          <a:ea typeface="Cambria Math" panose="02040503050406030204" pitchFamily="18" charset="0"/>
+                        </a:rPr>
+                        <m:t>∙</m:t>
+                      </m:r>
+                      <m:r>
+                        <a:rPr lang="de-DE" b="0" i="1" smtClean="0">
+                          <a:latin typeface="Cambria Math" panose="02040503050406030204" pitchFamily="18" charset="0"/>
+                          <a:ea typeface="Cambria Math" panose="02040503050406030204" pitchFamily="18" charset="0"/>
+                        </a:rPr>
+                        <m:t>𝑠</m:t>
+                      </m:r>
+                    </m:oMath>
+                  </m:oMathPara>
+                </a14:m>
+                <a:endParaRPr lang="de-DE" dirty="0"/>
+              </a:p>
+              <a:p>
+                <a14:m>
+                  <m:oMath xmlns:m="http://schemas.openxmlformats.org/officeDocument/2006/math">
+                    <m:sSub>
+                      <m:sSubPr>
+                        <m:ctrlPr>
+                          <a:rPr lang="de-DE" i="1">
+                            <a:latin typeface="Cambria Math" panose="02040503050406030204" pitchFamily="18" charset="0"/>
+                          </a:rPr>
+                        </m:ctrlPr>
+                      </m:sSubPr>
+                      <m:e>
+                        <m:r>
+                          <a:rPr lang="de-DE" i="1">
+                            <a:latin typeface="Cambria Math" panose="02040503050406030204" pitchFamily="18" charset="0"/>
+                          </a:rPr>
+                          <m:t>𝐾</m:t>
+                        </m:r>
+                      </m:e>
+                      <m:sub>
+                        <m:r>
+                          <a:rPr lang="de-DE" i="1">
+                            <a:latin typeface="Cambria Math" panose="02040503050406030204" pitchFamily="18" charset="0"/>
+                          </a:rPr>
+                          <m:t>𝑝</m:t>
+                        </m:r>
+                      </m:sub>
+                    </m:sSub>
+                  </m:oMath>
+                </a14:m>
+                <a:r>
+                  <a:rPr lang="de-DE" dirty="0"/>
+                  <a:t>: </a:t>
+                </a:r>
+                <a:r>
+                  <a:rPr lang="de-DE" dirty="0" err="1"/>
+                  <a:t>increases</a:t>
+                </a:r>
+                <a:r>
+                  <a:rPr lang="de-DE" dirty="0"/>
+                  <a:t> loop </a:t>
+                </a:r>
+                <a:r>
+                  <a:rPr lang="de-DE" dirty="0" err="1"/>
+                  <a:t>gain</a:t>
+                </a:r>
+                <a:r>
+                  <a:rPr lang="de-DE" dirty="0"/>
+                  <a:t> </a:t>
+                </a:r>
+                <a:r>
+                  <a:rPr lang="de-DE" dirty="0">
+                    <a:sym typeface="Wingdings" pitchFamily="2" charset="2"/>
+                  </a:rPr>
+                  <a:t> </a:t>
+                </a:r>
+                <a:r>
+                  <a:rPr lang="de-DE" dirty="0" err="1"/>
+                  <a:t>faster</a:t>
+                </a:r>
+                <a:r>
+                  <a:rPr lang="de-DE" dirty="0"/>
+                  <a:t> </a:t>
+                </a:r>
+                <a:r>
+                  <a:rPr lang="de-DE" dirty="0" err="1"/>
+                  <a:t>response</a:t>
+                </a:r>
+                <a:r>
+                  <a:rPr lang="de-DE" dirty="0"/>
+                  <a:t>, </a:t>
+                </a:r>
+                <a:r>
+                  <a:rPr lang="de-DE" dirty="0" err="1"/>
+                  <a:t>smaller</a:t>
+                </a:r>
+                <a:r>
+                  <a:rPr lang="de-DE" dirty="0"/>
+                  <a:t> </a:t>
+                </a:r>
+                <a:r>
+                  <a:rPr lang="de-DE" dirty="0" err="1"/>
+                  <a:t>steady-state</a:t>
+                </a:r>
+                <a:r>
+                  <a:rPr lang="de-DE" dirty="0"/>
+                  <a:t> </a:t>
+                </a:r>
+                <a:r>
+                  <a:rPr lang="de-DE" dirty="0" err="1"/>
+                  <a:t>error</a:t>
+                </a:r>
+                <a:r>
+                  <a:rPr lang="de-DE" dirty="0"/>
+                  <a:t>, </a:t>
+                </a:r>
+                <a:r>
+                  <a:rPr lang="de-DE" dirty="0" err="1"/>
+                  <a:t>may</a:t>
+                </a:r>
+                <a:r>
+                  <a:rPr lang="de-DE" dirty="0"/>
+                  <a:t> </a:t>
+                </a:r>
+                <a:r>
+                  <a:rPr lang="de-DE" dirty="0" err="1"/>
+                  <a:t>increase</a:t>
+                </a:r>
+                <a:r>
+                  <a:rPr lang="de-DE" dirty="0"/>
+                  <a:t> </a:t>
+                </a:r>
+                <a:r>
+                  <a:rPr lang="de-DE" dirty="0" err="1"/>
+                  <a:t>overshoot</a:t>
+                </a:r>
+                <a:endParaRPr lang="de-DE" dirty="0"/>
+              </a:p>
+              <a:p>
+                <a14:m>
+                  <m:oMath xmlns:m="http://schemas.openxmlformats.org/officeDocument/2006/math">
+                    <m:sSub>
+                      <m:sSubPr>
+                        <m:ctrlPr>
+                          <a:rPr lang="de-DE" i="1">
+                            <a:latin typeface="Cambria Math" panose="02040503050406030204" pitchFamily="18" charset="0"/>
+                          </a:rPr>
+                        </m:ctrlPr>
+                      </m:sSubPr>
+                      <m:e>
+                        <m:r>
+                          <a:rPr lang="de-DE" i="1">
+                            <a:latin typeface="Cambria Math" panose="02040503050406030204" pitchFamily="18" charset="0"/>
+                          </a:rPr>
+                          <m:t>𝐾</m:t>
+                        </m:r>
+                      </m:e>
+                      <m:sub>
+                        <m:r>
+                          <a:rPr lang="de-DE" i="1">
+                            <a:latin typeface="Cambria Math" panose="02040503050406030204" pitchFamily="18" charset="0"/>
+                          </a:rPr>
+                          <m:t>𝑖</m:t>
+                        </m:r>
+                      </m:sub>
+                    </m:sSub>
+                  </m:oMath>
+                </a14:m>
+                <a:r>
+                  <a:rPr lang="de-DE" dirty="0"/>
+                  <a:t>: </a:t>
+                </a:r>
+                <a:r>
+                  <a:rPr lang="de-DE" dirty="0" err="1"/>
+                  <a:t>adds</a:t>
+                </a:r>
+                <a:r>
+                  <a:rPr lang="de-DE" dirty="0"/>
+                  <a:t> </a:t>
+                </a:r>
+                <a:r>
+                  <a:rPr lang="de-DE" dirty="0" err="1"/>
+                  <a:t>integrator</a:t>
+                </a:r>
+                <a:r>
+                  <a:rPr lang="de-DE" dirty="0"/>
+                  <a:t> </a:t>
+                </a:r>
+                <a:r>
+                  <a:rPr lang="de-DE" dirty="0">
+                    <a:sym typeface="Wingdings" pitchFamily="2" charset="2"/>
+                  </a:rPr>
+                  <a:t></a:t>
+                </a:r>
+                <a:r>
+                  <a:rPr lang="de-DE" dirty="0"/>
+                  <a:t> </a:t>
+                </a:r>
+                <a:r>
+                  <a:rPr lang="de-DE" dirty="0" err="1"/>
+                  <a:t>eliminates</a:t>
+                </a:r>
+                <a:r>
+                  <a:rPr lang="de-DE" dirty="0"/>
+                  <a:t> </a:t>
+                </a:r>
+                <a:r>
+                  <a:rPr lang="de-DE" dirty="0" err="1"/>
+                  <a:t>steady-state</a:t>
+                </a:r>
+                <a:r>
+                  <a:rPr lang="de-DE" dirty="0"/>
+                  <a:t> </a:t>
+                </a:r>
+                <a:r>
+                  <a:rPr lang="de-DE" dirty="0" err="1"/>
+                  <a:t>error</a:t>
+                </a:r>
+                <a:r>
+                  <a:rPr lang="de-DE" dirty="0"/>
+                  <a:t>, </a:t>
+                </a:r>
+                <a:r>
+                  <a:rPr lang="de-DE" dirty="0" err="1"/>
+                  <a:t>may</a:t>
+                </a:r>
+                <a:r>
+                  <a:rPr lang="de-DE" dirty="0"/>
+                  <a:t> </a:t>
+                </a:r>
+                <a:r>
+                  <a:rPr lang="de-DE" dirty="0" err="1"/>
+                  <a:t>reduce</a:t>
+                </a:r>
+                <a:r>
+                  <a:rPr lang="de-DE" dirty="0"/>
+                  <a:t> </a:t>
+                </a:r>
+                <a:r>
+                  <a:rPr lang="de-DE" dirty="0" err="1"/>
+                  <a:t>stability</a:t>
+                </a:r>
+                <a:r>
+                  <a:rPr lang="de-DE" dirty="0"/>
+                  <a:t> </a:t>
+                </a:r>
+                <a:r>
+                  <a:rPr lang="de-DE" dirty="0" err="1"/>
+                  <a:t>margin</a:t>
+                </a:r>
+                <a:endParaRPr lang="de-DE" dirty="0"/>
+              </a:p>
+              <a:p>
+                <a14:m>
+                  <m:oMath xmlns:m="http://schemas.openxmlformats.org/officeDocument/2006/math">
+                    <m:sSub>
+                      <m:sSubPr>
+                        <m:ctrlPr>
+                          <a:rPr lang="de-DE" i="1">
+                            <a:latin typeface="Cambria Math" panose="02040503050406030204" pitchFamily="18" charset="0"/>
+                          </a:rPr>
+                        </m:ctrlPr>
+                      </m:sSubPr>
+                      <m:e>
+                        <m:r>
+                          <a:rPr lang="de-DE" i="1">
+                            <a:latin typeface="Cambria Math" panose="02040503050406030204" pitchFamily="18" charset="0"/>
+                          </a:rPr>
+                          <m:t>𝐾</m:t>
+                        </m:r>
+                      </m:e>
+                      <m:sub>
+                        <m:r>
+                          <a:rPr lang="de-DE" i="1">
+                            <a:latin typeface="Cambria Math" panose="02040503050406030204" pitchFamily="18" charset="0"/>
+                          </a:rPr>
+                          <m:t>𝑑</m:t>
+                        </m:r>
+                      </m:sub>
+                    </m:sSub>
+                  </m:oMath>
+                </a14:m>
+                <a:r>
+                  <a:rPr lang="de-DE" dirty="0"/>
+                  <a:t>: </a:t>
+                </a:r>
+                <a:r>
+                  <a:rPr lang="de-DE" dirty="0" err="1"/>
+                  <a:t>adds</a:t>
+                </a:r>
+                <a:r>
+                  <a:rPr lang="de-DE" dirty="0"/>
+                  <a:t> </a:t>
+                </a:r>
+                <a:r>
+                  <a:rPr lang="de-DE" dirty="0" err="1"/>
+                  <a:t>damping</a:t>
+                </a:r>
+                <a:r>
+                  <a:rPr lang="de-DE" dirty="0"/>
+                  <a:t> </a:t>
+                </a:r>
+                <a:r>
+                  <a:rPr lang="de-DE" dirty="0">
+                    <a:sym typeface="Wingdings" pitchFamily="2" charset="2"/>
+                  </a:rPr>
+                  <a:t></a:t>
+                </a:r>
+                <a:r>
+                  <a:rPr lang="de-DE" dirty="0"/>
+                  <a:t> </a:t>
+                </a:r>
+                <a:r>
+                  <a:rPr lang="de-DE" dirty="0" err="1"/>
+                  <a:t>reduces</a:t>
+                </a:r>
+                <a:r>
+                  <a:rPr lang="de-DE" dirty="0"/>
+                  <a:t> </a:t>
+                </a:r>
+                <a:r>
+                  <a:rPr lang="de-DE" dirty="0" err="1"/>
+                  <a:t>overshoot</a:t>
+                </a:r>
+                <a:r>
+                  <a:rPr lang="de-DE" dirty="0"/>
+                  <a:t>, </a:t>
+                </a:r>
+                <a:r>
+                  <a:rPr lang="de-DE" dirty="0" err="1"/>
+                  <a:t>improves</a:t>
+                </a:r>
+                <a:r>
+                  <a:rPr lang="de-DE" dirty="0"/>
+                  <a:t> transient </a:t>
+                </a:r>
+                <a:r>
+                  <a:rPr lang="de-DE" dirty="0" err="1"/>
+                  <a:t>behavior</a:t>
+                </a:r>
+                <a:endParaRPr lang="de-DE" dirty="0"/>
+              </a:p>
+              <a:p>
+                <a:pPr marL="0" indent="0">
+                  <a:buNone/>
+                </a:pPr>
+                <a:endParaRPr lang="de-DE" dirty="0"/>
+              </a:p>
+              <a:p>
+                <a:pPr marL="0" indent="0">
+                  <a:buNone/>
+                </a:pPr>
+                <a:r>
+                  <a:rPr lang="de-DE" dirty="0"/>
+                  <a:t>Controller design:</a:t>
+                </a:r>
+              </a:p>
+              <a:p>
+                <a:r>
+                  <a:rPr lang="de-DE" dirty="0"/>
+                  <a:t>Shape </a:t>
+                </a:r>
+                <a:r>
+                  <a:rPr lang="de-DE" dirty="0" err="1"/>
+                  <a:t>the</a:t>
+                </a:r>
+                <a:r>
+                  <a:rPr lang="de-DE" dirty="0"/>
+                  <a:t> </a:t>
+                </a:r>
+                <a:r>
+                  <a:rPr lang="de-DE" dirty="0" err="1"/>
+                  <a:t>closed</a:t>
+                </a:r>
+                <a:r>
+                  <a:rPr lang="de-DE" dirty="0"/>
+                  <a:t>-loop </a:t>
+                </a:r>
+                <a:r>
+                  <a:rPr lang="de-DE" dirty="0" err="1"/>
+                  <a:t>poles</a:t>
+                </a:r>
+                <a:r>
+                  <a:rPr lang="de-DE" dirty="0"/>
+                  <a:t> </a:t>
+                </a:r>
+                <a:r>
+                  <a:rPr lang="de-DE" dirty="0" err="1"/>
+                  <a:t>to</a:t>
+                </a:r>
+                <a:r>
+                  <a:rPr lang="de-DE" dirty="0"/>
+                  <a:t> </a:t>
+                </a:r>
+                <a:r>
+                  <a:rPr lang="de-DE" dirty="0" err="1"/>
+                  <a:t>obtain</a:t>
+                </a:r>
+                <a:r>
+                  <a:rPr lang="de-DE" dirty="0"/>
+                  <a:t> </a:t>
+                </a:r>
+                <a:r>
+                  <a:rPr lang="de-DE" dirty="0" err="1"/>
+                  <a:t>the</a:t>
+                </a:r>
+                <a:r>
+                  <a:rPr lang="de-DE" dirty="0"/>
+                  <a:t> </a:t>
+                </a:r>
+                <a:r>
+                  <a:rPr lang="de-DE" dirty="0" err="1"/>
+                  <a:t>desired</a:t>
+                </a:r>
+                <a:r>
+                  <a:rPr lang="de-DE" dirty="0"/>
+                  <a:t> </a:t>
+                </a:r>
+                <a:r>
+                  <a:rPr lang="de-DE" dirty="0" err="1"/>
+                  <a:t>dynamics</a:t>
+                </a:r>
+                <a:endParaRPr lang="de-DE" dirty="0"/>
+              </a:p>
+              <a:p>
+                <a:r>
+                  <a:rPr lang="de-DE" dirty="0" err="1"/>
+                  <a:t>Achieved</a:t>
+                </a:r>
+                <a:r>
+                  <a:rPr lang="de-DE" dirty="0"/>
+                  <a:t> </a:t>
+                </a:r>
+                <a:r>
+                  <a:rPr lang="de-DE" dirty="0" err="1"/>
+                  <a:t>by</a:t>
+                </a:r>
+                <a:r>
+                  <a:rPr lang="de-DE" dirty="0"/>
+                  <a:t> </a:t>
+                </a:r>
+                <a:r>
+                  <a:rPr lang="de-DE" dirty="0" err="1"/>
+                  <a:t>selecting</a:t>
+                </a:r>
+                <a:r>
+                  <a:rPr lang="de-DE" dirty="0"/>
+                  <a:t> and </a:t>
+                </a:r>
+                <a:r>
+                  <a:rPr lang="de-DE" dirty="0" err="1"/>
+                  <a:t>tuning</a:t>
+                </a:r>
+                <a:r>
+                  <a:rPr lang="de-DE" dirty="0"/>
+                  <a:t> </a:t>
+                </a:r>
+                <a:r>
+                  <a:rPr lang="de-DE" dirty="0" err="1"/>
+                  <a:t>controller</a:t>
+                </a:r>
+                <a:r>
+                  <a:rPr lang="de-DE" dirty="0"/>
+                  <a:t> </a:t>
+                </a:r>
+                <a:r>
+                  <a:rPr lang="de-DE" dirty="0" err="1"/>
+                  <a:t>parameters</a:t>
+                </a:r>
+                <a:r>
+                  <a:rPr lang="de-DE" dirty="0"/>
+                  <a:t> (</a:t>
+                </a:r>
+                <a:r>
+                  <a:rPr lang="de-DE" dirty="0" err="1"/>
+                  <a:t>move</a:t>
+                </a:r>
+                <a:r>
+                  <a:rPr lang="de-DE" dirty="0"/>
+                  <a:t> </a:t>
+                </a:r>
+                <a:r>
+                  <a:rPr lang="de-DE" dirty="0" err="1"/>
+                  <a:t>the</a:t>
+                </a:r>
+                <a:r>
+                  <a:rPr lang="de-DE" dirty="0"/>
+                  <a:t> </a:t>
+                </a:r>
+                <a:r>
+                  <a:rPr lang="de-DE" dirty="0" err="1"/>
+                  <a:t>closed</a:t>
+                </a:r>
+                <a:r>
+                  <a:rPr lang="de-DE" dirty="0"/>
+                  <a:t>-loop </a:t>
+                </a:r>
+                <a:r>
+                  <a:rPr lang="de-DE" dirty="0" err="1"/>
+                  <a:t>poles</a:t>
+                </a:r>
+                <a:r>
+                  <a:rPr lang="de-DE" dirty="0"/>
+                  <a:t>)</a:t>
+                </a:r>
+              </a:p>
+            </p:txBody>
+          </p:sp>
+        </mc:Choice>
+        <mc:Fallback>
+          <p:sp>
+            <p:nvSpPr>
+              <p:cNvPr id="4" name="Inhaltsplatzhalter 3">
+                <a:extLst>
+                  <a:ext uri="{FF2B5EF4-FFF2-40B4-BE49-F238E27FC236}">
+                    <a16:creationId xmlns:a16="http://schemas.microsoft.com/office/drawing/2014/main" id="{1BC413E4-178D-A51B-5C3F-4C91A86DF201}"/>
+                  </a:ext>
+                </a:extLst>
+              </p:cNvPr>
+              <p:cNvSpPr>
+                <a:spLocks noGrp="1" noRot="1" noChangeAspect="1" noMove="1" noResize="1" noEditPoints="1" noAdjustHandles="1" noChangeArrowheads="1" noChangeShapeType="1" noTextEdit="1"/>
+              </p:cNvSpPr>
+              <p:nvPr>
+                <p:ph idx="1"/>
+              </p:nvPr>
+            </p:nvSpPr>
+            <p:spPr>
+              <a:blipFill>
+                <a:blip r:embed="rId2"/>
+                <a:stretch>
+                  <a:fillRect l="-965"/>
+                </a:stretch>
+              </a:blipFill>
+            </p:spPr>
+            <p:txBody>
+              <a:bodyPr/>
+              <a:lstStyle/>
+              <a:p>
+                <a:r>
+                  <a:rPr lang="de-DE">
+                    <a:noFill/>
+                  </a:rPr>
+                  <a:t> </a:t>
+                </a:r>
+              </a:p>
+            </p:txBody>
+          </p:sp>
+        </mc:Fallback>
+      </mc:AlternateContent>
+      <p:sp>
+        <p:nvSpPr>
+          <p:cNvPr id="3" name="Foliennummernplatzhalter 2">
+            <a:extLst>
+              <a:ext uri="{FF2B5EF4-FFF2-40B4-BE49-F238E27FC236}">
+                <a16:creationId xmlns:a16="http://schemas.microsoft.com/office/drawing/2014/main" id="{1EF15152-4A2F-9346-DFCE-B3D9FFBF6A3A}"/>
+              </a:ext>
+            </a:extLst>
+          </p:cNvPr>
+          <p:cNvSpPr>
+            <a:spLocks noGrp="1"/>
+          </p:cNvSpPr>
+          <p:nvPr>
+            <p:ph type="sldNum" sz="quarter" idx="12"/>
+          </p:nvPr>
+        </p:nvSpPr>
+        <p:spPr/>
+        <p:txBody>
+          <a:bodyPr/>
+          <a:lstStyle/>
+          <a:p>
+            <a:fld id="{08C366F5-AFAD-49CB-854A-9D9E238FCA13}" type="slidenum">
+              <a:rPr lang="en-GB" smtClean="0"/>
+              <a:t>37</a:t>
+            </a:fld>
+            <a:endParaRPr lang="en-GB"/>
+          </a:p>
+        </p:txBody>
+      </p:sp>
+    </p:spTree>
+    <p:extLst>
+      <p:ext uri="{BB962C8B-B14F-4D97-AF65-F5344CB8AC3E}">
+        <p14:creationId xmlns:p14="http://schemas.microsoft.com/office/powerpoint/2010/main" val="3037355199"/>
+      </p:ext>
+    </p:extLst>
+  </p:cSld>
+  <p:clrMapOvr>
+    <a:masterClrMapping/>
+  </p:clrMapOvr>
+</p:sld>
+</file>
+
+<file path=ppt/slides/slide38.xml><?xml version="1.0" encoding="utf-8"?>
 <p:sld xmlns:a="http://schemas.openxmlformats.org/drawingml/2006/main" xmlns:r="http://schemas.openxmlformats.org/officeDocument/2006/relationships" xmlns:p="http://schemas.openxmlformats.org/presentationml/2006/main">
   <p:cSld>
     <p:spTree>
@@ -22746,7 +24692,7 @@
           <a:p>
             <a:fld id="{08C366F5-AFAD-49CB-854A-9D9E238FCA13}" type="slidenum">
               <a:rPr lang="en-GB" smtClean="0"/>
-              <a:t>37</a:t>
+              <a:t>38</a:t>
             </a:fld>
             <a:endParaRPr lang="en-GB"/>
           </a:p>
@@ -22772,8 +24718,8 @@
             <a:chExt cx="5985903" cy="1612142"/>
           </a:xfrm>
         </p:grpSpPr>
-        <mc:AlternateContent xmlns:mc="http://schemas.openxmlformats.org/markup-compatibility/2006">
-          <mc:Choice xmlns:a14="http://schemas.microsoft.com/office/drawing/2010/main" Requires="a14">
+        <mc:AlternateContent xmlns:mc="http://schemas.openxmlformats.org/markup-compatibility/2006" xmlns:a14="http://schemas.microsoft.com/office/drawing/2010/main">
+          <mc:Choice Requires="a14">
             <p:sp>
               <p:nvSpPr>
                 <p:cNvPr id="5" name="Prozess 4">
@@ -22876,7 +24822,7 @@
               </p:txBody>
             </p:sp>
           </mc:Choice>
-          <mc:Fallback>
+          <mc:Fallback xmlns="">
             <p:sp>
               <p:nvSpPr>
                 <p:cNvPr id="5" name="Prozess 4">
@@ -23021,8 +24967,8 @@
             </a:fontRef>
           </p:style>
         </p:cxnSp>
-        <mc:AlternateContent xmlns:mc="http://schemas.openxmlformats.org/markup-compatibility/2006">
-          <mc:Choice xmlns:a14="http://schemas.microsoft.com/office/drawing/2010/main" Requires="a14">
+        <mc:AlternateContent xmlns:mc="http://schemas.openxmlformats.org/markup-compatibility/2006" xmlns:a14="http://schemas.microsoft.com/office/drawing/2010/main">
+          <mc:Choice Requires="a14">
             <p:sp>
               <p:nvSpPr>
                 <p:cNvPr id="8" name="Textfeld 7">
@@ -23051,6 +24997,7 @@
                 </a:bodyPr>
                 <a:lstStyle/>
                 <a:p>
+                  <a:pPr/>
                   <a14:m>
                     <m:oMathPara xmlns:m="http://schemas.openxmlformats.org/officeDocument/2006/math">
                       <m:oMathParaPr>
@@ -23089,7 +25036,7 @@
               </p:txBody>
             </p:sp>
           </mc:Choice>
-          <mc:Fallback>
+          <mc:Fallback xmlns="">
             <p:sp>
               <p:nvSpPr>
                 <p:cNvPr id="8" name="Textfeld 7">
@@ -23373,8 +25320,8 @@
             </a:fontRef>
           </p:style>
         </p:cxnSp>
-        <mc:AlternateContent xmlns:mc="http://schemas.openxmlformats.org/markup-compatibility/2006">
-          <mc:Choice xmlns:a14="http://schemas.microsoft.com/office/drawing/2010/main" Requires="a14">
+        <mc:AlternateContent xmlns:mc="http://schemas.openxmlformats.org/markup-compatibility/2006" xmlns:a14="http://schemas.microsoft.com/office/drawing/2010/main">
+          <mc:Choice Requires="a14">
             <p:sp>
               <p:nvSpPr>
                 <p:cNvPr id="15" name="Textfeld 14">
@@ -23403,6 +25350,7 @@
                 </a:bodyPr>
                 <a:lstStyle/>
                 <a:p>
+                  <a:pPr/>
                   <a14:m>
                     <m:oMathPara xmlns:m="http://schemas.openxmlformats.org/officeDocument/2006/math">
                       <m:oMathParaPr>
@@ -23441,7 +25389,7 @@
               </p:txBody>
             </p:sp>
           </mc:Choice>
-          <mc:Fallback>
+          <mc:Fallback xmlns="">
             <p:sp>
               <p:nvSpPr>
                 <p:cNvPr id="15" name="Textfeld 14">
@@ -23486,8 +25434,8 @@
             </p:sp>
           </mc:Fallback>
         </mc:AlternateContent>
-        <mc:AlternateContent xmlns:mc="http://schemas.openxmlformats.org/markup-compatibility/2006">
-          <mc:Choice xmlns:a14="http://schemas.microsoft.com/office/drawing/2010/main" Requires="a14">
+        <mc:AlternateContent xmlns:mc="http://schemas.openxmlformats.org/markup-compatibility/2006" xmlns:a14="http://schemas.microsoft.com/office/drawing/2010/main">
+          <mc:Choice Requires="a14">
             <p:sp>
               <p:nvSpPr>
                 <p:cNvPr id="16" name="Textfeld 15">
@@ -23516,6 +25464,7 @@
                 </a:bodyPr>
                 <a:lstStyle/>
                 <a:p>
+                  <a:pPr/>
                   <a14:m>
                     <m:oMathPara xmlns:m="http://schemas.openxmlformats.org/officeDocument/2006/math">
                       <m:oMathParaPr>
@@ -23536,7 +25485,7 @@
               </p:txBody>
             </p:sp>
           </mc:Choice>
-          <mc:Fallback>
+          <mc:Fallback xmlns="">
             <p:sp>
               <p:nvSpPr>
                 <p:cNvPr id="16" name="Textfeld 15">
@@ -23581,8 +25530,8 @@
             </p:sp>
           </mc:Fallback>
         </mc:AlternateContent>
-        <mc:AlternateContent xmlns:mc="http://schemas.openxmlformats.org/markup-compatibility/2006">
-          <mc:Choice xmlns:a14="http://schemas.microsoft.com/office/drawing/2010/main" Requires="a14">
+        <mc:AlternateContent xmlns:mc="http://schemas.openxmlformats.org/markup-compatibility/2006" xmlns:a14="http://schemas.microsoft.com/office/drawing/2010/main">
+          <mc:Choice Requires="a14">
             <p:sp>
               <p:nvSpPr>
                 <p:cNvPr id="17" name="Prozess 16">
@@ -23685,7 +25634,7 @@
               </p:txBody>
             </p:sp>
           </mc:Choice>
-          <mc:Fallback>
+          <mc:Fallback xmlns="">
             <p:sp>
               <p:nvSpPr>
                 <p:cNvPr id="17" name="Prozess 16">
@@ -23823,8 +25772,8 @@
             </a:fontRef>
           </p:style>
         </p:cxnSp>
-        <mc:AlternateContent xmlns:mc="http://schemas.openxmlformats.org/markup-compatibility/2006">
-          <mc:Choice xmlns:a14="http://schemas.microsoft.com/office/drawing/2010/main" Requires="a14">
+        <mc:AlternateContent xmlns:mc="http://schemas.openxmlformats.org/markup-compatibility/2006" xmlns:a14="http://schemas.microsoft.com/office/drawing/2010/main">
+          <mc:Choice Requires="a14">
             <p:sp>
               <p:nvSpPr>
                 <p:cNvPr id="21" name="Prozess 20">
@@ -23927,7 +25876,7 @@
               </p:txBody>
             </p:sp>
           </mc:Choice>
-          <mc:Fallback>
+          <mc:Fallback xmlns="">
             <p:sp>
               <p:nvSpPr>
                 <p:cNvPr id="21" name="Prozess 20">
@@ -24085,8 +26034,8 @@
             <a:chExt cx="9212726" cy="1607783"/>
           </a:xfrm>
         </p:grpSpPr>
-        <mc:AlternateContent xmlns:mc="http://schemas.openxmlformats.org/markup-compatibility/2006">
-          <mc:Choice xmlns:a14="http://schemas.microsoft.com/office/drawing/2010/main" Requires="a14">
+        <mc:AlternateContent xmlns:mc="http://schemas.openxmlformats.org/markup-compatibility/2006" xmlns:a14="http://schemas.microsoft.com/office/drawing/2010/main">
+          <mc:Choice Requires="a14">
             <p:sp>
               <p:nvSpPr>
                 <p:cNvPr id="28" name="Prozess 27">
@@ -24189,7 +26138,7 @@
               </p:txBody>
             </p:sp>
           </mc:Choice>
-          <mc:Fallback>
+          <mc:Fallback xmlns="">
             <p:sp>
               <p:nvSpPr>
                 <p:cNvPr id="28" name="Prozess 27">
@@ -24334,8 +26283,8 @@
             </a:fontRef>
           </p:style>
         </p:cxnSp>
-        <mc:AlternateContent xmlns:mc="http://schemas.openxmlformats.org/markup-compatibility/2006">
-          <mc:Choice xmlns:a14="http://schemas.microsoft.com/office/drawing/2010/main" Requires="a14">
+        <mc:AlternateContent xmlns:mc="http://schemas.openxmlformats.org/markup-compatibility/2006" xmlns:a14="http://schemas.microsoft.com/office/drawing/2010/main">
+          <mc:Choice Requires="a14">
             <p:sp>
               <p:nvSpPr>
                 <p:cNvPr id="31" name="Textfeld 30">
@@ -24364,6 +26313,7 @@
                 </a:bodyPr>
                 <a:lstStyle/>
                 <a:p>
+                  <a:pPr/>
                   <a14:m>
                     <m:oMathPara xmlns:m="http://schemas.openxmlformats.org/officeDocument/2006/math">
                       <m:oMathParaPr>
@@ -24402,7 +26352,7 @@
               </p:txBody>
             </p:sp>
           </mc:Choice>
-          <mc:Fallback>
+          <mc:Fallback xmlns="">
             <p:sp>
               <p:nvSpPr>
                 <p:cNvPr id="31" name="Textfeld 30">
@@ -24685,8 +26635,8 @@
             </a:fontRef>
           </p:style>
         </p:cxnSp>
-        <mc:AlternateContent xmlns:mc="http://schemas.openxmlformats.org/markup-compatibility/2006">
-          <mc:Choice xmlns:a14="http://schemas.microsoft.com/office/drawing/2010/main" Requires="a14">
+        <mc:AlternateContent xmlns:mc="http://schemas.openxmlformats.org/markup-compatibility/2006" xmlns:a14="http://schemas.microsoft.com/office/drawing/2010/main">
+          <mc:Choice Requires="a14">
             <p:sp>
               <p:nvSpPr>
                 <p:cNvPr id="37" name="Textfeld 36">
@@ -24715,6 +26665,7 @@
                 </a:bodyPr>
                 <a:lstStyle/>
                 <a:p>
+                  <a:pPr/>
                   <a14:m>
                     <m:oMathPara xmlns:m="http://schemas.openxmlformats.org/officeDocument/2006/math">
                       <m:oMathParaPr>
@@ -24753,7 +26704,7 @@
               </p:txBody>
             </p:sp>
           </mc:Choice>
-          <mc:Fallback>
+          <mc:Fallback xmlns="">
             <p:sp>
               <p:nvSpPr>
                 <p:cNvPr id="37" name="Textfeld 36">
@@ -24798,8 +26749,8 @@
             </p:sp>
           </mc:Fallback>
         </mc:AlternateContent>
-        <mc:AlternateContent xmlns:mc="http://schemas.openxmlformats.org/markup-compatibility/2006">
-          <mc:Choice xmlns:a14="http://schemas.microsoft.com/office/drawing/2010/main" Requires="a14">
+        <mc:AlternateContent xmlns:mc="http://schemas.openxmlformats.org/markup-compatibility/2006" xmlns:a14="http://schemas.microsoft.com/office/drawing/2010/main">
+          <mc:Choice Requires="a14">
             <p:sp>
               <p:nvSpPr>
                 <p:cNvPr id="38" name="Textfeld 37">
@@ -24828,6 +26779,7 @@
                 </a:bodyPr>
                 <a:lstStyle/>
                 <a:p>
+                  <a:pPr/>
                   <a14:m>
                     <m:oMathPara xmlns:m="http://schemas.openxmlformats.org/officeDocument/2006/math">
                       <m:oMathParaPr>
@@ -24848,7 +26800,7 @@
               </p:txBody>
             </p:sp>
           </mc:Choice>
-          <mc:Fallback>
+          <mc:Fallback xmlns="">
             <p:sp>
               <p:nvSpPr>
                 <p:cNvPr id="38" name="Textfeld 37">
@@ -24893,8 +26845,8 @@
             </p:sp>
           </mc:Fallback>
         </mc:AlternateContent>
-        <mc:AlternateContent xmlns:mc="http://schemas.openxmlformats.org/markup-compatibility/2006">
-          <mc:Choice xmlns:a14="http://schemas.microsoft.com/office/drawing/2010/main" Requires="a14">
+        <mc:AlternateContent xmlns:mc="http://schemas.openxmlformats.org/markup-compatibility/2006" xmlns:a14="http://schemas.microsoft.com/office/drawing/2010/main">
+          <mc:Choice Requires="a14">
             <p:sp>
               <p:nvSpPr>
                 <p:cNvPr id="39" name="Prozess 38">
@@ -24997,7 +26949,7 @@
               </p:txBody>
             </p:sp>
           </mc:Choice>
-          <mc:Fallback>
+          <mc:Fallback xmlns="">
             <p:sp>
               <p:nvSpPr>
                 <p:cNvPr id="39" name="Prozess 38">
@@ -25136,8 +27088,8 @@
             </a:fontRef>
           </p:style>
         </p:cxnSp>
-        <mc:AlternateContent xmlns:mc="http://schemas.openxmlformats.org/markup-compatibility/2006">
-          <mc:Choice xmlns:a14="http://schemas.microsoft.com/office/drawing/2010/main" Requires="a14">
+        <mc:AlternateContent xmlns:mc="http://schemas.openxmlformats.org/markup-compatibility/2006" xmlns:a14="http://schemas.microsoft.com/office/drawing/2010/main">
+          <mc:Choice Requires="a14">
             <p:sp>
               <p:nvSpPr>
                 <p:cNvPr id="42" name="Prozess 41">
@@ -25240,7 +27192,7 @@
               </p:txBody>
             </p:sp>
           </mc:Choice>
-          <mc:Fallback>
+          <mc:Fallback xmlns="">
             <p:sp>
               <p:nvSpPr>
                 <p:cNvPr id="42" name="Prozess 41">
@@ -25379,8 +27331,8 @@
             </a:fontRef>
           </p:style>
         </p:cxnSp>
-        <mc:AlternateContent xmlns:mc="http://schemas.openxmlformats.org/markup-compatibility/2006">
-          <mc:Choice xmlns:a14="http://schemas.microsoft.com/office/drawing/2010/main" Requires="a14">
+        <mc:AlternateContent xmlns:mc="http://schemas.openxmlformats.org/markup-compatibility/2006" xmlns:a14="http://schemas.microsoft.com/office/drawing/2010/main">
+          <mc:Choice Requires="a14">
             <p:sp>
               <p:nvSpPr>
                 <p:cNvPr id="47" name="Prozess 46">
@@ -25483,7 +27435,7 @@
               </p:txBody>
             </p:sp>
           </mc:Choice>
-          <mc:Fallback>
+          <mc:Fallback xmlns="">
             <p:sp>
               <p:nvSpPr>
                 <p:cNvPr id="47" name="Prozess 46">
@@ -25621,8 +27573,8 @@
             </a:fontRef>
           </p:style>
         </p:cxnSp>
-        <mc:AlternateContent xmlns:mc="http://schemas.openxmlformats.org/markup-compatibility/2006">
-          <mc:Choice xmlns:a14="http://schemas.microsoft.com/office/drawing/2010/main" Requires="a14">
+        <mc:AlternateContent xmlns:mc="http://schemas.openxmlformats.org/markup-compatibility/2006" xmlns:a14="http://schemas.microsoft.com/office/drawing/2010/main">
+          <mc:Choice Requires="a14">
             <p:sp>
               <p:nvSpPr>
                 <p:cNvPr id="50" name="Prozess 49">
@@ -25725,7 +27677,7 @@
               </p:txBody>
             </p:sp>
           </mc:Choice>
-          <mc:Fallback>
+          <mc:Fallback xmlns="">
             <p:sp>
               <p:nvSpPr>
                 <p:cNvPr id="50" name="Prozess 49">
@@ -25790,7 +27742,7 @@
         </p:nvSpPr>
         <p:spPr>
           <a:xfrm>
-            <a:off x="121639" y="5590695"/>
+            <a:off x="50172" y="3330802"/>
             <a:ext cx="3386472" cy="923330"/>
           </a:xfrm>
           <a:prstGeom prst="rect">
@@ -26215,24 +28167,429 @@
           </a:fontRef>
         </p:style>
       </p:cxnSp>
+      <p:sp>
+        <p:nvSpPr>
+          <p:cNvPr id="85" name="Textfeld 84">
+            <a:extLst>
+              <a:ext uri="{FF2B5EF4-FFF2-40B4-BE49-F238E27FC236}">
+                <a16:creationId xmlns:a16="http://schemas.microsoft.com/office/drawing/2014/main" id="{BF1213D3-CCCF-4672-CE77-9A2255E72F78}"/>
+              </a:ext>
+            </a:extLst>
+          </p:cNvPr>
+          <p:cNvSpPr txBox="1"/>
+          <p:nvPr/>
+        </p:nvSpPr>
+        <p:spPr>
+          <a:xfrm>
+            <a:off x="4814948" y="6318213"/>
+            <a:ext cx="4946051" cy="461665"/>
+          </a:xfrm>
+          <a:prstGeom prst="rect">
+            <a:avLst/>
+          </a:prstGeom>
+          <a:noFill/>
+          <a:ln>
+            <a:solidFill>
+              <a:schemeClr val="tx1"/>
+            </a:solidFill>
+          </a:ln>
+        </p:spPr>
+        <p:txBody>
+          <a:bodyPr wrap="square">
+            <a:spAutoFit/>
+          </a:bodyPr>
+          <a:lstStyle/>
+          <a:p>
+            <a:r>
+              <a:rPr lang="de-DE" sz="2400" dirty="0"/>
+              <a:t>Always </a:t>
+            </a:r>
+            <a:r>
+              <a:rPr lang="de-DE" sz="2400" dirty="0" err="1"/>
+              <a:t>model</a:t>
+            </a:r>
+            <a:r>
+              <a:rPr lang="de-DE" sz="2400" dirty="0"/>
+              <a:t> </a:t>
+            </a:r>
+            <a:r>
+              <a:rPr lang="de-DE" sz="2400" dirty="0" err="1"/>
+              <a:t>what</a:t>
+            </a:r>
+            <a:r>
+              <a:rPr lang="de-DE" sz="2400" dirty="0"/>
+              <a:t> </a:t>
+            </a:r>
+            <a:r>
+              <a:rPr lang="de-DE" sz="2400" dirty="0" err="1"/>
+              <a:t>can</a:t>
+            </a:r>
+            <a:r>
+              <a:rPr lang="de-DE" sz="2400" dirty="0"/>
+              <a:t> </a:t>
+            </a:r>
+            <a:r>
+              <a:rPr lang="de-DE" sz="2400" dirty="0" err="1"/>
+              <a:t>affect</a:t>
+            </a:r>
+            <a:r>
+              <a:rPr lang="de-DE" sz="2400" dirty="0"/>
+              <a:t> </a:t>
+            </a:r>
+            <a:r>
+              <a:rPr lang="de-DE" sz="2400" dirty="0" err="1"/>
+              <a:t>poles</a:t>
+            </a:r>
+            <a:endParaRPr lang="de-DE" sz="2400" dirty="0"/>
+          </a:p>
+        </p:txBody>
+      </p:sp>
+      <mc:AlternateContent xmlns:mc="http://schemas.openxmlformats.org/markup-compatibility/2006">
+        <mc:Choice xmlns:a14="http://schemas.microsoft.com/office/drawing/2010/main" Requires="a14">
+          <p:sp>
+            <p:nvSpPr>
+              <p:cNvPr id="2" name="Textfeld 1">
+                <a:extLst>
+                  <a:ext uri="{FF2B5EF4-FFF2-40B4-BE49-F238E27FC236}">
+                    <a16:creationId xmlns:a16="http://schemas.microsoft.com/office/drawing/2014/main" id="{B2161CE0-1013-8244-6CB9-99D0AA5C063D}"/>
+                  </a:ext>
+                </a:extLst>
+              </p:cNvPr>
+              <p:cNvSpPr txBox="1"/>
+              <p:nvPr/>
+            </p:nvSpPr>
+            <p:spPr>
+              <a:xfrm>
+                <a:off x="7699330" y="1224635"/>
+                <a:ext cx="3471268" cy="733149"/>
+              </a:xfrm>
+              <a:prstGeom prst="rect">
+                <a:avLst/>
+              </a:prstGeom>
+              <a:noFill/>
+            </p:spPr>
+            <p:txBody>
+              <a:bodyPr wrap="square">
+                <a:spAutoFit/>
+              </a:bodyPr>
+              <a:lstStyle/>
+              <a:p>
+                <a:pPr/>
+                <a14:m>
+                  <m:oMathPara xmlns:m="http://schemas.openxmlformats.org/officeDocument/2006/math">
+                    <m:oMathParaPr>
+                      <m:jc m:val="centerGroup"/>
+                    </m:oMathParaPr>
+                    <m:oMath xmlns:m="http://schemas.openxmlformats.org/officeDocument/2006/math">
+                      <m:f>
+                        <m:fPr>
+                          <m:ctrlPr>
+                            <a:rPr lang="de-DE" sz="2000" i="1" smtClean="0">
+                              <a:latin typeface="Cambria Math" panose="02040503050406030204" pitchFamily="18" charset="0"/>
+                              <a:ea typeface="Cambria Math" panose="02040503050406030204" pitchFamily="18" charset="0"/>
+                            </a:rPr>
+                          </m:ctrlPr>
+                        </m:fPr>
+                        <m:num>
+                          <m:r>
+                            <a:rPr lang="de-DE" sz="2000" b="0" i="1" smtClean="0">
+                              <a:latin typeface="Cambria Math" panose="02040503050406030204" pitchFamily="18" charset="0"/>
+                              <a:ea typeface="Cambria Math" panose="02040503050406030204" pitchFamily="18" charset="0"/>
+                            </a:rPr>
+                            <m:t>𝑌</m:t>
+                          </m:r>
+                          <m:r>
+                            <a:rPr lang="de-DE" sz="2000" b="0" i="1" smtClean="0">
+                              <a:latin typeface="Cambria Math" panose="02040503050406030204" pitchFamily="18" charset="0"/>
+                              <a:ea typeface="Cambria Math" panose="02040503050406030204" pitchFamily="18" charset="0"/>
+                            </a:rPr>
+                            <m:t>(</m:t>
+                          </m:r>
+                          <m:r>
+                            <a:rPr lang="de-DE" sz="2000" b="0" i="1" smtClean="0">
+                              <a:latin typeface="Cambria Math" panose="02040503050406030204" pitchFamily="18" charset="0"/>
+                              <a:ea typeface="Cambria Math" panose="02040503050406030204" pitchFamily="18" charset="0"/>
+                            </a:rPr>
+                            <m:t>𝑠</m:t>
+                          </m:r>
+                          <m:r>
+                            <a:rPr lang="de-DE" sz="2000" b="0" i="1" smtClean="0">
+                              <a:latin typeface="Cambria Math" panose="02040503050406030204" pitchFamily="18" charset="0"/>
+                              <a:ea typeface="Cambria Math" panose="02040503050406030204" pitchFamily="18" charset="0"/>
+                            </a:rPr>
+                            <m:t>)</m:t>
+                          </m:r>
+                        </m:num>
+                        <m:den>
+                          <m:r>
+                            <a:rPr lang="de-DE" sz="2000" b="0" i="1" smtClean="0">
+                              <a:latin typeface="Cambria Math" panose="02040503050406030204" pitchFamily="18" charset="0"/>
+                              <a:ea typeface="Cambria Math" panose="02040503050406030204" pitchFamily="18" charset="0"/>
+                            </a:rPr>
+                            <m:t>𝑅</m:t>
+                          </m:r>
+                          <m:r>
+                            <a:rPr lang="de-DE" sz="2000" b="0" i="1" smtClean="0">
+                              <a:latin typeface="Cambria Math" panose="02040503050406030204" pitchFamily="18" charset="0"/>
+                              <a:ea typeface="Cambria Math" panose="02040503050406030204" pitchFamily="18" charset="0"/>
+                            </a:rPr>
+                            <m:t>(</m:t>
+                          </m:r>
+                          <m:r>
+                            <a:rPr lang="de-DE" sz="2000" b="0" i="1" smtClean="0">
+                              <a:latin typeface="Cambria Math" panose="02040503050406030204" pitchFamily="18" charset="0"/>
+                              <a:ea typeface="Cambria Math" panose="02040503050406030204" pitchFamily="18" charset="0"/>
+                            </a:rPr>
+                            <m:t>𝑠</m:t>
+                          </m:r>
+                          <m:r>
+                            <a:rPr lang="de-DE" sz="2000" b="0" i="1" smtClean="0">
+                              <a:latin typeface="Cambria Math" panose="02040503050406030204" pitchFamily="18" charset="0"/>
+                              <a:ea typeface="Cambria Math" panose="02040503050406030204" pitchFamily="18" charset="0"/>
+                            </a:rPr>
+                            <m:t>)</m:t>
+                          </m:r>
+                        </m:den>
+                      </m:f>
+                      <m:r>
+                        <a:rPr lang="de-DE" sz="2000" b="0" i="1" smtClean="0">
+                          <a:latin typeface="Cambria Math" panose="02040503050406030204" pitchFamily="18" charset="0"/>
+                          <a:ea typeface="Cambria Math" panose="02040503050406030204" pitchFamily="18" charset="0"/>
+                        </a:rPr>
+                        <m:t>=</m:t>
+                      </m:r>
+                      <m:f>
+                        <m:fPr>
+                          <m:ctrlPr>
+                            <a:rPr lang="de-DE" sz="2000" b="0" i="1" smtClean="0">
+                              <a:latin typeface="Cambria Math" panose="02040503050406030204" pitchFamily="18" charset="0"/>
+                              <a:ea typeface="Cambria Math" panose="02040503050406030204" pitchFamily="18" charset="0"/>
+                            </a:rPr>
+                          </m:ctrlPr>
+                        </m:fPr>
+                        <m:num>
+                          <m:r>
+                            <a:rPr lang="de-DE" sz="2000" b="0" i="1" smtClean="0">
+                              <a:latin typeface="Cambria Math" panose="02040503050406030204" pitchFamily="18" charset="0"/>
+                              <a:ea typeface="Cambria Math" panose="02040503050406030204" pitchFamily="18" charset="0"/>
+                            </a:rPr>
+                            <m:t>𝐶</m:t>
+                          </m:r>
+                          <m:r>
+                            <a:rPr lang="de-DE" sz="2000" b="0" i="1" smtClean="0">
+                              <a:latin typeface="Cambria Math" panose="02040503050406030204" pitchFamily="18" charset="0"/>
+                              <a:ea typeface="Cambria Math" panose="02040503050406030204" pitchFamily="18" charset="0"/>
+                            </a:rPr>
+                            <m:t>(</m:t>
+                          </m:r>
+                          <m:r>
+                            <a:rPr lang="de-DE" sz="2000" b="0" i="1" smtClean="0">
+                              <a:latin typeface="Cambria Math" panose="02040503050406030204" pitchFamily="18" charset="0"/>
+                              <a:ea typeface="Cambria Math" panose="02040503050406030204" pitchFamily="18" charset="0"/>
+                            </a:rPr>
+                            <m:t>𝑠</m:t>
+                          </m:r>
+                          <m:r>
+                            <a:rPr lang="de-DE" sz="2000" b="0" i="1" smtClean="0">
+                              <a:latin typeface="Cambria Math" panose="02040503050406030204" pitchFamily="18" charset="0"/>
+                              <a:ea typeface="Cambria Math" panose="02040503050406030204" pitchFamily="18" charset="0"/>
+                            </a:rPr>
+                            <m:t>)∙</m:t>
+                          </m:r>
+                          <m:r>
+                            <a:rPr lang="de-DE" sz="2000" b="0" i="1" smtClean="0">
+                              <a:latin typeface="Cambria Math" panose="02040503050406030204" pitchFamily="18" charset="0"/>
+                              <a:ea typeface="Cambria Math" panose="02040503050406030204" pitchFamily="18" charset="0"/>
+                            </a:rPr>
+                            <m:t>𝑃</m:t>
+                          </m:r>
+                          <m:r>
+                            <a:rPr lang="de-DE" sz="2000" b="0" i="1" smtClean="0">
+                              <a:latin typeface="Cambria Math" panose="02040503050406030204" pitchFamily="18" charset="0"/>
+                              <a:ea typeface="Cambria Math" panose="02040503050406030204" pitchFamily="18" charset="0"/>
+                            </a:rPr>
+                            <m:t>(</m:t>
+                          </m:r>
+                          <m:r>
+                            <a:rPr lang="de-DE" sz="2000" b="0" i="1" smtClean="0">
+                              <a:latin typeface="Cambria Math" panose="02040503050406030204" pitchFamily="18" charset="0"/>
+                              <a:ea typeface="Cambria Math" panose="02040503050406030204" pitchFamily="18" charset="0"/>
+                            </a:rPr>
+                            <m:t>𝑠</m:t>
+                          </m:r>
+                          <m:r>
+                            <a:rPr lang="de-DE" sz="2000" b="0" i="1" smtClean="0">
+                              <a:latin typeface="Cambria Math" panose="02040503050406030204" pitchFamily="18" charset="0"/>
+                              <a:ea typeface="Cambria Math" panose="02040503050406030204" pitchFamily="18" charset="0"/>
+                            </a:rPr>
+                            <m:t>)</m:t>
+                          </m:r>
+                        </m:num>
+                        <m:den>
+                          <m:r>
+                            <a:rPr lang="de-DE" sz="2000" b="0" i="1" smtClean="0">
+                              <a:latin typeface="Cambria Math" panose="02040503050406030204" pitchFamily="18" charset="0"/>
+                              <a:ea typeface="Cambria Math" panose="02040503050406030204" pitchFamily="18" charset="0"/>
+                            </a:rPr>
+                            <m:t>1+</m:t>
+                          </m:r>
+                          <m:r>
+                            <a:rPr lang="de-DE" sz="2000" i="1">
+                              <a:latin typeface="Cambria Math" panose="02040503050406030204" pitchFamily="18" charset="0"/>
+                              <a:ea typeface="Cambria Math" panose="02040503050406030204" pitchFamily="18" charset="0"/>
+                            </a:rPr>
+                            <m:t>𝐶</m:t>
+                          </m:r>
+                          <m:r>
+                            <a:rPr lang="de-DE" sz="2000" i="1">
+                              <a:latin typeface="Cambria Math" panose="02040503050406030204" pitchFamily="18" charset="0"/>
+                              <a:ea typeface="Cambria Math" panose="02040503050406030204" pitchFamily="18" charset="0"/>
+                            </a:rPr>
+                            <m:t>(</m:t>
+                          </m:r>
+                          <m:r>
+                            <a:rPr lang="de-DE" sz="2000" i="1">
+                              <a:latin typeface="Cambria Math" panose="02040503050406030204" pitchFamily="18" charset="0"/>
+                              <a:ea typeface="Cambria Math" panose="02040503050406030204" pitchFamily="18" charset="0"/>
+                            </a:rPr>
+                            <m:t>𝑠</m:t>
+                          </m:r>
+                          <m:r>
+                            <a:rPr lang="de-DE" sz="2000" i="1">
+                              <a:latin typeface="Cambria Math" panose="02040503050406030204" pitchFamily="18" charset="0"/>
+                              <a:ea typeface="Cambria Math" panose="02040503050406030204" pitchFamily="18" charset="0"/>
+                            </a:rPr>
+                            <m:t>)∙</m:t>
+                          </m:r>
+                          <m:r>
+                            <a:rPr lang="de-DE" sz="2000" i="1">
+                              <a:latin typeface="Cambria Math" panose="02040503050406030204" pitchFamily="18" charset="0"/>
+                              <a:ea typeface="Cambria Math" panose="02040503050406030204" pitchFamily="18" charset="0"/>
+                            </a:rPr>
+                            <m:t>𝑃</m:t>
+                          </m:r>
+                          <m:r>
+                            <a:rPr lang="de-DE" sz="2000" i="1">
+                              <a:latin typeface="Cambria Math" panose="02040503050406030204" pitchFamily="18" charset="0"/>
+                              <a:ea typeface="Cambria Math" panose="02040503050406030204" pitchFamily="18" charset="0"/>
+                            </a:rPr>
+                            <m:t>(</m:t>
+                          </m:r>
+                          <m:r>
+                            <a:rPr lang="de-DE" sz="2000" i="1">
+                              <a:latin typeface="Cambria Math" panose="02040503050406030204" pitchFamily="18" charset="0"/>
+                              <a:ea typeface="Cambria Math" panose="02040503050406030204" pitchFamily="18" charset="0"/>
+                            </a:rPr>
+                            <m:t>𝑠</m:t>
+                          </m:r>
+                          <m:r>
+                            <a:rPr lang="de-DE" sz="2000" i="1">
+                              <a:latin typeface="Cambria Math" panose="02040503050406030204" pitchFamily="18" charset="0"/>
+                              <a:ea typeface="Cambria Math" panose="02040503050406030204" pitchFamily="18" charset="0"/>
+                            </a:rPr>
+                            <m:t>)∙</m:t>
+                          </m:r>
+                          <m:r>
+                            <a:rPr lang="de-DE" sz="2000" b="0" i="1" smtClean="0">
+                              <a:latin typeface="Cambria Math" panose="02040503050406030204" pitchFamily="18" charset="0"/>
+                              <a:ea typeface="Cambria Math" panose="02040503050406030204" pitchFamily="18" charset="0"/>
+                            </a:rPr>
+                            <m:t>𝐻</m:t>
+                          </m:r>
+                          <m:r>
+                            <a:rPr lang="de-DE" sz="2000" b="0" i="1" smtClean="0">
+                              <a:latin typeface="Cambria Math" panose="02040503050406030204" pitchFamily="18" charset="0"/>
+                              <a:ea typeface="Cambria Math" panose="02040503050406030204" pitchFamily="18" charset="0"/>
+                            </a:rPr>
+                            <m:t>(</m:t>
+                          </m:r>
+                          <m:r>
+                            <a:rPr lang="de-DE" sz="2000" b="0" i="1" smtClean="0">
+                              <a:latin typeface="Cambria Math" panose="02040503050406030204" pitchFamily="18" charset="0"/>
+                              <a:ea typeface="Cambria Math" panose="02040503050406030204" pitchFamily="18" charset="0"/>
+                            </a:rPr>
+                            <m:t>𝑠</m:t>
+                          </m:r>
+                          <m:r>
+                            <a:rPr lang="de-DE" sz="2000" b="0" i="1" smtClean="0">
+                              <a:latin typeface="Cambria Math" panose="02040503050406030204" pitchFamily="18" charset="0"/>
+                              <a:ea typeface="Cambria Math" panose="02040503050406030204" pitchFamily="18" charset="0"/>
+                            </a:rPr>
+                            <m:t>)</m:t>
+                          </m:r>
+                        </m:den>
+                      </m:f>
+                    </m:oMath>
+                  </m:oMathPara>
+                </a14:m>
+                <a:endParaRPr lang="de-DE" sz="2000" dirty="0"/>
+              </a:p>
+            </p:txBody>
+          </p:sp>
+        </mc:Choice>
+        <mc:Fallback>
+          <p:sp>
+            <p:nvSpPr>
+              <p:cNvPr id="2" name="Textfeld 1">
+                <a:extLst>
+                  <a:ext uri="{FF2B5EF4-FFF2-40B4-BE49-F238E27FC236}">
+                    <a16:creationId xmlns:a16="http://schemas.microsoft.com/office/drawing/2014/main" id="{B2161CE0-1013-8244-6CB9-99D0AA5C063D}"/>
+                  </a:ext>
+                </a:extLst>
+              </p:cNvPr>
+              <p:cNvSpPr txBox="1">
+                <a:spLocks noRot="1" noChangeAspect="1" noMove="1" noResize="1" noEditPoints="1" noAdjustHandles="1" noChangeArrowheads="1" noChangeShapeType="1" noTextEdit="1"/>
+              </p:cNvSpPr>
+              <p:nvPr/>
+            </p:nvSpPr>
+            <p:spPr>
+              <a:xfrm>
+                <a:off x="7699330" y="1224635"/>
+                <a:ext cx="3471268" cy="733149"/>
+              </a:xfrm>
+              <a:prstGeom prst="rect">
+                <a:avLst/>
+              </a:prstGeom>
+              <a:blipFill>
+                <a:blip r:embed="rId16"/>
+                <a:stretch>
+                  <a:fillRect b="-6780"/>
+                </a:stretch>
+              </a:blipFill>
+            </p:spPr>
+            <p:txBody>
+              <a:bodyPr/>
+              <a:lstStyle/>
+              <a:p>
+                <a:r>
+                  <a:rPr lang="de-DE">
+                    <a:noFill/>
+                  </a:rPr>
+                  <a:t> </a:t>
+                </a:r>
+              </a:p>
+            </p:txBody>
+          </p:sp>
+        </mc:Fallback>
+      </mc:AlternateContent>
       <p:cxnSp>
         <p:nvCxnSpPr>
-          <p:cNvPr id="83" name="Gerade Verbindung mit Pfeil 82">
+          <p:cNvPr id="11" name="Gerade Verbindung mit Pfeil 10">
             <a:extLst>
               <a:ext uri="{FF2B5EF4-FFF2-40B4-BE49-F238E27FC236}">
-                <a16:creationId xmlns:a16="http://schemas.microsoft.com/office/drawing/2014/main" id="{C634E108-AB0A-7C69-D4D8-EC53DB8332EB}"/>
+                <a16:creationId xmlns:a16="http://schemas.microsoft.com/office/drawing/2014/main" id="{F045A292-E5B3-5B3E-253C-1C890023A612}"/>
               </a:ext>
             </a:extLst>
           </p:cNvPr>
           <p:cNvCxnSpPr>
-            <a:stCxn id="71" idx="0"/>
+            <a:stCxn id="71" idx="2"/>
           </p:cNvCxnSpPr>
           <p:nvPr/>
         </p:nvCxnSpPr>
         <p:spPr>
-          <a:xfrm flipV="1">
-            <a:off x="1814875" y="5103028"/>
-            <a:ext cx="342377" cy="487667"/>
+          <a:xfrm>
+            <a:off x="1743408" y="4254132"/>
+            <a:ext cx="413844" cy="227868"/>
           </a:xfrm>
           <a:prstGeom prst="straightConnector1">
             <a:avLst/>
@@ -26256,87 +28613,535 @@
           </a:fontRef>
         </p:style>
       </p:cxnSp>
+      <mc:AlternateContent xmlns:mc="http://schemas.openxmlformats.org/markup-compatibility/2006">
+        <mc:Choice xmlns:a14="http://schemas.microsoft.com/office/drawing/2010/main" Requires="a14">
+          <p:sp>
+            <p:nvSpPr>
+              <p:cNvPr id="22" name="Textfeld 21">
+                <a:extLst>
+                  <a:ext uri="{FF2B5EF4-FFF2-40B4-BE49-F238E27FC236}">
+                    <a16:creationId xmlns:a16="http://schemas.microsoft.com/office/drawing/2014/main" id="{2D808F74-0F93-9135-ADD8-F1E5AA463FBB}"/>
+                  </a:ext>
+                </a:extLst>
+              </p:cNvPr>
+              <p:cNvSpPr txBox="1"/>
+              <p:nvPr/>
+            </p:nvSpPr>
+            <p:spPr>
+              <a:xfrm>
+                <a:off x="2126" y="5835830"/>
+                <a:ext cx="4071905" cy="733149"/>
+              </a:xfrm>
+              <a:prstGeom prst="rect">
+                <a:avLst/>
+              </a:prstGeom>
+              <a:noFill/>
+            </p:spPr>
+            <p:txBody>
+              <a:bodyPr wrap="square">
+                <a:spAutoFit/>
+              </a:bodyPr>
+              <a:lstStyle/>
+              <a:p>
+                <a:pPr/>
+                <a14:m>
+                  <m:oMathPara xmlns:m="http://schemas.openxmlformats.org/officeDocument/2006/math">
+                    <m:oMathParaPr>
+                      <m:jc m:val="centerGroup"/>
+                    </m:oMathParaPr>
+                    <m:oMath xmlns:m="http://schemas.openxmlformats.org/officeDocument/2006/math">
+                      <m:f>
+                        <m:fPr>
+                          <m:ctrlPr>
+                            <a:rPr lang="de-DE" sz="2000" i="1" smtClean="0">
+                              <a:latin typeface="Cambria Math" panose="02040503050406030204" pitchFamily="18" charset="0"/>
+                              <a:ea typeface="Cambria Math" panose="02040503050406030204" pitchFamily="18" charset="0"/>
+                            </a:rPr>
+                          </m:ctrlPr>
+                        </m:fPr>
+                        <m:num>
+                          <m:r>
+                            <a:rPr lang="de-DE" sz="2000" b="0" i="1" smtClean="0">
+                              <a:latin typeface="Cambria Math" panose="02040503050406030204" pitchFamily="18" charset="0"/>
+                              <a:ea typeface="Cambria Math" panose="02040503050406030204" pitchFamily="18" charset="0"/>
+                            </a:rPr>
+                            <m:t>𝑌</m:t>
+                          </m:r>
+                          <m:r>
+                            <a:rPr lang="de-DE" sz="2000" b="0" i="1" smtClean="0">
+                              <a:latin typeface="Cambria Math" panose="02040503050406030204" pitchFamily="18" charset="0"/>
+                              <a:ea typeface="Cambria Math" panose="02040503050406030204" pitchFamily="18" charset="0"/>
+                            </a:rPr>
+                            <m:t>(</m:t>
+                          </m:r>
+                          <m:r>
+                            <a:rPr lang="de-DE" sz="2000" b="0" i="1" smtClean="0">
+                              <a:latin typeface="Cambria Math" panose="02040503050406030204" pitchFamily="18" charset="0"/>
+                              <a:ea typeface="Cambria Math" panose="02040503050406030204" pitchFamily="18" charset="0"/>
+                            </a:rPr>
+                            <m:t>𝑠</m:t>
+                          </m:r>
+                          <m:r>
+                            <a:rPr lang="de-DE" sz="2000" b="0" i="1" smtClean="0">
+                              <a:latin typeface="Cambria Math" panose="02040503050406030204" pitchFamily="18" charset="0"/>
+                              <a:ea typeface="Cambria Math" panose="02040503050406030204" pitchFamily="18" charset="0"/>
+                            </a:rPr>
+                            <m:t>)</m:t>
+                          </m:r>
+                        </m:num>
+                        <m:den>
+                          <m:r>
+                            <a:rPr lang="de-DE" sz="2000" b="0" i="1" smtClean="0">
+                              <a:latin typeface="Cambria Math" panose="02040503050406030204" pitchFamily="18" charset="0"/>
+                              <a:ea typeface="Cambria Math" panose="02040503050406030204" pitchFamily="18" charset="0"/>
+                            </a:rPr>
+                            <m:t>𝑅</m:t>
+                          </m:r>
+                          <m:r>
+                            <a:rPr lang="de-DE" sz="2000" b="0" i="1" smtClean="0">
+                              <a:latin typeface="Cambria Math" panose="02040503050406030204" pitchFamily="18" charset="0"/>
+                              <a:ea typeface="Cambria Math" panose="02040503050406030204" pitchFamily="18" charset="0"/>
+                            </a:rPr>
+                            <m:t>(</m:t>
+                          </m:r>
+                          <m:r>
+                            <a:rPr lang="de-DE" sz="2000" b="0" i="1" smtClean="0">
+                              <a:latin typeface="Cambria Math" panose="02040503050406030204" pitchFamily="18" charset="0"/>
+                              <a:ea typeface="Cambria Math" panose="02040503050406030204" pitchFamily="18" charset="0"/>
+                            </a:rPr>
+                            <m:t>𝑠</m:t>
+                          </m:r>
+                          <m:r>
+                            <a:rPr lang="de-DE" sz="2000" b="0" i="1" smtClean="0">
+                              <a:latin typeface="Cambria Math" panose="02040503050406030204" pitchFamily="18" charset="0"/>
+                              <a:ea typeface="Cambria Math" panose="02040503050406030204" pitchFamily="18" charset="0"/>
+                            </a:rPr>
+                            <m:t>)</m:t>
+                          </m:r>
+                        </m:den>
+                      </m:f>
+                      <m:r>
+                        <a:rPr lang="de-DE" sz="2000" b="0" i="1" smtClean="0">
+                          <a:latin typeface="Cambria Math" panose="02040503050406030204" pitchFamily="18" charset="0"/>
+                          <a:ea typeface="Cambria Math" panose="02040503050406030204" pitchFamily="18" charset="0"/>
+                        </a:rPr>
+                        <m:t>=</m:t>
+                      </m:r>
+                      <m:f>
+                        <m:fPr>
+                          <m:ctrlPr>
+                            <a:rPr lang="de-DE" sz="2000" b="0" i="1" smtClean="0">
+                              <a:latin typeface="Cambria Math" panose="02040503050406030204" pitchFamily="18" charset="0"/>
+                              <a:ea typeface="Cambria Math" panose="02040503050406030204" pitchFamily="18" charset="0"/>
+                            </a:rPr>
+                          </m:ctrlPr>
+                        </m:fPr>
+                        <m:num>
+                          <m:r>
+                            <a:rPr lang="de-DE" sz="2000" b="0" i="1" smtClean="0">
+                              <a:latin typeface="Cambria Math" panose="02040503050406030204" pitchFamily="18" charset="0"/>
+                              <a:ea typeface="Cambria Math" panose="02040503050406030204" pitchFamily="18" charset="0"/>
+                            </a:rPr>
+                            <m:t>𝐹</m:t>
+                          </m:r>
+                          <m:r>
+                            <a:rPr lang="de-DE" sz="2000" b="0" i="1" smtClean="0">
+                              <a:latin typeface="Cambria Math" panose="02040503050406030204" pitchFamily="18" charset="0"/>
+                              <a:ea typeface="Cambria Math" panose="02040503050406030204" pitchFamily="18" charset="0"/>
+                            </a:rPr>
+                            <m:t>(</m:t>
+                          </m:r>
+                          <m:r>
+                            <a:rPr lang="de-DE" sz="2000" b="0" i="1" smtClean="0">
+                              <a:latin typeface="Cambria Math" panose="02040503050406030204" pitchFamily="18" charset="0"/>
+                              <a:ea typeface="Cambria Math" panose="02040503050406030204" pitchFamily="18" charset="0"/>
+                            </a:rPr>
+                            <m:t>𝑠</m:t>
+                          </m:r>
+                          <m:r>
+                            <a:rPr lang="de-DE" sz="2000" b="0" i="1" smtClean="0">
+                              <a:latin typeface="Cambria Math" panose="02040503050406030204" pitchFamily="18" charset="0"/>
+                              <a:ea typeface="Cambria Math" panose="02040503050406030204" pitchFamily="18" charset="0"/>
+                            </a:rPr>
+                            <m:t>)∙</m:t>
+                          </m:r>
+                          <m:r>
+                            <a:rPr lang="de-DE" sz="2000" b="0" i="1" smtClean="0">
+                              <a:latin typeface="Cambria Math" panose="02040503050406030204" pitchFamily="18" charset="0"/>
+                              <a:ea typeface="Cambria Math" panose="02040503050406030204" pitchFamily="18" charset="0"/>
+                            </a:rPr>
+                            <m:t>𝐶</m:t>
+                          </m:r>
+                          <m:r>
+                            <a:rPr lang="de-DE" sz="2000" b="0" i="1" smtClean="0">
+                              <a:latin typeface="Cambria Math" panose="02040503050406030204" pitchFamily="18" charset="0"/>
+                              <a:ea typeface="Cambria Math" panose="02040503050406030204" pitchFamily="18" charset="0"/>
+                            </a:rPr>
+                            <m:t>(</m:t>
+                          </m:r>
+                          <m:r>
+                            <a:rPr lang="de-DE" sz="2000" b="0" i="1" smtClean="0">
+                              <a:latin typeface="Cambria Math" panose="02040503050406030204" pitchFamily="18" charset="0"/>
+                              <a:ea typeface="Cambria Math" panose="02040503050406030204" pitchFamily="18" charset="0"/>
+                            </a:rPr>
+                            <m:t>𝑠</m:t>
+                          </m:r>
+                          <m:r>
+                            <a:rPr lang="de-DE" sz="2000" b="0" i="1" smtClean="0">
+                              <a:latin typeface="Cambria Math" panose="02040503050406030204" pitchFamily="18" charset="0"/>
+                              <a:ea typeface="Cambria Math" panose="02040503050406030204" pitchFamily="18" charset="0"/>
+                            </a:rPr>
+                            <m:t>)∙</m:t>
+                          </m:r>
+                          <m:r>
+                            <a:rPr lang="de-DE" sz="2000" b="0" i="1" smtClean="0">
+                              <a:latin typeface="Cambria Math" panose="02040503050406030204" pitchFamily="18" charset="0"/>
+                              <a:ea typeface="Cambria Math" panose="02040503050406030204" pitchFamily="18" charset="0"/>
+                            </a:rPr>
+                            <m:t>𝐴</m:t>
+                          </m:r>
+                          <m:r>
+                            <a:rPr lang="de-DE" sz="2000" b="0" i="1" smtClean="0">
+                              <a:latin typeface="Cambria Math" panose="02040503050406030204" pitchFamily="18" charset="0"/>
+                              <a:ea typeface="Cambria Math" panose="02040503050406030204" pitchFamily="18" charset="0"/>
+                            </a:rPr>
+                            <m:t>(</m:t>
+                          </m:r>
+                          <m:r>
+                            <a:rPr lang="de-DE" sz="2000" b="0" i="1" smtClean="0">
+                              <a:latin typeface="Cambria Math" panose="02040503050406030204" pitchFamily="18" charset="0"/>
+                              <a:ea typeface="Cambria Math" panose="02040503050406030204" pitchFamily="18" charset="0"/>
+                            </a:rPr>
+                            <m:t>𝑠</m:t>
+                          </m:r>
+                          <m:r>
+                            <a:rPr lang="de-DE" sz="2000" b="0" i="1" smtClean="0">
+                              <a:latin typeface="Cambria Math" panose="02040503050406030204" pitchFamily="18" charset="0"/>
+                              <a:ea typeface="Cambria Math" panose="02040503050406030204" pitchFamily="18" charset="0"/>
+                            </a:rPr>
+                            <m:t>)∙</m:t>
+                          </m:r>
+                          <m:r>
+                            <a:rPr lang="de-DE" sz="2000" b="0" i="1" smtClean="0">
+                              <a:latin typeface="Cambria Math" panose="02040503050406030204" pitchFamily="18" charset="0"/>
+                              <a:ea typeface="Cambria Math" panose="02040503050406030204" pitchFamily="18" charset="0"/>
+                            </a:rPr>
+                            <m:t>𝑃</m:t>
+                          </m:r>
+                          <m:r>
+                            <a:rPr lang="de-DE" sz="2000" b="0" i="1" smtClean="0">
+                              <a:latin typeface="Cambria Math" panose="02040503050406030204" pitchFamily="18" charset="0"/>
+                              <a:ea typeface="Cambria Math" panose="02040503050406030204" pitchFamily="18" charset="0"/>
+                            </a:rPr>
+                            <m:t>(</m:t>
+                          </m:r>
+                          <m:r>
+                            <a:rPr lang="de-DE" sz="2000" b="0" i="1" smtClean="0">
+                              <a:latin typeface="Cambria Math" panose="02040503050406030204" pitchFamily="18" charset="0"/>
+                              <a:ea typeface="Cambria Math" panose="02040503050406030204" pitchFamily="18" charset="0"/>
+                            </a:rPr>
+                            <m:t>𝑠</m:t>
+                          </m:r>
+                          <m:r>
+                            <a:rPr lang="de-DE" sz="2000" b="0" i="1" smtClean="0">
+                              <a:latin typeface="Cambria Math" panose="02040503050406030204" pitchFamily="18" charset="0"/>
+                              <a:ea typeface="Cambria Math" panose="02040503050406030204" pitchFamily="18" charset="0"/>
+                            </a:rPr>
+                            <m:t>)</m:t>
+                          </m:r>
+                        </m:num>
+                        <m:den>
+                          <m:r>
+                            <a:rPr lang="de-DE" sz="2000" b="0" i="1" smtClean="0">
+                              <a:latin typeface="Cambria Math" panose="02040503050406030204" pitchFamily="18" charset="0"/>
+                              <a:ea typeface="Cambria Math" panose="02040503050406030204" pitchFamily="18" charset="0"/>
+                            </a:rPr>
+                            <m:t>1+</m:t>
+                          </m:r>
+                          <m:r>
+                            <a:rPr lang="de-DE" sz="2000" i="1">
+                              <a:latin typeface="Cambria Math" panose="02040503050406030204" pitchFamily="18" charset="0"/>
+                              <a:ea typeface="Cambria Math" panose="02040503050406030204" pitchFamily="18" charset="0"/>
+                            </a:rPr>
+                            <m:t>𝐶</m:t>
+                          </m:r>
+                          <m:r>
+                            <a:rPr lang="de-DE" sz="2000" i="1">
+                              <a:latin typeface="Cambria Math" panose="02040503050406030204" pitchFamily="18" charset="0"/>
+                              <a:ea typeface="Cambria Math" panose="02040503050406030204" pitchFamily="18" charset="0"/>
+                            </a:rPr>
+                            <m:t>(</m:t>
+                          </m:r>
+                          <m:r>
+                            <a:rPr lang="de-DE" sz="2000" i="1">
+                              <a:latin typeface="Cambria Math" panose="02040503050406030204" pitchFamily="18" charset="0"/>
+                              <a:ea typeface="Cambria Math" panose="02040503050406030204" pitchFamily="18" charset="0"/>
+                            </a:rPr>
+                            <m:t>𝑠</m:t>
+                          </m:r>
+                          <m:r>
+                            <a:rPr lang="de-DE" sz="2000" i="1">
+                              <a:latin typeface="Cambria Math" panose="02040503050406030204" pitchFamily="18" charset="0"/>
+                              <a:ea typeface="Cambria Math" panose="02040503050406030204" pitchFamily="18" charset="0"/>
+                            </a:rPr>
+                            <m:t>)∙</m:t>
+                          </m:r>
+                          <m:r>
+                            <a:rPr lang="de-DE" sz="2000" i="1">
+                              <a:latin typeface="Cambria Math" panose="02040503050406030204" pitchFamily="18" charset="0"/>
+                              <a:ea typeface="Cambria Math" panose="02040503050406030204" pitchFamily="18" charset="0"/>
+                            </a:rPr>
+                            <m:t>𝐴</m:t>
+                          </m:r>
+                          <m:r>
+                            <a:rPr lang="de-DE" sz="2000" i="1">
+                              <a:latin typeface="Cambria Math" panose="02040503050406030204" pitchFamily="18" charset="0"/>
+                              <a:ea typeface="Cambria Math" panose="02040503050406030204" pitchFamily="18" charset="0"/>
+                            </a:rPr>
+                            <m:t>(</m:t>
+                          </m:r>
+                          <m:r>
+                            <a:rPr lang="de-DE" sz="2000" i="1">
+                              <a:latin typeface="Cambria Math" panose="02040503050406030204" pitchFamily="18" charset="0"/>
+                              <a:ea typeface="Cambria Math" panose="02040503050406030204" pitchFamily="18" charset="0"/>
+                            </a:rPr>
+                            <m:t>𝑠</m:t>
+                          </m:r>
+                          <m:r>
+                            <a:rPr lang="de-DE" sz="2000" i="1">
+                              <a:latin typeface="Cambria Math" panose="02040503050406030204" pitchFamily="18" charset="0"/>
+                              <a:ea typeface="Cambria Math" panose="02040503050406030204" pitchFamily="18" charset="0"/>
+                            </a:rPr>
+                            <m:t>)∙</m:t>
+                          </m:r>
+                          <m:r>
+                            <a:rPr lang="de-DE" sz="2000" i="1">
+                              <a:latin typeface="Cambria Math" panose="02040503050406030204" pitchFamily="18" charset="0"/>
+                              <a:ea typeface="Cambria Math" panose="02040503050406030204" pitchFamily="18" charset="0"/>
+                            </a:rPr>
+                            <m:t>𝑃</m:t>
+                          </m:r>
+                          <m:r>
+                            <a:rPr lang="de-DE" sz="2000" i="1">
+                              <a:latin typeface="Cambria Math" panose="02040503050406030204" pitchFamily="18" charset="0"/>
+                              <a:ea typeface="Cambria Math" panose="02040503050406030204" pitchFamily="18" charset="0"/>
+                            </a:rPr>
+                            <m:t>(</m:t>
+                          </m:r>
+                          <m:r>
+                            <a:rPr lang="de-DE" sz="2000" i="1">
+                              <a:latin typeface="Cambria Math" panose="02040503050406030204" pitchFamily="18" charset="0"/>
+                              <a:ea typeface="Cambria Math" panose="02040503050406030204" pitchFamily="18" charset="0"/>
+                            </a:rPr>
+                            <m:t>𝑠</m:t>
+                          </m:r>
+                          <m:r>
+                            <a:rPr lang="de-DE" sz="2000" i="1">
+                              <a:latin typeface="Cambria Math" panose="02040503050406030204" pitchFamily="18" charset="0"/>
+                              <a:ea typeface="Cambria Math" panose="02040503050406030204" pitchFamily="18" charset="0"/>
+                            </a:rPr>
+                            <m:t>)∙</m:t>
+                          </m:r>
+                          <m:r>
+                            <a:rPr lang="de-DE" sz="2000" b="0" i="1" smtClean="0">
+                              <a:latin typeface="Cambria Math" panose="02040503050406030204" pitchFamily="18" charset="0"/>
+                              <a:ea typeface="Cambria Math" panose="02040503050406030204" pitchFamily="18" charset="0"/>
+                            </a:rPr>
+                            <m:t>𝐻</m:t>
+                          </m:r>
+                          <m:r>
+                            <a:rPr lang="de-DE" sz="2000" b="0" i="1" smtClean="0">
+                              <a:latin typeface="Cambria Math" panose="02040503050406030204" pitchFamily="18" charset="0"/>
+                              <a:ea typeface="Cambria Math" panose="02040503050406030204" pitchFamily="18" charset="0"/>
+                            </a:rPr>
+                            <m:t>(</m:t>
+                          </m:r>
+                          <m:r>
+                            <a:rPr lang="de-DE" sz="2000" b="0" i="1" smtClean="0">
+                              <a:latin typeface="Cambria Math" panose="02040503050406030204" pitchFamily="18" charset="0"/>
+                              <a:ea typeface="Cambria Math" panose="02040503050406030204" pitchFamily="18" charset="0"/>
+                            </a:rPr>
+                            <m:t>𝑠</m:t>
+                          </m:r>
+                          <m:r>
+                            <a:rPr lang="de-DE" sz="2000" b="0" i="1" smtClean="0">
+                              <a:latin typeface="Cambria Math" panose="02040503050406030204" pitchFamily="18" charset="0"/>
+                              <a:ea typeface="Cambria Math" panose="02040503050406030204" pitchFamily="18" charset="0"/>
+                            </a:rPr>
+                            <m:t>)</m:t>
+                          </m:r>
+                        </m:den>
+                      </m:f>
+                    </m:oMath>
+                  </m:oMathPara>
+                </a14:m>
+                <a:endParaRPr lang="de-DE" sz="2000" dirty="0"/>
+              </a:p>
+            </p:txBody>
+          </p:sp>
+        </mc:Choice>
+        <mc:Fallback>
+          <p:sp>
+            <p:nvSpPr>
+              <p:cNvPr id="22" name="Textfeld 21">
+                <a:extLst>
+                  <a:ext uri="{FF2B5EF4-FFF2-40B4-BE49-F238E27FC236}">
+                    <a16:creationId xmlns:a16="http://schemas.microsoft.com/office/drawing/2014/main" id="{2D808F74-0F93-9135-ADD8-F1E5AA463FBB}"/>
+                  </a:ext>
+                </a:extLst>
+              </p:cNvPr>
+              <p:cNvSpPr txBox="1">
+                <a:spLocks noRot="1" noChangeAspect="1" noMove="1" noResize="1" noEditPoints="1" noAdjustHandles="1" noChangeArrowheads="1" noChangeShapeType="1" noTextEdit="1"/>
+              </p:cNvSpPr>
+              <p:nvPr/>
+            </p:nvSpPr>
+            <p:spPr>
+              <a:xfrm>
+                <a:off x="2126" y="5835830"/>
+                <a:ext cx="4071905" cy="733149"/>
+              </a:xfrm>
+              <a:prstGeom prst="rect">
+                <a:avLst/>
+              </a:prstGeom>
+              <a:blipFill>
+                <a:blip r:embed="rId17"/>
+                <a:stretch>
+                  <a:fillRect b="-6780"/>
+                </a:stretch>
+              </a:blipFill>
+            </p:spPr>
+            <p:txBody>
+              <a:bodyPr/>
+              <a:lstStyle/>
+              <a:p>
+                <a:r>
+                  <a:rPr lang="de-DE">
+                    <a:noFill/>
+                  </a:rPr>
+                  <a:t> </a:t>
+                </a:r>
+              </a:p>
+            </p:txBody>
+          </p:sp>
+        </mc:Fallback>
+      </mc:AlternateContent>
+    </p:spTree>
+    <p:extLst>
+      <p:ext uri="{BB962C8B-B14F-4D97-AF65-F5344CB8AC3E}">
+        <p14:creationId xmlns:p14="http://schemas.microsoft.com/office/powerpoint/2010/main" val="2815990956"/>
+      </p:ext>
+    </p:extLst>
+  </p:cSld>
+  <p:clrMapOvr>
+    <a:masterClrMapping/>
+  </p:clrMapOvr>
+</p:sld>
+</file>
+
+<file path=ppt/slides/slide39.xml><?xml version="1.0" encoding="utf-8"?>
+<p:sld xmlns:a="http://schemas.openxmlformats.org/drawingml/2006/main" xmlns:r="http://schemas.openxmlformats.org/officeDocument/2006/relationships" xmlns:p="http://schemas.openxmlformats.org/presentationml/2006/main">
+  <p:cSld>
+    <p:spTree>
+      <p:nvGrpSpPr>
+        <p:cNvPr id="1" name=""/>
+        <p:cNvGrpSpPr/>
+        <p:nvPr/>
+      </p:nvGrpSpPr>
+      <p:grpSpPr>
+        <a:xfrm>
+          <a:off x="0" y="0"/>
+          <a:ext cx="0" cy="0"/>
+          <a:chOff x="0" y="0"/>
+          <a:chExt cx="0" cy="0"/>
+        </a:xfrm>
+      </p:grpSpPr>
       <p:sp>
         <p:nvSpPr>
-          <p:cNvPr id="85" name="Textfeld 84">
+          <p:cNvPr id="2" name="Titel 1">
             <a:extLst>
               <a:ext uri="{FF2B5EF4-FFF2-40B4-BE49-F238E27FC236}">
-                <a16:creationId xmlns:a16="http://schemas.microsoft.com/office/drawing/2014/main" id="{BF1213D3-CCCF-4672-CE77-9A2255E72F78}"/>
+                <a16:creationId xmlns:a16="http://schemas.microsoft.com/office/drawing/2014/main" id="{9EFA0A7F-554B-AAFD-7174-C16F8B9F0F36}"/>
               </a:ext>
             </a:extLst>
           </p:cNvPr>
-          <p:cNvSpPr txBox="1"/>
-          <p:nvPr/>
+          <p:cNvSpPr>
+            <a:spLocks noGrp="1"/>
+          </p:cNvSpPr>
+          <p:nvPr>
+            <p:ph type="title"/>
+          </p:nvPr>
         </p:nvSpPr>
-        <p:spPr>
-          <a:xfrm>
-            <a:off x="4011518" y="6353298"/>
-            <a:ext cx="4946051" cy="461665"/>
-          </a:xfrm>
-          <a:prstGeom prst="rect">
-            <a:avLst/>
-          </a:prstGeom>
-          <a:noFill/>
-          <a:ln>
-            <a:solidFill>
-              <a:schemeClr val="tx1"/>
-            </a:solidFill>
-          </a:ln>
-        </p:spPr>
+        <p:spPr/>
         <p:txBody>
-          <a:bodyPr wrap="square">
-            <a:spAutoFit/>
-          </a:bodyPr>
+          <a:bodyPr/>
           <a:lstStyle/>
           <a:p>
             <a:r>
-              <a:rPr lang="de-DE" sz="2400" dirty="0"/>
-              <a:t>Always </a:t>
-            </a:r>
-            <a:r>
-              <a:rPr lang="de-DE" sz="2400" dirty="0" err="1"/>
-              <a:t>model</a:t>
-            </a:r>
-            <a:r>
-              <a:rPr lang="de-DE" sz="2400" dirty="0"/>
-              <a:t> </a:t>
-            </a:r>
-            <a:r>
-              <a:rPr lang="de-DE" sz="2400" dirty="0" err="1"/>
-              <a:t>what</a:t>
-            </a:r>
-            <a:r>
-              <a:rPr lang="de-DE" sz="2400" dirty="0"/>
-              <a:t> </a:t>
-            </a:r>
-            <a:r>
-              <a:rPr lang="de-DE" sz="2400" dirty="0" err="1"/>
-              <a:t>can</a:t>
-            </a:r>
-            <a:r>
-              <a:rPr lang="de-DE" sz="2400" dirty="0"/>
-              <a:t> </a:t>
-            </a:r>
-            <a:r>
-              <a:rPr lang="de-DE" sz="2400" dirty="0" err="1"/>
-              <a:t>affect</a:t>
-            </a:r>
-            <a:r>
-              <a:rPr lang="de-DE" sz="2400" dirty="0"/>
-              <a:t> </a:t>
-            </a:r>
-            <a:r>
-              <a:rPr lang="de-DE" sz="2400" dirty="0" err="1"/>
-              <a:t>poles</a:t>
-            </a:r>
-            <a:endParaRPr lang="de-DE" sz="2400" dirty="0"/>
+              <a:rPr lang="de-DE" dirty="0" err="1"/>
+              <a:t>Disturbances</a:t>
+            </a:r>
+            <a:endParaRPr lang="de-DE" dirty="0"/>
+          </a:p>
+        </p:txBody>
+      </p:sp>
+      <p:sp>
+        <p:nvSpPr>
+          <p:cNvPr id="4" name="Inhaltsplatzhalter 3">
+            <a:extLst>
+              <a:ext uri="{FF2B5EF4-FFF2-40B4-BE49-F238E27FC236}">
+                <a16:creationId xmlns:a16="http://schemas.microsoft.com/office/drawing/2014/main" id="{9B3F9417-F831-50D8-E02C-963FAFCAE3D8}"/>
+              </a:ext>
+            </a:extLst>
+          </p:cNvPr>
+          <p:cNvSpPr>
+            <a:spLocks noGrp="1"/>
+          </p:cNvSpPr>
+          <p:nvPr>
+            <p:ph idx="1"/>
+          </p:nvPr>
+        </p:nvSpPr>
+        <p:spPr/>
+        <p:txBody>
+          <a:bodyPr/>
+          <a:lstStyle/>
+          <a:p>
+            <a:endParaRPr lang="de-DE"/>
+          </a:p>
+        </p:txBody>
+      </p:sp>
+      <p:sp>
+        <p:nvSpPr>
+          <p:cNvPr id="3" name="Foliennummernplatzhalter 2">
+            <a:extLst>
+              <a:ext uri="{FF2B5EF4-FFF2-40B4-BE49-F238E27FC236}">
+                <a16:creationId xmlns:a16="http://schemas.microsoft.com/office/drawing/2014/main" id="{CCECDCBB-6B87-FF86-622B-B9435D0D9C41}"/>
+              </a:ext>
+            </a:extLst>
+          </p:cNvPr>
+          <p:cNvSpPr>
+            <a:spLocks noGrp="1"/>
+          </p:cNvSpPr>
+          <p:nvPr>
+            <p:ph type="sldNum" sz="quarter" idx="12"/>
+          </p:nvPr>
+        </p:nvSpPr>
+        <p:spPr/>
+        <p:txBody>
+          <a:bodyPr/>
+          <a:lstStyle/>
+          <a:p>
+            <a:fld id="{08C366F5-AFAD-49CB-854A-9D9E238FCA13}" type="slidenum">
+              <a:rPr lang="en-GB" smtClean="0"/>
+              <a:t>39</a:t>
+            </a:fld>
+            <a:endParaRPr lang="en-GB"/>
           </a:p>
         </p:txBody>
       </p:sp>
     </p:spTree>
     <p:extLst>
       <p:ext uri="{BB962C8B-B14F-4D97-AF65-F5344CB8AC3E}">
-        <p14:creationId xmlns:p14="http://schemas.microsoft.com/office/powerpoint/2010/main" val="2815990956"/>
+        <p14:creationId xmlns:p14="http://schemas.microsoft.com/office/powerpoint/2010/main" val="2483745066"/>
       </p:ext>
     </p:extLst>
   </p:cSld>

--- a/slides/3_Laplace.pptx
+++ b/slides/3_Laplace.pptx
@@ -5,7 +5,7 @@
     <p:sldMasterId id="2147483648" r:id="rId1"/>
   </p:sldMasterIdLst>
   <p:notesMasterIdLst>
-    <p:notesMasterId r:id="rId41"/>
+    <p:notesMasterId r:id="rId42"/>
   </p:notesMasterIdLst>
   <p:sldIdLst>
     <p:sldId id="256" r:id="rId2"/>
@@ -40,13 +40,14 @@
     <p:sldId id="296" r:id="rId31"/>
     <p:sldId id="297" r:id="rId32"/>
     <p:sldId id="298" r:id="rId33"/>
-    <p:sldId id="299" r:id="rId34"/>
-    <p:sldId id="300" r:id="rId35"/>
-    <p:sldId id="285" r:id="rId36"/>
-    <p:sldId id="301" r:id="rId37"/>
-    <p:sldId id="303" r:id="rId38"/>
-    <p:sldId id="302" r:id="rId39"/>
-    <p:sldId id="304" r:id="rId40"/>
+    <p:sldId id="305" r:id="rId34"/>
+    <p:sldId id="299" r:id="rId35"/>
+    <p:sldId id="300" r:id="rId36"/>
+    <p:sldId id="285" r:id="rId37"/>
+    <p:sldId id="301" r:id="rId38"/>
+    <p:sldId id="303" r:id="rId39"/>
+    <p:sldId id="302" r:id="rId40"/>
+    <p:sldId id="304" r:id="rId41"/>
   </p:sldIdLst>
   <p:sldSz cx="12192000" cy="6858000"/>
   <p:notesSz cx="6858000" cy="9144000"/>
@@ -18624,35 +18625,625 @@
           <a:bodyPr/>
           <a:lstStyle/>
           <a:p>
-            <a:endParaRPr lang="de-DE"/>
+            <a:r>
+              <a:rPr lang="de-DE" dirty="0"/>
+              <a:t>Individual Elements </a:t>
+            </a:r>
+            <a:r>
+              <a:rPr lang="de-DE" dirty="0" err="1"/>
+              <a:t>of</a:t>
+            </a:r>
+            <a:r>
+              <a:rPr lang="de-DE" dirty="0"/>
+              <a:t> Control Loops</a:t>
+            </a:r>
           </a:p>
         </p:txBody>
       </p:sp>
-      <p:sp>
-        <p:nvSpPr>
-          <p:cNvPr id="3" name="Inhaltsplatzhalter 2">
-            <a:extLst>
-              <a:ext uri="{FF2B5EF4-FFF2-40B4-BE49-F238E27FC236}">
-                <a16:creationId xmlns:a16="http://schemas.microsoft.com/office/drawing/2014/main" id="{BCAFBA99-1E36-D127-DA0A-B58C86F44CBB}"/>
-              </a:ext>
-            </a:extLst>
-          </p:cNvPr>
-          <p:cNvSpPr>
-            <a:spLocks noGrp="1"/>
-          </p:cNvSpPr>
-          <p:nvPr>
-            <p:ph idx="1"/>
-          </p:nvPr>
-        </p:nvSpPr>
-        <p:spPr/>
-        <p:txBody>
-          <a:bodyPr/>
-          <a:lstStyle/>
-          <a:p>
-            <a:endParaRPr lang="de-DE"/>
-          </a:p>
-        </p:txBody>
-      </p:sp>
+      <mc:AlternateContent xmlns:mc="http://schemas.openxmlformats.org/markup-compatibility/2006">
+        <mc:Choice xmlns:a14="http://schemas.microsoft.com/office/drawing/2010/main" Requires="a14">
+          <p:sp>
+            <p:nvSpPr>
+              <p:cNvPr id="3" name="Inhaltsplatzhalter 2">
+                <a:extLst>
+                  <a:ext uri="{FF2B5EF4-FFF2-40B4-BE49-F238E27FC236}">
+                    <a16:creationId xmlns:a16="http://schemas.microsoft.com/office/drawing/2014/main" id="{BCAFBA99-1E36-D127-DA0A-B58C86F44CBB}"/>
+                  </a:ext>
+                </a:extLst>
+              </p:cNvPr>
+              <p:cNvSpPr>
+                <a:spLocks noGrp="1"/>
+              </p:cNvSpPr>
+              <p:nvPr>
+                <p:ph idx="1"/>
+              </p:nvPr>
+            </p:nvSpPr>
+            <p:spPr/>
+            <p:txBody>
+              <a:bodyPr/>
+              <a:lstStyle/>
+              <a:p>
+                <a:pPr marL="0" indent="0">
+                  <a:buNone/>
+                </a:pPr>
+                <a:r>
+                  <a:rPr lang="de-DE" dirty="0"/>
+                  <a:t>Polynomial form </a:t>
+                </a:r>
+                <a:r>
+                  <a:rPr lang="de-DE" dirty="0" err="1"/>
+                  <a:t>of</a:t>
+                </a:r>
+                <a:r>
+                  <a:rPr lang="de-DE" dirty="0"/>
+                  <a:t> differential </a:t>
+                </a:r>
+                <a:r>
+                  <a:rPr lang="de-DE" dirty="0" err="1"/>
+                  <a:t>equation</a:t>
+                </a:r>
+                <a:r>
+                  <a:rPr lang="de-DE" dirty="0"/>
+                  <a:t> / </a:t>
+                </a:r>
+                <a:r>
+                  <a:rPr lang="de-DE" dirty="0" err="1"/>
+                  <a:t>transfer</a:t>
+                </a:r>
+                <a:r>
+                  <a:rPr lang="de-DE" dirty="0"/>
+                  <a:t> </a:t>
+                </a:r>
+                <a:r>
+                  <a:rPr lang="de-DE" dirty="0" err="1"/>
+                  <a:t>function</a:t>
+                </a:r>
+                <a:r>
+                  <a:rPr lang="de-DE" dirty="0"/>
+                  <a:t>:</a:t>
+                </a:r>
+                <a:endParaRPr lang="de-DE" i="1" dirty="0">
+                  <a:latin typeface="Cambria Math" panose="02040503050406030204" pitchFamily="18" charset="0"/>
+                </a:endParaRPr>
+              </a:p>
+              <a:p>
+                <a:pPr marL="0" indent="0">
+                  <a:buNone/>
+                </a:pPr>
+                <a:endParaRPr lang="de-DE" i="1" dirty="0">
+                  <a:latin typeface="Cambria Math" panose="02040503050406030204" pitchFamily="18" charset="0"/>
+                </a:endParaRPr>
+              </a:p>
+              <a:p>
+                <a:pPr marL="0" indent="0">
+                  <a:buNone/>
+                </a:pPr>
+                <a14:m>
+                  <m:oMathPara xmlns:m="http://schemas.openxmlformats.org/officeDocument/2006/math">
+                    <m:oMathParaPr>
+                      <m:jc m:val="centerGroup"/>
+                    </m:oMathParaPr>
+                    <m:oMath xmlns:m="http://schemas.openxmlformats.org/officeDocument/2006/math">
+                      <m:d>
+                        <m:dPr>
+                          <m:ctrlPr>
+                            <a:rPr lang="de-DE" b="0" i="1" smtClean="0">
+                              <a:latin typeface="Cambria Math" panose="02040503050406030204" pitchFamily="18" charset="0"/>
+                              <a:ea typeface="Cambria Math" panose="02040503050406030204" pitchFamily="18" charset="0"/>
+                            </a:rPr>
+                          </m:ctrlPr>
+                        </m:dPr>
+                        <m:e>
+                          <m:sSub>
+                            <m:sSubPr>
+                              <m:ctrlPr>
+                                <a:rPr lang="de-DE" i="1">
+                                  <a:latin typeface="Cambria Math" panose="02040503050406030204" pitchFamily="18" charset="0"/>
+                                </a:rPr>
+                              </m:ctrlPr>
+                            </m:sSubPr>
+                            <m:e>
+                              <m:r>
+                                <a:rPr lang="de-DE" i="1">
+                                  <a:latin typeface="Cambria Math" panose="02040503050406030204" pitchFamily="18" charset="0"/>
+                                </a:rPr>
+                                <m:t>𝑎</m:t>
+                              </m:r>
+                            </m:e>
+                            <m:sub>
+                              <m:r>
+                                <a:rPr lang="de-DE" i="1">
+                                  <a:latin typeface="Cambria Math" panose="02040503050406030204" pitchFamily="18" charset="0"/>
+                                </a:rPr>
+                                <m:t>𝑛</m:t>
+                              </m:r>
+                            </m:sub>
+                          </m:sSub>
+                          <m:sSup>
+                            <m:sSupPr>
+                              <m:ctrlPr>
+                                <a:rPr lang="de-DE" i="1">
+                                  <a:latin typeface="Cambria Math" panose="02040503050406030204" pitchFamily="18" charset="0"/>
+                                </a:rPr>
+                              </m:ctrlPr>
+                            </m:sSupPr>
+                            <m:e>
+                              <m:r>
+                                <a:rPr lang="de-DE" i="1">
+                                  <a:latin typeface="Cambria Math" panose="02040503050406030204" pitchFamily="18" charset="0"/>
+                                </a:rPr>
+                                <m:t>𝑠</m:t>
+                              </m:r>
+                            </m:e>
+                            <m:sup>
+                              <m:r>
+                                <a:rPr lang="de-DE" i="1">
+                                  <a:latin typeface="Cambria Math" panose="02040503050406030204" pitchFamily="18" charset="0"/>
+                                </a:rPr>
+                                <m:t>𝑛</m:t>
+                              </m:r>
+                            </m:sup>
+                          </m:sSup>
+                          <m:r>
+                            <a:rPr lang="de-DE" i="1">
+                              <a:latin typeface="Cambria Math" panose="02040503050406030204" pitchFamily="18" charset="0"/>
+                            </a:rPr>
+                            <m:t>+</m:t>
+                          </m:r>
+                          <m:r>
+                            <a:rPr lang="de-DE" i="1">
+                              <a:latin typeface="Cambria Math" panose="02040503050406030204" pitchFamily="18" charset="0"/>
+                              <a:ea typeface="Cambria Math" panose="02040503050406030204" pitchFamily="18" charset="0"/>
+                            </a:rPr>
+                            <m:t>⋯+</m:t>
+                          </m:r>
+                          <m:sSub>
+                            <m:sSubPr>
+                              <m:ctrlPr>
+                                <a:rPr lang="de-DE" i="1">
+                                  <a:latin typeface="Cambria Math" panose="02040503050406030204" pitchFamily="18" charset="0"/>
+                                  <a:ea typeface="Cambria Math" panose="02040503050406030204" pitchFamily="18" charset="0"/>
+                                </a:rPr>
+                              </m:ctrlPr>
+                            </m:sSubPr>
+                            <m:e>
+                              <m:r>
+                                <a:rPr lang="de-DE" i="1">
+                                  <a:latin typeface="Cambria Math" panose="02040503050406030204" pitchFamily="18" charset="0"/>
+                                  <a:ea typeface="Cambria Math" panose="02040503050406030204" pitchFamily="18" charset="0"/>
+                                </a:rPr>
+                                <m:t>𝑎</m:t>
+                              </m:r>
+                            </m:e>
+                            <m:sub>
+                              <m:r>
+                                <a:rPr lang="de-DE" i="1">
+                                  <a:latin typeface="Cambria Math" panose="02040503050406030204" pitchFamily="18" charset="0"/>
+                                  <a:ea typeface="Cambria Math" panose="02040503050406030204" pitchFamily="18" charset="0"/>
+                                </a:rPr>
+                                <m:t>1</m:t>
+                              </m:r>
+                            </m:sub>
+                          </m:sSub>
+                          <m:r>
+                            <a:rPr lang="de-DE" i="1">
+                              <a:latin typeface="Cambria Math" panose="02040503050406030204" pitchFamily="18" charset="0"/>
+                              <a:ea typeface="Cambria Math" panose="02040503050406030204" pitchFamily="18" charset="0"/>
+                            </a:rPr>
+                            <m:t>𝑠</m:t>
+                          </m:r>
+                          <m:r>
+                            <a:rPr lang="de-DE" i="1">
+                              <a:latin typeface="Cambria Math" panose="02040503050406030204" pitchFamily="18" charset="0"/>
+                              <a:ea typeface="Cambria Math" panose="02040503050406030204" pitchFamily="18" charset="0"/>
+                            </a:rPr>
+                            <m:t>+</m:t>
+                          </m:r>
+                          <m:sSub>
+                            <m:sSubPr>
+                              <m:ctrlPr>
+                                <a:rPr lang="de-DE" i="1">
+                                  <a:latin typeface="Cambria Math" panose="02040503050406030204" pitchFamily="18" charset="0"/>
+                                  <a:ea typeface="Cambria Math" panose="02040503050406030204" pitchFamily="18" charset="0"/>
+                                </a:rPr>
+                              </m:ctrlPr>
+                            </m:sSubPr>
+                            <m:e>
+                              <m:r>
+                                <a:rPr lang="de-DE" i="1">
+                                  <a:latin typeface="Cambria Math" panose="02040503050406030204" pitchFamily="18" charset="0"/>
+                                  <a:ea typeface="Cambria Math" panose="02040503050406030204" pitchFamily="18" charset="0"/>
+                                </a:rPr>
+                                <m:t>𝑎</m:t>
+                              </m:r>
+                            </m:e>
+                            <m:sub>
+                              <m:r>
+                                <a:rPr lang="de-DE" i="1">
+                                  <a:latin typeface="Cambria Math" panose="02040503050406030204" pitchFamily="18" charset="0"/>
+                                  <a:ea typeface="Cambria Math" panose="02040503050406030204" pitchFamily="18" charset="0"/>
+                                </a:rPr>
+                                <m:t>0</m:t>
+                              </m:r>
+                            </m:sub>
+                          </m:sSub>
+                        </m:e>
+                      </m:d>
+                      <m:r>
+                        <a:rPr lang="de-DE" b="0" i="1" smtClean="0">
+                          <a:latin typeface="Cambria Math" panose="02040503050406030204" pitchFamily="18" charset="0"/>
+                          <a:ea typeface="Cambria Math" panose="02040503050406030204" pitchFamily="18" charset="0"/>
+                        </a:rPr>
+                        <m:t>∙</m:t>
+                      </m:r>
+                      <m:r>
+                        <a:rPr lang="de-DE" b="0" i="1" smtClean="0">
+                          <a:latin typeface="Cambria Math" panose="02040503050406030204" pitchFamily="18" charset="0"/>
+                          <a:ea typeface="Cambria Math" panose="02040503050406030204" pitchFamily="18" charset="0"/>
+                        </a:rPr>
+                        <m:t>𝑌</m:t>
+                      </m:r>
+                      <m:r>
+                        <a:rPr lang="de-DE" b="0" i="1" smtClean="0">
+                          <a:latin typeface="Cambria Math" panose="02040503050406030204" pitchFamily="18" charset="0"/>
+                          <a:ea typeface="Cambria Math" panose="02040503050406030204" pitchFamily="18" charset="0"/>
+                        </a:rPr>
+                        <m:t>(</m:t>
+                      </m:r>
+                      <m:r>
+                        <a:rPr lang="de-DE" b="0" i="1" smtClean="0">
+                          <a:latin typeface="Cambria Math" panose="02040503050406030204" pitchFamily="18" charset="0"/>
+                          <a:ea typeface="Cambria Math" panose="02040503050406030204" pitchFamily="18" charset="0"/>
+                        </a:rPr>
+                        <m:t>𝑠</m:t>
+                      </m:r>
+                      <m:r>
+                        <a:rPr lang="de-DE" b="0" i="1" smtClean="0">
+                          <a:latin typeface="Cambria Math" panose="02040503050406030204" pitchFamily="18" charset="0"/>
+                          <a:ea typeface="Cambria Math" panose="02040503050406030204" pitchFamily="18" charset="0"/>
+                        </a:rPr>
+                        <m:t>)=</m:t>
+                      </m:r>
+                      <m:d>
+                        <m:dPr>
+                          <m:ctrlPr>
+                            <a:rPr lang="de-DE" i="1" smtClean="0">
+                              <a:latin typeface="Cambria Math" panose="02040503050406030204" pitchFamily="18" charset="0"/>
+                              <a:ea typeface="Cambria Math" panose="02040503050406030204" pitchFamily="18" charset="0"/>
+                            </a:rPr>
+                          </m:ctrlPr>
+                        </m:dPr>
+                        <m:e>
+                          <m:sSub>
+                            <m:sSubPr>
+                              <m:ctrlPr>
+                                <a:rPr lang="de-DE" i="1">
+                                  <a:latin typeface="Cambria Math" panose="02040503050406030204" pitchFamily="18" charset="0"/>
+                                </a:rPr>
+                              </m:ctrlPr>
+                            </m:sSubPr>
+                            <m:e>
+                              <m:r>
+                                <a:rPr lang="de-DE" i="1">
+                                  <a:latin typeface="Cambria Math" panose="02040503050406030204" pitchFamily="18" charset="0"/>
+                                </a:rPr>
+                                <m:t>𝑏</m:t>
+                              </m:r>
+                            </m:e>
+                            <m:sub>
+                              <m:r>
+                                <a:rPr lang="de-DE" i="1">
+                                  <a:latin typeface="Cambria Math" panose="02040503050406030204" pitchFamily="18" charset="0"/>
+                                </a:rPr>
+                                <m:t>𝑚</m:t>
+                              </m:r>
+                            </m:sub>
+                          </m:sSub>
+                          <m:sSup>
+                            <m:sSupPr>
+                              <m:ctrlPr>
+                                <a:rPr lang="de-DE" i="1">
+                                  <a:latin typeface="Cambria Math" panose="02040503050406030204" pitchFamily="18" charset="0"/>
+                                </a:rPr>
+                              </m:ctrlPr>
+                            </m:sSupPr>
+                            <m:e>
+                              <m:r>
+                                <a:rPr lang="de-DE" i="1">
+                                  <a:latin typeface="Cambria Math" panose="02040503050406030204" pitchFamily="18" charset="0"/>
+                                </a:rPr>
+                                <m:t>𝑠</m:t>
+                              </m:r>
+                            </m:e>
+                            <m:sup>
+                              <m:r>
+                                <a:rPr lang="de-DE" i="1">
+                                  <a:latin typeface="Cambria Math" panose="02040503050406030204" pitchFamily="18" charset="0"/>
+                                </a:rPr>
+                                <m:t>𝑚</m:t>
+                              </m:r>
+                            </m:sup>
+                          </m:sSup>
+                          <m:r>
+                            <a:rPr lang="de-DE" i="1">
+                              <a:latin typeface="Cambria Math" panose="02040503050406030204" pitchFamily="18" charset="0"/>
+                            </a:rPr>
+                            <m:t>+</m:t>
+                          </m:r>
+                          <m:r>
+                            <a:rPr lang="de-DE" i="1">
+                              <a:latin typeface="Cambria Math" panose="02040503050406030204" pitchFamily="18" charset="0"/>
+                              <a:ea typeface="Cambria Math" panose="02040503050406030204" pitchFamily="18" charset="0"/>
+                            </a:rPr>
+                            <m:t>⋯+</m:t>
+                          </m:r>
+                          <m:sSub>
+                            <m:sSubPr>
+                              <m:ctrlPr>
+                                <a:rPr lang="de-DE" i="1">
+                                  <a:latin typeface="Cambria Math" panose="02040503050406030204" pitchFamily="18" charset="0"/>
+                                  <a:ea typeface="Cambria Math" panose="02040503050406030204" pitchFamily="18" charset="0"/>
+                                </a:rPr>
+                              </m:ctrlPr>
+                            </m:sSubPr>
+                            <m:e>
+                              <m:r>
+                                <a:rPr lang="de-DE" i="1">
+                                  <a:latin typeface="Cambria Math" panose="02040503050406030204" pitchFamily="18" charset="0"/>
+                                  <a:ea typeface="Cambria Math" panose="02040503050406030204" pitchFamily="18" charset="0"/>
+                                </a:rPr>
+                                <m:t>𝑏</m:t>
+                              </m:r>
+                            </m:e>
+                            <m:sub>
+                              <m:r>
+                                <a:rPr lang="de-DE" i="1">
+                                  <a:latin typeface="Cambria Math" panose="02040503050406030204" pitchFamily="18" charset="0"/>
+                                  <a:ea typeface="Cambria Math" panose="02040503050406030204" pitchFamily="18" charset="0"/>
+                                </a:rPr>
+                                <m:t>1</m:t>
+                              </m:r>
+                            </m:sub>
+                          </m:sSub>
+                          <m:r>
+                            <a:rPr lang="de-DE" i="1">
+                              <a:latin typeface="Cambria Math" panose="02040503050406030204" pitchFamily="18" charset="0"/>
+                              <a:ea typeface="Cambria Math" panose="02040503050406030204" pitchFamily="18" charset="0"/>
+                            </a:rPr>
+                            <m:t>𝑠</m:t>
+                          </m:r>
+                          <m:r>
+                            <a:rPr lang="de-DE" i="1">
+                              <a:latin typeface="Cambria Math" panose="02040503050406030204" pitchFamily="18" charset="0"/>
+                              <a:ea typeface="Cambria Math" panose="02040503050406030204" pitchFamily="18" charset="0"/>
+                            </a:rPr>
+                            <m:t>+</m:t>
+                          </m:r>
+                          <m:sSub>
+                            <m:sSubPr>
+                              <m:ctrlPr>
+                                <a:rPr lang="de-DE" i="1">
+                                  <a:latin typeface="Cambria Math" panose="02040503050406030204" pitchFamily="18" charset="0"/>
+                                  <a:ea typeface="Cambria Math" panose="02040503050406030204" pitchFamily="18" charset="0"/>
+                                </a:rPr>
+                              </m:ctrlPr>
+                            </m:sSubPr>
+                            <m:e>
+                              <m:r>
+                                <a:rPr lang="de-DE" i="1">
+                                  <a:latin typeface="Cambria Math" panose="02040503050406030204" pitchFamily="18" charset="0"/>
+                                  <a:ea typeface="Cambria Math" panose="02040503050406030204" pitchFamily="18" charset="0"/>
+                                </a:rPr>
+                                <m:t>𝑏</m:t>
+                              </m:r>
+                            </m:e>
+                            <m:sub>
+                              <m:r>
+                                <a:rPr lang="de-DE" i="1">
+                                  <a:latin typeface="Cambria Math" panose="02040503050406030204" pitchFamily="18" charset="0"/>
+                                  <a:ea typeface="Cambria Math" panose="02040503050406030204" pitchFamily="18" charset="0"/>
+                                </a:rPr>
+                                <m:t>0</m:t>
+                              </m:r>
+                            </m:sub>
+                          </m:sSub>
+                        </m:e>
+                      </m:d>
+                      <m:r>
+                        <a:rPr lang="de-DE" i="1" smtClean="0">
+                          <a:latin typeface="Cambria Math" panose="02040503050406030204" pitchFamily="18" charset="0"/>
+                          <a:ea typeface="Cambria Math" panose="02040503050406030204" pitchFamily="18" charset="0"/>
+                        </a:rPr>
+                        <m:t>∙</m:t>
+                      </m:r>
+                      <m:r>
+                        <a:rPr lang="de-DE" b="0" i="1" smtClean="0">
+                          <a:latin typeface="Cambria Math" panose="02040503050406030204" pitchFamily="18" charset="0"/>
+                          <a:ea typeface="Cambria Math" panose="02040503050406030204" pitchFamily="18" charset="0"/>
+                        </a:rPr>
+                        <m:t>𝑈</m:t>
+                      </m:r>
+                      <m:r>
+                        <a:rPr lang="de-DE" b="0" i="1" smtClean="0">
+                          <a:latin typeface="Cambria Math" panose="02040503050406030204" pitchFamily="18" charset="0"/>
+                          <a:ea typeface="Cambria Math" panose="02040503050406030204" pitchFamily="18" charset="0"/>
+                        </a:rPr>
+                        <m:t>(</m:t>
+                      </m:r>
+                      <m:r>
+                        <a:rPr lang="de-DE" b="0" i="1" smtClean="0">
+                          <a:latin typeface="Cambria Math" panose="02040503050406030204" pitchFamily="18" charset="0"/>
+                          <a:ea typeface="Cambria Math" panose="02040503050406030204" pitchFamily="18" charset="0"/>
+                        </a:rPr>
+                        <m:t>𝑠</m:t>
+                      </m:r>
+                      <m:r>
+                        <a:rPr lang="de-DE" b="0" i="1" smtClean="0">
+                          <a:latin typeface="Cambria Math" panose="02040503050406030204" pitchFamily="18" charset="0"/>
+                          <a:ea typeface="Cambria Math" panose="02040503050406030204" pitchFamily="18" charset="0"/>
+                        </a:rPr>
+                        <m:t>)</m:t>
+                      </m:r>
+                    </m:oMath>
+                  </m:oMathPara>
+                </a14:m>
+                <a:endParaRPr lang="de-DE" dirty="0"/>
+              </a:p>
+              <a:p>
+                <a:pPr marL="0" indent="0">
+                  <a:buNone/>
+                </a:pPr>
+                <a:endParaRPr lang="de-DE" dirty="0"/>
+              </a:p>
+              <a:p>
+                <a:pPr marL="0" indent="0">
+                  <a:buNone/>
+                </a:pPr>
+                <a:endParaRPr lang="de-DE" dirty="0"/>
+              </a:p>
+              <a:p>
+                <a:pPr marL="0" indent="0">
+                  <a:buNone/>
+                </a:pPr>
+                <a:r>
+                  <a:rPr lang="de-DE" dirty="0">
+                    <a:sym typeface="Wingdings" pitchFamily="2" charset="2"/>
+                  </a:rPr>
+                  <a:t> </a:t>
+                </a:r>
+                <a:r>
+                  <a:rPr lang="de-DE" dirty="0"/>
+                  <a:t>Transfer </a:t>
+                </a:r>
+                <a:r>
+                  <a:rPr lang="de-DE" dirty="0" err="1"/>
+                  <a:t>functions</a:t>
+                </a:r>
+                <a:r>
+                  <a:rPr lang="de-DE" dirty="0"/>
+                  <a:t> </a:t>
+                </a:r>
+                <a:r>
+                  <a:rPr lang="de-DE" dirty="0" err="1"/>
+                  <a:t>of</a:t>
+                </a:r>
+                <a:r>
+                  <a:rPr lang="de-DE" dirty="0"/>
+                  <a:t> individual </a:t>
+                </a:r>
+                <a:r>
+                  <a:rPr lang="de-DE" dirty="0" err="1"/>
+                  <a:t>elements</a:t>
+                </a:r>
+                <a:r>
+                  <a:rPr lang="de-DE" dirty="0"/>
+                  <a:t> </a:t>
+                </a:r>
+                <a:r>
+                  <a:rPr lang="de-DE" dirty="0" err="1"/>
+                  <a:t>by</a:t>
+                </a:r>
+                <a:r>
+                  <a:rPr lang="de-DE" dirty="0"/>
+                  <a:t> </a:t>
+                </a:r>
+                <a:r>
+                  <a:rPr lang="de-DE" dirty="0" err="1"/>
+                  <a:t>setting</a:t>
+                </a:r>
+                <a:r>
+                  <a:rPr lang="de-DE" dirty="0"/>
+                  <a:t> a </a:t>
+                </a:r>
+                <a:r>
+                  <a:rPr lang="de-DE" dirty="0" err="1"/>
+                  <a:t>portion</a:t>
+                </a:r>
+                <a:r>
+                  <a:rPr lang="de-DE" dirty="0"/>
+                  <a:t> </a:t>
+                </a:r>
+                <a:r>
+                  <a:rPr lang="de-DE" dirty="0" err="1"/>
+                  <a:t>of</a:t>
+                </a:r>
+                <a:r>
+                  <a:rPr lang="de-DE" dirty="0"/>
+                  <a:t> </a:t>
+                </a:r>
+                <a:r>
+                  <a:rPr lang="de-DE" dirty="0" err="1"/>
+                  <a:t>the</a:t>
+                </a:r>
+                <a:r>
+                  <a:rPr lang="de-DE" dirty="0"/>
+                  <a:t> </a:t>
+                </a:r>
+                <a:r>
+                  <a:rPr lang="de-DE" dirty="0" err="1"/>
+                  <a:t>coefficients</a:t>
+                </a:r>
+                <a:r>
+                  <a:rPr lang="de-DE" dirty="0"/>
+                  <a:t> </a:t>
+                </a:r>
+                <a:r>
+                  <a:rPr lang="de-DE" dirty="0" err="1"/>
+                  <a:t>to</a:t>
+                </a:r>
+                <a:r>
+                  <a:rPr lang="de-DE" dirty="0"/>
+                  <a:t> </a:t>
+                </a:r>
+                <a:r>
+                  <a:rPr lang="de-DE" dirty="0" err="1"/>
+                  <a:t>zero</a:t>
+                </a:r>
+                <a:endParaRPr lang="de-DE" dirty="0"/>
+              </a:p>
+            </p:txBody>
+          </p:sp>
+        </mc:Choice>
+        <mc:Fallback>
+          <p:sp>
+            <p:nvSpPr>
+              <p:cNvPr id="3" name="Inhaltsplatzhalter 2">
+                <a:extLst>
+                  <a:ext uri="{FF2B5EF4-FFF2-40B4-BE49-F238E27FC236}">
+                    <a16:creationId xmlns:a16="http://schemas.microsoft.com/office/drawing/2014/main" id="{BCAFBA99-1E36-D127-DA0A-B58C86F44CBB}"/>
+                  </a:ext>
+                </a:extLst>
+              </p:cNvPr>
+              <p:cNvSpPr>
+                <a:spLocks noGrp="1" noRot="1" noChangeAspect="1" noMove="1" noResize="1" noEditPoints="1" noAdjustHandles="1" noChangeArrowheads="1" noChangeShapeType="1" noTextEdit="1"/>
+              </p:cNvSpPr>
+              <p:nvPr>
+                <p:ph idx="1"/>
+              </p:nvPr>
+            </p:nvSpPr>
+            <p:spPr>
+              <a:blipFill>
+                <a:blip r:embed="rId2"/>
+                <a:stretch>
+                  <a:fillRect l="-1206" t="-2326"/>
+                </a:stretch>
+              </a:blipFill>
+            </p:spPr>
+            <p:txBody>
+              <a:bodyPr/>
+              <a:lstStyle/>
+              <a:p>
+                <a:r>
+                  <a:rPr lang="de-DE">
+                    <a:noFill/>
+                  </a:rPr>
+                  <a:t> </a:t>
+                </a:r>
+              </a:p>
+            </p:txBody>
+          </p:sp>
+        </mc:Fallback>
+      </mc:AlternateContent>
       <p:sp>
         <p:nvSpPr>
           <p:cNvPr id="4" name="Foliennummernplatzhalter 3">
@@ -18735,36 +19326,377 @@
           <a:p>
             <a:r>
               <a:rPr lang="de-DE" dirty="0"/>
-              <a:t>Proportional Element</a:t>
+              <a:t>Proportional Element (P)</a:t>
             </a:r>
           </a:p>
         </p:txBody>
       </p:sp>
-      <p:sp>
-        <p:nvSpPr>
-          <p:cNvPr id="3" name="Inhaltsplatzhalter 2">
-            <a:extLst>
-              <a:ext uri="{FF2B5EF4-FFF2-40B4-BE49-F238E27FC236}">
-                <a16:creationId xmlns:a16="http://schemas.microsoft.com/office/drawing/2014/main" id="{C56B36AA-A815-490D-4A12-1020A99298B5}"/>
-              </a:ext>
-            </a:extLst>
-          </p:cNvPr>
-          <p:cNvSpPr>
-            <a:spLocks noGrp="1"/>
-          </p:cNvSpPr>
-          <p:nvPr>
-            <p:ph idx="1"/>
-          </p:nvPr>
-        </p:nvSpPr>
-        <p:spPr/>
-        <p:txBody>
-          <a:bodyPr/>
-          <a:lstStyle/>
-          <a:p>
-            <a:endParaRPr lang="de-DE"/>
-          </a:p>
-        </p:txBody>
-      </p:sp>
+      <mc:AlternateContent xmlns:mc="http://schemas.openxmlformats.org/markup-compatibility/2006">
+        <mc:Choice xmlns:a14="http://schemas.microsoft.com/office/drawing/2010/main" Requires="a14">
+          <p:sp>
+            <p:nvSpPr>
+              <p:cNvPr id="3" name="Inhaltsplatzhalter 2">
+                <a:extLst>
+                  <a:ext uri="{FF2B5EF4-FFF2-40B4-BE49-F238E27FC236}">
+                    <a16:creationId xmlns:a16="http://schemas.microsoft.com/office/drawing/2014/main" id="{C56B36AA-A815-490D-4A12-1020A99298B5}"/>
+                  </a:ext>
+                </a:extLst>
+              </p:cNvPr>
+              <p:cNvSpPr>
+                <a:spLocks noGrp="1"/>
+              </p:cNvSpPr>
+              <p:nvPr>
+                <p:ph idx="1"/>
+              </p:nvPr>
+            </p:nvSpPr>
+            <p:spPr/>
+            <p:txBody>
+              <a:bodyPr/>
+              <a:lstStyle/>
+              <a:p>
+                <a:pPr marL="0" indent="0">
+                  <a:buNone/>
+                </a:pPr>
+                <a:r>
+                  <a:rPr lang="de-DE" dirty="0"/>
+                  <a:t>Consider </a:t>
+                </a:r>
+                <a14:m>
+                  <m:oMath xmlns:m="http://schemas.openxmlformats.org/officeDocument/2006/math">
+                    <m:r>
+                      <a:rPr lang="de-DE" b="0" i="1" smtClean="0">
+                        <a:latin typeface="Cambria Math" panose="02040503050406030204" pitchFamily="18" charset="0"/>
+                      </a:rPr>
+                      <m:t>𝑛</m:t>
+                    </m:r>
+                    <m:r>
+                      <a:rPr lang="de-DE" b="0" i="1" smtClean="0">
+                        <a:latin typeface="Cambria Math" panose="02040503050406030204" pitchFamily="18" charset="0"/>
+                      </a:rPr>
+                      <m:t>=0</m:t>
+                    </m:r>
+                  </m:oMath>
+                </a14:m>
+                <a:r>
+                  <a:rPr lang="de-DE" dirty="0"/>
+                  <a:t>:</a:t>
+                </a:r>
+              </a:p>
+              <a:p>
+                <a:pPr marL="0" indent="0">
+                  <a:buNone/>
+                </a:pPr>
+                <a14:m>
+                  <m:oMath xmlns:m="http://schemas.openxmlformats.org/officeDocument/2006/math">
+                    <m:r>
+                      <a:rPr lang="de-DE" b="0" i="1" smtClean="0">
+                        <a:latin typeface="Cambria Math" panose="02040503050406030204" pitchFamily="18" charset="0"/>
+                      </a:rPr>
+                      <m:t>𝑌</m:t>
+                    </m:r>
+                    <m:d>
+                      <m:dPr>
+                        <m:ctrlPr>
+                          <a:rPr lang="de-DE" b="0" i="1" smtClean="0">
+                            <a:latin typeface="Cambria Math" panose="02040503050406030204" pitchFamily="18" charset="0"/>
+                          </a:rPr>
+                        </m:ctrlPr>
+                      </m:dPr>
+                      <m:e>
+                        <m:r>
+                          <a:rPr lang="de-DE" b="0" i="1" smtClean="0">
+                            <a:latin typeface="Cambria Math" panose="02040503050406030204" pitchFamily="18" charset="0"/>
+                          </a:rPr>
+                          <m:t>𝑠</m:t>
+                        </m:r>
+                      </m:e>
+                    </m:d>
+                    <m:r>
+                      <a:rPr lang="de-DE" b="0" i="1" smtClean="0">
+                        <a:latin typeface="Cambria Math" panose="02040503050406030204" pitchFamily="18" charset="0"/>
+                      </a:rPr>
+                      <m:t>=</m:t>
+                    </m:r>
+                    <m:f>
+                      <m:fPr>
+                        <m:ctrlPr>
+                          <a:rPr lang="de-DE" b="0" i="1" smtClean="0">
+                            <a:latin typeface="Cambria Math" panose="02040503050406030204" pitchFamily="18" charset="0"/>
+                          </a:rPr>
+                        </m:ctrlPr>
+                      </m:fPr>
+                      <m:num>
+                        <m:sSub>
+                          <m:sSubPr>
+                            <m:ctrlPr>
+                              <a:rPr lang="de-DE" b="0" i="1" smtClean="0">
+                                <a:latin typeface="Cambria Math" panose="02040503050406030204" pitchFamily="18" charset="0"/>
+                              </a:rPr>
+                            </m:ctrlPr>
+                          </m:sSubPr>
+                          <m:e>
+                            <m:r>
+                              <a:rPr lang="de-DE" b="0" i="1" smtClean="0">
+                                <a:latin typeface="Cambria Math" panose="02040503050406030204" pitchFamily="18" charset="0"/>
+                              </a:rPr>
+                              <m:t>𝑏</m:t>
+                            </m:r>
+                          </m:e>
+                          <m:sub>
+                            <m:r>
+                              <a:rPr lang="de-DE" b="0" i="1" smtClean="0">
+                                <a:latin typeface="Cambria Math" panose="02040503050406030204" pitchFamily="18" charset="0"/>
+                              </a:rPr>
+                              <m:t>0</m:t>
+                            </m:r>
+                          </m:sub>
+                        </m:sSub>
+                      </m:num>
+                      <m:den>
+                        <m:sSub>
+                          <m:sSubPr>
+                            <m:ctrlPr>
+                              <a:rPr lang="de-DE" b="0" i="1" smtClean="0">
+                                <a:latin typeface="Cambria Math" panose="02040503050406030204" pitchFamily="18" charset="0"/>
+                              </a:rPr>
+                            </m:ctrlPr>
+                          </m:sSubPr>
+                          <m:e>
+                            <m:r>
+                              <a:rPr lang="de-DE" b="0" i="1" smtClean="0">
+                                <a:latin typeface="Cambria Math" panose="02040503050406030204" pitchFamily="18" charset="0"/>
+                              </a:rPr>
+                              <m:t>𝑎</m:t>
+                            </m:r>
+                          </m:e>
+                          <m:sub>
+                            <m:r>
+                              <a:rPr lang="de-DE" b="0" i="1" smtClean="0">
+                                <a:latin typeface="Cambria Math" panose="02040503050406030204" pitchFamily="18" charset="0"/>
+                              </a:rPr>
+                              <m:t>0</m:t>
+                            </m:r>
+                          </m:sub>
+                        </m:sSub>
+                      </m:den>
+                    </m:f>
+                    <m:r>
+                      <a:rPr lang="de-DE" b="0" i="1" smtClean="0">
+                        <a:latin typeface="Cambria Math" panose="02040503050406030204" pitchFamily="18" charset="0"/>
+                        <a:ea typeface="Cambria Math" panose="02040503050406030204" pitchFamily="18" charset="0"/>
+                      </a:rPr>
+                      <m:t>∙</m:t>
+                    </m:r>
+                    <m:r>
+                      <a:rPr lang="de-DE" b="0" i="1" smtClean="0">
+                        <a:latin typeface="Cambria Math" panose="02040503050406030204" pitchFamily="18" charset="0"/>
+                      </a:rPr>
+                      <m:t>𝑈</m:t>
+                    </m:r>
+                    <m:r>
+                      <a:rPr lang="de-DE" b="0" i="1" smtClean="0">
+                        <a:latin typeface="Cambria Math" panose="02040503050406030204" pitchFamily="18" charset="0"/>
+                      </a:rPr>
+                      <m:t>(</m:t>
+                    </m:r>
+                    <m:r>
+                      <a:rPr lang="de-DE" b="0" i="1" smtClean="0">
+                        <a:latin typeface="Cambria Math" panose="02040503050406030204" pitchFamily="18" charset="0"/>
+                      </a:rPr>
+                      <m:t>𝑠</m:t>
+                    </m:r>
+                    <m:r>
+                      <a:rPr lang="de-DE" b="0" i="1" smtClean="0">
+                        <a:latin typeface="Cambria Math" panose="02040503050406030204" pitchFamily="18" charset="0"/>
+                      </a:rPr>
+                      <m:t>)</m:t>
+                    </m:r>
+                  </m:oMath>
+                </a14:m>
+                <a:r>
+                  <a:rPr lang="de-DE" dirty="0"/>
+                  <a:t>     </a:t>
+                </a:r>
+                <a:r>
+                  <a:rPr lang="de-DE" dirty="0" err="1"/>
+                  <a:t>or</a:t>
+                </a:r>
+                <a:r>
+                  <a:rPr lang="de-DE" dirty="0"/>
+                  <a:t>     </a:t>
+                </a:r>
+                <a14:m>
+                  <m:oMath xmlns:m="http://schemas.openxmlformats.org/officeDocument/2006/math">
+                    <m:r>
+                      <a:rPr lang="de-DE" b="0" i="1" smtClean="0">
+                        <a:latin typeface="Cambria Math" panose="02040503050406030204" pitchFamily="18" charset="0"/>
+                      </a:rPr>
+                      <m:t>𝑦</m:t>
+                    </m:r>
+                    <m:d>
+                      <m:dPr>
+                        <m:ctrlPr>
+                          <a:rPr lang="de-DE" i="1">
+                            <a:latin typeface="Cambria Math" panose="02040503050406030204" pitchFamily="18" charset="0"/>
+                          </a:rPr>
+                        </m:ctrlPr>
+                      </m:dPr>
+                      <m:e>
+                        <m:r>
+                          <a:rPr lang="de-DE" b="0" i="1" smtClean="0">
+                            <a:latin typeface="Cambria Math" panose="02040503050406030204" pitchFamily="18" charset="0"/>
+                          </a:rPr>
+                          <m:t>𝑡</m:t>
+                        </m:r>
+                      </m:e>
+                    </m:d>
+                    <m:r>
+                      <a:rPr lang="de-DE" i="1">
+                        <a:latin typeface="Cambria Math" panose="02040503050406030204" pitchFamily="18" charset="0"/>
+                      </a:rPr>
+                      <m:t>=</m:t>
+                    </m:r>
+                    <m:f>
+                      <m:fPr>
+                        <m:ctrlPr>
+                          <a:rPr lang="de-DE" i="1">
+                            <a:latin typeface="Cambria Math" panose="02040503050406030204" pitchFamily="18" charset="0"/>
+                          </a:rPr>
+                        </m:ctrlPr>
+                      </m:fPr>
+                      <m:num>
+                        <m:sSub>
+                          <m:sSubPr>
+                            <m:ctrlPr>
+                              <a:rPr lang="de-DE" i="1">
+                                <a:latin typeface="Cambria Math" panose="02040503050406030204" pitchFamily="18" charset="0"/>
+                              </a:rPr>
+                            </m:ctrlPr>
+                          </m:sSubPr>
+                          <m:e>
+                            <m:r>
+                              <a:rPr lang="de-DE" i="1">
+                                <a:latin typeface="Cambria Math" panose="02040503050406030204" pitchFamily="18" charset="0"/>
+                              </a:rPr>
+                              <m:t>𝑏</m:t>
+                            </m:r>
+                          </m:e>
+                          <m:sub>
+                            <m:r>
+                              <a:rPr lang="de-DE" i="1">
+                                <a:latin typeface="Cambria Math" panose="02040503050406030204" pitchFamily="18" charset="0"/>
+                              </a:rPr>
+                              <m:t>0</m:t>
+                            </m:r>
+                          </m:sub>
+                        </m:sSub>
+                      </m:num>
+                      <m:den>
+                        <m:sSub>
+                          <m:sSubPr>
+                            <m:ctrlPr>
+                              <a:rPr lang="de-DE" i="1">
+                                <a:latin typeface="Cambria Math" panose="02040503050406030204" pitchFamily="18" charset="0"/>
+                              </a:rPr>
+                            </m:ctrlPr>
+                          </m:sSubPr>
+                          <m:e>
+                            <m:r>
+                              <a:rPr lang="de-DE" i="1">
+                                <a:latin typeface="Cambria Math" panose="02040503050406030204" pitchFamily="18" charset="0"/>
+                              </a:rPr>
+                              <m:t>𝑎</m:t>
+                            </m:r>
+                          </m:e>
+                          <m:sub>
+                            <m:r>
+                              <a:rPr lang="de-DE" i="1">
+                                <a:latin typeface="Cambria Math" panose="02040503050406030204" pitchFamily="18" charset="0"/>
+                              </a:rPr>
+                              <m:t>0</m:t>
+                            </m:r>
+                          </m:sub>
+                        </m:sSub>
+                      </m:den>
+                    </m:f>
+                    <m:r>
+                      <a:rPr lang="de-DE" i="1" smtClean="0">
+                        <a:latin typeface="Cambria Math" panose="02040503050406030204" pitchFamily="18" charset="0"/>
+                        <a:ea typeface="Cambria Math" panose="02040503050406030204" pitchFamily="18" charset="0"/>
+                      </a:rPr>
+                      <m:t>∙</m:t>
+                    </m:r>
+                    <m:r>
+                      <a:rPr lang="de-DE" b="0" i="1" smtClean="0">
+                        <a:latin typeface="Cambria Math" panose="02040503050406030204" pitchFamily="18" charset="0"/>
+                      </a:rPr>
+                      <m:t>𝑢</m:t>
+                    </m:r>
+                    <m:r>
+                      <a:rPr lang="de-DE" i="1">
+                        <a:latin typeface="Cambria Math" panose="02040503050406030204" pitchFamily="18" charset="0"/>
+                      </a:rPr>
+                      <m:t>(</m:t>
+                    </m:r>
+                    <m:r>
+                      <a:rPr lang="de-DE" b="0" i="1" smtClean="0">
+                        <a:latin typeface="Cambria Math" panose="02040503050406030204" pitchFamily="18" charset="0"/>
+                      </a:rPr>
+                      <m:t>𝑡</m:t>
+                    </m:r>
+                    <m:r>
+                      <a:rPr lang="de-DE" i="1">
+                        <a:latin typeface="Cambria Math" panose="02040503050406030204" pitchFamily="18" charset="0"/>
+                      </a:rPr>
+                      <m:t>)</m:t>
+                    </m:r>
+                  </m:oMath>
+                </a14:m>
+                <a:endParaRPr lang="de-DE" dirty="0"/>
+              </a:p>
+            </p:txBody>
+          </p:sp>
+        </mc:Choice>
+        <mc:Fallback>
+          <p:sp>
+            <p:nvSpPr>
+              <p:cNvPr id="3" name="Inhaltsplatzhalter 2">
+                <a:extLst>
+                  <a:ext uri="{FF2B5EF4-FFF2-40B4-BE49-F238E27FC236}">
+                    <a16:creationId xmlns:a16="http://schemas.microsoft.com/office/drawing/2014/main" id="{C56B36AA-A815-490D-4A12-1020A99298B5}"/>
+                  </a:ext>
+                </a:extLst>
+              </p:cNvPr>
+              <p:cNvSpPr>
+                <a:spLocks noGrp="1" noRot="1" noChangeAspect="1" noMove="1" noResize="1" noEditPoints="1" noAdjustHandles="1" noChangeArrowheads="1" noChangeShapeType="1" noTextEdit="1"/>
+              </p:cNvSpPr>
+              <p:nvPr>
+                <p:ph idx="1"/>
+              </p:nvPr>
+            </p:nvSpPr>
+            <p:spPr>
+              <a:blipFill>
+                <a:blip r:embed="rId2"/>
+                <a:stretch>
+                  <a:fillRect l="-1206" t="-2326"/>
+                </a:stretch>
+              </a:blipFill>
+            </p:spPr>
+            <p:txBody>
+              <a:bodyPr/>
+              <a:lstStyle/>
+              <a:p>
+                <a:r>
+                  <a:rPr lang="de-DE">
+                    <a:noFill/>
+                  </a:rPr>
+                  <a:t> </a:t>
+                </a:r>
+              </a:p>
+            </p:txBody>
+          </p:sp>
+        </mc:Fallback>
+      </mc:AlternateContent>
       <p:sp>
         <p:nvSpPr>
           <p:cNvPr id="4" name="Foliennummernplatzhalter 3">
@@ -18794,6 +19726,367 @@
           </a:p>
         </p:txBody>
       </p:sp>
+      <mc:AlternateContent xmlns:mc="http://schemas.openxmlformats.org/markup-compatibility/2006">
+        <mc:Choice xmlns:a14="http://schemas.microsoft.com/office/drawing/2010/main" Requires="a14">
+          <p:sp>
+            <p:nvSpPr>
+              <p:cNvPr id="5" name="Textfeld 4">
+                <a:extLst>
+                  <a:ext uri="{FF2B5EF4-FFF2-40B4-BE49-F238E27FC236}">
+                    <a16:creationId xmlns:a16="http://schemas.microsoft.com/office/drawing/2014/main" id="{28CB410D-9FAD-7206-ACD0-1E2E8745F26B}"/>
+                  </a:ext>
+                </a:extLst>
+              </p:cNvPr>
+              <p:cNvSpPr txBox="1"/>
+              <p:nvPr/>
+            </p:nvSpPr>
+            <p:spPr>
+              <a:xfrm>
+                <a:off x="2641683" y="3542186"/>
+                <a:ext cx="2297039" cy="1291316"/>
+              </a:xfrm>
+              <a:prstGeom prst="rect">
+                <a:avLst/>
+              </a:prstGeom>
+              <a:noFill/>
+            </p:spPr>
+            <p:txBody>
+              <a:bodyPr wrap="none" rtlCol="0">
+                <a:spAutoFit/>
+              </a:bodyPr>
+              <a:lstStyle/>
+              <a:p>
+                <a14:m>
+                  <m:oMathPara xmlns:m="http://schemas.openxmlformats.org/officeDocument/2006/math">
+                    <m:oMathParaPr>
+                      <m:jc m:val="centerGroup"/>
+                    </m:oMathParaPr>
+                    <m:oMath xmlns:m="http://schemas.openxmlformats.org/officeDocument/2006/math">
+                      <m:f>
+                        <m:fPr>
+                          <m:ctrlPr>
+                            <a:rPr lang="de-DE" sz="2800" i="1" smtClean="0">
+                              <a:latin typeface="Cambria Math" panose="02040503050406030204" pitchFamily="18" charset="0"/>
+                            </a:rPr>
+                          </m:ctrlPr>
+                        </m:fPr>
+                        <m:num>
+                          <m:sSub>
+                            <m:sSubPr>
+                              <m:ctrlPr>
+                                <a:rPr lang="de-DE" sz="2800" i="1">
+                                  <a:latin typeface="Cambria Math" panose="02040503050406030204" pitchFamily="18" charset="0"/>
+                                </a:rPr>
+                              </m:ctrlPr>
+                            </m:sSubPr>
+                            <m:e>
+                              <m:r>
+                                <a:rPr lang="de-DE" sz="2800" i="1">
+                                  <a:latin typeface="Cambria Math" panose="02040503050406030204" pitchFamily="18" charset="0"/>
+                                </a:rPr>
+                                <m:t>𝑏</m:t>
+                              </m:r>
+                            </m:e>
+                            <m:sub>
+                              <m:r>
+                                <a:rPr lang="de-DE" sz="2800" i="1">
+                                  <a:latin typeface="Cambria Math" panose="02040503050406030204" pitchFamily="18" charset="0"/>
+                                </a:rPr>
+                                <m:t>0</m:t>
+                              </m:r>
+                            </m:sub>
+                          </m:sSub>
+                        </m:num>
+                        <m:den>
+                          <m:sSub>
+                            <m:sSubPr>
+                              <m:ctrlPr>
+                                <a:rPr lang="de-DE" sz="2800" i="1">
+                                  <a:latin typeface="Cambria Math" panose="02040503050406030204" pitchFamily="18" charset="0"/>
+                                </a:rPr>
+                              </m:ctrlPr>
+                            </m:sSubPr>
+                            <m:e>
+                              <m:r>
+                                <a:rPr lang="de-DE" sz="2800" i="1">
+                                  <a:latin typeface="Cambria Math" panose="02040503050406030204" pitchFamily="18" charset="0"/>
+                                </a:rPr>
+                                <m:t>𝑎</m:t>
+                              </m:r>
+                            </m:e>
+                            <m:sub>
+                              <m:r>
+                                <a:rPr lang="de-DE" sz="2800" i="1">
+                                  <a:latin typeface="Cambria Math" panose="02040503050406030204" pitchFamily="18" charset="0"/>
+                                </a:rPr>
+                                <m:t>0</m:t>
+                              </m:r>
+                            </m:sub>
+                          </m:sSub>
+                        </m:den>
+                      </m:f>
+                      <m:r>
+                        <a:rPr lang="de-DE" sz="2800" b="0" i="1" smtClean="0">
+                          <a:latin typeface="Cambria Math" panose="02040503050406030204" pitchFamily="18" charset="0"/>
+                        </a:rPr>
+                        <m:t>=</m:t>
+                      </m:r>
+                      <m:sSub>
+                        <m:sSubPr>
+                          <m:ctrlPr>
+                            <a:rPr lang="de-DE" sz="2800" b="0" i="1" smtClean="0">
+                              <a:latin typeface="Cambria Math" panose="02040503050406030204" pitchFamily="18" charset="0"/>
+                            </a:rPr>
+                          </m:ctrlPr>
+                        </m:sSubPr>
+                        <m:e>
+                          <m:r>
+                            <a:rPr lang="de-DE" sz="2800" b="0" i="1" smtClean="0">
+                              <a:latin typeface="Cambria Math" panose="02040503050406030204" pitchFamily="18" charset="0"/>
+                            </a:rPr>
+                            <m:t>𝐾</m:t>
+                          </m:r>
+                        </m:e>
+                        <m:sub>
+                          <m:r>
+                            <a:rPr lang="de-DE" sz="2800" b="0" i="1" smtClean="0">
+                              <a:latin typeface="Cambria Math" panose="02040503050406030204" pitchFamily="18" charset="0"/>
+                            </a:rPr>
+                            <m:t>𝑃</m:t>
+                          </m:r>
+                        </m:sub>
+                      </m:sSub>
+                    </m:oMath>
+                  </m:oMathPara>
+                </a14:m>
+                <a:endParaRPr lang="de-DE" sz="2800" dirty="0"/>
+              </a:p>
+              <a:p>
+                <a:r>
+                  <a:rPr lang="de-DE" sz="2000" dirty="0"/>
+                  <a:t>(just </a:t>
+                </a:r>
+                <a:r>
+                  <a:rPr lang="de-DE" sz="2000" dirty="0" err="1"/>
+                  <a:t>constant</a:t>
+                </a:r>
+                <a:r>
+                  <a:rPr lang="de-DE" sz="2000" dirty="0"/>
+                  <a:t> </a:t>
+                </a:r>
+                <a:r>
+                  <a:rPr lang="de-DE" sz="2000" dirty="0" err="1"/>
+                  <a:t>gain</a:t>
+                </a:r>
+                <a:r>
+                  <a:rPr lang="de-DE" sz="2000" dirty="0"/>
+                  <a:t>)</a:t>
+                </a:r>
+              </a:p>
+            </p:txBody>
+          </p:sp>
+        </mc:Choice>
+        <mc:Fallback>
+          <p:sp>
+            <p:nvSpPr>
+              <p:cNvPr id="5" name="Textfeld 4">
+                <a:extLst>
+                  <a:ext uri="{FF2B5EF4-FFF2-40B4-BE49-F238E27FC236}">
+                    <a16:creationId xmlns:a16="http://schemas.microsoft.com/office/drawing/2014/main" id="{28CB410D-9FAD-7206-ACD0-1E2E8745F26B}"/>
+                  </a:ext>
+                </a:extLst>
+              </p:cNvPr>
+              <p:cNvSpPr txBox="1">
+                <a:spLocks noRot="1" noChangeAspect="1" noMove="1" noResize="1" noEditPoints="1" noAdjustHandles="1" noChangeArrowheads="1" noChangeShapeType="1" noTextEdit="1"/>
+              </p:cNvSpPr>
+              <p:nvPr/>
+            </p:nvSpPr>
+            <p:spPr>
+              <a:xfrm>
+                <a:off x="2641683" y="3542186"/>
+                <a:ext cx="2297039" cy="1291316"/>
+              </a:xfrm>
+              <a:prstGeom prst="rect">
+                <a:avLst/>
+              </a:prstGeom>
+              <a:blipFill>
+                <a:blip r:embed="rId3"/>
+                <a:stretch>
+                  <a:fillRect l="-2198" r="-2198" b="-7767"/>
+                </a:stretch>
+              </a:blipFill>
+            </p:spPr>
+            <p:txBody>
+              <a:bodyPr/>
+              <a:lstStyle/>
+              <a:p>
+                <a:r>
+                  <a:rPr lang="de-DE">
+                    <a:noFill/>
+                  </a:rPr>
+                  <a:t> </a:t>
+                </a:r>
+              </a:p>
+            </p:txBody>
+          </p:sp>
+        </mc:Fallback>
+      </mc:AlternateContent>
+      <p:cxnSp>
+        <p:nvCxnSpPr>
+          <p:cNvPr id="7" name="Gerade Verbindung mit Pfeil 6">
+            <a:extLst>
+              <a:ext uri="{FF2B5EF4-FFF2-40B4-BE49-F238E27FC236}">
+                <a16:creationId xmlns:a16="http://schemas.microsoft.com/office/drawing/2014/main" id="{7F4C7096-AB42-5118-B62A-789E041A55DB}"/>
+              </a:ext>
+            </a:extLst>
+          </p:cNvPr>
+          <p:cNvCxnSpPr>
+            <a:cxnSpLocks/>
+            <a:stCxn id="5" idx="0"/>
+          </p:cNvCxnSpPr>
+          <p:nvPr/>
+        </p:nvCxnSpPr>
+        <p:spPr>
+          <a:xfrm flipV="1">
+            <a:off x="3790203" y="2752078"/>
+            <a:ext cx="1669564" cy="790108"/>
+          </a:xfrm>
+          <a:prstGeom prst="straightConnector1">
+            <a:avLst/>
+          </a:prstGeom>
+          <a:ln>
+            <a:tailEnd type="triangle"/>
+          </a:ln>
+        </p:spPr>
+        <p:style>
+          <a:lnRef idx="2">
+            <a:schemeClr val="accent1"/>
+          </a:lnRef>
+          <a:fillRef idx="0">
+            <a:schemeClr val="accent1"/>
+          </a:fillRef>
+          <a:effectRef idx="1">
+            <a:schemeClr val="accent1"/>
+          </a:effectRef>
+          <a:fontRef idx="minor">
+            <a:schemeClr val="tx1"/>
+          </a:fontRef>
+        </p:style>
+      </p:cxnSp>
+      <p:cxnSp>
+        <p:nvCxnSpPr>
+          <p:cNvPr id="9" name="Gerade Verbindung mit Pfeil 8">
+            <a:extLst>
+              <a:ext uri="{FF2B5EF4-FFF2-40B4-BE49-F238E27FC236}">
+                <a16:creationId xmlns:a16="http://schemas.microsoft.com/office/drawing/2014/main" id="{9C91B448-2DB0-FA10-80CA-E48FB00AAEB3}"/>
+              </a:ext>
+            </a:extLst>
+          </p:cNvPr>
+          <p:cNvCxnSpPr>
+            <a:cxnSpLocks/>
+            <a:stCxn id="5" idx="0"/>
+          </p:cNvCxnSpPr>
+          <p:nvPr/>
+        </p:nvCxnSpPr>
+        <p:spPr>
+          <a:xfrm flipH="1" flipV="1">
+            <a:off x="2379216" y="2752078"/>
+            <a:ext cx="1410987" cy="790108"/>
+          </a:xfrm>
+          <a:prstGeom prst="straightConnector1">
+            <a:avLst/>
+          </a:prstGeom>
+          <a:ln>
+            <a:tailEnd type="triangle"/>
+          </a:ln>
+        </p:spPr>
+        <p:style>
+          <a:lnRef idx="2">
+            <a:schemeClr val="accent1"/>
+          </a:lnRef>
+          <a:fillRef idx="0">
+            <a:schemeClr val="accent1"/>
+          </a:fillRef>
+          <a:effectRef idx="1">
+            <a:schemeClr val="accent1"/>
+          </a:effectRef>
+          <a:fontRef idx="minor">
+            <a:schemeClr val="tx1"/>
+          </a:fontRef>
+        </p:style>
+      </p:cxnSp>
+      <p:pic>
+        <p:nvPicPr>
+          <p:cNvPr id="11" name="Grafik 10">
+            <a:extLst>
+              <a:ext uri="{FF2B5EF4-FFF2-40B4-BE49-F238E27FC236}">
+                <a16:creationId xmlns:a16="http://schemas.microsoft.com/office/drawing/2014/main" id="{854F6D8F-33C3-5206-9F04-358D921F4CFD}"/>
+              </a:ext>
+            </a:extLst>
+          </p:cNvPr>
+          <p:cNvPicPr>
+            <a:picLocks noChangeAspect="1"/>
+          </p:cNvPicPr>
+          <p:nvPr/>
+        </p:nvPicPr>
+        <p:blipFill>
+          <a:blip r:embed="rId4">
+            <a:extLst>
+              <a:ext uri="{96DAC541-7B7A-43D3-8B79-37D633B846F1}">
+                <asvg:svgBlip xmlns:asvg="http://schemas.microsoft.com/office/drawing/2016/SVG/main" r:embed="rId5"/>
+              </a:ext>
+            </a:extLst>
+          </a:blip>
+          <a:stretch>
+            <a:fillRect/>
+          </a:stretch>
+        </p:blipFill>
+        <p:spPr>
+          <a:xfrm>
+            <a:off x="3238500" y="5299075"/>
+            <a:ext cx="2857500" cy="1422400"/>
+          </a:xfrm>
+          <a:prstGeom prst="rect">
+            <a:avLst/>
+          </a:prstGeom>
+        </p:spPr>
+      </p:pic>
+      <p:pic>
+        <p:nvPicPr>
+          <p:cNvPr id="13" name="Grafik 12" descr="Ein Bild, das Text, Reihe, Screenshot, Diagramm enthält.&#10;&#10;KI-generierte Inhalte können fehlerhaft sein.">
+            <a:extLst>
+              <a:ext uri="{FF2B5EF4-FFF2-40B4-BE49-F238E27FC236}">
+                <a16:creationId xmlns:a16="http://schemas.microsoft.com/office/drawing/2014/main" id="{6C669FE3-5E86-A73C-897E-C9398D30601A}"/>
+              </a:ext>
+            </a:extLst>
+          </p:cNvPr>
+          <p:cNvPicPr>
+            <a:picLocks noChangeAspect="1"/>
+          </p:cNvPicPr>
+          <p:nvPr/>
+        </p:nvPicPr>
+        <p:blipFill>
+          <a:blip r:embed="rId6">
+            <a:extLst>
+              <a:ext uri="{28A0092B-C50C-407E-A947-70E740481C1C}">
+                <a14:useLocalDpi xmlns:a14="http://schemas.microsoft.com/office/drawing/2010/main" val="0"/>
+              </a:ext>
+            </a:extLst>
+          </a:blip>
+          <a:stretch>
+            <a:fillRect/>
+          </a:stretch>
+        </p:blipFill>
+        <p:spPr>
+          <a:xfrm>
+            <a:off x="8096435" y="2416083"/>
+            <a:ext cx="4038235" cy="3031007"/>
+          </a:xfrm>
+          <a:prstGeom prst="rect">
+            <a:avLst/>
+          </a:prstGeom>
+        </p:spPr>
+      </p:pic>
     </p:spTree>
     <p:extLst>
       <p:ext uri="{BB962C8B-B14F-4D97-AF65-F5344CB8AC3E}">
@@ -18824,6 +20117,78 @@
           <a:chExt cx="0" cy="0"/>
         </a:xfrm>
       </p:grpSpPr>
+      <p:pic>
+        <p:nvPicPr>
+          <p:cNvPr id="10" name="Grafik 9" descr="Ein Bild, das Text, Reihe, Diagramm, parallel enthält.&#10;&#10;KI-generierte Inhalte können fehlerhaft sein.">
+            <a:extLst>
+              <a:ext uri="{FF2B5EF4-FFF2-40B4-BE49-F238E27FC236}">
+                <a16:creationId xmlns:a16="http://schemas.microsoft.com/office/drawing/2014/main" id="{16328638-17B9-E945-7F5C-9DBA82BE51D5}"/>
+              </a:ext>
+            </a:extLst>
+          </p:cNvPr>
+          <p:cNvPicPr>
+            <a:picLocks noChangeAspect="1"/>
+          </p:cNvPicPr>
+          <p:nvPr/>
+        </p:nvPicPr>
+        <p:blipFill>
+          <a:blip r:embed="rId2">
+            <a:extLst>
+              <a:ext uri="{28A0092B-C50C-407E-A947-70E740481C1C}">
+                <a14:useLocalDpi xmlns:a14="http://schemas.microsoft.com/office/drawing/2010/main" val="0"/>
+              </a:ext>
+            </a:extLst>
+          </a:blip>
+          <a:stretch>
+            <a:fillRect/>
+          </a:stretch>
+        </p:blipFill>
+        <p:spPr>
+          <a:xfrm>
+            <a:off x="8096434" y="2416082"/>
+            <a:ext cx="4038235" cy="3031008"/>
+          </a:xfrm>
+          <a:prstGeom prst="rect">
+            <a:avLst/>
+          </a:prstGeom>
+        </p:spPr>
+      </p:pic>
+      <p:pic>
+        <p:nvPicPr>
+          <p:cNvPr id="8" name="Grafik 7">
+            <a:extLst>
+              <a:ext uri="{FF2B5EF4-FFF2-40B4-BE49-F238E27FC236}">
+                <a16:creationId xmlns:a16="http://schemas.microsoft.com/office/drawing/2014/main" id="{2FC60166-DC1D-0D47-BD41-5302A569B64E}"/>
+              </a:ext>
+            </a:extLst>
+          </p:cNvPr>
+          <p:cNvPicPr>
+            <a:picLocks noChangeAspect="1"/>
+          </p:cNvPicPr>
+          <p:nvPr/>
+        </p:nvPicPr>
+        <p:blipFill>
+          <a:blip r:embed="rId3">
+            <a:extLst>
+              <a:ext uri="{96DAC541-7B7A-43D3-8B79-37D633B846F1}">
+                <asvg:svgBlip xmlns:asvg="http://schemas.microsoft.com/office/drawing/2016/SVG/main" r:embed="rId4"/>
+              </a:ext>
+            </a:extLst>
+          </a:blip>
+          <a:stretch>
+            <a:fillRect/>
+          </a:stretch>
+        </p:blipFill>
+        <p:spPr>
+          <a:xfrm>
+            <a:off x="3238500" y="5175173"/>
+            <a:ext cx="2857500" cy="1546302"/>
+          </a:xfrm>
+          <a:prstGeom prst="rect">
+            <a:avLst/>
+          </a:prstGeom>
+        </p:spPr>
+      </p:pic>
       <p:sp>
         <p:nvSpPr>
           <p:cNvPr id="2" name="Titel 1">
@@ -18847,36 +20212,550 @@
           <a:p>
             <a:r>
               <a:rPr lang="de-DE" dirty="0"/>
-              <a:t>Integral Element</a:t>
+              <a:t>Integral Element (I)</a:t>
             </a:r>
           </a:p>
         </p:txBody>
       </p:sp>
-      <p:sp>
-        <p:nvSpPr>
-          <p:cNvPr id="3" name="Inhaltsplatzhalter 2">
-            <a:extLst>
-              <a:ext uri="{FF2B5EF4-FFF2-40B4-BE49-F238E27FC236}">
-                <a16:creationId xmlns:a16="http://schemas.microsoft.com/office/drawing/2014/main" id="{67518DA5-C78D-1D5F-305A-38A9EF60E710}"/>
-              </a:ext>
-            </a:extLst>
-          </p:cNvPr>
-          <p:cNvSpPr>
-            <a:spLocks noGrp="1"/>
-          </p:cNvSpPr>
-          <p:nvPr>
-            <p:ph idx="1"/>
-          </p:nvPr>
-        </p:nvSpPr>
-        <p:spPr/>
-        <p:txBody>
-          <a:bodyPr/>
-          <a:lstStyle/>
-          <a:p>
-            <a:endParaRPr lang="de-DE"/>
-          </a:p>
-        </p:txBody>
-      </p:sp>
+      <mc:AlternateContent xmlns:mc="http://schemas.openxmlformats.org/markup-compatibility/2006">
+        <mc:Choice xmlns:a14="http://schemas.microsoft.com/office/drawing/2010/main" Requires="a14">
+          <p:sp>
+            <p:nvSpPr>
+              <p:cNvPr id="3" name="Inhaltsplatzhalter 2">
+                <a:extLst>
+                  <a:ext uri="{FF2B5EF4-FFF2-40B4-BE49-F238E27FC236}">
+                    <a16:creationId xmlns:a16="http://schemas.microsoft.com/office/drawing/2014/main" id="{67518DA5-C78D-1D5F-305A-38A9EF60E710}"/>
+                  </a:ext>
+                </a:extLst>
+              </p:cNvPr>
+              <p:cNvSpPr>
+                <a:spLocks noGrp="1"/>
+              </p:cNvSpPr>
+              <p:nvPr>
+                <p:ph idx="1"/>
+              </p:nvPr>
+            </p:nvSpPr>
+            <p:spPr/>
+            <p:txBody>
+              <a:bodyPr/>
+              <a:lstStyle/>
+              <a:p>
+                <a:pPr marL="0" indent="0">
+                  <a:buNone/>
+                </a:pPr>
+                <a:r>
+                  <a:rPr lang="de-DE" dirty="0"/>
+                  <a:t>Consider </a:t>
+                </a:r>
+                <a14:m>
+                  <m:oMath xmlns:m="http://schemas.openxmlformats.org/officeDocument/2006/math">
+                    <m:r>
+                      <a:rPr lang="de-DE" i="1">
+                        <a:latin typeface="Cambria Math" panose="02040503050406030204" pitchFamily="18" charset="0"/>
+                      </a:rPr>
+                      <m:t>𝑛</m:t>
+                    </m:r>
+                    <m:r>
+                      <a:rPr lang="de-DE" i="1">
+                        <a:latin typeface="Cambria Math" panose="02040503050406030204" pitchFamily="18" charset="0"/>
+                      </a:rPr>
+                      <m:t>=1</m:t>
+                    </m:r>
+                  </m:oMath>
+                </a14:m>
+                <a:r>
+                  <a:rPr lang="de-DE" dirty="0"/>
+                  <a:t>, </a:t>
+                </a:r>
+                <a:r>
+                  <a:rPr lang="de-DE" dirty="0" err="1"/>
+                  <a:t>with</a:t>
+                </a:r>
+                <a:r>
+                  <a:rPr lang="de-DE" dirty="0"/>
+                  <a:t> </a:t>
+                </a:r>
+                <a14:m>
+                  <m:oMath xmlns:m="http://schemas.openxmlformats.org/officeDocument/2006/math">
+                    <m:sSub>
+                      <m:sSubPr>
+                        <m:ctrlPr>
+                          <a:rPr lang="de-DE" i="1" smtClean="0">
+                            <a:latin typeface="Cambria Math" panose="02040503050406030204" pitchFamily="18" charset="0"/>
+                          </a:rPr>
+                        </m:ctrlPr>
+                      </m:sSubPr>
+                      <m:e>
+                        <m:r>
+                          <a:rPr lang="de-DE" b="0" i="1" smtClean="0">
+                            <a:latin typeface="Cambria Math" panose="02040503050406030204" pitchFamily="18" charset="0"/>
+                          </a:rPr>
+                          <m:t>𝑎</m:t>
+                        </m:r>
+                      </m:e>
+                      <m:sub>
+                        <m:r>
+                          <a:rPr lang="de-DE" b="0" i="1" smtClean="0">
+                            <a:latin typeface="Cambria Math" panose="02040503050406030204" pitchFamily="18" charset="0"/>
+                          </a:rPr>
+                          <m:t>0</m:t>
+                        </m:r>
+                      </m:sub>
+                    </m:sSub>
+                    <m:r>
+                      <a:rPr lang="de-DE" b="0" i="1" smtClean="0">
+                        <a:latin typeface="Cambria Math" panose="02040503050406030204" pitchFamily="18" charset="0"/>
+                      </a:rPr>
+                      <m:t>=</m:t>
+                    </m:r>
+                    <m:sSub>
+                      <m:sSubPr>
+                        <m:ctrlPr>
+                          <a:rPr lang="de-DE" b="0" i="1" smtClean="0">
+                            <a:latin typeface="Cambria Math" panose="02040503050406030204" pitchFamily="18" charset="0"/>
+                          </a:rPr>
+                        </m:ctrlPr>
+                      </m:sSubPr>
+                      <m:e>
+                        <m:r>
+                          <a:rPr lang="de-DE" b="0" i="1" smtClean="0">
+                            <a:latin typeface="Cambria Math" panose="02040503050406030204" pitchFamily="18" charset="0"/>
+                          </a:rPr>
+                          <m:t>𝑏</m:t>
+                        </m:r>
+                      </m:e>
+                      <m:sub>
+                        <m:r>
+                          <a:rPr lang="de-DE" b="0" i="1" smtClean="0">
+                            <a:latin typeface="Cambria Math" panose="02040503050406030204" pitchFamily="18" charset="0"/>
+                          </a:rPr>
+                          <m:t>1</m:t>
+                        </m:r>
+                      </m:sub>
+                    </m:sSub>
+                    <m:r>
+                      <a:rPr lang="de-DE" b="0" i="1" smtClean="0">
+                        <a:latin typeface="Cambria Math" panose="02040503050406030204" pitchFamily="18" charset="0"/>
+                      </a:rPr>
+                      <m:t>=0</m:t>
+                    </m:r>
+                  </m:oMath>
+                </a14:m>
+                <a:r>
+                  <a:rPr lang="de-DE" dirty="0"/>
+                  <a:t>:</a:t>
+                </a:r>
+              </a:p>
+              <a:p>
+                <a:pPr marL="0" indent="0">
+                  <a:buNone/>
+                </a:pPr>
+                <a14:m>
+                  <m:oMath xmlns:m="http://schemas.openxmlformats.org/officeDocument/2006/math">
+                    <m:r>
+                      <a:rPr lang="de-DE" i="1">
+                        <a:latin typeface="Cambria Math" panose="02040503050406030204" pitchFamily="18" charset="0"/>
+                      </a:rPr>
+                      <m:t>𝑌</m:t>
+                    </m:r>
+                    <m:d>
+                      <m:dPr>
+                        <m:ctrlPr>
+                          <a:rPr lang="de-DE" i="1">
+                            <a:latin typeface="Cambria Math" panose="02040503050406030204" pitchFamily="18" charset="0"/>
+                          </a:rPr>
+                        </m:ctrlPr>
+                      </m:dPr>
+                      <m:e>
+                        <m:r>
+                          <a:rPr lang="de-DE" i="1">
+                            <a:latin typeface="Cambria Math" panose="02040503050406030204" pitchFamily="18" charset="0"/>
+                          </a:rPr>
+                          <m:t>𝑠</m:t>
+                        </m:r>
+                      </m:e>
+                    </m:d>
+                    <m:r>
+                      <a:rPr lang="de-DE" i="1">
+                        <a:latin typeface="Cambria Math" panose="02040503050406030204" pitchFamily="18" charset="0"/>
+                      </a:rPr>
+                      <m:t>=</m:t>
+                    </m:r>
+                    <m:f>
+                      <m:fPr>
+                        <m:ctrlPr>
+                          <a:rPr lang="de-DE" i="1">
+                            <a:latin typeface="Cambria Math" panose="02040503050406030204" pitchFamily="18" charset="0"/>
+                          </a:rPr>
+                        </m:ctrlPr>
+                      </m:fPr>
+                      <m:num>
+                        <m:sSub>
+                          <m:sSubPr>
+                            <m:ctrlPr>
+                              <a:rPr lang="de-DE" i="1">
+                                <a:latin typeface="Cambria Math" panose="02040503050406030204" pitchFamily="18" charset="0"/>
+                              </a:rPr>
+                            </m:ctrlPr>
+                          </m:sSubPr>
+                          <m:e>
+                            <m:r>
+                              <a:rPr lang="de-DE" i="1">
+                                <a:latin typeface="Cambria Math" panose="02040503050406030204" pitchFamily="18" charset="0"/>
+                              </a:rPr>
+                              <m:t>𝑏</m:t>
+                            </m:r>
+                          </m:e>
+                          <m:sub>
+                            <m:r>
+                              <a:rPr lang="de-DE" i="1">
+                                <a:latin typeface="Cambria Math" panose="02040503050406030204" pitchFamily="18" charset="0"/>
+                              </a:rPr>
+                              <m:t>0</m:t>
+                            </m:r>
+                          </m:sub>
+                        </m:sSub>
+                      </m:num>
+                      <m:den>
+                        <m:sSub>
+                          <m:sSubPr>
+                            <m:ctrlPr>
+                              <a:rPr lang="de-DE" i="1">
+                                <a:latin typeface="Cambria Math" panose="02040503050406030204" pitchFamily="18" charset="0"/>
+                              </a:rPr>
+                            </m:ctrlPr>
+                          </m:sSubPr>
+                          <m:e>
+                            <m:r>
+                              <a:rPr lang="de-DE" i="1">
+                                <a:latin typeface="Cambria Math" panose="02040503050406030204" pitchFamily="18" charset="0"/>
+                              </a:rPr>
+                              <m:t>𝑎</m:t>
+                            </m:r>
+                          </m:e>
+                          <m:sub>
+                            <m:r>
+                              <a:rPr lang="de-DE" b="0" i="1" smtClean="0">
+                                <a:latin typeface="Cambria Math" panose="02040503050406030204" pitchFamily="18" charset="0"/>
+                              </a:rPr>
+                              <m:t>1</m:t>
+                            </m:r>
+                          </m:sub>
+                        </m:sSub>
+                      </m:den>
+                    </m:f>
+                    <m:r>
+                      <a:rPr lang="de-DE" i="1" smtClean="0">
+                        <a:latin typeface="Cambria Math" panose="02040503050406030204" pitchFamily="18" charset="0"/>
+                        <a:ea typeface="Cambria Math" panose="02040503050406030204" pitchFamily="18" charset="0"/>
+                      </a:rPr>
+                      <m:t>∙</m:t>
+                    </m:r>
+                    <m:f>
+                      <m:fPr>
+                        <m:ctrlPr>
+                          <a:rPr lang="de-DE" i="1" smtClean="0">
+                            <a:latin typeface="Cambria Math" panose="02040503050406030204" pitchFamily="18" charset="0"/>
+                            <a:ea typeface="Cambria Math" panose="02040503050406030204" pitchFamily="18" charset="0"/>
+                          </a:rPr>
+                        </m:ctrlPr>
+                      </m:fPr>
+                      <m:num>
+                        <m:r>
+                          <a:rPr lang="de-DE" b="0" i="1" smtClean="0">
+                            <a:latin typeface="Cambria Math" panose="02040503050406030204" pitchFamily="18" charset="0"/>
+                            <a:ea typeface="Cambria Math" panose="02040503050406030204" pitchFamily="18" charset="0"/>
+                          </a:rPr>
+                          <m:t>1</m:t>
+                        </m:r>
+                      </m:num>
+                      <m:den>
+                        <m:r>
+                          <a:rPr lang="de-DE" b="0" i="1" smtClean="0">
+                            <a:latin typeface="Cambria Math" panose="02040503050406030204" pitchFamily="18" charset="0"/>
+                            <a:ea typeface="Cambria Math" panose="02040503050406030204" pitchFamily="18" charset="0"/>
+                          </a:rPr>
+                          <m:t>𝑠</m:t>
+                        </m:r>
+                      </m:den>
+                    </m:f>
+                    <m:r>
+                      <a:rPr lang="de-DE" i="1" smtClean="0">
+                        <a:latin typeface="Cambria Math" panose="02040503050406030204" pitchFamily="18" charset="0"/>
+                        <a:ea typeface="Cambria Math" panose="02040503050406030204" pitchFamily="18" charset="0"/>
+                      </a:rPr>
+                      <m:t>∙</m:t>
+                    </m:r>
+                    <m:r>
+                      <a:rPr lang="de-DE" i="1">
+                        <a:latin typeface="Cambria Math" panose="02040503050406030204" pitchFamily="18" charset="0"/>
+                      </a:rPr>
+                      <m:t>𝑈</m:t>
+                    </m:r>
+                    <m:r>
+                      <a:rPr lang="de-DE" i="1">
+                        <a:latin typeface="Cambria Math" panose="02040503050406030204" pitchFamily="18" charset="0"/>
+                      </a:rPr>
+                      <m:t>(</m:t>
+                    </m:r>
+                    <m:r>
+                      <a:rPr lang="de-DE" i="1">
+                        <a:latin typeface="Cambria Math" panose="02040503050406030204" pitchFamily="18" charset="0"/>
+                      </a:rPr>
+                      <m:t>𝑠</m:t>
+                    </m:r>
+                    <m:r>
+                      <a:rPr lang="de-DE" i="1">
+                        <a:latin typeface="Cambria Math" panose="02040503050406030204" pitchFamily="18" charset="0"/>
+                      </a:rPr>
+                      <m:t>)</m:t>
+                    </m:r>
+                  </m:oMath>
+                </a14:m>
+                <a:r>
+                  <a:rPr lang="de-DE" dirty="0"/>
+                  <a:t>     </a:t>
+                </a:r>
+                <a:r>
+                  <a:rPr lang="de-DE" dirty="0" err="1"/>
+                  <a:t>or</a:t>
+                </a:r>
+                <a:r>
+                  <a:rPr lang="de-DE" dirty="0"/>
+                  <a:t>     </a:t>
+                </a:r>
+                <a14:m>
+                  <m:oMath xmlns:m="http://schemas.openxmlformats.org/officeDocument/2006/math">
+                    <m:f>
+                      <m:fPr>
+                        <m:ctrlPr>
+                          <a:rPr lang="de-DE" i="1" smtClean="0">
+                            <a:latin typeface="Cambria Math" panose="02040503050406030204" pitchFamily="18" charset="0"/>
+                          </a:rPr>
+                        </m:ctrlPr>
+                      </m:fPr>
+                      <m:num>
+                        <m:r>
+                          <a:rPr lang="de-DE" b="0" i="1" smtClean="0">
+                            <a:latin typeface="Cambria Math" panose="02040503050406030204" pitchFamily="18" charset="0"/>
+                          </a:rPr>
+                          <m:t>𝑑</m:t>
+                        </m:r>
+                        <m:r>
+                          <a:rPr lang="de-DE" i="1">
+                            <a:latin typeface="Cambria Math" panose="02040503050406030204" pitchFamily="18" charset="0"/>
+                          </a:rPr>
+                          <m:t>𝑦</m:t>
+                        </m:r>
+                        <m:d>
+                          <m:dPr>
+                            <m:ctrlPr>
+                              <a:rPr lang="de-DE" i="1">
+                                <a:latin typeface="Cambria Math" panose="02040503050406030204" pitchFamily="18" charset="0"/>
+                              </a:rPr>
+                            </m:ctrlPr>
+                          </m:dPr>
+                          <m:e>
+                            <m:r>
+                              <a:rPr lang="de-DE" i="1">
+                                <a:latin typeface="Cambria Math" panose="02040503050406030204" pitchFamily="18" charset="0"/>
+                              </a:rPr>
+                              <m:t>𝑡</m:t>
+                            </m:r>
+                          </m:e>
+                        </m:d>
+                      </m:num>
+                      <m:den>
+                        <m:r>
+                          <a:rPr lang="de-DE" b="0" i="1" smtClean="0">
+                            <a:latin typeface="Cambria Math" panose="02040503050406030204" pitchFamily="18" charset="0"/>
+                          </a:rPr>
+                          <m:t>𝑑𝑡</m:t>
+                        </m:r>
+                      </m:den>
+                    </m:f>
+                    <m:r>
+                      <a:rPr lang="de-DE" i="1">
+                        <a:latin typeface="Cambria Math" panose="02040503050406030204" pitchFamily="18" charset="0"/>
+                      </a:rPr>
+                      <m:t>=</m:t>
+                    </m:r>
+                    <m:f>
+                      <m:fPr>
+                        <m:ctrlPr>
+                          <a:rPr lang="de-DE" i="1">
+                            <a:latin typeface="Cambria Math" panose="02040503050406030204" pitchFamily="18" charset="0"/>
+                          </a:rPr>
+                        </m:ctrlPr>
+                      </m:fPr>
+                      <m:num>
+                        <m:sSub>
+                          <m:sSubPr>
+                            <m:ctrlPr>
+                              <a:rPr lang="de-DE" i="1">
+                                <a:latin typeface="Cambria Math" panose="02040503050406030204" pitchFamily="18" charset="0"/>
+                              </a:rPr>
+                            </m:ctrlPr>
+                          </m:sSubPr>
+                          <m:e>
+                            <m:r>
+                              <a:rPr lang="de-DE" i="1">
+                                <a:latin typeface="Cambria Math" panose="02040503050406030204" pitchFamily="18" charset="0"/>
+                              </a:rPr>
+                              <m:t>𝑏</m:t>
+                            </m:r>
+                          </m:e>
+                          <m:sub>
+                            <m:r>
+                              <a:rPr lang="de-DE" i="1">
+                                <a:latin typeface="Cambria Math" panose="02040503050406030204" pitchFamily="18" charset="0"/>
+                              </a:rPr>
+                              <m:t>0</m:t>
+                            </m:r>
+                          </m:sub>
+                        </m:sSub>
+                      </m:num>
+                      <m:den>
+                        <m:sSub>
+                          <m:sSubPr>
+                            <m:ctrlPr>
+                              <a:rPr lang="de-DE" i="1">
+                                <a:latin typeface="Cambria Math" panose="02040503050406030204" pitchFamily="18" charset="0"/>
+                              </a:rPr>
+                            </m:ctrlPr>
+                          </m:sSubPr>
+                          <m:e>
+                            <m:r>
+                              <a:rPr lang="de-DE" i="1">
+                                <a:latin typeface="Cambria Math" panose="02040503050406030204" pitchFamily="18" charset="0"/>
+                              </a:rPr>
+                              <m:t>𝑎</m:t>
+                            </m:r>
+                          </m:e>
+                          <m:sub>
+                            <m:r>
+                              <a:rPr lang="de-DE" b="0" i="1" smtClean="0">
+                                <a:latin typeface="Cambria Math" panose="02040503050406030204" pitchFamily="18" charset="0"/>
+                              </a:rPr>
+                              <m:t>1</m:t>
+                            </m:r>
+                          </m:sub>
+                        </m:sSub>
+                      </m:den>
+                    </m:f>
+                    <m:r>
+                      <a:rPr lang="de-DE" i="1">
+                        <a:latin typeface="Cambria Math" panose="02040503050406030204" pitchFamily="18" charset="0"/>
+                        <a:ea typeface="Cambria Math" panose="02040503050406030204" pitchFamily="18" charset="0"/>
+                      </a:rPr>
+                      <m:t>∙</m:t>
+                    </m:r>
+                    <m:f>
+                      <m:fPr>
+                        <m:ctrlPr>
+                          <a:rPr lang="de-DE" i="1">
+                            <a:latin typeface="Cambria Math" panose="02040503050406030204" pitchFamily="18" charset="0"/>
+                            <a:ea typeface="Cambria Math" panose="02040503050406030204" pitchFamily="18" charset="0"/>
+                          </a:rPr>
+                        </m:ctrlPr>
+                      </m:fPr>
+                      <m:num>
+                        <m:r>
+                          <a:rPr lang="de-DE" i="1">
+                            <a:latin typeface="Cambria Math" panose="02040503050406030204" pitchFamily="18" charset="0"/>
+                            <a:ea typeface="Cambria Math" panose="02040503050406030204" pitchFamily="18" charset="0"/>
+                          </a:rPr>
+                          <m:t>1</m:t>
+                        </m:r>
+                      </m:num>
+                      <m:den>
+                        <m:r>
+                          <a:rPr lang="de-DE" i="1">
+                            <a:latin typeface="Cambria Math" panose="02040503050406030204" pitchFamily="18" charset="0"/>
+                            <a:ea typeface="Cambria Math" panose="02040503050406030204" pitchFamily="18" charset="0"/>
+                          </a:rPr>
+                          <m:t>𝑠</m:t>
+                        </m:r>
+                      </m:den>
+                    </m:f>
+                    <m:r>
+                      <a:rPr lang="de-DE" i="1" smtClean="0">
+                        <a:latin typeface="Cambria Math" panose="02040503050406030204" pitchFamily="18" charset="0"/>
+                        <a:ea typeface="Cambria Math" panose="02040503050406030204" pitchFamily="18" charset="0"/>
+                      </a:rPr>
+                      <m:t>∙</m:t>
+                    </m:r>
+                    <m:r>
+                      <a:rPr lang="de-DE" i="1">
+                        <a:latin typeface="Cambria Math" panose="02040503050406030204" pitchFamily="18" charset="0"/>
+                      </a:rPr>
+                      <m:t>𝑢</m:t>
+                    </m:r>
+                    <m:r>
+                      <a:rPr lang="de-DE" i="1">
+                        <a:latin typeface="Cambria Math" panose="02040503050406030204" pitchFamily="18" charset="0"/>
+                      </a:rPr>
+                      <m:t>(</m:t>
+                    </m:r>
+                    <m:r>
+                      <a:rPr lang="de-DE" i="1">
+                        <a:latin typeface="Cambria Math" panose="02040503050406030204" pitchFamily="18" charset="0"/>
+                      </a:rPr>
+                      <m:t>𝑡</m:t>
+                    </m:r>
+                    <m:r>
+                      <a:rPr lang="de-DE" i="1">
+                        <a:latin typeface="Cambria Math" panose="02040503050406030204" pitchFamily="18" charset="0"/>
+                      </a:rPr>
+                      <m:t>)</m:t>
+                    </m:r>
+                  </m:oMath>
+                </a14:m>
+                <a:endParaRPr lang="de-DE" dirty="0"/>
+              </a:p>
+            </p:txBody>
+          </p:sp>
+        </mc:Choice>
+        <mc:Fallback>
+          <p:sp>
+            <p:nvSpPr>
+              <p:cNvPr id="3" name="Inhaltsplatzhalter 2">
+                <a:extLst>
+                  <a:ext uri="{FF2B5EF4-FFF2-40B4-BE49-F238E27FC236}">
+                    <a16:creationId xmlns:a16="http://schemas.microsoft.com/office/drawing/2014/main" id="{67518DA5-C78D-1D5F-305A-38A9EF60E710}"/>
+                  </a:ext>
+                </a:extLst>
+              </p:cNvPr>
+              <p:cNvSpPr>
+                <a:spLocks noGrp="1" noRot="1" noChangeAspect="1" noMove="1" noResize="1" noEditPoints="1" noAdjustHandles="1" noChangeArrowheads="1" noChangeShapeType="1" noTextEdit="1"/>
+              </p:cNvSpPr>
+              <p:nvPr>
+                <p:ph idx="1"/>
+              </p:nvPr>
+            </p:nvSpPr>
+            <p:spPr>
+              <a:blipFill>
+                <a:blip r:embed="rId5"/>
+                <a:stretch>
+                  <a:fillRect l="-1206" t="-2326"/>
+                </a:stretch>
+              </a:blipFill>
+            </p:spPr>
+            <p:txBody>
+              <a:bodyPr/>
+              <a:lstStyle/>
+              <a:p>
+                <a:r>
+                  <a:rPr lang="de-DE">
+                    <a:noFill/>
+                  </a:rPr>
+                  <a:t> </a:t>
+                </a:r>
+              </a:p>
+            </p:txBody>
+          </p:sp>
+        </mc:Fallback>
+      </mc:AlternateContent>
       <p:sp>
         <p:nvSpPr>
           <p:cNvPr id="4" name="Foliennummernplatzhalter 3">
@@ -18906,6 +20785,513 @@
           </a:p>
         </p:txBody>
       </p:sp>
+      <mc:AlternateContent xmlns:mc="http://schemas.openxmlformats.org/markup-compatibility/2006">
+        <mc:Choice xmlns:a14="http://schemas.microsoft.com/office/drawing/2010/main" Requires="a14">
+          <p:sp>
+            <p:nvSpPr>
+              <p:cNvPr id="11" name="Textfeld 10">
+                <a:extLst>
+                  <a:ext uri="{FF2B5EF4-FFF2-40B4-BE49-F238E27FC236}">
+                    <a16:creationId xmlns:a16="http://schemas.microsoft.com/office/drawing/2014/main" id="{A4C93CD5-4692-2EC1-FE0A-DDC2A64BB955}"/>
+                  </a:ext>
+                </a:extLst>
+              </p:cNvPr>
+              <p:cNvSpPr txBox="1"/>
+              <p:nvPr/>
+            </p:nvSpPr>
+            <p:spPr>
+              <a:xfrm>
+                <a:off x="1764672" y="3566840"/>
+                <a:ext cx="4661789" cy="1288623"/>
+              </a:xfrm>
+              <a:prstGeom prst="rect">
+                <a:avLst/>
+              </a:prstGeom>
+              <a:noFill/>
+            </p:spPr>
+            <p:txBody>
+              <a:bodyPr wrap="none" rtlCol="0">
+                <a:spAutoFit/>
+              </a:bodyPr>
+              <a:lstStyle/>
+              <a:p>
+                <a14:m>
+                  <m:oMathPara xmlns:m="http://schemas.openxmlformats.org/officeDocument/2006/math">
+                    <m:oMathParaPr>
+                      <m:jc m:val="centerGroup"/>
+                    </m:oMathParaPr>
+                    <m:oMath xmlns:m="http://schemas.openxmlformats.org/officeDocument/2006/math">
+                      <m:f>
+                        <m:fPr>
+                          <m:ctrlPr>
+                            <a:rPr lang="de-DE" sz="2800" i="1" smtClean="0">
+                              <a:latin typeface="Cambria Math" panose="02040503050406030204" pitchFamily="18" charset="0"/>
+                            </a:rPr>
+                          </m:ctrlPr>
+                        </m:fPr>
+                        <m:num>
+                          <m:sSub>
+                            <m:sSubPr>
+                              <m:ctrlPr>
+                                <a:rPr lang="de-DE" sz="2800" i="1">
+                                  <a:latin typeface="Cambria Math" panose="02040503050406030204" pitchFamily="18" charset="0"/>
+                                </a:rPr>
+                              </m:ctrlPr>
+                            </m:sSubPr>
+                            <m:e>
+                              <m:r>
+                                <a:rPr lang="de-DE" sz="2800" i="1">
+                                  <a:latin typeface="Cambria Math" panose="02040503050406030204" pitchFamily="18" charset="0"/>
+                                </a:rPr>
+                                <m:t>𝑏</m:t>
+                              </m:r>
+                            </m:e>
+                            <m:sub>
+                              <m:r>
+                                <a:rPr lang="de-DE" sz="2800" i="1">
+                                  <a:latin typeface="Cambria Math" panose="02040503050406030204" pitchFamily="18" charset="0"/>
+                                </a:rPr>
+                                <m:t>0</m:t>
+                              </m:r>
+                            </m:sub>
+                          </m:sSub>
+                        </m:num>
+                        <m:den>
+                          <m:sSub>
+                            <m:sSubPr>
+                              <m:ctrlPr>
+                                <a:rPr lang="de-DE" sz="2800" i="1">
+                                  <a:latin typeface="Cambria Math" panose="02040503050406030204" pitchFamily="18" charset="0"/>
+                                </a:rPr>
+                              </m:ctrlPr>
+                            </m:sSubPr>
+                            <m:e>
+                              <m:r>
+                                <a:rPr lang="de-DE" sz="2800" i="1">
+                                  <a:latin typeface="Cambria Math" panose="02040503050406030204" pitchFamily="18" charset="0"/>
+                                </a:rPr>
+                                <m:t>𝑎</m:t>
+                              </m:r>
+                            </m:e>
+                            <m:sub>
+                              <m:r>
+                                <a:rPr lang="de-DE" sz="2800" i="1">
+                                  <a:latin typeface="Cambria Math" panose="02040503050406030204" pitchFamily="18" charset="0"/>
+                                </a:rPr>
+                                <m:t>1</m:t>
+                              </m:r>
+                            </m:sub>
+                          </m:sSub>
+                        </m:den>
+                      </m:f>
+                      <m:r>
+                        <a:rPr lang="de-DE" sz="2800" b="0" i="1" smtClean="0">
+                          <a:latin typeface="Cambria Math" panose="02040503050406030204" pitchFamily="18" charset="0"/>
+                        </a:rPr>
+                        <m:t>=</m:t>
+                      </m:r>
+                      <m:sSub>
+                        <m:sSubPr>
+                          <m:ctrlPr>
+                            <a:rPr lang="de-DE" sz="2800" b="0" i="1" smtClean="0">
+                              <a:latin typeface="Cambria Math" panose="02040503050406030204" pitchFamily="18" charset="0"/>
+                            </a:rPr>
+                          </m:ctrlPr>
+                        </m:sSubPr>
+                        <m:e>
+                          <m:r>
+                            <a:rPr lang="de-DE" sz="2800" b="0" i="1" smtClean="0">
+                              <a:latin typeface="Cambria Math" panose="02040503050406030204" pitchFamily="18" charset="0"/>
+                            </a:rPr>
+                            <m:t>𝐾</m:t>
+                          </m:r>
+                        </m:e>
+                        <m:sub>
+                          <m:r>
+                            <a:rPr lang="de-DE" sz="2800" b="0" i="1" smtClean="0">
+                              <a:latin typeface="Cambria Math" panose="02040503050406030204" pitchFamily="18" charset="0"/>
+                            </a:rPr>
+                            <m:t>𝐼</m:t>
+                          </m:r>
+                        </m:sub>
+                      </m:sSub>
+                      <m:r>
+                        <a:rPr lang="de-DE" sz="2800" b="0" i="1" smtClean="0">
+                          <a:latin typeface="Cambria Math" panose="02040503050406030204" pitchFamily="18" charset="0"/>
+                        </a:rPr>
+                        <m:t>=</m:t>
+                      </m:r>
+                      <m:f>
+                        <m:fPr>
+                          <m:type m:val="skw"/>
+                          <m:ctrlPr>
+                            <a:rPr lang="de-DE" sz="2800" b="0" i="1" smtClean="0">
+                              <a:latin typeface="Cambria Math" panose="02040503050406030204" pitchFamily="18" charset="0"/>
+                            </a:rPr>
+                          </m:ctrlPr>
+                        </m:fPr>
+                        <m:num>
+                          <m:r>
+                            <a:rPr lang="de-DE" sz="2800" b="0" i="1" smtClean="0">
+                              <a:latin typeface="Cambria Math" panose="02040503050406030204" pitchFamily="18" charset="0"/>
+                            </a:rPr>
+                            <m:t>1</m:t>
+                          </m:r>
+                        </m:num>
+                        <m:den>
+                          <m:sSub>
+                            <m:sSubPr>
+                              <m:ctrlPr>
+                                <a:rPr lang="de-DE" sz="2800" b="0" i="1" smtClean="0">
+                                  <a:latin typeface="Cambria Math" panose="02040503050406030204" pitchFamily="18" charset="0"/>
+                                </a:rPr>
+                              </m:ctrlPr>
+                            </m:sSubPr>
+                            <m:e>
+                              <m:r>
+                                <a:rPr lang="de-DE" sz="2800" b="0" i="1" smtClean="0">
+                                  <a:latin typeface="Cambria Math" panose="02040503050406030204" pitchFamily="18" charset="0"/>
+                                </a:rPr>
+                                <m:t>𝑇</m:t>
+                              </m:r>
+                            </m:e>
+                            <m:sub>
+                              <m:r>
+                                <a:rPr lang="de-DE" sz="2800" b="0" i="1" smtClean="0">
+                                  <a:latin typeface="Cambria Math" panose="02040503050406030204" pitchFamily="18" charset="0"/>
+                                </a:rPr>
+                                <m:t>𝐼</m:t>
+                              </m:r>
+                            </m:sub>
+                          </m:sSub>
+                        </m:den>
+                      </m:f>
+                    </m:oMath>
+                  </m:oMathPara>
+                </a14:m>
+                <a:endParaRPr lang="de-DE" sz="2800" dirty="0"/>
+              </a:p>
+              <a:p>
+                <a:r>
+                  <a:rPr lang="de-DE" sz="2000" dirty="0"/>
+                  <a:t>(</a:t>
+                </a:r>
+                <a:r>
+                  <a:rPr lang="de-DE" sz="2000" dirty="0" err="1"/>
+                  <a:t>integrator</a:t>
+                </a:r>
+                <a:r>
+                  <a:rPr lang="de-DE" sz="2000" dirty="0"/>
+                  <a:t> </a:t>
+                </a:r>
+                <a:r>
+                  <a:rPr lang="de-DE" sz="2000" dirty="0" err="1"/>
+                  <a:t>gain</a:t>
+                </a:r>
+                <a:r>
+                  <a:rPr lang="de-DE" sz="2000" dirty="0"/>
+                  <a:t> </a:t>
+                </a:r>
+                <a:r>
+                  <a:rPr lang="de-DE" sz="2000" dirty="0" err="1"/>
+                  <a:t>or</a:t>
+                </a:r>
+                <a:r>
+                  <a:rPr lang="de-DE" sz="2000" dirty="0"/>
+                  <a:t> integral time </a:t>
+                </a:r>
+                <a:r>
+                  <a:rPr lang="de-DE" sz="2000" dirty="0" err="1"/>
+                  <a:t>constant</a:t>
+                </a:r>
+                <a:r>
+                  <a:rPr lang="de-DE" sz="2000" dirty="0"/>
+                  <a:t>)</a:t>
+                </a:r>
+              </a:p>
+            </p:txBody>
+          </p:sp>
+        </mc:Choice>
+        <mc:Fallback>
+          <p:sp>
+            <p:nvSpPr>
+              <p:cNvPr id="11" name="Textfeld 10">
+                <a:extLst>
+                  <a:ext uri="{FF2B5EF4-FFF2-40B4-BE49-F238E27FC236}">
+                    <a16:creationId xmlns:a16="http://schemas.microsoft.com/office/drawing/2014/main" id="{A4C93CD5-4692-2EC1-FE0A-DDC2A64BB955}"/>
+                  </a:ext>
+                </a:extLst>
+              </p:cNvPr>
+              <p:cNvSpPr txBox="1">
+                <a:spLocks noRot="1" noChangeAspect="1" noMove="1" noResize="1" noEditPoints="1" noAdjustHandles="1" noChangeArrowheads="1" noChangeShapeType="1" noTextEdit="1"/>
+              </p:cNvSpPr>
+              <p:nvPr/>
+            </p:nvSpPr>
+            <p:spPr>
+              <a:xfrm>
+                <a:off x="1764672" y="3566840"/>
+                <a:ext cx="4661789" cy="1288623"/>
+              </a:xfrm>
+              <a:prstGeom prst="rect">
+                <a:avLst/>
+              </a:prstGeom>
+              <a:blipFill>
+                <a:blip r:embed="rId6"/>
+                <a:stretch>
+                  <a:fillRect l="-1359" t="-51456" r="-543" b="-66990"/>
+                </a:stretch>
+              </a:blipFill>
+            </p:spPr>
+            <p:txBody>
+              <a:bodyPr/>
+              <a:lstStyle/>
+              <a:p>
+                <a:r>
+                  <a:rPr lang="de-DE">
+                    <a:noFill/>
+                  </a:rPr>
+                  <a:t> </a:t>
+                </a:r>
+              </a:p>
+            </p:txBody>
+          </p:sp>
+        </mc:Fallback>
+      </mc:AlternateContent>
+      <p:cxnSp>
+        <p:nvCxnSpPr>
+          <p:cNvPr id="12" name="Gerade Verbindung mit Pfeil 11">
+            <a:extLst>
+              <a:ext uri="{FF2B5EF4-FFF2-40B4-BE49-F238E27FC236}">
+                <a16:creationId xmlns:a16="http://schemas.microsoft.com/office/drawing/2014/main" id="{A40568D5-0F39-482C-88A4-EFBCBE335A0B}"/>
+              </a:ext>
+            </a:extLst>
+          </p:cNvPr>
+          <p:cNvCxnSpPr>
+            <a:cxnSpLocks/>
+            <a:stCxn id="11" idx="0"/>
+          </p:cNvCxnSpPr>
+          <p:nvPr/>
+        </p:nvCxnSpPr>
+        <p:spPr>
+          <a:xfrm flipV="1">
+            <a:off x="4095567" y="2769833"/>
+            <a:ext cx="1781450" cy="797007"/>
+          </a:xfrm>
+          <a:prstGeom prst="straightConnector1">
+            <a:avLst/>
+          </a:prstGeom>
+          <a:ln>
+            <a:tailEnd type="triangle"/>
+          </a:ln>
+        </p:spPr>
+        <p:style>
+          <a:lnRef idx="2">
+            <a:schemeClr val="accent1"/>
+          </a:lnRef>
+          <a:fillRef idx="0">
+            <a:schemeClr val="accent1"/>
+          </a:fillRef>
+          <a:effectRef idx="1">
+            <a:schemeClr val="accent1"/>
+          </a:effectRef>
+          <a:fontRef idx="minor">
+            <a:schemeClr val="tx1"/>
+          </a:fontRef>
+        </p:style>
+      </p:cxnSp>
+      <p:cxnSp>
+        <p:nvCxnSpPr>
+          <p:cNvPr id="13" name="Gerade Verbindung mit Pfeil 12">
+            <a:extLst>
+              <a:ext uri="{FF2B5EF4-FFF2-40B4-BE49-F238E27FC236}">
+                <a16:creationId xmlns:a16="http://schemas.microsoft.com/office/drawing/2014/main" id="{428CE99F-E88B-F3F5-7A36-6AB221F2BA97}"/>
+              </a:ext>
+            </a:extLst>
+          </p:cNvPr>
+          <p:cNvCxnSpPr>
+            <a:cxnSpLocks/>
+            <a:stCxn id="11" idx="0"/>
+          </p:cNvCxnSpPr>
+          <p:nvPr/>
+        </p:nvCxnSpPr>
+        <p:spPr>
+          <a:xfrm flipH="1" flipV="1">
+            <a:off x="2432482" y="2929631"/>
+            <a:ext cx="1663085" cy="637209"/>
+          </a:xfrm>
+          <a:prstGeom prst="straightConnector1">
+            <a:avLst/>
+          </a:prstGeom>
+          <a:ln>
+            <a:tailEnd type="triangle"/>
+          </a:ln>
+        </p:spPr>
+        <p:style>
+          <a:lnRef idx="2">
+            <a:schemeClr val="accent1"/>
+          </a:lnRef>
+          <a:fillRef idx="0">
+            <a:schemeClr val="accent1"/>
+          </a:fillRef>
+          <a:effectRef idx="1">
+            <a:schemeClr val="accent1"/>
+          </a:effectRef>
+          <a:fontRef idx="minor">
+            <a:schemeClr val="tx1"/>
+          </a:fontRef>
+        </p:style>
+      </p:cxnSp>
+      <mc:AlternateContent xmlns:mc="http://schemas.openxmlformats.org/markup-compatibility/2006">
+        <mc:Choice xmlns:a14="http://schemas.microsoft.com/office/drawing/2010/main" Requires="a14">
+          <p:sp>
+            <p:nvSpPr>
+              <p:cNvPr id="17" name="Textfeld 16">
+                <a:extLst>
+                  <a:ext uri="{FF2B5EF4-FFF2-40B4-BE49-F238E27FC236}">
+                    <a16:creationId xmlns:a16="http://schemas.microsoft.com/office/drawing/2014/main" id="{67D85998-381F-16A6-B6F9-5C6C85432CB6}"/>
+                  </a:ext>
+                </a:extLst>
+              </p:cNvPr>
+              <p:cNvSpPr txBox="1"/>
+              <p:nvPr/>
+            </p:nvSpPr>
+            <p:spPr>
+              <a:xfrm>
+                <a:off x="8336132" y="1563784"/>
+                <a:ext cx="2147832" cy="523220"/>
+              </a:xfrm>
+              <a:prstGeom prst="rect">
+                <a:avLst/>
+              </a:prstGeom>
+              <a:noFill/>
+              <a:ln>
+                <a:solidFill>
+                  <a:schemeClr val="tx1"/>
+                </a:solidFill>
+              </a:ln>
+            </p:spPr>
+            <p:txBody>
+              <a:bodyPr wrap="none" rtlCol="0">
+                <a:spAutoFit/>
+              </a:bodyPr>
+              <a:lstStyle/>
+              <a:p>
+                <a:r>
+                  <a:rPr lang="de-DE" sz="2800" dirty="0"/>
+                  <a:t>Pole at </a:t>
+                </a:r>
+                <a14:m>
+                  <m:oMath xmlns:m="http://schemas.openxmlformats.org/officeDocument/2006/math">
+                    <m:r>
+                      <a:rPr lang="de-DE" sz="2800" b="0" i="1" smtClean="0">
+                        <a:latin typeface="Cambria Math" panose="02040503050406030204" pitchFamily="18" charset="0"/>
+                      </a:rPr>
+                      <m:t>𝑠</m:t>
+                    </m:r>
+                    <m:r>
+                      <a:rPr lang="de-DE" sz="2800" b="0" i="1" smtClean="0">
+                        <a:latin typeface="Cambria Math" panose="02040503050406030204" pitchFamily="18" charset="0"/>
+                      </a:rPr>
+                      <m:t>=0</m:t>
+                    </m:r>
+                  </m:oMath>
+                </a14:m>
+                <a:endParaRPr lang="de-DE" sz="2800" dirty="0"/>
+              </a:p>
+            </p:txBody>
+          </p:sp>
+        </mc:Choice>
+        <mc:Fallback>
+          <p:sp>
+            <p:nvSpPr>
+              <p:cNvPr id="17" name="Textfeld 16">
+                <a:extLst>
+                  <a:ext uri="{FF2B5EF4-FFF2-40B4-BE49-F238E27FC236}">
+                    <a16:creationId xmlns:a16="http://schemas.microsoft.com/office/drawing/2014/main" id="{67D85998-381F-16A6-B6F9-5C6C85432CB6}"/>
+                  </a:ext>
+                </a:extLst>
+              </p:cNvPr>
+              <p:cNvSpPr txBox="1">
+                <a:spLocks noRot="1" noChangeAspect="1" noMove="1" noResize="1" noEditPoints="1" noAdjustHandles="1" noChangeArrowheads="1" noChangeShapeType="1" noTextEdit="1"/>
+              </p:cNvSpPr>
+              <p:nvPr/>
+            </p:nvSpPr>
+            <p:spPr>
+              <a:xfrm>
+                <a:off x="8336132" y="1563784"/>
+                <a:ext cx="2147832" cy="523220"/>
+              </a:xfrm>
+              <a:prstGeom prst="rect">
+                <a:avLst/>
+              </a:prstGeom>
+              <a:blipFill>
+                <a:blip r:embed="rId7"/>
+                <a:stretch>
+                  <a:fillRect l="-5233" t="-9302" b="-32558"/>
+                </a:stretch>
+              </a:blipFill>
+              <a:ln>
+                <a:solidFill>
+                  <a:schemeClr val="tx1"/>
+                </a:solidFill>
+              </a:ln>
+            </p:spPr>
+            <p:txBody>
+              <a:bodyPr/>
+              <a:lstStyle/>
+              <a:p>
+                <a:r>
+                  <a:rPr lang="de-DE">
+                    <a:noFill/>
+                  </a:rPr>
+                  <a:t> </a:t>
+                </a:r>
+              </a:p>
+            </p:txBody>
+          </p:sp>
+        </mc:Fallback>
+      </mc:AlternateContent>
+      <p:cxnSp>
+        <p:nvCxnSpPr>
+          <p:cNvPr id="19" name="Gerade Verbindung mit Pfeil 18">
+            <a:extLst>
+              <a:ext uri="{FF2B5EF4-FFF2-40B4-BE49-F238E27FC236}">
+                <a16:creationId xmlns:a16="http://schemas.microsoft.com/office/drawing/2014/main" id="{EC2E99EA-1642-8B6E-5FED-01B4A3DBED2F}"/>
+              </a:ext>
+            </a:extLst>
+          </p:cNvPr>
+          <p:cNvCxnSpPr>
+            <a:stCxn id="17" idx="1"/>
+          </p:cNvCxnSpPr>
+          <p:nvPr/>
+        </p:nvCxnSpPr>
+        <p:spPr>
+          <a:xfrm flipH="1">
+            <a:off x="6773662" y="1825394"/>
+            <a:ext cx="1562470" cy="678109"/>
+          </a:xfrm>
+          <a:prstGeom prst="straightConnector1">
+            <a:avLst/>
+          </a:prstGeom>
+          <a:ln>
+            <a:tailEnd type="triangle"/>
+          </a:ln>
+        </p:spPr>
+        <p:style>
+          <a:lnRef idx="2">
+            <a:schemeClr val="accent1"/>
+          </a:lnRef>
+          <a:fillRef idx="0">
+            <a:schemeClr val="accent1"/>
+          </a:fillRef>
+          <a:effectRef idx="1">
+            <a:schemeClr val="accent1"/>
+          </a:effectRef>
+          <a:fontRef idx="minor">
+            <a:schemeClr val="tx1"/>
+          </a:fontRef>
+        </p:style>
+      </p:cxnSp>
     </p:spTree>
     <p:extLst>
       <p:ext uri="{BB962C8B-B14F-4D97-AF65-F5344CB8AC3E}">
@@ -19123,7 +21509,7 @@
           <a:p>
             <a:r>
               <a:rPr lang="de-DE" dirty="0"/>
-              <a:t>First-Order Lag Element</a:t>
+              <a:t>First-Order Lag Element (PT1)</a:t>
             </a:r>
           </a:p>
         </p:txBody>
@@ -19149,7 +21535,10 @@
           <a:bodyPr/>
           <a:lstStyle/>
           <a:p>
-            <a:endParaRPr lang="de-DE"/>
+            <a:r>
+              <a:rPr lang="de-DE" dirty="0"/>
+              <a:t>…</a:t>
+            </a:r>
           </a:p>
         </p:txBody>
       </p:sp>
@@ -19182,6 +21571,78 @@
           </a:p>
         </p:txBody>
       </p:sp>
+      <p:pic>
+        <p:nvPicPr>
+          <p:cNvPr id="6" name="Grafik 5">
+            <a:extLst>
+              <a:ext uri="{FF2B5EF4-FFF2-40B4-BE49-F238E27FC236}">
+                <a16:creationId xmlns:a16="http://schemas.microsoft.com/office/drawing/2014/main" id="{B3F0EE5F-DF90-4C6C-F9C3-DAAA053D4A99}"/>
+              </a:ext>
+            </a:extLst>
+          </p:cNvPr>
+          <p:cNvPicPr>
+            <a:picLocks noChangeAspect="1"/>
+          </p:cNvPicPr>
+          <p:nvPr/>
+        </p:nvPicPr>
+        <p:blipFill>
+          <a:blip r:embed="rId2">
+            <a:extLst>
+              <a:ext uri="{96DAC541-7B7A-43D3-8B79-37D633B846F1}">
+                <asvg:svgBlip xmlns:asvg="http://schemas.microsoft.com/office/drawing/2016/SVG/main" r:embed="rId3"/>
+              </a:ext>
+            </a:extLst>
+          </a:blip>
+          <a:stretch>
+            <a:fillRect/>
+          </a:stretch>
+        </p:blipFill>
+        <p:spPr>
+          <a:xfrm>
+            <a:off x="3238500" y="5299075"/>
+            <a:ext cx="2857500" cy="1422400"/>
+          </a:xfrm>
+          <a:prstGeom prst="rect">
+            <a:avLst/>
+          </a:prstGeom>
+        </p:spPr>
+      </p:pic>
+      <p:pic>
+        <p:nvPicPr>
+          <p:cNvPr id="8" name="Grafik 7">
+            <a:extLst>
+              <a:ext uri="{FF2B5EF4-FFF2-40B4-BE49-F238E27FC236}">
+                <a16:creationId xmlns:a16="http://schemas.microsoft.com/office/drawing/2014/main" id="{9FFF33EF-3C7A-A741-2E21-090B6A0E1C57}"/>
+              </a:ext>
+            </a:extLst>
+          </p:cNvPr>
+          <p:cNvPicPr>
+            <a:picLocks noChangeAspect="1"/>
+          </p:cNvPicPr>
+          <p:nvPr/>
+        </p:nvPicPr>
+        <p:blipFill>
+          <a:blip r:embed="rId4">
+            <a:extLst>
+              <a:ext uri="{96DAC541-7B7A-43D3-8B79-37D633B846F1}">
+                <asvg:svgBlip xmlns:asvg="http://schemas.microsoft.com/office/drawing/2016/SVG/main" r:embed="rId5"/>
+              </a:ext>
+            </a:extLst>
+          </a:blip>
+          <a:stretch>
+            <a:fillRect/>
+          </a:stretch>
+        </p:blipFill>
+        <p:spPr>
+          <a:xfrm>
+            <a:off x="7572653" y="1831626"/>
+            <a:ext cx="4619347" cy="3467449"/>
+          </a:xfrm>
+          <a:prstGeom prst="rect">
+            <a:avLst/>
+          </a:prstGeom>
+        </p:spPr>
+      </p:pic>
     </p:spTree>
     <p:extLst>
       <p:ext uri="{BB962C8B-B14F-4D97-AF65-F5344CB8AC3E}">
@@ -19212,6 +21673,78 @@
           <a:chExt cx="0" cy="0"/>
         </a:xfrm>
       </p:grpSpPr>
+      <p:pic>
+        <p:nvPicPr>
+          <p:cNvPr id="12" name="Grafik 11">
+            <a:extLst>
+              <a:ext uri="{FF2B5EF4-FFF2-40B4-BE49-F238E27FC236}">
+                <a16:creationId xmlns:a16="http://schemas.microsoft.com/office/drawing/2014/main" id="{18970A6B-EC73-325D-F60C-AFDE2FEF5F57}"/>
+              </a:ext>
+            </a:extLst>
+          </p:cNvPr>
+          <p:cNvPicPr>
+            <a:picLocks noChangeAspect="1"/>
+          </p:cNvPicPr>
+          <p:nvPr/>
+        </p:nvPicPr>
+        <p:blipFill>
+          <a:blip r:embed="rId2">
+            <a:extLst>
+              <a:ext uri="{96DAC541-7B7A-43D3-8B79-37D633B846F1}">
+                <asvg:svgBlip xmlns:asvg="http://schemas.microsoft.com/office/drawing/2016/SVG/main" r:embed="rId3"/>
+              </a:ext>
+            </a:extLst>
+          </a:blip>
+          <a:stretch>
+            <a:fillRect/>
+          </a:stretch>
+        </p:blipFill>
+        <p:spPr>
+          <a:xfrm>
+            <a:off x="3238500" y="5299075"/>
+            <a:ext cx="2857500" cy="1422400"/>
+          </a:xfrm>
+          <a:prstGeom prst="rect">
+            <a:avLst/>
+          </a:prstGeom>
+        </p:spPr>
+      </p:pic>
+      <p:pic>
+        <p:nvPicPr>
+          <p:cNvPr id="10" name="Grafik 9">
+            <a:extLst>
+              <a:ext uri="{FF2B5EF4-FFF2-40B4-BE49-F238E27FC236}">
+                <a16:creationId xmlns:a16="http://schemas.microsoft.com/office/drawing/2014/main" id="{1A9121D7-0B6D-BE9B-7262-1F402C275768}"/>
+              </a:ext>
+            </a:extLst>
+          </p:cNvPr>
+          <p:cNvPicPr>
+            <a:picLocks noChangeAspect="1"/>
+          </p:cNvPicPr>
+          <p:nvPr/>
+        </p:nvPicPr>
+        <p:blipFill>
+          <a:blip r:embed="rId4">
+            <a:extLst>
+              <a:ext uri="{96DAC541-7B7A-43D3-8B79-37D633B846F1}">
+                <asvg:svgBlip xmlns:asvg="http://schemas.microsoft.com/office/drawing/2016/SVG/main" r:embed="rId5"/>
+              </a:ext>
+            </a:extLst>
+          </a:blip>
+          <a:stretch>
+            <a:fillRect/>
+          </a:stretch>
+        </p:blipFill>
+        <p:spPr>
+          <a:xfrm>
+            <a:off x="8093327" y="2416082"/>
+            <a:ext cx="4041343" cy="3031007"/>
+          </a:xfrm>
+          <a:prstGeom prst="rect">
+            <a:avLst/>
+          </a:prstGeom>
+        </p:spPr>
+      </p:pic>
       <p:sp>
         <p:nvSpPr>
           <p:cNvPr id="2" name="Titel 1">
@@ -19235,36 +21768,508 @@
           <a:p>
             <a:r>
               <a:rPr lang="de-DE" dirty="0"/>
-              <a:t>Derivative Element</a:t>
+              <a:t>Derivative Element (D)</a:t>
             </a:r>
           </a:p>
         </p:txBody>
       </p:sp>
-      <p:sp>
-        <p:nvSpPr>
-          <p:cNvPr id="3" name="Inhaltsplatzhalter 2">
-            <a:extLst>
-              <a:ext uri="{FF2B5EF4-FFF2-40B4-BE49-F238E27FC236}">
-                <a16:creationId xmlns:a16="http://schemas.microsoft.com/office/drawing/2014/main" id="{A4E13401-6D0B-FA9F-0932-D52BE1570CB1}"/>
-              </a:ext>
-            </a:extLst>
-          </p:cNvPr>
-          <p:cNvSpPr>
-            <a:spLocks noGrp="1"/>
-          </p:cNvSpPr>
-          <p:nvPr>
-            <p:ph idx="1"/>
-          </p:nvPr>
-        </p:nvSpPr>
-        <p:spPr/>
-        <p:txBody>
-          <a:bodyPr/>
-          <a:lstStyle/>
-          <a:p>
-            <a:endParaRPr lang="de-DE"/>
-          </a:p>
-        </p:txBody>
-      </p:sp>
+      <mc:AlternateContent xmlns:mc="http://schemas.openxmlformats.org/markup-compatibility/2006">
+        <mc:Choice xmlns:a14="http://schemas.microsoft.com/office/drawing/2010/main" Requires="a14">
+          <p:sp>
+            <p:nvSpPr>
+              <p:cNvPr id="3" name="Inhaltsplatzhalter 2">
+                <a:extLst>
+                  <a:ext uri="{FF2B5EF4-FFF2-40B4-BE49-F238E27FC236}">
+                    <a16:creationId xmlns:a16="http://schemas.microsoft.com/office/drawing/2014/main" id="{A4E13401-6D0B-FA9F-0932-D52BE1570CB1}"/>
+                  </a:ext>
+                </a:extLst>
+              </p:cNvPr>
+              <p:cNvSpPr>
+                <a:spLocks noGrp="1"/>
+              </p:cNvSpPr>
+              <p:nvPr>
+                <p:ph idx="1"/>
+              </p:nvPr>
+            </p:nvSpPr>
+            <p:spPr/>
+            <p:txBody>
+              <a:bodyPr/>
+              <a:lstStyle/>
+              <a:p>
+                <a:pPr marL="0" indent="0">
+                  <a:buNone/>
+                </a:pPr>
+                <a:r>
+                  <a:rPr lang="de-DE" dirty="0"/>
+                  <a:t>Consider </a:t>
+                </a:r>
+                <a14:m>
+                  <m:oMath xmlns:m="http://schemas.openxmlformats.org/officeDocument/2006/math">
+                    <m:r>
+                      <a:rPr lang="de-DE" i="1">
+                        <a:latin typeface="Cambria Math" panose="02040503050406030204" pitchFamily="18" charset="0"/>
+                      </a:rPr>
+                      <m:t>𝑛</m:t>
+                    </m:r>
+                    <m:r>
+                      <a:rPr lang="de-DE" i="1">
+                        <a:latin typeface="Cambria Math" panose="02040503050406030204" pitchFamily="18" charset="0"/>
+                      </a:rPr>
+                      <m:t>=1</m:t>
+                    </m:r>
+                  </m:oMath>
+                </a14:m>
+                <a:r>
+                  <a:rPr lang="de-DE" dirty="0"/>
+                  <a:t>, </a:t>
+                </a:r>
+                <a:r>
+                  <a:rPr lang="de-DE" dirty="0" err="1"/>
+                  <a:t>with</a:t>
+                </a:r>
+                <a:r>
+                  <a:rPr lang="de-DE" dirty="0"/>
+                  <a:t> </a:t>
+                </a:r>
+                <a14:m>
+                  <m:oMath xmlns:m="http://schemas.openxmlformats.org/officeDocument/2006/math">
+                    <m:sSub>
+                      <m:sSubPr>
+                        <m:ctrlPr>
+                          <a:rPr lang="de-DE" i="1">
+                            <a:latin typeface="Cambria Math" panose="02040503050406030204" pitchFamily="18" charset="0"/>
+                          </a:rPr>
+                        </m:ctrlPr>
+                      </m:sSubPr>
+                      <m:e>
+                        <m:r>
+                          <a:rPr lang="de-DE" i="1">
+                            <a:latin typeface="Cambria Math" panose="02040503050406030204" pitchFamily="18" charset="0"/>
+                          </a:rPr>
+                          <m:t>𝑎</m:t>
+                        </m:r>
+                      </m:e>
+                      <m:sub>
+                        <m:r>
+                          <a:rPr lang="de-DE" b="0" i="1" smtClean="0">
+                            <a:latin typeface="Cambria Math" panose="02040503050406030204" pitchFamily="18" charset="0"/>
+                          </a:rPr>
+                          <m:t>1</m:t>
+                        </m:r>
+                      </m:sub>
+                    </m:sSub>
+                    <m:r>
+                      <a:rPr lang="de-DE" i="1">
+                        <a:latin typeface="Cambria Math" panose="02040503050406030204" pitchFamily="18" charset="0"/>
+                      </a:rPr>
+                      <m:t>=</m:t>
+                    </m:r>
+                    <m:sSub>
+                      <m:sSubPr>
+                        <m:ctrlPr>
+                          <a:rPr lang="de-DE" i="1">
+                            <a:latin typeface="Cambria Math" panose="02040503050406030204" pitchFamily="18" charset="0"/>
+                          </a:rPr>
+                        </m:ctrlPr>
+                      </m:sSubPr>
+                      <m:e>
+                        <m:r>
+                          <a:rPr lang="de-DE" i="1">
+                            <a:latin typeface="Cambria Math" panose="02040503050406030204" pitchFamily="18" charset="0"/>
+                          </a:rPr>
+                          <m:t>𝑏</m:t>
+                        </m:r>
+                      </m:e>
+                      <m:sub>
+                        <m:r>
+                          <a:rPr lang="de-DE" b="0" i="1" smtClean="0">
+                            <a:latin typeface="Cambria Math" panose="02040503050406030204" pitchFamily="18" charset="0"/>
+                          </a:rPr>
+                          <m:t>0</m:t>
+                        </m:r>
+                      </m:sub>
+                    </m:sSub>
+                    <m:r>
+                      <a:rPr lang="de-DE" i="1">
+                        <a:latin typeface="Cambria Math" panose="02040503050406030204" pitchFamily="18" charset="0"/>
+                      </a:rPr>
+                      <m:t>=0</m:t>
+                    </m:r>
+                  </m:oMath>
+                </a14:m>
+                <a:r>
+                  <a:rPr lang="de-DE" dirty="0"/>
+                  <a:t>:</a:t>
+                </a:r>
+              </a:p>
+              <a:p>
+                <a:pPr marL="0" indent="0">
+                  <a:buNone/>
+                </a:pPr>
+                <a14:m>
+                  <m:oMath xmlns:m="http://schemas.openxmlformats.org/officeDocument/2006/math">
+                    <m:r>
+                      <a:rPr lang="de-DE" i="1">
+                        <a:latin typeface="Cambria Math" panose="02040503050406030204" pitchFamily="18" charset="0"/>
+                      </a:rPr>
+                      <m:t>𝑌</m:t>
+                    </m:r>
+                    <m:d>
+                      <m:dPr>
+                        <m:ctrlPr>
+                          <a:rPr lang="de-DE" i="1">
+                            <a:latin typeface="Cambria Math" panose="02040503050406030204" pitchFamily="18" charset="0"/>
+                          </a:rPr>
+                        </m:ctrlPr>
+                      </m:dPr>
+                      <m:e>
+                        <m:r>
+                          <a:rPr lang="de-DE" i="1">
+                            <a:latin typeface="Cambria Math" panose="02040503050406030204" pitchFamily="18" charset="0"/>
+                          </a:rPr>
+                          <m:t>𝑠</m:t>
+                        </m:r>
+                      </m:e>
+                    </m:d>
+                    <m:r>
+                      <a:rPr lang="de-DE" i="1">
+                        <a:latin typeface="Cambria Math" panose="02040503050406030204" pitchFamily="18" charset="0"/>
+                      </a:rPr>
+                      <m:t>=</m:t>
+                    </m:r>
+                    <m:f>
+                      <m:fPr>
+                        <m:ctrlPr>
+                          <a:rPr lang="de-DE" i="1">
+                            <a:latin typeface="Cambria Math" panose="02040503050406030204" pitchFamily="18" charset="0"/>
+                          </a:rPr>
+                        </m:ctrlPr>
+                      </m:fPr>
+                      <m:num>
+                        <m:sSub>
+                          <m:sSubPr>
+                            <m:ctrlPr>
+                              <a:rPr lang="de-DE" i="1">
+                                <a:latin typeface="Cambria Math" panose="02040503050406030204" pitchFamily="18" charset="0"/>
+                              </a:rPr>
+                            </m:ctrlPr>
+                          </m:sSubPr>
+                          <m:e>
+                            <m:r>
+                              <a:rPr lang="de-DE" i="1">
+                                <a:latin typeface="Cambria Math" panose="02040503050406030204" pitchFamily="18" charset="0"/>
+                              </a:rPr>
+                              <m:t>𝑏</m:t>
+                            </m:r>
+                          </m:e>
+                          <m:sub>
+                            <m:r>
+                              <a:rPr lang="de-DE" b="0" i="1" smtClean="0">
+                                <a:latin typeface="Cambria Math" panose="02040503050406030204" pitchFamily="18" charset="0"/>
+                              </a:rPr>
+                              <m:t>1</m:t>
+                            </m:r>
+                          </m:sub>
+                        </m:sSub>
+                      </m:num>
+                      <m:den>
+                        <m:sSub>
+                          <m:sSubPr>
+                            <m:ctrlPr>
+                              <a:rPr lang="de-DE" i="1">
+                                <a:latin typeface="Cambria Math" panose="02040503050406030204" pitchFamily="18" charset="0"/>
+                              </a:rPr>
+                            </m:ctrlPr>
+                          </m:sSubPr>
+                          <m:e>
+                            <m:r>
+                              <a:rPr lang="de-DE" i="1">
+                                <a:latin typeface="Cambria Math" panose="02040503050406030204" pitchFamily="18" charset="0"/>
+                              </a:rPr>
+                              <m:t>𝑎</m:t>
+                            </m:r>
+                          </m:e>
+                          <m:sub>
+                            <m:r>
+                              <a:rPr lang="de-DE" b="0" i="1" smtClean="0">
+                                <a:latin typeface="Cambria Math" panose="02040503050406030204" pitchFamily="18" charset="0"/>
+                              </a:rPr>
+                              <m:t>0</m:t>
+                            </m:r>
+                          </m:sub>
+                        </m:sSub>
+                      </m:den>
+                    </m:f>
+                    <m:r>
+                      <a:rPr lang="de-DE" i="1">
+                        <a:latin typeface="Cambria Math" panose="02040503050406030204" pitchFamily="18" charset="0"/>
+                        <a:ea typeface="Cambria Math" panose="02040503050406030204" pitchFamily="18" charset="0"/>
+                      </a:rPr>
+                      <m:t>∙</m:t>
+                    </m:r>
+                    <m:r>
+                      <a:rPr lang="de-DE" b="0" i="1" smtClean="0">
+                        <a:latin typeface="Cambria Math" panose="02040503050406030204" pitchFamily="18" charset="0"/>
+                        <a:ea typeface="Cambria Math" panose="02040503050406030204" pitchFamily="18" charset="0"/>
+                      </a:rPr>
+                      <m:t>𝑠</m:t>
+                    </m:r>
+                    <m:r>
+                      <a:rPr lang="de-DE" i="1">
+                        <a:latin typeface="Cambria Math" panose="02040503050406030204" pitchFamily="18" charset="0"/>
+                        <a:ea typeface="Cambria Math" panose="02040503050406030204" pitchFamily="18" charset="0"/>
+                      </a:rPr>
+                      <m:t>∙</m:t>
+                    </m:r>
+                    <m:r>
+                      <a:rPr lang="de-DE" i="1">
+                        <a:latin typeface="Cambria Math" panose="02040503050406030204" pitchFamily="18" charset="0"/>
+                      </a:rPr>
+                      <m:t>𝑈</m:t>
+                    </m:r>
+                    <m:r>
+                      <a:rPr lang="de-DE" i="1">
+                        <a:latin typeface="Cambria Math" panose="02040503050406030204" pitchFamily="18" charset="0"/>
+                      </a:rPr>
+                      <m:t>(</m:t>
+                    </m:r>
+                    <m:r>
+                      <a:rPr lang="de-DE" i="1">
+                        <a:latin typeface="Cambria Math" panose="02040503050406030204" pitchFamily="18" charset="0"/>
+                      </a:rPr>
+                      <m:t>𝑠</m:t>
+                    </m:r>
+                    <m:r>
+                      <a:rPr lang="de-DE" i="1">
+                        <a:latin typeface="Cambria Math" panose="02040503050406030204" pitchFamily="18" charset="0"/>
+                      </a:rPr>
+                      <m:t>)</m:t>
+                    </m:r>
+                  </m:oMath>
+                </a14:m>
+                <a:r>
+                  <a:rPr lang="de-DE" dirty="0"/>
+                  <a:t>     </a:t>
+                </a:r>
+                <a:r>
+                  <a:rPr lang="de-DE" dirty="0" err="1"/>
+                  <a:t>or</a:t>
+                </a:r>
+                <a:r>
+                  <a:rPr lang="de-DE" dirty="0"/>
+                  <a:t>     </a:t>
+                </a:r>
+                <a14:m>
+                  <m:oMath xmlns:m="http://schemas.openxmlformats.org/officeDocument/2006/math">
+                    <m:f>
+                      <m:fPr>
+                        <m:ctrlPr>
+                          <a:rPr lang="de-DE" i="1">
+                            <a:latin typeface="Cambria Math" panose="02040503050406030204" pitchFamily="18" charset="0"/>
+                          </a:rPr>
+                        </m:ctrlPr>
+                      </m:fPr>
+                      <m:num>
+                        <m:r>
+                          <a:rPr lang="de-DE" i="1">
+                            <a:latin typeface="Cambria Math" panose="02040503050406030204" pitchFamily="18" charset="0"/>
+                          </a:rPr>
+                          <m:t>𝑑</m:t>
+                        </m:r>
+                        <m:r>
+                          <a:rPr lang="de-DE" i="1">
+                            <a:latin typeface="Cambria Math" panose="02040503050406030204" pitchFamily="18" charset="0"/>
+                          </a:rPr>
+                          <m:t>𝑦</m:t>
+                        </m:r>
+                        <m:d>
+                          <m:dPr>
+                            <m:ctrlPr>
+                              <a:rPr lang="de-DE" i="1">
+                                <a:latin typeface="Cambria Math" panose="02040503050406030204" pitchFamily="18" charset="0"/>
+                              </a:rPr>
+                            </m:ctrlPr>
+                          </m:dPr>
+                          <m:e>
+                            <m:r>
+                              <a:rPr lang="de-DE" i="1">
+                                <a:latin typeface="Cambria Math" panose="02040503050406030204" pitchFamily="18" charset="0"/>
+                              </a:rPr>
+                              <m:t>𝑡</m:t>
+                            </m:r>
+                          </m:e>
+                        </m:d>
+                      </m:num>
+                      <m:den>
+                        <m:r>
+                          <a:rPr lang="de-DE" i="1">
+                            <a:latin typeface="Cambria Math" panose="02040503050406030204" pitchFamily="18" charset="0"/>
+                          </a:rPr>
+                          <m:t>𝑑𝑡</m:t>
+                        </m:r>
+                      </m:den>
+                    </m:f>
+                    <m:r>
+                      <a:rPr lang="de-DE" i="1">
+                        <a:latin typeface="Cambria Math" panose="02040503050406030204" pitchFamily="18" charset="0"/>
+                      </a:rPr>
+                      <m:t>=</m:t>
+                    </m:r>
+                    <m:f>
+                      <m:fPr>
+                        <m:ctrlPr>
+                          <a:rPr lang="de-DE" i="1">
+                            <a:latin typeface="Cambria Math" panose="02040503050406030204" pitchFamily="18" charset="0"/>
+                          </a:rPr>
+                        </m:ctrlPr>
+                      </m:fPr>
+                      <m:num>
+                        <m:sSub>
+                          <m:sSubPr>
+                            <m:ctrlPr>
+                              <a:rPr lang="de-DE" i="1">
+                                <a:latin typeface="Cambria Math" panose="02040503050406030204" pitchFamily="18" charset="0"/>
+                              </a:rPr>
+                            </m:ctrlPr>
+                          </m:sSubPr>
+                          <m:e>
+                            <m:r>
+                              <a:rPr lang="de-DE" i="1">
+                                <a:latin typeface="Cambria Math" panose="02040503050406030204" pitchFamily="18" charset="0"/>
+                              </a:rPr>
+                              <m:t>𝑏</m:t>
+                            </m:r>
+                          </m:e>
+                          <m:sub>
+                            <m:r>
+                              <a:rPr lang="de-DE" b="0" i="1" smtClean="0">
+                                <a:latin typeface="Cambria Math" panose="02040503050406030204" pitchFamily="18" charset="0"/>
+                              </a:rPr>
+                              <m:t>1</m:t>
+                            </m:r>
+                          </m:sub>
+                        </m:sSub>
+                      </m:num>
+                      <m:den>
+                        <m:sSub>
+                          <m:sSubPr>
+                            <m:ctrlPr>
+                              <a:rPr lang="de-DE" i="1">
+                                <a:latin typeface="Cambria Math" panose="02040503050406030204" pitchFamily="18" charset="0"/>
+                              </a:rPr>
+                            </m:ctrlPr>
+                          </m:sSubPr>
+                          <m:e>
+                            <m:r>
+                              <a:rPr lang="de-DE" i="1">
+                                <a:latin typeface="Cambria Math" panose="02040503050406030204" pitchFamily="18" charset="0"/>
+                              </a:rPr>
+                              <m:t>𝑎</m:t>
+                            </m:r>
+                          </m:e>
+                          <m:sub>
+                            <m:r>
+                              <a:rPr lang="de-DE" b="0" i="1" smtClean="0">
+                                <a:latin typeface="Cambria Math" panose="02040503050406030204" pitchFamily="18" charset="0"/>
+                              </a:rPr>
+                              <m:t>0</m:t>
+                            </m:r>
+                          </m:sub>
+                        </m:sSub>
+                      </m:den>
+                    </m:f>
+                    <m:r>
+                      <a:rPr lang="de-DE" i="1">
+                        <a:latin typeface="Cambria Math" panose="02040503050406030204" pitchFamily="18" charset="0"/>
+                        <a:ea typeface="Cambria Math" panose="02040503050406030204" pitchFamily="18" charset="0"/>
+                      </a:rPr>
+                      <m:t>∙</m:t>
+                    </m:r>
+                    <m:r>
+                      <a:rPr lang="de-DE" b="0" i="1" smtClean="0">
+                        <a:latin typeface="Cambria Math" panose="02040503050406030204" pitchFamily="18" charset="0"/>
+                        <a:ea typeface="Cambria Math" panose="02040503050406030204" pitchFamily="18" charset="0"/>
+                      </a:rPr>
+                      <m:t>𝑠</m:t>
+                    </m:r>
+                    <m:r>
+                      <a:rPr lang="de-DE" i="1">
+                        <a:latin typeface="Cambria Math" panose="02040503050406030204" pitchFamily="18" charset="0"/>
+                        <a:ea typeface="Cambria Math" panose="02040503050406030204" pitchFamily="18" charset="0"/>
+                      </a:rPr>
+                      <m:t>∙</m:t>
+                    </m:r>
+                    <m:r>
+                      <a:rPr lang="de-DE" i="1">
+                        <a:latin typeface="Cambria Math" panose="02040503050406030204" pitchFamily="18" charset="0"/>
+                      </a:rPr>
+                      <m:t>𝑢</m:t>
+                    </m:r>
+                    <m:r>
+                      <a:rPr lang="de-DE" i="1">
+                        <a:latin typeface="Cambria Math" panose="02040503050406030204" pitchFamily="18" charset="0"/>
+                      </a:rPr>
+                      <m:t>(</m:t>
+                    </m:r>
+                    <m:r>
+                      <a:rPr lang="de-DE" i="1">
+                        <a:latin typeface="Cambria Math" panose="02040503050406030204" pitchFamily="18" charset="0"/>
+                      </a:rPr>
+                      <m:t>𝑡</m:t>
+                    </m:r>
+                    <m:r>
+                      <a:rPr lang="de-DE" i="1">
+                        <a:latin typeface="Cambria Math" panose="02040503050406030204" pitchFamily="18" charset="0"/>
+                      </a:rPr>
+                      <m:t>)</m:t>
+                    </m:r>
+                  </m:oMath>
+                </a14:m>
+                <a:endParaRPr lang="de-DE" dirty="0"/>
+              </a:p>
+            </p:txBody>
+          </p:sp>
+        </mc:Choice>
+        <mc:Fallback>
+          <p:sp>
+            <p:nvSpPr>
+              <p:cNvPr id="3" name="Inhaltsplatzhalter 2">
+                <a:extLst>
+                  <a:ext uri="{FF2B5EF4-FFF2-40B4-BE49-F238E27FC236}">
+                    <a16:creationId xmlns:a16="http://schemas.microsoft.com/office/drawing/2014/main" id="{A4E13401-6D0B-FA9F-0932-D52BE1570CB1}"/>
+                  </a:ext>
+                </a:extLst>
+              </p:cNvPr>
+              <p:cNvSpPr>
+                <a:spLocks noGrp="1" noRot="1" noChangeAspect="1" noMove="1" noResize="1" noEditPoints="1" noAdjustHandles="1" noChangeArrowheads="1" noChangeShapeType="1" noTextEdit="1"/>
+              </p:cNvSpPr>
+              <p:nvPr>
+                <p:ph idx="1"/>
+              </p:nvPr>
+            </p:nvSpPr>
+            <p:spPr>
+              <a:blipFill>
+                <a:blip r:embed="rId6"/>
+                <a:stretch>
+                  <a:fillRect l="-1206" t="-2326"/>
+                </a:stretch>
+              </a:blipFill>
+            </p:spPr>
+            <p:txBody>
+              <a:bodyPr/>
+              <a:lstStyle/>
+              <a:p>
+                <a:r>
+                  <a:rPr lang="de-DE">
+                    <a:noFill/>
+                  </a:rPr>
+                  <a:t> </a:t>
+                </a:r>
+              </a:p>
+            </p:txBody>
+          </p:sp>
+        </mc:Fallback>
+      </mc:AlternateContent>
       <p:sp>
         <p:nvSpPr>
           <p:cNvPr id="4" name="Foliennummernplatzhalter 3">
@@ -19294,6 +22299,480 @@
           </a:p>
         </p:txBody>
       </p:sp>
+      <mc:AlternateContent xmlns:mc="http://schemas.openxmlformats.org/markup-compatibility/2006">
+        <mc:Choice xmlns:a14="http://schemas.microsoft.com/office/drawing/2010/main" Requires="a14">
+          <p:sp>
+            <p:nvSpPr>
+              <p:cNvPr id="13" name="Textfeld 12">
+                <a:extLst>
+                  <a:ext uri="{FF2B5EF4-FFF2-40B4-BE49-F238E27FC236}">
+                    <a16:creationId xmlns:a16="http://schemas.microsoft.com/office/drawing/2014/main" id="{D862DA39-5BCE-43AD-53C9-20C18B8F708E}"/>
+                  </a:ext>
+                </a:extLst>
+              </p:cNvPr>
+              <p:cNvSpPr txBox="1"/>
+              <p:nvPr/>
+            </p:nvSpPr>
+            <p:spPr>
+              <a:xfrm>
+                <a:off x="1114725" y="3577697"/>
+                <a:ext cx="6411050" cy="1291316"/>
+              </a:xfrm>
+              <a:prstGeom prst="rect">
+                <a:avLst/>
+              </a:prstGeom>
+              <a:noFill/>
+            </p:spPr>
+            <p:txBody>
+              <a:bodyPr wrap="none" rtlCol="0">
+                <a:spAutoFit/>
+              </a:bodyPr>
+              <a:lstStyle/>
+              <a:p>
+                <a14:m>
+                  <m:oMathPara xmlns:m="http://schemas.openxmlformats.org/officeDocument/2006/math">
+                    <m:oMathParaPr>
+                      <m:jc m:val="centerGroup"/>
+                    </m:oMathParaPr>
+                    <m:oMath xmlns:m="http://schemas.openxmlformats.org/officeDocument/2006/math">
+                      <m:f>
+                        <m:fPr>
+                          <m:ctrlPr>
+                            <a:rPr lang="de-DE" sz="2800" i="1" smtClean="0">
+                              <a:latin typeface="Cambria Math" panose="02040503050406030204" pitchFamily="18" charset="0"/>
+                            </a:rPr>
+                          </m:ctrlPr>
+                        </m:fPr>
+                        <m:num>
+                          <m:sSub>
+                            <m:sSubPr>
+                              <m:ctrlPr>
+                                <a:rPr lang="de-DE" sz="2800" i="1">
+                                  <a:latin typeface="Cambria Math" panose="02040503050406030204" pitchFamily="18" charset="0"/>
+                                </a:rPr>
+                              </m:ctrlPr>
+                            </m:sSubPr>
+                            <m:e>
+                              <m:r>
+                                <a:rPr lang="de-DE" sz="2800" i="1">
+                                  <a:latin typeface="Cambria Math" panose="02040503050406030204" pitchFamily="18" charset="0"/>
+                                </a:rPr>
+                                <m:t>𝑏</m:t>
+                              </m:r>
+                            </m:e>
+                            <m:sub>
+                              <m:r>
+                                <a:rPr lang="de-DE" sz="2800" b="0" i="1" smtClean="0">
+                                  <a:latin typeface="Cambria Math" panose="02040503050406030204" pitchFamily="18" charset="0"/>
+                                </a:rPr>
+                                <m:t>1</m:t>
+                              </m:r>
+                            </m:sub>
+                          </m:sSub>
+                        </m:num>
+                        <m:den>
+                          <m:sSub>
+                            <m:sSubPr>
+                              <m:ctrlPr>
+                                <a:rPr lang="de-DE" sz="2800" i="1">
+                                  <a:latin typeface="Cambria Math" panose="02040503050406030204" pitchFamily="18" charset="0"/>
+                                </a:rPr>
+                              </m:ctrlPr>
+                            </m:sSubPr>
+                            <m:e>
+                              <m:r>
+                                <a:rPr lang="de-DE" sz="2800" i="1">
+                                  <a:latin typeface="Cambria Math" panose="02040503050406030204" pitchFamily="18" charset="0"/>
+                                </a:rPr>
+                                <m:t>𝑎</m:t>
+                              </m:r>
+                            </m:e>
+                            <m:sub>
+                              <m:r>
+                                <a:rPr lang="de-DE" sz="2800" b="0" i="1" smtClean="0">
+                                  <a:latin typeface="Cambria Math" panose="02040503050406030204" pitchFamily="18" charset="0"/>
+                                </a:rPr>
+                                <m:t>0</m:t>
+                              </m:r>
+                            </m:sub>
+                          </m:sSub>
+                        </m:den>
+                      </m:f>
+                      <m:r>
+                        <a:rPr lang="de-DE" sz="2800" b="0" i="1" smtClean="0">
+                          <a:latin typeface="Cambria Math" panose="02040503050406030204" pitchFamily="18" charset="0"/>
+                        </a:rPr>
+                        <m:t>=</m:t>
+                      </m:r>
+                      <m:sSub>
+                        <m:sSubPr>
+                          <m:ctrlPr>
+                            <a:rPr lang="de-DE" sz="2800" b="0" i="1" smtClean="0">
+                              <a:latin typeface="Cambria Math" panose="02040503050406030204" pitchFamily="18" charset="0"/>
+                            </a:rPr>
+                          </m:ctrlPr>
+                        </m:sSubPr>
+                        <m:e>
+                          <m:r>
+                            <a:rPr lang="de-DE" sz="2800" b="0" i="1" smtClean="0">
+                              <a:latin typeface="Cambria Math" panose="02040503050406030204" pitchFamily="18" charset="0"/>
+                            </a:rPr>
+                            <m:t>𝐾</m:t>
+                          </m:r>
+                        </m:e>
+                        <m:sub>
+                          <m:r>
+                            <a:rPr lang="de-DE" sz="2800" b="0" i="1" smtClean="0">
+                              <a:latin typeface="Cambria Math" panose="02040503050406030204" pitchFamily="18" charset="0"/>
+                            </a:rPr>
+                            <m:t>𝐷</m:t>
+                          </m:r>
+                        </m:sub>
+                      </m:sSub>
+                      <m:r>
+                        <a:rPr lang="de-DE" sz="2800" b="0" i="1" smtClean="0">
+                          <a:latin typeface="Cambria Math" panose="02040503050406030204" pitchFamily="18" charset="0"/>
+                        </a:rPr>
+                        <m:t>=</m:t>
+                      </m:r>
+                      <m:sSub>
+                        <m:sSubPr>
+                          <m:ctrlPr>
+                            <a:rPr lang="de-DE" sz="2800" b="0" i="1" smtClean="0">
+                              <a:latin typeface="Cambria Math" panose="02040503050406030204" pitchFamily="18" charset="0"/>
+                            </a:rPr>
+                          </m:ctrlPr>
+                        </m:sSubPr>
+                        <m:e>
+                          <m:r>
+                            <a:rPr lang="de-DE" sz="2800" b="0" i="1" smtClean="0">
+                              <a:latin typeface="Cambria Math" panose="02040503050406030204" pitchFamily="18" charset="0"/>
+                            </a:rPr>
+                            <m:t>𝑇</m:t>
+                          </m:r>
+                        </m:e>
+                        <m:sub>
+                          <m:r>
+                            <a:rPr lang="de-DE" sz="2800" b="0" i="1" smtClean="0">
+                              <a:latin typeface="Cambria Math" panose="02040503050406030204" pitchFamily="18" charset="0"/>
+                            </a:rPr>
+                            <m:t>𝐷</m:t>
+                          </m:r>
+                        </m:sub>
+                      </m:sSub>
+                    </m:oMath>
+                  </m:oMathPara>
+                </a14:m>
+                <a:endParaRPr lang="de-DE" sz="2800" dirty="0"/>
+              </a:p>
+              <a:p>
+                <a:r>
+                  <a:rPr lang="de-DE" sz="2000" dirty="0"/>
+                  <a:t>(</a:t>
+                </a:r>
+                <a:r>
+                  <a:rPr lang="de-DE" sz="2000" dirty="0" err="1"/>
+                  <a:t>differentiator</a:t>
+                </a:r>
+                <a:r>
+                  <a:rPr lang="de-DE" sz="2000" dirty="0"/>
+                  <a:t>/derivative </a:t>
+                </a:r>
+                <a:r>
+                  <a:rPr lang="de-DE" sz="2000" dirty="0" err="1"/>
+                  <a:t>gain</a:t>
+                </a:r>
+                <a:r>
+                  <a:rPr lang="de-DE" sz="2000" dirty="0"/>
+                  <a:t> </a:t>
+                </a:r>
+                <a:r>
+                  <a:rPr lang="de-DE" sz="2000" dirty="0" err="1"/>
+                  <a:t>or</a:t>
+                </a:r>
+                <a:r>
+                  <a:rPr lang="de-DE" sz="2000" dirty="0"/>
+                  <a:t> derivative time </a:t>
+                </a:r>
+                <a:r>
+                  <a:rPr lang="de-DE" sz="2000" dirty="0" err="1"/>
+                  <a:t>constant</a:t>
+                </a:r>
+                <a:r>
+                  <a:rPr lang="de-DE" sz="2000" dirty="0"/>
+                  <a:t>)</a:t>
+                </a:r>
+              </a:p>
+            </p:txBody>
+          </p:sp>
+        </mc:Choice>
+        <mc:Fallback>
+          <p:sp>
+            <p:nvSpPr>
+              <p:cNvPr id="13" name="Textfeld 12">
+                <a:extLst>
+                  <a:ext uri="{FF2B5EF4-FFF2-40B4-BE49-F238E27FC236}">
+                    <a16:creationId xmlns:a16="http://schemas.microsoft.com/office/drawing/2014/main" id="{D862DA39-5BCE-43AD-53C9-20C18B8F708E}"/>
+                  </a:ext>
+                </a:extLst>
+              </p:cNvPr>
+              <p:cNvSpPr txBox="1">
+                <a:spLocks noRot="1" noChangeAspect="1" noMove="1" noResize="1" noEditPoints="1" noAdjustHandles="1" noChangeArrowheads="1" noChangeShapeType="1" noTextEdit="1"/>
+              </p:cNvSpPr>
+              <p:nvPr/>
+            </p:nvSpPr>
+            <p:spPr>
+              <a:xfrm>
+                <a:off x="1114725" y="3577697"/>
+                <a:ext cx="6411050" cy="1291316"/>
+              </a:xfrm>
+              <a:prstGeom prst="rect">
+                <a:avLst/>
+              </a:prstGeom>
+              <a:blipFill>
+                <a:blip r:embed="rId7"/>
+                <a:stretch>
+                  <a:fillRect l="-988" b="-7767"/>
+                </a:stretch>
+              </a:blipFill>
+            </p:spPr>
+            <p:txBody>
+              <a:bodyPr/>
+              <a:lstStyle/>
+              <a:p>
+                <a:r>
+                  <a:rPr lang="de-DE">
+                    <a:noFill/>
+                  </a:rPr>
+                  <a:t> </a:t>
+                </a:r>
+              </a:p>
+            </p:txBody>
+          </p:sp>
+        </mc:Fallback>
+      </mc:AlternateContent>
+      <p:cxnSp>
+        <p:nvCxnSpPr>
+          <p:cNvPr id="14" name="Gerade Verbindung mit Pfeil 13">
+            <a:extLst>
+              <a:ext uri="{FF2B5EF4-FFF2-40B4-BE49-F238E27FC236}">
+                <a16:creationId xmlns:a16="http://schemas.microsoft.com/office/drawing/2014/main" id="{36574445-9274-205F-65F8-E02FBBA876FA}"/>
+              </a:ext>
+            </a:extLst>
+          </p:cNvPr>
+          <p:cNvCxnSpPr>
+            <a:cxnSpLocks/>
+            <a:stCxn id="13" idx="0"/>
+          </p:cNvCxnSpPr>
+          <p:nvPr/>
+        </p:nvCxnSpPr>
+        <p:spPr>
+          <a:xfrm flipV="1">
+            <a:off x="4320250" y="2734322"/>
+            <a:ext cx="1601156" cy="843375"/>
+          </a:xfrm>
+          <a:prstGeom prst="straightConnector1">
+            <a:avLst/>
+          </a:prstGeom>
+          <a:ln>
+            <a:tailEnd type="triangle"/>
+          </a:ln>
+        </p:spPr>
+        <p:style>
+          <a:lnRef idx="2">
+            <a:schemeClr val="accent1"/>
+          </a:lnRef>
+          <a:fillRef idx="0">
+            <a:schemeClr val="accent1"/>
+          </a:fillRef>
+          <a:effectRef idx="1">
+            <a:schemeClr val="accent1"/>
+          </a:effectRef>
+          <a:fontRef idx="minor">
+            <a:schemeClr val="tx1"/>
+          </a:fontRef>
+        </p:style>
+      </p:cxnSp>
+      <p:cxnSp>
+        <p:nvCxnSpPr>
+          <p:cNvPr id="15" name="Gerade Verbindung mit Pfeil 14">
+            <a:extLst>
+              <a:ext uri="{FF2B5EF4-FFF2-40B4-BE49-F238E27FC236}">
+                <a16:creationId xmlns:a16="http://schemas.microsoft.com/office/drawing/2014/main" id="{91548B9B-5801-02FD-7335-31C8FD8F7A17}"/>
+              </a:ext>
+            </a:extLst>
+          </p:cNvPr>
+          <p:cNvCxnSpPr>
+            <a:cxnSpLocks/>
+            <a:stCxn id="13" idx="0"/>
+          </p:cNvCxnSpPr>
+          <p:nvPr/>
+        </p:nvCxnSpPr>
+        <p:spPr>
+          <a:xfrm flipH="1" flipV="1">
+            <a:off x="2379216" y="2734322"/>
+            <a:ext cx="1941034" cy="843375"/>
+          </a:xfrm>
+          <a:prstGeom prst="straightConnector1">
+            <a:avLst/>
+          </a:prstGeom>
+          <a:ln>
+            <a:tailEnd type="triangle"/>
+          </a:ln>
+        </p:spPr>
+        <p:style>
+          <a:lnRef idx="2">
+            <a:schemeClr val="accent1"/>
+          </a:lnRef>
+          <a:fillRef idx="0">
+            <a:schemeClr val="accent1"/>
+          </a:fillRef>
+          <a:effectRef idx="1">
+            <a:schemeClr val="accent1"/>
+          </a:effectRef>
+          <a:fontRef idx="minor">
+            <a:schemeClr val="tx1"/>
+          </a:fontRef>
+        </p:style>
+      </p:cxnSp>
+      <p:sp>
+        <p:nvSpPr>
+          <p:cNvPr id="16" name="Textfeld 15">
+            <a:extLst>
+              <a:ext uri="{FF2B5EF4-FFF2-40B4-BE49-F238E27FC236}">
+                <a16:creationId xmlns:a16="http://schemas.microsoft.com/office/drawing/2014/main" id="{523E0541-7891-30D2-4661-379BD090843F}"/>
+              </a:ext>
+            </a:extLst>
+          </p:cNvPr>
+          <p:cNvSpPr txBox="1"/>
+          <p:nvPr/>
+        </p:nvSpPr>
+        <p:spPr>
+          <a:xfrm>
+            <a:off x="7496077" y="1151357"/>
+            <a:ext cx="4289829" cy="707886"/>
+          </a:xfrm>
+          <a:prstGeom prst="rect">
+            <a:avLst/>
+          </a:prstGeom>
+          <a:noFill/>
+        </p:spPr>
+        <p:txBody>
+          <a:bodyPr wrap="none" rtlCol="0">
+            <a:spAutoFit/>
+          </a:bodyPr>
+          <a:lstStyle/>
+          <a:p>
+            <a:r>
+              <a:rPr lang="de-DE" sz="2000" dirty="0" err="1"/>
+              <a:t>Amplifies</a:t>
+            </a:r>
+            <a:r>
+              <a:rPr lang="de-DE" sz="2000" dirty="0"/>
+              <a:t> high </a:t>
+            </a:r>
+            <a:r>
+              <a:rPr lang="de-DE" sz="2000" dirty="0" err="1"/>
+              <a:t>frequencies</a:t>
+            </a:r>
+            <a:r>
+              <a:rPr lang="de-DE" sz="2000" dirty="0"/>
+              <a:t>, i.e., </a:t>
+            </a:r>
+            <a:r>
+              <a:rPr lang="de-DE" sz="2000" dirty="0" err="1"/>
+              <a:t>noise</a:t>
+            </a:r>
+            <a:endParaRPr lang="de-DE" sz="2000" dirty="0"/>
+          </a:p>
+          <a:p>
+            <a:r>
+              <a:rPr lang="de-DE" sz="2000" dirty="0">
+                <a:sym typeface="Wingdings" pitchFamily="2" charset="2"/>
+              </a:rPr>
+              <a:t> </a:t>
+            </a:r>
+            <a:r>
+              <a:rPr lang="de-DE" sz="2000" dirty="0" err="1">
+                <a:sym typeface="Wingdings" pitchFamily="2" charset="2"/>
+              </a:rPr>
+              <a:t>use</a:t>
+            </a:r>
+            <a:r>
+              <a:rPr lang="de-DE" sz="2000" dirty="0">
+                <a:sym typeface="Wingdings" pitchFamily="2" charset="2"/>
+              </a:rPr>
+              <a:t> </a:t>
+            </a:r>
+            <a:r>
+              <a:rPr lang="de-DE" sz="2000" dirty="0" err="1">
+                <a:sym typeface="Wingdings" pitchFamily="2" charset="2"/>
+              </a:rPr>
+              <a:t>filtered</a:t>
+            </a:r>
+            <a:r>
+              <a:rPr lang="de-DE" sz="2000" dirty="0">
+                <a:sym typeface="Wingdings" pitchFamily="2" charset="2"/>
+              </a:rPr>
+              <a:t> </a:t>
+            </a:r>
+            <a:r>
+              <a:rPr lang="de-DE" sz="2000" dirty="0" err="1">
+                <a:sym typeface="Wingdings" pitchFamily="2" charset="2"/>
+              </a:rPr>
+              <a:t>differentiator</a:t>
+            </a:r>
+            <a:r>
+              <a:rPr lang="de-DE" sz="2000" dirty="0">
+                <a:sym typeface="Wingdings" pitchFamily="2" charset="2"/>
+              </a:rPr>
+              <a:t> (DT1)</a:t>
+            </a:r>
+            <a:endParaRPr lang="de-DE" sz="2000" dirty="0"/>
+          </a:p>
+        </p:txBody>
+      </p:sp>
+      <p:cxnSp>
+        <p:nvCxnSpPr>
+          <p:cNvPr id="18" name="Gerade Verbindung mit Pfeil 17">
+            <a:extLst>
+              <a:ext uri="{FF2B5EF4-FFF2-40B4-BE49-F238E27FC236}">
+                <a16:creationId xmlns:a16="http://schemas.microsoft.com/office/drawing/2014/main" id="{87688D64-5667-BAB3-7EEA-4B43A90B80B0}"/>
+              </a:ext>
+            </a:extLst>
+          </p:cNvPr>
+          <p:cNvCxnSpPr>
+            <a:stCxn id="16" idx="1"/>
+          </p:cNvCxnSpPr>
+          <p:nvPr/>
+        </p:nvCxnSpPr>
+        <p:spPr>
+          <a:xfrm flipH="1">
+            <a:off x="6676008" y="1505300"/>
+            <a:ext cx="820069" cy="1033714"/>
+          </a:xfrm>
+          <a:prstGeom prst="straightConnector1">
+            <a:avLst/>
+          </a:prstGeom>
+          <a:ln>
+            <a:tailEnd type="triangle"/>
+          </a:ln>
+        </p:spPr>
+        <p:style>
+          <a:lnRef idx="2">
+            <a:schemeClr val="accent1"/>
+          </a:lnRef>
+          <a:fillRef idx="0">
+            <a:schemeClr val="accent1"/>
+          </a:fillRef>
+          <a:effectRef idx="1">
+            <a:schemeClr val="accent1"/>
+          </a:effectRef>
+          <a:fontRef idx="minor">
+            <a:schemeClr val="tx1"/>
+          </a:fontRef>
+        </p:style>
+      </p:cxnSp>
     </p:spTree>
     <p:extLst>
       <p:ext uri="{BB962C8B-B14F-4D97-AF65-F5344CB8AC3E}">
@@ -19345,7 +22824,14 @@
           <a:bodyPr/>
           <a:lstStyle/>
           <a:p>
-            <a:endParaRPr lang="de-DE"/>
+            <a:r>
+              <a:rPr lang="de-DE" dirty="0" err="1"/>
+              <a:t>Filtered</a:t>
+            </a:r>
+            <a:r>
+              <a:rPr lang="de-DE" dirty="0"/>
+              <a:t> Differentiator (DT1)</a:t>
+            </a:r>
           </a:p>
         </p:txBody>
       </p:sp>
@@ -19438,6 +22924,115 @@
           <p:cNvPr id="2" name="Titel 1">
             <a:extLst>
               <a:ext uri="{FF2B5EF4-FFF2-40B4-BE49-F238E27FC236}">
+                <a16:creationId xmlns:a16="http://schemas.microsoft.com/office/drawing/2014/main" id="{E10FD682-F803-4C07-B69E-9594CD239360}"/>
+              </a:ext>
+            </a:extLst>
+          </p:cNvPr>
+          <p:cNvSpPr>
+            <a:spLocks noGrp="1"/>
+          </p:cNvSpPr>
+          <p:nvPr>
+            <p:ph type="title"/>
+          </p:nvPr>
+        </p:nvSpPr>
+        <p:spPr/>
+        <p:txBody>
+          <a:bodyPr/>
+          <a:lstStyle/>
+          <a:p>
+            <a:endParaRPr lang="de-DE"/>
+          </a:p>
+        </p:txBody>
+      </p:sp>
+      <p:sp>
+        <p:nvSpPr>
+          <p:cNvPr id="3" name="Inhaltsplatzhalter 2">
+            <a:extLst>
+              <a:ext uri="{FF2B5EF4-FFF2-40B4-BE49-F238E27FC236}">
+                <a16:creationId xmlns:a16="http://schemas.microsoft.com/office/drawing/2014/main" id="{11EBBDDD-42A4-AA13-4A2F-C4F1032335F9}"/>
+              </a:ext>
+            </a:extLst>
+          </p:cNvPr>
+          <p:cNvSpPr>
+            <a:spLocks noGrp="1"/>
+          </p:cNvSpPr>
+          <p:nvPr>
+            <p:ph idx="1"/>
+          </p:nvPr>
+        </p:nvSpPr>
+        <p:spPr/>
+        <p:txBody>
+          <a:bodyPr/>
+          <a:lstStyle/>
+          <a:p>
+            <a:endParaRPr lang="de-DE"/>
+          </a:p>
+        </p:txBody>
+      </p:sp>
+      <p:sp>
+        <p:nvSpPr>
+          <p:cNvPr id="4" name="Foliennummernplatzhalter 3">
+            <a:extLst>
+              <a:ext uri="{FF2B5EF4-FFF2-40B4-BE49-F238E27FC236}">
+                <a16:creationId xmlns:a16="http://schemas.microsoft.com/office/drawing/2014/main" id="{AE747421-C035-8648-3D82-DD90B96DB1F6}"/>
+              </a:ext>
+            </a:extLst>
+          </p:cNvPr>
+          <p:cNvSpPr>
+            <a:spLocks noGrp="1"/>
+          </p:cNvSpPr>
+          <p:nvPr>
+            <p:ph type="sldNum" sz="quarter" idx="12"/>
+          </p:nvPr>
+        </p:nvSpPr>
+        <p:spPr/>
+        <p:txBody>
+          <a:bodyPr/>
+          <a:lstStyle/>
+          <a:p>
+            <a:fld id="{08C366F5-AFAD-49CB-854A-9D9E238FCA13}" type="slidenum">
+              <a:rPr lang="en-GB" smtClean="0"/>
+              <a:t>33</a:t>
+            </a:fld>
+            <a:endParaRPr lang="en-GB"/>
+          </a:p>
+        </p:txBody>
+      </p:sp>
+    </p:spTree>
+    <p:extLst>
+      <p:ext uri="{BB962C8B-B14F-4D97-AF65-F5344CB8AC3E}">
+        <p14:creationId xmlns:p14="http://schemas.microsoft.com/office/powerpoint/2010/main" val="1809267775"/>
+      </p:ext>
+    </p:extLst>
+  </p:cSld>
+  <p:clrMapOvr>
+    <a:masterClrMapping/>
+  </p:clrMapOvr>
+</p:sld>
+</file>
+
+<file path=ppt/slides/slide34.xml><?xml version="1.0" encoding="utf-8"?>
+<p:sld xmlns:a="http://schemas.openxmlformats.org/drawingml/2006/main" xmlns:r="http://schemas.openxmlformats.org/officeDocument/2006/relationships" xmlns:p="http://schemas.openxmlformats.org/presentationml/2006/main">
+  <p:cSld>
+    <p:spTree>
+      <p:nvGrpSpPr>
+        <p:cNvPr id="1" name=""/>
+        <p:cNvGrpSpPr/>
+        <p:nvPr/>
+      </p:nvGrpSpPr>
+      <p:grpSpPr>
+        <a:xfrm>
+          <a:off x="0" y="0"/>
+          <a:ext cx="0" cy="0"/>
+          <a:chOff x="0" y="0"/>
+          <a:chExt cx="0" cy="0"/>
+        </a:xfrm>
+      </p:grpSpPr>
+      <p:sp>
+        <p:nvSpPr>
+          <p:cNvPr id="2" name="Titel 1">
+            <a:extLst>
+              <a:ext uri="{FF2B5EF4-FFF2-40B4-BE49-F238E27FC236}">
                 <a16:creationId xmlns:a16="http://schemas.microsoft.com/office/drawing/2014/main" id="{385222A6-0C71-26AA-81F8-81C4E3A8019F}"/>
               </a:ext>
             </a:extLst>
@@ -19456,7 +23051,7 @@
           <a:p>
             <a:r>
               <a:rPr lang="de-DE" dirty="0"/>
-              <a:t>Second-Order Lag Element</a:t>
+              <a:t>Second-Order Lag Element (PT2)</a:t>
             </a:r>
           </a:p>
         </p:txBody>
@@ -19482,7 +23077,10 @@
           <a:bodyPr/>
           <a:lstStyle/>
           <a:p>
-            <a:endParaRPr lang="de-DE"/>
+            <a:r>
+              <a:rPr lang="de-DE" dirty="0"/>
+              <a:t>…</a:t>
+            </a:r>
           </a:p>
         </p:txBody>
       </p:sp>
@@ -19509,12 +23107,84 @@
           <a:p>
             <a:fld id="{08C366F5-AFAD-49CB-854A-9D9E238FCA13}" type="slidenum">
               <a:rPr lang="en-GB" smtClean="0"/>
-              <a:t>33</a:t>
+              <a:t>34</a:t>
             </a:fld>
             <a:endParaRPr lang="en-GB"/>
           </a:p>
         </p:txBody>
       </p:sp>
+      <p:pic>
+        <p:nvPicPr>
+          <p:cNvPr id="6" name="Grafik 5">
+            <a:extLst>
+              <a:ext uri="{FF2B5EF4-FFF2-40B4-BE49-F238E27FC236}">
+                <a16:creationId xmlns:a16="http://schemas.microsoft.com/office/drawing/2014/main" id="{3EFE9387-5F54-46F4-B3CA-B6D22391270F}"/>
+              </a:ext>
+            </a:extLst>
+          </p:cNvPr>
+          <p:cNvPicPr>
+            <a:picLocks noChangeAspect="1"/>
+          </p:cNvPicPr>
+          <p:nvPr/>
+        </p:nvPicPr>
+        <p:blipFill>
+          <a:blip r:embed="rId2">
+            <a:extLst>
+              <a:ext uri="{96DAC541-7B7A-43D3-8B79-37D633B846F1}">
+                <asvg:svgBlip xmlns:asvg="http://schemas.microsoft.com/office/drawing/2016/SVG/main" r:embed="rId3"/>
+              </a:ext>
+            </a:extLst>
+          </a:blip>
+          <a:stretch>
+            <a:fillRect/>
+          </a:stretch>
+        </p:blipFill>
+        <p:spPr>
+          <a:xfrm>
+            <a:off x="3238500" y="5299075"/>
+            <a:ext cx="2857500" cy="1422400"/>
+          </a:xfrm>
+          <a:prstGeom prst="rect">
+            <a:avLst/>
+          </a:prstGeom>
+        </p:spPr>
+      </p:pic>
+      <p:pic>
+        <p:nvPicPr>
+          <p:cNvPr id="8" name="Grafik 7">
+            <a:extLst>
+              <a:ext uri="{FF2B5EF4-FFF2-40B4-BE49-F238E27FC236}">
+                <a16:creationId xmlns:a16="http://schemas.microsoft.com/office/drawing/2014/main" id="{FF7736A4-BCFD-87E1-87B3-4FEF99FF29C7}"/>
+              </a:ext>
+            </a:extLst>
+          </p:cNvPr>
+          <p:cNvPicPr>
+            <a:picLocks noChangeAspect="1"/>
+          </p:cNvPicPr>
+          <p:nvPr/>
+        </p:nvPicPr>
+        <p:blipFill>
+          <a:blip r:embed="rId4">
+            <a:extLst>
+              <a:ext uri="{96DAC541-7B7A-43D3-8B79-37D633B846F1}">
+                <asvg:svgBlip xmlns:asvg="http://schemas.microsoft.com/office/drawing/2016/SVG/main" r:embed="rId5"/>
+              </a:ext>
+            </a:extLst>
+          </a:blip>
+          <a:stretch>
+            <a:fillRect/>
+          </a:stretch>
+        </p:blipFill>
+        <p:spPr>
+          <a:xfrm>
+            <a:off x="7388488" y="1690688"/>
+            <a:ext cx="4803512" cy="3617912"/>
+          </a:xfrm>
+          <a:prstGeom prst="rect">
+            <a:avLst/>
+          </a:prstGeom>
+        </p:spPr>
+      </p:pic>
     </p:spTree>
     <p:extLst>
       <p:ext uri="{BB962C8B-B14F-4D97-AF65-F5344CB8AC3E}">
@@ -19528,7 +23198,7 @@
 </p:sld>
 </file>
 
-<file path=ppt/slides/slide34.xml><?xml version="1.0" encoding="utf-8"?>
+<file path=ppt/slides/slide35.xml><?xml version="1.0" encoding="utf-8"?>
 <p:sld xmlns:a="http://schemas.openxmlformats.org/drawingml/2006/main" xmlns:r="http://schemas.openxmlformats.org/officeDocument/2006/relationships" xmlns:p="http://schemas.openxmlformats.org/presentationml/2006/main">
   <p:cSld>
     <p:spTree>
@@ -19566,7 +23236,7 @@
           <a:bodyPr/>
           <a:lstStyle/>
           <a:p>
-            <a:endParaRPr lang="de-DE"/>
+            <a:endParaRPr lang="de-DE" dirty="0"/>
           </a:p>
         </p:txBody>
       </p:sp>
@@ -19618,7 +23288,7 @@
           <a:p>
             <a:fld id="{08C366F5-AFAD-49CB-854A-9D9E238FCA13}" type="slidenum">
               <a:rPr lang="en-GB" smtClean="0"/>
-              <a:t>34</a:t>
+              <a:t>35</a:t>
             </a:fld>
             <a:endParaRPr lang="en-GB"/>
           </a:p>
@@ -19637,7 +23307,7 @@
 </p:sld>
 </file>
 
-<file path=ppt/slides/slide35.xml><?xml version="1.0" encoding="utf-8"?>
+<file path=ppt/slides/slide36.xml><?xml version="1.0" encoding="utf-8"?>
 <p:sld xmlns:a="http://schemas.openxmlformats.org/drawingml/2006/main" xmlns:r="http://schemas.openxmlformats.org/officeDocument/2006/relationships" xmlns:p="http://schemas.openxmlformats.org/presentationml/2006/main">
   <p:cSld>
     <p:spTree>
@@ -20363,7 +24033,7 @@
           <a:p>
             <a:fld id="{08C366F5-AFAD-49CB-854A-9D9E238FCA13}" type="slidenum">
               <a:rPr lang="en-GB" smtClean="0"/>
-              <a:t>35</a:t>
+              <a:t>36</a:t>
             </a:fld>
             <a:endParaRPr lang="en-GB"/>
           </a:p>
@@ -20559,7 +24229,7 @@
 </p:sld>
 </file>
 
-<file path=ppt/slides/slide36.xml><?xml version="1.0" encoding="utf-8"?>
+<file path=ppt/slides/slide37.xml><?xml version="1.0" encoding="utf-8"?>
 <p:sld xmlns:a="http://schemas.openxmlformats.org/drawingml/2006/main" xmlns:r="http://schemas.openxmlformats.org/officeDocument/2006/relationships" xmlns:p="http://schemas.openxmlformats.org/presentationml/2006/main">
   <p:cSld>
     <p:spTree>
@@ -20627,7 +24297,7 @@
           <a:p>
             <a:fld id="{08C366F5-AFAD-49CB-854A-9D9E238FCA13}" type="slidenum">
               <a:rPr lang="en-GB" smtClean="0"/>
-              <a:t>36</a:t>
+              <a:t>37</a:t>
             </a:fld>
             <a:endParaRPr lang="en-GB"/>
           </a:p>
@@ -22668,8 +26338,8 @@
           </p:style>
         </p:cxnSp>
       </p:grpSp>
-      <mc:AlternateContent xmlns:mc="http://schemas.openxmlformats.org/markup-compatibility/2006">
-        <mc:Choice xmlns:a14="http://schemas.microsoft.com/office/drawing/2010/main" Requires="a14">
+      <mc:AlternateContent xmlns:mc="http://schemas.openxmlformats.org/markup-compatibility/2006" xmlns:a14="http://schemas.microsoft.com/office/drawing/2010/main">
+        <mc:Choice Requires="a14">
           <p:sp>
             <p:nvSpPr>
               <p:cNvPr id="3" name="Textfeld 2">
@@ -22698,6 +26368,7 @@
               </a:bodyPr>
               <a:lstStyle/>
               <a:p>
+                <a:pPr/>
                 <a14:m>
                   <m:oMathPara xmlns:m="http://schemas.openxmlformats.org/officeDocument/2006/math">
                     <m:oMathParaPr>
@@ -22839,6 +26510,7 @@
                 <a:endParaRPr lang="de-DE" sz="2400" dirty="0"/>
               </a:p>
               <a:p>
+                <a:pPr/>
                 <a14:m>
                   <m:oMathPara xmlns:m="http://schemas.openxmlformats.org/officeDocument/2006/math">
                     <m:oMathParaPr>
@@ -22990,6 +26662,7 @@
                 <a:endParaRPr lang="de-DE" sz="2400" dirty="0"/>
               </a:p>
               <a:p>
+                <a:pPr/>
                 <a14:m>
                   <m:oMathPara xmlns:m="http://schemas.openxmlformats.org/officeDocument/2006/math">
                     <m:oMathParaPr>
@@ -23165,7 +26838,7 @@
             </p:txBody>
           </p:sp>
         </mc:Choice>
-        <mc:Fallback>
+        <mc:Fallback xmlns="">
           <p:sp>
             <p:nvSpPr>
               <p:cNvPr id="3" name="Textfeld 2">
@@ -23317,8 +26990,8 @@
           </a:fontRef>
         </p:style>
       </p:cxnSp>
-      <mc:AlternateContent xmlns:mc="http://schemas.openxmlformats.org/markup-compatibility/2006">
-        <mc:Choice xmlns:a14="http://schemas.microsoft.com/office/drawing/2010/main" Requires="a14">
+      <mc:AlternateContent xmlns:mc="http://schemas.openxmlformats.org/markup-compatibility/2006" xmlns:a14="http://schemas.microsoft.com/office/drawing/2010/main">
+        <mc:Choice Requires="a14">
           <p:sp>
             <p:nvSpPr>
               <p:cNvPr id="9" name="Textfeld 8">
@@ -23572,7 +27245,7 @@
             </p:txBody>
           </p:sp>
         </mc:Choice>
-        <mc:Fallback>
+        <mc:Fallback xmlns="">
           <p:sp>
             <p:nvSpPr>
               <p:cNvPr id="9" name="Textfeld 8">
@@ -23617,8 +27290,8 @@
           </p:sp>
         </mc:Fallback>
       </mc:AlternateContent>
-      <mc:AlternateContent xmlns:mc="http://schemas.openxmlformats.org/markup-compatibility/2006">
-        <mc:Choice xmlns:a14="http://schemas.microsoft.com/office/drawing/2010/main" Requires="a14">
+      <mc:AlternateContent xmlns:mc="http://schemas.openxmlformats.org/markup-compatibility/2006" xmlns:a14="http://schemas.microsoft.com/office/drawing/2010/main">
+        <mc:Choice Requires="a14">
           <p:sp>
             <p:nvSpPr>
               <p:cNvPr id="11" name="Textfeld 10">
@@ -23752,7 +27425,7 @@
             </p:txBody>
           </p:sp>
         </mc:Choice>
-        <mc:Fallback>
+        <mc:Fallback xmlns="">
           <p:sp>
             <p:nvSpPr>
               <p:cNvPr id="11" name="Textfeld 10">
@@ -23810,7 +27483,7 @@
 </p:sld>
 </file>
 
-<file path=ppt/slides/slide37.xml><?xml version="1.0" encoding="utf-8"?>
+<file path=ppt/slides/slide38.xml><?xml version="1.0" encoding="utf-8"?>
 <p:sld xmlns:a="http://schemas.openxmlformats.org/drawingml/2006/main" xmlns:r="http://schemas.openxmlformats.org/officeDocument/2006/relationships" xmlns:p="http://schemas.openxmlformats.org/presentationml/2006/main">
   <p:cSld>
     <p:spTree>
@@ -23860,8 +27533,8 @@
           </a:p>
         </p:txBody>
       </p:sp>
-      <mc:AlternateContent xmlns:mc="http://schemas.openxmlformats.org/markup-compatibility/2006">
-        <mc:Choice xmlns:a14="http://schemas.microsoft.com/office/drawing/2010/main" Requires="a14">
+      <mc:AlternateContent xmlns:mc="http://schemas.openxmlformats.org/markup-compatibility/2006" xmlns:a14="http://schemas.microsoft.com/office/drawing/2010/main">
+        <mc:Choice Requires="a14">
           <p:sp>
             <p:nvSpPr>
               <p:cNvPr id="4" name="Inhaltsplatzhalter 3">
@@ -24537,7 +28210,7 @@
             </p:txBody>
           </p:sp>
         </mc:Choice>
-        <mc:Fallback>
+        <mc:Fallback xmlns="">
           <p:sp>
             <p:nvSpPr>
               <p:cNvPr id="4" name="Inhaltsplatzhalter 3">
@@ -24600,7 +28273,7 @@
           <a:p>
             <a:fld id="{08C366F5-AFAD-49CB-854A-9D9E238FCA13}" type="slidenum">
               <a:rPr lang="en-GB" smtClean="0"/>
-              <a:t>37</a:t>
+              <a:t>38</a:t>
             </a:fld>
             <a:endParaRPr lang="en-GB"/>
           </a:p>
@@ -24619,7 +28292,7 @@
 </p:sld>
 </file>
 
-<file path=ppt/slides/slide38.xml><?xml version="1.0" encoding="utf-8"?>
+<file path=ppt/slides/slide39.xml><?xml version="1.0" encoding="utf-8"?>
 <p:sld xmlns:a="http://schemas.openxmlformats.org/drawingml/2006/main" xmlns:r="http://schemas.openxmlformats.org/officeDocument/2006/relationships" xmlns:p="http://schemas.openxmlformats.org/presentationml/2006/main">
   <p:cSld>
     <p:spTree>
@@ -24692,7 +28365,7 @@
           <a:p>
             <a:fld id="{08C366F5-AFAD-49CB-854A-9D9E238FCA13}" type="slidenum">
               <a:rPr lang="en-GB" smtClean="0"/>
-              <a:t>38</a:t>
+              <a:t>39</a:t>
             </a:fld>
             <a:endParaRPr lang="en-GB"/>
           </a:p>
@@ -28244,8 +31917,8 @@
           </a:p>
         </p:txBody>
       </p:sp>
-      <mc:AlternateContent xmlns:mc="http://schemas.openxmlformats.org/markup-compatibility/2006">
-        <mc:Choice xmlns:a14="http://schemas.microsoft.com/office/drawing/2010/main" Requires="a14">
+      <mc:AlternateContent xmlns:mc="http://schemas.openxmlformats.org/markup-compatibility/2006" xmlns:a14="http://schemas.microsoft.com/office/drawing/2010/main">
+        <mc:Choice Requires="a14">
           <p:sp>
             <p:nvSpPr>
               <p:cNvPr id="2" name="Textfeld 1">
@@ -28527,7 +32200,7 @@
             </p:txBody>
           </p:sp>
         </mc:Choice>
-        <mc:Fallback>
+        <mc:Fallback xmlns="">
           <p:sp>
             <p:nvSpPr>
               <p:cNvPr id="2" name="Textfeld 1">
@@ -28613,8 +32286,8 @@
           </a:fontRef>
         </p:style>
       </p:cxnSp>
-      <mc:AlternateContent xmlns:mc="http://schemas.openxmlformats.org/markup-compatibility/2006">
-        <mc:Choice xmlns:a14="http://schemas.microsoft.com/office/drawing/2010/main" Requires="a14">
+      <mc:AlternateContent xmlns:mc="http://schemas.openxmlformats.org/markup-compatibility/2006" xmlns:a14="http://schemas.microsoft.com/office/drawing/2010/main">
+        <mc:Choice Requires="a14">
           <p:sp>
             <p:nvSpPr>
               <p:cNvPr id="22" name="Textfeld 21">
@@ -28980,7 +32653,7 @@
             </p:txBody>
           </p:sp>
         </mc:Choice>
-        <mc:Fallback>
+        <mc:Fallback xmlns="">
           <p:sp>
             <p:nvSpPr>
               <p:cNvPr id="22" name="Textfeld 21">
@@ -29038,7 +32711,288 @@
 </p:sld>
 </file>
 
-<file path=ppt/slides/slide39.xml><?xml version="1.0" encoding="utf-8"?>
+<file path=ppt/slides/slide4.xml><?xml version="1.0" encoding="utf-8"?>
+<p:sld xmlns:a="http://schemas.openxmlformats.org/drawingml/2006/main" xmlns:r="http://schemas.openxmlformats.org/officeDocument/2006/relationships" xmlns:p="http://schemas.openxmlformats.org/presentationml/2006/main">
+  <p:cSld>
+    <p:spTree>
+      <p:nvGrpSpPr>
+        <p:cNvPr id="1" name=""/>
+        <p:cNvGrpSpPr/>
+        <p:nvPr/>
+      </p:nvGrpSpPr>
+      <p:grpSpPr>
+        <a:xfrm>
+          <a:off x="0" y="0"/>
+          <a:ext cx="0" cy="0"/>
+          <a:chOff x="0" y="0"/>
+          <a:chExt cx="0" cy="0"/>
+        </a:xfrm>
+      </p:grpSpPr>
+      <p:sp>
+        <p:nvSpPr>
+          <p:cNvPr id="2" name="Titel 1">
+            <a:extLst>
+              <a:ext uri="{FF2B5EF4-FFF2-40B4-BE49-F238E27FC236}">
+                <a16:creationId xmlns:a16="http://schemas.microsoft.com/office/drawing/2014/main" id="{507741D1-FBFA-820C-BFA5-8ACB5E0C4438}"/>
+              </a:ext>
+            </a:extLst>
+          </p:cNvPr>
+          <p:cNvSpPr>
+            <a:spLocks noGrp="1"/>
+          </p:cNvSpPr>
+          <p:nvPr>
+            <p:ph type="title"/>
+          </p:nvPr>
+        </p:nvSpPr>
+        <p:spPr/>
+        <p:txBody>
+          <a:bodyPr/>
+          <a:lstStyle/>
+          <a:p>
+            <a:r>
+              <a:rPr lang="de-DE" dirty="0" err="1"/>
+              <a:t>Why</a:t>
+            </a:r>
+            <a:r>
+              <a:rPr lang="de-DE" dirty="0"/>
+              <a:t> </a:t>
+            </a:r>
+            <a:r>
+              <a:rPr lang="de-DE" dirty="0" err="1"/>
+              <a:t>the</a:t>
+            </a:r>
+            <a:r>
+              <a:rPr lang="de-DE" dirty="0"/>
+              <a:t> Laplace Transform?</a:t>
+            </a:r>
+          </a:p>
+        </p:txBody>
+      </p:sp>
+      <p:sp>
+        <p:nvSpPr>
+          <p:cNvPr id="3" name="Inhaltsplatzhalter 2">
+            <a:extLst>
+              <a:ext uri="{FF2B5EF4-FFF2-40B4-BE49-F238E27FC236}">
+                <a16:creationId xmlns:a16="http://schemas.microsoft.com/office/drawing/2014/main" id="{032BD236-0880-C8F4-68F5-D1259FA32E10}"/>
+              </a:ext>
+            </a:extLst>
+          </p:cNvPr>
+          <p:cNvSpPr>
+            <a:spLocks noGrp="1"/>
+          </p:cNvSpPr>
+          <p:nvPr>
+            <p:ph idx="1"/>
+          </p:nvPr>
+        </p:nvSpPr>
+        <p:spPr/>
+        <p:txBody>
+          <a:bodyPr/>
+          <a:lstStyle/>
+          <a:p>
+            <a:r>
+              <a:rPr lang="de-DE" dirty="0" err="1"/>
+              <a:t>Converts</a:t>
+            </a:r>
+            <a:r>
+              <a:rPr lang="de-DE" dirty="0"/>
+              <a:t> differential </a:t>
+            </a:r>
+            <a:r>
+              <a:rPr lang="de-DE" dirty="0" err="1"/>
+              <a:t>equations</a:t>
+            </a:r>
+            <a:r>
+              <a:rPr lang="de-DE" dirty="0"/>
+              <a:t> (</a:t>
+            </a:r>
+            <a:r>
+              <a:rPr lang="de-DE" dirty="0" err="1"/>
+              <a:t>dynamic</a:t>
+            </a:r>
+            <a:r>
+              <a:rPr lang="de-DE" dirty="0"/>
+              <a:t> </a:t>
+            </a:r>
+            <a:r>
+              <a:rPr lang="de-DE" dirty="0" err="1"/>
+              <a:t>systems</a:t>
+            </a:r>
+            <a:r>
+              <a:rPr lang="de-DE" dirty="0"/>
+              <a:t>) </a:t>
+            </a:r>
+            <a:r>
+              <a:rPr lang="de-DE" dirty="0" err="1"/>
+              <a:t>into</a:t>
+            </a:r>
+            <a:r>
+              <a:rPr lang="de-DE" dirty="0"/>
+              <a:t> </a:t>
+            </a:r>
+            <a:r>
+              <a:rPr lang="de-DE" dirty="0" err="1"/>
+              <a:t>algebraic</a:t>
+            </a:r>
+            <a:r>
+              <a:rPr lang="de-DE" dirty="0"/>
+              <a:t> </a:t>
+            </a:r>
+            <a:r>
+              <a:rPr lang="de-DE" dirty="0" err="1"/>
+              <a:t>equations</a:t>
+            </a:r>
+            <a:r>
+              <a:rPr lang="de-DE" dirty="0"/>
+              <a:t> </a:t>
+            </a:r>
+            <a:r>
+              <a:rPr lang="de-DE" dirty="0">
+                <a:sym typeface="Wingdings" pitchFamily="2" charset="2"/>
+              </a:rPr>
+              <a:t> </a:t>
+            </a:r>
+            <a:r>
+              <a:rPr lang="de-DE" dirty="0" err="1">
+                <a:sym typeface="Wingdings" pitchFamily="2" charset="2"/>
+              </a:rPr>
+              <a:t>easier</a:t>
+            </a:r>
+            <a:r>
+              <a:rPr lang="de-DE" dirty="0">
+                <a:sym typeface="Wingdings" pitchFamily="2" charset="2"/>
+              </a:rPr>
+              <a:t> </a:t>
+            </a:r>
+            <a:r>
+              <a:rPr lang="de-DE" dirty="0" err="1">
+                <a:sym typeface="Wingdings" pitchFamily="2" charset="2"/>
+              </a:rPr>
+              <a:t>to</a:t>
+            </a:r>
+            <a:r>
+              <a:rPr lang="de-DE" dirty="0">
+                <a:sym typeface="Wingdings" pitchFamily="2" charset="2"/>
+              </a:rPr>
+              <a:t> </a:t>
+            </a:r>
+            <a:r>
+              <a:rPr lang="de-DE" dirty="0" err="1">
+                <a:sym typeface="Wingdings" pitchFamily="2" charset="2"/>
+              </a:rPr>
+              <a:t>solve</a:t>
+            </a:r>
+            <a:endParaRPr lang="de-DE" dirty="0"/>
+          </a:p>
+          <a:p>
+            <a:pPr marL="0" indent="0">
+              <a:buNone/>
+            </a:pPr>
+            <a:endParaRPr lang="de-DE" dirty="0"/>
+          </a:p>
+          <a:p>
+            <a:r>
+              <a:rPr lang="de-DE" dirty="0" err="1"/>
+              <a:t>Simplifies</a:t>
+            </a:r>
+            <a:r>
+              <a:rPr lang="de-DE" dirty="0"/>
+              <a:t> </a:t>
+            </a:r>
+            <a:r>
+              <a:rPr lang="de-DE" dirty="0" err="1"/>
+              <a:t>analysis</a:t>
+            </a:r>
+            <a:r>
+              <a:rPr lang="de-DE" dirty="0"/>
+              <a:t> and design</a:t>
+            </a:r>
+          </a:p>
+          <a:p>
+            <a:pPr marL="0" indent="0">
+              <a:buNone/>
+            </a:pPr>
+            <a:endParaRPr lang="de-DE" dirty="0"/>
+          </a:p>
+          <a:p>
+            <a:r>
+              <a:rPr lang="de-DE" dirty="0"/>
+              <a:t>Natural </a:t>
+            </a:r>
+            <a:r>
+              <a:rPr lang="de-DE" dirty="0" err="1"/>
+              <a:t>language</a:t>
+            </a:r>
+            <a:r>
+              <a:rPr lang="de-DE" dirty="0"/>
+              <a:t> </a:t>
+            </a:r>
+            <a:r>
+              <a:rPr lang="de-DE" dirty="0" err="1"/>
+              <a:t>of</a:t>
+            </a:r>
+            <a:r>
+              <a:rPr lang="de-DE" dirty="0"/>
+              <a:t> </a:t>
+            </a:r>
+            <a:r>
+              <a:rPr lang="de-DE" dirty="0" err="1"/>
+              <a:t>control</a:t>
+            </a:r>
+            <a:r>
+              <a:rPr lang="de-DE" dirty="0"/>
+              <a:t> </a:t>
+            </a:r>
+            <a:r>
+              <a:rPr lang="de-DE" dirty="0" err="1"/>
+              <a:t>theory</a:t>
+            </a:r>
+            <a:endParaRPr lang="de-DE" dirty="0"/>
+          </a:p>
+        </p:txBody>
+      </p:sp>
+      <p:sp>
+        <p:nvSpPr>
+          <p:cNvPr id="4" name="Foliennummernplatzhalter 3">
+            <a:extLst>
+              <a:ext uri="{FF2B5EF4-FFF2-40B4-BE49-F238E27FC236}">
+                <a16:creationId xmlns:a16="http://schemas.microsoft.com/office/drawing/2014/main" id="{490F3532-E720-6A9C-BDAA-D91C7C153ADF}"/>
+              </a:ext>
+            </a:extLst>
+          </p:cNvPr>
+          <p:cNvSpPr>
+            <a:spLocks noGrp="1"/>
+          </p:cNvSpPr>
+          <p:nvPr>
+            <p:ph type="sldNum" sz="quarter" idx="12"/>
+          </p:nvPr>
+        </p:nvSpPr>
+        <p:spPr/>
+        <p:txBody>
+          <a:bodyPr/>
+          <a:lstStyle/>
+          <a:p>
+            <a:fld id="{08C366F5-AFAD-49CB-854A-9D9E238FCA13}" type="slidenum">
+              <a:rPr lang="en-GB" smtClean="0"/>
+              <a:t>4</a:t>
+            </a:fld>
+            <a:endParaRPr lang="en-GB"/>
+          </a:p>
+        </p:txBody>
+      </p:sp>
+    </p:spTree>
+    <p:extLst>
+      <p:ext uri="{BB962C8B-B14F-4D97-AF65-F5344CB8AC3E}">
+        <p14:creationId xmlns:p14="http://schemas.microsoft.com/office/powerpoint/2010/main" val="3772188835"/>
+      </p:ext>
+    </p:extLst>
+  </p:cSld>
+  <p:clrMapOvr>
+    <a:masterClrMapping/>
+  </p:clrMapOvr>
+</p:sld>
+</file>
+
+<file path=ppt/slides/slide40.xml><?xml version="1.0" encoding="utf-8"?>
 <p:sld xmlns:a="http://schemas.openxmlformats.org/drawingml/2006/main" xmlns:r="http://schemas.openxmlformats.org/officeDocument/2006/relationships" xmlns:p="http://schemas.openxmlformats.org/presentationml/2006/main">
   <p:cSld>
     <p:spTree>
@@ -29132,7 +33086,7 @@
           <a:p>
             <a:fld id="{08C366F5-AFAD-49CB-854A-9D9E238FCA13}" type="slidenum">
               <a:rPr lang="en-GB" smtClean="0"/>
-              <a:t>39</a:t>
+              <a:t>40</a:t>
             </a:fld>
             <a:endParaRPr lang="en-GB"/>
           </a:p>
@@ -29142,287 +33096,6 @@
     <p:extLst>
       <p:ext uri="{BB962C8B-B14F-4D97-AF65-F5344CB8AC3E}">
         <p14:creationId xmlns:p14="http://schemas.microsoft.com/office/powerpoint/2010/main" val="2483745066"/>
-      </p:ext>
-    </p:extLst>
-  </p:cSld>
-  <p:clrMapOvr>
-    <a:masterClrMapping/>
-  </p:clrMapOvr>
-</p:sld>
-</file>
-
-<file path=ppt/slides/slide4.xml><?xml version="1.0" encoding="utf-8"?>
-<p:sld xmlns:a="http://schemas.openxmlformats.org/drawingml/2006/main" xmlns:r="http://schemas.openxmlformats.org/officeDocument/2006/relationships" xmlns:p="http://schemas.openxmlformats.org/presentationml/2006/main">
-  <p:cSld>
-    <p:spTree>
-      <p:nvGrpSpPr>
-        <p:cNvPr id="1" name=""/>
-        <p:cNvGrpSpPr/>
-        <p:nvPr/>
-      </p:nvGrpSpPr>
-      <p:grpSpPr>
-        <a:xfrm>
-          <a:off x="0" y="0"/>
-          <a:ext cx="0" cy="0"/>
-          <a:chOff x="0" y="0"/>
-          <a:chExt cx="0" cy="0"/>
-        </a:xfrm>
-      </p:grpSpPr>
-      <p:sp>
-        <p:nvSpPr>
-          <p:cNvPr id="2" name="Titel 1">
-            <a:extLst>
-              <a:ext uri="{FF2B5EF4-FFF2-40B4-BE49-F238E27FC236}">
-                <a16:creationId xmlns:a16="http://schemas.microsoft.com/office/drawing/2014/main" id="{507741D1-FBFA-820C-BFA5-8ACB5E0C4438}"/>
-              </a:ext>
-            </a:extLst>
-          </p:cNvPr>
-          <p:cNvSpPr>
-            <a:spLocks noGrp="1"/>
-          </p:cNvSpPr>
-          <p:nvPr>
-            <p:ph type="title"/>
-          </p:nvPr>
-        </p:nvSpPr>
-        <p:spPr/>
-        <p:txBody>
-          <a:bodyPr/>
-          <a:lstStyle/>
-          <a:p>
-            <a:r>
-              <a:rPr lang="de-DE" dirty="0" err="1"/>
-              <a:t>Why</a:t>
-            </a:r>
-            <a:r>
-              <a:rPr lang="de-DE" dirty="0"/>
-              <a:t> </a:t>
-            </a:r>
-            <a:r>
-              <a:rPr lang="de-DE" dirty="0" err="1"/>
-              <a:t>the</a:t>
-            </a:r>
-            <a:r>
-              <a:rPr lang="de-DE" dirty="0"/>
-              <a:t> Laplace Transform?</a:t>
-            </a:r>
-          </a:p>
-        </p:txBody>
-      </p:sp>
-      <p:sp>
-        <p:nvSpPr>
-          <p:cNvPr id="3" name="Inhaltsplatzhalter 2">
-            <a:extLst>
-              <a:ext uri="{FF2B5EF4-FFF2-40B4-BE49-F238E27FC236}">
-                <a16:creationId xmlns:a16="http://schemas.microsoft.com/office/drawing/2014/main" id="{032BD236-0880-C8F4-68F5-D1259FA32E10}"/>
-              </a:ext>
-            </a:extLst>
-          </p:cNvPr>
-          <p:cNvSpPr>
-            <a:spLocks noGrp="1"/>
-          </p:cNvSpPr>
-          <p:nvPr>
-            <p:ph idx="1"/>
-          </p:nvPr>
-        </p:nvSpPr>
-        <p:spPr/>
-        <p:txBody>
-          <a:bodyPr/>
-          <a:lstStyle/>
-          <a:p>
-            <a:r>
-              <a:rPr lang="de-DE" dirty="0" err="1"/>
-              <a:t>Converts</a:t>
-            </a:r>
-            <a:r>
-              <a:rPr lang="de-DE" dirty="0"/>
-              <a:t> differential </a:t>
-            </a:r>
-            <a:r>
-              <a:rPr lang="de-DE" dirty="0" err="1"/>
-              <a:t>equations</a:t>
-            </a:r>
-            <a:r>
-              <a:rPr lang="de-DE" dirty="0"/>
-              <a:t> (</a:t>
-            </a:r>
-            <a:r>
-              <a:rPr lang="de-DE" dirty="0" err="1"/>
-              <a:t>dynamic</a:t>
-            </a:r>
-            <a:r>
-              <a:rPr lang="de-DE" dirty="0"/>
-              <a:t> </a:t>
-            </a:r>
-            <a:r>
-              <a:rPr lang="de-DE" dirty="0" err="1"/>
-              <a:t>systems</a:t>
-            </a:r>
-            <a:r>
-              <a:rPr lang="de-DE" dirty="0"/>
-              <a:t>) </a:t>
-            </a:r>
-            <a:r>
-              <a:rPr lang="de-DE" dirty="0" err="1"/>
-              <a:t>into</a:t>
-            </a:r>
-            <a:r>
-              <a:rPr lang="de-DE" dirty="0"/>
-              <a:t> </a:t>
-            </a:r>
-            <a:r>
-              <a:rPr lang="de-DE" dirty="0" err="1"/>
-              <a:t>algebraic</a:t>
-            </a:r>
-            <a:r>
-              <a:rPr lang="de-DE" dirty="0"/>
-              <a:t> </a:t>
-            </a:r>
-            <a:r>
-              <a:rPr lang="de-DE" dirty="0" err="1"/>
-              <a:t>equations</a:t>
-            </a:r>
-            <a:r>
-              <a:rPr lang="de-DE" dirty="0"/>
-              <a:t> </a:t>
-            </a:r>
-            <a:r>
-              <a:rPr lang="de-DE" dirty="0">
-                <a:sym typeface="Wingdings" pitchFamily="2" charset="2"/>
-              </a:rPr>
-              <a:t> </a:t>
-            </a:r>
-            <a:r>
-              <a:rPr lang="de-DE" dirty="0" err="1">
-                <a:sym typeface="Wingdings" pitchFamily="2" charset="2"/>
-              </a:rPr>
-              <a:t>easier</a:t>
-            </a:r>
-            <a:r>
-              <a:rPr lang="de-DE" dirty="0">
-                <a:sym typeface="Wingdings" pitchFamily="2" charset="2"/>
-              </a:rPr>
-              <a:t> </a:t>
-            </a:r>
-            <a:r>
-              <a:rPr lang="de-DE" dirty="0" err="1">
-                <a:sym typeface="Wingdings" pitchFamily="2" charset="2"/>
-              </a:rPr>
-              <a:t>to</a:t>
-            </a:r>
-            <a:r>
-              <a:rPr lang="de-DE" dirty="0">
-                <a:sym typeface="Wingdings" pitchFamily="2" charset="2"/>
-              </a:rPr>
-              <a:t> </a:t>
-            </a:r>
-            <a:r>
-              <a:rPr lang="de-DE" dirty="0" err="1">
-                <a:sym typeface="Wingdings" pitchFamily="2" charset="2"/>
-              </a:rPr>
-              <a:t>solve</a:t>
-            </a:r>
-            <a:endParaRPr lang="de-DE" dirty="0"/>
-          </a:p>
-          <a:p>
-            <a:pPr marL="0" indent="0">
-              <a:buNone/>
-            </a:pPr>
-            <a:endParaRPr lang="de-DE" dirty="0"/>
-          </a:p>
-          <a:p>
-            <a:r>
-              <a:rPr lang="de-DE" dirty="0" err="1"/>
-              <a:t>Simplifies</a:t>
-            </a:r>
-            <a:r>
-              <a:rPr lang="de-DE" dirty="0"/>
-              <a:t> </a:t>
-            </a:r>
-            <a:r>
-              <a:rPr lang="de-DE" dirty="0" err="1"/>
-              <a:t>analysis</a:t>
-            </a:r>
-            <a:r>
-              <a:rPr lang="de-DE" dirty="0"/>
-              <a:t> and design</a:t>
-            </a:r>
-          </a:p>
-          <a:p>
-            <a:pPr marL="0" indent="0">
-              <a:buNone/>
-            </a:pPr>
-            <a:endParaRPr lang="de-DE" dirty="0"/>
-          </a:p>
-          <a:p>
-            <a:r>
-              <a:rPr lang="de-DE" dirty="0"/>
-              <a:t>Natural </a:t>
-            </a:r>
-            <a:r>
-              <a:rPr lang="de-DE" dirty="0" err="1"/>
-              <a:t>language</a:t>
-            </a:r>
-            <a:r>
-              <a:rPr lang="de-DE" dirty="0"/>
-              <a:t> </a:t>
-            </a:r>
-            <a:r>
-              <a:rPr lang="de-DE" dirty="0" err="1"/>
-              <a:t>of</a:t>
-            </a:r>
-            <a:r>
-              <a:rPr lang="de-DE" dirty="0"/>
-              <a:t> </a:t>
-            </a:r>
-            <a:r>
-              <a:rPr lang="de-DE" dirty="0" err="1"/>
-              <a:t>control</a:t>
-            </a:r>
-            <a:r>
-              <a:rPr lang="de-DE" dirty="0"/>
-              <a:t> </a:t>
-            </a:r>
-            <a:r>
-              <a:rPr lang="de-DE" dirty="0" err="1"/>
-              <a:t>theory</a:t>
-            </a:r>
-            <a:endParaRPr lang="de-DE" dirty="0"/>
-          </a:p>
-        </p:txBody>
-      </p:sp>
-      <p:sp>
-        <p:nvSpPr>
-          <p:cNvPr id="4" name="Foliennummernplatzhalter 3">
-            <a:extLst>
-              <a:ext uri="{FF2B5EF4-FFF2-40B4-BE49-F238E27FC236}">
-                <a16:creationId xmlns:a16="http://schemas.microsoft.com/office/drawing/2014/main" id="{490F3532-E720-6A9C-BDAA-D91C7C153ADF}"/>
-              </a:ext>
-            </a:extLst>
-          </p:cNvPr>
-          <p:cNvSpPr>
-            <a:spLocks noGrp="1"/>
-          </p:cNvSpPr>
-          <p:nvPr>
-            <p:ph type="sldNum" sz="quarter" idx="12"/>
-          </p:nvPr>
-        </p:nvSpPr>
-        <p:spPr/>
-        <p:txBody>
-          <a:bodyPr/>
-          <a:lstStyle/>
-          <a:p>
-            <a:fld id="{08C366F5-AFAD-49CB-854A-9D9E238FCA13}" type="slidenum">
-              <a:rPr lang="en-GB" smtClean="0"/>
-              <a:t>4</a:t>
-            </a:fld>
-            <a:endParaRPr lang="en-GB"/>
-          </a:p>
-        </p:txBody>
-      </p:sp>
-    </p:spTree>
-    <p:extLst>
-      <p:ext uri="{BB962C8B-B14F-4D97-AF65-F5344CB8AC3E}">
-        <p14:creationId xmlns:p14="http://schemas.microsoft.com/office/powerpoint/2010/main" val="3772188835"/>
       </p:ext>
     </p:extLst>
   </p:cSld>

--- a/slides/3_Laplace.pptx
+++ b/slides/3_Laplace.pptx
@@ -18640,8 +18640,8 @@
           </a:p>
         </p:txBody>
       </p:sp>
-      <mc:AlternateContent xmlns:mc="http://schemas.openxmlformats.org/markup-compatibility/2006">
-        <mc:Choice xmlns:a14="http://schemas.microsoft.com/office/drawing/2010/main" Requires="a14">
+      <mc:AlternateContent xmlns:mc="http://schemas.openxmlformats.org/markup-compatibility/2006" xmlns:a14="http://schemas.microsoft.com/office/drawing/2010/main">
+        <mc:Choice Requires="a14">
           <p:sp>
             <p:nvSpPr>
               <p:cNvPr id="3" name="Inhaltsplatzhalter 2">
@@ -19204,7 +19204,7 @@
             </p:txBody>
           </p:sp>
         </mc:Choice>
-        <mc:Fallback>
+        <mc:Fallback xmlns="">
           <p:sp>
             <p:nvSpPr>
               <p:cNvPr id="3" name="Inhaltsplatzhalter 2">
@@ -19389,146 +19389,7 @@
                 <a14:m>
                   <m:oMath xmlns:m="http://schemas.openxmlformats.org/officeDocument/2006/math">
                     <m:r>
-                      <a:rPr lang="de-DE" b="0" i="1" smtClean="0">
-                        <a:latin typeface="Cambria Math" panose="02040503050406030204" pitchFamily="18" charset="0"/>
-                      </a:rPr>
-                      <m:t>𝑌</m:t>
-                    </m:r>
-                    <m:d>
-                      <m:dPr>
-                        <m:ctrlPr>
-                          <a:rPr lang="de-DE" b="0" i="1" smtClean="0">
-                            <a:latin typeface="Cambria Math" panose="02040503050406030204" pitchFamily="18" charset="0"/>
-                          </a:rPr>
-                        </m:ctrlPr>
-                      </m:dPr>
-                      <m:e>
-                        <m:r>
-                          <a:rPr lang="de-DE" b="0" i="1" smtClean="0">
-                            <a:latin typeface="Cambria Math" panose="02040503050406030204" pitchFamily="18" charset="0"/>
-                          </a:rPr>
-                          <m:t>𝑠</m:t>
-                        </m:r>
-                      </m:e>
-                    </m:d>
-                    <m:r>
-                      <a:rPr lang="de-DE" b="0" i="1" smtClean="0">
-                        <a:latin typeface="Cambria Math" panose="02040503050406030204" pitchFamily="18" charset="0"/>
-                      </a:rPr>
-                      <m:t>=</m:t>
-                    </m:r>
-                    <m:f>
-                      <m:fPr>
-                        <m:ctrlPr>
-                          <a:rPr lang="de-DE" b="0" i="1" smtClean="0">
-                            <a:latin typeface="Cambria Math" panose="02040503050406030204" pitchFamily="18" charset="0"/>
-                          </a:rPr>
-                        </m:ctrlPr>
-                      </m:fPr>
-                      <m:num>
-                        <m:sSub>
-                          <m:sSubPr>
-                            <m:ctrlPr>
-                              <a:rPr lang="de-DE" b="0" i="1" smtClean="0">
-                                <a:latin typeface="Cambria Math" panose="02040503050406030204" pitchFamily="18" charset="0"/>
-                              </a:rPr>
-                            </m:ctrlPr>
-                          </m:sSubPr>
-                          <m:e>
-                            <m:r>
-                              <a:rPr lang="de-DE" b="0" i="1" smtClean="0">
-                                <a:latin typeface="Cambria Math" panose="02040503050406030204" pitchFamily="18" charset="0"/>
-                              </a:rPr>
-                              <m:t>𝑏</m:t>
-                            </m:r>
-                          </m:e>
-                          <m:sub>
-                            <m:r>
-                              <a:rPr lang="de-DE" b="0" i="1" smtClean="0">
-                                <a:latin typeface="Cambria Math" panose="02040503050406030204" pitchFamily="18" charset="0"/>
-                              </a:rPr>
-                              <m:t>0</m:t>
-                            </m:r>
-                          </m:sub>
-                        </m:sSub>
-                      </m:num>
-                      <m:den>
-                        <m:sSub>
-                          <m:sSubPr>
-                            <m:ctrlPr>
-                              <a:rPr lang="de-DE" b="0" i="1" smtClean="0">
-                                <a:latin typeface="Cambria Math" panose="02040503050406030204" pitchFamily="18" charset="0"/>
-                              </a:rPr>
-                            </m:ctrlPr>
-                          </m:sSubPr>
-                          <m:e>
-                            <m:r>
-                              <a:rPr lang="de-DE" b="0" i="1" smtClean="0">
-                                <a:latin typeface="Cambria Math" panose="02040503050406030204" pitchFamily="18" charset="0"/>
-                              </a:rPr>
-                              <m:t>𝑎</m:t>
-                            </m:r>
-                          </m:e>
-                          <m:sub>
-                            <m:r>
-                              <a:rPr lang="de-DE" b="0" i="1" smtClean="0">
-                                <a:latin typeface="Cambria Math" panose="02040503050406030204" pitchFamily="18" charset="0"/>
-                              </a:rPr>
-                              <m:t>0</m:t>
-                            </m:r>
-                          </m:sub>
-                        </m:sSub>
-                      </m:den>
-                    </m:f>
-                    <m:r>
-                      <a:rPr lang="de-DE" b="0" i="1" smtClean="0">
-                        <a:latin typeface="Cambria Math" panose="02040503050406030204" pitchFamily="18" charset="0"/>
-                        <a:ea typeface="Cambria Math" panose="02040503050406030204" pitchFamily="18" charset="0"/>
-                      </a:rPr>
-                      <m:t>∙</m:t>
-                    </m:r>
-                    <m:r>
-                      <a:rPr lang="de-DE" b="0" i="1" smtClean="0">
-                        <a:latin typeface="Cambria Math" panose="02040503050406030204" pitchFamily="18" charset="0"/>
-                      </a:rPr>
-                      <m:t>𝑈</m:t>
-                    </m:r>
-                    <m:r>
-                      <a:rPr lang="de-DE" b="0" i="1" smtClean="0">
-                        <a:latin typeface="Cambria Math" panose="02040503050406030204" pitchFamily="18" charset="0"/>
-                      </a:rPr>
-                      <m:t>(</m:t>
-                    </m:r>
-                    <m:r>
-                      <a:rPr lang="de-DE" b="0" i="1" smtClean="0">
-                        <a:latin typeface="Cambria Math" panose="02040503050406030204" pitchFamily="18" charset="0"/>
-                      </a:rPr>
-                      <m:t>𝑠</m:t>
-                    </m:r>
-                    <m:r>
-                      <a:rPr lang="de-DE" b="0" i="1" smtClean="0">
-                        <a:latin typeface="Cambria Math" panose="02040503050406030204" pitchFamily="18" charset="0"/>
-                      </a:rPr>
-                      <m:t>)</m:t>
-                    </m:r>
-                  </m:oMath>
-                </a14:m>
-                <a:r>
-                  <a:rPr lang="de-DE" dirty="0"/>
-                  <a:t>     </a:t>
-                </a:r>
-                <a:r>
-                  <a:rPr lang="de-DE" dirty="0" err="1"/>
-                  <a:t>or</a:t>
-                </a:r>
-                <a:r>
-                  <a:rPr lang="de-DE" dirty="0"/>
-                  <a:t>     </a:t>
-                </a:r>
-                <a14:m>
-                  <m:oMath xmlns:m="http://schemas.openxmlformats.org/officeDocument/2006/math">
-                    <m:r>
-                      <a:rPr lang="de-DE" b="0" i="1" smtClean="0">
+                      <a:rPr lang="de-DE" i="1">
                         <a:latin typeface="Cambria Math" panose="02040503050406030204" pitchFamily="18" charset="0"/>
                       </a:rPr>
                       <m:t>𝑦</m:t>
@@ -19543,7 +19404,7 @@
                       </m:dPr>
                       <m:e>
                         <m:r>
-                          <a:rPr lang="de-DE" b="0" i="1" smtClean="0">
+                          <a:rPr lang="de-DE" i="1">
                             <a:latin typeface="Cambria Math" panose="02040503050406030204" pitchFamily="18" charset="0"/>
                           </a:rPr>
                           <m:t>𝑡</m:t>
@@ -19620,14 +19481,14 @@
                       </m:den>
                     </m:f>
                     <m:r>
-                      <a:rPr lang="de-DE" i="1" smtClean="0">
+                      <a:rPr lang="de-DE" i="1">
                         <a:latin typeface="Cambria Math" panose="02040503050406030204" pitchFamily="18" charset="0"/>
                         <a:ea typeface="Cambria Math" panose="02040503050406030204" pitchFamily="18" charset="0"/>
                       </a:rPr>
                       <m:t>∙</m:t>
                     </m:r>
                     <m:r>
-                      <a:rPr lang="de-DE" b="0" i="1" smtClean="0">
+                      <a:rPr lang="de-DE" i="1">
                         <a:latin typeface="Cambria Math" panose="02040503050406030204" pitchFamily="18" charset="0"/>
                       </a:rPr>
                       <m:t>𝑢</m:t>
@@ -19639,10 +19500,149 @@
                       <m:t>(</m:t>
                     </m:r>
                     <m:r>
-                      <a:rPr lang="de-DE" b="0" i="1" smtClean="0">
+                      <a:rPr lang="de-DE" i="1">
                         <a:latin typeface="Cambria Math" panose="02040503050406030204" pitchFamily="18" charset="0"/>
                       </a:rPr>
                       <m:t>𝑡</m:t>
+                    </m:r>
+                    <m:r>
+                      <a:rPr lang="de-DE" i="1">
+                        <a:latin typeface="Cambria Math" panose="02040503050406030204" pitchFamily="18" charset="0"/>
+                      </a:rPr>
+                      <m:t>)</m:t>
+                    </m:r>
+                  </m:oMath>
+                </a14:m>
+                <a:r>
+                  <a:rPr lang="de-DE" dirty="0"/>
+                  <a:t>     </a:t>
+                </a:r>
+                <a:r>
+                  <a:rPr lang="de-DE" dirty="0" err="1"/>
+                  <a:t>or</a:t>
+                </a:r>
+                <a:r>
+                  <a:rPr lang="de-DE" dirty="0"/>
+                  <a:t>     </a:t>
+                </a:r>
+                <a14:m>
+                  <m:oMath xmlns:m="http://schemas.openxmlformats.org/officeDocument/2006/math">
+                    <m:r>
+                      <a:rPr lang="de-DE" i="1">
+                        <a:latin typeface="Cambria Math" panose="02040503050406030204" pitchFamily="18" charset="0"/>
+                      </a:rPr>
+                      <m:t>𝑌</m:t>
+                    </m:r>
+                    <m:d>
+                      <m:dPr>
+                        <m:ctrlPr>
+                          <a:rPr lang="de-DE" i="1">
+                            <a:latin typeface="Cambria Math" panose="02040503050406030204" pitchFamily="18" charset="0"/>
+                          </a:rPr>
+                        </m:ctrlPr>
+                      </m:dPr>
+                      <m:e>
+                        <m:r>
+                          <a:rPr lang="de-DE" i="1">
+                            <a:latin typeface="Cambria Math" panose="02040503050406030204" pitchFamily="18" charset="0"/>
+                          </a:rPr>
+                          <m:t>𝑠</m:t>
+                        </m:r>
+                      </m:e>
+                    </m:d>
+                    <m:r>
+                      <a:rPr lang="de-DE" i="1">
+                        <a:latin typeface="Cambria Math" panose="02040503050406030204" pitchFamily="18" charset="0"/>
+                      </a:rPr>
+                      <m:t>=</m:t>
+                    </m:r>
+                    <m:f>
+                      <m:fPr>
+                        <m:ctrlPr>
+                          <a:rPr lang="de-DE" i="1">
+                            <a:latin typeface="Cambria Math" panose="02040503050406030204" pitchFamily="18" charset="0"/>
+                          </a:rPr>
+                        </m:ctrlPr>
+                      </m:fPr>
+                      <m:num>
+                        <m:sSub>
+                          <m:sSubPr>
+                            <m:ctrlPr>
+                              <a:rPr lang="de-DE" i="1">
+                                <a:latin typeface="Cambria Math" panose="02040503050406030204" pitchFamily="18" charset="0"/>
+                              </a:rPr>
+                            </m:ctrlPr>
+                          </m:sSubPr>
+                          <m:e>
+                            <m:r>
+                              <a:rPr lang="de-DE" i="1">
+                                <a:latin typeface="Cambria Math" panose="02040503050406030204" pitchFamily="18" charset="0"/>
+                              </a:rPr>
+                              <m:t>𝑏</m:t>
+                            </m:r>
+                          </m:e>
+                          <m:sub>
+                            <m:r>
+                              <a:rPr lang="de-DE" i="1">
+                                <a:latin typeface="Cambria Math" panose="02040503050406030204" pitchFamily="18" charset="0"/>
+                              </a:rPr>
+                              <m:t>0</m:t>
+                            </m:r>
+                          </m:sub>
+                        </m:sSub>
+                      </m:num>
+                      <m:den>
+                        <m:sSub>
+                          <m:sSubPr>
+                            <m:ctrlPr>
+                              <a:rPr lang="de-DE" i="1">
+                                <a:latin typeface="Cambria Math" panose="02040503050406030204" pitchFamily="18" charset="0"/>
+                              </a:rPr>
+                            </m:ctrlPr>
+                          </m:sSubPr>
+                          <m:e>
+                            <m:r>
+                              <a:rPr lang="de-DE" i="1">
+                                <a:latin typeface="Cambria Math" panose="02040503050406030204" pitchFamily="18" charset="0"/>
+                              </a:rPr>
+                              <m:t>𝑎</m:t>
+                            </m:r>
+                          </m:e>
+                          <m:sub>
+                            <m:r>
+                              <a:rPr lang="de-DE" i="1">
+                                <a:latin typeface="Cambria Math" panose="02040503050406030204" pitchFamily="18" charset="0"/>
+                              </a:rPr>
+                              <m:t>0</m:t>
+                            </m:r>
+                          </m:sub>
+                        </m:sSub>
+                      </m:den>
+                    </m:f>
+                    <m:r>
+                      <a:rPr lang="de-DE" i="1">
+                        <a:latin typeface="Cambria Math" panose="02040503050406030204" pitchFamily="18" charset="0"/>
+                        <a:ea typeface="Cambria Math" panose="02040503050406030204" pitchFamily="18" charset="0"/>
+                      </a:rPr>
+                      <m:t>∙</m:t>
+                    </m:r>
+                    <m:r>
+                      <a:rPr lang="de-DE" i="1">
+                        <a:latin typeface="Cambria Math" panose="02040503050406030204" pitchFamily="18" charset="0"/>
+                      </a:rPr>
+                      <m:t>𝑈</m:t>
+                    </m:r>
+                    <m:r>
+                      <a:rPr lang="de-DE" i="1">
+                        <a:latin typeface="Cambria Math" panose="02040503050406030204" pitchFamily="18" charset="0"/>
+                      </a:rPr>
+                      <m:t>(</m:t>
+                    </m:r>
+                    <m:r>
+                      <a:rPr lang="de-DE" i="1">
+                        <a:latin typeface="Cambria Math" panose="02040503050406030204" pitchFamily="18" charset="0"/>
+                      </a:rPr>
+                      <m:t>𝑠</m:t>
                     </m:r>
                     <m:r>
                       <a:rPr lang="de-DE" i="1">
@@ -19726,8 +19726,8 @@
           </a:p>
         </p:txBody>
       </p:sp>
-      <mc:AlternateContent xmlns:mc="http://schemas.openxmlformats.org/markup-compatibility/2006">
-        <mc:Choice xmlns:a14="http://schemas.microsoft.com/office/drawing/2010/main" Requires="a14">
+      <mc:AlternateContent xmlns:mc="http://schemas.openxmlformats.org/markup-compatibility/2006" xmlns:a14="http://schemas.microsoft.com/office/drawing/2010/main">
+        <mc:Choice Requires="a14">
           <p:sp>
             <p:nvSpPr>
               <p:cNvPr id="5" name="Textfeld 4">
@@ -19756,6 +19756,7 @@
               </a:bodyPr>
               <a:lstStyle/>
               <a:p>
+                <a:pPr/>
                 <a14:m>
                   <m:oMathPara xmlns:m="http://schemas.openxmlformats.org/officeDocument/2006/math">
                     <m:oMathParaPr>
@@ -19886,7 +19887,7 @@
             </p:txBody>
           </p:sp>
         </mc:Choice>
-        <mc:Fallback>
+        <mc:Fallback xmlns="">
           <p:sp>
             <p:nvSpPr>
               <p:cNvPr id="5" name="Textfeld 4">
@@ -20087,6 +20088,53 @@
           </a:prstGeom>
         </p:spPr>
       </p:pic>
+      <p:sp>
+        <p:nvSpPr>
+          <p:cNvPr id="6" name="Textfeld 5">
+            <a:extLst>
+              <a:ext uri="{FF2B5EF4-FFF2-40B4-BE49-F238E27FC236}">
+                <a16:creationId xmlns:a16="http://schemas.microsoft.com/office/drawing/2014/main" id="{022D488D-91D5-5209-F881-975C9ED64DA7}"/>
+              </a:ext>
+            </a:extLst>
+          </p:cNvPr>
+          <p:cNvSpPr txBox="1"/>
+          <p:nvPr/>
+        </p:nvSpPr>
+        <p:spPr>
+          <a:xfrm>
+            <a:off x="1100831" y="5807631"/>
+            <a:ext cx="1677575" cy="369332"/>
+          </a:xfrm>
+          <a:prstGeom prst="rect">
+            <a:avLst/>
+          </a:prstGeom>
+          <a:noFill/>
+        </p:spPr>
+        <p:txBody>
+          <a:bodyPr wrap="none" rtlCol="0">
+            <a:spAutoFit/>
+          </a:bodyPr>
+          <a:lstStyle/>
+          <a:p>
+            <a:r>
+              <a:rPr lang="de-DE" dirty="0" err="1"/>
+              <a:t>Step</a:t>
+            </a:r>
+            <a:r>
+              <a:rPr lang="de-DE" dirty="0"/>
+              <a:t> </a:t>
+            </a:r>
+            <a:r>
+              <a:rPr lang="de-DE" dirty="0" err="1"/>
+              <a:t>response</a:t>
+            </a:r>
+            <a:r>
+              <a:rPr lang="de-DE" dirty="0"/>
+              <a:t>:</a:t>
+            </a:r>
+          </a:p>
+        </p:txBody>
+      </p:sp>
     </p:spTree>
     <p:extLst>
       <p:ext uri="{BB962C8B-B14F-4D97-AF65-F5344CB8AC3E}">
@@ -20352,29 +20400,54 @@
                 </a:pPr>
                 <a14:m>
                   <m:oMath xmlns:m="http://schemas.openxmlformats.org/officeDocument/2006/math">
-                    <m:r>
-                      <a:rPr lang="de-DE" i="1">
-                        <a:latin typeface="Cambria Math" panose="02040503050406030204" pitchFamily="18" charset="0"/>
-                      </a:rPr>
-                      <m:t>𝑌</m:t>
-                    </m:r>
-                    <m:d>
-                      <m:dPr>
+                    <m:f>
+                      <m:fPr>
                         <m:ctrlPr>
                           <a:rPr lang="de-DE" i="1">
                             <a:latin typeface="Cambria Math" panose="02040503050406030204" pitchFamily="18" charset="0"/>
                           </a:rPr>
                         </m:ctrlPr>
-                      </m:dPr>
-                      <m:e>
+                      </m:fPr>
+                      <m:num>
                         <m:r>
                           <a:rPr lang="de-DE" i="1">
                             <a:latin typeface="Cambria Math" panose="02040503050406030204" pitchFamily="18" charset="0"/>
                           </a:rPr>
-                          <m:t>𝑠</m:t>
+                          <m:t>𝑑</m:t>
                         </m:r>
-                      </m:e>
-                    </m:d>
+                        <m:r>
+                          <a:rPr lang="de-DE" i="1">
+                            <a:latin typeface="Cambria Math" panose="02040503050406030204" pitchFamily="18" charset="0"/>
+                          </a:rPr>
+                          <m:t>𝑦</m:t>
+                        </m:r>
+                        <m:d>
+                          <m:dPr>
+                            <m:ctrlPr>
+                              <a:rPr lang="de-DE" i="1">
+                                <a:latin typeface="Cambria Math" panose="02040503050406030204" pitchFamily="18" charset="0"/>
+                              </a:rPr>
+                            </m:ctrlPr>
+                          </m:dPr>
+                          <m:e>
+                            <m:r>
+                              <a:rPr lang="de-DE" i="1">
+                                <a:latin typeface="Cambria Math" panose="02040503050406030204" pitchFamily="18" charset="0"/>
+                              </a:rPr>
+                              <m:t>𝑡</m:t>
+                            </m:r>
+                          </m:e>
+                        </m:d>
+                      </m:num>
+                      <m:den>
+                        <m:r>
+                          <a:rPr lang="de-DE" i="1">
+                            <a:latin typeface="Cambria Math" panose="02040503050406030204" pitchFamily="18" charset="0"/>
+                          </a:rPr>
+                          <m:t>𝑑𝑡</m:t>
+                        </m:r>
+                      </m:den>
+                    </m:f>
                     <m:r>
                       <a:rPr lang="de-DE" i="1">
                         <a:latin typeface="Cambria Math" panose="02040503050406030204" pitchFamily="18" charset="0"/>
@@ -20435,7 +20508,7 @@
                           </m:e>
                           <m:sub>
                             <m:r>
-                              <a:rPr lang="de-DE" b="0" i="1" smtClean="0">
+                              <a:rPr lang="de-DE" i="1">
                                 <a:latin typeface="Cambria Math" panose="02040503050406030204" pitchFamily="18" charset="0"/>
                               </a:rPr>
                               <m:t>1</m:t>
@@ -20445,42 +20518,7 @@
                       </m:den>
                     </m:f>
                     <m:r>
-                      <a:rPr lang="de-DE" i="1" smtClean="0">
-                        <a:latin typeface="Cambria Math" panose="02040503050406030204" pitchFamily="18" charset="0"/>
-                        <a:ea typeface="Cambria Math" panose="02040503050406030204" pitchFamily="18" charset="0"/>
-                      </a:rPr>
-                      <m:t>∙</m:t>
-                    </m:r>
-                    <m:f>
-                      <m:fPr>
-                        <m:ctrlPr>
-                          <a:rPr lang="de-DE" i="1" smtClean="0">
-                            <a:latin typeface="Cambria Math" panose="02040503050406030204" pitchFamily="18" charset="0"/>
-                            <a:ea typeface="Cambria Math" panose="02040503050406030204" pitchFamily="18" charset="0"/>
-                          </a:rPr>
-                        </m:ctrlPr>
-                      </m:fPr>
-                      <m:num>
-                        <m:r>
-                          <a:rPr lang="de-DE" b="0" i="1" smtClean="0">
-                            <a:latin typeface="Cambria Math" panose="02040503050406030204" pitchFamily="18" charset="0"/>
-                            <a:ea typeface="Cambria Math" panose="02040503050406030204" pitchFamily="18" charset="0"/>
-                          </a:rPr>
-                          <m:t>1</m:t>
-                        </m:r>
-                      </m:num>
-                      <m:den>
-                        <m:r>
-                          <a:rPr lang="de-DE" b="0" i="1" smtClean="0">
-                            <a:latin typeface="Cambria Math" panose="02040503050406030204" pitchFamily="18" charset="0"/>
-                            <a:ea typeface="Cambria Math" panose="02040503050406030204" pitchFamily="18" charset="0"/>
-                          </a:rPr>
-                          <m:t>𝑠</m:t>
-                        </m:r>
-                      </m:den>
-                    </m:f>
-                    <m:r>
-                      <a:rPr lang="de-DE" i="1" smtClean="0">
+                      <a:rPr lang="de-DE" i="1">
                         <a:latin typeface="Cambria Math" panose="02040503050406030204" pitchFamily="18" charset="0"/>
                         <a:ea typeface="Cambria Math" panose="02040503050406030204" pitchFamily="18" charset="0"/>
                       </a:rPr>
@@ -20490,7 +20528,7 @@
                       <a:rPr lang="de-DE" i="1">
                         <a:latin typeface="Cambria Math" panose="02040503050406030204" pitchFamily="18" charset="0"/>
                       </a:rPr>
-                      <m:t>𝑈</m:t>
+                      <m:t>𝑢</m:t>
                     </m:r>
                     <m:r>
                       <a:rPr lang="de-DE" i="1">
@@ -20502,7 +20540,7 @@
                       <a:rPr lang="de-DE" i="1">
                         <a:latin typeface="Cambria Math" panose="02040503050406030204" pitchFamily="18" charset="0"/>
                       </a:rPr>
-                      <m:t>𝑠</m:t>
+                      <m:t>𝑡</m:t>
                     </m:r>
                     <m:r>
                       <a:rPr lang="de-DE" i="1">
@@ -20526,54 +20564,29 @@
                 </a:r>
                 <a14:m>
                   <m:oMath xmlns:m="http://schemas.openxmlformats.org/officeDocument/2006/math">
-                    <m:f>
-                      <m:fPr>
+                    <m:r>
+                      <a:rPr lang="de-DE" i="1">
+                        <a:latin typeface="Cambria Math" panose="02040503050406030204" pitchFamily="18" charset="0"/>
+                      </a:rPr>
+                      <m:t>𝑌</m:t>
+                    </m:r>
+                    <m:d>
+                      <m:dPr>
                         <m:ctrlPr>
-                          <a:rPr lang="de-DE" i="1" smtClean="0">
+                          <a:rPr lang="de-DE" i="1">
                             <a:latin typeface="Cambria Math" panose="02040503050406030204" pitchFamily="18" charset="0"/>
                           </a:rPr>
                         </m:ctrlPr>
-                      </m:fPr>
-                      <m:num>
-                        <m:r>
-                          <a:rPr lang="de-DE" b="0" i="1" smtClean="0">
-                            <a:latin typeface="Cambria Math" panose="02040503050406030204" pitchFamily="18" charset="0"/>
-                          </a:rPr>
-                          <m:t>𝑑</m:t>
-                        </m:r>
+                      </m:dPr>
+                      <m:e>
                         <m:r>
                           <a:rPr lang="de-DE" i="1">
                             <a:latin typeface="Cambria Math" panose="02040503050406030204" pitchFamily="18" charset="0"/>
                           </a:rPr>
-                          <m:t>𝑦</m:t>
+                          <m:t>𝑠</m:t>
                         </m:r>
-                        <m:d>
-                          <m:dPr>
-                            <m:ctrlPr>
-                              <a:rPr lang="de-DE" i="1">
-                                <a:latin typeface="Cambria Math" panose="02040503050406030204" pitchFamily="18" charset="0"/>
-                              </a:rPr>
-                            </m:ctrlPr>
-                          </m:dPr>
-                          <m:e>
-                            <m:r>
-                              <a:rPr lang="de-DE" i="1">
-                                <a:latin typeface="Cambria Math" panose="02040503050406030204" pitchFamily="18" charset="0"/>
-                              </a:rPr>
-                              <m:t>𝑡</m:t>
-                            </m:r>
-                          </m:e>
-                        </m:d>
-                      </m:num>
-                      <m:den>
-                        <m:r>
-                          <a:rPr lang="de-DE" b="0" i="1" smtClean="0">
-                            <a:latin typeface="Cambria Math" panose="02040503050406030204" pitchFamily="18" charset="0"/>
-                          </a:rPr>
-                          <m:t>𝑑𝑡</m:t>
-                        </m:r>
-                      </m:den>
-                    </m:f>
+                      </m:e>
+                    </m:d>
                     <m:r>
                       <a:rPr lang="de-DE" i="1">
                         <a:latin typeface="Cambria Math" panose="02040503050406030204" pitchFamily="18" charset="0"/>
@@ -20634,7 +20647,7 @@
                           </m:e>
                           <m:sub>
                             <m:r>
-                              <a:rPr lang="de-DE" b="0" i="1" smtClean="0">
+                              <a:rPr lang="de-DE" i="1">
                                 <a:latin typeface="Cambria Math" panose="02040503050406030204" pitchFamily="18" charset="0"/>
                               </a:rPr>
                               <m:t>1</m:t>
@@ -20679,7 +20692,7 @@
                       </m:den>
                     </m:f>
                     <m:r>
-                      <a:rPr lang="de-DE" i="1" smtClean="0">
+                      <a:rPr lang="de-DE" i="1">
                         <a:latin typeface="Cambria Math" panose="02040503050406030204" pitchFamily="18" charset="0"/>
                         <a:ea typeface="Cambria Math" panose="02040503050406030204" pitchFamily="18" charset="0"/>
                       </a:rPr>
@@ -20689,7 +20702,7 @@
                       <a:rPr lang="de-DE" i="1">
                         <a:latin typeface="Cambria Math" panose="02040503050406030204" pitchFamily="18" charset="0"/>
                       </a:rPr>
-                      <m:t>𝑢</m:t>
+                      <m:t>𝑈</m:t>
                     </m:r>
                     <m:r>
                       <a:rPr lang="de-DE" i="1">
@@ -20701,7 +20714,7 @@
                       <a:rPr lang="de-DE" i="1">
                         <a:latin typeface="Cambria Math" panose="02040503050406030204" pitchFamily="18" charset="0"/>
                       </a:rPr>
-                      <m:t>𝑡</m:t>
+                      <m:t>𝑠</m:t>
                     </m:r>
                     <m:r>
                       <a:rPr lang="de-DE" i="1">
@@ -20785,8 +20798,8 @@
           </a:p>
         </p:txBody>
       </p:sp>
-      <mc:AlternateContent xmlns:mc="http://schemas.openxmlformats.org/markup-compatibility/2006">
-        <mc:Choice xmlns:a14="http://schemas.microsoft.com/office/drawing/2010/main" Requires="a14">
+      <mc:AlternateContent xmlns:mc="http://schemas.openxmlformats.org/markup-compatibility/2006" xmlns:a14="http://schemas.microsoft.com/office/drawing/2010/main">
+        <mc:Choice Requires="a14">
           <p:sp>
             <p:nvSpPr>
               <p:cNvPr id="11" name="Textfeld 10">
@@ -20815,6 +20828,7 @@
               </a:bodyPr>
               <a:lstStyle/>
               <a:p>
+                <a:pPr/>
                 <a14:m>
                   <m:oMathPara xmlns:m="http://schemas.openxmlformats.org/officeDocument/2006/math">
                     <m:oMathParaPr>
@@ -21012,7 +21026,7 @@
             </p:txBody>
           </p:sp>
         </mc:Choice>
-        <mc:Fallback>
+        <mc:Fallback xmlns="">
           <p:sp>
             <p:nvSpPr>
               <p:cNvPr id="11" name="Textfeld 10">
@@ -21074,8 +21088,8 @@
         </p:nvCxnSpPr>
         <p:spPr>
           <a:xfrm flipV="1">
-            <a:off x="4095567" y="2769833"/>
-            <a:ext cx="1781450" cy="797007"/>
+            <a:off x="4095567" y="2752078"/>
+            <a:ext cx="1337567" cy="814762"/>
           </a:xfrm>
           <a:prstGeom prst="straightConnector1">
             <a:avLst/>
@@ -21116,8 +21130,8 @@
         </p:nvCxnSpPr>
         <p:spPr>
           <a:xfrm flipH="1" flipV="1">
-            <a:off x="2432482" y="2929631"/>
-            <a:ext cx="1663085" cy="637209"/>
+            <a:off x="2414726" y="2752078"/>
+            <a:ext cx="1680841" cy="814762"/>
           </a:xfrm>
           <a:prstGeom prst="straightConnector1">
             <a:avLst/>
@@ -21157,7 +21171,7 @@
             </p:nvSpPr>
             <p:spPr>
               <a:xfrm>
-                <a:off x="8336132" y="1563784"/>
+                <a:off x="7847860" y="1476363"/>
                 <a:ext cx="2147832" cy="523220"/>
               </a:xfrm>
               <a:prstGeom prst="rect">
@@ -21218,7 +21232,7 @@
             </p:nvSpPr>
             <p:spPr>
               <a:xfrm>
-                <a:off x="8336132" y="1563784"/>
+                <a:off x="7847860" y="1476363"/>
                 <a:ext cx="2147832" cy="523220"/>
               </a:xfrm>
               <a:prstGeom prst="rect">
@@ -21227,7 +21241,7 @@
               <a:blipFill>
                 <a:blip r:embed="rId7"/>
                 <a:stretch>
-                  <a:fillRect l="-5233" t="-9302" b="-32558"/>
+                  <a:fillRect l="-5848" t="-11628" r="-585" b="-30233"/>
                 </a:stretch>
               </a:blipFill>
               <a:ln>
@@ -21267,7 +21281,7 @@
         </p:nvCxnSpPr>
         <p:spPr>
           <a:xfrm flipH="1">
-            <a:off x="6773662" y="1825394"/>
+            <a:off x="6285390" y="1737973"/>
             <a:ext cx="1562470" cy="678109"/>
           </a:xfrm>
           <a:prstGeom prst="straightConnector1">
@@ -21292,6 +21306,294 @@
           </a:fontRef>
         </p:style>
       </p:cxnSp>
+      <mc:AlternateContent xmlns:mc="http://schemas.openxmlformats.org/markup-compatibility/2006">
+        <mc:Choice xmlns:a14="http://schemas.microsoft.com/office/drawing/2010/main" Requires="a14">
+          <p:sp>
+            <p:nvSpPr>
+              <p:cNvPr id="9" name="Textfeld 8">
+                <a:extLst>
+                  <a:ext uri="{FF2B5EF4-FFF2-40B4-BE49-F238E27FC236}">
+                    <a16:creationId xmlns:a16="http://schemas.microsoft.com/office/drawing/2014/main" id="{787FC023-0044-8B7D-3A8F-82E003ADC60D}"/>
+                  </a:ext>
+                </a:extLst>
+              </p:cNvPr>
+              <p:cNvSpPr txBox="1"/>
+              <p:nvPr/>
+            </p:nvSpPr>
+            <p:spPr>
+              <a:xfrm>
+                <a:off x="842815" y="3099105"/>
+                <a:ext cx="1642993" cy="576696"/>
+              </a:xfrm>
+              <a:prstGeom prst="rect">
+                <a:avLst/>
+              </a:prstGeom>
+              <a:noFill/>
+            </p:spPr>
+            <p:txBody>
+              <a:bodyPr wrap="square">
+                <a:spAutoFit/>
+              </a:bodyPr>
+              <a:lstStyle/>
+              <a:p>
+                <a:pPr/>
+                <a14:m>
+                  <m:oMathPara xmlns:m="http://schemas.openxmlformats.org/officeDocument/2006/math">
+                    <m:oMathParaPr>
+                      <m:jc m:val="centerGroup"/>
+                    </m:oMathParaPr>
+                    <m:oMath xmlns:m="http://schemas.openxmlformats.org/officeDocument/2006/math">
+                      <m:r>
+                        <a:rPr lang="de-DE" sz="1200" b="0" i="1" smtClean="0">
+                          <a:latin typeface="Cambria Math" panose="02040503050406030204" pitchFamily="18" charset="0"/>
+                        </a:rPr>
+                        <m:t>𝑦</m:t>
+                      </m:r>
+                      <m:r>
+                        <a:rPr lang="de-DE" sz="1200" b="0" i="1" smtClean="0">
+                          <a:latin typeface="Cambria Math" panose="02040503050406030204" pitchFamily="18" charset="0"/>
+                        </a:rPr>
+                        <m:t>(</m:t>
+                      </m:r>
+                      <m:r>
+                        <a:rPr lang="de-DE" sz="1200" b="0" i="1" smtClean="0">
+                          <a:latin typeface="Cambria Math" panose="02040503050406030204" pitchFamily="18" charset="0"/>
+                        </a:rPr>
+                        <m:t>𝑡</m:t>
+                      </m:r>
+                      <m:r>
+                        <a:rPr lang="de-DE" sz="1200" b="0" i="1" smtClean="0">
+                          <a:latin typeface="Cambria Math" panose="02040503050406030204" pitchFamily="18" charset="0"/>
+                        </a:rPr>
+                        <m:t>)=</m:t>
+                      </m:r>
+                      <m:f>
+                        <m:fPr>
+                          <m:ctrlPr>
+                            <a:rPr lang="de-DE" sz="1200" i="1">
+                              <a:latin typeface="Cambria Math" panose="02040503050406030204" pitchFamily="18" charset="0"/>
+                            </a:rPr>
+                          </m:ctrlPr>
+                        </m:fPr>
+                        <m:num>
+                          <m:sSub>
+                            <m:sSubPr>
+                              <m:ctrlPr>
+                                <a:rPr lang="de-DE" sz="1200" i="1">
+                                  <a:latin typeface="Cambria Math" panose="02040503050406030204" pitchFamily="18" charset="0"/>
+                                </a:rPr>
+                              </m:ctrlPr>
+                            </m:sSubPr>
+                            <m:e>
+                              <m:r>
+                                <a:rPr lang="de-DE" sz="1200" i="1">
+                                  <a:latin typeface="Cambria Math" panose="02040503050406030204" pitchFamily="18" charset="0"/>
+                                </a:rPr>
+                                <m:t>𝑏</m:t>
+                              </m:r>
+                            </m:e>
+                            <m:sub>
+                              <m:r>
+                                <a:rPr lang="de-DE" sz="1200" i="1">
+                                  <a:latin typeface="Cambria Math" panose="02040503050406030204" pitchFamily="18" charset="0"/>
+                                </a:rPr>
+                                <m:t>0</m:t>
+                              </m:r>
+                            </m:sub>
+                          </m:sSub>
+                        </m:num>
+                        <m:den>
+                          <m:sSub>
+                            <m:sSubPr>
+                              <m:ctrlPr>
+                                <a:rPr lang="de-DE" sz="1200" i="1">
+                                  <a:latin typeface="Cambria Math" panose="02040503050406030204" pitchFamily="18" charset="0"/>
+                                </a:rPr>
+                              </m:ctrlPr>
+                            </m:sSubPr>
+                            <m:e>
+                              <m:r>
+                                <a:rPr lang="de-DE" sz="1200" i="1">
+                                  <a:latin typeface="Cambria Math" panose="02040503050406030204" pitchFamily="18" charset="0"/>
+                                </a:rPr>
+                                <m:t>𝑎</m:t>
+                              </m:r>
+                            </m:e>
+                            <m:sub>
+                              <m:r>
+                                <a:rPr lang="de-DE" sz="1200" i="1">
+                                  <a:latin typeface="Cambria Math" panose="02040503050406030204" pitchFamily="18" charset="0"/>
+                                </a:rPr>
+                                <m:t>1</m:t>
+                              </m:r>
+                            </m:sub>
+                          </m:sSub>
+                        </m:den>
+                      </m:f>
+                      <m:r>
+                        <a:rPr lang="de-DE" sz="1200" i="1">
+                          <a:latin typeface="Cambria Math" panose="02040503050406030204" pitchFamily="18" charset="0"/>
+                          <a:ea typeface="Cambria Math" panose="02040503050406030204" pitchFamily="18" charset="0"/>
+                        </a:rPr>
+                        <m:t>∙</m:t>
+                      </m:r>
+                      <m:nary>
+                        <m:naryPr>
+                          <m:limLoc m:val="undOvr"/>
+                          <m:subHide m:val="on"/>
+                          <m:supHide m:val="on"/>
+                          <m:ctrlPr>
+                            <a:rPr lang="de-DE" sz="1200" i="1" smtClean="0">
+                              <a:latin typeface="Cambria Math" panose="02040503050406030204" pitchFamily="18" charset="0"/>
+                              <a:ea typeface="Cambria Math" panose="02040503050406030204" pitchFamily="18" charset="0"/>
+                            </a:rPr>
+                          </m:ctrlPr>
+                        </m:naryPr>
+                        <m:sub/>
+                        <m:sup/>
+                        <m:e>
+                          <m:r>
+                            <a:rPr lang="de-DE" sz="1200" b="0" i="1" smtClean="0">
+                              <a:latin typeface="Cambria Math" panose="02040503050406030204" pitchFamily="18" charset="0"/>
+                              <a:ea typeface="Cambria Math" panose="02040503050406030204" pitchFamily="18" charset="0"/>
+                            </a:rPr>
+                            <m:t>𝑢</m:t>
+                          </m:r>
+                          <m:d>
+                            <m:dPr>
+                              <m:ctrlPr>
+                                <a:rPr lang="de-DE" sz="1200" b="0" i="1" smtClean="0">
+                                  <a:latin typeface="Cambria Math" panose="02040503050406030204" pitchFamily="18" charset="0"/>
+                                  <a:ea typeface="Cambria Math" panose="02040503050406030204" pitchFamily="18" charset="0"/>
+                                </a:rPr>
+                              </m:ctrlPr>
+                            </m:dPr>
+                            <m:e>
+                              <m:r>
+                                <a:rPr lang="de-DE" sz="1200" b="0" i="1" smtClean="0">
+                                  <a:latin typeface="Cambria Math" panose="02040503050406030204" pitchFamily="18" charset="0"/>
+                                  <a:ea typeface="Cambria Math" panose="02040503050406030204" pitchFamily="18" charset="0"/>
+                                </a:rPr>
+                                <m:t>𝑡</m:t>
+                              </m:r>
+                            </m:e>
+                          </m:d>
+                          <m:r>
+                            <a:rPr lang="de-DE" sz="1200" b="0" i="1" smtClean="0">
+                              <a:latin typeface="Cambria Math" panose="02040503050406030204" pitchFamily="18" charset="0"/>
+                              <a:ea typeface="Cambria Math" panose="02040503050406030204" pitchFamily="18" charset="0"/>
+                            </a:rPr>
+                            <m:t> </m:t>
+                          </m:r>
+                          <m:r>
+                            <a:rPr lang="de-DE" sz="1200" b="0" i="1" smtClean="0">
+                              <a:latin typeface="Cambria Math" panose="02040503050406030204" pitchFamily="18" charset="0"/>
+                              <a:ea typeface="Cambria Math" panose="02040503050406030204" pitchFamily="18" charset="0"/>
+                            </a:rPr>
+                            <m:t>𝑑𝑡</m:t>
+                          </m:r>
+                        </m:e>
+                      </m:nary>
+                    </m:oMath>
+                  </m:oMathPara>
+                </a14:m>
+                <a:endParaRPr lang="de-DE" sz="1200" dirty="0"/>
+              </a:p>
+            </p:txBody>
+          </p:sp>
+        </mc:Choice>
+        <mc:Fallback>
+          <p:sp>
+            <p:nvSpPr>
+              <p:cNvPr id="9" name="Textfeld 8">
+                <a:extLst>
+                  <a:ext uri="{FF2B5EF4-FFF2-40B4-BE49-F238E27FC236}">
+                    <a16:creationId xmlns:a16="http://schemas.microsoft.com/office/drawing/2014/main" id="{787FC023-0044-8B7D-3A8F-82E003ADC60D}"/>
+                  </a:ext>
+                </a:extLst>
+              </p:cNvPr>
+              <p:cNvSpPr txBox="1">
+                <a:spLocks noRot="1" noChangeAspect="1" noMove="1" noResize="1" noEditPoints="1" noAdjustHandles="1" noChangeArrowheads="1" noChangeShapeType="1" noTextEdit="1"/>
+              </p:cNvSpPr>
+              <p:nvPr/>
+            </p:nvSpPr>
+            <p:spPr>
+              <a:xfrm>
+                <a:off x="842815" y="3099105"/>
+                <a:ext cx="1642993" cy="576696"/>
+              </a:xfrm>
+              <a:prstGeom prst="rect">
+                <a:avLst/>
+              </a:prstGeom>
+              <a:blipFill>
+                <a:blip r:embed="rId8"/>
+                <a:stretch>
+                  <a:fillRect t="-119149" b="-170213"/>
+                </a:stretch>
+              </a:blipFill>
+            </p:spPr>
+            <p:txBody>
+              <a:bodyPr/>
+              <a:lstStyle/>
+              <a:p>
+                <a:r>
+                  <a:rPr lang="de-DE">
+                    <a:noFill/>
+                  </a:rPr>
+                  <a:t> </a:t>
+                </a:r>
+              </a:p>
+            </p:txBody>
+          </p:sp>
+        </mc:Fallback>
+      </mc:AlternateContent>
+      <p:sp>
+        <p:nvSpPr>
+          <p:cNvPr id="14" name="Textfeld 13">
+            <a:extLst>
+              <a:ext uri="{FF2B5EF4-FFF2-40B4-BE49-F238E27FC236}">
+                <a16:creationId xmlns:a16="http://schemas.microsoft.com/office/drawing/2014/main" id="{0D1E5A5E-783D-C5EA-85A6-6BC1CB3A3258}"/>
+              </a:ext>
+            </a:extLst>
+          </p:cNvPr>
+          <p:cNvSpPr txBox="1"/>
+          <p:nvPr/>
+        </p:nvSpPr>
+        <p:spPr>
+          <a:xfrm>
+            <a:off x="1100831" y="5807631"/>
+            <a:ext cx="1677575" cy="369332"/>
+          </a:xfrm>
+          <a:prstGeom prst="rect">
+            <a:avLst/>
+          </a:prstGeom>
+          <a:noFill/>
+        </p:spPr>
+        <p:txBody>
+          <a:bodyPr wrap="none" rtlCol="0">
+            <a:spAutoFit/>
+          </a:bodyPr>
+          <a:lstStyle/>
+          <a:p>
+            <a:r>
+              <a:rPr lang="de-DE" dirty="0" err="1"/>
+              <a:t>Step</a:t>
+            </a:r>
+            <a:r>
+              <a:rPr lang="de-DE" dirty="0"/>
+              <a:t> </a:t>
+            </a:r>
+            <a:r>
+              <a:rPr lang="de-DE" dirty="0" err="1"/>
+              <a:t>response</a:t>
+            </a:r>
+            <a:r>
+              <a:rPr lang="de-DE" dirty="0"/>
+              <a:t>:</a:t>
+            </a:r>
+          </a:p>
+        </p:txBody>
+      </p:sp>
     </p:spTree>
     <p:extLst>
       <p:ext uri="{BB962C8B-B14F-4D97-AF65-F5344CB8AC3E}">
@@ -21643,6 +21945,53 @@
           </a:prstGeom>
         </p:spPr>
       </p:pic>
+      <p:sp>
+        <p:nvSpPr>
+          <p:cNvPr id="5" name="Textfeld 4">
+            <a:extLst>
+              <a:ext uri="{FF2B5EF4-FFF2-40B4-BE49-F238E27FC236}">
+                <a16:creationId xmlns:a16="http://schemas.microsoft.com/office/drawing/2014/main" id="{D9F7C28C-8D8A-CC2E-8A4A-C59017CD520A}"/>
+              </a:ext>
+            </a:extLst>
+          </p:cNvPr>
+          <p:cNvSpPr txBox="1"/>
+          <p:nvPr/>
+        </p:nvSpPr>
+        <p:spPr>
+          <a:xfrm>
+            <a:off x="1100831" y="5807631"/>
+            <a:ext cx="1677575" cy="369332"/>
+          </a:xfrm>
+          <a:prstGeom prst="rect">
+            <a:avLst/>
+          </a:prstGeom>
+          <a:noFill/>
+        </p:spPr>
+        <p:txBody>
+          <a:bodyPr wrap="none" rtlCol="0">
+            <a:spAutoFit/>
+          </a:bodyPr>
+          <a:lstStyle/>
+          <a:p>
+            <a:r>
+              <a:rPr lang="de-DE" dirty="0" err="1"/>
+              <a:t>Step</a:t>
+            </a:r>
+            <a:r>
+              <a:rPr lang="de-DE" dirty="0"/>
+              <a:t> </a:t>
+            </a:r>
+            <a:r>
+              <a:rPr lang="de-DE" dirty="0" err="1"/>
+              <a:t>response</a:t>
+            </a:r>
+            <a:r>
+              <a:rPr lang="de-DE" dirty="0"/>
+              <a:t>:</a:t>
+            </a:r>
+          </a:p>
+        </p:txBody>
+      </p:sp>
     </p:spTree>
     <p:extLst>
       <p:ext uri="{BB962C8B-B14F-4D97-AF65-F5344CB8AC3E}">
@@ -21912,7 +22261,7 @@
                       <a:rPr lang="de-DE" i="1">
                         <a:latin typeface="Cambria Math" panose="02040503050406030204" pitchFamily="18" charset="0"/>
                       </a:rPr>
-                      <m:t>𝑌</m:t>
+                      <m:t>𝑦</m:t>
                     </m:r>
                     <m:d>
                       <m:dPr>
@@ -21927,7 +22276,7 @@
                           <a:rPr lang="de-DE" i="1">
                             <a:latin typeface="Cambria Math" panose="02040503050406030204" pitchFamily="18" charset="0"/>
                           </a:rPr>
-                          <m:t>𝑠</m:t>
+                          <m:t>𝑡</m:t>
                         </m:r>
                       </m:e>
                     </m:d>
@@ -21964,7 +22313,7 @@
                           </m:e>
                           <m:sub>
                             <m:r>
-                              <a:rPr lang="de-DE" b="0" i="1" smtClean="0">
+                              <a:rPr lang="de-DE" i="1">
                                 <a:latin typeface="Cambria Math" panose="02040503050406030204" pitchFamily="18" charset="0"/>
                               </a:rPr>
                               <m:t>1</m:t>
@@ -21991,7 +22340,170 @@
                           </m:e>
                           <m:sub>
                             <m:r>
-                              <a:rPr lang="de-DE" b="0" i="1" smtClean="0">
+                              <a:rPr lang="de-DE" i="1">
+                                <a:latin typeface="Cambria Math" panose="02040503050406030204" pitchFamily="18" charset="0"/>
+                              </a:rPr>
+                              <m:t>0</m:t>
+                            </m:r>
+                          </m:sub>
+                        </m:sSub>
+                      </m:den>
+                    </m:f>
+                    <m:r>
+                      <a:rPr lang="de-DE" i="1">
+                        <a:latin typeface="Cambria Math" panose="02040503050406030204" pitchFamily="18" charset="0"/>
+                        <a:ea typeface="Cambria Math" panose="02040503050406030204" pitchFamily="18" charset="0"/>
+                      </a:rPr>
+                      <m:t>∙</m:t>
+                    </m:r>
+                    <m:f>
+                      <m:fPr>
+                        <m:ctrlPr>
+                          <a:rPr lang="de-DE" i="1">
+                            <a:latin typeface="Cambria Math" panose="02040503050406030204" pitchFamily="18" charset="0"/>
+                          </a:rPr>
+                        </m:ctrlPr>
+                      </m:fPr>
+                      <m:num>
+                        <m:r>
+                          <a:rPr lang="de-DE" i="1">
+                            <a:latin typeface="Cambria Math" panose="02040503050406030204" pitchFamily="18" charset="0"/>
+                          </a:rPr>
+                          <m:t>𝑑</m:t>
+                        </m:r>
+                        <m:r>
+                          <a:rPr lang="de-DE" b="0" i="1" smtClean="0">
+                            <a:latin typeface="Cambria Math" panose="02040503050406030204" pitchFamily="18" charset="0"/>
+                          </a:rPr>
+                          <m:t>𝑢</m:t>
+                        </m:r>
+                        <m:d>
+                          <m:dPr>
+                            <m:ctrlPr>
+                              <a:rPr lang="de-DE" i="1">
+                                <a:latin typeface="Cambria Math" panose="02040503050406030204" pitchFamily="18" charset="0"/>
+                              </a:rPr>
+                            </m:ctrlPr>
+                          </m:dPr>
+                          <m:e>
+                            <m:r>
+                              <a:rPr lang="de-DE" i="1">
+                                <a:latin typeface="Cambria Math" panose="02040503050406030204" pitchFamily="18" charset="0"/>
+                              </a:rPr>
+                              <m:t>𝑡</m:t>
+                            </m:r>
+                          </m:e>
+                        </m:d>
+                      </m:num>
+                      <m:den>
+                        <m:r>
+                          <a:rPr lang="de-DE" i="1">
+                            <a:latin typeface="Cambria Math" panose="02040503050406030204" pitchFamily="18" charset="0"/>
+                          </a:rPr>
+                          <m:t>𝑑𝑡</m:t>
+                        </m:r>
+                      </m:den>
+                    </m:f>
+                  </m:oMath>
+                </a14:m>
+                <a:r>
+                  <a:rPr lang="de-DE" dirty="0"/>
+                  <a:t>     </a:t>
+                </a:r>
+                <a:r>
+                  <a:rPr lang="de-DE" dirty="0" err="1"/>
+                  <a:t>or</a:t>
+                </a:r>
+                <a:r>
+                  <a:rPr lang="de-DE" dirty="0"/>
+                  <a:t>     </a:t>
+                </a:r>
+                <a14:m>
+                  <m:oMath xmlns:m="http://schemas.openxmlformats.org/officeDocument/2006/math">
+                    <m:r>
+                      <a:rPr lang="de-DE" i="1">
+                        <a:latin typeface="Cambria Math" panose="02040503050406030204" pitchFamily="18" charset="0"/>
+                      </a:rPr>
+                      <m:t>𝑌</m:t>
+                    </m:r>
+                    <m:d>
+                      <m:dPr>
+                        <m:ctrlPr>
+                          <a:rPr lang="de-DE" i="1">
+                            <a:latin typeface="Cambria Math" panose="02040503050406030204" pitchFamily="18" charset="0"/>
+                          </a:rPr>
+                        </m:ctrlPr>
+                      </m:dPr>
+                      <m:e>
+                        <m:r>
+                          <a:rPr lang="de-DE" i="1">
+                            <a:latin typeface="Cambria Math" panose="02040503050406030204" pitchFamily="18" charset="0"/>
+                          </a:rPr>
+                          <m:t>𝑠</m:t>
+                        </m:r>
+                      </m:e>
+                    </m:d>
+                    <m:r>
+                      <a:rPr lang="de-DE" i="1">
+                        <a:latin typeface="Cambria Math" panose="02040503050406030204" pitchFamily="18" charset="0"/>
+                      </a:rPr>
+                      <m:t>=</m:t>
+                    </m:r>
+                    <m:f>
+                      <m:fPr>
+                        <m:ctrlPr>
+                          <a:rPr lang="de-DE" i="1">
+                            <a:latin typeface="Cambria Math" panose="02040503050406030204" pitchFamily="18" charset="0"/>
+                          </a:rPr>
+                        </m:ctrlPr>
+                      </m:fPr>
+                      <m:num>
+                        <m:sSub>
+                          <m:sSubPr>
+                            <m:ctrlPr>
+                              <a:rPr lang="de-DE" i="1">
+                                <a:latin typeface="Cambria Math" panose="02040503050406030204" pitchFamily="18" charset="0"/>
+                              </a:rPr>
+                            </m:ctrlPr>
+                          </m:sSubPr>
+                          <m:e>
+                            <m:r>
+                              <a:rPr lang="de-DE" i="1">
+                                <a:latin typeface="Cambria Math" panose="02040503050406030204" pitchFamily="18" charset="0"/>
+                              </a:rPr>
+                              <m:t>𝑏</m:t>
+                            </m:r>
+                          </m:e>
+                          <m:sub>
+                            <m:r>
+                              <a:rPr lang="de-DE" i="1">
+                                <a:latin typeface="Cambria Math" panose="02040503050406030204" pitchFamily="18" charset="0"/>
+                              </a:rPr>
+                              <m:t>1</m:t>
+                            </m:r>
+                          </m:sub>
+                        </m:sSub>
+                      </m:num>
+                      <m:den>
+                        <m:sSub>
+                          <m:sSubPr>
+                            <m:ctrlPr>
+                              <a:rPr lang="de-DE" i="1">
+                                <a:latin typeface="Cambria Math" panose="02040503050406030204" pitchFamily="18" charset="0"/>
+                              </a:rPr>
+                            </m:ctrlPr>
+                          </m:sSubPr>
+                          <m:e>
+                            <m:r>
+                              <a:rPr lang="de-DE" i="1">
+                                <a:latin typeface="Cambria Math" panose="02040503050406030204" pitchFamily="18" charset="0"/>
+                              </a:rPr>
+                              <m:t>𝑎</m:t>
+                            </m:r>
+                          </m:e>
+                          <m:sub>
+                            <m:r>
+                              <a:rPr lang="de-DE" i="1">
                                 <a:latin typeface="Cambria Math" panose="02040503050406030204" pitchFamily="18" charset="0"/>
                               </a:rPr>
                               <m:t>0</m:t>
@@ -22008,7 +22520,7 @@
                       <m:t>∙</m:t>
                     </m:r>
                     <m:r>
-                      <a:rPr lang="de-DE" b="0" i="1" smtClean="0">
+                      <a:rPr lang="de-DE" i="1">
                         <a:latin typeface="Cambria Math" panose="02040503050406030204" pitchFamily="18" charset="0"/>
                         <a:ea typeface="Cambria Math" panose="02040503050406030204" pitchFamily="18" charset="0"/>
                       </a:rPr>
@@ -22038,184 +22550,6 @@
                         <a:latin typeface="Cambria Math" panose="02040503050406030204" pitchFamily="18" charset="0"/>
                       </a:rPr>
                       <m:t>𝑠</m:t>
-                    </m:r>
-                    <m:r>
-                      <a:rPr lang="de-DE" i="1">
-                        <a:latin typeface="Cambria Math" panose="02040503050406030204" pitchFamily="18" charset="0"/>
-                      </a:rPr>
-                      <m:t>)</m:t>
-                    </m:r>
-                  </m:oMath>
-                </a14:m>
-                <a:r>
-                  <a:rPr lang="de-DE" dirty="0"/>
-                  <a:t>     </a:t>
-                </a:r>
-                <a:r>
-                  <a:rPr lang="de-DE" dirty="0" err="1"/>
-                  <a:t>or</a:t>
-                </a:r>
-                <a:r>
-                  <a:rPr lang="de-DE" dirty="0"/>
-                  <a:t>     </a:t>
-                </a:r>
-                <a14:m>
-                  <m:oMath xmlns:m="http://schemas.openxmlformats.org/officeDocument/2006/math">
-                    <m:f>
-                      <m:fPr>
-                        <m:ctrlPr>
-                          <a:rPr lang="de-DE" i="1">
-                            <a:latin typeface="Cambria Math" panose="02040503050406030204" pitchFamily="18" charset="0"/>
-                          </a:rPr>
-                        </m:ctrlPr>
-                      </m:fPr>
-                      <m:num>
-                        <m:r>
-                          <a:rPr lang="de-DE" i="1">
-                            <a:latin typeface="Cambria Math" panose="02040503050406030204" pitchFamily="18" charset="0"/>
-                          </a:rPr>
-                          <m:t>𝑑</m:t>
-                        </m:r>
-                        <m:r>
-                          <a:rPr lang="de-DE" i="1">
-                            <a:latin typeface="Cambria Math" panose="02040503050406030204" pitchFamily="18" charset="0"/>
-                          </a:rPr>
-                          <m:t>𝑦</m:t>
-                        </m:r>
-                        <m:d>
-                          <m:dPr>
-                            <m:ctrlPr>
-                              <a:rPr lang="de-DE" i="1">
-                                <a:latin typeface="Cambria Math" panose="02040503050406030204" pitchFamily="18" charset="0"/>
-                              </a:rPr>
-                            </m:ctrlPr>
-                          </m:dPr>
-                          <m:e>
-                            <m:r>
-                              <a:rPr lang="de-DE" i="1">
-                                <a:latin typeface="Cambria Math" panose="02040503050406030204" pitchFamily="18" charset="0"/>
-                              </a:rPr>
-                              <m:t>𝑡</m:t>
-                            </m:r>
-                          </m:e>
-                        </m:d>
-                      </m:num>
-                      <m:den>
-                        <m:r>
-                          <a:rPr lang="de-DE" i="1">
-                            <a:latin typeface="Cambria Math" panose="02040503050406030204" pitchFamily="18" charset="0"/>
-                          </a:rPr>
-                          <m:t>𝑑𝑡</m:t>
-                        </m:r>
-                      </m:den>
-                    </m:f>
-                    <m:r>
-                      <a:rPr lang="de-DE" i="1">
-                        <a:latin typeface="Cambria Math" panose="02040503050406030204" pitchFamily="18" charset="0"/>
-                      </a:rPr>
-                      <m:t>=</m:t>
-                    </m:r>
-                    <m:f>
-                      <m:fPr>
-                        <m:ctrlPr>
-                          <a:rPr lang="de-DE" i="1">
-                            <a:latin typeface="Cambria Math" panose="02040503050406030204" pitchFamily="18" charset="0"/>
-                          </a:rPr>
-                        </m:ctrlPr>
-                      </m:fPr>
-                      <m:num>
-                        <m:sSub>
-                          <m:sSubPr>
-                            <m:ctrlPr>
-                              <a:rPr lang="de-DE" i="1">
-                                <a:latin typeface="Cambria Math" panose="02040503050406030204" pitchFamily="18" charset="0"/>
-                              </a:rPr>
-                            </m:ctrlPr>
-                          </m:sSubPr>
-                          <m:e>
-                            <m:r>
-                              <a:rPr lang="de-DE" i="1">
-                                <a:latin typeface="Cambria Math" panose="02040503050406030204" pitchFamily="18" charset="0"/>
-                              </a:rPr>
-                              <m:t>𝑏</m:t>
-                            </m:r>
-                          </m:e>
-                          <m:sub>
-                            <m:r>
-                              <a:rPr lang="de-DE" b="0" i="1" smtClean="0">
-                                <a:latin typeface="Cambria Math" panose="02040503050406030204" pitchFamily="18" charset="0"/>
-                              </a:rPr>
-                              <m:t>1</m:t>
-                            </m:r>
-                          </m:sub>
-                        </m:sSub>
-                      </m:num>
-                      <m:den>
-                        <m:sSub>
-                          <m:sSubPr>
-                            <m:ctrlPr>
-                              <a:rPr lang="de-DE" i="1">
-                                <a:latin typeface="Cambria Math" panose="02040503050406030204" pitchFamily="18" charset="0"/>
-                              </a:rPr>
-                            </m:ctrlPr>
-                          </m:sSubPr>
-                          <m:e>
-                            <m:r>
-                              <a:rPr lang="de-DE" i="1">
-                                <a:latin typeface="Cambria Math" panose="02040503050406030204" pitchFamily="18" charset="0"/>
-                              </a:rPr>
-                              <m:t>𝑎</m:t>
-                            </m:r>
-                          </m:e>
-                          <m:sub>
-                            <m:r>
-                              <a:rPr lang="de-DE" b="0" i="1" smtClean="0">
-                                <a:latin typeface="Cambria Math" panose="02040503050406030204" pitchFamily="18" charset="0"/>
-                              </a:rPr>
-                              <m:t>0</m:t>
-                            </m:r>
-                          </m:sub>
-                        </m:sSub>
-                      </m:den>
-                    </m:f>
-                    <m:r>
-                      <a:rPr lang="de-DE" i="1">
-                        <a:latin typeface="Cambria Math" panose="02040503050406030204" pitchFamily="18" charset="0"/>
-                        <a:ea typeface="Cambria Math" panose="02040503050406030204" pitchFamily="18" charset="0"/>
-                      </a:rPr>
-                      <m:t>∙</m:t>
-                    </m:r>
-                    <m:r>
-                      <a:rPr lang="de-DE" b="0" i="1" smtClean="0">
-                        <a:latin typeface="Cambria Math" panose="02040503050406030204" pitchFamily="18" charset="0"/>
-                        <a:ea typeface="Cambria Math" panose="02040503050406030204" pitchFamily="18" charset="0"/>
-                      </a:rPr>
-                      <m:t>𝑠</m:t>
-                    </m:r>
-                    <m:r>
-                      <a:rPr lang="de-DE" i="1">
-                        <a:latin typeface="Cambria Math" panose="02040503050406030204" pitchFamily="18" charset="0"/>
-                        <a:ea typeface="Cambria Math" panose="02040503050406030204" pitchFamily="18" charset="0"/>
-                      </a:rPr>
-                      <m:t>∙</m:t>
-                    </m:r>
-                    <m:r>
-                      <a:rPr lang="de-DE" i="1">
-                        <a:latin typeface="Cambria Math" panose="02040503050406030204" pitchFamily="18" charset="0"/>
-                      </a:rPr>
-                      <m:t>𝑢</m:t>
-                    </m:r>
-                    <m:r>
-                      <a:rPr lang="de-DE" i="1">
-                        <a:latin typeface="Cambria Math" panose="02040503050406030204" pitchFamily="18" charset="0"/>
-                      </a:rPr>
-                      <m:t>(</m:t>
-                    </m:r>
-                    <m:r>
-                      <a:rPr lang="de-DE" i="1">
-                        <a:latin typeface="Cambria Math" panose="02040503050406030204" pitchFamily="18" charset="0"/>
-                      </a:rPr>
-                      <m:t>𝑡</m:t>
                     </m:r>
                     <m:r>
                       <a:rPr lang="de-DE" i="1">
@@ -22299,8 +22633,8 @@
           </a:p>
         </p:txBody>
       </p:sp>
-      <mc:AlternateContent xmlns:mc="http://schemas.openxmlformats.org/markup-compatibility/2006">
-        <mc:Choice xmlns:a14="http://schemas.microsoft.com/office/drawing/2010/main" Requires="a14">
+      <mc:AlternateContent xmlns:mc="http://schemas.openxmlformats.org/markup-compatibility/2006" xmlns:a14="http://schemas.microsoft.com/office/drawing/2010/main">
+        <mc:Choice Requires="a14">
           <p:sp>
             <p:nvSpPr>
               <p:cNvPr id="13" name="Textfeld 12">
@@ -22329,6 +22663,7 @@
               </a:bodyPr>
               <a:lstStyle/>
               <a:p>
+                <a:pPr/>
                 <a14:m>
                   <m:oMathPara xmlns:m="http://schemas.openxmlformats.org/officeDocument/2006/math">
                     <m:oMathParaPr>
@@ -22506,7 +22841,7 @@
             </p:txBody>
           </p:sp>
         </mc:Choice>
-        <mc:Fallback>
+        <mc:Fallback xmlns="">
           <p:sp>
             <p:nvSpPr>
               <p:cNvPr id="13" name="Textfeld 12">
@@ -22568,8 +22903,8 @@
         </p:nvCxnSpPr>
         <p:spPr>
           <a:xfrm flipV="1">
-            <a:off x="4320250" y="2734322"/>
-            <a:ext cx="1601156" cy="843375"/>
+            <a:off x="4320250" y="2769833"/>
+            <a:ext cx="1095129" cy="807864"/>
           </a:xfrm>
           <a:prstGeom prst="straightConnector1">
             <a:avLst/>
@@ -22610,8 +22945,8 @@
         </p:nvCxnSpPr>
         <p:spPr>
           <a:xfrm flipH="1" flipV="1">
-            <a:off x="2379216" y="2734322"/>
-            <a:ext cx="1941034" cy="843375"/>
+            <a:off x="2405849" y="2849732"/>
+            <a:ext cx="1914401" cy="727965"/>
           </a:xfrm>
           <a:prstGeom prst="straightConnector1">
             <a:avLst/>
@@ -22742,14 +23077,15 @@
             </a:extLst>
           </p:cNvPr>
           <p:cNvCxnSpPr>
+            <a:cxnSpLocks/>
             <a:stCxn id="16" idx="1"/>
           </p:cNvCxnSpPr>
           <p:nvPr/>
         </p:nvCxnSpPr>
         <p:spPr>
           <a:xfrm flipH="1">
-            <a:off x="6676008" y="1505300"/>
-            <a:ext cx="820069" cy="1033714"/>
+            <a:off x="6214369" y="1505300"/>
+            <a:ext cx="1281708" cy="1042591"/>
           </a:xfrm>
           <a:prstGeom prst="straightConnector1">
             <a:avLst/>
@@ -22773,6 +23109,53 @@
           </a:fontRef>
         </p:style>
       </p:cxnSp>
+      <p:sp>
+        <p:nvSpPr>
+          <p:cNvPr id="8" name="Textfeld 7">
+            <a:extLst>
+              <a:ext uri="{FF2B5EF4-FFF2-40B4-BE49-F238E27FC236}">
+                <a16:creationId xmlns:a16="http://schemas.microsoft.com/office/drawing/2014/main" id="{C9F5823B-6BD5-9ADF-F789-E913F361C19A}"/>
+              </a:ext>
+            </a:extLst>
+          </p:cNvPr>
+          <p:cNvSpPr txBox="1"/>
+          <p:nvPr/>
+        </p:nvSpPr>
+        <p:spPr>
+          <a:xfrm>
+            <a:off x="1100831" y="5807631"/>
+            <a:ext cx="1677575" cy="369332"/>
+          </a:xfrm>
+          <a:prstGeom prst="rect">
+            <a:avLst/>
+          </a:prstGeom>
+          <a:noFill/>
+        </p:spPr>
+        <p:txBody>
+          <a:bodyPr wrap="none" rtlCol="0">
+            <a:spAutoFit/>
+          </a:bodyPr>
+          <a:lstStyle/>
+          <a:p>
+            <a:r>
+              <a:rPr lang="de-DE" dirty="0" err="1"/>
+              <a:t>Step</a:t>
+            </a:r>
+            <a:r>
+              <a:rPr lang="de-DE" dirty="0"/>
+              <a:t> </a:t>
+            </a:r>
+            <a:r>
+              <a:rPr lang="de-DE" dirty="0" err="1"/>
+              <a:t>response</a:t>
+            </a:r>
+            <a:r>
+              <a:rPr lang="de-DE" dirty="0"/>
+              <a:t>:</a:t>
+            </a:r>
+          </a:p>
+        </p:txBody>
+      </p:sp>
     </p:spTree>
     <p:extLst>
       <p:ext uri="{BB962C8B-B14F-4D97-AF65-F5344CB8AC3E}">
@@ -23185,6 +23568,53 @@
           </a:prstGeom>
         </p:spPr>
       </p:pic>
+      <p:sp>
+        <p:nvSpPr>
+          <p:cNvPr id="5" name="Textfeld 4">
+            <a:extLst>
+              <a:ext uri="{FF2B5EF4-FFF2-40B4-BE49-F238E27FC236}">
+                <a16:creationId xmlns:a16="http://schemas.microsoft.com/office/drawing/2014/main" id="{33961A12-544C-995B-C5FD-D3A80575AD3E}"/>
+              </a:ext>
+            </a:extLst>
+          </p:cNvPr>
+          <p:cNvSpPr txBox="1"/>
+          <p:nvPr/>
+        </p:nvSpPr>
+        <p:spPr>
+          <a:xfrm>
+            <a:off x="1100831" y="5807631"/>
+            <a:ext cx="1677575" cy="369332"/>
+          </a:xfrm>
+          <a:prstGeom prst="rect">
+            <a:avLst/>
+          </a:prstGeom>
+          <a:noFill/>
+        </p:spPr>
+        <p:txBody>
+          <a:bodyPr wrap="none" rtlCol="0">
+            <a:spAutoFit/>
+          </a:bodyPr>
+          <a:lstStyle/>
+          <a:p>
+            <a:r>
+              <a:rPr lang="de-DE" dirty="0" err="1"/>
+              <a:t>Step</a:t>
+            </a:r>
+            <a:r>
+              <a:rPr lang="de-DE" dirty="0"/>
+              <a:t> </a:t>
+            </a:r>
+            <a:r>
+              <a:rPr lang="de-DE" dirty="0" err="1"/>
+              <a:t>response</a:t>
+            </a:r>
+            <a:r>
+              <a:rPr lang="de-DE" dirty="0"/>
+              <a:t>:</a:t>
+            </a:r>
+          </a:p>
+        </p:txBody>
+      </p:sp>
     </p:spTree>
     <p:extLst>
       <p:ext uri="{BB962C8B-B14F-4D97-AF65-F5344CB8AC3E}">

--- a/slides/3_Laplace.pptx
+++ b/slides/3_Laplace.pptx
@@ -41,7 +41,7 @@
     <p:sldId id="297" r:id="rId32"/>
     <p:sldId id="298" r:id="rId33"/>
     <p:sldId id="305" r:id="rId34"/>
-    <p:sldId id="299" r:id="rId35"/>
+    <p:sldId id="306" r:id="rId35"/>
     <p:sldId id="300" r:id="rId36"/>
     <p:sldId id="285" r:id="rId37"/>
     <p:sldId id="301" r:id="rId38"/>
@@ -19331,8 +19331,8 @@
           </a:p>
         </p:txBody>
       </p:sp>
-      <mc:AlternateContent xmlns:mc="http://schemas.openxmlformats.org/markup-compatibility/2006">
-        <mc:Choice xmlns:a14="http://schemas.microsoft.com/office/drawing/2010/main" Requires="a14">
+      <mc:AlternateContent xmlns:mc="http://schemas.openxmlformats.org/markup-compatibility/2006" xmlns:a14="http://schemas.microsoft.com/office/drawing/2010/main">
+        <mc:Choice Requires="a14">
           <p:sp>
             <p:nvSpPr>
               <p:cNvPr id="3" name="Inhaltsplatzhalter 2">
@@ -19657,7 +19657,7 @@
             </p:txBody>
           </p:sp>
         </mc:Choice>
-        <mc:Fallback>
+        <mc:Fallback xmlns="">
           <p:sp>
             <p:nvSpPr>
               <p:cNvPr id="3" name="Inhaltsplatzhalter 2">
@@ -20265,8 +20265,8 @@
           </a:p>
         </p:txBody>
       </p:sp>
-      <mc:AlternateContent xmlns:mc="http://schemas.openxmlformats.org/markup-compatibility/2006">
-        <mc:Choice xmlns:a14="http://schemas.microsoft.com/office/drawing/2010/main" Requires="a14">
+      <mc:AlternateContent xmlns:mc="http://schemas.openxmlformats.org/markup-compatibility/2006" xmlns:a14="http://schemas.microsoft.com/office/drawing/2010/main">
+        <mc:Choice Requires="a14">
           <p:sp>
             <p:nvSpPr>
               <p:cNvPr id="3" name="Inhaltsplatzhalter 2">
@@ -20413,13 +20413,7 @@
                           <a:rPr lang="de-DE" i="1">
                             <a:latin typeface="Cambria Math" panose="02040503050406030204" pitchFamily="18" charset="0"/>
                           </a:rPr>
-                          <m:t>𝑑</m:t>
-                        </m:r>
-                        <m:r>
-                          <a:rPr lang="de-DE" i="1">
-                            <a:latin typeface="Cambria Math" panose="02040503050406030204" pitchFamily="18" charset="0"/>
-                          </a:rPr>
-                          <m:t>𝑦</m:t>
+                          <m:t>𝑑𝑦</m:t>
                         </m:r>
                         <m:d>
                           <m:dPr>
@@ -20729,7 +20723,7 @@
             </p:txBody>
           </p:sp>
         </mc:Choice>
-        <mc:Fallback>
+        <mc:Fallback xmlns="">
           <p:sp>
             <p:nvSpPr>
               <p:cNvPr id="3" name="Inhaltsplatzhalter 2">
@@ -21155,8 +21149,8 @@
           </a:fontRef>
         </p:style>
       </p:cxnSp>
-      <mc:AlternateContent xmlns:mc="http://schemas.openxmlformats.org/markup-compatibility/2006">
-        <mc:Choice xmlns:a14="http://schemas.microsoft.com/office/drawing/2010/main" Requires="a14">
+      <mc:AlternateContent xmlns:mc="http://schemas.openxmlformats.org/markup-compatibility/2006" xmlns:a14="http://schemas.microsoft.com/office/drawing/2010/main">
+        <mc:Choice Requires="a14">
           <p:sp>
             <p:nvSpPr>
               <p:cNvPr id="17" name="Textfeld 16">
@@ -21215,7 +21209,7 @@
             </p:txBody>
           </p:sp>
         </mc:Choice>
-        <mc:Fallback>
+        <mc:Fallback xmlns="">
           <p:sp>
             <p:nvSpPr>
               <p:cNvPr id="17" name="Textfeld 16">
@@ -21306,8 +21300,8 @@
           </a:fontRef>
         </p:style>
       </p:cxnSp>
-      <mc:AlternateContent xmlns:mc="http://schemas.openxmlformats.org/markup-compatibility/2006">
-        <mc:Choice xmlns:a14="http://schemas.microsoft.com/office/drawing/2010/main" Requires="a14">
+      <mc:AlternateContent xmlns:mc="http://schemas.openxmlformats.org/markup-compatibility/2006" xmlns:a14="http://schemas.microsoft.com/office/drawing/2010/main">
+        <mc:Choice Requires="a14">
           <p:sp>
             <p:nvSpPr>
               <p:cNvPr id="9" name="Textfeld 8">
@@ -21502,7 +21496,7 @@
             </p:txBody>
           </p:sp>
         </mc:Choice>
-        <mc:Fallback>
+        <mc:Fallback xmlns="">
           <p:sp>
             <p:nvSpPr>
               <p:cNvPr id="9" name="Textfeld 8">
@@ -21788,6 +21782,42 @@
           <a:chExt cx="0" cy="0"/>
         </a:xfrm>
       </p:grpSpPr>
+      <p:pic>
+        <p:nvPicPr>
+          <p:cNvPr id="19" name="Grafik 18">
+            <a:extLst>
+              <a:ext uri="{FF2B5EF4-FFF2-40B4-BE49-F238E27FC236}">
+                <a16:creationId xmlns:a16="http://schemas.microsoft.com/office/drawing/2014/main" id="{705C08B2-33D4-35A5-13DE-40A99287D016}"/>
+              </a:ext>
+            </a:extLst>
+          </p:cNvPr>
+          <p:cNvPicPr>
+            <a:picLocks noChangeAspect="1"/>
+          </p:cNvPicPr>
+          <p:nvPr/>
+        </p:nvPicPr>
+        <p:blipFill>
+          <a:blip r:embed="rId2">
+            <a:extLst>
+              <a:ext uri="{96DAC541-7B7A-43D3-8B79-37D633B846F1}">
+                <asvg:svgBlip xmlns:asvg="http://schemas.microsoft.com/office/drawing/2016/SVG/main" r:embed="rId3"/>
+              </a:ext>
+            </a:extLst>
+          </a:blip>
+          <a:stretch>
+            <a:fillRect/>
+          </a:stretch>
+        </p:blipFill>
+        <p:spPr>
+          <a:xfrm>
+            <a:off x="8686298" y="0"/>
+            <a:ext cx="3505702" cy="2631506"/>
+          </a:xfrm>
+          <a:prstGeom prst="rect">
+            <a:avLst/>
+          </a:prstGeom>
+        </p:spPr>
+      </p:pic>
       <p:sp>
         <p:nvSpPr>
           <p:cNvPr id="2" name="Titel 1">
@@ -21816,34 +21846,638 @@
           </a:p>
         </p:txBody>
       </p:sp>
-      <p:sp>
-        <p:nvSpPr>
-          <p:cNvPr id="3" name="Inhaltsplatzhalter 2">
-            <a:extLst>
-              <a:ext uri="{FF2B5EF4-FFF2-40B4-BE49-F238E27FC236}">
-                <a16:creationId xmlns:a16="http://schemas.microsoft.com/office/drawing/2014/main" id="{398B993E-96D1-B19B-2D6E-6E5FD2D5860E}"/>
-              </a:ext>
-            </a:extLst>
-          </p:cNvPr>
-          <p:cNvSpPr>
-            <a:spLocks noGrp="1"/>
-          </p:cNvSpPr>
-          <p:nvPr>
-            <p:ph idx="1"/>
-          </p:nvPr>
-        </p:nvSpPr>
-        <p:spPr/>
-        <p:txBody>
-          <a:bodyPr/>
-          <a:lstStyle/>
-          <a:p>
-            <a:r>
-              <a:rPr lang="de-DE" dirty="0"/>
-              <a:t>…</a:t>
-            </a:r>
-          </a:p>
-        </p:txBody>
-      </p:sp>
+      <mc:AlternateContent xmlns:mc="http://schemas.openxmlformats.org/markup-compatibility/2006">
+        <mc:Choice xmlns:a14="http://schemas.microsoft.com/office/drawing/2010/main" Requires="a14">
+          <p:sp>
+            <p:nvSpPr>
+              <p:cNvPr id="3" name="Inhaltsplatzhalter 2">
+                <a:extLst>
+                  <a:ext uri="{FF2B5EF4-FFF2-40B4-BE49-F238E27FC236}">
+                    <a16:creationId xmlns:a16="http://schemas.microsoft.com/office/drawing/2014/main" id="{398B993E-96D1-B19B-2D6E-6E5FD2D5860E}"/>
+                  </a:ext>
+                </a:extLst>
+              </p:cNvPr>
+              <p:cNvSpPr>
+                <a:spLocks noGrp="1"/>
+              </p:cNvSpPr>
+              <p:nvPr>
+                <p:ph idx="1"/>
+              </p:nvPr>
+            </p:nvSpPr>
+            <p:spPr/>
+            <p:txBody>
+              <a:bodyPr/>
+              <a:lstStyle/>
+              <a:p>
+                <a:pPr marL="0" indent="0">
+                  <a:buNone/>
+                </a:pPr>
+                <a:r>
+                  <a:rPr lang="de-DE" sz="2400" dirty="0"/>
+                  <a:t>Consider </a:t>
+                </a:r>
+                <a14:m>
+                  <m:oMath xmlns:m="http://schemas.openxmlformats.org/officeDocument/2006/math">
+                    <m:r>
+                      <a:rPr lang="de-DE" sz="2400" i="1">
+                        <a:latin typeface="Cambria Math" panose="02040503050406030204" pitchFamily="18" charset="0"/>
+                      </a:rPr>
+                      <m:t>𝑛</m:t>
+                    </m:r>
+                    <m:r>
+                      <a:rPr lang="de-DE" sz="2400" i="1">
+                        <a:latin typeface="Cambria Math" panose="02040503050406030204" pitchFamily="18" charset="0"/>
+                      </a:rPr>
+                      <m:t>=1</m:t>
+                    </m:r>
+                  </m:oMath>
+                </a14:m>
+                <a:r>
+                  <a:rPr lang="de-DE" sz="2400" dirty="0"/>
+                  <a:t>, </a:t>
+                </a:r>
+                <a:r>
+                  <a:rPr lang="de-DE" sz="2400" dirty="0" err="1"/>
+                  <a:t>with</a:t>
+                </a:r>
+                <a:r>
+                  <a:rPr lang="de-DE" sz="2400" dirty="0"/>
+                  <a:t> </a:t>
+                </a:r>
+                <a14:m>
+                  <m:oMath xmlns:m="http://schemas.openxmlformats.org/officeDocument/2006/math">
+                    <m:sSub>
+                      <m:sSubPr>
+                        <m:ctrlPr>
+                          <a:rPr lang="de-DE" sz="2400" i="1" smtClean="0">
+                            <a:latin typeface="Cambria Math" panose="02040503050406030204" pitchFamily="18" charset="0"/>
+                          </a:rPr>
+                        </m:ctrlPr>
+                      </m:sSubPr>
+                      <m:e>
+                        <m:r>
+                          <a:rPr lang="de-DE" sz="2400" i="1">
+                            <a:latin typeface="Cambria Math" panose="02040503050406030204" pitchFamily="18" charset="0"/>
+                          </a:rPr>
+                          <m:t>𝑏</m:t>
+                        </m:r>
+                      </m:e>
+                      <m:sub>
+                        <m:r>
+                          <a:rPr lang="de-DE" sz="2400" i="1">
+                            <a:latin typeface="Cambria Math" panose="02040503050406030204" pitchFamily="18" charset="0"/>
+                          </a:rPr>
+                          <m:t>1</m:t>
+                        </m:r>
+                      </m:sub>
+                    </m:sSub>
+                    <m:r>
+                      <a:rPr lang="de-DE" sz="2400" i="1">
+                        <a:latin typeface="Cambria Math" panose="02040503050406030204" pitchFamily="18" charset="0"/>
+                      </a:rPr>
+                      <m:t>=0</m:t>
+                    </m:r>
+                  </m:oMath>
+                </a14:m>
+                <a:r>
+                  <a:rPr lang="de-DE" sz="2400" dirty="0"/>
+                  <a:t>:</a:t>
+                </a:r>
+              </a:p>
+              <a:p>
+                <a:pPr marL="0" indent="0">
+                  <a:buNone/>
+                </a:pPr>
+                <a14:m>
+                  <m:oMath xmlns:m="http://schemas.openxmlformats.org/officeDocument/2006/math">
+                    <m:f>
+                      <m:fPr>
+                        <m:ctrlPr>
+                          <a:rPr lang="de-DE" sz="2400" i="1" smtClean="0">
+                            <a:latin typeface="Cambria Math" panose="02040503050406030204" pitchFamily="18" charset="0"/>
+                          </a:rPr>
+                        </m:ctrlPr>
+                      </m:fPr>
+                      <m:num>
+                        <m:sSub>
+                          <m:sSubPr>
+                            <m:ctrlPr>
+                              <a:rPr lang="de-DE" sz="2400" i="1">
+                                <a:latin typeface="Cambria Math" panose="02040503050406030204" pitchFamily="18" charset="0"/>
+                              </a:rPr>
+                            </m:ctrlPr>
+                          </m:sSubPr>
+                          <m:e>
+                            <m:r>
+                              <a:rPr lang="de-DE" sz="2400" i="1">
+                                <a:latin typeface="Cambria Math" panose="02040503050406030204" pitchFamily="18" charset="0"/>
+                              </a:rPr>
+                              <m:t>𝑎</m:t>
+                            </m:r>
+                          </m:e>
+                          <m:sub>
+                            <m:r>
+                              <a:rPr lang="de-DE" sz="2400" i="1">
+                                <a:latin typeface="Cambria Math" panose="02040503050406030204" pitchFamily="18" charset="0"/>
+                              </a:rPr>
+                              <m:t>1</m:t>
+                            </m:r>
+                          </m:sub>
+                        </m:sSub>
+                      </m:num>
+                      <m:den>
+                        <m:sSub>
+                          <m:sSubPr>
+                            <m:ctrlPr>
+                              <a:rPr lang="de-DE" sz="2400" i="1">
+                                <a:latin typeface="Cambria Math" panose="02040503050406030204" pitchFamily="18" charset="0"/>
+                              </a:rPr>
+                            </m:ctrlPr>
+                          </m:sSubPr>
+                          <m:e>
+                            <m:r>
+                              <a:rPr lang="de-DE" sz="2400" i="1">
+                                <a:latin typeface="Cambria Math" panose="02040503050406030204" pitchFamily="18" charset="0"/>
+                              </a:rPr>
+                              <m:t>𝑎</m:t>
+                            </m:r>
+                          </m:e>
+                          <m:sub>
+                            <m:r>
+                              <a:rPr lang="de-DE" sz="2400" i="1">
+                                <a:latin typeface="Cambria Math" panose="02040503050406030204" pitchFamily="18" charset="0"/>
+                              </a:rPr>
+                              <m:t>0</m:t>
+                            </m:r>
+                          </m:sub>
+                        </m:sSub>
+                      </m:den>
+                    </m:f>
+                    <m:r>
+                      <a:rPr lang="de-DE" sz="2400" i="1" smtClean="0">
+                        <a:latin typeface="Cambria Math" panose="02040503050406030204" pitchFamily="18" charset="0"/>
+                        <a:ea typeface="Cambria Math" panose="02040503050406030204" pitchFamily="18" charset="0"/>
+                      </a:rPr>
+                      <m:t>∙</m:t>
+                    </m:r>
+                    <m:f>
+                      <m:fPr>
+                        <m:ctrlPr>
+                          <a:rPr lang="de-DE" sz="2400" i="1">
+                            <a:latin typeface="Cambria Math" panose="02040503050406030204" pitchFamily="18" charset="0"/>
+                          </a:rPr>
+                        </m:ctrlPr>
+                      </m:fPr>
+                      <m:num>
+                        <m:r>
+                          <a:rPr lang="de-DE" sz="2400" i="1">
+                            <a:latin typeface="Cambria Math" panose="02040503050406030204" pitchFamily="18" charset="0"/>
+                          </a:rPr>
+                          <m:t>𝑑𝑦</m:t>
+                        </m:r>
+                        <m:d>
+                          <m:dPr>
+                            <m:ctrlPr>
+                              <a:rPr lang="de-DE" sz="2400" i="1">
+                                <a:latin typeface="Cambria Math" panose="02040503050406030204" pitchFamily="18" charset="0"/>
+                              </a:rPr>
+                            </m:ctrlPr>
+                          </m:dPr>
+                          <m:e>
+                            <m:r>
+                              <a:rPr lang="de-DE" sz="2400" i="1">
+                                <a:latin typeface="Cambria Math" panose="02040503050406030204" pitchFamily="18" charset="0"/>
+                              </a:rPr>
+                              <m:t>𝑡</m:t>
+                            </m:r>
+                          </m:e>
+                        </m:d>
+                      </m:num>
+                      <m:den>
+                        <m:r>
+                          <a:rPr lang="de-DE" sz="2400" i="1">
+                            <a:latin typeface="Cambria Math" panose="02040503050406030204" pitchFamily="18" charset="0"/>
+                          </a:rPr>
+                          <m:t>𝑑𝑡</m:t>
+                        </m:r>
+                      </m:den>
+                    </m:f>
+                    <m:r>
+                      <a:rPr lang="de-DE" sz="2400" b="0" i="1" smtClean="0">
+                        <a:latin typeface="Cambria Math" panose="02040503050406030204" pitchFamily="18" charset="0"/>
+                      </a:rPr>
+                      <m:t>+</m:t>
+                    </m:r>
+                    <m:r>
+                      <a:rPr lang="de-DE" sz="2400" b="0" i="1" smtClean="0">
+                        <a:latin typeface="Cambria Math" panose="02040503050406030204" pitchFamily="18" charset="0"/>
+                        <a:ea typeface="Cambria Math" panose="02040503050406030204" pitchFamily="18" charset="0"/>
+                      </a:rPr>
+                      <m:t>𝑦</m:t>
+                    </m:r>
+                    <m:r>
+                      <a:rPr lang="de-DE" sz="2400" b="0" i="1" smtClean="0">
+                        <a:latin typeface="Cambria Math" panose="02040503050406030204" pitchFamily="18" charset="0"/>
+                        <a:ea typeface="Cambria Math" panose="02040503050406030204" pitchFamily="18" charset="0"/>
+                      </a:rPr>
+                      <m:t>(</m:t>
+                    </m:r>
+                    <m:r>
+                      <a:rPr lang="de-DE" sz="2400" b="0" i="1" smtClean="0">
+                        <a:latin typeface="Cambria Math" panose="02040503050406030204" pitchFamily="18" charset="0"/>
+                        <a:ea typeface="Cambria Math" panose="02040503050406030204" pitchFamily="18" charset="0"/>
+                      </a:rPr>
+                      <m:t>𝑡</m:t>
+                    </m:r>
+                    <m:r>
+                      <a:rPr lang="de-DE" sz="2400" b="0" i="1" smtClean="0">
+                        <a:latin typeface="Cambria Math" panose="02040503050406030204" pitchFamily="18" charset="0"/>
+                        <a:ea typeface="Cambria Math" panose="02040503050406030204" pitchFamily="18" charset="0"/>
+                      </a:rPr>
+                      <m:t>)=</m:t>
+                    </m:r>
+                    <m:f>
+                      <m:fPr>
+                        <m:ctrlPr>
+                          <a:rPr lang="de-DE" sz="2400" i="1" smtClean="0">
+                            <a:latin typeface="Cambria Math" panose="02040503050406030204" pitchFamily="18" charset="0"/>
+                          </a:rPr>
+                        </m:ctrlPr>
+                      </m:fPr>
+                      <m:num>
+                        <m:sSub>
+                          <m:sSubPr>
+                            <m:ctrlPr>
+                              <a:rPr lang="de-DE" sz="2400" i="1">
+                                <a:latin typeface="Cambria Math" panose="02040503050406030204" pitchFamily="18" charset="0"/>
+                              </a:rPr>
+                            </m:ctrlPr>
+                          </m:sSubPr>
+                          <m:e>
+                            <m:r>
+                              <a:rPr lang="de-DE" sz="2400" i="1">
+                                <a:latin typeface="Cambria Math" panose="02040503050406030204" pitchFamily="18" charset="0"/>
+                              </a:rPr>
+                              <m:t>𝑏</m:t>
+                            </m:r>
+                          </m:e>
+                          <m:sub>
+                            <m:r>
+                              <a:rPr lang="de-DE" sz="2400" i="1">
+                                <a:latin typeface="Cambria Math" panose="02040503050406030204" pitchFamily="18" charset="0"/>
+                              </a:rPr>
+                              <m:t>0</m:t>
+                            </m:r>
+                          </m:sub>
+                        </m:sSub>
+                      </m:num>
+                      <m:den>
+                        <m:sSub>
+                          <m:sSubPr>
+                            <m:ctrlPr>
+                              <a:rPr lang="de-DE" sz="2400" i="1">
+                                <a:latin typeface="Cambria Math" panose="02040503050406030204" pitchFamily="18" charset="0"/>
+                              </a:rPr>
+                            </m:ctrlPr>
+                          </m:sSubPr>
+                          <m:e>
+                            <m:r>
+                              <a:rPr lang="de-DE" sz="2400" i="1">
+                                <a:latin typeface="Cambria Math" panose="02040503050406030204" pitchFamily="18" charset="0"/>
+                              </a:rPr>
+                              <m:t>𝑎</m:t>
+                            </m:r>
+                          </m:e>
+                          <m:sub>
+                            <m:r>
+                              <a:rPr lang="de-DE" sz="2400" i="1">
+                                <a:latin typeface="Cambria Math" panose="02040503050406030204" pitchFamily="18" charset="0"/>
+                              </a:rPr>
+                              <m:t>0</m:t>
+                            </m:r>
+                          </m:sub>
+                        </m:sSub>
+                      </m:den>
+                    </m:f>
+                    <m:r>
+                      <a:rPr lang="de-DE" sz="2400" i="1">
+                        <a:latin typeface="Cambria Math" panose="02040503050406030204" pitchFamily="18" charset="0"/>
+                        <a:ea typeface="Cambria Math" panose="02040503050406030204" pitchFamily="18" charset="0"/>
+                      </a:rPr>
+                      <m:t>∙</m:t>
+                    </m:r>
+                    <m:r>
+                      <a:rPr lang="de-DE" sz="2400" i="1">
+                        <a:latin typeface="Cambria Math" panose="02040503050406030204" pitchFamily="18" charset="0"/>
+                      </a:rPr>
+                      <m:t>𝑢</m:t>
+                    </m:r>
+                    <m:r>
+                      <a:rPr lang="de-DE" sz="2400" i="1">
+                        <a:latin typeface="Cambria Math" panose="02040503050406030204" pitchFamily="18" charset="0"/>
+                      </a:rPr>
+                      <m:t>(</m:t>
+                    </m:r>
+                    <m:r>
+                      <a:rPr lang="de-DE" sz="2400" i="1">
+                        <a:latin typeface="Cambria Math" panose="02040503050406030204" pitchFamily="18" charset="0"/>
+                      </a:rPr>
+                      <m:t>𝑡</m:t>
+                    </m:r>
+                    <m:r>
+                      <a:rPr lang="de-DE" sz="2400" i="1">
+                        <a:latin typeface="Cambria Math" panose="02040503050406030204" pitchFamily="18" charset="0"/>
+                      </a:rPr>
+                      <m:t>)</m:t>
+                    </m:r>
+                  </m:oMath>
+                </a14:m>
+                <a:r>
+                  <a:rPr lang="de-DE" sz="2400" dirty="0"/>
+                  <a:t>     </a:t>
+                </a:r>
+                <a:r>
+                  <a:rPr lang="de-DE" sz="2400" dirty="0" err="1"/>
+                  <a:t>or</a:t>
+                </a:r>
+                <a:r>
+                  <a:rPr lang="de-DE" sz="2400" dirty="0"/>
+                  <a:t>     </a:t>
+                </a:r>
+                <a14:m>
+                  <m:oMath xmlns:m="http://schemas.openxmlformats.org/officeDocument/2006/math">
+                    <m:r>
+                      <a:rPr lang="de-DE" sz="2400" i="1">
+                        <a:latin typeface="Cambria Math" panose="02040503050406030204" pitchFamily="18" charset="0"/>
+                      </a:rPr>
+                      <m:t>𝑌</m:t>
+                    </m:r>
+                    <m:d>
+                      <m:dPr>
+                        <m:ctrlPr>
+                          <a:rPr lang="de-DE" sz="2400" i="1">
+                            <a:latin typeface="Cambria Math" panose="02040503050406030204" pitchFamily="18" charset="0"/>
+                          </a:rPr>
+                        </m:ctrlPr>
+                      </m:dPr>
+                      <m:e>
+                        <m:r>
+                          <a:rPr lang="de-DE" sz="2400" i="1">
+                            <a:latin typeface="Cambria Math" panose="02040503050406030204" pitchFamily="18" charset="0"/>
+                          </a:rPr>
+                          <m:t>𝑠</m:t>
+                        </m:r>
+                      </m:e>
+                    </m:d>
+                    <m:r>
+                      <a:rPr lang="de-DE" sz="2400" i="1" smtClean="0">
+                        <a:latin typeface="Cambria Math" panose="02040503050406030204" pitchFamily="18" charset="0"/>
+                        <a:ea typeface="Cambria Math" panose="02040503050406030204" pitchFamily="18" charset="0"/>
+                      </a:rPr>
+                      <m:t>∙</m:t>
+                    </m:r>
+                    <m:d>
+                      <m:dPr>
+                        <m:ctrlPr>
+                          <a:rPr lang="de-DE" sz="2400" i="1" smtClean="0">
+                            <a:latin typeface="Cambria Math" panose="02040503050406030204" pitchFamily="18" charset="0"/>
+                            <a:ea typeface="Cambria Math" panose="02040503050406030204" pitchFamily="18" charset="0"/>
+                          </a:rPr>
+                        </m:ctrlPr>
+                      </m:dPr>
+                      <m:e>
+                        <m:r>
+                          <a:rPr lang="de-DE" sz="2400" b="0" i="1" smtClean="0">
+                            <a:latin typeface="Cambria Math" panose="02040503050406030204" pitchFamily="18" charset="0"/>
+                            <a:ea typeface="Cambria Math" panose="02040503050406030204" pitchFamily="18" charset="0"/>
+                          </a:rPr>
+                          <m:t>𝑠</m:t>
+                        </m:r>
+                        <m:r>
+                          <a:rPr lang="de-DE" sz="2400" b="0" i="1" smtClean="0">
+                            <a:latin typeface="Cambria Math" panose="02040503050406030204" pitchFamily="18" charset="0"/>
+                            <a:ea typeface="Cambria Math" panose="02040503050406030204" pitchFamily="18" charset="0"/>
+                          </a:rPr>
+                          <m:t>∙</m:t>
+                        </m:r>
+                        <m:f>
+                          <m:fPr>
+                            <m:ctrlPr>
+                              <a:rPr lang="de-DE" sz="2400" i="1">
+                                <a:latin typeface="Cambria Math" panose="02040503050406030204" pitchFamily="18" charset="0"/>
+                              </a:rPr>
+                            </m:ctrlPr>
+                          </m:fPr>
+                          <m:num>
+                            <m:sSub>
+                              <m:sSubPr>
+                                <m:ctrlPr>
+                                  <a:rPr lang="de-DE" sz="2400" i="1">
+                                    <a:latin typeface="Cambria Math" panose="02040503050406030204" pitchFamily="18" charset="0"/>
+                                  </a:rPr>
+                                </m:ctrlPr>
+                              </m:sSubPr>
+                              <m:e>
+                                <m:r>
+                                  <a:rPr lang="de-DE" sz="2400" i="1">
+                                    <a:latin typeface="Cambria Math" panose="02040503050406030204" pitchFamily="18" charset="0"/>
+                                  </a:rPr>
+                                  <m:t>𝑎</m:t>
+                                </m:r>
+                              </m:e>
+                              <m:sub>
+                                <m:r>
+                                  <a:rPr lang="de-DE" sz="2400" i="1">
+                                    <a:latin typeface="Cambria Math" panose="02040503050406030204" pitchFamily="18" charset="0"/>
+                                  </a:rPr>
+                                  <m:t>1</m:t>
+                                </m:r>
+                              </m:sub>
+                            </m:sSub>
+                          </m:num>
+                          <m:den>
+                            <m:sSub>
+                              <m:sSubPr>
+                                <m:ctrlPr>
+                                  <a:rPr lang="de-DE" sz="2400" i="1">
+                                    <a:latin typeface="Cambria Math" panose="02040503050406030204" pitchFamily="18" charset="0"/>
+                                  </a:rPr>
+                                </m:ctrlPr>
+                              </m:sSubPr>
+                              <m:e>
+                                <m:r>
+                                  <a:rPr lang="de-DE" sz="2400" i="1">
+                                    <a:latin typeface="Cambria Math" panose="02040503050406030204" pitchFamily="18" charset="0"/>
+                                  </a:rPr>
+                                  <m:t>𝑎</m:t>
+                                </m:r>
+                              </m:e>
+                              <m:sub>
+                                <m:r>
+                                  <a:rPr lang="de-DE" sz="2400" i="1">
+                                    <a:latin typeface="Cambria Math" panose="02040503050406030204" pitchFamily="18" charset="0"/>
+                                  </a:rPr>
+                                  <m:t>0</m:t>
+                                </m:r>
+                              </m:sub>
+                            </m:sSub>
+                          </m:den>
+                        </m:f>
+                        <m:r>
+                          <a:rPr lang="de-DE" sz="2400" b="0" i="1" smtClean="0">
+                            <a:latin typeface="Cambria Math" panose="02040503050406030204" pitchFamily="18" charset="0"/>
+                          </a:rPr>
+                          <m:t>+1</m:t>
+                        </m:r>
+                      </m:e>
+                    </m:d>
+                    <m:r>
+                      <a:rPr lang="de-DE" sz="2400" i="1">
+                        <a:latin typeface="Cambria Math" panose="02040503050406030204" pitchFamily="18" charset="0"/>
+                      </a:rPr>
+                      <m:t>=</m:t>
+                    </m:r>
+                    <m:f>
+                      <m:fPr>
+                        <m:ctrlPr>
+                          <a:rPr lang="de-DE" sz="2400" i="1">
+                            <a:latin typeface="Cambria Math" panose="02040503050406030204" pitchFamily="18" charset="0"/>
+                          </a:rPr>
+                        </m:ctrlPr>
+                      </m:fPr>
+                      <m:num>
+                        <m:sSub>
+                          <m:sSubPr>
+                            <m:ctrlPr>
+                              <a:rPr lang="de-DE" sz="2400" i="1">
+                                <a:latin typeface="Cambria Math" panose="02040503050406030204" pitchFamily="18" charset="0"/>
+                              </a:rPr>
+                            </m:ctrlPr>
+                          </m:sSubPr>
+                          <m:e>
+                            <m:r>
+                              <a:rPr lang="de-DE" sz="2400" i="1">
+                                <a:latin typeface="Cambria Math" panose="02040503050406030204" pitchFamily="18" charset="0"/>
+                              </a:rPr>
+                              <m:t>𝑏</m:t>
+                            </m:r>
+                          </m:e>
+                          <m:sub>
+                            <m:r>
+                              <a:rPr lang="de-DE" sz="2400" i="1">
+                                <a:latin typeface="Cambria Math" panose="02040503050406030204" pitchFamily="18" charset="0"/>
+                              </a:rPr>
+                              <m:t>0</m:t>
+                            </m:r>
+                          </m:sub>
+                        </m:sSub>
+                      </m:num>
+                      <m:den>
+                        <m:sSub>
+                          <m:sSubPr>
+                            <m:ctrlPr>
+                              <a:rPr lang="de-DE" sz="2400" i="1" smtClean="0">
+                                <a:latin typeface="Cambria Math" panose="02040503050406030204" pitchFamily="18" charset="0"/>
+                              </a:rPr>
+                            </m:ctrlPr>
+                          </m:sSubPr>
+                          <m:e>
+                            <m:r>
+                              <a:rPr lang="de-DE" sz="2400" b="0" i="1" smtClean="0">
+                                <a:latin typeface="Cambria Math" panose="02040503050406030204" pitchFamily="18" charset="0"/>
+                              </a:rPr>
+                              <m:t>𝑎</m:t>
+                            </m:r>
+                          </m:e>
+                          <m:sub>
+                            <m:r>
+                              <a:rPr lang="de-DE" sz="2400" b="0" i="1" smtClean="0">
+                                <a:latin typeface="Cambria Math" panose="02040503050406030204" pitchFamily="18" charset="0"/>
+                              </a:rPr>
+                              <m:t>0</m:t>
+                            </m:r>
+                          </m:sub>
+                        </m:sSub>
+                      </m:den>
+                    </m:f>
+                    <m:r>
+                      <a:rPr lang="de-DE" sz="2400" i="1">
+                        <a:latin typeface="Cambria Math" panose="02040503050406030204" pitchFamily="18" charset="0"/>
+                        <a:ea typeface="Cambria Math" panose="02040503050406030204" pitchFamily="18" charset="0"/>
+                      </a:rPr>
+                      <m:t>∙</m:t>
+                    </m:r>
+                    <m:r>
+                      <a:rPr lang="de-DE" sz="2400" i="1">
+                        <a:latin typeface="Cambria Math" panose="02040503050406030204" pitchFamily="18" charset="0"/>
+                      </a:rPr>
+                      <m:t>𝑈</m:t>
+                    </m:r>
+                    <m:r>
+                      <a:rPr lang="de-DE" sz="2400" i="1">
+                        <a:latin typeface="Cambria Math" panose="02040503050406030204" pitchFamily="18" charset="0"/>
+                      </a:rPr>
+                      <m:t>(</m:t>
+                    </m:r>
+                    <m:r>
+                      <a:rPr lang="de-DE" sz="2400" i="1">
+                        <a:latin typeface="Cambria Math" panose="02040503050406030204" pitchFamily="18" charset="0"/>
+                      </a:rPr>
+                      <m:t>𝑠</m:t>
+                    </m:r>
+                    <m:r>
+                      <a:rPr lang="de-DE" sz="2400" i="1">
+                        <a:latin typeface="Cambria Math" panose="02040503050406030204" pitchFamily="18" charset="0"/>
+                      </a:rPr>
+                      <m:t>)</m:t>
+                    </m:r>
+                  </m:oMath>
+                </a14:m>
+                <a:endParaRPr lang="de-DE" sz="2400" dirty="0"/>
+              </a:p>
+            </p:txBody>
+          </p:sp>
+        </mc:Choice>
+        <mc:Fallback>
+          <p:sp>
+            <p:nvSpPr>
+              <p:cNvPr id="3" name="Inhaltsplatzhalter 2">
+                <a:extLst>
+                  <a:ext uri="{FF2B5EF4-FFF2-40B4-BE49-F238E27FC236}">
+                    <a16:creationId xmlns:a16="http://schemas.microsoft.com/office/drawing/2014/main" id="{398B993E-96D1-B19B-2D6E-6E5FD2D5860E}"/>
+                  </a:ext>
+                </a:extLst>
+              </p:cNvPr>
+              <p:cNvSpPr>
+                <a:spLocks noGrp="1" noRot="1" noChangeAspect="1" noMove="1" noResize="1" noEditPoints="1" noAdjustHandles="1" noChangeArrowheads="1" noChangeShapeType="1" noTextEdit="1"/>
+              </p:cNvSpPr>
+              <p:nvPr>
+                <p:ph idx="1"/>
+              </p:nvPr>
+            </p:nvSpPr>
+            <p:spPr>
+              <a:blipFill>
+                <a:blip r:embed="rId4"/>
+                <a:stretch>
+                  <a:fillRect l="-965" t="-2035"/>
+                </a:stretch>
+              </a:blipFill>
+            </p:spPr>
+            <p:txBody>
+              <a:bodyPr/>
+              <a:lstStyle/>
+              <a:p>
+                <a:r>
+                  <a:rPr lang="de-DE">
+                    <a:noFill/>
+                  </a:rPr>
+                  <a:t> </a:t>
+                </a:r>
+              </a:p>
+            </p:txBody>
+          </p:sp>
+        </mc:Fallback>
+      </mc:AlternateContent>
       <p:sp>
         <p:nvSpPr>
           <p:cNvPr id="4" name="Foliennummernplatzhalter 3">
@@ -21888,10 +22522,10 @@
           <p:nvPr/>
         </p:nvPicPr>
         <p:blipFill>
-          <a:blip r:embed="rId2">
+          <a:blip r:embed="rId5">
             <a:extLst>
               <a:ext uri="{96DAC541-7B7A-43D3-8B79-37D633B846F1}">
-                <asvg:svgBlip xmlns:asvg="http://schemas.microsoft.com/office/drawing/2016/SVG/main" r:embed="rId3"/>
+                <asvg:svgBlip xmlns:asvg="http://schemas.microsoft.com/office/drawing/2016/SVG/main" r:embed="rId6"/>
               </a:ext>
             </a:extLst>
           </a:blip>
@@ -21924,10 +22558,10 @@
           <p:nvPr/>
         </p:nvPicPr>
         <p:blipFill>
-          <a:blip r:embed="rId4">
+          <a:blip r:embed="rId7">
             <a:extLst>
               <a:ext uri="{96DAC541-7B7A-43D3-8B79-37D633B846F1}">
-                <asvg:svgBlip xmlns:asvg="http://schemas.microsoft.com/office/drawing/2016/SVG/main" r:embed="rId5"/>
+                <asvg:svgBlip xmlns:asvg="http://schemas.microsoft.com/office/drawing/2016/SVG/main" r:embed="rId8"/>
               </a:ext>
             </a:extLst>
           </a:blip>
@@ -21937,7 +22571,7 @@
         </p:blipFill>
         <p:spPr>
           <a:xfrm>
-            <a:off x="7572653" y="1831626"/>
+            <a:off x="7572653" y="2985721"/>
             <a:ext cx="4619347" cy="3467449"/>
           </a:xfrm>
           <a:prstGeom prst="rect">
@@ -21992,6 +22626,690 @@
           </a:p>
         </p:txBody>
       </p:sp>
+      <mc:AlternateContent xmlns:mc="http://schemas.openxmlformats.org/markup-compatibility/2006">
+        <mc:Choice xmlns:a14="http://schemas.microsoft.com/office/drawing/2010/main" Requires="a14">
+          <p:sp>
+            <p:nvSpPr>
+              <p:cNvPr id="7" name="Textfeld 6">
+                <a:extLst>
+                  <a:ext uri="{FF2B5EF4-FFF2-40B4-BE49-F238E27FC236}">
+                    <a16:creationId xmlns:a16="http://schemas.microsoft.com/office/drawing/2014/main" id="{76E80EAA-B6EA-33F6-3CA4-CA4B264D3B4E}"/>
+                  </a:ext>
+                </a:extLst>
+              </p:cNvPr>
+              <p:cNvSpPr txBox="1"/>
+              <p:nvPr/>
+            </p:nvSpPr>
+            <p:spPr>
+              <a:xfrm>
+                <a:off x="905520" y="3631962"/>
+                <a:ext cx="259161" cy="369332"/>
+              </a:xfrm>
+              <a:prstGeom prst="rect">
+                <a:avLst/>
+              </a:prstGeom>
+              <a:noFill/>
+            </p:spPr>
+            <p:txBody>
+              <a:bodyPr wrap="square" lIns="0" tIns="0" rIns="0" bIns="0" rtlCol="0">
+                <a:spAutoFit/>
+              </a:bodyPr>
+              <a:lstStyle/>
+              <a:p>
+                <a14:m>
+                  <m:oMathPara xmlns:m="http://schemas.openxmlformats.org/officeDocument/2006/math">
+                    <m:oMathParaPr>
+                      <m:jc m:val="centerGroup"/>
+                    </m:oMathParaPr>
+                    <m:oMath xmlns:m="http://schemas.openxmlformats.org/officeDocument/2006/math">
+                      <m:r>
+                        <a:rPr lang="de-DE" sz="2400" b="0" i="1" smtClean="0">
+                          <a:latin typeface="Cambria Math" panose="02040503050406030204" pitchFamily="18" charset="0"/>
+                        </a:rPr>
+                        <m:t>𝑇</m:t>
+                      </m:r>
+                    </m:oMath>
+                  </m:oMathPara>
+                </a14:m>
+                <a:endParaRPr lang="de-DE" sz="2400" dirty="0"/>
+              </a:p>
+            </p:txBody>
+          </p:sp>
+        </mc:Choice>
+        <mc:Fallback>
+          <p:sp>
+            <p:nvSpPr>
+              <p:cNvPr id="7" name="Textfeld 6">
+                <a:extLst>
+                  <a:ext uri="{FF2B5EF4-FFF2-40B4-BE49-F238E27FC236}">
+                    <a16:creationId xmlns:a16="http://schemas.microsoft.com/office/drawing/2014/main" id="{76E80EAA-B6EA-33F6-3CA4-CA4B264D3B4E}"/>
+                  </a:ext>
+                </a:extLst>
+              </p:cNvPr>
+              <p:cNvSpPr txBox="1">
+                <a:spLocks noRot="1" noChangeAspect="1" noMove="1" noResize="1" noEditPoints="1" noAdjustHandles="1" noChangeArrowheads="1" noChangeShapeType="1" noTextEdit="1"/>
+              </p:cNvSpPr>
+              <p:nvPr/>
+            </p:nvSpPr>
+            <p:spPr>
+              <a:xfrm>
+                <a:off x="905520" y="3631962"/>
+                <a:ext cx="259161" cy="369332"/>
+              </a:xfrm>
+              <a:prstGeom prst="rect">
+                <a:avLst/>
+              </a:prstGeom>
+              <a:blipFill>
+                <a:blip r:embed="rId9"/>
+                <a:stretch>
+                  <a:fillRect l="-28571" r="-23810" b="-6897"/>
+                </a:stretch>
+              </a:blipFill>
+            </p:spPr>
+            <p:txBody>
+              <a:bodyPr/>
+              <a:lstStyle/>
+              <a:p>
+                <a:r>
+                  <a:rPr lang="de-DE">
+                    <a:noFill/>
+                  </a:rPr>
+                  <a:t> </a:t>
+                </a:r>
+              </a:p>
+            </p:txBody>
+          </p:sp>
+        </mc:Fallback>
+      </mc:AlternateContent>
+      <mc:AlternateContent xmlns:mc="http://schemas.openxmlformats.org/markup-compatibility/2006">
+        <mc:Choice xmlns:a14="http://schemas.microsoft.com/office/drawing/2010/main" Requires="a14">
+          <p:sp>
+            <p:nvSpPr>
+              <p:cNvPr id="9" name="Textfeld 8">
+                <a:extLst>
+                  <a:ext uri="{FF2B5EF4-FFF2-40B4-BE49-F238E27FC236}">
+                    <a16:creationId xmlns:a16="http://schemas.microsoft.com/office/drawing/2014/main" id="{2C1BA72E-8E02-C008-2941-A7951D369B4F}"/>
+                  </a:ext>
+                </a:extLst>
+              </p:cNvPr>
+              <p:cNvSpPr txBox="1"/>
+              <p:nvPr/>
+            </p:nvSpPr>
+            <p:spPr>
+              <a:xfrm>
+                <a:off x="2022260" y="3631962"/>
+                <a:ext cx="286617" cy="369332"/>
+              </a:xfrm>
+              <a:prstGeom prst="rect">
+                <a:avLst/>
+              </a:prstGeom>
+              <a:noFill/>
+            </p:spPr>
+            <p:txBody>
+              <a:bodyPr wrap="square" lIns="0" tIns="0" rIns="0" bIns="0" rtlCol="0">
+                <a:spAutoFit/>
+              </a:bodyPr>
+              <a:lstStyle/>
+              <a:p>
+                <a14:m>
+                  <m:oMathPara xmlns:m="http://schemas.openxmlformats.org/officeDocument/2006/math">
+                    <m:oMathParaPr>
+                      <m:jc m:val="centerGroup"/>
+                    </m:oMathParaPr>
+                    <m:oMath xmlns:m="http://schemas.openxmlformats.org/officeDocument/2006/math">
+                      <m:r>
+                        <a:rPr lang="de-DE" sz="2400" b="0" i="1" smtClean="0">
+                          <a:latin typeface="Cambria Math" panose="02040503050406030204" pitchFamily="18" charset="0"/>
+                        </a:rPr>
+                        <m:t>𝐾</m:t>
+                      </m:r>
+                    </m:oMath>
+                  </m:oMathPara>
+                </a14:m>
+                <a:endParaRPr lang="de-DE" sz="2400" dirty="0"/>
+              </a:p>
+            </p:txBody>
+          </p:sp>
+        </mc:Choice>
+        <mc:Fallback>
+          <p:sp>
+            <p:nvSpPr>
+              <p:cNvPr id="9" name="Textfeld 8">
+                <a:extLst>
+                  <a:ext uri="{FF2B5EF4-FFF2-40B4-BE49-F238E27FC236}">
+                    <a16:creationId xmlns:a16="http://schemas.microsoft.com/office/drawing/2014/main" id="{2C1BA72E-8E02-C008-2941-A7951D369B4F}"/>
+                  </a:ext>
+                </a:extLst>
+              </p:cNvPr>
+              <p:cNvSpPr txBox="1">
+                <a:spLocks noRot="1" noChangeAspect="1" noMove="1" noResize="1" noEditPoints="1" noAdjustHandles="1" noChangeArrowheads="1" noChangeShapeType="1" noTextEdit="1"/>
+              </p:cNvSpPr>
+              <p:nvPr/>
+            </p:nvSpPr>
+            <p:spPr>
+              <a:xfrm>
+                <a:off x="2022260" y="3631962"/>
+                <a:ext cx="286617" cy="369332"/>
+              </a:xfrm>
+              <a:prstGeom prst="rect">
+                <a:avLst/>
+              </a:prstGeom>
+              <a:blipFill>
+                <a:blip r:embed="rId10"/>
+                <a:stretch>
+                  <a:fillRect l="-26087" r="-21739" b="-6897"/>
+                </a:stretch>
+              </a:blipFill>
+            </p:spPr>
+            <p:txBody>
+              <a:bodyPr/>
+              <a:lstStyle/>
+              <a:p>
+                <a:r>
+                  <a:rPr lang="de-DE">
+                    <a:noFill/>
+                  </a:rPr>
+                  <a:t> </a:t>
+                </a:r>
+              </a:p>
+            </p:txBody>
+          </p:sp>
+        </mc:Fallback>
+      </mc:AlternateContent>
+      <p:cxnSp>
+        <p:nvCxnSpPr>
+          <p:cNvPr id="11" name="Gerade Verbindung mit Pfeil 10">
+            <a:extLst>
+              <a:ext uri="{FF2B5EF4-FFF2-40B4-BE49-F238E27FC236}">
+                <a16:creationId xmlns:a16="http://schemas.microsoft.com/office/drawing/2014/main" id="{1AC96BBA-3B89-95C9-B22F-6886694E13E1}"/>
+              </a:ext>
+            </a:extLst>
+          </p:cNvPr>
+          <p:cNvCxnSpPr>
+            <a:stCxn id="7" idx="0"/>
+          </p:cNvCxnSpPr>
+          <p:nvPr/>
+        </p:nvCxnSpPr>
+        <p:spPr>
+          <a:xfrm flipH="1" flipV="1">
+            <a:off x="1035100" y="2985721"/>
+            <a:ext cx="1" cy="646241"/>
+          </a:xfrm>
+          <a:prstGeom prst="straightConnector1">
+            <a:avLst/>
+          </a:prstGeom>
+          <a:ln>
+            <a:tailEnd type="triangle"/>
+          </a:ln>
+        </p:spPr>
+        <p:style>
+          <a:lnRef idx="2">
+            <a:schemeClr val="accent1"/>
+          </a:lnRef>
+          <a:fillRef idx="0">
+            <a:schemeClr val="accent1"/>
+          </a:fillRef>
+          <a:effectRef idx="1">
+            <a:schemeClr val="accent1"/>
+          </a:effectRef>
+          <a:fontRef idx="minor">
+            <a:schemeClr val="tx1"/>
+          </a:fontRef>
+        </p:style>
+      </p:cxnSp>
+      <p:cxnSp>
+        <p:nvCxnSpPr>
+          <p:cNvPr id="13" name="Gerade Verbindung mit Pfeil 12">
+            <a:extLst>
+              <a:ext uri="{FF2B5EF4-FFF2-40B4-BE49-F238E27FC236}">
+                <a16:creationId xmlns:a16="http://schemas.microsoft.com/office/drawing/2014/main" id="{35699AFD-3BB7-E7B8-BD23-5F2F0B9785CC}"/>
+              </a:ext>
+            </a:extLst>
+          </p:cNvPr>
+          <p:cNvCxnSpPr>
+            <a:stCxn id="9" idx="0"/>
+          </p:cNvCxnSpPr>
+          <p:nvPr/>
+        </p:nvCxnSpPr>
+        <p:spPr>
+          <a:xfrm flipV="1">
+            <a:off x="2165569" y="2636668"/>
+            <a:ext cx="1072931" cy="995294"/>
+          </a:xfrm>
+          <a:prstGeom prst="straightConnector1">
+            <a:avLst/>
+          </a:prstGeom>
+          <a:ln>
+            <a:tailEnd type="triangle"/>
+          </a:ln>
+        </p:spPr>
+        <p:style>
+          <a:lnRef idx="2">
+            <a:schemeClr val="accent1"/>
+          </a:lnRef>
+          <a:fillRef idx="0">
+            <a:schemeClr val="accent1"/>
+          </a:fillRef>
+          <a:effectRef idx="1">
+            <a:schemeClr val="accent1"/>
+          </a:effectRef>
+          <a:fontRef idx="minor">
+            <a:schemeClr val="tx1"/>
+          </a:fontRef>
+        </p:style>
+      </p:cxnSp>
+      <mc:AlternateContent xmlns:mc="http://schemas.openxmlformats.org/markup-compatibility/2006">
+        <mc:Choice xmlns:a14="http://schemas.microsoft.com/office/drawing/2010/main" Requires="a14">
+          <p:sp>
+            <p:nvSpPr>
+              <p:cNvPr id="14" name="Textfeld 13">
+                <a:extLst>
+                  <a:ext uri="{FF2B5EF4-FFF2-40B4-BE49-F238E27FC236}">
+                    <a16:creationId xmlns:a16="http://schemas.microsoft.com/office/drawing/2014/main" id="{803AE0B1-7CE2-DD9A-C202-F31A66C0CFB4}"/>
+                  </a:ext>
+                </a:extLst>
+              </p:cNvPr>
+              <p:cNvSpPr txBox="1"/>
+              <p:nvPr/>
+            </p:nvSpPr>
+            <p:spPr>
+              <a:xfrm>
+                <a:off x="3901538" y="3177854"/>
+                <a:ext cx="3194592" cy="768993"/>
+              </a:xfrm>
+              <a:prstGeom prst="rect">
+                <a:avLst/>
+              </a:prstGeom>
+              <a:noFill/>
+              <a:ln>
+                <a:solidFill>
+                  <a:schemeClr val="tx1"/>
+                </a:solidFill>
+              </a:ln>
+            </p:spPr>
+            <p:txBody>
+              <a:bodyPr wrap="none" lIns="0" tIns="0" rIns="0" bIns="0" rtlCol="0">
+                <a:spAutoFit/>
+              </a:bodyPr>
+              <a:lstStyle/>
+              <a:p>
+                <a14:m>
+                  <m:oMathPara xmlns:m="http://schemas.openxmlformats.org/officeDocument/2006/math">
+                    <m:oMathParaPr>
+                      <m:jc m:val="centerGroup"/>
+                    </m:oMathParaPr>
+                    <m:oMath xmlns:m="http://schemas.openxmlformats.org/officeDocument/2006/math">
+                      <m:r>
+                        <a:rPr lang="de-DE" sz="2400" b="0" i="1" smtClean="0">
+                          <a:latin typeface="Cambria Math" panose="02040503050406030204" pitchFamily="18" charset="0"/>
+                        </a:rPr>
+                        <m:t>𝐺</m:t>
+                      </m:r>
+                      <m:d>
+                        <m:dPr>
+                          <m:ctrlPr>
+                            <a:rPr lang="de-DE" sz="2400" b="0" i="1" smtClean="0">
+                              <a:latin typeface="Cambria Math" panose="02040503050406030204" pitchFamily="18" charset="0"/>
+                            </a:rPr>
+                          </m:ctrlPr>
+                        </m:dPr>
+                        <m:e>
+                          <m:r>
+                            <a:rPr lang="de-DE" sz="2400" b="0" i="1" smtClean="0">
+                              <a:latin typeface="Cambria Math" panose="02040503050406030204" pitchFamily="18" charset="0"/>
+                            </a:rPr>
+                            <m:t>𝑠</m:t>
+                          </m:r>
+                        </m:e>
+                      </m:d>
+                      <m:r>
+                        <a:rPr lang="de-DE" sz="2400" b="0" i="1" smtClean="0">
+                          <a:latin typeface="Cambria Math" panose="02040503050406030204" pitchFamily="18" charset="0"/>
+                        </a:rPr>
+                        <m:t>=</m:t>
+                      </m:r>
+                      <m:f>
+                        <m:fPr>
+                          <m:ctrlPr>
+                            <a:rPr lang="de-DE" sz="2400" b="0" i="1" smtClean="0">
+                              <a:latin typeface="Cambria Math" panose="02040503050406030204" pitchFamily="18" charset="0"/>
+                            </a:rPr>
+                          </m:ctrlPr>
+                        </m:fPr>
+                        <m:num>
+                          <m:r>
+                            <a:rPr lang="de-DE" sz="2400" i="1">
+                              <a:latin typeface="Cambria Math" panose="02040503050406030204" pitchFamily="18" charset="0"/>
+                            </a:rPr>
+                            <m:t>𝑌</m:t>
+                          </m:r>
+                          <m:d>
+                            <m:dPr>
+                              <m:ctrlPr>
+                                <a:rPr lang="de-DE" sz="2400" i="1">
+                                  <a:latin typeface="Cambria Math" panose="02040503050406030204" pitchFamily="18" charset="0"/>
+                                </a:rPr>
+                              </m:ctrlPr>
+                            </m:dPr>
+                            <m:e>
+                              <m:r>
+                                <a:rPr lang="de-DE" sz="2400" i="1">
+                                  <a:latin typeface="Cambria Math" panose="02040503050406030204" pitchFamily="18" charset="0"/>
+                                </a:rPr>
+                                <m:t>𝑠</m:t>
+                              </m:r>
+                            </m:e>
+                          </m:d>
+                        </m:num>
+                        <m:den>
+                          <m:r>
+                            <a:rPr lang="de-DE" sz="2400" b="0" i="1" smtClean="0">
+                              <a:latin typeface="Cambria Math" panose="02040503050406030204" pitchFamily="18" charset="0"/>
+                            </a:rPr>
+                            <m:t>𝑈</m:t>
+                          </m:r>
+                          <m:d>
+                            <m:dPr>
+                              <m:ctrlPr>
+                                <a:rPr lang="de-DE" sz="2400" i="1">
+                                  <a:latin typeface="Cambria Math" panose="02040503050406030204" pitchFamily="18" charset="0"/>
+                                </a:rPr>
+                              </m:ctrlPr>
+                            </m:dPr>
+                            <m:e>
+                              <m:r>
+                                <a:rPr lang="de-DE" sz="2400" i="1">
+                                  <a:latin typeface="Cambria Math" panose="02040503050406030204" pitchFamily="18" charset="0"/>
+                                </a:rPr>
+                                <m:t>𝑠</m:t>
+                              </m:r>
+                            </m:e>
+                          </m:d>
+                        </m:den>
+                      </m:f>
+                      <m:r>
+                        <a:rPr lang="de-DE" sz="2400" b="0" i="1" smtClean="0">
+                          <a:latin typeface="Cambria Math" panose="02040503050406030204" pitchFamily="18" charset="0"/>
+                        </a:rPr>
+                        <m:t>=</m:t>
+                      </m:r>
+                      <m:f>
+                        <m:fPr>
+                          <m:ctrlPr>
+                            <a:rPr lang="de-DE" sz="2400" b="0" i="1" smtClean="0">
+                              <a:latin typeface="Cambria Math" panose="02040503050406030204" pitchFamily="18" charset="0"/>
+                            </a:rPr>
+                          </m:ctrlPr>
+                        </m:fPr>
+                        <m:num>
+                          <m:r>
+                            <a:rPr lang="de-DE" sz="2400" b="0" i="1" smtClean="0">
+                              <a:latin typeface="Cambria Math" panose="02040503050406030204" pitchFamily="18" charset="0"/>
+                            </a:rPr>
+                            <m:t>𝐾</m:t>
+                          </m:r>
+                        </m:num>
+                        <m:den>
+                          <m:r>
+                            <a:rPr lang="de-DE" sz="2400" b="0" i="1" smtClean="0">
+                              <a:latin typeface="Cambria Math" panose="02040503050406030204" pitchFamily="18" charset="0"/>
+                              <a:ea typeface="Cambria Math" panose="02040503050406030204" pitchFamily="18" charset="0"/>
+                            </a:rPr>
+                            <m:t>𝑇</m:t>
+                          </m:r>
+                          <m:r>
+                            <a:rPr lang="de-DE" sz="2400" b="0" i="1" smtClean="0">
+                              <a:latin typeface="Cambria Math" panose="02040503050406030204" pitchFamily="18" charset="0"/>
+                              <a:ea typeface="Cambria Math" panose="02040503050406030204" pitchFamily="18" charset="0"/>
+                            </a:rPr>
+                            <m:t>∙</m:t>
+                          </m:r>
+                          <m:r>
+                            <a:rPr lang="de-DE" sz="2400" b="0" i="1" smtClean="0">
+                              <a:latin typeface="Cambria Math" panose="02040503050406030204" pitchFamily="18" charset="0"/>
+                              <a:ea typeface="Cambria Math" panose="02040503050406030204" pitchFamily="18" charset="0"/>
+                            </a:rPr>
+                            <m:t>𝑠</m:t>
+                          </m:r>
+                          <m:r>
+                            <a:rPr lang="de-DE" sz="2400" b="0" i="1" smtClean="0">
+                              <a:latin typeface="Cambria Math" panose="02040503050406030204" pitchFamily="18" charset="0"/>
+                              <a:ea typeface="Cambria Math" panose="02040503050406030204" pitchFamily="18" charset="0"/>
+                            </a:rPr>
+                            <m:t>+1</m:t>
+                          </m:r>
+                        </m:den>
+                      </m:f>
+                    </m:oMath>
+                  </m:oMathPara>
+                </a14:m>
+                <a:endParaRPr lang="de-DE" sz="2400" dirty="0"/>
+              </a:p>
+            </p:txBody>
+          </p:sp>
+        </mc:Choice>
+        <mc:Fallback>
+          <p:sp>
+            <p:nvSpPr>
+              <p:cNvPr id="14" name="Textfeld 13">
+                <a:extLst>
+                  <a:ext uri="{FF2B5EF4-FFF2-40B4-BE49-F238E27FC236}">
+                    <a16:creationId xmlns:a16="http://schemas.microsoft.com/office/drawing/2014/main" id="{803AE0B1-7CE2-DD9A-C202-F31A66C0CFB4}"/>
+                  </a:ext>
+                </a:extLst>
+              </p:cNvPr>
+              <p:cNvSpPr txBox="1">
+                <a:spLocks noRot="1" noChangeAspect="1" noMove="1" noResize="1" noEditPoints="1" noAdjustHandles="1" noChangeArrowheads="1" noChangeShapeType="1" noTextEdit="1"/>
+              </p:cNvSpPr>
+              <p:nvPr/>
+            </p:nvSpPr>
+            <p:spPr>
+              <a:xfrm>
+                <a:off x="3901538" y="3177854"/>
+                <a:ext cx="3194592" cy="768993"/>
+              </a:xfrm>
+              <a:prstGeom prst="rect">
+                <a:avLst/>
+              </a:prstGeom>
+              <a:blipFill>
+                <a:blip r:embed="rId11"/>
+                <a:stretch>
+                  <a:fillRect l="-1575" r="-1575" b="-4762"/>
+                </a:stretch>
+              </a:blipFill>
+              <a:ln>
+                <a:solidFill>
+                  <a:schemeClr val="tx1"/>
+                </a:solidFill>
+              </a:ln>
+            </p:spPr>
+            <p:txBody>
+              <a:bodyPr/>
+              <a:lstStyle/>
+              <a:p>
+                <a:r>
+                  <a:rPr lang="de-DE">
+                    <a:noFill/>
+                  </a:rPr>
+                  <a:t> </a:t>
+                </a:r>
+              </a:p>
+            </p:txBody>
+          </p:sp>
+        </mc:Fallback>
+      </mc:AlternateContent>
+      <mc:AlternateContent xmlns:mc="http://schemas.openxmlformats.org/markup-compatibility/2006">
+        <mc:Choice xmlns:a14="http://schemas.microsoft.com/office/drawing/2010/main" Requires="a14">
+          <p:sp>
+            <p:nvSpPr>
+              <p:cNvPr id="15" name="Textfeld 14">
+                <a:extLst>
+                  <a:ext uri="{FF2B5EF4-FFF2-40B4-BE49-F238E27FC236}">
+                    <a16:creationId xmlns:a16="http://schemas.microsoft.com/office/drawing/2014/main" id="{560ADF16-B774-9E9D-EDFD-26FCC3CFD7A4}"/>
+                  </a:ext>
+                </a:extLst>
+              </p:cNvPr>
+              <p:cNvSpPr txBox="1"/>
+              <p:nvPr/>
+            </p:nvSpPr>
+            <p:spPr>
+              <a:xfrm>
+                <a:off x="4667250" y="4316018"/>
+                <a:ext cx="2122569" cy="613886"/>
+              </a:xfrm>
+              <a:prstGeom prst="rect">
+                <a:avLst/>
+              </a:prstGeom>
+              <a:noFill/>
+              <a:ln>
+                <a:noFill/>
+              </a:ln>
+            </p:spPr>
+            <p:txBody>
+              <a:bodyPr wrap="none" rtlCol="0">
+                <a:spAutoFit/>
+              </a:bodyPr>
+              <a:lstStyle/>
+              <a:p>
+                <a:r>
+                  <a:rPr lang="de-DE" sz="2400" dirty="0"/>
+                  <a:t>Pole at </a:t>
+                </a:r>
+                <a14:m>
+                  <m:oMath xmlns:m="http://schemas.openxmlformats.org/officeDocument/2006/math">
+                    <m:r>
+                      <a:rPr lang="de-DE" sz="2400" b="0" i="1" smtClean="0">
+                        <a:latin typeface="Cambria Math" panose="02040503050406030204" pitchFamily="18" charset="0"/>
+                      </a:rPr>
+                      <m:t>𝑠</m:t>
+                    </m:r>
+                    <m:r>
+                      <a:rPr lang="de-DE" sz="2400" b="0" i="1" smtClean="0">
+                        <a:latin typeface="Cambria Math" panose="02040503050406030204" pitchFamily="18" charset="0"/>
+                      </a:rPr>
+                      <m:t>=−</m:t>
+                    </m:r>
+                    <m:f>
+                      <m:fPr>
+                        <m:ctrlPr>
+                          <a:rPr lang="de-DE" sz="2400" b="0" i="1" smtClean="0">
+                            <a:latin typeface="Cambria Math" panose="02040503050406030204" pitchFamily="18" charset="0"/>
+                          </a:rPr>
+                        </m:ctrlPr>
+                      </m:fPr>
+                      <m:num>
+                        <m:r>
+                          <a:rPr lang="de-DE" sz="2400" b="0" i="1" smtClean="0">
+                            <a:latin typeface="Cambria Math" panose="02040503050406030204" pitchFamily="18" charset="0"/>
+                          </a:rPr>
+                          <m:t>1</m:t>
+                        </m:r>
+                      </m:num>
+                      <m:den>
+                        <m:r>
+                          <a:rPr lang="de-DE" sz="2400" b="0" i="1" smtClean="0">
+                            <a:latin typeface="Cambria Math" panose="02040503050406030204" pitchFamily="18" charset="0"/>
+                          </a:rPr>
+                          <m:t>𝑇</m:t>
+                        </m:r>
+                      </m:den>
+                    </m:f>
+                  </m:oMath>
+                </a14:m>
+                <a:endParaRPr lang="de-DE" sz="2400" dirty="0"/>
+              </a:p>
+            </p:txBody>
+          </p:sp>
+        </mc:Choice>
+        <mc:Fallback>
+          <p:sp>
+            <p:nvSpPr>
+              <p:cNvPr id="15" name="Textfeld 14">
+                <a:extLst>
+                  <a:ext uri="{FF2B5EF4-FFF2-40B4-BE49-F238E27FC236}">
+                    <a16:creationId xmlns:a16="http://schemas.microsoft.com/office/drawing/2014/main" id="{560ADF16-B774-9E9D-EDFD-26FCC3CFD7A4}"/>
+                  </a:ext>
+                </a:extLst>
+              </p:cNvPr>
+              <p:cNvSpPr txBox="1">
+                <a:spLocks noRot="1" noChangeAspect="1" noMove="1" noResize="1" noEditPoints="1" noAdjustHandles="1" noChangeArrowheads="1" noChangeShapeType="1" noTextEdit="1"/>
+              </p:cNvSpPr>
+              <p:nvPr/>
+            </p:nvSpPr>
+            <p:spPr>
+              <a:xfrm>
+                <a:off x="4667250" y="4316018"/>
+                <a:ext cx="2122569" cy="613886"/>
+              </a:xfrm>
+              <a:prstGeom prst="rect">
+                <a:avLst/>
+              </a:prstGeom>
+              <a:blipFill>
+                <a:blip r:embed="rId12"/>
+                <a:stretch>
+                  <a:fillRect l="-4167" b="-12000"/>
+                </a:stretch>
+              </a:blipFill>
+              <a:ln>
+                <a:noFill/>
+              </a:ln>
+            </p:spPr>
+            <p:txBody>
+              <a:bodyPr/>
+              <a:lstStyle/>
+              <a:p>
+                <a:r>
+                  <a:rPr lang="de-DE">
+                    <a:noFill/>
+                  </a:rPr>
+                  <a:t> </a:t>
+                </a:r>
+              </a:p>
+            </p:txBody>
+          </p:sp>
+        </mc:Fallback>
+      </mc:AlternateContent>
+      <p:cxnSp>
+        <p:nvCxnSpPr>
+          <p:cNvPr id="17" name="Gerade Verbindung mit Pfeil 16">
+            <a:extLst>
+              <a:ext uri="{FF2B5EF4-FFF2-40B4-BE49-F238E27FC236}">
+                <a16:creationId xmlns:a16="http://schemas.microsoft.com/office/drawing/2014/main" id="{F5212E73-8EE7-2D20-9739-2AA4DE7C5B7E}"/>
+              </a:ext>
+            </a:extLst>
+          </p:cNvPr>
+          <p:cNvCxnSpPr>
+            <a:stCxn id="15" idx="0"/>
+          </p:cNvCxnSpPr>
+          <p:nvPr/>
+        </p:nvCxnSpPr>
+        <p:spPr>
+          <a:xfrm flipV="1">
+            <a:off x="5728535" y="4001294"/>
+            <a:ext cx="468079" cy="314724"/>
+          </a:xfrm>
+          <a:prstGeom prst="straightConnector1">
+            <a:avLst/>
+          </a:prstGeom>
+          <a:ln>
+            <a:tailEnd type="triangle"/>
+          </a:ln>
+        </p:spPr>
+        <p:style>
+          <a:lnRef idx="2">
+            <a:schemeClr val="accent1"/>
+          </a:lnRef>
+          <a:fillRef idx="0">
+            <a:schemeClr val="accent1"/>
+          </a:fillRef>
+          <a:effectRef idx="1">
+            <a:schemeClr val="accent1"/>
+          </a:effectRef>
+          <a:fontRef idx="minor">
+            <a:schemeClr val="tx1"/>
+          </a:fontRef>
+        </p:style>
+      </p:cxnSp>
     </p:spTree>
     <p:extLst>
       <p:ext uri="{BB962C8B-B14F-4D97-AF65-F5344CB8AC3E}">
@@ -22122,8 +23440,8 @@
           </a:p>
         </p:txBody>
       </p:sp>
-      <mc:AlternateContent xmlns:mc="http://schemas.openxmlformats.org/markup-compatibility/2006">
-        <mc:Choice xmlns:a14="http://schemas.microsoft.com/office/drawing/2010/main" Requires="a14">
+      <mc:AlternateContent xmlns:mc="http://schemas.openxmlformats.org/markup-compatibility/2006" xmlns:a14="http://schemas.microsoft.com/office/drawing/2010/main">
+        <mc:Choice Requires="a14">
           <p:sp>
             <p:nvSpPr>
               <p:cNvPr id="3" name="Inhaltsplatzhalter 2">
@@ -22564,7 +23882,7 @@
             </p:txBody>
           </p:sp>
         </mc:Choice>
-        <mc:Fallback>
+        <mc:Fallback xmlns="">
           <p:sp>
             <p:nvSpPr>
               <p:cNvPr id="3" name="Inhaltsplatzhalter 2">
@@ -23399,7 +24717,13 @@
   <p:cSld>
     <p:spTree>
       <p:nvGrpSpPr>
-        <p:cNvPr id="1" name=""/>
+        <p:cNvPr id="1" name="">
+          <a:extLst>
+            <a:ext uri="{FF2B5EF4-FFF2-40B4-BE49-F238E27FC236}">
+              <a16:creationId xmlns:a16="http://schemas.microsoft.com/office/drawing/2014/main" id="{F2252AC7-2EDE-14FD-988A-E0FF054F52D9}"/>
+            </a:ext>
+          </a:extLst>
+        </p:cNvPr>
         <p:cNvGrpSpPr/>
         <p:nvPr/>
       </p:nvGrpSpPr>
@@ -23411,12 +24735,120 @@
           <a:chExt cx="0" cy="0"/>
         </a:xfrm>
       </p:grpSpPr>
+      <p:pic>
+        <p:nvPicPr>
+          <p:cNvPr id="18" name="Grafik 17">
+            <a:extLst>
+              <a:ext uri="{FF2B5EF4-FFF2-40B4-BE49-F238E27FC236}">
+                <a16:creationId xmlns:a16="http://schemas.microsoft.com/office/drawing/2014/main" id="{BA12D249-93CD-8F1C-B9C8-C286D0F294B9}"/>
+              </a:ext>
+            </a:extLst>
+          </p:cNvPr>
+          <p:cNvPicPr>
+            <a:picLocks noChangeAspect="1"/>
+          </p:cNvPicPr>
+          <p:nvPr/>
+        </p:nvPicPr>
+        <p:blipFill>
+          <a:blip r:embed="rId2">
+            <a:extLst>
+              <a:ext uri="{96DAC541-7B7A-43D3-8B79-37D633B846F1}">
+                <asvg:svgBlip xmlns:asvg="http://schemas.microsoft.com/office/drawing/2016/SVG/main" r:embed="rId3"/>
+              </a:ext>
+            </a:extLst>
+          </a:blip>
+          <a:stretch>
+            <a:fillRect/>
+          </a:stretch>
+        </p:blipFill>
+        <p:spPr>
+          <a:xfrm>
+            <a:off x="8686296" y="-5162"/>
+            <a:ext cx="3505703" cy="2640428"/>
+          </a:xfrm>
+          <a:prstGeom prst="rect">
+            <a:avLst/>
+          </a:prstGeom>
+        </p:spPr>
+      </p:pic>
+      <p:pic>
+        <p:nvPicPr>
+          <p:cNvPr id="12" name="Grafik 11">
+            <a:extLst>
+              <a:ext uri="{FF2B5EF4-FFF2-40B4-BE49-F238E27FC236}">
+                <a16:creationId xmlns:a16="http://schemas.microsoft.com/office/drawing/2014/main" id="{BD5689F1-D390-5252-9BE7-CB3E185AC19F}"/>
+              </a:ext>
+            </a:extLst>
+          </p:cNvPr>
+          <p:cNvPicPr>
+            <a:picLocks noChangeAspect="1"/>
+          </p:cNvPicPr>
+          <p:nvPr/>
+        </p:nvPicPr>
+        <p:blipFill>
+          <a:blip r:embed="rId4">
+            <a:extLst>
+              <a:ext uri="{96DAC541-7B7A-43D3-8B79-37D633B846F1}">
+                <asvg:svgBlip xmlns:asvg="http://schemas.microsoft.com/office/drawing/2016/SVG/main" r:embed="rId5"/>
+              </a:ext>
+            </a:extLst>
+          </a:blip>
+          <a:stretch>
+            <a:fillRect/>
+          </a:stretch>
+        </p:blipFill>
+        <p:spPr>
+          <a:xfrm>
+            <a:off x="3238500" y="5378093"/>
+            <a:ext cx="2857500" cy="1422400"/>
+          </a:xfrm>
+          <a:prstGeom prst="rect">
+            <a:avLst/>
+          </a:prstGeom>
+        </p:spPr>
+      </p:pic>
+      <p:pic>
+        <p:nvPicPr>
+          <p:cNvPr id="10" name="Grafik 9">
+            <a:extLst>
+              <a:ext uri="{FF2B5EF4-FFF2-40B4-BE49-F238E27FC236}">
+                <a16:creationId xmlns:a16="http://schemas.microsoft.com/office/drawing/2014/main" id="{9E3D6218-AE75-FB82-93BA-2EF7EEE4E960}"/>
+              </a:ext>
+            </a:extLst>
+          </p:cNvPr>
+          <p:cNvPicPr>
+            <a:picLocks noChangeAspect="1"/>
+          </p:cNvPicPr>
+          <p:nvPr/>
+        </p:nvPicPr>
+        <p:blipFill>
+          <a:blip r:embed="rId6">
+            <a:extLst>
+              <a:ext uri="{96DAC541-7B7A-43D3-8B79-37D633B846F1}">
+                <asvg:svgBlip xmlns:asvg="http://schemas.microsoft.com/office/drawing/2016/SVG/main" r:embed="rId7"/>
+              </a:ext>
+            </a:extLst>
+          </a:blip>
+          <a:stretch>
+            <a:fillRect/>
+          </a:stretch>
+        </p:blipFill>
+        <p:spPr>
+          <a:xfrm>
+            <a:off x="7572653" y="2970016"/>
+            <a:ext cx="4619348" cy="3479203"/>
+          </a:xfrm>
+          <a:prstGeom prst="rect">
+            <a:avLst/>
+          </a:prstGeom>
+        </p:spPr>
+      </p:pic>
       <p:sp>
         <p:nvSpPr>
           <p:cNvPr id="2" name="Titel 1">
             <a:extLst>
               <a:ext uri="{FF2B5EF4-FFF2-40B4-BE49-F238E27FC236}">
-                <a16:creationId xmlns:a16="http://schemas.microsoft.com/office/drawing/2014/main" id="{385222A6-0C71-26AA-81F8-81C4E3A8019F}"/>
+                <a16:creationId xmlns:a16="http://schemas.microsoft.com/office/drawing/2014/main" id="{98E55303-77A4-456D-2F3D-C33AFF652327}"/>
               </a:ext>
             </a:extLst>
           </p:cNvPr>
@@ -23439,40 +24871,916 @@
           </a:p>
         </p:txBody>
       </p:sp>
-      <p:sp>
-        <p:nvSpPr>
-          <p:cNvPr id="3" name="Inhaltsplatzhalter 2">
-            <a:extLst>
-              <a:ext uri="{FF2B5EF4-FFF2-40B4-BE49-F238E27FC236}">
-                <a16:creationId xmlns:a16="http://schemas.microsoft.com/office/drawing/2014/main" id="{6F24E120-69FA-22B6-9883-92EEB6EF6082}"/>
-              </a:ext>
-            </a:extLst>
-          </p:cNvPr>
-          <p:cNvSpPr>
-            <a:spLocks noGrp="1"/>
-          </p:cNvSpPr>
-          <p:nvPr>
-            <p:ph idx="1"/>
-          </p:nvPr>
-        </p:nvSpPr>
-        <p:spPr/>
-        <p:txBody>
-          <a:bodyPr/>
-          <a:lstStyle/>
-          <a:p>
-            <a:r>
-              <a:rPr lang="de-DE" dirty="0"/>
-              <a:t>…</a:t>
-            </a:r>
-          </a:p>
-        </p:txBody>
-      </p:sp>
+      <mc:AlternateContent xmlns:mc="http://schemas.openxmlformats.org/markup-compatibility/2006">
+        <mc:Choice xmlns:a14="http://schemas.microsoft.com/office/drawing/2010/main" Requires="a14">
+          <p:sp>
+            <p:nvSpPr>
+              <p:cNvPr id="3" name="Inhaltsplatzhalter 2">
+                <a:extLst>
+                  <a:ext uri="{FF2B5EF4-FFF2-40B4-BE49-F238E27FC236}">
+                    <a16:creationId xmlns:a16="http://schemas.microsoft.com/office/drawing/2014/main" id="{B77A4BED-941D-2DF9-FA89-2935119F1855}"/>
+                  </a:ext>
+                </a:extLst>
+              </p:cNvPr>
+              <p:cNvSpPr>
+                <a:spLocks noGrp="1"/>
+              </p:cNvSpPr>
+              <p:nvPr>
+                <p:ph idx="1"/>
+              </p:nvPr>
+            </p:nvSpPr>
+            <p:spPr/>
+            <p:txBody>
+              <a:bodyPr>
+                <a:normAutofit/>
+              </a:bodyPr>
+              <a:lstStyle/>
+              <a:p>
+                <a:pPr marL="0" indent="0">
+                  <a:buNone/>
+                </a:pPr>
+                <a:r>
+                  <a:rPr lang="de-DE" sz="2000" dirty="0"/>
+                  <a:t>Consider </a:t>
+                </a:r>
+                <a14:m>
+                  <m:oMath xmlns:m="http://schemas.openxmlformats.org/officeDocument/2006/math">
+                    <m:r>
+                      <a:rPr lang="de-DE" sz="2000" i="1">
+                        <a:latin typeface="Cambria Math" panose="02040503050406030204" pitchFamily="18" charset="0"/>
+                      </a:rPr>
+                      <m:t>𝑛</m:t>
+                    </m:r>
+                    <m:r>
+                      <a:rPr lang="de-DE" sz="2000" i="1">
+                        <a:latin typeface="Cambria Math" panose="02040503050406030204" pitchFamily="18" charset="0"/>
+                      </a:rPr>
+                      <m:t>=2</m:t>
+                    </m:r>
+                  </m:oMath>
+                </a14:m>
+                <a:r>
+                  <a:rPr lang="de-DE" sz="2000" dirty="0"/>
+                  <a:t>, </a:t>
+                </a:r>
+                <a:r>
+                  <a:rPr lang="de-DE" sz="2000" dirty="0" err="1"/>
+                  <a:t>with</a:t>
+                </a:r>
+                <a:r>
+                  <a:rPr lang="de-DE" sz="2000" dirty="0"/>
+                  <a:t> </a:t>
+                </a:r>
+                <a14:m>
+                  <m:oMath xmlns:m="http://schemas.openxmlformats.org/officeDocument/2006/math">
+                    <m:sSub>
+                      <m:sSubPr>
+                        <m:ctrlPr>
+                          <a:rPr lang="de-DE" sz="2000" i="1" smtClean="0">
+                            <a:latin typeface="Cambria Math" panose="02040503050406030204" pitchFamily="18" charset="0"/>
+                          </a:rPr>
+                        </m:ctrlPr>
+                      </m:sSubPr>
+                      <m:e>
+                        <m:r>
+                          <a:rPr lang="de-DE" sz="2000" i="1">
+                            <a:latin typeface="Cambria Math" panose="02040503050406030204" pitchFamily="18" charset="0"/>
+                          </a:rPr>
+                          <m:t>𝑏</m:t>
+                        </m:r>
+                      </m:e>
+                      <m:sub>
+                        <m:r>
+                          <a:rPr lang="de-DE" sz="2000" i="1">
+                            <a:latin typeface="Cambria Math" panose="02040503050406030204" pitchFamily="18" charset="0"/>
+                          </a:rPr>
+                          <m:t>1</m:t>
+                        </m:r>
+                      </m:sub>
+                    </m:sSub>
+                    <m:r>
+                      <a:rPr lang="de-DE" sz="2000" b="0" i="1" smtClean="0">
+                        <a:latin typeface="Cambria Math" panose="02040503050406030204" pitchFamily="18" charset="0"/>
+                      </a:rPr>
+                      <m:t>=</m:t>
+                    </m:r>
+                    <m:sSub>
+                      <m:sSubPr>
+                        <m:ctrlPr>
+                          <a:rPr lang="de-DE" sz="2000" b="0" i="1" smtClean="0">
+                            <a:latin typeface="Cambria Math" panose="02040503050406030204" pitchFamily="18" charset="0"/>
+                          </a:rPr>
+                        </m:ctrlPr>
+                      </m:sSubPr>
+                      <m:e>
+                        <m:r>
+                          <a:rPr lang="de-DE" sz="2000" b="0" i="1" smtClean="0">
+                            <a:latin typeface="Cambria Math" panose="02040503050406030204" pitchFamily="18" charset="0"/>
+                          </a:rPr>
+                          <m:t>𝑏</m:t>
+                        </m:r>
+                      </m:e>
+                      <m:sub>
+                        <m:r>
+                          <a:rPr lang="de-DE" sz="2000" b="0" i="1" smtClean="0">
+                            <a:latin typeface="Cambria Math" panose="02040503050406030204" pitchFamily="18" charset="0"/>
+                          </a:rPr>
+                          <m:t>2</m:t>
+                        </m:r>
+                      </m:sub>
+                    </m:sSub>
+                    <m:r>
+                      <a:rPr lang="de-DE" sz="2000" i="1">
+                        <a:latin typeface="Cambria Math" panose="02040503050406030204" pitchFamily="18" charset="0"/>
+                      </a:rPr>
+                      <m:t>=0</m:t>
+                    </m:r>
+                  </m:oMath>
+                </a14:m>
+                <a:r>
+                  <a:rPr lang="de-DE" sz="2000" dirty="0"/>
+                  <a:t>:</a:t>
+                </a:r>
+              </a:p>
+              <a:p>
+                <a:pPr marL="0" indent="0">
+                  <a:buNone/>
+                </a:pPr>
+                <a14:m>
+                  <m:oMath xmlns:m="http://schemas.openxmlformats.org/officeDocument/2006/math">
+                    <m:f>
+                      <m:fPr>
+                        <m:ctrlPr>
+                          <a:rPr lang="de-DE" sz="2000" i="1" smtClean="0">
+                            <a:latin typeface="Cambria Math" panose="02040503050406030204" pitchFamily="18" charset="0"/>
+                          </a:rPr>
+                        </m:ctrlPr>
+                      </m:fPr>
+                      <m:num>
+                        <m:sSub>
+                          <m:sSubPr>
+                            <m:ctrlPr>
+                              <a:rPr lang="de-DE" sz="2000" i="1">
+                                <a:latin typeface="Cambria Math" panose="02040503050406030204" pitchFamily="18" charset="0"/>
+                              </a:rPr>
+                            </m:ctrlPr>
+                          </m:sSubPr>
+                          <m:e>
+                            <m:r>
+                              <a:rPr lang="de-DE" sz="2000" i="1">
+                                <a:latin typeface="Cambria Math" panose="02040503050406030204" pitchFamily="18" charset="0"/>
+                              </a:rPr>
+                              <m:t>𝑎</m:t>
+                            </m:r>
+                          </m:e>
+                          <m:sub>
+                            <m:r>
+                              <a:rPr lang="de-DE" sz="2000" i="1">
+                                <a:latin typeface="Cambria Math" panose="02040503050406030204" pitchFamily="18" charset="0"/>
+                              </a:rPr>
+                              <m:t>2</m:t>
+                            </m:r>
+                          </m:sub>
+                        </m:sSub>
+                      </m:num>
+                      <m:den>
+                        <m:sSub>
+                          <m:sSubPr>
+                            <m:ctrlPr>
+                              <a:rPr lang="de-DE" sz="2000" i="1" smtClean="0">
+                                <a:latin typeface="Cambria Math" panose="02040503050406030204" pitchFamily="18" charset="0"/>
+                              </a:rPr>
+                            </m:ctrlPr>
+                          </m:sSubPr>
+                          <m:e>
+                            <m:r>
+                              <a:rPr lang="de-DE" sz="2000" b="0" i="1" smtClean="0">
+                                <a:latin typeface="Cambria Math" panose="02040503050406030204" pitchFamily="18" charset="0"/>
+                              </a:rPr>
+                              <m:t>𝑎</m:t>
+                            </m:r>
+                          </m:e>
+                          <m:sub>
+                            <m:r>
+                              <a:rPr lang="de-DE" sz="2000" b="0" i="1" smtClean="0">
+                                <a:latin typeface="Cambria Math" panose="02040503050406030204" pitchFamily="18" charset="0"/>
+                              </a:rPr>
+                              <m:t>0</m:t>
+                            </m:r>
+                          </m:sub>
+                        </m:sSub>
+                      </m:den>
+                    </m:f>
+                    <m:f>
+                      <m:fPr>
+                        <m:ctrlPr>
+                          <a:rPr lang="de-DE" sz="2000" i="1" smtClean="0">
+                            <a:latin typeface="Cambria Math" panose="02040503050406030204" pitchFamily="18" charset="0"/>
+                          </a:rPr>
+                        </m:ctrlPr>
+                      </m:fPr>
+                      <m:num>
+                        <m:sSup>
+                          <m:sSupPr>
+                            <m:ctrlPr>
+                              <a:rPr lang="de-DE" sz="2000" i="1" smtClean="0">
+                                <a:latin typeface="Cambria Math" panose="02040503050406030204" pitchFamily="18" charset="0"/>
+                              </a:rPr>
+                            </m:ctrlPr>
+                          </m:sSupPr>
+                          <m:e>
+                            <m:r>
+                              <a:rPr lang="de-DE" sz="2000" b="0" i="1" smtClean="0">
+                                <a:latin typeface="Cambria Math" panose="02040503050406030204" pitchFamily="18" charset="0"/>
+                              </a:rPr>
+                              <m:t>𝑑</m:t>
+                            </m:r>
+                          </m:e>
+                          <m:sup>
+                            <m:r>
+                              <a:rPr lang="de-DE" sz="2000" b="0" i="1" smtClean="0">
+                                <a:latin typeface="Cambria Math" panose="02040503050406030204" pitchFamily="18" charset="0"/>
+                              </a:rPr>
+                              <m:t>2</m:t>
+                            </m:r>
+                          </m:sup>
+                        </m:sSup>
+                        <m:r>
+                          <a:rPr lang="de-DE" sz="2000" b="0" i="1" smtClean="0">
+                            <a:latin typeface="Cambria Math" panose="02040503050406030204" pitchFamily="18" charset="0"/>
+                          </a:rPr>
+                          <m:t>𝑦</m:t>
+                        </m:r>
+                        <m:r>
+                          <a:rPr lang="de-DE" sz="2000" b="0" i="1" smtClean="0">
+                            <a:latin typeface="Cambria Math" panose="02040503050406030204" pitchFamily="18" charset="0"/>
+                          </a:rPr>
+                          <m:t>(</m:t>
+                        </m:r>
+                        <m:r>
+                          <a:rPr lang="de-DE" sz="2000" b="0" i="1" smtClean="0">
+                            <a:latin typeface="Cambria Math" panose="02040503050406030204" pitchFamily="18" charset="0"/>
+                          </a:rPr>
+                          <m:t>𝑡</m:t>
+                        </m:r>
+                        <m:r>
+                          <a:rPr lang="de-DE" sz="2000" b="0" i="1" smtClean="0">
+                            <a:latin typeface="Cambria Math" panose="02040503050406030204" pitchFamily="18" charset="0"/>
+                          </a:rPr>
+                          <m:t>)</m:t>
+                        </m:r>
+                      </m:num>
+                      <m:den>
+                        <m:r>
+                          <a:rPr lang="de-DE" sz="2000" b="0" i="1" smtClean="0">
+                            <a:latin typeface="Cambria Math" panose="02040503050406030204" pitchFamily="18" charset="0"/>
+                          </a:rPr>
+                          <m:t>𝑑</m:t>
+                        </m:r>
+                        <m:sSup>
+                          <m:sSupPr>
+                            <m:ctrlPr>
+                              <a:rPr lang="de-DE" sz="2000" b="0" i="1" smtClean="0">
+                                <a:latin typeface="Cambria Math" panose="02040503050406030204" pitchFamily="18" charset="0"/>
+                              </a:rPr>
+                            </m:ctrlPr>
+                          </m:sSupPr>
+                          <m:e>
+                            <m:r>
+                              <a:rPr lang="de-DE" sz="2000" b="0" i="1" smtClean="0">
+                                <a:latin typeface="Cambria Math" panose="02040503050406030204" pitchFamily="18" charset="0"/>
+                              </a:rPr>
+                              <m:t>𝑡</m:t>
+                            </m:r>
+                          </m:e>
+                          <m:sup>
+                            <m:r>
+                              <a:rPr lang="de-DE" sz="2000" b="0" i="1" smtClean="0">
+                                <a:latin typeface="Cambria Math" panose="02040503050406030204" pitchFamily="18" charset="0"/>
+                              </a:rPr>
+                              <m:t>2</m:t>
+                            </m:r>
+                          </m:sup>
+                        </m:sSup>
+                      </m:den>
+                    </m:f>
+                    <m:r>
+                      <a:rPr lang="de-DE" sz="2000" b="0" i="1" smtClean="0">
+                        <a:latin typeface="Cambria Math" panose="02040503050406030204" pitchFamily="18" charset="0"/>
+                      </a:rPr>
+                      <m:t>+</m:t>
+                    </m:r>
+                    <m:f>
+                      <m:fPr>
+                        <m:ctrlPr>
+                          <a:rPr lang="de-DE" sz="2000" i="1">
+                            <a:latin typeface="Cambria Math" panose="02040503050406030204" pitchFamily="18" charset="0"/>
+                          </a:rPr>
+                        </m:ctrlPr>
+                      </m:fPr>
+                      <m:num>
+                        <m:sSub>
+                          <m:sSubPr>
+                            <m:ctrlPr>
+                              <a:rPr lang="de-DE" sz="2000" i="1">
+                                <a:latin typeface="Cambria Math" panose="02040503050406030204" pitchFamily="18" charset="0"/>
+                              </a:rPr>
+                            </m:ctrlPr>
+                          </m:sSubPr>
+                          <m:e>
+                            <m:r>
+                              <a:rPr lang="de-DE" sz="2000" i="1">
+                                <a:latin typeface="Cambria Math" panose="02040503050406030204" pitchFamily="18" charset="0"/>
+                              </a:rPr>
+                              <m:t>𝑎</m:t>
+                            </m:r>
+                          </m:e>
+                          <m:sub>
+                            <m:r>
+                              <a:rPr lang="de-DE" sz="2000" b="0" i="1" smtClean="0">
+                                <a:latin typeface="Cambria Math" panose="02040503050406030204" pitchFamily="18" charset="0"/>
+                              </a:rPr>
+                              <m:t>1</m:t>
+                            </m:r>
+                          </m:sub>
+                        </m:sSub>
+                      </m:num>
+                      <m:den>
+                        <m:sSub>
+                          <m:sSubPr>
+                            <m:ctrlPr>
+                              <a:rPr lang="de-DE" sz="2000" i="1">
+                                <a:latin typeface="Cambria Math" panose="02040503050406030204" pitchFamily="18" charset="0"/>
+                              </a:rPr>
+                            </m:ctrlPr>
+                          </m:sSubPr>
+                          <m:e>
+                            <m:r>
+                              <a:rPr lang="de-DE" sz="2000" i="1">
+                                <a:latin typeface="Cambria Math" panose="02040503050406030204" pitchFamily="18" charset="0"/>
+                              </a:rPr>
+                              <m:t>𝑎</m:t>
+                            </m:r>
+                          </m:e>
+                          <m:sub>
+                            <m:r>
+                              <a:rPr lang="de-DE" sz="2000" i="1">
+                                <a:latin typeface="Cambria Math" panose="02040503050406030204" pitchFamily="18" charset="0"/>
+                              </a:rPr>
+                              <m:t>0</m:t>
+                            </m:r>
+                          </m:sub>
+                        </m:sSub>
+                      </m:den>
+                    </m:f>
+                    <m:f>
+                      <m:fPr>
+                        <m:ctrlPr>
+                          <a:rPr lang="de-DE" sz="2000" i="1">
+                            <a:latin typeface="Cambria Math" panose="02040503050406030204" pitchFamily="18" charset="0"/>
+                          </a:rPr>
+                        </m:ctrlPr>
+                      </m:fPr>
+                      <m:num>
+                        <m:r>
+                          <a:rPr lang="de-DE" sz="2000" i="1">
+                            <a:latin typeface="Cambria Math" panose="02040503050406030204" pitchFamily="18" charset="0"/>
+                          </a:rPr>
+                          <m:t>𝑑𝑦</m:t>
+                        </m:r>
+                        <m:d>
+                          <m:dPr>
+                            <m:ctrlPr>
+                              <a:rPr lang="de-DE" sz="2000" i="1">
+                                <a:latin typeface="Cambria Math" panose="02040503050406030204" pitchFamily="18" charset="0"/>
+                              </a:rPr>
+                            </m:ctrlPr>
+                          </m:dPr>
+                          <m:e>
+                            <m:r>
+                              <a:rPr lang="de-DE" sz="2000" i="1">
+                                <a:latin typeface="Cambria Math" panose="02040503050406030204" pitchFamily="18" charset="0"/>
+                              </a:rPr>
+                              <m:t>𝑡</m:t>
+                            </m:r>
+                          </m:e>
+                        </m:d>
+                      </m:num>
+                      <m:den>
+                        <m:r>
+                          <a:rPr lang="de-DE" sz="2000" i="1">
+                            <a:latin typeface="Cambria Math" panose="02040503050406030204" pitchFamily="18" charset="0"/>
+                          </a:rPr>
+                          <m:t>𝑑𝑡</m:t>
+                        </m:r>
+                      </m:den>
+                    </m:f>
+                    <m:r>
+                      <a:rPr lang="de-DE" sz="2000" b="0" i="1" smtClean="0">
+                        <a:latin typeface="Cambria Math" panose="02040503050406030204" pitchFamily="18" charset="0"/>
+                      </a:rPr>
+                      <m:t>+</m:t>
+                    </m:r>
+                    <m:r>
+                      <a:rPr lang="de-DE" sz="2000" b="0" i="1" smtClean="0">
+                        <a:latin typeface="Cambria Math" panose="02040503050406030204" pitchFamily="18" charset="0"/>
+                        <a:ea typeface="Cambria Math" panose="02040503050406030204" pitchFamily="18" charset="0"/>
+                      </a:rPr>
+                      <m:t>𝑦</m:t>
+                    </m:r>
+                    <m:r>
+                      <a:rPr lang="de-DE" sz="2000" b="0" i="1" smtClean="0">
+                        <a:latin typeface="Cambria Math" panose="02040503050406030204" pitchFamily="18" charset="0"/>
+                        <a:ea typeface="Cambria Math" panose="02040503050406030204" pitchFamily="18" charset="0"/>
+                      </a:rPr>
+                      <m:t>(</m:t>
+                    </m:r>
+                    <m:r>
+                      <a:rPr lang="de-DE" sz="2000" b="0" i="1" smtClean="0">
+                        <a:latin typeface="Cambria Math" panose="02040503050406030204" pitchFamily="18" charset="0"/>
+                        <a:ea typeface="Cambria Math" panose="02040503050406030204" pitchFamily="18" charset="0"/>
+                      </a:rPr>
+                      <m:t>𝑡</m:t>
+                    </m:r>
+                    <m:r>
+                      <a:rPr lang="de-DE" sz="2000" b="0" i="1" smtClean="0">
+                        <a:latin typeface="Cambria Math" panose="02040503050406030204" pitchFamily="18" charset="0"/>
+                        <a:ea typeface="Cambria Math" panose="02040503050406030204" pitchFamily="18" charset="0"/>
+                      </a:rPr>
+                      <m:t>)=</m:t>
+                    </m:r>
+                    <m:f>
+                      <m:fPr>
+                        <m:ctrlPr>
+                          <a:rPr lang="de-DE" sz="2000" i="1">
+                            <a:latin typeface="Cambria Math" panose="02040503050406030204" pitchFamily="18" charset="0"/>
+                          </a:rPr>
+                        </m:ctrlPr>
+                      </m:fPr>
+                      <m:num>
+                        <m:sSub>
+                          <m:sSubPr>
+                            <m:ctrlPr>
+                              <a:rPr lang="de-DE" sz="2000" i="1">
+                                <a:latin typeface="Cambria Math" panose="02040503050406030204" pitchFamily="18" charset="0"/>
+                              </a:rPr>
+                            </m:ctrlPr>
+                          </m:sSubPr>
+                          <m:e>
+                            <m:r>
+                              <a:rPr lang="de-DE" sz="2000" b="0" i="1" smtClean="0">
+                                <a:latin typeface="Cambria Math" panose="02040503050406030204" pitchFamily="18" charset="0"/>
+                              </a:rPr>
+                              <m:t>𝑏</m:t>
+                            </m:r>
+                          </m:e>
+                          <m:sub>
+                            <m:r>
+                              <a:rPr lang="de-DE" sz="2000" b="0" i="1" smtClean="0">
+                                <a:latin typeface="Cambria Math" panose="02040503050406030204" pitchFamily="18" charset="0"/>
+                              </a:rPr>
+                              <m:t>0</m:t>
+                            </m:r>
+                          </m:sub>
+                        </m:sSub>
+                      </m:num>
+                      <m:den>
+                        <m:sSub>
+                          <m:sSubPr>
+                            <m:ctrlPr>
+                              <a:rPr lang="de-DE" sz="2000" i="1">
+                                <a:latin typeface="Cambria Math" panose="02040503050406030204" pitchFamily="18" charset="0"/>
+                              </a:rPr>
+                            </m:ctrlPr>
+                          </m:sSubPr>
+                          <m:e>
+                            <m:r>
+                              <a:rPr lang="de-DE" sz="2000" i="1">
+                                <a:latin typeface="Cambria Math" panose="02040503050406030204" pitchFamily="18" charset="0"/>
+                              </a:rPr>
+                              <m:t>𝑎</m:t>
+                            </m:r>
+                          </m:e>
+                          <m:sub>
+                            <m:r>
+                              <a:rPr lang="de-DE" sz="2000" i="1">
+                                <a:latin typeface="Cambria Math" panose="02040503050406030204" pitchFamily="18" charset="0"/>
+                              </a:rPr>
+                              <m:t>0</m:t>
+                            </m:r>
+                          </m:sub>
+                        </m:sSub>
+                      </m:den>
+                    </m:f>
+                    <m:r>
+                      <a:rPr lang="de-DE" sz="2000" i="1">
+                        <a:latin typeface="Cambria Math" panose="02040503050406030204" pitchFamily="18" charset="0"/>
+                      </a:rPr>
+                      <m:t>𝑢</m:t>
+                    </m:r>
+                    <m:r>
+                      <a:rPr lang="de-DE" sz="2000" i="1">
+                        <a:latin typeface="Cambria Math" panose="02040503050406030204" pitchFamily="18" charset="0"/>
+                      </a:rPr>
+                      <m:t>(</m:t>
+                    </m:r>
+                    <m:r>
+                      <a:rPr lang="de-DE" sz="2000" i="1">
+                        <a:latin typeface="Cambria Math" panose="02040503050406030204" pitchFamily="18" charset="0"/>
+                      </a:rPr>
+                      <m:t>𝑡</m:t>
+                    </m:r>
+                    <m:r>
+                      <a:rPr lang="de-DE" sz="2000" i="1">
+                        <a:latin typeface="Cambria Math" panose="02040503050406030204" pitchFamily="18" charset="0"/>
+                      </a:rPr>
+                      <m:t>)</m:t>
+                    </m:r>
+                  </m:oMath>
+                </a14:m>
+                <a:r>
+                  <a:rPr lang="de-DE" sz="2000" dirty="0"/>
+                  <a:t>     </a:t>
+                </a:r>
+                <a:r>
+                  <a:rPr lang="de-DE" sz="2000" dirty="0" err="1"/>
+                  <a:t>or</a:t>
+                </a:r>
+                <a:r>
+                  <a:rPr lang="de-DE" sz="2000" dirty="0"/>
+                  <a:t>     </a:t>
+                </a:r>
+                <a14:m>
+                  <m:oMath xmlns:m="http://schemas.openxmlformats.org/officeDocument/2006/math">
+                    <m:r>
+                      <a:rPr lang="de-DE" sz="2000" i="1">
+                        <a:latin typeface="Cambria Math" panose="02040503050406030204" pitchFamily="18" charset="0"/>
+                      </a:rPr>
+                      <m:t>𝑌</m:t>
+                    </m:r>
+                    <m:d>
+                      <m:dPr>
+                        <m:ctrlPr>
+                          <a:rPr lang="de-DE" sz="2000" i="1">
+                            <a:latin typeface="Cambria Math" panose="02040503050406030204" pitchFamily="18" charset="0"/>
+                          </a:rPr>
+                        </m:ctrlPr>
+                      </m:dPr>
+                      <m:e>
+                        <m:r>
+                          <a:rPr lang="de-DE" sz="2000" i="1">
+                            <a:latin typeface="Cambria Math" panose="02040503050406030204" pitchFamily="18" charset="0"/>
+                          </a:rPr>
+                          <m:t>𝑠</m:t>
+                        </m:r>
+                      </m:e>
+                    </m:d>
+                    <m:r>
+                      <a:rPr lang="de-DE" sz="2000" i="1" smtClean="0">
+                        <a:latin typeface="Cambria Math" panose="02040503050406030204" pitchFamily="18" charset="0"/>
+                        <a:ea typeface="Cambria Math" panose="02040503050406030204" pitchFamily="18" charset="0"/>
+                      </a:rPr>
+                      <m:t>∙</m:t>
+                    </m:r>
+                    <m:d>
+                      <m:dPr>
+                        <m:ctrlPr>
+                          <a:rPr lang="de-DE" sz="2000" i="1" smtClean="0">
+                            <a:latin typeface="Cambria Math" panose="02040503050406030204" pitchFamily="18" charset="0"/>
+                            <a:ea typeface="Cambria Math" panose="02040503050406030204" pitchFamily="18" charset="0"/>
+                          </a:rPr>
+                        </m:ctrlPr>
+                      </m:dPr>
+                      <m:e>
+                        <m:f>
+                          <m:fPr>
+                            <m:ctrlPr>
+                              <a:rPr lang="de-DE" sz="2000" i="1">
+                                <a:latin typeface="Cambria Math" panose="02040503050406030204" pitchFamily="18" charset="0"/>
+                              </a:rPr>
+                            </m:ctrlPr>
+                          </m:fPr>
+                          <m:num>
+                            <m:sSub>
+                              <m:sSubPr>
+                                <m:ctrlPr>
+                                  <a:rPr lang="de-DE" sz="2000" i="1">
+                                    <a:latin typeface="Cambria Math" panose="02040503050406030204" pitchFamily="18" charset="0"/>
+                                  </a:rPr>
+                                </m:ctrlPr>
+                              </m:sSubPr>
+                              <m:e>
+                                <m:r>
+                                  <a:rPr lang="de-DE" sz="2000" i="1">
+                                    <a:latin typeface="Cambria Math" panose="02040503050406030204" pitchFamily="18" charset="0"/>
+                                  </a:rPr>
+                                  <m:t>𝑎</m:t>
+                                </m:r>
+                              </m:e>
+                              <m:sub>
+                                <m:r>
+                                  <a:rPr lang="de-DE" sz="2000" i="1">
+                                    <a:latin typeface="Cambria Math" panose="02040503050406030204" pitchFamily="18" charset="0"/>
+                                  </a:rPr>
+                                  <m:t>2</m:t>
+                                </m:r>
+                              </m:sub>
+                            </m:sSub>
+                          </m:num>
+                          <m:den>
+                            <m:sSub>
+                              <m:sSubPr>
+                                <m:ctrlPr>
+                                  <a:rPr lang="de-DE" sz="2000" i="1">
+                                    <a:latin typeface="Cambria Math" panose="02040503050406030204" pitchFamily="18" charset="0"/>
+                                  </a:rPr>
+                                </m:ctrlPr>
+                              </m:sSubPr>
+                              <m:e>
+                                <m:r>
+                                  <a:rPr lang="de-DE" sz="2000" i="1">
+                                    <a:latin typeface="Cambria Math" panose="02040503050406030204" pitchFamily="18" charset="0"/>
+                                  </a:rPr>
+                                  <m:t>𝑎</m:t>
+                                </m:r>
+                              </m:e>
+                              <m:sub>
+                                <m:r>
+                                  <a:rPr lang="de-DE" sz="2000" i="1">
+                                    <a:latin typeface="Cambria Math" panose="02040503050406030204" pitchFamily="18" charset="0"/>
+                                  </a:rPr>
+                                  <m:t>0</m:t>
+                                </m:r>
+                              </m:sub>
+                            </m:sSub>
+                          </m:den>
+                        </m:f>
+                        <m:sSup>
+                          <m:sSupPr>
+                            <m:ctrlPr>
+                              <a:rPr lang="de-DE" sz="2000" i="1" smtClean="0">
+                                <a:latin typeface="Cambria Math" panose="02040503050406030204" pitchFamily="18" charset="0"/>
+                                <a:ea typeface="Cambria Math" panose="02040503050406030204" pitchFamily="18" charset="0"/>
+                              </a:rPr>
+                            </m:ctrlPr>
+                          </m:sSupPr>
+                          <m:e>
+                            <m:r>
+                              <a:rPr lang="de-DE" sz="2000" b="0" i="1" smtClean="0">
+                                <a:latin typeface="Cambria Math" panose="02040503050406030204" pitchFamily="18" charset="0"/>
+                                <a:ea typeface="Cambria Math" panose="02040503050406030204" pitchFamily="18" charset="0"/>
+                              </a:rPr>
+                              <m:t>𝑠</m:t>
+                            </m:r>
+                          </m:e>
+                          <m:sup>
+                            <m:r>
+                              <a:rPr lang="de-DE" sz="2000" b="0" i="1" smtClean="0">
+                                <a:latin typeface="Cambria Math" panose="02040503050406030204" pitchFamily="18" charset="0"/>
+                                <a:ea typeface="Cambria Math" panose="02040503050406030204" pitchFamily="18" charset="0"/>
+                              </a:rPr>
+                              <m:t>2</m:t>
+                            </m:r>
+                          </m:sup>
+                        </m:sSup>
+                        <m:r>
+                          <a:rPr lang="de-DE" sz="2000" b="0" i="1" smtClean="0">
+                            <a:latin typeface="Cambria Math" panose="02040503050406030204" pitchFamily="18" charset="0"/>
+                            <a:ea typeface="Cambria Math" panose="02040503050406030204" pitchFamily="18" charset="0"/>
+                          </a:rPr>
+                          <m:t>+</m:t>
+                        </m:r>
+                        <m:f>
+                          <m:fPr>
+                            <m:ctrlPr>
+                              <a:rPr lang="de-DE" sz="2000" i="1">
+                                <a:latin typeface="Cambria Math" panose="02040503050406030204" pitchFamily="18" charset="0"/>
+                              </a:rPr>
+                            </m:ctrlPr>
+                          </m:fPr>
+                          <m:num>
+                            <m:sSub>
+                              <m:sSubPr>
+                                <m:ctrlPr>
+                                  <a:rPr lang="de-DE" sz="2000" i="1">
+                                    <a:latin typeface="Cambria Math" panose="02040503050406030204" pitchFamily="18" charset="0"/>
+                                  </a:rPr>
+                                </m:ctrlPr>
+                              </m:sSubPr>
+                              <m:e>
+                                <m:r>
+                                  <a:rPr lang="de-DE" sz="2000" i="1">
+                                    <a:latin typeface="Cambria Math" panose="02040503050406030204" pitchFamily="18" charset="0"/>
+                                  </a:rPr>
+                                  <m:t>𝑎</m:t>
+                                </m:r>
+                              </m:e>
+                              <m:sub>
+                                <m:r>
+                                  <a:rPr lang="de-DE" sz="2000" i="1">
+                                    <a:latin typeface="Cambria Math" panose="02040503050406030204" pitchFamily="18" charset="0"/>
+                                  </a:rPr>
+                                  <m:t>1</m:t>
+                                </m:r>
+                              </m:sub>
+                            </m:sSub>
+                          </m:num>
+                          <m:den>
+                            <m:sSub>
+                              <m:sSubPr>
+                                <m:ctrlPr>
+                                  <a:rPr lang="de-DE" sz="2000" i="1">
+                                    <a:latin typeface="Cambria Math" panose="02040503050406030204" pitchFamily="18" charset="0"/>
+                                  </a:rPr>
+                                </m:ctrlPr>
+                              </m:sSubPr>
+                              <m:e>
+                                <m:r>
+                                  <a:rPr lang="de-DE" sz="2000" i="1">
+                                    <a:latin typeface="Cambria Math" panose="02040503050406030204" pitchFamily="18" charset="0"/>
+                                  </a:rPr>
+                                  <m:t>𝑎</m:t>
+                                </m:r>
+                              </m:e>
+                              <m:sub>
+                                <m:r>
+                                  <a:rPr lang="de-DE" sz="2000" i="1">
+                                    <a:latin typeface="Cambria Math" panose="02040503050406030204" pitchFamily="18" charset="0"/>
+                                  </a:rPr>
+                                  <m:t>0</m:t>
+                                </m:r>
+                              </m:sub>
+                            </m:sSub>
+                          </m:den>
+                        </m:f>
+                        <m:r>
+                          <a:rPr lang="de-DE" sz="2000" b="0" i="1" smtClean="0">
+                            <a:latin typeface="Cambria Math" panose="02040503050406030204" pitchFamily="18" charset="0"/>
+                            <a:ea typeface="Cambria Math" panose="02040503050406030204" pitchFamily="18" charset="0"/>
+                          </a:rPr>
+                          <m:t>𝑠</m:t>
+                        </m:r>
+                        <m:r>
+                          <a:rPr lang="de-DE" sz="2000" b="0" i="1" smtClean="0">
+                            <a:latin typeface="Cambria Math" panose="02040503050406030204" pitchFamily="18" charset="0"/>
+                          </a:rPr>
+                          <m:t>+1</m:t>
+                        </m:r>
+                      </m:e>
+                    </m:d>
+                    <m:r>
+                      <a:rPr lang="de-DE" sz="2000" i="1">
+                        <a:latin typeface="Cambria Math" panose="02040503050406030204" pitchFamily="18" charset="0"/>
+                      </a:rPr>
+                      <m:t>=</m:t>
+                    </m:r>
+                    <m:f>
+                      <m:fPr>
+                        <m:ctrlPr>
+                          <a:rPr lang="de-DE" sz="2000" i="1">
+                            <a:latin typeface="Cambria Math" panose="02040503050406030204" pitchFamily="18" charset="0"/>
+                          </a:rPr>
+                        </m:ctrlPr>
+                      </m:fPr>
+                      <m:num>
+                        <m:sSub>
+                          <m:sSubPr>
+                            <m:ctrlPr>
+                              <a:rPr lang="de-DE" sz="2000" i="1">
+                                <a:latin typeface="Cambria Math" panose="02040503050406030204" pitchFamily="18" charset="0"/>
+                              </a:rPr>
+                            </m:ctrlPr>
+                          </m:sSubPr>
+                          <m:e>
+                            <m:r>
+                              <a:rPr lang="de-DE" sz="2000" i="1">
+                                <a:latin typeface="Cambria Math" panose="02040503050406030204" pitchFamily="18" charset="0"/>
+                              </a:rPr>
+                              <m:t>𝑏</m:t>
+                            </m:r>
+                          </m:e>
+                          <m:sub>
+                            <m:r>
+                              <a:rPr lang="de-DE" sz="2000" i="1">
+                                <a:latin typeface="Cambria Math" panose="02040503050406030204" pitchFamily="18" charset="0"/>
+                              </a:rPr>
+                              <m:t>0</m:t>
+                            </m:r>
+                          </m:sub>
+                        </m:sSub>
+                      </m:num>
+                      <m:den>
+                        <m:sSub>
+                          <m:sSubPr>
+                            <m:ctrlPr>
+                              <a:rPr lang="de-DE" sz="2000" i="1" smtClean="0">
+                                <a:latin typeface="Cambria Math" panose="02040503050406030204" pitchFamily="18" charset="0"/>
+                              </a:rPr>
+                            </m:ctrlPr>
+                          </m:sSubPr>
+                          <m:e>
+                            <m:r>
+                              <a:rPr lang="de-DE" sz="2000" b="0" i="1" smtClean="0">
+                                <a:latin typeface="Cambria Math" panose="02040503050406030204" pitchFamily="18" charset="0"/>
+                              </a:rPr>
+                              <m:t>𝑎</m:t>
+                            </m:r>
+                          </m:e>
+                          <m:sub>
+                            <m:r>
+                              <a:rPr lang="de-DE" sz="2000" b="0" i="1" smtClean="0">
+                                <a:latin typeface="Cambria Math" panose="02040503050406030204" pitchFamily="18" charset="0"/>
+                              </a:rPr>
+                              <m:t>0</m:t>
+                            </m:r>
+                          </m:sub>
+                        </m:sSub>
+                      </m:den>
+                    </m:f>
+                    <m:r>
+                      <a:rPr lang="de-DE" sz="2000" i="1">
+                        <a:latin typeface="Cambria Math" panose="02040503050406030204" pitchFamily="18" charset="0"/>
+                        <a:ea typeface="Cambria Math" panose="02040503050406030204" pitchFamily="18" charset="0"/>
+                      </a:rPr>
+                      <m:t>∙</m:t>
+                    </m:r>
+                    <m:r>
+                      <a:rPr lang="de-DE" sz="2000" i="1">
+                        <a:latin typeface="Cambria Math" panose="02040503050406030204" pitchFamily="18" charset="0"/>
+                      </a:rPr>
+                      <m:t>𝑈</m:t>
+                    </m:r>
+                    <m:r>
+                      <a:rPr lang="de-DE" sz="2000" i="1">
+                        <a:latin typeface="Cambria Math" panose="02040503050406030204" pitchFamily="18" charset="0"/>
+                      </a:rPr>
+                      <m:t>(</m:t>
+                    </m:r>
+                    <m:r>
+                      <a:rPr lang="de-DE" sz="2000" i="1">
+                        <a:latin typeface="Cambria Math" panose="02040503050406030204" pitchFamily="18" charset="0"/>
+                      </a:rPr>
+                      <m:t>𝑠</m:t>
+                    </m:r>
+                    <m:r>
+                      <a:rPr lang="de-DE" sz="2000" i="1">
+                        <a:latin typeface="Cambria Math" panose="02040503050406030204" pitchFamily="18" charset="0"/>
+                      </a:rPr>
+                      <m:t>)</m:t>
+                    </m:r>
+                  </m:oMath>
+                </a14:m>
+                <a:endParaRPr lang="de-DE" sz="2000" dirty="0"/>
+              </a:p>
+            </p:txBody>
+          </p:sp>
+        </mc:Choice>
+        <mc:Fallback>
+          <p:sp>
+            <p:nvSpPr>
+              <p:cNvPr id="3" name="Inhaltsplatzhalter 2">
+                <a:extLst>
+                  <a:ext uri="{FF2B5EF4-FFF2-40B4-BE49-F238E27FC236}">
+                    <a16:creationId xmlns:a16="http://schemas.microsoft.com/office/drawing/2014/main" id="{B77A4BED-941D-2DF9-FA89-2935119F1855}"/>
+                  </a:ext>
+                </a:extLst>
+              </p:cNvPr>
+              <p:cNvSpPr>
+                <a:spLocks noGrp="1" noRot="1" noChangeAspect="1" noMove="1" noResize="1" noEditPoints="1" noAdjustHandles="1" noChangeArrowheads="1" noChangeShapeType="1" noTextEdit="1"/>
+              </p:cNvSpPr>
+              <p:nvPr>
+                <p:ph idx="1"/>
+              </p:nvPr>
+            </p:nvSpPr>
+            <p:spPr>
+              <a:blipFill>
+                <a:blip r:embed="rId8"/>
+                <a:stretch>
+                  <a:fillRect l="-724" t="-1163"/>
+                </a:stretch>
+              </a:blipFill>
+            </p:spPr>
+            <p:txBody>
+              <a:bodyPr/>
+              <a:lstStyle/>
+              <a:p>
+                <a:r>
+                  <a:rPr lang="de-DE">
+                    <a:noFill/>
+                  </a:rPr>
+                  <a:t> </a:t>
+                </a:r>
+              </a:p>
+            </p:txBody>
+          </p:sp>
+        </mc:Fallback>
+      </mc:AlternateContent>
       <p:sp>
         <p:nvSpPr>
           <p:cNvPr id="4" name="Foliennummernplatzhalter 3">
             <a:extLst>
               <a:ext uri="{FF2B5EF4-FFF2-40B4-BE49-F238E27FC236}">
-                <a16:creationId xmlns:a16="http://schemas.microsoft.com/office/drawing/2014/main" id="{30A28C1E-3A01-3253-6EC0-EEA486634621}"/>
+                <a16:creationId xmlns:a16="http://schemas.microsoft.com/office/drawing/2014/main" id="{CE020C73-3932-B65A-94E5-2D739ECB2375}"/>
               </a:ext>
             </a:extLst>
           </p:cNvPr>
@@ -23496,84 +25804,12 @@
           </a:p>
         </p:txBody>
       </p:sp>
-      <p:pic>
-        <p:nvPicPr>
-          <p:cNvPr id="6" name="Grafik 5">
-            <a:extLst>
-              <a:ext uri="{FF2B5EF4-FFF2-40B4-BE49-F238E27FC236}">
-                <a16:creationId xmlns:a16="http://schemas.microsoft.com/office/drawing/2014/main" id="{3EFE9387-5F54-46F4-B3CA-B6D22391270F}"/>
-              </a:ext>
-            </a:extLst>
-          </p:cNvPr>
-          <p:cNvPicPr>
-            <a:picLocks noChangeAspect="1"/>
-          </p:cNvPicPr>
-          <p:nvPr/>
-        </p:nvPicPr>
-        <p:blipFill>
-          <a:blip r:embed="rId2">
-            <a:extLst>
-              <a:ext uri="{96DAC541-7B7A-43D3-8B79-37D633B846F1}">
-                <asvg:svgBlip xmlns:asvg="http://schemas.microsoft.com/office/drawing/2016/SVG/main" r:embed="rId3"/>
-              </a:ext>
-            </a:extLst>
-          </a:blip>
-          <a:stretch>
-            <a:fillRect/>
-          </a:stretch>
-        </p:blipFill>
-        <p:spPr>
-          <a:xfrm>
-            <a:off x="3238500" y="5299075"/>
-            <a:ext cx="2857500" cy="1422400"/>
-          </a:xfrm>
-          <a:prstGeom prst="rect">
-            <a:avLst/>
-          </a:prstGeom>
-        </p:spPr>
-      </p:pic>
-      <p:pic>
-        <p:nvPicPr>
-          <p:cNvPr id="8" name="Grafik 7">
-            <a:extLst>
-              <a:ext uri="{FF2B5EF4-FFF2-40B4-BE49-F238E27FC236}">
-                <a16:creationId xmlns:a16="http://schemas.microsoft.com/office/drawing/2014/main" id="{FF7736A4-BCFD-87E1-87B3-4FEF99FF29C7}"/>
-              </a:ext>
-            </a:extLst>
-          </p:cNvPr>
-          <p:cNvPicPr>
-            <a:picLocks noChangeAspect="1"/>
-          </p:cNvPicPr>
-          <p:nvPr/>
-        </p:nvPicPr>
-        <p:blipFill>
-          <a:blip r:embed="rId4">
-            <a:extLst>
-              <a:ext uri="{96DAC541-7B7A-43D3-8B79-37D633B846F1}">
-                <asvg:svgBlip xmlns:asvg="http://schemas.microsoft.com/office/drawing/2016/SVG/main" r:embed="rId5"/>
-              </a:ext>
-            </a:extLst>
-          </a:blip>
-          <a:stretch>
-            <a:fillRect/>
-          </a:stretch>
-        </p:blipFill>
-        <p:spPr>
-          <a:xfrm>
-            <a:off x="7388488" y="1690688"/>
-            <a:ext cx="4803512" cy="3617912"/>
-          </a:xfrm>
-          <a:prstGeom prst="rect">
-            <a:avLst/>
-          </a:prstGeom>
-        </p:spPr>
-      </p:pic>
       <p:sp>
         <p:nvSpPr>
           <p:cNvPr id="5" name="Textfeld 4">
             <a:extLst>
               <a:ext uri="{FF2B5EF4-FFF2-40B4-BE49-F238E27FC236}">
-                <a16:creationId xmlns:a16="http://schemas.microsoft.com/office/drawing/2014/main" id="{33961A12-544C-995B-C5FD-D3A80575AD3E}"/>
+                <a16:creationId xmlns:a16="http://schemas.microsoft.com/office/drawing/2014/main" id="{69E73366-B6A4-1B0B-9C21-2504F3A6DF0A}"/>
               </a:ext>
             </a:extLst>
           </p:cNvPr>
@@ -23615,10 +25851,813 @@
           </a:p>
         </p:txBody>
       </p:sp>
+      <mc:AlternateContent xmlns:mc="http://schemas.openxmlformats.org/markup-compatibility/2006">
+        <mc:Choice xmlns:a14="http://schemas.microsoft.com/office/drawing/2010/main" Requires="a14">
+          <p:sp>
+            <p:nvSpPr>
+              <p:cNvPr id="7" name="Textfeld 6">
+                <a:extLst>
+                  <a:ext uri="{FF2B5EF4-FFF2-40B4-BE49-F238E27FC236}">
+                    <a16:creationId xmlns:a16="http://schemas.microsoft.com/office/drawing/2014/main" id="{9EC45AFE-4EA2-1FB1-0C60-2FFC0998BF44}"/>
+                  </a:ext>
+                </a:extLst>
+              </p:cNvPr>
+              <p:cNvSpPr txBox="1"/>
+              <p:nvPr/>
+            </p:nvSpPr>
+            <p:spPr>
+              <a:xfrm>
+                <a:off x="289962" y="2863483"/>
+                <a:ext cx="458781" cy="653962"/>
+              </a:xfrm>
+              <a:prstGeom prst="rect">
+                <a:avLst/>
+              </a:prstGeom>
+              <a:noFill/>
+            </p:spPr>
+            <p:txBody>
+              <a:bodyPr wrap="square" lIns="0" tIns="0" rIns="0" bIns="0" rtlCol="0">
+                <a:spAutoFit/>
+              </a:bodyPr>
+              <a:lstStyle/>
+              <a:p>
+                <a:pPr/>
+                <a14:m>
+                  <m:oMathPara xmlns:m="http://schemas.openxmlformats.org/officeDocument/2006/math">
+                    <m:oMathParaPr>
+                      <m:jc m:val="centerGroup"/>
+                    </m:oMathParaPr>
+                    <m:oMath xmlns:m="http://schemas.openxmlformats.org/officeDocument/2006/math">
+                      <m:f>
+                        <m:fPr>
+                          <m:ctrlPr>
+                            <a:rPr lang="de-DE" sz="2000" b="0" i="1" smtClean="0">
+                              <a:latin typeface="Cambria Math" panose="02040503050406030204" pitchFamily="18" charset="0"/>
+                            </a:rPr>
+                          </m:ctrlPr>
+                        </m:fPr>
+                        <m:num>
+                          <m:r>
+                            <a:rPr lang="de-DE" sz="2000" b="0" i="1" smtClean="0">
+                              <a:latin typeface="Cambria Math" panose="02040503050406030204" pitchFamily="18" charset="0"/>
+                            </a:rPr>
+                            <m:t>1</m:t>
+                          </m:r>
+                        </m:num>
+                        <m:den>
+                          <m:sSubSup>
+                            <m:sSubSupPr>
+                              <m:ctrlPr>
+                                <a:rPr lang="de-DE" sz="2000" b="0" i="1" smtClean="0">
+                                  <a:latin typeface="Cambria Math" panose="02040503050406030204" pitchFamily="18" charset="0"/>
+                                </a:rPr>
+                              </m:ctrlPr>
+                            </m:sSubSupPr>
+                            <m:e>
+                              <m:r>
+                                <a:rPr lang="de-DE" sz="2000" b="0" i="1" smtClean="0">
+                                  <a:latin typeface="Cambria Math" panose="02040503050406030204" pitchFamily="18" charset="0"/>
+                                  <a:ea typeface="Cambria Math" panose="02040503050406030204" pitchFamily="18" charset="0"/>
+                                </a:rPr>
+                                <m:t>𝜔</m:t>
+                              </m:r>
+                            </m:e>
+                            <m:sub>
+                              <m:r>
+                                <a:rPr lang="de-DE" sz="2000" b="0" i="1" smtClean="0">
+                                  <a:latin typeface="Cambria Math" panose="02040503050406030204" pitchFamily="18" charset="0"/>
+                                </a:rPr>
+                                <m:t>0</m:t>
+                              </m:r>
+                            </m:sub>
+                            <m:sup>
+                              <m:r>
+                                <a:rPr lang="de-DE" sz="2000" b="0" i="1" smtClean="0">
+                                  <a:latin typeface="Cambria Math" panose="02040503050406030204" pitchFamily="18" charset="0"/>
+                                </a:rPr>
+                                <m:t>2</m:t>
+                              </m:r>
+                            </m:sup>
+                          </m:sSubSup>
+                        </m:den>
+                      </m:f>
+                    </m:oMath>
+                  </m:oMathPara>
+                </a14:m>
+                <a:endParaRPr lang="de-DE" sz="2000" dirty="0"/>
+              </a:p>
+            </p:txBody>
+          </p:sp>
+        </mc:Choice>
+        <mc:Fallback>
+          <p:sp>
+            <p:nvSpPr>
+              <p:cNvPr id="7" name="Textfeld 6">
+                <a:extLst>
+                  <a:ext uri="{FF2B5EF4-FFF2-40B4-BE49-F238E27FC236}">
+                    <a16:creationId xmlns:a16="http://schemas.microsoft.com/office/drawing/2014/main" id="{9EC45AFE-4EA2-1FB1-0C60-2FFC0998BF44}"/>
+                  </a:ext>
+                </a:extLst>
+              </p:cNvPr>
+              <p:cNvSpPr txBox="1">
+                <a:spLocks noRot="1" noChangeAspect="1" noMove="1" noResize="1" noEditPoints="1" noAdjustHandles="1" noChangeArrowheads="1" noChangeShapeType="1" noTextEdit="1"/>
+              </p:cNvSpPr>
+              <p:nvPr/>
+            </p:nvSpPr>
+            <p:spPr>
+              <a:xfrm>
+                <a:off x="289962" y="2863483"/>
+                <a:ext cx="458781" cy="653962"/>
+              </a:xfrm>
+              <a:prstGeom prst="rect">
+                <a:avLst/>
+              </a:prstGeom>
+              <a:blipFill>
+                <a:blip r:embed="rId9"/>
+                <a:stretch>
+                  <a:fillRect b="-11538"/>
+                </a:stretch>
+              </a:blipFill>
+            </p:spPr>
+            <p:txBody>
+              <a:bodyPr/>
+              <a:lstStyle/>
+              <a:p>
+                <a:r>
+                  <a:rPr lang="de-DE">
+                    <a:noFill/>
+                  </a:rPr>
+                  <a:t> </a:t>
+                </a:r>
+              </a:p>
+            </p:txBody>
+          </p:sp>
+        </mc:Fallback>
+      </mc:AlternateContent>
+      <mc:AlternateContent xmlns:mc="http://schemas.openxmlformats.org/markup-compatibility/2006">
+        <mc:Choice xmlns:a14="http://schemas.microsoft.com/office/drawing/2010/main" Requires="a14">
+          <p:sp>
+            <p:nvSpPr>
+              <p:cNvPr id="9" name="Textfeld 8">
+                <a:extLst>
+                  <a:ext uri="{FF2B5EF4-FFF2-40B4-BE49-F238E27FC236}">
+                    <a16:creationId xmlns:a16="http://schemas.microsoft.com/office/drawing/2014/main" id="{91BC678F-4758-EB33-290C-042E21B10469}"/>
+                  </a:ext>
+                </a:extLst>
+              </p:cNvPr>
+              <p:cNvSpPr txBox="1"/>
+              <p:nvPr/>
+            </p:nvSpPr>
+            <p:spPr>
+              <a:xfrm flipH="1">
+                <a:off x="2724481" y="2970016"/>
+                <a:ext cx="892757" cy="307777"/>
+              </a:xfrm>
+              <a:prstGeom prst="rect">
+                <a:avLst/>
+              </a:prstGeom>
+              <a:noFill/>
+            </p:spPr>
+            <p:txBody>
+              <a:bodyPr wrap="square" lIns="0" tIns="0" rIns="0" bIns="0" rtlCol="0">
+                <a:spAutoFit/>
+              </a:bodyPr>
+              <a:lstStyle/>
+              <a:p>
+                <a:pPr/>
+                <a14:m>
+                  <m:oMathPara xmlns:m="http://schemas.openxmlformats.org/officeDocument/2006/math">
+                    <m:oMathParaPr>
+                      <m:jc m:val="centerGroup"/>
+                    </m:oMathParaPr>
+                    <m:oMath xmlns:m="http://schemas.openxmlformats.org/officeDocument/2006/math">
+                      <m:r>
+                        <a:rPr lang="de-DE" sz="2000" b="0" i="1" smtClean="0">
+                          <a:latin typeface="Cambria Math" panose="02040503050406030204" pitchFamily="18" charset="0"/>
+                        </a:rPr>
+                        <m:t>𝐾</m:t>
+                      </m:r>
+                    </m:oMath>
+                  </m:oMathPara>
+                </a14:m>
+                <a:endParaRPr lang="de-DE" sz="2000" dirty="0"/>
+              </a:p>
+            </p:txBody>
+          </p:sp>
+        </mc:Choice>
+        <mc:Fallback>
+          <p:sp>
+            <p:nvSpPr>
+              <p:cNvPr id="9" name="Textfeld 8">
+                <a:extLst>
+                  <a:ext uri="{FF2B5EF4-FFF2-40B4-BE49-F238E27FC236}">
+                    <a16:creationId xmlns:a16="http://schemas.microsoft.com/office/drawing/2014/main" id="{91BC678F-4758-EB33-290C-042E21B10469}"/>
+                  </a:ext>
+                </a:extLst>
+              </p:cNvPr>
+              <p:cNvSpPr txBox="1">
+                <a:spLocks noRot="1" noChangeAspect="1" noMove="1" noResize="1" noEditPoints="1" noAdjustHandles="1" noChangeArrowheads="1" noChangeShapeType="1" noTextEdit="1"/>
+              </p:cNvSpPr>
+              <p:nvPr/>
+            </p:nvSpPr>
+            <p:spPr>
+              <a:xfrm flipH="1">
+                <a:off x="2724481" y="2970016"/>
+                <a:ext cx="892757" cy="307777"/>
+              </a:xfrm>
+              <a:prstGeom prst="rect">
+                <a:avLst/>
+              </a:prstGeom>
+              <a:blipFill>
+                <a:blip r:embed="rId10"/>
+                <a:stretch>
+                  <a:fillRect b="-3846"/>
+                </a:stretch>
+              </a:blipFill>
+            </p:spPr>
+            <p:txBody>
+              <a:bodyPr/>
+              <a:lstStyle/>
+              <a:p>
+                <a:r>
+                  <a:rPr lang="de-DE">
+                    <a:noFill/>
+                  </a:rPr>
+                  <a:t> </a:t>
+                </a:r>
+              </a:p>
+            </p:txBody>
+          </p:sp>
+        </mc:Fallback>
+      </mc:AlternateContent>
+      <p:cxnSp>
+        <p:nvCxnSpPr>
+          <p:cNvPr id="11" name="Gerade Verbindung mit Pfeil 10">
+            <a:extLst>
+              <a:ext uri="{FF2B5EF4-FFF2-40B4-BE49-F238E27FC236}">
+                <a16:creationId xmlns:a16="http://schemas.microsoft.com/office/drawing/2014/main" id="{D4691E0D-438D-82ED-B682-FFC7AA31AD22}"/>
+              </a:ext>
+            </a:extLst>
+          </p:cNvPr>
+          <p:cNvCxnSpPr>
+            <a:cxnSpLocks/>
+            <a:stCxn id="7" idx="0"/>
+          </p:cNvCxnSpPr>
+          <p:nvPr/>
+        </p:nvCxnSpPr>
+        <p:spPr>
+          <a:xfrm flipV="1">
+            <a:off x="519353" y="2528733"/>
+            <a:ext cx="355811" cy="334750"/>
+          </a:xfrm>
+          <a:prstGeom prst="straightConnector1">
+            <a:avLst/>
+          </a:prstGeom>
+          <a:ln>
+            <a:tailEnd type="triangle"/>
+          </a:ln>
+        </p:spPr>
+        <p:style>
+          <a:lnRef idx="2">
+            <a:schemeClr val="accent1"/>
+          </a:lnRef>
+          <a:fillRef idx="0">
+            <a:schemeClr val="accent1"/>
+          </a:fillRef>
+          <a:effectRef idx="1">
+            <a:schemeClr val="accent1"/>
+          </a:effectRef>
+          <a:fontRef idx="minor">
+            <a:schemeClr val="tx1"/>
+          </a:fontRef>
+        </p:style>
+      </p:cxnSp>
+      <p:cxnSp>
+        <p:nvCxnSpPr>
+          <p:cNvPr id="13" name="Gerade Verbindung mit Pfeil 12">
+            <a:extLst>
+              <a:ext uri="{FF2B5EF4-FFF2-40B4-BE49-F238E27FC236}">
+                <a16:creationId xmlns:a16="http://schemas.microsoft.com/office/drawing/2014/main" id="{D0FD88BC-FAEB-31C7-04D2-F01A73352F7F}"/>
+              </a:ext>
+            </a:extLst>
+          </p:cNvPr>
+          <p:cNvCxnSpPr>
+            <a:cxnSpLocks/>
+            <a:stCxn id="9" idx="0"/>
+          </p:cNvCxnSpPr>
+          <p:nvPr/>
+        </p:nvCxnSpPr>
+        <p:spPr>
+          <a:xfrm flipV="1">
+            <a:off x="3170859" y="2528733"/>
+            <a:ext cx="738157" cy="441283"/>
+          </a:xfrm>
+          <a:prstGeom prst="straightConnector1">
+            <a:avLst/>
+          </a:prstGeom>
+          <a:ln>
+            <a:tailEnd type="triangle"/>
+          </a:ln>
+        </p:spPr>
+        <p:style>
+          <a:lnRef idx="2">
+            <a:schemeClr val="accent1"/>
+          </a:lnRef>
+          <a:fillRef idx="0">
+            <a:schemeClr val="accent1"/>
+          </a:fillRef>
+          <a:effectRef idx="1">
+            <a:schemeClr val="accent1"/>
+          </a:effectRef>
+          <a:fontRef idx="minor">
+            <a:schemeClr val="tx1"/>
+          </a:fontRef>
+        </p:style>
+      </p:cxnSp>
+      <mc:AlternateContent xmlns:mc="http://schemas.openxmlformats.org/markup-compatibility/2006">
+        <mc:Choice xmlns:a14="http://schemas.microsoft.com/office/drawing/2010/main" Requires="a14">
+          <p:sp>
+            <p:nvSpPr>
+              <p:cNvPr id="14" name="Textfeld 13">
+                <a:extLst>
+                  <a:ext uri="{FF2B5EF4-FFF2-40B4-BE49-F238E27FC236}">
+                    <a16:creationId xmlns:a16="http://schemas.microsoft.com/office/drawing/2014/main" id="{B30F22F9-E742-53A4-8222-79B6CFF13896}"/>
+                  </a:ext>
+                </a:extLst>
+              </p:cNvPr>
+              <p:cNvSpPr txBox="1"/>
+              <p:nvPr/>
+            </p:nvSpPr>
+            <p:spPr>
+              <a:xfrm>
+                <a:off x="4365718" y="3053264"/>
+                <a:ext cx="2752227" cy="926920"/>
+              </a:xfrm>
+              <a:prstGeom prst="rect">
+                <a:avLst/>
+              </a:prstGeom>
+              <a:noFill/>
+              <a:ln>
+                <a:solidFill>
+                  <a:schemeClr val="tx1"/>
+                </a:solidFill>
+              </a:ln>
+            </p:spPr>
+            <p:txBody>
+              <a:bodyPr wrap="none" lIns="0" tIns="0" rIns="0" bIns="0" rtlCol="0">
+                <a:spAutoFit/>
+              </a:bodyPr>
+              <a:lstStyle/>
+              <a:p>
+                <a:pPr/>
+                <a14:m>
+                  <m:oMathPara xmlns:m="http://schemas.openxmlformats.org/officeDocument/2006/math">
+                    <m:oMathParaPr>
+                      <m:jc m:val="centerGroup"/>
+                    </m:oMathParaPr>
+                    <m:oMath xmlns:m="http://schemas.openxmlformats.org/officeDocument/2006/math">
+                      <m:r>
+                        <a:rPr lang="de-DE" sz="2000" b="0" i="1" smtClean="0">
+                          <a:latin typeface="Cambria Math" panose="02040503050406030204" pitchFamily="18" charset="0"/>
+                        </a:rPr>
+                        <m:t>𝐺</m:t>
+                      </m:r>
+                      <m:d>
+                        <m:dPr>
+                          <m:ctrlPr>
+                            <a:rPr lang="de-DE" sz="2000" b="0" i="1" smtClean="0">
+                              <a:latin typeface="Cambria Math" panose="02040503050406030204" pitchFamily="18" charset="0"/>
+                            </a:rPr>
+                          </m:ctrlPr>
+                        </m:dPr>
+                        <m:e>
+                          <m:r>
+                            <a:rPr lang="de-DE" sz="2000" b="0" i="1" smtClean="0">
+                              <a:latin typeface="Cambria Math" panose="02040503050406030204" pitchFamily="18" charset="0"/>
+                            </a:rPr>
+                            <m:t>𝑠</m:t>
+                          </m:r>
+                        </m:e>
+                      </m:d>
+                      <m:r>
+                        <a:rPr lang="de-DE" sz="2000" b="0" i="1" smtClean="0">
+                          <a:latin typeface="Cambria Math" panose="02040503050406030204" pitchFamily="18" charset="0"/>
+                        </a:rPr>
+                        <m:t>=</m:t>
+                      </m:r>
+                      <m:f>
+                        <m:fPr>
+                          <m:ctrlPr>
+                            <a:rPr lang="de-DE" sz="2000" b="0" i="1" smtClean="0">
+                              <a:latin typeface="Cambria Math" panose="02040503050406030204" pitchFamily="18" charset="0"/>
+                            </a:rPr>
+                          </m:ctrlPr>
+                        </m:fPr>
+                        <m:num>
+                          <m:r>
+                            <a:rPr lang="de-DE" sz="2000" b="0" i="1" smtClean="0">
+                              <a:latin typeface="Cambria Math" panose="02040503050406030204" pitchFamily="18" charset="0"/>
+                            </a:rPr>
+                            <m:t>𝐾</m:t>
+                          </m:r>
+                        </m:num>
+                        <m:den>
+                          <m:f>
+                            <m:fPr>
+                              <m:ctrlPr>
+                                <a:rPr lang="de-DE" sz="2000" b="0" i="1" smtClean="0">
+                                  <a:latin typeface="Cambria Math" panose="02040503050406030204" pitchFamily="18" charset="0"/>
+                                </a:rPr>
+                              </m:ctrlPr>
+                            </m:fPr>
+                            <m:num>
+                              <m:r>
+                                <a:rPr lang="de-DE" sz="2000" b="0" i="1" smtClean="0">
+                                  <a:latin typeface="Cambria Math" panose="02040503050406030204" pitchFamily="18" charset="0"/>
+                                </a:rPr>
+                                <m:t>1</m:t>
+                              </m:r>
+                            </m:num>
+                            <m:den>
+                              <m:sSubSup>
+                                <m:sSubSupPr>
+                                  <m:ctrlPr>
+                                    <a:rPr lang="de-DE" sz="2000" b="0" i="1" smtClean="0">
+                                      <a:latin typeface="Cambria Math" panose="02040503050406030204" pitchFamily="18" charset="0"/>
+                                    </a:rPr>
+                                  </m:ctrlPr>
+                                </m:sSubSupPr>
+                                <m:e>
+                                  <m:r>
+                                    <a:rPr lang="de-DE" sz="2000" b="0" i="1" smtClean="0">
+                                      <a:latin typeface="Cambria Math" panose="02040503050406030204" pitchFamily="18" charset="0"/>
+                                      <a:ea typeface="Cambria Math" panose="02040503050406030204" pitchFamily="18" charset="0"/>
+                                    </a:rPr>
+                                    <m:t>𝜔</m:t>
+                                  </m:r>
+                                </m:e>
+                                <m:sub>
+                                  <m:r>
+                                    <a:rPr lang="de-DE" sz="2000" b="0" i="1" smtClean="0">
+                                      <a:latin typeface="Cambria Math" panose="02040503050406030204" pitchFamily="18" charset="0"/>
+                                    </a:rPr>
+                                    <m:t>0</m:t>
+                                  </m:r>
+                                </m:sub>
+                                <m:sup>
+                                  <m:r>
+                                    <a:rPr lang="de-DE" sz="2000" b="0" i="1" smtClean="0">
+                                      <a:latin typeface="Cambria Math" panose="02040503050406030204" pitchFamily="18" charset="0"/>
+                                    </a:rPr>
+                                    <m:t>2</m:t>
+                                  </m:r>
+                                </m:sup>
+                              </m:sSubSup>
+                            </m:den>
+                          </m:f>
+                          <m:sSup>
+                            <m:sSupPr>
+                              <m:ctrlPr>
+                                <a:rPr lang="de-DE" sz="2000" b="0" i="1" smtClean="0">
+                                  <a:latin typeface="Cambria Math" panose="02040503050406030204" pitchFamily="18" charset="0"/>
+                                </a:rPr>
+                              </m:ctrlPr>
+                            </m:sSupPr>
+                            <m:e>
+                              <m:r>
+                                <a:rPr lang="de-DE" sz="2000" b="0" i="1" smtClean="0">
+                                  <a:latin typeface="Cambria Math" panose="02040503050406030204" pitchFamily="18" charset="0"/>
+                                </a:rPr>
+                                <m:t>𝑠</m:t>
+                              </m:r>
+                            </m:e>
+                            <m:sup>
+                              <m:r>
+                                <a:rPr lang="de-DE" sz="2000" b="0" i="1" smtClean="0">
+                                  <a:latin typeface="Cambria Math" panose="02040503050406030204" pitchFamily="18" charset="0"/>
+                                </a:rPr>
+                                <m:t>2</m:t>
+                              </m:r>
+                            </m:sup>
+                          </m:sSup>
+                          <m:r>
+                            <a:rPr lang="de-DE" sz="2000" b="0" i="1" smtClean="0">
+                              <a:latin typeface="Cambria Math" panose="02040503050406030204" pitchFamily="18" charset="0"/>
+                              <a:ea typeface="Cambria Math" panose="02040503050406030204" pitchFamily="18" charset="0"/>
+                            </a:rPr>
+                            <m:t>+</m:t>
+                          </m:r>
+                          <m:f>
+                            <m:fPr>
+                              <m:ctrlPr>
+                                <a:rPr lang="de-DE" sz="2000" i="1">
+                                  <a:latin typeface="Cambria Math" panose="02040503050406030204" pitchFamily="18" charset="0"/>
+                                </a:rPr>
+                              </m:ctrlPr>
+                            </m:fPr>
+                            <m:num>
+                              <m:r>
+                                <a:rPr lang="de-DE" sz="2000" i="1">
+                                  <a:latin typeface="Cambria Math" panose="02040503050406030204" pitchFamily="18" charset="0"/>
+                                </a:rPr>
+                                <m:t>2</m:t>
+                              </m:r>
+                              <m:r>
+                                <a:rPr lang="de-DE" sz="2000" b="0" i="1" smtClean="0">
+                                  <a:latin typeface="Cambria Math" panose="02040503050406030204" pitchFamily="18" charset="0"/>
+                                </a:rPr>
+                                <m:t>𝐷</m:t>
+                              </m:r>
+                            </m:num>
+                            <m:den>
+                              <m:sSub>
+                                <m:sSubPr>
+                                  <m:ctrlPr>
+                                    <a:rPr lang="de-DE" sz="2000" i="1">
+                                      <a:latin typeface="Cambria Math" panose="02040503050406030204" pitchFamily="18" charset="0"/>
+                                    </a:rPr>
+                                  </m:ctrlPr>
+                                </m:sSubPr>
+                                <m:e>
+                                  <m:r>
+                                    <a:rPr lang="de-DE" sz="2000" i="1">
+                                      <a:latin typeface="Cambria Math" panose="02040503050406030204" pitchFamily="18" charset="0"/>
+                                      <a:ea typeface="Cambria Math" panose="02040503050406030204" pitchFamily="18" charset="0"/>
+                                    </a:rPr>
+                                    <m:t>𝜔</m:t>
+                                  </m:r>
+                                </m:e>
+                                <m:sub>
+                                  <m:r>
+                                    <a:rPr lang="de-DE" sz="2000" i="1">
+                                      <a:latin typeface="Cambria Math" panose="02040503050406030204" pitchFamily="18" charset="0"/>
+                                    </a:rPr>
+                                    <m:t>0</m:t>
+                                  </m:r>
+                                </m:sub>
+                              </m:sSub>
+                            </m:den>
+                          </m:f>
+                          <m:r>
+                            <a:rPr lang="de-DE" sz="2000" b="0" i="1" smtClean="0">
+                              <a:latin typeface="Cambria Math" panose="02040503050406030204" pitchFamily="18" charset="0"/>
+                              <a:ea typeface="Cambria Math" panose="02040503050406030204" pitchFamily="18" charset="0"/>
+                            </a:rPr>
+                            <m:t>𝑠</m:t>
+                          </m:r>
+                          <m:r>
+                            <a:rPr lang="de-DE" sz="2000" b="0" i="1" smtClean="0">
+                              <a:latin typeface="Cambria Math" panose="02040503050406030204" pitchFamily="18" charset="0"/>
+                              <a:ea typeface="Cambria Math" panose="02040503050406030204" pitchFamily="18" charset="0"/>
+                            </a:rPr>
+                            <m:t>+1</m:t>
+                          </m:r>
+                        </m:den>
+                      </m:f>
+                    </m:oMath>
+                  </m:oMathPara>
+                </a14:m>
+                <a:endParaRPr lang="de-DE" sz="2000" dirty="0"/>
+              </a:p>
+            </p:txBody>
+          </p:sp>
+        </mc:Choice>
+        <mc:Fallback>
+          <p:sp>
+            <p:nvSpPr>
+              <p:cNvPr id="14" name="Textfeld 13">
+                <a:extLst>
+                  <a:ext uri="{FF2B5EF4-FFF2-40B4-BE49-F238E27FC236}">
+                    <a16:creationId xmlns:a16="http://schemas.microsoft.com/office/drawing/2014/main" id="{B30F22F9-E742-53A4-8222-79B6CFF13896}"/>
+                  </a:ext>
+                </a:extLst>
+              </p:cNvPr>
+              <p:cNvSpPr txBox="1">
+                <a:spLocks noRot="1" noChangeAspect="1" noMove="1" noResize="1" noEditPoints="1" noAdjustHandles="1" noChangeArrowheads="1" noChangeShapeType="1" noTextEdit="1"/>
+              </p:cNvSpPr>
+              <p:nvPr/>
+            </p:nvSpPr>
+            <p:spPr>
+              <a:xfrm>
+                <a:off x="4365718" y="3053264"/>
+                <a:ext cx="2752227" cy="926920"/>
+              </a:xfrm>
+              <a:prstGeom prst="rect">
+                <a:avLst/>
+              </a:prstGeom>
+              <a:blipFill>
+                <a:blip r:embed="rId11"/>
+                <a:stretch>
+                  <a:fillRect l="-1370" r="-913" b="-4054"/>
+                </a:stretch>
+              </a:blipFill>
+              <a:ln>
+                <a:solidFill>
+                  <a:schemeClr val="tx1"/>
+                </a:solidFill>
+              </a:ln>
+            </p:spPr>
+            <p:txBody>
+              <a:bodyPr/>
+              <a:lstStyle/>
+              <a:p>
+                <a:r>
+                  <a:rPr lang="de-DE">
+                    <a:noFill/>
+                  </a:rPr>
+                  <a:t> </a:t>
+                </a:r>
+              </a:p>
+            </p:txBody>
+          </p:sp>
+        </mc:Fallback>
+      </mc:AlternateContent>
+      <mc:AlternateContent xmlns:mc="http://schemas.openxmlformats.org/markup-compatibility/2006">
+        <mc:Choice xmlns:a14="http://schemas.microsoft.com/office/drawing/2010/main" Requires="a14">
+          <p:sp>
+            <p:nvSpPr>
+              <p:cNvPr id="24" name="Textfeld 23">
+                <a:extLst>
+                  <a:ext uri="{FF2B5EF4-FFF2-40B4-BE49-F238E27FC236}">
+                    <a16:creationId xmlns:a16="http://schemas.microsoft.com/office/drawing/2014/main" id="{C4A01984-12FD-97D8-F773-5ADBF18487F7}"/>
+                  </a:ext>
+                </a:extLst>
+              </p:cNvPr>
+              <p:cNvSpPr txBox="1"/>
+              <p:nvPr/>
+            </p:nvSpPr>
+            <p:spPr>
+              <a:xfrm>
+                <a:off x="1412262" y="2887016"/>
+                <a:ext cx="738157" cy="630429"/>
+              </a:xfrm>
+              <a:prstGeom prst="rect">
+                <a:avLst/>
+              </a:prstGeom>
+              <a:noFill/>
+            </p:spPr>
+            <p:txBody>
+              <a:bodyPr wrap="square" lIns="0" tIns="0" rIns="0" bIns="0" rtlCol="0">
+                <a:spAutoFit/>
+              </a:bodyPr>
+              <a:lstStyle/>
+              <a:p>
+                <a:pPr/>
+                <a14:m>
+                  <m:oMathPara xmlns:m="http://schemas.openxmlformats.org/officeDocument/2006/math">
+                    <m:oMathParaPr>
+                      <m:jc m:val="centerGroup"/>
+                    </m:oMathParaPr>
+                    <m:oMath xmlns:m="http://schemas.openxmlformats.org/officeDocument/2006/math">
+                      <m:f>
+                        <m:fPr>
+                          <m:ctrlPr>
+                            <a:rPr lang="de-DE" sz="2000" b="0" i="1" smtClean="0">
+                              <a:latin typeface="Cambria Math" panose="02040503050406030204" pitchFamily="18" charset="0"/>
+                            </a:rPr>
+                          </m:ctrlPr>
+                        </m:fPr>
+                        <m:num>
+                          <m:r>
+                            <a:rPr lang="de-DE" sz="2000" b="0" i="1" smtClean="0">
+                              <a:latin typeface="Cambria Math" panose="02040503050406030204" pitchFamily="18" charset="0"/>
+                            </a:rPr>
+                            <m:t>2</m:t>
+                          </m:r>
+                          <m:r>
+                            <a:rPr lang="de-DE" sz="2000" b="0" i="1" smtClean="0">
+                              <a:latin typeface="Cambria Math" panose="02040503050406030204" pitchFamily="18" charset="0"/>
+                            </a:rPr>
+                            <m:t>𝐷</m:t>
+                          </m:r>
+                        </m:num>
+                        <m:den>
+                          <m:sSub>
+                            <m:sSubPr>
+                              <m:ctrlPr>
+                                <a:rPr lang="de-DE" sz="2000" b="0" i="1" smtClean="0">
+                                  <a:latin typeface="Cambria Math" panose="02040503050406030204" pitchFamily="18" charset="0"/>
+                                </a:rPr>
+                              </m:ctrlPr>
+                            </m:sSubPr>
+                            <m:e>
+                              <m:r>
+                                <a:rPr lang="de-DE" sz="2000" b="0" i="1" smtClean="0">
+                                  <a:latin typeface="Cambria Math" panose="02040503050406030204" pitchFamily="18" charset="0"/>
+                                  <a:ea typeface="Cambria Math" panose="02040503050406030204" pitchFamily="18" charset="0"/>
+                                </a:rPr>
+                                <m:t>𝜔</m:t>
+                              </m:r>
+                            </m:e>
+                            <m:sub>
+                              <m:r>
+                                <a:rPr lang="de-DE" sz="2000" b="0" i="1" smtClean="0">
+                                  <a:latin typeface="Cambria Math" panose="02040503050406030204" pitchFamily="18" charset="0"/>
+                                </a:rPr>
+                                <m:t>0</m:t>
+                              </m:r>
+                            </m:sub>
+                          </m:sSub>
+                        </m:den>
+                      </m:f>
+                    </m:oMath>
+                  </m:oMathPara>
+                </a14:m>
+                <a:endParaRPr lang="de-DE" sz="2000" dirty="0"/>
+              </a:p>
+            </p:txBody>
+          </p:sp>
+        </mc:Choice>
+        <mc:Fallback>
+          <p:sp>
+            <p:nvSpPr>
+              <p:cNvPr id="24" name="Textfeld 23">
+                <a:extLst>
+                  <a:ext uri="{FF2B5EF4-FFF2-40B4-BE49-F238E27FC236}">
+                    <a16:creationId xmlns:a16="http://schemas.microsoft.com/office/drawing/2014/main" id="{C4A01984-12FD-97D8-F773-5ADBF18487F7}"/>
+                  </a:ext>
+                </a:extLst>
+              </p:cNvPr>
+              <p:cNvSpPr txBox="1">
+                <a:spLocks noRot="1" noChangeAspect="1" noMove="1" noResize="1" noEditPoints="1" noAdjustHandles="1" noChangeArrowheads="1" noChangeShapeType="1" noTextEdit="1"/>
+              </p:cNvSpPr>
+              <p:nvPr/>
+            </p:nvSpPr>
+            <p:spPr>
+              <a:xfrm>
+                <a:off x="1412262" y="2887016"/>
+                <a:ext cx="738157" cy="630429"/>
+              </a:xfrm>
+              <a:prstGeom prst="rect">
+                <a:avLst/>
+              </a:prstGeom>
+              <a:blipFill>
+                <a:blip r:embed="rId12"/>
+                <a:stretch>
+                  <a:fillRect b="-12000"/>
+                </a:stretch>
+              </a:blipFill>
+            </p:spPr>
+            <p:txBody>
+              <a:bodyPr/>
+              <a:lstStyle/>
+              <a:p>
+                <a:r>
+                  <a:rPr lang="de-DE">
+                    <a:noFill/>
+                  </a:rPr>
+                  <a:t> </a:t>
+                </a:r>
+              </a:p>
+            </p:txBody>
+          </p:sp>
+        </mc:Fallback>
+      </mc:AlternateContent>
+      <p:cxnSp>
+        <p:nvCxnSpPr>
+          <p:cNvPr id="28" name="Gerade Verbindung mit Pfeil 27">
+            <a:extLst>
+              <a:ext uri="{FF2B5EF4-FFF2-40B4-BE49-F238E27FC236}">
+                <a16:creationId xmlns:a16="http://schemas.microsoft.com/office/drawing/2014/main" id="{E4DD66A2-D98F-FFDA-85A5-0CC035CF0918}"/>
+              </a:ext>
+            </a:extLst>
+          </p:cNvPr>
+          <p:cNvCxnSpPr>
+            <a:stCxn id="24" idx="0"/>
+          </p:cNvCxnSpPr>
+          <p:nvPr/>
+        </p:nvCxnSpPr>
+        <p:spPr>
+          <a:xfrm flipV="1">
+            <a:off x="1781341" y="2490549"/>
+            <a:ext cx="275948" cy="396467"/>
+          </a:xfrm>
+          <a:prstGeom prst="straightConnector1">
+            <a:avLst/>
+          </a:prstGeom>
+          <a:ln>
+            <a:tailEnd type="triangle"/>
+          </a:ln>
+        </p:spPr>
+        <p:style>
+          <a:lnRef idx="2">
+            <a:schemeClr val="accent1"/>
+          </a:lnRef>
+          <a:fillRef idx="0">
+            <a:schemeClr val="accent1"/>
+          </a:fillRef>
+          <a:effectRef idx="1">
+            <a:schemeClr val="accent1"/>
+          </a:effectRef>
+          <a:fontRef idx="minor">
+            <a:schemeClr val="tx1"/>
+          </a:fontRef>
+        </p:style>
+      </p:cxnSp>
     </p:spTree>
     <p:extLst>
       <p:ext uri="{BB962C8B-B14F-4D97-AF65-F5344CB8AC3E}">
-        <p14:creationId xmlns:p14="http://schemas.microsoft.com/office/powerpoint/2010/main" val="4019848875"/>
+        <p14:creationId xmlns:p14="http://schemas.microsoft.com/office/powerpoint/2010/main" val="4069192889"/>
       </p:ext>
     </p:extLst>
   </p:cSld>

--- a/slides/3_Laplace.pptx
+++ b/slides/3_Laplace.pptx
@@ -5,7 +5,7 @@
     <p:sldMasterId id="2147483648" r:id="rId1"/>
   </p:sldMasterIdLst>
   <p:notesMasterIdLst>
-    <p:notesMasterId r:id="rId42"/>
+    <p:notesMasterId r:id="rId47"/>
   </p:notesMasterIdLst>
   <p:sldIdLst>
     <p:sldId id="256" r:id="rId2"/>
@@ -38,16 +38,21 @@
     <p:sldId id="294" r:id="rId29"/>
     <p:sldId id="295" r:id="rId30"/>
     <p:sldId id="296" r:id="rId31"/>
-    <p:sldId id="297" r:id="rId32"/>
-    <p:sldId id="298" r:id="rId33"/>
-    <p:sldId id="305" r:id="rId34"/>
-    <p:sldId id="306" r:id="rId35"/>
-    <p:sldId id="300" r:id="rId36"/>
-    <p:sldId id="285" r:id="rId37"/>
-    <p:sldId id="301" r:id="rId38"/>
-    <p:sldId id="303" r:id="rId39"/>
-    <p:sldId id="302" r:id="rId40"/>
-    <p:sldId id="304" r:id="rId41"/>
+    <p:sldId id="310" r:id="rId32"/>
+    <p:sldId id="297" r:id="rId33"/>
+    <p:sldId id="298" r:id="rId34"/>
+    <p:sldId id="311" r:id="rId35"/>
+    <p:sldId id="309" r:id="rId36"/>
+    <p:sldId id="305" r:id="rId37"/>
+    <p:sldId id="306" r:id="rId38"/>
+    <p:sldId id="308" r:id="rId39"/>
+    <p:sldId id="307" r:id="rId40"/>
+    <p:sldId id="300" r:id="rId41"/>
+    <p:sldId id="285" r:id="rId42"/>
+    <p:sldId id="301" r:id="rId43"/>
+    <p:sldId id="303" r:id="rId44"/>
+    <p:sldId id="302" r:id="rId45"/>
+    <p:sldId id="304" r:id="rId46"/>
   </p:sldIdLst>
   <p:sldSz cx="12192000" cy="6858000"/>
   <p:notesSz cx="6858000" cy="9144000"/>
@@ -21300,8 +21305,8 @@
           </a:fontRef>
         </p:style>
       </p:cxnSp>
-      <mc:AlternateContent xmlns:mc="http://schemas.openxmlformats.org/markup-compatibility/2006" xmlns:a14="http://schemas.microsoft.com/office/drawing/2010/main">
-        <mc:Choice Requires="a14">
+      <mc:AlternateContent xmlns:mc="http://schemas.openxmlformats.org/markup-compatibility/2006">
+        <mc:Choice xmlns:a14="http://schemas.microsoft.com/office/drawing/2010/main" Requires="a14">
           <p:sp>
             <p:nvSpPr>
               <p:cNvPr id="9" name="Textfeld 8">
@@ -21316,8 +21321,8 @@
             </p:nvSpPr>
             <p:spPr>
               <a:xfrm>
-                <a:off x="842815" y="3099105"/>
-                <a:ext cx="1642993" cy="576696"/>
+                <a:off x="603166" y="3159459"/>
+                <a:ext cx="1953148" cy="697692"/>
               </a:xfrm>
               <a:prstGeom prst="rect">
                 <a:avLst/>
@@ -21338,25 +21343,25 @@
                     </m:oMathParaPr>
                     <m:oMath xmlns:m="http://schemas.openxmlformats.org/officeDocument/2006/math">
                       <m:r>
-                        <a:rPr lang="de-DE" sz="1200" b="0" i="1" smtClean="0">
+                        <a:rPr lang="de-DE" sz="1500" b="0" i="1" smtClean="0">
                           <a:latin typeface="Cambria Math" panose="02040503050406030204" pitchFamily="18" charset="0"/>
                         </a:rPr>
                         <m:t>𝑦</m:t>
                       </m:r>
                       <m:r>
-                        <a:rPr lang="de-DE" sz="1200" b="0" i="1" smtClean="0">
+                        <a:rPr lang="de-DE" sz="1500" b="0" i="1" smtClean="0">
                           <a:latin typeface="Cambria Math" panose="02040503050406030204" pitchFamily="18" charset="0"/>
                         </a:rPr>
                         <m:t>(</m:t>
                       </m:r>
                       <m:r>
-                        <a:rPr lang="de-DE" sz="1200" b="0" i="1" smtClean="0">
+                        <a:rPr lang="de-DE" sz="1500" b="0" i="1" smtClean="0">
                           <a:latin typeface="Cambria Math" panose="02040503050406030204" pitchFamily="18" charset="0"/>
                         </a:rPr>
                         <m:t>𝑡</m:t>
                       </m:r>
                       <m:r>
-                        <a:rPr lang="de-DE" sz="1200" b="0" i="1" smtClean="0">
+                        <a:rPr lang="de-DE" sz="1500" b="0" i="1" smtClean="0">
                           <a:latin typeface="Cambria Math" panose="02040503050406030204" pitchFamily="18" charset="0"/>
                         </a:rPr>
                         <m:t>)=</m:t>
@@ -21364,7 +21369,7 @@
                       <m:f>
                         <m:fPr>
                           <m:ctrlPr>
-                            <a:rPr lang="de-DE" sz="1200" i="1">
+                            <a:rPr lang="de-DE" sz="1500" i="1">
                               <a:latin typeface="Cambria Math" panose="02040503050406030204" pitchFamily="18" charset="0"/>
                             </a:rPr>
                           </m:ctrlPr>
@@ -21373,14 +21378,14 @@
                           <m:sSub>
                             <m:sSubPr>
                               <m:ctrlPr>
-                                <a:rPr lang="de-DE" sz="1200" i="1">
+                                <a:rPr lang="de-DE" sz="1500" i="1">
                                   <a:latin typeface="Cambria Math" panose="02040503050406030204" pitchFamily="18" charset="0"/>
                                 </a:rPr>
                               </m:ctrlPr>
                             </m:sSubPr>
                             <m:e>
                               <m:r>
-                                <a:rPr lang="de-DE" sz="1200" i="1">
+                                <a:rPr lang="de-DE" sz="1500" i="1">
                                   <a:latin typeface="Cambria Math" panose="02040503050406030204" pitchFamily="18" charset="0"/>
                                 </a:rPr>
                                 <m:t>𝑏</m:t>
@@ -21388,7 +21393,7 @@
                             </m:e>
                             <m:sub>
                               <m:r>
-                                <a:rPr lang="de-DE" sz="1200" i="1">
+                                <a:rPr lang="de-DE" sz="1500" i="1">
                                   <a:latin typeface="Cambria Math" panose="02040503050406030204" pitchFamily="18" charset="0"/>
                                 </a:rPr>
                                 <m:t>0</m:t>
@@ -21400,14 +21405,14 @@
                           <m:sSub>
                             <m:sSubPr>
                               <m:ctrlPr>
-                                <a:rPr lang="de-DE" sz="1200" i="1">
+                                <a:rPr lang="de-DE" sz="1500" i="1">
                                   <a:latin typeface="Cambria Math" panose="02040503050406030204" pitchFamily="18" charset="0"/>
                                 </a:rPr>
                               </m:ctrlPr>
                             </m:sSubPr>
                             <m:e>
                               <m:r>
-                                <a:rPr lang="de-DE" sz="1200" i="1">
+                                <a:rPr lang="de-DE" sz="1500" i="1">
                                   <a:latin typeface="Cambria Math" panose="02040503050406030204" pitchFamily="18" charset="0"/>
                                 </a:rPr>
                                 <m:t>𝑎</m:t>
@@ -21415,7 +21420,7 @@
                             </m:e>
                             <m:sub>
                               <m:r>
-                                <a:rPr lang="de-DE" sz="1200" i="1">
+                                <a:rPr lang="de-DE" sz="1500" i="1">
                                   <a:latin typeface="Cambria Math" panose="02040503050406030204" pitchFamily="18" charset="0"/>
                                 </a:rPr>
                                 <m:t>1</m:t>
@@ -21425,7 +21430,7 @@
                         </m:den>
                       </m:f>
                       <m:r>
-                        <a:rPr lang="de-DE" sz="1200" i="1">
+                        <a:rPr lang="de-DE" sz="1500" i="1">
                           <a:latin typeface="Cambria Math" panose="02040503050406030204" pitchFamily="18" charset="0"/>
                           <a:ea typeface="Cambria Math" panose="02040503050406030204" pitchFamily="18" charset="0"/>
                         </a:rPr>
@@ -21437,7 +21442,7 @@
                           <m:subHide m:val="on"/>
                           <m:supHide m:val="on"/>
                           <m:ctrlPr>
-                            <a:rPr lang="de-DE" sz="1200" i="1" smtClean="0">
+                            <a:rPr lang="de-DE" sz="1500" i="1" smtClean="0">
                               <a:latin typeface="Cambria Math" panose="02040503050406030204" pitchFamily="18" charset="0"/>
                               <a:ea typeface="Cambria Math" panose="02040503050406030204" pitchFamily="18" charset="0"/>
                             </a:rPr>
@@ -21447,7 +21452,7 @@
                         <m:sup/>
                         <m:e>
                           <m:r>
-                            <a:rPr lang="de-DE" sz="1200" b="0" i="1" smtClean="0">
+                            <a:rPr lang="de-DE" sz="1500" b="0" i="1" smtClean="0">
                               <a:latin typeface="Cambria Math" panose="02040503050406030204" pitchFamily="18" charset="0"/>
                               <a:ea typeface="Cambria Math" panose="02040503050406030204" pitchFamily="18" charset="0"/>
                             </a:rPr>
@@ -21456,7 +21461,7 @@
                           <m:d>
                             <m:dPr>
                               <m:ctrlPr>
-                                <a:rPr lang="de-DE" sz="1200" b="0" i="1" smtClean="0">
+                                <a:rPr lang="de-DE" sz="1500" b="0" i="1" smtClean="0">
                                   <a:latin typeface="Cambria Math" panose="02040503050406030204" pitchFamily="18" charset="0"/>
                                   <a:ea typeface="Cambria Math" panose="02040503050406030204" pitchFamily="18" charset="0"/>
                                 </a:rPr>
@@ -21464,7 +21469,7 @@
                             </m:dPr>
                             <m:e>
                               <m:r>
-                                <a:rPr lang="de-DE" sz="1200" b="0" i="1" smtClean="0">
+                                <a:rPr lang="de-DE" sz="1500" b="0" i="1" smtClean="0">
                                   <a:latin typeface="Cambria Math" panose="02040503050406030204" pitchFamily="18" charset="0"/>
                                   <a:ea typeface="Cambria Math" panose="02040503050406030204" pitchFamily="18" charset="0"/>
                                 </a:rPr>
@@ -21473,14 +21478,14 @@
                             </m:e>
                           </m:d>
                           <m:r>
-                            <a:rPr lang="de-DE" sz="1200" b="0" i="1" smtClean="0">
+                            <a:rPr lang="de-DE" sz="1500" b="0" i="1" smtClean="0">
                               <a:latin typeface="Cambria Math" panose="02040503050406030204" pitchFamily="18" charset="0"/>
                               <a:ea typeface="Cambria Math" panose="02040503050406030204" pitchFamily="18" charset="0"/>
                             </a:rPr>
                             <m:t> </m:t>
                           </m:r>
                           <m:r>
-                            <a:rPr lang="de-DE" sz="1200" b="0" i="1" smtClean="0">
+                            <a:rPr lang="de-DE" sz="1500" b="0" i="1" smtClean="0">
                               <a:latin typeface="Cambria Math" panose="02040503050406030204" pitchFamily="18" charset="0"/>
                               <a:ea typeface="Cambria Math" panose="02040503050406030204" pitchFamily="18" charset="0"/>
                             </a:rPr>
@@ -21491,12 +21496,12 @@
                     </m:oMath>
                   </m:oMathPara>
                 </a14:m>
-                <a:endParaRPr lang="de-DE" sz="1200" dirty="0"/>
+                <a:endParaRPr lang="de-DE" sz="1500" dirty="0"/>
               </a:p>
             </p:txBody>
           </p:sp>
         </mc:Choice>
-        <mc:Fallback xmlns="">
+        <mc:Fallback>
           <p:sp>
             <p:nvSpPr>
               <p:cNvPr id="9" name="Textfeld 8">
@@ -21513,8 +21518,8 @@
             </p:nvSpPr>
             <p:spPr>
               <a:xfrm>
-                <a:off x="842815" y="3099105"/>
-                <a:ext cx="1642993" cy="576696"/>
+                <a:off x="603166" y="3159459"/>
+                <a:ext cx="1953148" cy="697692"/>
               </a:xfrm>
               <a:prstGeom prst="rect">
                 <a:avLst/>
@@ -21522,7 +21527,7 @@
               <a:blipFill>
                 <a:blip r:embed="rId8"/>
                 <a:stretch>
-                  <a:fillRect t="-119149" b="-170213"/>
+                  <a:fillRect t="-125000" b="-176786"/>
                 </a:stretch>
               </a:blipFill>
             </p:spPr>
@@ -21585,6 +21590,201 @@
               <a:rPr lang="de-DE" dirty="0"/>
               <a:t>:</a:t>
             </a:r>
+          </a:p>
+        </p:txBody>
+      </p:sp>
+      <mc:AlternateContent xmlns:mc="http://schemas.openxmlformats.org/markup-compatibility/2006">
+        <mc:Choice xmlns:a14="http://schemas.microsoft.com/office/drawing/2010/main" Requires="a14">
+          <p:sp>
+            <p:nvSpPr>
+              <p:cNvPr id="6" name="Textfeld 5">
+                <a:extLst>
+                  <a:ext uri="{FF2B5EF4-FFF2-40B4-BE49-F238E27FC236}">
+                    <a16:creationId xmlns:a16="http://schemas.microsoft.com/office/drawing/2014/main" id="{04296444-23CE-BD88-9186-A681BF32069D}"/>
+                  </a:ext>
+                </a:extLst>
+              </p:cNvPr>
+              <p:cNvSpPr txBox="1"/>
+              <p:nvPr/>
+            </p:nvSpPr>
+            <p:spPr>
+              <a:xfrm>
+                <a:off x="1218747" y="6176963"/>
+                <a:ext cx="1337567" cy="697692"/>
+              </a:xfrm>
+              <a:prstGeom prst="rect">
+                <a:avLst/>
+              </a:prstGeom>
+              <a:noFill/>
+            </p:spPr>
+            <p:txBody>
+              <a:bodyPr wrap="square">
+                <a:spAutoFit/>
+              </a:bodyPr>
+              <a:lstStyle/>
+              <a:p>
+                <a:pPr/>
+                <a14:m>
+                  <m:oMathPara xmlns:m="http://schemas.openxmlformats.org/officeDocument/2006/math">
+                    <m:oMathParaPr>
+                      <m:jc m:val="centerGroup"/>
+                    </m:oMathParaPr>
+                    <m:oMath xmlns:m="http://schemas.openxmlformats.org/officeDocument/2006/math">
+                      <m:nary>
+                        <m:naryPr>
+                          <m:limLoc m:val="undOvr"/>
+                          <m:subHide m:val="on"/>
+                          <m:supHide m:val="on"/>
+                          <m:ctrlPr>
+                            <a:rPr lang="de-DE" sz="1500" i="1" smtClean="0">
+                              <a:latin typeface="Cambria Math" panose="02040503050406030204" pitchFamily="18" charset="0"/>
+                              <a:ea typeface="Cambria Math" panose="02040503050406030204" pitchFamily="18" charset="0"/>
+                            </a:rPr>
+                          </m:ctrlPr>
+                        </m:naryPr>
+                        <m:sub/>
+                        <m:sup/>
+                        <m:e>
+                          <m:r>
+                            <m:rPr>
+                              <m:sty m:val="p"/>
+                            </m:rPr>
+                            <a:rPr lang="de-DE" sz="1500" b="0" i="0" smtClean="0">
+                              <a:latin typeface="Cambria Math" panose="02040503050406030204" pitchFamily="18" charset="0"/>
+                              <a:ea typeface="Cambria Math" panose="02040503050406030204" pitchFamily="18" charset="0"/>
+                            </a:rPr>
+                            <m:t>const</m:t>
+                          </m:r>
+                          <m:r>
+                            <a:rPr lang="de-DE" sz="1500" b="0" i="1" smtClean="0">
+                              <a:latin typeface="Cambria Math" panose="02040503050406030204" pitchFamily="18" charset="0"/>
+                              <a:ea typeface="Cambria Math" panose="02040503050406030204" pitchFamily="18" charset="0"/>
+                            </a:rPr>
+                            <m:t> </m:t>
+                          </m:r>
+                          <m:r>
+                            <a:rPr lang="de-DE" sz="1500" b="0" i="1" smtClean="0">
+                              <a:latin typeface="Cambria Math" panose="02040503050406030204" pitchFamily="18" charset="0"/>
+                              <a:ea typeface="Cambria Math" panose="02040503050406030204" pitchFamily="18" charset="0"/>
+                            </a:rPr>
+                            <m:t>𝑑𝑡</m:t>
+                          </m:r>
+                          <m:r>
+                            <a:rPr lang="de-DE" sz="1500" b="0" i="1" smtClean="0">
+                              <a:latin typeface="Cambria Math" panose="02040503050406030204" pitchFamily="18" charset="0"/>
+                              <a:ea typeface="Cambria Math" panose="02040503050406030204" pitchFamily="18" charset="0"/>
+                            </a:rPr>
+                            <m:t>=</m:t>
+                          </m:r>
+                          <m:r>
+                            <a:rPr lang="de-DE" sz="1500" b="0" i="1" smtClean="0">
+                              <a:latin typeface="Cambria Math" panose="02040503050406030204" pitchFamily="18" charset="0"/>
+                              <a:ea typeface="Cambria Math" panose="02040503050406030204" pitchFamily="18" charset="0"/>
+                            </a:rPr>
+                            <m:t>𝑡</m:t>
+                          </m:r>
+                        </m:e>
+                      </m:nary>
+                    </m:oMath>
+                  </m:oMathPara>
+                </a14:m>
+                <a:endParaRPr lang="de-DE" sz="1500" dirty="0"/>
+              </a:p>
+            </p:txBody>
+          </p:sp>
+        </mc:Choice>
+        <mc:Fallback>
+          <p:sp>
+            <p:nvSpPr>
+              <p:cNvPr id="6" name="Textfeld 5">
+                <a:extLst>
+                  <a:ext uri="{FF2B5EF4-FFF2-40B4-BE49-F238E27FC236}">
+                    <a16:creationId xmlns:a16="http://schemas.microsoft.com/office/drawing/2014/main" id="{04296444-23CE-BD88-9186-A681BF32069D}"/>
+                  </a:ext>
+                </a:extLst>
+              </p:cNvPr>
+              <p:cNvSpPr txBox="1">
+                <a:spLocks noRot="1" noChangeAspect="1" noMove="1" noResize="1" noEditPoints="1" noAdjustHandles="1" noChangeArrowheads="1" noChangeShapeType="1" noTextEdit="1"/>
+              </p:cNvSpPr>
+              <p:nvPr/>
+            </p:nvSpPr>
+            <p:spPr>
+              <a:xfrm>
+                <a:off x="1218747" y="6176963"/>
+                <a:ext cx="1337567" cy="697692"/>
+              </a:xfrm>
+              <a:prstGeom prst="rect">
+                <a:avLst/>
+              </a:prstGeom>
+              <a:blipFill>
+                <a:blip r:embed="rId9"/>
+                <a:stretch>
+                  <a:fillRect l="-54717" t="-126786" b="-176786"/>
+                </a:stretch>
+              </a:blipFill>
+            </p:spPr>
+            <p:txBody>
+              <a:bodyPr/>
+              <a:lstStyle/>
+              <a:p>
+                <a:r>
+                  <a:rPr lang="de-DE">
+                    <a:noFill/>
+                  </a:rPr>
+                  <a:t> </a:t>
+                </a:r>
+              </a:p>
+            </p:txBody>
+          </p:sp>
+        </mc:Fallback>
+      </mc:AlternateContent>
+      <p:sp>
+        <p:nvSpPr>
+          <p:cNvPr id="16" name="Textfeld 15">
+            <a:extLst>
+              <a:ext uri="{FF2B5EF4-FFF2-40B4-BE49-F238E27FC236}">
+                <a16:creationId xmlns:a16="http://schemas.microsoft.com/office/drawing/2014/main" id="{0EC4EAFB-7A20-A560-E1BD-3FA5083B7ADD}"/>
+              </a:ext>
+            </a:extLst>
+          </p:cNvPr>
+          <p:cNvSpPr txBox="1"/>
+          <p:nvPr/>
+        </p:nvSpPr>
+        <p:spPr>
+          <a:xfrm>
+            <a:off x="6407125" y="5391216"/>
+            <a:ext cx="1695721" cy="646331"/>
+          </a:xfrm>
+          <a:prstGeom prst="rect">
+            <a:avLst/>
+          </a:prstGeom>
+          <a:noFill/>
+        </p:spPr>
+        <p:txBody>
+          <a:bodyPr wrap="none" rtlCol="0">
+            <a:spAutoFit/>
+          </a:bodyPr>
+          <a:lstStyle/>
+          <a:p>
+            <a:r>
+              <a:rPr lang="de-DE" dirty="0"/>
+              <a:t>Energy </a:t>
+            </a:r>
+            <a:r>
+              <a:rPr lang="de-DE" dirty="0" err="1"/>
+              <a:t>storage</a:t>
+            </a:r>
+            <a:r>
+              <a:rPr lang="de-DE" dirty="0"/>
+              <a:t>,</a:t>
+            </a:r>
+          </a:p>
+          <a:p>
+            <a:r>
+              <a:rPr lang="de-DE" dirty="0" err="1"/>
+              <a:t>memory</a:t>
+            </a:r>
+            <a:endParaRPr lang="de-DE" dirty="0"/>
           </a:p>
         </p:txBody>
       </p:sp>
@@ -21846,8 +22046,8 @@
           </a:p>
         </p:txBody>
       </p:sp>
-      <mc:AlternateContent xmlns:mc="http://schemas.openxmlformats.org/markup-compatibility/2006">
-        <mc:Choice xmlns:a14="http://schemas.microsoft.com/office/drawing/2010/main" Requires="a14">
+      <mc:AlternateContent xmlns:mc="http://schemas.openxmlformats.org/markup-compatibility/2006" xmlns:a14="http://schemas.microsoft.com/office/drawing/2010/main">
+        <mc:Choice Requires="a14">
           <p:sp>
             <p:nvSpPr>
               <p:cNvPr id="3" name="Inhaltsplatzhalter 2">
@@ -22438,7 +22638,7 @@
             </p:txBody>
           </p:sp>
         </mc:Choice>
-        <mc:Fallback>
+        <mc:Fallback xmlns="">
           <p:sp>
             <p:nvSpPr>
               <p:cNvPr id="3" name="Inhaltsplatzhalter 2">
@@ -22626,8 +22826,8 @@
           </a:p>
         </p:txBody>
       </p:sp>
-      <mc:AlternateContent xmlns:mc="http://schemas.openxmlformats.org/markup-compatibility/2006">
-        <mc:Choice xmlns:a14="http://schemas.microsoft.com/office/drawing/2010/main" Requires="a14">
+      <mc:AlternateContent xmlns:mc="http://schemas.openxmlformats.org/markup-compatibility/2006" xmlns:a14="http://schemas.microsoft.com/office/drawing/2010/main">
+        <mc:Choice Requires="a14">
           <p:sp>
             <p:nvSpPr>
               <p:cNvPr id="7" name="Textfeld 6">
@@ -22656,6 +22856,7 @@
               </a:bodyPr>
               <a:lstStyle/>
               <a:p>
+                <a:pPr/>
                 <a14:m>
                   <m:oMathPara xmlns:m="http://schemas.openxmlformats.org/officeDocument/2006/math">
                     <m:oMathParaPr>
@@ -22676,7 +22877,7 @@
             </p:txBody>
           </p:sp>
         </mc:Choice>
-        <mc:Fallback>
+        <mc:Fallback xmlns="">
           <p:sp>
             <p:nvSpPr>
               <p:cNvPr id="7" name="Textfeld 6">
@@ -22721,8 +22922,8 @@
           </p:sp>
         </mc:Fallback>
       </mc:AlternateContent>
-      <mc:AlternateContent xmlns:mc="http://schemas.openxmlformats.org/markup-compatibility/2006">
-        <mc:Choice xmlns:a14="http://schemas.microsoft.com/office/drawing/2010/main" Requires="a14">
+      <mc:AlternateContent xmlns:mc="http://schemas.openxmlformats.org/markup-compatibility/2006" xmlns:a14="http://schemas.microsoft.com/office/drawing/2010/main">
+        <mc:Choice Requires="a14">
           <p:sp>
             <p:nvSpPr>
               <p:cNvPr id="9" name="Textfeld 8">
@@ -22751,6 +22952,7 @@
               </a:bodyPr>
               <a:lstStyle/>
               <a:p>
+                <a:pPr/>
                 <a14:m>
                   <m:oMathPara xmlns:m="http://schemas.openxmlformats.org/officeDocument/2006/math">
                     <m:oMathParaPr>
@@ -22771,7 +22973,7 @@
             </p:txBody>
           </p:sp>
         </mc:Choice>
-        <mc:Fallback>
+        <mc:Fallback xmlns="">
           <p:sp>
             <p:nvSpPr>
               <p:cNvPr id="9" name="Textfeld 8">
@@ -22898,8 +23100,8 @@
           </a:fontRef>
         </p:style>
       </p:cxnSp>
-      <mc:AlternateContent xmlns:mc="http://schemas.openxmlformats.org/markup-compatibility/2006">
-        <mc:Choice xmlns:a14="http://schemas.microsoft.com/office/drawing/2010/main" Requires="a14">
+      <mc:AlternateContent xmlns:mc="http://schemas.openxmlformats.org/markup-compatibility/2006" xmlns:a14="http://schemas.microsoft.com/office/drawing/2010/main">
+        <mc:Choice Requires="a14">
           <p:sp>
             <p:nvSpPr>
               <p:cNvPr id="14" name="Textfeld 13">
@@ -22933,6 +23135,7 @@
               </a:bodyPr>
               <a:lstStyle/>
               <a:p>
+                <a:pPr/>
                 <a14:m>
                   <m:oMathPara xmlns:m="http://schemas.openxmlformats.org/officeDocument/2006/math">
                     <m:oMathParaPr>
@@ -23088,7 +23291,7 @@
             </p:txBody>
           </p:sp>
         </mc:Choice>
-        <mc:Fallback>
+        <mc:Fallback xmlns="">
           <p:sp>
             <p:nvSpPr>
               <p:cNvPr id="14" name="Textfeld 13">
@@ -23138,8 +23341,8 @@
           </p:sp>
         </mc:Fallback>
       </mc:AlternateContent>
-      <mc:AlternateContent xmlns:mc="http://schemas.openxmlformats.org/markup-compatibility/2006">
-        <mc:Choice xmlns:a14="http://schemas.microsoft.com/office/drawing/2010/main" Requires="a14">
+      <mc:AlternateContent xmlns:mc="http://schemas.openxmlformats.org/markup-compatibility/2006" xmlns:a14="http://schemas.microsoft.com/office/drawing/2010/main">
+        <mc:Choice Requires="a14">
           <p:sp>
             <p:nvSpPr>
               <p:cNvPr id="15" name="Textfeld 14">
@@ -23221,7 +23424,7 @@
             </p:txBody>
           </p:sp>
         </mc:Choice>
-        <mc:Fallback>
+        <mc:Fallback xmlns="">
           <p:sp>
             <p:nvSpPr>
               <p:cNvPr id="15" name="Textfeld 14">
@@ -23324,6 +23527,298 @@
 </file>
 
 <file path=ppt/slides/slide31.xml><?xml version="1.0" encoding="utf-8"?>
+<p:sld xmlns:a="http://schemas.openxmlformats.org/drawingml/2006/main" xmlns:r="http://schemas.openxmlformats.org/officeDocument/2006/relationships" xmlns:p="http://schemas.openxmlformats.org/presentationml/2006/main">
+  <p:cSld>
+    <p:spTree>
+      <p:nvGrpSpPr>
+        <p:cNvPr id="1" name=""/>
+        <p:cNvGrpSpPr/>
+        <p:nvPr/>
+      </p:nvGrpSpPr>
+      <p:grpSpPr>
+        <a:xfrm>
+          <a:off x="0" y="0"/>
+          <a:ext cx="0" cy="0"/>
+          <a:chOff x="0" y="0"/>
+          <a:chExt cx="0" cy="0"/>
+        </a:xfrm>
+      </p:grpSpPr>
+      <p:sp>
+        <p:nvSpPr>
+          <p:cNvPr id="5" name="Titel 4">
+            <a:extLst>
+              <a:ext uri="{FF2B5EF4-FFF2-40B4-BE49-F238E27FC236}">
+                <a16:creationId xmlns:a16="http://schemas.microsoft.com/office/drawing/2014/main" id="{A078A2BC-CF98-642E-2FCD-E2A47B0069AF}"/>
+              </a:ext>
+            </a:extLst>
+          </p:cNvPr>
+          <p:cNvSpPr>
+            <a:spLocks noGrp="1"/>
+          </p:cNvSpPr>
+          <p:nvPr>
+            <p:ph type="title"/>
+          </p:nvPr>
+        </p:nvSpPr>
+        <p:spPr/>
+        <p:txBody>
+          <a:bodyPr/>
+          <a:lstStyle/>
+          <a:p>
+            <a:r>
+              <a:rPr lang="de-DE" dirty="0"/>
+              <a:t>PT1 Signal Flow </a:t>
+            </a:r>
+            <a:r>
+              <a:rPr lang="de-DE" dirty="0" err="1"/>
+              <a:t>Diagram</a:t>
+            </a:r>
+            <a:endParaRPr lang="de-DE" dirty="0"/>
+          </a:p>
+        </p:txBody>
+      </p:sp>
+      <p:sp>
+        <p:nvSpPr>
+          <p:cNvPr id="4" name="Foliennummernplatzhalter 3">
+            <a:extLst>
+              <a:ext uri="{FF2B5EF4-FFF2-40B4-BE49-F238E27FC236}">
+                <a16:creationId xmlns:a16="http://schemas.microsoft.com/office/drawing/2014/main" id="{A577DF98-423B-CF3E-1060-0D7989A34E93}"/>
+              </a:ext>
+            </a:extLst>
+          </p:cNvPr>
+          <p:cNvSpPr>
+            <a:spLocks noGrp="1"/>
+          </p:cNvSpPr>
+          <p:nvPr>
+            <p:ph type="sldNum" sz="quarter" idx="12"/>
+          </p:nvPr>
+        </p:nvSpPr>
+        <p:spPr/>
+        <p:txBody>
+          <a:bodyPr/>
+          <a:lstStyle/>
+          <a:p>
+            <a:fld id="{08C366F5-AFAD-49CB-854A-9D9E238FCA13}" type="slidenum">
+              <a:rPr lang="en-GB" smtClean="0"/>
+              <a:t>31</a:t>
+            </a:fld>
+            <a:endParaRPr lang="en-GB"/>
+          </a:p>
+        </p:txBody>
+      </p:sp>
+      <p:grpSp>
+        <p:nvGrpSpPr>
+          <p:cNvPr id="9" name="Gruppieren 8">
+            <a:extLst>
+              <a:ext uri="{FF2B5EF4-FFF2-40B4-BE49-F238E27FC236}">
+                <a16:creationId xmlns:a16="http://schemas.microsoft.com/office/drawing/2014/main" id="{F416CDD3-826A-569B-AAE0-DD046CE520B8}"/>
+              </a:ext>
+            </a:extLst>
+          </p:cNvPr>
+          <p:cNvGrpSpPr/>
+          <p:nvPr/>
+        </p:nvGrpSpPr>
+        <p:grpSpPr>
+          <a:xfrm>
+            <a:off x="2159921" y="1690688"/>
+            <a:ext cx="7872158" cy="5030787"/>
+            <a:chOff x="2532081" y="1705590"/>
+            <a:chExt cx="7410909" cy="5015885"/>
+          </a:xfrm>
+        </p:grpSpPr>
+        <p:pic>
+          <p:nvPicPr>
+            <p:cNvPr id="7" name="Grafik 6" descr="Ein Bild, das Diagramm, Reihe, Entwurf, technische Zeichnung enthält.&#10;&#10;KI-generierte Inhalte können fehlerhaft sein.">
+              <a:extLst>
+                <a:ext uri="{FF2B5EF4-FFF2-40B4-BE49-F238E27FC236}">
+                  <a16:creationId xmlns:a16="http://schemas.microsoft.com/office/drawing/2014/main" id="{C6358F3D-58CF-AA3B-2FC9-FA351EDECC7C}"/>
+                </a:ext>
+              </a:extLst>
+            </p:cNvPr>
+            <p:cNvPicPr>
+              <a:picLocks noChangeAspect="1"/>
+            </p:cNvPicPr>
+            <p:nvPr/>
+          </p:nvPicPr>
+          <p:blipFill>
+            <a:blip r:embed="rId2">
+              <a:extLst>
+                <a:ext uri="{28A0092B-C50C-407E-A947-70E740481C1C}">
+                  <a14:useLocalDpi xmlns:a14="http://schemas.microsoft.com/office/drawing/2010/main" val="0"/>
+                </a:ext>
+              </a:extLst>
+            </a:blip>
+            <a:stretch>
+              <a:fillRect/>
+            </a:stretch>
+          </p:blipFill>
+          <p:spPr>
+            <a:xfrm>
+              <a:off x="2532081" y="1705590"/>
+              <a:ext cx="7127838" cy="5015885"/>
+            </a:xfrm>
+            <a:prstGeom prst="rect">
+              <a:avLst/>
+            </a:prstGeom>
+          </p:spPr>
+        </p:pic>
+        <p:sp>
+          <p:nvSpPr>
+            <p:cNvPr id="8" name="Rechteck 7">
+              <a:extLst>
+                <a:ext uri="{FF2B5EF4-FFF2-40B4-BE49-F238E27FC236}">
+                  <a16:creationId xmlns:a16="http://schemas.microsoft.com/office/drawing/2014/main" id="{926A5624-5107-8198-5060-BB2E4C614718}"/>
+                </a:ext>
+              </a:extLst>
+            </p:cNvPr>
+            <p:cNvSpPr/>
+            <p:nvPr/>
+          </p:nvSpPr>
+          <p:spPr>
+            <a:xfrm>
+              <a:off x="9215021" y="3684233"/>
+              <a:ext cx="727969" cy="1882066"/>
+            </a:xfrm>
+            <a:prstGeom prst="rect">
+              <a:avLst/>
+            </a:prstGeom>
+            <a:solidFill>
+              <a:schemeClr val="bg1"/>
+            </a:solidFill>
+            <a:ln>
+              <a:noFill/>
+            </a:ln>
+          </p:spPr>
+          <p:style>
+            <a:lnRef idx="2">
+              <a:schemeClr val="accent1">
+                <a:shade val="15000"/>
+              </a:schemeClr>
+            </a:lnRef>
+            <a:fillRef idx="1">
+              <a:schemeClr val="accent1"/>
+            </a:fillRef>
+            <a:effectRef idx="0">
+              <a:schemeClr val="accent1"/>
+            </a:effectRef>
+            <a:fontRef idx="minor">
+              <a:schemeClr val="lt1"/>
+            </a:fontRef>
+          </p:style>
+          <p:txBody>
+            <a:bodyPr rtlCol="0" anchor="ctr"/>
+            <a:lstStyle/>
+            <a:p>
+              <a:pPr algn="ctr"/>
+              <a:endParaRPr lang="de-DE"/>
+            </a:p>
+          </p:txBody>
+        </p:sp>
+      </p:grpSp>
+      <p:sp>
+        <p:nvSpPr>
+          <p:cNvPr id="10" name="Textfeld 9">
+            <a:extLst>
+              <a:ext uri="{FF2B5EF4-FFF2-40B4-BE49-F238E27FC236}">
+                <a16:creationId xmlns:a16="http://schemas.microsoft.com/office/drawing/2014/main" id="{2F623EF5-2B61-F815-70A2-D506631EE023}"/>
+              </a:ext>
+            </a:extLst>
+          </p:cNvPr>
+          <p:cNvSpPr txBox="1"/>
+          <p:nvPr/>
+        </p:nvSpPr>
+        <p:spPr>
+          <a:xfrm>
+            <a:off x="3851812" y="2128950"/>
+            <a:ext cx="2730812" cy="461665"/>
+          </a:xfrm>
+          <a:prstGeom prst="rect">
+            <a:avLst/>
+          </a:prstGeom>
+          <a:noFill/>
+        </p:spPr>
+        <p:txBody>
+          <a:bodyPr wrap="none" rtlCol="0">
+            <a:spAutoFit/>
+          </a:bodyPr>
+          <a:lstStyle/>
+          <a:p>
+            <a:r>
+              <a:rPr lang="de-DE" sz="2400" dirty="0" err="1"/>
+              <a:t>One</a:t>
+            </a:r>
+            <a:r>
+              <a:rPr lang="de-DE" sz="2400" dirty="0"/>
+              <a:t> </a:t>
+            </a:r>
+            <a:r>
+              <a:rPr lang="de-DE" sz="2400" dirty="0" err="1"/>
+              <a:t>energy</a:t>
+            </a:r>
+            <a:r>
+              <a:rPr lang="de-DE" sz="2400" dirty="0"/>
+              <a:t> </a:t>
+            </a:r>
+            <a:r>
+              <a:rPr lang="de-DE" sz="2400" dirty="0" err="1"/>
+              <a:t>storage</a:t>
+            </a:r>
+            <a:endParaRPr lang="de-DE" sz="2400" dirty="0"/>
+          </a:p>
+        </p:txBody>
+      </p:sp>
+      <p:cxnSp>
+        <p:nvCxnSpPr>
+          <p:cNvPr id="12" name="Gerade Verbindung mit Pfeil 11">
+            <a:extLst>
+              <a:ext uri="{FF2B5EF4-FFF2-40B4-BE49-F238E27FC236}">
+                <a16:creationId xmlns:a16="http://schemas.microsoft.com/office/drawing/2014/main" id="{833AA5E3-5482-53CD-FED8-69712E82C98B}"/>
+              </a:ext>
+            </a:extLst>
+          </p:cNvPr>
+          <p:cNvCxnSpPr/>
+          <p:nvPr/>
+        </p:nvCxnSpPr>
+        <p:spPr>
+          <a:xfrm>
+            <a:off x="5237825" y="2601157"/>
+            <a:ext cx="639192" cy="1003177"/>
+          </a:xfrm>
+          <a:prstGeom prst="straightConnector1">
+            <a:avLst/>
+          </a:prstGeom>
+          <a:ln>
+            <a:tailEnd type="triangle"/>
+          </a:ln>
+        </p:spPr>
+        <p:style>
+          <a:lnRef idx="2">
+            <a:schemeClr val="accent1"/>
+          </a:lnRef>
+          <a:fillRef idx="0">
+            <a:schemeClr val="accent1"/>
+          </a:fillRef>
+          <a:effectRef idx="1">
+            <a:schemeClr val="accent1"/>
+          </a:effectRef>
+          <a:fontRef idx="minor">
+            <a:schemeClr val="tx1"/>
+          </a:fontRef>
+        </p:style>
+      </p:cxnSp>
+    </p:spTree>
+    <p:extLst>
+      <p:ext uri="{BB962C8B-B14F-4D97-AF65-F5344CB8AC3E}">
+        <p14:creationId xmlns:p14="http://schemas.microsoft.com/office/powerpoint/2010/main" val="2850998232"/>
+      </p:ext>
+    </p:extLst>
+  </p:cSld>
+  <p:clrMapOvr>
+    <a:masterClrMapping/>
+  </p:clrMapOvr>
+</p:sld>
+</file>
+
+<file path=ppt/slides/slide32.xml><?xml version="1.0" encoding="utf-8"?>
 <p:sld xmlns:a="http://schemas.openxmlformats.org/drawingml/2006/main" xmlns:r="http://schemas.openxmlformats.org/officeDocument/2006/relationships" xmlns:p="http://schemas.openxmlformats.org/presentationml/2006/main">
   <p:cSld>
     <p:spTree>
@@ -23945,7 +24440,7 @@
           <a:p>
             <a:fld id="{08C366F5-AFAD-49CB-854A-9D9E238FCA13}" type="slidenum">
               <a:rPr lang="en-GB" smtClean="0"/>
-              <a:t>31</a:t>
+              <a:t>32</a:t>
             </a:fld>
             <a:endParaRPr lang="en-GB"/>
           </a:p>
@@ -24474,6 +24969,66 @@
           </a:p>
         </p:txBody>
       </p:sp>
+      <p:sp>
+        <p:nvSpPr>
+          <p:cNvPr id="5" name="Textfeld 4">
+            <a:extLst>
+              <a:ext uri="{FF2B5EF4-FFF2-40B4-BE49-F238E27FC236}">
+                <a16:creationId xmlns:a16="http://schemas.microsoft.com/office/drawing/2014/main" id="{89E2AEC4-0E0A-4251-EED1-3590A3DBFC70}"/>
+              </a:ext>
+            </a:extLst>
+          </p:cNvPr>
+          <p:cNvSpPr txBox="1"/>
+          <p:nvPr/>
+        </p:nvSpPr>
+        <p:spPr>
+          <a:xfrm>
+            <a:off x="6556094" y="6003928"/>
+            <a:ext cx="3638560" cy="369332"/>
+          </a:xfrm>
+          <a:prstGeom prst="rect">
+            <a:avLst/>
+          </a:prstGeom>
+          <a:noFill/>
+        </p:spPr>
+        <p:txBody>
+          <a:bodyPr wrap="none" rtlCol="0">
+            <a:spAutoFit/>
+          </a:bodyPr>
+          <a:lstStyle/>
+          <a:p>
+            <a:r>
+              <a:rPr lang="de-DE" dirty="0" err="1"/>
+              <a:t>physically</a:t>
+            </a:r>
+            <a:r>
+              <a:rPr lang="de-DE" dirty="0"/>
+              <a:t> </a:t>
+            </a:r>
+            <a:r>
+              <a:rPr lang="de-DE" dirty="0" err="1"/>
+              <a:t>unrealizable</a:t>
+            </a:r>
+            <a:r>
+              <a:rPr lang="de-DE" dirty="0"/>
+              <a:t> </a:t>
+            </a:r>
+            <a:r>
+              <a:rPr lang="de-DE" dirty="0">
+                <a:sym typeface="Wingdings" pitchFamily="2" charset="2"/>
+              </a:rPr>
+              <a:t> </a:t>
+            </a:r>
+            <a:r>
+              <a:rPr lang="de-DE" dirty="0" err="1">
+                <a:sym typeface="Wingdings" pitchFamily="2" charset="2"/>
+              </a:rPr>
+              <a:t>damping</a:t>
+            </a:r>
+            <a:endParaRPr lang="de-DE" dirty="0"/>
+          </a:p>
+        </p:txBody>
+      </p:sp>
     </p:spTree>
     <p:extLst>
       <p:ext uri="{BB962C8B-B14F-4D97-AF65-F5344CB8AC3E}">
@@ -24487,7 +25042,7 @@
 </p:sld>
 </file>
 
-<file path=ppt/slides/slide32.xml><?xml version="1.0" encoding="utf-8"?>
+<file path=ppt/slides/slide33.xml><?xml version="1.0" encoding="utf-8"?>
 <p:sld xmlns:a="http://schemas.openxmlformats.org/drawingml/2006/main" xmlns:r="http://schemas.openxmlformats.org/officeDocument/2006/relationships" xmlns:p="http://schemas.openxmlformats.org/presentationml/2006/main">
   <p:cSld>
     <p:spTree>
@@ -24536,31 +25091,676 @@
           </a:p>
         </p:txBody>
       </p:sp>
-      <p:sp>
-        <p:nvSpPr>
-          <p:cNvPr id="3" name="Inhaltsplatzhalter 2">
-            <a:extLst>
-              <a:ext uri="{FF2B5EF4-FFF2-40B4-BE49-F238E27FC236}">
-                <a16:creationId xmlns:a16="http://schemas.microsoft.com/office/drawing/2014/main" id="{42606A89-4597-98EA-83F6-4C092A77DCA2}"/>
-              </a:ext>
-            </a:extLst>
-          </p:cNvPr>
-          <p:cNvSpPr>
-            <a:spLocks noGrp="1"/>
-          </p:cNvSpPr>
-          <p:nvPr>
-            <p:ph idx="1"/>
-          </p:nvPr>
-        </p:nvSpPr>
-        <p:spPr/>
-        <p:txBody>
-          <a:bodyPr/>
-          <a:lstStyle/>
-          <a:p>
-            <a:endParaRPr lang="de-DE"/>
-          </a:p>
-        </p:txBody>
-      </p:sp>
+      <mc:AlternateContent xmlns:mc="http://schemas.openxmlformats.org/markup-compatibility/2006">
+        <mc:Choice xmlns:a14="http://schemas.microsoft.com/office/drawing/2010/main" Requires="a14">
+          <p:sp>
+            <p:nvSpPr>
+              <p:cNvPr id="3" name="Inhaltsplatzhalter 2">
+                <a:extLst>
+                  <a:ext uri="{FF2B5EF4-FFF2-40B4-BE49-F238E27FC236}">
+                    <a16:creationId xmlns:a16="http://schemas.microsoft.com/office/drawing/2014/main" id="{42606A89-4597-98EA-83F6-4C092A77DCA2}"/>
+                  </a:ext>
+                </a:extLst>
+              </p:cNvPr>
+              <p:cNvSpPr>
+                <a:spLocks noGrp="1"/>
+              </p:cNvSpPr>
+              <p:nvPr>
+                <p:ph idx="1"/>
+              </p:nvPr>
+            </p:nvSpPr>
+            <p:spPr/>
+            <p:txBody>
+              <a:bodyPr/>
+              <a:lstStyle/>
+              <a:p>
+                <a:pPr marL="0" indent="0">
+                  <a:buNone/>
+                </a:pPr>
+                <a:r>
+                  <a:rPr lang="de-DE" dirty="0"/>
+                  <a:t>Consider </a:t>
+                </a:r>
+                <a14:m>
+                  <m:oMath xmlns:m="http://schemas.openxmlformats.org/officeDocument/2006/math">
+                    <m:r>
+                      <a:rPr lang="de-DE" i="1">
+                        <a:latin typeface="Cambria Math" panose="02040503050406030204" pitchFamily="18" charset="0"/>
+                      </a:rPr>
+                      <m:t>𝑛</m:t>
+                    </m:r>
+                    <m:r>
+                      <a:rPr lang="de-DE" i="1">
+                        <a:latin typeface="Cambria Math" panose="02040503050406030204" pitchFamily="18" charset="0"/>
+                      </a:rPr>
+                      <m:t>=1</m:t>
+                    </m:r>
+                  </m:oMath>
+                </a14:m>
+                <a:r>
+                  <a:rPr lang="de-DE" dirty="0"/>
+                  <a:t>, </a:t>
+                </a:r>
+                <a:r>
+                  <a:rPr lang="de-DE" dirty="0" err="1"/>
+                  <a:t>with</a:t>
+                </a:r>
+                <a:r>
+                  <a:rPr lang="de-DE" dirty="0"/>
+                  <a:t> </a:t>
+                </a:r>
+                <a14:m>
+                  <m:oMath xmlns:m="http://schemas.openxmlformats.org/officeDocument/2006/math">
+                    <m:sSub>
+                      <m:sSubPr>
+                        <m:ctrlPr>
+                          <a:rPr lang="de-DE" i="1">
+                            <a:latin typeface="Cambria Math" panose="02040503050406030204" pitchFamily="18" charset="0"/>
+                          </a:rPr>
+                        </m:ctrlPr>
+                      </m:sSubPr>
+                      <m:e>
+                        <m:r>
+                          <a:rPr lang="de-DE" i="1">
+                            <a:latin typeface="Cambria Math" panose="02040503050406030204" pitchFamily="18" charset="0"/>
+                          </a:rPr>
+                          <m:t>𝑏</m:t>
+                        </m:r>
+                      </m:e>
+                      <m:sub>
+                        <m:r>
+                          <a:rPr lang="de-DE" b="0" i="1" smtClean="0">
+                            <a:latin typeface="Cambria Math" panose="02040503050406030204" pitchFamily="18" charset="0"/>
+                          </a:rPr>
+                          <m:t>0</m:t>
+                        </m:r>
+                      </m:sub>
+                    </m:sSub>
+                    <m:r>
+                      <a:rPr lang="de-DE" i="1">
+                        <a:latin typeface="Cambria Math" panose="02040503050406030204" pitchFamily="18" charset="0"/>
+                      </a:rPr>
+                      <m:t>=0</m:t>
+                    </m:r>
+                  </m:oMath>
+                </a14:m>
+                <a:r>
+                  <a:rPr lang="de-DE" dirty="0"/>
+                  <a:t>:</a:t>
+                </a:r>
+              </a:p>
+              <a:p>
+                <a:pPr marL="0" indent="0">
+                  <a:buNone/>
+                </a:pPr>
+                <a14:m>
+                  <m:oMath xmlns:m="http://schemas.openxmlformats.org/officeDocument/2006/math">
+                    <m:f>
+                      <m:fPr>
+                        <m:ctrlPr>
+                          <a:rPr lang="de-DE" i="1">
+                            <a:latin typeface="Cambria Math" panose="02040503050406030204" pitchFamily="18" charset="0"/>
+                          </a:rPr>
+                        </m:ctrlPr>
+                      </m:fPr>
+                      <m:num>
+                        <m:sSub>
+                          <m:sSubPr>
+                            <m:ctrlPr>
+                              <a:rPr lang="de-DE" i="1">
+                                <a:latin typeface="Cambria Math" panose="02040503050406030204" pitchFamily="18" charset="0"/>
+                              </a:rPr>
+                            </m:ctrlPr>
+                          </m:sSubPr>
+                          <m:e>
+                            <m:r>
+                              <a:rPr lang="de-DE" i="1">
+                                <a:latin typeface="Cambria Math" panose="02040503050406030204" pitchFamily="18" charset="0"/>
+                              </a:rPr>
+                              <m:t>𝑎</m:t>
+                            </m:r>
+                          </m:e>
+                          <m:sub>
+                            <m:r>
+                              <a:rPr lang="de-DE" i="1">
+                                <a:latin typeface="Cambria Math" panose="02040503050406030204" pitchFamily="18" charset="0"/>
+                              </a:rPr>
+                              <m:t>1</m:t>
+                            </m:r>
+                          </m:sub>
+                        </m:sSub>
+                      </m:num>
+                      <m:den>
+                        <m:sSub>
+                          <m:sSubPr>
+                            <m:ctrlPr>
+                              <a:rPr lang="de-DE" i="1">
+                                <a:latin typeface="Cambria Math" panose="02040503050406030204" pitchFamily="18" charset="0"/>
+                              </a:rPr>
+                            </m:ctrlPr>
+                          </m:sSubPr>
+                          <m:e>
+                            <m:r>
+                              <a:rPr lang="de-DE" i="1">
+                                <a:latin typeface="Cambria Math" panose="02040503050406030204" pitchFamily="18" charset="0"/>
+                              </a:rPr>
+                              <m:t>𝑎</m:t>
+                            </m:r>
+                          </m:e>
+                          <m:sub>
+                            <m:r>
+                              <a:rPr lang="de-DE" i="1">
+                                <a:latin typeface="Cambria Math" panose="02040503050406030204" pitchFamily="18" charset="0"/>
+                              </a:rPr>
+                              <m:t>0</m:t>
+                            </m:r>
+                          </m:sub>
+                        </m:sSub>
+                      </m:den>
+                    </m:f>
+                    <m:r>
+                      <a:rPr lang="de-DE" i="1">
+                        <a:latin typeface="Cambria Math" panose="02040503050406030204" pitchFamily="18" charset="0"/>
+                        <a:ea typeface="Cambria Math" panose="02040503050406030204" pitchFamily="18" charset="0"/>
+                      </a:rPr>
+                      <m:t>∙</m:t>
+                    </m:r>
+                    <m:f>
+                      <m:fPr>
+                        <m:ctrlPr>
+                          <a:rPr lang="de-DE" i="1">
+                            <a:latin typeface="Cambria Math" panose="02040503050406030204" pitchFamily="18" charset="0"/>
+                          </a:rPr>
+                        </m:ctrlPr>
+                      </m:fPr>
+                      <m:num>
+                        <m:r>
+                          <a:rPr lang="de-DE" i="1">
+                            <a:latin typeface="Cambria Math" panose="02040503050406030204" pitchFamily="18" charset="0"/>
+                          </a:rPr>
+                          <m:t>𝑑𝑦</m:t>
+                        </m:r>
+                        <m:d>
+                          <m:dPr>
+                            <m:ctrlPr>
+                              <a:rPr lang="de-DE" i="1">
+                                <a:latin typeface="Cambria Math" panose="02040503050406030204" pitchFamily="18" charset="0"/>
+                              </a:rPr>
+                            </m:ctrlPr>
+                          </m:dPr>
+                          <m:e>
+                            <m:r>
+                              <a:rPr lang="de-DE" i="1">
+                                <a:latin typeface="Cambria Math" panose="02040503050406030204" pitchFamily="18" charset="0"/>
+                              </a:rPr>
+                              <m:t>𝑡</m:t>
+                            </m:r>
+                          </m:e>
+                        </m:d>
+                      </m:num>
+                      <m:den>
+                        <m:r>
+                          <a:rPr lang="de-DE" i="1">
+                            <a:latin typeface="Cambria Math" panose="02040503050406030204" pitchFamily="18" charset="0"/>
+                          </a:rPr>
+                          <m:t>𝑑𝑡</m:t>
+                        </m:r>
+                      </m:den>
+                    </m:f>
+                    <m:r>
+                      <a:rPr lang="de-DE" i="1">
+                        <a:latin typeface="Cambria Math" panose="02040503050406030204" pitchFamily="18" charset="0"/>
+                      </a:rPr>
+                      <m:t>+</m:t>
+                    </m:r>
+                    <m:r>
+                      <a:rPr lang="de-DE" i="1">
+                        <a:latin typeface="Cambria Math" panose="02040503050406030204" pitchFamily="18" charset="0"/>
+                        <a:ea typeface="Cambria Math" panose="02040503050406030204" pitchFamily="18" charset="0"/>
+                      </a:rPr>
+                      <m:t>𝑦</m:t>
+                    </m:r>
+                    <m:r>
+                      <a:rPr lang="de-DE" i="1">
+                        <a:latin typeface="Cambria Math" panose="02040503050406030204" pitchFamily="18" charset="0"/>
+                        <a:ea typeface="Cambria Math" panose="02040503050406030204" pitchFamily="18" charset="0"/>
+                      </a:rPr>
+                      <m:t>(</m:t>
+                    </m:r>
+                    <m:r>
+                      <a:rPr lang="de-DE" i="1">
+                        <a:latin typeface="Cambria Math" panose="02040503050406030204" pitchFamily="18" charset="0"/>
+                        <a:ea typeface="Cambria Math" panose="02040503050406030204" pitchFamily="18" charset="0"/>
+                      </a:rPr>
+                      <m:t>𝑡</m:t>
+                    </m:r>
+                    <m:r>
+                      <a:rPr lang="de-DE" i="1">
+                        <a:latin typeface="Cambria Math" panose="02040503050406030204" pitchFamily="18" charset="0"/>
+                        <a:ea typeface="Cambria Math" panose="02040503050406030204" pitchFamily="18" charset="0"/>
+                      </a:rPr>
+                      <m:t>)=</m:t>
+                    </m:r>
+                    <m:f>
+                      <m:fPr>
+                        <m:ctrlPr>
+                          <a:rPr lang="de-DE" i="1">
+                            <a:latin typeface="Cambria Math" panose="02040503050406030204" pitchFamily="18" charset="0"/>
+                          </a:rPr>
+                        </m:ctrlPr>
+                      </m:fPr>
+                      <m:num>
+                        <m:sSub>
+                          <m:sSubPr>
+                            <m:ctrlPr>
+                              <a:rPr lang="de-DE" i="1">
+                                <a:latin typeface="Cambria Math" panose="02040503050406030204" pitchFamily="18" charset="0"/>
+                              </a:rPr>
+                            </m:ctrlPr>
+                          </m:sSubPr>
+                          <m:e>
+                            <m:r>
+                              <a:rPr lang="de-DE" i="1">
+                                <a:latin typeface="Cambria Math" panose="02040503050406030204" pitchFamily="18" charset="0"/>
+                              </a:rPr>
+                              <m:t>𝑏</m:t>
+                            </m:r>
+                          </m:e>
+                          <m:sub>
+                            <m:r>
+                              <a:rPr lang="de-DE" i="1">
+                                <a:latin typeface="Cambria Math" panose="02040503050406030204" pitchFamily="18" charset="0"/>
+                              </a:rPr>
+                              <m:t>1</m:t>
+                            </m:r>
+                          </m:sub>
+                        </m:sSub>
+                      </m:num>
+                      <m:den>
+                        <m:sSub>
+                          <m:sSubPr>
+                            <m:ctrlPr>
+                              <a:rPr lang="de-DE" i="1">
+                                <a:latin typeface="Cambria Math" panose="02040503050406030204" pitchFamily="18" charset="0"/>
+                              </a:rPr>
+                            </m:ctrlPr>
+                          </m:sSubPr>
+                          <m:e>
+                            <m:r>
+                              <a:rPr lang="de-DE" i="1">
+                                <a:latin typeface="Cambria Math" panose="02040503050406030204" pitchFamily="18" charset="0"/>
+                              </a:rPr>
+                              <m:t>𝑎</m:t>
+                            </m:r>
+                          </m:e>
+                          <m:sub>
+                            <m:r>
+                              <a:rPr lang="de-DE" i="1">
+                                <a:latin typeface="Cambria Math" panose="02040503050406030204" pitchFamily="18" charset="0"/>
+                              </a:rPr>
+                              <m:t>0</m:t>
+                            </m:r>
+                          </m:sub>
+                        </m:sSub>
+                      </m:den>
+                    </m:f>
+                    <m:r>
+                      <a:rPr lang="de-DE" i="1">
+                        <a:latin typeface="Cambria Math" panose="02040503050406030204" pitchFamily="18" charset="0"/>
+                        <a:ea typeface="Cambria Math" panose="02040503050406030204" pitchFamily="18" charset="0"/>
+                      </a:rPr>
+                      <m:t>∙</m:t>
+                    </m:r>
+                    <m:f>
+                      <m:fPr>
+                        <m:ctrlPr>
+                          <a:rPr lang="de-DE" i="1">
+                            <a:latin typeface="Cambria Math" panose="02040503050406030204" pitchFamily="18" charset="0"/>
+                          </a:rPr>
+                        </m:ctrlPr>
+                      </m:fPr>
+                      <m:num>
+                        <m:r>
+                          <a:rPr lang="de-DE" i="1">
+                            <a:latin typeface="Cambria Math" panose="02040503050406030204" pitchFamily="18" charset="0"/>
+                          </a:rPr>
+                          <m:t>𝑑</m:t>
+                        </m:r>
+                        <m:r>
+                          <a:rPr lang="de-DE" i="1">
+                            <a:latin typeface="Cambria Math" panose="02040503050406030204" pitchFamily="18" charset="0"/>
+                          </a:rPr>
+                          <m:t>𝑢</m:t>
+                        </m:r>
+                        <m:d>
+                          <m:dPr>
+                            <m:ctrlPr>
+                              <a:rPr lang="de-DE" i="1">
+                                <a:latin typeface="Cambria Math" panose="02040503050406030204" pitchFamily="18" charset="0"/>
+                              </a:rPr>
+                            </m:ctrlPr>
+                          </m:dPr>
+                          <m:e>
+                            <m:r>
+                              <a:rPr lang="de-DE" i="1">
+                                <a:latin typeface="Cambria Math" panose="02040503050406030204" pitchFamily="18" charset="0"/>
+                              </a:rPr>
+                              <m:t>𝑡</m:t>
+                            </m:r>
+                          </m:e>
+                        </m:d>
+                      </m:num>
+                      <m:den>
+                        <m:r>
+                          <a:rPr lang="de-DE" i="1">
+                            <a:latin typeface="Cambria Math" panose="02040503050406030204" pitchFamily="18" charset="0"/>
+                          </a:rPr>
+                          <m:t>𝑑𝑡</m:t>
+                        </m:r>
+                      </m:den>
+                    </m:f>
+                  </m:oMath>
+                </a14:m>
+                <a:r>
+                  <a:rPr lang="de-DE" dirty="0"/>
+                  <a:t>     </a:t>
+                </a:r>
+                <a:r>
+                  <a:rPr lang="de-DE" dirty="0" err="1"/>
+                  <a:t>or</a:t>
+                </a:r>
+                <a:r>
+                  <a:rPr lang="de-DE" dirty="0"/>
+                  <a:t>     </a:t>
+                </a:r>
+                <a14:m>
+                  <m:oMath xmlns:m="http://schemas.openxmlformats.org/officeDocument/2006/math">
+                    <m:r>
+                      <a:rPr lang="de-DE" i="1">
+                        <a:latin typeface="Cambria Math" panose="02040503050406030204" pitchFamily="18" charset="0"/>
+                      </a:rPr>
+                      <m:t>𝑌</m:t>
+                    </m:r>
+                    <m:d>
+                      <m:dPr>
+                        <m:ctrlPr>
+                          <a:rPr lang="de-DE" i="1">
+                            <a:latin typeface="Cambria Math" panose="02040503050406030204" pitchFamily="18" charset="0"/>
+                          </a:rPr>
+                        </m:ctrlPr>
+                      </m:dPr>
+                      <m:e>
+                        <m:r>
+                          <a:rPr lang="de-DE" i="1">
+                            <a:latin typeface="Cambria Math" panose="02040503050406030204" pitchFamily="18" charset="0"/>
+                          </a:rPr>
+                          <m:t>𝑠</m:t>
+                        </m:r>
+                      </m:e>
+                    </m:d>
+                    <m:r>
+                      <a:rPr lang="de-DE" i="1">
+                        <a:latin typeface="Cambria Math" panose="02040503050406030204" pitchFamily="18" charset="0"/>
+                        <a:ea typeface="Cambria Math" panose="02040503050406030204" pitchFamily="18" charset="0"/>
+                      </a:rPr>
+                      <m:t>∙</m:t>
+                    </m:r>
+                    <m:d>
+                      <m:dPr>
+                        <m:ctrlPr>
+                          <a:rPr lang="de-DE" i="1">
+                            <a:latin typeface="Cambria Math" panose="02040503050406030204" pitchFamily="18" charset="0"/>
+                            <a:ea typeface="Cambria Math" panose="02040503050406030204" pitchFamily="18" charset="0"/>
+                          </a:rPr>
+                        </m:ctrlPr>
+                      </m:dPr>
+                      <m:e>
+                        <m:r>
+                          <a:rPr lang="de-DE" i="1">
+                            <a:latin typeface="Cambria Math" panose="02040503050406030204" pitchFamily="18" charset="0"/>
+                            <a:ea typeface="Cambria Math" panose="02040503050406030204" pitchFamily="18" charset="0"/>
+                          </a:rPr>
+                          <m:t>𝑠</m:t>
+                        </m:r>
+                        <m:r>
+                          <a:rPr lang="de-DE" i="1">
+                            <a:latin typeface="Cambria Math" panose="02040503050406030204" pitchFamily="18" charset="0"/>
+                            <a:ea typeface="Cambria Math" panose="02040503050406030204" pitchFamily="18" charset="0"/>
+                          </a:rPr>
+                          <m:t>∙</m:t>
+                        </m:r>
+                        <m:f>
+                          <m:fPr>
+                            <m:ctrlPr>
+                              <a:rPr lang="de-DE" i="1">
+                                <a:latin typeface="Cambria Math" panose="02040503050406030204" pitchFamily="18" charset="0"/>
+                              </a:rPr>
+                            </m:ctrlPr>
+                          </m:fPr>
+                          <m:num>
+                            <m:sSub>
+                              <m:sSubPr>
+                                <m:ctrlPr>
+                                  <a:rPr lang="de-DE" i="1">
+                                    <a:latin typeface="Cambria Math" panose="02040503050406030204" pitchFamily="18" charset="0"/>
+                                  </a:rPr>
+                                </m:ctrlPr>
+                              </m:sSubPr>
+                              <m:e>
+                                <m:r>
+                                  <a:rPr lang="de-DE" i="1">
+                                    <a:latin typeface="Cambria Math" panose="02040503050406030204" pitchFamily="18" charset="0"/>
+                                  </a:rPr>
+                                  <m:t>𝑎</m:t>
+                                </m:r>
+                              </m:e>
+                              <m:sub>
+                                <m:r>
+                                  <a:rPr lang="de-DE" i="1">
+                                    <a:latin typeface="Cambria Math" panose="02040503050406030204" pitchFamily="18" charset="0"/>
+                                  </a:rPr>
+                                  <m:t>1</m:t>
+                                </m:r>
+                              </m:sub>
+                            </m:sSub>
+                          </m:num>
+                          <m:den>
+                            <m:sSub>
+                              <m:sSubPr>
+                                <m:ctrlPr>
+                                  <a:rPr lang="de-DE" i="1">
+                                    <a:latin typeface="Cambria Math" panose="02040503050406030204" pitchFamily="18" charset="0"/>
+                                  </a:rPr>
+                                </m:ctrlPr>
+                              </m:sSubPr>
+                              <m:e>
+                                <m:r>
+                                  <a:rPr lang="de-DE" i="1">
+                                    <a:latin typeface="Cambria Math" panose="02040503050406030204" pitchFamily="18" charset="0"/>
+                                  </a:rPr>
+                                  <m:t>𝑎</m:t>
+                                </m:r>
+                              </m:e>
+                              <m:sub>
+                                <m:r>
+                                  <a:rPr lang="de-DE" i="1">
+                                    <a:latin typeface="Cambria Math" panose="02040503050406030204" pitchFamily="18" charset="0"/>
+                                  </a:rPr>
+                                  <m:t>0</m:t>
+                                </m:r>
+                              </m:sub>
+                            </m:sSub>
+                          </m:den>
+                        </m:f>
+                        <m:r>
+                          <a:rPr lang="de-DE" i="1">
+                            <a:latin typeface="Cambria Math" panose="02040503050406030204" pitchFamily="18" charset="0"/>
+                          </a:rPr>
+                          <m:t>+1</m:t>
+                        </m:r>
+                      </m:e>
+                    </m:d>
+                    <m:r>
+                      <a:rPr lang="de-DE" i="1">
+                        <a:latin typeface="Cambria Math" panose="02040503050406030204" pitchFamily="18" charset="0"/>
+                      </a:rPr>
+                      <m:t>=</m:t>
+                    </m:r>
+                    <m:f>
+                      <m:fPr>
+                        <m:ctrlPr>
+                          <a:rPr lang="de-DE" i="1">
+                            <a:latin typeface="Cambria Math" panose="02040503050406030204" pitchFamily="18" charset="0"/>
+                          </a:rPr>
+                        </m:ctrlPr>
+                      </m:fPr>
+                      <m:num>
+                        <m:sSub>
+                          <m:sSubPr>
+                            <m:ctrlPr>
+                              <a:rPr lang="de-DE" i="1">
+                                <a:latin typeface="Cambria Math" panose="02040503050406030204" pitchFamily="18" charset="0"/>
+                              </a:rPr>
+                            </m:ctrlPr>
+                          </m:sSubPr>
+                          <m:e>
+                            <m:r>
+                              <a:rPr lang="de-DE" i="1">
+                                <a:latin typeface="Cambria Math" panose="02040503050406030204" pitchFamily="18" charset="0"/>
+                              </a:rPr>
+                              <m:t>𝑏</m:t>
+                            </m:r>
+                          </m:e>
+                          <m:sub>
+                            <m:r>
+                              <a:rPr lang="de-DE" i="1">
+                                <a:latin typeface="Cambria Math" panose="02040503050406030204" pitchFamily="18" charset="0"/>
+                              </a:rPr>
+                              <m:t>1</m:t>
+                            </m:r>
+                          </m:sub>
+                        </m:sSub>
+                      </m:num>
+                      <m:den>
+                        <m:sSub>
+                          <m:sSubPr>
+                            <m:ctrlPr>
+                              <a:rPr lang="de-DE" i="1">
+                                <a:latin typeface="Cambria Math" panose="02040503050406030204" pitchFamily="18" charset="0"/>
+                              </a:rPr>
+                            </m:ctrlPr>
+                          </m:sSubPr>
+                          <m:e>
+                            <m:r>
+                              <a:rPr lang="de-DE" i="1">
+                                <a:latin typeface="Cambria Math" panose="02040503050406030204" pitchFamily="18" charset="0"/>
+                              </a:rPr>
+                              <m:t>𝑎</m:t>
+                            </m:r>
+                          </m:e>
+                          <m:sub>
+                            <m:r>
+                              <a:rPr lang="de-DE" i="1">
+                                <a:latin typeface="Cambria Math" panose="02040503050406030204" pitchFamily="18" charset="0"/>
+                              </a:rPr>
+                              <m:t>0</m:t>
+                            </m:r>
+                          </m:sub>
+                        </m:sSub>
+                      </m:den>
+                    </m:f>
+                    <m:r>
+                      <a:rPr lang="de-DE" i="1">
+                        <a:latin typeface="Cambria Math" panose="02040503050406030204" pitchFamily="18" charset="0"/>
+                        <a:ea typeface="Cambria Math" panose="02040503050406030204" pitchFamily="18" charset="0"/>
+                      </a:rPr>
+                      <m:t>∙</m:t>
+                    </m:r>
+                    <m:r>
+                      <a:rPr lang="de-DE" i="1">
+                        <a:latin typeface="Cambria Math" panose="02040503050406030204" pitchFamily="18" charset="0"/>
+                        <a:ea typeface="Cambria Math" panose="02040503050406030204" pitchFamily="18" charset="0"/>
+                      </a:rPr>
+                      <m:t>𝑠</m:t>
+                    </m:r>
+                    <m:r>
+                      <a:rPr lang="de-DE" i="1">
+                        <a:latin typeface="Cambria Math" panose="02040503050406030204" pitchFamily="18" charset="0"/>
+                        <a:ea typeface="Cambria Math" panose="02040503050406030204" pitchFamily="18" charset="0"/>
+                      </a:rPr>
+                      <m:t>∙</m:t>
+                    </m:r>
+                    <m:r>
+                      <a:rPr lang="de-DE" i="1">
+                        <a:latin typeface="Cambria Math" panose="02040503050406030204" pitchFamily="18" charset="0"/>
+                      </a:rPr>
+                      <m:t>𝑈</m:t>
+                    </m:r>
+                    <m:r>
+                      <a:rPr lang="de-DE" i="1">
+                        <a:latin typeface="Cambria Math" panose="02040503050406030204" pitchFamily="18" charset="0"/>
+                      </a:rPr>
+                      <m:t>(</m:t>
+                    </m:r>
+                    <m:r>
+                      <a:rPr lang="de-DE" i="1">
+                        <a:latin typeface="Cambria Math" panose="02040503050406030204" pitchFamily="18" charset="0"/>
+                      </a:rPr>
+                      <m:t>𝑠</m:t>
+                    </m:r>
+                    <m:r>
+                      <a:rPr lang="de-DE" i="1">
+                        <a:latin typeface="Cambria Math" panose="02040503050406030204" pitchFamily="18" charset="0"/>
+                      </a:rPr>
+                      <m:t>)</m:t>
+                    </m:r>
+                  </m:oMath>
+                </a14:m>
+                <a:endParaRPr lang="de-DE" dirty="0"/>
+              </a:p>
+            </p:txBody>
+          </p:sp>
+        </mc:Choice>
+        <mc:Fallback>
+          <p:sp>
+            <p:nvSpPr>
+              <p:cNvPr id="3" name="Inhaltsplatzhalter 2">
+                <a:extLst>
+                  <a:ext uri="{FF2B5EF4-FFF2-40B4-BE49-F238E27FC236}">
+                    <a16:creationId xmlns:a16="http://schemas.microsoft.com/office/drawing/2014/main" id="{42606A89-4597-98EA-83F6-4C092A77DCA2}"/>
+                  </a:ext>
+                </a:extLst>
+              </p:cNvPr>
+              <p:cNvSpPr>
+                <a:spLocks noGrp="1" noRot="1" noChangeAspect="1" noMove="1" noResize="1" noEditPoints="1" noAdjustHandles="1" noChangeArrowheads="1" noChangeShapeType="1" noTextEdit="1"/>
+              </p:cNvSpPr>
+              <p:nvPr>
+                <p:ph idx="1"/>
+              </p:nvPr>
+            </p:nvSpPr>
+            <p:spPr>
+              <a:blipFill>
+                <a:blip r:embed="rId2"/>
+                <a:stretch>
+                  <a:fillRect l="-1206" t="-2326"/>
+                </a:stretch>
+              </a:blipFill>
+            </p:spPr>
+            <p:txBody>
+              <a:bodyPr/>
+              <a:lstStyle/>
+              <a:p>
+                <a:r>
+                  <a:rPr lang="de-DE">
+                    <a:noFill/>
+                  </a:rPr>
+                  <a:t> </a:t>
+                </a:r>
+              </a:p>
+            </p:txBody>
+          </p:sp>
+        </mc:Fallback>
+      </mc:AlternateContent>
       <p:sp>
         <p:nvSpPr>
           <p:cNvPr id="4" name="Foliennummernplatzhalter 3">
@@ -24584,9 +25784,945 @@
           <a:p>
             <a:fld id="{08C366F5-AFAD-49CB-854A-9D9E238FCA13}" type="slidenum">
               <a:rPr lang="en-GB" smtClean="0"/>
-              <a:t>32</a:t>
+              <a:t>33</a:t>
             </a:fld>
             <a:endParaRPr lang="en-GB"/>
+          </a:p>
+        </p:txBody>
+      </p:sp>
+      <mc:AlternateContent xmlns:mc="http://schemas.openxmlformats.org/markup-compatibility/2006">
+        <mc:Choice xmlns:a14="http://schemas.microsoft.com/office/drawing/2010/main" Requires="a14">
+          <p:sp>
+            <p:nvSpPr>
+              <p:cNvPr id="5" name="Textfeld 4">
+                <a:extLst>
+                  <a:ext uri="{FF2B5EF4-FFF2-40B4-BE49-F238E27FC236}">
+                    <a16:creationId xmlns:a16="http://schemas.microsoft.com/office/drawing/2014/main" id="{61A3C78E-2F6D-98C4-E5D9-DA62F8056157}"/>
+                  </a:ext>
+                </a:extLst>
+              </p:cNvPr>
+              <p:cNvSpPr txBox="1"/>
+              <p:nvPr/>
+            </p:nvSpPr>
+            <p:spPr>
+              <a:xfrm>
+                <a:off x="1367159" y="3244334"/>
+                <a:ext cx="310721" cy="369332"/>
+              </a:xfrm>
+              <a:prstGeom prst="rect">
+                <a:avLst/>
+              </a:prstGeom>
+              <a:noFill/>
+            </p:spPr>
+            <p:txBody>
+              <a:bodyPr wrap="square" lIns="0" tIns="0" rIns="0" bIns="0" rtlCol="0">
+                <a:spAutoFit/>
+              </a:bodyPr>
+              <a:lstStyle/>
+              <a:p>
+                <a:pPr/>
+                <a14:m>
+                  <m:oMathPara xmlns:m="http://schemas.openxmlformats.org/officeDocument/2006/math">
+                    <m:oMathParaPr>
+                      <m:jc m:val="centerGroup"/>
+                    </m:oMathParaPr>
+                    <m:oMath xmlns:m="http://schemas.openxmlformats.org/officeDocument/2006/math">
+                      <m:sSub>
+                        <m:sSubPr>
+                          <m:ctrlPr>
+                            <a:rPr lang="de-DE" sz="2400" b="0" i="1" smtClean="0">
+                              <a:latin typeface="Cambria Math" panose="02040503050406030204" pitchFamily="18" charset="0"/>
+                            </a:rPr>
+                          </m:ctrlPr>
+                        </m:sSubPr>
+                        <m:e>
+                          <m:r>
+                            <a:rPr lang="de-DE" sz="2400" b="0" i="1" smtClean="0">
+                              <a:latin typeface="Cambria Math" panose="02040503050406030204" pitchFamily="18" charset="0"/>
+                            </a:rPr>
+                            <m:t>𝑇</m:t>
+                          </m:r>
+                        </m:e>
+                        <m:sub>
+                          <m:r>
+                            <a:rPr lang="de-DE" sz="2400" b="0" i="1" smtClean="0">
+                              <a:latin typeface="Cambria Math" panose="02040503050406030204" pitchFamily="18" charset="0"/>
+                            </a:rPr>
+                            <m:t>1</m:t>
+                          </m:r>
+                        </m:sub>
+                      </m:sSub>
+                    </m:oMath>
+                  </m:oMathPara>
+                </a14:m>
+                <a:endParaRPr lang="de-DE" sz="2400" dirty="0"/>
+              </a:p>
+            </p:txBody>
+          </p:sp>
+        </mc:Choice>
+        <mc:Fallback>
+          <p:sp>
+            <p:nvSpPr>
+              <p:cNvPr id="5" name="Textfeld 4">
+                <a:extLst>
+                  <a:ext uri="{FF2B5EF4-FFF2-40B4-BE49-F238E27FC236}">
+                    <a16:creationId xmlns:a16="http://schemas.microsoft.com/office/drawing/2014/main" id="{61A3C78E-2F6D-98C4-E5D9-DA62F8056157}"/>
+                  </a:ext>
+                </a:extLst>
+              </p:cNvPr>
+              <p:cNvSpPr txBox="1">
+                <a:spLocks noRot="1" noChangeAspect="1" noMove="1" noResize="1" noEditPoints="1" noAdjustHandles="1" noChangeArrowheads="1" noChangeShapeType="1" noTextEdit="1"/>
+              </p:cNvSpPr>
+              <p:nvPr/>
+            </p:nvSpPr>
+            <p:spPr>
+              <a:xfrm>
+                <a:off x="1367159" y="3244334"/>
+                <a:ext cx="310721" cy="369332"/>
+              </a:xfrm>
+              <a:prstGeom prst="rect">
+                <a:avLst/>
+              </a:prstGeom>
+              <a:blipFill>
+                <a:blip r:embed="rId3"/>
+                <a:stretch>
+                  <a:fillRect l="-28000" r="-16000" b="-10000"/>
+                </a:stretch>
+              </a:blipFill>
+            </p:spPr>
+            <p:txBody>
+              <a:bodyPr/>
+              <a:lstStyle/>
+              <a:p>
+                <a:r>
+                  <a:rPr lang="de-DE">
+                    <a:noFill/>
+                  </a:rPr>
+                  <a:t> </a:t>
+                </a:r>
+              </a:p>
+            </p:txBody>
+          </p:sp>
+        </mc:Fallback>
+      </mc:AlternateContent>
+      <p:cxnSp>
+        <p:nvCxnSpPr>
+          <p:cNvPr id="6" name="Gerade Verbindung mit Pfeil 5">
+            <a:extLst>
+              <a:ext uri="{FF2B5EF4-FFF2-40B4-BE49-F238E27FC236}">
+                <a16:creationId xmlns:a16="http://schemas.microsoft.com/office/drawing/2014/main" id="{EC66937D-FB01-5A86-7894-A927DF81D8EF}"/>
+              </a:ext>
+            </a:extLst>
+          </p:cNvPr>
+          <p:cNvCxnSpPr>
+            <a:cxnSpLocks/>
+            <a:stCxn id="5" idx="0"/>
+          </p:cNvCxnSpPr>
+          <p:nvPr/>
+        </p:nvCxnSpPr>
+        <p:spPr>
+          <a:xfrm flipH="1" flipV="1">
+            <a:off x="1276588" y="2734322"/>
+            <a:ext cx="245932" cy="510012"/>
+          </a:xfrm>
+          <a:prstGeom prst="straightConnector1">
+            <a:avLst/>
+          </a:prstGeom>
+          <a:ln>
+            <a:tailEnd type="triangle"/>
+          </a:ln>
+        </p:spPr>
+        <p:style>
+          <a:lnRef idx="2">
+            <a:schemeClr val="accent1"/>
+          </a:lnRef>
+          <a:fillRef idx="0">
+            <a:schemeClr val="accent1"/>
+          </a:fillRef>
+          <a:effectRef idx="1">
+            <a:schemeClr val="accent1"/>
+          </a:effectRef>
+          <a:fontRef idx="minor">
+            <a:schemeClr val="tx1"/>
+          </a:fontRef>
+        </p:style>
+      </p:cxnSp>
+      <mc:AlternateContent xmlns:mc="http://schemas.openxmlformats.org/markup-compatibility/2006">
+        <mc:Choice xmlns:a14="http://schemas.microsoft.com/office/drawing/2010/main" Requires="a14">
+          <p:sp>
+            <p:nvSpPr>
+              <p:cNvPr id="8" name="Textfeld 7">
+                <a:extLst>
+                  <a:ext uri="{FF2B5EF4-FFF2-40B4-BE49-F238E27FC236}">
+                    <a16:creationId xmlns:a16="http://schemas.microsoft.com/office/drawing/2014/main" id="{78795F3A-B9DF-3E97-D9A1-609F6310712C}"/>
+                  </a:ext>
+                </a:extLst>
+              </p:cNvPr>
+              <p:cNvSpPr txBox="1"/>
+              <p:nvPr/>
+            </p:nvSpPr>
+            <p:spPr>
+              <a:xfrm>
+                <a:off x="3170805" y="3265803"/>
+                <a:ext cx="310721" cy="369332"/>
+              </a:xfrm>
+              <a:prstGeom prst="rect">
+                <a:avLst/>
+              </a:prstGeom>
+              <a:noFill/>
+            </p:spPr>
+            <p:txBody>
+              <a:bodyPr wrap="square" lIns="0" tIns="0" rIns="0" bIns="0" rtlCol="0">
+                <a:spAutoFit/>
+              </a:bodyPr>
+              <a:lstStyle/>
+              <a:p>
+                <a:pPr/>
+                <a14:m>
+                  <m:oMathPara xmlns:m="http://schemas.openxmlformats.org/officeDocument/2006/math">
+                    <m:oMathParaPr>
+                      <m:jc m:val="centerGroup"/>
+                    </m:oMathParaPr>
+                    <m:oMath xmlns:m="http://schemas.openxmlformats.org/officeDocument/2006/math">
+                      <m:sSub>
+                        <m:sSubPr>
+                          <m:ctrlPr>
+                            <a:rPr lang="de-DE" sz="2400" b="0" i="1" smtClean="0">
+                              <a:latin typeface="Cambria Math" panose="02040503050406030204" pitchFamily="18" charset="0"/>
+                            </a:rPr>
+                          </m:ctrlPr>
+                        </m:sSubPr>
+                        <m:e>
+                          <m:r>
+                            <a:rPr lang="de-DE" sz="2400" b="0" i="1" smtClean="0">
+                              <a:latin typeface="Cambria Math" panose="02040503050406030204" pitchFamily="18" charset="0"/>
+                            </a:rPr>
+                            <m:t>𝑇</m:t>
+                          </m:r>
+                        </m:e>
+                        <m:sub>
+                          <m:r>
+                            <a:rPr lang="de-DE" sz="2400" b="0" i="1" smtClean="0">
+                              <a:latin typeface="Cambria Math" panose="02040503050406030204" pitchFamily="18" charset="0"/>
+                            </a:rPr>
+                            <m:t>2</m:t>
+                          </m:r>
+                        </m:sub>
+                      </m:sSub>
+                    </m:oMath>
+                  </m:oMathPara>
+                </a14:m>
+                <a:endParaRPr lang="de-DE" sz="2400" dirty="0"/>
+              </a:p>
+            </p:txBody>
+          </p:sp>
+        </mc:Choice>
+        <mc:Fallback>
+          <p:sp>
+            <p:nvSpPr>
+              <p:cNvPr id="8" name="Textfeld 7">
+                <a:extLst>
+                  <a:ext uri="{FF2B5EF4-FFF2-40B4-BE49-F238E27FC236}">
+                    <a16:creationId xmlns:a16="http://schemas.microsoft.com/office/drawing/2014/main" id="{78795F3A-B9DF-3E97-D9A1-609F6310712C}"/>
+                  </a:ext>
+                </a:extLst>
+              </p:cNvPr>
+              <p:cNvSpPr txBox="1">
+                <a:spLocks noRot="1" noChangeAspect="1" noMove="1" noResize="1" noEditPoints="1" noAdjustHandles="1" noChangeArrowheads="1" noChangeShapeType="1" noTextEdit="1"/>
+              </p:cNvSpPr>
+              <p:nvPr/>
+            </p:nvSpPr>
+            <p:spPr>
+              <a:xfrm>
+                <a:off x="3170805" y="3265803"/>
+                <a:ext cx="310721" cy="369332"/>
+              </a:xfrm>
+              <a:prstGeom prst="rect">
+                <a:avLst/>
+              </a:prstGeom>
+              <a:blipFill>
+                <a:blip r:embed="rId4"/>
+                <a:stretch>
+                  <a:fillRect l="-26923" r="-11538" b="-10000"/>
+                </a:stretch>
+              </a:blipFill>
+            </p:spPr>
+            <p:txBody>
+              <a:bodyPr/>
+              <a:lstStyle/>
+              <a:p>
+                <a:r>
+                  <a:rPr lang="de-DE">
+                    <a:noFill/>
+                  </a:rPr>
+                  <a:t> </a:t>
+                </a:r>
+              </a:p>
+            </p:txBody>
+          </p:sp>
+        </mc:Fallback>
+      </mc:AlternateContent>
+      <p:cxnSp>
+        <p:nvCxnSpPr>
+          <p:cNvPr id="9" name="Gerade Verbindung mit Pfeil 8">
+            <a:extLst>
+              <a:ext uri="{FF2B5EF4-FFF2-40B4-BE49-F238E27FC236}">
+                <a16:creationId xmlns:a16="http://schemas.microsoft.com/office/drawing/2014/main" id="{0A66D832-3933-A3C4-B5DE-0C1B799BD16E}"/>
+              </a:ext>
+            </a:extLst>
+          </p:cNvPr>
+          <p:cNvCxnSpPr>
+            <a:cxnSpLocks/>
+            <a:stCxn id="8" idx="0"/>
+          </p:cNvCxnSpPr>
+          <p:nvPr/>
+        </p:nvCxnSpPr>
+        <p:spPr>
+          <a:xfrm flipV="1">
+            <a:off x="3326166" y="2734322"/>
+            <a:ext cx="299280" cy="531481"/>
+          </a:xfrm>
+          <a:prstGeom prst="straightConnector1">
+            <a:avLst/>
+          </a:prstGeom>
+          <a:ln>
+            <a:tailEnd type="triangle"/>
+          </a:ln>
+        </p:spPr>
+        <p:style>
+          <a:lnRef idx="2">
+            <a:schemeClr val="accent1"/>
+          </a:lnRef>
+          <a:fillRef idx="0">
+            <a:schemeClr val="accent1"/>
+          </a:fillRef>
+          <a:effectRef idx="1">
+            <a:schemeClr val="accent1"/>
+          </a:effectRef>
+          <a:fontRef idx="minor">
+            <a:schemeClr val="tx1"/>
+          </a:fontRef>
+        </p:style>
+      </p:cxnSp>
+      <mc:AlternateContent xmlns:mc="http://schemas.openxmlformats.org/markup-compatibility/2006">
+        <mc:Choice xmlns:a14="http://schemas.microsoft.com/office/drawing/2010/main" Requires="a14">
+          <p:sp>
+            <p:nvSpPr>
+              <p:cNvPr id="11" name="Textfeld 10">
+                <a:extLst>
+                  <a:ext uri="{FF2B5EF4-FFF2-40B4-BE49-F238E27FC236}">
+                    <a16:creationId xmlns:a16="http://schemas.microsoft.com/office/drawing/2014/main" id="{0120BEAE-D28C-18C6-C257-8AECBF4C32EC}"/>
+                  </a:ext>
+                </a:extLst>
+              </p:cNvPr>
+              <p:cNvSpPr txBox="1"/>
+              <p:nvPr/>
+            </p:nvSpPr>
+            <p:spPr>
+              <a:xfrm>
+                <a:off x="1522519" y="4004934"/>
+                <a:ext cx="2352119" cy="751872"/>
+              </a:xfrm>
+              <a:prstGeom prst="rect">
+                <a:avLst/>
+              </a:prstGeom>
+              <a:noFill/>
+              <a:ln>
+                <a:solidFill>
+                  <a:schemeClr val="tx1"/>
+                </a:solidFill>
+              </a:ln>
+            </p:spPr>
+            <p:txBody>
+              <a:bodyPr wrap="none" lIns="0" tIns="0" rIns="0" bIns="0" rtlCol="0">
+                <a:spAutoFit/>
+              </a:bodyPr>
+              <a:lstStyle/>
+              <a:p>
+                <a:pPr/>
+                <a14:m>
+                  <m:oMathPara xmlns:m="http://schemas.openxmlformats.org/officeDocument/2006/math">
+                    <m:oMathParaPr>
+                      <m:jc m:val="centerGroup"/>
+                    </m:oMathParaPr>
+                    <m:oMath xmlns:m="http://schemas.openxmlformats.org/officeDocument/2006/math">
+                      <m:r>
+                        <a:rPr lang="de-DE" sz="2400" b="0" i="1" smtClean="0">
+                          <a:latin typeface="Cambria Math" panose="02040503050406030204" pitchFamily="18" charset="0"/>
+                        </a:rPr>
+                        <m:t>𝐺</m:t>
+                      </m:r>
+                      <m:d>
+                        <m:dPr>
+                          <m:ctrlPr>
+                            <a:rPr lang="de-DE" sz="2400" b="0" i="1" smtClean="0">
+                              <a:latin typeface="Cambria Math" panose="02040503050406030204" pitchFamily="18" charset="0"/>
+                            </a:rPr>
+                          </m:ctrlPr>
+                        </m:dPr>
+                        <m:e>
+                          <m:r>
+                            <a:rPr lang="de-DE" sz="2400" b="0" i="1" smtClean="0">
+                              <a:latin typeface="Cambria Math" panose="02040503050406030204" pitchFamily="18" charset="0"/>
+                            </a:rPr>
+                            <m:t>𝑠</m:t>
+                          </m:r>
+                        </m:e>
+                      </m:d>
+                      <m:r>
+                        <a:rPr lang="de-DE" sz="2400" b="0" i="1" smtClean="0">
+                          <a:latin typeface="Cambria Math" panose="02040503050406030204" pitchFamily="18" charset="0"/>
+                        </a:rPr>
+                        <m:t>=</m:t>
+                      </m:r>
+                      <m:f>
+                        <m:fPr>
+                          <m:ctrlPr>
+                            <a:rPr lang="de-DE" sz="2400" b="0" i="1" smtClean="0">
+                              <a:latin typeface="Cambria Math" panose="02040503050406030204" pitchFamily="18" charset="0"/>
+                            </a:rPr>
+                          </m:ctrlPr>
+                        </m:fPr>
+                        <m:num>
+                          <m:sSub>
+                            <m:sSubPr>
+                              <m:ctrlPr>
+                                <a:rPr lang="de-DE" sz="2400" i="1">
+                                  <a:latin typeface="Cambria Math" panose="02040503050406030204" pitchFamily="18" charset="0"/>
+                                </a:rPr>
+                              </m:ctrlPr>
+                            </m:sSubPr>
+                            <m:e>
+                              <m:r>
+                                <a:rPr lang="de-DE" sz="2400" i="1">
+                                  <a:latin typeface="Cambria Math" panose="02040503050406030204" pitchFamily="18" charset="0"/>
+                                </a:rPr>
+                                <m:t>𝑇</m:t>
+                              </m:r>
+                            </m:e>
+                            <m:sub>
+                              <m:r>
+                                <a:rPr lang="de-DE" sz="2400" i="1">
+                                  <a:latin typeface="Cambria Math" panose="02040503050406030204" pitchFamily="18" charset="0"/>
+                                </a:rPr>
+                                <m:t>2</m:t>
+                              </m:r>
+                            </m:sub>
+                          </m:sSub>
+                          <m:r>
+                            <a:rPr lang="de-DE" sz="2400" i="1" smtClean="0">
+                              <a:latin typeface="Cambria Math" panose="02040503050406030204" pitchFamily="18" charset="0"/>
+                              <a:ea typeface="Cambria Math" panose="02040503050406030204" pitchFamily="18" charset="0"/>
+                            </a:rPr>
+                            <m:t>∙</m:t>
+                          </m:r>
+                          <m:r>
+                            <a:rPr lang="de-DE" sz="2400" b="0" i="1" smtClean="0">
+                              <a:latin typeface="Cambria Math" panose="02040503050406030204" pitchFamily="18" charset="0"/>
+                              <a:ea typeface="Cambria Math" panose="02040503050406030204" pitchFamily="18" charset="0"/>
+                            </a:rPr>
+                            <m:t>𝑠</m:t>
+                          </m:r>
+                        </m:num>
+                        <m:den>
+                          <m:sSub>
+                            <m:sSubPr>
+                              <m:ctrlPr>
+                                <a:rPr lang="de-DE" sz="2400" i="1">
+                                  <a:latin typeface="Cambria Math" panose="02040503050406030204" pitchFamily="18" charset="0"/>
+                                </a:rPr>
+                              </m:ctrlPr>
+                            </m:sSubPr>
+                            <m:e>
+                              <m:r>
+                                <a:rPr lang="de-DE" sz="2400" i="1">
+                                  <a:latin typeface="Cambria Math" panose="02040503050406030204" pitchFamily="18" charset="0"/>
+                                </a:rPr>
+                                <m:t>𝑇</m:t>
+                              </m:r>
+                            </m:e>
+                            <m:sub>
+                              <m:r>
+                                <a:rPr lang="de-DE" sz="2400" b="0" i="1" smtClean="0">
+                                  <a:latin typeface="Cambria Math" panose="02040503050406030204" pitchFamily="18" charset="0"/>
+                                </a:rPr>
+                                <m:t>1</m:t>
+                              </m:r>
+                            </m:sub>
+                          </m:sSub>
+                          <m:r>
+                            <a:rPr lang="de-DE" sz="2400" b="0" i="1" smtClean="0">
+                              <a:latin typeface="Cambria Math" panose="02040503050406030204" pitchFamily="18" charset="0"/>
+                              <a:ea typeface="Cambria Math" panose="02040503050406030204" pitchFamily="18" charset="0"/>
+                            </a:rPr>
+                            <m:t>∙</m:t>
+                          </m:r>
+                          <m:r>
+                            <a:rPr lang="de-DE" sz="2400" b="0" i="1" smtClean="0">
+                              <a:latin typeface="Cambria Math" panose="02040503050406030204" pitchFamily="18" charset="0"/>
+                              <a:ea typeface="Cambria Math" panose="02040503050406030204" pitchFamily="18" charset="0"/>
+                            </a:rPr>
+                            <m:t>𝑠</m:t>
+                          </m:r>
+                          <m:r>
+                            <a:rPr lang="de-DE" sz="2400" b="0" i="1" smtClean="0">
+                              <a:latin typeface="Cambria Math" panose="02040503050406030204" pitchFamily="18" charset="0"/>
+                              <a:ea typeface="Cambria Math" panose="02040503050406030204" pitchFamily="18" charset="0"/>
+                            </a:rPr>
+                            <m:t>+1</m:t>
+                          </m:r>
+                        </m:den>
+                      </m:f>
+                    </m:oMath>
+                  </m:oMathPara>
+                </a14:m>
+                <a:endParaRPr lang="de-DE" sz="2400" dirty="0"/>
+              </a:p>
+            </p:txBody>
+          </p:sp>
+        </mc:Choice>
+        <mc:Fallback>
+          <p:sp>
+            <p:nvSpPr>
+              <p:cNvPr id="11" name="Textfeld 10">
+                <a:extLst>
+                  <a:ext uri="{FF2B5EF4-FFF2-40B4-BE49-F238E27FC236}">
+                    <a16:creationId xmlns:a16="http://schemas.microsoft.com/office/drawing/2014/main" id="{0120BEAE-D28C-18C6-C257-8AECBF4C32EC}"/>
+                  </a:ext>
+                </a:extLst>
+              </p:cNvPr>
+              <p:cNvSpPr txBox="1">
+                <a:spLocks noRot="1" noChangeAspect="1" noMove="1" noResize="1" noEditPoints="1" noAdjustHandles="1" noChangeArrowheads="1" noChangeShapeType="1" noTextEdit="1"/>
+              </p:cNvSpPr>
+              <p:nvPr/>
+            </p:nvSpPr>
+            <p:spPr>
+              <a:xfrm>
+                <a:off x="1522519" y="4004934"/>
+                <a:ext cx="2352119" cy="751872"/>
+              </a:xfrm>
+              <a:prstGeom prst="rect">
+                <a:avLst/>
+              </a:prstGeom>
+              <a:blipFill>
+                <a:blip r:embed="rId5"/>
+                <a:stretch>
+                  <a:fillRect l="-535" r="-535" b="-9836"/>
+                </a:stretch>
+              </a:blipFill>
+              <a:ln>
+                <a:solidFill>
+                  <a:schemeClr val="tx1"/>
+                </a:solidFill>
+              </a:ln>
+            </p:spPr>
+            <p:txBody>
+              <a:bodyPr/>
+              <a:lstStyle/>
+              <a:p>
+                <a:r>
+                  <a:rPr lang="de-DE">
+                    <a:noFill/>
+                  </a:rPr>
+                  <a:t> </a:t>
+                </a:r>
+              </a:p>
+            </p:txBody>
+          </p:sp>
+        </mc:Fallback>
+      </mc:AlternateContent>
+      <p:pic>
+        <p:nvPicPr>
+          <p:cNvPr id="13" name="Grafik 12" descr="Ein Bild, das Schrift, Reihe, Diagramm, weiß enthält.&#10;&#10;KI-generierte Inhalte können fehlerhaft sein.">
+            <a:extLst>
+              <a:ext uri="{FF2B5EF4-FFF2-40B4-BE49-F238E27FC236}">
+                <a16:creationId xmlns:a16="http://schemas.microsoft.com/office/drawing/2014/main" id="{0990F134-8769-251B-9856-EBDF176EB0E0}"/>
+              </a:ext>
+            </a:extLst>
+          </p:cNvPr>
+          <p:cNvPicPr>
+            <a:picLocks noChangeAspect="1"/>
+          </p:cNvPicPr>
+          <p:nvPr/>
+        </p:nvPicPr>
+        <p:blipFill>
+          <a:blip r:embed="rId6">
+            <a:extLst>
+              <a:ext uri="{28A0092B-C50C-407E-A947-70E740481C1C}">
+                <a14:useLocalDpi xmlns:a14="http://schemas.microsoft.com/office/drawing/2010/main" val="0"/>
+              </a:ext>
+            </a:extLst>
+          </a:blip>
+          <a:stretch>
+            <a:fillRect/>
+          </a:stretch>
+        </p:blipFill>
+        <p:spPr>
+          <a:xfrm>
+            <a:off x="2778406" y="5438299"/>
+            <a:ext cx="3826276" cy="1404961"/>
+          </a:xfrm>
+          <a:prstGeom prst="rect">
+            <a:avLst/>
+          </a:prstGeom>
+        </p:spPr>
+      </p:pic>
+      <p:sp>
+        <p:nvSpPr>
+          <p:cNvPr id="14" name="Textfeld 13">
+            <a:extLst>
+              <a:ext uri="{FF2B5EF4-FFF2-40B4-BE49-F238E27FC236}">
+                <a16:creationId xmlns:a16="http://schemas.microsoft.com/office/drawing/2014/main" id="{EE3F5106-1AC6-9970-061E-97A0EBB7821F}"/>
+              </a:ext>
+            </a:extLst>
+          </p:cNvPr>
+          <p:cNvSpPr txBox="1"/>
+          <p:nvPr/>
+        </p:nvSpPr>
+        <p:spPr>
+          <a:xfrm>
+            <a:off x="1100831" y="5807631"/>
+            <a:ext cx="1677575" cy="369332"/>
+          </a:xfrm>
+          <a:prstGeom prst="rect">
+            <a:avLst/>
+          </a:prstGeom>
+          <a:noFill/>
+        </p:spPr>
+        <p:txBody>
+          <a:bodyPr wrap="none" rtlCol="0">
+            <a:spAutoFit/>
+          </a:bodyPr>
+          <a:lstStyle/>
+          <a:p>
+            <a:r>
+              <a:rPr lang="de-DE" dirty="0" err="1"/>
+              <a:t>Step</a:t>
+            </a:r>
+            <a:r>
+              <a:rPr lang="de-DE" dirty="0"/>
+              <a:t> </a:t>
+            </a:r>
+            <a:r>
+              <a:rPr lang="de-DE" dirty="0" err="1"/>
+              <a:t>response</a:t>
+            </a:r>
+            <a:r>
+              <a:rPr lang="de-DE" dirty="0"/>
+              <a:t>:</a:t>
+            </a:r>
+          </a:p>
+        </p:txBody>
+      </p:sp>
+      <p:pic>
+        <p:nvPicPr>
+          <p:cNvPr id="16" name="Grafik 15" descr="Ein Bild, das Text, Reihe, Diagramm, parallel enthält.&#10;&#10;KI-generierte Inhalte können fehlerhaft sein.">
+            <a:extLst>
+              <a:ext uri="{FF2B5EF4-FFF2-40B4-BE49-F238E27FC236}">
+                <a16:creationId xmlns:a16="http://schemas.microsoft.com/office/drawing/2014/main" id="{FE6AA1E0-A9C7-8D58-8185-06B929DDD392}"/>
+              </a:ext>
+            </a:extLst>
+          </p:cNvPr>
+          <p:cNvPicPr>
+            <a:picLocks noChangeAspect="1"/>
+          </p:cNvPicPr>
+          <p:nvPr/>
+        </p:nvPicPr>
+        <p:blipFill>
+          <a:blip r:embed="rId7">
+            <a:extLst>
+              <a:ext uri="{28A0092B-C50C-407E-A947-70E740481C1C}">
+                <a14:useLocalDpi xmlns:a14="http://schemas.microsoft.com/office/drawing/2010/main" val="0"/>
+              </a:ext>
+            </a:extLst>
+          </a:blip>
+          <a:stretch>
+            <a:fillRect/>
+          </a:stretch>
+        </p:blipFill>
+        <p:spPr>
+          <a:xfrm>
+            <a:off x="7181877" y="3280615"/>
+            <a:ext cx="4918385" cy="3075735"/>
+          </a:xfrm>
+          <a:prstGeom prst="rect">
+            <a:avLst/>
+          </a:prstGeom>
+        </p:spPr>
+      </p:pic>
+      <mc:AlternateContent xmlns:mc="http://schemas.openxmlformats.org/markup-compatibility/2006">
+        <mc:Choice xmlns:a14="http://schemas.microsoft.com/office/drawing/2010/main" Requires="a14">
+          <p:sp>
+            <p:nvSpPr>
+              <p:cNvPr id="19" name="Textfeld 18">
+                <a:extLst>
+                  <a:ext uri="{FF2B5EF4-FFF2-40B4-BE49-F238E27FC236}">
+                    <a16:creationId xmlns:a16="http://schemas.microsoft.com/office/drawing/2014/main" id="{EB3735C7-C89D-7E19-AD02-007991264255}"/>
+                  </a:ext>
+                </a:extLst>
+              </p:cNvPr>
+              <p:cNvSpPr txBox="1"/>
+              <p:nvPr/>
+            </p:nvSpPr>
+            <p:spPr>
+              <a:xfrm>
+                <a:off x="4558410" y="4001294"/>
+                <a:ext cx="2334870" cy="524567"/>
+              </a:xfrm>
+              <a:prstGeom prst="rect">
+                <a:avLst/>
+              </a:prstGeom>
+              <a:noFill/>
+            </p:spPr>
+            <p:txBody>
+              <a:bodyPr wrap="none" lIns="0" tIns="0" rIns="0" bIns="0" rtlCol="0">
+                <a:spAutoFit/>
+              </a:bodyPr>
+              <a:lstStyle/>
+              <a:p>
+                <a14:m>
+                  <m:oMathPara xmlns:m="http://schemas.openxmlformats.org/officeDocument/2006/math">
+                    <m:oMathParaPr>
+                      <m:jc m:val="centerGroup"/>
+                    </m:oMathParaPr>
+                    <m:oMath xmlns:m="http://schemas.openxmlformats.org/officeDocument/2006/math">
+                      <m:func>
+                        <m:funcPr>
+                          <m:ctrlPr>
+                            <a:rPr lang="de-DE" sz="2400" i="1" smtClean="0">
+                              <a:latin typeface="Cambria Math" panose="02040503050406030204" pitchFamily="18" charset="0"/>
+                            </a:rPr>
+                          </m:ctrlPr>
+                        </m:funcPr>
+                        <m:fName>
+                          <m:limLow>
+                            <m:limLowPr>
+                              <m:ctrlPr>
+                                <a:rPr lang="de-DE" sz="2400" i="1" smtClean="0">
+                                  <a:latin typeface="Cambria Math" panose="02040503050406030204" pitchFamily="18" charset="0"/>
+                                </a:rPr>
+                              </m:ctrlPr>
+                            </m:limLowPr>
+                            <m:e>
+                              <m:r>
+                                <m:rPr>
+                                  <m:sty m:val="p"/>
+                                </m:rPr>
+                                <a:rPr lang="de-DE" sz="2400" i="0" smtClean="0">
+                                  <a:latin typeface="Cambria Math" panose="02040503050406030204" pitchFamily="18" charset="0"/>
+                                </a:rPr>
+                                <m:t>lim</m:t>
+                              </m:r>
+                            </m:e>
+                            <m:lim>
+                              <m:sSub>
+                                <m:sSubPr>
+                                  <m:ctrlPr>
+                                    <a:rPr lang="de-DE" sz="2400" i="1">
+                                      <a:latin typeface="Cambria Math" panose="02040503050406030204" pitchFamily="18" charset="0"/>
+                                    </a:rPr>
+                                  </m:ctrlPr>
+                                </m:sSubPr>
+                                <m:e>
+                                  <m:r>
+                                    <a:rPr lang="de-DE" sz="2400" i="1">
+                                      <a:latin typeface="Cambria Math" panose="02040503050406030204" pitchFamily="18" charset="0"/>
+                                    </a:rPr>
+                                    <m:t>𝑇</m:t>
+                                  </m:r>
+                                </m:e>
+                                <m:sub>
+                                  <m:r>
+                                    <a:rPr lang="de-DE" sz="2400" i="1">
+                                      <a:latin typeface="Cambria Math" panose="02040503050406030204" pitchFamily="18" charset="0"/>
+                                    </a:rPr>
+                                    <m:t>1</m:t>
+                                  </m:r>
+                                </m:sub>
+                              </m:sSub>
+                              <m:r>
+                                <a:rPr lang="de-DE" sz="2400" i="1" smtClean="0">
+                                  <a:latin typeface="Cambria Math" panose="02040503050406030204" pitchFamily="18" charset="0"/>
+                                  <a:ea typeface="Cambria Math" panose="02040503050406030204" pitchFamily="18" charset="0"/>
+                                </a:rPr>
+                                <m:t>→</m:t>
+                              </m:r>
+                              <m:r>
+                                <a:rPr lang="de-DE" sz="2400" b="0" i="1" smtClean="0">
+                                  <a:latin typeface="Cambria Math" panose="02040503050406030204" pitchFamily="18" charset="0"/>
+                                  <a:ea typeface="Cambria Math" panose="02040503050406030204" pitchFamily="18" charset="0"/>
+                                </a:rPr>
+                                <m:t>0</m:t>
+                              </m:r>
+                            </m:lim>
+                          </m:limLow>
+                        </m:fName>
+                        <m:e>
+                          <m:r>
+                            <a:rPr lang="de-DE" sz="2400" b="0" i="1" smtClean="0">
+                              <a:latin typeface="Cambria Math" panose="02040503050406030204" pitchFamily="18" charset="0"/>
+                            </a:rPr>
+                            <m:t>𝐺</m:t>
+                          </m:r>
+                          <m:r>
+                            <a:rPr lang="de-DE" sz="2400" b="0" i="1" smtClean="0">
+                              <a:latin typeface="Cambria Math" panose="02040503050406030204" pitchFamily="18" charset="0"/>
+                            </a:rPr>
+                            <m:t>(</m:t>
+                          </m:r>
+                          <m:r>
+                            <a:rPr lang="de-DE" sz="2400" b="0" i="1" smtClean="0">
+                              <a:latin typeface="Cambria Math" panose="02040503050406030204" pitchFamily="18" charset="0"/>
+                            </a:rPr>
+                            <m:t>𝑠</m:t>
+                          </m:r>
+                          <m:r>
+                            <a:rPr lang="de-DE" sz="2400" b="0" i="1" smtClean="0">
+                              <a:latin typeface="Cambria Math" panose="02040503050406030204" pitchFamily="18" charset="0"/>
+                            </a:rPr>
+                            <m:t>)</m:t>
+                          </m:r>
+                        </m:e>
+                      </m:func>
+                      <m:r>
+                        <a:rPr lang="de-DE" sz="2400" b="0" i="1" smtClean="0">
+                          <a:latin typeface="Cambria Math" panose="02040503050406030204" pitchFamily="18" charset="0"/>
+                        </a:rPr>
+                        <m:t>=</m:t>
+                      </m:r>
+                      <m:sSub>
+                        <m:sSubPr>
+                          <m:ctrlPr>
+                            <a:rPr lang="de-DE" sz="2400" i="1">
+                              <a:latin typeface="Cambria Math" panose="02040503050406030204" pitchFamily="18" charset="0"/>
+                            </a:rPr>
+                          </m:ctrlPr>
+                        </m:sSubPr>
+                        <m:e>
+                          <m:r>
+                            <a:rPr lang="de-DE" sz="2400" i="1">
+                              <a:latin typeface="Cambria Math" panose="02040503050406030204" pitchFamily="18" charset="0"/>
+                            </a:rPr>
+                            <m:t>𝑇</m:t>
+                          </m:r>
+                        </m:e>
+                        <m:sub>
+                          <m:r>
+                            <a:rPr lang="de-DE" sz="2400" i="1">
+                              <a:latin typeface="Cambria Math" panose="02040503050406030204" pitchFamily="18" charset="0"/>
+                            </a:rPr>
+                            <m:t>2</m:t>
+                          </m:r>
+                        </m:sub>
+                      </m:sSub>
+                      <m:r>
+                        <a:rPr lang="de-DE" sz="2400" i="1">
+                          <a:latin typeface="Cambria Math" panose="02040503050406030204" pitchFamily="18" charset="0"/>
+                          <a:ea typeface="Cambria Math" panose="02040503050406030204" pitchFamily="18" charset="0"/>
+                        </a:rPr>
+                        <m:t>∙</m:t>
+                      </m:r>
+                      <m:r>
+                        <a:rPr lang="de-DE" sz="2400" b="0" i="1" smtClean="0">
+                          <a:latin typeface="Cambria Math" panose="02040503050406030204" pitchFamily="18" charset="0"/>
+                          <a:ea typeface="Cambria Math" panose="02040503050406030204" pitchFamily="18" charset="0"/>
+                        </a:rPr>
+                        <m:t>𝑠</m:t>
+                      </m:r>
+                    </m:oMath>
+                  </m:oMathPara>
+                </a14:m>
+                <a:endParaRPr lang="de-DE" sz="2400" dirty="0"/>
+              </a:p>
+            </p:txBody>
+          </p:sp>
+        </mc:Choice>
+        <mc:Fallback>
+          <p:sp>
+            <p:nvSpPr>
+              <p:cNvPr id="19" name="Textfeld 18">
+                <a:extLst>
+                  <a:ext uri="{FF2B5EF4-FFF2-40B4-BE49-F238E27FC236}">
+                    <a16:creationId xmlns:a16="http://schemas.microsoft.com/office/drawing/2014/main" id="{EB3735C7-C89D-7E19-AD02-007991264255}"/>
+                  </a:ext>
+                </a:extLst>
+              </p:cNvPr>
+              <p:cNvSpPr txBox="1">
+                <a:spLocks noRot="1" noChangeAspect="1" noMove="1" noResize="1" noEditPoints="1" noAdjustHandles="1" noChangeArrowheads="1" noChangeShapeType="1" noTextEdit="1"/>
+              </p:cNvSpPr>
+              <p:nvPr/>
+            </p:nvSpPr>
+            <p:spPr>
+              <a:xfrm>
+                <a:off x="4558410" y="4001294"/>
+                <a:ext cx="2334870" cy="524567"/>
+              </a:xfrm>
+              <a:prstGeom prst="rect">
+                <a:avLst/>
+              </a:prstGeom>
+              <a:blipFill>
+                <a:blip r:embed="rId8"/>
+                <a:stretch>
+                  <a:fillRect l="-1630" r="-1087" b="-9302"/>
+                </a:stretch>
+              </a:blipFill>
+            </p:spPr>
+            <p:txBody>
+              <a:bodyPr/>
+              <a:lstStyle/>
+              <a:p>
+                <a:r>
+                  <a:rPr lang="de-DE">
+                    <a:noFill/>
+                  </a:rPr>
+                  <a:t> </a:t>
+                </a:r>
+              </a:p>
+            </p:txBody>
+          </p:sp>
+        </mc:Fallback>
+      </mc:AlternateContent>
+      <p:sp>
+        <p:nvSpPr>
+          <p:cNvPr id="20" name="Textfeld 19">
+            <a:extLst>
+              <a:ext uri="{FF2B5EF4-FFF2-40B4-BE49-F238E27FC236}">
+                <a16:creationId xmlns:a16="http://schemas.microsoft.com/office/drawing/2014/main" id="{717B537C-97C7-D835-06EB-FEAAE4FCB003}"/>
+              </a:ext>
+            </a:extLst>
+          </p:cNvPr>
+          <p:cNvSpPr txBox="1"/>
+          <p:nvPr/>
+        </p:nvSpPr>
+        <p:spPr>
+          <a:xfrm>
+            <a:off x="4401921" y="4587649"/>
+            <a:ext cx="2635658" cy="461665"/>
+          </a:xfrm>
+          <a:prstGeom prst="rect">
+            <a:avLst/>
+          </a:prstGeom>
+          <a:noFill/>
+        </p:spPr>
+        <p:txBody>
+          <a:bodyPr wrap="none" rtlCol="0">
+            <a:spAutoFit/>
+          </a:bodyPr>
+          <a:lstStyle/>
+          <a:p>
+            <a:r>
+              <a:rPr lang="de-DE" sz="2400" dirty="0">
+                <a:sym typeface="Wingdings" pitchFamily="2" charset="2"/>
+              </a:rPr>
+              <a:t> ideal D </a:t>
+            </a:r>
+            <a:r>
+              <a:rPr lang="de-DE" sz="2400" dirty="0" err="1">
+                <a:sym typeface="Wingdings" pitchFamily="2" charset="2"/>
+              </a:rPr>
+              <a:t>element</a:t>
+            </a:r>
+            <a:endParaRPr lang="de-DE" sz="2400" dirty="0"/>
           </a:p>
         </p:txBody>
       </p:sp>
@@ -24603,7 +26739,230 @@
 </p:sld>
 </file>
 
-<file path=ppt/slides/slide33.xml><?xml version="1.0" encoding="utf-8"?>
+<file path=ppt/slides/slide34.xml><?xml version="1.0" encoding="utf-8"?>
+<p:sld xmlns:a="http://schemas.openxmlformats.org/drawingml/2006/main" xmlns:r="http://schemas.openxmlformats.org/officeDocument/2006/relationships" xmlns:p="http://schemas.openxmlformats.org/presentationml/2006/main">
+  <p:cSld>
+    <p:spTree>
+      <p:nvGrpSpPr>
+        <p:cNvPr id="1" name=""/>
+        <p:cNvGrpSpPr/>
+        <p:nvPr/>
+      </p:nvGrpSpPr>
+      <p:grpSpPr>
+        <a:xfrm>
+          <a:off x="0" y="0"/>
+          <a:ext cx="0" cy="0"/>
+          <a:chOff x="0" y="0"/>
+          <a:chExt cx="0" cy="0"/>
+        </a:xfrm>
+      </p:grpSpPr>
+      <p:sp>
+        <p:nvSpPr>
+          <p:cNvPr id="4" name="Foliennummernplatzhalter 3">
+            <a:extLst>
+              <a:ext uri="{FF2B5EF4-FFF2-40B4-BE49-F238E27FC236}">
+                <a16:creationId xmlns:a16="http://schemas.microsoft.com/office/drawing/2014/main" id="{4D07DD78-7D0E-A2DB-B218-FADADC8F5DB7}"/>
+              </a:ext>
+            </a:extLst>
+          </p:cNvPr>
+          <p:cNvSpPr>
+            <a:spLocks noGrp="1"/>
+          </p:cNvSpPr>
+          <p:nvPr>
+            <p:ph type="sldNum" sz="quarter" idx="12"/>
+          </p:nvPr>
+        </p:nvSpPr>
+        <p:spPr/>
+        <p:txBody>
+          <a:bodyPr/>
+          <a:lstStyle/>
+          <a:p>
+            <a:fld id="{08C366F5-AFAD-49CB-854A-9D9E238FCA13}" type="slidenum">
+              <a:rPr lang="en-GB" smtClean="0"/>
+              <a:t>34</a:t>
+            </a:fld>
+            <a:endParaRPr lang="en-GB"/>
+          </a:p>
+        </p:txBody>
+      </p:sp>
+      <p:pic>
+        <p:nvPicPr>
+          <p:cNvPr id="6" name="Grafik 5" descr="Ein Bild, das Diagramm, Reihe enthält.&#10;&#10;KI-generierte Inhalte können fehlerhaft sein.">
+            <a:extLst>
+              <a:ext uri="{FF2B5EF4-FFF2-40B4-BE49-F238E27FC236}">
+                <a16:creationId xmlns:a16="http://schemas.microsoft.com/office/drawing/2014/main" id="{976F9CE3-F38F-852C-6010-CA382C117D08}"/>
+              </a:ext>
+            </a:extLst>
+          </p:cNvPr>
+          <p:cNvPicPr>
+            <a:picLocks noChangeAspect="1"/>
+          </p:cNvPicPr>
+          <p:nvPr/>
+        </p:nvPicPr>
+        <p:blipFill>
+          <a:blip r:embed="rId2">
+            <a:extLst>
+              <a:ext uri="{28A0092B-C50C-407E-A947-70E740481C1C}">
+                <a14:useLocalDpi xmlns:a14="http://schemas.microsoft.com/office/drawing/2010/main" val="0"/>
+              </a:ext>
+            </a:extLst>
+          </a:blip>
+          <a:stretch>
+            <a:fillRect/>
+          </a:stretch>
+        </p:blipFill>
+        <p:spPr>
+          <a:xfrm>
+            <a:off x="109369" y="1193772"/>
+            <a:ext cx="11973261" cy="4470455"/>
+          </a:xfrm>
+          <a:prstGeom prst="rect">
+            <a:avLst/>
+          </a:prstGeom>
+        </p:spPr>
+      </p:pic>
+    </p:spTree>
+    <p:extLst>
+      <p:ext uri="{BB962C8B-B14F-4D97-AF65-F5344CB8AC3E}">
+        <p14:creationId xmlns:p14="http://schemas.microsoft.com/office/powerpoint/2010/main" val="2220238285"/>
+      </p:ext>
+    </p:extLst>
+  </p:cSld>
+  <p:clrMapOvr>
+    <a:masterClrMapping/>
+  </p:clrMapOvr>
+</p:sld>
+</file>
+
+<file path=ppt/slides/slide35.xml><?xml version="1.0" encoding="utf-8"?>
+<p:sld xmlns:a="http://schemas.openxmlformats.org/drawingml/2006/main" xmlns:r="http://schemas.openxmlformats.org/officeDocument/2006/relationships" xmlns:p="http://schemas.openxmlformats.org/presentationml/2006/main">
+  <p:cSld>
+    <p:spTree>
+      <p:nvGrpSpPr>
+        <p:cNvPr id="1" name=""/>
+        <p:cNvGrpSpPr/>
+        <p:nvPr/>
+      </p:nvGrpSpPr>
+      <p:grpSpPr>
+        <a:xfrm>
+          <a:off x="0" y="0"/>
+          <a:ext cx="0" cy="0"/>
+          <a:chOff x="0" y="0"/>
+          <a:chExt cx="0" cy="0"/>
+        </a:xfrm>
+      </p:grpSpPr>
+      <p:sp>
+        <p:nvSpPr>
+          <p:cNvPr id="5" name="Titel 4">
+            <a:extLst>
+              <a:ext uri="{FF2B5EF4-FFF2-40B4-BE49-F238E27FC236}">
+                <a16:creationId xmlns:a16="http://schemas.microsoft.com/office/drawing/2014/main" id="{C19EB036-529B-5966-A2D7-5C37976AC451}"/>
+              </a:ext>
+            </a:extLst>
+          </p:cNvPr>
+          <p:cNvSpPr>
+            <a:spLocks noGrp="1"/>
+          </p:cNvSpPr>
+          <p:nvPr>
+            <p:ph type="title"/>
+          </p:nvPr>
+        </p:nvSpPr>
+        <p:spPr/>
+        <p:txBody>
+          <a:bodyPr/>
+          <a:lstStyle/>
+          <a:p>
+            <a:r>
+              <a:rPr lang="de-DE" dirty="0"/>
+              <a:t>DT1 Signal Flow </a:t>
+            </a:r>
+            <a:r>
+              <a:rPr lang="de-DE" dirty="0" err="1"/>
+              <a:t>Diagram</a:t>
+            </a:r>
+            <a:endParaRPr lang="de-DE" dirty="0"/>
+          </a:p>
+        </p:txBody>
+      </p:sp>
+      <p:sp>
+        <p:nvSpPr>
+          <p:cNvPr id="4" name="Foliennummernplatzhalter 3">
+            <a:extLst>
+              <a:ext uri="{FF2B5EF4-FFF2-40B4-BE49-F238E27FC236}">
+                <a16:creationId xmlns:a16="http://schemas.microsoft.com/office/drawing/2014/main" id="{ED13713F-BEEB-EA87-DC79-2AED8B433A61}"/>
+              </a:ext>
+            </a:extLst>
+          </p:cNvPr>
+          <p:cNvSpPr>
+            <a:spLocks noGrp="1"/>
+          </p:cNvSpPr>
+          <p:nvPr>
+            <p:ph type="sldNum" sz="quarter" idx="12"/>
+          </p:nvPr>
+        </p:nvSpPr>
+        <p:spPr/>
+        <p:txBody>
+          <a:bodyPr/>
+          <a:lstStyle/>
+          <a:p>
+            <a:fld id="{08C366F5-AFAD-49CB-854A-9D9E238FCA13}" type="slidenum">
+              <a:rPr lang="en-GB" smtClean="0"/>
+              <a:t>35</a:t>
+            </a:fld>
+            <a:endParaRPr lang="en-GB"/>
+          </a:p>
+        </p:txBody>
+      </p:sp>
+      <p:pic>
+        <p:nvPicPr>
+          <p:cNvPr id="7" name="Grafik 6" descr="Ein Bild, das Diagramm, Reihe, Entwurf, technische Zeichnung enthält.&#10;&#10;KI-generierte Inhalte können fehlerhaft sein.">
+            <a:extLst>
+              <a:ext uri="{FF2B5EF4-FFF2-40B4-BE49-F238E27FC236}">
+                <a16:creationId xmlns:a16="http://schemas.microsoft.com/office/drawing/2014/main" id="{5366F733-B6FF-4958-BEF6-6050A628F0F0}"/>
+              </a:ext>
+            </a:extLst>
+          </p:cNvPr>
+          <p:cNvPicPr>
+            <a:picLocks noChangeAspect="1"/>
+          </p:cNvPicPr>
+          <p:nvPr/>
+        </p:nvPicPr>
+        <p:blipFill>
+          <a:blip r:embed="rId2">
+            <a:extLst>
+              <a:ext uri="{28A0092B-C50C-407E-A947-70E740481C1C}">
+                <a14:useLocalDpi xmlns:a14="http://schemas.microsoft.com/office/drawing/2010/main" val="0"/>
+              </a:ext>
+            </a:extLst>
+          </a:blip>
+          <a:stretch>
+            <a:fillRect/>
+          </a:stretch>
+        </p:blipFill>
+        <p:spPr>
+          <a:xfrm>
+            <a:off x="2615228" y="1905307"/>
+            <a:ext cx="6961543" cy="4952693"/>
+          </a:xfrm>
+          <a:prstGeom prst="rect">
+            <a:avLst/>
+          </a:prstGeom>
+        </p:spPr>
+      </p:pic>
+    </p:spTree>
+    <p:extLst>
+      <p:ext uri="{BB962C8B-B14F-4D97-AF65-F5344CB8AC3E}">
+        <p14:creationId xmlns:p14="http://schemas.microsoft.com/office/powerpoint/2010/main" val="3734668424"/>
+      </p:ext>
+    </p:extLst>
+  </p:cSld>
+  <p:clrMapOvr>
+    <a:masterClrMapping/>
+  </p:clrMapOvr>
+</p:sld>
+</file>
+
+<file path=ppt/slides/slide36.xml><?xml version="1.0" encoding="utf-8"?>
 <p:sld xmlns:a="http://schemas.openxmlformats.org/drawingml/2006/main" xmlns:r="http://schemas.openxmlformats.org/officeDocument/2006/relationships" xmlns:p="http://schemas.openxmlformats.org/presentationml/2006/main">
   <p:cSld>
     <p:spTree>
@@ -24693,7 +27052,7 @@
           <a:p>
             <a:fld id="{08C366F5-AFAD-49CB-854A-9D9E238FCA13}" type="slidenum">
               <a:rPr lang="en-GB" smtClean="0"/>
-              <a:t>33</a:t>
+              <a:t>36</a:t>
             </a:fld>
             <a:endParaRPr lang="en-GB"/>
           </a:p>
@@ -24712,7 +27071,7 @@
 </p:sld>
 </file>
 
-<file path=ppt/slides/slide34.xml><?xml version="1.0" encoding="utf-8"?>
+<file path=ppt/slides/slide37.xml><?xml version="1.0" encoding="utf-8"?>
 <p:sld xmlns:a="http://schemas.openxmlformats.org/drawingml/2006/main" xmlns:r="http://schemas.openxmlformats.org/officeDocument/2006/relationships" xmlns:p="http://schemas.openxmlformats.org/presentationml/2006/main">
   <p:cSld>
     <p:spTree>
@@ -24737,10 +27096,10 @@
       </p:grpSpPr>
       <p:pic>
         <p:nvPicPr>
-          <p:cNvPr id="18" name="Grafik 17">
+          <p:cNvPr id="12" name="Grafik 11">
             <a:extLst>
               <a:ext uri="{FF2B5EF4-FFF2-40B4-BE49-F238E27FC236}">
-                <a16:creationId xmlns:a16="http://schemas.microsoft.com/office/drawing/2014/main" id="{BA12D249-93CD-8F1C-B9C8-C286D0F294B9}"/>
+                <a16:creationId xmlns:a16="http://schemas.microsoft.com/office/drawing/2014/main" id="{BD5689F1-D390-5252-9BE7-CB3E185AC19F}"/>
               </a:ext>
             </a:extLst>
           </p:cNvPr>
@@ -24763,8 +27122,8 @@
         </p:blipFill>
         <p:spPr>
           <a:xfrm>
-            <a:off x="8686296" y="-5162"/>
-            <a:ext cx="3505703" cy="2640428"/>
+            <a:off x="4715153" y="5299075"/>
+            <a:ext cx="2857500" cy="1422400"/>
           </a:xfrm>
           <a:prstGeom prst="rect">
             <a:avLst/>
@@ -24773,10 +27132,10 @@
       </p:pic>
       <p:pic>
         <p:nvPicPr>
-          <p:cNvPr id="12" name="Grafik 11">
+          <p:cNvPr id="10" name="Grafik 9">
             <a:extLst>
               <a:ext uri="{FF2B5EF4-FFF2-40B4-BE49-F238E27FC236}">
-                <a16:creationId xmlns:a16="http://schemas.microsoft.com/office/drawing/2014/main" id="{BD5689F1-D390-5252-9BE7-CB3E185AC19F}"/>
+                <a16:creationId xmlns:a16="http://schemas.microsoft.com/office/drawing/2014/main" id="{9E3D6218-AE75-FB82-93BA-2EF7EEE4E960}"/>
               </a:ext>
             </a:extLst>
           </p:cNvPr>
@@ -24799,44 +27158,8 @@
         </p:blipFill>
         <p:spPr>
           <a:xfrm>
-            <a:off x="3238500" y="5378093"/>
-            <a:ext cx="2857500" cy="1422400"/>
-          </a:xfrm>
-          <a:prstGeom prst="rect">
-            <a:avLst/>
-          </a:prstGeom>
-        </p:spPr>
-      </p:pic>
-      <p:pic>
-        <p:nvPicPr>
-          <p:cNvPr id="10" name="Grafik 9">
-            <a:extLst>
-              <a:ext uri="{FF2B5EF4-FFF2-40B4-BE49-F238E27FC236}">
-                <a16:creationId xmlns:a16="http://schemas.microsoft.com/office/drawing/2014/main" id="{9E3D6218-AE75-FB82-93BA-2EF7EEE4E960}"/>
-              </a:ext>
-            </a:extLst>
-          </p:cNvPr>
-          <p:cNvPicPr>
-            <a:picLocks noChangeAspect="1"/>
-          </p:cNvPicPr>
-          <p:nvPr/>
-        </p:nvPicPr>
-        <p:blipFill>
-          <a:blip r:embed="rId6">
-            <a:extLst>
-              <a:ext uri="{96DAC541-7B7A-43D3-8B79-37D633B846F1}">
-                <asvg:svgBlip xmlns:asvg="http://schemas.microsoft.com/office/drawing/2016/SVG/main" r:embed="rId7"/>
-              </a:ext>
-            </a:extLst>
-          </a:blip>
-          <a:stretch>
-            <a:fillRect/>
-          </a:stretch>
-        </p:blipFill>
-        <p:spPr>
-          <a:xfrm>
-            <a:off x="7572653" y="2970016"/>
-            <a:ext cx="4619348" cy="3479203"/>
+            <a:off x="6969184" y="1321557"/>
+            <a:ext cx="5222816" cy="3933723"/>
           </a:xfrm>
           <a:prstGeom prst="rect">
             <a:avLst/>
@@ -24900,19 +27223,19 @@
                   <a:buNone/>
                 </a:pPr>
                 <a:r>
-                  <a:rPr lang="de-DE" sz="2000" dirty="0"/>
+                  <a:rPr lang="de-DE" sz="2400" dirty="0"/>
                   <a:t>Consider </a:t>
                 </a:r>
                 <a14:m>
                   <m:oMath xmlns:m="http://schemas.openxmlformats.org/officeDocument/2006/math">
                     <m:r>
-                      <a:rPr lang="de-DE" sz="2000" i="1">
+                      <a:rPr lang="de-DE" sz="2400" i="1">
                         <a:latin typeface="Cambria Math" panose="02040503050406030204" pitchFamily="18" charset="0"/>
                       </a:rPr>
                       <m:t>𝑛</m:t>
                     </m:r>
                     <m:r>
-                      <a:rPr lang="de-DE" sz="2000" i="1">
+                      <a:rPr lang="de-DE" sz="2400" i="1">
                         <a:latin typeface="Cambria Math" panose="02040503050406030204" pitchFamily="18" charset="0"/>
                       </a:rPr>
                       <m:t>=2</m:t>
@@ -24920,15 +27243,15 @@
                   </m:oMath>
                 </a14:m>
                 <a:r>
-                  <a:rPr lang="de-DE" sz="2000" dirty="0"/>
+                  <a:rPr lang="de-DE" sz="2400" dirty="0"/>
                   <a:t>, </a:t>
                 </a:r>
                 <a:r>
-                  <a:rPr lang="de-DE" sz="2000" dirty="0" err="1"/>
+                  <a:rPr lang="de-DE" sz="2400" dirty="0" err="1"/>
                   <a:t>with</a:t>
                 </a:r>
                 <a:r>
-                  <a:rPr lang="de-DE" sz="2000" dirty="0"/>
+                  <a:rPr lang="de-DE" sz="2400" dirty="0"/>
                   <a:t> </a:t>
                 </a:r>
                 <a14:m>
@@ -24936,14 +27259,14 @@
                     <m:sSub>
                       <m:sSubPr>
                         <m:ctrlPr>
-                          <a:rPr lang="de-DE" sz="2000" i="1" smtClean="0">
+                          <a:rPr lang="de-DE" sz="2400" i="1" smtClean="0">
                             <a:latin typeface="Cambria Math" panose="02040503050406030204" pitchFamily="18" charset="0"/>
                           </a:rPr>
                         </m:ctrlPr>
                       </m:sSubPr>
                       <m:e>
                         <m:r>
-                          <a:rPr lang="de-DE" sz="2000" i="1">
+                          <a:rPr lang="de-DE" sz="2400" i="1">
                             <a:latin typeface="Cambria Math" panose="02040503050406030204" pitchFamily="18" charset="0"/>
                           </a:rPr>
                           <m:t>𝑏</m:t>
@@ -24951,7 +27274,7 @@
                       </m:e>
                       <m:sub>
                         <m:r>
-                          <a:rPr lang="de-DE" sz="2000" i="1">
+                          <a:rPr lang="de-DE" sz="2400" i="1">
                             <a:latin typeface="Cambria Math" panose="02040503050406030204" pitchFamily="18" charset="0"/>
                           </a:rPr>
                           <m:t>1</m:t>
@@ -24959,7 +27282,7 @@
                       </m:sub>
                     </m:sSub>
                     <m:r>
-                      <a:rPr lang="de-DE" sz="2000" b="0" i="1" smtClean="0">
+                      <a:rPr lang="de-DE" sz="2400" b="0" i="1" smtClean="0">
                         <a:latin typeface="Cambria Math" panose="02040503050406030204" pitchFamily="18" charset="0"/>
                       </a:rPr>
                       <m:t>=</m:t>
@@ -24967,14 +27290,14 @@
                     <m:sSub>
                       <m:sSubPr>
                         <m:ctrlPr>
-                          <a:rPr lang="de-DE" sz="2000" b="0" i="1" smtClean="0">
+                          <a:rPr lang="de-DE" sz="2400" b="0" i="1" smtClean="0">
                             <a:latin typeface="Cambria Math" panose="02040503050406030204" pitchFamily="18" charset="0"/>
                           </a:rPr>
                         </m:ctrlPr>
                       </m:sSubPr>
                       <m:e>
                         <m:r>
-                          <a:rPr lang="de-DE" sz="2000" b="0" i="1" smtClean="0">
+                          <a:rPr lang="de-DE" sz="2400" b="0" i="1" smtClean="0">
                             <a:latin typeface="Cambria Math" panose="02040503050406030204" pitchFamily="18" charset="0"/>
                           </a:rPr>
                           <m:t>𝑏</m:t>
@@ -24982,7 +27305,7 @@
                       </m:e>
                       <m:sub>
                         <m:r>
-                          <a:rPr lang="de-DE" sz="2000" b="0" i="1" smtClean="0">
+                          <a:rPr lang="de-DE" sz="2400" b="0" i="1" smtClean="0">
                             <a:latin typeface="Cambria Math" panose="02040503050406030204" pitchFamily="18" charset="0"/>
                           </a:rPr>
                           <m:t>2</m:t>
@@ -24990,7 +27313,7 @@
                       </m:sub>
                     </m:sSub>
                     <m:r>
-                      <a:rPr lang="de-DE" sz="2000" i="1">
+                      <a:rPr lang="de-DE" sz="2400" i="1">
                         <a:latin typeface="Cambria Math" panose="02040503050406030204" pitchFamily="18" charset="0"/>
                       </a:rPr>
                       <m:t>=0</m:t>
@@ -24998,7 +27321,7 @@
                   </m:oMath>
                 </a14:m>
                 <a:r>
-                  <a:rPr lang="de-DE" sz="2000" dirty="0"/>
+                  <a:rPr lang="de-DE" sz="2400" dirty="0"/>
                   <a:t>:</a:t>
                 </a:r>
               </a:p>
@@ -25011,7 +27334,7 @@
                     <m:f>
                       <m:fPr>
                         <m:ctrlPr>
-                          <a:rPr lang="de-DE" sz="2000" i="1" smtClean="0">
+                          <a:rPr lang="de-DE" sz="2400" i="1" smtClean="0">
                             <a:latin typeface="Cambria Math" panose="02040503050406030204" pitchFamily="18" charset="0"/>
                           </a:rPr>
                         </m:ctrlPr>
@@ -25020,14 +27343,14 @@
                         <m:sSub>
                           <m:sSubPr>
                             <m:ctrlPr>
-                              <a:rPr lang="de-DE" sz="2000" i="1">
+                              <a:rPr lang="de-DE" sz="2400" i="1">
                                 <a:latin typeface="Cambria Math" panose="02040503050406030204" pitchFamily="18" charset="0"/>
                               </a:rPr>
                             </m:ctrlPr>
                           </m:sSubPr>
                           <m:e>
                             <m:r>
-                              <a:rPr lang="de-DE" sz="2000" i="1">
+                              <a:rPr lang="de-DE" sz="2400" i="1">
                                 <a:latin typeface="Cambria Math" panose="02040503050406030204" pitchFamily="18" charset="0"/>
                               </a:rPr>
                               <m:t>𝑎</m:t>
@@ -25035,7 +27358,7 @@
                           </m:e>
                           <m:sub>
                             <m:r>
-                              <a:rPr lang="de-DE" sz="2000" i="1">
+                              <a:rPr lang="de-DE" sz="2400" i="1">
                                 <a:latin typeface="Cambria Math" panose="02040503050406030204" pitchFamily="18" charset="0"/>
                               </a:rPr>
                               <m:t>2</m:t>
@@ -25047,14 +27370,14 @@
                         <m:sSub>
                           <m:sSubPr>
                             <m:ctrlPr>
-                              <a:rPr lang="de-DE" sz="2000" i="1" smtClean="0">
+                              <a:rPr lang="de-DE" sz="2400" i="1" smtClean="0">
                                 <a:latin typeface="Cambria Math" panose="02040503050406030204" pitchFamily="18" charset="0"/>
                               </a:rPr>
                             </m:ctrlPr>
                           </m:sSubPr>
                           <m:e>
                             <m:r>
-                              <a:rPr lang="de-DE" sz="2000" b="0" i="1" smtClean="0">
+                              <a:rPr lang="de-DE" sz="2400" b="0" i="1" smtClean="0">
                                 <a:latin typeface="Cambria Math" panose="02040503050406030204" pitchFamily="18" charset="0"/>
                               </a:rPr>
                               <m:t>𝑎</m:t>
@@ -25062,7 +27385,7 @@
                           </m:e>
                           <m:sub>
                             <m:r>
-                              <a:rPr lang="de-DE" sz="2000" b="0" i="1" smtClean="0">
+                              <a:rPr lang="de-DE" sz="2400" b="0" i="1" smtClean="0">
                                 <a:latin typeface="Cambria Math" panose="02040503050406030204" pitchFamily="18" charset="0"/>
                               </a:rPr>
                               <m:t>0</m:t>
@@ -25074,7 +27397,7 @@
                     <m:f>
                       <m:fPr>
                         <m:ctrlPr>
-                          <a:rPr lang="de-DE" sz="2000" i="1" smtClean="0">
+                          <a:rPr lang="de-DE" sz="2400" i="1" smtClean="0">
                             <a:latin typeface="Cambria Math" panose="02040503050406030204" pitchFamily="18" charset="0"/>
                           </a:rPr>
                         </m:ctrlPr>
@@ -25083,14 +27406,14 @@
                         <m:sSup>
                           <m:sSupPr>
                             <m:ctrlPr>
-                              <a:rPr lang="de-DE" sz="2000" i="1" smtClean="0">
+                              <a:rPr lang="de-DE" sz="2400" i="1" smtClean="0">
                                 <a:latin typeface="Cambria Math" panose="02040503050406030204" pitchFamily="18" charset="0"/>
                               </a:rPr>
                             </m:ctrlPr>
                           </m:sSupPr>
                           <m:e>
                             <m:r>
-                              <a:rPr lang="de-DE" sz="2000" b="0" i="1" smtClean="0">
+                              <a:rPr lang="de-DE" sz="2400" b="0" i="1" smtClean="0">
                                 <a:latin typeface="Cambria Math" panose="02040503050406030204" pitchFamily="18" charset="0"/>
                               </a:rPr>
                               <m:t>𝑑</m:t>
@@ -25098,7 +27421,7 @@
                           </m:e>
                           <m:sup>
                             <m:r>
-                              <a:rPr lang="de-DE" sz="2000" b="0" i="1" smtClean="0">
+                              <a:rPr lang="de-DE" sz="2400" b="0" i="1" smtClean="0">
                                 <a:latin typeface="Cambria Math" panose="02040503050406030204" pitchFamily="18" charset="0"/>
                               </a:rPr>
                               <m:t>2</m:t>
@@ -25106,25 +27429,25 @@
                           </m:sup>
                         </m:sSup>
                         <m:r>
-                          <a:rPr lang="de-DE" sz="2000" b="0" i="1" smtClean="0">
+                          <a:rPr lang="de-DE" sz="2400" b="0" i="1" smtClean="0">
                             <a:latin typeface="Cambria Math" panose="02040503050406030204" pitchFamily="18" charset="0"/>
                           </a:rPr>
                           <m:t>𝑦</m:t>
                         </m:r>
                         <m:r>
-                          <a:rPr lang="de-DE" sz="2000" b="0" i="1" smtClean="0">
+                          <a:rPr lang="de-DE" sz="2400" b="0" i="1" smtClean="0">
                             <a:latin typeface="Cambria Math" panose="02040503050406030204" pitchFamily="18" charset="0"/>
                           </a:rPr>
                           <m:t>(</m:t>
                         </m:r>
                         <m:r>
-                          <a:rPr lang="de-DE" sz="2000" b="0" i="1" smtClean="0">
+                          <a:rPr lang="de-DE" sz="2400" b="0" i="1" smtClean="0">
                             <a:latin typeface="Cambria Math" panose="02040503050406030204" pitchFamily="18" charset="0"/>
                           </a:rPr>
                           <m:t>𝑡</m:t>
                         </m:r>
                         <m:r>
-                          <a:rPr lang="de-DE" sz="2000" b="0" i="1" smtClean="0">
+                          <a:rPr lang="de-DE" sz="2400" b="0" i="1" smtClean="0">
                             <a:latin typeface="Cambria Math" panose="02040503050406030204" pitchFamily="18" charset="0"/>
                           </a:rPr>
                           <m:t>)</m:t>
@@ -25132,7 +27455,7 @@
                       </m:num>
                       <m:den>
                         <m:r>
-                          <a:rPr lang="de-DE" sz="2000" b="0" i="1" smtClean="0">
+                          <a:rPr lang="de-DE" sz="2400" b="0" i="1" smtClean="0">
                             <a:latin typeface="Cambria Math" panose="02040503050406030204" pitchFamily="18" charset="0"/>
                           </a:rPr>
                           <m:t>𝑑</m:t>
@@ -25140,14 +27463,14 @@
                         <m:sSup>
                           <m:sSupPr>
                             <m:ctrlPr>
-                              <a:rPr lang="de-DE" sz="2000" b="0" i="1" smtClean="0">
+                              <a:rPr lang="de-DE" sz="2400" b="0" i="1" smtClean="0">
                                 <a:latin typeface="Cambria Math" panose="02040503050406030204" pitchFamily="18" charset="0"/>
                               </a:rPr>
                             </m:ctrlPr>
                           </m:sSupPr>
                           <m:e>
                             <m:r>
-                              <a:rPr lang="de-DE" sz="2000" b="0" i="1" smtClean="0">
+                              <a:rPr lang="de-DE" sz="2400" b="0" i="1" smtClean="0">
                                 <a:latin typeface="Cambria Math" panose="02040503050406030204" pitchFamily="18" charset="0"/>
                               </a:rPr>
                               <m:t>𝑡</m:t>
@@ -25155,7 +27478,7 @@
                           </m:e>
                           <m:sup>
                             <m:r>
-                              <a:rPr lang="de-DE" sz="2000" b="0" i="1" smtClean="0">
+                              <a:rPr lang="de-DE" sz="2400" b="0" i="1" smtClean="0">
                                 <a:latin typeface="Cambria Math" panose="02040503050406030204" pitchFamily="18" charset="0"/>
                               </a:rPr>
                               <m:t>2</m:t>
@@ -25165,7 +27488,7 @@
                       </m:den>
                     </m:f>
                     <m:r>
-                      <a:rPr lang="de-DE" sz="2000" b="0" i="1" smtClean="0">
+                      <a:rPr lang="de-DE" sz="2400" b="0" i="1" smtClean="0">
                         <a:latin typeface="Cambria Math" panose="02040503050406030204" pitchFamily="18" charset="0"/>
                       </a:rPr>
                       <m:t>+</m:t>
@@ -25173,7 +27496,7 @@
                     <m:f>
                       <m:fPr>
                         <m:ctrlPr>
-                          <a:rPr lang="de-DE" sz="2000" i="1">
+                          <a:rPr lang="de-DE" sz="2400" i="1">
                             <a:latin typeface="Cambria Math" panose="02040503050406030204" pitchFamily="18" charset="0"/>
                           </a:rPr>
                         </m:ctrlPr>
@@ -25182,14 +27505,14 @@
                         <m:sSub>
                           <m:sSubPr>
                             <m:ctrlPr>
-                              <a:rPr lang="de-DE" sz="2000" i="1">
+                              <a:rPr lang="de-DE" sz="2400" i="1">
                                 <a:latin typeface="Cambria Math" panose="02040503050406030204" pitchFamily="18" charset="0"/>
                               </a:rPr>
                             </m:ctrlPr>
                           </m:sSubPr>
                           <m:e>
                             <m:r>
-                              <a:rPr lang="de-DE" sz="2000" i="1">
+                              <a:rPr lang="de-DE" sz="2400" i="1">
                                 <a:latin typeface="Cambria Math" panose="02040503050406030204" pitchFamily="18" charset="0"/>
                               </a:rPr>
                               <m:t>𝑎</m:t>
@@ -25197,7 +27520,7 @@
                           </m:e>
                           <m:sub>
                             <m:r>
-                              <a:rPr lang="de-DE" sz="2000" b="0" i="1" smtClean="0">
+                              <a:rPr lang="de-DE" sz="2400" b="0" i="1" smtClean="0">
                                 <a:latin typeface="Cambria Math" panose="02040503050406030204" pitchFamily="18" charset="0"/>
                               </a:rPr>
                               <m:t>1</m:t>
@@ -25209,14 +27532,14 @@
                         <m:sSub>
                           <m:sSubPr>
                             <m:ctrlPr>
-                              <a:rPr lang="de-DE" sz="2000" i="1">
+                              <a:rPr lang="de-DE" sz="2400" i="1">
                                 <a:latin typeface="Cambria Math" panose="02040503050406030204" pitchFamily="18" charset="0"/>
                               </a:rPr>
                             </m:ctrlPr>
                           </m:sSubPr>
                           <m:e>
                             <m:r>
-                              <a:rPr lang="de-DE" sz="2000" i="1">
+                              <a:rPr lang="de-DE" sz="2400" i="1">
                                 <a:latin typeface="Cambria Math" panose="02040503050406030204" pitchFamily="18" charset="0"/>
                               </a:rPr>
                               <m:t>𝑎</m:t>
@@ -25224,7 +27547,7 @@
                           </m:e>
                           <m:sub>
                             <m:r>
-                              <a:rPr lang="de-DE" sz="2000" i="1">
+                              <a:rPr lang="de-DE" sz="2400" i="1">
                                 <a:latin typeface="Cambria Math" panose="02040503050406030204" pitchFamily="18" charset="0"/>
                               </a:rPr>
                               <m:t>0</m:t>
@@ -25236,14 +27559,14 @@
                     <m:f>
                       <m:fPr>
                         <m:ctrlPr>
-                          <a:rPr lang="de-DE" sz="2000" i="1">
+                          <a:rPr lang="de-DE" sz="2400" i="1">
                             <a:latin typeface="Cambria Math" panose="02040503050406030204" pitchFamily="18" charset="0"/>
                           </a:rPr>
                         </m:ctrlPr>
                       </m:fPr>
                       <m:num>
                         <m:r>
-                          <a:rPr lang="de-DE" sz="2000" i="1">
+                          <a:rPr lang="de-DE" sz="2400" i="1">
                             <a:latin typeface="Cambria Math" panose="02040503050406030204" pitchFamily="18" charset="0"/>
                           </a:rPr>
                           <m:t>𝑑𝑦</m:t>
@@ -25251,14 +27574,14 @@
                         <m:d>
                           <m:dPr>
                             <m:ctrlPr>
-                              <a:rPr lang="de-DE" sz="2000" i="1">
+                              <a:rPr lang="de-DE" sz="2400" i="1">
                                 <a:latin typeface="Cambria Math" panose="02040503050406030204" pitchFamily="18" charset="0"/>
                               </a:rPr>
                             </m:ctrlPr>
                           </m:dPr>
                           <m:e>
                             <m:r>
-                              <a:rPr lang="de-DE" sz="2000" i="1">
+                              <a:rPr lang="de-DE" sz="2400" i="1">
                                 <a:latin typeface="Cambria Math" panose="02040503050406030204" pitchFamily="18" charset="0"/>
                               </a:rPr>
                               <m:t>𝑡</m:t>
@@ -25268,7 +27591,7 @@
                       </m:num>
                       <m:den>
                         <m:r>
-                          <a:rPr lang="de-DE" sz="2000" i="1">
+                          <a:rPr lang="de-DE" sz="2400" i="1">
                             <a:latin typeface="Cambria Math" panose="02040503050406030204" pitchFamily="18" charset="0"/>
                           </a:rPr>
                           <m:t>𝑑𝑡</m:t>
@@ -25276,34 +27599,34 @@
                       </m:den>
                     </m:f>
                     <m:r>
-                      <a:rPr lang="de-DE" sz="2000" b="0" i="1" smtClean="0">
+                      <a:rPr lang="de-DE" sz="2400" b="0" i="1" smtClean="0">
                         <a:latin typeface="Cambria Math" panose="02040503050406030204" pitchFamily="18" charset="0"/>
                       </a:rPr>
                       <m:t>+</m:t>
                     </m:r>
                     <m:r>
-                      <a:rPr lang="de-DE" sz="2000" b="0" i="1" smtClean="0">
+                      <a:rPr lang="de-DE" sz="2400" b="0" i="1" smtClean="0">
                         <a:latin typeface="Cambria Math" panose="02040503050406030204" pitchFamily="18" charset="0"/>
                         <a:ea typeface="Cambria Math" panose="02040503050406030204" pitchFamily="18" charset="0"/>
                       </a:rPr>
                       <m:t>𝑦</m:t>
                     </m:r>
                     <m:r>
-                      <a:rPr lang="de-DE" sz="2000" b="0" i="1" smtClean="0">
+                      <a:rPr lang="de-DE" sz="2400" b="0" i="1" smtClean="0">
                         <a:latin typeface="Cambria Math" panose="02040503050406030204" pitchFamily="18" charset="0"/>
                         <a:ea typeface="Cambria Math" panose="02040503050406030204" pitchFamily="18" charset="0"/>
                       </a:rPr>
                       <m:t>(</m:t>
                     </m:r>
                     <m:r>
-                      <a:rPr lang="de-DE" sz="2000" b="0" i="1" smtClean="0">
+                      <a:rPr lang="de-DE" sz="2400" b="0" i="1" smtClean="0">
                         <a:latin typeface="Cambria Math" panose="02040503050406030204" pitchFamily="18" charset="0"/>
                         <a:ea typeface="Cambria Math" panose="02040503050406030204" pitchFamily="18" charset="0"/>
                       </a:rPr>
                       <m:t>𝑡</m:t>
                     </m:r>
                     <m:r>
-                      <a:rPr lang="de-DE" sz="2000" b="0" i="1" smtClean="0">
+                      <a:rPr lang="de-DE" sz="2400" b="0" i="1" smtClean="0">
                         <a:latin typeface="Cambria Math" panose="02040503050406030204" pitchFamily="18" charset="0"/>
                         <a:ea typeface="Cambria Math" panose="02040503050406030204" pitchFamily="18" charset="0"/>
                       </a:rPr>
@@ -25312,7 +27635,7 @@
                     <m:f>
                       <m:fPr>
                         <m:ctrlPr>
-                          <a:rPr lang="de-DE" sz="2000" i="1">
+                          <a:rPr lang="de-DE" sz="2400" i="1">
                             <a:latin typeface="Cambria Math" panose="02040503050406030204" pitchFamily="18" charset="0"/>
                           </a:rPr>
                         </m:ctrlPr>
@@ -25321,14 +27644,14 @@
                         <m:sSub>
                           <m:sSubPr>
                             <m:ctrlPr>
-                              <a:rPr lang="de-DE" sz="2000" i="1">
+                              <a:rPr lang="de-DE" sz="2400" i="1">
                                 <a:latin typeface="Cambria Math" panose="02040503050406030204" pitchFamily="18" charset="0"/>
                               </a:rPr>
                             </m:ctrlPr>
                           </m:sSubPr>
                           <m:e>
                             <m:r>
-                              <a:rPr lang="de-DE" sz="2000" b="0" i="1" smtClean="0">
+                              <a:rPr lang="de-DE" sz="2400" b="0" i="1" smtClean="0">
                                 <a:latin typeface="Cambria Math" panose="02040503050406030204" pitchFamily="18" charset="0"/>
                               </a:rPr>
                               <m:t>𝑏</m:t>
@@ -25336,7 +27659,7 @@
                           </m:e>
                           <m:sub>
                             <m:r>
-                              <a:rPr lang="de-DE" sz="2000" b="0" i="1" smtClean="0">
+                              <a:rPr lang="de-DE" sz="2400" b="0" i="1" smtClean="0">
                                 <a:latin typeface="Cambria Math" panose="02040503050406030204" pitchFamily="18" charset="0"/>
                               </a:rPr>
                               <m:t>0</m:t>
@@ -25348,14 +27671,14 @@
                         <m:sSub>
                           <m:sSubPr>
                             <m:ctrlPr>
-                              <a:rPr lang="de-DE" sz="2000" i="1">
+                              <a:rPr lang="de-DE" sz="2400" i="1">
                                 <a:latin typeface="Cambria Math" panose="02040503050406030204" pitchFamily="18" charset="0"/>
                               </a:rPr>
                             </m:ctrlPr>
                           </m:sSubPr>
                           <m:e>
                             <m:r>
-                              <a:rPr lang="de-DE" sz="2000" i="1">
+                              <a:rPr lang="de-DE" sz="2400" i="1">
                                 <a:latin typeface="Cambria Math" panose="02040503050406030204" pitchFamily="18" charset="0"/>
                               </a:rPr>
                               <m:t>𝑎</m:t>
@@ -25363,7 +27686,7 @@
                           </m:e>
                           <m:sub>
                             <m:r>
-                              <a:rPr lang="de-DE" sz="2000" i="1">
+                              <a:rPr lang="de-DE" sz="2400" i="1">
                                 <a:latin typeface="Cambria Math" panose="02040503050406030204" pitchFamily="18" charset="0"/>
                               </a:rPr>
                               <m:t>0</m:t>
@@ -25373,25 +27696,25 @@
                       </m:den>
                     </m:f>
                     <m:r>
-                      <a:rPr lang="de-DE" sz="2000" i="1">
+                      <a:rPr lang="de-DE" sz="2400" i="1">
                         <a:latin typeface="Cambria Math" panose="02040503050406030204" pitchFamily="18" charset="0"/>
                       </a:rPr>
                       <m:t>𝑢</m:t>
                     </m:r>
                     <m:r>
-                      <a:rPr lang="de-DE" sz="2000" i="1">
+                      <a:rPr lang="de-DE" sz="2400" i="1">
                         <a:latin typeface="Cambria Math" panose="02040503050406030204" pitchFamily="18" charset="0"/>
                       </a:rPr>
                       <m:t>(</m:t>
                     </m:r>
                     <m:r>
-                      <a:rPr lang="de-DE" sz="2000" i="1">
+                      <a:rPr lang="de-DE" sz="2400" i="1">
                         <a:latin typeface="Cambria Math" panose="02040503050406030204" pitchFamily="18" charset="0"/>
                       </a:rPr>
                       <m:t>𝑡</m:t>
                     </m:r>
                     <m:r>
-                      <a:rPr lang="de-DE" sz="2000" i="1">
+                      <a:rPr lang="de-DE" sz="2400" i="1">
                         <a:latin typeface="Cambria Math" panose="02040503050406030204" pitchFamily="18" charset="0"/>
                       </a:rPr>
                       <m:t>)</m:t>
@@ -25399,21 +27722,32 @@
                   </m:oMath>
                 </a14:m>
                 <a:r>
-                  <a:rPr lang="de-DE" sz="2000" dirty="0"/>
-                  <a:t>     </a:t>
-                </a:r>
-                <a:r>
-                  <a:rPr lang="de-DE" sz="2000" dirty="0" err="1"/>
-                  <a:t>or</a:t>
-                </a:r>
-                <a:r>
-                  <a:rPr lang="de-DE" sz="2000" dirty="0"/>
-                  <a:t>     </a:t>
-                </a:r>
+                  <a:rPr lang="de-DE" sz="2400" dirty="0"/>
+                  <a:t> </a:t>
+                </a:r>
+              </a:p>
+              <a:p>
+                <a:pPr marL="0" indent="0">
+                  <a:buNone/>
+                </a:pPr>
+                <a:endParaRPr lang="de-DE" sz="2400" dirty="0"/>
+              </a:p>
+              <a:p>
+                <a:pPr marL="0" indent="0">
+                  <a:buNone/>
+                </a:pPr>
+                <a:endParaRPr lang="de-DE" sz="2400" i="1" dirty="0">
+                  <a:latin typeface="Cambria Math" panose="02040503050406030204" pitchFamily="18" charset="0"/>
+                </a:endParaRPr>
+              </a:p>
+              <a:p>
+                <a:pPr marL="0" indent="0">
+                  <a:buNone/>
+                </a:pPr>
                 <a14:m>
                   <m:oMath xmlns:m="http://schemas.openxmlformats.org/officeDocument/2006/math">
                     <m:r>
-                      <a:rPr lang="de-DE" sz="2000" i="1">
+                      <a:rPr lang="de-DE" sz="2400" i="1">
                         <a:latin typeface="Cambria Math" panose="02040503050406030204" pitchFamily="18" charset="0"/>
                       </a:rPr>
                       <m:t>𝑌</m:t>
@@ -25421,14 +27755,14 @@
                     <m:d>
                       <m:dPr>
                         <m:ctrlPr>
-                          <a:rPr lang="de-DE" sz="2000" i="1">
+                          <a:rPr lang="de-DE" sz="2400" i="1">
                             <a:latin typeface="Cambria Math" panose="02040503050406030204" pitchFamily="18" charset="0"/>
                           </a:rPr>
                         </m:ctrlPr>
                       </m:dPr>
                       <m:e>
                         <m:r>
-                          <a:rPr lang="de-DE" sz="2000" i="1">
+                          <a:rPr lang="de-DE" sz="2400" i="1">
                             <a:latin typeface="Cambria Math" panose="02040503050406030204" pitchFamily="18" charset="0"/>
                           </a:rPr>
                           <m:t>𝑠</m:t>
@@ -25436,7 +27770,7 @@
                       </m:e>
                     </m:d>
                     <m:r>
-                      <a:rPr lang="de-DE" sz="2000" i="1" smtClean="0">
+                      <a:rPr lang="de-DE" sz="2400" i="1">
                         <a:latin typeface="Cambria Math" panose="02040503050406030204" pitchFamily="18" charset="0"/>
                         <a:ea typeface="Cambria Math" panose="02040503050406030204" pitchFamily="18" charset="0"/>
                       </a:rPr>
@@ -25445,7 +27779,7 @@
                     <m:d>
                       <m:dPr>
                         <m:ctrlPr>
-                          <a:rPr lang="de-DE" sz="2000" i="1" smtClean="0">
+                          <a:rPr lang="de-DE" sz="2400" i="1">
                             <a:latin typeface="Cambria Math" panose="02040503050406030204" pitchFamily="18" charset="0"/>
                             <a:ea typeface="Cambria Math" panose="02040503050406030204" pitchFamily="18" charset="0"/>
                           </a:rPr>
@@ -25455,7 +27789,7 @@
                         <m:f>
                           <m:fPr>
                             <m:ctrlPr>
-                              <a:rPr lang="de-DE" sz="2000" i="1">
+                              <a:rPr lang="de-DE" sz="2400" i="1">
                                 <a:latin typeface="Cambria Math" panose="02040503050406030204" pitchFamily="18" charset="0"/>
                               </a:rPr>
                             </m:ctrlPr>
@@ -25464,14 +27798,14 @@
                             <m:sSub>
                               <m:sSubPr>
                                 <m:ctrlPr>
-                                  <a:rPr lang="de-DE" sz="2000" i="1">
+                                  <a:rPr lang="de-DE" sz="2400" i="1">
                                     <a:latin typeface="Cambria Math" panose="02040503050406030204" pitchFamily="18" charset="0"/>
                                   </a:rPr>
                                 </m:ctrlPr>
                               </m:sSubPr>
                               <m:e>
                                 <m:r>
-                                  <a:rPr lang="de-DE" sz="2000" i="1">
+                                  <a:rPr lang="de-DE" sz="2400" i="1">
                                     <a:latin typeface="Cambria Math" panose="02040503050406030204" pitchFamily="18" charset="0"/>
                                   </a:rPr>
                                   <m:t>𝑎</m:t>
@@ -25479,7 +27813,7 @@
                               </m:e>
                               <m:sub>
                                 <m:r>
-                                  <a:rPr lang="de-DE" sz="2000" i="1">
+                                  <a:rPr lang="de-DE" sz="2400" i="1">
                                     <a:latin typeface="Cambria Math" panose="02040503050406030204" pitchFamily="18" charset="0"/>
                                   </a:rPr>
                                   <m:t>2</m:t>
@@ -25491,14 +27825,14 @@
                             <m:sSub>
                               <m:sSubPr>
                                 <m:ctrlPr>
-                                  <a:rPr lang="de-DE" sz="2000" i="1">
+                                  <a:rPr lang="de-DE" sz="2400" i="1">
                                     <a:latin typeface="Cambria Math" panose="02040503050406030204" pitchFamily="18" charset="0"/>
                                   </a:rPr>
                                 </m:ctrlPr>
                               </m:sSubPr>
                               <m:e>
                                 <m:r>
-                                  <a:rPr lang="de-DE" sz="2000" i="1">
+                                  <a:rPr lang="de-DE" sz="2400" i="1">
                                     <a:latin typeface="Cambria Math" panose="02040503050406030204" pitchFamily="18" charset="0"/>
                                   </a:rPr>
                                   <m:t>𝑎</m:t>
@@ -25506,7 +27840,7 @@
                               </m:e>
                               <m:sub>
                                 <m:r>
-                                  <a:rPr lang="de-DE" sz="2000" i="1">
+                                  <a:rPr lang="de-DE" sz="2400" i="1">
                                     <a:latin typeface="Cambria Math" panose="02040503050406030204" pitchFamily="18" charset="0"/>
                                   </a:rPr>
                                   <m:t>0</m:t>
@@ -25518,7 +27852,7 @@
                         <m:sSup>
                           <m:sSupPr>
                             <m:ctrlPr>
-                              <a:rPr lang="de-DE" sz="2000" i="1" smtClean="0">
+                              <a:rPr lang="de-DE" sz="2400" i="1">
                                 <a:latin typeface="Cambria Math" panose="02040503050406030204" pitchFamily="18" charset="0"/>
                                 <a:ea typeface="Cambria Math" panose="02040503050406030204" pitchFamily="18" charset="0"/>
                               </a:rPr>
@@ -25526,7 +27860,7 @@
                           </m:sSupPr>
                           <m:e>
                             <m:r>
-                              <a:rPr lang="de-DE" sz="2000" b="0" i="1" smtClean="0">
+                              <a:rPr lang="de-DE" sz="2400" i="1">
                                 <a:latin typeface="Cambria Math" panose="02040503050406030204" pitchFamily="18" charset="0"/>
                                 <a:ea typeface="Cambria Math" panose="02040503050406030204" pitchFamily="18" charset="0"/>
                               </a:rPr>
@@ -25535,7 +27869,7 @@
                           </m:e>
                           <m:sup>
                             <m:r>
-                              <a:rPr lang="de-DE" sz="2000" b="0" i="1" smtClean="0">
+                              <a:rPr lang="de-DE" sz="2400" i="1">
                                 <a:latin typeface="Cambria Math" panose="02040503050406030204" pitchFamily="18" charset="0"/>
                                 <a:ea typeface="Cambria Math" panose="02040503050406030204" pitchFamily="18" charset="0"/>
                               </a:rPr>
@@ -25544,7 +27878,7 @@
                           </m:sup>
                         </m:sSup>
                         <m:r>
-                          <a:rPr lang="de-DE" sz="2000" b="0" i="1" smtClean="0">
+                          <a:rPr lang="de-DE" sz="2400" i="1">
                             <a:latin typeface="Cambria Math" panose="02040503050406030204" pitchFamily="18" charset="0"/>
                             <a:ea typeface="Cambria Math" panose="02040503050406030204" pitchFamily="18" charset="0"/>
                           </a:rPr>
@@ -25553,7 +27887,7 @@
                         <m:f>
                           <m:fPr>
                             <m:ctrlPr>
-                              <a:rPr lang="de-DE" sz="2000" i="1">
+                              <a:rPr lang="de-DE" sz="2400" i="1">
                                 <a:latin typeface="Cambria Math" panose="02040503050406030204" pitchFamily="18" charset="0"/>
                               </a:rPr>
                             </m:ctrlPr>
@@ -25562,14 +27896,14 @@
                             <m:sSub>
                               <m:sSubPr>
                                 <m:ctrlPr>
-                                  <a:rPr lang="de-DE" sz="2000" i="1">
+                                  <a:rPr lang="de-DE" sz="2400" i="1">
                                     <a:latin typeface="Cambria Math" panose="02040503050406030204" pitchFamily="18" charset="0"/>
                                   </a:rPr>
                                 </m:ctrlPr>
                               </m:sSubPr>
                               <m:e>
                                 <m:r>
-                                  <a:rPr lang="de-DE" sz="2000" i="1">
+                                  <a:rPr lang="de-DE" sz="2400" i="1">
                                     <a:latin typeface="Cambria Math" panose="02040503050406030204" pitchFamily="18" charset="0"/>
                                   </a:rPr>
                                   <m:t>𝑎</m:t>
@@ -25577,7 +27911,7 @@
                               </m:e>
                               <m:sub>
                                 <m:r>
-                                  <a:rPr lang="de-DE" sz="2000" i="1">
+                                  <a:rPr lang="de-DE" sz="2400" i="1">
                                     <a:latin typeface="Cambria Math" panose="02040503050406030204" pitchFamily="18" charset="0"/>
                                   </a:rPr>
                                   <m:t>1</m:t>
@@ -25589,14 +27923,14 @@
                             <m:sSub>
                               <m:sSubPr>
                                 <m:ctrlPr>
-                                  <a:rPr lang="de-DE" sz="2000" i="1">
+                                  <a:rPr lang="de-DE" sz="2400" i="1">
                                     <a:latin typeface="Cambria Math" panose="02040503050406030204" pitchFamily="18" charset="0"/>
                                   </a:rPr>
                                 </m:ctrlPr>
                               </m:sSubPr>
                               <m:e>
                                 <m:r>
-                                  <a:rPr lang="de-DE" sz="2000" i="1">
+                                  <a:rPr lang="de-DE" sz="2400" i="1">
                                     <a:latin typeface="Cambria Math" panose="02040503050406030204" pitchFamily="18" charset="0"/>
                                   </a:rPr>
                                   <m:t>𝑎</m:t>
@@ -25604,7 +27938,7 @@
                               </m:e>
                               <m:sub>
                                 <m:r>
-                                  <a:rPr lang="de-DE" sz="2000" i="1">
+                                  <a:rPr lang="de-DE" sz="2400" i="1">
                                     <a:latin typeface="Cambria Math" panose="02040503050406030204" pitchFamily="18" charset="0"/>
                                   </a:rPr>
                                   <m:t>0</m:t>
@@ -25614,14 +27948,14 @@
                           </m:den>
                         </m:f>
                         <m:r>
-                          <a:rPr lang="de-DE" sz="2000" b="0" i="1" smtClean="0">
+                          <a:rPr lang="de-DE" sz="2400" i="1">
                             <a:latin typeface="Cambria Math" panose="02040503050406030204" pitchFamily="18" charset="0"/>
                             <a:ea typeface="Cambria Math" panose="02040503050406030204" pitchFamily="18" charset="0"/>
                           </a:rPr>
                           <m:t>𝑠</m:t>
                         </m:r>
                         <m:r>
-                          <a:rPr lang="de-DE" sz="2000" b="0" i="1" smtClean="0">
+                          <a:rPr lang="de-DE" sz="2400" i="1">
                             <a:latin typeface="Cambria Math" panose="02040503050406030204" pitchFamily="18" charset="0"/>
                           </a:rPr>
                           <m:t>+1</m:t>
@@ -25629,7 +27963,7 @@
                       </m:e>
                     </m:d>
                     <m:r>
-                      <a:rPr lang="de-DE" sz="2000" i="1">
+                      <a:rPr lang="de-DE" sz="2400" i="1">
                         <a:latin typeface="Cambria Math" panose="02040503050406030204" pitchFamily="18" charset="0"/>
                       </a:rPr>
                       <m:t>=</m:t>
@@ -25637,7 +27971,7 @@
                     <m:f>
                       <m:fPr>
                         <m:ctrlPr>
-                          <a:rPr lang="de-DE" sz="2000" i="1">
+                          <a:rPr lang="de-DE" sz="2400" i="1">
                             <a:latin typeface="Cambria Math" panose="02040503050406030204" pitchFamily="18" charset="0"/>
                           </a:rPr>
                         </m:ctrlPr>
@@ -25646,14 +27980,14 @@
                         <m:sSub>
                           <m:sSubPr>
                             <m:ctrlPr>
-                              <a:rPr lang="de-DE" sz="2000" i="1">
+                              <a:rPr lang="de-DE" sz="2400" i="1">
                                 <a:latin typeface="Cambria Math" panose="02040503050406030204" pitchFamily="18" charset="0"/>
                               </a:rPr>
                             </m:ctrlPr>
                           </m:sSubPr>
                           <m:e>
                             <m:r>
-                              <a:rPr lang="de-DE" sz="2000" i="1">
+                              <a:rPr lang="de-DE" sz="2400" i="1">
                                 <a:latin typeface="Cambria Math" panose="02040503050406030204" pitchFamily="18" charset="0"/>
                               </a:rPr>
                               <m:t>𝑏</m:t>
@@ -25661,7 +27995,7 @@
                           </m:e>
                           <m:sub>
                             <m:r>
-                              <a:rPr lang="de-DE" sz="2000" i="1">
+                              <a:rPr lang="de-DE" sz="2400" i="1">
                                 <a:latin typeface="Cambria Math" panose="02040503050406030204" pitchFamily="18" charset="0"/>
                               </a:rPr>
                               <m:t>0</m:t>
@@ -25673,14 +28007,14 @@
                         <m:sSub>
                           <m:sSubPr>
                             <m:ctrlPr>
-                              <a:rPr lang="de-DE" sz="2000" i="1" smtClean="0">
+                              <a:rPr lang="de-DE" sz="2400" i="1">
                                 <a:latin typeface="Cambria Math" panose="02040503050406030204" pitchFamily="18" charset="0"/>
                               </a:rPr>
                             </m:ctrlPr>
                           </m:sSubPr>
                           <m:e>
                             <m:r>
-                              <a:rPr lang="de-DE" sz="2000" b="0" i="1" smtClean="0">
+                              <a:rPr lang="de-DE" sz="2400" i="1">
                                 <a:latin typeface="Cambria Math" panose="02040503050406030204" pitchFamily="18" charset="0"/>
                               </a:rPr>
                               <m:t>𝑎</m:t>
@@ -25688,7 +28022,7 @@
                           </m:e>
                           <m:sub>
                             <m:r>
-                              <a:rPr lang="de-DE" sz="2000" b="0" i="1" smtClean="0">
+                              <a:rPr lang="de-DE" sz="2400" i="1">
                                 <a:latin typeface="Cambria Math" panose="02040503050406030204" pitchFamily="18" charset="0"/>
                               </a:rPr>
                               <m:t>0</m:t>
@@ -25698,39 +28032,42 @@
                       </m:den>
                     </m:f>
                     <m:r>
-                      <a:rPr lang="de-DE" sz="2000" i="1">
+                      <a:rPr lang="de-DE" sz="2400" i="1">
                         <a:latin typeface="Cambria Math" panose="02040503050406030204" pitchFamily="18" charset="0"/>
                         <a:ea typeface="Cambria Math" panose="02040503050406030204" pitchFamily="18" charset="0"/>
                       </a:rPr>
                       <m:t>∙</m:t>
                     </m:r>
                     <m:r>
-                      <a:rPr lang="de-DE" sz="2000" i="1">
+                      <a:rPr lang="de-DE" sz="2400" i="1">
                         <a:latin typeface="Cambria Math" panose="02040503050406030204" pitchFamily="18" charset="0"/>
                       </a:rPr>
                       <m:t>𝑈</m:t>
                     </m:r>
                     <m:r>
-                      <a:rPr lang="de-DE" sz="2000" i="1">
+                      <a:rPr lang="de-DE" sz="2400" i="1">
                         <a:latin typeface="Cambria Math" panose="02040503050406030204" pitchFamily="18" charset="0"/>
                       </a:rPr>
                       <m:t>(</m:t>
                     </m:r>
                     <m:r>
-                      <a:rPr lang="de-DE" sz="2000" i="1">
+                      <a:rPr lang="de-DE" sz="2400" i="1">
                         <a:latin typeface="Cambria Math" panose="02040503050406030204" pitchFamily="18" charset="0"/>
                       </a:rPr>
                       <m:t>𝑠</m:t>
                     </m:r>
                     <m:r>
-                      <a:rPr lang="de-DE" sz="2000" i="1">
+                      <a:rPr lang="de-DE" sz="2400" i="1">
                         <a:latin typeface="Cambria Math" panose="02040503050406030204" pitchFamily="18" charset="0"/>
                       </a:rPr>
                       <m:t>)</m:t>
                     </m:r>
                   </m:oMath>
                 </a14:m>
-                <a:endParaRPr lang="de-DE" sz="2000" dirty="0"/>
+                <a:r>
+                  <a:rPr lang="de-DE" sz="2400" dirty="0"/>
+                  <a:t> </a:t>
+                </a:r>
               </a:p>
             </p:txBody>
           </p:sp>
@@ -25754,9 +28091,9 @@
             </p:nvSpPr>
             <p:spPr>
               <a:blipFill>
-                <a:blip r:embed="rId8"/>
+                <a:blip r:embed="rId6"/>
                 <a:stretch>
-                  <a:fillRect l="-724" t="-1163"/>
+                  <a:fillRect l="-965" t="-2035"/>
                 </a:stretch>
               </a:blipFill>
             </p:spPr>
@@ -25798,7 +28135,7 @@
           <a:p>
             <a:fld id="{08C366F5-AFAD-49CB-854A-9D9E238FCA13}" type="slidenum">
               <a:rPr lang="en-GB" smtClean="0"/>
-              <a:t>34</a:t>
+              <a:t>37</a:t>
             </a:fld>
             <a:endParaRPr lang="en-GB"/>
           </a:p>
@@ -25818,7 +28155,7 @@
         </p:nvSpPr>
         <p:spPr>
           <a:xfrm>
-            <a:off x="1100831" y="5807631"/>
+            <a:off x="5056877" y="4842153"/>
             <a:ext cx="1677575" cy="369332"/>
           </a:xfrm>
           <a:prstGeom prst="rect">
@@ -25867,7 +28204,7 @@
             </p:nvSpPr>
             <p:spPr>
               <a:xfrm>
-                <a:off x="289962" y="2863483"/>
+                <a:off x="289962" y="3032159"/>
                 <a:ext cx="458781" cy="653962"/>
               </a:xfrm>
               <a:prstGeom prst="rect">
@@ -25966,16 +28303,16 @@
             </p:nvSpPr>
             <p:spPr>
               <a:xfrm>
-                <a:off x="289962" y="2863483"/>
+                <a:off x="289962" y="3032159"/>
                 <a:ext cx="458781" cy="653962"/>
               </a:xfrm>
               <a:prstGeom prst="rect">
                 <a:avLst/>
               </a:prstGeom>
               <a:blipFill>
-                <a:blip r:embed="rId9"/>
+                <a:blip r:embed="rId7"/>
                 <a:stretch>
-                  <a:fillRect b="-11538"/>
+                  <a:fillRect b="-9434"/>
                 </a:stretch>
               </a:blipFill>
             </p:spPr>
@@ -26010,7 +28347,7 @@
             </p:nvSpPr>
             <p:spPr>
               <a:xfrm flipH="1">
-                <a:off x="2724481" y="2970016"/>
+                <a:off x="4888478" y="3140194"/>
                 <a:ext cx="892757" cy="307777"/>
               </a:xfrm>
               <a:prstGeom prst="rect">
@@ -26062,16 +28399,16 @@
             </p:nvSpPr>
             <p:spPr>
               <a:xfrm flipH="1">
-                <a:off x="2724481" y="2970016"/>
+                <a:off x="4888478" y="3140194"/>
                 <a:ext cx="892757" cy="307777"/>
               </a:xfrm>
               <a:prstGeom prst="rect">
                 <a:avLst/>
               </a:prstGeom>
               <a:blipFill>
-                <a:blip r:embed="rId10"/>
+                <a:blip r:embed="rId8"/>
                 <a:stretch>
-                  <a:fillRect b="-3846"/>
+                  <a:fillRect b="-8000"/>
                 </a:stretch>
               </a:blipFill>
             </p:spPr>
@@ -26107,8 +28444,8 @@
         </p:nvCxnSpPr>
         <p:spPr>
           <a:xfrm flipV="1">
-            <a:off x="519353" y="2528733"/>
-            <a:ext cx="355811" cy="334750"/>
+            <a:off x="519353" y="2659225"/>
+            <a:ext cx="318847" cy="372934"/>
           </a:xfrm>
           <a:prstGeom prst="straightConnector1">
             <a:avLst/>
@@ -26148,9 +28485,9 @@
           <p:nvPr/>
         </p:nvCxnSpPr>
         <p:spPr>
-          <a:xfrm flipV="1">
-            <a:off x="3170859" y="2528733"/>
-            <a:ext cx="738157" cy="441283"/>
+          <a:xfrm flipH="1" flipV="1">
+            <a:off x="4758431" y="2659225"/>
+            <a:ext cx="576425" cy="480969"/>
           </a:xfrm>
           <a:prstGeom prst="straightConnector1">
             <a:avLst/>
@@ -26190,7 +28527,7 @@
             </p:nvSpPr>
             <p:spPr>
               <a:xfrm>
-                <a:off x="4365718" y="3053264"/>
+                <a:off x="876849" y="5026819"/>
                 <a:ext cx="2752227" cy="926920"/>
               </a:xfrm>
               <a:prstGeom prst="rect">
@@ -26439,16 +28776,16 @@
             </p:nvSpPr>
             <p:spPr>
               <a:xfrm>
-                <a:off x="4365718" y="3053264"/>
+                <a:off x="876849" y="5026819"/>
                 <a:ext cx="2752227" cy="926920"/>
               </a:xfrm>
               <a:prstGeom prst="rect">
                 <a:avLst/>
               </a:prstGeom>
               <a:blipFill>
-                <a:blip r:embed="rId11"/>
+                <a:blip r:embed="rId9"/>
                 <a:stretch>
-                  <a:fillRect l="-1370" r="-913" b="-4054"/>
+                  <a:fillRect l="-1370" r="-1370" b="-4000"/>
                 </a:stretch>
               </a:blipFill>
               <a:ln>
@@ -26488,7 +28825,7 @@
             </p:nvSpPr>
             <p:spPr>
               <a:xfrm>
-                <a:off x="1412262" y="2887016"/>
+                <a:off x="2629618" y="3055692"/>
                 <a:ext cx="738157" cy="630429"/>
               </a:xfrm>
               <a:prstGeom prst="rect">
@@ -26585,16 +28922,16 @@
             </p:nvSpPr>
             <p:spPr>
               <a:xfrm>
-                <a:off x="1412262" y="2887016"/>
+                <a:off x="2629618" y="3055692"/>
                 <a:ext cx="738157" cy="630429"/>
               </a:xfrm>
               <a:prstGeom prst="rect">
                 <a:avLst/>
               </a:prstGeom>
               <a:blipFill>
-                <a:blip r:embed="rId12"/>
+                <a:blip r:embed="rId10"/>
                 <a:stretch>
-                  <a:fillRect b="-12000"/>
+                  <a:fillRect b="-9804"/>
                 </a:stretch>
               </a:blipFill>
             </p:spPr>
@@ -26623,14 +28960,15 @@
             </a:extLst>
           </p:cNvPr>
           <p:cNvCxnSpPr>
+            <a:cxnSpLocks/>
             <a:stCxn id="24" idx="0"/>
           </p:cNvCxnSpPr>
           <p:nvPr/>
         </p:nvCxnSpPr>
         <p:spPr>
-          <a:xfrm flipV="1">
-            <a:off x="1781341" y="2490549"/>
-            <a:ext cx="275948" cy="396467"/>
+          <a:xfrm flipH="1" flipV="1">
+            <a:off x="2569048" y="2666325"/>
+            <a:ext cx="429649" cy="389367"/>
           </a:xfrm>
           <a:prstGeom prst="straightConnector1">
             <a:avLst/>
@@ -26667,7 +29005,645 @@
 </p:sld>
 </file>
 
-<file path=ppt/slides/slide35.xml><?xml version="1.0" encoding="utf-8"?>
+<file path=ppt/slides/slide38.xml><?xml version="1.0" encoding="utf-8"?>
+<p:sld xmlns:a="http://schemas.openxmlformats.org/drawingml/2006/main" xmlns:r="http://schemas.openxmlformats.org/officeDocument/2006/relationships" xmlns:p="http://schemas.openxmlformats.org/presentationml/2006/main">
+  <p:cSld>
+    <p:spTree>
+      <p:nvGrpSpPr>
+        <p:cNvPr id="1" name=""/>
+        <p:cNvGrpSpPr/>
+        <p:nvPr/>
+      </p:nvGrpSpPr>
+      <p:grpSpPr>
+        <a:xfrm>
+          <a:off x="0" y="0"/>
+          <a:ext cx="0" cy="0"/>
+          <a:chOff x="0" y="0"/>
+          <a:chExt cx="0" cy="0"/>
+        </a:xfrm>
+      </p:grpSpPr>
+      <p:sp>
+        <p:nvSpPr>
+          <p:cNvPr id="3" name="Foliennummernplatzhalter 2">
+            <a:extLst>
+              <a:ext uri="{FF2B5EF4-FFF2-40B4-BE49-F238E27FC236}">
+                <a16:creationId xmlns:a16="http://schemas.microsoft.com/office/drawing/2014/main" id="{FC3658D1-744D-30FC-180A-56744EEE0FE6}"/>
+              </a:ext>
+            </a:extLst>
+          </p:cNvPr>
+          <p:cNvSpPr>
+            <a:spLocks noGrp="1"/>
+          </p:cNvSpPr>
+          <p:nvPr>
+            <p:ph type="sldNum" sz="quarter" idx="12"/>
+          </p:nvPr>
+        </p:nvSpPr>
+        <p:spPr/>
+        <p:txBody>
+          <a:bodyPr/>
+          <a:lstStyle/>
+          <a:p>
+            <a:fld id="{08C366F5-AFAD-49CB-854A-9D9E238FCA13}" type="slidenum">
+              <a:rPr lang="en-GB" smtClean="0"/>
+              <a:t>38</a:t>
+            </a:fld>
+            <a:endParaRPr lang="en-GB"/>
+          </a:p>
+        </p:txBody>
+      </p:sp>
+      <p:pic>
+        <p:nvPicPr>
+          <p:cNvPr id="4" name="Grafik 3">
+            <a:extLst>
+              <a:ext uri="{FF2B5EF4-FFF2-40B4-BE49-F238E27FC236}">
+                <a16:creationId xmlns:a16="http://schemas.microsoft.com/office/drawing/2014/main" id="{5B42B79A-BAA7-B097-D1B8-769BA2F24B1B}"/>
+              </a:ext>
+            </a:extLst>
+          </p:cNvPr>
+          <p:cNvPicPr>
+            <a:picLocks noChangeAspect="1"/>
+          </p:cNvPicPr>
+          <p:nvPr/>
+        </p:nvPicPr>
+        <p:blipFill>
+          <a:blip r:embed="rId2">
+            <a:extLst>
+              <a:ext uri="{96DAC541-7B7A-43D3-8B79-37D633B846F1}">
+                <asvg:svgBlip xmlns:asvg="http://schemas.microsoft.com/office/drawing/2016/SVG/main" r:embed="rId3"/>
+              </a:ext>
+            </a:extLst>
+          </a:blip>
+          <a:stretch>
+            <a:fillRect/>
+          </a:stretch>
+        </p:blipFill>
+        <p:spPr>
+          <a:xfrm>
+            <a:off x="1724573" y="65504"/>
+            <a:ext cx="8742854" cy="6584950"/>
+          </a:xfrm>
+          <a:prstGeom prst="rect">
+            <a:avLst/>
+          </a:prstGeom>
+        </p:spPr>
+      </p:pic>
+    </p:spTree>
+    <p:extLst>
+      <p:ext uri="{BB962C8B-B14F-4D97-AF65-F5344CB8AC3E}">
+        <p14:creationId xmlns:p14="http://schemas.microsoft.com/office/powerpoint/2010/main" val="2062441084"/>
+      </p:ext>
+    </p:extLst>
+  </p:cSld>
+  <p:clrMapOvr>
+    <a:masterClrMapping/>
+  </p:clrMapOvr>
+</p:sld>
+</file>
+
+<file path=ppt/slides/slide39.xml><?xml version="1.0" encoding="utf-8"?>
+<p:sld xmlns:a="http://schemas.openxmlformats.org/drawingml/2006/main" xmlns:r="http://schemas.openxmlformats.org/officeDocument/2006/relationships" xmlns:p="http://schemas.openxmlformats.org/presentationml/2006/main">
+  <p:cSld>
+    <p:spTree>
+      <p:nvGrpSpPr>
+        <p:cNvPr id="1" name=""/>
+        <p:cNvGrpSpPr/>
+        <p:nvPr/>
+      </p:nvGrpSpPr>
+      <p:grpSpPr>
+        <a:xfrm>
+          <a:off x="0" y="0"/>
+          <a:ext cx="0" cy="0"/>
+          <a:chOff x="0" y="0"/>
+          <a:chExt cx="0" cy="0"/>
+        </a:xfrm>
+      </p:grpSpPr>
+      <p:sp>
+        <p:nvSpPr>
+          <p:cNvPr id="5" name="Titel 4">
+            <a:extLst>
+              <a:ext uri="{FF2B5EF4-FFF2-40B4-BE49-F238E27FC236}">
+                <a16:creationId xmlns:a16="http://schemas.microsoft.com/office/drawing/2014/main" id="{FC6604F1-EC43-DA27-4439-4E928DB245FD}"/>
+              </a:ext>
+            </a:extLst>
+          </p:cNvPr>
+          <p:cNvSpPr>
+            <a:spLocks noGrp="1"/>
+          </p:cNvSpPr>
+          <p:nvPr>
+            <p:ph type="title"/>
+          </p:nvPr>
+        </p:nvSpPr>
+        <p:spPr/>
+        <p:txBody>
+          <a:bodyPr/>
+          <a:lstStyle/>
+          <a:p>
+            <a:r>
+              <a:rPr lang="de-DE" dirty="0"/>
+              <a:t>PT2 Signal Flow </a:t>
+            </a:r>
+            <a:r>
+              <a:rPr lang="de-DE" dirty="0" err="1"/>
+              <a:t>Diagram</a:t>
+            </a:r>
+            <a:endParaRPr lang="de-DE" dirty="0"/>
+          </a:p>
+        </p:txBody>
+      </p:sp>
+      <p:sp>
+        <p:nvSpPr>
+          <p:cNvPr id="4" name="Foliennummernplatzhalter 3">
+            <a:extLst>
+              <a:ext uri="{FF2B5EF4-FFF2-40B4-BE49-F238E27FC236}">
+                <a16:creationId xmlns:a16="http://schemas.microsoft.com/office/drawing/2014/main" id="{24FD0D3A-87F5-9AC2-A2C4-DE36C2E598BA}"/>
+              </a:ext>
+            </a:extLst>
+          </p:cNvPr>
+          <p:cNvSpPr>
+            <a:spLocks noGrp="1"/>
+          </p:cNvSpPr>
+          <p:nvPr>
+            <p:ph type="sldNum" sz="quarter" idx="12"/>
+          </p:nvPr>
+        </p:nvSpPr>
+        <p:spPr/>
+        <p:txBody>
+          <a:bodyPr/>
+          <a:lstStyle/>
+          <a:p>
+            <a:fld id="{08C366F5-AFAD-49CB-854A-9D9E238FCA13}" type="slidenum">
+              <a:rPr lang="en-GB" smtClean="0"/>
+              <a:t>39</a:t>
+            </a:fld>
+            <a:endParaRPr lang="en-GB"/>
+          </a:p>
+        </p:txBody>
+      </p:sp>
+      <p:pic>
+        <p:nvPicPr>
+          <p:cNvPr id="6" name="Grafik 5" descr="Ein Bild, das Diagramm, Reihe, Entwurf, technische Zeichnung enthält.&#10;&#10;KI-generierte Inhalte können fehlerhaft sein.">
+            <a:extLst>
+              <a:ext uri="{FF2B5EF4-FFF2-40B4-BE49-F238E27FC236}">
+                <a16:creationId xmlns:a16="http://schemas.microsoft.com/office/drawing/2014/main" id="{BC46509F-A2F4-91FE-24BC-D8516AA812ED}"/>
+              </a:ext>
+            </a:extLst>
+          </p:cNvPr>
+          <p:cNvPicPr>
+            <a:picLocks noChangeAspect="1"/>
+          </p:cNvPicPr>
+          <p:nvPr/>
+        </p:nvPicPr>
+        <p:blipFill>
+          <a:blip r:embed="rId2">
+            <a:extLst>
+              <a:ext uri="{28A0092B-C50C-407E-A947-70E740481C1C}">
+                <a14:useLocalDpi xmlns:a14="http://schemas.microsoft.com/office/drawing/2010/main" val="0"/>
+              </a:ext>
+            </a:extLst>
+          </a:blip>
+          <a:stretch>
+            <a:fillRect/>
+          </a:stretch>
+        </p:blipFill>
+        <p:spPr>
+          <a:xfrm>
+            <a:off x="1902912" y="1690688"/>
+            <a:ext cx="8386175" cy="5167312"/>
+          </a:xfrm>
+          <a:prstGeom prst="rect">
+            <a:avLst/>
+          </a:prstGeom>
+        </p:spPr>
+      </p:pic>
+      <p:sp>
+        <p:nvSpPr>
+          <p:cNvPr id="7" name="Textfeld 6">
+            <a:extLst>
+              <a:ext uri="{FF2B5EF4-FFF2-40B4-BE49-F238E27FC236}">
+                <a16:creationId xmlns:a16="http://schemas.microsoft.com/office/drawing/2014/main" id="{03049D8C-0E74-A4D7-2CE3-DF67E210A6E7}"/>
+              </a:ext>
+            </a:extLst>
+          </p:cNvPr>
+          <p:cNvSpPr txBox="1"/>
+          <p:nvPr/>
+        </p:nvSpPr>
+        <p:spPr>
+          <a:xfrm>
+            <a:off x="3851812" y="2128950"/>
+            <a:ext cx="2846805" cy="461665"/>
+          </a:xfrm>
+          <a:prstGeom prst="rect">
+            <a:avLst/>
+          </a:prstGeom>
+          <a:noFill/>
+        </p:spPr>
+        <p:txBody>
+          <a:bodyPr wrap="none" rtlCol="0">
+            <a:spAutoFit/>
+          </a:bodyPr>
+          <a:lstStyle/>
+          <a:p>
+            <a:r>
+              <a:rPr lang="de-DE" sz="2400" dirty="0" err="1"/>
+              <a:t>Two</a:t>
+            </a:r>
+            <a:r>
+              <a:rPr lang="de-DE" sz="2400" dirty="0"/>
+              <a:t> </a:t>
+            </a:r>
+            <a:r>
+              <a:rPr lang="de-DE" sz="2400" dirty="0" err="1"/>
+              <a:t>energy</a:t>
+            </a:r>
+            <a:r>
+              <a:rPr lang="de-DE" sz="2400" dirty="0"/>
+              <a:t> </a:t>
+            </a:r>
+            <a:r>
+              <a:rPr lang="de-DE" sz="2400" dirty="0" err="1"/>
+              <a:t>storages</a:t>
+            </a:r>
+            <a:endParaRPr lang="de-DE" sz="2400" dirty="0"/>
+          </a:p>
+        </p:txBody>
+      </p:sp>
+      <p:cxnSp>
+        <p:nvCxnSpPr>
+          <p:cNvPr id="10" name="Gerade Verbindung mit Pfeil 9">
+            <a:extLst>
+              <a:ext uri="{FF2B5EF4-FFF2-40B4-BE49-F238E27FC236}">
+                <a16:creationId xmlns:a16="http://schemas.microsoft.com/office/drawing/2014/main" id="{49148953-51A0-2B28-4F79-8E23ABFD1EC1}"/>
+              </a:ext>
+            </a:extLst>
+          </p:cNvPr>
+          <p:cNvCxnSpPr>
+            <a:stCxn id="7" idx="2"/>
+          </p:cNvCxnSpPr>
+          <p:nvPr/>
+        </p:nvCxnSpPr>
+        <p:spPr>
+          <a:xfrm flipH="1">
+            <a:off x="4705165" y="2590615"/>
+            <a:ext cx="570050" cy="1226783"/>
+          </a:xfrm>
+          <a:prstGeom prst="straightConnector1">
+            <a:avLst/>
+          </a:prstGeom>
+          <a:ln>
+            <a:tailEnd type="triangle"/>
+          </a:ln>
+        </p:spPr>
+        <p:style>
+          <a:lnRef idx="2">
+            <a:schemeClr val="accent1"/>
+          </a:lnRef>
+          <a:fillRef idx="0">
+            <a:schemeClr val="accent1"/>
+          </a:fillRef>
+          <a:effectRef idx="1">
+            <a:schemeClr val="accent1"/>
+          </a:effectRef>
+          <a:fontRef idx="minor">
+            <a:schemeClr val="tx1"/>
+          </a:fontRef>
+        </p:style>
+      </p:cxnSp>
+      <p:cxnSp>
+        <p:nvCxnSpPr>
+          <p:cNvPr id="12" name="Gerade Verbindung mit Pfeil 11">
+            <a:extLst>
+              <a:ext uri="{FF2B5EF4-FFF2-40B4-BE49-F238E27FC236}">
+                <a16:creationId xmlns:a16="http://schemas.microsoft.com/office/drawing/2014/main" id="{03CD943D-AF06-329B-E25B-2EB72F8F7473}"/>
+              </a:ext>
+            </a:extLst>
+          </p:cNvPr>
+          <p:cNvCxnSpPr>
+            <a:stCxn id="7" idx="2"/>
+          </p:cNvCxnSpPr>
+          <p:nvPr/>
+        </p:nvCxnSpPr>
+        <p:spPr>
+          <a:xfrm>
+            <a:off x="5275215" y="2590615"/>
+            <a:ext cx="1826921" cy="1226783"/>
+          </a:xfrm>
+          <a:prstGeom prst="straightConnector1">
+            <a:avLst/>
+          </a:prstGeom>
+          <a:ln>
+            <a:tailEnd type="triangle"/>
+          </a:ln>
+        </p:spPr>
+        <p:style>
+          <a:lnRef idx="2">
+            <a:schemeClr val="accent1"/>
+          </a:lnRef>
+          <a:fillRef idx="0">
+            <a:schemeClr val="accent1"/>
+          </a:fillRef>
+          <a:effectRef idx="1">
+            <a:schemeClr val="accent1"/>
+          </a:effectRef>
+          <a:fontRef idx="minor">
+            <a:schemeClr val="tx1"/>
+          </a:fontRef>
+        </p:style>
+      </p:cxnSp>
+    </p:spTree>
+    <p:extLst>
+      <p:ext uri="{BB962C8B-B14F-4D97-AF65-F5344CB8AC3E}">
+        <p14:creationId xmlns:p14="http://schemas.microsoft.com/office/powerpoint/2010/main" val="3495049524"/>
+      </p:ext>
+    </p:extLst>
+  </p:cSld>
+  <p:clrMapOvr>
+    <a:masterClrMapping/>
+  </p:clrMapOvr>
+</p:sld>
+</file>
+
+<file path=ppt/slides/slide4.xml><?xml version="1.0" encoding="utf-8"?>
+<p:sld xmlns:a="http://schemas.openxmlformats.org/drawingml/2006/main" xmlns:r="http://schemas.openxmlformats.org/officeDocument/2006/relationships" xmlns:p="http://schemas.openxmlformats.org/presentationml/2006/main">
+  <p:cSld>
+    <p:spTree>
+      <p:nvGrpSpPr>
+        <p:cNvPr id="1" name=""/>
+        <p:cNvGrpSpPr/>
+        <p:nvPr/>
+      </p:nvGrpSpPr>
+      <p:grpSpPr>
+        <a:xfrm>
+          <a:off x="0" y="0"/>
+          <a:ext cx="0" cy="0"/>
+          <a:chOff x="0" y="0"/>
+          <a:chExt cx="0" cy="0"/>
+        </a:xfrm>
+      </p:grpSpPr>
+      <p:sp>
+        <p:nvSpPr>
+          <p:cNvPr id="2" name="Titel 1">
+            <a:extLst>
+              <a:ext uri="{FF2B5EF4-FFF2-40B4-BE49-F238E27FC236}">
+                <a16:creationId xmlns:a16="http://schemas.microsoft.com/office/drawing/2014/main" id="{507741D1-FBFA-820C-BFA5-8ACB5E0C4438}"/>
+              </a:ext>
+            </a:extLst>
+          </p:cNvPr>
+          <p:cNvSpPr>
+            <a:spLocks noGrp="1"/>
+          </p:cNvSpPr>
+          <p:nvPr>
+            <p:ph type="title"/>
+          </p:nvPr>
+        </p:nvSpPr>
+        <p:spPr/>
+        <p:txBody>
+          <a:bodyPr/>
+          <a:lstStyle/>
+          <a:p>
+            <a:r>
+              <a:rPr lang="de-DE" dirty="0" err="1"/>
+              <a:t>Why</a:t>
+            </a:r>
+            <a:r>
+              <a:rPr lang="de-DE" dirty="0"/>
+              <a:t> </a:t>
+            </a:r>
+            <a:r>
+              <a:rPr lang="de-DE" dirty="0" err="1"/>
+              <a:t>the</a:t>
+            </a:r>
+            <a:r>
+              <a:rPr lang="de-DE" dirty="0"/>
+              <a:t> Laplace Transform?</a:t>
+            </a:r>
+          </a:p>
+        </p:txBody>
+      </p:sp>
+      <p:sp>
+        <p:nvSpPr>
+          <p:cNvPr id="3" name="Inhaltsplatzhalter 2">
+            <a:extLst>
+              <a:ext uri="{FF2B5EF4-FFF2-40B4-BE49-F238E27FC236}">
+                <a16:creationId xmlns:a16="http://schemas.microsoft.com/office/drawing/2014/main" id="{032BD236-0880-C8F4-68F5-D1259FA32E10}"/>
+              </a:ext>
+            </a:extLst>
+          </p:cNvPr>
+          <p:cNvSpPr>
+            <a:spLocks noGrp="1"/>
+          </p:cNvSpPr>
+          <p:nvPr>
+            <p:ph idx="1"/>
+          </p:nvPr>
+        </p:nvSpPr>
+        <p:spPr/>
+        <p:txBody>
+          <a:bodyPr/>
+          <a:lstStyle/>
+          <a:p>
+            <a:r>
+              <a:rPr lang="de-DE" dirty="0" err="1"/>
+              <a:t>Converts</a:t>
+            </a:r>
+            <a:r>
+              <a:rPr lang="de-DE" dirty="0"/>
+              <a:t> differential </a:t>
+            </a:r>
+            <a:r>
+              <a:rPr lang="de-DE" dirty="0" err="1"/>
+              <a:t>equations</a:t>
+            </a:r>
+            <a:r>
+              <a:rPr lang="de-DE" dirty="0"/>
+              <a:t> (</a:t>
+            </a:r>
+            <a:r>
+              <a:rPr lang="de-DE" dirty="0" err="1"/>
+              <a:t>dynamic</a:t>
+            </a:r>
+            <a:r>
+              <a:rPr lang="de-DE" dirty="0"/>
+              <a:t> </a:t>
+            </a:r>
+            <a:r>
+              <a:rPr lang="de-DE" dirty="0" err="1"/>
+              <a:t>systems</a:t>
+            </a:r>
+            <a:r>
+              <a:rPr lang="de-DE" dirty="0"/>
+              <a:t>) </a:t>
+            </a:r>
+            <a:r>
+              <a:rPr lang="de-DE" dirty="0" err="1"/>
+              <a:t>into</a:t>
+            </a:r>
+            <a:r>
+              <a:rPr lang="de-DE" dirty="0"/>
+              <a:t> </a:t>
+            </a:r>
+            <a:r>
+              <a:rPr lang="de-DE" dirty="0" err="1"/>
+              <a:t>algebraic</a:t>
+            </a:r>
+            <a:r>
+              <a:rPr lang="de-DE" dirty="0"/>
+              <a:t> </a:t>
+            </a:r>
+            <a:r>
+              <a:rPr lang="de-DE" dirty="0" err="1"/>
+              <a:t>equations</a:t>
+            </a:r>
+            <a:r>
+              <a:rPr lang="de-DE" dirty="0"/>
+              <a:t> </a:t>
+            </a:r>
+            <a:r>
+              <a:rPr lang="de-DE" dirty="0">
+                <a:sym typeface="Wingdings" pitchFamily="2" charset="2"/>
+              </a:rPr>
+              <a:t> </a:t>
+            </a:r>
+            <a:r>
+              <a:rPr lang="de-DE" dirty="0" err="1">
+                <a:sym typeface="Wingdings" pitchFamily="2" charset="2"/>
+              </a:rPr>
+              <a:t>easier</a:t>
+            </a:r>
+            <a:r>
+              <a:rPr lang="de-DE" dirty="0">
+                <a:sym typeface="Wingdings" pitchFamily="2" charset="2"/>
+              </a:rPr>
+              <a:t> </a:t>
+            </a:r>
+            <a:r>
+              <a:rPr lang="de-DE" dirty="0" err="1">
+                <a:sym typeface="Wingdings" pitchFamily="2" charset="2"/>
+              </a:rPr>
+              <a:t>to</a:t>
+            </a:r>
+            <a:r>
+              <a:rPr lang="de-DE" dirty="0">
+                <a:sym typeface="Wingdings" pitchFamily="2" charset="2"/>
+              </a:rPr>
+              <a:t> </a:t>
+            </a:r>
+            <a:r>
+              <a:rPr lang="de-DE" dirty="0" err="1">
+                <a:sym typeface="Wingdings" pitchFamily="2" charset="2"/>
+              </a:rPr>
+              <a:t>solve</a:t>
+            </a:r>
+            <a:endParaRPr lang="de-DE" dirty="0"/>
+          </a:p>
+          <a:p>
+            <a:pPr marL="0" indent="0">
+              <a:buNone/>
+            </a:pPr>
+            <a:endParaRPr lang="de-DE" dirty="0"/>
+          </a:p>
+          <a:p>
+            <a:r>
+              <a:rPr lang="de-DE" dirty="0" err="1"/>
+              <a:t>Simplifies</a:t>
+            </a:r>
+            <a:r>
+              <a:rPr lang="de-DE" dirty="0"/>
+              <a:t> </a:t>
+            </a:r>
+            <a:r>
+              <a:rPr lang="de-DE" dirty="0" err="1"/>
+              <a:t>analysis</a:t>
+            </a:r>
+            <a:r>
+              <a:rPr lang="de-DE" dirty="0"/>
+              <a:t> and design</a:t>
+            </a:r>
+          </a:p>
+          <a:p>
+            <a:pPr marL="0" indent="0">
+              <a:buNone/>
+            </a:pPr>
+            <a:endParaRPr lang="de-DE" dirty="0"/>
+          </a:p>
+          <a:p>
+            <a:r>
+              <a:rPr lang="de-DE" dirty="0"/>
+              <a:t>Natural </a:t>
+            </a:r>
+            <a:r>
+              <a:rPr lang="de-DE" dirty="0" err="1"/>
+              <a:t>language</a:t>
+            </a:r>
+            <a:r>
+              <a:rPr lang="de-DE" dirty="0"/>
+              <a:t> </a:t>
+            </a:r>
+            <a:r>
+              <a:rPr lang="de-DE" dirty="0" err="1"/>
+              <a:t>of</a:t>
+            </a:r>
+            <a:r>
+              <a:rPr lang="de-DE" dirty="0"/>
+              <a:t> </a:t>
+            </a:r>
+            <a:r>
+              <a:rPr lang="de-DE" dirty="0" err="1"/>
+              <a:t>control</a:t>
+            </a:r>
+            <a:r>
+              <a:rPr lang="de-DE" dirty="0"/>
+              <a:t> </a:t>
+            </a:r>
+            <a:r>
+              <a:rPr lang="de-DE" dirty="0" err="1"/>
+              <a:t>theory</a:t>
+            </a:r>
+            <a:endParaRPr lang="de-DE" dirty="0"/>
+          </a:p>
+        </p:txBody>
+      </p:sp>
+      <p:sp>
+        <p:nvSpPr>
+          <p:cNvPr id="4" name="Foliennummernplatzhalter 3">
+            <a:extLst>
+              <a:ext uri="{FF2B5EF4-FFF2-40B4-BE49-F238E27FC236}">
+                <a16:creationId xmlns:a16="http://schemas.microsoft.com/office/drawing/2014/main" id="{490F3532-E720-6A9C-BDAA-D91C7C153ADF}"/>
+              </a:ext>
+            </a:extLst>
+          </p:cNvPr>
+          <p:cNvSpPr>
+            <a:spLocks noGrp="1"/>
+          </p:cNvSpPr>
+          <p:nvPr>
+            <p:ph type="sldNum" sz="quarter" idx="12"/>
+          </p:nvPr>
+        </p:nvSpPr>
+        <p:spPr/>
+        <p:txBody>
+          <a:bodyPr/>
+          <a:lstStyle/>
+          <a:p>
+            <a:fld id="{08C366F5-AFAD-49CB-854A-9D9E238FCA13}" type="slidenum">
+              <a:rPr lang="en-GB" smtClean="0"/>
+              <a:t>4</a:t>
+            </a:fld>
+            <a:endParaRPr lang="en-GB"/>
+          </a:p>
+        </p:txBody>
+      </p:sp>
+    </p:spTree>
+    <p:extLst>
+      <p:ext uri="{BB962C8B-B14F-4D97-AF65-F5344CB8AC3E}">
+        <p14:creationId xmlns:p14="http://schemas.microsoft.com/office/powerpoint/2010/main" val="3772188835"/>
+      </p:ext>
+    </p:extLst>
+  </p:cSld>
+  <p:clrMapOvr>
+    <a:masterClrMapping/>
+  </p:clrMapOvr>
+</p:sld>
+</file>
+
+<file path=ppt/slides/slide40.xml><?xml version="1.0" encoding="utf-8"?>
 <p:sld xmlns:a="http://schemas.openxmlformats.org/drawingml/2006/main" xmlns:r="http://schemas.openxmlformats.org/officeDocument/2006/relationships" xmlns:p="http://schemas.openxmlformats.org/presentationml/2006/main">
   <p:cSld>
     <p:spTree>
@@ -26757,7 +29733,7 @@
           <a:p>
             <a:fld id="{08C366F5-AFAD-49CB-854A-9D9E238FCA13}" type="slidenum">
               <a:rPr lang="en-GB" smtClean="0"/>
-              <a:t>35</a:t>
+              <a:t>40</a:t>
             </a:fld>
             <a:endParaRPr lang="en-GB"/>
           </a:p>
@@ -26776,7 +29752,7 @@
 </p:sld>
 </file>
 
-<file path=ppt/slides/slide36.xml><?xml version="1.0" encoding="utf-8"?>
+<file path=ppt/slides/slide41.xml><?xml version="1.0" encoding="utf-8"?>
 <p:sld xmlns:a="http://schemas.openxmlformats.org/drawingml/2006/main" xmlns:r="http://schemas.openxmlformats.org/officeDocument/2006/relationships" xmlns:p="http://schemas.openxmlformats.org/presentationml/2006/main">
   <p:cSld>
     <p:spTree>
@@ -27502,7 +30478,7 @@
           <a:p>
             <a:fld id="{08C366F5-AFAD-49CB-854A-9D9E238FCA13}" type="slidenum">
               <a:rPr lang="en-GB" smtClean="0"/>
-              <a:t>36</a:t>
+              <a:t>41</a:t>
             </a:fld>
             <a:endParaRPr lang="en-GB"/>
           </a:p>
@@ -27698,7 +30674,7 @@
 </p:sld>
 </file>
 
-<file path=ppt/slides/slide37.xml><?xml version="1.0" encoding="utf-8"?>
+<file path=ppt/slides/slide42.xml><?xml version="1.0" encoding="utf-8"?>
 <p:sld xmlns:a="http://schemas.openxmlformats.org/drawingml/2006/main" xmlns:r="http://schemas.openxmlformats.org/officeDocument/2006/relationships" xmlns:p="http://schemas.openxmlformats.org/presentationml/2006/main">
   <p:cSld>
     <p:spTree>
@@ -27766,7 +30742,7 @@
           <a:p>
             <a:fld id="{08C366F5-AFAD-49CB-854A-9D9E238FCA13}" type="slidenum">
               <a:rPr lang="en-GB" smtClean="0"/>
-              <a:t>37</a:t>
+              <a:t>42</a:t>
             </a:fld>
             <a:endParaRPr lang="en-GB"/>
           </a:p>
@@ -30952,7 +33928,7 @@
 </p:sld>
 </file>
 
-<file path=ppt/slides/slide38.xml><?xml version="1.0" encoding="utf-8"?>
+<file path=ppt/slides/slide43.xml><?xml version="1.0" encoding="utf-8"?>
 <p:sld xmlns:a="http://schemas.openxmlformats.org/drawingml/2006/main" xmlns:r="http://schemas.openxmlformats.org/officeDocument/2006/relationships" xmlns:p="http://schemas.openxmlformats.org/presentationml/2006/main">
   <p:cSld>
     <p:spTree>
@@ -31742,7 +34718,7 @@
           <a:p>
             <a:fld id="{08C366F5-AFAD-49CB-854A-9D9E238FCA13}" type="slidenum">
               <a:rPr lang="en-GB" smtClean="0"/>
-              <a:t>38</a:t>
+              <a:t>43</a:t>
             </a:fld>
             <a:endParaRPr lang="en-GB"/>
           </a:p>
@@ -31761,7 +34737,7 @@
 </p:sld>
 </file>
 
-<file path=ppt/slides/slide39.xml><?xml version="1.0" encoding="utf-8"?>
+<file path=ppt/slides/slide44.xml><?xml version="1.0" encoding="utf-8"?>
 <p:sld xmlns:a="http://schemas.openxmlformats.org/drawingml/2006/main" xmlns:r="http://schemas.openxmlformats.org/officeDocument/2006/relationships" xmlns:p="http://schemas.openxmlformats.org/presentationml/2006/main">
   <p:cSld>
     <p:spTree>
@@ -31834,7 +34810,7 @@
           <a:p>
             <a:fld id="{08C366F5-AFAD-49CB-854A-9D9E238FCA13}" type="slidenum">
               <a:rPr lang="en-GB" smtClean="0"/>
-              <a:t>39</a:t>
+              <a:t>44</a:t>
             </a:fld>
             <a:endParaRPr lang="en-GB"/>
           </a:p>
@@ -36180,288 +39156,7 @@
 </p:sld>
 </file>
 
-<file path=ppt/slides/slide4.xml><?xml version="1.0" encoding="utf-8"?>
-<p:sld xmlns:a="http://schemas.openxmlformats.org/drawingml/2006/main" xmlns:r="http://schemas.openxmlformats.org/officeDocument/2006/relationships" xmlns:p="http://schemas.openxmlformats.org/presentationml/2006/main">
-  <p:cSld>
-    <p:spTree>
-      <p:nvGrpSpPr>
-        <p:cNvPr id="1" name=""/>
-        <p:cNvGrpSpPr/>
-        <p:nvPr/>
-      </p:nvGrpSpPr>
-      <p:grpSpPr>
-        <a:xfrm>
-          <a:off x="0" y="0"/>
-          <a:ext cx="0" cy="0"/>
-          <a:chOff x="0" y="0"/>
-          <a:chExt cx="0" cy="0"/>
-        </a:xfrm>
-      </p:grpSpPr>
-      <p:sp>
-        <p:nvSpPr>
-          <p:cNvPr id="2" name="Titel 1">
-            <a:extLst>
-              <a:ext uri="{FF2B5EF4-FFF2-40B4-BE49-F238E27FC236}">
-                <a16:creationId xmlns:a16="http://schemas.microsoft.com/office/drawing/2014/main" id="{507741D1-FBFA-820C-BFA5-8ACB5E0C4438}"/>
-              </a:ext>
-            </a:extLst>
-          </p:cNvPr>
-          <p:cNvSpPr>
-            <a:spLocks noGrp="1"/>
-          </p:cNvSpPr>
-          <p:nvPr>
-            <p:ph type="title"/>
-          </p:nvPr>
-        </p:nvSpPr>
-        <p:spPr/>
-        <p:txBody>
-          <a:bodyPr/>
-          <a:lstStyle/>
-          <a:p>
-            <a:r>
-              <a:rPr lang="de-DE" dirty="0" err="1"/>
-              <a:t>Why</a:t>
-            </a:r>
-            <a:r>
-              <a:rPr lang="de-DE" dirty="0"/>
-              <a:t> </a:t>
-            </a:r>
-            <a:r>
-              <a:rPr lang="de-DE" dirty="0" err="1"/>
-              <a:t>the</a:t>
-            </a:r>
-            <a:r>
-              <a:rPr lang="de-DE" dirty="0"/>
-              <a:t> Laplace Transform?</a:t>
-            </a:r>
-          </a:p>
-        </p:txBody>
-      </p:sp>
-      <p:sp>
-        <p:nvSpPr>
-          <p:cNvPr id="3" name="Inhaltsplatzhalter 2">
-            <a:extLst>
-              <a:ext uri="{FF2B5EF4-FFF2-40B4-BE49-F238E27FC236}">
-                <a16:creationId xmlns:a16="http://schemas.microsoft.com/office/drawing/2014/main" id="{032BD236-0880-C8F4-68F5-D1259FA32E10}"/>
-              </a:ext>
-            </a:extLst>
-          </p:cNvPr>
-          <p:cNvSpPr>
-            <a:spLocks noGrp="1"/>
-          </p:cNvSpPr>
-          <p:nvPr>
-            <p:ph idx="1"/>
-          </p:nvPr>
-        </p:nvSpPr>
-        <p:spPr/>
-        <p:txBody>
-          <a:bodyPr/>
-          <a:lstStyle/>
-          <a:p>
-            <a:r>
-              <a:rPr lang="de-DE" dirty="0" err="1"/>
-              <a:t>Converts</a:t>
-            </a:r>
-            <a:r>
-              <a:rPr lang="de-DE" dirty="0"/>
-              <a:t> differential </a:t>
-            </a:r>
-            <a:r>
-              <a:rPr lang="de-DE" dirty="0" err="1"/>
-              <a:t>equations</a:t>
-            </a:r>
-            <a:r>
-              <a:rPr lang="de-DE" dirty="0"/>
-              <a:t> (</a:t>
-            </a:r>
-            <a:r>
-              <a:rPr lang="de-DE" dirty="0" err="1"/>
-              <a:t>dynamic</a:t>
-            </a:r>
-            <a:r>
-              <a:rPr lang="de-DE" dirty="0"/>
-              <a:t> </a:t>
-            </a:r>
-            <a:r>
-              <a:rPr lang="de-DE" dirty="0" err="1"/>
-              <a:t>systems</a:t>
-            </a:r>
-            <a:r>
-              <a:rPr lang="de-DE" dirty="0"/>
-              <a:t>) </a:t>
-            </a:r>
-            <a:r>
-              <a:rPr lang="de-DE" dirty="0" err="1"/>
-              <a:t>into</a:t>
-            </a:r>
-            <a:r>
-              <a:rPr lang="de-DE" dirty="0"/>
-              <a:t> </a:t>
-            </a:r>
-            <a:r>
-              <a:rPr lang="de-DE" dirty="0" err="1"/>
-              <a:t>algebraic</a:t>
-            </a:r>
-            <a:r>
-              <a:rPr lang="de-DE" dirty="0"/>
-              <a:t> </a:t>
-            </a:r>
-            <a:r>
-              <a:rPr lang="de-DE" dirty="0" err="1"/>
-              <a:t>equations</a:t>
-            </a:r>
-            <a:r>
-              <a:rPr lang="de-DE" dirty="0"/>
-              <a:t> </a:t>
-            </a:r>
-            <a:r>
-              <a:rPr lang="de-DE" dirty="0">
-                <a:sym typeface="Wingdings" pitchFamily="2" charset="2"/>
-              </a:rPr>
-              <a:t> </a:t>
-            </a:r>
-            <a:r>
-              <a:rPr lang="de-DE" dirty="0" err="1">
-                <a:sym typeface="Wingdings" pitchFamily="2" charset="2"/>
-              </a:rPr>
-              <a:t>easier</a:t>
-            </a:r>
-            <a:r>
-              <a:rPr lang="de-DE" dirty="0">
-                <a:sym typeface="Wingdings" pitchFamily="2" charset="2"/>
-              </a:rPr>
-              <a:t> </a:t>
-            </a:r>
-            <a:r>
-              <a:rPr lang="de-DE" dirty="0" err="1">
-                <a:sym typeface="Wingdings" pitchFamily="2" charset="2"/>
-              </a:rPr>
-              <a:t>to</a:t>
-            </a:r>
-            <a:r>
-              <a:rPr lang="de-DE" dirty="0">
-                <a:sym typeface="Wingdings" pitchFamily="2" charset="2"/>
-              </a:rPr>
-              <a:t> </a:t>
-            </a:r>
-            <a:r>
-              <a:rPr lang="de-DE" dirty="0" err="1">
-                <a:sym typeface="Wingdings" pitchFamily="2" charset="2"/>
-              </a:rPr>
-              <a:t>solve</a:t>
-            </a:r>
-            <a:endParaRPr lang="de-DE" dirty="0"/>
-          </a:p>
-          <a:p>
-            <a:pPr marL="0" indent="0">
-              <a:buNone/>
-            </a:pPr>
-            <a:endParaRPr lang="de-DE" dirty="0"/>
-          </a:p>
-          <a:p>
-            <a:r>
-              <a:rPr lang="de-DE" dirty="0" err="1"/>
-              <a:t>Simplifies</a:t>
-            </a:r>
-            <a:r>
-              <a:rPr lang="de-DE" dirty="0"/>
-              <a:t> </a:t>
-            </a:r>
-            <a:r>
-              <a:rPr lang="de-DE" dirty="0" err="1"/>
-              <a:t>analysis</a:t>
-            </a:r>
-            <a:r>
-              <a:rPr lang="de-DE" dirty="0"/>
-              <a:t> and design</a:t>
-            </a:r>
-          </a:p>
-          <a:p>
-            <a:pPr marL="0" indent="0">
-              <a:buNone/>
-            </a:pPr>
-            <a:endParaRPr lang="de-DE" dirty="0"/>
-          </a:p>
-          <a:p>
-            <a:r>
-              <a:rPr lang="de-DE" dirty="0"/>
-              <a:t>Natural </a:t>
-            </a:r>
-            <a:r>
-              <a:rPr lang="de-DE" dirty="0" err="1"/>
-              <a:t>language</a:t>
-            </a:r>
-            <a:r>
-              <a:rPr lang="de-DE" dirty="0"/>
-              <a:t> </a:t>
-            </a:r>
-            <a:r>
-              <a:rPr lang="de-DE" dirty="0" err="1"/>
-              <a:t>of</a:t>
-            </a:r>
-            <a:r>
-              <a:rPr lang="de-DE" dirty="0"/>
-              <a:t> </a:t>
-            </a:r>
-            <a:r>
-              <a:rPr lang="de-DE" dirty="0" err="1"/>
-              <a:t>control</a:t>
-            </a:r>
-            <a:r>
-              <a:rPr lang="de-DE" dirty="0"/>
-              <a:t> </a:t>
-            </a:r>
-            <a:r>
-              <a:rPr lang="de-DE" dirty="0" err="1"/>
-              <a:t>theory</a:t>
-            </a:r>
-            <a:endParaRPr lang="de-DE" dirty="0"/>
-          </a:p>
-        </p:txBody>
-      </p:sp>
-      <p:sp>
-        <p:nvSpPr>
-          <p:cNvPr id="4" name="Foliennummernplatzhalter 3">
-            <a:extLst>
-              <a:ext uri="{FF2B5EF4-FFF2-40B4-BE49-F238E27FC236}">
-                <a16:creationId xmlns:a16="http://schemas.microsoft.com/office/drawing/2014/main" id="{490F3532-E720-6A9C-BDAA-D91C7C153ADF}"/>
-              </a:ext>
-            </a:extLst>
-          </p:cNvPr>
-          <p:cNvSpPr>
-            <a:spLocks noGrp="1"/>
-          </p:cNvSpPr>
-          <p:nvPr>
-            <p:ph type="sldNum" sz="quarter" idx="12"/>
-          </p:nvPr>
-        </p:nvSpPr>
-        <p:spPr/>
-        <p:txBody>
-          <a:bodyPr/>
-          <a:lstStyle/>
-          <a:p>
-            <a:fld id="{08C366F5-AFAD-49CB-854A-9D9E238FCA13}" type="slidenum">
-              <a:rPr lang="en-GB" smtClean="0"/>
-              <a:t>4</a:t>
-            </a:fld>
-            <a:endParaRPr lang="en-GB"/>
-          </a:p>
-        </p:txBody>
-      </p:sp>
-    </p:spTree>
-    <p:extLst>
-      <p:ext uri="{BB962C8B-B14F-4D97-AF65-F5344CB8AC3E}">
-        <p14:creationId xmlns:p14="http://schemas.microsoft.com/office/powerpoint/2010/main" val="3772188835"/>
-      </p:ext>
-    </p:extLst>
-  </p:cSld>
-  <p:clrMapOvr>
-    <a:masterClrMapping/>
-  </p:clrMapOvr>
-</p:sld>
-</file>
-
-<file path=ppt/slides/slide40.xml><?xml version="1.0" encoding="utf-8"?>
+<file path=ppt/slides/slide45.xml><?xml version="1.0" encoding="utf-8"?>
 <p:sld xmlns:a="http://schemas.openxmlformats.org/drawingml/2006/main" xmlns:r="http://schemas.openxmlformats.org/officeDocument/2006/relationships" xmlns:p="http://schemas.openxmlformats.org/presentationml/2006/main">
   <p:cSld>
     <p:spTree>
@@ -36555,7 +39250,7 @@
           <a:p>
             <a:fld id="{08C366F5-AFAD-49CB-854A-9D9E238FCA13}" type="slidenum">
               <a:rPr lang="en-GB" smtClean="0"/>
-              <a:t>40</a:t>
+              <a:t>45</a:t>
             </a:fld>
             <a:endParaRPr lang="en-GB"/>
           </a:p>
